--- a/Documentation/Architecture.pptx
+++ b/Documentation/Architecture.pptx
@@ -104,6 +104,11 @@
       </a:defRPr>
     </a:lvl9pPr>
   </p:defaultTextStyle>
+  <p:extLst>
+    <p:ext uri="{EFAFB233-063F-42B5-8137-9DF3F51BA10A}">
+      <p15:sldGuideLst xmlns:p15="http://schemas.microsoft.com/office/powerpoint/2012/main"/>
+    </p:ext>
+  </p:extLst>
 </p:presentation>
 </file>
 
@@ -256,7 +261,7 @@
           <a:p>
             <a:fld id="{DC2BF6E6-F863-479F-A057-0F7FF047E296}" type="datetimeFigureOut">
               <a:rPr lang="en-IN" smtClean="0"/>
-              <a:t>26-02-2022</a:t>
+              <a:t>13-03-2022</a:t>
             </a:fld>
             <a:endParaRPr lang="en-IN"/>
           </a:p>
@@ -456,7 +461,7 @@
           <a:p>
             <a:fld id="{DC2BF6E6-F863-479F-A057-0F7FF047E296}" type="datetimeFigureOut">
               <a:rPr lang="en-IN" smtClean="0"/>
-              <a:t>26-02-2022</a:t>
+              <a:t>13-03-2022</a:t>
             </a:fld>
             <a:endParaRPr lang="en-IN"/>
           </a:p>
@@ -666,7 +671,7 @@
           <a:p>
             <a:fld id="{DC2BF6E6-F863-479F-A057-0F7FF047E296}" type="datetimeFigureOut">
               <a:rPr lang="en-IN" smtClean="0"/>
-              <a:t>26-02-2022</a:t>
+              <a:t>13-03-2022</a:t>
             </a:fld>
             <a:endParaRPr lang="en-IN"/>
           </a:p>
@@ -866,7 +871,7 @@
           <a:p>
             <a:fld id="{DC2BF6E6-F863-479F-A057-0F7FF047E296}" type="datetimeFigureOut">
               <a:rPr lang="en-IN" smtClean="0"/>
-              <a:t>26-02-2022</a:t>
+              <a:t>13-03-2022</a:t>
             </a:fld>
             <a:endParaRPr lang="en-IN"/>
           </a:p>
@@ -1142,7 +1147,7 @@
           <a:p>
             <a:fld id="{DC2BF6E6-F863-479F-A057-0F7FF047E296}" type="datetimeFigureOut">
               <a:rPr lang="en-IN" smtClean="0"/>
-              <a:t>26-02-2022</a:t>
+              <a:t>13-03-2022</a:t>
             </a:fld>
             <a:endParaRPr lang="en-IN"/>
           </a:p>
@@ -1410,7 +1415,7 @@
           <a:p>
             <a:fld id="{DC2BF6E6-F863-479F-A057-0F7FF047E296}" type="datetimeFigureOut">
               <a:rPr lang="en-IN" smtClean="0"/>
-              <a:t>26-02-2022</a:t>
+              <a:t>13-03-2022</a:t>
             </a:fld>
             <a:endParaRPr lang="en-IN"/>
           </a:p>
@@ -1825,7 +1830,7 @@
           <a:p>
             <a:fld id="{DC2BF6E6-F863-479F-A057-0F7FF047E296}" type="datetimeFigureOut">
               <a:rPr lang="en-IN" smtClean="0"/>
-              <a:t>26-02-2022</a:t>
+              <a:t>13-03-2022</a:t>
             </a:fld>
             <a:endParaRPr lang="en-IN"/>
           </a:p>
@@ -1967,7 +1972,7 @@
           <a:p>
             <a:fld id="{DC2BF6E6-F863-479F-A057-0F7FF047E296}" type="datetimeFigureOut">
               <a:rPr lang="en-IN" smtClean="0"/>
-              <a:t>26-02-2022</a:t>
+              <a:t>13-03-2022</a:t>
             </a:fld>
             <a:endParaRPr lang="en-IN"/>
           </a:p>
@@ -2080,7 +2085,7 @@
           <a:p>
             <a:fld id="{DC2BF6E6-F863-479F-A057-0F7FF047E296}" type="datetimeFigureOut">
               <a:rPr lang="en-IN" smtClean="0"/>
-              <a:t>26-02-2022</a:t>
+              <a:t>13-03-2022</a:t>
             </a:fld>
             <a:endParaRPr lang="en-IN"/>
           </a:p>
@@ -2393,7 +2398,7 @@
           <a:p>
             <a:fld id="{DC2BF6E6-F863-479F-A057-0F7FF047E296}" type="datetimeFigureOut">
               <a:rPr lang="en-IN" smtClean="0"/>
-              <a:t>26-02-2022</a:t>
+              <a:t>13-03-2022</a:t>
             </a:fld>
             <a:endParaRPr lang="en-IN"/>
           </a:p>
@@ -2682,7 +2687,7 @@
           <a:p>
             <a:fld id="{DC2BF6E6-F863-479F-A057-0F7FF047E296}" type="datetimeFigureOut">
               <a:rPr lang="en-IN" smtClean="0"/>
-              <a:t>26-02-2022</a:t>
+              <a:t>13-03-2022</a:t>
             </a:fld>
             <a:endParaRPr lang="en-IN"/>
           </a:p>
@@ -2925,7 +2930,7 @@
           <a:p>
             <a:fld id="{DC2BF6E6-F863-479F-A057-0F7FF047E296}" type="datetimeFigureOut">
               <a:rPr lang="en-IN" smtClean="0"/>
-              <a:t>26-02-2022</a:t>
+              <a:t>13-03-2022</a:t>
             </a:fld>
             <a:endParaRPr lang="en-IN"/>
           </a:p>
@@ -3344,71 +3349,6 @@
       </p:grpSpPr>
       <p:sp>
         <p:nvSpPr>
-          <p:cNvPr id="6" name="Rectangle 5">
-            <a:extLst>
-              <a:ext uri="{FF2B5EF4-FFF2-40B4-BE49-F238E27FC236}">
-                <a16:creationId xmlns:a16="http://schemas.microsoft.com/office/drawing/2014/main" id="{E681EEBF-DED0-49C3-82BA-C359A5D505B5}"/>
-              </a:ext>
-            </a:extLst>
-          </p:cNvPr>
-          <p:cNvSpPr/>
-          <p:nvPr/>
-        </p:nvSpPr>
-        <p:spPr>
-          <a:xfrm>
-            <a:off x="3310837" y="688217"/>
-            <a:ext cx="1748242" cy="3211237"/>
-          </a:xfrm>
-          <a:prstGeom prst="rect">
-            <a:avLst/>
-          </a:prstGeom>
-          <a:solidFill>
-            <a:srgbClr val="FFF6D9"/>
-          </a:solidFill>
-        </p:spPr>
-        <p:style>
-          <a:lnRef idx="2">
-            <a:schemeClr val="accent1">
-              <a:shade val="50000"/>
-            </a:schemeClr>
-          </a:lnRef>
-          <a:fillRef idx="1">
-            <a:schemeClr val="accent1"/>
-          </a:fillRef>
-          <a:effectRef idx="0">
-            <a:schemeClr val="accent1"/>
-          </a:effectRef>
-          <a:fontRef idx="minor">
-            <a:schemeClr val="lt1"/>
-          </a:fontRef>
-        </p:style>
-        <p:txBody>
-          <a:bodyPr rtlCol="0" anchor="t" anchorCtr="0"/>
-          <a:lstStyle/>
-          <a:p>
-            <a:pPr algn="ctr"/>
-            <a:r>
-              <a:rPr lang="en-US" sz="1200" dirty="0">
-                <a:solidFill>
-                  <a:srgbClr val="002060"/>
-                </a:solidFill>
-                <a:latin typeface="Verdana" panose="020B0604030504040204" pitchFamily="34" charset="0"/>
-                <a:ea typeface="Verdana" panose="020B0604030504040204" pitchFamily="34" charset="0"/>
-              </a:rPr>
-              <a:t>Client Apps</a:t>
-            </a:r>
-            <a:endParaRPr lang="en-IN" sz="1200" dirty="0">
-              <a:solidFill>
-                <a:srgbClr val="002060"/>
-              </a:solidFill>
-              <a:latin typeface="Verdana" panose="020B0604030504040204" pitchFamily="34" charset="0"/>
-              <a:ea typeface="Verdana" panose="020B0604030504040204" pitchFamily="34" charset="0"/>
-            </a:endParaRPr>
-          </a:p>
-        </p:txBody>
-      </p:sp>
-      <p:sp>
-        <p:nvSpPr>
           <p:cNvPr id="11" name="Cylinder 10">
             <a:extLst>
               <a:ext uri="{FF2B5EF4-FFF2-40B4-BE49-F238E27FC236}">
@@ -5239,7 +5179,7 @@
         </p:nvGrpSpPr>
         <p:grpSpPr>
           <a:xfrm>
-            <a:off x="5797691" y="659031"/>
+            <a:off x="5797691" y="395078"/>
             <a:ext cx="1838771" cy="3240423"/>
             <a:chOff x="4863833" y="688216"/>
             <a:chExt cx="1838771" cy="3240423"/>
@@ -5298,7 +5238,7 @@
                   <a:latin typeface="Verdana" panose="020B0604030504040204" pitchFamily="34" charset="0"/>
                   <a:ea typeface="Verdana" panose="020B0604030504040204" pitchFamily="34" charset="0"/>
                 </a:rPr>
-                <a:t>API Gateways / BBF</a:t>
+                <a:t>API Gateways / BFF</a:t>
               </a:r>
               <a:endParaRPr lang="en-IN" sz="1200" dirty="0">
                 <a:solidFill>
@@ -5441,470 +5381,577 @@
           </p:txBody>
         </p:sp>
       </p:grpSp>
-      <p:sp>
-        <p:nvSpPr>
-          <p:cNvPr id="66" name="Rectangle 65">
-            <a:extLst>
-              <a:ext uri="{FF2B5EF4-FFF2-40B4-BE49-F238E27FC236}">
-                <a16:creationId xmlns:a16="http://schemas.microsoft.com/office/drawing/2014/main" id="{AD566606-C53C-4FC1-A923-3589748D9D4F}"/>
-              </a:ext>
-            </a:extLst>
-          </p:cNvPr>
-          <p:cNvSpPr/>
+      <p:grpSp>
+        <p:nvGrpSpPr>
+          <p:cNvPr id="7" name="Group 6">
+            <a:extLst>
+              <a:ext uri="{FF2B5EF4-FFF2-40B4-BE49-F238E27FC236}">
+                <a16:creationId xmlns:a16="http://schemas.microsoft.com/office/drawing/2014/main" id="{5596928F-27CA-41A9-B524-6E31188B6C52}"/>
+              </a:ext>
+            </a:extLst>
+          </p:cNvPr>
+          <p:cNvGrpSpPr/>
           <p:nvPr/>
-        </p:nvSpPr>
-        <p:spPr>
+        </p:nvGrpSpPr>
+        <p:grpSpPr>
           <a:xfrm>
-            <a:off x="3299854" y="5067453"/>
+            <a:off x="3299854" y="5359686"/>
             <a:ext cx="4334117" cy="1193032"/>
+            <a:chOff x="3299854" y="5067453"/>
+            <a:chExt cx="4334117" cy="1193032"/>
           </a:xfrm>
-          <a:prstGeom prst="rect">
-            <a:avLst/>
-          </a:prstGeom>
-          <a:solidFill>
-            <a:srgbClr val="D9F2FF"/>
-          </a:solidFill>
-        </p:spPr>
-        <p:style>
-          <a:lnRef idx="2">
-            <a:schemeClr val="accent1">
-              <a:shade val="50000"/>
-            </a:schemeClr>
-          </a:lnRef>
-          <a:fillRef idx="1">
-            <a:schemeClr val="accent1"/>
-          </a:fillRef>
-          <a:effectRef idx="0">
-            <a:schemeClr val="accent1"/>
-          </a:effectRef>
-          <a:fontRef idx="minor">
-            <a:schemeClr val="lt1"/>
-          </a:fontRef>
-        </p:style>
-        <p:txBody>
-          <a:bodyPr rtlCol="0" anchor="t" anchorCtr="0"/>
-          <a:lstStyle/>
-          <a:p>
-            <a:pPr algn="ctr"/>
-            <a:r>
-              <a:rPr lang="en-US" sz="1200" dirty="0">
+        </p:grpSpPr>
+        <p:sp>
+          <p:nvSpPr>
+            <p:cNvPr id="66" name="Rectangle 65">
+              <a:extLst>
+                <a:ext uri="{FF2B5EF4-FFF2-40B4-BE49-F238E27FC236}">
+                  <a16:creationId xmlns:a16="http://schemas.microsoft.com/office/drawing/2014/main" id="{AD566606-C53C-4FC1-A923-3589748D9D4F}"/>
+                </a:ext>
+              </a:extLst>
+            </p:cNvPr>
+            <p:cNvSpPr/>
+            <p:nvPr/>
+          </p:nvSpPr>
+          <p:spPr>
+            <a:xfrm>
+              <a:off x="3299854" y="5067453"/>
+              <a:ext cx="4334117" cy="1193032"/>
+            </a:xfrm>
+            <a:prstGeom prst="rect">
+              <a:avLst/>
+            </a:prstGeom>
+            <a:solidFill>
+              <a:srgbClr val="D9F2FF"/>
+            </a:solidFill>
+          </p:spPr>
+          <p:style>
+            <a:lnRef idx="2">
+              <a:schemeClr val="accent1">
+                <a:shade val="50000"/>
+              </a:schemeClr>
+            </a:lnRef>
+            <a:fillRef idx="1">
+              <a:schemeClr val="accent1"/>
+            </a:fillRef>
+            <a:effectRef idx="0">
+              <a:schemeClr val="accent1"/>
+            </a:effectRef>
+            <a:fontRef idx="minor">
+              <a:schemeClr val="lt1"/>
+            </a:fontRef>
+          </p:style>
+          <p:txBody>
+            <a:bodyPr rtlCol="0" anchor="t" anchorCtr="0"/>
+            <a:lstStyle/>
+            <a:p>
+              <a:pPr algn="ctr"/>
+              <a:r>
+                <a:rPr lang="en-US" sz="1200" dirty="0">
+                  <a:solidFill>
+                    <a:srgbClr val="002060"/>
+                  </a:solidFill>
+                  <a:latin typeface="Verdana" panose="020B0604030504040204" pitchFamily="34" charset="0"/>
+                  <a:ea typeface="Verdana" panose="020B0604030504040204" pitchFamily="34" charset="0"/>
+                </a:rPr>
+                <a:t>Admin Services</a:t>
+              </a:r>
+              <a:endParaRPr lang="en-IN" sz="1200" dirty="0">
                 <a:solidFill>
                   <a:srgbClr val="002060"/>
                 </a:solidFill>
                 <a:latin typeface="Verdana" panose="020B0604030504040204" pitchFamily="34" charset="0"/>
                 <a:ea typeface="Verdana" panose="020B0604030504040204" pitchFamily="34" charset="0"/>
-              </a:rPr>
-              <a:t>Admin Services</a:t>
-            </a:r>
-            <a:endParaRPr lang="en-IN" sz="1200" dirty="0">
-              <a:solidFill>
-                <a:srgbClr val="002060"/>
-              </a:solidFill>
-              <a:latin typeface="Verdana" panose="020B0604030504040204" pitchFamily="34" charset="0"/>
-              <a:ea typeface="Verdana" panose="020B0604030504040204" pitchFamily="34" charset="0"/>
-            </a:endParaRPr>
-          </a:p>
-        </p:txBody>
-      </p:sp>
-      <p:sp>
-        <p:nvSpPr>
-          <p:cNvPr id="37" name="Rectangle: Rounded Corners 36">
-            <a:extLst>
-              <a:ext uri="{FF2B5EF4-FFF2-40B4-BE49-F238E27FC236}">
-                <a16:creationId xmlns:a16="http://schemas.microsoft.com/office/drawing/2014/main" id="{E45EF9D9-D928-42AF-8A79-B4C3DBEB95E1}"/>
-              </a:ext>
-            </a:extLst>
-          </p:cNvPr>
-          <p:cNvSpPr/>
-          <p:nvPr/>
-        </p:nvSpPr>
-        <p:spPr>
-          <a:xfrm>
-            <a:off x="3379240" y="5663968"/>
-            <a:ext cx="1234936" cy="504665"/>
-          </a:xfrm>
-          <a:prstGeom prst="roundRect">
-            <a:avLst/>
-          </a:prstGeom>
-          <a:solidFill>
-            <a:srgbClr val="EFFAFF"/>
-          </a:solidFill>
-        </p:spPr>
-        <p:style>
-          <a:lnRef idx="2">
-            <a:schemeClr val="accent1">
-              <a:shade val="50000"/>
-            </a:schemeClr>
-          </a:lnRef>
-          <a:fillRef idx="1">
-            <a:schemeClr val="accent1"/>
-          </a:fillRef>
-          <a:effectRef idx="0">
-            <a:schemeClr val="accent1"/>
-          </a:effectRef>
-          <a:fontRef idx="minor">
-            <a:schemeClr val="lt1"/>
-          </a:fontRef>
-        </p:style>
-        <p:txBody>
-          <a:bodyPr rtlCol="0" anchor="ctr"/>
-          <a:lstStyle/>
-          <a:p>
-            <a:pPr algn="ctr"/>
-            <a:r>
-              <a:rPr lang="en-US" sz="1200" b="1" dirty="0">
+              </a:endParaRPr>
+            </a:p>
+          </p:txBody>
+        </p:sp>
+        <p:sp>
+          <p:nvSpPr>
+            <p:cNvPr id="37" name="Rectangle: Rounded Corners 36">
+              <a:extLst>
+                <a:ext uri="{FF2B5EF4-FFF2-40B4-BE49-F238E27FC236}">
+                  <a16:creationId xmlns:a16="http://schemas.microsoft.com/office/drawing/2014/main" id="{E45EF9D9-D928-42AF-8A79-B4C3DBEB95E1}"/>
+                </a:ext>
+              </a:extLst>
+            </p:cNvPr>
+            <p:cNvSpPr/>
+            <p:nvPr/>
+          </p:nvSpPr>
+          <p:spPr>
+            <a:xfrm>
+              <a:off x="3379240" y="5663968"/>
+              <a:ext cx="1234936" cy="504665"/>
+            </a:xfrm>
+            <a:prstGeom prst="roundRect">
+              <a:avLst/>
+            </a:prstGeom>
+            <a:solidFill>
+              <a:srgbClr val="EFFAFF"/>
+            </a:solidFill>
+          </p:spPr>
+          <p:style>
+            <a:lnRef idx="2">
+              <a:schemeClr val="accent1">
+                <a:shade val="50000"/>
+              </a:schemeClr>
+            </a:lnRef>
+            <a:fillRef idx="1">
+              <a:schemeClr val="accent1"/>
+            </a:fillRef>
+            <a:effectRef idx="0">
+              <a:schemeClr val="accent1"/>
+            </a:effectRef>
+            <a:fontRef idx="minor">
+              <a:schemeClr val="lt1"/>
+            </a:fontRef>
+          </p:style>
+          <p:txBody>
+            <a:bodyPr rtlCol="0" anchor="ctr"/>
+            <a:lstStyle/>
+            <a:p>
+              <a:pPr algn="ctr"/>
+              <a:r>
+                <a:rPr lang="en-US" sz="1200" b="1" dirty="0">
+                  <a:solidFill>
+                    <a:srgbClr val="002060"/>
+                  </a:solidFill>
+                </a:rPr>
+                <a:t>Health Check</a:t>
+              </a:r>
+              <a:endParaRPr lang="en-IN" sz="1200" b="1" dirty="0">
                 <a:solidFill>
                   <a:srgbClr val="002060"/>
                 </a:solidFill>
-              </a:rPr>
-              <a:t>Health Check</a:t>
-            </a:r>
-            <a:endParaRPr lang="en-IN" sz="1200" b="1" dirty="0">
-              <a:solidFill>
-                <a:srgbClr val="002060"/>
-              </a:solidFill>
-            </a:endParaRPr>
-          </a:p>
-        </p:txBody>
-      </p:sp>
-      <p:sp>
-        <p:nvSpPr>
-          <p:cNvPr id="69" name="Rectangle: Rounded Corners 68">
-            <a:extLst>
-              <a:ext uri="{FF2B5EF4-FFF2-40B4-BE49-F238E27FC236}">
-                <a16:creationId xmlns:a16="http://schemas.microsoft.com/office/drawing/2014/main" id="{B0EDFA10-D167-4497-A206-2282E8F110AE}"/>
-              </a:ext>
-            </a:extLst>
-          </p:cNvPr>
-          <p:cNvSpPr/>
-          <p:nvPr/>
-        </p:nvSpPr>
-        <p:spPr>
-          <a:xfrm>
-            <a:off x="4870568" y="5663968"/>
-            <a:ext cx="1234936" cy="504665"/>
-          </a:xfrm>
-          <a:prstGeom prst="roundRect">
-            <a:avLst/>
-          </a:prstGeom>
-          <a:solidFill>
-            <a:srgbClr val="EFFAFF"/>
-          </a:solidFill>
-        </p:spPr>
-        <p:style>
-          <a:lnRef idx="2">
-            <a:schemeClr val="accent1">
-              <a:shade val="50000"/>
-            </a:schemeClr>
-          </a:lnRef>
-          <a:fillRef idx="1">
-            <a:schemeClr val="accent1"/>
-          </a:fillRef>
-          <a:effectRef idx="0">
-            <a:schemeClr val="accent1"/>
-          </a:effectRef>
-          <a:fontRef idx="minor">
-            <a:schemeClr val="lt1"/>
-          </a:fontRef>
-        </p:style>
-        <p:txBody>
-          <a:bodyPr rtlCol="0" anchor="ctr"/>
-          <a:lstStyle/>
-          <a:p>
-            <a:pPr algn="ctr"/>
-            <a:r>
-              <a:rPr lang="en-US" sz="1200" b="1" dirty="0">
+              </a:endParaRPr>
+            </a:p>
+          </p:txBody>
+        </p:sp>
+        <p:sp>
+          <p:nvSpPr>
+            <p:cNvPr id="69" name="Rectangle: Rounded Corners 68">
+              <a:extLst>
+                <a:ext uri="{FF2B5EF4-FFF2-40B4-BE49-F238E27FC236}">
+                  <a16:creationId xmlns:a16="http://schemas.microsoft.com/office/drawing/2014/main" id="{B0EDFA10-D167-4497-A206-2282E8F110AE}"/>
+                </a:ext>
+              </a:extLst>
+            </p:cNvPr>
+            <p:cNvSpPr/>
+            <p:nvPr/>
+          </p:nvSpPr>
+          <p:spPr>
+            <a:xfrm>
+              <a:off x="4870568" y="5663968"/>
+              <a:ext cx="1234936" cy="504665"/>
+            </a:xfrm>
+            <a:prstGeom prst="roundRect">
+              <a:avLst/>
+            </a:prstGeom>
+            <a:solidFill>
+              <a:srgbClr val="EFFAFF"/>
+            </a:solidFill>
+          </p:spPr>
+          <p:style>
+            <a:lnRef idx="2">
+              <a:schemeClr val="accent1">
+                <a:shade val="50000"/>
+              </a:schemeClr>
+            </a:lnRef>
+            <a:fillRef idx="1">
+              <a:schemeClr val="accent1"/>
+            </a:fillRef>
+            <a:effectRef idx="0">
+              <a:schemeClr val="accent1"/>
+            </a:effectRef>
+            <a:fontRef idx="minor">
+              <a:schemeClr val="lt1"/>
+            </a:fontRef>
+          </p:style>
+          <p:txBody>
+            <a:bodyPr rtlCol="0" anchor="ctr"/>
+            <a:lstStyle/>
+            <a:p>
+              <a:pPr algn="ctr"/>
+              <a:r>
+                <a:rPr lang="en-US" sz="1200" b="1" dirty="0">
+                  <a:solidFill>
+                    <a:srgbClr val="002060"/>
+                  </a:solidFill>
+                </a:rPr>
+                <a:t>Webhooks</a:t>
+              </a:r>
+              <a:endParaRPr lang="en-IN" sz="1200" b="1" dirty="0">
                 <a:solidFill>
                   <a:srgbClr val="002060"/>
                 </a:solidFill>
-              </a:rPr>
-              <a:t>Webhooks</a:t>
-            </a:r>
-            <a:endParaRPr lang="en-IN" sz="1200" b="1" dirty="0">
-              <a:solidFill>
-                <a:srgbClr val="002060"/>
-              </a:solidFill>
-            </a:endParaRPr>
-          </a:p>
-        </p:txBody>
-      </p:sp>
-      <p:sp>
-        <p:nvSpPr>
-          <p:cNvPr id="70" name="Rectangle: Rounded Corners 69">
-            <a:extLst>
-              <a:ext uri="{FF2B5EF4-FFF2-40B4-BE49-F238E27FC236}">
-                <a16:creationId xmlns:a16="http://schemas.microsoft.com/office/drawing/2014/main" id="{A074D1DD-3FE8-438B-88C5-DC151937405C}"/>
-              </a:ext>
-            </a:extLst>
-          </p:cNvPr>
-          <p:cNvSpPr/>
-          <p:nvPr/>
-        </p:nvSpPr>
-        <p:spPr>
-          <a:xfrm>
-            <a:off x="6294393" y="5643621"/>
-            <a:ext cx="1234936" cy="504665"/>
-          </a:xfrm>
-          <a:prstGeom prst="roundRect">
-            <a:avLst/>
-          </a:prstGeom>
-          <a:solidFill>
-            <a:srgbClr val="EFFAFF"/>
-          </a:solidFill>
-        </p:spPr>
-        <p:style>
-          <a:lnRef idx="2">
-            <a:schemeClr val="accent1">
-              <a:shade val="50000"/>
-            </a:schemeClr>
-          </a:lnRef>
-          <a:fillRef idx="1">
-            <a:schemeClr val="accent1"/>
-          </a:fillRef>
-          <a:effectRef idx="0">
-            <a:schemeClr val="accent1"/>
-          </a:effectRef>
-          <a:fontRef idx="minor">
-            <a:schemeClr val="lt1"/>
-          </a:fontRef>
-        </p:style>
-        <p:txBody>
-          <a:bodyPr rtlCol="0" anchor="ctr"/>
-          <a:lstStyle/>
-          <a:p>
-            <a:pPr algn="ctr"/>
-            <a:r>
-              <a:rPr lang="en-US" sz="1200" b="1" dirty="0">
+              </a:endParaRPr>
+            </a:p>
+          </p:txBody>
+        </p:sp>
+        <p:sp>
+          <p:nvSpPr>
+            <p:cNvPr id="70" name="Rectangle: Rounded Corners 69">
+              <a:extLst>
+                <a:ext uri="{FF2B5EF4-FFF2-40B4-BE49-F238E27FC236}">
+                  <a16:creationId xmlns:a16="http://schemas.microsoft.com/office/drawing/2014/main" id="{A074D1DD-3FE8-438B-88C5-DC151937405C}"/>
+                </a:ext>
+              </a:extLst>
+            </p:cNvPr>
+            <p:cNvSpPr/>
+            <p:nvPr/>
+          </p:nvSpPr>
+          <p:spPr>
+            <a:xfrm>
+              <a:off x="6294393" y="5643621"/>
+              <a:ext cx="1234936" cy="504665"/>
+            </a:xfrm>
+            <a:prstGeom prst="roundRect">
+              <a:avLst/>
+            </a:prstGeom>
+            <a:solidFill>
+              <a:srgbClr val="EFFAFF"/>
+            </a:solidFill>
+          </p:spPr>
+          <p:style>
+            <a:lnRef idx="2">
+              <a:schemeClr val="accent1">
+                <a:shade val="50000"/>
+              </a:schemeClr>
+            </a:lnRef>
+            <a:fillRef idx="1">
+              <a:schemeClr val="accent1"/>
+            </a:fillRef>
+            <a:effectRef idx="0">
+              <a:schemeClr val="accent1"/>
+            </a:effectRef>
+            <a:fontRef idx="minor">
+              <a:schemeClr val="lt1"/>
+            </a:fontRef>
+          </p:style>
+          <p:txBody>
+            <a:bodyPr rtlCol="0" anchor="ctr"/>
+            <a:lstStyle/>
+            <a:p>
+              <a:pPr algn="ctr"/>
+              <a:r>
+                <a:rPr lang="en-US" sz="1200" b="1" dirty="0">
+                  <a:solidFill>
+                    <a:srgbClr val="002060"/>
+                  </a:solidFill>
+                </a:rPr>
+                <a:t>Alerts / Monitoring</a:t>
+              </a:r>
+              <a:endParaRPr lang="en-IN" sz="1200" b="1" dirty="0">
                 <a:solidFill>
                   <a:srgbClr val="002060"/>
                 </a:solidFill>
-              </a:rPr>
-              <a:t>Alerts / Monitoring</a:t>
-            </a:r>
-            <a:endParaRPr lang="en-IN" sz="1200" b="1" dirty="0">
-              <a:solidFill>
-                <a:srgbClr val="002060"/>
-              </a:solidFill>
-            </a:endParaRPr>
-          </a:p>
-        </p:txBody>
-      </p:sp>
-      <p:sp>
-        <p:nvSpPr>
-          <p:cNvPr id="71" name="Rectangle: Rounded Corners 70">
-            <a:extLst>
-              <a:ext uri="{FF2B5EF4-FFF2-40B4-BE49-F238E27FC236}">
-                <a16:creationId xmlns:a16="http://schemas.microsoft.com/office/drawing/2014/main" id="{65492792-062B-42D9-AAD9-D351DD94A3FE}"/>
-              </a:ext>
-            </a:extLst>
-          </p:cNvPr>
-          <p:cNvSpPr/>
+              </a:endParaRPr>
+            </a:p>
+          </p:txBody>
+        </p:sp>
+      </p:grpSp>
+      <p:grpSp>
+        <p:nvGrpSpPr>
+          <p:cNvPr id="2" name="Group 1">
+            <a:extLst>
+              <a:ext uri="{FF2B5EF4-FFF2-40B4-BE49-F238E27FC236}">
+                <a16:creationId xmlns:a16="http://schemas.microsoft.com/office/drawing/2014/main" id="{A426053A-9D45-4D0C-BAB3-75C54A73D477}"/>
+              </a:ext>
+            </a:extLst>
+          </p:cNvPr>
+          <p:cNvGrpSpPr/>
           <p:nvPr/>
-        </p:nvSpPr>
-        <p:spPr>
+        </p:nvGrpSpPr>
+        <p:grpSpPr>
           <a:xfrm>
-            <a:off x="3561294" y="1146872"/>
-            <a:ext cx="1234936" cy="504665"/>
+            <a:off x="3310837" y="395986"/>
+            <a:ext cx="1748242" cy="3211237"/>
+            <a:chOff x="3310837" y="707071"/>
+            <a:chExt cx="1748242" cy="3211237"/>
           </a:xfrm>
-          <a:prstGeom prst="roundRect">
-            <a:avLst/>
-          </a:prstGeom>
-          <a:solidFill>
-            <a:srgbClr val="FFFAEB"/>
-          </a:solidFill>
-        </p:spPr>
-        <p:style>
-          <a:lnRef idx="2">
-            <a:schemeClr val="accent1">
-              <a:shade val="50000"/>
-            </a:schemeClr>
-          </a:lnRef>
-          <a:fillRef idx="1">
-            <a:schemeClr val="accent1"/>
-          </a:fillRef>
-          <a:effectRef idx="0">
-            <a:schemeClr val="accent1"/>
-          </a:effectRef>
-          <a:fontRef idx="minor">
-            <a:schemeClr val="lt1"/>
-          </a:fontRef>
-        </p:style>
-        <p:txBody>
-          <a:bodyPr rtlCol="0" anchor="ctr"/>
-          <a:lstStyle/>
-          <a:p>
-            <a:pPr algn="ctr"/>
-            <a:r>
-              <a:rPr lang="en-US" sz="1200" b="1" dirty="0">
+        </p:grpSpPr>
+        <p:sp>
+          <p:nvSpPr>
+            <p:cNvPr id="6" name="Rectangle 5">
+              <a:extLst>
+                <a:ext uri="{FF2B5EF4-FFF2-40B4-BE49-F238E27FC236}">
+                  <a16:creationId xmlns:a16="http://schemas.microsoft.com/office/drawing/2014/main" id="{E681EEBF-DED0-49C3-82BA-C359A5D505B5}"/>
+                </a:ext>
+              </a:extLst>
+            </p:cNvPr>
+            <p:cNvSpPr/>
+            <p:nvPr/>
+          </p:nvSpPr>
+          <p:spPr>
+            <a:xfrm>
+              <a:off x="3310837" y="707071"/>
+              <a:ext cx="1748242" cy="3211237"/>
+            </a:xfrm>
+            <a:prstGeom prst="rect">
+              <a:avLst/>
+            </a:prstGeom>
+            <a:solidFill>
+              <a:srgbClr val="FFF6D9"/>
+            </a:solidFill>
+          </p:spPr>
+          <p:style>
+            <a:lnRef idx="2">
+              <a:schemeClr val="accent1">
+                <a:shade val="50000"/>
+              </a:schemeClr>
+            </a:lnRef>
+            <a:fillRef idx="1">
+              <a:schemeClr val="accent1"/>
+            </a:fillRef>
+            <a:effectRef idx="0">
+              <a:schemeClr val="accent1"/>
+            </a:effectRef>
+            <a:fontRef idx="minor">
+              <a:schemeClr val="lt1"/>
+            </a:fontRef>
+          </p:style>
+          <p:txBody>
+            <a:bodyPr rtlCol="0" anchor="t" anchorCtr="0"/>
+            <a:lstStyle/>
+            <a:p>
+              <a:pPr algn="ctr"/>
+              <a:r>
+                <a:rPr lang="en-US" sz="1200" dirty="0">
+                  <a:solidFill>
+                    <a:srgbClr val="002060"/>
+                  </a:solidFill>
+                  <a:latin typeface="Verdana" panose="020B0604030504040204" pitchFamily="34" charset="0"/>
+                  <a:ea typeface="Verdana" panose="020B0604030504040204" pitchFamily="34" charset="0"/>
+                </a:rPr>
+                <a:t>Client Apps</a:t>
+              </a:r>
+              <a:endParaRPr lang="en-IN" sz="1200" dirty="0">
                 <a:solidFill>
                   <a:srgbClr val="002060"/>
                 </a:solidFill>
-              </a:rPr>
-              <a:t>Mobile</a:t>
-            </a:r>
-            <a:endParaRPr lang="en-IN" sz="1200" b="1" dirty="0">
-              <a:solidFill>
-                <a:srgbClr val="002060"/>
-              </a:solidFill>
-            </a:endParaRPr>
-          </a:p>
-        </p:txBody>
-      </p:sp>
-      <p:sp>
-        <p:nvSpPr>
-          <p:cNvPr id="72" name="Rectangle: Rounded Corners 71">
-            <a:extLst>
-              <a:ext uri="{FF2B5EF4-FFF2-40B4-BE49-F238E27FC236}">
-                <a16:creationId xmlns:a16="http://schemas.microsoft.com/office/drawing/2014/main" id="{B3AB54A0-7094-41F3-9079-07C5826687CA}"/>
-              </a:ext>
-            </a:extLst>
-          </p:cNvPr>
-          <p:cNvSpPr/>
-          <p:nvPr/>
-        </p:nvSpPr>
-        <p:spPr>
-          <a:xfrm>
-            <a:off x="3561294" y="1945403"/>
-            <a:ext cx="1234936" cy="504665"/>
-          </a:xfrm>
-          <a:prstGeom prst="roundRect">
-            <a:avLst/>
-          </a:prstGeom>
-          <a:solidFill>
-            <a:srgbClr val="FFFAEB"/>
-          </a:solidFill>
-        </p:spPr>
-        <p:style>
-          <a:lnRef idx="2">
-            <a:schemeClr val="accent1">
-              <a:shade val="50000"/>
-            </a:schemeClr>
-          </a:lnRef>
-          <a:fillRef idx="1">
-            <a:schemeClr val="accent1"/>
-          </a:fillRef>
-          <a:effectRef idx="0">
-            <a:schemeClr val="accent1"/>
-          </a:effectRef>
-          <a:fontRef idx="minor">
-            <a:schemeClr val="lt1"/>
-          </a:fontRef>
-        </p:style>
-        <p:txBody>
-          <a:bodyPr rtlCol="0" anchor="ctr"/>
-          <a:lstStyle/>
-          <a:p>
-            <a:pPr algn="ctr"/>
-            <a:r>
-              <a:rPr lang="en-US" sz="1200" b="1" dirty="0">
+                <a:latin typeface="Verdana" panose="020B0604030504040204" pitchFamily="34" charset="0"/>
+                <a:ea typeface="Verdana" panose="020B0604030504040204" pitchFamily="34" charset="0"/>
+              </a:endParaRPr>
+            </a:p>
+          </p:txBody>
+        </p:sp>
+        <p:sp>
+          <p:nvSpPr>
+            <p:cNvPr id="71" name="Rectangle: Rounded Corners 70">
+              <a:extLst>
+                <a:ext uri="{FF2B5EF4-FFF2-40B4-BE49-F238E27FC236}">
+                  <a16:creationId xmlns:a16="http://schemas.microsoft.com/office/drawing/2014/main" id="{65492792-062B-42D9-AAD9-D351DD94A3FE}"/>
+                </a:ext>
+              </a:extLst>
+            </p:cNvPr>
+            <p:cNvSpPr/>
+            <p:nvPr/>
+          </p:nvSpPr>
+          <p:spPr>
+            <a:xfrm>
+              <a:off x="3561294" y="1146872"/>
+              <a:ext cx="1234936" cy="504665"/>
+            </a:xfrm>
+            <a:prstGeom prst="roundRect">
+              <a:avLst/>
+            </a:prstGeom>
+            <a:solidFill>
+              <a:srgbClr val="FFFAEB"/>
+            </a:solidFill>
+          </p:spPr>
+          <p:style>
+            <a:lnRef idx="2">
+              <a:schemeClr val="accent1">
+                <a:shade val="50000"/>
+              </a:schemeClr>
+            </a:lnRef>
+            <a:fillRef idx="1">
+              <a:schemeClr val="accent1"/>
+            </a:fillRef>
+            <a:effectRef idx="0">
+              <a:schemeClr val="accent1"/>
+            </a:effectRef>
+            <a:fontRef idx="minor">
+              <a:schemeClr val="lt1"/>
+            </a:fontRef>
+          </p:style>
+          <p:txBody>
+            <a:bodyPr rtlCol="0" anchor="ctr"/>
+            <a:lstStyle/>
+            <a:p>
+              <a:pPr algn="ctr"/>
+              <a:r>
+                <a:rPr lang="en-US" sz="1200" b="1" dirty="0">
+                  <a:solidFill>
+                    <a:srgbClr val="002060"/>
+                  </a:solidFill>
+                </a:rPr>
+                <a:t>Mobile</a:t>
+              </a:r>
+              <a:endParaRPr lang="en-IN" sz="1200" b="1" dirty="0">
                 <a:solidFill>
                   <a:srgbClr val="002060"/>
                 </a:solidFill>
-              </a:rPr>
-              <a:t>MVC / Razor / Blazor Server</a:t>
-            </a:r>
-            <a:endParaRPr lang="en-IN" sz="1200" b="1" dirty="0">
-              <a:solidFill>
-                <a:srgbClr val="002060"/>
-              </a:solidFill>
-            </a:endParaRPr>
-          </a:p>
-        </p:txBody>
-      </p:sp>
-      <p:sp>
-        <p:nvSpPr>
-          <p:cNvPr id="73" name="Rectangle: Rounded Corners 72">
-            <a:extLst>
-              <a:ext uri="{FF2B5EF4-FFF2-40B4-BE49-F238E27FC236}">
-                <a16:creationId xmlns:a16="http://schemas.microsoft.com/office/drawing/2014/main" id="{1ACB994B-1530-426B-8A1A-F7414FFFC74C}"/>
-              </a:ext>
-            </a:extLst>
-          </p:cNvPr>
-          <p:cNvSpPr/>
-          <p:nvPr/>
-        </p:nvSpPr>
-        <p:spPr>
-          <a:xfrm>
-            <a:off x="3561294" y="2785306"/>
-            <a:ext cx="1234936" cy="736107"/>
-          </a:xfrm>
-          <a:prstGeom prst="roundRect">
-            <a:avLst/>
-          </a:prstGeom>
-          <a:solidFill>
-            <a:srgbClr val="FFFAEB"/>
-          </a:solidFill>
-        </p:spPr>
-        <p:style>
-          <a:lnRef idx="2">
-            <a:schemeClr val="accent1">
-              <a:shade val="50000"/>
-            </a:schemeClr>
-          </a:lnRef>
-          <a:fillRef idx="1">
-            <a:schemeClr val="accent1"/>
-          </a:fillRef>
-          <a:effectRef idx="0">
-            <a:schemeClr val="accent1"/>
-          </a:effectRef>
-          <a:fontRef idx="minor">
-            <a:schemeClr val="lt1"/>
-          </a:fontRef>
-        </p:style>
-        <p:txBody>
-          <a:bodyPr rtlCol="0" anchor="ctr"/>
-          <a:lstStyle/>
-          <a:p>
-            <a:pPr algn="ctr"/>
-            <a:r>
-              <a:rPr lang="en-US" sz="1200" b="1" dirty="0">
+              </a:endParaRPr>
+            </a:p>
+          </p:txBody>
+        </p:sp>
+        <p:sp>
+          <p:nvSpPr>
+            <p:cNvPr id="72" name="Rectangle: Rounded Corners 71">
+              <a:extLst>
+                <a:ext uri="{FF2B5EF4-FFF2-40B4-BE49-F238E27FC236}">
+                  <a16:creationId xmlns:a16="http://schemas.microsoft.com/office/drawing/2014/main" id="{B3AB54A0-7094-41F3-9079-07C5826687CA}"/>
+                </a:ext>
+              </a:extLst>
+            </p:cNvPr>
+            <p:cNvSpPr/>
+            <p:nvPr/>
+          </p:nvSpPr>
+          <p:spPr>
+            <a:xfrm>
+              <a:off x="3561294" y="1945403"/>
+              <a:ext cx="1234936" cy="504665"/>
+            </a:xfrm>
+            <a:prstGeom prst="roundRect">
+              <a:avLst/>
+            </a:prstGeom>
+            <a:solidFill>
+              <a:srgbClr val="FFFAEB"/>
+            </a:solidFill>
+          </p:spPr>
+          <p:style>
+            <a:lnRef idx="2">
+              <a:schemeClr val="accent1">
+                <a:shade val="50000"/>
+              </a:schemeClr>
+            </a:lnRef>
+            <a:fillRef idx="1">
+              <a:schemeClr val="accent1"/>
+            </a:fillRef>
+            <a:effectRef idx="0">
+              <a:schemeClr val="accent1"/>
+            </a:effectRef>
+            <a:fontRef idx="minor">
+              <a:schemeClr val="lt1"/>
+            </a:fontRef>
+          </p:style>
+          <p:txBody>
+            <a:bodyPr rtlCol="0" anchor="ctr"/>
+            <a:lstStyle/>
+            <a:p>
+              <a:pPr algn="ctr"/>
+              <a:r>
+                <a:rPr lang="en-US" sz="1200" b="1" dirty="0">
+                  <a:solidFill>
+                    <a:srgbClr val="002060"/>
+                  </a:solidFill>
+                </a:rPr>
+                <a:t>MVC / Razor / Blazor Server</a:t>
+              </a:r>
+              <a:endParaRPr lang="en-IN" sz="1200" b="1" dirty="0">
                 <a:solidFill>
                   <a:srgbClr val="002060"/>
                 </a:solidFill>
-              </a:rPr>
-              <a:t>Blazor WASM</a:t>
-            </a:r>
-          </a:p>
-          <a:p>
-            <a:pPr algn="ctr"/>
-            <a:r>
-              <a:rPr lang="en-US" sz="1200" b="1" dirty="0">
+              </a:endParaRPr>
+            </a:p>
+          </p:txBody>
+        </p:sp>
+        <p:sp>
+          <p:nvSpPr>
+            <p:cNvPr id="73" name="Rectangle: Rounded Corners 72">
+              <a:extLst>
+                <a:ext uri="{FF2B5EF4-FFF2-40B4-BE49-F238E27FC236}">
+                  <a16:creationId xmlns:a16="http://schemas.microsoft.com/office/drawing/2014/main" id="{1ACB994B-1530-426B-8A1A-F7414FFFC74C}"/>
+                </a:ext>
+              </a:extLst>
+            </p:cNvPr>
+            <p:cNvSpPr/>
+            <p:nvPr/>
+          </p:nvSpPr>
+          <p:spPr>
+            <a:xfrm>
+              <a:off x="3561294" y="2785306"/>
+              <a:ext cx="1234936" cy="736107"/>
+            </a:xfrm>
+            <a:prstGeom prst="roundRect">
+              <a:avLst/>
+            </a:prstGeom>
+            <a:solidFill>
+              <a:srgbClr val="FFFAEB"/>
+            </a:solidFill>
+          </p:spPr>
+          <p:style>
+            <a:lnRef idx="2">
+              <a:schemeClr val="accent1">
+                <a:shade val="50000"/>
+              </a:schemeClr>
+            </a:lnRef>
+            <a:fillRef idx="1">
+              <a:schemeClr val="accent1"/>
+            </a:fillRef>
+            <a:effectRef idx="0">
+              <a:schemeClr val="accent1"/>
+            </a:effectRef>
+            <a:fontRef idx="minor">
+              <a:schemeClr val="lt1"/>
+            </a:fontRef>
+          </p:style>
+          <p:txBody>
+            <a:bodyPr rtlCol="0" anchor="ctr"/>
+            <a:lstStyle/>
+            <a:p>
+              <a:pPr algn="ctr"/>
+              <a:r>
+                <a:rPr lang="en-US" sz="1200" b="1" dirty="0">
+                  <a:solidFill>
+                    <a:srgbClr val="002060"/>
+                  </a:solidFill>
+                </a:rPr>
+                <a:t>Blazor WASM</a:t>
+              </a:r>
+            </a:p>
+            <a:p>
+              <a:pPr algn="ctr"/>
+              <a:r>
+                <a:rPr lang="en-US" sz="1200" b="1" dirty="0">
+                  <a:solidFill>
+                    <a:srgbClr val="002060"/>
+                  </a:solidFill>
+                </a:rPr>
+                <a:t>Angular</a:t>
+              </a:r>
+            </a:p>
+            <a:p>
+              <a:pPr algn="ctr"/>
+              <a:r>
+                <a:rPr lang="en-US" sz="1200" b="1" dirty="0">
+                  <a:solidFill>
+                    <a:srgbClr val="002060"/>
+                  </a:solidFill>
+                </a:rPr>
+                <a:t>ReactJS</a:t>
+              </a:r>
+            </a:p>
+            <a:p>
+              <a:pPr algn="ctr"/>
+              <a:r>
+                <a:rPr lang="en-US" sz="1200" b="1" dirty="0">
+                  <a:solidFill>
+                    <a:srgbClr val="002060"/>
+                  </a:solidFill>
+                </a:rPr>
+                <a:t>Vue JS</a:t>
+              </a:r>
+              <a:endParaRPr lang="en-IN" sz="1200" b="1" dirty="0">
                 <a:solidFill>
                   <a:srgbClr val="002060"/>
                 </a:solidFill>
-              </a:rPr>
-              <a:t>Angular</a:t>
-            </a:r>
-          </a:p>
-          <a:p>
-            <a:pPr algn="ctr"/>
-            <a:r>
-              <a:rPr lang="en-US" sz="1200" b="1" dirty="0">
-                <a:solidFill>
-                  <a:srgbClr val="002060"/>
-                </a:solidFill>
-              </a:rPr>
-              <a:t>ReactJS</a:t>
-            </a:r>
-          </a:p>
-          <a:p>
-            <a:pPr algn="ctr"/>
-            <a:r>
-              <a:rPr lang="en-US" sz="1200" b="1" dirty="0">
-                <a:solidFill>
-                  <a:srgbClr val="002060"/>
-                </a:solidFill>
-              </a:rPr>
-              <a:t>Vue JS</a:t>
-            </a:r>
-            <a:endParaRPr lang="en-IN" sz="1200" b="1" dirty="0">
-              <a:solidFill>
-                <a:srgbClr val="002060"/>
-              </a:solidFill>
-            </a:endParaRPr>
-          </a:p>
-        </p:txBody>
-      </p:sp>
+              </a:endParaRPr>
+            </a:p>
+          </p:txBody>
+        </p:sp>
+      </p:grpSp>
     </p:spTree>
     <p:extLst>
       <p:ext uri="{BB962C8B-B14F-4D97-AF65-F5344CB8AC3E}">

--- a/Documentation/Architecture.pptx
+++ b/Documentation/Architecture.pptx
@@ -261,7 +261,7 @@
           <a:p>
             <a:fld id="{DC2BF6E6-F863-479F-A057-0F7FF047E296}" type="datetimeFigureOut">
               <a:rPr lang="en-IN" smtClean="0"/>
-              <a:t>13-03-2022</a:t>
+              <a:t>09-04-2022</a:t>
             </a:fld>
             <a:endParaRPr lang="en-IN"/>
           </a:p>
@@ -461,7 +461,7 @@
           <a:p>
             <a:fld id="{DC2BF6E6-F863-479F-A057-0F7FF047E296}" type="datetimeFigureOut">
               <a:rPr lang="en-IN" smtClean="0"/>
-              <a:t>13-03-2022</a:t>
+              <a:t>09-04-2022</a:t>
             </a:fld>
             <a:endParaRPr lang="en-IN"/>
           </a:p>
@@ -671,7 +671,7 @@
           <a:p>
             <a:fld id="{DC2BF6E6-F863-479F-A057-0F7FF047E296}" type="datetimeFigureOut">
               <a:rPr lang="en-IN" smtClean="0"/>
-              <a:t>13-03-2022</a:t>
+              <a:t>09-04-2022</a:t>
             </a:fld>
             <a:endParaRPr lang="en-IN"/>
           </a:p>
@@ -871,7 +871,7 @@
           <a:p>
             <a:fld id="{DC2BF6E6-F863-479F-A057-0F7FF047E296}" type="datetimeFigureOut">
               <a:rPr lang="en-IN" smtClean="0"/>
-              <a:t>13-03-2022</a:t>
+              <a:t>09-04-2022</a:t>
             </a:fld>
             <a:endParaRPr lang="en-IN"/>
           </a:p>
@@ -1147,7 +1147,7 @@
           <a:p>
             <a:fld id="{DC2BF6E6-F863-479F-A057-0F7FF047E296}" type="datetimeFigureOut">
               <a:rPr lang="en-IN" smtClean="0"/>
-              <a:t>13-03-2022</a:t>
+              <a:t>09-04-2022</a:t>
             </a:fld>
             <a:endParaRPr lang="en-IN"/>
           </a:p>
@@ -1415,7 +1415,7 @@
           <a:p>
             <a:fld id="{DC2BF6E6-F863-479F-A057-0F7FF047E296}" type="datetimeFigureOut">
               <a:rPr lang="en-IN" smtClean="0"/>
-              <a:t>13-03-2022</a:t>
+              <a:t>09-04-2022</a:t>
             </a:fld>
             <a:endParaRPr lang="en-IN"/>
           </a:p>
@@ -1830,7 +1830,7 @@
           <a:p>
             <a:fld id="{DC2BF6E6-F863-479F-A057-0F7FF047E296}" type="datetimeFigureOut">
               <a:rPr lang="en-IN" smtClean="0"/>
-              <a:t>13-03-2022</a:t>
+              <a:t>09-04-2022</a:t>
             </a:fld>
             <a:endParaRPr lang="en-IN"/>
           </a:p>
@@ -1972,7 +1972,7 @@
           <a:p>
             <a:fld id="{DC2BF6E6-F863-479F-A057-0F7FF047E296}" type="datetimeFigureOut">
               <a:rPr lang="en-IN" smtClean="0"/>
-              <a:t>13-03-2022</a:t>
+              <a:t>09-04-2022</a:t>
             </a:fld>
             <a:endParaRPr lang="en-IN"/>
           </a:p>
@@ -2085,7 +2085,7 @@
           <a:p>
             <a:fld id="{DC2BF6E6-F863-479F-A057-0F7FF047E296}" type="datetimeFigureOut">
               <a:rPr lang="en-IN" smtClean="0"/>
-              <a:t>13-03-2022</a:t>
+              <a:t>09-04-2022</a:t>
             </a:fld>
             <a:endParaRPr lang="en-IN"/>
           </a:p>
@@ -2398,7 +2398,7 @@
           <a:p>
             <a:fld id="{DC2BF6E6-F863-479F-A057-0F7FF047E296}" type="datetimeFigureOut">
               <a:rPr lang="en-IN" smtClean="0"/>
-              <a:t>13-03-2022</a:t>
+              <a:t>09-04-2022</a:t>
             </a:fld>
             <a:endParaRPr lang="en-IN"/>
           </a:p>
@@ -2687,7 +2687,7 @@
           <a:p>
             <a:fld id="{DC2BF6E6-F863-479F-A057-0F7FF047E296}" type="datetimeFigureOut">
               <a:rPr lang="en-IN" smtClean="0"/>
-              <a:t>13-03-2022</a:t>
+              <a:t>09-04-2022</a:t>
             </a:fld>
             <a:endParaRPr lang="en-IN"/>
           </a:p>
@@ -2930,7 +2930,7 @@
           <a:p>
             <a:fld id="{DC2BF6E6-F863-479F-A057-0F7FF047E296}" type="datetimeFigureOut">
               <a:rPr lang="en-IN" smtClean="0"/>
-              <a:t>13-03-2022</a:t>
+              <a:t>09-04-2022</a:t>
             </a:fld>
             <a:endParaRPr lang="en-IN"/>
           </a:p>
@@ -5383,10 +5383,10 @@
       </p:grpSp>
       <p:grpSp>
         <p:nvGrpSpPr>
-          <p:cNvPr id="7" name="Group 6">
-            <a:extLst>
-              <a:ext uri="{FF2B5EF4-FFF2-40B4-BE49-F238E27FC236}">
-                <a16:creationId xmlns:a16="http://schemas.microsoft.com/office/drawing/2014/main" id="{5596928F-27CA-41A9-B524-6E31188B6C52}"/>
+          <p:cNvPr id="4" name="Group 3">
+            <a:extLst>
+              <a:ext uri="{FF2B5EF4-FFF2-40B4-BE49-F238E27FC236}">
+                <a16:creationId xmlns:a16="http://schemas.microsoft.com/office/drawing/2014/main" id="{C0A23858-A376-44FD-AFBB-9416D4D59532}"/>
               </a:ext>
             </a:extLst>
           </p:cNvPr>
@@ -5395,278 +5395,9 @@
         </p:nvGrpSpPr>
         <p:grpSpPr>
           <a:xfrm>
-            <a:off x="3299854" y="5359686"/>
-            <a:ext cx="4334117" cy="1193032"/>
-            <a:chOff x="3299854" y="5067453"/>
-            <a:chExt cx="4334117" cy="1193032"/>
-          </a:xfrm>
-        </p:grpSpPr>
-        <p:sp>
-          <p:nvSpPr>
-            <p:cNvPr id="66" name="Rectangle 65">
-              <a:extLst>
-                <a:ext uri="{FF2B5EF4-FFF2-40B4-BE49-F238E27FC236}">
-                  <a16:creationId xmlns:a16="http://schemas.microsoft.com/office/drawing/2014/main" id="{AD566606-C53C-4FC1-A923-3589748D9D4F}"/>
-                </a:ext>
-              </a:extLst>
-            </p:cNvPr>
-            <p:cNvSpPr/>
-            <p:nvPr/>
-          </p:nvSpPr>
-          <p:spPr>
-            <a:xfrm>
-              <a:off x="3299854" y="5067453"/>
-              <a:ext cx="4334117" cy="1193032"/>
-            </a:xfrm>
-            <a:prstGeom prst="rect">
-              <a:avLst/>
-            </a:prstGeom>
-            <a:solidFill>
-              <a:srgbClr val="D9F2FF"/>
-            </a:solidFill>
-          </p:spPr>
-          <p:style>
-            <a:lnRef idx="2">
-              <a:schemeClr val="accent1">
-                <a:shade val="50000"/>
-              </a:schemeClr>
-            </a:lnRef>
-            <a:fillRef idx="1">
-              <a:schemeClr val="accent1"/>
-            </a:fillRef>
-            <a:effectRef idx="0">
-              <a:schemeClr val="accent1"/>
-            </a:effectRef>
-            <a:fontRef idx="minor">
-              <a:schemeClr val="lt1"/>
-            </a:fontRef>
-          </p:style>
-          <p:txBody>
-            <a:bodyPr rtlCol="0" anchor="t" anchorCtr="0"/>
-            <a:lstStyle/>
-            <a:p>
-              <a:pPr algn="ctr"/>
-              <a:r>
-                <a:rPr lang="en-US" sz="1200" dirty="0">
-                  <a:solidFill>
-                    <a:srgbClr val="002060"/>
-                  </a:solidFill>
-                  <a:latin typeface="Verdana" panose="020B0604030504040204" pitchFamily="34" charset="0"/>
-                  <a:ea typeface="Verdana" panose="020B0604030504040204" pitchFamily="34" charset="0"/>
-                </a:rPr>
-                <a:t>Admin Services</a:t>
-              </a:r>
-              <a:endParaRPr lang="en-IN" sz="1200" dirty="0">
-                <a:solidFill>
-                  <a:srgbClr val="002060"/>
-                </a:solidFill>
-                <a:latin typeface="Verdana" panose="020B0604030504040204" pitchFamily="34" charset="0"/>
-                <a:ea typeface="Verdana" panose="020B0604030504040204" pitchFamily="34" charset="0"/>
-              </a:endParaRPr>
-            </a:p>
-          </p:txBody>
-        </p:sp>
-        <p:sp>
-          <p:nvSpPr>
-            <p:cNvPr id="37" name="Rectangle: Rounded Corners 36">
-              <a:extLst>
-                <a:ext uri="{FF2B5EF4-FFF2-40B4-BE49-F238E27FC236}">
-                  <a16:creationId xmlns:a16="http://schemas.microsoft.com/office/drawing/2014/main" id="{E45EF9D9-D928-42AF-8A79-B4C3DBEB95E1}"/>
-                </a:ext>
-              </a:extLst>
-            </p:cNvPr>
-            <p:cNvSpPr/>
-            <p:nvPr/>
-          </p:nvSpPr>
-          <p:spPr>
-            <a:xfrm>
-              <a:off x="3379240" y="5663968"/>
-              <a:ext cx="1234936" cy="504665"/>
-            </a:xfrm>
-            <a:prstGeom prst="roundRect">
-              <a:avLst/>
-            </a:prstGeom>
-            <a:solidFill>
-              <a:srgbClr val="EFFAFF"/>
-            </a:solidFill>
-          </p:spPr>
-          <p:style>
-            <a:lnRef idx="2">
-              <a:schemeClr val="accent1">
-                <a:shade val="50000"/>
-              </a:schemeClr>
-            </a:lnRef>
-            <a:fillRef idx="1">
-              <a:schemeClr val="accent1"/>
-            </a:fillRef>
-            <a:effectRef idx="0">
-              <a:schemeClr val="accent1"/>
-            </a:effectRef>
-            <a:fontRef idx="minor">
-              <a:schemeClr val="lt1"/>
-            </a:fontRef>
-          </p:style>
-          <p:txBody>
-            <a:bodyPr rtlCol="0" anchor="ctr"/>
-            <a:lstStyle/>
-            <a:p>
-              <a:pPr algn="ctr"/>
-              <a:r>
-                <a:rPr lang="en-US" sz="1200" b="1" dirty="0">
-                  <a:solidFill>
-                    <a:srgbClr val="002060"/>
-                  </a:solidFill>
-                </a:rPr>
-                <a:t>Health Check</a:t>
-              </a:r>
-              <a:endParaRPr lang="en-IN" sz="1200" b="1" dirty="0">
-                <a:solidFill>
-                  <a:srgbClr val="002060"/>
-                </a:solidFill>
-              </a:endParaRPr>
-            </a:p>
-          </p:txBody>
-        </p:sp>
-        <p:sp>
-          <p:nvSpPr>
-            <p:cNvPr id="69" name="Rectangle: Rounded Corners 68">
-              <a:extLst>
-                <a:ext uri="{FF2B5EF4-FFF2-40B4-BE49-F238E27FC236}">
-                  <a16:creationId xmlns:a16="http://schemas.microsoft.com/office/drawing/2014/main" id="{B0EDFA10-D167-4497-A206-2282E8F110AE}"/>
-                </a:ext>
-              </a:extLst>
-            </p:cNvPr>
-            <p:cNvSpPr/>
-            <p:nvPr/>
-          </p:nvSpPr>
-          <p:spPr>
-            <a:xfrm>
-              <a:off x="4870568" y="5663968"/>
-              <a:ext cx="1234936" cy="504665"/>
-            </a:xfrm>
-            <a:prstGeom prst="roundRect">
-              <a:avLst/>
-            </a:prstGeom>
-            <a:solidFill>
-              <a:srgbClr val="EFFAFF"/>
-            </a:solidFill>
-          </p:spPr>
-          <p:style>
-            <a:lnRef idx="2">
-              <a:schemeClr val="accent1">
-                <a:shade val="50000"/>
-              </a:schemeClr>
-            </a:lnRef>
-            <a:fillRef idx="1">
-              <a:schemeClr val="accent1"/>
-            </a:fillRef>
-            <a:effectRef idx="0">
-              <a:schemeClr val="accent1"/>
-            </a:effectRef>
-            <a:fontRef idx="minor">
-              <a:schemeClr val="lt1"/>
-            </a:fontRef>
-          </p:style>
-          <p:txBody>
-            <a:bodyPr rtlCol="0" anchor="ctr"/>
-            <a:lstStyle/>
-            <a:p>
-              <a:pPr algn="ctr"/>
-              <a:r>
-                <a:rPr lang="en-US" sz="1200" b="1" dirty="0">
-                  <a:solidFill>
-                    <a:srgbClr val="002060"/>
-                  </a:solidFill>
-                </a:rPr>
-                <a:t>Webhooks</a:t>
-              </a:r>
-              <a:endParaRPr lang="en-IN" sz="1200" b="1" dirty="0">
-                <a:solidFill>
-                  <a:srgbClr val="002060"/>
-                </a:solidFill>
-              </a:endParaRPr>
-            </a:p>
-          </p:txBody>
-        </p:sp>
-        <p:sp>
-          <p:nvSpPr>
-            <p:cNvPr id="70" name="Rectangle: Rounded Corners 69">
-              <a:extLst>
-                <a:ext uri="{FF2B5EF4-FFF2-40B4-BE49-F238E27FC236}">
-                  <a16:creationId xmlns:a16="http://schemas.microsoft.com/office/drawing/2014/main" id="{A074D1DD-3FE8-438B-88C5-DC151937405C}"/>
-                </a:ext>
-              </a:extLst>
-            </p:cNvPr>
-            <p:cNvSpPr/>
-            <p:nvPr/>
-          </p:nvSpPr>
-          <p:spPr>
-            <a:xfrm>
-              <a:off x="6294393" y="5643621"/>
-              <a:ext cx="1234936" cy="504665"/>
-            </a:xfrm>
-            <a:prstGeom prst="roundRect">
-              <a:avLst/>
-            </a:prstGeom>
-            <a:solidFill>
-              <a:srgbClr val="EFFAFF"/>
-            </a:solidFill>
-          </p:spPr>
-          <p:style>
-            <a:lnRef idx="2">
-              <a:schemeClr val="accent1">
-                <a:shade val="50000"/>
-              </a:schemeClr>
-            </a:lnRef>
-            <a:fillRef idx="1">
-              <a:schemeClr val="accent1"/>
-            </a:fillRef>
-            <a:effectRef idx="0">
-              <a:schemeClr val="accent1"/>
-            </a:effectRef>
-            <a:fontRef idx="minor">
-              <a:schemeClr val="lt1"/>
-            </a:fontRef>
-          </p:style>
-          <p:txBody>
-            <a:bodyPr rtlCol="0" anchor="ctr"/>
-            <a:lstStyle/>
-            <a:p>
-              <a:pPr algn="ctr"/>
-              <a:r>
-                <a:rPr lang="en-US" sz="1200" b="1" dirty="0">
-                  <a:solidFill>
-                    <a:srgbClr val="002060"/>
-                  </a:solidFill>
-                </a:rPr>
-                <a:t>Alerts / Monitoring</a:t>
-              </a:r>
-              <a:endParaRPr lang="en-IN" sz="1200" b="1" dirty="0">
-                <a:solidFill>
-                  <a:srgbClr val="002060"/>
-                </a:solidFill>
-              </a:endParaRPr>
-            </a:p>
-          </p:txBody>
-        </p:sp>
-      </p:grpSp>
-      <p:grpSp>
-        <p:nvGrpSpPr>
-          <p:cNvPr id="2" name="Group 1">
-            <a:extLst>
-              <a:ext uri="{FF2B5EF4-FFF2-40B4-BE49-F238E27FC236}">
-                <a16:creationId xmlns:a16="http://schemas.microsoft.com/office/drawing/2014/main" id="{A426053A-9D45-4D0C-BAB3-75C54A73D477}"/>
-              </a:ext>
-            </a:extLst>
-          </p:cNvPr>
-          <p:cNvGrpSpPr/>
-          <p:nvPr/>
-        </p:nvGrpSpPr>
-        <p:grpSpPr>
-          <a:xfrm>
-            <a:off x="3310837" y="395986"/>
+            <a:off x="3370236" y="398022"/>
             <a:ext cx="1748242" cy="3211237"/>
-            <a:chOff x="3310837" y="707071"/>
+            <a:chOff x="3313675" y="322610"/>
             <a:chExt cx="1748242" cy="3211237"/>
           </a:xfrm>
         </p:grpSpPr>
@@ -5684,7 +5415,7 @@
           </p:nvSpPr>
           <p:spPr>
             <a:xfrm>
-              <a:off x="3310837" y="707071"/>
+              <a:off x="3313675" y="322610"/>
               <a:ext cx="1748242" cy="3211237"/>
             </a:xfrm>
             <a:prstGeom prst="rect">
@@ -5749,7 +5480,7 @@
           </p:nvSpPr>
           <p:spPr>
             <a:xfrm>
-              <a:off x="3561294" y="1146872"/>
+              <a:off x="3564132" y="762411"/>
               <a:ext cx="1234936" cy="504665"/>
             </a:xfrm>
             <a:prstGeom prst="roundRect">
@@ -5788,7 +5519,18 @@
                 </a:rPr>
                 <a:t>Mobile</a:t>
               </a:r>
-              <a:endParaRPr lang="en-IN" sz="1200" b="1" dirty="0">
+            </a:p>
+            <a:p>
+              <a:pPr algn="ctr"/>
+              <a:r>
+                <a:rPr lang="en-US" sz="1200" dirty="0">
+                  <a:solidFill>
+                    <a:srgbClr val="002060"/>
+                  </a:solidFill>
+                </a:rPr>
+                <a:t>React Native</a:t>
+              </a:r>
+              <a:endParaRPr lang="en-IN" sz="1200" dirty="0">
                 <a:solidFill>
                   <a:srgbClr val="002060"/>
                 </a:solidFill>
@@ -5810,8 +5552,8 @@
           </p:nvSpPr>
           <p:spPr>
             <a:xfrm>
-              <a:off x="3561294" y="1945403"/>
-              <a:ext cx="1234936" cy="504665"/>
+              <a:off x="3564132" y="1476099"/>
+              <a:ext cx="1234936" cy="748051"/>
             </a:xfrm>
             <a:prstGeom prst="roundRect">
               <a:avLst/>
@@ -5847,9 +5589,42 @@
                     <a:srgbClr val="002060"/>
                   </a:solidFill>
                 </a:rPr>
-                <a:t>MVC / Razor / Blazor Server</a:t>
+                <a:t>Server Side</a:t>
               </a:r>
-              <a:endParaRPr lang="en-IN" sz="1200" b="1" dirty="0">
+            </a:p>
+            <a:p>
+              <a:pPr algn="ctr"/>
+              <a:r>
+                <a:rPr lang="en-US" sz="1200" dirty="0">
+                  <a:solidFill>
+                    <a:srgbClr val="002060"/>
+                  </a:solidFill>
+                </a:rPr>
+                <a:t>MVC </a:t>
+              </a:r>
+            </a:p>
+            <a:p>
+              <a:pPr algn="ctr"/>
+              <a:r>
+                <a:rPr lang="en-US" sz="1200" dirty="0">
+                  <a:solidFill>
+                    <a:srgbClr val="002060"/>
+                  </a:solidFill>
+                </a:rPr>
+                <a:t>Razor </a:t>
+              </a:r>
+            </a:p>
+            <a:p>
+              <a:pPr algn="ctr"/>
+              <a:r>
+                <a:rPr lang="en-US" sz="1200" dirty="0">
+                  <a:solidFill>
+                    <a:srgbClr val="002060"/>
+                  </a:solidFill>
+                </a:rPr>
+                <a:t>Blazor Server</a:t>
+              </a:r>
+              <a:endParaRPr lang="en-IN" sz="1200" dirty="0">
                 <a:solidFill>
                   <a:srgbClr val="002060"/>
                 </a:solidFill>
@@ -5871,8 +5646,8 @@
           </p:nvSpPr>
           <p:spPr>
             <a:xfrm>
-              <a:off x="3561294" y="2785306"/>
-              <a:ext cx="1234936" cy="736107"/>
+              <a:off x="3564132" y="2400845"/>
+              <a:ext cx="1234936" cy="1032550"/>
             </a:xfrm>
             <a:prstGeom prst="roundRect">
               <a:avLst/>
@@ -5908,13 +5683,13 @@
                     <a:srgbClr val="002060"/>
                   </a:solidFill>
                 </a:rPr>
-                <a:t>Blazor WASM</a:t>
+                <a:t>SPA</a:t>
               </a:r>
             </a:p>
             <a:p>
               <a:pPr algn="ctr"/>
               <a:r>
-                <a:rPr lang="en-US" sz="1200" b="1" dirty="0">
+                <a:rPr lang="en-US" sz="1200" dirty="0">
                   <a:solidFill>
                     <a:srgbClr val="002060"/>
                   </a:solidFill>
@@ -5925,7 +5700,7 @@
             <a:p>
               <a:pPr algn="ctr"/>
               <a:r>
-                <a:rPr lang="en-US" sz="1200" b="1" dirty="0">
+                <a:rPr lang="en-US" sz="1200" dirty="0">
                   <a:solidFill>
                     <a:srgbClr val="002060"/>
                   </a:solidFill>
@@ -5936,14 +5711,361 @@
             <a:p>
               <a:pPr algn="ctr"/>
               <a:r>
-                <a:rPr lang="en-US" sz="1200" b="1" dirty="0">
+                <a:rPr lang="en-US" sz="1200" dirty="0">
                   <a:solidFill>
                     <a:srgbClr val="002060"/>
                   </a:solidFill>
                 </a:rPr>
                 <a:t>Vue JS</a:t>
               </a:r>
+            </a:p>
+            <a:p>
+              <a:pPr algn="ctr"/>
+              <a:r>
+                <a:rPr lang="en-US" sz="1200" dirty="0">
+                  <a:solidFill>
+                    <a:srgbClr val="002060"/>
+                  </a:solidFill>
+                </a:rPr>
+                <a:t>Blazor WASM</a:t>
+              </a:r>
+            </a:p>
+          </p:txBody>
+        </p:sp>
+      </p:grpSp>
+      <p:grpSp>
+        <p:nvGrpSpPr>
+          <p:cNvPr id="3" name="Group 2">
+            <a:extLst>
+              <a:ext uri="{FF2B5EF4-FFF2-40B4-BE49-F238E27FC236}">
+                <a16:creationId xmlns:a16="http://schemas.microsoft.com/office/drawing/2014/main" id="{EF408990-FCA9-4CC3-97FB-20F0A7B43F30}"/>
+              </a:ext>
+            </a:extLst>
+          </p:cNvPr>
+          <p:cNvGrpSpPr/>
+          <p:nvPr/>
+        </p:nvGrpSpPr>
+        <p:grpSpPr>
+          <a:xfrm>
+            <a:off x="3299854" y="5177468"/>
+            <a:ext cx="4334117" cy="1375250"/>
+            <a:chOff x="3299854" y="5177468"/>
+            <a:chExt cx="4334117" cy="1375250"/>
+          </a:xfrm>
+        </p:grpSpPr>
+        <p:sp>
+          <p:nvSpPr>
+            <p:cNvPr id="66" name="Rectangle 65">
+              <a:extLst>
+                <a:ext uri="{FF2B5EF4-FFF2-40B4-BE49-F238E27FC236}">
+                  <a16:creationId xmlns:a16="http://schemas.microsoft.com/office/drawing/2014/main" id="{AD566606-C53C-4FC1-A923-3589748D9D4F}"/>
+                </a:ext>
+              </a:extLst>
+            </p:cNvPr>
+            <p:cNvSpPr/>
+            <p:nvPr/>
+          </p:nvSpPr>
+          <p:spPr>
+            <a:xfrm>
+              <a:off x="3299854" y="5177468"/>
+              <a:ext cx="4334117" cy="1375250"/>
+            </a:xfrm>
+            <a:prstGeom prst="rect">
+              <a:avLst/>
+            </a:prstGeom>
+            <a:solidFill>
+              <a:srgbClr val="D9F2FF"/>
+            </a:solidFill>
+          </p:spPr>
+          <p:style>
+            <a:lnRef idx="2">
+              <a:schemeClr val="accent1">
+                <a:shade val="50000"/>
+              </a:schemeClr>
+            </a:lnRef>
+            <a:fillRef idx="1">
+              <a:schemeClr val="accent1"/>
+            </a:fillRef>
+            <a:effectRef idx="0">
+              <a:schemeClr val="accent1"/>
+            </a:effectRef>
+            <a:fontRef idx="minor">
+              <a:schemeClr val="lt1"/>
+            </a:fontRef>
+          </p:style>
+          <p:txBody>
+            <a:bodyPr rtlCol="0" anchor="t" anchorCtr="0"/>
+            <a:lstStyle/>
+            <a:p>
+              <a:pPr algn="ctr"/>
+              <a:r>
+                <a:rPr lang="en-US" sz="1200" dirty="0">
+                  <a:solidFill>
+                    <a:srgbClr val="002060"/>
+                  </a:solidFill>
+                  <a:latin typeface="Verdana" panose="020B0604030504040204" pitchFamily="34" charset="0"/>
+                  <a:ea typeface="Verdana" panose="020B0604030504040204" pitchFamily="34" charset="0"/>
+                </a:rPr>
+                <a:t>Admin Services</a:t>
+              </a:r>
+              <a:endParaRPr lang="en-IN" sz="1200" dirty="0">
+                <a:solidFill>
+                  <a:srgbClr val="002060"/>
+                </a:solidFill>
+                <a:latin typeface="Verdana" panose="020B0604030504040204" pitchFamily="34" charset="0"/>
+                <a:ea typeface="Verdana" panose="020B0604030504040204" pitchFamily="34" charset="0"/>
+              </a:endParaRPr>
+            </a:p>
+          </p:txBody>
+        </p:sp>
+        <p:sp>
+          <p:nvSpPr>
+            <p:cNvPr id="37" name="Rectangle: Rounded Corners 36">
+              <a:extLst>
+                <a:ext uri="{FF2B5EF4-FFF2-40B4-BE49-F238E27FC236}">
+                  <a16:creationId xmlns:a16="http://schemas.microsoft.com/office/drawing/2014/main" id="{E45EF9D9-D928-42AF-8A79-B4C3DBEB95E1}"/>
+                </a:ext>
+              </a:extLst>
+            </p:cNvPr>
+            <p:cNvSpPr/>
+            <p:nvPr/>
+          </p:nvSpPr>
+          <p:spPr>
+            <a:xfrm>
+              <a:off x="3379240" y="5956201"/>
+              <a:ext cx="1234936" cy="504665"/>
+            </a:xfrm>
+            <a:prstGeom prst="roundRect">
+              <a:avLst/>
+            </a:prstGeom>
+            <a:solidFill>
+              <a:srgbClr val="EFFAFF"/>
+            </a:solidFill>
+          </p:spPr>
+          <p:style>
+            <a:lnRef idx="2">
+              <a:schemeClr val="accent1">
+                <a:shade val="50000"/>
+              </a:schemeClr>
+            </a:lnRef>
+            <a:fillRef idx="1">
+              <a:schemeClr val="accent1"/>
+            </a:fillRef>
+            <a:effectRef idx="0">
+              <a:schemeClr val="accent1"/>
+            </a:effectRef>
+            <a:fontRef idx="minor">
+              <a:schemeClr val="lt1"/>
+            </a:fontRef>
+          </p:style>
+          <p:txBody>
+            <a:bodyPr rtlCol="0" anchor="ctr"/>
+            <a:lstStyle/>
+            <a:p>
+              <a:pPr algn="ctr"/>
+              <a:r>
+                <a:rPr lang="en-US" sz="1200" b="1" dirty="0">
+                  <a:solidFill>
+                    <a:srgbClr val="002060"/>
+                  </a:solidFill>
+                </a:rPr>
+                <a:t>Health Check</a:t>
+              </a:r>
               <a:endParaRPr lang="en-IN" sz="1200" b="1" dirty="0">
+                <a:solidFill>
+                  <a:srgbClr val="002060"/>
+                </a:solidFill>
+              </a:endParaRPr>
+            </a:p>
+          </p:txBody>
+        </p:sp>
+        <p:sp>
+          <p:nvSpPr>
+            <p:cNvPr id="69" name="Rectangle: Rounded Corners 68">
+              <a:extLst>
+                <a:ext uri="{FF2B5EF4-FFF2-40B4-BE49-F238E27FC236}">
+                  <a16:creationId xmlns:a16="http://schemas.microsoft.com/office/drawing/2014/main" id="{B0EDFA10-D167-4497-A206-2282E8F110AE}"/>
+                </a:ext>
+              </a:extLst>
+            </p:cNvPr>
+            <p:cNvSpPr/>
+            <p:nvPr/>
+          </p:nvSpPr>
+          <p:spPr>
+            <a:xfrm>
+              <a:off x="4842287" y="5956201"/>
+              <a:ext cx="1234936" cy="504665"/>
+            </a:xfrm>
+            <a:prstGeom prst="roundRect">
+              <a:avLst/>
+            </a:prstGeom>
+            <a:solidFill>
+              <a:srgbClr val="EFFAFF"/>
+            </a:solidFill>
+          </p:spPr>
+          <p:style>
+            <a:lnRef idx="2">
+              <a:schemeClr val="accent1">
+                <a:shade val="50000"/>
+              </a:schemeClr>
+            </a:lnRef>
+            <a:fillRef idx="1">
+              <a:schemeClr val="accent1"/>
+            </a:fillRef>
+            <a:effectRef idx="0">
+              <a:schemeClr val="accent1"/>
+            </a:effectRef>
+            <a:fontRef idx="minor">
+              <a:schemeClr val="lt1"/>
+            </a:fontRef>
+          </p:style>
+          <p:txBody>
+            <a:bodyPr rtlCol="0" anchor="ctr"/>
+            <a:lstStyle/>
+            <a:p>
+              <a:pPr algn="ctr"/>
+              <a:r>
+                <a:rPr lang="en-US" sz="1200" b="1" dirty="0">
+                  <a:solidFill>
+                    <a:srgbClr val="002060"/>
+                  </a:solidFill>
+                </a:rPr>
+                <a:t>Webhooks</a:t>
+              </a:r>
+              <a:endParaRPr lang="en-IN" sz="1200" b="1" dirty="0">
+                <a:solidFill>
+                  <a:srgbClr val="002060"/>
+                </a:solidFill>
+              </a:endParaRPr>
+            </a:p>
+          </p:txBody>
+        </p:sp>
+        <p:sp>
+          <p:nvSpPr>
+            <p:cNvPr id="70" name="Rectangle: Rounded Corners 69">
+              <a:extLst>
+                <a:ext uri="{FF2B5EF4-FFF2-40B4-BE49-F238E27FC236}">
+                  <a16:creationId xmlns:a16="http://schemas.microsoft.com/office/drawing/2014/main" id="{A074D1DD-3FE8-438B-88C5-DC151937405C}"/>
+                </a:ext>
+              </a:extLst>
+            </p:cNvPr>
+            <p:cNvSpPr/>
+            <p:nvPr/>
+          </p:nvSpPr>
+          <p:spPr>
+            <a:xfrm>
+              <a:off x="6294393" y="5935854"/>
+              <a:ext cx="1234936" cy="504665"/>
+            </a:xfrm>
+            <a:prstGeom prst="roundRect">
+              <a:avLst/>
+            </a:prstGeom>
+            <a:solidFill>
+              <a:srgbClr val="EFFAFF"/>
+            </a:solidFill>
+          </p:spPr>
+          <p:style>
+            <a:lnRef idx="2">
+              <a:schemeClr val="accent1">
+                <a:shade val="50000"/>
+              </a:schemeClr>
+            </a:lnRef>
+            <a:fillRef idx="1">
+              <a:schemeClr val="accent1"/>
+            </a:fillRef>
+            <a:effectRef idx="0">
+              <a:schemeClr val="accent1"/>
+            </a:effectRef>
+            <a:fontRef idx="minor">
+              <a:schemeClr val="lt1"/>
+            </a:fontRef>
+          </p:style>
+          <p:txBody>
+            <a:bodyPr rtlCol="0" anchor="ctr"/>
+            <a:lstStyle/>
+            <a:p>
+              <a:pPr algn="ctr"/>
+              <a:r>
+                <a:rPr lang="en-US" sz="1200" b="1" dirty="0">
+                  <a:solidFill>
+                    <a:srgbClr val="002060"/>
+                  </a:solidFill>
+                </a:rPr>
+                <a:t>Alerts / Monitoring</a:t>
+              </a:r>
+              <a:endParaRPr lang="en-IN" sz="1200" b="1" dirty="0">
+                <a:solidFill>
+                  <a:srgbClr val="002060"/>
+                </a:solidFill>
+              </a:endParaRPr>
+            </a:p>
+          </p:txBody>
+        </p:sp>
+        <p:sp>
+          <p:nvSpPr>
+            <p:cNvPr id="57" name="Rectangle: Rounded Corners 56">
+              <a:extLst>
+                <a:ext uri="{FF2B5EF4-FFF2-40B4-BE49-F238E27FC236}">
+                  <a16:creationId xmlns:a16="http://schemas.microsoft.com/office/drawing/2014/main" id="{067FBA5F-63F6-4044-A857-AE0BC37E6962}"/>
+                </a:ext>
+              </a:extLst>
+            </p:cNvPr>
+            <p:cNvSpPr/>
+            <p:nvPr/>
+          </p:nvSpPr>
+          <p:spPr>
+            <a:xfrm>
+              <a:off x="3370040" y="5365200"/>
+              <a:ext cx="1234936" cy="504665"/>
+            </a:xfrm>
+            <a:prstGeom prst="roundRect">
+              <a:avLst/>
+            </a:prstGeom>
+            <a:solidFill>
+              <a:srgbClr val="EFFAFF"/>
+            </a:solidFill>
+          </p:spPr>
+          <p:style>
+            <a:lnRef idx="2">
+              <a:schemeClr val="accent1">
+                <a:shade val="50000"/>
+              </a:schemeClr>
+            </a:lnRef>
+            <a:fillRef idx="1">
+              <a:schemeClr val="accent1"/>
+            </a:fillRef>
+            <a:effectRef idx="0">
+              <a:schemeClr val="accent1"/>
+            </a:effectRef>
+            <a:fontRef idx="minor">
+              <a:schemeClr val="lt1"/>
+            </a:fontRef>
+          </p:style>
+          <p:txBody>
+            <a:bodyPr rtlCol="0" anchor="ctr"/>
+            <a:lstStyle/>
+            <a:p>
+              <a:pPr algn="ctr"/>
+              <a:r>
+                <a:rPr lang="en-US" sz="1200" b="1" dirty="0">
+                  <a:solidFill>
+                    <a:srgbClr val="002060"/>
+                  </a:solidFill>
+                </a:rPr>
+                <a:t>SPA</a:t>
+              </a:r>
+            </a:p>
+            <a:p>
+              <a:pPr algn="ctr"/>
+              <a:r>
+                <a:rPr lang="en-US" sz="1200" dirty="0">
+                  <a:solidFill>
+                    <a:srgbClr val="002060"/>
+                  </a:solidFill>
+                </a:rPr>
+                <a:t>Admin UI</a:t>
+              </a:r>
+              <a:endParaRPr lang="en-IN" sz="1200" dirty="0">
                 <a:solidFill>
                   <a:srgbClr val="002060"/>
                 </a:solidFill>

--- a/Documentation/Architecture.pptx
+++ b/Documentation/Architecture.pptx
@@ -6,6 +6,7 @@
   </p:sldMasterIdLst>
   <p:sldIdLst>
     <p:sldId id="333" r:id="rId2"/>
+    <p:sldId id="334" r:id="rId3"/>
   </p:sldIdLst>
   <p:sldSz cx="12192000" cy="6858000"/>
   <p:notesSz cx="6858000" cy="9144000"/>
@@ -261,7 +262,7 @@
           <a:p>
             <a:fld id="{DC2BF6E6-F863-479F-A057-0F7FF047E296}" type="datetimeFigureOut">
               <a:rPr lang="en-IN" smtClean="0"/>
-              <a:t>09-04-2022</a:t>
+              <a:t>15-05-2022</a:t>
             </a:fld>
             <a:endParaRPr lang="en-IN"/>
           </a:p>
@@ -461,7 +462,7 @@
           <a:p>
             <a:fld id="{DC2BF6E6-F863-479F-A057-0F7FF047E296}" type="datetimeFigureOut">
               <a:rPr lang="en-IN" smtClean="0"/>
-              <a:t>09-04-2022</a:t>
+              <a:t>15-05-2022</a:t>
             </a:fld>
             <a:endParaRPr lang="en-IN"/>
           </a:p>
@@ -671,7 +672,7 @@
           <a:p>
             <a:fld id="{DC2BF6E6-F863-479F-A057-0F7FF047E296}" type="datetimeFigureOut">
               <a:rPr lang="en-IN" smtClean="0"/>
-              <a:t>09-04-2022</a:t>
+              <a:t>15-05-2022</a:t>
             </a:fld>
             <a:endParaRPr lang="en-IN"/>
           </a:p>
@@ -871,7 +872,7 @@
           <a:p>
             <a:fld id="{DC2BF6E6-F863-479F-A057-0F7FF047E296}" type="datetimeFigureOut">
               <a:rPr lang="en-IN" smtClean="0"/>
-              <a:t>09-04-2022</a:t>
+              <a:t>15-05-2022</a:t>
             </a:fld>
             <a:endParaRPr lang="en-IN"/>
           </a:p>
@@ -1147,7 +1148,7 @@
           <a:p>
             <a:fld id="{DC2BF6E6-F863-479F-A057-0F7FF047E296}" type="datetimeFigureOut">
               <a:rPr lang="en-IN" smtClean="0"/>
-              <a:t>09-04-2022</a:t>
+              <a:t>15-05-2022</a:t>
             </a:fld>
             <a:endParaRPr lang="en-IN"/>
           </a:p>
@@ -1415,7 +1416,7 @@
           <a:p>
             <a:fld id="{DC2BF6E6-F863-479F-A057-0F7FF047E296}" type="datetimeFigureOut">
               <a:rPr lang="en-IN" smtClean="0"/>
-              <a:t>09-04-2022</a:t>
+              <a:t>15-05-2022</a:t>
             </a:fld>
             <a:endParaRPr lang="en-IN"/>
           </a:p>
@@ -1830,7 +1831,7 @@
           <a:p>
             <a:fld id="{DC2BF6E6-F863-479F-A057-0F7FF047E296}" type="datetimeFigureOut">
               <a:rPr lang="en-IN" smtClean="0"/>
-              <a:t>09-04-2022</a:t>
+              <a:t>15-05-2022</a:t>
             </a:fld>
             <a:endParaRPr lang="en-IN"/>
           </a:p>
@@ -1972,7 +1973,7 @@
           <a:p>
             <a:fld id="{DC2BF6E6-F863-479F-A057-0F7FF047E296}" type="datetimeFigureOut">
               <a:rPr lang="en-IN" smtClean="0"/>
-              <a:t>09-04-2022</a:t>
+              <a:t>15-05-2022</a:t>
             </a:fld>
             <a:endParaRPr lang="en-IN"/>
           </a:p>
@@ -2085,7 +2086,7 @@
           <a:p>
             <a:fld id="{DC2BF6E6-F863-479F-A057-0F7FF047E296}" type="datetimeFigureOut">
               <a:rPr lang="en-IN" smtClean="0"/>
-              <a:t>09-04-2022</a:t>
+              <a:t>15-05-2022</a:t>
             </a:fld>
             <a:endParaRPr lang="en-IN"/>
           </a:p>
@@ -2398,7 +2399,7 @@
           <a:p>
             <a:fld id="{DC2BF6E6-F863-479F-A057-0F7FF047E296}" type="datetimeFigureOut">
               <a:rPr lang="en-IN" smtClean="0"/>
-              <a:t>09-04-2022</a:t>
+              <a:t>15-05-2022</a:t>
             </a:fld>
             <a:endParaRPr lang="en-IN"/>
           </a:p>
@@ -2687,7 +2688,7 @@
           <a:p>
             <a:fld id="{DC2BF6E6-F863-479F-A057-0F7FF047E296}" type="datetimeFigureOut">
               <a:rPr lang="en-IN" smtClean="0"/>
-              <a:t>09-04-2022</a:t>
+              <a:t>15-05-2022</a:t>
             </a:fld>
             <a:endParaRPr lang="en-IN"/>
           </a:p>
@@ -2930,7 +2931,7 @@
           <a:p>
             <a:fld id="{DC2BF6E6-F863-479F-A057-0F7FF047E296}" type="datetimeFigureOut">
               <a:rPr lang="en-IN" smtClean="0"/>
-              <a:t>09-04-2022</a:t>
+              <a:t>15-05-2022</a:t>
             </a:fld>
             <a:endParaRPr lang="en-IN"/>
           </a:p>
@@ -3697,305 +3698,6 @@
       </p:pic>
       <p:grpSp>
         <p:nvGrpSpPr>
-          <p:cNvPr id="21" name="Group 20">
-            <a:extLst>
-              <a:ext uri="{FF2B5EF4-FFF2-40B4-BE49-F238E27FC236}">
-                <a16:creationId xmlns:a16="http://schemas.microsoft.com/office/drawing/2014/main" id="{DB5415C4-01F6-402B-9A1D-E275DCDDDE43}"/>
-              </a:ext>
-            </a:extLst>
-          </p:cNvPr>
-          <p:cNvGrpSpPr>
-            <a:grpSpLocks noChangeAspect="1"/>
-          </p:cNvGrpSpPr>
-          <p:nvPr/>
-        </p:nvGrpSpPr>
-        <p:grpSpPr>
-          <a:xfrm>
-            <a:off x="7975694" y="5936421"/>
-            <a:ext cx="1969193" cy="619491"/>
-            <a:chOff x="7928042" y="5716128"/>
-            <a:chExt cx="1969193" cy="619491"/>
-          </a:xfrm>
-        </p:grpSpPr>
-        <p:grpSp>
-          <p:nvGrpSpPr>
-            <p:cNvPr id="10" name="Group 9">
-              <a:extLst>
-                <a:ext uri="{FF2B5EF4-FFF2-40B4-BE49-F238E27FC236}">
-                  <a16:creationId xmlns:a16="http://schemas.microsoft.com/office/drawing/2014/main" id="{CFA7722F-3C3B-4B14-B0D6-2D5EBB7FC7A0}"/>
-                </a:ext>
-              </a:extLst>
-            </p:cNvPr>
-            <p:cNvGrpSpPr>
-              <a:grpSpLocks noChangeAspect="1"/>
-            </p:cNvGrpSpPr>
-            <p:nvPr/>
-          </p:nvGrpSpPr>
-          <p:grpSpPr>
-            <a:xfrm>
-              <a:off x="9195519" y="5963156"/>
-              <a:ext cx="360000" cy="360000"/>
-              <a:chOff x="5509093" y="4986775"/>
-              <a:chExt cx="543194" cy="807799"/>
-            </a:xfrm>
-          </p:grpSpPr>
-          <p:pic>
-            <p:nvPicPr>
-              <p:cNvPr id="1032" name="Picture 8">
-                <a:extLst>
-                  <a:ext uri="{FF2B5EF4-FFF2-40B4-BE49-F238E27FC236}">
-                    <a16:creationId xmlns:a16="http://schemas.microsoft.com/office/drawing/2014/main" id="{65323FB3-3161-4FCA-A41F-74777B67FFD1}"/>
-                  </a:ext>
-                </a:extLst>
-              </p:cNvPr>
-              <p:cNvPicPr>
-                <a:picLocks noChangeAspect="1" noChangeArrowheads="1"/>
-              </p:cNvPicPr>
-              <p:nvPr/>
-            </p:nvPicPr>
-            <p:blipFill>
-              <a:blip r:embed="rId6">
-                <a:extLst>
-                  <a:ext uri="{28A0092B-C50C-407E-A947-70E740481C1C}">
-                    <a14:useLocalDpi xmlns:a14="http://schemas.microsoft.com/office/drawing/2010/main" val="0"/>
-                  </a:ext>
-                </a:extLst>
-              </a:blip>
-              <a:srcRect/>
-              <a:stretch>
-                <a:fillRect/>
-              </a:stretch>
-            </p:blipFill>
-            <p:spPr bwMode="auto">
-              <a:xfrm>
-                <a:off x="5509093" y="4986775"/>
-                <a:ext cx="543194" cy="807799"/>
-              </a:xfrm>
-              <a:prstGeom prst="rect">
-                <a:avLst/>
-              </a:prstGeom>
-              <a:noFill/>
-              <a:extLst>
-                <a:ext uri="{909E8E84-426E-40DD-AFC4-6F175D3DCCD1}">
-                  <a14:hiddenFill xmlns:a14="http://schemas.microsoft.com/office/drawing/2010/main">
-                    <a:solidFill>
-                      <a:srgbClr val="FFFFFF"/>
-                    </a:solidFill>
-                  </a14:hiddenFill>
-                </a:ext>
-              </a:extLst>
-            </p:spPr>
-          </p:pic>
-          <p:pic>
-            <p:nvPicPr>
-              <p:cNvPr id="15" name="Picture 6" descr="Icon Mongodb Logo, HD Png Download , Transparent Png Image - PNGitem">
-                <a:extLst>
-                  <a:ext uri="{FF2B5EF4-FFF2-40B4-BE49-F238E27FC236}">
-                    <a16:creationId xmlns:a16="http://schemas.microsoft.com/office/drawing/2014/main" id="{0F60B27C-3D89-4A33-9BE9-FA5CF6F9B0DA}"/>
-                  </a:ext>
-                </a:extLst>
-              </p:cNvPr>
-              <p:cNvPicPr>
-                <a:picLocks noChangeAspect="1" noChangeArrowheads="1"/>
-              </p:cNvPicPr>
-              <p:nvPr/>
-            </p:nvPicPr>
-            <p:blipFill>
-              <a:blip r:embed="rId7">
-                <a:extLst>
-                  <a:ext uri="{28A0092B-C50C-407E-A947-70E740481C1C}">
-                    <a14:useLocalDpi xmlns:a14="http://schemas.microsoft.com/office/drawing/2010/main" val="0"/>
-                  </a:ext>
-                </a:extLst>
-              </a:blip>
-              <a:srcRect/>
-              <a:stretch>
-                <a:fillRect/>
-              </a:stretch>
-            </p:blipFill>
-            <p:spPr bwMode="auto">
-              <a:xfrm>
-                <a:off x="5604555" y="5231877"/>
-                <a:ext cx="371124" cy="433633"/>
-              </a:xfrm>
-              <a:prstGeom prst="rect">
-                <a:avLst/>
-              </a:prstGeom>
-              <a:noFill/>
-              <a:extLst>
-                <a:ext uri="{909E8E84-426E-40DD-AFC4-6F175D3DCCD1}">
-                  <a14:hiddenFill xmlns:a14="http://schemas.microsoft.com/office/drawing/2010/main">
-                    <a:solidFill>
-                      <a:srgbClr val="FFFFFF"/>
-                    </a:solidFill>
-                  </a14:hiddenFill>
-                </a:ext>
-              </a:extLst>
-            </p:spPr>
-          </p:pic>
-        </p:grpSp>
-        <p:sp>
-          <p:nvSpPr>
-            <p:cNvPr id="26" name="Rectangle: Rounded Corners 25">
-              <a:extLst>
-                <a:ext uri="{FF2B5EF4-FFF2-40B4-BE49-F238E27FC236}">
-                  <a16:creationId xmlns:a16="http://schemas.microsoft.com/office/drawing/2014/main" id="{70E55D40-F807-4535-AFC7-97777C23A1A4}"/>
-                </a:ext>
-              </a:extLst>
-            </p:cNvPr>
-            <p:cNvSpPr/>
-            <p:nvPr/>
-          </p:nvSpPr>
-          <p:spPr>
-            <a:xfrm>
-              <a:off x="7928042" y="5716128"/>
-              <a:ext cx="1969193" cy="619491"/>
-            </a:xfrm>
-            <a:prstGeom prst="roundRect">
-              <a:avLst/>
-            </a:prstGeom>
-            <a:noFill/>
-          </p:spPr>
-          <p:style>
-            <a:lnRef idx="2">
-              <a:schemeClr val="accent1">
-                <a:shade val="50000"/>
-              </a:schemeClr>
-            </a:lnRef>
-            <a:fillRef idx="1">
-              <a:schemeClr val="accent1"/>
-            </a:fillRef>
-            <a:effectRef idx="0">
-              <a:schemeClr val="accent1"/>
-            </a:effectRef>
-            <a:fontRef idx="minor">
-              <a:schemeClr val="lt1"/>
-            </a:fontRef>
-          </p:style>
-          <p:txBody>
-            <a:bodyPr tIns="0" rtlCol="0" anchor="t" anchorCtr="0"/>
-            <a:lstStyle/>
-            <a:p>
-              <a:pPr algn="ctr"/>
-              <a:r>
-                <a:rPr lang="en-US" sz="1100" b="1" dirty="0">
-                  <a:solidFill>
-                    <a:srgbClr val="002060"/>
-                  </a:solidFill>
-                  <a:latin typeface="Verdana" panose="020B0604030504040204" pitchFamily="34" charset="0"/>
-                  <a:ea typeface="Verdana" panose="020B0604030504040204" pitchFamily="34" charset="0"/>
-                </a:rPr>
-                <a:t>Products</a:t>
-              </a:r>
-              <a:r>
-                <a:rPr lang="en-US" sz="1100" dirty="0">
-                  <a:solidFill>
-                    <a:srgbClr val="002060"/>
-                  </a:solidFill>
-                  <a:latin typeface="Verdana" panose="020B0604030504040204" pitchFamily="34" charset="0"/>
-                  <a:ea typeface="Verdana" panose="020B0604030504040204" pitchFamily="34" charset="0"/>
-                </a:rPr>
-                <a:t> Microservices</a:t>
-              </a:r>
-              <a:endParaRPr lang="en-IN" sz="1100" dirty="0">
-                <a:solidFill>
-                  <a:srgbClr val="002060"/>
-                </a:solidFill>
-                <a:latin typeface="Verdana" panose="020B0604030504040204" pitchFamily="34" charset="0"/>
-                <a:ea typeface="Verdana" panose="020B0604030504040204" pitchFamily="34" charset="0"/>
-              </a:endParaRPr>
-            </a:p>
-          </p:txBody>
-        </p:sp>
-        <p:pic>
-          <p:nvPicPr>
-            <p:cNvPr id="27" name="Picture 16">
-              <a:extLst>
-                <a:ext uri="{FF2B5EF4-FFF2-40B4-BE49-F238E27FC236}">
-                  <a16:creationId xmlns:a16="http://schemas.microsoft.com/office/drawing/2014/main" id="{8E5E390B-01CA-4585-8914-CDBA43B6A291}"/>
-                </a:ext>
-              </a:extLst>
-            </p:cNvPr>
-            <p:cNvPicPr>
-              <a:picLocks noChangeAspect="1" noChangeArrowheads="1"/>
-            </p:cNvPicPr>
-            <p:nvPr/>
-          </p:nvPicPr>
-          <p:blipFill>
-            <a:blip r:embed="rId8">
-              <a:extLst>
-                <a:ext uri="{28A0092B-C50C-407E-A947-70E740481C1C}">
-                  <a14:useLocalDpi xmlns:a14="http://schemas.microsoft.com/office/drawing/2010/main" val="0"/>
-                </a:ext>
-              </a:extLst>
-            </a:blip>
-            <a:srcRect/>
-            <a:stretch>
-              <a:fillRect/>
-            </a:stretch>
-          </p:blipFill>
-          <p:spPr bwMode="auto">
-            <a:xfrm>
-              <a:off x="8310366" y="5963156"/>
-              <a:ext cx="360000" cy="360000"/>
-            </a:xfrm>
-            <a:prstGeom prst="rect">
-              <a:avLst/>
-            </a:prstGeom>
-            <a:noFill/>
-            <a:extLst>
-              <a:ext uri="{909E8E84-426E-40DD-AFC4-6F175D3DCCD1}">
-                <a14:hiddenFill xmlns:a14="http://schemas.microsoft.com/office/drawing/2010/main">
-                  <a:solidFill>
-                    <a:srgbClr val="FFFFFF"/>
-                  </a:solidFill>
-                </a14:hiddenFill>
-              </a:ext>
-            </a:extLst>
-          </p:spPr>
-        </p:pic>
-        <p:cxnSp>
-          <p:nvCxnSpPr>
-            <p:cNvPr id="36" name="Straight Arrow Connector 35">
-              <a:extLst>
-                <a:ext uri="{FF2B5EF4-FFF2-40B4-BE49-F238E27FC236}">
-                  <a16:creationId xmlns:a16="http://schemas.microsoft.com/office/drawing/2014/main" id="{F6E7DF90-7FEF-491E-8015-5BA1941123FC}"/>
-                </a:ext>
-              </a:extLst>
-            </p:cNvPr>
-            <p:cNvCxnSpPr/>
-            <p:nvPr/>
-          </p:nvCxnSpPr>
-          <p:spPr>
-            <a:xfrm>
-              <a:off x="8588638" y="6143156"/>
-              <a:ext cx="648000" cy="0"/>
-            </a:xfrm>
-            <a:prstGeom prst="straightConnector1">
-              <a:avLst/>
-            </a:prstGeom>
-            <a:ln>
-              <a:tailEnd type="triangle"/>
-            </a:ln>
-          </p:spPr>
-          <p:style>
-            <a:lnRef idx="2">
-              <a:schemeClr val="accent1"/>
-            </a:lnRef>
-            <a:fillRef idx="0">
-              <a:schemeClr val="accent1"/>
-            </a:fillRef>
-            <a:effectRef idx="1">
-              <a:schemeClr val="accent1"/>
-            </a:effectRef>
-            <a:fontRef idx="minor">
-              <a:schemeClr val="tx1"/>
-            </a:fontRef>
-          </p:style>
-        </p:cxnSp>
-      </p:grpSp>
-      <p:grpSp>
-        <p:nvGrpSpPr>
           <p:cNvPr id="29" name="Group 28">
             <a:extLst>
               <a:ext uri="{FF2B5EF4-FFF2-40B4-BE49-F238E27FC236}">
@@ -4104,7 +3806,7 @@
             <p:nvPr/>
           </p:nvPicPr>
           <p:blipFill>
-            <a:blip r:embed="rId8">
+            <a:blip r:embed="rId6">
               <a:extLst>
                 <a:ext uri="{28A0092B-C50C-407E-A947-70E740481C1C}">
                   <a14:useLocalDpi xmlns:a14="http://schemas.microsoft.com/office/drawing/2010/main" val="0"/>
@@ -4295,7 +3997,7 @@
             <p:nvPr/>
           </p:nvPicPr>
           <p:blipFill>
-            <a:blip r:embed="rId8">
+            <a:blip r:embed="rId6">
               <a:extLst>
                 <a:ext uri="{28A0092B-C50C-407E-A947-70E740481C1C}">
                   <a14:useLocalDpi xmlns:a14="http://schemas.microsoft.com/office/drawing/2010/main" val="0"/>
@@ -4486,7 +4188,7 @@
             <p:nvPr/>
           </p:nvPicPr>
           <p:blipFill>
-            <a:blip r:embed="rId8">
+            <a:blip r:embed="rId6">
               <a:extLst>
                 <a:ext uri="{28A0092B-C50C-407E-A947-70E740481C1C}">
                   <a14:useLocalDpi xmlns:a14="http://schemas.microsoft.com/office/drawing/2010/main" val="0"/>
@@ -4677,7 +4379,7 @@
             <p:nvPr/>
           </p:nvPicPr>
           <p:blipFill>
-            <a:blip r:embed="rId8">
+            <a:blip r:embed="rId6">
               <a:extLst>
                 <a:ext uri="{28A0092B-C50C-407E-A947-70E740481C1C}">
                   <a14:useLocalDpi xmlns:a14="http://schemas.microsoft.com/office/drawing/2010/main" val="0"/>
@@ -4868,7 +4570,7 @@
             <p:nvPr/>
           </p:nvPicPr>
           <p:blipFill>
-            <a:blip r:embed="rId8">
+            <a:blip r:embed="rId6">
               <a:extLst>
                 <a:ext uri="{28A0092B-C50C-407E-A947-70E740481C1C}">
                   <a14:useLocalDpi xmlns:a14="http://schemas.microsoft.com/office/drawing/2010/main" val="0"/>
@@ -6074,10 +5776,3062 @@
           </p:txBody>
         </p:sp>
       </p:grpSp>
+      <p:grpSp>
+        <p:nvGrpSpPr>
+          <p:cNvPr id="7" name="Group 6">
+            <a:extLst>
+              <a:ext uri="{FF2B5EF4-FFF2-40B4-BE49-F238E27FC236}">
+                <a16:creationId xmlns:a16="http://schemas.microsoft.com/office/drawing/2014/main" id="{89A437BF-B9F4-4E33-B1E6-F4A4A6788C78}"/>
+              </a:ext>
+            </a:extLst>
+          </p:cNvPr>
+          <p:cNvGrpSpPr/>
+          <p:nvPr/>
+        </p:nvGrpSpPr>
+        <p:grpSpPr>
+          <a:xfrm>
+            <a:off x="7975694" y="5936421"/>
+            <a:ext cx="1969193" cy="619491"/>
+            <a:chOff x="7975694" y="5936421"/>
+            <a:chExt cx="1969193" cy="619491"/>
+          </a:xfrm>
+        </p:grpSpPr>
+        <p:sp>
+          <p:nvSpPr>
+            <p:cNvPr id="26" name="Rectangle: Rounded Corners 25">
+              <a:extLst>
+                <a:ext uri="{FF2B5EF4-FFF2-40B4-BE49-F238E27FC236}">
+                  <a16:creationId xmlns:a16="http://schemas.microsoft.com/office/drawing/2014/main" id="{70E55D40-F807-4535-AFC7-97777C23A1A4}"/>
+                </a:ext>
+              </a:extLst>
+            </p:cNvPr>
+            <p:cNvSpPr/>
+            <p:nvPr/>
+          </p:nvSpPr>
+          <p:spPr>
+            <a:xfrm>
+              <a:off x="7975694" y="5936421"/>
+              <a:ext cx="1969193" cy="619491"/>
+            </a:xfrm>
+            <a:prstGeom prst="roundRect">
+              <a:avLst/>
+            </a:prstGeom>
+            <a:noFill/>
+          </p:spPr>
+          <p:style>
+            <a:lnRef idx="2">
+              <a:schemeClr val="accent1">
+                <a:shade val="50000"/>
+              </a:schemeClr>
+            </a:lnRef>
+            <a:fillRef idx="1">
+              <a:schemeClr val="accent1"/>
+            </a:fillRef>
+            <a:effectRef idx="0">
+              <a:schemeClr val="accent1"/>
+            </a:effectRef>
+            <a:fontRef idx="minor">
+              <a:schemeClr val="lt1"/>
+            </a:fontRef>
+          </p:style>
+          <p:txBody>
+            <a:bodyPr tIns="0" rtlCol="0" anchor="t" anchorCtr="0"/>
+            <a:lstStyle/>
+            <a:p>
+              <a:pPr algn="ctr"/>
+              <a:r>
+                <a:rPr lang="en-US" sz="1100" b="1" dirty="0">
+                  <a:solidFill>
+                    <a:srgbClr val="002060"/>
+                  </a:solidFill>
+                  <a:latin typeface="Verdana" panose="020B0604030504040204" pitchFamily="34" charset="0"/>
+                  <a:ea typeface="Verdana" panose="020B0604030504040204" pitchFamily="34" charset="0"/>
+                </a:rPr>
+                <a:t>Products</a:t>
+              </a:r>
+              <a:r>
+                <a:rPr lang="en-US" sz="1100" dirty="0">
+                  <a:solidFill>
+                    <a:srgbClr val="002060"/>
+                  </a:solidFill>
+                  <a:latin typeface="Verdana" panose="020B0604030504040204" pitchFamily="34" charset="0"/>
+                  <a:ea typeface="Verdana" panose="020B0604030504040204" pitchFamily="34" charset="0"/>
+                </a:rPr>
+                <a:t> Microservices</a:t>
+              </a:r>
+              <a:endParaRPr lang="en-IN" sz="1100" dirty="0">
+                <a:solidFill>
+                  <a:srgbClr val="002060"/>
+                </a:solidFill>
+                <a:latin typeface="Verdana" panose="020B0604030504040204" pitchFamily="34" charset="0"/>
+                <a:ea typeface="Verdana" panose="020B0604030504040204" pitchFamily="34" charset="0"/>
+              </a:endParaRPr>
+            </a:p>
+          </p:txBody>
+        </p:sp>
+        <p:pic>
+          <p:nvPicPr>
+            <p:cNvPr id="27" name="Picture 16">
+              <a:extLst>
+                <a:ext uri="{FF2B5EF4-FFF2-40B4-BE49-F238E27FC236}">
+                  <a16:creationId xmlns:a16="http://schemas.microsoft.com/office/drawing/2014/main" id="{8E5E390B-01CA-4585-8914-CDBA43B6A291}"/>
+                </a:ext>
+              </a:extLst>
+            </p:cNvPr>
+            <p:cNvPicPr>
+              <a:picLocks noChangeAspect="1" noChangeArrowheads="1"/>
+            </p:cNvPicPr>
+            <p:nvPr/>
+          </p:nvPicPr>
+          <p:blipFill>
+            <a:blip r:embed="rId6">
+              <a:extLst>
+                <a:ext uri="{28A0092B-C50C-407E-A947-70E740481C1C}">
+                  <a14:useLocalDpi xmlns:a14="http://schemas.microsoft.com/office/drawing/2010/main" val="0"/>
+                </a:ext>
+              </a:extLst>
+            </a:blip>
+            <a:srcRect/>
+            <a:stretch>
+              <a:fillRect/>
+            </a:stretch>
+          </p:blipFill>
+          <p:spPr bwMode="auto">
+            <a:xfrm>
+              <a:off x="8358018" y="6183449"/>
+              <a:ext cx="360000" cy="360000"/>
+            </a:xfrm>
+            <a:prstGeom prst="rect">
+              <a:avLst/>
+            </a:prstGeom>
+            <a:noFill/>
+            <a:extLst>
+              <a:ext uri="{909E8E84-426E-40DD-AFC4-6F175D3DCCD1}">
+                <a14:hiddenFill xmlns:a14="http://schemas.microsoft.com/office/drawing/2010/main">
+                  <a:solidFill>
+                    <a:srgbClr val="FFFFFF"/>
+                  </a:solidFill>
+                </a14:hiddenFill>
+              </a:ext>
+            </a:extLst>
+          </p:spPr>
+        </p:pic>
+        <p:cxnSp>
+          <p:nvCxnSpPr>
+            <p:cNvPr id="36" name="Straight Arrow Connector 35">
+              <a:extLst>
+                <a:ext uri="{FF2B5EF4-FFF2-40B4-BE49-F238E27FC236}">
+                  <a16:creationId xmlns:a16="http://schemas.microsoft.com/office/drawing/2014/main" id="{F6E7DF90-7FEF-491E-8015-5BA1941123FC}"/>
+                </a:ext>
+              </a:extLst>
+            </p:cNvPr>
+            <p:cNvCxnSpPr/>
+            <p:nvPr/>
+          </p:nvCxnSpPr>
+          <p:spPr>
+            <a:xfrm>
+              <a:off x="8636290" y="6363449"/>
+              <a:ext cx="648000" cy="0"/>
+            </a:xfrm>
+            <a:prstGeom prst="straightConnector1">
+              <a:avLst/>
+            </a:prstGeom>
+            <a:ln>
+              <a:tailEnd type="triangle"/>
+            </a:ln>
+          </p:spPr>
+          <p:style>
+            <a:lnRef idx="2">
+              <a:schemeClr val="accent1"/>
+            </a:lnRef>
+            <a:fillRef idx="0">
+              <a:schemeClr val="accent1"/>
+            </a:fillRef>
+            <a:effectRef idx="1">
+              <a:schemeClr val="accent1"/>
+            </a:effectRef>
+            <a:fontRef idx="minor">
+              <a:schemeClr val="tx1"/>
+            </a:fontRef>
+          </p:style>
+        </p:cxnSp>
+        <p:sp>
+          <p:nvSpPr>
+            <p:cNvPr id="58" name="TextBox 57">
+              <a:extLst>
+                <a:ext uri="{FF2B5EF4-FFF2-40B4-BE49-F238E27FC236}">
+                  <a16:creationId xmlns:a16="http://schemas.microsoft.com/office/drawing/2014/main" id="{8BE7DFDF-9042-4D41-AAB8-71E578F98892}"/>
+                </a:ext>
+              </a:extLst>
+            </p:cNvPr>
+            <p:cNvSpPr txBox="1"/>
+            <p:nvPr/>
+          </p:nvSpPr>
+          <p:spPr>
+            <a:xfrm>
+              <a:off x="9196437" y="6233810"/>
+              <a:ext cx="698409" cy="246221"/>
+            </a:xfrm>
+            <a:prstGeom prst="rect">
+              <a:avLst/>
+            </a:prstGeom>
+            <a:noFill/>
+          </p:spPr>
+          <p:txBody>
+            <a:bodyPr wrap="square" rtlCol="0">
+              <a:spAutoFit/>
+            </a:bodyPr>
+            <a:lstStyle/>
+            <a:p>
+              <a:r>
+                <a:rPr lang="en-US" sz="1000" b="1" dirty="0">
+                  <a:solidFill>
+                    <a:srgbClr val="0070C0"/>
+                  </a:solidFill>
+                  <a:latin typeface="Verdana" panose="020B0604030504040204" pitchFamily="34" charset="0"/>
+                  <a:ea typeface="Verdana" panose="020B0604030504040204" pitchFamily="34" charset="0"/>
+                </a:rPr>
+                <a:t>Mongo</a:t>
+              </a:r>
+              <a:endParaRPr lang="en-IN" sz="1000" b="1" dirty="0">
+                <a:solidFill>
+                  <a:srgbClr val="0070C0"/>
+                </a:solidFill>
+                <a:latin typeface="Verdana" panose="020B0604030504040204" pitchFamily="34" charset="0"/>
+                <a:ea typeface="Verdana" panose="020B0604030504040204" pitchFamily="34" charset="0"/>
+              </a:endParaRPr>
+            </a:p>
+          </p:txBody>
+        </p:sp>
+      </p:grpSp>
+      <p:sp>
+        <p:nvSpPr>
+          <p:cNvPr id="2" name="TextBox 1">
+            <a:extLst>
+              <a:ext uri="{FF2B5EF4-FFF2-40B4-BE49-F238E27FC236}">
+                <a16:creationId xmlns:a16="http://schemas.microsoft.com/office/drawing/2014/main" id="{6F902A5D-40E9-4AA1-9C54-ED72203D820C}"/>
+              </a:ext>
+            </a:extLst>
+          </p:cNvPr>
+          <p:cNvSpPr txBox="1"/>
+          <p:nvPr/>
+        </p:nvSpPr>
+        <p:spPr>
+          <a:xfrm>
+            <a:off x="480767" y="403670"/>
+            <a:ext cx="2682073" cy="646331"/>
+          </a:xfrm>
+          <a:prstGeom prst="rect">
+            <a:avLst/>
+          </a:prstGeom>
+          <a:noFill/>
+          <a:ln w="12700">
+            <a:solidFill>
+              <a:srgbClr val="00B0F0"/>
+            </a:solidFill>
+          </a:ln>
+        </p:spPr>
+        <p:txBody>
+          <a:bodyPr wrap="square" rtlCol="0">
+            <a:spAutoFit/>
+          </a:bodyPr>
+          <a:lstStyle/>
+          <a:p>
+            <a:pPr algn="ctr"/>
+            <a:r>
+              <a:rPr lang="en-US" b="1" dirty="0">
+                <a:solidFill>
+                  <a:srgbClr val="0070C0"/>
+                </a:solidFill>
+                <a:latin typeface="Verdana" panose="020B0604030504040204" pitchFamily="34" charset="0"/>
+                <a:ea typeface="Verdana" panose="020B0604030504040204" pitchFamily="34" charset="0"/>
+              </a:rPr>
+              <a:t>Planned/Proposed</a:t>
+            </a:r>
+          </a:p>
+          <a:p>
+            <a:pPr algn="ctr"/>
+            <a:r>
+              <a:rPr lang="en-US" b="1" dirty="0">
+                <a:solidFill>
+                  <a:srgbClr val="0070C0"/>
+                </a:solidFill>
+                <a:latin typeface="Verdana" panose="020B0604030504040204" pitchFamily="34" charset="0"/>
+                <a:ea typeface="Verdana" panose="020B0604030504040204" pitchFamily="34" charset="0"/>
+              </a:rPr>
+              <a:t>Architecture</a:t>
+            </a:r>
+            <a:endParaRPr lang="en-IN" b="1" dirty="0">
+              <a:solidFill>
+                <a:srgbClr val="0070C0"/>
+              </a:solidFill>
+              <a:latin typeface="Verdana" panose="020B0604030504040204" pitchFamily="34" charset="0"/>
+              <a:ea typeface="Verdana" panose="020B0604030504040204" pitchFamily="34" charset="0"/>
+            </a:endParaRPr>
+          </a:p>
+        </p:txBody>
+      </p:sp>
     </p:spTree>
     <p:extLst>
       <p:ext uri="{BB962C8B-B14F-4D97-AF65-F5344CB8AC3E}">
         <p14:creationId xmlns:p14="http://schemas.microsoft.com/office/powerpoint/2010/main" val="1464617685"/>
+      </p:ext>
+    </p:extLst>
+  </p:cSld>
+  <p:clrMapOvr>
+    <a:masterClrMapping/>
+  </p:clrMapOvr>
+</p:sld>
+</file>
+
+<file path=ppt/slides/slide2.xml><?xml version="1.0" encoding="utf-8"?>
+<p:sld xmlns:a="http://schemas.openxmlformats.org/drawingml/2006/main" xmlns:r="http://schemas.openxmlformats.org/officeDocument/2006/relationships" xmlns:p="http://schemas.openxmlformats.org/presentationml/2006/main">
+  <p:cSld>
+    <p:spTree>
+      <p:nvGrpSpPr>
+        <p:cNvPr id="1" name=""/>
+        <p:cNvGrpSpPr/>
+        <p:nvPr/>
+      </p:nvGrpSpPr>
+      <p:grpSpPr>
+        <a:xfrm>
+          <a:off x="0" y="0"/>
+          <a:ext cx="0" cy="0"/>
+          <a:chOff x="0" y="0"/>
+          <a:chExt cx="0" cy="0"/>
+        </a:xfrm>
+      </p:grpSpPr>
+      <p:sp>
+        <p:nvSpPr>
+          <p:cNvPr id="11" name="Cylinder 10">
+            <a:extLst>
+              <a:ext uri="{FF2B5EF4-FFF2-40B4-BE49-F238E27FC236}">
+                <a16:creationId xmlns:a16="http://schemas.microsoft.com/office/drawing/2014/main" id="{C1C527D6-06B1-401E-942E-627E0DF4C45F}"/>
+              </a:ext>
+            </a:extLst>
+          </p:cNvPr>
+          <p:cNvSpPr/>
+          <p:nvPr/>
+        </p:nvSpPr>
+        <p:spPr>
+          <a:xfrm>
+            <a:off x="11237625" y="309536"/>
+            <a:ext cx="288000" cy="6264000"/>
+          </a:xfrm>
+          <a:prstGeom prst="can">
+            <a:avLst/>
+          </a:prstGeom>
+          <a:solidFill>
+            <a:srgbClr val="F5F6D6"/>
+          </a:solidFill>
+        </p:spPr>
+        <p:style>
+          <a:lnRef idx="2">
+            <a:schemeClr val="accent1">
+              <a:shade val="50000"/>
+            </a:schemeClr>
+          </a:lnRef>
+          <a:fillRef idx="1">
+            <a:schemeClr val="accent1"/>
+          </a:fillRef>
+          <a:effectRef idx="0">
+            <a:schemeClr val="accent1"/>
+          </a:effectRef>
+          <a:fontRef idx="minor">
+            <a:schemeClr val="lt1"/>
+          </a:fontRef>
+        </p:style>
+        <p:txBody>
+          <a:bodyPr vert="vert" rtlCol="0" anchor="ctr"/>
+          <a:lstStyle/>
+          <a:p>
+            <a:pPr algn="ctr"/>
+            <a:r>
+              <a:rPr lang="en-US" sz="1400" b="1" dirty="0">
+                <a:solidFill>
+                  <a:srgbClr val="002060"/>
+                </a:solidFill>
+                <a:latin typeface="Verdana" panose="020B0604030504040204" pitchFamily="34" charset="0"/>
+                <a:ea typeface="Verdana" panose="020B0604030504040204" pitchFamily="34" charset="0"/>
+              </a:rPr>
+              <a:t>Event Bus (</a:t>
+            </a:r>
+            <a:r>
+              <a:rPr lang="en-US" sz="1400" dirty="0">
+                <a:solidFill>
+                  <a:srgbClr val="002060"/>
+                </a:solidFill>
+                <a:latin typeface="Verdana" panose="020B0604030504040204" pitchFamily="34" charset="0"/>
+                <a:ea typeface="Verdana" panose="020B0604030504040204" pitchFamily="34" charset="0"/>
+              </a:rPr>
+              <a:t>RabbitMQ / Kafka / Service Bus</a:t>
+            </a:r>
+            <a:r>
+              <a:rPr lang="en-US" sz="1400" b="1" dirty="0">
+                <a:solidFill>
+                  <a:srgbClr val="002060"/>
+                </a:solidFill>
+                <a:latin typeface="Verdana" panose="020B0604030504040204" pitchFamily="34" charset="0"/>
+                <a:ea typeface="Verdana" panose="020B0604030504040204" pitchFamily="34" charset="0"/>
+              </a:rPr>
+              <a:t>)</a:t>
+            </a:r>
+            <a:endParaRPr lang="en-IN" sz="1400" b="1" dirty="0">
+              <a:solidFill>
+                <a:srgbClr val="002060"/>
+              </a:solidFill>
+              <a:latin typeface="Verdana" panose="020B0604030504040204" pitchFamily="34" charset="0"/>
+              <a:ea typeface="Verdana" panose="020B0604030504040204" pitchFamily="34" charset="0"/>
+            </a:endParaRPr>
+          </a:p>
+        </p:txBody>
+      </p:sp>
+      <p:pic>
+        <p:nvPicPr>
+          <p:cNvPr id="1034" name="Picture 10">
+            <a:extLst>
+              <a:ext uri="{FF2B5EF4-FFF2-40B4-BE49-F238E27FC236}">
+                <a16:creationId xmlns:a16="http://schemas.microsoft.com/office/drawing/2014/main" id="{63ADE3E1-7C0F-4A66-AA75-3AD2AE3D7D7B}"/>
+              </a:ext>
+            </a:extLst>
+          </p:cNvPr>
+          <p:cNvPicPr>
+            <a:picLocks noChangeAspect="1" noChangeArrowheads="1"/>
+          </p:cNvPicPr>
+          <p:nvPr/>
+        </p:nvPicPr>
+        <p:blipFill>
+          <a:blip r:embed="rId2">
+            <a:extLst>
+              <a:ext uri="{28A0092B-C50C-407E-A947-70E740481C1C}">
+                <a14:useLocalDpi xmlns:a14="http://schemas.microsoft.com/office/drawing/2010/main" val="0"/>
+              </a:ext>
+            </a:extLst>
+          </a:blip>
+          <a:srcRect/>
+          <a:stretch>
+            <a:fillRect/>
+          </a:stretch>
+        </p:blipFill>
+        <p:spPr bwMode="auto">
+          <a:xfrm>
+            <a:off x="11589702" y="4859853"/>
+            <a:ext cx="360000" cy="360000"/>
+          </a:xfrm>
+          <a:prstGeom prst="rect">
+            <a:avLst/>
+          </a:prstGeom>
+          <a:noFill/>
+          <a:extLst>
+            <a:ext uri="{909E8E84-426E-40DD-AFC4-6F175D3DCCD1}">
+              <a14:hiddenFill xmlns:a14="http://schemas.microsoft.com/office/drawing/2010/main">
+                <a:solidFill>
+                  <a:srgbClr val="FFFFFF"/>
+                </a:solidFill>
+              </a14:hiddenFill>
+            </a:ext>
+          </a:extLst>
+        </p:spPr>
+      </p:pic>
+      <p:pic>
+        <p:nvPicPr>
+          <p:cNvPr id="1036" name="Picture 12" descr="RabbitMQ Logo PNG Transparent &amp; SVG Vector - Freebie Supply">
+            <a:extLst>
+              <a:ext uri="{FF2B5EF4-FFF2-40B4-BE49-F238E27FC236}">
+                <a16:creationId xmlns:a16="http://schemas.microsoft.com/office/drawing/2014/main" id="{A7E07EE2-DDFE-44E0-85DE-E0447AB174FB}"/>
+              </a:ext>
+            </a:extLst>
+          </p:cNvPr>
+          <p:cNvPicPr>
+            <a:picLocks noChangeAspect="1" noChangeArrowheads="1"/>
+          </p:cNvPicPr>
+          <p:nvPr/>
+        </p:nvPicPr>
+        <p:blipFill>
+          <a:blip r:embed="rId3">
+            <a:extLst>
+              <a:ext uri="{28A0092B-C50C-407E-A947-70E740481C1C}">
+                <a14:useLocalDpi xmlns:a14="http://schemas.microsoft.com/office/drawing/2010/main" val="0"/>
+              </a:ext>
+            </a:extLst>
+          </a:blip>
+          <a:srcRect/>
+          <a:stretch>
+            <a:fillRect/>
+          </a:stretch>
+        </p:blipFill>
+        <p:spPr bwMode="auto">
+          <a:xfrm>
+            <a:off x="11594164" y="2857497"/>
+            <a:ext cx="360000" cy="360000"/>
+          </a:xfrm>
+          <a:prstGeom prst="rect">
+            <a:avLst/>
+          </a:prstGeom>
+          <a:noFill/>
+          <a:extLst>
+            <a:ext uri="{909E8E84-426E-40DD-AFC4-6F175D3DCCD1}">
+              <a14:hiddenFill xmlns:a14="http://schemas.microsoft.com/office/drawing/2010/main">
+                <a:solidFill>
+                  <a:srgbClr val="FFFFFF"/>
+                </a:solidFill>
+              </a14:hiddenFill>
+            </a:ext>
+          </a:extLst>
+        </p:spPr>
+      </p:pic>
+      <p:pic>
+        <p:nvPicPr>
+          <p:cNvPr id="1038" name="Picture 14">
+            <a:extLst>
+              <a:ext uri="{FF2B5EF4-FFF2-40B4-BE49-F238E27FC236}">
+                <a16:creationId xmlns:a16="http://schemas.microsoft.com/office/drawing/2014/main" id="{7B0BD928-5C72-446C-B511-0AE89A27B7EC}"/>
+              </a:ext>
+            </a:extLst>
+          </p:cNvPr>
+          <p:cNvPicPr>
+            <a:picLocks noChangeAspect="1" noChangeArrowheads="1"/>
+          </p:cNvPicPr>
+          <p:nvPr/>
+        </p:nvPicPr>
+        <p:blipFill>
+          <a:blip r:embed="rId4">
+            <a:extLst>
+              <a:ext uri="{28A0092B-C50C-407E-A947-70E740481C1C}">
+                <a14:useLocalDpi xmlns:a14="http://schemas.microsoft.com/office/drawing/2010/main" val="0"/>
+              </a:ext>
+            </a:extLst>
+          </a:blip>
+          <a:srcRect/>
+          <a:stretch>
+            <a:fillRect/>
+          </a:stretch>
+        </p:blipFill>
+        <p:spPr bwMode="auto">
+          <a:xfrm>
+            <a:off x="11590085" y="3789651"/>
+            <a:ext cx="360000" cy="360000"/>
+          </a:xfrm>
+          <a:prstGeom prst="rect">
+            <a:avLst/>
+          </a:prstGeom>
+          <a:noFill/>
+          <a:extLst>
+            <a:ext uri="{909E8E84-426E-40DD-AFC4-6F175D3DCCD1}">
+              <a14:hiddenFill xmlns:a14="http://schemas.microsoft.com/office/drawing/2010/main">
+                <a:solidFill>
+                  <a:srgbClr val="FFFFFF"/>
+                </a:solidFill>
+              </a14:hiddenFill>
+            </a:ext>
+          </a:extLst>
+        </p:spPr>
+      </p:pic>
+      <p:cxnSp>
+        <p:nvCxnSpPr>
+          <p:cNvPr id="17" name="Straight Arrow Connector 16">
+            <a:extLst>
+              <a:ext uri="{FF2B5EF4-FFF2-40B4-BE49-F238E27FC236}">
+                <a16:creationId xmlns:a16="http://schemas.microsoft.com/office/drawing/2014/main" id="{605713C4-99D7-4E4C-BD49-1759D32DB6BE}"/>
+              </a:ext>
+            </a:extLst>
+          </p:cNvPr>
+          <p:cNvCxnSpPr/>
+          <p:nvPr/>
+        </p:nvCxnSpPr>
+        <p:spPr>
+          <a:xfrm>
+            <a:off x="10585872" y="3362259"/>
+            <a:ext cx="648000" cy="0"/>
+          </a:xfrm>
+          <a:prstGeom prst="straightConnector1">
+            <a:avLst/>
+          </a:prstGeom>
+          <a:ln>
+            <a:tailEnd type="triangle"/>
+          </a:ln>
+        </p:spPr>
+        <p:style>
+          <a:lnRef idx="2">
+            <a:schemeClr val="accent1"/>
+          </a:lnRef>
+          <a:fillRef idx="0">
+            <a:schemeClr val="accent1"/>
+          </a:fillRef>
+          <a:effectRef idx="1">
+            <a:schemeClr val="accent1"/>
+          </a:effectRef>
+          <a:fontRef idx="minor">
+            <a:schemeClr val="tx1"/>
+          </a:fontRef>
+        </p:style>
+      </p:cxnSp>
+      <p:cxnSp>
+        <p:nvCxnSpPr>
+          <p:cNvPr id="20" name="Straight Connector 19">
+            <a:extLst>
+              <a:ext uri="{FF2B5EF4-FFF2-40B4-BE49-F238E27FC236}">
+                <a16:creationId xmlns:a16="http://schemas.microsoft.com/office/drawing/2014/main" id="{D24FA6FE-7FCF-4C7D-A2E0-454B6742A59E}"/>
+              </a:ext>
+            </a:extLst>
+          </p:cNvPr>
+          <p:cNvCxnSpPr/>
+          <p:nvPr/>
+        </p:nvCxnSpPr>
+        <p:spPr>
+          <a:xfrm>
+            <a:off x="10585874" y="688216"/>
+            <a:ext cx="0" cy="5577422"/>
+          </a:xfrm>
+          <a:prstGeom prst="line">
+            <a:avLst/>
+          </a:prstGeom>
+        </p:spPr>
+        <p:style>
+          <a:lnRef idx="2">
+            <a:schemeClr val="accent1"/>
+          </a:lnRef>
+          <a:fillRef idx="0">
+            <a:schemeClr val="accent1"/>
+          </a:fillRef>
+          <a:effectRef idx="1">
+            <a:schemeClr val="accent1"/>
+          </a:effectRef>
+          <a:fontRef idx="minor">
+            <a:schemeClr val="tx1"/>
+          </a:fontRef>
+        </p:style>
+      </p:cxnSp>
+      <p:pic>
+        <p:nvPicPr>
+          <p:cNvPr id="1042" name="Picture 18">
+            <a:extLst>
+              <a:ext uri="{FF2B5EF4-FFF2-40B4-BE49-F238E27FC236}">
+                <a16:creationId xmlns:a16="http://schemas.microsoft.com/office/drawing/2014/main" id="{21575FF3-65F7-4FE7-9E4A-E2C49761EE42}"/>
+              </a:ext>
+            </a:extLst>
+          </p:cNvPr>
+          <p:cNvPicPr>
+            <a:picLocks noChangeAspect="1" noChangeArrowheads="1"/>
+          </p:cNvPicPr>
+          <p:nvPr/>
+        </p:nvPicPr>
+        <p:blipFill>
+          <a:blip r:embed="rId5">
+            <a:extLst>
+              <a:ext uri="{28A0092B-C50C-407E-A947-70E740481C1C}">
+                <a14:useLocalDpi xmlns:a14="http://schemas.microsoft.com/office/drawing/2010/main" val="0"/>
+              </a:ext>
+            </a:extLst>
+          </a:blip>
+          <a:srcRect/>
+          <a:stretch>
+            <a:fillRect/>
+          </a:stretch>
+        </p:blipFill>
+        <p:spPr bwMode="auto">
+          <a:xfrm>
+            <a:off x="10670855" y="3001247"/>
+            <a:ext cx="478033" cy="360000"/>
+          </a:xfrm>
+          <a:prstGeom prst="rect">
+            <a:avLst/>
+          </a:prstGeom>
+          <a:noFill/>
+          <a:extLst>
+            <a:ext uri="{909E8E84-426E-40DD-AFC4-6F175D3DCCD1}">
+              <a14:hiddenFill xmlns:a14="http://schemas.microsoft.com/office/drawing/2010/main">
+                <a:solidFill>
+                  <a:srgbClr val="FFFFFF"/>
+                </a:solidFill>
+              </a14:hiddenFill>
+            </a:ext>
+          </a:extLst>
+        </p:spPr>
+      </p:pic>
+      <p:grpSp>
+        <p:nvGrpSpPr>
+          <p:cNvPr id="21" name="Group 20">
+            <a:extLst>
+              <a:ext uri="{FF2B5EF4-FFF2-40B4-BE49-F238E27FC236}">
+                <a16:creationId xmlns:a16="http://schemas.microsoft.com/office/drawing/2014/main" id="{DB5415C4-01F6-402B-9A1D-E275DCDDDE43}"/>
+              </a:ext>
+            </a:extLst>
+          </p:cNvPr>
+          <p:cNvGrpSpPr>
+            <a:grpSpLocks noChangeAspect="1"/>
+          </p:cNvGrpSpPr>
+          <p:nvPr/>
+        </p:nvGrpSpPr>
+        <p:grpSpPr>
+          <a:xfrm>
+            <a:off x="7975694" y="5936421"/>
+            <a:ext cx="1969193" cy="619491"/>
+            <a:chOff x="7928042" y="5716128"/>
+            <a:chExt cx="1969193" cy="619491"/>
+          </a:xfrm>
+        </p:grpSpPr>
+        <p:grpSp>
+          <p:nvGrpSpPr>
+            <p:cNvPr id="10" name="Group 9">
+              <a:extLst>
+                <a:ext uri="{FF2B5EF4-FFF2-40B4-BE49-F238E27FC236}">
+                  <a16:creationId xmlns:a16="http://schemas.microsoft.com/office/drawing/2014/main" id="{CFA7722F-3C3B-4B14-B0D6-2D5EBB7FC7A0}"/>
+                </a:ext>
+              </a:extLst>
+            </p:cNvPr>
+            <p:cNvGrpSpPr>
+              <a:grpSpLocks noChangeAspect="1"/>
+            </p:cNvGrpSpPr>
+            <p:nvPr/>
+          </p:nvGrpSpPr>
+          <p:grpSpPr>
+            <a:xfrm>
+              <a:off x="9195519" y="5963156"/>
+              <a:ext cx="360000" cy="360000"/>
+              <a:chOff x="5509093" y="4986775"/>
+              <a:chExt cx="543194" cy="807799"/>
+            </a:xfrm>
+          </p:grpSpPr>
+          <p:pic>
+            <p:nvPicPr>
+              <p:cNvPr id="1032" name="Picture 8">
+                <a:extLst>
+                  <a:ext uri="{FF2B5EF4-FFF2-40B4-BE49-F238E27FC236}">
+                    <a16:creationId xmlns:a16="http://schemas.microsoft.com/office/drawing/2014/main" id="{65323FB3-3161-4FCA-A41F-74777B67FFD1}"/>
+                  </a:ext>
+                </a:extLst>
+              </p:cNvPr>
+              <p:cNvPicPr>
+                <a:picLocks noChangeAspect="1" noChangeArrowheads="1"/>
+              </p:cNvPicPr>
+              <p:nvPr/>
+            </p:nvPicPr>
+            <p:blipFill>
+              <a:blip r:embed="rId6">
+                <a:extLst>
+                  <a:ext uri="{28A0092B-C50C-407E-A947-70E740481C1C}">
+                    <a14:useLocalDpi xmlns:a14="http://schemas.microsoft.com/office/drawing/2010/main" val="0"/>
+                  </a:ext>
+                </a:extLst>
+              </a:blip>
+              <a:srcRect/>
+              <a:stretch>
+                <a:fillRect/>
+              </a:stretch>
+            </p:blipFill>
+            <p:spPr bwMode="auto">
+              <a:xfrm>
+                <a:off x="5509093" y="4986775"/>
+                <a:ext cx="543194" cy="807799"/>
+              </a:xfrm>
+              <a:prstGeom prst="rect">
+                <a:avLst/>
+              </a:prstGeom>
+              <a:noFill/>
+              <a:extLst>
+                <a:ext uri="{909E8E84-426E-40DD-AFC4-6F175D3DCCD1}">
+                  <a14:hiddenFill xmlns:a14="http://schemas.microsoft.com/office/drawing/2010/main">
+                    <a:solidFill>
+                      <a:srgbClr val="FFFFFF"/>
+                    </a:solidFill>
+                  </a14:hiddenFill>
+                </a:ext>
+              </a:extLst>
+            </p:spPr>
+          </p:pic>
+          <p:pic>
+            <p:nvPicPr>
+              <p:cNvPr id="15" name="Picture 6" descr="Icon Mongodb Logo, HD Png Download , Transparent Png Image - PNGitem">
+                <a:extLst>
+                  <a:ext uri="{FF2B5EF4-FFF2-40B4-BE49-F238E27FC236}">
+                    <a16:creationId xmlns:a16="http://schemas.microsoft.com/office/drawing/2014/main" id="{0F60B27C-3D89-4A33-9BE9-FA5CF6F9B0DA}"/>
+                  </a:ext>
+                </a:extLst>
+              </p:cNvPr>
+              <p:cNvPicPr>
+                <a:picLocks noChangeAspect="1" noChangeArrowheads="1"/>
+              </p:cNvPicPr>
+              <p:nvPr/>
+            </p:nvPicPr>
+            <p:blipFill>
+              <a:blip r:embed="rId7">
+                <a:extLst>
+                  <a:ext uri="{28A0092B-C50C-407E-A947-70E740481C1C}">
+                    <a14:useLocalDpi xmlns:a14="http://schemas.microsoft.com/office/drawing/2010/main" val="0"/>
+                  </a:ext>
+                </a:extLst>
+              </a:blip>
+              <a:srcRect/>
+              <a:stretch>
+                <a:fillRect/>
+              </a:stretch>
+            </p:blipFill>
+            <p:spPr bwMode="auto">
+              <a:xfrm>
+                <a:off x="5604555" y="5231877"/>
+                <a:ext cx="371124" cy="433633"/>
+              </a:xfrm>
+              <a:prstGeom prst="rect">
+                <a:avLst/>
+              </a:prstGeom>
+              <a:noFill/>
+              <a:extLst>
+                <a:ext uri="{909E8E84-426E-40DD-AFC4-6F175D3DCCD1}">
+                  <a14:hiddenFill xmlns:a14="http://schemas.microsoft.com/office/drawing/2010/main">
+                    <a:solidFill>
+                      <a:srgbClr val="FFFFFF"/>
+                    </a:solidFill>
+                  </a14:hiddenFill>
+                </a:ext>
+              </a:extLst>
+            </p:spPr>
+          </p:pic>
+        </p:grpSp>
+        <p:sp>
+          <p:nvSpPr>
+            <p:cNvPr id="26" name="Rectangle: Rounded Corners 25">
+              <a:extLst>
+                <a:ext uri="{FF2B5EF4-FFF2-40B4-BE49-F238E27FC236}">
+                  <a16:creationId xmlns:a16="http://schemas.microsoft.com/office/drawing/2014/main" id="{70E55D40-F807-4535-AFC7-97777C23A1A4}"/>
+                </a:ext>
+              </a:extLst>
+            </p:cNvPr>
+            <p:cNvSpPr/>
+            <p:nvPr/>
+          </p:nvSpPr>
+          <p:spPr>
+            <a:xfrm>
+              <a:off x="7928042" y="5716128"/>
+              <a:ext cx="1969193" cy="619491"/>
+            </a:xfrm>
+            <a:prstGeom prst="roundRect">
+              <a:avLst/>
+            </a:prstGeom>
+            <a:noFill/>
+          </p:spPr>
+          <p:style>
+            <a:lnRef idx="2">
+              <a:schemeClr val="accent1">
+                <a:shade val="50000"/>
+              </a:schemeClr>
+            </a:lnRef>
+            <a:fillRef idx="1">
+              <a:schemeClr val="accent1"/>
+            </a:fillRef>
+            <a:effectRef idx="0">
+              <a:schemeClr val="accent1"/>
+            </a:effectRef>
+            <a:fontRef idx="minor">
+              <a:schemeClr val="lt1"/>
+            </a:fontRef>
+          </p:style>
+          <p:txBody>
+            <a:bodyPr tIns="0" rtlCol="0" anchor="t" anchorCtr="0"/>
+            <a:lstStyle/>
+            <a:p>
+              <a:pPr algn="ctr"/>
+              <a:r>
+                <a:rPr lang="en-US" sz="1100" b="1" dirty="0">
+                  <a:solidFill>
+                    <a:srgbClr val="002060"/>
+                  </a:solidFill>
+                  <a:latin typeface="Verdana" panose="020B0604030504040204" pitchFamily="34" charset="0"/>
+                  <a:ea typeface="Verdana" panose="020B0604030504040204" pitchFamily="34" charset="0"/>
+                </a:rPr>
+                <a:t>Products</a:t>
+              </a:r>
+              <a:r>
+                <a:rPr lang="en-US" sz="1100" dirty="0">
+                  <a:solidFill>
+                    <a:srgbClr val="002060"/>
+                  </a:solidFill>
+                  <a:latin typeface="Verdana" panose="020B0604030504040204" pitchFamily="34" charset="0"/>
+                  <a:ea typeface="Verdana" panose="020B0604030504040204" pitchFamily="34" charset="0"/>
+                </a:rPr>
+                <a:t> Microservices</a:t>
+              </a:r>
+              <a:endParaRPr lang="en-IN" sz="1100" dirty="0">
+                <a:solidFill>
+                  <a:srgbClr val="002060"/>
+                </a:solidFill>
+                <a:latin typeface="Verdana" panose="020B0604030504040204" pitchFamily="34" charset="0"/>
+                <a:ea typeface="Verdana" panose="020B0604030504040204" pitchFamily="34" charset="0"/>
+              </a:endParaRPr>
+            </a:p>
+          </p:txBody>
+        </p:sp>
+        <p:pic>
+          <p:nvPicPr>
+            <p:cNvPr id="27" name="Picture 16">
+              <a:extLst>
+                <a:ext uri="{FF2B5EF4-FFF2-40B4-BE49-F238E27FC236}">
+                  <a16:creationId xmlns:a16="http://schemas.microsoft.com/office/drawing/2014/main" id="{8E5E390B-01CA-4585-8914-CDBA43B6A291}"/>
+                </a:ext>
+              </a:extLst>
+            </p:cNvPr>
+            <p:cNvPicPr>
+              <a:picLocks noChangeAspect="1" noChangeArrowheads="1"/>
+            </p:cNvPicPr>
+            <p:nvPr/>
+          </p:nvPicPr>
+          <p:blipFill>
+            <a:blip r:embed="rId8">
+              <a:extLst>
+                <a:ext uri="{28A0092B-C50C-407E-A947-70E740481C1C}">
+                  <a14:useLocalDpi xmlns:a14="http://schemas.microsoft.com/office/drawing/2010/main" val="0"/>
+                </a:ext>
+              </a:extLst>
+            </a:blip>
+            <a:srcRect/>
+            <a:stretch>
+              <a:fillRect/>
+            </a:stretch>
+          </p:blipFill>
+          <p:spPr bwMode="auto">
+            <a:xfrm>
+              <a:off x="8310366" y="5963156"/>
+              <a:ext cx="360000" cy="360000"/>
+            </a:xfrm>
+            <a:prstGeom prst="rect">
+              <a:avLst/>
+            </a:prstGeom>
+            <a:noFill/>
+            <a:extLst>
+              <a:ext uri="{909E8E84-426E-40DD-AFC4-6F175D3DCCD1}">
+                <a14:hiddenFill xmlns:a14="http://schemas.microsoft.com/office/drawing/2010/main">
+                  <a:solidFill>
+                    <a:srgbClr val="FFFFFF"/>
+                  </a:solidFill>
+                </a14:hiddenFill>
+              </a:ext>
+            </a:extLst>
+          </p:spPr>
+        </p:pic>
+        <p:cxnSp>
+          <p:nvCxnSpPr>
+            <p:cNvPr id="36" name="Straight Arrow Connector 35">
+              <a:extLst>
+                <a:ext uri="{FF2B5EF4-FFF2-40B4-BE49-F238E27FC236}">
+                  <a16:creationId xmlns:a16="http://schemas.microsoft.com/office/drawing/2014/main" id="{F6E7DF90-7FEF-491E-8015-5BA1941123FC}"/>
+                </a:ext>
+              </a:extLst>
+            </p:cNvPr>
+            <p:cNvCxnSpPr/>
+            <p:nvPr/>
+          </p:nvCxnSpPr>
+          <p:spPr>
+            <a:xfrm>
+              <a:off x="8588638" y="6143156"/>
+              <a:ext cx="648000" cy="0"/>
+            </a:xfrm>
+            <a:prstGeom prst="straightConnector1">
+              <a:avLst/>
+            </a:prstGeom>
+            <a:ln>
+              <a:tailEnd type="triangle"/>
+            </a:ln>
+          </p:spPr>
+          <p:style>
+            <a:lnRef idx="2">
+              <a:schemeClr val="accent1"/>
+            </a:lnRef>
+            <a:fillRef idx="0">
+              <a:schemeClr val="accent1"/>
+            </a:fillRef>
+            <a:effectRef idx="1">
+              <a:schemeClr val="accent1"/>
+            </a:effectRef>
+            <a:fontRef idx="minor">
+              <a:schemeClr val="tx1"/>
+            </a:fontRef>
+          </p:style>
+        </p:cxnSp>
+      </p:grpSp>
+      <p:grpSp>
+        <p:nvGrpSpPr>
+          <p:cNvPr id="29" name="Group 28">
+            <a:extLst>
+              <a:ext uri="{FF2B5EF4-FFF2-40B4-BE49-F238E27FC236}">
+                <a16:creationId xmlns:a16="http://schemas.microsoft.com/office/drawing/2014/main" id="{F26EB1A2-7FA2-4F2E-9FCA-D445C671088A}"/>
+              </a:ext>
+            </a:extLst>
+          </p:cNvPr>
+          <p:cNvGrpSpPr/>
+          <p:nvPr/>
+        </p:nvGrpSpPr>
+        <p:grpSpPr>
+          <a:xfrm>
+            <a:off x="7985416" y="4858400"/>
+            <a:ext cx="1969200" cy="619200"/>
+            <a:chOff x="7772112" y="4420653"/>
+            <a:chExt cx="1969200" cy="619200"/>
+          </a:xfrm>
+        </p:grpSpPr>
+        <p:sp>
+          <p:nvSpPr>
+            <p:cNvPr id="25" name="Rectangle: Rounded Corners 24">
+              <a:extLst>
+                <a:ext uri="{FF2B5EF4-FFF2-40B4-BE49-F238E27FC236}">
+                  <a16:creationId xmlns:a16="http://schemas.microsoft.com/office/drawing/2014/main" id="{0CDDA88B-9F6D-47DC-8475-CAB16AF927EE}"/>
+                </a:ext>
+              </a:extLst>
+            </p:cNvPr>
+            <p:cNvSpPr>
+              <a:spLocks noChangeAspect="1"/>
+            </p:cNvSpPr>
+            <p:nvPr/>
+          </p:nvSpPr>
+          <p:spPr>
+            <a:xfrm>
+              <a:off x="7772112" y="4420653"/>
+              <a:ext cx="1969200" cy="619200"/>
+            </a:xfrm>
+            <a:prstGeom prst="roundRect">
+              <a:avLst/>
+            </a:prstGeom>
+            <a:noFill/>
+          </p:spPr>
+          <p:style>
+            <a:lnRef idx="2">
+              <a:schemeClr val="accent1">
+                <a:shade val="50000"/>
+              </a:schemeClr>
+            </a:lnRef>
+            <a:fillRef idx="1">
+              <a:schemeClr val="accent1"/>
+            </a:fillRef>
+            <a:effectRef idx="0">
+              <a:schemeClr val="accent1"/>
+            </a:effectRef>
+            <a:fontRef idx="minor">
+              <a:schemeClr val="lt1"/>
+            </a:fontRef>
+          </p:style>
+          <p:txBody>
+            <a:bodyPr tIns="0" rtlCol="0" anchor="t" anchorCtr="0"/>
+            <a:lstStyle/>
+            <a:p>
+              <a:pPr algn="ctr"/>
+              <a:r>
+                <a:rPr lang="en-US" sz="1100" b="1" dirty="0">
+                  <a:solidFill>
+                    <a:srgbClr val="002060"/>
+                  </a:solidFill>
+                  <a:latin typeface="Verdana" panose="020B0604030504040204" pitchFamily="34" charset="0"/>
+                  <a:ea typeface="Verdana" panose="020B0604030504040204" pitchFamily="34" charset="0"/>
+                </a:rPr>
+                <a:t>Basket</a:t>
+              </a:r>
+              <a:r>
+                <a:rPr lang="en-US" sz="1100" dirty="0">
+                  <a:solidFill>
+                    <a:srgbClr val="002060"/>
+                  </a:solidFill>
+                  <a:latin typeface="Verdana" panose="020B0604030504040204" pitchFamily="34" charset="0"/>
+                  <a:ea typeface="Verdana" panose="020B0604030504040204" pitchFamily="34" charset="0"/>
+                </a:rPr>
+                <a:t> Microservices</a:t>
+              </a:r>
+              <a:endParaRPr lang="en-IN" sz="1100" dirty="0">
+                <a:solidFill>
+                  <a:srgbClr val="002060"/>
+                </a:solidFill>
+                <a:latin typeface="Verdana" panose="020B0604030504040204" pitchFamily="34" charset="0"/>
+                <a:ea typeface="Verdana" panose="020B0604030504040204" pitchFamily="34" charset="0"/>
+              </a:endParaRPr>
+            </a:p>
+          </p:txBody>
+        </p:sp>
+        <p:pic>
+          <p:nvPicPr>
+            <p:cNvPr id="1044" name="Picture 20">
+              <a:extLst>
+                <a:ext uri="{FF2B5EF4-FFF2-40B4-BE49-F238E27FC236}">
+                  <a16:creationId xmlns:a16="http://schemas.microsoft.com/office/drawing/2014/main" id="{A5384A2C-F51F-4EC0-8751-CE62F03D43F9}"/>
+                </a:ext>
+              </a:extLst>
+            </p:cNvPr>
+            <p:cNvPicPr>
+              <a:picLocks noChangeAspect="1" noChangeArrowheads="1"/>
+            </p:cNvPicPr>
+            <p:nvPr/>
+          </p:nvPicPr>
+          <p:blipFill>
+            <a:blip r:embed="rId8">
+              <a:extLst>
+                <a:ext uri="{28A0092B-C50C-407E-A947-70E740481C1C}">
+                  <a14:useLocalDpi xmlns:a14="http://schemas.microsoft.com/office/drawing/2010/main" val="0"/>
+                </a:ext>
+              </a:extLst>
+            </a:blip>
+            <a:srcRect/>
+            <a:stretch>
+              <a:fillRect/>
+            </a:stretch>
+          </p:blipFill>
+          <p:spPr bwMode="auto">
+            <a:xfrm>
+              <a:off x="8072715" y="4662670"/>
+              <a:ext cx="360000" cy="360000"/>
+            </a:xfrm>
+            <a:prstGeom prst="rect">
+              <a:avLst/>
+            </a:prstGeom>
+            <a:noFill/>
+            <a:extLst>
+              <a:ext uri="{909E8E84-426E-40DD-AFC4-6F175D3DCCD1}">
+                <a14:hiddenFill xmlns:a14="http://schemas.microsoft.com/office/drawing/2010/main">
+                  <a:solidFill>
+                    <a:srgbClr val="FFFFFF"/>
+                  </a:solidFill>
+                </a14:hiddenFill>
+              </a:ext>
+            </a:extLst>
+          </p:spPr>
+        </p:pic>
+        <p:sp>
+          <p:nvSpPr>
+            <p:cNvPr id="28" name="TextBox 27">
+              <a:extLst>
+                <a:ext uri="{FF2B5EF4-FFF2-40B4-BE49-F238E27FC236}">
+                  <a16:creationId xmlns:a16="http://schemas.microsoft.com/office/drawing/2014/main" id="{5014A2A4-C5B7-4009-A38D-95ABCEC8699D}"/>
+                </a:ext>
+              </a:extLst>
+            </p:cNvPr>
+            <p:cNvSpPr txBox="1"/>
+            <p:nvPr/>
+          </p:nvSpPr>
+          <p:spPr>
+            <a:xfrm>
+              <a:off x="8925003" y="4682127"/>
+              <a:ext cx="610780" cy="246221"/>
+            </a:xfrm>
+            <a:prstGeom prst="rect">
+              <a:avLst/>
+            </a:prstGeom>
+            <a:noFill/>
+          </p:spPr>
+          <p:txBody>
+            <a:bodyPr wrap="square" rtlCol="0">
+              <a:spAutoFit/>
+            </a:bodyPr>
+            <a:lstStyle/>
+            <a:p>
+              <a:r>
+                <a:rPr lang="en-US" sz="1000" b="1" dirty="0">
+                  <a:solidFill>
+                    <a:srgbClr val="0070C0"/>
+                  </a:solidFill>
+                  <a:latin typeface="Verdana" panose="020B0604030504040204" pitchFamily="34" charset="0"/>
+                  <a:ea typeface="Verdana" panose="020B0604030504040204" pitchFamily="34" charset="0"/>
+                </a:rPr>
+                <a:t>Redis</a:t>
+              </a:r>
+              <a:endParaRPr lang="en-IN" sz="1000" b="1" dirty="0">
+                <a:solidFill>
+                  <a:srgbClr val="0070C0"/>
+                </a:solidFill>
+                <a:latin typeface="Verdana" panose="020B0604030504040204" pitchFamily="34" charset="0"/>
+                <a:ea typeface="Verdana" panose="020B0604030504040204" pitchFamily="34" charset="0"/>
+              </a:endParaRPr>
+            </a:p>
+          </p:txBody>
+        </p:sp>
+      </p:grpSp>
+      <p:grpSp>
+        <p:nvGrpSpPr>
+          <p:cNvPr id="30" name="Group 29">
+            <a:extLst>
+              <a:ext uri="{FF2B5EF4-FFF2-40B4-BE49-F238E27FC236}">
+                <a16:creationId xmlns:a16="http://schemas.microsoft.com/office/drawing/2014/main" id="{1EFA9AB7-8B67-4154-8829-F024DD95A930}"/>
+              </a:ext>
+            </a:extLst>
+          </p:cNvPr>
+          <p:cNvGrpSpPr/>
+          <p:nvPr/>
+        </p:nvGrpSpPr>
+        <p:grpSpPr>
+          <a:xfrm>
+            <a:off x="7964716" y="3726804"/>
+            <a:ext cx="1969200" cy="619200"/>
+            <a:chOff x="7798052" y="3425188"/>
+            <a:chExt cx="1969200" cy="619200"/>
+          </a:xfrm>
+        </p:grpSpPr>
+        <p:sp>
+          <p:nvSpPr>
+            <p:cNvPr id="40" name="Rectangle: Rounded Corners 39">
+              <a:extLst>
+                <a:ext uri="{FF2B5EF4-FFF2-40B4-BE49-F238E27FC236}">
+                  <a16:creationId xmlns:a16="http://schemas.microsoft.com/office/drawing/2014/main" id="{3CAEF075-E167-437D-BFF4-9A6287CA92C9}"/>
+                </a:ext>
+              </a:extLst>
+            </p:cNvPr>
+            <p:cNvSpPr>
+              <a:spLocks noChangeAspect="1"/>
+            </p:cNvSpPr>
+            <p:nvPr/>
+          </p:nvSpPr>
+          <p:spPr>
+            <a:xfrm>
+              <a:off x="7798052" y="3425188"/>
+              <a:ext cx="1969200" cy="619200"/>
+            </a:xfrm>
+            <a:prstGeom prst="roundRect">
+              <a:avLst/>
+            </a:prstGeom>
+            <a:noFill/>
+          </p:spPr>
+          <p:style>
+            <a:lnRef idx="2">
+              <a:schemeClr val="accent1">
+                <a:shade val="50000"/>
+              </a:schemeClr>
+            </a:lnRef>
+            <a:fillRef idx="1">
+              <a:schemeClr val="accent1"/>
+            </a:fillRef>
+            <a:effectRef idx="0">
+              <a:schemeClr val="accent1"/>
+            </a:effectRef>
+            <a:fontRef idx="minor">
+              <a:schemeClr val="lt1"/>
+            </a:fontRef>
+          </p:style>
+          <p:txBody>
+            <a:bodyPr tIns="0" rtlCol="0" anchor="t" anchorCtr="0"/>
+            <a:lstStyle/>
+            <a:p>
+              <a:pPr algn="ctr"/>
+              <a:r>
+                <a:rPr lang="en-US" sz="1100" b="1" dirty="0">
+                  <a:solidFill>
+                    <a:srgbClr val="002060"/>
+                  </a:solidFill>
+                  <a:latin typeface="Verdana" panose="020B0604030504040204" pitchFamily="34" charset="0"/>
+                  <a:ea typeface="Verdana" panose="020B0604030504040204" pitchFamily="34" charset="0"/>
+                </a:rPr>
+                <a:t>Discount</a:t>
+              </a:r>
+              <a:r>
+                <a:rPr lang="en-US" sz="1100" dirty="0">
+                  <a:solidFill>
+                    <a:srgbClr val="002060"/>
+                  </a:solidFill>
+                  <a:latin typeface="Verdana" panose="020B0604030504040204" pitchFamily="34" charset="0"/>
+                  <a:ea typeface="Verdana" panose="020B0604030504040204" pitchFamily="34" charset="0"/>
+                </a:rPr>
+                <a:t> Microservices</a:t>
+              </a:r>
+              <a:endParaRPr lang="en-IN" sz="1100" dirty="0">
+                <a:solidFill>
+                  <a:srgbClr val="002060"/>
+                </a:solidFill>
+                <a:latin typeface="Verdana" panose="020B0604030504040204" pitchFamily="34" charset="0"/>
+                <a:ea typeface="Verdana" panose="020B0604030504040204" pitchFamily="34" charset="0"/>
+              </a:endParaRPr>
+            </a:p>
+          </p:txBody>
+        </p:sp>
+        <p:pic>
+          <p:nvPicPr>
+            <p:cNvPr id="41" name="Picture 20">
+              <a:extLst>
+                <a:ext uri="{FF2B5EF4-FFF2-40B4-BE49-F238E27FC236}">
+                  <a16:creationId xmlns:a16="http://schemas.microsoft.com/office/drawing/2014/main" id="{3DB0514E-3F9C-476F-A639-F1516243636B}"/>
+                </a:ext>
+              </a:extLst>
+            </p:cNvPr>
+            <p:cNvPicPr>
+              <a:picLocks noChangeAspect="1" noChangeArrowheads="1"/>
+            </p:cNvPicPr>
+            <p:nvPr/>
+          </p:nvPicPr>
+          <p:blipFill>
+            <a:blip r:embed="rId8">
+              <a:extLst>
+                <a:ext uri="{28A0092B-C50C-407E-A947-70E740481C1C}">
+                  <a14:useLocalDpi xmlns:a14="http://schemas.microsoft.com/office/drawing/2010/main" val="0"/>
+                </a:ext>
+              </a:extLst>
+            </a:blip>
+            <a:srcRect/>
+            <a:stretch>
+              <a:fillRect/>
+            </a:stretch>
+          </p:blipFill>
+          <p:spPr bwMode="auto">
+            <a:xfrm>
+              <a:off x="8098655" y="3667205"/>
+              <a:ext cx="360000" cy="360000"/>
+            </a:xfrm>
+            <a:prstGeom prst="rect">
+              <a:avLst/>
+            </a:prstGeom>
+            <a:noFill/>
+            <a:extLst>
+              <a:ext uri="{909E8E84-426E-40DD-AFC4-6F175D3DCCD1}">
+                <a14:hiddenFill xmlns:a14="http://schemas.microsoft.com/office/drawing/2010/main">
+                  <a:solidFill>
+                    <a:srgbClr val="FFFFFF"/>
+                  </a:solidFill>
+                </a14:hiddenFill>
+              </a:ext>
+            </a:extLst>
+          </p:spPr>
+        </p:pic>
+        <p:sp>
+          <p:nvSpPr>
+            <p:cNvPr id="42" name="TextBox 41">
+              <a:extLst>
+                <a:ext uri="{FF2B5EF4-FFF2-40B4-BE49-F238E27FC236}">
+                  <a16:creationId xmlns:a16="http://schemas.microsoft.com/office/drawing/2014/main" id="{F63D8927-F81D-48CB-8D6C-C6AD264E4E3A}"/>
+                </a:ext>
+              </a:extLst>
+            </p:cNvPr>
+            <p:cNvSpPr txBox="1"/>
+            <p:nvPr/>
+          </p:nvSpPr>
+          <p:spPr>
+            <a:xfrm>
+              <a:off x="8693308" y="3667205"/>
+              <a:ext cx="1014331" cy="246221"/>
+            </a:xfrm>
+            <a:prstGeom prst="rect">
+              <a:avLst/>
+            </a:prstGeom>
+            <a:noFill/>
+          </p:spPr>
+          <p:txBody>
+            <a:bodyPr wrap="square" rtlCol="0">
+              <a:spAutoFit/>
+            </a:bodyPr>
+            <a:lstStyle/>
+            <a:p>
+              <a:r>
+                <a:rPr lang="en-US" sz="1000" b="1" dirty="0">
+                  <a:solidFill>
+                    <a:srgbClr val="0070C0"/>
+                  </a:solidFill>
+                  <a:latin typeface="Verdana" panose="020B0604030504040204" pitchFamily="34" charset="0"/>
+                  <a:ea typeface="Verdana" panose="020B0604030504040204" pitchFamily="34" charset="0"/>
+                </a:rPr>
+                <a:t>PostgreSQL</a:t>
+              </a:r>
+              <a:endParaRPr lang="en-IN" sz="1000" b="1" dirty="0">
+                <a:solidFill>
+                  <a:srgbClr val="0070C0"/>
+                </a:solidFill>
+                <a:latin typeface="Verdana" panose="020B0604030504040204" pitchFamily="34" charset="0"/>
+                <a:ea typeface="Verdana" panose="020B0604030504040204" pitchFamily="34" charset="0"/>
+              </a:endParaRPr>
+            </a:p>
+          </p:txBody>
+        </p:sp>
+      </p:grpSp>
+      <p:grpSp>
+        <p:nvGrpSpPr>
+          <p:cNvPr id="31" name="Group 30">
+            <a:extLst>
+              <a:ext uri="{FF2B5EF4-FFF2-40B4-BE49-F238E27FC236}">
+                <a16:creationId xmlns:a16="http://schemas.microsoft.com/office/drawing/2014/main" id="{A5DC677F-5694-4BF6-AF09-A492B9987CD7}"/>
+              </a:ext>
+            </a:extLst>
+          </p:cNvPr>
+          <p:cNvGrpSpPr/>
+          <p:nvPr/>
+        </p:nvGrpSpPr>
+        <p:grpSpPr>
+          <a:xfrm>
+            <a:off x="7956368" y="2600856"/>
+            <a:ext cx="1969200" cy="619200"/>
+            <a:chOff x="7823992" y="2497818"/>
+            <a:chExt cx="1969200" cy="619200"/>
+          </a:xfrm>
+        </p:grpSpPr>
+        <p:sp>
+          <p:nvSpPr>
+            <p:cNvPr id="43" name="Rectangle: Rounded Corners 42">
+              <a:extLst>
+                <a:ext uri="{FF2B5EF4-FFF2-40B4-BE49-F238E27FC236}">
+                  <a16:creationId xmlns:a16="http://schemas.microsoft.com/office/drawing/2014/main" id="{7A79C8E0-9E26-4A4B-9470-4C8B5F3500C7}"/>
+                </a:ext>
+              </a:extLst>
+            </p:cNvPr>
+            <p:cNvSpPr>
+              <a:spLocks noChangeAspect="1"/>
+            </p:cNvSpPr>
+            <p:nvPr/>
+          </p:nvSpPr>
+          <p:spPr>
+            <a:xfrm>
+              <a:off x="7823992" y="2497818"/>
+              <a:ext cx="1969200" cy="619200"/>
+            </a:xfrm>
+            <a:prstGeom prst="roundRect">
+              <a:avLst/>
+            </a:prstGeom>
+            <a:noFill/>
+          </p:spPr>
+          <p:style>
+            <a:lnRef idx="2">
+              <a:schemeClr val="accent1">
+                <a:shade val="50000"/>
+              </a:schemeClr>
+            </a:lnRef>
+            <a:fillRef idx="1">
+              <a:schemeClr val="accent1"/>
+            </a:fillRef>
+            <a:effectRef idx="0">
+              <a:schemeClr val="accent1"/>
+            </a:effectRef>
+            <a:fontRef idx="minor">
+              <a:schemeClr val="lt1"/>
+            </a:fontRef>
+          </p:style>
+          <p:txBody>
+            <a:bodyPr tIns="0" rtlCol="0" anchor="t" anchorCtr="0"/>
+            <a:lstStyle/>
+            <a:p>
+              <a:pPr algn="ctr"/>
+              <a:r>
+                <a:rPr lang="en-US" sz="1100" b="1" dirty="0">
+                  <a:solidFill>
+                    <a:srgbClr val="002060"/>
+                  </a:solidFill>
+                  <a:latin typeface="Verdana" panose="020B0604030504040204" pitchFamily="34" charset="0"/>
+                  <a:ea typeface="Verdana" panose="020B0604030504040204" pitchFamily="34" charset="0"/>
+                </a:rPr>
+                <a:t>Orders</a:t>
+              </a:r>
+              <a:r>
+                <a:rPr lang="en-US" sz="1100" dirty="0">
+                  <a:solidFill>
+                    <a:srgbClr val="002060"/>
+                  </a:solidFill>
+                  <a:latin typeface="Verdana" panose="020B0604030504040204" pitchFamily="34" charset="0"/>
+                  <a:ea typeface="Verdana" panose="020B0604030504040204" pitchFamily="34" charset="0"/>
+                </a:rPr>
+                <a:t> Microservices</a:t>
+              </a:r>
+              <a:endParaRPr lang="en-IN" sz="1100" dirty="0">
+                <a:solidFill>
+                  <a:srgbClr val="002060"/>
+                </a:solidFill>
+                <a:latin typeface="Verdana" panose="020B0604030504040204" pitchFamily="34" charset="0"/>
+                <a:ea typeface="Verdana" panose="020B0604030504040204" pitchFamily="34" charset="0"/>
+              </a:endParaRPr>
+            </a:p>
+          </p:txBody>
+        </p:sp>
+        <p:pic>
+          <p:nvPicPr>
+            <p:cNvPr id="44" name="Picture 20">
+              <a:extLst>
+                <a:ext uri="{FF2B5EF4-FFF2-40B4-BE49-F238E27FC236}">
+                  <a16:creationId xmlns:a16="http://schemas.microsoft.com/office/drawing/2014/main" id="{E3098846-212C-4321-9C0E-A9B19533EDEE}"/>
+                </a:ext>
+              </a:extLst>
+            </p:cNvPr>
+            <p:cNvPicPr>
+              <a:picLocks noChangeAspect="1" noChangeArrowheads="1"/>
+            </p:cNvPicPr>
+            <p:nvPr/>
+          </p:nvPicPr>
+          <p:blipFill>
+            <a:blip r:embed="rId8">
+              <a:extLst>
+                <a:ext uri="{28A0092B-C50C-407E-A947-70E740481C1C}">
+                  <a14:useLocalDpi xmlns:a14="http://schemas.microsoft.com/office/drawing/2010/main" val="0"/>
+                </a:ext>
+              </a:extLst>
+            </a:blip>
+            <a:srcRect/>
+            <a:stretch>
+              <a:fillRect/>
+            </a:stretch>
+          </p:blipFill>
+          <p:spPr bwMode="auto">
+            <a:xfrm>
+              <a:off x="8124595" y="2739835"/>
+              <a:ext cx="360000" cy="360000"/>
+            </a:xfrm>
+            <a:prstGeom prst="rect">
+              <a:avLst/>
+            </a:prstGeom>
+            <a:noFill/>
+            <a:extLst>
+              <a:ext uri="{909E8E84-426E-40DD-AFC4-6F175D3DCCD1}">
+                <a14:hiddenFill xmlns:a14="http://schemas.microsoft.com/office/drawing/2010/main">
+                  <a:solidFill>
+                    <a:srgbClr val="FFFFFF"/>
+                  </a:solidFill>
+                </a14:hiddenFill>
+              </a:ext>
+            </a:extLst>
+          </p:spPr>
+        </p:pic>
+        <p:sp>
+          <p:nvSpPr>
+            <p:cNvPr id="45" name="TextBox 44">
+              <a:extLst>
+                <a:ext uri="{FF2B5EF4-FFF2-40B4-BE49-F238E27FC236}">
+                  <a16:creationId xmlns:a16="http://schemas.microsoft.com/office/drawing/2014/main" id="{9D88C785-EC31-41DD-98F4-1056A4A64BF9}"/>
+                </a:ext>
+              </a:extLst>
+            </p:cNvPr>
+            <p:cNvSpPr txBox="1"/>
+            <p:nvPr/>
+          </p:nvSpPr>
+          <p:spPr>
+            <a:xfrm>
+              <a:off x="8719248" y="2739835"/>
+              <a:ext cx="1014331" cy="246221"/>
+            </a:xfrm>
+            <a:prstGeom prst="rect">
+              <a:avLst/>
+            </a:prstGeom>
+            <a:noFill/>
+          </p:spPr>
+          <p:txBody>
+            <a:bodyPr wrap="square" rtlCol="0">
+              <a:spAutoFit/>
+            </a:bodyPr>
+            <a:lstStyle/>
+            <a:p>
+              <a:r>
+                <a:rPr lang="en-US" sz="1000" b="1" dirty="0">
+                  <a:solidFill>
+                    <a:srgbClr val="0070C0"/>
+                  </a:solidFill>
+                  <a:latin typeface="Verdana" panose="020B0604030504040204" pitchFamily="34" charset="0"/>
+                  <a:ea typeface="Verdana" panose="020B0604030504040204" pitchFamily="34" charset="0"/>
+                </a:rPr>
+                <a:t>MySQL</a:t>
+              </a:r>
+              <a:endParaRPr lang="en-IN" sz="1000" b="1" dirty="0">
+                <a:solidFill>
+                  <a:srgbClr val="0070C0"/>
+                </a:solidFill>
+                <a:latin typeface="Verdana" panose="020B0604030504040204" pitchFamily="34" charset="0"/>
+                <a:ea typeface="Verdana" panose="020B0604030504040204" pitchFamily="34" charset="0"/>
+              </a:endParaRPr>
+            </a:p>
+          </p:txBody>
+        </p:sp>
+      </p:grpSp>
+      <p:grpSp>
+        <p:nvGrpSpPr>
+          <p:cNvPr id="49" name="Group 48">
+            <a:extLst>
+              <a:ext uri="{FF2B5EF4-FFF2-40B4-BE49-F238E27FC236}">
+                <a16:creationId xmlns:a16="http://schemas.microsoft.com/office/drawing/2014/main" id="{4F03BC2D-6615-4557-A773-47DBF8E1D1E4}"/>
+              </a:ext>
+            </a:extLst>
+          </p:cNvPr>
+          <p:cNvGrpSpPr/>
+          <p:nvPr/>
+        </p:nvGrpSpPr>
+        <p:grpSpPr>
+          <a:xfrm>
+            <a:off x="7985260" y="1506212"/>
+            <a:ext cx="1969200" cy="619200"/>
+            <a:chOff x="7823992" y="2497818"/>
+            <a:chExt cx="1969200" cy="619200"/>
+          </a:xfrm>
+        </p:grpSpPr>
+        <p:sp>
+          <p:nvSpPr>
+            <p:cNvPr id="50" name="Rectangle: Rounded Corners 49">
+              <a:extLst>
+                <a:ext uri="{FF2B5EF4-FFF2-40B4-BE49-F238E27FC236}">
+                  <a16:creationId xmlns:a16="http://schemas.microsoft.com/office/drawing/2014/main" id="{1B211F49-1B79-4F8F-9E75-ECA4387E7EB4}"/>
+                </a:ext>
+              </a:extLst>
+            </p:cNvPr>
+            <p:cNvSpPr>
+              <a:spLocks noChangeAspect="1"/>
+            </p:cNvSpPr>
+            <p:nvPr/>
+          </p:nvSpPr>
+          <p:spPr>
+            <a:xfrm>
+              <a:off x="7823992" y="2497818"/>
+              <a:ext cx="1969200" cy="619200"/>
+            </a:xfrm>
+            <a:prstGeom prst="roundRect">
+              <a:avLst/>
+            </a:prstGeom>
+            <a:noFill/>
+          </p:spPr>
+          <p:style>
+            <a:lnRef idx="2">
+              <a:schemeClr val="accent1">
+                <a:shade val="50000"/>
+              </a:schemeClr>
+            </a:lnRef>
+            <a:fillRef idx="1">
+              <a:schemeClr val="accent1"/>
+            </a:fillRef>
+            <a:effectRef idx="0">
+              <a:schemeClr val="accent1"/>
+            </a:effectRef>
+            <a:fontRef idx="minor">
+              <a:schemeClr val="lt1"/>
+            </a:fontRef>
+          </p:style>
+          <p:txBody>
+            <a:bodyPr tIns="0" rtlCol="0" anchor="t" anchorCtr="0"/>
+            <a:lstStyle/>
+            <a:p>
+              <a:pPr algn="ctr"/>
+              <a:r>
+                <a:rPr lang="en-US" sz="1100" b="1" dirty="0">
+                  <a:solidFill>
+                    <a:srgbClr val="002060"/>
+                  </a:solidFill>
+                  <a:latin typeface="Verdana" panose="020B0604030504040204" pitchFamily="34" charset="0"/>
+                  <a:ea typeface="Verdana" panose="020B0604030504040204" pitchFamily="34" charset="0"/>
+                </a:rPr>
+                <a:t>Payment</a:t>
+              </a:r>
+              <a:r>
+                <a:rPr lang="en-US" sz="1100" dirty="0">
+                  <a:solidFill>
+                    <a:srgbClr val="002060"/>
+                  </a:solidFill>
+                  <a:latin typeface="Verdana" panose="020B0604030504040204" pitchFamily="34" charset="0"/>
+                  <a:ea typeface="Verdana" panose="020B0604030504040204" pitchFamily="34" charset="0"/>
+                </a:rPr>
+                <a:t> Microservices</a:t>
+              </a:r>
+              <a:endParaRPr lang="en-IN" sz="1100" dirty="0">
+                <a:solidFill>
+                  <a:srgbClr val="002060"/>
+                </a:solidFill>
+                <a:latin typeface="Verdana" panose="020B0604030504040204" pitchFamily="34" charset="0"/>
+                <a:ea typeface="Verdana" panose="020B0604030504040204" pitchFamily="34" charset="0"/>
+              </a:endParaRPr>
+            </a:p>
+          </p:txBody>
+        </p:sp>
+        <p:pic>
+          <p:nvPicPr>
+            <p:cNvPr id="51" name="Picture 20">
+              <a:extLst>
+                <a:ext uri="{FF2B5EF4-FFF2-40B4-BE49-F238E27FC236}">
+                  <a16:creationId xmlns:a16="http://schemas.microsoft.com/office/drawing/2014/main" id="{5C7AA196-9FA6-4187-891B-2CFBDB24AD04}"/>
+                </a:ext>
+              </a:extLst>
+            </p:cNvPr>
+            <p:cNvPicPr>
+              <a:picLocks noChangeAspect="1" noChangeArrowheads="1"/>
+            </p:cNvPicPr>
+            <p:nvPr/>
+          </p:nvPicPr>
+          <p:blipFill>
+            <a:blip r:embed="rId8">
+              <a:extLst>
+                <a:ext uri="{28A0092B-C50C-407E-A947-70E740481C1C}">
+                  <a14:useLocalDpi xmlns:a14="http://schemas.microsoft.com/office/drawing/2010/main" val="0"/>
+                </a:ext>
+              </a:extLst>
+            </a:blip>
+            <a:srcRect/>
+            <a:stretch>
+              <a:fillRect/>
+            </a:stretch>
+          </p:blipFill>
+          <p:spPr bwMode="auto">
+            <a:xfrm>
+              <a:off x="8124595" y="2739835"/>
+              <a:ext cx="360000" cy="360000"/>
+            </a:xfrm>
+            <a:prstGeom prst="rect">
+              <a:avLst/>
+            </a:prstGeom>
+            <a:noFill/>
+            <a:extLst>
+              <a:ext uri="{909E8E84-426E-40DD-AFC4-6F175D3DCCD1}">
+                <a14:hiddenFill xmlns:a14="http://schemas.microsoft.com/office/drawing/2010/main">
+                  <a:solidFill>
+                    <a:srgbClr val="FFFFFF"/>
+                  </a:solidFill>
+                </a14:hiddenFill>
+              </a:ext>
+            </a:extLst>
+          </p:spPr>
+        </p:pic>
+        <p:sp>
+          <p:nvSpPr>
+            <p:cNvPr id="52" name="TextBox 51">
+              <a:extLst>
+                <a:ext uri="{FF2B5EF4-FFF2-40B4-BE49-F238E27FC236}">
+                  <a16:creationId xmlns:a16="http://schemas.microsoft.com/office/drawing/2014/main" id="{3E1C3DCD-0CFF-4649-AEC1-1F4F0202DCDC}"/>
+                </a:ext>
+              </a:extLst>
+            </p:cNvPr>
+            <p:cNvSpPr txBox="1"/>
+            <p:nvPr/>
+          </p:nvSpPr>
+          <p:spPr>
+            <a:xfrm>
+              <a:off x="8719248" y="2739835"/>
+              <a:ext cx="1014331" cy="246221"/>
+            </a:xfrm>
+            <a:prstGeom prst="rect">
+              <a:avLst/>
+            </a:prstGeom>
+            <a:noFill/>
+          </p:spPr>
+          <p:txBody>
+            <a:bodyPr wrap="square" rtlCol="0">
+              <a:spAutoFit/>
+            </a:bodyPr>
+            <a:lstStyle/>
+            <a:p>
+              <a:r>
+                <a:rPr lang="en-US" sz="1000" b="1" dirty="0">
+                  <a:solidFill>
+                    <a:srgbClr val="0070C0"/>
+                  </a:solidFill>
+                  <a:latin typeface="Verdana" panose="020B0604030504040204" pitchFamily="34" charset="0"/>
+                  <a:ea typeface="Verdana" panose="020B0604030504040204" pitchFamily="34" charset="0"/>
+                </a:rPr>
+                <a:t>Event Bus</a:t>
+              </a:r>
+              <a:endParaRPr lang="en-IN" sz="1000" b="1" dirty="0">
+                <a:solidFill>
+                  <a:srgbClr val="0070C0"/>
+                </a:solidFill>
+                <a:latin typeface="Verdana" panose="020B0604030504040204" pitchFamily="34" charset="0"/>
+                <a:ea typeface="Verdana" panose="020B0604030504040204" pitchFamily="34" charset="0"/>
+              </a:endParaRPr>
+            </a:p>
+          </p:txBody>
+        </p:sp>
+      </p:grpSp>
+      <p:grpSp>
+        <p:nvGrpSpPr>
+          <p:cNvPr id="53" name="Group 52">
+            <a:extLst>
+              <a:ext uri="{FF2B5EF4-FFF2-40B4-BE49-F238E27FC236}">
+                <a16:creationId xmlns:a16="http://schemas.microsoft.com/office/drawing/2014/main" id="{9A12A845-E314-48C2-9F0A-740E025F4F3B}"/>
+              </a:ext>
+            </a:extLst>
+          </p:cNvPr>
+          <p:cNvGrpSpPr/>
+          <p:nvPr/>
+        </p:nvGrpSpPr>
+        <p:grpSpPr>
+          <a:xfrm>
+            <a:off x="7959481" y="396473"/>
+            <a:ext cx="1969200" cy="619200"/>
+            <a:chOff x="7823992" y="2497818"/>
+            <a:chExt cx="1969200" cy="619200"/>
+          </a:xfrm>
+        </p:grpSpPr>
+        <p:sp>
+          <p:nvSpPr>
+            <p:cNvPr id="54" name="Rectangle: Rounded Corners 53">
+              <a:extLst>
+                <a:ext uri="{FF2B5EF4-FFF2-40B4-BE49-F238E27FC236}">
+                  <a16:creationId xmlns:a16="http://schemas.microsoft.com/office/drawing/2014/main" id="{FFCECE9B-E32A-49A9-B3E0-F338108852F7}"/>
+                </a:ext>
+              </a:extLst>
+            </p:cNvPr>
+            <p:cNvSpPr>
+              <a:spLocks noChangeAspect="1"/>
+            </p:cNvSpPr>
+            <p:nvPr/>
+          </p:nvSpPr>
+          <p:spPr>
+            <a:xfrm>
+              <a:off x="7823992" y="2497818"/>
+              <a:ext cx="1969200" cy="619200"/>
+            </a:xfrm>
+            <a:prstGeom prst="roundRect">
+              <a:avLst/>
+            </a:prstGeom>
+            <a:noFill/>
+          </p:spPr>
+          <p:style>
+            <a:lnRef idx="2">
+              <a:schemeClr val="accent1">
+                <a:shade val="50000"/>
+              </a:schemeClr>
+            </a:lnRef>
+            <a:fillRef idx="1">
+              <a:schemeClr val="accent1"/>
+            </a:fillRef>
+            <a:effectRef idx="0">
+              <a:schemeClr val="accent1"/>
+            </a:effectRef>
+            <a:fontRef idx="minor">
+              <a:schemeClr val="lt1"/>
+            </a:fontRef>
+          </p:style>
+          <p:txBody>
+            <a:bodyPr tIns="0" rtlCol="0" anchor="t" anchorCtr="0"/>
+            <a:lstStyle/>
+            <a:p>
+              <a:pPr algn="ctr"/>
+              <a:r>
+                <a:rPr lang="en-US" sz="1100" b="1" dirty="0">
+                  <a:solidFill>
+                    <a:srgbClr val="002060"/>
+                  </a:solidFill>
+                  <a:latin typeface="Verdana" panose="020B0604030504040204" pitchFamily="34" charset="0"/>
+                  <a:ea typeface="Verdana" panose="020B0604030504040204" pitchFamily="34" charset="0"/>
+                </a:rPr>
+                <a:t>Identity</a:t>
+              </a:r>
+              <a:r>
+                <a:rPr lang="en-US" sz="1100" dirty="0">
+                  <a:solidFill>
+                    <a:srgbClr val="002060"/>
+                  </a:solidFill>
+                  <a:latin typeface="Verdana" panose="020B0604030504040204" pitchFamily="34" charset="0"/>
+                  <a:ea typeface="Verdana" panose="020B0604030504040204" pitchFamily="34" charset="0"/>
+                </a:rPr>
+                <a:t> Microservices</a:t>
+              </a:r>
+              <a:endParaRPr lang="en-IN" sz="1100" dirty="0">
+                <a:solidFill>
+                  <a:srgbClr val="002060"/>
+                </a:solidFill>
+                <a:latin typeface="Verdana" panose="020B0604030504040204" pitchFamily="34" charset="0"/>
+                <a:ea typeface="Verdana" panose="020B0604030504040204" pitchFamily="34" charset="0"/>
+              </a:endParaRPr>
+            </a:p>
+          </p:txBody>
+        </p:sp>
+        <p:pic>
+          <p:nvPicPr>
+            <p:cNvPr id="55" name="Picture 20">
+              <a:extLst>
+                <a:ext uri="{FF2B5EF4-FFF2-40B4-BE49-F238E27FC236}">
+                  <a16:creationId xmlns:a16="http://schemas.microsoft.com/office/drawing/2014/main" id="{BC72CEB6-BA9C-4238-9953-7F6BEC162749}"/>
+                </a:ext>
+              </a:extLst>
+            </p:cNvPr>
+            <p:cNvPicPr>
+              <a:picLocks noChangeAspect="1" noChangeArrowheads="1"/>
+            </p:cNvPicPr>
+            <p:nvPr/>
+          </p:nvPicPr>
+          <p:blipFill>
+            <a:blip r:embed="rId8">
+              <a:extLst>
+                <a:ext uri="{28A0092B-C50C-407E-A947-70E740481C1C}">
+                  <a14:useLocalDpi xmlns:a14="http://schemas.microsoft.com/office/drawing/2010/main" val="0"/>
+                </a:ext>
+              </a:extLst>
+            </a:blip>
+            <a:srcRect/>
+            <a:stretch>
+              <a:fillRect/>
+            </a:stretch>
+          </p:blipFill>
+          <p:spPr bwMode="auto">
+            <a:xfrm>
+              <a:off x="8124595" y="2739835"/>
+              <a:ext cx="360000" cy="360000"/>
+            </a:xfrm>
+            <a:prstGeom prst="rect">
+              <a:avLst/>
+            </a:prstGeom>
+            <a:noFill/>
+            <a:extLst>
+              <a:ext uri="{909E8E84-426E-40DD-AFC4-6F175D3DCCD1}">
+                <a14:hiddenFill xmlns:a14="http://schemas.microsoft.com/office/drawing/2010/main">
+                  <a:solidFill>
+                    <a:srgbClr val="FFFFFF"/>
+                  </a:solidFill>
+                </a14:hiddenFill>
+              </a:ext>
+            </a:extLst>
+          </p:spPr>
+        </p:pic>
+        <p:sp>
+          <p:nvSpPr>
+            <p:cNvPr id="56" name="TextBox 55">
+              <a:extLst>
+                <a:ext uri="{FF2B5EF4-FFF2-40B4-BE49-F238E27FC236}">
+                  <a16:creationId xmlns:a16="http://schemas.microsoft.com/office/drawing/2014/main" id="{31EA22C6-08EA-4C68-ADC0-92E2F7BEF97B}"/>
+                </a:ext>
+              </a:extLst>
+            </p:cNvPr>
+            <p:cNvSpPr txBox="1"/>
+            <p:nvPr/>
+          </p:nvSpPr>
+          <p:spPr>
+            <a:xfrm>
+              <a:off x="8719248" y="2739835"/>
+              <a:ext cx="1014331" cy="246221"/>
+            </a:xfrm>
+            <a:prstGeom prst="rect">
+              <a:avLst/>
+            </a:prstGeom>
+            <a:noFill/>
+          </p:spPr>
+          <p:txBody>
+            <a:bodyPr wrap="square" rtlCol="0">
+              <a:spAutoFit/>
+            </a:bodyPr>
+            <a:lstStyle/>
+            <a:p>
+              <a:r>
+                <a:rPr lang="en-US" sz="1000" b="1" dirty="0">
+                  <a:solidFill>
+                    <a:srgbClr val="0070C0"/>
+                  </a:solidFill>
+                  <a:latin typeface="Verdana" panose="020B0604030504040204" pitchFamily="34" charset="0"/>
+                  <a:ea typeface="Verdana" panose="020B0604030504040204" pitchFamily="34" charset="0"/>
+                </a:rPr>
+                <a:t>SQL Server</a:t>
+              </a:r>
+              <a:endParaRPr lang="en-IN" sz="1000" b="1" dirty="0">
+                <a:solidFill>
+                  <a:srgbClr val="0070C0"/>
+                </a:solidFill>
+                <a:latin typeface="Verdana" panose="020B0604030504040204" pitchFamily="34" charset="0"/>
+                <a:ea typeface="Verdana" panose="020B0604030504040204" pitchFamily="34" charset="0"/>
+              </a:endParaRPr>
+            </a:p>
+          </p:txBody>
+        </p:sp>
+      </p:grpSp>
+      <p:cxnSp>
+        <p:nvCxnSpPr>
+          <p:cNvPr id="33" name="Straight Connector 32">
+            <a:extLst>
+              <a:ext uri="{FF2B5EF4-FFF2-40B4-BE49-F238E27FC236}">
+                <a16:creationId xmlns:a16="http://schemas.microsoft.com/office/drawing/2014/main" id="{56781F03-9507-4681-B192-5667BCCEAE3D}"/>
+              </a:ext>
+            </a:extLst>
+          </p:cNvPr>
+          <p:cNvCxnSpPr/>
+          <p:nvPr/>
+        </p:nvCxnSpPr>
+        <p:spPr>
+          <a:xfrm>
+            <a:off x="9943845" y="6260485"/>
+            <a:ext cx="648000" cy="0"/>
+          </a:xfrm>
+          <a:prstGeom prst="line">
+            <a:avLst/>
+          </a:prstGeom>
+        </p:spPr>
+        <p:style>
+          <a:lnRef idx="2">
+            <a:schemeClr val="accent1"/>
+          </a:lnRef>
+          <a:fillRef idx="0">
+            <a:schemeClr val="accent1"/>
+          </a:fillRef>
+          <a:effectRef idx="1">
+            <a:schemeClr val="accent1"/>
+          </a:effectRef>
+          <a:fontRef idx="minor">
+            <a:schemeClr val="tx1"/>
+          </a:fontRef>
+        </p:style>
+      </p:cxnSp>
+      <p:cxnSp>
+        <p:nvCxnSpPr>
+          <p:cNvPr id="59" name="Straight Connector 58">
+            <a:extLst>
+              <a:ext uri="{FF2B5EF4-FFF2-40B4-BE49-F238E27FC236}">
+                <a16:creationId xmlns:a16="http://schemas.microsoft.com/office/drawing/2014/main" id="{F4B8C494-65F0-434E-895D-ADDA5F888D9C}"/>
+              </a:ext>
+            </a:extLst>
+          </p:cNvPr>
+          <p:cNvCxnSpPr/>
+          <p:nvPr/>
+        </p:nvCxnSpPr>
+        <p:spPr>
+          <a:xfrm>
+            <a:off x="9935159" y="688216"/>
+            <a:ext cx="648000" cy="0"/>
+          </a:xfrm>
+          <a:prstGeom prst="line">
+            <a:avLst/>
+          </a:prstGeom>
+        </p:spPr>
+        <p:style>
+          <a:lnRef idx="2">
+            <a:schemeClr val="accent1"/>
+          </a:lnRef>
+          <a:fillRef idx="0">
+            <a:schemeClr val="accent1"/>
+          </a:fillRef>
+          <a:effectRef idx="1">
+            <a:schemeClr val="accent1"/>
+          </a:effectRef>
+          <a:fontRef idx="minor">
+            <a:schemeClr val="tx1"/>
+          </a:fontRef>
+        </p:style>
+      </p:cxnSp>
+      <p:cxnSp>
+        <p:nvCxnSpPr>
+          <p:cNvPr id="60" name="Straight Connector 59">
+            <a:extLst>
+              <a:ext uri="{FF2B5EF4-FFF2-40B4-BE49-F238E27FC236}">
+                <a16:creationId xmlns:a16="http://schemas.microsoft.com/office/drawing/2014/main" id="{2F60FC1B-F234-4E03-812D-98F6541BE01C}"/>
+              </a:ext>
+            </a:extLst>
+          </p:cNvPr>
+          <p:cNvCxnSpPr/>
+          <p:nvPr/>
+        </p:nvCxnSpPr>
+        <p:spPr>
+          <a:xfrm>
+            <a:off x="9940600" y="5177468"/>
+            <a:ext cx="648000" cy="0"/>
+          </a:xfrm>
+          <a:prstGeom prst="line">
+            <a:avLst/>
+          </a:prstGeom>
+        </p:spPr>
+        <p:style>
+          <a:lnRef idx="2">
+            <a:schemeClr val="accent1"/>
+          </a:lnRef>
+          <a:fillRef idx="0">
+            <a:schemeClr val="accent1"/>
+          </a:fillRef>
+          <a:effectRef idx="1">
+            <a:schemeClr val="accent1"/>
+          </a:effectRef>
+          <a:fontRef idx="minor">
+            <a:schemeClr val="tx1"/>
+          </a:fontRef>
+        </p:style>
+      </p:cxnSp>
+      <p:cxnSp>
+        <p:nvCxnSpPr>
+          <p:cNvPr id="61" name="Straight Connector 60">
+            <a:extLst>
+              <a:ext uri="{FF2B5EF4-FFF2-40B4-BE49-F238E27FC236}">
+                <a16:creationId xmlns:a16="http://schemas.microsoft.com/office/drawing/2014/main" id="{556ACF82-FA6E-4DCE-A939-4478A7509041}"/>
+              </a:ext>
+            </a:extLst>
+          </p:cNvPr>
+          <p:cNvCxnSpPr/>
+          <p:nvPr/>
+        </p:nvCxnSpPr>
+        <p:spPr>
+          <a:xfrm>
+            <a:off x="9937358" y="4036088"/>
+            <a:ext cx="648000" cy="0"/>
+          </a:xfrm>
+          <a:prstGeom prst="line">
+            <a:avLst/>
+          </a:prstGeom>
+        </p:spPr>
+        <p:style>
+          <a:lnRef idx="2">
+            <a:schemeClr val="accent1"/>
+          </a:lnRef>
+          <a:fillRef idx="0">
+            <a:schemeClr val="accent1"/>
+          </a:fillRef>
+          <a:effectRef idx="1">
+            <a:schemeClr val="accent1"/>
+          </a:effectRef>
+          <a:fontRef idx="minor">
+            <a:schemeClr val="tx1"/>
+          </a:fontRef>
+        </p:style>
+      </p:cxnSp>
+      <p:cxnSp>
+        <p:nvCxnSpPr>
+          <p:cNvPr id="62" name="Straight Connector 61">
+            <a:extLst>
+              <a:ext uri="{FF2B5EF4-FFF2-40B4-BE49-F238E27FC236}">
+                <a16:creationId xmlns:a16="http://schemas.microsoft.com/office/drawing/2014/main" id="{A7D250E4-8E5C-433E-8101-DD46A9ABD6AB}"/>
+              </a:ext>
+            </a:extLst>
+          </p:cNvPr>
+          <p:cNvCxnSpPr/>
+          <p:nvPr/>
+        </p:nvCxnSpPr>
+        <p:spPr>
+          <a:xfrm>
+            <a:off x="9927631" y="2917401"/>
+            <a:ext cx="648000" cy="0"/>
+          </a:xfrm>
+          <a:prstGeom prst="line">
+            <a:avLst/>
+          </a:prstGeom>
+        </p:spPr>
+        <p:style>
+          <a:lnRef idx="2">
+            <a:schemeClr val="accent1"/>
+          </a:lnRef>
+          <a:fillRef idx="0">
+            <a:schemeClr val="accent1"/>
+          </a:fillRef>
+          <a:effectRef idx="1">
+            <a:schemeClr val="accent1"/>
+          </a:effectRef>
+          <a:fontRef idx="minor">
+            <a:schemeClr val="tx1"/>
+          </a:fontRef>
+        </p:style>
+      </p:cxnSp>
+      <p:cxnSp>
+        <p:nvCxnSpPr>
+          <p:cNvPr id="63" name="Straight Connector 62">
+            <a:extLst>
+              <a:ext uri="{FF2B5EF4-FFF2-40B4-BE49-F238E27FC236}">
+                <a16:creationId xmlns:a16="http://schemas.microsoft.com/office/drawing/2014/main" id="{A2727CDA-B6F7-4F37-8202-C935ABAA0219}"/>
+              </a:ext>
+            </a:extLst>
+          </p:cNvPr>
+          <p:cNvCxnSpPr/>
+          <p:nvPr/>
+        </p:nvCxnSpPr>
+        <p:spPr>
+          <a:xfrm>
+            <a:off x="9947087" y="1818173"/>
+            <a:ext cx="648000" cy="0"/>
+          </a:xfrm>
+          <a:prstGeom prst="line">
+            <a:avLst/>
+          </a:prstGeom>
+        </p:spPr>
+        <p:style>
+          <a:lnRef idx="2">
+            <a:schemeClr val="accent1"/>
+          </a:lnRef>
+          <a:fillRef idx="0">
+            <a:schemeClr val="accent1"/>
+          </a:fillRef>
+          <a:effectRef idx="1">
+            <a:schemeClr val="accent1"/>
+          </a:effectRef>
+          <a:fontRef idx="minor">
+            <a:schemeClr val="tx1"/>
+          </a:fontRef>
+        </p:style>
+      </p:cxnSp>
+      <p:grpSp>
+        <p:nvGrpSpPr>
+          <p:cNvPr id="35" name="Group 34">
+            <a:extLst>
+              <a:ext uri="{FF2B5EF4-FFF2-40B4-BE49-F238E27FC236}">
+                <a16:creationId xmlns:a16="http://schemas.microsoft.com/office/drawing/2014/main" id="{4B839612-4D75-4914-B5FB-2F9F26A14222}"/>
+              </a:ext>
+            </a:extLst>
+          </p:cNvPr>
+          <p:cNvGrpSpPr/>
+          <p:nvPr/>
+        </p:nvGrpSpPr>
+        <p:grpSpPr>
+          <a:xfrm>
+            <a:off x="5797691" y="395078"/>
+            <a:ext cx="1838771" cy="3240423"/>
+            <a:chOff x="4863833" y="688216"/>
+            <a:chExt cx="1838771" cy="3240423"/>
+          </a:xfrm>
+        </p:grpSpPr>
+        <p:sp>
+          <p:nvSpPr>
+            <p:cNvPr id="5" name="Rectangle 4">
+              <a:extLst>
+                <a:ext uri="{FF2B5EF4-FFF2-40B4-BE49-F238E27FC236}">
+                  <a16:creationId xmlns:a16="http://schemas.microsoft.com/office/drawing/2014/main" id="{B5B283AE-04A1-4B80-939C-21B7C975E533}"/>
+                </a:ext>
+              </a:extLst>
+            </p:cNvPr>
+            <p:cNvSpPr/>
+            <p:nvPr/>
+          </p:nvSpPr>
+          <p:spPr>
+            <a:xfrm>
+              <a:off x="4863833" y="688216"/>
+              <a:ext cx="1838771" cy="3240423"/>
+            </a:xfrm>
+            <a:prstGeom prst="rect">
+              <a:avLst/>
+            </a:prstGeom>
+            <a:solidFill>
+              <a:srgbClr val="CDFFEB"/>
+            </a:solidFill>
+          </p:spPr>
+          <p:style>
+            <a:lnRef idx="2">
+              <a:schemeClr val="accent1">
+                <a:shade val="50000"/>
+              </a:schemeClr>
+            </a:lnRef>
+            <a:fillRef idx="1">
+              <a:schemeClr val="accent1"/>
+            </a:fillRef>
+            <a:effectRef idx="0">
+              <a:schemeClr val="accent1"/>
+            </a:effectRef>
+            <a:fontRef idx="minor">
+              <a:schemeClr val="lt1"/>
+            </a:fontRef>
+          </p:style>
+          <p:txBody>
+            <a:bodyPr rtlCol="0" anchor="t" anchorCtr="0"/>
+            <a:lstStyle/>
+            <a:p>
+              <a:pPr algn="ctr"/>
+              <a:r>
+                <a:rPr lang="en-US" sz="1200" dirty="0">
+                  <a:solidFill>
+                    <a:srgbClr val="002060"/>
+                  </a:solidFill>
+                  <a:latin typeface="Verdana" panose="020B0604030504040204" pitchFamily="34" charset="0"/>
+                  <a:ea typeface="Verdana" panose="020B0604030504040204" pitchFamily="34" charset="0"/>
+                </a:rPr>
+                <a:t>API Gateways / BFF</a:t>
+              </a:r>
+              <a:endParaRPr lang="en-IN" sz="1200" dirty="0">
+                <a:solidFill>
+                  <a:srgbClr val="002060"/>
+                </a:solidFill>
+                <a:latin typeface="Verdana" panose="020B0604030504040204" pitchFamily="34" charset="0"/>
+                <a:ea typeface="Verdana" panose="020B0604030504040204" pitchFamily="34" charset="0"/>
+              </a:endParaRPr>
+            </a:p>
+          </p:txBody>
+        </p:sp>
+        <p:sp>
+          <p:nvSpPr>
+            <p:cNvPr id="34" name="Rectangle: Rounded Corners 33">
+              <a:extLst>
+                <a:ext uri="{FF2B5EF4-FFF2-40B4-BE49-F238E27FC236}">
+                  <a16:creationId xmlns:a16="http://schemas.microsoft.com/office/drawing/2014/main" id="{5E23C091-B119-4FBE-B5B9-657199CF3DC5}"/>
+                </a:ext>
+              </a:extLst>
+            </p:cNvPr>
+            <p:cNvSpPr/>
+            <p:nvPr/>
+          </p:nvSpPr>
+          <p:spPr>
+            <a:xfrm>
+              <a:off x="5005419" y="1243564"/>
+              <a:ext cx="1541296" cy="504665"/>
+            </a:xfrm>
+            <a:prstGeom prst="roundRect">
+              <a:avLst/>
+            </a:prstGeom>
+            <a:solidFill>
+              <a:srgbClr val="E5FFF4"/>
+            </a:solidFill>
+          </p:spPr>
+          <p:style>
+            <a:lnRef idx="2">
+              <a:schemeClr val="accent1">
+                <a:shade val="50000"/>
+              </a:schemeClr>
+            </a:lnRef>
+            <a:fillRef idx="1">
+              <a:schemeClr val="accent1"/>
+            </a:fillRef>
+            <a:effectRef idx="0">
+              <a:schemeClr val="accent1"/>
+            </a:effectRef>
+            <a:fontRef idx="minor">
+              <a:schemeClr val="lt1"/>
+            </a:fontRef>
+          </p:style>
+          <p:txBody>
+            <a:bodyPr rtlCol="0" anchor="ctr"/>
+            <a:lstStyle/>
+            <a:p>
+              <a:pPr algn="ctr"/>
+              <a:r>
+                <a:rPr lang="en-US" sz="1100" dirty="0">
+                  <a:solidFill>
+                    <a:srgbClr val="002060"/>
+                  </a:solidFill>
+                  <a:latin typeface="Verdana" panose="020B0604030504040204" pitchFamily="34" charset="0"/>
+                  <a:ea typeface="Verdana" panose="020B0604030504040204" pitchFamily="34" charset="0"/>
+                </a:rPr>
+                <a:t>Aggregator Web</a:t>
+              </a:r>
+              <a:endParaRPr lang="en-IN" sz="1100" dirty="0">
+                <a:solidFill>
+                  <a:srgbClr val="002060"/>
+                </a:solidFill>
+                <a:latin typeface="Verdana" panose="020B0604030504040204" pitchFamily="34" charset="0"/>
+                <a:ea typeface="Verdana" panose="020B0604030504040204" pitchFamily="34" charset="0"/>
+              </a:endParaRPr>
+            </a:p>
+          </p:txBody>
+        </p:sp>
+        <p:sp>
+          <p:nvSpPr>
+            <p:cNvPr id="65" name="Rectangle: Rounded Corners 64">
+              <a:extLst>
+                <a:ext uri="{FF2B5EF4-FFF2-40B4-BE49-F238E27FC236}">
+                  <a16:creationId xmlns:a16="http://schemas.microsoft.com/office/drawing/2014/main" id="{7FAFEAAF-69EF-4F42-BD84-98FDAC764CBC}"/>
+                </a:ext>
+              </a:extLst>
+            </p:cNvPr>
+            <p:cNvSpPr/>
+            <p:nvPr/>
+          </p:nvSpPr>
+          <p:spPr>
+            <a:xfrm>
+              <a:off x="4999125" y="2096191"/>
+              <a:ext cx="1541296" cy="504665"/>
+            </a:xfrm>
+            <a:prstGeom prst="roundRect">
+              <a:avLst/>
+            </a:prstGeom>
+            <a:solidFill>
+              <a:srgbClr val="E5FFF4"/>
+            </a:solidFill>
+          </p:spPr>
+          <p:style>
+            <a:lnRef idx="2">
+              <a:schemeClr val="accent1">
+                <a:shade val="50000"/>
+              </a:schemeClr>
+            </a:lnRef>
+            <a:fillRef idx="1">
+              <a:schemeClr val="accent1"/>
+            </a:fillRef>
+            <a:effectRef idx="0">
+              <a:schemeClr val="accent1"/>
+            </a:effectRef>
+            <a:fontRef idx="minor">
+              <a:schemeClr val="lt1"/>
+            </a:fontRef>
+          </p:style>
+          <p:txBody>
+            <a:bodyPr rtlCol="0" anchor="ctr"/>
+            <a:lstStyle/>
+            <a:p>
+              <a:pPr algn="ctr"/>
+              <a:r>
+                <a:rPr lang="en-US" sz="1100" dirty="0">
+                  <a:solidFill>
+                    <a:srgbClr val="002060"/>
+                  </a:solidFill>
+                  <a:latin typeface="Verdana" panose="020B0604030504040204" pitchFamily="34" charset="0"/>
+                  <a:ea typeface="Verdana" panose="020B0604030504040204" pitchFamily="34" charset="0"/>
+                </a:rPr>
+                <a:t>Aggregator Mobile</a:t>
+              </a:r>
+              <a:endParaRPr lang="en-IN" sz="1100" dirty="0">
+                <a:solidFill>
+                  <a:srgbClr val="002060"/>
+                </a:solidFill>
+                <a:latin typeface="Verdana" panose="020B0604030504040204" pitchFamily="34" charset="0"/>
+                <a:ea typeface="Verdana" panose="020B0604030504040204" pitchFamily="34" charset="0"/>
+              </a:endParaRPr>
+            </a:p>
+          </p:txBody>
+        </p:sp>
+      </p:grpSp>
+      <p:grpSp>
+        <p:nvGrpSpPr>
+          <p:cNvPr id="4" name="Group 3">
+            <a:extLst>
+              <a:ext uri="{FF2B5EF4-FFF2-40B4-BE49-F238E27FC236}">
+                <a16:creationId xmlns:a16="http://schemas.microsoft.com/office/drawing/2014/main" id="{C0A23858-A376-44FD-AFBB-9416D4D59532}"/>
+              </a:ext>
+            </a:extLst>
+          </p:cNvPr>
+          <p:cNvGrpSpPr/>
+          <p:nvPr/>
+        </p:nvGrpSpPr>
+        <p:grpSpPr>
+          <a:xfrm>
+            <a:off x="3370236" y="398022"/>
+            <a:ext cx="1748242" cy="3211237"/>
+            <a:chOff x="3313675" y="322610"/>
+            <a:chExt cx="1748242" cy="3211237"/>
+          </a:xfrm>
+        </p:grpSpPr>
+        <p:sp>
+          <p:nvSpPr>
+            <p:cNvPr id="6" name="Rectangle 5">
+              <a:extLst>
+                <a:ext uri="{FF2B5EF4-FFF2-40B4-BE49-F238E27FC236}">
+                  <a16:creationId xmlns:a16="http://schemas.microsoft.com/office/drawing/2014/main" id="{E681EEBF-DED0-49C3-82BA-C359A5D505B5}"/>
+                </a:ext>
+              </a:extLst>
+            </p:cNvPr>
+            <p:cNvSpPr/>
+            <p:nvPr/>
+          </p:nvSpPr>
+          <p:spPr>
+            <a:xfrm>
+              <a:off x="3313675" y="322610"/>
+              <a:ext cx="1748242" cy="3211237"/>
+            </a:xfrm>
+            <a:prstGeom prst="rect">
+              <a:avLst/>
+            </a:prstGeom>
+            <a:solidFill>
+              <a:srgbClr val="FFF6D9"/>
+            </a:solidFill>
+          </p:spPr>
+          <p:style>
+            <a:lnRef idx="2">
+              <a:schemeClr val="accent1">
+                <a:shade val="50000"/>
+              </a:schemeClr>
+            </a:lnRef>
+            <a:fillRef idx="1">
+              <a:schemeClr val="accent1"/>
+            </a:fillRef>
+            <a:effectRef idx="0">
+              <a:schemeClr val="accent1"/>
+            </a:effectRef>
+            <a:fontRef idx="minor">
+              <a:schemeClr val="lt1"/>
+            </a:fontRef>
+          </p:style>
+          <p:txBody>
+            <a:bodyPr rtlCol="0" anchor="t" anchorCtr="0"/>
+            <a:lstStyle/>
+            <a:p>
+              <a:pPr algn="ctr"/>
+              <a:r>
+                <a:rPr lang="en-US" sz="1200" dirty="0">
+                  <a:solidFill>
+                    <a:srgbClr val="002060"/>
+                  </a:solidFill>
+                  <a:latin typeface="Verdana" panose="020B0604030504040204" pitchFamily="34" charset="0"/>
+                  <a:ea typeface="Verdana" panose="020B0604030504040204" pitchFamily="34" charset="0"/>
+                </a:rPr>
+                <a:t>Client Apps</a:t>
+              </a:r>
+              <a:endParaRPr lang="en-IN" sz="1200" dirty="0">
+                <a:solidFill>
+                  <a:srgbClr val="002060"/>
+                </a:solidFill>
+                <a:latin typeface="Verdana" panose="020B0604030504040204" pitchFamily="34" charset="0"/>
+                <a:ea typeface="Verdana" panose="020B0604030504040204" pitchFamily="34" charset="0"/>
+              </a:endParaRPr>
+            </a:p>
+          </p:txBody>
+        </p:sp>
+        <p:sp>
+          <p:nvSpPr>
+            <p:cNvPr id="71" name="Rectangle: Rounded Corners 70">
+              <a:extLst>
+                <a:ext uri="{FF2B5EF4-FFF2-40B4-BE49-F238E27FC236}">
+                  <a16:creationId xmlns:a16="http://schemas.microsoft.com/office/drawing/2014/main" id="{65492792-062B-42D9-AAD9-D351DD94A3FE}"/>
+                </a:ext>
+              </a:extLst>
+            </p:cNvPr>
+            <p:cNvSpPr/>
+            <p:nvPr/>
+          </p:nvSpPr>
+          <p:spPr>
+            <a:xfrm>
+              <a:off x="3564132" y="762411"/>
+              <a:ext cx="1234936" cy="504665"/>
+            </a:xfrm>
+            <a:prstGeom prst="roundRect">
+              <a:avLst/>
+            </a:prstGeom>
+            <a:solidFill>
+              <a:srgbClr val="FFFAEB"/>
+            </a:solidFill>
+          </p:spPr>
+          <p:style>
+            <a:lnRef idx="2">
+              <a:schemeClr val="accent1">
+                <a:shade val="50000"/>
+              </a:schemeClr>
+            </a:lnRef>
+            <a:fillRef idx="1">
+              <a:schemeClr val="accent1"/>
+            </a:fillRef>
+            <a:effectRef idx="0">
+              <a:schemeClr val="accent1"/>
+            </a:effectRef>
+            <a:fontRef idx="minor">
+              <a:schemeClr val="lt1"/>
+            </a:fontRef>
+          </p:style>
+          <p:txBody>
+            <a:bodyPr rtlCol="0" anchor="ctr"/>
+            <a:lstStyle/>
+            <a:p>
+              <a:pPr algn="ctr"/>
+              <a:r>
+                <a:rPr lang="en-US" sz="1200" b="1" dirty="0">
+                  <a:solidFill>
+                    <a:srgbClr val="002060"/>
+                  </a:solidFill>
+                </a:rPr>
+                <a:t>Mobile</a:t>
+              </a:r>
+            </a:p>
+            <a:p>
+              <a:pPr algn="ctr"/>
+              <a:r>
+                <a:rPr lang="en-US" sz="1200" dirty="0">
+                  <a:solidFill>
+                    <a:srgbClr val="002060"/>
+                  </a:solidFill>
+                </a:rPr>
+                <a:t>React Native</a:t>
+              </a:r>
+              <a:endParaRPr lang="en-IN" sz="1200" dirty="0">
+                <a:solidFill>
+                  <a:srgbClr val="002060"/>
+                </a:solidFill>
+              </a:endParaRPr>
+            </a:p>
+          </p:txBody>
+        </p:sp>
+        <p:sp>
+          <p:nvSpPr>
+            <p:cNvPr id="72" name="Rectangle: Rounded Corners 71">
+              <a:extLst>
+                <a:ext uri="{FF2B5EF4-FFF2-40B4-BE49-F238E27FC236}">
+                  <a16:creationId xmlns:a16="http://schemas.microsoft.com/office/drawing/2014/main" id="{B3AB54A0-7094-41F3-9079-07C5826687CA}"/>
+                </a:ext>
+              </a:extLst>
+            </p:cNvPr>
+            <p:cNvSpPr/>
+            <p:nvPr/>
+          </p:nvSpPr>
+          <p:spPr>
+            <a:xfrm>
+              <a:off x="3564132" y="1476099"/>
+              <a:ext cx="1234936" cy="748051"/>
+            </a:xfrm>
+            <a:prstGeom prst="roundRect">
+              <a:avLst/>
+            </a:prstGeom>
+            <a:solidFill>
+              <a:srgbClr val="FFFAEB"/>
+            </a:solidFill>
+          </p:spPr>
+          <p:style>
+            <a:lnRef idx="2">
+              <a:schemeClr val="accent1">
+                <a:shade val="50000"/>
+              </a:schemeClr>
+            </a:lnRef>
+            <a:fillRef idx="1">
+              <a:schemeClr val="accent1"/>
+            </a:fillRef>
+            <a:effectRef idx="0">
+              <a:schemeClr val="accent1"/>
+            </a:effectRef>
+            <a:fontRef idx="minor">
+              <a:schemeClr val="lt1"/>
+            </a:fontRef>
+          </p:style>
+          <p:txBody>
+            <a:bodyPr rtlCol="0" anchor="ctr"/>
+            <a:lstStyle/>
+            <a:p>
+              <a:pPr algn="ctr"/>
+              <a:r>
+                <a:rPr lang="en-US" sz="1200" b="1" dirty="0">
+                  <a:solidFill>
+                    <a:srgbClr val="002060"/>
+                  </a:solidFill>
+                </a:rPr>
+                <a:t>Server Side</a:t>
+              </a:r>
+            </a:p>
+            <a:p>
+              <a:pPr algn="ctr"/>
+              <a:r>
+                <a:rPr lang="en-US" sz="1200" dirty="0">
+                  <a:solidFill>
+                    <a:srgbClr val="002060"/>
+                  </a:solidFill>
+                </a:rPr>
+                <a:t>MVC </a:t>
+              </a:r>
+            </a:p>
+            <a:p>
+              <a:pPr algn="ctr"/>
+              <a:r>
+                <a:rPr lang="en-US" sz="1200" dirty="0">
+                  <a:solidFill>
+                    <a:srgbClr val="002060"/>
+                  </a:solidFill>
+                </a:rPr>
+                <a:t>Razor </a:t>
+              </a:r>
+            </a:p>
+            <a:p>
+              <a:pPr algn="ctr"/>
+              <a:r>
+                <a:rPr lang="en-US" sz="1200" dirty="0">
+                  <a:solidFill>
+                    <a:srgbClr val="002060"/>
+                  </a:solidFill>
+                </a:rPr>
+                <a:t>Blazor Server</a:t>
+              </a:r>
+              <a:endParaRPr lang="en-IN" sz="1200" dirty="0">
+                <a:solidFill>
+                  <a:srgbClr val="002060"/>
+                </a:solidFill>
+              </a:endParaRPr>
+            </a:p>
+          </p:txBody>
+        </p:sp>
+        <p:sp>
+          <p:nvSpPr>
+            <p:cNvPr id="73" name="Rectangle: Rounded Corners 72">
+              <a:extLst>
+                <a:ext uri="{FF2B5EF4-FFF2-40B4-BE49-F238E27FC236}">
+                  <a16:creationId xmlns:a16="http://schemas.microsoft.com/office/drawing/2014/main" id="{1ACB994B-1530-426B-8A1A-F7414FFFC74C}"/>
+                </a:ext>
+              </a:extLst>
+            </p:cNvPr>
+            <p:cNvSpPr/>
+            <p:nvPr/>
+          </p:nvSpPr>
+          <p:spPr>
+            <a:xfrm>
+              <a:off x="3564132" y="2400845"/>
+              <a:ext cx="1234936" cy="1032550"/>
+            </a:xfrm>
+            <a:prstGeom prst="roundRect">
+              <a:avLst/>
+            </a:prstGeom>
+            <a:solidFill>
+              <a:srgbClr val="FFFAEB"/>
+            </a:solidFill>
+          </p:spPr>
+          <p:style>
+            <a:lnRef idx="2">
+              <a:schemeClr val="accent1">
+                <a:shade val="50000"/>
+              </a:schemeClr>
+            </a:lnRef>
+            <a:fillRef idx="1">
+              <a:schemeClr val="accent1"/>
+            </a:fillRef>
+            <a:effectRef idx="0">
+              <a:schemeClr val="accent1"/>
+            </a:effectRef>
+            <a:fontRef idx="minor">
+              <a:schemeClr val="lt1"/>
+            </a:fontRef>
+          </p:style>
+          <p:txBody>
+            <a:bodyPr rtlCol="0" anchor="ctr"/>
+            <a:lstStyle/>
+            <a:p>
+              <a:pPr algn="ctr"/>
+              <a:r>
+                <a:rPr lang="en-US" sz="1200" b="1" dirty="0">
+                  <a:solidFill>
+                    <a:srgbClr val="002060"/>
+                  </a:solidFill>
+                </a:rPr>
+                <a:t>SPA</a:t>
+              </a:r>
+            </a:p>
+            <a:p>
+              <a:pPr algn="ctr"/>
+              <a:r>
+                <a:rPr lang="en-US" sz="1200" dirty="0">
+                  <a:solidFill>
+                    <a:srgbClr val="002060"/>
+                  </a:solidFill>
+                </a:rPr>
+                <a:t>Angular</a:t>
+              </a:r>
+            </a:p>
+            <a:p>
+              <a:pPr algn="ctr"/>
+              <a:r>
+                <a:rPr lang="en-US" sz="1200" dirty="0">
+                  <a:solidFill>
+                    <a:srgbClr val="002060"/>
+                  </a:solidFill>
+                </a:rPr>
+                <a:t>ReactJS</a:t>
+              </a:r>
+            </a:p>
+            <a:p>
+              <a:pPr algn="ctr"/>
+              <a:r>
+                <a:rPr lang="en-US" sz="1200" dirty="0">
+                  <a:solidFill>
+                    <a:srgbClr val="002060"/>
+                  </a:solidFill>
+                </a:rPr>
+                <a:t>Vue JS</a:t>
+              </a:r>
+            </a:p>
+            <a:p>
+              <a:pPr algn="ctr"/>
+              <a:r>
+                <a:rPr lang="en-US" sz="1200" dirty="0">
+                  <a:solidFill>
+                    <a:srgbClr val="002060"/>
+                  </a:solidFill>
+                </a:rPr>
+                <a:t>Blazor WASM</a:t>
+              </a:r>
+            </a:p>
+          </p:txBody>
+        </p:sp>
+      </p:grpSp>
+      <p:grpSp>
+        <p:nvGrpSpPr>
+          <p:cNvPr id="3" name="Group 2">
+            <a:extLst>
+              <a:ext uri="{FF2B5EF4-FFF2-40B4-BE49-F238E27FC236}">
+                <a16:creationId xmlns:a16="http://schemas.microsoft.com/office/drawing/2014/main" id="{EF408990-FCA9-4CC3-97FB-20F0A7B43F30}"/>
+              </a:ext>
+            </a:extLst>
+          </p:cNvPr>
+          <p:cNvGrpSpPr/>
+          <p:nvPr/>
+        </p:nvGrpSpPr>
+        <p:grpSpPr>
+          <a:xfrm>
+            <a:off x="3299854" y="5177468"/>
+            <a:ext cx="4334117" cy="1375250"/>
+            <a:chOff x="3299854" y="5177468"/>
+            <a:chExt cx="4334117" cy="1375250"/>
+          </a:xfrm>
+        </p:grpSpPr>
+        <p:sp>
+          <p:nvSpPr>
+            <p:cNvPr id="66" name="Rectangle 65">
+              <a:extLst>
+                <a:ext uri="{FF2B5EF4-FFF2-40B4-BE49-F238E27FC236}">
+                  <a16:creationId xmlns:a16="http://schemas.microsoft.com/office/drawing/2014/main" id="{AD566606-C53C-4FC1-A923-3589748D9D4F}"/>
+                </a:ext>
+              </a:extLst>
+            </p:cNvPr>
+            <p:cNvSpPr/>
+            <p:nvPr/>
+          </p:nvSpPr>
+          <p:spPr>
+            <a:xfrm>
+              <a:off x="3299854" y="5177468"/>
+              <a:ext cx="4334117" cy="1375250"/>
+            </a:xfrm>
+            <a:prstGeom prst="rect">
+              <a:avLst/>
+            </a:prstGeom>
+            <a:solidFill>
+              <a:srgbClr val="D9F2FF"/>
+            </a:solidFill>
+          </p:spPr>
+          <p:style>
+            <a:lnRef idx="2">
+              <a:schemeClr val="accent1">
+                <a:shade val="50000"/>
+              </a:schemeClr>
+            </a:lnRef>
+            <a:fillRef idx="1">
+              <a:schemeClr val="accent1"/>
+            </a:fillRef>
+            <a:effectRef idx="0">
+              <a:schemeClr val="accent1"/>
+            </a:effectRef>
+            <a:fontRef idx="minor">
+              <a:schemeClr val="lt1"/>
+            </a:fontRef>
+          </p:style>
+          <p:txBody>
+            <a:bodyPr rtlCol="0" anchor="t" anchorCtr="0"/>
+            <a:lstStyle/>
+            <a:p>
+              <a:pPr algn="ctr"/>
+              <a:r>
+                <a:rPr lang="en-US" sz="1200" dirty="0">
+                  <a:solidFill>
+                    <a:srgbClr val="002060"/>
+                  </a:solidFill>
+                  <a:latin typeface="Verdana" panose="020B0604030504040204" pitchFamily="34" charset="0"/>
+                  <a:ea typeface="Verdana" panose="020B0604030504040204" pitchFamily="34" charset="0"/>
+                </a:rPr>
+                <a:t>Admin Services</a:t>
+              </a:r>
+              <a:endParaRPr lang="en-IN" sz="1200" dirty="0">
+                <a:solidFill>
+                  <a:srgbClr val="002060"/>
+                </a:solidFill>
+                <a:latin typeface="Verdana" panose="020B0604030504040204" pitchFamily="34" charset="0"/>
+                <a:ea typeface="Verdana" panose="020B0604030504040204" pitchFamily="34" charset="0"/>
+              </a:endParaRPr>
+            </a:p>
+          </p:txBody>
+        </p:sp>
+        <p:sp>
+          <p:nvSpPr>
+            <p:cNvPr id="37" name="Rectangle: Rounded Corners 36">
+              <a:extLst>
+                <a:ext uri="{FF2B5EF4-FFF2-40B4-BE49-F238E27FC236}">
+                  <a16:creationId xmlns:a16="http://schemas.microsoft.com/office/drawing/2014/main" id="{E45EF9D9-D928-42AF-8A79-B4C3DBEB95E1}"/>
+                </a:ext>
+              </a:extLst>
+            </p:cNvPr>
+            <p:cNvSpPr/>
+            <p:nvPr/>
+          </p:nvSpPr>
+          <p:spPr>
+            <a:xfrm>
+              <a:off x="3379240" y="5956201"/>
+              <a:ext cx="1234936" cy="504665"/>
+            </a:xfrm>
+            <a:prstGeom prst="roundRect">
+              <a:avLst/>
+            </a:prstGeom>
+            <a:solidFill>
+              <a:srgbClr val="EFFAFF"/>
+            </a:solidFill>
+          </p:spPr>
+          <p:style>
+            <a:lnRef idx="2">
+              <a:schemeClr val="accent1">
+                <a:shade val="50000"/>
+              </a:schemeClr>
+            </a:lnRef>
+            <a:fillRef idx="1">
+              <a:schemeClr val="accent1"/>
+            </a:fillRef>
+            <a:effectRef idx="0">
+              <a:schemeClr val="accent1"/>
+            </a:effectRef>
+            <a:fontRef idx="minor">
+              <a:schemeClr val="lt1"/>
+            </a:fontRef>
+          </p:style>
+          <p:txBody>
+            <a:bodyPr rtlCol="0" anchor="ctr"/>
+            <a:lstStyle/>
+            <a:p>
+              <a:pPr algn="ctr"/>
+              <a:r>
+                <a:rPr lang="en-US" sz="1200" b="1" dirty="0">
+                  <a:solidFill>
+                    <a:srgbClr val="002060"/>
+                  </a:solidFill>
+                </a:rPr>
+                <a:t>Health Check</a:t>
+              </a:r>
+              <a:endParaRPr lang="en-IN" sz="1200" b="1" dirty="0">
+                <a:solidFill>
+                  <a:srgbClr val="002060"/>
+                </a:solidFill>
+              </a:endParaRPr>
+            </a:p>
+          </p:txBody>
+        </p:sp>
+        <p:sp>
+          <p:nvSpPr>
+            <p:cNvPr id="69" name="Rectangle: Rounded Corners 68">
+              <a:extLst>
+                <a:ext uri="{FF2B5EF4-FFF2-40B4-BE49-F238E27FC236}">
+                  <a16:creationId xmlns:a16="http://schemas.microsoft.com/office/drawing/2014/main" id="{B0EDFA10-D167-4497-A206-2282E8F110AE}"/>
+                </a:ext>
+              </a:extLst>
+            </p:cNvPr>
+            <p:cNvSpPr/>
+            <p:nvPr/>
+          </p:nvSpPr>
+          <p:spPr>
+            <a:xfrm>
+              <a:off x="4842287" y="5956201"/>
+              <a:ext cx="1234936" cy="504665"/>
+            </a:xfrm>
+            <a:prstGeom prst="roundRect">
+              <a:avLst/>
+            </a:prstGeom>
+            <a:solidFill>
+              <a:srgbClr val="EFFAFF"/>
+            </a:solidFill>
+          </p:spPr>
+          <p:style>
+            <a:lnRef idx="2">
+              <a:schemeClr val="accent1">
+                <a:shade val="50000"/>
+              </a:schemeClr>
+            </a:lnRef>
+            <a:fillRef idx="1">
+              <a:schemeClr val="accent1"/>
+            </a:fillRef>
+            <a:effectRef idx="0">
+              <a:schemeClr val="accent1"/>
+            </a:effectRef>
+            <a:fontRef idx="minor">
+              <a:schemeClr val="lt1"/>
+            </a:fontRef>
+          </p:style>
+          <p:txBody>
+            <a:bodyPr rtlCol="0" anchor="ctr"/>
+            <a:lstStyle/>
+            <a:p>
+              <a:pPr algn="ctr"/>
+              <a:r>
+                <a:rPr lang="en-US" sz="1200" b="1" dirty="0">
+                  <a:solidFill>
+                    <a:srgbClr val="002060"/>
+                  </a:solidFill>
+                </a:rPr>
+                <a:t>Webhooks</a:t>
+              </a:r>
+              <a:endParaRPr lang="en-IN" sz="1200" b="1" dirty="0">
+                <a:solidFill>
+                  <a:srgbClr val="002060"/>
+                </a:solidFill>
+              </a:endParaRPr>
+            </a:p>
+          </p:txBody>
+        </p:sp>
+        <p:sp>
+          <p:nvSpPr>
+            <p:cNvPr id="70" name="Rectangle: Rounded Corners 69">
+              <a:extLst>
+                <a:ext uri="{FF2B5EF4-FFF2-40B4-BE49-F238E27FC236}">
+                  <a16:creationId xmlns:a16="http://schemas.microsoft.com/office/drawing/2014/main" id="{A074D1DD-3FE8-438B-88C5-DC151937405C}"/>
+                </a:ext>
+              </a:extLst>
+            </p:cNvPr>
+            <p:cNvSpPr/>
+            <p:nvPr/>
+          </p:nvSpPr>
+          <p:spPr>
+            <a:xfrm>
+              <a:off x="6294393" y="5935854"/>
+              <a:ext cx="1234936" cy="504665"/>
+            </a:xfrm>
+            <a:prstGeom prst="roundRect">
+              <a:avLst/>
+            </a:prstGeom>
+            <a:solidFill>
+              <a:srgbClr val="EFFAFF"/>
+            </a:solidFill>
+          </p:spPr>
+          <p:style>
+            <a:lnRef idx="2">
+              <a:schemeClr val="accent1">
+                <a:shade val="50000"/>
+              </a:schemeClr>
+            </a:lnRef>
+            <a:fillRef idx="1">
+              <a:schemeClr val="accent1"/>
+            </a:fillRef>
+            <a:effectRef idx="0">
+              <a:schemeClr val="accent1"/>
+            </a:effectRef>
+            <a:fontRef idx="minor">
+              <a:schemeClr val="lt1"/>
+            </a:fontRef>
+          </p:style>
+          <p:txBody>
+            <a:bodyPr rtlCol="0" anchor="ctr"/>
+            <a:lstStyle/>
+            <a:p>
+              <a:pPr algn="ctr"/>
+              <a:r>
+                <a:rPr lang="en-US" sz="1200" b="1" dirty="0">
+                  <a:solidFill>
+                    <a:srgbClr val="002060"/>
+                  </a:solidFill>
+                </a:rPr>
+                <a:t>Alerts / Monitoring</a:t>
+              </a:r>
+              <a:endParaRPr lang="en-IN" sz="1200" b="1" dirty="0">
+                <a:solidFill>
+                  <a:srgbClr val="002060"/>
+                </a:solidFill>
+              </a:endParaRPr>
+            </a:p>
+          </p:txBody>
+        </p:sp>
+        <p:sp>
+          <p:nvSpPr>
+            <p:cNvPr id="57" name="Rectangle: Rounded Corners 56">
+              <a:extLst>
+                <a:ext uri="{FF2B5EF4-FFF2-40B4-BE49-F238E27FC236}">
+                  <a16:creationId xmlns:a16="http://schemas.microsoft.com/office/drawing/2014/main" id="{067FBA5F-63F6-4044-A857-AE0BC37E6962}"/>
+                </a:ext>
+              </a:extLst>
+            </p:cNvPr>
+            <p:cNvSpPr/>
+            <p:nvPr/>
+          </p:nvSpPr>
+          <p:spPr>
+            <a:xfrm>
+              <a:off x="3370040" y="5365200"/>
+              <a:ext cx="1234936" cy="504665"/>
+            </a:xfrm>
+            <a:prstGeom prst="roundRect">
+              <a:avLst/>
+            </a:prstGeom>
+            <a:solidFill>
+              <a:srgbClr val="EFFAFF"/>
+            </a:solidFill>
+          </p:spPr>
+          <p:style>
+            <a:lnRef idx="2">
+              <a:schemeClr val="accent1">
+                <a:shade val="50000"/>
+              </a:schemeClr>
+            </a:lnRef>
+            <a:fillRef idx="1">
+              <a:schemeClr val="accent1"/>
+            </a:fillRef>
+            <a:effectRef idx="0">
+              <a:schemeClr val="accent1"/>
+            </a:effectRef>
+            <a:fontRef idx="minor">
+              <a:schemeClr val="lt1"/>
+            </a:fontRef>
+          </p:style>
+          <p:txBody>
+            <a:bodyPr rtlCol="0" anchor="ctr"/>
+            <a:lstStyle/>
+            <a:p>
+              <a:pPr algn="ctr"/>
+              <a:r>
+                <a:rPr lang="en-US" sz="1200" b="1" dirty="0">
+                  <a:solidFill>
+                    <a:srgbClr val="002060"/>
+                  </a:solidFill>
+                </a:rPr>
+                <a:t>SPA</a:t>
+              </a:r>
+            </a:p>
+            <a:p>
+              <a:pPr algn="ctr"/>
+              <a:r>
+                <a:rPr lang="en-US" sz="1200" dirty="0">
+                  <a:solidFill>
+                    <a:srgbClr val="002060"/>
+                  </a:solidFill>
+                </a:rPr>
+                <a:t>Admin UI</a:t>
+              </a:r>
+              <a:endParaRPr lang="en-IN" sz="1200" dirty="0">
+                <a:solidFill>
+                  <a:srgbClr val="002060"/>
+                </a:solidFill>
+              </a:endParaRPr>
+            </a:p>
+          </p:txBody>
+        </p:sp>
+      </p:grpSp>
+    </p:spTree>
+    <p:extLst>
+      <p:ext uri="{BB962C8B-B14F-4D97-AF65-F5344CB8AC3E}">
+        <p14:creationId xmlns:p14="http://schemas.microsoft.com/office/powerpoint/2010/main" val="1195627866"/>
       </p:ext>
     </p:extLst>
   </p:cSld>

--- a/Documentation/Architecture.pptx
+++ b/Documentation/Architecture.pptx
@@ -7,6 +7,7 @@
   <p:sldIdLst>
     <p:sldId id="333" r:id="rId2"/>
     <p:sldId id="334" r:id="rId3"/>
+    <p:sldId id="335" r:id="rId4"/>
   </p:sldIdLst>
   <p:sldSz cx="12192000" cy="6858000"/>
   <p:notesSz cx="6858000" cy="9144000"/>
@@ -262,7 +263,7 @@
           <a:p>
             <a:fld id="{DC2BF6E6-F863-479F-A057-0F7FF047E296}" type="datetimeFigureOut">
               <a:rPr lang="en-IN" smtClean="0"/>
-              <a:t>15-05-2022</a:t>
+              <a:t>29-06-2022</a:t>
             </a:fld>
             <a:endParaRPr lang="en-IN"/>
           </a:p>
@@ -462,7 +463,7 @@
           <a:p>
             <a:fld id="{DC2BF6E6-F863-479F-A057-0F7FF047E296}" type="datetimeFigureOut">
               <a:rPr lang="en-IN" smtClean="0"/>
-              <a:t>15-05-2022</a:t>
+              <a:t>29-06-2022</a:t>
             </a:fld>
             <a:endParaRPr lang="en-IN"/>
           </a:p>
@@ -672,7 +673,7 @@
           <a:p>
             <a:fld id="{DC2BF6E6-F863-479F-A057-0F7FF047E296}" type="datetimeFigureOut">
               <a:rPr lang="en-IN" smtClean="0"/>
-              <a:t>15-05-2022</a:t>
+              <a:t>29-06-2022</a:t>
             </a:fld>
             <a:endParaRPr lang="en-IN"/>
           </a:p>
@@ -872,7 +873,7 @@
           <a:p>
             <a:fld id="{DC2BF6E6-F863-479F-A057-0F7FF047E296}" type="datetimeFigureOut">
               <a:rPr lang="en-IN" smtClean="0"/>
-              <a:t>15-05-2022</a:t>
+              <a:t>29-06-2022</a:t>
             </a:fld>
             <a:endParaRPr lang="en-IN"/>
           </a:p>
@@ -1148,7 +1149,7 @@
           <a:p>
             <a:fld id="{DC2BF6E6-F863-479F-A057-0F7FF047E296}" type="datetimeFigureOut">
               <a:rPr lang="en-IN" smtClean="0"/>
-              <a:t>15-05-2022</a:t>
+              <a:t>29-06-2022</a:t>
             </a:fld>
             <a:endParaRPr lang="en-IN"/>
           </a:p>
@@ -1416,7 +1417,7 @@
           <a:p>
             <a:fld id="{DC2BF6E6-F863-479F-A057-0F7FF047E296}" type="datetimeFigureOut">
               <a:rPr lang="en-IN" smtClean="0"/>
-              <a:t>15-05-2022</a:t>
+              <a:t>29-06-2022</a:t>
             </a:fld>
             <a:endParaRPr lang="en-IN"/>
           </a:p>
@@ -1831,7 +1832,7 @@
           <a:p>
             <a:fld id="{DC2BF6E6-F863-479F-A057-0F7FF047E296}" type="datetimeFigureOut">
               <a:rPr lang="en-IN" smtClean="0"/>
-              <a:t>15-05-2022</a:t>
+              <a:t>29-06-2022</a:t>
             </a:fld>
             <a:endParaRPr lang="en-IN"/>
           </a:p>
@@ -1973,7 +1974,7 @@
           <a:p>
             <a:fld id="{DC2BF6E6-F863-479F-A057-0F7FF047E296}" type="datetimeFigureOut">
               <a:rPr lang="en-IN" smtClean="0"/>
-              <a:t>15-05-2022</a:t>
+              <a:t>29-06-2022</a:t>
             </a:fld>
             <a:endParaRPr lang="en-IN"/>
           </a:p>
@@ -2086,7 +2087,7 @@
           <a:p>
             <a:fld id="{DC2BF6E6-F863-479F-A057-0F7FF047E296}" type="datetimeFigureOut">
               <a:rPr lang="en-IN" smtClean="0"/>
-              <a:t>15-05-2022</a:t>
+              <a:t>29-06-2022</a:t>
             </a:fld>
             <a:endParaRPr lang="en-IN"/>
           </a:p>
@@ -2399,7 +2400,7 @@
           <a:p>
             <a:fld id="{DC2BF6E6-F863-479F-A057-0F7FF047E296}" type="datetimeFigureOut">
               <a:rPr lang="en-IN" smtClean="0"/>
-              <a:t>15-05-2022</a:t>
+              <a:t>29-06-2022</a:t>
             </a:fld>
             <a:endParaRPr lang="en-IN"/>
           </a:p>
@@ -2688,7 +2689,7 @@
           <a:p>
             <a:fld id="{DC2BF6E6-F863-479F-A057-0F7FF047E296}" type="datetimeFigureOut">
               <a:rPr lang="en-IN" smtClean="0"/>
-              <a:t>15-05-2022</a:t>
+              <a:t>29-06-2022</a:t>
             </a:fld>
             <a:endParaRPr lang="en-IN"/>
           </a:p>
@@ -2931,7 +2932,7 @@
           <a:p>
             <a:fld id="{DC2BF6E6-F863-479F-A057-0F7FF047E296}" type="datetimeFigureOut">
               <a:rPr lang="en-IN" smtClean="0"/>
-              <a:t>15-05-2022</a:t>
+              <a:t>29-06-2022</a:t>
             </a:fld>
             <a:endParaRPr lang="en-IN"/>
           </a:p>
@@ -8841,6 +8842,389 @@
 </p:sld>
 </file>
 
+<file path=ppt/slides/slide3.xml><?xml version="1.0" encoding="utf-8"?>
+<p:sld xmlns:a="http://schemas.openxmlformats.org/drawingml/2006/main" xmlns:r="http://schemas.openxmlformats.org/officeDocument/2006/relationships" xmlns:p="http://schemas.openxmlformats.org/presentationml/2006/main">
+  <p:cSld>
+    <p:bg>
+      <p:bgPr>
+        <a:solidFill>
+          <a:schemeClr val="bg1"/>
+        </a:solidFill>
+        <a:effectLst/>
+      </p:bgPr>
+    </p:bg>
+    <p:spTree>
+      <p:nvGrpSpPr>
+        <p:cNvPr id="1" name=""/>
+        <p:cNvGrpSpPr/>
+        <p:nvPr/>
+      </p:nvGrpSpPr>
+      <p:grpSpPr>
+        <a:xfrm>
+          <a:off x="0" y="0"/>
+          <a:ext cx="0" cy="0"/>
+          <a:chOff x="0" y="0"/>
+          <a:chExt cx="0" cy="0"/>
+        </a:xfrm>
+      </p:grpSpPr>
+      <p:sp useBgFill="1">
+        <p:nvSpPr>
+          <p:cNvPr id="1031" name="Rectangle 1030">
+            <a:extLst>
+              <a:ext uri="{FF2B5EF4-FFF2-40B4-BE49-F238E27FC236}">
+                <a16:creationId xmlns:a16="http://schemas.microsoft.com/office/drawing/2014/main" id="{AB8C311F-7253-4AED-9701-7FC0708C41C7}"/>
+              </a:ext>
+              <a:ext uri="{C183D7F6-B498-43B3-948B-1728B52AA6E4}">
+                <adec:decorative xmlns:adec="http://schemas.microsoft.com/office/drawing/2017/decorative" val="1"/>
+              </a:ext>
+            </a:extLst>
+          </p:cNvPr>
+          <p:cNvSpPr>
+            <a:spLocks noGrp="1" noRot="1" noChangeAspect="1" noMove="1" noResize="1" noEditPoints="1" noAdjustHandles="1" noChangeArrowheads="1" noChangeShapeType="1" noTextEdit="1"/>
+          </p:cNvSpPr>
+          <p:nvPr>
+            <p:extLst>
+              <p:ext uri="{386F3935-93C4-4BCD-93E2-E3B085C9AB24}">
+                <p16:designElem xmlns:p16="http://schemas.microsoft.com/office/powerpoint/2015/main" val="1"/>
+              </p:ext>
+            </p:extLst>
+          </p:nvPr>
+        </p:nvSpPr>
+        <p:spPr>
+          <a:xfrm>
+            <a:off x="0" y="0"/>
+            <a:ext cx="12192000" cy="6858000"/>
+          </a:xfrm>
+          <a:prstGeom prst="rect">
+            <a:avLst/>
+          </a:prstGeom>
+          <a:ln w="12700" cap="flat" cmpd="sng" algn="ctr">
+            <a:noFill/>
+            <a:prstDash val="solid"/>
+            <a:miter lim="800000"/>
+          </a:ln>
+          <a:effectLst/>
+          <a:extLst>
+            <a:ext uri="{91240B29-F687-4F45-9708-019B960494DF}">
+              <a14:hiddenLine xmlns:a14="http://schemas.microsoft.com/office/drawing/2010/main" w="12700" cap="flat" cmpd="sng" algn="ctr">
+                <a:solidFill>
+                  <a:schemeClr val="accent1">
+                    <a:shade val="50000"/>
+                  </a:schemeClr>
+                </a:solidFill>
+                <a:prstDash val="solid"/>
+                <a:miter lim="800000"/>
+              </a14:hiddenLine>
+            </a:ext>
+          </a:extLst>
+        </p:spPr>
+        <p:style>
+          <a:lnRef idx="2">
+            <a:schemeClr val="accent1">
+              <a:shade val="50000"/>
+            </a:schemeClr>
+          </a:lnRef>
+          <a:fillRef idx="1">
+            <a:schemeClr val="accent1"/>
+          </a:fillRef>
+          <a:effectRef idx="0">
+            <a:schemeClr val="accent1"/>
+          </a:effectRef>
+          <a:fontRef idx="minor">
+            <a:schemeClr val="lt1"/>
+          </a:fontRef>
+        </p:style>
+        <p:txBody>
+          <a:bodyPr rtlCol="0" anchor="ctr"/>
+          <a:lstStyle/>
+          <a:p>
+            <a:pPr algn="ctr"/>
+            <a:endParaRPr lang="en-US"/>
+          </a:p>
+        </p:txBody>
+      </p:sp>
+      <p:sp>
+        <p:nvSpPr>
+          <p:cNvPr id="1033" name="Rectangle 1032">
+            <a:extLst>
+              <a:ext uri="{FF2B5EF4-FFF2-40B4-BE49-F238E27FC236}">
+                <a16:creationId xmlns:a16="http://schemas.microsoft.com/office/drawing/2014/main" id="{E2384209-CB15-4CDF-9D31-C44FD9A3F20D}"/>
+              </a:ext>
+              <a:ext uri="{C183D7F6-B498-43B3-948B-1728B52AA6E4}">
+                <adec:decorative xmlns:adec="http://schemas.microsoft.com/office/drawing/2017/decorative" val="1"/>
+              </a:ext>
+            </a:extLst>
+          </p:cNvPr>
+          <p:cNvSpPr>
+            <a:spLocks noGrp="1" noRot="1" noChangeAspect="1" noMove="1" noResize="1" noEditPoints="1" noAdjustHandles="1" noChangeArrowheads="1" noChangeShapeType="1" noTextEdit="1"/>
+          </p:cNvSpPr>
+          <p:nvPr>
+            <p:extLst>
+              <p:ext uri="{386F3935-93C4-4BCD-93E2-E3B085C9AB24}">
+                <p16:designElem xmlns:p16="http://schemas.microsoft.com/office/powerpoint/2015/main" val="1"/>
+              </p:ext>
+            </p:extLst>
+          </p:nvPr>
+        </p:nvSpPr>
+        <p:spPr>
+          <a:xfrm rot="16200000" flipH="1">
+            <a:off x="2666617" y="-2666188"/>
+            <a:ext cx="6858000" cy="12191233"/>
+          </a:xfrm>
+          <a:prstGeom prst="rect">
+            <a:avLst/>
+          </a:prstGeom>
+          <a:gradFill>
+            <a:gsLst>
+              <a:gs pos="8000">
+                <a:schemeClr val="accent1"/>
+              </a:gs>
+              <a:gs pos="100000">
+                <a:schemeClr val="accent1">
+                  <a:lumMod val="50000"/>
+                </a:schemeClr>
+              </a:gs>
+            </a:gsLst>
+            <a:lin ang="12000000" scaled="0"/>
+          </a:gradFill>
+          <a:ln>
+            <a:noFill/>
+          </a:ln>
+        </p:spPr>
+        <p:style>
+          <a:lnRef idx="2">
+            <a:schemeClr val="accent1">
+              <a:shade val="50000"/>
+            </a:schemeClr>
+          </a:lnRef>
+          <a:fillRef idx="1">
+            <a:schemeClr val="accent1"/>
+          </a:fillRef>
+          <a:effectRef idx="0">
+            <a:schemeClr val="accent1"/>
+          </a:effectRef>
+          <a:fontRef idx="minor">
+            <a:schemeClr val="lt1"/>
+          </a:fontRef>
+        </p:style>
+        <p:txBody>
+          <a:bodyPr rtlCol="0" anchor="ctr"/>
+          <a:lstStyle/>
+          <a:p>
+            <a:pPr algn="ctr"/>
+            <a:endParaRPr lang="en-US"/>
+          </a:p>
+        </p:txBody>
+      </p:sp>
+      <p:sp>
+        <p:nvSpPr>
+          <p:cNvPr id="1035" name="Rectangle 1034">
+            <a:extLst>
+              <a:ext uri="{FF2B5EF4-FFF2-40B4-BE49-F238E27FC236}">
+                <a16:creationId xmlns:a16="http://schemas.microsoft.com/office/drawing/2014/main" id="{2633B3B5-CC90-43F0-8714-D31D1F3F0209}"/>
+              </a:ext>
+              <a:ext uri="{C183D7F6-B498-43B3-948B-1728B52AA6E4}">
+                <adec:decorative xmlns:adec="http://schemas.microsoft.com/office/drawing/2017/decorative" val="1"/>
+              </a:ext>
+            </a:extLst>
+          </p:cNvPr>
+          <p:cNvSpPr>
+            <a:spLocks noGrp="1" noRot="1" noChangeAspect="1" noMove="1" noResize="1" noEditPoints="1" noAdjustHandles="1" noChangeArrowheads="1" noChangeShapeType="1" noTextEdit="1"/>
+          </p:cNvSpPr>
+          <p:nvPr>
+            <p:extLst>
+              <p:ext uri="{386F3935-93C4-4BCD-93E2-E3B085C9AB24}">
+                <p16:designElem xmlns:p16="http://schemas.microsoft.com/office/powerpoint/2015/main" val="1"/>
+              </p:ext>
+            </p:extLst>
+          </p:nvPr>
+        </p:nvSpPr>
+        <p:spPr>
+          <a:xfrm rot="10800000" flipH="1">
+            <a:off x="-2311" y="0"/>
+            <a:ext cx="9070846" cy="6857572"/>
+          </a:xfrm>
+          <a:prstGeom prst="rect">
+            <a:avLst/>
+          </a:prstGeom>
+          <a:gradFill>
+            <a:gsLst>
+              <a:gs pos="8000">
+                <a:srgbClr val="000000">
+                  <a:alpha val="52000"/>
+                </a:srgbClr>
+              </a:gs>
+              <a:gs pos="100000">
+                <a:schemeClr val="accent1"/>
+              </a:gs>
+            </a:gsLst>
+            <a:lin ang="4800000" scaled="0"/>
+          </a:gradFill>
+          <a:ln>
+            <a:noFill/>
+          </a:ln>
+        </p:spPr>
+        <p:style>
+          <a:lnRef idx="2">
+            <a:schemeClr val="accent1">
+              <a:shade val="50000"/>
+            </a:schemeClr>
+          </a:lnRef>
+          <a:fillRef idx="1">
+            <a:schemeClr val="accent1"/>
+          </a:fillRef>
+          <a:effectRef idx="0">
+            <a:schemeClr val="accent1"/>
+          </a:effectRef>
+          <a:fontRef idx="minor">
+            <a:schemeClr val="lt1"/>
+          </a:fontRef>
+        </p:style>
+        <p:txBody>
+          <a:bodyPr rtlCol="0" anchor="ctr"/>
+          <a:lstStyle/>
+          <a:p>
+            <a:pPr algn="ctr"/>
+            <a:endParaRPr lang="en-US"/>
+          </a:p>
+        </p:txBody>
+      </p:sp>
+      <p:sp>
+        <p:nvSpPr>
+          <p:cNvPr id="1037" name="Rectangle 1036">
+            <a:extLst>
+              <a:ext uri="{FF2B5EF4-FFF2-40B4-BE49-F238E27FC236}">
+                <a16:creationId xmlns:a16="http://schemas.microsoft.com/office/drawing/2014/main" id="{A8D57A06-A426-446D-B02C-A2DC6B62E45E}"/>
+              </a:ext>
+              <a:ext uri="{C183D7F6-B498-43B3-948B-1728B52AA6E4}">
+                <adec:decorative xmlns:adec="http://schemas.microsoft.com/office/drawing/2017/decorative" val="1"/>
+              </a:ext>
+            </a:extLst>
+          </p:cNvPr>
+          <p:cNvSpPr>
+            <a:spLocks noGrp="1" noRot="1" noChangeAspect="1" noMove="1" noResize="1" noEditPoints="1" noAdjustHandles="1" noChangeArrowheads="1" noChangeShapeType="1" noTextEdit="1"/>
+          </p:cNvSpPr>
+          <p:nvPr>
+            <p:extLst>
+              <p:ext uri="{386F3935-93C4-4BCD-93E2-E3B085C9AB24}">
+                <p16:designElem xmlns:p16="http://schemas.microsoft.com/office/powerpoint/2015/main" val="1"/>
+              </p:ext>
+            </p:extLst>
+          </p:nvPr>
+        </p:nvSpPr>
+        <p:spPr>
+          <a:xfrm rot="16200000" flipH="1">
+            <a:off x="3649491" y="-1685840"/>
+            <a:ext cx="4894564" cy="12193546"/>
+          </a:xfrm>
+          <a:prstGeom prst="rect">
+            <a:avLst/>
+          </a:prstGeom>
+          <a:gradFill>
+            <a:gsLst>
+              <a:gs pos="0">
+                <a:schemeClr val="accent5">
+                  <a:lumMod val="60000"/>
+                  <a:lumOff val="40000"/>
+                  <a:alpha val="0"/>
+                </a:schemeClr>
+              </a:gs>
+              <a:gs pos="100000">
+                <a:srgbClr val="000000">
+                  <a:alpha val="46000"/>
+                </a:srgbClr>
+              </a:gs>
+            </a:gsLst>
+            <a:lin ang="1200000" scaled="0"/>
+          </a:gradFill>
+          <a:ln>
+            <a:noFill/>
+          </a:ln>
+        </p:spPr>
+        <p:style>
+          <a:lnRef idx="2">
+            <a:schemeClr val="accent1">
+              <a:shade val="50000"/>
+            </a:schemeClr>
+          </a:lnRef>
+          <a:fillRef idx="1">
+            <a:schemeClr val="accent1"/>
+          </a:fillRef>
+          <a:effectRef idx="0">
+            <a:schemeClr val="accent1"/>
+          </a:effectRef>
+          <a:fontRef idx="minor">
+            <a:schemeClr val="lt1"/>
+          </a:fontRef>
+        </p:style>
+        <p:txBody>
+          <a:bodyPr rtlCol="0" anchor="ctr"/>
+          <a:lstStyle/>
+          <a:p>
+            <a:pPr algn="ctr"/>
+            <a:endParaRPr lang="en-US"/>
+          </a:p>
+        </p:txBody>
+      </p:sp>
+      <p:pic>
+        <p:nvPicPr>
+          <p:cNvPr id="1026" name="Picture 2" descr="Deployment of Products API |150x150">
+            <a:extLst>
+              <a:ext uri="{FF2B5EF4-FFF2-40B4-BE49-F238E27FC236}">
+                <a16:creationId xmlns:a16="http://schemas.microsoft.com/office/drawing/2014/main" id="{C3FE78D8-EC31-9F43-65FC-991C55AF8A11}"/>
+              </a:ext>
+            </a:extLst>
+          </p:cNvPr>
+          <p:cNvPicPr>
+            <a:picLocks noChangeAspect="1" noChangeArrowheads="1"/>
+          </p:cNvPicPr>
+          <p:nvPr/>
+        </p:nvPicPr>
+        <p:blipFill>
+          <a:blip r:embed="rId2">
+            <a:extLst>
+              <a:ext uri="{28A0092B-C50C-407E-A947-70E740481C1C}">
+                <a14:useLocalDpi xmlns:a14="http://schemas.microsoft.com/office/drawing/2010/main" val="0"/>
+              </a:ext>
+            </a:extLst>
+          </a:blip>
+          <a:stretch>
+            <a:fillRect/>
+          </a:stretch>
+        </p:blipFill>
+        <p:spPr bwMode="auto">
+          <a:xfrm>
+            <a:off x="122548" y="113121"/>
+            <a:ext cx="11934334" cy="6579909"/>
+          </a:xfrm>
+          <a:prstGeom prst="rect">
+            <a:avLst/>
+          </a:prstGeom>
+          <a:noFill/>
+          <a:extLst>
+            <a:ext uri="{909E8E84-426E-40DD-AFC4-6F175D3DCCD1}">
+              <a14:hiddenFill xmlns:a14="http://schemas.microsoft.com/office/drawing/2010/main">
+                <a:solidFill>
+                  <a:srgbClr val="FFFFFF"/>
+                </a:solidFill>
+              </a14:hiddenFill>
+            </a:ext>
+          </a:extLst>
+        </p:spPr>
+      </p:pic>
+    </p:spTree>
+    <p:extLst>
+      <p:ext uri="{BB962C8B-B14F-4D97-AF65-F5344CB8AC3E}">
+        <p14:creationId xmlns:p14="http://schemas.microsoft.com/office/powerpoint/2010/main" val="1344205117"/>
+      </p:ext>
+    </p:extLst>
+  </p:cSld>
+  <p:clrMapOvr>
+    <a:masterClrMapping/>
+  </p:clrMapOvr>
+</p:sld>
+</file>
+
 <file path=ppt/theme/theme1.xml><?xml version="1.0" encoding="utf-8"?>
 <a:theme xmlns:a="http://schemas.openxmlformats.org/drawingml/2006/main" name="Office Theme">
   <a:themeElements>

--- a/Documentation/Architecture.pptx
+++ b/Documentation/Architecture.pptx
@@ -6,6 +6,8 @@
   </p:sldMasterIdLst>
   <p:sldIdLst>
     <p:sldId id="333" r:id="rId2"/>
+    <p:sldId id="334" r:id="rId3"/>
+    <p:sldId id="335" r:id="rId4"/>
   </p:sldIdLst>
   <p:sldSz cx="12192000" cy="6858000"/>
   <p:notesSz cx="6858000" cy="9144000"/>
@@ -261,7 +263,7 @@
           <a:p>
             <a:fld id="{DC2BF6E6-F863-479F-A057-0F7FF047E296}" type="datetimeFigureOut">
               <a:rPr lang="en-IN" smtClean="0"/>
-              <a:t>09-04-2022</a:t>
+              <a:t>29-06-2022</a:t>
             </a:fld>
             <a:endParaRPr lang="en-IN"/>
           </a:p>
@@ -461,7 +463,7 @@
           <a:p>
             <a:fld id="{DC2BF6E6-F863-479F-A057-0F7FF047E296}" type="datetimeFigureOut">
               <a:rPr lang="en-IN" smtClean="0"/>
-              <a:t>09-04-2022</a:t>
+              <a:t>29-06-2022</a:t>
             </a:fld>
             <a:endParaRPr lang="en-IN"/>
           </a:p>
@@ -671,7 +673,7 @@
           <a:p>
             <a:fld id="{DC2BF6E6-F863-479F-A057-0F7FF047E296}" type="datetimeFigureOut">
               <a:rPr lang="en-IN" smtClean="0"/>
-              <a:t>09-04-2022</a:t>
+              <a:t>29-06-2022</a:t>
             </a:fld>
             <a:endParaRPr lang="en-IN"/>
           </a:p>
@@ -871,7 +873,7 @@
           <a:p>
             <a:fld id="{DC2BF6E6-F863-479F-A057-0F7FF047E296}" type="datetimeFigureOut">
               <a:rPr lang="en-IN" smtClean="0"/>
-              <a:t>09-04-2022</a:t>
+              <a:t>29-06-2022</a:t>
             </a:fld>
             <a:endParaRPr lang="en-IN"/>
           </a:p>
@@ -1147,7 +1149,7 @@
           <a:p>
             <a:fld id="{DC2BF6E6-F863-479F-A057-0F7FF047E296}" type="datetimeFigureOut">
               <a:rPr lang="en-IN" smtClean="0"/>
-              <a:t>09-04-2022</a:t>
+              <a:t>29-06-2022</a:t>
             </a:fld>
             <a:endParaRPr lang="en-IN"/>
           </a:p>
@@ -1415,7 +1417,7 @@
           <a:p>
             <a:fld id="{DC2BF6E6-F863-479F-A057-0F7FF047E296}" type="datetimeFigureOut">
               <a:rPr lang="en-IN" smtClean="0"/>
-              <a:t>09-04-2022</a:t>
+              <a:t>29-06-2022</a:t>
             </a:fld>
             <a:endParaRPr lang="en-IN"/>
           </a:p>
@@ -1830,7 +1832,7 @@
           <a:p>
             <a:fld id="{DC2BF6E6-F863-479F-A057-0F7FF047E296}" type="datetimeFigureOut">
               <a:rPr lang="en-IN" smtClean="0"/>
-              <a:t>09-04-2022</a:t>
+              <a:t>29-06-2022</a:t>
             </a:fld>
             <a:endParaRPr lang="en-IN"/>
           </a:p>
@@ -1972,7 +1974,7 @@
           <a:p>
             <a:fld id="{DC2BF6E6-F863-479F-A057-0F7FF047E296}" type="datetimeFigureOut">
               <a:rPr lang="en-IN" smtClean="0"/>
-              <a:t>09-04-2022</a:t>
+              <a:t>29-06-2022</a:t>
             </a:fld>
             <a:endParaRPr lang="en-IN"/>
           </a:p>
@@ -2085,7 +2087,7 @@
           <a:p>
             <a:fld id="{DC2BF6E6-F863-479F-A057-0F7FF047E296}" type="datetimeFigureOut">
               <a:rPr lang="en-IN" smtClean="0"/>
-              <a:t>09-04-2022</a:t>
+              <a:t>29-06-2022</a:t>
             </a:fld>
             <a:endParaRPr lang="en-IN"/>
           </a:p>
@@ -2398,7 +2400,7 @@
           <a:p>
             <a:fld id="{DC2BF6E6-F863-479F-A057-0F7FF047E296}" type="datetimeFigureOut">
               <a:rPr lang="en-IN" smtClean="0"/>
-              <a:t>09-04-2022</a:t>
+              <a:t>29-06-2022</a:t>
             </a:fld>
             <a:endParaRPr lang="en-IN"/>
           </a:p>
@@ -2687,7 +2689,7 @@
           <a:p>
             <a:fld id="{DC2BF6E6-F863-479F-A057-0F7FF047E296}" type="datetimeFigureOut">
               <a:rPr lang="en-IN" smtClean="0"/>
-              <a:t>09-04-2022</a:t>
+              <a:t>29-06-2022</a:t>
             </a:fld>
             <a:endParaRPr lang="en-IN"/>
           </a:p>
@@ -2930,7 +2932,7 @@
           <a:p>
             <a:fld id="{DC2BF6E6-F863-479F-A057-0F7FF047E296}" type="datetimeFigureOut">
               <a:rPr lang="en-IN" smtClean="0"/>
-              <a:t>09-04-2022</a:t>
+              <a:t>29-06-2022</a:t>
             </a:fld>
             <a:endParaRPr lang="en-IN"/>
           </a:p>
@@ -3697,305 +3699,6 @@
       </p:pic>
       <p:grpSp>
         <p:nvGrpSpPr>
-          <p:cNvPr id="21" name="Group 20">
-            <a:extLst>
-              <a:ext uri="{FF2B5EF4-FFF2-40B4-BE49-F238E27FC236}">
-                <a16:creationId xmlns:a16="http://schemas.microsoft.com/office/drawing/2014/main" id="{DB5415C4-01F6-402B-9A1D-E275DCDDDE43}"/>
-              </a:ext>
-            </a:extLst>
-          </p:cNvPr>
-          <p:cNvGrpSpPr>
-            <a:grpSpLocks noChangeAspect="1"/>
-          </p:cNvGrpSpPr>
-          <p:nvPr/>
-        </p:nvGrpSpPr>
-        <p:grpSpPr>
-          <a:xfrm>
-            <a:off x="7975694" y="5936421"/>
-            <a:ext cx="1969193" cy="619491"/>
-            <a:chOff x="7928042" y="5716128"/>
-            <a:chExt cx="1969193" cy="619491"/>
-          </a:xfrm>
-        </p:grpSpPr>
-        <p:grpSp>
-          <p:nvGrpSpPr>
-            <p:cNvPr id="10" name="Group 9">
-              <a:extLst>
-                <a:ext uri="{FF2B5EF4-FFF2-40B4-BE49-F238E27FC236}">
-                  <a16:creationId xmlns:a16="http://schemas.microsoft.com/office/drawing/2014/main" id="{CFA7722F-3C3B-4B14-B0D6-2D5EBB7FC7A0}"/>
-                </a:ext>
-              </a:extLst>
-            </p:cNvPr>
-            <p:cNvGrpSpPr>
-              <a:grpSpLocks noChangeAspect="1"/>
-            </p:cNvGrpSpPr>
-            <p:nvPr/>
-          </p:nvGrpSpPr>
-          <p:grpSpPr>
-            <a:xfrm>
-              <a:off x="9195519" y="5963156"/>
-              <a:ext cx="360000" cy="360000"/>
-              <a:chOff x="5509093" y="4986775"/>
-              <a:chExt cx="543194" cy="807799"/>
-            </a:xfrm>
-          </p:grpSpPr>
-          <p:pic>
-            <p:nvPicPr>
-              <p:cNvPr id="1032" name="Picture 8">
-                <a:extLst>
-                  <a:ext uri="{FF2B5EF4-FFF2-40B4-BE49-F238E27FC236}">
-                    <a16:creationId xmlns:a16="http://schemas.microsoft.com/office/drawing/2014/main" id="{65323FB3-3161-4FCA-A41F-74777B67FFD1}"/>
-                  </a:ext>
-                </a:extLst>
-              </p:cNvPr>
-              <p:cNvPicPr>
-                <a:picLocks noChangeAspect="1" noChangeArrowheads="1"/>
-              </p:cNvPicPr>
-              <p:nvPr/>
-            </p:nvPicPr>
-            <p:blipFill>
-              <a:blip r:embed="rId6">
-                <a:extLst>
-                  <a:ext uri="{28A0092B-C50C-407E-A947-70E740481C1C}">
-                    <a14:useLocalDpi xmlns:a14="http://schemas.microsoft.com/office/drawing/2010/main" val="0"/>
-                  </a:ext>
-                </a:extLst>
-              </a:blip>
-              <a:srcRect/>
-              <a:stretch>
-                <a:fillRect/>
-              </a:stretch>
-            </p:blipFill>
-            <p:spPr bwMode="auto">
-              <a:xfrm>
-                <a:off x="5509093" y="4986775"/>
-                <a:ext cx="543194" cy="807799"/>
-              </a:xfrm>
-              <a:prstGeom prst="rect">
-                <a:avLst/>
-              </a:prstGeom>
-              <a:noFill/>
-              <a:extLst>
-                <a:ext uri="{909E8E84-426E-40DD-AFC4-6F175D3DCCD1}">
-                  <a14:hiddenFill xmlns:a14="http://schemas.microsoft.com/office/drawing/2010/main">
-                    <a:solidFill>
-                      <a:srgbClr val="FFFFFF"/>
-                    </a:solidFill>
-                  </a14:hiddenFill>
-                </a:ext>
-              </a:extLst>
-            </p:spPr>
-          </p:pic>
-          <p:pic>
-            <p:nvPicPr>
-              <p:cNvPr id="15" name="Picture 6" descr="Icon Mongodb Logo, HD Png Download , Transparent Png Image - PNGitem">
-                <a:extLst>
-                  <a:ext uri="{FF2B5EF4-FFF2-40B4-BE49-F238E27FC236}">
-                    <a16:creationId xmlns:a16="http://schemas.microsoft.com/office/drawing/2014/main" id="{0F60B27C-3D89-4A33-9BE9-FA5CF6F9B0DA}"/>
-                  </a:ext>
-                </a:extLst>
-              </p:cNvPr>
-              <p:cNvPicPr>
-                <a:picLocks noChangeAspect="1" noChangeArrowheads="1"/>
-              </p:cNvPicPr>
-              <p:nvPr/>
-            </p:nvPicPr>
-            <p:blipFill>
-              <a:blip r:embed="rId7">
-                <a:extLst>
-                  <a:ext uri="{28A0092B-C50C-407E-A947-70E740481C1C}">
-                    <a14:useLocalDpi xmlns:a14="http://schemas.microsoft.com/office/drawing/2010/main" val="0"/>
-                  </a:ext>
-                </a:extLst>
-              </a:blip>
-              <a:srcRect/>
-              <a:stretch>
-                <a:fillRect/>
-              </a:stretch>
-            </p:blipFill>
-            <p:spPr bwMode="auto">
-              <a:xfrm>
-                <a:off x="5604555" y="5231877"/>
-                <a:ext cx="371124" cy="433633"/>
-              </a:xfrm>
-              <a:prstGeom prst="rect">
-                <a:avLst/>
-              </a:prstGeom>
-              <a:noFill/>
-              <a:extLst>
-                <a:ext uri="{909E8E84-426E-40DD-AFC4-6F175D3DCCD1}">
-                  <a14:hiddenFill xmlns:a14="http://schemas.microsoft.com/office/drawing/2010/main">
-                    <a:solidFill>
-                      <a:srgbClr val="FFFFFF"/>
-                    </a:solidFill>
-                  </a14:hiddenFill>
-                </a:ext>
-              </a:extLst>
-            </p:spPr>
-          </p:pic>
-        </p:grpSp>
-        <p:sp>
-          <p:nvSpPr>
-            <p:cNvPr id="26" name="Rectangle: Rounded Corners 25">
-              <a:extLst>
-                <a:ext uri="{FF2B5EF4-FFF2-40B4-BE49-F238E27FC236}">
-                  <a16:creationId xmlns:a16="http://schemas.microsoft.com/office/drawing/2014/main" id="{70E55D40-F807-4535-AFC7-97777C23A1A4}"/>
-                </a:ext>
-              </a:extLst>
-            </p:cNvPr>
-            <p:cNvSpPr/>
-            <p:nvPr/>
-          </p:nvSpPr>
-          <p:spPr>
-            <a:xfrm>
-              <a:off x="7928042" y="5716128"/>
-              <a:ext cx="1969193" cy="619491"/>
-            </a:xfrm>
-            <a:prstGeom prst="roundRect">
-              <a:avLst/>
-            </a:prstGeom>
-            <a:noFill/>
-          </p:spPr>
-          <p:style>
-            <a:lnRef idx="2">
-              <a:schemeClr val="accent1">
-                <a:shade val="50000"/>
-              </a:schemeClr>
-            </a:lnRef>
-            <a:fillRef idx="1">
-              <a:schemeClr val="accent1"/>
-            </a:fillRef>
-            <a:effectRef idx="0">
-              <a:schemeClr val="accent1"/>
-            </a:effectRef>
-            <a:fontRef idx="minor">
-              <a:schemeClr val="lt1"/>
-            </a:fontRef>
-          </p:style>
-          <p:txBody>
-            <a:bodyPr tIns="0" rtlCol="0" anchor="t" anchorCtr="0"/>
-            <a:lstStyle/>
-            <a:p>
-              <a:pPr algn="ctr"/>
-              <a:r>
-                <a:rPr lang="en-US" sz="1100" b="1" dirty="0">
-                  <a:solidFill>
-                    <a:srgbClr val="002060"/>
-                  </a:solidFill>
-                  <a:latin typeface="Verdana" panose="020B0604030504040204" pitchFamily="34" charset="0"/>
-                  <a:ea typeface="Verdana" panose="020B0604030504040204" pitchFamily="34" charset="0"/>
-                </a:rPr>
-                <a:t>Products</a:t>
-              </a:r>
-              <a:r>
-                <a:rPr lang="en-US" sz="1100" dirty="0">
-                  <a:solidFill>
-                    <a:srgbClr val="002060"/>
-                  </a:solidFill>
-                  <a:latin typeface="Verdana" panose="020B0604030504040204" pitchFamily="34" charset="0"/>
-                  <a:ea typeface="Verdana" panose="020B0604030504040204" pitchFamily="34" charset="0"/>
-                </a:rPr>
-                <a:t> Microservices</a:t>
-              </a:r>
-              <a:endParaRPr lang="en-IN" sz="1100" dirty="0">
-                <a:solidFill>
-                  <a:srgbClr val="002060"/>
-                </a:solidFill>
-                <a:latin typeface="Verdana" panose="020B0604030504040204" pitchFamily="34" charset="0"/>
-                <a:ea typeface="Verdana" panose="020B0604030504040204" pitchFamily="34" charset="0"/>
-              </a:endParaRPr>
-            </a:p>
-          </p:txBody>
-        </p:sp>
-        <p:pic>
-          <p:nvPicPr>
-            <p:cNvPr id="27" name="Picture 16">
-              <a:extLst>
-                <a:ext uri="{FF2B5EF4-FFF2-40B4-BE49-F238E27FC236}">
-                  <a16:creationId xmlns:a16="http://schemas.microsoft.com/office/drawing/2014/main" id="{8E5E390B-01CA-4585-8914-CDBA43B6A291}"/>
-                </a:ext>
-              </a:extLst>
-            </p:cNvPr>
-            <p:cNvPicPr>
-              <a:picLocks noChangeAspect="1" noChangeArrowheads="1"/>
-            </p:cNvPicPr>
-            <p:nvPr/>
-          </p:nvPicPr>
-          <p:blipFill>
-            <a:blip r:embed="rId8">
-              <a:extLst>
-                <a:ext uri="{28A0092B-C50C-407E-A947-70E740481C1C}">
-                  <a14:useLocalDpi xmlns:a14="http://schemas.microsoft.com/office/drawing/2010/main" val="0"/>
-                </a:ext>
-              </a:extLst>
-            </a:blip>
-            <a:srcRect/>
-            <a:stretch>
-              <a:fillRect/>
-            </a:stretch>
-          </p:blipFill>
-          <p:spPr bwMode="auto">
-            <a:xfrm>
-              <a:off x="8310366" y="5963156"/>
-              <a:ext cx="360000" cy="360000"/>
-            </a:xfrm>
-            <a:prstGeom prst="rect">
-              <a:avLst/>
-            </a:prstGeom>
-            <a:noFill/>
-            <a:extLst>
-              <a:ext uri="{909E8E84-426E-40DD-AFC4-6F175D3DCCD1}">
-                <a14:hiddenFill xmlns:a14="http://schemas.microsoft.com/office/drawing/2010/main">
-                  <a:solidFill>
-                    <a:srgbClr val="FFFFFF"/>
-                  </a:solidFill>
-                </a14:hiddenFill>
-              </a:ext>
-            </a:extLst>
-          </p:spPr>
-        </p:pic>
-        <p:cxnSp>
-          <p:nvCxnSpPr>
-            <p:cNvPr id="36" name="Straight Arrow Connector 35">
-              <a:extLst>
-                <a:ext uri="{FF2B5EF4-FFF2-40B4-BE49-F238E27FC236}">
-                  <a16:creationId xmlns:a16="http://schemas.microsoft.com/office/drawing/2014/main" id="{F6E7DF90-7FEF-491E-8015-5BA1941123FC}"/>
-                </a:ext>
-              </a:extLst>
-            </p:cNvPr>
-            <p:cNvCxnSpPr/>
-            <p:nvPr/>
-          </p:nvCxnSpPr>
-          <p:spPr>
-            <a:xfrm>
-              <a:off x="8588638" y="6143156"/>
-              <a:ext cx="648000" cy="0"/>
-            </a:xfrm>
-            <a:prstGeom prst="straightConnector1">
-              <a:avLst/>
-            </a:prstGeom>
-            <a:ln>
-              <a:tailEnd type="triangle"/>
-            </a:ln>
-          </p:spPr>
-          <p:style>
-            <a:lnRef idx="2">
-              <a:schemeClr val="accent1"/>
-            </a:lnRef>
-            <a:fillRef idx="0">
-              <a:schemeClr val="accent1"/>
-            </a:fillRef>
-            <a:effectRef idx="1">
-              <a:schemeClr val="accent1"/>
-            </a:effectRef>
-            <a:fontRef idx="minor">
-              <a:schemeClr val="tx1"/>
-            </a:fontRef>
-          </p:style>
-        </p:cxnSp>
-      </p:grpSp>
-      <p:grpSp>
-        <p:nvGrpSpPr>
           <p:cNvPr id="29" name="Group 28">
             <a:extLst>
               <a:ext uri="{FF2B5EF4-FFF2-40B4-BE49-F238E27FC236}">
@@ -4104,7 +3807,7 @@
             <p:nvPr/>
           </p:nvPicPr>
           <p:blipFill>
-            <a:blip r:embed="rId8">
+            <a:blip r:embed="rId6">
               <a:extLst>
                 <a:ext uri="{28A0092B-C50C-407E-A947-70E740481C1C}">
                   <a14:useLocalDpi xmlns:a14="http://schemas.microsoft.com/office/drawing/2010/main" val="0"/>
@@ -4295,7 +3998,7 @@
             <p:nvPr/>
           </p:nvPicPr>
           <p:blipFill>
-            <a:blip r:embed="rId8">
+            <a:blip r:embed="rId6">
               <a:extLst>
                 <a:ext uri="{28A0092B-C50C-407E-A947-70E740481C1C}">
                   <a14:useLocalDpi xmlns:a14="http://schemas.microsoft.com/office/drawing/2010/main" val="0"/>
@@ -4486,7 +4189,7 @@
             <p:nvPr/>
           </p:nvPicPr>
           <p:blipFill>
-            <a:blip r:embed="rId8">
+            <a:blip r:embed="rId6">
               <a:extLst>
                 <a:ext uri="{28A0092B-C50C-407E-A947-70E740481C1C}">
                   <a14:useLocalDpi xmlns:a14="http://schemas.microsoft.com/office/drawing/2010/main" val="0"/>
@@ -4677,7 +4380,7 @@
             <p:nvPr/>
           </p:nvPicPr>
           <p:blipFill>
-            <a:blip r:embed="rId8">
+            <a:blip r:embed="rId6">
               <a:extLst>
                 <a:ext uri="{28A0092B-C50C-407E-A947-70E740481C1C}">
                   <a14:useLocalDpi xmlns:a14="http://schemas.microsoft.com/office/drawing/2010/main" val="0"/>
@@ -4868,7 +4571,7 @@
             <p:nvPr/>
           </p:nvPicPr>
           <p:blipFill>
-            <a:blip r:embed="rId8">
+            <a:blip r:embed="rId6">
               <a:extLst>
                 <a:ext uri="{28A0092B-C50C-407E-A947-70E740481C1C}">
                   <a14:useLocalDpi xmlns:a14="http://schemas.microsoft.com/office/drawing/2010/main" val="0"/>
@@ -6074,10 +5777,3445 @@
           </p:txBody>
         </p:sp>
       </p:grpSp>
+      <p:grpSp>
+        <p:nvGrpSpPr>
+          <p:cNvPr id="7" name="Group 6">
+            <a:extLst>
+              <a:ext uri="{FF2B5EF4-FFF2-40B4-BE49-F238E27FC236}">
+                <a16:creationId xmlns:a16="http://schemas.microsoft.com/office/drawing/2014/main" id="{89A437BF-B9F4-4E33-B1E6-F4A4A6788C78}"/>
+              </a:ext>
+            </a:extLst>
+          </p:cNvPr>
+          <p:cNvGrpSpPr/>
+          <p:nvPr/>
+        </p:nvGrpSpPr>
+        <p:grpSpPr>
+          <a:xfrm>
+            <a:off x="7975694" y="5936421"/>
+            <a:ext cx="1969193" cy="619491"/>
+            <a:chOff x="7975694" y="5936421"/>
+            <a:chExt cx="1969193" cy="619491"/>
+          </a:xfrm>
+        </p:grpSpPr>
+        <p:sp>
+          <p:nvSpPr>
+            <p:cNvPr id="26" name="Rectangle: Rounded Corners 25">
+              <a:extLst>
+                <a:ext uri="{FF2B5EF4-FFF2-40B4-BE49-F238E27FC236}">
+                  <a16:creationId xmlns:a16="http://schemas.microsoft.com/office/drawing/2014/main" id="{70E55D40-F807-4535-AFC7-97777C23A1A4}"/>
+                </a:ext>
+              </a:extLst>
+            </p:cNvPr>
+            <p:cNvSpPr/>
+            <p:nvPr/>
+          </p:nvSpPr>
+          <p:spPr>
+            <a:xfrm>
+              <a:off x="7975694" y="5936421"/>
+              <a:ext cx="1969193" cy="619491"/>
+            </a:xfrm>
+            <a:prstGeom prst="roundRect">
+              <a:avLst/>
+            </a:prstGeom>
+            <a:noFill/>
+          </p:spPr>
+          <p:style>
+            <a:lnRef idx="2">
+              <a:schemeClr val="accent1">
+                <a:shade val="50000"/>
+              </a:schemeClr>
+            </a:lnRef>
+            <a:fillRef idx="1">
+              <a:schemeClr val="accent1"/>
+            </a:fillRef>
+            <a:effectRef idx="0">
+              <a:schemeClr val="accent1"/>
+            </a:effectRef>
+            <a:fontRef idx="minor">
+              <a:schemeClr val="lt1"/>
+            </a:fontRef>
+          </p:style>
+          <p:txBody>
+            <a:bodyPr tIns="0" rtlCol="0" anchor="t" anchorCtr="0"/>
+            <a:lstStyle/>
+            <a:p>
+              <a:pPr algn="ctr"/>
+              <a:r>
+                <a:rPr lang="en-US" sz="1100" b="1" dirty="0">
+                  <a:solidFill>
+                    <a:srgbClr val="002060"/>
+                  </a:solidFill>
+                  <a:latin typeface="Verdana" panose="020B0604030504040204" pitchFamily="34" charset="0"/>
+                  <a:ea typeface="Verdana" panose="020B0604030504040204" pitchFamily="34" charset="0"/>
+                </a:rPr>
+                <a:t>Products</a:t>
+              </a:r>
+              <a:r>
+                <a:rPr lang="en-US" sz="1100" dirty="0">
+                  <a:solidFill>
+                    <a:srgbClr val="002060"/>
+                  </a:solidFill>
+                  <a:latin typeface="Verdana" panose="020B0604030504040204" pitchFamily="34" charset="0"/>
+                  <a:ea typeface="Verdana" panose="020B0604030504040204" pitchFamily="34" charset="0"/>
+                </a:rPr>
+                <a:t> Microservices</a:t>
+              </a:r>
+              <a:endParaRPr lang="en-IN" sz="1100" dirty="0">
+                <a:solidFill>
+                  <a:srgbClr val="002060"/>
+                </a:solidFill>
+                <a:latin typeface="Verdana" panose="020B0604030504040204" pitchFamily="34" charset="0"/>
+                <a:ea typeface="Verdana" panose="020B0604030504040204" pitchFamily="34" charset="0"/>
+              </a:endParaRPr>
+            </a:p>
+          </p:txBody>
+        </p:sp>
+        <p:pic>
+          <p:nvPicPr>
+            <p:cNvPr id="27" name="Picture 16">
+              <a:extLst>
+                <a:ext uri="{FF2B5EF4-FFF2-40B4-BE49-F238E27FC236}">
+                  <a16:creationId xmlns:a16="http://schemas.microsoft.com/office/drawing/2014/main" id="{8E5E390B-01CA-4585-8914-CDBA43B6A291}"/>
+                </a:ext>
+              </a:extLst>
+            </p:cNvPr>
+            <p:cNvPicPr>
+              <a:picLocks noChangeAspect="1" noChangeArrowheads="1"/>
+            </p:cNvPicPr>
+            <p:nvPr/>
+          </p:nvPicPr>
+          <p:blipFill>
+            <a:blip r:embed="rId6">
+              <a:extLst>
+                <a:ext uri="{28A0092B-C50C-407E-A947-70E740481C1C}">
+                  <a14:useLocalDpi xmlns:a14="http://schemas.microsoft.com/office/drawing/2010/main" val="0"/>
+                </a:ext>
+              </a:extLst>
+            </a:blip>
+            <a:srcRect/>
+            <a:stretch>
+              <a:fillRect/>
+            </a:stretch>
+          </p:blipFill>
+          <p:spPr bwMode="auto">
+            <a:xfrm>
+              <a:off x="8358018" y="6183449"/>
+              <a:ext cx="360000" cy="360000"/>
+            </a:xfrm>
+            <a:prstGeom prst="rect">
+              <a:avLst/>
+            </a:prstGeom>
+            <a:noFill/>
+            <a:extLst>
+              <a:ext uri="{909E8E84-426E-40DD-AFC4-6F175D3DCCD1}">
+                <a14:hiddenFill xmlns:a14="http://schemas.microsoft.com/office/drawing/2010/main">
+                  <a:solidFill>
+                    <a:srgbClr val="FFFFFF"/>
+                  </a:solidFill>
+                </a14:hiddenFill>
+              </a:ext>
+            </a:extLst>
+          </p:spPr>
+        </p:pic>
+        <p:cxnSp>
+          <p:nvCxnSpPr>
+            <p:cNvPr id="36" name="Straight Arrow Connector 35">
+              <a:extLst>
+                <a:ext uri="{FF2B5EF4-FFF2-40B4-BE49-F238E27FC236}">
+                  <a16:creationId xmlns:a16="http://schemas.microsoft.com/office/drawing/2014/main" id="{F6E7DF90-7FEF-491E-8015-5BA1941123FC}"/>
+                </a:ext>
+              </a:extLst>
+            </p:cNvPr>
+            <p:cNvCxnSpPr/>
+            <p:nvPr/>
+          </p:nvCxnSpPr>
+          <p:spPr>
+            <a:xfrm>
+              <a:off x="8636290" y="6363449"/>
+              <a:ext cx="648000" cy="0"/>
+            </a:xfrm>
+            <a:prstGeom prst="straightConnector1">
+              <a:avLst/>
+            </a:prstGeom>
+            <a:ln>
+              <a:tailEnd type="triangle"/>
+            </a:ln>
+          </p:spPr>
+          <p:style>
+            <a:lnRef idx="2">
+              <a:schemeClr val="accent1"/>
+            </a:lnRef>
+            <a:fillRef idx="0">
+              <a:schemeClr val="accent1"/>
+            </a:fillRef>
+            <a:effectRef idx="1">
+              <a:schemeClr val="accent1"/>
+            </a:effectRef>
+            <a:fontRef idx="minor">
+              <a:schemeClr val="tx1"/>
+            </a:fontRef>
+          </p:style>
+        </p:cxnSp>
+        <p:sp>
+          <p:nvSpPr>
+            <p:cNvPr id="58" name="TextBox 57">
+              <a:extLst>
+                <a:ext uri="{FF2B5EF4-FFF2-40B4-BE49-F238E27FC236}">
+                  <a16:creationId xmlns:a16="http://schemas.microsoft.com/office/drawing/2014/main" id="{8BE7DFDF-9042-4D41-AAB8-71E578F98892}"/>
+                </a:ext>
+              </a:extLst>
+            </p:cNvPr>
+            <p:cNvSpPr txBox="1"/>
+            <p:nvPr/>
+          </p:nvSpPr>
+          <p:spPr>
+            <a:xfrm>
+              <a:off x="9196437" y="6233810"/>
+              <a:ext cx="698409" cy="246221"/>
+            </a:xfrm>
+            <a:prstGeom prst="rect">
+              <a:avLst/>
+            </a:prstGeom>
+            <a:noFill/>
+          </p:spPr>
+          <p:txBody>
+            <a:bodyPr wrap="square" rtlCol="0">
+              <a:spAutoFit/>
+            </a:bodyPr>
+            <a:lstStyle/>
+            <a:p>
+              <a:r>
+                <a:rPr lang="en-US" sz="1000" b="1" dirty="0">
+                  <a:solidFill>
+                    <a:srgbClr val="0070C0"/>
+                  </a:solidFill>
+                  <a:latin typeface="Verdana" panose="020B0604030504040204" pitchFamily="34" charset="0"/>
+                  <a:ea typeface="Verdana" panose="020B0604030504040204" pitchFamily="34" charset="0"/>
+                </a:rPr>
+                <a:t>Mongo</a:t>
+              </a:r>
+              <a:endParaRPr lang="en-IN" sz="1000" b="1" dirty="0">
+                <a:solidFill>
+                  <a:srgbClr val="0070C0"/>
+                </a:solidFill>
+                <a:latin typeface="Verdana" panose="020B0604030504040204" pitchFamily="34" charset="0"/>
+                <a:ea typeface="Verdana" panose="020B0604030504040204" pitchFamily="34" charset="0"/>
+              </a:endParaRPr>
+            </a:p>
+          </p:txBody>
+        </p:sp>
+      </p:grpSp>
+      <p:sp>
+        <p:nvSpPr>
+          <p:cNvPr id="2" name="TextBox 1">
+            <a:extLst>
+              <a:ext uri="{FF2B5EF4-FFF2-40B4-BE49-F238E27FC236}">
+                <a16:creationId xmlns:a16="http://schemas.microsoft.com/office/drawing/2014/main" id="{6F902A5D-40E9-4AA1-9C54-ED72203D820C}"/>
+              </a:ext>
+            </a:extLst>
+          </p:cNvPr>
+          <p:cNvSpPr txBox="1"/>
+          <p:nvPr/>
+        </p:nvSpPr>
+        <p:spPr>
+          <a:xfrm>
+            <a:off x="480767" y="403670"/>
+            <a:ext cx="2682073" cy="646331"/>
+          </a:xfrm>
+          <a:prstGeom prst="rect">
+            <a:avLst/>
+          </a:prstGeom>
+          <a:noFill/>
+          <a:ln w="12700">
+            <a:solidFill>
+              <a:srgbClr val="00B0F0"/>
+            </a:solidFill>
+          </a:ln>
+        </p:spPr>
+        <p:txBody>
+          <a:bodyPr wrap="square" rtlCol="0">
+            <a:spAutoFit/>
+          </a:bodyPr>
+          <a:lstStyle/>
+          <a:p>
+            <a:pPr algn="ctr"/>
+            <a:r>
+              <a:rPr lang="en-US" b="1" dirty="0">
+                <a:solidFill>
+                  <a:srgbClr val="0070C0"/>
+                </a:solidFill>
+                <a:latin typeface="Verdana" panose="020B0604030504040204" pitchFamily="34" charset="0"/>
+                <a:ea typeface="Verdana" panose="020B0604030504040204" pitchFamily="34" charset="0"/>
+              </a:rPr>
+              <a:t>Planned/Proposed</a:t>
+            </a:r>
+          </a:p>
+          <a:p>
+            <a:pPr algn="ctr"/>
+            <a:r>
+              <a:rPr lang="en-US" b="1" dirty="0">
+                <a:solidFill>
+                  <a:srgbClr val="0070C0"/>
+                </a:solidFill>
+                <a:latin typeface="Verdana" panose="020B0604030504040204" pitchFamily="34" charset="0"/>
+                <a:ea typeface="Verdana" panose="020B0604030504040204" pitchFamily="34" charset="0"/>
+              </a:rPr>
+              <a:t>Architecture</a:t>
+            </a:r>
+            <a:endParaRPr lang="en-IN" b="1" dirty="0">
+              <a:solidFill>
+                <a:srgbClr val="0070C0"/>
+              </a:solidFill>
+              <a:latin typeface="Verdana" panose="020B0604030504040204" pitchFamily="34" charset="0"/>
+              <a:ea typeface="Verdana" panose="020B0604030504040204" pitchFamily="34" charset="0"/>
+            </a:endParaRPr>
+          </a:p>
+        </p:txBody>
+      </p:sp>
     </p:spTree>
     <p:extLst>
       <p:ext uri="{BB962C8B-B14F-4D97-AF65-F5344CB8AC3E}">
         <p14:creationId xmlns:p14="http://schemas.microsoft.com/office/powerpoint/2010/main" val="1464617685"/>
+      </p:ext>
+    </p:extLst>
+  </p:cSld>
+  <p:clrMapOvr>
+    <a:masterClrMapping/>
+  </p:clrMapOvr>
+</p:sld>
+</file>
+
+<file path=ppt/slides/slide2.xml><?xml version="1.0" encoding="utf-8"?>
+<p:sld xmlns:a="http://schemas.openxmlformats.org/drawingml/2006/main" xmlns:r="http://schemas.openxmlformats.org/officeDocument/2006/relationships" xmlns:p="http://schemas.openxmlformats.org/presentationml/2006/main">
+  <p:cSld>
+    <p:spTree>
+      <p:nvGrpSpPr>
+        <p:cNvPr id="1" name=""/>
+        <p:cNvGrpSpPr/>
+        <p:nvPr/>
+      </p:nvGrpSpPr>
+      <p:grpSpPr>
+        <a:xfrm>
+          <a:off x="0" y="0"/>
+          <a:ext cx="0" cy="0"/>
+          <a:chOff x="0" y="0"/>
+          <a:chExt cx="0" cy="0"/>
+        </a:xfrm>
+      </p:grpSpPr>
+      <p:sp>
+        <p:nvSpPr>
+          <p:cNvPr id="11" name="Cylinder 10">
+            <a:extLst>
+              <a:ext uri="{FF2B5EF4-FFF2-40B4-BE49-F238E27FC236}">
+                <a16:creationId xmlns:a16="http://schemas.microsoft.com/office/drawing/2014/main" id="{C1C527D6-06B1-401E-942E-627E0DF4C45F}"/>
+              </a:ext>
+            </a:extLst>
+          </p:cNvPr>
+          <p:cNvSpPr/>
+          <p:nvPr/>
+        </p:nvSpPr>
+        <p:spPr>
+          <a:xfrm>
+            <a:off x="11237625" y="309536"/>
+            <a:ext cx="288000" cy="6264000"/>
+          </a:xfrm>
+          <a:prstGeom prst="can">
+            <a:avLst/>
+          </a:prstGeom>
+          <a:solidFill>
+            <a:srgbClr val="F5F6D6"/>
+          </a:solidFill>
+        </p:spPr>
+        <p:style>
+          <a:lnRef idx="2">
+            <a:schemeClr val="accent1">
+              <a:shade val="50000"/>
+            </a:schemeClr>
+          </a:lnRef>
+          <a:fillRef idx="1">
+            <a:schemeClr val="accent1"/>
+          </a:fillRef>
+          <a:effectRef idx="0">
+            <a:schemeClr val="accent1"/>
+          </a:effectRef>
+          <a:fontRef idx="minor">
+            <a:schemeClr val="lt1"/>
+          </a:fontRef>
+        </p:style>
+        <p:txBody>
+          <a:bodyPr vert="vert" rtlCol="0" anchor="ctr"/>
+          <a:lstStyle/>
+          <a:p>
+            <a:pPr algn="ctr"/>
+            <a:r>
+              <a:rPr lang="en-US" sz="1400" b="1" dirty="0">
+                <a:solidFill>
+                  <a:srgbClr val="002060"/>
+                </a:solidFill>
+                <a:latin typeface="Verdana" panose="020B0604030504040204" pitchFamily="34" charset="0"/>
+                <a:ea typeface="Verdana" panose="020B0604030504040204" pitchFamily="34" charset="0"/>
+              </a:rPr>
+              <a:t>Event Bus (</a:t>
+            </a:r>
+            <a:r>
+              <a:rPr lang="en-US" sz="1400" dirty="0">
+                <a:solidFill>
+                  <a:srgbClr val="002060"/>
+                </a:solidFill>
+                <a:latin typeface="Verdana" panose="020B0604030504040204" pitchFamily="34" charset="0"/>
+                <a:ea typeface="Verdana" panose="020B0604030504040204" pitchFamily="34" charset="0"/>
+              </a:rPr>
+              <a:t>RabbitMQ / Kafka / Service Bus</a:t>
+            </a:r>
+            <a:r>
+              <a:rPr lang="en-US" sz="1400" b="1" dirty="0">
+                <a:solidFill>
+                  <a:srgbClr val="002060"/>
+                </a:solidFill>
+                <a:latin typeface="Verdana" panose="020B0604030504040204" pitchFamily="34" charset="0"/>
+                <a:ea typeface="Verdana" panose="020B0604030504040204" pitchFamily="34" charset="0"/>
+              </a:rPr>
+              <a:t>)</a:t>
+            </a:r>
+            <a:endParaRPr lang="en-IN" sz="1400" b="1" dirty="0">
+              <a:solidFill>
+                <a:srgbClr val="002060"/>
+              </a:solidFill>
+              <a:latin typeface="Verdana" panose="020B0604030504040204" pitchFamily="34" charset="0"/>
+              <a:ea typeface="Verdana" panose="020B0604030504040204" pitchFamily="34" charset="0"/>
+            </a:endParaRPr>
+          </a:p>
+        </p:txBody>
+      </p:sp>
+      <p:pic>
+        <p:nvPicPr>
+          <p:cNvPr id="1034" name="Picture 10">
+            <a:extLst>
+              <a:ext uri="{FF2B5EF4-FFF2-40B4-BE49-F238E27FC236}">
+                <a16:creationId xmlns:a16="http://schemas.microsoft.com/office/drawing/2014/main" id="{63ADE3E1-7C0F-4A66-AA75-3AD2AE3D7D7B}"/>
+              </a:ext>
+            </a:extLst>
+          </p:cNvPr>
+          <p:cNvPicPr>
+            <a:picLocks noChangeAspect="1" noChangeArrowheads="1"/>
+          </p:cNvPicPr>
+          <p:nvPr/>
+        </p:nvPicPr>
+        <p:blipFill>
+          <a:blip r:embed="rId2">
+            <a:extLst>
+              <a:ext uri="{28A0092B-C50C-407E-A947-70E740481C1C}">
+                <a14:useLocalDpi xmlns:a14="http://schemas.microsoft.com/office/drawing/2010/main" val="0"/>
+              </a:ext>
+            </a:extLst>
+          </a:blip>
+          <a:srcRect/>
+          <a:stretch>
+            <a:fillRect/>
+          </a:stretch>
+        </p:blipFill>
+        <p:spPr bwMode="auto">
+          <a:xfrm>
+            <a:off x="11589702" y="4859853"/>
+            <a:ext cx="360000" cy="360000"/>
+          </a:xfrm>
+          <a:prstGeom prst="rect">
+            <a:avLst/>
+          </a:prstGeom>
+          <a:noFill/>
+          <a:extLst>
+            <a:ext uri="{909E8E84-426E-40DD-AFC4-6F175D3DCCD1}">
+              <a14:hiddenFill xmlns:a14="http://schemas.microsoft.com/office/drawing/2010/main">
+                <a:solidFill>
+                  <a:srgbClr val="FFFFFF"/>
+                </a:solidFill>
+              </a14:hiddenFill>
+            </a:ext>
+          </a:extLst>
+        </p:spPr>
+      </p:pic>
+      <p:pic>
+        <p:nvPicPr>
+          <p:cNvPr id="1036" name="Picture 12" descr="RabbitMQ Logo PNG Transparent &amp; SVG Vector - Freebie Supply">
+            <a:extLst>
+              <a:ext uri="{FF2B5EF4-FFF2-40B4-BE49-F238E27FC236}">
+                <a16:creationId xmlns:a16="http://schemas.microsoft.com/office/drawing/2014/main" id="{A7E07EE2-DDFE-44E0-85DE-E0447AB174FB}"/>
+              </a:ext>
+            </a:extLst>
+          </p:cNvPr>
+          <p:cNvPicPr>
+            <a:picLocks noChangeAspect="1" noChangeArrowheads="1"/>
+          </p:cNvPicPr>
+          <p:nvPr/>
+        </p:nvPicPr>
+        <p:blipFill>
+          <a:blip r:embed="rId3">
+            <a:extLst>
+              <a:ext uri="{28A0092B-C50C-407E-A947-70E740481C1C}">
+                <a14:useLocalDpi xmlns:a14="http://schemas.microsoft.com/office/drawing/2010/main" val="0"/>
+              </a:ext>
+            </a:extLst>
+          </a:blip>
+          <a:srcRect/>
+          <a:stretch>
+            <a:fillRect/>
+          </a:stretch>
+        </p:blipFill>
+        <p:spPr bwMode="auto">
+          <a:xfrm>
+            <a:off x="11594164" y="2857497"/>
+            <a:ext cx="360000" cy="360000"/>
+          </a:xfrm>
+          <a:prstGeom prst="rect">
+            <a:avLst/>
+          </a:prstGeom>
+          <a:noFill/>
+          <a:extLst>
+            <a:ext uri="{909E8E84-426E-40DD-AFC4-6F175D3DCCD1}">
+              <a14:hiddenFill xmlns:a14="http://schemas.microsoft.com/office/drawing/2010/main">
+                <a:solidFill>
+                  <a:srgbClr val="FFFFFF"/>
+                </a:solidFill>
+              </a14:hiddenFill>
+            </a:ext>
+          </a:extLst>
+        </p:spPr>
+      </p:pic>
+      <p:pic>
+        <p:nvPicPr>
+          <p:cNvPr id="1038" name="Picture 14">
+            <a:extLst>
+              <a:ext uri="{FF2B5EF4-FFF2-40B4-BE49-F238E27FC236}">
+                <a16:creationId xmlns:a16="http://schemas.microsoft.com/office/drawing/2014/main" id="{7B0BD928-5C72-446C-B511-0AE89A27B7EC}"/>
+              </a:ext>
+            </a:extLst>
+          </p:cNvPr>
+          <p:cNvPicPr>
+            <a:picLocks noChangeAspect="1" noChangeArrowheads="1"/>
+          </p:cNvPicPr>
+          <p:nvPr/>
+        </p:nvPicPr>
+        <p:blipFill>
+          <a:blip r:embed="rId4">
+            <a:extLst>
+              <a:ext uri="{28A0092B-C50C-407E-A947-70E740481C1C}">
+                <a14:useLocalDpi xmlns:a14="http://schemas.microsoft.com/office/drawing/2010/main" val="0"/>
+              </a:ext>
+            </a:extLst>
+          </a:blip>
+          <a:srcRect/>
+          <a:stretch>
+            <a:fillRect/>
+          </a:stretch>
+        </p:blipFill>
+        <p:spPr bwMode="auto">
+          <a:xfrm>
+            <a:off x="11590085" y="3789651"/>
+            <a:ext cx="360000" cy="360000"/>
+          </a:xfrm>
+          <a:prstGeom prst="rect">
+            <a:avLst/>
+          </a:prstGeom>
+          <a:noFill/>
+          <a:extLst>
+            <a:ext uri="{909E8E84-426E-40DD-AFC4-6F175D3DCCD1}">
+              <a14:hiddenFill xmlns:a14="http://schemas.microsoft.com/office/drawing/2010/main">
+                <a:solidFill>
+                  <a:srgbClr val="FFFFFF"/>
+                </a:solidFill>
+              </a14:hiddenFill>
+            </a:ext>
+          </a:extLst>
+        </p:spPr>
+      </p:pic>
+      <p:cxnSp>
+        <p:nvCxnSpPr>
+          <p:cNvPr id="17" name="Straight Arrow Connector 16">
+            <a:extLst>
+              <a:ext uri="{FF2B5EF4-FFF2-40B4-BE49-F238E27FC236}">
+                <a16:creationId xmlns:a16="http://schemas.microsoft.com/office/drawing/2014/main" id="{605713C4-99D7-4E4C-BD49-1759D32DB6BE}"/>
+              </a:ext>
+            </a:extLst>
+          </p:cNvPr>
+          <p:cNvCxnSpPr/>
+          <p:nvPr/>
+        </p:nvCxnSpPr>
+        <p:spPr>
+          <a:xfrm>
+            <a:off x="10585872" y="3362259"/>
+            <a:ext cx="648000" cy="0"/>
+          </a:xfrm>
+          <a:prstGeom prst="straightConnector1">
+            <a:avLst/>
+          </a:prstGeom>
+          <a:ln>
+            <a:tailEnd type="triangle"/>
+          </a:ln>
+        </p:spPr>
+        <p:style>
+          <a:lnRef idx="2">
+            <a:schemeClr val="accent1"/>
+          </a:lnRef>
+          <a:fillRef idx="0">
+            <a:schemeClr val="accent1"/>
+          </a:fillRef>
+          <a:effectRef idx="1">
+            <a:schemeClr val="accent1"/>
+          </a:effectRef>
+          <a:fontRef idx="minor">
+            <a:schemeClr val="tx1"/>
+          </a:fontRef>
+        </p:style>
+      </p:cxnSp>
+      <p:cxnSp>
+        <p:nvCxnSpPr>
+          <p:cNvPr id="20" name="Straight Connector 19">
+            <a:extLst>
+              <a:ext uri="{FF2B5EF4-FFF2-40B4-BE49-F238E27FC236}">
+                <a16:creationId xmlns:a16="http://schemas.microsoft.com/office/drawing/2014/main" id="{D24FA6FE-7FCF-4C7D-A2E0-454B6742A59E}"/>
+              </a:ext>
+            </a:extLst>
+          </p:cNvPr>
+          <p:cNvCxnSpPr/>
+          <p:nvPr/>
+        </p:nvCxnSpPr>
+        <p:spPr>
+          <a:xfrm>
+            <a:off x="10585874" y="688216"/>
+            <a:ext cx="0" cy="5577422"/>
+          </a:xfrm>
+          <a:prstGeom prst="line">
+            <a:avLst/>
+          </a:prstGeom>
+        </p:spPr>
+        <p:style>
+          <a:lnRef idx="2">
+            <a:schemeClr val="accent1"/>
+          </a:lnRef>
+          <a:fillRef idx="0">
+            <a:schemeClr val="accent1"/>
+          </a:fillRef>
+          <a:effectRef idx="1">
+            <a:schemeClr val="accent1"/>
+          </a:effectRef>
+          <a:fontRef idx="minor">
+            <a:schemeClr val="tx1"/>
+          </a:fontRef>
+        </p:style>
+      </p:cxnSp>
+      <p:pic>
+        <p:nvPicPr>
+          <p:cNvPr id="1042" name="Picture 18">
+            <a:extLst>
+              <a:ext uri="{FF2B5EF4-FFF2-40B4-BE49-F238E27FC236}">
+                <a16:creationId xmlns:a16="http://schemas.microsoft.com/office/drawing/2014/main" id="{21575FF3-65F7-4FE7-9E4A-E2C49761EE42}"/>
+              </a:ext>
+            </a:extLst>
+          </p:cNvPr>
+          <p:cNvPicPr>
+            <a:picLocks noChangeAspect="1" noChangeArrowheads="1"/>
+          </p:cNvPicPr>
+          <p:nvPr/>
+        </p:nvPicPr>
+        <p:blipFill>
+          <a:blip r:embed="rId5">
+            <a:extLst>
+              <a:ext uri="{28A0092B-C50C-407E-A947-70E740481C1C}">
+                <a14:useLocalDpi xmlns:a14="http://schemas.microsoft.com/office/drawing/2010/main" val="0"/>
+              </a:ext>
+            </a:extLst>
+          </a:blip>
+          <a:srcRect/>
+          <a:stretch>
+            <a:fillRect/>
+          </a:stretch>
+        </p:blipFill>
+        <p:spPr bwMode="auto">
+          <a:xfrm>
+            <a:off x="10670855" y="3001247"/>
+            <a:ext cx="478033" cy="360000"/>
+          </a:xfrm>
+          <a:prstGeom prst="rect">
+            <a:avLst/>
+          </a:prstGeom>
+          <a:noFill/>
+          <a:extLst>
+            <a:ext uri="{909E8E84-426E-40DD-AFC4-6F175D3DCCD1}">
+              <a14:hiddenFill xmlns:a14="http://schemas.microsoft.com/office/drawing/2010/main">
+                <a:solidFill>
+                  <a:srgbClr val="FFFFFF"/>
+                </a:solidFill>
+              </a14:hiddenFill>
+            </a:ext>
+          </a:extLst>
+        </p:spPr>
+      </p:pic>
+      <p:grpSp>
+        <p:nvGrpSpPr>
+          <p:cNvPr id="21" name="Group 20">
+            <a:extLst>
+              <a:ext uri="{FF2B5EF4-FFF2-40B4-BE49-F238E27FC236}">
+                <a16:creationId xmlns:a16="http://schemas.microsoft.com/office/drawing/2014/main" id="{DB5415C4-01F6-402B-9A1D-E275DCDDDE43}"/>
+              </a:ext>
+            </a:extLst>
+          </p:cNvPr>
+          <p:cNvGrpSpPr>
+            <a:grpSpLocks noChangeAspect="1"/>
+          </p:cNvGrpSpPr>
+          <p:nvPr/>
+        </p:nvGrpSpPr>
+        <p:grpSpPr>
+          <a:xfrm>
+            <a:off x="7975694" y="5936421"/>
+            <a:ext cx="1969193" cy="619491"/>
+            <a:chOff x="7928042" y="5716128"/>
+            <a:chExt cx="1969193" cy="619491"/>
+          </a:xfrm>
+        </p:grpSpPr>
+        <p:grpSp>
+          <p:nvGrpSpPr>
+            <p:cNvPr id="10" name="Group 9">
+              <a:extLst>
+                <a:ext uri="{FF2B5EF4-FFF2-40B4-BE49-F238E27FC236}">
+                  <a16:creationId xmlns:a16="http://schemas.microsoft.com/office/drawing/2014/main" id="{CFA7722F-3C3B-4B14-B0D6-2D5EBB7FC7A0}"/>
+                </a:ext>
+              </a:extLst>
+            </p:cNvPr>
+            <p:cNvGrpSpPr>
+              <a:grpSpLocks noChangeAspect="1"/>
+            </p:cNvGrpSpPr>
+            <p:nvPr/>
+          </p:nvGrpSpPr>
+          <p:grpSpPr>
+            <a:xfrm>
+              <a:off x="9195519" y="5963156"/>
+              <a:ext cx="360000" cy="360000"/>
+              <a:chOff x="5509093" y="4986775"/>
+              <a:chExt cx="543194" cy="807799"/>
+            </a:xfrm>
+          </p:grpSpPr>
+          <p:pic>
+            <p:nvPicPr>
+              <p:cNvPr id="1032" name="Picture 8">
+                <a:extLst>
+                  <a:ext uri="{FF2B5EF4-FFF2-40B4-BE49-F238E27FC236}">
+                    <a16:creationId xmlns:a16="http://schemas.microsoft.com/office/drawing/2014/main" id="{65323FB3-3161-4FCA-A41F-74777B67FFD1}"/>
+                  </a:ext>
+                </a:extLst>
+              </p:cNvPr>
+              <p:cNvPicPr>
+                <a:picLocks noChangeAspect="1" noChangeArrowheads="1"/>
+              </p:cNvPicPr>
+              <p:nvPr/>
+            </p:nvPicPr>
+            <p:blipFill>
+              <a:blip r:embed="rId6">
+                <a:extLst>
+                  <a:ext uri="{28A0092B-C50C-407E-A947-70E740481C1C}">
+                    <a14:useLocalDpi xmlns:a14="http://schemas.microsoft.com/office/drawing/2010/main" val="0"/>
+                  </a:ext>
+                </a:extLst>
+              </a:blip>
+              <a:srcRect/>
+              <a:stretch>
+                <a:fillRect/>
+              </a:stretch>
+            </p:blipFill>
+            <p:spPr bwMode="auto">
+              <a:xfrm>
+                <a:off x="5509093" y="4986775"/>
+                <a:ext cx="543194" cy="807799"/>
+              </a:xfrm>
+              <a:prstGeom prst="rect">
+                <a:avLst/>
+              </a:prstGeom>
+              <a:noFill/>
+              <a:extLst>
+                <a:ext uri="{909E8E84-426E-40DD-AFC4-6F175D3DCCD1}">
+                  <a14:hiddenFill xmlns:a14="http://schemas.microsoft.com/office/drawing/2010/main">
+                    <a:solidFill>
+                      <a:srgbClr val="FFFFFF"/>
+                    </a:solidFill>
+                  </a14:hiddenFill>
+                </a:ext>
+              </a:extLst>
+            </p:spPr>
+          </p:pic>
+          <p:pic>
+            <p:nvPicPr>
+              <p:cNvPr id="15" name="Picture 6" descr="Icon Mongodb Logo, HD Png Download , Transparent Png Image - PNGitem">
+                <a:extLst>
+                  <a:ext uri="{FF2B5EF4-FFF2-40B4-BE49-F238E27FC236}">
+                    <a16:creationId xmlns:a16="http://schemas.microsoft.com/office/drawing/2014/main" id="{0F60B27C-3D89-4A33-9BE9-FA5CF6F9B0DA}"/>
+                  </a:ext>
+                </a:extLst>
+              </p:cNvPr>
+              <p:cNvPicPr>
+                <a:picLocks noChangeAspect="1" noChangeArrowheads="1"/>
+              </p:cNvPicPr>
+              <p:nvPr/>
+            </p:nvPicPr>
+            <p:blipFill>
+              <a:blip r:embed="rId7">
+                <a:extLst>
+                  <a:ext uri="{28A0092B-C50C-407E-A947-70E740481C1C}">
+                    <a14:useLocalDpi xmlns:a14="http://schemas.microsoft.com/office/drawing/2010/main" val="0"/>
+                  </a:ext>
+                </a:extLst>
+              </a:blip>
+              <a:srcRect/>
+              <a:stretch>
+                <a:fillRect/>
+              </a:stretch>
+            </p:blipFill>
+            <p:spPr bwMode="auto">
+              <a:xfrm>
+                <a:off x="5604555" y="5231877"/>
+                <a:ext cx="371124" cy="433633"/>
+              </a:xfrm>
+              <a:prstGeom prst="rect">
+                <a:avLst/>
+              </a:prstGeom>
+              <a:noFill/>
+              <a:extLst>
+                <a:ext uri="{909E8E84-426E-40DD-AFC4-6F175D3DCCD1}">
+                  <a14:hiddenFill xmlns:a14="http://schemas.microsoft.com/office/drawing/2010/main">
+                    <a:solidFill>
+                      <a:srgbClr val="FFFFFF"/>
+                    </a:solidFill>
+                  </a14:hiddenFill>
+                </a:ext>
+              </a:extLst>
+            </p:spPr>
+          </p:pic>
+        </p:grpSp>
+        <p:sp>
+          <p:nvSpPr>
+            <p:cNvPr id="26" name="Rectangle: Rounded Corners 25">
+              <a:extLst>
+                <a:ext uri="{FF2B5EF4-FFF2-40B4-BE49-F238E27FC236}">
+                  <a16:creationId xmlns:a16="http://schemas.microsoft.com/office/drawing/2014/main" id="{70E55D40-F807-4535-AFC7-97777C23A1A4}"/>
+                </a:ext>
+              </a:extLst>
+            </p:cNvPr>
+            <p:cNvSpPr/>
+            <p:nvPr/>
+          </p:nvSpPr>
+          <p:spPr>
+            <a:xfrm>
+              <a:off x="7928042" y="5716128"/>
+              <a:ext cx="1969193" cy="619491"/>
+            </a:xfrm>
+            <a:prstGeom prst="roundRect">
+              <a:avLst/>
+            </a:prstGeom>
+            <a:noFill/>
+          </p:spPr>
+          <p:style>
+            <a:lnRef idx="2">
+              <a:schemeClr val="accent1">
+                <a:shade val="50000"/>
+              </a:schemeClr>
+            </a:lnRef>
+            <a:fillRef idx="1">
+              <a:schemeClr val="accent1"/>
+            </a:fillRef>
+            <a:effectRef idx="0">
+              <a:schemeClr val="accent1"/>
+            </a:effectRef>
+            <a:fontRef idx="minor">
+              <a:schemeClr val="lt1"/>
+            </a:fontRef>
+          </p:style>
+          <p:txBody>
+            <a:bodyPr tIns="0" rtlCol="0" anchor="t" anchorCtr="0"/>
+            <a:lstStyle/>
+            <a:p>
+              <a:pPr algn="ctr"/>
+              <a:r>
+                <a:rPr lang="en-US" sz="1100" b="1" dirty="0">
+                  <a:solidFill>
+                    <a:srgbClr val="002060"/>
+                  </a:solidFill>
+                  <a:latin typeface="Verdana" panose="020B0604030504040204" pitchFamily="34" charset="0"/>
+                  <a:ea typeface="Verdana" panose="020B0604030504040204" pitchFamily="34" charset="0"/>
+                </a:rPr>
+                <a:t>Products</a:t>
+              </a:r>
+              <a:r>
+                <a:rPr lang="en-US" sz="1100" dirty="0">
+                  <a:solidFill>
+                    <a:srgbClr val="002060"/>
+                  </a:solidFill>
+                  <a:latin typeface="Verdana" panose="020B0604030504040204" pitchFamily="34" charset="0"/>
+                  <a:ea typeface="Verdana" panose="020B0604030504040204" pitchFamily="34" charset="0"/>
+                </a:rPr>
+                <a:t> Microservices</a:t>
+              </a:r>
+              <a:endParaRPr lang="en-IN" sz="1100" dirty="0">
+                <a:solidFill>
+                  <a:srgbClr val="002060"/>
+                </a:solidFill>
+                <a:latin typeface="Verdana" panose="020B0604030504040204" pitchFamily="34" charset="0"/>
+                <a:ea typeface="Verdana" panose="020B0604030504040204" pitchFamily="34" charset="0"/>
+              </a:endParaRPr>
+            </a:p>
+          </p:txBody>
+        </p:sp>
+        <p:pic>
+          <p:nvPicPr>
+            <p:cNvPr id="27" name="Picture 16">
+              <a:extLst>
+                <a:ext uri="{FF2B5EF4-FFF2-40B4-BE49-F238E27FC236}">
+                  <a16:creationId xmlns:a16="http://schemas.microsoft.com/office/drawing/2014/main" id="{8E5E390B-01CA-4585-8914-CDBA43B6A291}"/>
+                </a:ext>
+              </a:extLst>
+            </p:cNvPr>
+            <p:cNvPicPr>
+              <a:picLocks noChangeAspect="1" noChangeArrowheads="1"/>
+            </p:cNvPicPr>
+            <p:nvPr/>
+          </p:nvPicPr>
+          <p:blipFill>
+            <a:blip r:embed="rId8">
+              <a:extLst>
+                <a:ext uri="{28A0092B-C50C-407E-A947-70E740481C1C}">
+                  <a14:useLocalDpi xmlns:a14="http://schemas.microsoft.com/office/drawing/2010/main" val="0"/>
+                </a:ext>
+              </a:extLst>
+            </a:blip>
+            <a:srcRect/>
+            <a:stretch>
+              <a:fillRect/>
+            </a:stretch>
+          </p:blipFill>
+          <p:spPr bwMode="auto">
+            <a:xfrm>
+              <a:off x="8310366" y="5963156"/>
+              <a:ext cx="360000" cy="360000"/>
+            </a:xfrm>
+            <a:prstGeom prst="rect">
+              <a:avLst/>
+            </a:prstGeom>
+            <a:noFill/>
+            <a:extLst>
+              <a:ext uri="{909E8E84-426E-40DD-AFC4-6F175D3DCCD1}">
+                <a14:hiddenFill xmlns:a14="http://schemas.microsoft.com/office/drawing/2010/main">
+                  <a:solidFill>
+                    <a:srgbClr val="FFFFFF"/>
+                  </a:solidFill>
+                </a14:hiddenFill>
+              </a:ext>
+            </a:extLst>
+          </p:spPr>
+        </p:pic>
+        <p:cxnSp>
+          <p:nvCxnSpPr>
+            <p:cNvPr id="36" name="Straight Arrow Connector 35">
+              <a:extLst>
+                <a:ext uri="{FF2B5EF4-FFF2-40B4-BE49-F238E27FC236}">
+                  <a16:creationId xmlns:a16="http://schemas.microsoft.com/office/drawing/2014/main" id="{F6E7DF90-7FEF-491E-8015-5BA1941123FC}"/>
+                </a:ext>
+              </a:extLst>
+            </p:cNvPr>
+            <p:cNvCxnSpPr/>
+            <p:nvPr/>
+          </p:nvCxnSpPr>
+          <p:spPr>
+            <a:xfrm>
+              <a:off x="8588638" y="6143156"/>
+              <a:ext cx="648000" cy="0"/>
+            </a:xfrm>
+            <a:prstGeom prst="straightConnector1">
+              <a:avLst/>
+            </a:prstGeom>
+            <a:ln>
+              <a:tailEnd type="triangle"/>
+            </a:ln>
+          </p:spPr>
+          <p:style>
+            <a:lnRef idx="2">
+              <a:schemeClr val="accent1"/>
+            </a:lnRef>
+            <a:fillRef idx="0">
+              <a:schemeClr val="accent1"/>
+            </a:fillRef>
+            <a:effectRef idx="1">
+              <a:schemeClr val="accent1"/>
+            </a:effectRef>
+            <a:fontRef idx="minor">
+              <a:schemeClr val="tx1"/>
+            </a:fontRef>
+          </p:style>
+        </p:cxnSp>
+      </p:grpSp>
+      <p:grpSp>
+        <p:nvGrpSpPr>
+          <p:cNvPr id="29" name="Group 28">
+            <a:extLst>
+              <a:ext uri="{FF2B5EF4-FFF2-40B4-BE49-F238E27FC236}">
+                <a16:creationId xmlns:a16="http://schemas.microsoft.com/office/drawing/2014/main" id="{F26EB1A2-7FA2-4F2E-9FCA-D445C671088A}"/>
+              </a:ext>
+            </a:extLst>
+          </p:cNvPr>
+          <p:cNvGrpSpPr/>
+          <p:nvPr/>
+        </p:nvGrpSpPr>
+        <p:grpSpPr>
+          <a:xfrm>
+            <a:off x="7985416" y="4858400"/>
+            <a:ext cx="1969200" cy="619200"/>
+            <a:chOff x="7772112" y="4420653"/>
+            <a:chExt cx="1969200" cy="619200"/>
+          </a:xfrm>
+        </p:grpSpPr>
+        <p:sp>
+          <p:nvSpPr>
+            <p:cNvPr id="25" name="Rectangle: Rounded Corners 24">
+              <a:extLst>
+                <a:ext uri="{FF2B5EF4-FFF2-40B4-BE49-F238E27FC236}">
+                  <a16:creationId xmlns:a16="http://schemas.microsoft.com/office/drawing/2014/main" id="{0CDDA88B-9F6D-47DC-8475-CAB16AF927EE}"/>
+                </a:ext>
+              </a:extLst>
+            </p:cNvPr>
+            <p:cNvSpPr>
+              <a:spLocks noChangeAspect="1"/>
+            </p:cNvSpPr>
+            <p:nvPr/>
+          </p:nvSpPr>
+          <p:spPr>
+            <a:xfrm>
+              <a:off x="7772112" y="4420653"/>
+              <a:ext cx="1969200" cy="619200"/>
+            </a:xfrm>
+            <a:prstGeom prst="roundRect">
+              <a:avLst/>
+            </a:prstGeom>
+            <a:noFill/>
+          </p:spPr>
+          <p:style>
+            <a:lnRef idx="2">
+              <a:schemeClr val="accent1">
+                <a:shade val="50000"/>
+              </a:schemeClr>
+            </a:lnRef>
+            <a:fillRef idx="1">
+              <a:schemeClr val="accent1"/>
+            </a:fillRef>
+            <a:effectRef idx="0">
+              <a:schemeClr val="accent1"/>
+            </a:effectRef>
+            <a:fontRef idx="minor">
+              <a:schemeClr val="lt1"/>
+            </a:fontRef>
+          </p:style>
+          <p:txBody>
+            <a:bodyPr tIns="0" rtlCol="0" anchor="t" anchorCtr="0"/>
+            <a:lstStyle/>
+            <a:p>
+              <a:pPr algn="ctr"/>
+              <a:r>
+                <a:rPr lang="en-US" sz="1100" b="1" dirty="0">
+                  <a:solidFill>
+                    <a:srgbClr val="002060"/>
+                  </a:solidFill>
+                  <a:latin typeface="Verdana" panose="020B0604030504040204" pitchFamily="34" charset="0"/>
+                  <a:ea typeface="Verdana" panose="020B0604030504040204" pitchFamily="34" charset="0"/>
+                </a:rPr>
+                <a:t>Basket</a:t>
+              </a:r>
+              <a:r>
+                <a:rPr lang="en-US" sz="1100" dirty="0">
+                  <a:solidFill>
+                    <a:srgbClr val="002060"/>
+                  </a:solidFill>
+                  <a:latin typeface="Verdana" panose="020B0604030504040204" pitchFamily="34" charset="0"/>
+                  <a:ea typeface="Verdana" panose="020B0604030504040204" pitchFamily="34" charset="0"/>
+                </a:rPr>
+                <a:t> Microservices</a:t>
+              </a:r>
+              <a:endParaRPr lang="en-IN" sz="1100" dirty="0">
+                <a:solidFill>
+                  <a:srgbClr val="002060"/>
+                </a:solidFill>
+                <a:latin typeface="Verdana" panose="020B0604030504040204" pitchFamily="34" charset="0"/>
+                <a:ea typeface="Verdana" panose="020B0604030504040204" pitchFamily="34" charset="0"/>
+              </a:endParaRPr>
+            </a:p>
+          </p:txBody>
+        </p:sp>
+        <p:pic>
+          <p:nvPicPr>
+            <p:cNvPr id="1044" name="Picture 20">
+              <a:extLst>
+                <a:ext uri="{FF2B5EF4-FFF2-40B4-BE49-F238E27FC236}">
+                  <a16:creationId xmlns:a16="http://schemas.microsoft.com/office/drawing/2014/main" id="{A5384A2C-F51F-4EC0-8751-CE62F03D43F9}"/>
+                </a:ext>
+              </a:extLst>
+            </p:cNvPr>
+            <p:cNvPicPr>
+              <a:picLocks noChangeAspect="1" noChangeArrowheads="1"/>
+            </p:cNvPicPr>
+            <p:nvPr/>
+          </p:nvPicPr>
+          <p:blipFill>
+            <a:blip r:embed="rId8">
+              <a:extLst>
+                <a:ext uri="{28A0092B-C50C-407E-A947-70E740481C1C}">
+                  <a14:useLocalDpi xmlns:a14="http://schemas.microsoft.com/office/drawing/2010/main" val="0"/>
+                </a:ext>
+              </a:extLst>
+            </a:blip>
+            <a:srcRect/>
+            <a:stretch>
+              <a:fillRect/>
+            </a:stretch>
+          </p:blipFill>
+          <p:spPr bwMode="auto">
+            <a:xfrm>
+              <a:off x="8072715" y="4662670"/>
+              <a:ext cx="360000" cy="360000"/>
+            </a:xfrm>
+            <a:prstGeom prst="rect">
+              <a:avLst/>
+            </a:prstGeom>
+            <a:noFill/>
+            <a:extLst>
+              <a:ext uri="{909E8E84-426E-40DD-AFC4-6F175D3DCCD1}">
+                <a14:hiddenFill xmlns:a14="http://schemas.microsoft.com/office/drawing/2010/main">
+                  <a:solidFill>
+                    <a:srgbClr val="FFFFFF"/>
+                  </a:solidFill>
+                </a14:hiddenFill>
+              </a:ext>
+            </a:extLst>
+          </p:spPr>
+        </p:pic>
+        <p:sp>
+          <p:nvSpPr>
+            <p:cNvPr id="28" name="TextBox 27">
+              <a:extLst>
+                <a:ext uri="{FF2B5EF4-FFF2-40B4-BE49-F238E27FC236}">
+                  <a16:creationId xmlns:a16="http://schemas.microsoft.com/office/drawing/2014/main" id="{5014A2A4-C5B7-4009-A38D-95ABCEC8699D}"/>
+                </a:ext>
+              </a:extLst>
+            </p:cNvPr>
+            <p:cNvSpPr txBox="1"/>
+            <p:nvPr/>
+          </p:nvSpPr>
+          <p:spPr>
+            <a:xfrm>
+              <a:off x="8925003" y="4682127"/>
+              <a:ext cx="610780" cy="246221"/>
+            </a:xfrm>
+            <a:prstGeom prst="rect">
+              <a:avLst/>
+            </a:prstGeom>
+            <a:noFill/>
+          </p:spPr>
+          <p:txBody>
+            <a:bodyPr wrap="square" rtlCol="0">
+              <a:spAutoFit/>
+            </a:bodyPr>
+            <a:lstStyle/>
+            <a:p>
+              <a:r>
+                <a:rPr lang="en-US" sz="1000" b="1" dirty="0">
+                  <a:solidFill>
+                    <a:srgbClr val="0070C0"/>
+                  </a:solidFill>
+                  <a:latin typeface="Verdana" panose="020B0604030504040204" pitchFamily="34" charset="0"/>
+                  <a:ea typeface="Verdana" panose="020B0604030504040204" pitchFamily="34" charset="0"/>
+                </a:rPr>
+                <a:t>Redis</a:t>
+              </a:r>
+              <a:endParaRPr lang="en-IN" sz="1000" b="1" dirty="0">
+                <a:solidFill>
+                  <a:srgbClr val="0070C0"/>
+                </a:solidFill>
+                <a:latin typeface="Verdana" panose="020B0604030504040204" pitchFamily="34" charset="0"/>
+                <a:ea typeface="Verdana" panose="020B0604030504040204" pitchFamily="34" charset="0"/>
+              </a:endParaRPr>
+            </a:p>
+          </p:txBody>
+        </p:sp>
+      </p:grpSp>
+      <p:grpSp>
+        <p:nvGrpSpPr>
+          <p:cNvPr id="30" name="Group 29">
+            <a:extLst>
+              <a:ext uri="{FF2B5EF4-FFF2-40B4-BE49-F238E27FC236}">
+                <a16:creationId xmlns:a16="http://schemas.microsoft.com/office/drawing/2014/main" id="{1EFA9AB7-8B67-4154-8829-F024DD95A930}"/>
+              </a:ext>
+            </a:extLst>
+          </p:cNvPr>
+          <p:cNvGrpSpPr/>
+          <p:nvPr/>
+        </p:nvGrpSpPr>
+        <p:grpSpPr>
+          <a:xfrm>
+            <a:off x="7964716" y="3726804"/>
+            <a:ext cx="1969200" cy="619200"/>
+            <a:chOff x="7798052" y="3425188"/>
+            <a:chExt cx="1969200" cy="619200"/>
+          </a:xfrm>
+        </p:grpSpPr>
+        <p:sp>
+          <p:nvSpPr>
+            <p:cNvPr id="40" name="Rectangle: Rounded Corners 39">
+              <a:extLst>
+                <a:ext uri="{FF2B5EF4-FFF2-40B4-BE49-F238E27FC236}">
+                  <a16:creationId xmlns:a16="http://schemas.microsoft.com/office/drawing/2014/main" id="{3CAEF075-E167-437D-BFF4-9A6287CA92C9}"/>
+                </a:ext>
+              </a:extLst>
+            </p:cNvPr>
+            <p:cNvSpPr>
+              <a:spLocks noChangeAspect="1"/>
+            </p:cNvSpPr>
+            <p:nvPr/>
+          </p:nvSpPr>
+          <p:spPr>
+            <a:xfrm>
+              <a:off x="7798052" y="3425188"/>
+              <a:ext cx="1969200" cy="619200"/>
+            </a:xfrm>
+            <a:prstGeom prst="roundRect">
+              <a:avLst/>
+            </a:prstGeom>
+            <a:noFill/>
+          </p:spPr>
+          <p:style>
+            <a:lnRef idx="2">
+              <a:schemeClr val="accent1">
+                <a:shade val="50000"/>
+              </a:schemeClr>
+            </a:lnRef>
+            <a:fillRef idx="1">
+              <a:schemeClr val="accent1"/>
+            </a:fillRef>
+            <a:effectRef idx="0">
+              <a:schemeClr val="accent1"/>
+            </a:effectRef>
+            <a:fontRef idx="minor">
+              <a:schemeClr val="lt1"/>
+            </a:fontRef>
+          </p:style>
+          <p:txBody>
+            <a:bodyPr tIns="0" rtlCol="0" anchor="t" anchorCtr="0"/>
+            <a:lstStyle/>
+            <a:p>
+              <a:pPr algn="ctr"/>
+              <a:r>
+                <a:rPr lang="en-US" sz="1100" b="1" dirty="0">
+                  <a:solidFill>
+                    <a:srgbClr val="002060"/>
+                  </a:solidFill>
+                  <a:latin typeface="Verdana" panose="020B0604030504040204" pitchFamily="34" charset="0"/>
+                  <a:ea typeface="Verdana" panose="020B0604030504040204" pitchFamily="34" charset="0"/>
+                </a:rPr>
+                <a:t>Discount</a:t>
+              </a:r>
+              <a:r>
+                <a:rPr lang="en-US" sz="1100" dirty="0">
+                  <a:solidFill>
+                    <a:srgbClr val="002060"/>
+                  </a:solidFill>
+                  <a:latin typeface="Verdana" panose="020B0604030504040204" pitchFamily="34" charset="0"/>
+                  <a:ea typeface="Verdana" panose="020B0604030504040204" pitchFamily="34" charset="0"/>
+                </a:rPr>
+                <a:t> Microservices</a:t>
+              </a:r>
+              <a:endParaRPr lang="en-IN" sz="1100" dirty="0">
+                <a:solidFill>
+                  <a:srgbClr val="002060"/>
+                </a:solidFill>
+                <a:latin typeface="Verdana" panose="020B0604030504040204" pitchFamily="34" charset="0"/>
+                <a:ea typeface="Verdana" panose="020B0604030504040204" pitchFamily="34" charset="0"/>
+              </a:endParaRPr>
+            </a:p>
+          </p:txBody>
+        </p:sp>
+        <p:pic>
+          <p:nvPicPr>
+            <p:cNvPr id="41" name="Picture 20">
+              <a:extLst>
+                <a:ext uri="{FF2B5EF4-FFF2-40B4-BE49-F238E27FC236}">
+                  <a16:creationId xmlns:a16="http://schemas.microsoft.com/office/drawing/2014/main" id="{3DB0514E-3F9C-476F-A639-F1516243636B}"/>
+                </a:ext>
+              </a:extLst>
+            </p:cNvPr>
+            <p:cNvPicPr>
+              <a:picLocks noChangeAspect="1" noChangeArrowheads="1"/>
+            </p:cNvPicPr>
+            <p:nvPr/>
+          </p:nvPicPr>
+          <p:blipFill>
+            <a:blip r:embed="rId8">
+              <a:extLst>
+                <a:ext uri="{28A0092B-C50C-407E-A947-70E740481C1C}">
+                  <a14:useLocalDpi xmlns:a14="http://schemas.microsoft.com/office/drawing/2010/main" val="0"/>
+                </a:ext>
+              </a:extLst>
+            </a:blip>
+            <a:srcRect/>
+            <a:stretch>
+              <a:fillRect/>
+            </a:stretch>
+          </p:blipFill>
+          <p:spPr bwMode="auto">
+            <a:xfrm>
+              <a:off x="8098655" y="3667205"/>
+              <a:ext cx="360000" cy="360000"/>
+            </a:xfrm>
+            <a:prstGeom prst="rect">
+              <a:avLst/>
+            </a:prstGeom>
+            <a:noFill/>
+            <a:extLst>
+              <a:ext uri="{909E8E84-426E-40DD-AFC4-6F175D3DCCD1}">
+                <a14:hiddenFill xmlns:a14="http://schemas.microsoft.com/office/drawing/2010/main">
+                  <a:solidFill>
+                    <a:srgbClr val="FFFFFF"/>
+                  </a:solidFill>
+                </a14:hiddenFill>
+              </a:ext>
+            </a:extLst>
+          </p:spPr>
+        </p:pic>
+        <p:sp>
+          <p:nvSpPr>
+            <p:cNvPr id="42" name="TextBox 41">
+              <a:extLst>
+                <a:ext uri="{FF2B5EF4-FFF2-40B4-BE49-F238E27FC236}">
+                  <a16:creationId xmlns:a16="http://schemas.microsoft.com/office/drawing/2014/main" id="{F63D8927-F81D-48CB-8D6C-C6AD264E4E3A}"/>
+                </a:ext>
+              </a:extLst>
+            </p:cNvPr>
+            <p:cNvSpPr txBox="1"/>
+            <p:nvPr/>
+          </p:nvSpPr>
+          <p:spPr>
+            <a:xfrm>
+              <a:off x="8693308" y="3667205"/>
+              <a:ext cx="1014331" cy="246221"/>
+            </a:xfrm>
+            <a:prstGeom prst="rect">
+              <a:avLst/>
+            </a:prstGeom>
+            <a:noFill/>
+          </p:spPr>
+          <p:txBody>
+            <a:bodyPr wrap="square" rtlCol="0">
+              <a:spAutoFit/>
+            </a:bodyPr>
+            <a:lstStyle/>
+            <a:p>
+              <a:r>
+                <a:rPr lang="en-US" sz="1000" b="1" dirty="0">
+                  <a:solidFill>
+                    <a:srgbClr val="0070C0"/>
+                  </a:solidFill>
+                  <a:latin typeface="Verdana" panose="020B0604030504040204" pitchFamily="34" charset="0"/>
+                  <a:ea typeface="Verdana" panose="020B0604030504040204" pitchFamily="34" charset="0"/>
+                </a:rPr>
+                <a:t>PostgreSQL</a:t>
+              </a:r>
+              <a:endParaRPr lang="en-IN" sz="1000" b="1" dirty="0">
+                <a:solidFill>
+                  <a:srgbClr val="0070C0"/>
+                </a:solidFill>
+                <a:latin typeface="Verdana" panose="020B0604030504040204" pitchFamily="34" charset="0"/>
+                <a:ea typeface="Verdana" panose="020B0604030504040204" pitchFamily="34" charset="0"/>
+              </a:endParaRPr>
+            </a:p>
+          </p:txBody>
+        </p:sp>
+      </p:grpSp>
+      <p:grpSp>
+        <p:nvGrpSpPr>
+          <p:cNvPr id="31" name="Group 30">
+            <a:extLst>
+              <a:ext uri="{FF2B5EF4-FFF2-40B4-BE49-F238E27FC236}">
+                <a16:creationId xmlns:a16="http://schemas.microsoft.com/office/drawing/2014/main" id="{A5DC677F-5694-4BF6-AF09-A492B9987CD7}"/>
+              </a:ext>
+            </a:extLst>
+          </p:cNvPr>
+          <p:cNvGrpSpPr/>
+          <p:nvPr/>
+        </p:nvGrpSpPr>
+        <p:grpSpPr>
+          <a:xfrm>
+            <a:off x="7956368" y="2600856"/>
+            <a:ext cx="1969200" cy="619200"/>
+            <a:chOff x="7823992" y="2497818"/>
+            <a:chExt cx="1969200" cy="619200"/>
+          </a:xfrm>
+        </p:grpSpPr>
+        <p:sp>
+          <p:nvSpPr>
+            <p:cNvPr id="43" name="Rectangle: Rounded Corners 42">
+              <a:extLst>
+                <a:ext uri="{FF2B5EF4-FFF2-40B4-BE49-F238E27FC236}">
+                  <a16:creationId xmlns:a16="http://schemas.microsoft.com/office/drawing/2014/main" id="{7A79C8E0-9E26-4A4B-9470-4C8B5F3500C7}"/>
+                </a:ext>
+              </a:extLst>
+            </p:cNvPr>
+            <p:cNvSpPr>
+              <a:spLocks noChangeAspect="1"/>
+            </p:cNvSpPr>
+            <p:nvPr/>
+          </p:nvSpPr>
+          <p:spPr>
+            <a:xfrm>
+              <a:off x="7823992" y="2497818"/>
+              <a:ext cx="1969200" cy="619200"/>
+            </a:xfrm>
+            <a:prstGeom prst="roundRect">
+              <a:avLst/>
+            </a:prstGeom>
+            <a:noFill/>
+          </p:spPr>
+          <p:style>
+            <a:lnRef idx="2">
+              <a:schemeClr val="accent1">
+                <a:shade val="50000"/>
+              </a:schemeClr>
+            </a:lnRef>
+            <a:fillRef idx="1">
+              <a:schemeClr val="accent1"/>
+            </a:fillRef>
+            <a:effectRef idx="0">
+              <a:schemeClr val="accent1"/>
+            </a:effectRef>
+            <a:fontRef idx="minor">
+              <a:schemeClr val="lt1"/>
+            </a:fontRef>
+          </p:style>
+          <p:txBody>
+            <a:bodyPr tIns="0" rtlCol="0" anchor="t" anchorCtr="0"/>
+            <a:lstStyle/>
+            <a:p>
+              <a:pPr algn="ctr"/>
+              <a:r>
+                <a:rPr lang="en-US" sz="1100" b="1" dirty="0">
+                  <a:solidFill>
+                    <a:srgbClr val="002060"/>
+                  </a:solidFill>
+                  <a:latin typeface="Verdana" panose="020B0604030504040204" pitchFamily="34" charset="0"/>
+                  <a:ea typeface="Verdana" panose="020B0604030504040204" pitchFamily="34" charset="0"/>
+                </a:rPr>
+                <a:t>Orders</a:t>
+              </a:r>
+              <a:r>
+                <a:rPr lang="en-US" sz="1100" dirty="0">
+                  <a:solidFill>
+                    <a:srgbClr val="002060"/>
+                  </a:solidFill>
+                  <a:latin typeface="Verdana" panose="020B0604030504040204" pitchFamily="34" charset="0"/>
+                  <a:ea typeface="Verdana" panose="020B0604030504040204" pitchFamily="34" charset="0"/>
+                </a:rPr>
+                <a:t> Microservices</a:t>
+              </a:r>
+              <a:endParaRPr lang="en-IN" sz="1100" dirty="0">
+                <a:solidFill>
+                  <a:srgbClr val="002060"/>
+                </a:solidFill>
+                <a:latin typeface="Verdana" panose="020B0604030504040204" pitchFamily="34" charset="0"/>
+                <a:ea typeface="Verdana" panose="020B0604030504040204" pitchFamily="34" charset="0"/>
+              </a:endParaRPr>
+            </a:p>
+          </p:txBody>
+        </p:sp>
+        <p:pic>
+          <p:nvPicPr>
+            <p:cNvPr id="44" name="Picture 20">
+              <a:extLst>
+                <a:ext uri="{FF2B5EF4-FFF2-40B4-BE49-F238E27FC236}">
+                  <a16:creationId xmlns:a16="http://schemas.microsoft.com/office/drawing/2014/main" id="{E3098846-212C-4321-9C0E-A9B19533EDEE}"/>
+                </a:ext>
+              </a:extLst>
+            </p:cNvPr>
+            <p:cNvPicPr>
+              <a:picLocks noChangeAspect="1" noChangeArrowheads="1"/>
+            </p:cNvPicPr>
+            <p:nvPr/>
+          </p:nvPicPr>
+          <p:blipFill>
+            <a:blip r:embed="rId8">
+              <a:extLst>
+                <a:ext uri="{28A0092B-C50C-407E-A947-70E740481C1C}">
+                  <a14:useLocalDpi xmlns:a14="http://schemas.microsoft.com/office/drawing/2010/main" val="0"/>
+                </a:ext>
+              </a:extLst>
+            </a:blip>
+            <a:srcRect/>
+            <a:stretch>
+              <a:fillRect/>
+            </a:stretch>
+          </p:blipFill>
+          <p:spPr bwMode="auto">
+            <a:xfrm>
+              <a:off x="8124595" y="2739835"/>
+              <a:ext cx="360000" cy="360000"/>
+            </a:xfrm>
+            <a:prstGeom prst="rect">
+              <a:avLst/>
+            </a:prstGeom>
+            <a:noFill/>
+            <a:extLst>
+              <a:ext uri="{909E8E84-426E-40DD-AFC4-6F175D3DCCD1}">
+                <a14:hiddenFill xmlns:a14="http://schemas.microsoft.com/office/drawing/2010/main">
+                  <a:solidFill>
+                    <a:srgbClr val="FFFFFF"/>
+                  </a:solidFill>
+                </a14:hiddenFill>
+              </a:ext>
+            </a:extLst>
+          </p:spPr>
+        </p:pic>
+        <p:sp>
+          <p:nvSpPr>
+            <p:cNvPr id="45" name="TextBox 44">
+              <a:extLst>
+                <a:ext uri="{FF2B5EF4-FFF2-40B4-BE49-F238E27FC236}">
+                  <a16:creationId xmlns:a16="http://schemas.microsoft.com/office/drawing/2014/main" id="{9D88C785-EC31-41DD-98F4-1056A4A64BF9}"/>
+                </a:ext>
+              </a:extLst>
+            </p:cNvPr>
+            <p:cNvSpPr txBox="1"/>
+            <p:nvPr/>
+          </p:nvSpPr>
+          <p:spPr>
+            <a:xfrm>
+              <a:off x="8719248" y="2739835"/>
+              <a:ext cx="1014331" cy="246221"/>
+            </a:xfrm>
+            <a:prstGeom prst="rect">
+              <a:avLst/>
+            </a:prstGeom>
+            <a:noFill/>
+          </p:spPr>
+          <p:txBody>
+            <a:bodyPr wrap="square" rtlCol="0">
+              <a:spAutoFit/>
+            </a:bodyPr>
+            <a:lstStyle/>
+            <a:p>
+              <a:r>
+                <a:rPr lang="en-US" sz="1000" b="1" dirty="0">
+                  <a:solidFill>
+                    <a:srgbClr val="0070C0"/>
+                  </a:solidFill>
+                  <a:latin typeface="Verdana" panose="020B0604030504040204" pitchFamily="34" charset="0"/>
+                  <a:ea typeface="Verdana" panose="020B0604030504040204" pitchFamily="34" charset="0"/>
+                </a:rPr>
+                <a:t>MySQL</a:t>
+              </a:r>
+              <a:endParaRPr lang="en-IN" sz="1000" b="1" dirty="0">
+                <a:solidFill>
+                  <a:srgbClr val="0070C0"/>
+                </a:solidFill>
+                <a:latin typeface="Verdana" panose="020B0604030504040204" pitchFamily="34" charset="0"/>
+                <a:ea typeface="Verdana" panose="020B0604030504040204" pitchFamily="34" charset="0"/>
+              </a:endParaRPr>
+            </a:p>
+          </p:txBody>
+        </p:sp>
+      </p:grpSp>
+      <p:grpSp>
+        <p:nvGrpSpPr>
+          <p:cNvPr id="49" name="Group 48">
+            <a:extLst>
+              <a:ext uri="{FF2B5EF4-FFF2-40B4-BE49-F238E27FC236}">
+                <a16:creationId xmlns:a16="http://schemas.microsoft.com/office/drawing/2014/main" id="{4F03BC2D-6615-4557-A773-47DBF8E1D1E4}"/>
+              </a:ext>
+            </a:extLst>
+          </p:cNvPr>
+          <p:cNvGrpSpPr/>
+          <p:nvPr/>
+        </p:nvGrpSpPr>
+        <p:grpSpPr>
+          <a:xfrm>
+            <a:off x="7985260" y="1506212"/>
+            <a:ext cx="1969200" cy="619200"/>
+            <a:chOff x="7823992" y="2497818"/>
+            <a:chExt cx="1969200" cy="619200"/>
+          </a:xfrm>
+        </p:grpSpPr>
+        <p:sp>
+          <p:nvSpPr>
+            <p:cNvPr id="50" name="Rectangle: Rounded Corners 49">
+              <a:extLst>
+                <a:ext uri="{FF2B5EF4-FFF2-40B4-BE49-F238E27FC236}">
+                  <a16:creationId xmlns:a16="http://schemas.microsoft.com/office/drawing/2014/main" id="{1B211F49-1B79-4F8F-9E75-ECA4387E7EB4}"/>
+                </a:ext>
+              </a:extLst>
+            </p:cNvPr>
+            <p:cNvSpPr>
+              <a:spLocks noChangeAspect="1"/>
+            </p:cNvSpPr>
+            <p:nvPr/>
+          </p:nvSpPr>
+          <p:spPr>
+            <a:xfrm>
+              <a:off x="7823992" y="2497818"/>
+              <a:ext cx="1969200" cy="619200"/>
+            </a:xfrm>
+            <a:prstGeom prst="roundRect">
+              <a:avLst/>
+            </a:prstGeom>
+            <a:noFill/>
+          </p:spPr>
+          <p:style>
+            <a:lnRef idx="2">
+              <a:schemeClr val="accent1">
+                <a:shade val="50000"/>
+              </a:schemeClr>
+            </a:lnRef>
+            <a:fillRef idx="1">
+              <a:schemeClr val="accent1"/>
+            </a:fillRef>
+            <a:effectRef idx="0">
+              <a:schemeClr val="accent1"/>
+            </a:effectRef>
+            <a:fontRef idx="minor">
+              <a:schemeClr val="lt1"/>
+            </a:fontRef>
+          </p:style>
+          <p:txBody>
+            <a:bodyPr tIns="0" rtlCol="0" anchor="t" anchorCtr="0"/>
+            <a:lstStyle/>
+            <a:p>
+              <a:pPr algn="ctr"/>
+              <a:r>
+                <a:rPr lang="en-US" sz="1100" b="1" dirty="0">
+                  <a:solidFill>
+                    <a:srgbClr val="002060"/>
+                  </a:solidFill>
+                  <a:latin typeface="Verdana" panose="020B0604030504040204" pitchFamily="34" charset="0"/>
+                  <a:ea typeface="Verdana" panose="020B0604030504040204" pitchFamily="34" charset="0"/>
+                </a:rPr>
+                <a:t>Payment</a:t>
+              </a:r>
+              <a:r>
+                <a:rPr lang="en-US" sz="1100" dirty="0">
+                  <a:solidFill>
+                    <a:srgbClr val="002060"/>
+                  </a:solidFill>
+                  <a:latin typeface="Verdana" panose="020B0604030504040204" pitchFamily="34" charset="0"/>
+                  <a:ea typeface="Verdana" panose="020B0604030504040204" pitchFamily="34" charset="0"/>
+                </a:rPr>
+                <a:t> Microservices</a:t>
+              </a:r>
+              <a:endParaRPr lang="en-IN" sz="1100" dirty="0">
+                <a:solidFill>
+                  <a:srgbClr val="002060"/>
+                </a:solidFill>
+                <a:latin typeface="Verdana" panose="020B0604030504040204" pitchFamily="34" charset="0"/>
+                <a:ea typeface="Verdana" panose="020B0604030504040204" pitchFamily="34" charset="0"/>
+              </a:endParaRPr>
+            </a:p>
+          </p:txBody>
+        </p:sp>
+        <p:pic>
+          <p:nvPicPr>
+            <p:cNvPr id="51" name="Picture 20">
+              <a:extLst>
+                <a:ext uri="{FF2B5EF4-FFF2-40B4-BE49-F238E27FC236}">
+                  <a16:creationId xmlns:a16="http://schemas.microsoft.com/office/drawing/2014/main" id="{5C7AA196-9FA6-4187-891B-2CFBDB24AD04}"/>
+                </a:ext>
+              </a:extLst>
+            </p:cNvPr>
+            <p:cNvPicPr>
+              <a:picLocks noChangeAspect="1" noChangeArrowheads="1"/>
+            </p:cNvPicPr>
+            <p:nvPr/>
+          </p:nvPicPr>
+          <p:blipFill>
+            <a:blip r:embed="rId8">
+              <a:extLst>
+                <a:ext uri="{28A0092B-C50C-407E-A947-70E740481C1C}">
+                  <a14:useLocalDpi xmlns:a14="http://schemas.microsoft.com/office/drawing/2010/main" val="0"/>
+                </a:ext>
+              </a:extLst>
+            </a:blip>
+            <a:srcRect/>
+            <a:stretch>
+              <a:fillRect/>
+            </a:stretch>
+          </p:blipFill>
+          <p:spPr bwMode="auto">
+            <a:xfrm>
+              <a:off x="8124595" y="2739835"/>
+              <a:ext cx="360000" cy="360000"/>
+            </a:xfrm>
+            <a:prstGeom prst="rect">
+              <a:avLst/>
+            </a:prstGeom>
+            <a:noFill/>
+            <a:extLst>
+              <a:ext uri="{909E8E84-426E-40DD-AFC4-6F175D3DCCD1}">
+                <a14:hiddenFill xmlns:a14="http://schemas.microsoft.com/office/drawing/2010/main">
+                  <a:solidFill>
+                    <a:srgbClr val="FFFFFF"/>
+                  </a:solidFill>
+                </a14:hiddenFill>
+              </a:ext>
+            </a:extLst>
+          </p:spPr>
+        </p:pic>
+        <p:sp>
+          <p:nvSpPr>
+            <p:cNvPr id="52" name="TextBox 51">
+              <a:extLst>
+                <a:ext uri="{FF2B5EF4-FFF2-40B4-BE49-F238E27FC236}">
+                  <a16:creationId xmlns:a16="http://schemas.microsoft.com/office/drawing/2014/main" id="{3E1C3DCD-0CFF-4649-AEC1-1F4F0202DCDC}"/>
+                </a:ext>
+              </a:extLst>
+            </p:cNvPr>
+            <p:cNvSpPr txBox="1"/>
+            <p:nvPr/>
+          </p:nvSpPr>
+          <p:spPr>
+            <a:xfrm>
+              <a:off x="8719248" y="2739835"/>
+              <a:ext cx="1014331" cy="246221"/>
+            </a:xfrm>
+            <a:prstGeom prst="rect">
+              <a:avLst/>
+            </a:prstGeom>
+            <a:noFill/>
+          </p:spPr>
+          <p:txBody>
+            <a:bodyPr wrap="square" rtlCol="0">
+              <a:spAutoFit/>
+            </a:bodyPr>
+            <a:lstStyle/>
+            <a:p>
+              <a:r>
+                <a:rPr lang="en-US" sz="1000" b="1" dirty="0">
+                  <a:solidFill>
+                    <a:srgbClr val="0070C0"/>
+                  </a:solidFill>
+                  <a:latin typeface="Verdana" panose="020B0604030504040204" pitchFamily="34" charset="0"/>
+                  <a:ea typeface="Verdana" panose="020B0604030504040204" pitchFamily="34" charset="0"/>
+                </a:rPr>
+                <a:t>Event Bus</a:t>
+              </a:r>
+              <a:endParaRPr lang="en-IN" sz="1000" b="1" dirty="0">
+                <a:solidFill>
+                  <a:srgbClr val="0070C0"/>
+                </a:solidFill>
+                <a:latin typeface="Verdana" panose="020B0604030504040204" pitchFamily="34" charset="0"/>
+                <a:ea typeface="Verdana" panose="020B0604030504040204" pitchFamily="34" charset="0"/>
+              </a:endParaRPr>
+            </a:p>
+          </p:txBody>
+        </p:sp>
+      </p:grpSp>
+      <p:grpSp>
+        <p:nvGrpSpPr>
+          <p:cNvPr id="53" name="Group 52">
+            <a:extLst>
+              <a:ext uri="{FF2B5EF4-FFF2-40B4-BE49-F238E27FC236}">
+                <a16:creationId xmlns:a16="http://schemas.microsoft.com/office/drawing/2014/main" id="{9A12A845-E314-48C2-9F0A-740E025F4F3B}"/>
+              </a:ext>
+            </a:extLst>
+          </p:cNvPr>
+          <p:cNvGrpSpPr/>
+          <p:nvPr/>
+        </p:nvGrpSpPr>
+        <p:grpSpPr>
+          <a:xfrm>
+            <a:off x="7959481" y="396473"/>
+            <a:ext cx="1969200" cy="619200"/>
+            <a:chOff x="7823992" y="2497818"/>
+            <a:chExt cx="1969200" cy="619200"/>
+          </a:xfrm>
+        </p:grpSpPr>
+        <p:sp>
+          <p:nvSpPr>
+            <p:cNvPr id="54" name="Rectangle: Rounded Corners 53">
+              <a:extLst>
+                <a:ext uri="{FF2B5EF4-FFF2-40B4-BE49-F238E27FC236}">
+                  <a16:creationId xmlns:a16="http://schemas.microsoft.com/office/drawing/2014/main" id="{FFCECE9B-E32A-49A9-B3E0-F338108852F7}"/>
+                </a:ext>
+              </a:extLst>
+            </p:cNvPr>
+            <p:cNvSpPr>
+              <a:spLocks noChangeAspect="1"/>
+            </p:cNvSpPr>
+            <p:nvPr/>
+          </p:nvSpPr>
+          <p:spPr>
+            <a:xfrm>
+              <a:off x="7823992" y="2497818"/>
+              <a:ext cx="1969200" cy="619200"/>
+            </a:xfrm>
+            <a:prstGeom prst="roundRect">
+              <a:avLst/>
+            </a:prstGeom>
+            <a:noFill/>
+          </p:spPr>
+          <p:style>
+            <a:lnRef idx="2">
+              <a:schemeClr val="accent1">
+                <a:shade val="50000"/>
+              </a:schemeClr>
+            </a:lnRef>
+            <a:fillRef idx="1">
+              <a:schemeClr val="accent1"/>
+            </a:fillRef>
+            <a:effectRef idx="0">
+              <a:schemeClr val="accent1"/>
+            </a:effectRef>
+            <a:fontRef idx="minor">
+              <a:schemeClr val="lt1"/>
+            </a:fontRef>
+          </p:style>
+          <p:txBody>
+            <a:bodyPr tIns="0" rtlCol="0" anchor="t" anchorCtr="0"/>
+            <a:lstStyle/>
+            <a:p>
+              <a:pPr algn="ctr"/>
+              <a:r>
+                <a:rPr lang="en-US" sz="1100" b="1" dirty="0">
+                  <a:solidFill>
+                    <a:srgbClr val="002060"/>
+                  </a:solidFill>
+                  <a:latin typeface="Verdana" panose="020B0604030504040204" pitchFamily="34" charset="0"/>
+                  <a:ea typeface="Verdana" panose="020B0604030504040204" pitchFamily="34" charset="0"/>
+                </a:rPr>
+                <a:t>Identity</a:t>
+              </a:r>
+              <a:r>
+                <a:rPr lang="en-US" sz="1100" dirty="0">
+                  <a:solidFill>
+                    <a:srgbClr val="002060"/>
+                  </a:solidFill>
+                  <a:latin typeface="Verdana" panose="020B0604030504040204" pitchFamily="34" charset="0"/>
+                  <a:ea typeface="Verdana" panose="020B0604030504040204" pitchFamily="34" charset="0"/>
+                </a:rPr>
+                <a:t> Microservices</a:t>
+              </a:r>
+              <a:endParaRPr lang="en-IN" sz="1100" dirty="0">
+                <a:solidFill>
+                  <a:srgbClr val="002060"/>
+                </a:solidFill>
+                <a:latin typeface="Verdana" panose="020B0604030504040204" pitchFamily="34" charset="0"/>
+                <a:ea typeface="Verdana" panose="020B0604030504040204" pitchFamily="34" charset="0"/>
+              </a:endParaRPr>
+            </a:p>
+          </p:txBody>
+        </p:sp>
+        <p:pic>
+          <p:nvPicPr>
+            <p:cNvPr id="55" name="Picture 20">
+              <a:extLst>
+                <a:ext uri="{FF2B5EF4-FFF2-40B4-BE49-F238E27FC236}">
+                  <a16:creationId xmlns:a16="http://schemas.microsoft.com/office/drawing/2014/main" id="{BC72CEB6-BA9C-4238-9953-7F6BEC162749}"/>
+                </a:ext>
+              </a:extLst>
+            </p:cNvPr>
+            <p:cNvPicPr>
+              <a:picLocks noChangeAspect="1" noChangeArrowheads="1"/>
+            </p:cNvPicPr>
+            <p:nvPr/>
+          </p:nvPicPr>
+          <p:blipFill>
+            <a:blip r:embed="rId8">
+              <a:extLst>
+                <a:ext uri="{28A0092B-C50C-407E-A947-70E740481C1C}">
+                  <a14:useLocalDpi xmlns:a14="http://schemas.microsoft.com/office/drawing/2010/main" val="0"/>
+                </a:ext>
+              </a:extLst>
+            </a:blip>
+            <a:srcRect/>
+            <a:stretch>
+              <a:fillRect/>
+            </a:stretch>
+          </p:blipFill>
+          <p:spPr bwMode="auto">
+            <a:xfrm>
+              <a:off x="8124595" y="2739835"/>
+              <a:ext cx="360000" cy="360000"/>
+            </a:xfrm>
+            <a:prstGeom prst="rect">
+              <a:avLst/>
+            </a:prstGeom>
+            <a:noFill/>
+            <a:extLst>
+              <a:ext uri="{909E8E84-426E-40DD-AFC4-6F175D3DCCD1}">
+                <a14:hiddenFill xmlns:a14="http://schemas.microsoft.com/office/drawing/2010/main">
+                  <a:solidFill>
+                    <a:srgbClr val="FFFFFF"/>
+                  </a:solidFill>
+                </a14:hiddenFill>
+              </a:ext>
+            </a:extLst>
+          </p:spPr>
+        </p:pic>
+        <p:sp>
+          <p:nvSpPr>
+            <p:cNvPr id="56" name="TextBox 55">
+              <a:extLst>
+                <a:ext uri="{FF2B5EF4-FFF2-40B4-BE49-F238E27FC236}">
+                  <a16:creationId xmlns:a16="http://schemas.microsoft.com/office/drawing/2014/main" id="{31EA22C6-08EA-4C68-ADC0-92E2F7BEF97B}"/>
+                </a:ext>
+              </a:extLst>
+            </p:cNvPr>
+            <p:cNvSpPr txBox="1"/>
+            <p:nvPr/>
+          </p:nvSpPr>
+          <p:spPr>
+            <a:xfrm>
+              <a:off x="8719248" y="2739835"/>
+              <a:ext cx="1014331" cy="246221"/>
+            </a:xfrm>
+            <a:prstGeom prst="rect">
+              <a:avLst/>
+            </a:prstGeom>
+            <a:noFill/>
+          </p:spPr>
+          <p:txBody>
+            <a:bodyPr wrap="square" rtlCol="0">
+              <a:spAutoFit/>
+            </a:bodyPr>
+            <a:lstStyle/>
+            <a:p>
+              <a:r>
+                <a:rPr lang="en-US" sz="1000" b="1" dirty="0">
+                  <a:solidFill>
+                    <a:srgbClr val="0070C0"/>
+                  </a:solidFill>
+                  <a:latin typeface="Verdana" panose="020B0604030504040204" pitchFamily="34" charset="0"/>
+                  <a:ea typeface="Verdana" panose="020B0604030504040204" pitchFamily="34" charset="0"/>
+                </a:rPr>
+                <a:t>SQL Server</a:t>
+              </a:r>
+              <a:endParaRPr lang="en-IN" sz="1000" b="1" dirty="0">
+                <a:solidFill>
+                  <a:srgbClr val="0070C0"/>
+                </a:solidFill>
+                <a:latin typeface="Verdana" panose="020B0604030504040204" pitchFamily="34" charset="0"/>
+                <a:ea typeface="Verdana" panose="020B0604030504040204" pitchFamily="34" charset="0"/>
+              </a:endParaRPr>
+            </a:p>
+          </p:txBody>
+        </p:sp>
+      </p:grpSp>
+      <p:cxnSp>
+        <p:nvCxnSpPr>
+          <p:cNvPr id="33" name="Straight Connector 32">
+            <a:extLst>
+              <a:ext uri="{FF2B5EF4-FFF2-40B4-BE49-F238E27FC236}">
+                <a16:creationId xmlns:a16="http://schemas.microsoft.com/office/drawing/2014/main" id="{56781F03-9507-4681-B192-5667BCCEAE3D}"/>
+              </a:ext>
+            </a:extLst>
+          </p:cNvPr>
+          <p:cNvCxnSpPr/>
+          <p:nvPr/>
+        </p:nvCxnSpPr>
+        <p:spPr>
+          <a:xfrm>
+            <a:off x="9943845" y="6260485"/>
+            <a:ext cx="648000" cy="0"/>
+          </a:xfrm>
+          <a:prstGeom prst="line">
+            <a:avLst/>
+          </a:prstGeom>
+        </p:spPr>
+        <p:style>
+          <a:lnRef idx="2">
+            <a:schemeClr val="accent1"/>
+          </a:lnRef>
+          <a:fillRef idx="0">
+            <a:schemeClr val="accent1"/>
+          </a:fillRef>
+          <a:effectRef idx="1">
+            <a:schemeClr val="accent1"/>
+          </a:effectRef>
+          <a:fontRef idx="minor">
+            <a:schemeClr val="tx1"/>
+          </a:fontRef>
+        </p:style>
+      </p:cxnSp>
+      <p:cxnSp>
+        <p:nvCxnSpPr>
+          <p:cNvPr id="59" name="Straight Connector 58">
+            <a:extLst>
+              <a:ext uri="{FF2B5EF4-FFF2-40B4-BE49-F238E27FC236}">
+                <a16:creationId xmlns:a16="http://schemas.microsoft.com/office/drawing/2014/main" id="{F4B8C494-65F0-434E-895D-ADDA5F888D9C}"/>
+              </a:ext>
+            </a:extLst>
+          </p:cNvPr>
+          <p:cNvCxnSpPr/>
+          <p:nvPr/>
+        </p:nvCxnSpPr>
+        <p:spPr>
+          <a:xfrm>
+            <a:off x="9935159" y="688216"/>
+            <a:ext cx="648000" cy="0"/>
+          </a:xfrm>
+          <a:prstGeom prst="line">
+            <a:avLst/>
+          </a:prstGeom>
+        </p:spPr>
+        <p:style>
+          <a:lnRef idx="2">
+            <a:schemeClr val="accent1"/>
+          </a:lnRef>
+          <a:fillRef idx="0">
+            <a:schemeClr val="accent1"/>
+          </a:fillRef>
+          <a:effectRef idx="1">
+            <a:schemeClr val="accent1"/>
+          </a:effectRef>
+          <a:fontRef idx="minor">
+            <a:schemeClr val="tx1"/>
+          </a:fontRef>
+        </p:style>
+      </p:cxnSp>
+      <p:cxnSp>
+        <p:nvCxnSpPr>
+          <p:cNvPr id="60" name="Straight Connector 59">
+            <a:extLst>
+              <a:ext uri="{FF2B5EF4-FFF2-40B4-BE49-F238E27FC236}">
+                <a16:creationId xmlns:a16="http://schemas.microsoft.com/office/drawing/2014/main" id="{2F60FC1B-F234-4E03-812D-98F6541BE01C}"/>
+              </a:ext>
+            </a:extLst>
+          </p:cNvPr>
+          <p:cNvCxnSpPr/>
+          <p:nvPr/>
+        </p:nvCxnSpPr>
+        <p:spPr>
+          <a:xfrm>
+            <a:off x="9940600" y="5177468"/>
+            <a:ext cx="648000" cy="0"/>
+          </a:xfrm>
+          <a:prstGeom prst="line">
+            <a:avLst/>
+          </a:prstGeom>
+        </p:spPr>
+        <p:style>
+          <a:lnRef idx="2">
+            <a:schemeClr val="accent1"/>
+          </a:lnRef>
+          <a:fillRef idx="0">
+            <a:schemeClr val="accent1"/>
+          </a:fillRef>
+          <a:effectRef idx="1">
+            <a:schemeClr val="accent1"/>
+          </a:effectRef>
+          <a:fontRef idx="minor">
+            <a:schemeClr val="tx1"/>
+          </a:fontRef>
+        </p:style>
+      </p:cxnSp>
+      <p:cxnSp>
+        <p:nvCxnSpPr>
+          <p:cNvPr id="61" name="Straight Connector 60">
+            <a:extLst>
+              <a:ext uri="{FF2B5EF4-FFF2-40B4-BE49-F238E27FC236}">
+                <a16:creationId xmlns:a16="http://schemas.microsoft.com/office/drawing/2014/main" id="{556ACF82-FA6E-4DCE-A939-4478A7509041}"/>
+              </a:ext>
+            </a:extLst>
+          </p:cNvPr>
+          <p:cNvCxnSpPr/>
+          <p:nvPr/>
+        </p:nvCxnSpPr>
+        <p:spPr>
+          <a:xfrm>
+            <a:off x="9937358" y="4036088"/>
+            <a:ext cx="648000" cy="0"/>
+          </a:xfrm>
+          <a:prstGeom prst="line">
+            <a:avLst/>
+          </a:prstGeom>
+        </p:spPr>
+        <p:style>
+          <a:lnRef idx="2">
+            <a:schemeClr val="accent1"/>
+          </a:lnRef>
+          <a:fillRef idx="0">
+            <a:schemeClr val="accent1"/>
+          </a:fillRef>
+          <a:effectRef idx="1">
+            <a:schemeClr val="accent1"/>
+          </a:effectRef>
+          <a:fontRef idx="minor">
+            <a:schemeClr val="tx1"/>
+          </a:fontRef>
+        </p:style>
+      </p:cxnSp>
+      <p:cxnSp>
+        <p:nvCxnSpPr>
+          <p:cNvPr id="62" name="Straight Connector 61">
+            <a:extLst>
+              <a:ext uri="{FF2B5EF4-FFF2-40B4-BE49-F238E27FC236}">
+                <a16:creationId xmlns:a16="http://schemas.microsoft.com/office/drawing/2014/main" id="{A7D250E4-8E5C-433E-8101-DD46A9ABD6AB}"/>
+              </a:ext>
+            </a:extLst>
+          </p:cNvPr>
+          <p:cNvCxnSpPr/>
+          <p:nvPr/>
+        </p:nvCxnSpPr>
+        <p:spPr>
+          <a:xfrm>
+            <a:off x="9927631" y="2917401"/>
+            <a:ext cx="648000" cy="0"/>
+          </a:xfrm>
+          <a:prstGeom prst="line">
+            <a:avLst/>
+          </a:prstGeom>
+        </p:spPr>
+        <p:style>
+          <a:lnRef idx="2">
+            <a:schemeClr val="accent1"/>
+          </a:lnRef>
+          <a:fillRef idx="0">
+            <a:schemeClr val="accent1"/>
+          </a:fillRef>
+          <a:effectRef idx="1">
+            <a:schemeClr val="accent1"/>
+          </a:effectRef>
+          <a:fontRef idx="minor">
+            <a:schemeClr val="tx1"/>
+          </a:fontRef>
+        </p:style>
+      </p:cxnSp>
+      <p:cxnSp>
+        <p:nvCxnSpPr>
+          <p:cNvPr id="63" name="Straight Connector 62">
+            <a:extLst>
+              <a:ext uri="{FF2B5EF4-FFF2-40B4-BE49-F238E27FC236}">
+                <a16:creationId xmlns:a16="http://schemas.microsoft.com/office/drawing/2014/main" id="{A2727CDA-B6F7-4F37-8202-C935ABAA0219}"/>
+              </a:ext>
+            </a:extLst>
+          </p:cNvPr>
+          <p:cNvCxnSpPr/>
+          <p:nvPr/>
+        </p:nvCxnSpPr>
+        <p:spPr>
+          <a:xfrm>
+            <a:off x="9947087" y="1818173"/>
+            <a:ext cx="648000" cy="0"/>
+          </a:xfrm>
+          <a:prstGeom prst="line">
+            <a:avLst/>
+          </a:prstGeom>
+        </p:spPr>
+        <p:style>
+          <a:lnRef idx="2">
+            <a:schemeClr val="accent1"/>
+          </a:lnRef>
+          <a:fillRef idx="0">
+            <a:schemeClr val="accent1"/>
+          </a:fillRef>
+          <a:effectRef idx="1">
+            <a:schemeClr val="accent1"/>
+          </a:effectRef>
+          <a:fontRef idx="minor">
+            <a:schemeClr val="tx1"/>
+          </a:fontRef>
+        </p:style>
+      </p:cxnSp>
+      <p:grpSp>
+        <p:nvGrpSpPr>
+          <p:cNvPr id="35" name="Group 34">
+            <a:extLst>
+              <a:ext uri="{FF2B5EF4-FFF2-40B4-BE49-F238E27FC236}">
+                <a16:creationId xmlns:a16="http://schemas.microsoft.com/office/drawing/2014/main" id="{4B839612-4D75-4914-B5FB-2F9F26A14222}"/>
+              </a:ext>
+            </a:extLst>
+          </p:cNvPr>
+          <p:cNvGrpSpPr/>
+          <p:nvPr/>
+        </p:nvGrpSpPr>
+        <p:grpSpPr>
+          <a:xfrm>
+            <a:off x="5797691" y="395078"/>
+            <a:ext cx="1838771" cy="3240423"/>
+            <a:chOff x="4863833" y="688216"/>
+            <a:chExt cx="1838771" cy="3240423"/>
+          </a:xfrm>
+        </p:grpSpPr>
+        <p:sp>
+          <p:nvSpPr>
+            <p:cNvPr id="5" name="Rectangle 4">
+              <a:extLst>
+                <a:ext uri="{FF2B5EF4-FFF2-40B4-BE49-F238E27FC236}">
+                  <a16:creationId xmlns:a16="http://schemas.microsoft.com/office/drawing/2014/main" id="{B5B283AE-04A1-4B80-939C-21B7C975E533}"/>
+                </a:ext>
+              </a:extLst>
+            </p:cNvPr>
+            <p:cNvSpPr/>
+            <p:nvPr/>
+          </p:nvSpPr>
+          <p:spPr>
+            <a:xfrm>
+              <a:off x="4863833" y="688216"/>
+              <a:ext cx="1838771" cy="3240423"/>
+            </a:xfrm>
+            <a:prstGeom prst="rect">
+              <a:avLst/>
+            </a:prstGeom>
+            <a:solidFill>
+              <a:srgbClr val="CDFFEB"/>
+            </a:solidFill>
+          </p:spPr>
+          <p:style>
+            <a:lnRef idx="2">
+              <a:schemeClr val="accent1">
+                <a:shade val="50000"/>
+              </a:schemeClr>
+            </a:lnRef>
+            <a:fillRef idx="1">
+              <a:schemeClr val="accent1"/>
+            </a:fillRef>
+            <a:effectRef idx="0">
+              <a:schemeClr val="accent1"/>
+            </a:effectRef>
+            <a:fontRef idx="minor">
+              <a:schemeClr val="lt1"/>
+            </a:fontRef>
+          </p:style>
+          <p:txBody>
+            <a:bodyPr rtlCol="0" anchor="t" anchorCtr="0"/>
+            <a:lstStyle/>
+            <a:p>
+              <a:pPr algn="ctr"/>
+              <a:r>
+                <a:rPr lang="en-US" sz="1200" dirty="0">
+                  <a:solidFill>
+                    <a:srgbClr val="002060"/>
+                  </a:solidFill>
+                  <a:latin typeface="Verdana" panose="020B0604030504040204" pitchFamily="34" charset="0"/>
+                  <a:ea typeface="Verdana" panose="020B0604030504040204" pitchFamily="34" charset="0"/>
+                </a:rPr>
+                <a:t>API Gateways / BFF</a:t>
+              </a:r>
+              <a:endParaRPr lang="en-IN" sz="1200" dirty="0">
+                <a:solidFill>
+                  <a:srgbClr val="002060"/>
+                </a:solidFill>
+                <a:latin typeface="Verdana" panose="020B0604030504040204" pitchFamily="34" charset="0"/>
+                <a:ea typeface="Verdana" panose="020B0604030504040204" pitchFamily="34" charset="0"/>
+              </a:endParaRPr>
+            </a:p>
+          </p:txBody>
+        </p:sp>
+        <p:sp>
+          <p:nvSpPr>
+            <p:cNvPr id="34" name="Rectangle: Rounded Corners 33">
+              <a:extLst>
+                <a:ext uri="{FF2B5EF4-FFF2-40B4-BE49-F238E27FC236}">
+                  <a16:creationId xmlns:a16="http://schemas.microsoft.com/office/drawing/2014/main" id="{5E23C091-B119-4FBE-B5B9-657199CF3DC5}"/>
+                </a:ext>
+              </a:extLst>
+            </p:cNvPr>
+            <p:cNvSpPr/>
+            <p:nvPr/>
+          </p:nvSpPr>
+          <p:spPr>
+            <a:xfrm>
+              <a:off x="5005419" y="1243564"/>
+              <a:ext cx="1541296" cy="504665"/>
+            </a:xfrm>
+            <a:prstGeom prst="roundRect">
+              <a:avLst/>
+            </a:prstGeom>
+            <a:solidFill>
+              <a:srgbClr val="E5FFF4"/>
+            </a:solidFill>
+          </p:spPr>
+          <p:style>
+            <a:lnRef idx="2">
+              <a:schemeClr val="accent1">
+                <a:shade val="50000"/>
+              </a:schemeClr>
+            </a:lnRef>
+            <a:fillRef idx="1">
+              <a:schemeClr val="accent1"/>
+            </a:fillRef>
+            <a:effectRef idx="0">
+              <a:schemeClr val="accent1"/>
+            </a:effectRef>
+            <a:fontRef idx="minor">
+              <a:schemeClr val="lt1"/>
+            </a:fontRef>
+          </p:style>
+          <p:txBody>
+            <a:bodyPr rtlCol="0" anchor="ctr"/>
+            <a:lstStyle/>
+            <a:p>
+              <a:pPr algn="ctr"/>
+              <a:r>
+                <a:rPr lang="en-US" sz="1100" dirty="0">
+                  <a:solidFill>
+                    <a:srgbClr val="002060"/>
+                  </a:solidFill>
+                  <a:latin typeface="Verdana" panose="020B0604030504040204" pitchFamily="34" charset="0"/>
+                  <a:ea typeface="Verdana" panose="020B0604030504040204" pitchFamily="34" charset="0"/>
+                </a:rPr>
+                <a:t>Aggregator Web</a:t>
+              </a:r>
+              <a:endParaRPr lang="en-IN" sz="1100" dirty="0">
+                <a:solidFill>
+                  <a:srgbClr val="002060"/>
+                </a:solidFill>
+                <a:latin typeface="Verdana" panose="020B0604030504040204" pitchFamily="34" charset="0"/>
+                <a:ea typeface="Verdana" panose="020B0604030504040204" pitchFamily="34" charset="0"/>
+              </a:endParaRPr>
+            </a:p>
+          </p:txBody>
+        </p:sp>
+        <p:sp>
+          <p:nvSpPr>
+            <p:cNvPr id="65" name="Rectangle: Rounded Corners 64">
+              <a:extLst>
+                <a:ext uri="{FF2B5EF4-FFF2-40B4-BE49-F238E27FC236}">
+                  <a16:creationId xmlns:a16="http://schemas.microsoft.com/office/drawing/2014/main" id="{7FAFEAAF-69EF-4F42-BD84-98FDAC764CBC}"/>
+                </a:ext>
+              </a:extLst>
+            </p:cNvPr>
+            <p:cNvSpPr/>
+            <p:nvPr/>
+          </p:nvSpPr>
+          <p:spPr>
+            <a:xfrm>
+              <a:off x="4999125" y="2096191"/>
+              <a:ext cx="1541296" cy="504665"/>
+            </a:xfrm>
+            <a:prstGeom prst="roundRect">
+              <a:avLst/>
+            </a:prstGeom>
+            <a:solidFill>
+              <a:srgbClr val="E5FFF4"/>
+            </a:solidFill>
+          </p:spPr>
+          <p:style>
+            <a:lnRef idx="2">
+              <a:schemeClr val="accent1">
+                <a:shade val="50000"/>
+              </a:schemeClr>
+            </a:lnRef>
+            <a:fillRef idx="1">
+              <a:schemeClr val="accent1"/>
+            </a:fillRef>
+            <a:effectRef idx="0">
+              <a:schemeClr val="accent1"/>
+            </a:effectRef>
+            <a:fontRef idx="minor">
+              <a:schemeClr val="lt1"/>
+            </a:fontRef>
+          </p:style>
+          <p:txBody>
+            <a:bodyPr rtlCol="0" anchor="ctr"/>
+            <a:lstStyle/>
+            <a:p>
+              <a:pPr algn="ctr"/>
+              <a:r>
+                <a:rPr lang="en-US" sz="1100" dirty="0">
+                  <a:solidFill>
+                    <a:srgbClr val="002060"/>
+                  </a:solidFill>
+                  <a:latin typeface="Verdana" panose="020B0604030504040204" pitchFamily="34" charset="0"/>
+                  <a:ea typeface="Verdana" panose="020B0604030504040204" pitchFamily="34" charset="0"/>
+                </a:rPr>
+                <a:t>Aggregator Mobile</a:t>
+              </a:r>
+              <a:endParaRPr lang="en-IN" sz="1100" dirty="0">
+                <a:solidFill>
+                  <a:srgbClr val="002060"/>
+                </a:solidFill>
+                <a:latin typeface="Verdana" panose="020B0604030504040204" pitchFamily="34" charset="0"/>
+                <a:ea typeface="Verdana" panose="020B0604030504040204" pitchFamily="34" charset="0"/>
+              </a:endParaRPr>
+            </a:p>
+          </p:txBody>
+        </p:sp>
+      </p:grpSp>
+      <p:grpSp>
+        <p:nvGrpSpPr>
+          <p:cNvPr id="4" name="Group 3">
+            <a:extLst>
+              <a:ext uri="{FF2B5EF4-FFF2-40B4-BE49-F238E27FC236}">
+                <a16:creationId xmlns:a16="http://schemas.microsoft.com/office/drawing/2014/main" id="{C0A23858-A376-44FD-AFBB-9416D4D59532}"/>
+              </a:ext>
+            </a:extLst>
+          </p:cNvPr>
+          <p:cNvGrpSpPr/>
+          <p:nvPr/>
+        </p:nvGrpSpPr>
+        <p:grpSpPr>
+          <a:xfrm>
+            <a:off x="3370236" y="398022"/>
+            <a:ext cx="1748242" cy="3211237"/>
+            <a:chOff x="3313675" y="322610"/>
+            <a:chExt cx="1748242" cy="3211237"/>
+          </a:xfrm>
+        </p:grpSpPr>
+        <p:sp>
+          <p:nvSpPr>
+            <p:cNvPr id="6" name="Rectangle 5">
+              <a:extLst>
+                <a:ext uri="{FF2B5EF4-FFF2-40B4-BE49-F238E27FC236}">
+                  <a16:creationId xmlns:a16="http://schemas.microsoft.com/office/drawing/2014/main" id="{E681EEBF-DED0-49C3-82BA-C359A5D505B5}"/>
+                </a:ext>
+              </a:extLst>
+            </p:cNvPr>
+            <p:cNvSpPr/>
+            <p:nvPr/>
+          </p:nvSpPr>
+          <p:spPr>
+            <a:xfrm>
+              <a:off x="3313675" y="322610"/>
+              <a:ext cx="1748242" cy="3211237"/>
+            </a:xfrm>
+            <a:prstGeom prst="rect">
+              <a:avLst/>
+            </a:prstGeom>
+            <a:solidFill>
+              <a:srgbClr val="FFF6D9"/>
+            </a:solidFill>
+          </p:spPr>
+          <p:style>
+            <a:lnRef idx="2">
+              <a:schemeClr val="accent1">
+                <a:shade val="50000"/>
+              </a:schemeClr>
+            </a:lnRef>
+            <a:fillRef idx="1">
+              <a:schemeClr val="accent1"/>
+            </a:fillRef>
+            <a:effectRef idx="0">
+              <a:schemeClr val="accent1"/>
+            </a:effectRef>
+            <a:fontRef idx="minor">
+              <a:schemeClr val="lt1"/>
+            </a:fontRef>
+          </p:style>
+          <p:txBody>
+            <a:bodyPr rtlCol="0" anchor="t" anchorCtr="0"/>
+            <a:lstStyle/>
+            <a:p>
+              <a:pPr algn="ctr"/>
+              <a:r>
+                <a:rPr lang="en-US" sz="1200" dirty="0">
+                  <a:solidFill>
+                    <a:srgbClr val="002060"/>
+                  </a:solidFill>
+                  <a:latin typeface="Verdana" panose="020B0604030504040204" pitchFamily="34" charset="0"/>
+                  <a:ea typeface="Verdana" panose="020B0604030504040204" pitchFamily="34" charset="0"/>
+                </a:rPr>
+                <a:t>Client Apps</a:t>
+              </a:r>
+              <a:endParaRPr lang="en-IN" sz="1200" dirty="0">
+                <a:solidFill>
+                  <a:srgbClr val="002060"/>
+                </a:solidFill>
+                <a:latin typeface="Verdana" panose="020B0604030504040204" pitchFamily="34" charset="0"/>
+                <a:ea typeface="Verdana" panose="020B0604030504040204" pitchFamily="34" charset="0"/>
+              </a:endParaRPr>
+            </a:p>
+          </p:txBody>
+        </p:sp>
+        <p:sp>
+          <p:nvSpPr>
+            <p:cNvPr id="71" name="Rectangle: Rounded Corners 70">
+              <a:extLst>
+                <a:ext uri="{FF2B5EF4-FFF2-40B4-BE49-F238E27FC236}">
+                  <a16:creationId xmlns:a16="http://schemas.microsoft.com/office/drawing/2014/main" id="{65492792-062B-42D9-AAD9-D351DD94A3FE}"/>
+                </a:ext>
+              </a:extLst>
+            </p:cNvPr>
+            <p:cNvSpPr/>
+            <p:nvPr/>
+          </p:nvSpPr>
+          <p:spPr>
+            <a:xfrm>
+              <a:off x="3564132" y="762411"/>
+              <a:ext cx="1234936" cy="504665"/>
+            </a:xfrm>
+            <a:prstGeom prst="roundRect">
+              <a:avLst/>
+            </a:prstGeom>
+            <a:solidFill>
+              <a:srgbClr val="FFFAEB"/>
+            </a:solidFill>
+          </p:spPr>
+          <p:style>
+            <a:lnRef idx="2">
+              <a:schemeClr val="accent1">
+                <a:shade val="50000"/>
+              </a:schemeClr>
+            </a:lnRef>
+            <a:fillRef idx="1">
+              <a:schemeClr val="accent1"/>
+            </a:fillRef>
+            <a:effectRef idx="0">
+              <a:schemeClr val="accent1"/>
+            </a:effectRef>
+            <a:fontRef idx="minor">
+              <a:schemeClr val="lt1"/>
+            </a:fontRef>
+          </p:style>
+          <p:txBody>
+            <a:bodyPr rtlCol="0" anchor="ctr"/>
+            <a:lstStyle/>
+            <a:p>
+              <a:pPr algn="ctr"/>
+              <a:r>
+                <a:rPr lang="en-US" sz="1200" b="1" dirty="0">
+                  <a:solidFill>
+                    <a:srgbClr val="002060"/>
+                  </a:solidFill>
+                </a:rPr>
+                <a:t>Mobile</a:t>
+              </a:r>
+            </a:p>
+            <a:p>
+              <a:pPr algn="ctr"/>
+              <a:r>
+                <a:rPr lang="en-US" sz="1200" dirty="0">
+                  <a:solidFill>
+                    <a:srgbClr val="002060"/>
+                  </a:solidFill>
+                </a:rPr>
+                <a:t>React Native</a:t>
+              </a:r>
+              <a:endParaRPr lang="en-IN" sz="1200" dirty="0">
+                <a:solidFill>
+                  <a:srgbClr val="002060"/>
+                </a:solidFill>
+              </a:endParaRPr>
+            </a:p>
+          </p:txBody>
+        </p:sp>
+        <p:sp>
+          <p:nvSpPr>
+            <p:cNvPr id="72" name="Rectangle: Rounded Corners 71">
+              <a:extLst>
+                <a:ext uri="{FF2B5EF4-FFF2-40B4-BE49-F238E27FC236}">
+                  <a16:creationId xmlns:a16="http://schemas.microsoft.com/office/drawing/2014/main" id="{B3AB54A0-7094-41F3-9079-07C5826687CA}"/>
+                </a:ext>
+              </a:extLst>
+            </p:cNvPr>
+            <p:cNvSpPr/>
+            <p:nvPr/>
+          </p:nvSpPr>
+          <p:spPr>
+            <a:xfrm>
+              <a:off x="3564132" y="1476099"/>
+              <a:ext cx="1234936" cy="748051"/>
+            </a:xfrm>
+            <a:prstGeom prst="roundRect">
+              <a:avLst/>
+            </a:prstGeom>
+            <a:solidFill>
+              <a:srgbClr val="FFFAEB"/>
+            </a:solidFill>
+          </p:spPr>
+          <p:style>
+            <a:lnRef idx="2">
+              <a:schemeClr val="accent1">
+                <a:shade val="50000"/>
+              </a:schemeClr>
+            </a:lnRef>
+            <a:fillRef idx="1">
+              <a:schemeClr val="accent1"/>
+            </a:fillRef>
+            <a:effectRef idx="0">
+              <a:schemeClr val="accent1"/>
+            </a:effectRef>
+            <a:fontRef idx="minor">
+              <a:schemeClr val="lt1"/>
+            </a:fontRef>
+          </p:style>
+          <p:txBody>
+            <a:bodyPr rtlCol="0" anchor="ctr"/>
+            <a:lstStyle/>
+            <a:p>
+              <a:pPr algn="ctr"/>
+              <a:r>
+                <a:rPr lang="en-US" sz="1200" b="1" dirty="0">
+                  <a:solidFill>
+                    <a:srgbClr val="002060"/>
+                  </a:solidFill>
+                </a:rPr>
+                <a:t>Server Side</a:t>
+              </a:r>
+            </a:p>
+            <a:p>
+              <a:pPr algn="ctr"/>
+              <a:r>
+                <a:rPr lang="en-US" sz="1200" dirty="0">
+                  <a:solidFill>
+                    <a:srgbClr val="002060"/>
+                  </a:solidFill>
+                </a:rPr>
+                <a:t>MVC </a:t>
+              </a:r>
+            </a:p>
+            <a:p>
+              <a:pPr algn="ctr"/>
+              <a:r>
+                <a:rPr lang="en-US" sz="1200" dirty="0">
+                  <a:solidFill>
+                    <a:srgbClr val="002060"/>
+                  </a:solidFill>
+                </a:rPr>
+                <a:t>Razor </a:t>
+              </a:r>
+            </a:p>
+            <a:p>
+              <a:pPr algn="ctr"/>
+              <a:r>
+                <a:rPr lang="en-US" sz="1200" dirty="0">
+                  <a:solidFill>
+                    <a:srgbClr val="002060"/>
+                  </a:solidFill>
+                </a:rPr>
+                <a:t>Blazor Server</a:t>
+              </a:r>
+              <a:endParaRPr lang="en-IN" sz="1200" dirty="0">
+                <a:solidFill>
+                  <a:srgbClr val="002060"/>
+                </a:solidFill>
+              </a:endParaRPr>
+            </a:p>
+          </p:txBody>
+        </p:sp>
+        <p:sp>
+          <p:nvSpPr>
+            <p:cNvPr id="73" name="Rectangle: Rounded Corners 72">
+              <a:extLst>
+                <a:ext uri="{FF2B5EF4-FFF2-40B4-BE49-F238E27FC236}">
+                  <a16:creationId xmlns:a16="http://schemas.microsoft.com/office/drawing/2014/main" id="{1ACB994B-1530-426B-8A1A-F7414FFFC74C}"/>
+                </a:ext>
+              </a:extLst>
+            </p:cNvPr>
+            <p:cNvSpPr/>
+            <p:nvPr/>
+          </p:nvSpPr>
+          <p:spPr>
+            <a:xfrm>
+              <a:off x="3564132" y="2400845"/>
+              <a:ext cx="1234936" cy="1032550"/>
+            </a:xfrm>
+            <a:prstGeom prst="roundRect">
+              <a:avLst/>
+            </a:prstGeom>
+            <a:solidFill>
+              <a:srgbClr val="FFFAEB"/>
+            </a:solidFill>
+          </p:spPr>
+          <p:style>
+            <a:lnRef idx="2">
+              <a:schemeClr val="accent1">
+                <a:shade val="50000"/>
+              </a:schemeClr>
+            </a:lnRef>
+            <a:fillRef idx="1">
+              <a:schemeClr val="accent1"/>
+            </a:fillRef>
+            <a:effectRef idx="0">
+              <a:schemeClr val="accent1"/>
+            </a:effectRef>
+            <a:fontRef idx="minor">
+              <a:schemeClr val="lt1"/>
+            </a:fontRef>
+          </p:style>
+          <p:txBody>
+            <a:bodyPr rtlCol="0" anchor="ctr"/>
+            <a:lstStyle/>
+            <a:p>
+              <a:pPr algn="ctr"/>
+              <a:r>
+                <a:rPr lang="en-US" sz="1200" b="1" dirty="0">
+                  <a:solidFill>
+                    <a:srgbClr val="002060"/>
+                  </a:solidFill>
+                </a:rPr>
+                <a:t>SPA</a:t>
+              </a:r>
+            </a:p>
+            <a:p>
+              <a:pPr algn="ctr"/>
+              <a:r>
+                <a:rPr lang="en-US" sz="1200" dirty="0">
+                  <a:solidFill>
+                    <a:srgbClr val="002060"/>
+                  </a:solidFill>
+                </a:rPr>
+                <a:t>Angular</a:t>
+              </a:r>
+            </a:p>
+            <a:p>
+              <a:pPr algn="ctr"/>
+              <a:r>
+                <a:rPr lang="en-US" sz="1200" dirty="0">
+                  <a:solidFill>
+                    <a:srgbClr val="002060"/>
+                  </a:solidFill>
+                </a:rPr>
+                <a:t>ReactJS</a:t>
+              </a:r>
+            </a:p>
+            <a:p>
+              <a:pPr algn="ctr"/>
+              <a:r>
+                <a:rPr lang="en-US" sz="1200" dirty="0">
+                  <a:solidFill>
+                    <a:srgbClr val="002060"/>
+                  </a:solidFill>
+                </a:rPr>
+                <a:t>Vue JS</a:t>
+              </a:r>
+            </a:p>
+            <a:p>
+              <a:pPr algn="ctr"/>
+              <a:r>
+                <a:rPr lang="en-US" sz="1200" dirty="0">
+                  <a:solidFill>
+                    <a:srgbClr val="002060"/>
+                  </a:solidFill>
+                </a:rPr>
+                <a:t>Blazor WASM</a:t>
+              </a:r>
+            </a:p>
+          </p:txBody>
+        </p:sp>
+      </p:grpSp>
+      <p:grpSp>
+        <p:nvGrpSpPr>
+          <p:cNvPr id="3" name="Group 2">
+            <a:extLst>
+              <a:ext uri="{FF2B5EF4-FFF2-40B4-BE49-F238E27FC236}">
+                <a16:creationId xmlns:a16="http://schemas.microsoft.com/office/drawing/2014/main" id="{EF408990-FCA9-4CC3-97FB-20F0A7B43F30}"/>
+              </a:ext>
+            </a:extLst>
+          </p:cNvPr>
+          <p:cNvGrpSpPr/>
+          <p:nvPr/>
+        </p:nvGrpSpPr>
+        <p:grpSpPr>
+          <a:xfrm>
+            <a:off x="3299854" y="5177468"/>
+            <a:ext cx="4334117" cy="1375250"/>
+            <a:chOff x="3299854" y="5177468"/>
+            <a:chExt cx="4334117" cy="1375250"/>
+          </a:xfrm>
+        </p:grpSpPr>
+        <p:sp>
+          <p:nvSpPr>
+            <p:cNvPr id="66" name="Rectangle 65">
+              <a:extLst>
+                <a:ext uri="{FF2B5EF4-FFF2-40B4-BE49-F238E27FC236}">
+                  <a16:creationId xmlns:a16="http://schemas.microsoft.com/office/drawing/2014/main" id="{AD566606-C53C-4FC1-A923-3589748D9D4F}"/>
+                </a:ext>
+              </a:extLst>
+            </p:cNvPr>
+            <p:cNvSpPr/>
+            <p:nvPr/>
+          </p:nvSpPr>
+          <p:spPr>
+            <a:xfrm>
+              <a:off x="3299854" y="5177468"/>
+              <a:ext cx="4334117" cy="1375250"/>
+            </a:xfrm>
+            <a:prstGeom prst="rect">
+              <a:avLst/>
+            </a:prstGeom>
+            <a:solidFill>
+              <a:srgbClr val="D9F2FF"/>
+            </a:solidFill>
+          </p:spPr>
+          <p:style>
+            <a:lnRef idx="2">
+              <a:schemeClr val="accent1">
+                <a:shade val="50000"/>
+              </a:schemeClr>
+            </a:lnRef>
+            <a:fillRef idx="1">
+              <a:schemeClr val="accent1"/>
+            </a:fillRef>
+            <a:effectRef idx="0">
+              <a:schemeClr val="accent1"/>
+            </a:effectRef>
+            <a:fontRef idx="minor">
+              <a:schemeClr val="lt1"/>
+            </a:fontRef>
+          </p:style>
+          <p:txBody>
+            <a:bodyPr rtlCol="0" anchor="t" anchorCtr="0"/>
+            <a:lstStyle/>
+            <a:p>
+              <a:pPr algn="ctr"/>
+              <a:r>
+                <a:rPr lang="en-US" sz="1200" dirty="0">
+                  <a:solidFill>
+                    <a:srgbClr val="002060"/>
+                  </a:solidFill>
+                  <a:latin typeface="Verdana" panose="020B0604030504040204" pitchFamily="34" charset="0"/>
+                  <a:ea typeface="Verdana" panose="020B0604030504040204" pitchFamily="34" charset="0"/>
+                </a:rPr>
+                <a:t>Admin Services</a:t>
+              </a:r>
+              <a:endParaRPr lang="en-IN" sz="1200" dirty="0">
+                <a:solidFill>
+                  <a:srgbClr val="002060"/>
+                </a:solidFill>
+                <a:latin typeface="Verdana" panose="020B0604030504040204" pitchFamily="34" charset="0"/>
+                <a:ea typeface="Verdana" panose="020B0604030504040204" pitchFamily="34" charset="0"/>
+              </a:endParaRPr>
+            </a:p>
+          </p:txBody>
+        </p:sp>
+        <p:sp>
+          <p:nvSpPr>
+            <p:cNvPr id="37" name="Rectangle: Rounded Corners 36">
+              <a:extLst>
+                <a:ext uri="{FF2B5EF4-FFF2-40B4-BE49-F238E27FC236}">
+                  <a16:creationId xmlns:a16="http://schemas.microsoft.com/office/drawing/2014/main" id="{E45EF9D9-D928-42AF-8A79-B4C3DBEB95E1}"/>
+                </a:ext>
+              </a:extLst>
+            </p:cNvPr>
+            <p:cNvSpPr/>
+            <p:nvPr/>
+          </p:nvSpPr>
+          <p:spPr>
+            <a:xfrm>
+              <a:off x="3379240" y="5956201"/>
+              <a:ext cx="1234936" cy="504665"/>
+            </a:xfrm>
+            <a:prstGeom prst="roundRect">
+              <a:avLst/>
+            </a:prstGeom>
+            <a:solidFill>
+              <a:srgbClr val="EFFAFF"/>
+            </a:solidFill>
+          </p:spPr>
+          <p:style>
+            <a:lnRef idx="2">
+              <a:schemeClr val="accent1">
+                <a:shade val="50000"/>
+              </a:schemeClr>
+            </a:lnRef>
+            <a:fillRef idx="1">
+              <a:schemeClr val="accent1"/>
+            </a:fillRef>
+            <a:effectRef idx="0">
+              <a:schemeClr val="accent1"/>
+            </a:effectRef>
+            <a:fontRef idx="minor">
+              <a:schemeClr val="lt1"/>
+            </a:fontRef>
+          </p:style>
+          <p:txBody>
+            <a:bodyPr rtlCol="0" anchor="ctr"/>
+            <a:lstStyle/>
+            <a:p>
+              <a:pPr algn="ctr"/>
+              <a:r>
+                <a:rPr lang="en-US" sz="1200" b="1" dirty="0">
+                  <a:solidFill>
+                    <a:srgbClr val="002060"/>
+                  </a:solidFill>
+                </a:rPr>
+                <a:t>Health Check</a:t>
+              </a:r>
+              <a:endParaRPr lang="en-IN" sz="1200" b="1" dirty="0">
+                <a:solidFill>
+                  <a:srgbClr val="002060"/>
+                </a:solidFill>
+              </a:endParaRPr>
+            </a:p>
+          </p:txBody>
+        </p:sp>
+        <p:sp>
+          <p:nvSpPr>
+            <p:cNvPr id="69" name="Rectangle: Rounded Corners 68">
+              <a:extLst>
+                <a:ext uri="{FF2B5EF4-FFF2-40B4-BE49-F238E27FC236}">
+                  <a16:creationId xmlns:a16="http://schemas.microsoft.com/office/drawing/2014/main" id="{B0EDFA10-D167-4497-A206-2282E8F110AE}"/>
+                </a:ext>
+              </a:extLst>
+            </p:cNvPr>
+            <p:cNvSpPr/>
+            <p:nvPr/>
+          </p:nvSpPr>
+          <p:spPr>
+            <a:xfrm>
+              <a:off x="4842287" y="5956201"/>
+              <a:ext cx="1234936" cy="504665"/>
+            </a:xfrm>
+            <a:prstGeom prst="roundRect">
+              <a:avLst/>
+            </a:prstGeom>
+            <a:solidFill>
+              <a:srgbClr val="EFFAFF"/>
+            </a:solidFill>
+          </p:spPr>
+          <p:style>
+            <a:lnRef idx="2">
+              <a:schemeClr val="accent1">
+                <a:shade val="50000"/>
+              </a:schemeClr>
+            </a:lnRef>
+            <a:fillRef idx="1">
+              <a:schemeClr val="accent1"/>
+            </a:fillRef>
+            <a:effectRef idx="0">
+              <a:schemeClr val="accent1"/>
+            </a:effectRef>
+            <a:fontRef idx="minor">
+              <a:schemeClr val="lt1"/>
+            </a:fontRef>
+          </p:style>
+          <p:txBody>
+            <a:bodyPr rtlCol="0" anchor="ctr"/>
+            <a:lstStyle/>
+            <a:p>
+              <a:pPr algn="ctr"/>
+              <a:r>
+                <a:rPr lang="en-US" sz="1200" b="1" dirty="0">
+                  <a:solidFill>
+                    <a:srgbClr val="002060"/>
+                  </a:solidFill>
+                </a:rPr>
+                <a:t>Webhooks</a:t>
+              </a:r>
+              <a:endParaRPr lang="en-IN" sz="1200" b="1" dirty="0">
+                <a:solidFill>
+                  <a:srgbClr val="002060"/>
+                </a:solidFill>
+              </a:endParaRPr>
+            </a:p>
+          </p:txBody>
+        </p:sp>
+        <p:sp>
+          <p:nvSpPr>
+            <p:cNvPr id="70" name="Rectangle: Rounded Corners 69">
+              <a:extLst>
+                <a:ext uri="{FF2B5EF4-FFF2-40B4-BE49-F238E27FC236}">
+                  <a16:creationId xmlns:a16="http://schemas.microsoft.com/office/drawing/2014/main" id="{A074D1DD-3FE8-438B-88C5-DC151937405C}"/>
+                </a:ext>
+              </a:extLst>
+            </p:cNvPr>
+            <p:cNvSpPr/>
+            <p:nvPr/>
+          </p:nvSpPr>
+          <p:spPr>
+            <a:xfrm>
+              <a:off x="6294393" y="5935854"/>
+              <a:ext cx="1234936" cy="504665"/>
+            </a:xfrm>
+            <a:prstGeom prst="roundRect">
+              <a:avLst/>
+            </a:prstGeom>
+            <a:solidFill>
+              <a:srgbClr val="EFFAFF"/>
+            </a:solidFill>
+          </p:spPr>
+          <p:style>
+            <a:lnRef idx="2">
+              <a:schemeClr val="accent1">
+                <a:shade val="50000"/>
+              </a:schemeClr>
+            </a:lnRef>
+            <a:fillRef idx="1">
+              <a:schemeClr val="accent1"/>
+            </a:fillRef>
+            <a:effectRef idx="0">
+              <a:schemeClr val="accent1"/>
+            </a:effectRef>
+            <a:fontRef idx="minor">
+              <a:schemeClr val="lt1"/>
+            </a:fontRef>
+          </p:style>
+          <p:txBody>
+            <a:bodyPr rtlCol="0" anchor="ctr"/>
+            <a:lstStyle/>
+            <a:p>
+              <a:pPr algn="ctr"/>
+              <a:r>
+                <a:rPr lang="en-US" sz="1200" b="1" dirty="0">
+                  <a:solidFill>
+                    <a:srgbClr val="002060"/>
+                  </a:solidFill>
+                </a:rPr>
+                <a:t>Alerts / Monitoring</a:t>
+              </a:r>
+              <a:endParaRPr lang="en-IN" sz="1200" b="1" dirty="0">
+                <a:solidFill>
+                  <a:srgbClr val="002060"/>
+                </a:solidFill>
+              </a:endParaRPr>
+            </a:p>
+          </p:txBody>
+        </p:sp>
+        <p:sp>
+          <p:nvSpPr>
+            <p:cNvPr id="57" name="Rectangle: Rounded Corners 56">
+              <a:extLst>
+                <a:ext uri="{FF2B5EF4-FFF2-40B4-BE49-F238E27FC236}">
+                  <a16:creationId xmlns:a16="http://schemas.microsoft.com/office/drawing/2014/main" id="{067FBA5F-63F6-4044-A857-AE0BC37E6962}"/>
+                </a:ext>
+              </a:extLst>
+            </p:cNvPr>
+            <p:cNvSpPr/>
+            <p:nvPr/>
+          </p:nvSpPr>
+          <p:spPr>
+            <a:xfrm>
+              <a:off x="3370040" y="5365200"/>
+              <a:ext cx="1234936" cy="504665"/>
+            </a:xfrm>
+            <a:prstGeom prst="roundRect">
+              <a:avLst/>
+            </a:prstGeom>
+            <a:solidFill>
+              <a:srgbClr val="EFFAFF"/>
+            </a:solidFill>
+          </p:spPr>
+          <p:style>
+            <a:lnRef idx="2">
+              <a:schemeClr val="accent1">
+                <a:shade val="50000"/>
+              </a:schemeClr>
+            </a:lnRef>
+            <a:fillRef idx="1">
+              <a:schemeClr val="accent1"/>
+            </a:fillRef>
+            <a:effectRef idx="0">
+              <a:schemeClr val="accent1"/>
+            </a:effectRef>
+            <a:fontRef idx="minor">
+              <a:schemeClr val="lt1"/>
+            </a:fontRef>
+          </p:style>
+          <p:txBody>
+            <a:bodyPr rtlCol="0" anchor="ctr"/>
+            <a:lstStyle/>
+            <a:p>
+              <a:pPr algn="ctr"/>
+              <a:r>
+                <a:rPr lang="en-US" sz="1200" b="1" dirty="0">
+                  <a:solidFill>
+                    <a:srgbClr val="002060"/>
+                  </a:solidFill>
+                </a:rPr>
+                <a:t>SPA</a:t>
+              </a:r>
+            </a:p>
+            <a:p>
+              <a:pPr algn="ctr"/>
+              <a:r>
+                <a:rPr lang="en-US" sz="1200" dirty="0">
+                  <a:solidFill>
+                    <a:srgbClr val="002060"/>
+                  </a:solidFill>
+                </a:rPr>
+                <a:t>Admin UI</a:t>
+              </a:r>
+              <a:endParaRPr lang="en-IN" sz="1200" dirty="0">
+                <a:solidFill>
+                  <a:srgbClr val="002060"/>
+                </a:solidFill>
+              </a:endParaRPr>
+            </a:p>
+          </p:txBody>
+        </p:sp>
+      </p:grpSp>
+    </p:spTree>
+    <p:extLst>
+      <p:ext uri="{BB962C8B-B14F-4D97-AF65-F5344CB8AC3E}">
+        <p14:creationId xmlns:p14="http://schemas.microsoft.com/office/powerpoint/2010/main" val="1195627866"/>
+      </p:ext>
+    </p:extLst>
+  </p:cSld>
+  <p:clrMapOvr>
+    <a:masterClrMapping/>
+  </p:clrMapOvr>
+</p:sld>
+</file>
+
+<file path=ppt/slides/slide3.xml><?xml version="1.0" encoding="utf-8"?>
+<p:sld xmlns:a="http://schemas.openxmlformats.org/drawingml/2006/main" xmlns:r="http://schemas.openxmlformats.org/officeDocument/2006/relationships" xmlns:p="http://schemas.openxmlformats.org/presentationml/2006/main">
+  <p:cSld>
+    <p:bg>
+      <p:bgPr>
+        <a:solidFill>
+          <a:schemeClr val="bg1"/>
+        </a:solidFill>
+        <a:effectLst/>
+      </p:bgPr>
+    </p:bg>
+    <p:spTree>
+      <p:nvGrpSpPr>
+        <p:cNvPr id="1" name=""/>
+        <p:cNvGrpSpPr/>
+        <p:nvPr/>
+      </p:nvGrpSpPr>
+      <p:grpSpPr>
+        <a:xfrm>
+          <a:off x="0" y="0"/>
+          <a:ext cx="0" cy="0"/>
+          <a:chOff x="0" y="0"/>
+          <a:chExt cx="0" cy="0"/>
+        </a:xfrm>
+      </p:grpSpPr>
+      <p:sp useBgFill="1">
+        <p:nvSpPr>
+          <p:cNvPr id="1031" name="Rectangle 1030">
+            <a:extLst>
+              <a:ext uri="{FF2B5EF4-FFF2-40B4-BE49-F238E27FC236}">
+                <a16:creationId xmlns:a16="http://schemas.microsoft.com/office/drawing/2014/main" id="{AB8C311F-7253-4AED-9701-7FC0708C41C7}"/>
+              </a:ext>
+              <a:ext uri="{C183D7F6-B498-43B3-948B-1728B52AA6E4}">
+                <adec:decorative xmlns:adec="http://schemas.microsoft.com/office/drawing/2017/decorative" val="1"/>
+              </a:ext>
+            </a:extLst>
+          </p:cNvPr>
+          <p:cNvSpPr>
+            <a:spLocks noGrp="1" noRot="1" noChangeAspect="1" noMove="1" noResize="1" noEditPoints="1" noAdjustHandles="1" noChangeArrowheads="1" noChangeShapeType="1" noTextEdit="1"/>
+          </p:cNvSpPr>
+          <p:nvPr>
+            <p:extLst>
+              <p:ext uri="{386F3935-93C4-4BCD-93E2-E3B085C9AB24}">
+                <p16:designElem xmlns:p16="http://schemas.microsoft.com/office/powerpoint/2015/main" val="1"/>
+              </p:ext>
+            </p:extLst>
+          </p:nvPr>
+        </p:nvSpPr>
+        <p:spPr>
+          <a:xfrm>
+            <a:off x="0" y="0"/>
+            <a:ext cx="12192000" cy="6858000"/>
+          </a:xfrm>
+          <a:prstGeom prst="rect">
+            <a:avLst/>
+          </a:prstGeom>
+          <a:ln w="12700" cap="flat" cmpd="sng" algn="ctr">
+            <a:noFill/>
+            <a:prstDash val="solid"/>
+            <a:miter lim="800000"/>
+          </a:ln>
+          <a:effectLst/>
+          <a:extLst>
+            <a:ext uri="{91240B29-F687-4F45-9708-019B960494DF}">
+              <a14:hiddenLine xmlns:a14="http://schemas.microsoft.com/office/drawing/2010/main" w="12700" cap="flat" cmpd="sng" algn="ctr">
+                <a:solidFill>
+                  <a:schemeClr val="accent1">
+                    <a:shade val="50000"/>
+                  </a:schemeClr>
+                </a:solidFill>
+                <a:prstDash val="solid"/>
+                <a:miter lim="800000"/>
+              </a14:hiddenLine>
+            </a:ext>
+          </a:extLst>
+        </p:spPr>
+        <p:style>
+          <a:lnRef idx="2">
+            <a:schemeClr val="accent1">
+              <a:shade val="50000"/>
+            </a:schemeClr>
+          </a:lnRef>
+          <a:fillRef idx="1">
+            <a:schemeClr val="accent1"/>
+          </a:fillRef>
+          <a:effectRef idx="0">
+            <a:schemeClr val="accent1"/>
+          </a:effectRef>
+          <a:fontRef idx="minor">
+            <a:schemeClr val="lt1"/>
+          </a:fontRef>
+        </p:style>
+        <p:txBody>
+          <a:bodyPr rtlCol="0" anchor="ctr"/>
+          <a:lstStyle/>
+          <a:p>
+            <a:pPr algn="ctr"/>
+            <a:endParaRPr lang="en-US"/>
+          </a:p>
+        </p:txBody>
+      </p:sp>
+      <p:sp>
+        <p:nvSpPr>
+          <p:cNvPr id="1033" name="Rectangle 1032">
+            <a:extLst>
+              <a:ext uri="{FF2B5EF4-FFF2-40B4-BE49-F238E27FC236}">
+                <a16:creationId xmlns:a16="http://schemas.microsoft.com/office/drawing/2014/main" id="{E2384209-CB15-4CDF-9D31-C44FD9A3F20D}"/>
+              </a:ext>
+              <a:ext uri="{C183D7F6-B498-43B3-948B-1728B52AA6E4}">
+                <adec:decorative xmlns:adec="http://schemas.microsoft.com/office/drawing/2017/decorative" val="1"/>
+              </a:ext>
+            </a:extLst>
+          </p:cNvPr>
+          <p:cNvSpPr>
+            <a:spLocks noGrp="1" noRot="1" noChangeAspect="1" noMove="1" noResize="1" noEditPoints="1" noAdjustHandles="1" noChangeArrowheads="1" noChangeShapeType="1" noTextEdit="1"/>
+          </p:cNvSpPr>
+          <p:nvPr>
+            <p:extLst>
+              <p:ext uri="{386F3935-93C4-4BCD-93E2-E3B085C9AB24}">
+                <p16:designElem xmlns:p16="http://schemas.microsoft.com/office/powerpoint/2015/main" val="1"/>
+              </p:ext>
+            </p:extLst>
+          </p:nvPr>
+        </p:nvSpPr>
+        <p:spPr>
+          <a:xfrm rot="16200000" flipH="1">
+            <a:off x="2666617" y="-2666188"/>
+            <a:ext cx="6858000" cy="12191233"/>
+          </a:xfrm>
+          <a:prstGeom prst="rect">
+            <a:avLst/>
+          </a:prstGeom>
+          <a:gradFill>
+            <a:gsLst>
+              <a:gs pos="8000">
+                <a:schemeClr val="accent1"/>
+              </a:gs>
+              <a:gs pos="100000">
+                <a:schemeClr val="accent1">
+                  <a:lumMod val="50000"/>
+                </a:schemeClr>
+              </a:gs>
+            </a:gsLst>
+            <a:lin ang="12000000" scaled="0"/>
+          </a:gradFill>
+          <a:ln>
+            <a:noFill/>
+          </a:ln>
+        </p:spPr>
+        <p:style>
+          <a:lnRef idx="2">
+            <a:schemeClr val="accent1">
+              <a:shade val="50000"/>
+            </a:schemeClr>
+          </a:lnRef>
+          <a:fillRef idx="1">
+            <a:schemeClr val="accent1"/>
+          </a:fillRef>
+          <a:effectRef idx="0">
+            <a:schemeClr val="accent1"/>
+          </a:effectRef>
+          <a:fontRef idx="minor">
+            <a:schemeClr val="lt1"/>
+          </a:fontRef>
+        </p:style>
+        <p:txBody>
+          <a:bodyPr rtlCol="0" anchor="ctr"/>
+          <a:lstStyle/>
+          <a:p>
+            <a:pPr algn="ctr"/>
+            <a:endParaRPr lang="en-US"/>
+          </a:p>
+        </p:txBody>
+      </p:sp>
+      <p:sp>
+        <p:nvSpPr>
+          <p:cNvPr id="1035" name="Rectangle 1034">
+            <a:extLst>
+              <a:ext uri="{FF2B5EF4-FFF2-40B4-BE49-F238E27FC236}">
+                <a16:creationId xmlns:a16="http://schemas.microsoft.com/office/drawing/2014/main" id="{2633B3B5-CC90-43F0-8714-D31D1F3F0209}"/>
+              </a:ext>
+              <a:ext uri="{C183D7F6-B498-43B3-948B-1728B52AA6E4}">
+                <adec:decorative xmlns:adec="http://schemas.microsoft.com/office/drawing/2017/decorative" val="1"/>
+              </a:ext>
+            </a:extLst>
+          </p:cNvPr>
+          <p:cNvSpPr>
+            <a:spLocks noGrp="1" noRot="1" noChangeAspect="1" noMove="1" noResize="1" noEditPoints="1" noAdjustHandles="1" noChangeArrowheads="1" noChangeShapeType="1" noTextEdit="1"/>
+          </p:cNvSpPr>
+          <p:nvPr>
+            <p:extLst>
+              <p:ext uri="{386F3935-93C4-4BCD-93E2-E3B085C9AB24}">
+                <p16:designElem xmlns:p16="http://schemas.microsoft.com/office/powerpoint/2015/main" val="1"/>
+              </p:ext>
+            </p:extLst>
+          </p:nvPr>
+        </p:nvSpPr>
+        <p:spPr>
+          <a:xfrm rot="10800000" flipH="1">
+            <a:off x="-2311" y="0"/>
+            <a:ext cx="9070846" cy="6857572"/>
+          </a:xfrm>
+          <a:prstGeom prst="rect">
+            <a:avLst/>
+          </a:prstGeom>
+          <a:gradFill>
+            <a:gsLst>
+              <a:gs pos="8000">
+                <a:srgbClr val="000000">
+                  <a:alpha val="52000"/>
+                </a:srgbClr>
+              </a:gs>
+              <a:gs pos="100000">
+                <a:schemeClr val="accent1"/>
+              </a:gs>
+            </a:gsLst>
+            <a:lin ang="4800000" scaled="0"/>
+          </a:gradFill>
+          <a:ln>
+            <a:noFill/>
+          </a:ln>
+        </p:spPr>
+        <p:style>
+          <a:lnRef idx="2">
+            <a:schemeClr val="accent1">
+              <a:shade val="50000"/>
+            </a:schemeClr>
+          </a:lnRef>
+          <a:fillRef idx="1">
+            <a:schemeClr val="accent1"/>
+          </a:fillRef>
+          <a:effectRef idx="0">
+            <a:schemeClr val="accent1"/>
+          </a:effectRef>
+          <a:fontRef idx="minor">
+            <a:schemeClr val="lt1"/>
+          </a:fontRef>
+        </p:style>
+        <p:txBody>
+          <a:bodyPr rtlCol="0" anchor="ctr"/>
+          <a:lstStyle/>
+          <a:p>
+            <a:pPr algn="ctr"/>
+            <a:endParaRPr lang="en-US"/>
+          </a:p>
+        </p:txBody>
+      </p:sp>
+      <p:sp>
+        <p:nvSpPr>
+          <p:cNvPr id="1037" name="Rectangle 1036">
+            <a:extLst>
+              <a:ext uri="{FF2B5EF4-FFF2-40B4-BE49-F238E27FC236}">
+                <a16:creationId xmlns:a16="http://schemas.microsoft.com/office/drawing/2014/main" id="{A8D57A06-A426-446D-B02C-A2DC6B62E45E}"/>
+              </a:ext>
+              <a:ext uri="{C183D7F6-B498-43B3-948B-1728B52AA6E4}">
+                <adec:decorative xmlns:adec="http://schemas.microsoft.com/office/drawing/2017/decorative" val="1"/>
+              </a:ext>
+            </a:extLst>
+          </p:cNvPr>
+          <p:cNvSpPr>
+            <a:spLocks noGrp="1" noRot="1" noChangeAspect="1" noMove="1" noResize="1" noEditPoints="1" noAdjustHandles="1" noChangeArrowheads="1" noChangeShapeType="1" noTextEdit="1"/>
+          </p:cNvSpPr>
+          <p:nvPr>
+            <p:extLst>
+              <p:ext uri="{386F3935-93C4-4BCD-93E2-E3B085C9AB24}">
+                <p16:designElem xmlns:p16="http://schemas.microsoft.com/office/powerpoint/2015/main" val="1"/>
+              </p:ext>
+            </p:extLst>
+          </p:nvPr>
+        </p:nvSpPr>
+        <p:spPr>
+          <a:xfrm rot="16200000" flipH="1">
+            <a:off x="3649491" y="-1685840"/>
+            <a:ext cx="4894564" cy="12193546"/>
+          </a:xfrm>
+          <a:prstGeom prst="rect">
+            <a:avLst/>
+          </a:prstGeom>
+          <a:gradFill>
+            <a:gsLst>
+              <a:gs pos="0">
+                <a:schemeClr val="accent5">
+                  <a:lumMod val="60000"/>
+                  <a:lumOff val="40000"/>
+                  <a:alpha val="0"/>
+                </a:schemeClr>
+              </a:gs>
+              <a:gs pos="100000">
+                <a:srgbClr val="000000">
+                  <a:alpha val="46000"/>
+                </a:srgbClr>
+              </a:gs>
+            </a:gsLst>
+            <a:lin ang="1200000" scaled="0"/>
+          </a:gradFill>
+          <a:ln>
+            <a:noFill/>
+          </a:ln>
+        </p:spPr>
+        <p:style>
+          <a:lnRef idx="2">
+            <a:schemeClr val="accent1">
+              <a:shade val="50000"/>
+            </a:schemeClr>
+          </a:lnRef>
+          <a:fillRef idx="1">
+            <a:schemeClr val="accent1"/>
+          </a:fillRef>
+          <a:effectRef idx="0">
+            <a:schemeClr val="accent1"/>
+          </a:effectRef>
+          <a:fontRef idx="minor">
+            <a:schemeClr val="lt1"/>
+          </a:fontRef>
+        </p:style>
+        <p:txBody>
+          <a:bodyPr rtlCol="0" anchor="ctr"/>
+          <a:lstStyle/>
+          <a:p>
+            <a:pPr algn="ctr"/>
+            <a:endParaRPr lang="en-US"/>
+          </a:p>
+        </p:txBody>
+      </p:sp>
+      <p:pic>
+        <p:nvPicPr>
+          <p:cNvPr id="1026" name="Picture 2" descr="Deployment of Products API |150x150">
+            <a:extLst>
+              <a:ext uri="{FF2B5EF4-FFF2-40B4-BE49-F238E27FC236}">
+                <a16:creationId xmlns:a16="http://schemas.microsoft.com/office/drawing/2014/main" id="{C3FE78D8-EC31-9F43-65FC-991C55AF8A11}"/>
+              </a:ext>
+            </a:extLst>
+          </p:cNvPr>
+          <p:cNvPicPr>
+            <a:picLocks noChangeAspect="1" noChangeArrowheads="1"/>
+          </p:cNvPicPr>
+          <p:nvPr/>
+        </p:nvPicPr>
+        <p:blipFill>
+          <a:blip r:embed="rId2">
+            <a:extLst>
+              <a:ext uri="{28A0092B-C50C-407E-A947-70E740481C1C}">
+                <a14:useLocalDpi xmlns:a14="http://schemas.microsoft.com/office/drawing/2010/main" val="0"/>
+              </a:ext>
+            </a:extLst>
+          </a:blip>
+          <a:stretch>
+            <a:fillRect/>
+          </a:stretch>
+        </p:blipFill>
+        <p:spPr bwMode="auto">
+          <a:xfrm>
+            <a:off x="122548" y="113121"/>
+            <a:ext cx="11934334" cy="6579909"/>
+          </a:xfrm>
+          <a:prstGeom prst="rect">
+            <a:avLst/>
+          </a:prstGeom>
+          <a:noFill/>
+          <a:extLst>
+            <a:ext uri="{909E8E84-426E-40DD-AFC4-6F175D3DCCD1}">
+              <a14:hiddenFill xmlns:a14="http://schemas.microsoft.com/office/drawing/2010/main">
+                <a:solidFill>
+                  <a:srgbClr val="FFFFFF"/>
+                </a:solidFill>
+              </a14:hiddenFill>
+            </a:ext>
+          </a:extLst>
+        </p:spPr>
+      </p:pic>
+    </p:spTree>
+    <p:extLst>
+      <p:ext uri="{BB962C8B-B14F-4D97-AF65-F5344CB8AC3E}">
+        <p14:creationId xmlns:p14="http://schemas.microsoft.com/office/powerpoint/2010/main" val="1344205117"/>
       </p:ext>
     </p:extLst>
   </p:cSld>

--- a/Documentation/Architecture.pptx
+++ b/Documentation/Architecture.pptx
@@ -6,18 +6,20 @@
   </p:sldMasterIdLst>
   <p:sldIdLst>
     <p:sldId id="333" r:id="rId2"/>
-    <p:sldId id="334" r:id="rId3"/>
-    <p:sldId id="340" r:id="rId4"/>
+    <p:sldId id="340" r:id="rId3"/>
+    <p:sldId id="344" r:id="rId4"/>
     <p:sldId id="256" r:id="rId5"/>
     <p:sldId id="343" r:id="rId6"/>
-    <p:sldId id="282" r:id="rId7"/>
-    <p:sldId id="342" r:id="rId8"/>
-    <p:sldId id="341" r:id="rId9"/>
-    <p:sldId id="335" r:id="rId10"/>
-    <p:sldId id="336" r:id="rId11"/>
-    <p:sldId id="338" r:id="rId12"/>
-    <p:sldId id="337" r:id="rId13"/>
-    <p:sldId id="339" r:id="rId14"/>
+    <p:sldId id="345" r:id="rId7"/>
+    <p:sldId id="282" r:id="rId8"/>
+    <p:sldId id="342" r:id="rId9"/>
+    <p:sldId id="341" r:id="rId10"/>
+    <p:sldId id="335" r:id="rId11"/>
+    <p:sldId id="336" r:id="rId12"/>
+    <p:sldId id="338" r:id="rId13"/>
+    <p:sldId id="337" r:id="rId14"/>
+    <p:sldId id="339" r:id="rId15"/>
+    <p:sldId id="334" r:id="rId16"/>
   </p:sldIdLst>
   <p:sldSz cx="12192000" cy="6858000"/>
   <p:notesSz cx="6858000" cy="9144000"/>
@@ -279,7 +281,7 @@
           <a:p>
             <a:fld id="{DC2BF6E6-F863-479F-A057-0F7FF047E296}" type="datetimeFigureOut">
               <a:rPr lang="en-IN" smtClean="0"/>
-              <a:t>13-08-2022</a:t>
+              <a:t>14-08-2022</a:t>
             </a:fld>
             <a:endParaRPr lang="en-IN"/>
           </a:p>
@@ -479,7 +481,7 @@
           <a:p>
             <a:fld id="{DC2BF6E6-F863-479F-A057-0F7FF047E296}" type="datetimeFigureOut">
               <a:rPr lang="en-IN" smtClean="0"/>
-              <a:t>13-08-2022</a:t>
+              <a:t>14-08-2022</a:t>
             </a:fld>
             <a:endParaRPr lang="en-IN"/>
           </a:p>
@@ -689,7 +691,7 @@
           <a:p>
             <a:fld id="{DC2BF6E6-F863-479F-A057-0F7FF047E296}" type="datetimeFigureOut">
               <a:rPr lang="en-IN" smtClean="0"/>
-              <a:t>13-08-2022</a:t>
+              <a:t>14-08-2022</a:t>
             </a:fld>
             <a:endParaRPr lang="en-IN"/>
           </a:p>
@@ -889,7 +891,7 @@
           <a:p>
             <a:fld id="{DC2BF6E6-F863-479F-A057-0F7FF047E296}" type="datetimeFigureOut">
               <a:rPr lang="en-IN" smtClean="0"/>
-              <a:t>13-08-2022</a:t>
+              <a:t>14-08-2022</a:t>
             </a:fld>
             <a:endParaRPr lang="en-IN"/>
           </a:p>
@@ -1165,7 +1167,7 @@
           <a:p>
             <a:fld id="{DC2BF6E6-F863-479F-A057-0F7FF047E296}" type="datetimeFigureOut">
               <a:rPr lang="en-IN" smtClean="0"/>
-              <a:t>13-08-2022</a:t>
+              <a:t>14-08-2022</a:t>
             </a:fld>
             <a:endParaRPr lang="en-IN"/>
           </a:p>
@@ -1433,7 +1435,7 @@
           <a:p>
             <a:fld id="{DC2BF6E6-F863-479F-A057-0F7FF047E296}" type="datetimeFigureOut">
               <a:rPr lang="en-IN" smtClean="0"/>
-              <a:t>13-08-2022</a:t>
+              <a:t>14-08-2022</a:t>
             </a:fld>
             <a:endParaRPr lang="en-IN"/>
           </a:p>
@@ -1848,7 +1850,7 @@
           <a:p>
             <a:fld id="{DC2BF6E6-F863-479F-A057-0F7FF047E296}" type="datetimeFigureOut">
               <a:rPr lang="en-IN" smtClean="0"/>
-              <a:t>13-08-2022</a:t>
+              <a:t>14-08-2022</a:t>
             </a:fld>
             <a:endParaRPr lang="en-IN"/>
           </a:p>
@@ -1990,7 +1992,7 @@
           <a:p>
             <a:fld id="{DC2BF6E6-F863-479F-A057-0F7FF047E296}" type="datetimeFigureOut">
               <a:rPr lang="en-IN" smtClean="0"/>
-              <a:t>13-08-2022</a:t>
+              <a:t>14-08-2022</a:t>
             </a:fld>
             <a:endParaRPr lang="en-IN"/>
           </a:p>
@@ -2103,7 +2105,7 @@
           <a:p>
             <a:fld id="{DC2BF6E6-F863-479F-A057-0F7FF047E296}" type="datetimeFigureOut">
               <a:rPr lang="en-IN" smtClean="0"/>
-              <a:t>13-08-2022</a:t>
+              <a:t>14-08-2022</a:t>
             </a:fld>
             <a:endParaRPr lang="en-IN"/>
           </a:p>
@@ -2416,7 +2418,7 @@
           <a:p>
             <a:fld id="{DC2BF6E6-F863-479F-A057-0F7FF047E296}" type="datetimeFigureOut">
               <a:rPr lang="en-IN" smtClean="0"/>
-              <a:t>13-08-2022</a:t>
+              <a:t>14-08-2022</a:t>
             </a:fld>
             <a:endParaRPr lang="en-IN"/>
           </a:p>
@@ -2705,7 +2707,7 @@
           <a:p>
             <a:fld id="{DC2BF6E6-F863-479F-A057-0F7FF047E296}" type="datetimeFigureOut">
               <a:rPr lang="en-IN" smtClean="0"/>
-              <a:t>13-08-2022</a:t>
+              <a:t>14-08-2022</a:t>
             </a:fld>
             <a:endParaRPr lang="en-IN"/>
           </a:p>
@@ -2948,7 +2950,7 @@
           <a:p>
             <a:fld id="{DC2BF6E6-F863-479F-A057-0F7FF047E296}" type="datetimeFigureOut">
               <a:rPr lang="en-IN" smtClean="0"/>
-              <a:t>13-08-2022</a:t>
+              <a:t>14-08-2022</a:t>
             </a:fld>
             <a:endParaRPr lang="en-IN"/>
           </a:p>
@@ -6102,6 +6104,389 @@
 </file>
 
 <file path=ppt/slides/slide10.xml><?xml version="1.0" encoding="utf-8"?>
+<p:sld xmlns:a="http://schemas.openxmlformats.org/drawingml/2006/main" xmlns:r="http://schemas.openxmlformats.org/officeDocument/2006/relationships" xmlns:p="http://schemas.openxmlformats.org/presentationml/2006/main">
+  <p:cSld>
+    <p:bg>
+      <p:bgPr>
+        <a:solidFill>
+          <a:schemeClr val="bg1"/>
+        </a:solidFill>
+        <a:effectLst/>
+      </p:bgPr>
+    </p:bg>
+    <p:spTree>
+      <p:nvGrpSpPr>
+        <p:cNvPr id="1" name=""/>
+        <p:cNvGrpSpPr/>
+        <p:nvPr/>
+      </p:nvGrpSpPr>
+      <p:grpSpPr>
+        <a:xfrm>
+          <a:off x="0" y="0"/>
+          <a:ext cx="0" cy="0"/>
+          <a:chOff x="0" y="0"/>
+          <a:chExt cx="0" cy="0"/>
+        </a:xfrm>
+      </p:grpSpPr>
+      <p:sp useBgFill="1">
+        <p:nvSpPr>
+          <p:cNvPr id="1031" name="Rectangle 1030">
+            <a:extLst>
+              <a:ext uri="{FF2B5EF4-FFF2-40B4-BE49-F238E27FC236}">
+                <a16:creationId xmlns:a16="http://schemas.microsoft.com/office/drawing/2014/main" id="{AB8C311F-7253-4AED-9701-7FC0708C41C7}"/>
+              </a:ext>
+              <a:ext uri="{C183D7F6-B498-43B3-948B-1728B52AA6E4}">
+                <adec:decorative xmlns:adec="http://schemas.microsoft.com/office/drawing/2017/decorative" val="1"/>
+              </a:ext>
+            </a:extLst>
+          </p:cNvPr>
+          <p:cNvSpPr>
+            <a:spLocks noGrp="1" noRot="1" noChangeAspect="1" noMove="1" noResize="1" noEditPoints="1" noAdjustHandles="1" noChangeArrowheads="1" noChangeShapeType="1" noTextEdit="1"/>
+          </p:cNvSpPr>
+          <p:nvPr>
+            <p:extLst>
+              <p:ext uri="{386F3935-93C4-4BCD-93E2-E3B085C9AB24}">
+                <p16:designElem xmlns:p16="http://schemas.microsoft.com/office/powerpoint/2015/main" val="1"/>
+              </p:ext>
+            </p:extLst>
+          </p:nvPr>
+        </p:nvSpPr>
+        <p:spPr>
+          <a:xfrm>
+            <a:off x="0" y="0"/>
+            <a:ext cx="12192000" cy="6858000"/>
+          </a:xfrm>
+          <a:prstGeom prst="rect">
+            <a:avLst/>
+          </a:prstGeom>
+          <a:ln w="12700" cap="flat" cmpd="sng" algn="ctr">
+            <a:noFill/>
+            <a:prstDash val="solid"/>
+            <a:miter lim="800000"/>
+          </a:ln>
+          <a:effectLst/>
+          <a:extLst>
+            <a:ext uri="{91240B29-F687-4F45-9708-019B960494DF}">
+              <a14:hiddenLine xmlns:a14="http://schemas.microsoft.com/office/drawing/2010/main" w="12700" cap="flat" cmpd="sng" algn="ctr">
+                <a:solidFill>
+                  <a:schemeClr val="accent1">
+                    <a:shade val="50000"/>
+                  </a:schemeClr>
+                </a:solidFill>
+                <a:prstDash val="solid"/>
+                <a:miter lim="800000"/>
+              </a14:hiddenLine>
+            </a:ext>
+          </a:extLst>
+        </p:spPr>
+        <p:style>
+          <a:lnRef idx="2">
+            <a:schemeClr val="accent1">
+              <a:shade val="50000"/>
+            </a:schemeClr>
+          </a:lnRef>
+          <a:fillRef idx="1">
+            <a:schemeClr val="accent1"/>
+          </a:fillRef>
+          <a:effectRef idx="0">
+            <a:schemeClr val="accent1"/>
+          </a:effectRef>
+          <a:fontRef idx="minor">
+            <a:schemeClr val="lt1"/>
+          </a:fontRef>
+        </p:style>
+        <p:txBody>
+          <a:bodyPr rtlCol="0" anchor="ctr"/>
+          <a:lstStyle/>
+          <a:p>
+            <a:pPr algn="ctr"/>
+            <a:endParaRPr lang="en-US"/>
+          </a:p>
+        </p:txBody>
+      </p:sp>
+      <p:sp>
+        <p:nvSpPr>
+          <p:cNvPr id="1033" name="Rectangle 1032">
+            <a:extLst>
+              <a:ext uri="{FF2B5EF4-FFF2-40B4-BE49-F238E27FC236}">
+                <a16:creationId xmlns:a16="http://schemas.microsoft.com/office/drawing/2014/main" id="{E2384209-CB15-4CDF-9D31-C44FD9A3F20D}"/>
+              </a:ext>
+              <a:ext uri="{C183D7F6-B498-43B3-948B-1728B52AA6E4}">
+                <adec:decorative xmlns:adec="http://schemas.microsoft.com/office/drawing/2017/decorative" val="1"/>
+              </a:ext>
+            </a:extLst>
+          </p:cNvPr>
+          <p:cNvSpPr>
+            <a:spLocks noGrp="1" noRot="1" noChangeAspect="1" noMove="1" noResize="1" noEditPoints="1" noAdjustHandles="1" noChangeArrowheads="1" noChangeShapeType="1" noTextEdit="1"/>
+          </p:cNvSpPr>
+          <p:nvPr>
+            <p:extLst>
+              <p:ext uri="{386F3935-93C4-4BCD-93E2-E3B085C9AB24}">
+                <p16:designElem xmlns:p16="http://schemas.microsoft.com/office/powerpoint/2015/main" val="1"/>
+              </p:ext>
+            </p:extLst>
+          </p:nvPr>
+        </p:nvSpPr>
+        <p:spPr>
+          <a:xfrm rot="16200000" flipH="1">
+            <a:off x="2666617" y="-2666188"/>
+            <a:ext cx="6858000" cy="12191233"/>
+          </a:xfrm>
+          <a:prstGeom prst="rect">
+            <a:avLst/>
+          </a:prstGeom>
+          <a:gradFill>
+            <a:gsLst>
+              <a:gs pos="8000">
+                <a:schemeClr val="accent1"/>
+              </a:gs>
+              <a:gs pos="100000">
+                <a:schemeClr val="accent1">
+                  <a:lumMod val="50000"/>
+                </a:schemeClr>
+              </a:gs>
+            </a:gsLst>
+            <a:lin ang="12000000" scaled="0"/>
+          </a:gradFill>
+          <a:ln>
+            <a:noFill/>
+          </a:ln>
+        </p:spPr>
+        <p:style>
+          <a:lnRef idx="2">
+            <a:schemeClr val="accent1">
+              <a:shade val="50000"/>
+            </a:schemeClr>
+          </a:lnRef>
+          <a:fillRef idx="1">
+            <a:schemeClr val="accent1"/>
+          </a:fillRef>
+          <a:effectRef idx="0">
+            <a:schemeClr val="accent1"/>
+          </a:effectRef>
+          <a:fontRef idx="minor">
+            <a:schemeClr val="lt1"/>
+          </a:fontRef>
+        </p:style>
+        <p:txBody>
+          <a:bodyPr rtlCol="0" anchor="ctr"/>
+          <a:lstStyle/>
+          <a:p>
+            <a:pPr algn="ctr"/>
+            <a:endParaRPr lang="en-US"/>
+          </a:p>
+        </p:txBody>
+      </p:sp>
+      <p:sp>
+        <p:nvSpPr>
+          <p:cNvPr id="1035" name="Rectangle 1034">
+            <a:extLst>
+              <a:ext uri="{FF2B5EF4-FFF2-40B4-BE49-F238E27FC236}">
+                <a16:creationId xmlns:a16="http://schemas.microsoft.com/office/drawing/2014/main" id="{2633B3B5-CC90-43F0-8714-D31D1F3F0209}"/>
+              </a:ext>
+              <a:ext uri="{C183D7F6-B498-43B3-948B-1728B52AA6E4}">
+                <adec:decorative xmlns:adec="http://schemas.microsoft.com/office/drawing/2017/decorative" val="1"/>
+              </a:ext>
+            </a:extLst>
+          </p:cNvPr>
+          <p:cNvSpPr>
+            <a:spLocks noGrp="1" noRot="1" noChangeAspect="1" noMove="1" noResize="1" noEditPoints="1" noAdjustHandles="1" noChangeArrowheads="1" noChangeShapeType="1" noTextEdit="1"/>
+          </p:cNvSpPr>
+          <p:nvPr>
+            <p:extLst>
+              <p:ext uri="{386F3935-93C4-4BCD-93E2-E3B085C9AB24}">
+                <p16:designElem xmlns:p16="http://schemas.microsoft.com/office/powerpoint/2015/main" val="1"/>
+              </p:ext>
+            </p:extLst>
+          </p:nvPr>
+        </p:nvSpPr>
+        <p:spPr>
+          <a:xfrm rot="10800000" flipH="1">
+            <a:off x="-2311" y="0"/>
+            <a:ext cx="9070846" cy="6857572"/>
+          </a:xfrm>
+          <a:prstGeom prst="rect">
+            <a:avLst/>
+          </a:prstGeom>
+          <a:gradFill>
+            <a:gsLst>
+              <a:gs pos="8000">
+                <a:srgbClr val="000000">
+                  <a:alpha val="52000"/>
+                </a:srgbClr>
+              </a:gs>
+              <a:gs pos="100000">
+                <a:schemeClr val="accent1"/>
+              </a:gs>
+            </a:gsLst>
+            <a:lin ang="4800000" scaled="0"/>
+          </a:gradFill>
+          <a:ln>
+            <a:noFill/>
+          </a:ln>
+        </p:spPr>
+        <p:style>
+          <a:lnRef idx="2">
+            <a:schemeClr val="accent1">
+              <a:shade val="50000"/>
+            </a:schemeClr>
+          </a:lnRef>
+          <a:fillRef idx="1">
+            <a:schemeClr val="accent1"/>
+          </a:fillRef>
+          <a:effectRef idx="0">
+            <a:schemeClr val="accent1"/>
+          </a:effectRef>
+          <a:fontRef idx="minor">
+            <a:schemeClr val="lt1"/>
+          </a:fontRef>
+        </p:style>
+        <p:txBody>
+          <a:bodyPr rtlCol="0" anchor="ctr"/>
+          <a:lstStyle/>
+          <a:p>
+            <a:pPr algn="ctr"/>
+            <a:endParaRPr lang="en-US"/>
+          </a:p>
+        </p:txBody>
+      </p:sp>
+      <p:sp>
+        <p:nvSpPr>
+          <p:cNvPr id="1037" name="Rectangle 1036">
+            <a:extLst>
+              <a:ext uri="{FF2B5EF4-FFF2-40B4-BE49-F238E27FC236}">
+                <a16:creationId xmlns:a16="http://schemas.microsoft.com/office/drawing/2014/main" id="{A8D57A06-A426-446D-B02C-A2DC6B62E45E}"/>
+              </a:ext>
+              <a:ext uri="{C183D7F6-B498-43B3-948B-1728B52AA6E4}">
+                <adec:decorative xmlns:adec="http://schemas.microsoft.com/office/drawing/2017/decorative" val="1"/>
+              </a:ext>
+            </a:extLst>
+          </p:cNvPr>
+          <p:cNvSpPr>
+            <a:spLocks noGrp="1" noRot="1" noChangeAspect="1" noMove="1" noResize="1" noEditPoints="1" noAdjustHandles="1" noChangeArrowheads="1" noChangeShapeType="1" noTextEdit="1"/>
+          </p:cNvSpPr>
+          <p:nvPr>
+            <p:extLst>
+              <p:ext uri="{386F3935-93C4-4BCD-93E2-E3B085C9AB24}">
+                <p16:designElem xmlns:p16="http://schemas.microsoft.com/office/powerpoint/2015/main" val="1"/>
+              </p:ext>
+            </p:extLst>
+          </p:nvPr>
+        </p:nvSpPr>
+        <p:spPr>
+          <a:xfrm rot="16200000" flipH="1">
+            <a:off x="3649491" y="-1685840"/>
+            <a:ext cx="4894564" cy="12193546"/>
+          </a:xfrm>
+          <a:prstGeom prst="rect">
+            <a:avLst/>
+          </a:prstGeom>
+          <a:gradFill>
+            <a:gsLst>
+              <a:gs pos="0">
+                <a:schemeClr val="accent5">
+                  <a:lumMod val="60000"/>
+                  <a:lumOff val="40000"/>
+                  <a:alpha val="0"/>
+                </a:schemeClr>
+              </a:gs>
+              <a:gs pos="100000">
+                <a:srgbClr val="000000">
+                  <a:alpha val="46000"/>
+                </a:srgbClr>
+              </a:gs>
+            </a:gsLst>
+            <a:lin ang="1200000" scaled="0"/>
+          </a:gradFill>
+          <a:ln>
+            <a:noFill/>
+          </a:ln>
+        </p:spPr>
+        <p:style>
+          <a:lnRef idx="2">
+            <a:schemeClr val="accent1">
+              <a:shade val="50000"/>
+            </a:schemeClr>
+          </a:lnRef>
+          <a:fillRef idx="1">
+            <a:schemeClr val="accent1"/>
+          </a:fillRef>
+          <a:effectRef idx="0">
+            <a:schemeClr val="accent1"/>
+          </a:effectRef>
+          <a:fontRef idx="minor">
+            <a:schemeClr val="lt1"/>
+          </a:fontRef>
+        </p:style>
+        <p:txBody>
+          <a:bodyPr rtlCol="0" anchor="ctr"/>
+          <a:lstStyle/>
+          <a:p>
+            <a:pPr algn="ctr"/>
+            <a:endParaRPr lang="en-US"/>
+          </a:p>
+        </p:txBody>
+      </p:sp>
+      <p:pic>
+        <p:nvPicPr>
+          <p:cNvPr id="1026" name="Picture 2" descr="Deployment of Products API |150x150">
+            <a:extLst>
+              <a:ext uri="{FF2B5EF4-FFF2-40B4-BE49-F238E27FC236}">
+                <a16:creationId xmlns:a16="http://schemas.microsoft.com/office/drawing/2014/main" id="{C3FE78D8-EC31-9F43-65FC-991C55AF8A11}"/>
+              </a:ext>
+            </a:extLst>
+          </p:cNvPr>
+          <p:cNvPicPr>
+            <a:picLocks noChangeAspect="1" noChangeArrowheads="1"/>
+          </p:cNvPicPr>
+          <p:nvPr/>
+        </p:nvPicPr>
+        <p:blipFill>
+          <a:blip r:embed="rId2">
+            <a:extLst>
+              <a:ext uri="{28A0092B-C50C-407E-A947-70E740481C1C}">
+                <a14:useLocalDpi xmlns:a14="http://schemas.microsoft.com/office/drawing/2010/main" val="0"/>
+              </a:ext>
+            </a:extLst>
+          </a:blip>
+          <a:stretch>
+            <a:fillRect/>
+          </a:stretch>
+        </p:blipFill>
+        <p:spPr bwMode="auto">
+          <a:xfrm>
+            <a:off x="122548" y="113121"/>
+            <a:ext cx="11934334" cy="6579909"/>
+          </a:xfrm>
+          <a:prstGeom prst="rect">
+            <a:avLst/>
+          </a:prstGeom>
+          <a:noFill/>
+          <a:extLst>
+            <a:ext uri="{909E8E84-426E-40DD-AFC4-6F175D3DCCD1}">
+              <a14:hiddenFill xmlns:a14="http://schemas.microsoft.com/office/drawing/2010/main">
+                <a:solidFill>
+                  <a:srgbClr val="FFFFFF"/>
+                </a:solidFill>
+              </a14:hiddenFill>
+            </a:ext>
+          </a:extLst>
+        </p:spPr>
+      </p:pic>
+    </p:spTree>
+    <p:extLst>
+      <p:ext uri="{BB962C8B-B14F-4D97-AF65-F5344CB8AC3E}">
+        <p14:creationId xmlns:p14="http://schemas.microsoft.com/office/powerpoint/2010/main" val="1344205117"/>
+      </p:ext>
+    </p:extLst>
+  </p:cSld>
+  <p:clrMapOvr>
+    <a:masterClrMapping/>
+  </p:clrMapOvr>
+</p:sld>
+</file>
+
+<file path=ppt/slides/slide11.xml><?xml version="1.0" encoding="utf-8"?>
 <p:sld xmlns:a="http://schemas.openxmlformats.org/drawingml/2006/main" xmlns:r="http://schemas.openxmlformats.org/officeDocument/2006/relationships" xmlns:p="http://schemas.openxmlformats.org/presentationml/2006/main">
   <p:cSld>
     <p:spTree>
@@ -10975,7 +11360,7 @@
 </p:sld>
 </file>
 
-<file path=ppt/slides/slide11.xml><?xml version="1.0" encoding="utf-8"?>
+<file path=ppt/slides/slide12.xml><?xml version="1.0" encoding="utf-8"?>
 <p:sld xmlns:a="http://schemas.openxmlformats.org/drawingml/2006/main" xmlns:r="http://schemas.openxmlformats.org/officeDocument/2006/relationships" xmlns:p="http://schemas.openxmlformats.org/presentationml/2006/main">
   <p:cSld>
     <p:spTree>
@@ -17342,7 +17727,7 @@
 </p:sld>
 </file>
 
-<file path=ppt/slides/slide12.xml><?xml version="1.0" encoding="utf-8"?>
+<file path=ppt/slides/slide13.xml><?xml version="1.0" encoding="utf-8"?>
 <p:sld xmlns:a="http://schemas.openxmlformats.org/drawingml/2006/main" xmlns:r="http://schemas.openxmlformats.org/officeDocument/2006/relationships" xmlns:p="http://schemas.openxmlformats.org/presentationml/2006/main">
   <p:cSld>
     <p:spTree>
@@ -23095,7 +23480,7 @@
 </p:sld>
 </file>
 
-<file path=ppt/slides/slide13.xml><?xml version="1.0" encoding="utf-8"?>
+<file path=ppt/slides/slide14.xml><?xml version="1.0" encoding="utf-8"?>
 <p:sld xmlns:a="http://schemas.openxmlformats.org/drawingml/2006/main" xmlns:r="http://schemas.openxmlformats.org/officeDocument/2006/relationships" xmlns:p="http://schemas.openxmlformats.org/presentationml/2006/main">
   <p:cSld>
     <p:spTree>
@@ -23514,7 +23899,7 @@
 </p:sld>
 </file>
 
-<file path=ppt/slides/slide2.xml><?xml version="1.0" encoding="utf-8"?>
+<file path=ppt/slides/slide15.xml><?xml version="1.0" encoding="utf-8"?>
 <p:sld xmlns:a="http://schemas.openxmlformats.org/drawingml/2006/main" xmlns:r="http://schemas.openxmlformats.org/officeDocument/2006/relationships" xmlns:p="http://schemas.openxmlformats.org/presentationml/2006/main">
   <p:cSld>
     <p:spTree>
@@ -26271,7 +26656,7 @@
 </p:sld>
 </file>
 
-<file path=ppt/slides/slide3.xml><?xml version="1.0" encoding="utf-8"?>
+<file path=ppt/slides/slide2.xml><?xml version="1.0" encoding="utf-8"?>
 <p:sld xmlns:a="http://schemas.openxmlformats.org/drawingml/2006/main" xmlns:r="http://schemas.openxmlformats.org/officeDocument/2006/relationships" xmlns:p="http://schemas.openxmlformats.org/presentationml/2006/main">
   <p:cSld>
     <p:spTree>
@@ -26519,7 +26904,7 @@
                 <a:ea typeface="Verdana" panose="020B0604030504040204" pitchFamily="34" charset="0"/>
                 <a:cs typeface="+mn-cs"/>
               </a:rPr>
-              <a:t>15-Jul-2022</a:t>
+              <a:t>2022</a:t>
             </a:r>
           </a:p>
         </p:txBody>
@@ -27013,6 +27398,6373 @@
     <p:extLst>
       <p:ext uri="{BB962C8B-B14F-4D97-AF65-F5344CB8AC3E}">
         <p14:creationId xmlns:p14="http://schemas.microsoft.com/office/powerpoint/2010/main" val="933004240"/>
+      </p:ext>
+    </p:extLst>
+  </p:cSld>
+  <p:clrMapOvr>
+    <a:masterClrMapping/>
+  </p:clrMapOvr>
+</p:sld>
+</file>
+
+<file path=ppt/slides/slide3.xml><?xml version="1.0" encoding="utf-8"?>
+<p:sld xmlns:a="http://schemas.openxmlformats.org/drawingml/2006/main" xmlns:r="http://schemas.openxmlformats.org/officeDocument/2006/relationships" xmlns:p="http://schemas.openxmlformats.org/presentationml/2006/main">
+  <p:cSld>
+    <p:spTree>
+      <p:nvGrpSpPr>
+        <p:cNvPr id="1" name=""/>
+        <p:cNvGrpSpPr/>
+        <p:nvPr/>
+      </p:nvGrpSpPr>
+      <p:grpSpPr>
+        <a:xfrm>
+          <a:off x="0" y="0"/>
+          <a:ext cx="0" cy="0"/>
+          <a:chOff x="0" y="0"/>
+          <a:chExt cx="0" cy="0"/>
+        </a:xfrm>
+      </p:grpSpPr>
+      <p:sp>
+        <p:nvSpPr>
+          <p:cNvPr id="13" name="Rectangle: Rounded Corners 12">
+            <a:extLst>
+              <a:ext uri="{FF2B5EF4-FFF2-40B4-BE49-F238E27FC236}">
+                <a16:creationId xmlns:a16="http://schemas.microsoft.com/office/drawing/2014/main" id="{264E8DFB-CFB1-BFC2-E259-39888E5B8771}"/>
+              </a:ext>
+            </a:extLst>
+          </p:cNvPr>
+          <p:cNvSpPr/>
+          <p:nvPr/>
+        </p:nvSpPr>
+        <p:spPr>
+          <a:xfrm>
+            <a:off x="2591893" y="1803050"/>
+            <a:ext cx="3528971" cy="3734413"/>
+          </a:xfrm>
+          <a:prstGeom prst="roundRect">
+            <a:avLst/>
+          </a:prstGeom>
+          <a:noFill/>
+          <a:ln w="19050">
+            <a:solidFill>
+              <a:schemeClr val="accent4">
+                <a:lumMod val="75000"/>
+              </a:schemeClr>
+            </a:solidFill>
+          </a:ln>
+        </p:spPr>
+        <p:style>
+          <a:lnRef idx="2">
+            <a:schemeClr val="accent4">
+              <a:shade val="50000"/>
+            </a:schemeClr>
+          </a:lnRef>
+          <a:fillRef idx="1">
+            <a:schemeClr val="accent4"/>
+          </a:fillRef>
+          <a:effectRef idx="0">
+            <a:schemeClr val="accent4"/>
+          </a:effectRef>
+          <a:fontRef idx="minor">
+            <a:schemeClr val="lt1"/>
+          </a:fontRef>
+        </p:style>
+        <p:txBody>
+          <a:bodyPr rtlCol="0" anchor="ctr"/>
+          <a:lstStyle/>
+          <a:p>
+            <a:pPr algn="ctr"/>
+            <a:endParaRPr lang="en-IN"/>
+          </a:p>
+        </p:txBody>
+      </p:sp>
+      <p:sp>
+        <p:nvSpPr>
+          <p:cNvPr id="75" name="TextBox 74">
+            <a:extLst>
+              <a:ext uri="{FF2B5EF4-FFF2-40B4-BE49-F238E27FC236}">
+                <a16:creationId xmlns:a16="http://schemas.microsoft.com/office/drawing/2014/main" id="{63F10722-5FF8-8FF8-97A5-4F45BAE2FCA6}"/>
+              </a:ext>
+            </a:extLst>
+          </p:cNvPr>
+          <p:cNvSpPr txBox="1"/>
+          <p:nvPr/>
+        </p:nvSpPr>
+        <p:spPr>
+          <a:xfrm>
+            <a:off x="2422980" y="772847"/>
+            <a:ext cx="5609332" cy="1015663"/>
+          </a:xfrm>
+          <a:prstGeom prst="rect">
+            <a:avLst/>
+          </a:prstGeom>
+          <a:noFill/>
+        </p:spPr>
+        <p:txBody>
+          <a:bodyPr wrap="square" rtlCol="0">
+            <a:spAutoFit/>
+          </a:bodyPr>
+          <a:lstStyle/>
+          <a:p>
+            <a:r>
+              <a:rPr lang="en-US" sz="1000" b="1" dirty="0">
+                <a:solidFill>
+                  <a:srgbClr val="002060"/>
+                </a:solidFill>
+                <a:latin typeface="Verdana" panose="020B0604030504040204" pitchFamily="34" charset="0"/>
+                <a:ea typeface="Verdana" panose="020B0604030504040204" pitchFamily="34" charset="0"/>
+              </a:rPr>
+              <a:t>3.</a:t>
+            </a:r>
+            <a:r>
+              <a:rPr lang="en-US" sz="1000" dirty="0">
+                <a:solidFill>
+                  <a:srgbClr val="002060"/>
+                </a:solidFill>
+                <a:latin typeface="Verdana" panose="020B0604030504040204" pitchFamily="34" charset="0"/>
+                <a:ea typeface="Verdana" panose="020B0604030504040204" pitchFamily="34" charset="0"/>
+              </a:rPr>
+              <a:t> </a:t>
+            </a:r>
+            <a:r>
+              <a:rPr lang="en-US" sz="1000" b="1" dirty="0">
+                <a:solidFill>
+                  <a:srgbClr val="002060"/>
+                </a:solidFill>
+                <a:latin typeface="Verdana" panose="020B0604030504040204" pitchFamily="34" charset="0"/>
+                <a:ea typeface="Verdana" panose="020B0604030504040204" pitchFamily="34" charset="0"/>
+              </a:rPr>
+              <a:t>Node</a:t>
+            </a:r>
+            <a:r>
+              <a:rPr lang="en-US" sz="1000" dirty="0">
+                <a:solidFill>
+                  <a:srgbClr val="002060"/>
+                </a:solidFill>
+                <a:latin typeface="Verdana" panose="020B0604030504040204" pitchFamily="34" charset="0"/>
+                <a:ea typeface="Verdana" panose="020B0604030504040204" pitchFamily="34" charset="0"/>
+              </a:rPr>
+              <a:t> (Worker or Master): May be a VM or a physical machine. </a:t>
+            </a:r>
+          </a:p>
+          <a:p>
+            <a:r>
+              <a:rPr lang="en-US" sz="1000" b="1" dirty="0">
+                <a:solidFill>
+                  <a:srgbClr val="002060"/>
+                </a:solidFill>
+                <a:latin typeface="Verdana" panose="020B0604030504040204" pitchFamily="34" charset="0"/>
+                <a:ea typeface="Verdana" panose="020B0604030504040204" pitchFamily="34" charset="0"/>
+              </a:rPr>
+              <a:t>4.</a:t>
+            </a:r>
+            <a:r>
+              <a:rPr lang="en-US" sz="1000" dirty="0">
+                <a:solidFill>
+                  <a:srgbClr val="002060"/>
+                </a:solidFill>
+                <a:latin typeface="Verdana" panose="020B0604030504040204" pitchFamily="34" charset="0"/>
+                <a:ea typeface="Verdana" panose="020B0604030504040204" pitchFamily="34" charset="0"/>
+              </a:rPr>
+              <a:t> </a:t>
+            </a:r>
+            <a:r>
+              <a:rPr lang="en-US" sz="1000" b="1" dirty="0">
+                <a:solidFill>
+                  <a:srgbClr val="002060"/>
+                </a:solidFill>
+                <a:latin typeface="Verdana" panose="020B0604030504040204" pitchFamily="34" charset="0"/>
+                <a:ea typeface="Verdana" panose="020B0604030504040204" pitchFamily="34" charset="0"/>
+              </a:rPr>
+              <a:t>Master</a:t>
+            </a:r>
+            <a:r>
+              <a:rPr lang="en-US" sz="1000" dirty="0">
+                <a:solidFill>
+                  <a:srgbClr val="002060"/>
+                </a:solidFill>
+                <a:latin typeface="Verdana" panose="020B0604030504040204" pitchFamily="34" charset="0"/>
+                <a:ea typeface="Verdana" panose="020B0604030504040204" pitchFamily="34" charset="0"/>
+              </a:rPr>
+              <a:t> Node: runs the System PODs. Also called as Control Plane. </a:t>
+            </a:r>
+            <a:endParaRPr lang="en-US" sz="1000" b="1" dirty="0">
+              <a:solidFill>
+                <a:srgbClr val="002060"/>
+              </a:solidFill>
+              <a:latin typeface="Verdana" panose="020B0604030504040204" pitchFamily="34" charset="0"/>
+              <a:ea typeface="Verdana" panose="020B0604030504040204" pitchFamily="34" charset="0"/>
+            </a:endParaRPr>
+          </a:p>
+          <a:p>
+            <a:r>
+              <a:rPr lang="en-US" sz="1000" b="1" dirty="0">
+                <a:solidFill>
+                  <a:srgbClr val="002060"/>
+                </a:solidFill>
+                <a:latin typeface="Verdana" panose="020B0604030504040204" pitchFamily="34" charset="0"/>
+                <a:ea typeface="Verdana" panose="020B0604030504040204" pitchFamily="34" charset="0"/>
+              </a:rPr>
+              <a:t>5.</a:t>
+            </a:r>
+            <a:r>
+              <a:rPr lang="en-US" sz="1000" dirty="0">
+                <a:solidFill>
+                  <a:srgbClr val="002060"/>
+                </a:solidFill>
+                <a:latin typeface="Verdana" panose="020B0604030504040204" pitchFamily="34" charset="0"/>
+                <a:ea typeface="Verdana" panose="020B0604030504040204" pitchFamily="34" charset="0"/>
+              </a:rPr>
+              <a:t> </a:t>
+            </a:r>
+            <a:r>
+              <a:rPr lang="en-US" sz="1000" b="1" dirty="0">
+                <a:solidFill>
+                  <a:srgbClr val="002060"/>
+                </a:solidFill>
+                <a:latin typeface="Verdana" panose="020B0604030504040204" pitchFamily="34" charset="0"/>
+                <a:ea typeface="Verdana" panose="020B0604030504040204" pitchFamily="34" charset="0"/>
+              </a:rPr>
+              <a:t>Worker</a:t>
+            </a:r>
+            <a:r>
+              <a:rPr lang="en-US" sz="1000" dirty="0">
+                <a:solidFill>
+                  <a:srgbClr val="002060"/>
+                </a:solidFill>
+                <a:latin typeface="Verdana" panose="020B0604030504040204" pitchFamily="34" charset="0"/>
+                <a:ea typeface="Verdana" panose="020B0604030504040204" pitchFamily="34" charset="0"/>
+              </a:rPr>
+              <a:t> Node: includes software to run containers managed by Kubernetes control plane. Our application related PODs.</a:t>
+            </a:r>
+          </a:p>
+          <a:p>
+            <a:r>
+              <a:rPr lang="en-US" sz="1000" b="1" dirty="0">
+                <a:solidFill>
+                  <a:srgbClr val="002060"/>
+                </a:solidFill>
+                <a:latin typeface="Verdana" panose="020B0604030504040204" pitchFamily="34" charset="0"/>
+                <a:ea typeface="Verdana" panose="020B0604030504040204" pitchFamily="34" charset="0"/>
+              </a:rPr>
+              <a:t>6.</a:t>
+            </a:r>
+            <a:r>
+              <a:rPr lang="en-US" sz="1000" dirty="0">
+                <a:solidFill>
+                  <a:srgbClr val="002060"/>
+                </a:solidFill>
+                <a:latin typeface="Verdana" panose="020B0604030504040204" pitchFamily="34" charset="0"/>
+                <a:ea typeface="Verdana" panose="020B0604030504040204" pitchFamily="34" charset="0"/>
+              </a:rPr>
+              <a:t> </a:t>
+            </a:r>
+            <a:r>
+              <a:rPr lang="en-US" sz="1000" b="1" dirty="0">
+                <a:solidFill>
+                  <a:srgbClr val="002060"/>
+                </a:solidFill>
+                <a:latin typeface="Verdana" panose="020B0604030504040204" pitchFamily="34" charset="0"/>
+                <a:ea typeface="Verdana" panose="020B0604030504040204" pitchFamily="34" charset="0"/>
+              </a:rPr>
+              <a:t>Control plane</a:t>
+            </a:r>
+            <a:r>
+              <a:rPr lang="en-US" sz="1000" dirty="0">
+                <a:solidFill>
+                  <a:srgbClr val="002060"/>
+                </a:solidFill>
+                <a:latin typeface="Verdana" panose="020B0604030504040204" pitchFamily="34" charset="0"/>
+                <a:ea typeface="Verdana" panose="020B0604030504040204" pitchFamily="34" charset="0"/>
+              </a:rPr>
+              <a:t>: is a set of APIs and software that Kubernetes users interact with. These APIs and software are collectively referred to as master components.</a:t>
+            </a:r>
+          </a:p>
+        </p:txBody>
+      </p:sp>
+      <p:sp>
+        <p:nvSpPr>
+          <p:cNvPr id="90" name="Rectangle 89">
+            <a:extLst>
+              <a:ext uri="{FF2B5EF4-FFF2-40B4-BE49-F238E27FC236}">
+                <a16:creationId xmlns:a16="http://schemas.microsoft.com/office/drawing/2014/main" id="{4786081A-B2A7-258E-8E72-FDA92E8A5251}"/>
+              </a:ext>
+            </a:extLst>
+          </p:cNvPr>
+          <p:cNvSpPr/>
+          <p:nvPr/>
+        </p:nvSpPr>
+        <p:spPr>
+          <a:xfrm>
+            <a:off x="3780026" y="2640817"/>
+            <a:ext cx="1232853" cy="350889"/>
+          </a:xfrm>
+          <a:prstGeom prst="rect">
+            <a:avLst/>
+          </a:prstGeom>
+          <a:solidFill>
+            <a:schemeClr val="accent1">
+              <a:lumMod val="75000"/>
+            </a:schemeClr>
+          </a:solidFill>
+          <a:ln>
+            <a:solidFill>
+              <a:srgbClr val="00B0F0"/>
+            </a:solidFill>
+          </a:ln>
+        </p:spPr>
+        <p:style>
+          <a:lnRef idx="2">
+            <a:schemeClr val="accent2">
+              <a:shade val="50000"/>
+            </a:schemeClr>
+          </a:lnRef>
+          <a:fillRef idx="1">
+            <a:schemeClr val="accent2"/>
+          </a:fillRef>
+          <a:effectRef idx="0">
+            <a:schemeClr val="accent2"/>
+          </a:effectRef>
+          <a:fontRef idx="minor">
+            <a:schemeClr val="lt1"/>
+          </a:fontRef>
+        </p:style>
+        <p:txBody>
+          <a:bodyPr rtlCol="0" anchor="ctr"/>
+          <a:lstStyle/>
+          <a:p>
+            <a:pPr algn="ctr"/>
+            <a:r>
+              <a:rPr lang="en-US" sz="1200" b="1" dirty="0">
+                <a:latin typeface="Verdana" panose="020B0604030504040204" pitchFamily="34" charset="0"/>
+                <a:ea typeface="Verdana" panose="020B0604030504040204" pitchFamily="34" charset="0"/>
+              </a:rPr>
+              <a:t>API Server</a:t>
+            </a:r>
+            <a:endParaRPr lang="en-IN" sz="1200" b="1" dirty="0">
+              <a:latin typeface="Verdana" panose="020B0604030504040204" pitchFamily="34" charset="0"/>
+              <a:ea typeface="Verdana" panose="020B0604030504040204" pitchFamily="34" charset="0"/>
+            </a:endParaRPr>
+          </a:p>
+        </p:txBody>
+      </p:sp>
+      <p:cxnSp>
+        <p:nvCxnSpPr>
+          <p:cNvPr id="166" name="Straight Connector 165">
+            <a:extLst>
+              <a:ext uri="{FF2B5EF4-FFF2-40B4-BE49-F238E27FC236}">
+                <a16:creationId xmlns:a16="http://schemas.microsoft.com/office/drawing/2014/main" id="{252AF80D-B171-1186-5C53-A0608CA3E379}"/>
+              </a:ext>
+            </a:extLst>
+          </p:cNvPr>
+          <p:cNvCxnSpPr>
+            <a:cxnSpLocks/>
+            <a:stCxn id="90" idx="3"/>
+          </p:cNvCxnSpPr>
+          <p:nvPr/>
+        </p:nvCxnSpPr>
+        <p:spPr>
+          <a:xfrm flipV="1">
+            <a:off x="5012879" y="2797866"/>
+            <a:ext cx="2832564" cy="18396"/>
+          </a:xfrm>
+          <a:prstGeom prst="line">
+            <a:avLst/>
+          </a:prstGeom>
+          <a:ln>
+            <a:solidFill>
+              <a:schemeClr val="accent1">
+                <a:lumMod val="75000"/>
+              </a:schemeClr>
+            </a:solidFill>
+            <a:headEnd type="arrow" w="med" len="med"/>
+            <a:tailEnd type="arrow" w="med" len="med"/>
+          </a:ln>
+        </p:spPr>
+        <p:style>
+          <a:lnRef idx="3">
+            <a:schemeClr val="accent2"/>
+          </a:lnRef>
+          <a:fillRef idx="0">
+            <a:schemeClr val="accent2"/>
+          </a:fillRef>
+          <a:effectRef idx="2">
+            <a:schemeClr val="accent2"/>
+          </a:effectRef>
+          <a:fontRef idx="minor">
+            <a:schemeClr val="tx1"/>
+          </a:fontRef>
+        </p:style>
+      </p:cxnSp>
+      <p:cxnSp>
+        <p:nvCxnSpPr>
+          <p:cNvPr id="173" name="Straight Arrow Connector 172">
+            <a:extLst>
+              <a:ext uri="{FF2B5EF4-FFF2-40B4-BE49-F238E27FC236}">
+                <a16:creationId xmlns:a16="http://schemas.microsoft.com/office/drawing/2014/main" id="{E8CAACBE-2420-6367-3405-D857C744E14B}"/>
+              </a:ext>
+            </a:extLst>
+          </p:cNvPr>
+          <p:cNvCxnSpPr>
+            <a:cxnSpLocks/>
+          </p:cNvCxnSpPr>
+          <p:nvPr/>
+        </p:nvCxnSpPr>
+        <p:spPr>
+          <a:xfrm>
+            <a:off x="7825950" y="4542761"/>
+            <a:ext cx="1039645" cy="1"/>
+          </a:xfrm>
+          <a:prstGeom prst="straightConnector1">
+            <a:avLst/>
+          </a:prstGeom>
+          <a:ln>
+            <a:solidFill>
+              <a:schemeClr val="accent1">
+                <a:lumMod val="75000"/>
+              </a:schemeClr>
+            </a:solidFill>
+            <a:tailEnd type="triangle"/>
+          </a:ln>
+        </p:spPr>
+        <p:style>
+          <a:lnRef idx="3">
+            <a:schemeClr val="accent2"/>
+          </a:lnRef>
+          <a:fillRef idx="0">
+            <a:schemeClr val="accent2"/>
+          </a:fillRef>
+          <a:effectRef idx="2">
+            <a:schemeClr val="accent2"/>
+          </a:effectRef>
+          <a:fontRef idx="minor">
+            <a:schemeClr val="tx1"/>
+          </a:fontRef>
+        </p:style>
+      </p:cxnSp>
+      <p:cxnSp>
+        <p:nvCxnSpPr>
+          <p:cNvPr id="175" name="Straight Connector 174">
+            <a:extLst>
+              <a:ext uri="{FF2B5EF4-FFF2-40B4-BE49-F238E27FC236}">
+                <a16:creationId xmlns:a16="http://schemas.microsoft.com/office/drawing/2014/main" id="{38CD3C85-AB97-DDE6-E475-41598CA96474}"/>
+              </a:ext>
+            </a:extLst>
+          </p:cNvPr>
+          <p:cNvCxnSpPr>
+            <a:cxnSpLocks/>
+          </p:cNvCxnSpPr>
+          <p:nvPr/>
+        </p:nvCxnSpPr>
+        <p:spPr>
+          <a:xfrm>
+            <a:off x="7825950" y="1518793"/>
+            <a:ext cx="0" cy="3036653"/>
+          </a:xfrm>
+          <a:prstGeom prst="line">
+            <a:avLst/>
+          </a:prstGeom>
+          <a:ln>
+            <a:solidFill>
+              <a:schemeClr val="accent1">
+                <a:lumMod val="75000"/>
+              </a:schemeClr>
+            </a:solidFill>
+          </a:ln>
+        </p:spPr>
+        <p:style>
+          <a:lnRef idx="3">
+            <a:schemeClr val="accent2"/>
+          </a:lnRef>
+          <a:fillRef idx="0">
+            <a:schemeClr val="accent2"/>
+          </a:fillRef>
+          <a:effectRef idx="2">
+            <a:schemeClr val="accent2"/>
+          </a:effectRef>
+          <a:fontRef idx="minor">
+            <a:schemeClr val="tx1"/>
+          </a:fontRef>
+        </p:style>
+      </p:cxnSp>
+      <p:sp>
+        <p:nvSpPr>
+          <p:cNvPr id="176" name="Oval 175">
+            <a:extLst>
+              <a:ext uri="{FF2B5EF4-FFF2-40B4-BE49-F238E27FC236}">
+                <a16:creationId xmlns:a16="http://schemas.microsoft.com/office/drawing/2014/main" id="{DE8F5EA3-47CF-7E92-E28D-4D5E1FC6F852}"/>
+              </a:ext>
+            </a:extLst>
+          </p:cNvPr>
+          <p:cNvSpPr/>
+          <p:nvPr/>
+        </p:nvSpPr>
+        <p:spPr>
+          <a:xfrm>
+            <a:off x="337024" y="2571539"/>
+            <a:ext cx="1046458" cy="515286"/>
+          </a:xfrm>
+          <a:prstGeom prst="ellipse">
+            <a:avLst/>
+          </a:prstGeom>
+          <a:solidFill>
+            <a:srgbClr val="00B0F0"/>
+          </a:solidFill>
+          <a:ln>
+            <a:solidFill>
+              <a:srgbClr val="002060"/>
+            </a:solidFill>
+          </a:ln>
+        </p:spPr>
+        <p:style>
+          <a:lnRef idx="2">
+            <a:schemeClr val="accent4">
+              <a:shade val="50000"/>
+            </a:schemeClr>
+          </a:lnRef>
+          <a:fillRef idx="1">
+            <a:schemeClr val="accent4"/>
+          </a:fillRef>
+          <a:effectRef idx="0">
+            <a:schemeClr val="accent4"/>
+          </a:effectRef>
+          <a:fontRef idx="minor">
+            <a:schemeClr val="lt1"/>
+          </a:fontRef>
+        </p:style>
+        <p:txBody>
+          <a:bodyPr rtlCol="0" anchor="ctr"/>
+          <a:lstStyle/>
+          <a:p>
+            <a:pPr algn="ctr"/>
+            <a:r>
+              <a:rPr lang="en-US" sz="1000" b="1" dirty="0" err="1">
+                <a:solidFill>
+                  <a:schemeClr val="bg1"/>
+                </a:solidFill>
+                <a:latin typeface="Verdana" panose="020B0604030504040204" pitchFamily="34" charset="0"/>
+                <a:ea typeface="Verdana" panose="020B0604030504040204" pitchFamily="34" charset="0"/>
+              </a:rPr>
+              <a:t>Kubectl</a:t>
+            </a:r>
+            <a:endParaRPr lang="en-IN" sz="1000" b="1" dirty="0">
+              <a:solidFill>
+                <a:schemeClr val="bg1"/>
+              </a:solidFill>
+              <a:latin typeface="Verdana" panose="020B0604030504040204" pitchFamily="34" charset="0"/>
+              <a:ea typeface="Verdana" panose="020B0604030504040204" pitchFamily="34" charset="0"/>
+            </a:endParaRPr>
+          </a:p>
+        </p:txBody>
+      </p:sp>
+      <p:cxnSp>
+        <p:nvCxnSpPr>
+          <p:cNvPr id="178" name="Straight Arrow Connector 177">
+            <a:extLst>
+              <a:ext uri="{FF2B5EF4-FFF2-40B4-BE49-F238E27FC236}">
+                <a16:creationId xmlns:a16="http://schemas.microsoft.com/office/drawing/2014/main" id="{48D4A86F-D52E-150E-5361-633FBAA78456}"/>
+              </a:ext>
+            </a:extLst>
+          </p:cNvPr>
+          <p:cNvCxnSpPr>
+            <a:cxnSpLocks/>
+          </p:cNvCxnSpPr>
+          <p:nvPr/>
+        </p:nvCxnSpPr>
+        <p:spPr>
+          <a:xfrm flipV="1">
+            <a:off x="1383482" y="2819953"/>
+            <a:ext cx="2396544" cy="10647"/>
+          </a:xfrm>
+          <a:prstGeom prst="straightConnector1">
+            <a:avLst/>
+          </a:prstGeom>
+          <a:ln>
+            <a:solidFill>
+              <a:srgbClr val="00B0F0"/>
+            </a:solidFill>
+            <a:tailEnd type="triangle"/>
+          </a:ln>
+        </p:spPr>
+        <p:style>
+          <a:lnRef idx="3">
+            <a:schemeClr val="accent4"/>
+          </a:lnRef>
+          <a:fillRef idx="0">
+            <a:schemeClr val="accent4"/>
+          </a:fillRef>
+          <a:effectRef idx="2">
+            <a:schemeClr val="accent4"/>
+          </a:effectRef>
+          <a:fontRef idx="minor">
+            <a:schemeClr val="tx1"/>
+          </a:fontRef>
+        </p:style>
+      </p:cxnSp>
+      <p:sp>
+        <p:nvSpPr>
+          <p:cNvPr id="180" name="TextBox 179">
+            <a:extLst>
+              <a:ext uri="{FF2B5EF4-FFF2-40B4-BE49-F238E27FC236}">
+                <a16:creationId xmlns:a16="http://schemas.microsoft.com/office/drawing/2014/main" id="{74593733-E0DA-B448-829A-43B4A5295712}"/>
+              </a:ext>
+            </a:extLst>
+          </p:cNvPr>
+          <p:cNvSpPr txBox="1"/>
+          <p:nvPr/>
+        </p:nvSpPr>
+        <p:spPr>
+          <a:xfrm>
+            <a:off x="1579602" y="2586654"/>
+            <a:ext cx="686689" cy="246221"/>
+          </a:xfrm>
+          <a:prstGeom prst="rect">
+            <a:avLst/>
+          </a:prstGeom>
+          <a:noFill/>
+        </p:spPr>
+        <p:txBody>
+          <a:bodyPr wrap="square" rtlCol="0">
+            <a:spAutoFit/>
+          </a:bodyPr>
+          <a:lstStyle/>
+          <a:p>
+            <a:r>
+              <a:rPr lang="en-US" sz="1000" b="1" dirty="0">
+                <a:solidFill>
+                  <a:schemeClr val="accent2"/>
+                </a:solidFill>
+                <a:latin typeface="Verdana" panose="020B0604030504040204" pitchFamily="34" charset="0"/>
+                <a:ea typeface="Verdana" panose="020B0604030504040204" pitchFamily="34" charset="0"/>
+              </a:rPr>
+              <a:t>HTTPS</a:t>
+            </a:r>
+            <a:endParaRPr lang="en-IN" sz="1000" b="1" dirty="0">
+              <a:solidFill>
+                <a:schemeClr val="accent2"/>
+              </a:solidFill>
+              <a:latin typeface="Verdana" panose="020B0604030504040204" pitchFamily="34" charset="0"/>
+              <a:ea typeface="Verdana" panose="020B0604030504040204" pitchFamily="34" charset="0"/>
+            </a:endParaRPr>
+          </a:p>
+        </p:txBody>
+      </p:sp>
+      <p:grpSp>
+        <p:nvGrpSpPr>
+          <p:cNvPr id="106" name="Group 105">
+            <a:extLst>
+              <a:ext uri="{FF2B5EF4-FFF2-40B4-BE49-F238E27FC236}">
+                <a16:creationId xmlns:a16="http://schemas.microsoft.com/office/drawing/2014/main" id="{C617EB1A-2905-92D5-E4D8-9113006FC539}"/>
+              </a:ext>
+            </a:extLst>
+          </p:cNvPr>
+          <p:cNvGrpSpPr/>
+          <p:nvPr/>
+        </p:nvGrpSpPr>
+        <p:grpSpPr>
+          <a:xfrm>
+            <a:off x="8582977" y="3672984"/>
+            <a:ext cx="3240000" cy="2903204"/>
+            <a:chOff x="7792402" y="148734"/>
+            <a:chExt cx="3240000" cy="2903204"/>
+          </a:xfrm>
+        </p:grpSpPr>
+        <p:sp>
+          <p:nvSpPr>
+            <p:cNvPr id="107" name="Rectangle: Rounded Corners 106">
+              <a:extLst>
+                <a:ext uri="{FF2B5EF4-FFF2-40B4-BE49-F238E27FC236}">
+                  <a16:creationId xmlns:a16="http://schemas.microsoft.com/office/drawing/2014/main" id="{3EF9250C-2A55-F63C-5FA3-9C2EF4C9959D}"/>
+                </a:ext>
+              </a:extLst>
+            </p:cNvPr>
+            <p:cNvSpPr/>
+            <p:nvPr/>
+          </p:nvSpPr>
+          <p:spPr>
+            <a:xfrm>
+              <a:off x="7792402" y="148734"/>
+              <a:ext cx="3240000" cy="2903204"/>
+            </a:xfrm>
+            <a:prstGeom prst="roundRect">
+              <a:avLst/>
+            </a:prstGeom>
+            <a:noFill/>
+            <a:ln w="19050">
+              <a:solidFill>
+                <a:schemeClr val="accent4">
+                  <a:lumMod val="75000"/>
+                </a:schemeClr>
+              </a:solidFill>
+            </a:ln>
+          </p:spPr>
+          <p:style>
+            <a:lnRef idx="2">
+              <a:schemeClr val="accent4">
+                <a:shade val="50000"/>
+              </a:schemeClr>
+            </a:lnRef>
+            <a:fillRef idx="1">
+              <a:schemeClr val="accent4"/>
+            </a:fillRef>
+            <a:effectRef idx="0">
+              <a:schemeClr val="accent4"/>
+            </a:effectRef>
+            <a:fontRef idx="minor">
+              <a:schemeClr val="lt1"/>
+            </a:fontRef>
+          </p:style>
+          <p:txBody>
+            <a:bodyPr rtlCol="0" anchor="ctr"/>
+            <a:lstStyle/>
+            <a:p>
+              <a:pPr algn="ctr"/>
+              <a:endParaRPr lang="en-IN"/>
+            </a:p>
+          </p:txBody>
+        </p:sp>
+        <p:grpSp>
+          <p:nvGrpSpPr>
+            <p:cNvPr id="108" name="Group 107">
+              <a:extLst>
+                <a:ext uri="{FF2B5EF4-FFF2-40B4-BE49-F238E27FC236}">
+                  <a16:creationId xmlns:a16="http://schemas.microsoft.com/office/drawing/2014/main" id="{65380649-6362-9273-8C78-107698CFF032}"/>
+                </a:ext>
+              </a:extLst>
+            </p:cNvPr>
+            <p:cNvGrpSpPr/>
+            <p:nvPr/>
+          </p:nvGrpSpPr>
+          <p:grpSpPr>
+            <a:xfrm>
+              <a:off x="9455639" y="1866144"/>
+              <a:ext cx="1479331" cy="1117714"/>
+              <a:chOff x="5825939" y="4741254"/>
+              <a:chExt cx="1479331" cy="1117714"/>
+            </a:xfrm>
+          </p:grpSpPr>
+          <p:sp>
+            <p:nvSpPr>
+              <p:cNvPr id="204" name="Rectangle: Rounded Corners 203">
+                <a:extLst>
+                  <a:ext uri="{FF2B5EF4-FFF2-40B4-BE49-F238E27FC236}">
+                    <a16:creationId xmlns:a16="http://schemas.microsoft.com/office/drawing/2014/main" id="{2CFE95FE-D8E2-FA84-E72E-F4D1F0ACFA66}"/>
+                  </a:ext>
+                </a:extLst>
+              </p:cNvPr>
+              <p:cNvSpPr/>
+              <p:nvPr/>
+            </p:nvSpPr>
+            <p:spPr>
+              <a:xfrm>
+                <a:off x="5825939" y="4741254"/>
+                <a:ext cx="1479331" cy="870970"/>
+              </a:xfrm>
+              <a:prstGeom prst="roundRect">
+                <a:avLst/>
+              </a:prstGeom>
+              <a:solidFill>
+                <a:schemeClr val="bg1"/>
+              </a:solidFill>
+              <a:ln>
+                <a:solidFill>
+                  <a:srgbClr val="0070C0"/>
+                </a:solidFill>
+              </a:ln>
+            </p:spPr>
+            <p:style>
+              <a:lnRef idx="2">
+                <a:schemeClr val="accent1">
+                  <a:shade val="50000"/>
+                </a:schemeClr>
+              </a:lnRef>
+              <a:fillRef idx="1">
+                <a:schemeClr val="accent1"/>
+              </a:fillRef>
+              <a:effectRef idx="0">
+                <a:schemeClr val="accent1"/>
+              </a:effectRef>
+              <a:fontRef idx="minor">
+                <a:schemeClr val="lt1"/>
+              </a:fontRef>
+            </p:style>
+            <p:txBody>
+              <a:bodyPr rtlCol="0" anchor="ctr"/>
+              <a:lstStyle/>
+              <a:p>
+                <a:pPr algn="ctr"/>
+                <a:endParaRPr lang="en-IN" sz="600" dirty="0">
+                  <a:latin typeface="Verdana" panose="020B0604030504040204" pitchFamily="34" charset="0"/>
+                  <a:ea typeface="Verdana" panose="020B0604030504040204" pitchFamily="34" charset="0"/>
+                </a:endParaRPr>
+              </a:p>
+            </p:txBody>
+          </p:sp>
+          <p:sp>
+            <p:nvSpPr>
+              <p:cNvPr id="205" name="Rectangle 204">
+                <a:extLst>
+                  <a:ext uri="{FF2B5EF4-FFF2-40B4-BE49-F238E27FC236}">
+                    <a16:creationId xmlns:a16="http://schemas.microsoft.com/office/drawing/2014/main" id="{4EF825F3-90CA-3F57-9E3A-1D6C3BF8BD22}"/>
+                  </a:ext>
+                </a:extLst>
+              </p:cNvPr>
+              <p:cNvSpPr/>
+              <p:nvPr/>
+            </p:nvSpPr>
+            <p:spPr>
+              <a:xfrm>
+                <a:off x="5924729" y="4812166"/>
+                <a:ext cx="612000" cy="240267"/>
+              </a:xfrm>
+              <a:prstGeom prst="rect">
+                <a:avLst/>
+              </a:prstGeom>
+            </p:spPr>
+            <p:style>
+              <a:lnRef idx="2">
+                <a:schemeClr val="accent1">
+                  <a:shade val="50000"/>
+                </a:schemeClr>
+              </a:lnRef>
+              <a:fillRef idx="1">
+                <a:schemeClr val="accent1"/>
+              </a:fillRef>
+              <a:effectRef idx="0">
+                <a:schemeClr val="accent1"/>
+              </a:effectRef>
+              <a:fontRef idx="minor">
+                <a:schemeClr val="lt1"/>
+              </a:fontRef>
+            </p:style>
+            <p:txBody>
+              <a:bodyPr rtlCol="0" anchor="ctr"/>
+              <a:lstStyle/>
+              <a:p>
+                <a:pPr algn="ctr"/>
+                <a:r>
+                  <a:rPr lang="en-US" sz="600" b="1" dirty="0">
+                    <a:latin typeface="Verdana" panose="020B0604030504040204" pitchFamily="34" charset="0"/>
+                    <a:ea typeface="Verdana" panose="020B0604030504040204" pitchFamily="34" charset="0"/>
+                  </a:rPr>
+                  <a:t>Container</a:t>
+                </a:r>
+                <a:endParaRPr lang="en-IN" sz="600" b="1" dirty="0">
+                  <a:latin typeface="Verdana" panose="020B0604030504040204" pitchFamily="34" charset="0"/>
+                  <a:ea typeface="Verdana" panose="020B0604030504040204" pitchFamily="34" charset="0"/>
+                </a:endParaRPr>
+              </a:p>
+            </p:txBody>
+          </p:sp>
+          <p:sp>
+            <p:nvSpPr>
+              <p:cNvPr id="206" name="Rectangle 205">
+                <a:extLst>
+                  <a:ext uri="{FF2B5EF4-FFF2-40B4-BE49-F238E27FC236}">
+                    <a16:creationId xmlns:a16="http://schemas.microsoft.com/office/drawing/2014/main" id="{40F9B755-4EA7-AD66-B64A-041792CACF2A}"/>
+                  </a:ext>
+                </a:extLst>
+              </p:cNvPr>
+              <p:cNvSpPr/>
+              <p:nvPr/>
+            </p:nvSpPr>
+            <p:spPr>
+              <a:xfrm>
+                <a:off x="5924729" y="5301878"/>
+                <a:ext cx="612000" cy="240267"/>
+              </a:xfrm>
+              <a:prstGeom prst="rect">
+                <a:avLst/>
+              </a:prstGeom>
+            </p:spPr>
+            <p:style>
+              <a:lnRef idx="2">
+                <a:schemeClr val="accent1">
+                  <a:shade val="50000"/>
+                </a:schemeClr>
+              </a:lnRef>
+              <a:fillRef idx="1">
+                <a:schemeClr val="accent1"/>
+              </a:fillRef>
+              <a:effectRef idx="0">
+                <a:schemeClr val="accent1"/>
+              </a:effectRef>
+              <a:fontRef idx="minor">
+                <a:schemeClr val="lt1"/>
+              </a:fontRef>
+            </p:style>
+            <p:txBody>
+              <a:bodyPr rtlCol="0" anchor="ctr"/>
+              <a:lstStyle/>
+              <a:p>
+                <a:pPr algn="ctr"/>
+                <a:r>
+                  <a:rPr lang="en-US" sz="600" b="1" dirty="0">
+                    <a:latin typeface="Verdana" panose="020B0604030504040204" pitchFamily="34" charset="0"/>
+                    <a:ea typeface="Verdana" panose="020B0604030504040204" pitchFamily="34" charset="0"/>
+                  </a:rPr>
+                  <a:t>Container</a:t>
+                </a:r>
+                <a:endParaRPr lang="en-IN" sz="600" b="1" dirty="0">
+                  <a:latin typeface="Verdana" panose="020B0604030504040204" pitchFamily="34" charset="0"/>
+                  <a:ea typeface="Verdana" panose="020B0604030504040204" pitchFamily="34" charset="0"/>
+                </a:endParaRPr>
+              </a:p>
+            </p:txBody>
+          </p:sp>
+          <p:sp>
+            <p:nvSpPr>
+              <p:cNvPr id="207" name="Rectangle 206">
+                <a:extLst>
+                  <a:ext uri="{FF2B5EF4-FFF2-40B4-BE49-F238E27FC236}">
+                    <a16:creationId xmlns:a16="http://schemas.microsoft.com/office/drawing/2014/main" id="{FA6274FB-6BAC-3482-4024-94D93DDEE047}"/>
+                  </a:ext>
+                </a:extLst>
+              </p:cNvPr>
+              <p:cNvSpPr/>
+              <p:nvPr/>
+            </p:nvSpPr>
+            <p:spPr>
+              <a:xfrm>
+                <a:off x="6658983" y="4812166"/>
+                <a:ext cx="576000" cy="240267"/>
+              </a:xfrm>
+              <a:prstGeom prst="rect">
+                <a:avLst/>
+              </a:prstGeom>
+            </p:spPr>
+            <p:style>
+              <a:lnRef idx="2">
+                <a:schemeClr val="accent1">
+                  <a:shade val="50000"/>
+                </a:schemeClr>
+              </a:lnRef>
+              <a:fillRef idx="1">
+                <a:schemeClr val="accent1"/>
+              </a:fillRef>
+              <a:effectRef idx="0">
+                <a:schemeClr val="accent1"/>
+              </a:effectRef>
+              <a:fontRef idx="minor">
+                <a:schemeClr val="lt1"/>
+              </a:fontRef>
+            </p:style>
+            <p:txBody>
+              <a:bodyPr rtlCol="0" anchor="ctr"/>
+              <a:lstStyle/>
+              <a:p>
+                <a:pPr algn="ctr"/>
+                <a:r>
+                  <a:rPr lang="en-US" sz="600" b="1" dirty="0">
+                    <a:latin typeface="Verdana" panose="020B0604030504040204" pitchFamily="34" charset="0"/>
+                    <a:ea typeface="Verdana" panose="020B0604030504040204" pitchFamily="34" charset="0"/>
+                  </a:rPr>
+                  <a:t>Shared Volumes</a:t>
+                </a:r>
+                <a:endParaRPr lang="en-IN" sz="600" b="1" dirty="0">
+                  <a:latin typeface="Verdana" panose="020B0604030504040204" pitchFamily="34" charset="0"/>
+                  <a:ea typeface="Verdana" panose="020B0604030504040204" pitchFamily="34" charset="0"/>
+                </a:endParaRPr>
+              </a:p>
+            </p:txBody>
+          </p:sp>
+          <p:sp>
+            <p:nvSpPr>
+              <p:cNvPr id="208" name="Rectangle 207">
+                <a:extLst>
+                  <a:ext uri="{FF2B5EF4-FFF2-40B4-BE49-F238E27FC236}">
+                    <a16:creationId xmlns:a16="http://schemas.microsoft.com/office/drawing/2014/main" id="{9EEA2A62-464A-5114-DA1F-E7F5BD975418}"/>
+                  </a:ext>
+                </a:extLst>
+              </p:cNvPr>
+              <p:cNvSpPr/>
+              <p:nvPr/>
+            </p:nvSpPr>
+            <p:spPr>
+              <a:xfrm>
+                <a:off x="6658983" y="5114169"/>
+                <a:ext cx="576000" cy="240267"/>
+              </a:xfrm>
+              <a:prstGeom prst="rect">
+                <a:avLst/>
+              </a:prstGeom>
+            </p:spPr>
+            <p:style>
+              <a:lnRef idx="2">
+                <a:schemeClr val="accent1">
+                  <a:shade val="50000"/>
+                </a:schemeClr>
+              </a:lnRef>
+              <a:fillRef idx="1">
+                <a:schemeClr val="accent1"/>
+              </a:fillRef>
+              <a:effectRef idx="0">
+                <a:schemeClr val="accent1"/>
+              </a:effectRef>
+              <a:fontRef idx="minor">
+                <a:schemeClr val="lt1"/>
+              </a:fontRef>
+            </p:style>
+            <p:txBody>
+              <a:bodyPr rtlCol="0" anchor="ctr"/>
+              <a:lstStyle/>
+              <a:p>
+                <a:pPr algn="ctr"/>
+                <a:r>
+                  <a:rPr lang="en-US" sz="600" b="1" dirty="0">
+                    <a:latin typeface="Verdana" panose="020B0604030504040204" pitchFamily="34" charset="0"/>
+                    <a:ea typeface="Verdana" panose="020B0604030504040204" pitchFamily="34" charset="0"/>
+                  </a:rPr>
+                  <a:t>Shared IP</a:t>
+                </a:r>
+                <a:endParaRPr lang="en-IN" sz="600" b="1" dirty="0">
+                  <a:latin typeface="Verdana" panose="020B0604030504040204" pitchFamily="34" charset="0"/>
+                  <a:ea typeface="Verdana" panose="020B0604030504040204" pitchFamily="34" charset="0"/>
+                </a:endParaRPr>
+              </a:p>
+            </p:txBody>
+          </p:sp>
+          <p:cxnSp>
+            <p:nvCxnSpPr>
+              <p:cNvPr id="209" name="Straight Connector 208">
+                <a:extLst>
+                  <a:ext uri="{FF2B5EF4-FFF2-40B4-BE49-F238E27FC236}">
+                    <a16:creationId xmlns:a16="http://schemas.microsoft.com/office/drawing/2014/main" id="{52D81C1E-962B-D573-6D5C-3E011AE96925}"/>
+                  </a:ext>
+                </a:extLst>
+              </p:cNvPr>
+              <p:cNvCxnSpPr/>
+              <p:nvPr/>
+            </p:nvCxnSpPr>
+            <p:spPr>
+              <a:xfrm>
+                <a:off x="6230729" y="5098495"/>
+                <a:ext cx="0" cy="180000"/>
+              </a:xfrm>
+              <a:prstGeom prst="line">
+                <a:avLst/>
+              </a:prstGeom>
+              <a:ln w="12700" cap="flat" cmpd="sng" algn="ctr">
+                <a:solidFill>
+                  <a:schemeClr val="accent1"/>
+                </a:solidFill>
+                <a:prstDash val="dash"/>
+                <a:round/>
+                <a:headEnd type="none" w="med" len="med"/>
+                <a:tailEnd type="none" w="med" len="med"/>
+              </a:ln>
+            </p:spPr>
+            <p:style>
+              <a:lnRef idx="0">
+                <a:scrgbClr r="0" g="0" b="0"/>
+              </a:lnRef>
+              <a:fillRef idx="0">
+                <a:scrgbClr r="0" g="0" b="0"/>
+              </a:fillRef>
+              <a:effectRef idx="0">
+                <a:scrgbClr r="0" g="0" b="0"/>
+              </a:effectRef>
+              <a:fontRef idx="minor">
+                <a:schemeClr val="tx1"/>
+              </a:fontRef>
+            </p:style>
+          </p:cxnSp>
+          <p:sp>
+            <p:nvSpPr>
+              <p:cNvPr id="210" name="TextBox 209">
+                <a:extLst>
+                  <a:ext uri="{FF2B5EF4-FFF2-40B4-BE49-F238E27FC236}">
+                    <a16:creationId xmlns:a16="http://schemas.microsoft.com/office/drawing/2014/main" id="{E17862D3-417F-E99D-4166-C24EB7C317A6}"/>
+                  </a:ext>
+                </a:extLst>
+              </p:cNvPr>
+              <p:cNvSpPr txBox="1"/>
+              <p:nvPr/>
+            </p:nvSpPr>
+            <p:spPr>
+              <a:xfrm>
+                <a:off x="5852711" y="5612747"/>
+                <a:ext cx="532297" cy="246221"/>
+              </a:xfrm>
+              <a:prstGeom prst="rect">
+                <a:avLst/>
+              </a:prstGeom>
+              <a:noFill/>
+            </p:spPr>
+            <p:txBody>
+              <a:bodyPr wrap="square" rtlCol="0">
+                <a:spAutoFit/>
+              </a:bodyPr>
+              <a:lstStyle/>
+              <a:p>
+                <a:r>
+                  <a:rPr lang="en-US" sz="1000" b="1" dirty="0">
+                    <a:solidFill>
+                      <a:srgbClr val="0070C0"/>
+                    </a:solidFill>
+                    <a:latin typeface="Verdana" panose="020B0604030504040204" pitchFamily="34" charset="0"/>
+                    <a:ea typeface="Verdana" panose="020B0604030504040204" pitchFamily="34" charset="0"/>
+                  </a:rPr>
+                  <a:t>POD</a:t>
+                </a:r>
+                <a:endParaRPr lang="en-IN" sz="1000" b="1" dirty="0">
+                  <a:solidFill>
+                    <a:srgbClr val="0070C0"/>
+                  </a:solidFill>
+                  <a:latin typeface="Verdana" panose="020B0604030504040204" pitchFamily="34" charset="0"/>
+                  <a:ea typeface="Verdana" panose="020B0604030504040204" pitchFamily="34" charset="0"/>
+                </a:endParaRPr>
+              </a:p>
+            </p:txBody>
+          </p:sp>
+        </p:grpSp>
+        <p:grpSp>
+          <p:nvGrpSpPr>
+            <p:cNvPr id="109" name="Group 108">
+              <a:extLst>
+                <a:ext uri="{FF2B5EF4-FFF2-40B4-BE49-F238E27FC236}">
+                  <a16:creationId xmlns:a16="http://schemas.microsoft.com/office/drawing/2014/main" id="{44CFBE70-C32D-7C16-7CE7-95C8D3163EA9}"/>
+                </a:ext>
+              </a:extLst>
+            </p:cNvPr>
+            <p:cNvGrpSpPr/>
+            <p:nvPr/>
+          </p:nvGrpSpPr>
+          <p:grpSpPr>
+            <a:xfrm>
+              <a:off x="7878877" y="1866144"/>
+              <a:ext cx="1479331" cy="1117714"/>
+              <a:chOff x="5825939" y="4741254"/>
+              <a:chExt cx="1479331" cy="1117714"/>
+            </a:xfrm>
+          </p:grpSpPr>
+          <p:sp>
+            <p:nvSpPr>
+              <p:cNvPr id="179" name="Rectangle: Rounded Corners 178">
+                <a:extLst>
+                  <a:ext uri="{FF2B5EF4-FFF2-40B4-BE49-F238E27FC236}">
+                    <a16:creationId xmlns:a16="http://schemas.microsoft.com/office/drawing/2014/main" id="{8F8D2CB2-4F25-A866-78CB-146824D7D69A}"/>
+                  </a:ext>
+                </a:extLst>
+              </p:cNvPr>
+              <p:cNvSpPr/>
+              <p:nvPr/>
+            </p:nvSpPr>
+            <p:spPr>
+              <a:xfrm>
+                <a:off x="5825939" y="4741254"/>
+                <a:ext cx="1479331" cy="870970"/>
+              </a:xfrm>
+              <a:prstGeom prst="roundRect">
+                <a:avLst/>
+              </a:prstGeom>
+              <a:solidFill>
+                <a:schemeClr val="bg1"/>
+              </a:solidFill>
+              <a:ln>
+                <a:solidFill>
+                  <a:srgbClr val="0070C0"/>
+                </a:solidFill>
+              </a:ln>
+            </p:spPr>
+            <p:style>
+              <a:lnRef idx="2">
+                <a:schemeClr val="accent1">
+                  <a:shade val="50000"/>
+                </a:schemeClr>
+              </a:lnRef>
+              <a:fillRef idx="1">
+                <a:schemeClr val="accent1"/>
+              </a:fillRef>
+              <a:effectRef idx="0">
+                <a:schemeClr val="accent1"/>
+              </a:effectRef>
+              <a:fontRef idx="minor">
+                <a:schemeClr val="lt1"/>
+              </a:fontRef>
+            </p:style>
+            <p:txBody>
+              <a:bodyPr rtlCol="0" anchor="ctr"/>
+              <a:lstStyle/>
+              <a:p>
+                <a:pPr algn="ctr"/>
+                <a:endParaRPr lang="en-IN" sz="600" dirty="0">
+                  <a:latin typeface="Verdana" panose="020B0604030504040204" pitchFamily="34" charset="0"/>
+                  <a:ea typeface="Verdana" panose="020B0604030504040204" pitchFamily="34" charset="0"/>
+                </a:endParaRPr>
+              </a:p>
+            </p:txBody>
+          </p:sp>
+          <p:sp>
+            <p:nvSpPr>
+              <p:cNvPr id="181" name="Rectangle 180">
+                <a:extLst>
+                  <a:ext uri="{FF2B5EF4-FFF2-40B4-BE49-F238E27FC236}">
+                    <a16:creationId xmlns:a16="http://schemas.microsoft.com/office/drawing/2014/main" id="{2F533A7F-2AE3-7CD8-DBFC-67D208605923}"/>
+                  </a:ext>
+                </a:extLst>
+              </p:cNvPr>
+              <p:cNvSpPr/>
+              <p:nvPr/>
+            </p:nvSpPr>
+            <p:spPr>
+              <a:xfrm>
+                <a:off x="5924729" y="4812166"/>
+                <a:ext cx="612000" cy="240267"/>
+              </a:xfrm>
+              <a:prstGeom prst="rect">
+                <a:avLst/>
+              </a:prstGeom>
+            </p:spPr>
+            <p:style>
+              <a:lnRef idx="2">
+                <a:schemeClr val="accent1">
+                  <a:shade val="50000"/>
+                </a:schemeClr>
+              </a:lnRef>
+              <a:fillRef idx="1">
+                <a:schemeClr val="accent1"/>
+              </a:fillRef>
+              <a:effectRef idx="0">
+                <a:schemeClr val="accent1"/>
+              </a:effectRef>
+              <a:fontRef idx="minor">
+                <a:schemeClr val="lt1"/>
+              </a:fontRef>
+            </p:style>
+            <p:txBody>
+              <a:bodyPr rtlCol="0" anchor="ctr"/>
+              <a:lstStyle/>
+              <a:p>
+                <a:pPr algn="ctr"/>
+                <a:r>
+                  <a:rPr lang="en-US" sz="600" b="1" dirty="0">
+                    <a:latin typeface="Verdana" panose="020B0604030504040204" pitchFamily="34" charset="0"/>
+                    <a:ea typeface="Verdana" panose="020B0604030504040204" pitchFamily="34" charset="0"/>
+                  </a:rPr>
+                  <a:t>Container</a:t>
+                </a:r>
+                <a:endParaRPr lang="en-IN" sz="600" b="1" dirty="0">
+                  <a:latin typeface="Verdana" panose="020B0604030504040204" pitchFamily="34" charset="0"/>
+                  <a:ea typeface="Verdana" panose="020B0604030504040204" pitchFamily="34" charset="0"/>
+                </a:endParaRPr>
+              </a:p>
+            </p:txBody>
+          </p:sp>
+          <p:sp>
+            <p:nvSpPr>
+              <p:cNvPr id="196" name="Rectangle 195">
+                <a:extLst>
+                  <a:ext uri="{FF2B5EF4-FFF2-40B4-BE49-F238E27FC236}">
+                    <a16:creationId xmlns:a16="http://schemas.microsoft.com/office/drawing/2014/main" id="{E459381D-1A47-7408-837A-F76A78DE3A9F}"/>
+                  </a:ext>
+                </a:extLst>
+              </p:cNvPr>
+              <p:cNvSpPr/>
+              <p:nvPr/>
+            </p:nvSpPr>
+            <p:spPr>
+              <a:xfrm>
+                <a:off x="5924729" y="5301878"/>
+                <a:ext cx="612000" cy="240267"/>
+              </a:xfrm>
+              <a:prstGeom prst="rect">
+                <a:avLst/>
+              </a:prstGeom>
+            </p:spPr>
+            <p:style>
+              <a:lnRef idx="2">
+                <a:schemeClr val="accent1">
+                  <a:shade val="50000"/>
+                </a:schemeClr>
+              </a:lnRef>
+              <a:fillRef idx="1">
+                <a:schemeClr val="accent1"/>
+              </a:fillRef>
+              <a:effectRef idx="0">
+                <a:schemeClr val="accent1"/>
+              </a:effectRef>
+              <a:fontRef idx="minor">
+                <a:schemeClr val="lt1"/>
+              </a:fontRef>
+            </p:style>
+            <p:txBody>
+              <a:bodyPr rtlCol="0" anchor="ctr"/>
+              <a:lstStyle/>
+              <a:p>
+                <a:pPr algn="ctr"/>
+                <a:r>
+                  <a:rPr lang="en-US" sz="600" b="1" dirty="0">
+                    <a:latin typeface="Verdana" panose="020B0604030504040204" pitchFamily="34" charset="0"/>
+                    <a:ea typeface="Verdana" panose="020B0604030504040204" pitchFamily="34" charset="0"/>
+                  </a:rPr>
+                  <a:t>Container</a:t>
+                </a:r>
+                <a:endParaRPr lang="en-IN" sz="600" b="1" dirty="0">
+                  <a:latin typeface="Verdana" panose="020B0604030504040204" pitchFamily="34" charset="0"/>
+                  <a:ea typeface="Verdana" panose="020B0604030504040204" pitchFamily="34" charset="0"/>
+                </a:endParaRPr>
+              </a:p>
+            </p:txBody>
+          </p:sp>
+          <p:sp>
+            <p:nvSpPr>
+              <p:cNvPr id="200" name="Rectangle 199">
+                <a:extLst>
+                  <a:ext uri="{FF2B5EF4-FFF2-40B4-BE49-F238E27FC236}">
+                    <a16:creationId xmlns:a16="http://schemas.microsoft.com/office/drawing/2014/main" id="{E1941D19-EDF3-5D4B-E964-9644B1252D6A}"/>
+                  </a:ext>
+                </a:extLst>
+              </p:cNvPr>
+              <p:cNvSpPr/>
+              <p:nvPr/>
+            </p:nvSpPr>
+            <p:spPr>
+              <a:xfrm>
+                <a:off x="6658983" y="4812166"/>
+                <a:ext cx="576000" cy="240267"/>
+              </a:xfrm>
+              <a:prstGeom prst="rect">
+                <a:avLst/>
+              </a:prstGeom>
+            </p:spPr>
+            <p:style>
+              <a:lnRef idx="2">
+                <a:schemeClr val="accent1">
+                  <a:shade val="50000"/>
+                </a:schemeClr>
+              </a:lnRef>
+              <a:fillRef idx="1">
+                <a:schemeClr val="accent1"/>
+              </a:fillRef>
+              <a:effectRef idx="0">
+                <a:schemeClr val="accent1"/>
+              </a:effectRef>
+              <a:fontRef idx="minor">
+                <a:schemeClr val="lt1"/>
+              </a:fontRef>
+            </p:style>
+            <p:txBody>
+              <a:bodyPr rtlCol="0" anchor="ctr"/>
+              <a:lstStyle/>
+              <a:p>
+                <a:pPr algn="ctr"/>
+                <a:r>
+                  <a:rPr lang="en-US" sz="600" b="1" dirty="0">
+                    <a:latin typeface="Verdana" panose="020B0604030504040204" pitchFamily="34" charset="0"/>
+                    <a:ea typeface="Verdana" panose="020B0604030504040204" pitchFamily="34" charset="0"/>
+                  </a:rPr>
+                  <a:t>Shared Volumes</a:t>
+                </a:r>
+                <a:endParaRPr lang="en-IN" sz="600" b="1" dirty="0">
+                  <a:latin typeface="Verdana" panose="020B0604030504040204" pitchFamily="34" charset="0"/>
+                  <a:ea typeface="Verdana" panose="020B0604030504040204" pitchFamily="34" charset="0"/>
+                </a:endParaRPr>
+              </a:p>
+            </p:txBody>
+          </p:sp>
+          <p:sp>
+            <p:nvSpPr>
+              <p:cNvPr id="201" name="Rectangle 200">
+                <a:extLst>
+                  <a:ext uri="{FF2B5EF4-FFF2-40B4-BE49-F238E27FC236}">
+                    <a16:creationId xmlns:a16="http://schemas.microsoft.com/office/drawing/2014/main" id="{54DC4064-D983-C0A8-5820-29018E012CB5}"/>
+                  </a:ext>
+                </a:extLst>
+              </p:cNvPr>
+              <p:cNvSpPr/>
+              <p:nvPr/>
+            </p:nvSpPr>
+            <p:spPr>
+              <a:xfrm>
+                <a:off x="6658983" y="5114169"/>
+                <a:ext cx="576000" cy="240267"/>
+              </a:xfrm>
+              <a:prstGeom prst="rect">
+                <a:avLst/>
+              </a:prstGeom>
+            </p:spPr>
+            <p:style>
+              <a:lnRef idx="2">
+                <a:schemeClr val="accent1">
+                  <a:shade val="50000"/>
+                </a:schemeClr>
+              </a:lnRef>
+              <a:fillRef idx="1">
+                <a:schemeClr val="accent1"/>
+              </a:fillRef>
+              <a:effectRef idx="0">
+                <a:schemeClr val="accent1"/>
+              </a:effectRef>
+              <a:fontRef idx="minor">
+                <a:schemeClr val="lt1"/>
+              </a:fontRef>
+            </p:style>
+            <p:txBody>
+              <a:bodyPr rtlCol="0" anchor="ctr"/>
+              <a:lstStyle/>
+              <a:p>
+                <a:pPr algn="ctr"/>
+                <a:r>
+                  <a:rPr lang="en-US" sz="600" b="1" dirty="0">
+                    <a:latin typeface="Verdana" panose="020B0604030504040204" pitchFamily="34" charset="0"/>
+                    <a:ea typeface="Verdana" panose="020B0604030504040204" pitchFamily="34" charset="0"/>
+                  </a:rPr>
+                  <a:t>Shared IP</a:t>
+                </a:r>
+                <a:endParaRPr lang="en-IN" sz="600" b="1" dirty="0">
+                  <a:latin typeface="Verdana" panose="020B0604030504040204" pitchFamily="34" charset="0"/>
+                  <a:ea typeface="Verdana" panose="020B0604030504040204" pitchFamily="34" charset="0"/>
+                </a:endParaRPr>
+              </a:p>
+            </p:txBody>
+          </p:sp>
+          <p:cxnSp>
+            <p:nvCxnSpPr>
+              <p:cNvPr id="202" name="Straight Connector 201">
+                <a:extLst>
+                  <a:ext uri="{FF2B5EF4-FFF2-40B4-BE49-F238E27FC236}">
+                    <a16:creationId xmlns:a16="http://schemas.microsoft.com/office/drawing/2014/main" id="{73CFA6DE-387F-240A-F4C7-804990DD5EF8}"/>
+                  </a:ext>
+                </a:extLst>
+              </p:cNvPr>
+              <p:cNvCxnSpPr/>
+              <p:nvPr/>
+            </p:nvCxnSpPr>
+            <p:spPr>
+              <a:xfrm>
+                <a:off x="6230729" y="5098495"/>
+                <a:ext cx="0" cy="180000"/>
+              </a:xfrm>
+              <a:prstGeom prst="line">
+                <a:avLst/>
+              </a:prstGeom>
+              <a:ln w="12700" cap="flat" cmpd="sng" algn="ctr">
+                <a:solidFill>
+                  <a:schemeClr val="accent1"/>
+                </a:solidFill>
+                <a:prstDash val="dash"/>
+                <a:round/>
+                <a:headEnd type="none" w="med" len="med"/>
+                <a:tailEnd type="none" w="med" len="med"/>
+              </a:ln>
+            </p:spPr>
+            <p:style>
+              <a:lnRef idx="0">
+                <a:scrgbClr r="0" g="0" b="0"/>
+              </a:lnRef>
+              <a:fillRef idx="0">
+                <a:scrgbClr r="0" g="0" b="0"/>
+              </a:fillRef>
+              <a:effectRef idx="0">
+                <a:scrgbClr r="0" g="0" b="0"/>
+              </a:effectRef>
+              <a:fontRef idx="minor">
+                <a:schemeClr val="tx1"/>
+              </a:fontRef>
+            </p:style>
+          </p:cxnSp>
+          <p:sp>
+            <p:nvSpPr>
+              <p:cNvPr id="203" name="TextBox 202">
+                <a:extLst>
+                  <a:ext uri="{FF2B5EF4-FFF2-40B4-BE49-F238E27FC236}">
+                    <a16:creationId xmlns:a16="http://schemas.microsoft.com/office/drawing/2014/main" id="{18420EAB-50EA-9FB6-70F9-9E8C1344BFC0}"/>
+                  </a:ext>
+                </a:extLst>
+              </p:cNvPr>
+              <p:cNvSpPr txBox="1"/>
+              <p:nvPr/>
+            </p:nvSpPr>
+            <p:spPr>
+              <a:xfrm>
+                <a:off x="5852711" y="5612747"/>
+                <a:ext cx="532297" cy="246221"/>
+              </a:xfrm>
+              <a:prstGeom prst="rect">
+                <a:avLst/>
+              </a:prstGeom>
+              <a:noFill/>
+            </p:spPr>
+            <p:txBody>
+              <a:bodyPr wrap="square" rtlCol="0">
+                <a:spAutoFit/>
+              </a:bodyPr>
+              <a:lstStyle/>
+              <a:p>
+                <a:r>
+                  <a:rPr lang="en-US" sz="1000" b="1" dirty="0">
+                    <a:solidFill>
+                      <a:srgbClr val="0070C0"/>
+                    </a:solidFill>
+                    <a:latin typeface="Verdana" panose="020B0604030504040204" pitchFamily="34" charset="0"/>
+                    <a:ea typeface="Verdana" panose="020B0604030504040204" pitchFamily="34" charset="0"/>
+                  </a:rPr>
+                  <a:t>POD</a:t>
+                </a:r>
+                <a:endParaRPr lang="en-IN" sz="1000" b="1" dirty="0">
+                  <a:solidFill>
+                    <a:srgbClr val="0070C0"/>
+                  </a:solidFill>
+                  <a:latin typeface="Verdana" panose="020B0604030504040204" pitchFamily="34" charset="0"/>
+                  <a:ea typeface="Verdana" panose="020B0604030504040204" pitchFamily="34" charset="0"/>
+                </a:endParaRPr>
+              </a:p>
+            </p:txBody>
+          </p:sp>
+        </p:grpSp>
+        <p:grpSp>
+          <p:nvGrpSpPr>
+            <p:cNvPr id="110" name="Group 109">
+              <a:extLst>
+                <a:ext uri="{FF2B5EF4-FFF2-40B4-BE49-F238E27FC236}">
+                  <a16:creationId xmlns:a16="http://schemas.microsoft.com/office/drawing/2014/main" id="{7FBB03C1-55FB-9890-4C2F-73868B3319A6}"/>
+                </a:ext>
+              </a:extLst>
+            </p:cNvPr>
+            <p:cNvGrpSpPr/>
+            <p:nvPr/>
+          </p:nvGrpSpPr>
+          <p:grpSpPr>
+            <a:xfrm>
+              <a:off x="9455639" y="675519"/>
+              <a:ext cx="1479331" cy="1117714"/>
+              <a:chOff x="5825939" y="4741254"/>
+              <a:chExt cx="1479331" cy="1117714"/>
+            </a:xfrm>
+          </p:grpSpPr>
+          <p:sp>
+            <p:nvSpPr>
+              <p:cNvPr id="167" name="Rectangle: Rounded Corners 166">
+                <a:extLst>
+                  <a:ext uri="{FF2B5EF4-FFF2-40B4-BE49-F238E27FC236}">
+                    <a16:creationId xmlns:a16="http://schemas.microsoft.com/office/drawing/2014/main" id="{C2181B2A-920D-0293-3C08-1742575DCAE5}"/>
+                  </a:ext>
+                </a:extLst>
+              </p:cNvPr>
+              <p:cNvSpPr/>
+              <p:nvPr/>
+            </p:nvSpPr>
+            <p:spPr>
+              <a:xfrm>
+                <a:off x="5825939" y="4741254"/>
+                <a:ext cx="1479331" cy="870970"/>
+              </a:xfrm>
+              <a:prstGeom prst="roundRect">
+                <a:avLst/>
+              </a:prstGeom>
+              <a:solidFill>
+                <a:schemeClr val="bg1"/>
+              </a:solidFill>
+              <a:ln>
+                <a:solidFill>
+                  <a:srgbClr val="0070C0"/>
+                </a:solidFill>
+              </a:ln>
+            </p:spPr>
+            <p:style>
+              <a:lnRef idx="2">
+                <a:schemeClr val="accent1">
+                  <a:shade val="50000"/>
+                </a:schemeClr>
+              </a:lnRef>
+              <a:fillRef idx="1">
+                <a:schemeClr val="accent1"/>
+              </a:fillRef>
+              <a:effectRef idx="0">
+                <a:schemeClr val="accent1"/>
+              </a:effectRef>
+              <a:fontRef idx="minor">
+                <a:schemeClr val="lt1"/>
+              </a:fontRef>
+            </p:style>
+            <p:txBody>
+              <a:bodyPr rtlCol="0" anchor="ctr"/>
+              <a:lstStyle/>
+              <a:p>
+                <a:pPr algn="ctr"/>
+                <a:endParaRPr lang="en-IN" sz="600" dirty="0">
+                  <a:latin typeface="Verdana" panose="020B0604030504040204" pitchFamily="34" charset="0"/>
+                  <a:ea typeface="Verdana" panose="020B0604030504040204" pitchFamily="34" charset="0"/>
+                </a:endParaRPr>
+              </a:p>
+            </p:txBody>
+          </p:sp>
+          <p:sp>
+            <p:nvSpPr>
+              <p:cNvPr id="168" name="Rectangle 167">
+                <a:extLst>
+                  <a:ext uri="{FF2B5EF4-FFF2-40B4-BE49-F238E27FC236}">
+                    <a16:creationId xmlns:a16="http://schemas.microsoft.com/office/drawing/2014/main" id="{0D59037F-AD59-63EF-1F12-727E065D023D}"/>
+                  </a:ext>
+                </a:extLst>
+              </p:cNvPr>
+              <p:cNvSpPr/>
+              <p:nvPr/>
+            </p:nvSpPr>
+            <p:spPr>
+              <a:xfrm>
+                <a:off x="5924729" y="4812166"/>
+                <a:ext cx="612000" cy="240267"/>
+              </a:xfrm>
+              <a:prstGeom prst="rect">
+                <a:avLst/>
+              </a:prstGeom>
+            </p:spPr>
+            <p:style>
+              <a:lnRef idx="2">
+                <a:schemeClr val="accent1">
+                  <a:shade val="50000"/>
+                </a:schemeClr>
+              </a:lnRef>
+              <a:fillRef idx="1">
+                <a:schemeClr val="accent1"/>
+              </a:fillRef>
+              <a:effectRef idx="0">
+                <a:schemeClr val="accent1"/>
+              </a:effectRef>
+              <a:fontRef idx="minor">
+                <a:schemeClr val="lt1"/>
+              </a:fontRef>
+            </p:style>
+            <p:txBody>
+              <a:bodyPr rtlCol="0" anchor="ctr"/>
+              <a:lstStyle/>
+              <a:p>
+                <a:pPr algn="ctr"/>
+                <a:r>
+                  <a:rPr lang="en-US" sz="600" b="1" dirty="0">
+                    <a:latin typeface="Verdana" panose="020B0604030504040204" pitchFamily="34" charset="0"/>
+                    <a:ea typeface="Verdana" panose="020B0604030504040204" pitchFamily="34" charset="0"/>
+                  </a:rPr>
+                  <a:t>Container</a:t>
+                </a:r>
+                <a:endParaRPr lang="en-IN" sz="600" b="1" dirty="0">
+                  <a:latin typeface="Verdana" panose="020B0604030504040204" pitchFamily="34" charset="0"/>
+                  <a:ea typeface="Verdana" panose="020B0604030504040204" pitchFamily="34" charset="0"/>
+                </a:endParaRPr>
+              </a:p>
+            </p:txBody>
+          </p:sp>
+          <p:sp>
+            <p:nvSpPr>
+              <p:cNvPr id="169" name="Rectangle 168">
+                <a:extLst>
+                  <a:ext uri="{FF2B5EF4-FFF2-40B4-BE49-F238E27FC236}">
+                    <a16:creationId xmlns:a16="http://schemas.microsoft.com/office/drawing/2014/main" id="{BBE1C305-0D95-F750-D791-93702F7DD535}"/>
+                  </a:ext>
+                </a:extLst>
+              </p:cNvPr>
+              <p:cNvSpPr/>
+              <p:nvPr/>
+            </p:nvSpPr>
+            <p:spPr>
+              <a:xfrm>
+                <a:off x="5924729" y="5301878"/>
+                <a:ext cx="612000" cy="240267"/>
+              </a:xfrm>
+              <a:prstGeom prst="rect">
+                <a:avLst/>
+              </a:prstGeom>
+            </p:spPr>
+            <p:style>
+              <a:lnRef idx="2">
+                <a:schemeClr val="accent1">
+                  <a:shade val="50000"/>
+                </a:schemeClr>
+              </a:lnRef>
+              <a:fillRef idx="1">
+                <a:schemeClr val="accent1"/>
+              </a:fillRef>
+              <a:effectRef idx="0">
+                <a:schemeClr val="accent1"/>
+              </a:effectRef>
+              <a:fontRef idx="minor">
+                <a:schemeClr val="lt1"/>
+              </a:fontRef>
+            </p:style>
+            <p:txBody>
+              <a:bodyPr rtlCol="0" anchor="ctr"/>
+              <a:lstStyle/>
+              <a:p>
+                <a:pPr algn="ctr"/>
+                <a:r>
+                  <a:rPr lang="en-US" sz="600" b="1" dirty="0">
+                    <a:latin typeface="Verdana" panose="020B0604030504040204" pitchFamily="34" charset="0"/>
+                    <a:ea typeface="Verdana" panose="020B0604030504040204" pitchFamily="34" charset="0"/>
+                  </a:rPr>
+                  <a:t>Container</a:t>
+                </a:r>
+                <a:endParaRPr lang="en-IN" sz="600" b="1" dirty="0">
+                  <a:latin typeface="Verdana" panose="020B0604030504040204" pitchFamily="34" charset="0"/>
+                  <a:ea typeface="Verdana" panose="020B0604030504040204" pitchFamily="34" charset="0"/>
+                </a:endParaRPr>
+              </a:p>
+            </p:txBody>
+          </p:sp>
+          <p:sp>
+            <p:nvSpPr>
+              <p:cNvPr id="171" name="Rectangle 170">
+                <a:extLst>
+                  <a:ext uri="{FF2B5EF4-FFF2-40B4-BE49-F238E27FC236}">
+                    <a16:creationId xmlns:a16="http://schemas.microsoft.com/office/drawing/2014/main" id="{7AC8E062-F886-83EB-D7CC-0462897510A3}"/>
+                  </a:ext>
+                </a:extLst>
+              </p:cNvPr>
+              <p:cNvSpPr/>
+              <p:nvPr/>
+            </p:nvSpPr>
+            <p:spPr>
+              <a:xfrm>
+                <a:off x="6658983" y="4812166"/>
+                <a:ext cx="576000" cy="240267"/>
+              </a:xfrm>
+              <a:prstGeom prst="rect">
+                <a:avLst/>
+              </a:prstGeom>
+            </p:spPr>
+            <p:style>
+              <a:lnRef idx="2">
+                <a:schemeClr val="accent1">
+                  <a:shade val="50000"/>
+                </a:schemeClr>
+              </a:lnRef>
+              <a:fillRef idx="1">
+                <a:schemeClr val="accent1"/>
+              </a:fillRef>
+              <a:effectRef idx="0">
+                <a:schemeClr val="accent1"/>
+              </a:effectRef>
+              <a:fontRef idx="minor">
+                <a:schemeClr val="lt1"/>
+              </a:fontRef>
+            </p:style>
+            <p:txBody>
+              <a:bodyPr rtlCol="0" anchor="ctr"/>
+              <a:lstStyle/>
+              <a:p>
+                <a:pPr algn="ctr"/>
+                <a:r>
+                  <a:rPr lang="en-US" sz="600" b="1" dirty="0">
+                    <a:latin typeface="Verdana" panose="020B0604030504040204" pitchFamily="34" charset="0"/>
+                    <a:ea typeface="Verdana" panose="020B0604030504040204" pitchFamily="34" charset="0"/>
+                  </a:rPr>
+                  <a:t>Shared Volumes</a:t>
+                </a:r>
+                <a:endParaRPr lang="en-IN" sz="600" b="1" dirty="0">
+                  <a:latin typeface="Verdana" panose="020B0604030504040204" pitchFamily="34" charset="0"/>
+                  <a:ea typeface="Verdana" panose="020B0604030504040204" pitchFamily="34" charset="0"/>
+                </a:endParaRPr>
+              </a:p>
+            </p:txBody>
+          </p:sp>
+          <p:sp>
+            <p:nvSpPr>
+              <p:cNvPr id="172" name="Rectangle 171">
+                <a:extLst>
+                  <a:ext uri="{FF2B5EF4-FFF2-40B4-BE49-F238E27FC236}">
+                    <a16:creationId xmlns:a16="http://schemas.microsoft.com/office/drawing/2014/main" id="{A7DB55B5-495A-B2B2-94E3-CC122383BA68}"/>
+                  </a:ext>
+                </a:extLst>
+              </p:cNvPr>
+              <p:cNvSpPr/>
+              <p:nvPr/>
+            </p:nvSpPr>
+            <p:spPr>
+              <a:xfrm>
+                <a:off x="6658983" y="5114169"/>
+                <a:ext cx="576000" cy="240267"/>
+              </a:xfrm>
+              <a:prstGeom prst="rect">
+                <a:avLst/>
+              </a:prstGeom>
+            </p:spPr>
+            <p:style>
+              <a:lnRef idx="2">
+                <a:schemeClr val="accent1">
+                  <a:shade val="50000"/>
+                </a:schemeClr>
+              </a:lnRef>
+              <a:fillRef idx="1">
+                <a:schemeClr val="accent1"/>
+              </a:fillRef>
+              <a:effectRef idx="0">
+                <a:schemeClr val="accent1"/>
+              </a:effectRef>
+              <a:fontRef idx="minor">
+                <a:schemeClr val="lt1"/>
+              </a:fontRef>
+            </p:style>
+            <p:txBody>
+              <a:bodyPr rtlCol="0" anchor="ctr"/>
+              <a:lstStyle/>
+              <a:p>
+                <a:pPr algn="ctr"/>
+                <a:r>
+                  <a:rPr lang="en-US" sz="600" b="1" dirty="0">
+                    <a:latin typeface="Verdana" panose="020B0604030504040204" pitchFamily="34" charset="0"/>
+                    <a:ea typeface="Verdana" panose="020B0604030504040204" pitchFamily="34" charset="0"/>
+                  </a:rPr>
+                  <a:t>Shared IP</a:t>
+                </a:r>
+                <a:endParaRPr lang="en-IN" sz="600" b="1" dirty="0">
+                  <a:latin typeface="Verdana" panose="020B0604030504040204" pitchFamily="34" charset="0"/>
+                  <a:ea typeface="Verdana" panose="020B0604030504040204" pitchFamily="34" charset="0"/>
+                </a:endParaRPr>
+              </a:p>
+            </p:txBody>
+          </p:sp>
+          <p:cxnSp>
+            <p:nvCxnSpPr>
+              <p:cNvPr id="174" name="Straight Connector 173">
+                <a:extLst>
+                  <a:ext uri="{FF2B5EF4-FFF2-40B4-BE49-F238E27FC236}">
+                    <a16:creationId xmlns:a16="http://schemas.microsoft.com/office/drawing/2014/main" id="{7F175F48-1516-A034-AEC8-B3E0D18553E4}"/>
+                  </a:ext>
+                </a:extLst>
+              </p:cNvPr>
+              <p:cNvCxnSpPr/>
+              <p:nvPr/>
+            </p:nvCxnSpPr>
+            <p:spPr>
+              <a:xfrm>
+                <a:off x="6230729" y="5098495"/>
+                <a:ext cx="0" cy="180000"/>
+              </a:xfrm>
+              <a:prstGeom prst="line">
+                <a:avLst/>
+              </a:prstGeom>
+              <a:ln w="12700" cap="flat" cmpd="sng" algn="ctr">
+                <a:solidFill>
+                  <a:schemeClr val="accent1"/>
+                </a:solidFill>
+                <a:prstDash val="dash"/>
+                <a:round/>
+                <a:headEnd type="none" w="med" len="med"/>
+                <a:tailEnd type="none" w="med" len="med"/>
+              </a:ln>
+            </p:spPr>
+            <p:style>
+              <a:lnRef idx="0">
+                <a:scrgbClr r="0" g="0" b="0"/>
+              </a:lnRef>
+              <a:fillRef idx="0">
+                <a:scrgbClr r="0" g="0" b="0"/>
+              </a:fillRef>
+              <a:effectRef idx="0">
+                <a:scrgbClr r="0" g="0" b="0"/>
+              </a:effectRef>
+              <a:fontRef idx="minor">
+                <a:schemeClr val="tx1"/>
+              </a:fontRef>
+            </p:style>
+          </p:cxnSp>
+          <p:sp>
+            <p:nvSpPr>
+              <p:cNvPr id="177" name="TextBox 176">
+                <a:extLst>
+                  <a:ext uri="{FF2B5EF4-FFF2-40B4-BE49-F238E27FC236}">
+                    <a16:creationId xmlns:a16="http://schemas.microsoft.com/office/drawing/2014/main" id="{E07F3A50-8B51-71D6-DD17-056A27E112AB}"/>
+                  </a:ext>
+                </a:extLst>
+              </p:cNvPr>
+              <p:cNvSpPr txBox="1"/>
+              <p:nvPr/>
+            </p:nvSpPr>
+            <p:spPr>
+              <a:xfrm>
+                <a:off x="5852711" y="5612747"/>
+                <a:ext cx="532297" cy="246221"/>
+              </a:xfrm>
+              <a:prstGeom prst="rect">
+                <a:avLst/>
+              </a:prstGeom>
+              <a:noFill/>
+            </p:spPr>
+            <p:txBody>
+              <a:bodyPr wrap="square" rtlCol="0">
+                <a:spAutoFit/>
+              </a:bodyPr>
+              <a:lstStyle/>
+              <a:p>
+                <a:r>
+                  <a:rPr lang="en-US" sz="1000" b="1" dirty="0">
+                    <a:solidFill>
+                      <a:srgbClr val="0070C0"/>
+                    </a:solidFill>
+                    <a:latin typeface="Verdana" panose="020B0604030504040204" pitchFamily="34" charset="0"/>
+                    <a:ea typeface="Verdana" panose="020B0604030504040204" pitchFamily="34" charset="0"/>
+                  </a:rPr>
+                  <a:t>POD</a:t>
+                </a:r>
+                <a:endParaRPr lang="en-IN" sz="1000" b="1" dirty="0">
+                  <a:solidFill>
+                    <a:srgbClr val="0070C0"/>
+                  </a:solidFill>
+                  <a:latin typeface="Verdana" panose="020B0604030504040204" pitchFamily="34" charset="0"/>
+                  <a:ea typeface="Verdana" panose="020B0604030504040204" pitchFamily="34" charset="0"/>
+                </a:endParaRPr>
+              </a:p>
+            </p:txBody>
+          </p:sp>
+        </p:grpSp>
+        <p:grpSp>
+          <p:nvGrpSpPr>
+            <p:cNvPr id="111" name="Group 110">
+              <a:extLst>
+                <a:ext uri="{FF2B5EF4-FFF2-40B4-BE49-F238E27FC236}">
+                  <a16:creationId xmlns:a16="http://schemas.microsoft.com/office/drawing/2014/main" id="{0F93F2D4-5FDF-3E26-20D7-CBEFE7DDAE16}"/>
+                </a:ext>
+              </a:extLst>
+            </p:cNvPr>
+            <p:cNvGrpSpPr/>
+            <p:nvPr/>
+          </p:nvGrpSpPr>
+          <p:grpSpPr>
+            <a:xfrm>
+              <a:off x="7944802" y="659411"/>
+              <a:ext cx="797265" cy="903186"/>
+              <a:chOff x="7715298" y="468047"/>
+              <a:chExt cx="797265" cy="903186"/>
+            </a:xfrm>
+          </p:grpSpPr>
+          <p:grpSp>
+            <p:nvGrpSpPr>
+              <p:cNvPr id="113" name="Group 112">
+                <a:extLst>
+                  <a:ext uri="{FF2B5EF4-FFF2-40B4-BE49-F238E27FC236}">
+                    <a16:creationId xmlns:a16="http://schemas.microsoft.com/office/drawing/2014/main" id="{F3FD1AF9-316E-804C-EE07-76622EC8CA68}"/>
+                  </a:ext>
+                </a:extLst>
+              </p:cNvPr>
+              <p:cNvGrpSpPr/>
+              <p:nvPr/>
+            </p:nvGrpSpPr>
+            <p:grpSpPr>
+              <a:xfrm>
+                <a:off x="7833949" y="714367"/>
+                <a:ext cx="632974" cy="656866"/>
+                <a:chOff x="7833949" y="714367"/>
+                <a:chExt cx="632974" cy="656866"/>
+              </a:xfrm>
+            </p:grpSpPr>
+            <p:sp>
+              <p:nvSpPr>
+                <p:cNvPr id="115" name="Rectangle 114">
+                  <a:extLst>
+                    <a:ext uri="{FF2B5EF4-FFF2-40B4-BE49-F238E27FC236}">
+                      <a16:creationId xmlns:a16="http://schemas.microsoft.com/office/drawing/2014/main" id="{F7FF7B16-B7CA-7E87-6B7A-E1688DE44187}"/>
+                    </a:ext>
+                  </a:extLst>
+                </p:cNvPr>
+                <p:cNvSpPr/>
+                <p:nvPr/>
+              </p:nvSpPr>
+              <p:spPr>
+                <a:xfrm>
+                  <a:off x="7833949" y="714367"/>
+                  <a:ext cx="632974" cy="197461"/>
+                </a:xfrm>
+                <a:prstGeom prst="rect">
+                  <a:avLst/>
+                </a:prstGeom>
+                <a:solidFill>
+                  <a:schemeClr val="accent6"/>
+                </a:solidFill>
+              </p:spPr>
+              <p:style>
+                <a:lnRef idx="2">
+                  <a:schemeClr val="accent6">
+                    <a:shade val="50000"/>
+                  </a:schemeClr>
+                </a:lnRef>
+                <a:fillRef idx="1">
+                  <a:schemeClr val="accent6"/>
+                </a:fillRef>
+                <a:effectRef idx="0">
+                  <a:schemeClr val="accent6"/>
+                </a:effectRef>
+                <a:fontRef idx="minor">
+                  <a:schemeClr val="lt1"/>
+                </a:fontRef>
+              </p:style>
+              <p:txBody>
+                <a:bodyPr rtlCol="0" anchor="ctr"/>
+                <a:lstStyle/>
+                <a:p>
+                  <a:pPr algn="ctr"/>
+                  <a:r>
+                    <a:rPr lang="en-US" sz="600" b="1" dirty="0" err="1">
+                      <a:latin typeface="Verdana" panose="020B0604030504040204" pitchFamily="34" charset="0"/>
+                      <a:ea typeface="Verdana" panose="020B0604030504040204" pitchFamily="34" charset="0"/>
+                    </a:rPr>
+                    <a:t>Kubelet</a:t>
+                  </a:r>
+                  <a:endParaRPr lang="en-IN" sz="600" b="1" dirty="0">
+                    <a:latin typeface="Verdana" panose="020B0604030504040204" pitchFamily="34" charset="0"/>
+                    <a:ea typeface="Verdana" panose="020B0604030504040204" pitchFamily="34" charset="0"/>
+                  </a:endParaRPr>
+                </a:p>
+              </p:txBody>
+            </p:sp>
+            <p:sp>
+              <p:nvSpPr>
+                <p:cNvPr id="116" name="Rectangle 115">
+                  <a:extLst>
+                    <a:ext uri="{FF2B5EF4-FFF2-40B4-BE49-F238E27FC236}">
+                      <a16:creationId xmlns:a16="http://schemas.microsoft.com/office/drawing/2014/main" id="{2F4B0067-DF18-32C9-3AC3-A7C65D381BB0}"/>
+                    </a:ext>
+                  </a:extLst>
+                </p:cNvPr>
+                <p:cNvSpPr/>
+                <p:nvPr/>
+              </p:nvSpPr>
+              <p:spPr>
+                <a:xfrm>
+                  <a:off x="7833949" y="944082"/>
+                  <a:ext cx="632974" cy="197461"/>
+                </a:xfrm>
+                <a:prstGeom prst="rect">
+                  <a:avLst/>
+                </a:prstGeom>
+                <a:solidFill>
+                  <a:schemeClr val="accent6"/>
+                </a:solidFill>
+              </p:spPr>
+              <p:style>
+                <a:lnRef idx="2">
+                  <a:schemeClr val="accent6">
+                    <a:shade val="50000"/>
+                  </a:schemeClr>
+                </a:lnRef>
+                <a:fillRef idx="1">
+                  <a:schemeClr val="accent6"/>
+                </a:fillRef>
+                <a:effectRef idx="0">
+                  <a:schemeClr val="accent6"/>
+                </a:effectRef>
+                <a:fontRef idx="minor">
+                  <a:schemeClr val="lt1"/>
+                </a:fontRef>
+              </p:style>
+              <p:txBody>
+                <a:bodyPr rtlCol="0" anchor="ctr"/>
+                <a:lstStyle/>
+                <a:p>
+                  <a:pPr algn="ctr"/>
+                  <a:r>
+                    <a:rPr lang="en-US" sz="600" b="1" dirty="0" err="1">
+                      <a:latin typeface="Verdana" panose="020B0604030504040204" pitchFamily="34" charset="0"/>
+                      <a:ea typeface="Verdana" panose="020B0604030504040204" pitchFamily="34" charset="0"/>
+                    </a:rPr>
+                    <a:t>Kube</a:t>
+                  </a:r>
+                  <a:r>
+                    <a:rPr lang="en-US" sz="600" b="1" dirty="0">
+                      <a:latin typeface="Verdana" panose="020B0604030504040204" pitchFamily="34" charset="0"/>
+                      <a:ea typeface="Verdana" panose="020B0604030504040204" pitchFamily="34" charset="0"/>
+                    </a:rPr>
+                    <a:t> Proxy</a:t>
+                  </a:r>
+                  <a:endParaRPr lang="en-IN" sz="600" b="1" dirty="0">
+                    <a:latin typeface="Verdana" panose="020B0604030504040204" pitchFamily="34" charset="0"/>
+                    <a:ea typeface="Verdana" panose="020B0604030504040204" pitchFamily="34" charset="0"/>
+                  </a:endParaRPr>
+                </a:p>
+              </p:txBody>
+            </p:sp>
+            <p:sp>
+              <p:nvSpPr>
+                <p:cNvPr id="165" name="Rectangle 164">
+                  <a:extLst>
+                    <a:ext uri="{FF2B5EF4-FFF2-40B4-BE49-F238E27FC236}">
+                      <a16:creationId xmlns:a16="http://schemas.microsoft.com/office/drawing/2014/main" id="{79351F58-9422-541E-2392-6E3C7AD8E8C6}"/>
+                    </a:ext>
+                  </a:extLst>
+                </p:cNvPr>
+                <p:cNvSpPr/>
+                <p:nvPr/>
+              </p:nvSpPr>
+              <p:spPr>
+                <a:xfrm>
+                  <a:off x="7833949" y="1173772"/>
+                  <a:ext cx="632974" cy="197461"/>
+                </a:xfrm>
+                <a:prstGeom prst="rect">
+                  <a:avLst/>
+                </a:prstGeom>
+                <a:solidFill>
+                  <a:schemeClr val="accent6"/>
+                </a:solidFill>
+              </p:spPr>
+              <p:style>
+                <a:lnRef idx="2">
+                  <a:schemeClr val="accent6">
+                    <a:shade val="50000"/>
+                  </a:schemeClr>
+                </a:lnRef>
+                <a:fillRef idx="1">
+                  <a:schemeClr val="accent6"/>
+                </a:fillRef>
+                <a:effectRef idx="0">
+                  <a:schemeClr val="accent6"/>
+                </a:effectRef>
+                <a:fontRef idx="minor">
+                  <a:schemeClr val="lt1"/>
+                </a:fontRef>
+              </p:style>
+              <p:txBody>
+                <a:bodyPr rtlCol="0" anchor="ctr"/>
+                <a:lstStyle/>
+                <a:p>
+                  <a:pPr algn="ctr"/>
+                  <a:r>
+                    <a:rPr lang="en-US" sz="600" b="1" dirty="0">
+                      <a:latin typeface="Verdana" panose="020B0604030504040204" pitchFamily="34" charset="0"/>
+                      <a:ea typeface="Verdana" panose="020B0604030504040204" pitchFamily="34" charset="0"/>
+                    </a:rPr>
+                    <a:t>Container Runtime</a:t>
+                  </a:r>
+                  <a:endParaRPr lang="en-IN" sz="600" b="1" dirty="0">
+                    <a:latin typeface="Verdana" panose="020B0604030504040204" pitchFamily="34" charset="0"/>
+                    <a:ea typeface="Verdana" panose="020B0604030504040204" pitchFamily="34" charset="0"/>
+                  </a:endParaRPr>
+                </a:p>
+              </p:txBody>
+            </p:sp>
+          </p:grpSp>
+          <p:sp>
+            <p:nvSpPr>
+              <p:cNvPr id="114" name="TextBox 113">
+                <a:extLst>
+                  <a:ext uri="{FF2B5EF4-FFF2-40B4-BE49-F238E27FC236}">
+                    <a16:creationId xmlns:a16="http://schemas.microsoft.com/office/drawing/2014/main" id="{872CB7A1-54D4-C546-1530-840185B40A9D}"/>
+                  </a:ext>
+                </a:extLst>
+              </p:cNvPr>
+              <p:cNvSpPr txBox="1"/>
+              <p:nvPr/>
+            </p:nvSpPr>
+            <p:spPr>
+              <a:xfrm>
+                <a:off x="7715298" y="468047"/>
+                <a:ext cx="797265" cy="246221"/>
+              </a:xfrm>
+              <a:prstGeom prst="rect">
+                <a:avLst/>
+              </a:prstGeom>
+              <a:noFill/>
+            </p:spPr>
+            <p:txBody>
+              <a:bodyPr wrap="square" rtlCol="0">
+                <a:spAutoFit/>
+              </a:bodyPr>
+              <a:lstStyle/>
+              <a:p>
+                <a:r>
+                  <a:rPr lang="en-US" sz="1000" b="1" dirty="0">
+                    <a:solidFill>
+                      <a:schemeClr val="accent6"/>
+                    </a:solidFill>
+                    <a:latin typeface="Verdana" panose="020B0604030504040204" pitchFamily="34" charset="0"/>
+                    <a:ea typeface="Verdana" panose="020B0604030504040204" pitchFamily="34" charset="0"/>
+                  </a:rPr>
+                  <a:t>Services</a:t>
+                </a:r>
+                <a:endParaRPr lang="en-IN" sz="1000" b="1" dirty="0">
+                  <a:solidFill>
+                    <a:schemeClr val="accent6"/>
+                  </a:solidFill>
+                  <a:latin typeface="Verdana" panose="020B0604030504040204" pitchFamily="34" charset="0"/>
+                  <a:ea typeface="Verdana" panose="020B0604030504040204" pitchFamily="34" charset="0"/>
+                </a:endParaRPr>
+              </a:p>
+            </p:txBody>
+          </p:sp>
+        </p:grpSp>
+        <p:sp>
+          <p:nvSpPr>
+            <p:cNvPr id="112" name="TextBox 111">
+              <a:extLst>
+                <a:ext uri="{FF2B5EF4-FFF2-40B4-BE49-F238E27FC236}">
+                  <a16:creationId xmlns:a16="http://schemas.microsoft.com/office/drawing/2014/main" id="{D9251A87-2CBA-63A1-B84A-1DE4F7E79358}"/>
+                </a:ext>
+              </a:extLst>
+            </p:cNvPr>
+            <p:cNvSpPr txBox="1"/>
+            <p:nvPr/>
+          </p:nvSpPr>
+          <p:spPr>
+            <a:xfrm>
+              <a:off x="8621171" y="155544"/>
+              <a:ext cx="1333500" cy="276999"/>
+            </a:xfrm>
+            <a:prstGeom prst="rect">
+              <a:avLst/>
+            </a:prstGeom>
+            <a:noFill/>
+          </p:spPr>
+          <p:txBody>
+            <a:bodyPr wrap="square" rtlCol="0">
+              <a:spAutoFit/>
+            </a:bodyPr>
+            <a:lstStyle/>
+            <a:p>
+              <a:r>
+                <a:rPr lang="en-US" sz="1200" b="1" dirty="0">
+                  <a:solidFill>
+                    <a:schemeClr val="accent4">
+                      <a:lumMod val="75000"/>
+                    </a:schemeClr>
+                  </a:solidFill>
+                  <a:latin typeface="Verdana" panose="020B0604030504040204" pitchFamily="34" charset="0"/>
+                  <a:ea typeface="Verdana" panose="020B0604030504040204" pitchFamily="34" charset="0"/>
+                </a:rPr>
+                <a:t>Worker Node</a:t>
+              </a:r>
+              <a:endParaRPr lang="en-IN" sz="1200" b="1" dirty="0">
+                <a:solidFill>
+                  <a:schemeClr val="accent4">
+                    <a:lumMod val="75000"/>
+                  </a:schemeClr>
+                </a:solidFill>
+                <a:latin typeface="Verdana" panose="020B0604030504040204" pitchFamily="34" charset="0"/>
+                <a:ea typeface="Verdana" panose="020B0604030504040204" pitchFamily="34" charset="0"/>
+              </a:endParaRPr>
+            </a:p>
+          </p:txBody>
+        </p:sp>
+      </p:grpSp>
+      <p:grpSp>
+        <p:nvGrpSpPr>
+          <p:cNvPr id="211" name="Group 210">
+            <a:extLst>
+              <a:ext uri="{FF2B5EF4-FFF2-40B4-BE49-F238E27FC236}">
+                <a16:creationId xmlns:a16="http://schemas.microsoft.com/office/drawing/2014/main" id="{03618AC6-721C-399E-E735-A77BA2A79381}"/>
+              </a:ext>
+            </a:extLst>
+          </p:cNvPr>
+          <p:cNvGrpSpPr/>
+          <p:nvPr/>
+        </p:nvGrpSpPr>
+        <p:grpSpPr>
+          <a:xfrm>
+            <a:off x="8582977" y="663084"/>
+            <a:ext cx="3240000" cy="2903204"/>
+            <a:chOff x="7792402" y="148734"/>
+            <a:chExt cx="3240000" cy="2903204"/>
+          </a:xfrm>
+        </p:grpSpPr>
+        <p:sp>
+          <p:nvSpPr>
+            <p:cNvPr id="212" name="Rectangle: Rounded Corners 211">
+              <a:extLst>
+                <a:ext uri="{FF2B5EF4-FFF2-40B4-BE49-F238E27FC236}">
+                  <a16:creationId xmlns:a16="http://schemas.microsoft.com/office/drawing/2014/main" id="{69386E2D-4EA0-297B-D5EC-1041F105065C}"/>
+                </a:ext>
+              </a:extLst>
+            </p:cNvPr>
+            <p:cNvSpPr/>
+            <p:nvPr/>
+          </p:nvSpPr>
+          <p:spPr>
+            <a:xfrm>
+              <a:off x="7792402" y="148734"/>
+              <a:ext cx="3240000" cy="2903204"/>
+            </a:xfrm>
+            <a:prstGeom prst="roundRect">
+              <a:avLst/>
+            </a:prstGeom>
+            <a:noFill/>
+            <a:ln w="19050">
+              <a:solidFill>
+                <a:schemeClr val="accent4">
+                  <a:lumMod val="75000"/>
+                </a:schemeClr>
+              </a:solidFill>
+            </a:ln>
+          </p:spPr>
+          <p:style>
+            <a:lnRef idx="2">
+              <a:schemeClr val="accent4">
+                <a:shade val="50000"/>
+              </a:schemeClr>
+            </a:lnRef>
+            <a:fillRef idx="1">
+              <a:schemeClr val="accent4"/>
+            </a:fillRef>
+            <a:effectRef idx="0">
+              <a:schemeClr val="accent4"/>
+            </a:effectRef>
+            <a:fontRef idx="minor">
+              <a:schemeClr val="lt1"/>
+            </a:fontRef>
+          </p:style>
+          <p:txBody>
+            <a:bodyPr rtlCol="0" anchor="ctr"/>
+            <a:lstStyle/>
+            <a:p>
+              <a:pPr algn="ctr"/>
+              <a:endParaRPr lang="en-IN"/>
+            </a:p>
+          </p:txBody>
+        </p:sp>
+        <p:grpSp>
+          <p:nvGrpSpPr>
+            <p:cNvPr id="213" name="Group 212">
+              <a:extLst>
+                <a:ext uri="{FF2B5EF4-FFF2-40B4-BE49-F238E27FC236}">
+                  <a16:creationId xmlns:a16="http://schemas.microsoft.com/office/drawing/2014/main" id="{1A934926-A4D1-13B5-2633-2795497C0896}"/>
+                </a:ext>
+              </a:extLst>
+            </p:cNvPr>
+            <p:cNvGrpSpPr/>
+            <p:nvPr/>
+          </p:nvGrpSpPr>
+          <p:grpSpPr>
+            <a:xfrm>
+              <a:off x="9455639" y="1866144"/>
+              <a:ext cx="1479331" cy="1117714"/>
+              <a:chOff x="5825939" y="4741254"/>
+              <a:chExt cx="1479331" cy="1117714"/>
+            </a:xfrm>
+          </p:grpSpPr>
+          <p:sp>
+            <p:nvSpPr>
+              <p:cNvPr id="237" name="Rectangle: Rounded Corners 236">
+                <a:extLst>
+                  <a:ext uri="{FF2B5EF4-FFF2-40B4-BE49-F238E27FC236}">
+                    <a16:creationId xmlns:a16="http://schemas.microsoft.com/office/drawing/2014/main" id="{167BAFE7-3CB2-808A-09B1-E65DA25F382A}"/>
+                  </a:ext>
+                </a:extLst>
+              </p:cNvPr>
+              <p:cNvSpPr/>
+              <p:nvPr/>
+            </p:nvSpPr>
+            <p:spPr>
+              <a:xfrm>
+                <a:off x="5825939" y="4741254"/>
+                <a:ext cx="1479331" cy="870970"/>
+              </a:xfrm>
+              <a:prstGeom prst="roundRect">
+                <a:avLst/>
+              </a:prstGeom>
+              <a:solidFill>
+                <a:schemeClr val="bg1"/>
+              </a:solidFill>
+              <a:ln>
+                <a:solidFill>
+                  <a:srgbClr val="0070C0"/>
+                </a:solidFill>
+              </a:ln>
+            </p:spPr>
+            <p:style>
+              <a:lnRef idx="2">
+                <a:schemeClr val="accent1">
+                  <a:shade val="50000"/>
+                </a:schemeClr>
+              </a:lnRef>
+              <a:fillRef idx="1">
+                <a:schemeClr val="accent1"/>
+              </a:fillRef>
+              <a:effectRef idx="0">
+                <a:schemeClr val="accent1"/>
+              </a:effectRef>
+              <a:fontRef idx="minor">
+                <a:schemeClr val="lt1"/>
+              </a:fontRef>
+            </p:style>
+            <p:txBody>
+              <a:bodyPr rtlCol="0" anchor="ctr"/>
+              <a:lstStyle/>
+              <a:p>
+                <a:pPr algn="ctr"/>
+                <a:endParaRPr lang="en-IN" sz="600" dirty="0">
+                  <a:latin typeface="Verdana" panose="020B0604030504040204" pitchFamily="34" charset="0"/>
+                  <a:ea typeface="Verdana" panose="020B0604030504040204" pitchFamily="34" charset="0"/>
+                </a:endParaRPr>
+              </a:p>
+            </p:txBody>
+          </p:sp>
+          <p:sp>
+            <p:nvSpPr>
+              <p:cNvPr id="238" name="Rectangle 237">
+                <a:extLst>
+                  <a:ext uri="{FF2B5EF4-FFF2-40B4-BE49-F238E27FC236}">
+                    <a16:creationId xmlns:a16="http://schemas.microsoft.com/office/drawing/2014/main" id="{398CAB42-4908-0F5A-BB23-6875ECD8FFF3}"/>
+                  </a:ext>
+                </a:extLst>
+              </p:cNvPr>
+              <p:cNvSpPr/>
+              <p:nvPr/>
+            </p:nvSpPr>
+            <p:spPr>
+              <a:xfrm>
+                <a:off x="5924729" y="4812166"/>
+                <a:ext cx="612000" cy="240267"/>
+              </a:xfrm>
+              <a:prstGeom prst="rect">
+                <a:avLst/>
+              </a:prstGeom>
+            </p:spPr>
+            <p:style>
+              <a:lnRef idx="2">
+                <a:schemeClr val="accent1">
+                  <a:shade val="50000"/>
+                </a:schemeClr>
+              </a:lnRef>
+              <a:fillRef idx="1">
+                <a:schemeClr val="accent1"/>
+              </a:fillRef>
+              <a:effectRef idx="0">
+                <a:schemeClr val="accent1"/>
+              </a:effectRef>
+              <a:fontRef idx="minor">
+                <a:schemeClr val="lt1"/>
+              </a:fontRef>
+            </p:style>
+            <p:txBody>
+              <a:bodyPr rtlCol="0" anchor="ctr"/>
+              <a:lstStyle/>
+              <a:p>
+                <a:pPr algn="ctr"/>
+                <a:r>
+                  <a:rPr lang="en-US" sz="600" b="1" dirty="0">
+                    <a:latin typeface="Verdana" panose="020B0604030504040204" pitchFamily="34" charset="0"/>
+                    <a:ea typeface="Verdana" panose="020B0604030504040204" pitchFamily="34" charset="0"/>
+                  </a:rPr>
+                  <a:t>Container</a:t>
+                </a:r>
+                <a:endParaRPr lang="en-IN" sz="600" b="1" dirty="0">
+                  <a:latin typeface="Verdana" panose="020B0604030504040204" pitchFamily="34" charset="0"/>
+                  <a:ea typeface="Verdana" panose="020B0604030504040204" pitchFamily="34" charset="0"/>
+                </a:endParaRPr>
+              </a:p>
+            </p:txBody>
+          </p:sp>
+          <p:sp>
+            <p:nvSpPr>
+              <p:cNvPr id="239" name="Rectangle 238">
+                <a:extLst>
+                  <a:ext uri="{FF2B5EF4-FFF2-40B4-BE49-F238E27FC236}">
+                    <a16:creationId xmlns:a16="http://schemas.microsoft.com/office/drawing/2014/main" id="{3A63ED8F-4AAD-E815-5499-E1A08B3F7E85}"/>
+                  </a:ext>
+                </a:extLst>
+              </p:cNvPr>
+              <p:cNvSpPr/>
+              <p:nvPr/>
+            </p:nvSpPr>
+            <p:spPr>
+              <a:xfrm>
+                <a:off x="5924729" y="5301878"/>
+                <a:ext cx="612000" cy="240267"/>
+              </a:xfrm>
+              <a:prstGeom prst="rect">
+                <a:avLst/>
+              </a:prstGeom>
+            </p:spPr>
+            <p:style>
+              <a:lnRef idx="2">
+                <a:schemeClr val="accent1">
+                  <a:shade val="50000"/>
+                </a:schemeClr>
+              </a:lnRef>
+              <a:fillRef idx="1">
+                <a:schemeClr val="accent1"/>
+              </a:fillRef>
+              <a:effectRef idx="0">
+                <a:schemeClr val="accent1"/>
+              </a:effectRef>
+              <a:fontRef idx="minor">
+                <a:schemeClr val="lt1"/>
+              </a:fontRef>
+            </p:style>
+            <p:txBody>
+              <a:bodyPr rtlCol="0" anchor="ctr"/>
+              <a:lstStyle/>
+              <a:p>
+                <a:pPr algn="ctr"/>
+                <a:r>
+                  <a:rPr lang="en-US" sz="600" b="1" dirty="0">
+                    <a:latin typeface="Verdana" panose="020B0604030504040204" pitchFamily="34" charset="0"/>
+                    <a:ea typeface="Verdana" panose="020B0604030504040204" pitchFamily="34" charset="0"/>
+                  </a:rPr>
+                  <a:t>Container</a:t>
+                </a:r>
+                <a:endParaRPr lang="en-IN" sz="600" b="1" dirty="0">
+                  <a:latin typeface="Verdana" panose="020B0604030504040204" pitchFamily="34" charset="0"/>
+                  <a:ea typeface="Verdana" panose="020B0604030504040204" pitchFamily="34" charset="0"/>
+                </a:endParaRPr>
+              </a:p>
+            </p:txBody>
+          </p:sp>
+          <p:sp>
+            <p:nvSpPr>
+              <p:cNvPr id="240" name="Rectangle 239">
+                <a:extLst>
+                  <a:ext uri="{FF2B5EF4-FFF2-40B4-BE49-F238E27FC236}">
+                    <a16:creationId xmlns:a16="http://schemas.microsoft.com/office/drawing/2014/main" id="{FBA7F4E5-66D2-B3D8-E1A4-8E4E48DA3320}"/>
+                  </a:ext>
+                </a:extLst>
+              </p:cNvPr>
+              <p:cNvSpPr/>
+              <p:nvPr/>
+            </p:nvSpPr>
+            <p:spPr>
+              <a:xfrm>
+                <a:off x="6658983" y="4812166"/>
+                <a:ext cx="576000" cy="240267"/>
+              </a:xfrm>
+              <a:prstGeom prst="rect">
+                <a:avLst/>
+              </a:prstGeom>
+            </p:spPr>
+            <p:style>
+              <a:lnRef idx="2">
+                <a:schemeClr val="accent1">
+                  <a:shade val="50000"/>
+                </a:schemeClr>
+              </a:lnRef>
+              <a:fillRef idx="1">
+                <a:schemeClr val="accent1"/>
+              </a:fillRef>
+              <a:effectRef idx="0">
+                <a:schemeClr val="accent1"/>
+              </a:effectRef>
+              <a:fontRef idx="minor">
+                <a:schemeClr val="lt1"/>
+              </a:fontRef>
+            </p:style>
+            <p:txBody>
+              <a:bodyPr rtlCol="0" anchor="ctr"/>
+              <a:lstStyle/>
+              <a:p>
+                <a:pPr algn="ctr"/>
+                <a:r>
+                  <a:rPr lang="en-US" sz="600" b="1" dirty="0">
+                    <a:latin typeface="Verdana" panose="020B0604030504040204" pitchFamily="34" charset="0"/>
+                    <a:ea typeface="Verdana" panose="020B0604030504040204" pitchFamily="34" charset="0"/>
+                  </a:rPr>
+                  <a:t>Shared Volumes</a:t>
+                </a:r>
+                <a:endParaRPr lang="en-IN" sz="600" b="1" dirty="0">
+                  <a:latin typeface="Verdana" panose="020B0604030504040204" pitchFamily="34" charset="0"/>
+                  <a:ea typeface="Verdana" panose="020B0604030504040204" pitchFamily="34" charset="0"/>
+                </a:endParaRPr>
+              </a:p>
+            </p:txBody>
+          </p:sp>
+          <p:sp>
+            <p:nvSpPr>
+              <p:cNvPr id="241" name="Rectangle 240">
+                <a:extLst>
+                  <a:ext uri="{FF2B5EF4-FFF2-40B4-BE49-F238E27FC236}">
+                    <a16:creationId xmlns:a16="http://schemas.microsoft.com/office/drawing/2014/main" id="{F33FEE42-04C5-5ED6-694C-050E8EE6BBD3}"/>
+                  </a:ext>
+                </a:extLst>
+              </p:cNvPr>
+              <p:cNvSpPr/>
+              <p:nvPr/>
+            </p:nvSpPr>
+            <p:spPr>
+              <a:xfrm>
+                <a:off x="6658983" y="5114169"/>
+                <a:ext cx="576000" cy="240267"/>
+              </a:xfrm>
+              <a:prstGeom prst="rect">
+                <a:avLst/>
+              </a:prstGeom>
+            </p:spPr>
+            <p:style>
+              <a:lnRef idx="2">
+                <a:schemeClr val="accent1">
+                  <a:shade val="50000"/>
+                </a:schemeClr>
+              </a:lnRef>
+              <a:fillRef idx="1">
+                <a:schemeClr val="accent1"/>
+              </a:fillRef>
+              <a:effectRef idx="0">
+                <a:schemeClr val="accent1"/>
+              </a:effectRef>
+              <a:fontRef idx="minor">
+                <a:schemeClr val="lt1"/>
+              </a:fontRef>
+            </p:style>
+            <p:txBody>
+              <a:bodyPr rtlCol="0" anchor="ctr"/>
+              <a:lstStyle/>
+              <a:p>
+                <a:pPr algn="ctr"/>
+                <a:r>
+                  <a:rPr lang="en-US" sz="600" b="1" dirty="0">
+                    <a:latin typeface="Verdana" panose="020B0604030504040204" pitchFamily="34" charset="0"/>
+                    <a:ea typeface="Verdana" panose="020B0604030504040204" pitchFamily="34" charset="0"/>
+                  </a:rPr>
+                  <a:t>Shared IP</a:t>
+                </a:r>
+                <a:endParaRPr lang="en-IN" sz="600" b="1" dirty="0">
+                  <a:latin typeface="Verdana" panose="020B0604030504040204" pitchFamily="34" charset="0"/>
+                  <a:ea typeface="Verdana" panose="020B0604030504040204" pitchFamily="34" charset="0"/>
+                </a:endParaRPr>
+              </a:p>
+            </p:txBody>
+          </p:sp>
+          <p:cxnSp>
+            <p:nvCxnSpPr>
+              <p:cNvPr id="242" name="Straight Connector 241">
+                <a:extLst>
+                  <a:ext uri="{FF2B5EF4-FFF2-40B4-BE49-F238E27FC236}">
+                    <a16:creationId xmlns:a16="http://schemas.microsoft.com/office/drawing/2014/main" id="{78FF7084-98E8-FC36-9AF7-B5F0FF39B2F0}"/>
+                  </a:ext>
+                </a:extLst>
+              </p:cNvPr>
+              <p:cNvCxnSpPr/>
+              <p:nvPr/>
+            </p:nvCxnSpPr>
+            <p:spPr>
+              <a:xfrm>
+                <a:off x="6230729" y="5098495"/>
+                <a:ext cx="0" cy="180000"/>
+              </a:xfrm>
+              <a:prstGeom prst="line">
+                <a:avLst/>
+              </a:prstGeom>
+              <a:ln w="12700" cap="flat" cmpd="sng" algn="ctr">
+                <a:solidFill>
+                  <a:schemeClr val="accent1"/>
+                </a:solidFill>
+                <a:prstDash val="dash"/>
+                <a:round/>
+                <a:headEnd type="none" w="med" len="med"/>
+                <a:tailEnd type="none" w="med" len="med"/>
+              </a:ln>
+            </p:spPr>
+            <p:style>
+              <a:lnRef idx="0">
+                <a:scrgbClr r="0" g="0" b="0"/>
+              </a:lnRef>
+              <a:fillRef idx="0">
+                <a:scrgbClr r="0" g="0" b="0"/>
+              </a:fillRef>
+              <a:effectRef idx="0">
+                <a:scrgbClr r="0" g="0" b="0"/>
+              </a:effectRef>
+              <a:fontRef idx="minor">
+                <a:schemeClr val="tx1"/>
+              </a:fontRef>
+            </p:style>
+          </p:cxnSp>
+          <p:sp>
+            <p:nvSpPr>
+              <p:cNvPr id="243" name="TextBox 242">
+                <a:extLst>
+                  <a:ext uri="{FF2B5EF4-FFF2-40B4-BE49-F238E27FC236}">
+                    <a16:creationId xmlns:a16="http://schemas.microsoft.com/office/drawing/2014/main" id="{BF2C2912-3FC1-B1B5-FDA8-8A6082181873}"/>
+                  </a:ext>
+                </a:extLst>
+              </p:cNvPr>
+              <p:cNvSpPr txBox="1"/>
+              <p:nvPr/>
+            </p:nvSpPr>
+            <p:spPr>
+              <a:xfrm>
+                <a:off x="5852711" y="5612747"/>
+                <a:ext cx="532297" cy="246221"/>
+              </a:xfrm>
+              <a:prstGeom prst="rect">
+                <a:avLst/>
+              </a:prstGeom>
+              <a:noFill/>
+            </p:spPr>
+            <p:txBody>
+              <a:bodyPr wrap="square" rtlCol="0">
+                <a:spAutoFit/>
+              </a:bodyPr>
+              <a:lstStyle/>
+              <a:p>
+                <a:r>
+                  <a:rPr lang="en-US" sz="1000" b="1" dirty="0">
+                    <a:solidFill>
+                      <a:srgbClr val="0070C0"/>
+                    </a:solidFill>
+                    <a:latin typeface="Verdana" panose="020B0604030504040204" pitchFamily="34" charset="0"/>
+                    <a:ea typeface="Verdana" panose="020B0604030504040204" pitchFamily="34" charset="0"/>
+                  </a:rPr>
+                  <a:t>POD</a:t>
+                </a:r>
+                <a:endParaRPr lang="en-IN" sz="1000" b="1" dirty="0">
+                  <a:solidFill>
+                    <a:srgbClr val="0070C0"/>
+                  </a:solidFill>
+                  <a:latin typeface="Verdana" panose="020B0604030504040204" pitchFamily="34" charset="0"/>
+                  <a:ea typeface="Verdana" panose="020B0604030504040204" pitchFamily="34" charset="0"/>
+                </a:endParaRPr>
+              </a:p>
+            </p:txBody>
+          </p:sp>
+        </p:grpSp>
+        <p:grpSp>
+          <p:nvGrpSpPr>
+            <p:cNvPr id="214" name="Group 213">
+              <a:extLst>
+                <a:ext uri="{FF2B5EF4-FFF2-40B4-BE49-F238E27FC236}">
+                  <a16:creationId xmlns:a16="http://schemas.microsoft.com/office/drawing/2014/main" id="{0EB25D37-700E-AE53-87F2-36AF3C30F606}"/>
+                </a:ext>
+              </a:extLst>
+            </p:cNvPr>
+            <p:cNvGrpSpPr/>
+            <p:nvPr/>
+          </p:nvGrpSpPr>
+          <p:grpSpPr>
+            <a:xfrm>
+              <a:off x="7878877" y="1866144"/>
+              <a:ext cx="1479331" cy="1117714"/>
+              <a:chOff x="5825939" y="4741254"/>
+              <a:chExt cx="1479331" cy="1117714"/>
+            </a:xfrm>
+          </p:grpSpPr>
+          <p:sp>
+            <p:nvSpPr>
+              <p:cNvPr id="230" name="Rectangle: Rounded Corners 229">
+                <a:extLst>
+                  <a:ext uri="{FF2B5EF4-FFF2-40B4-BE49-F238E27FC236}">
+                    <a16:creationId xmlns:a16="http://schemas.microsoft.com/office/drawing/2014/main" id="{A3EC9C6B-7EA9-4025-199B-167CCCE0556B}"/>
+                  </a:ext>
+                </a:extLst>
+              </p:cNvPr>
+              <p:cNvSpPr/>
+              <p:nvPr/>
+            </p:nvSpPr>
+            <p:spPr>
+              <a:xfrm>
+                <a:off x="5825939" y="4741254"/>
+                <a:ext cx="1479331" cy="870970"/>
+              </a:xfrm>
+              <a:prstGeom prst="roundRect">
+                <a:avLst/>
+              </a:prstGeom>
+              <a:solidFill>
+                <a:schemeClr val="bg1"/>
+              </a:solidFill>
+              <a:ln>
+                <a:solidFill>
+                  <a:srgbClr val="0070C0"/>
+                </a:solidFill>
+              </a:ln>
+            </p:spPr>
+            <p:style>
+              <a:lnRef idx="2">
+                <a:schemeClr val="accent1">
+                  <a:shade val="50000"/>
+                </a:schemeClr>
+              </a:lnRef>
+              <a:fillRef idx="1">
+                <a:schemeClr val="accent1"/>
+              </a:fillRef>
+              <a:effectRef idx="0">
+                <a:schemeClr val="accent1"/>
+              </a:effectRef>
+              <a:fontRef idx="minor">
+                <a:schemeClr val="lt1"/>
+              </a:fontRef>
+            </p:style>
+            <p:txBody>
+              <a:bodyPr rtlCol="0" anchor="ctr"/>
+              <a:lstStyle/>
+              <a:p>
+                <a:pPr algn="ctr"/>
+                <a:endParaRPr lang="en-IN" sz="600" dirty="0">
+                  <a:latin typeface="Verdana" panose="020B0604030504040204" pitchFamily="34" charset="0"/>
+                  <a:ea typeface="Verdana" panose="020B0604030504040204" pitchFamily="34" charset="0"/>
+                </a:endParaRPr>
+              </a:p>
+            </p:txBody>
+          </p:sp>
+          <p:sp>
+            <p:nvSpPr>
+              <p:cNvPr id="231" name="Rectangle 230">
+                <a:extLst>
+                  <a:ext uri="{FF2B5EF4-FFF2-40B4-BE49-F238E27FC236}">
+                    <a16:creationId xmlns:a16="http://schemas.microsoft.com/office/drawing/2014/main" id="{BDF4698E-EFD5-5D4A-A827-C65F8F37E8C9}"/>
+                  </a:ext>
+                </a:extLst>
+              </p:cNvPr>
+              <p:cNvSpPr/>
+              <p:nvPr/>
+            </p:nvSpPr>
+            <p:spPr>
+              <a:xfrm>
+                <a:off x="5924729" y="4812166"/>
+                <a:ext cx="612000" cy="240267"/>
+              </a:xfrm>
+              <a:prstGeom prst="rect">
+                <a:avLst/>
+              </a:prstGeom>
+            </p:spPr>
+            <p:style>
+              <a:lnRef idx="2">
+                <a:schemeClr val="accent1">
+                  <a:shade val="50000"/>
+                </a:schemeClr>
+              </a:lnRef>
+              <a:fillRef idx="1">
+                <a:schemeClr val="accent1"/>
+              </a:fillRef>
+              <a:effectRef idx="0">
+                <a:schemeClr val="accent1"/>
+              </a:effectRef>
+              <a:fontRef idx="minor">
+                <a:schemeClr val="lt1"/>
+              </a:fontRef>
+            </p:style>
+            <p:txBody>
+              <a:bodyPr rtlCol="0" anchor="ctr"/>
+              <a:lstStyle/>
+              <a:p>
+                <a:pPr algn="ctr"/>
+                <a:r>
+                  <a:rPr lang="en-US" sz="600" b="1" dirty="0">
+                    <a:latin typeface="Verdana" panose="020B0604030504040204" pitchFamily="34" charset="0"/>
+                    <a:ea typeface="Verdana" panose="020B0604030504040204" pitchFamily="34" charset="0"/>
+                  </a:rPr>
+                  <a:t>Container</a:t>
+                </a:r>
+                <a:endParaRPr lang="en-IN" sz="600" b="1" dirty="0">
+                  <a:latin typeface="Verdana" panose="020B0604030504040204" pitchFamily="34" charset="0"/>
+                  <a:ea typeface="Verdana" panose="020B0604030504040204" pitchFamily="34" charset="0"/>
+                </a:endParaRPr>
+              </a:p>
+            </p:txBody>
+          </p:sp>
+          <p:sp>
+            <p:nvSpPr>
+              <p:cNvPr id="232" name="Rectangle 231">
+                <a:extLst>
+                  <a:ext uri="{FF2B5EF4-FFF2-40B4-BE49-F238E27FC236}">
+                    <a16:creationId xmlns:a16="http://schemas.microsoft.com/office/drawing/2014/main" id="{BC13DEAF-80DE-87F0-34FC-562560478E4A}"/>
+                  </a:ext>
+                </a:extLst>
+              </p:cNvPr>
+              <p:cNvSpPr/>
+              <p:nvPr/>
+            </p:nvSpPr>
+            <p:spPr>
+              <a:xfrm>
+                <a:off x="5924729" y="5301878"/>
+                <a:ext cx="612000" cy="240267"/>
+              </a:xfrm>
+              <a:prstGeom prst="rect">
+                <a:avLst/>
+              </a:prstGeom>
+            </p:spPr>
+            <p:style>
+              <a:lnRef idx="2">
+                <a:schemeClr val="accent1">
+                  <a:shade val="50000"/>
+                </a:schemeClr>
+              </a:lnRef>
+              <a:fillRef idx="1">
+                <a:schemeClr val="accent1"/>
+              </a:fillRef>
+              <a:effectRef idx="0">
+                <a:schemeClr val="accent1"/>
+              </a:effectRef>
+              <a:fontRef idx="minor">
+                <a:schemeClr val="lt1"/>
+              </a:fontRef>
+            </p:style>
+            <p:txBody>
+              <a:bodyPr rtlCol="0" anchor="ctr"/>
+              <a:lstStyle/>
+              <a:p>
+                <a:pPr algn="ctr"/>
+                <a:r>
+                  <a:rPr lang="en-US" sz="600" b="1" dirty="0">
+                    <a:latin typeface="Verdana" panose="020B0604030504040204" pitchFamily="34" charset="0"/>
+                    <a:ea typeface="Verdana" panose="020B0604030504040204" pitchFamily="34" charset="0"/>
+                  </a:rPr>
+                  <a:t>Container</a:t>
+                </a:r>
+                <a:endParaRPr lang="en-IN" sz="600" b="1" dirty="0">
+                  <a:latin typeface="Verdana" panose="020B0604030504040204" pitchFamily="34" charset="0"/>
+                  <a:ea typeface="Verdana" panose="020B0604030504040204" pitchFamily="34" charset="0"/>
+                </a:endParaRPr>
+              </a:p>
+            </p:txBody>
+          </p:sp>
+          <p:sp>
+            <p:nvSpPr>
+              <p:cNvPr id="233" name="Rectangle 232">
+                <a:extLst>
+                  <a:ext uri="{FF2B5EF4-FFF2-40B4-BE49-F238E27FC236}">
+                    <a16:creationId xmlns:a16="http://schemas.microsoft.com/office/drawing/2014/main" id="{D29B92CF-E040-7AE3-3E70-F670550F0E78}"/>
+                  </a:ext>
+                </a:extLst>
+              </p:cNvPr>
+              <p:cNvSpPr/>
+              <p:nvPr/>
+            </p:nvSpPr>
+            <p:spPr>
+              <a:xfrm>
+                <a:off x="6658983" y="4812166"/>
+                <a:ext cx="576000" cy="240267"/>
+              </a:xfrm>
+              <a:prstGeom prst="rect">
+                <a:avLst/>
+              </a:prstGeom>
+            </p:spPr>
+            <p:style>
+              <a:lnRef idx="2">
+                <a:schemeClr val="accent1">
+                  <a:shade val="50000"/>
+                </a:schemeClr>
+              </a:lnRef>
+              <a:fillRef idx="1">
+                <a:schemeClr val="accent1"/>
+              </a:fillRef>
+              <a:effectRef idx="0">
+                <a:schemeClr val="accent1"/>
+              </a:effectRef>
+              <a:fontRef idx="minor">
+                <a:schemeClr val="lt1"/>
+              </a:fontRef>
+            </p:style>
+            <p:txBody>
+              <a:bodyPr rtlCol="0" anchor="ctr"/>
+              <a:lstStyle/>
+              <a:p>
+                <a:pPr algn="ctr"/>
+                <a:r>
+                  <a:rPr lang="en-US" sz="600" b="1" dirty="0">
+                    <a:latin typeface="Verdana" panose="020B0604030504040204" pitchFamily="34" charset="0"/>
+                    <a:ea typeface="Verdana" panose="020B0604030504040204" pitchFamily="34" charset="0"/>
+                  </a:rPr>
+                  <a:t>Shared Volumes</a:t>
+                </a:r>
+                <a:endParaRPr lang="en-IN" sz="600" b="1" dirty="0">
+                  <a:latin typeface="Verdana" panose="020B0604030504040204" pitchFamily="34" charset="0"/>
+                  <a:ea typeface="Verdana" panose="020B0604030504040204" pitchFamily="34" charset="0"/>
+                </a:endParaRPr>
+              </a:p>
+            </p:txBody>
+          </p:sp>
+          <p:sp>
+            <p:nvSpPr>
+              <p:cNvPr id="234" name="Rectangle 233">
+                <a:extLst>
+                  <a:ext uri="{FF2B5EF4-FFF2-40B4-BE49-F238E27FC236}">
+                    <a16:creationId xmlns:a16="http://schemas.microsoft.com/office/drawing/2014/main" id="{6A59891A-52F6-369C-87AD-A93CF511B383}"/>
+                  </a:ext>
+                </a:extLst>
+              </p:cNvPr>
+              <p:cNvSpPr/>
+              <p:nvPr/>
+            </p:nvSpPr>
+            <p:spPr>
+              <a:xfrm>
+                <a:off x="6658983" y="5114169"/>
+                <a:ext cx="576000" cy="240267"/>
+              </a:xfrm>
+              <a:prstGeom prst="rect">
+                <a:avLst/>
+              </a:prstGeom>
+            </p:spPr>
+            <p:style>
+              <a:lnRef idx="2">
+                <a:schemeClr val="accent1">
+                  <a:shade val="50000"/>
+                </a:schemeClr>
+              </a:lnRef>
+              <a:fillRef idx="1">
+                <a:schemeClr val="accent1"/>
+              </a:fillRef>
+              <a:effectRef idx="0">
+                <a:schemeClr val="accent1"/>
+              </a:effectRef>
+              <a:fontRef idx="minor">
+                <a:schemeClr val="lt1"/>
+              </a:fontRef>
+            </p:style>
+            <p:txBody>
+              <a:bodyPr rtlCol="0" anchor="ctr"/>
+              <a:lstStyle/>
+              <a:p>
+                <a:pPr algn="ctr"/>
+                <a:r>
+                  <a:rPr lang="en-US" sz="600" b="1" dirty="0">
+                    <a:latin typeface="Verdana" panose="020B0604030504040204" pitchFamily="34" charset="0"/>
+                    <a:ea typeface="Verdana" panose="020B0604030504040204" pitchFamily="34" charset="0"/>
+                  </a:rPr>
+                  <a:t>Shared IP</a:t>
+                </a:r>
+                <a:endParaRPr lang="en-IN" sz="600" b="1" dirty="0">
+                  <a:latin typeface="Verdana" panose="020B0604030504040204" pitchFamily="34" charset="0"/>
+                  <a:ea typeface="Verdana" panose="020B0604030504040204" pitchFamily="34" charset="0"/>
+                </a:endParaRPr>
+              </a:p>
+            </p:txBody>
+          </p:sp>
+          <p:cxnSp>
+            <p:nvCxnSpPr>
+              <p:cNvPr id="235" name="Straight Connector 234">
+                <a:extLst>
+                  <a:ext uri="{FF2B5EF4-FFF2-40B4-BE49-F238E27FC236}">
+                    <a16:creationId xmlns:a16="http://schemas.microsoft.com/office/drawing/2014/main" id="{F3489DCD-AA04-AB99-0463-9CEFF42482C2}"/>
+                  </a:ext>
+                </a:extLst>
+              </p:cNvPr>
+              <p:cNvCxnSpPr/>
+              <p:nvPr/>
+            </p:nvCxnSpPr>
+            <p:spPr>
+              <a:xfrm>
+                <a:off x="6230729" y="5098495"/>
+                <a:ext cx="0" cy="180000"/>
+              </a:xfrm>
+              <a:prstGeom prst="line">
+                <a:avLst/>
+              </a:prstGeom>
+              <a:ln w="12700" cap="flat" cmpd="sng" algn="ctr">
+                <a:solidFill>
+                  <a:schemeClr val="accent1"/>
+                </a:solidFill>
+                <a:prstDash val="dash"/>
+                <a:round/>
+                <a:headEnd type="none" w="med" len="med"/>
+                <a:tailEnd type="none" w="med" len="med"/>
+              </a:ln>
+            </p:spPr>
+            <p:style>
+              <a:lnRef idx="0">
+                <a:scrgbClr r="0" g="0" b="0"/>
+              </a:lnRef>
+              <a:fillRef idx="0">
+                <a:scrgbClr r="0" g="0" b="0"/>
+              </a:fillRef>
+              <a:effectRef idx="0">
+                <a:scrgbClr r="0" g="0" b="0"/>
+              </a:effectRef>
+              <a:fontRef idx="minor">
+                <a:schemeClr val="tx1"/>
+              </a:fontRef>
+            </p:style>
+          </p:cxnSp>
+          <p:sp>
+            <p:nvSpPr>
+              <p:cNvPr id="236" name="TextBox 235">
+                <a:extLst>
+                  <a:ext uri="{FF2B5EF4-FFF2-40B4-BE49-F238E27FC236}">
+                    <a16:creationId xmlns:a16="http://schemas.microsoft.com/office/drawing/2014/main" id="{A21ADE20-A03D-526E-9712-4C74C61AAF8F}"/>
+                  </a:ext>
+                </a:extLst>
+              </p:cNvPr>
+              <p:cNvSpPr txBox="1"/>
+              <p:nvPr/>
+            </p:nvSpPr>
+            <p:spPr>
+              <a:xfrm>
+                <a:off x="5852711" y="5612747"/>
+                <a:ext cx="532297" cy="246221"/>
+              </a:xfrm>
+              <a:prstGeom prst="rect">
+                <a:avLst/>
+              </a:prstGeom>
+              <a:noFill/>
+            </p:spPr>
+            <p:txBody>
+              <a:bodyPr wrap="square" rtlCol="0">
+                <a:spAutoFit/>
+              </a:bodyPr>
+              <a:lstStyle/>
+              <a:p>
+                <a:r>
+                  <a:rPr lang="en-US" sz="1000" b="1" dirty="0">
+                    <a:solidFill>
+                      <a:srgbClr val="0070C0"/>
+                    </a:solidFill>
+                    <a:latin typeface="Verdana" panose="020B0604030504040204" pitchFamily="34" charset="0"/>
+                    <a:ea typeface="Verdana" panose="020B0604030504040204" pitchFamily="34" charset="0"/>
+                  </a:rPr>
+                  <a:t>POD</a:t>
+                </a:r>
+                <a:endParaRPr lang="en-IN" sz="1000" b="1" dirty="0">
+                  <a:solidFill>
+                    <a:srgbClr val="0070C0"/>
+                  </a:solidFill>
+                  <a:latin typeface="Verdana" panose="020B0604030504040204" pitchFamily="34" charset="0"/>
+                  <a:ea typeface="Verdana" panose="020B0604030504040204" pitchFamily="34" charset="0"/>
+                </a:endParaRPr>
+              </a:p>
+            </p:txBody>
+          </p:sp>
+        </p:grpSp>
+        <p:grpSp>
+          <p:nvGrpSpPr>
+            <p:cNvPr id="215" name="Group 214">
+              <a:extLst>
+                <a:ext uri="{FF2B5EF4-FFF2-40B4-BE49-F238E27FC236}">
+                  <a16:creationId xmlns:a16="http://schemas.microsoft.com/office/drawing/2014/main" id="{00993CFF-9469-5FE7-AF50-D87676F6E6D8}"/>
+                </a:ext>
+              </a:extLst>
+            </p:cNvPr>
+            <p:cNvGrpSpPr/>
+            <p:nvPr/>
+          </p:nvGrpSpPr>
+          <p:grpSpPr>
+            <a:xfrm>
+              <a:off x="9455639" y="675519"/>
+              <a:ext cx="1479331" cy="1117714"/>
+              <a:chOff x="5825939" y="4741254"/>
+              <a:chExt cx="1479331" cy="1117714"/>
+            </a:xfrm>
+          </p:grpSpPr>
+          <p:sp>
+            <p:nvSpPr>
+              <p:cNvPr id="223" name="Rectangle: Rounded Corners 222">
+                <a:extLst>
+                  <a:ext uri="{FF2B5EF4-FFF2-40B4-BE49-F238E27FC236}">
+                    <a16:creationId xmlns:a16="http://schemas.microsoft.com/office/drawing/2014/main" id="{2F2BA23A-84F5-6144-EE2A-4A9864E16373}"/>
+                  </a:ext>
+                </a:extLst>
+              </p:cNvPr>
+              <p:cNvSpPr/>
+              <p:nvPr/>
+            </p:nvSpPr>
+            <p:spPr>
+              <a:xfrm>
+                <a:off x="5825939" y="4741254"/>
+                <a:ext cx="1479331" cy="870970"/>
+              </a:xfrm>
+              <a:prstGeom prst="roundRect">
+                <a:avLst/>
+              </a:prstGeom>
+              <a:solidFill>
+                <a:schemeClr val="bg1"/>
+              </a:solidFill>
+              <a:ln>
+                <a:solidFill>
+                  <a:srgbClr val="0070C0"/>
+                </a:solidFill>
+              </a:ln>
+            </p:spPr>
+            <p:style>
+              <a:lnRef idx="2">
+                <a:schemeClr val="accent1">
+                  <a:shade val="50000"/>
+                </a:schemeClr>
+              </a:lnRef>
+              <a:fillRef idx="1">
+                <a:schemeClr val="accent1"/>
+              </a:fillRef>
+              <a:effectRef idx="0">
+                <a:schemeClr val="accent1"/>
+              </a:effectRef>
+              <a:fontRef idx="minor">
+                <a:schemeClr val="lt1"/>
+              </a:fontRef>
+            </p:style>
+            <p:txBody>
+              <a:bodyPr rtlCol="0" anchor="ctr"/>
+              <a:lstStyle/>
+              <a:p>
+                <a:pPr algn="ctr"/>
+                <a:endParaRPr lang="en-IN" sz="600" dirty="0">
+                  <a:latin typeface="Verdana" panose="020B0604030504040204" pitchFamily="34" charset="0"/>
+                  <a:ea typeface="Verdana" panose="020B0604030504040204" pitchFamily="34" charset="0"/>
+                </a:endParaRPr>
+              </a:p>
+            </p:txBody>
+          </p:sp>
+          <p:sp>
+            <p:nvSpPr>
+              <p:cNvPr id="224" name="Rectangle 223">
+                <a:extLst>
+                  <a:ext uri="{FF2B5EF4-FFF2-40B4-BE49-F238E27FC236}">
+                    <a16:creationId xmlns:a16="http://schemas.microsoft.com/office/drawing/2014/main" id="{C5FF2ADD-E4D8-A424-A044-BE3AE4C0F786}"/>
+                  </a:ext>
+                </a:extLst>
+              </p:cNvPr>
+              <p:cNvSpPr/>
+              <p:nvPr/>
+            </p:nvSpPr>
+            <p:spPr>
+              <a:xfrm>
+                <a:off x="5924729" y="4812166"/>
+                <a:ext cx="612000" cy="240267"/>
+              </a:xfrm>
+              <a:prstGeom prst="rect">
+                <a:avLst/>
+              </a:prstGeom>
+            </p:spPr>
+            <p:style>
+              <a:lnRef idx="2">
+                <a:schemeClr val="accent1">
+                  <a:shade val="50000"/>
+                </a:schemeClr>
+              </a:lnRef>
+              <a:fillRef idx="1">
+                <a:schemeClr val="accent1"/>
+              </a:fillRef>
+              <a:effectRef idx="0">
+                <a:schemeClr val="accent1"/>
+              </a:effectRef>
+              <a:fontRef idx="minor">
+                <a:schemeClr val="lt1"/>
+              </a:fontRef>
+            </p:style>
+            <p:txBody>
+              <a:bodyPr rtlCol="0" anchor="ctr"/>
+              <a:lstStyle/>
+              <a:p>
+                <a:pPr algn="ctr"/>
+                <a:r>
+                  <a:rPr lang="en-US" sz="600" b="1" dirty="0">
+                    <a:latin typeface="Verdana" panose="020B0604030504040204" pitchFamily="34" charset="0"/>
+                    <a:ea typeface="Verdana" panose="020B0604030504040204" pitchFamily="34" charset="0"/>
+                  </a:rPr>
+                  <a:t>Container</a:t>
+                </a:r>
+                <a:endParaRPr lang="en-IN" sz="600" b="1" dirty="0">
+                  <a:latin typeface="Verdana" panose="020B0604030504040204" pitchFamily="34" charset="0"/>
+                  <a:ea typeface="Verdana" panose="020B0604030504040204" pitchFamily="34" charset="0"/>
+                </a:endParaRPr>
+              </a:p>
+            </p:txBody>
+          </p:sp>
+          <p:sp>
+            <p:nvSpPr>
+              <p:cNvPr id="225" name="Rectangle 224">
+                <a:extLst>
+                  <a:ext uri="{FF2B5EF4-FFF2-40B4-BE49-F238E27FC236}">
+                    <a16:creationId xmlns:a16="http://schemas.microsoft.com/office/drawing/2014/main" id="{44BC4935-76A3-D724-8C72-4510A69B9D0F}"/>
+                  </a:ext>
+                </a:extLst>
+              </p:cNvPr>
+              <p:cNvSpPr/>
+              <p:nvPr/>
+            </p:nvSpPr>
+            <p:spPr>
+              <a:xfrm>
+                <a:off x="5924729" y="5301878"/>
+                <a:ext cx="612000" cy="240267"/>
+              </a:xfrm>
+              <a:prstGeom prst="rect">
+                <a:avLst/>
+              </a:prstGeom>
+            </p:spPr>
+            <p:style>
+              <a:lnRef idx="2">
+                <a:schemeClr val="accent1">
+                  <a:shade val="50000"/>
+                </a:schemeClr>
+              </a:lnRef>
+              <a:fillRef idx="1">
+                <a:schemeClr val="accent1"/>
+              </a:fillRef>
+              <a:effectRef idx="0">
+                <a:schemeClr val="accent1"/>
+              </a:effectRef>
+              <a:fontRef idx="minor">
+                <a:schemeClr val="lt1"/>
+              </a:fontRef>
+            </p:style>
+            <p:txBody>
+              <a:bodyPr rtlCol="0" anchor="ctr"/>
+              <a:lstStyle/>
+              <a:p>
+                <a:pPr algn="ctr"/>
+                <a:r>
+                  <a:rPr lang="en-US" sz="600" b="1" dirty="0">
+                    <a:latin typeface="Verdana" panose="020B0604030504040204" pitchFamily="34" charset="0"/>
+                    <a:ea typeface="Verdana" panose="020B0604030504040204" pitchFamily="34" charset="0"/>
+                  </a:rPr>
+                  <a:t>Container</a:t>
+                </a:r>
+                <a:endParaRPr lang="en-IN" sz="600" b="1" dirty="0">
+                  <a:latin typeface="Verdana" panose="020B0604030504040204" pitchFamily="34" charset="0"/>
+                  <a:ea typeface="Verdana" panose="020B0604030504040204" pitchFamily="34" charset="0"/>
+                </a:endParaRPr>
+              </a:p>
+            </p:txBody>
+          </p:sp>
+          <p:sp>
+            <p:nvSpPr>
+              <p:cNvPr id="226" name="Rectangle 225">
+                <a:extLst>
+                  <a:ext uri="{FF2B5EF4-FFF2-40B4-BE49-F238E27FC236}">
+                    <a16:creationId xmlns:a16="http://schemas.microsoft.com/office/drawing/2014/main" id="{A5C6E21A-5C11-6F17-BE7A-0455ADFA2045}"/>
+                  </a:ext>
+                </a:extLst>
+              </p:cNvPr>
+              <p:cNvSpPr/>
+              <p:nvPr/>
+            </p:nvSpPr>
+            <p:spPr>
+              <a:xfrm>
+                <a:off x="6658983" y="4812166"/>
+                <a:ext cx="576000" cy="240267"/>
+              </a:xfrm>
+              <a:prstGeom prst="rect">
+                <a:avLst/>
+              </a:prstGeom>
+            </p:spPr>
+            <p:style>
+              <a:lnRef idx="2">
+                <a:schemeClr val="accent1">
+                  <a:shade val="50000"/>
+                </a:schemeClr>
+              </a:lnRef>
+              <a:fillRef idx="1">
+                <a:schemeClr val="accent1"/>
+              </a:fillRef>
+              <a:effectRef idx="0">
+                <a:schemeClr val="accent1"/>
+              </a:effectRef>
+              <a:fontRef idx="minor">
+                <a:schemeClr val="lt1"/>
+              </a:fontRef>
+            </p:style>
+            <p:txBody>
+              <a:bodyPr rtlCol="0" anchor="ctr"/>
+              <a:lstStyle/>
+              <a:p>
+                <a:pPr algn="ctr"/>
+                <a:r>
+                  <a:rPr lang="en-US" sz="600" b="1" dirty="0">
+                    <a:latin typeface="Verdana" panose="020B0604030504040204" pitchFamily="34" charset="0"/>
+                    <a:ea typeface="Verdana" panose="020B0604030504040204" pitchFamily="34" charset="0"/>
+                  </a:rPr>
+                  <a:t>Shared Volumes</a:t>
+                </a:r>
+                <a:endParaRPr lang="en-IN" sz="600" b="1" dirty="0">
+                  <a:latin typeface="Verdana" panose="020B0604030504040204" pitchFamily="34" charset="0"/>
+                  <a:ea typeface="Verdana" panose="020B0604030504040204" pitchFamily="34" charset="0"/>
+                </a:endParaRPr>
+              </a:p>
+            </p:txBody>
+          </p:sp>
+          <p:sp>
+            <p:nvSpPr>
+              <p:cNvPr id="227" name="Rectangle 226">
+                <a:extLst>
+                  <a:ext uri="{FF2B5EF4-FFF2-40B4-BE49-F238E27FC236}">
+                    <a16:creationId xmlns:a16="http://schemas.microsoft.com/office/drawing/2014/main" id="{347B57E3-8E50-748E-BD31-352467283066}"/>
+                  </a:ext>
+                </a:extLst>
+              </p:cNvPr>
+              <p:cNvSpPr/>
+              <p:nvPr/>
+            </p:nvSpPr>
+            <p:spPr>
+              <a:xfrm>
+                <a:off x="6658983" y="5114169"/>
+                <a:ext cx="576000" cy="240267"/>
+              </a:xfrm>
+              <a:prstGeom prst="rect">
+                <a:avLst/>
+              </a:prstGeom>
+            </p:spPr>
+            <p:style>
+              <a:lnRef idx="2">
+                <a:schemeClr val="accent1">
+                  <a:shade val="50000"/>
+                </a:schemeClr>
+              </a:lnRef>
+              <a:fillRef idx="1">
+                <a:schemeClr val="accent1"/>
+              </a:fillRef>
+              <a:effectRef idx="0">
+                <a:schemeClr val="accent1"/>
+              </a:effectRef>
+              <a:fontRef idx="minor">
+                <a:schemeClr val="lt1"/>
+              </a:fontRef>
+            </p:style>
+            <p:txBody>
+              <a:bodyPr rtlCol="0" anchor="ctr"/>
+              <a:lstStyle/>
+              <a:p>
+                <a:pPr algn="ctr"/>
+                <a:r>
+                  <a:rPr lang="en-US" sz="600" b="1" dirty="0">
+                    <a:latin typeface="Verdana" panose="020B0604030504040204" pitchFamily="34" charset="0"/>
+                    <a:ea typeface="Verdana" panose="020B0604030504040204" pitchFamily="34" charset="0"/>
+                  </a:rPr>
+                  <a:t>Shared IP</a:t>
+                </a:r>
+                <a:endParaRPr lang="en-IN" sz="600" b="1" dirty="0">
+                  <a:latin typeface="Verdana" panose="020B0604030504040204" pitchFamily="34" charset="0"/>
+                  <a:ea typeface="Verdana" panose="020B0604030504040204" pitchFamily="34" charset="0"/>
+                </a:endParaRPr>
+              </a:p>
+            </p:txBody>
+          </p:sp>
+          <p:cxnSp>
+            <p:nvCxnSpPr>
+              <p:cNvPr id="228" name="Straight Connector 227">
+                <a:extLst>
+                  <a:ext uri="{FF2B5EF4-FFF2-40B4-BE49-F238E27FC236}">
+                    <a16:creationId xmlns:a16="http://schemas.microsoft.com/office/drawing/2014/main" id="{6E458C32-AA53-528C-5A05-6B0FC04F583E}"/>
+                  </a:ext>
+                </a:extLst>
+              </p:cNvPr>
+              <p:cNvCxnSpPr/>
+              <p:nvPr/>
+            </p:nvCxnSpPr>
+            <p:spPr>
+              <a:xfrm>
+                <a:off x="6230729" y="5098495"/>
+                <a:ext cx="0" cy="180000"/>
+              </a:xfrm>
+              <a:prstGeom prst="line">
+                <a:avLst/>
+              </a:prstGeom>
+              <a:ln w="12700" cap="flat" cmpd="sng" algn="ctr">
+                <a:solidFill>
+                  <a:schemeClr val="accent1"/>
+                </a:solidFill>
+                <a:prstDash val="dash"/>
+                <a:round/>
+                <a:headEnd type="none" w="med" len="med"/>
+                <a:tailEnd type="none" w="med" len="med"/>
+              </a:ln>
+            </p:spPr>
+            <p:style>
+              <a:lnRef idx="0">
+                <a:scrgbClr r="0" g="0" b="0"/>
+              </a:lnRef>
+              <a:fillRef idx="0">
+                <a:scrgbClr r="0" g="0" b="0"/>
+              </a:fillRef>
+              <a:effectRef idx="0">
+                <a:scrgbClr r="0" g="0" b="0"/>
+              </a:effectRef>
+              <a:fontRef idx="minor">
+                <a:schemeClr val="tx1"/>
+              </a:fontRef>
+            </p:style>
+          </p:cxnSp>
+          <p:sp>
+            <p:nvSpPr>
+              <p:cNvPr id="229" name="TextBox 228">
+                <a:extLst>
+                  <a:ext uri="{FF2B5EF4-FFF2-40B4-BE49-F238E27FC236}">
+                    <a16:creationId xmlns:a16="http://schemas.microsoft.com/office/drawing/2014/main" id="{5B03E170-9ED4-FF57-2246-A1E473BE4E38}"/>
+                  </a:ext>
+                </a:extLst>
+              </p:cNvPr>
+              <p:cNvSpPr txBox="1"/>
+              <p:nvPr/>
+            </p:nvSpPr>
+            <p:spPr>
+              <a:xfrm>
+                <a:off x="5852711" y="5612747"/>
+                <a:ext cx="532297" cy="246221"/>
+              </a:xfrm>
+              <a:prstGeom prst="rect">
+                <a:avLst/>
+              </a:prstGeom>
+              <a:noFill/>
+            </p:spPr>
+            <p:txBody>
+              <a:bodyPr wrap="square" rtlCol="0">
+                <a:spAutoFit/>
+              </a:bodyPr>
+              <a:lstStyle/>
+              <a:p>
+                <a:r>
+                  <a:rPr lang="en-US" sz="1000" b="1" dirty="0">
+                    <a:solidFill>
+                      <a:srgbClr val="0070C0"/>
+                    </a:solidFill>
+                    <a:latin typeface="Verdana" panose="020B0604030504040204" pitchFamily="34" charset="0"/>
+                    <a:ea typeface="Verdana" panose="020B0604030504040204" pitchFamily="34" charset="0"/>
+                  </a:rPr>
+                  <a:t>POD</a:t>
+                </a:r>
+                <a:endParaRPr lang="en-IN" sz="1000" b="1" dirty="0">
+                  <a:solidFill>
+                    <a:srgbClr val="0070C0"/>
+                  </a:solidFill>
+                  <a:latin typeface="Verdana" panose="020B0604030504040204" pitchFamily="34" charset="0"/>
+                  <a:ea typeface="Verdana" panose="020B0604030504040204" pitchFamily="34" charset="0"/>
+                </a:endParaRPr>
+              </a:p>
+            </p:txBody>
+          </p:sp>
+        </p:grpSp>
+        <p:grpSp>
+          <p:nvGrpSpPr>
+            <p:cNvPr id="216" name="Group 215">
+              <a:extLst>
+                <a:ext uri="{FF2B5EF4-FFF2-40B4-BE49-F238E27FC236}">
+                  <a16:creationId xmlns:a16="http://schemas.microsoft.com/office/drawing/2014/main" id="{E2657DB0-362C-CDA3-CC5F-A6A75EE7B046}"/>
+                </a:ext>
+              </a:extLst>
+            </p:cNvPr>
+            <p:cNvGrpSpPr/>
+            <p:nvPr/>
+          </p:nvGrpSpPr>
+          <p:grpSpPr>
+            <a:xfrm>
+              <a:off x="7944802" y="659411"/>
+              <a:ext cx="797265" cy="903186"/>
+              <a:chOff x="7715298" y="468047"/>
+              <a:chExt cx="797265" cy="903186"/>
+            </a:xfrm>
+          </p:grpSpPr>
+          <p:grpSp>
+            <p:nvGrpSpPr>
+              <p:cNvPr id="218" name="Group 217">
+                <a:extLst>
+                  <a:ext uri="{FF2B5EF4-FFF2-40B4-BE49-F238E27FC236}">
+                    <a16:creationId xmlns:a16="http://schemas.microsoft.com/office/drawing/2014/main" id="{CFDDB399-C8C1-D78E-6A5B-F310E375DE81}"/>
+                  </a:ext>
+                </a:extLst>
+              </p:cNvPr>
+              <p:cNvGrpSpPr/>
+              <p:nvPr/>
+            </p:nvGrpSpPr>
+            <p:grpSpPr>
+              <a:xfrm>
+                <a:off x="7833949" y="714367"/>
+                <a:ext cx="632974" cy="656866"/>
+                <a:chOff x="7833949" y="714367"/>
+                <a:chExt cx="632974" cy="656866"/>
+              </a:xfrm>
+            </p:grpSpPr>
+            <p:sp>
+              <p:nvSpPr>
+                <p:cNvPr id="220" name="Rectangle 219">
+                  <a:extLst>
+                    <a:ext uri="{FF2B5EF4-FFF2-40B4-BE49-F238E27FC236}">
+                      <a16:creationId xmlns:a16="http://schemas.microsoft.com/office/drawing/2014/main" id="{5D5BB21B-C470-D478-604F-2236CDA17703}"/>
+                    </a:ext>
+                  </a:extLst>
+                </p:cNvPr>
+                <p:cNvSpPr/>
+                <p:nvPr/>
+              </p:nvSpPr>
+              <p:spPr>
+                <a:xfrm>
+                  <a:off x="7833949" y="714367"/>
+                  <a:ext cx="632974" cy="197461"/>
+                </a:xfrm>
+                <a:prstGeom prst="rect">
+                  <a:avLst/>
+                </a:prstGeom>
+                <a:solidFill>
+                  <a:schemeClr val="accent6"/>
+                </a:solidFill>
+              </p:spPr>
+              <p:style>
+                <a:lnRef idx="2">
+                  <a:schemeClr val="accent6">
+                    <a:shade val="50000"/>
+                  </a:schemeClr>
+                </a:lnRef>
+                <a:fillRef idx="1">
+                  <a:schemeClr val="accent6"/>
+                </a:fillRef>
+                <a:effectRef idx="0">
+                  <a:schemeClr val="accent6"/>
+                </a:effectRef>
+                <a:fontRef idx="minor">
+                  <a:schemeClr val="lt1"/>
+                </a:fontRef>
+              </p:style>
+              <p:txBody>
+                <a:bodyPr rtlCol="0" anchor="ctr"/>
+                <a:lstStyle/>
+                <a:p>
+                  <a:pPr algn="ctr"/>
+                  <a:r>
+                    <a:rPr lang="en-US" sz="600" b="1" dirty="0" err="1">
+                      <a:latin typeface="Verdana" panose="020B0604030504040204" pitchFamily="34" charset="0"/>
+                      <a:ea typeface="Verdana" panose="020B0604030504040204" pitchFamily="34" charset="0"/>
+                    </a:rPr>
+                    <a:t>Kubelet</a:t>
+                  </a:r>
+                  <a:endParaRPr lang="en-IN" sz="600" b="1" dirty="0">
+                    <a:latin typeface="Verdana" panose="020B0604030504040204" pitchFamily="34" charset="0"/>
+                    <a:ea typeface="Verdana" panose="020B0604030504040204" pitchFamily="34" charset="0"/>
+                  </a:endParaRPr>
+                </a:p>
+              </p:txBody>
+            </p:sp>
+            <p:sp>
+              <p:nvSpPr>
+                <p:cNvPr id="221" name="Rectangle 220">
+                  <a:extLst>
+                    <a:ext uri="{FF2B5EF4-FFF2-40B4-BE49-F238E27FC236}">
+                      <a16:creationId xmlns:a16="http://schemas.microsoft.com/office/drawing/2014/main" id="{7304DE4A-B9A2-38FD-0F37-32A8788ADAF5}"/>
+                    </a:ext>
+                  </a:extLst>
+                </p:cNvPr>
+                <p:cNvSpPr/>
+                <p:nvPr/>
+              </p:nvSpPr>
+              <p:spPr>
+                <a:xfrm>
+                  <a:off x="7833949" y="944082"/>
+                  <a:ext cx="632974" cy="197461"/>
+                </a:xfrm>
+                <a:prstGeom prst="rect">
+                  <a:avLst/>
+                </a:prstGeom>
+                <a:solidFill>
+                  <a:schemeClr val="accent6"/>
+                </a:solidFill>
+              </p:spPr>
+              <p:style>
+                <a:lnRef idx="2">
+                  <a:schemeClr val="accent6">
+                    <a:shade val="50000"/>
+                  </a:schemeClr>
+                </a:lnRef>
+                <a:fillRef idx="1">
+                  <a:schemeClr val="accent6"/>
+                </a:fillRef>
+                <a:effectRef idx="0">
+                  <a:schemeClr val="accent6"/>
+                </a:effectRef>
+                <a:fontRef idx="minor">
+                  <a:schemeClr val="lt1"/>
+                </a:fontRef>
+              </p:style>
+              <p:txBody>
+                <a:bodyPr rtlCol="0" anchor="ctr"/>
+                <a:lstStyle/>
+                <a:p>
+                  <a:pPr algn="ctr"/>
+                  <a:r>
+                    <a:rPr lang="en-US" sz="600" b="1" dirty="0" err="1">
+                      <a:latin typeface="Verdana" panose="020B0604030504040204" pitchFamily="34" charset="0"/>
+                      <a:ea typeface="Verdana" panose="020B0604030504040204" pitchFamily="34" charset="0"/>
+                    </a:rPr>
+                    <a:t>Kube</a:t>
+                  </a:r>
+                  <a:r>
+                    <a:rPr lang="en-US" sz="600" b="1" dirty="0">
+                      <a:latin typeface="Verdana" panose="020B0604030504040204" pitchFamily="34" charset="0"/>
+                      <a:ea typeface="Verdana" panose="020B0604030504040204" pitchFamily="34" charset="0"/>
+                    </a:rPr>
+                    <a:t> Proxy</a:t>
+                  </a:r>
+                  <a:endParaRPr lang="en-IN" sz="600" b="1" dirty="0">
+                    <a:latin typeface="Verdana" panose="020B0604030504040204" pitchFamily="34" charset="0"/>
+                    <a:ea typeface="Verdana" panose="020B0604030504040204" pitchFamily="34" charset="0"/>
+                  </a:endParaRPr>
+                </a:p>
+              </p:txBody>
+            </p:sp>
+            <p:sp>
+              <p:nvSpPr>
+                <p:cNvPr id="222" name="Rectangle 221">
+                  <a:extLst>
+                    <a:ext uri="{FF2B5EF4-FFF2-40B4-BE49-F238E27FC236}">
+                      <a16:creationId xmlns:a16="http://schemas.microsoft.com/office/drawing/2014/main" id="{35E2B146-0B71-7422-3449-9E7EC59378D7}"/>
+                    </a:ext>
+                  </a:extLst>
+                </p:cNvPr>
+                <p:cNvSpPr/>
+                <p:nvPr/>
+              </p:nvSpPr>
+              <p:spPr>
+                <a:xfrm>
+                  <a:off x="7833949" y="1173772"/>
+                  <a:ext cx="632974" cy="197461"/>
+                </a:xfrm>
+                <a:prstGeom prst="rect">
+                  <a:avLst/>
+                </a:prstGeom>
+                <a:solidFill>
+                  <a:schemeClr val="accent6"/>
+                </a:solidFill>
+              </p:spPr>
+              <p:style>
+                <a:lnRef idx="2">
+                  <a:schemeClr val="accent6">
+                    <a:shade val="50000"/>
+                  </a:schemeClr>
+                </a:lnRef>
+                <a:fillRef idx="1">
+                  <a:schemeClr val="accent6"/>
+                </a:fillRef>
+                <a:effectRef idx="0">
+                  <a:schemeClr val="accent6"/>
+                </a:effectRef>
+                <a:fontRef idx="minor">
+                  <a:schemeClr val="lt1"/>
+                </a:fontRef>
+              </p:style>
+              <p:txBody>
+                <a:bodyPr rtlCol="0" anchor="ctr"/>
+                <a:lstStyle/>
+                <a:p>
+                  <a:pPr algn="ctr"/>
+                  <a:r>
+                    <a:rPr lang="en-US" sz="600" b="1" dirty="0">
+                      <a:latin typeface="Verdana" panose="020B0604030504040204" pitchFamily="34" charset="0"/>
+                      <a:ea typeface="Verdana" panose="020B0604030504040204" pitchFamily="34" charset="0"/>
+                    </a:rPr>
+                    <a:t>Container Runtime</a:t>
+                  </a:r>
+                  <a:endParaRPr lang="en-IN" sz="600" b="1" dirty="0">
+                    <a:latin typeface="Verdana" panose="020B0604030504040204" pitchFamily="34" charset="0"/>
+                    <a:ea typeface="Verdana" panose="020B0604030504040204" pitchFamily="34" charset="0"/>
+                  </a:endParaRPr>
+                </a:p>
+              </p:txBody>
+            </p:sp>
+          </p:grpSp>
+          <p:sp>
+            <p:nvSpPr>
+              <p:cNvPr id="219" name="TextBox 218">
+                <a:extLst>
+                  <a:ext uri="{FF2B5EF4-FFF2-40B4-BE49-F238E27FC236}">
+                    <a16:creationId xmlns:a16="http://schemas.microsoft.com/office/drawing/2014/main" id="{759C07F1-6C9E-DF95-83C4-2BD45537D300}"/>
+                  </a:ext>
+                </a:extLst>
+              </p:cNvPr>
+              <p:cNvSpPr txBox="1"/>
+              <p:nvPr/>
+            </p:nvSpPr>
+            <p:spPr>
+              <a:xfrm>
+                <a:off x="7715298" y="468047"/>
+                <a:ext cx="797265" cy="246221"/>
+              </a:xfrm>
+              <a:prstGeom prst="rect">
+                <a:avLst/>
+              </a:prstGeom>
+              <a:noFill/>
+            </p:spPr>
+            <p:txBody>
+              <a:bodyPr wrap="square" rtlCol="0">
+                <a:spAutoFit/>
+              </a:bodyPr>
+              <a:lstStyle/>
+              <a:p>
+                <a:r>
+                  <a:rPr lang="en-US" sz="1000" b="1" dirty="0">
+                    <a:solidFill>
+                      <a:schemeClr val="accent6"/>
+                    </a:solidFill>
+                    <a:latin typeface="Verdana" panose="020B0604030504040204" pitchFamily="34" charset="0"/>
+                    <a:ea typeface="Verdana" panose="020B0604030504040204" pitchFamily="34" charset="0"/>
+                  </a:rPr>
+                  <a:t>Services</a:t>
+                </a:r>
+                <a:endParaRPr lang="en-IN" sz="1000" b="1" dirty="0">
+                  <a:solidFill>
+                    <a:schemeClr val="accent6"/>
+                  </a:solidFill>
+                  <a:latin typeface="Verdana" panose="020B0604030504040204" pitchFamily="34" charset="0"/>
+                  <a:ea typeface="Verdana" panose="020B0604030504040204" pitchFamily="34" charset="0"/>
+                </a:endParaRPr>
+              </a:p>
+            </p:txBody>
+          </p:sp>
+        </p:grpSp>
+        <p:sp>
+          <p:nvSpPr>
+            <p:cNvPr id="217" name="TextBox 216">
+              <a:extLst>
+                <a:ext uri="{FF2B5EF4-FFF2-40B4-BE49-F238E27FC236}">
+                  <a16:creationId xmlns:a16="http://schemas.microsoft.com/office/drawing/2014/main" id="{F1F9C725-33E6-B7A4-EAC9-4BD6DE40BF37}"/>
+                </a:ext>
+              </a:extLst>
+            </p:cNvPr>
+            <p:cNvSpPr txBox="1"/>
+            <p:nvPr/>
+          </p:nvSpPr>
+          <p:spPr>
+            <a:xfrm>
+              <a:off x="8621171" y="155544"/>
+              <a:ext cx="1333500" cy="276999"/>
+            </a:xfrm>
+            <a:prstGeom prst="rect">
+              <a:avLst/>
+            </a:prstGeom>
+            <a:noFill/>
+          </p:spPr>
+          <p:txBody>
+            <a:bodyPr wrap="square" rtlCol="0">
+              <a:spAutoFit/>
+            </a:bodyPr>
+            <a:lstStyle/>
+            <a:p>
+              <a:r>
+                <a:rPr lang="en-US" sz="1200" b="1" dirty="0">
+                  <a:solidFill>
+                    <a:schemeClr val="accent4">
+                      <a:lumMod val="75000"/>
+                    </a:schemeClr>
+                  </a:solidFill>
+                  <a:latin typeface="Verdana" panose="020B0604030504040204" pitchFamily="34" charset="0"/>
+                  <a:ea typeface="Verdana" panose="020B0604030504040204" pitchFamily="34" charset="0"/>
+                </a:rPr>
+                <a:t>Worker Node</a:t>
+              </a:r>
+              <a:endParaRPr lang="en-IN" sz="1200" b="1" dirty="0">
+                <a:solidFill>
+                  <a:schemeClr val="accent4">
+                    <a:lumMod val="75000"/>
+                  </a:schemeClr>
+                </a:solidFill>
+                <a:latin typeface="Verdana" panose="020B0604030504040204" pitchFamily="34" charset="0"/>
+                <a:ea typeface="Verdana" panose="020B0604030504040204" pitchFamily="34" charset="0"/>
+              </a:endParaRPr>
+            </a:p>
+          </p:txBody>
+        </p:sp>
+      </p:grpSp>
+      <p:cxnSp>
+        <p:nvCxnSpPr>
+          <p:cNvPr id="244" name="Straight Arrow Connector 243">
+            <a:extLst>
+              <a:ext uri="{FF2B5EF4-FFF2-40B4-BE49-F238E27FC236}">
+                <a16:creationId xmlns:a16="http://schemas.microsoft.com/office/drawing/2014/main" id="{8D3BD28C-D325-F797-824B-A9AFEAD037B5}"/>
+              </a:ext>
+            </a:extLst>
+          </p:cNvPr>
+          <p:cNvCxnSpPr>
+            <a:cxnSpLocks/>
+          </p:cNvCxnSpPr>
+          <p:nvPr/>
+        </p:nvCxnSpPr>
+        <p:spPr>
+          <a:xfrm>
+            <a:off x="7816868" y="1524698"/>
+            <a:ext cx="1039645" cy="1"/>
+          </a:xfrm>
+          <a:prstGeom prst="straightConnector1">
+            <a:avLst/>
+          </a:prstGeom>
+          <a:ln>
+            <a:solidFill>
+              <a:schemeClr val="accent1">
+                <a:lumMod val="75000"/>
+              </a:schemeClr>
+            </a:solidFill>
+            <a:tailEnd type="triangle"/>
+          </a:ln>
+        </p:spPr>
+        <p:style>
+          <a:lnRef idx="3">
+            <a:schemeClr val="accent2"/>
+          </a:lnRef>
+          <a:fillRef idx="0">
+            <a:schemeClr val="accent2"/>
+          </a:fillRef>
+          <a:effectRef idx="2">
+            <a:schemeClr val="accent2"/>
+          </a:effectRef>
+          <a:fontRef idx="minor">
+            <a:schemeClr val="tx1"/>
+          </a:fontRef>
+        </p:style>
+      </p:cxnSp>
+      <p:grpSp>
+        <p:nvGrpSpPr>
+          <p:cNvPr id="285" name="Group 284">
+            <a:extLst>
+              <a:ext uri="{FF2B5EF4-FFF2-40B4-BE49-F238E27FC236}">
+                <a16:creationId xmlns:a16="http://schemas.microsoft.com/office/drawing/2014/main" id="{9E7B50C5-2BA9-E59F-E797-1BCC8EDE636C}"/>
+              </a:ext>
+            </a:extLst>
+          </p:cNvPr>
+          <p:cNvGrpSpPr/>
+          <p:nvPr/>
+        </p:nvGrpSpPr>
+        <p:grpSpPr>
+          <a:xfrm>
+            <a:off x="4455014" y="4428369"/>
+            <a:ext cx="1479331" cy="1117714"/>
+            <a:chOff x="5825939" y="4741254"/>
+            <a:chExt cx="1479331" cy="1117714"/>
+          </a:xfrm>
+        </p:grpSpPr>
+        <p:sp>
+          <p:nvSpPr>
+            <p:cNvPr id="286" name="Rectangle: Rounded Corners 285">
+              <a:extLst>
+                <a:ext uri="{FF2B5EF4-FFF2-40B4-BE49-F238E27FC236}">
+                  <a16:creationId xmlns:a16="http://schemas.microsoft.com/office/drawing/2014/main" id="{9DF4F027-CE1B-B555-AAB9-D7C89D0CE48D}"/>
+                </a:ext>
+              </a:extLst>
+            </p:cNvPr>
+            <p:cNvSpPr/>
+            <p:nvPr/>
+          </p:nvSpPr>
+          <p:spPr>
+            <a:xfrm>
+              <a:off x="5825939" y="4741254"/>
+              <a:ext cx="1479331" cy="870970"/>
+            </a:xfrm>
+            <a:prstGeom prst="roundRect">
+              <a:avLst/>
+            </a:prstGeom>
+            <a:solidFill>
+              <a:schemeClr val="bg1"/>
+            </a:solidFill>
+            <a:ln>
+              <a:solidFill>
+                <a:srgbClr val="0070C0"/>
+              </a:solidFill>
+            </a:ln>
+          </p:spPr>
+          <p:style>
+            <a:lnRef idx="2">
+              <a:schemeClr val="accent1">
+                <a:shade val="50000"/>
+              </a:schemeClr>
+            </a:lnRef>
+            <a:fillRef idx="1">
+              <a:schemeClr val="accent1"/>
+            </a:fillRef>
+            <a:effectRef idx="0">
+              <a:schemeClr val="accent1"/>
+            </a:effectRef>
+            <a:fontRef idx="minor">
+              <a:schemeClr val="lt1"/>
+            </a:fontRef>
+          </p:style>
+          <p:txBody>
+            <a:bodyPr rtlCol="0" anchor="ctr"/>
+            <a:lstStyle/>
+            <a:p>
+              <a:pPr algn="ctr"/>
+              <a:endParaRPr lang="en-IN" sz="600" dirty="0">
+                <a:latin typeface="Verdana" panose="020B0604030504040204" pitchFamily="34" charset="0"/>
+                <a:ea typeface="Verdana" panose="020B0604030504040204" pitchFamily="34" charset="0"/>
+              </a:endParaRPr>
+            </a:p>
+          </p:txBody>
+        </p:sp>
+        <p:sp>
+          <p:nvSpPr>
+            <p:cNvPr id="287" name="Rectangle 286">
+              <a:extLst>
+                <a:ext uri="{FF2B5EF4-FFF2-40B4-BE49-F238E27FC236}">
+                  <a16:creationId xmlns:a16="http://schemas.microsoft.com/office/drawing/2014/main" id="{8E308130-BFE8-9D9E-B8DB-6FBB427DE2A9}"/>
+                </a:ext>
+              </a:extLst>
+            </p:cNvPr>
+            <p:cNvSpPr/>
+            <p:nvPr/>
+          </p:nvSpPr>
+          <p:spPr>
+            <a:xfrm>
+              <a:off x="5924729" y="4812166"/>
+              <a:ext cx="612000" cy="240267"/>
+            </a:xfrm>
+            <a:prstGeom prst="rect">
+              <a:avLst/>
+            </a:prstGeom>
+          </p:spPr>
+          <p:style>
+            <a:lnRef idx="2">
+              <a:schemeClr val="accent1">
+                <a:shade val="50000"/>
+              </a:schemeClr>
+            </a:lnRef>
+            <a:fillRef idx="1">
+              <a:schemeClr val="accent1"/>
+            </a:fillRef>
+            <a:effectRef idx="0">
+              <a:schemeClr val="accent1"/>
+            </a:effectRef>
+            <a:fontRef idx="minor">
+              <a:schemeClr val="lt1"/>
+            </a:fontRef>
+          </p:style>
+          <p:txBody>
+            <a:bodyPr rtlCol="0" anchor="ctr"/>
+            <a:lstStyle/>
+            <a:p>
+              <a:pPr algn="ctr"/>
+              <a:r>
+                <a:rPr lang="en-US" sz="600" b="1" dirty="0">
+                  <a:latin typeface="Verdana" panose="020B0604030504040204" pitchFamily="34" charset="0"/>
+                  <a:ea typeface="Verdana" panose="020B0604030504040204" pitchFamily="34" charset="0"/>
+                </a:rPr>
+                <a:t>Container</a:t>
+              </a:r>
+              <a:endParaRPr lang="en-IN" sz="600" b="1" dirty="0">
+                <a:latin typeface="Verdana" panose="020B0604030504040204" pitchFamily="34" charset="0"/>
+                <a:ea typeface="Verdana" panose="020B0604030504040204" pitchFamily="34" charset="0"/>
+              </a:endParaRPr>
+            </a:p>
+          </p:txBody>
+        </p:sp>
+        <p:sp>
+          <p:nvSpPr>
+            <p:cNvPr id="288" name="Rectangle 287">
+              <a:extLst>
+                <a:ext uri="{FF2B5EF4-FFF2-40B4-BE49-F238E27FC236}">
+                  <a16:creationId xmlns:a16="http://schemas.microsoft.com/office/drawing/2014/main" id="{6975A135-8551-46AF-F87B-DAD1E0CCBC4E}"/>
+                </a:ext>
+              </a:extLst>
+            </p:cNvPr>
+            <p:cNvSpPr/>
+            <p:nvPr/>
+          </p:nvSpPr>
+          <p:spPr>
+            <a:xfrm>
+              <a:off x="5924729" y="5301878"/>
+              <a:ext cx="612000" cy="240267"/>
+            </a:xfrm>
+            <a:prstGeom prst="rect">
+              <a:avLst/>
+            </a:prstGeom>
+          </p:spPr>
+          <p:style>
+            <a:lnRef idx="2">
+              <a:schemeClr val="accent1">
+                <a:shade val="50000"/>
+              </a:schemeClr>
+            </a:lnRef>
+            <a:fillRef idx="1">
+              <a:schemeClr val="accent1"/>
+            </a:fillRef>
+            <a:effectRef idx="0">
+              <a:schemeClr val="accent1"/>
+            </a:effectRef>
+            <a:fontRef idx="minor">
+              <a:schemeClr val="lt1"/>
+            </a:fontRef>
+          </p:style>
+          <p:txBody>
+            <a:bodyPr rtlCol="0" anchor="ctr"/>
+            <a:lstStyle/>
+            <a:p>
+              <a:pPr algn="ctr"/>
+              <a:r>
+                <a:rPr lang="en-US" sz="600" b="1" dirty="0">
+                  <a:latin typeface="Verdana" panose="020B0604030504040204" pitchFamily="34" charset="0"/>
+                  <a:ea typeface="Verdana" panose="020B0604030504040204" pitchFamily="34" charset="0"/>
+                </a:rPr>
+                <a:t>Container</a:t>
+              </a:r>
+              <a:endParaRPr lang="en-IN" sz="600" b="1" dirty="0">
+                <a:latin typeface="Verdana" panose="020B0604030504040204" pitchFamily="34" charset="0"/>
+                <a:ea typeface="Verdana" panose="020B0604030504040204" pitchFamily="34" charset="0"/>
+              </a:endParaRPr>
+            </a:p>
+          </p:txBody>
+        </p:sp>
+        <p:sp>
+          <p:nvSpPr>
+            <p:cNvPr id="289" name="Rectangle 288">
+              <a:extLst>
+                <a:ext uri="{FF2B5EF4-FFF2-40B4-BE49-F238E27FC236}">
+                  <a16:creationId xmlns:a16="http://schemas.microsoft.com/office/drawing/2014/main" id="{95CA77CA-34CE-D195-6BF0-ECD5E41B7E18}"/>
+                </a:ext>
+              </a:extLst>
+            </p:cNvPr>
+            <p:cNvSpPr/>
+            <p:nvPr/>
+          </p:nvSpPr>
+          <p:spPr>
+            <a:xfrm>
+              <a:off x="6658983" y="4812166"/>
+              <a:ext cx="576000" cy="240267"/>
+            </a:xfrm>
+            <a:prstGeom prst="rect">
+              <a:avLst/>
+            </a:prstGeom>
+          </p:spPr>
+          <p:style>
+            <a:lnRef idx="2">
+              <a:schemeClr val="accent1">
+                <a:shade val="50000"/>
+              </a:schemeClr>
+            </a:lnRef>
+            <a:fillRef idx="1">
+              <a:schemeClr val="accent1"/>
+            </a:fillRef>
+            <a:effectRef idx="0">
+              <a:schemeClr val="accent1"/>
+            </a:effectRef>
+            <a:fontRef idx="minor">
+              <a:schemeClr val="lt1"/>
+            </a:fontRef>
+          </p:style>
+          <p:txBody>
+            <a:bodyPr rtlCol="0" anchor="ctr"/>
+            <a:lstStyle/>
+            <a:p>
+              <a:pPr algn="ctr"/>
+              <a:r>
+                <a:rPr lang="en-US" sz="600" b="1" dirty="0">
+                  <a:latin typeface="Verdana" panose="020B0604030504040204" pitchFamily="34" charset="0"/>
+                  <a:ea typeface="Verdana" panose="020B0604030504040204" pitchFamily="34" charset="0"/>
+                </a:rPr>
+                <a:t>Shared Volumes</a:t>
+              </a:r>
+              <a:endParaRPr lang="en-IN" sz="600" b="1" dirty="0">
+                <a:latin typeface="Verdana" panose="020B0604030504040204" pitchFamily="34" charset="0"/>
+                <a:ea typeface="Verdana" panose="020B0604030504040204" pitchFamily="34" charset="0"/>
+              </a:endParaRPr>
+            </a:p>
+          </p:txBody>
+        </p:sp>
+        <p:sp>
+          <p:nvSpPr>
+            <p:cNvPr id="290" name="Rectangle 289">
+              <a:extLst>
+                <a:ext uri="{FF2B5EF4-FFF2-40B4-BE49-F238E27FC236}">
+                  <a16:creationId xmlns:a16="http://schemas.microsoft.com/office/drawing/2014/main" id="{ED3773E0-0996-8E7D-5169-061BF2900C1E}"/>
+                </a:ext>
+              </a:extLst>
+            </p:cNvPr>
+            <p:cNvSpPr/>
+            <p:nvPr/>
+          </p:nvSpPr>
+          <p:spPr>
+            <a:xfrm>
+              <a:off x="6658983" y="5114169"/>
+              <a:ext cx="576000" cy="240267"/>
+            </a:xfrm>
+            <a:prstGeom prst="rect">
+              <a:avLst/>
+            </a:prstGeom>
+          </p:spPr>
+          <p:style>
+            <a:lnRef idx="2">
+              <a:schemeClr val="accent1">
+                <a:shade val="50000"/>
+              </a:schemeClr>
+            </a:lnRef>
+            <a:fillRef idx="1">
+              <a:schemeClr val="accent1"/>
+            </a:fillRef>
+            <a:effectRef idx="0">
+              <a:schemeClr val="accent1"/>
+            </a:effectRef>
+            <a:fontRef idx="minor">
+              <a:schemeClr val="lt1"/>
+            </a:fontRef>
+          </p:style>
+          <p:txBody>
+            <a:bodyPr rtlCol="0" anchor="ctr"/>
+            <a:lstStyle/>
+            <a:p>
+              <a:pPr algn="ctr"/>
+              <a:r>
+                <a:rPr lang="en-US" sz="600" b="1" dirty="0">
+                  <a:latin typeface="Verdana" panose="020B0604030504040204" pitchFamily="34" charset="0"/>
+                  <a:ea typeface="Verdana" panose="020B0604030504040204" pitchFamily="34" charset="0"/>
+                </a:rPr>
+                <a:t>Shared IP</a:t>
+              </a:r>
+              <a:endParaRPr lang="en-IN" sz="600" b="1" dirty="0">
+                <a:latin typeface="Verdana" panose="020B0604030504040204" pitchFamily="34" charset="0"/>
+                <a:ea typeface="Verdana" panose="020B0604030504040204" pitchFamily="34" charset="0"/>
+              </a:endParaRPr>
+            </a:p>
+          </p:txBody>
+        </p:sp>
+        <p:cxnSp>
+          <p:nvCxnSpPr>
+            <p:cNvPr id="291" name="Straight Connector 290">
+              <a:extLst>
+                <a:ext uri="{FF2B5EF4-FFF2-40B4-BE49-F238E27FC236}">
+                  <a16:creationId xmlns:a16="http://schemas.microsoft.com/office/drawing/2014/main" id="{4DCB259F-0FB5-4089-5560-D3EC9CE17FF2}"/>
+                </a:ext>
+              </a:extLst>
+            </p:cNvPr>
+            <p:cNvCxnSpPr/>
+            <p:nvPr/>
+          </p:nvCxnSpPr>
+          <p:spPr>
+            <a:xfrm>
+              <a:off x="6230729" y="5098495"/>
+              <a:ext cx="0" cy="180000"/>
+            </a:xfrm>
+            <a:prstGeom prst="line">
+              <a:avLst/>
+            </a:prstGeom>
+            <a:ln w="12700" cap="flat" cmpd="sng" algn="ctr">
+              <a:solidFill>
+                <a:schemeClr val="accent1"/>
+              </a:solidFill>
+              <a:prstDash val="dash"/>
+              <a:round/>
+              <a:headEnd type="none" w="med" len="med"/>
+              <a:tailEnd type="none" w="med" len="med"/>
+            </a:ln>
+          </p:spPr>
+          <p:style>
+            <a:lnRef idx="0">
+              <a:scrgbClr r="0" g="0" b="0"/>
+            </a:lnRef>
+            <a:fillRef idx="0">
+              <a:scrgbClr r="0" g="0" b="0"/>
+            </a:fillRef>
+            <a:effectRef idx="0">
+              <a:scrgbClr r="0" g="0" b="0"/>
+            </a:effectRef>
+            <a:fontRef idx="minor">
+              <a:schemeClr val="tx1"/>
+            </a:fontRef>
+          </p:style>
+        </p:cxnSp>
+        <p:sp>
+          <p:nvSpPr>
+            <p:cNvPr id="292" name="TextBox 291">
+              <a:extLst>
+                <a:ext uri="{FF2B5EF4-FFF2-40B4-BE49-F238E27FC236}">
+                  <a16:creationId xmlns:a16="http://schemas.microsoft.com/office/drawing/2014/main" id="{3505FC98-B392-F78A-C81C-EBB09729D4EC}"/>
+                </a:ext>
+              </a:extLst>
+            </p:cNvPr>
+            <p:cNvSpPr txBox="1"/>
+            <p:nvPr/>
+          </p:nvSpPr>
+          <p:spPr>
+            <a:xfrm>
+              <a:off x="5852711" y="5612747"/>
+              <a:ext cx="532297" cy="246221"/>
+            </a:xfrm>
+            <a:prstGeom prst="rect">
+              <a:avLst/>
+            </a:prstGeom>
+            <a:noFill/>
+          </p:spPr>
+          <p:txBody>
+            <a:bodyPr wrap="square" rtlCol="0">
+              <a:spAutoFit/>
+            </a:bodyPr>
+            <a:lstStyle/>
+            <a:p>
+              <a:r>
+                <a:rPr lang="en-US" sz="1000" b="1" dirty="0">
+                  <a:solidFill>
+                    <a:srgbClr val="0070C0"/>
+                  </a:solidFill>
+                  <a:latin typeface="Verdana" panose="020B0604030504040204" pitchFamily="34" charset="0"/>
+                  <a:ea typeface="Verdana" panose="020B0604030504040204" pitchFamily="34" charset="0"/>
+                </a:rPr>
+                <a:t>POD</a:t>
+              </a:r>
+              <a:endParaRPr lang="en-IN" sz="1000" b="1" dirty="0">
+                <a:solidFill>
+                  <a:srgbClr val="0070C0"/>
+                </a:solidFill>
+                <a:latin typeface="Verdana" panose="020B0604030504040204" pitchFamily="34" charset="0"/>
+                <a:ea typeface="Verdana" panose="020B0604030504040204" pitchFamily="34" charset="0"/>
+              </a:endParaRPr>
+            </a:p>
+          </p:txBody>
+        </p:sp>
+      </p:grpSp>
+      <p:grpSp>
+        <p:nvGrpSpPr>
+          <p:cNvPr id="293" name="Group 292">
+            <a:extLst>
+              <a:ext uri="{FF2B5EF4-FFF2-40B4-BE49-F238E27FC236}">
+                <a16:creationId xmlns:a16="http://schemas.microsoft.com/office/drawing/2014/main" id="{8648350D-D40A-E58C-6406-E914279985B1}"/>
+              </a:ext>
+            </a:extLst>
+          </p:cNvPr>
+          <p:cNvGrpSpPr/>
+          <p:nvPr/>
+        </p:nvGrpSpPr>
+        <p:grpSpPr>
+          <a:xfrm>
+            <a:off x="2877048" y="4428369"/>
+            <a:ext cx="1479331" cy="1117714"/>
+            <a:chOff x="5825939" y="4741254"/>
+            <a:chExt cx="1479331" cy="1117714"/>
+          </a:xfrm>
+        </p:grpSpPr>
+        <p:sp>
+          <p:nvSpPr>
+            <p:cNvPr id="294" name="Rectangle: Rounded Corners 293">
+              <a:extLst>
+                <a:ext uri="{FF2B5EF4-FFF2-40B4-BE49-F238E27FC236}">
+                  <a16:creationId xmlns:a16="http://schemas.microsoft.com/office/drawing/2014/main" id="{229849AE-5967-D4A2-8EA8-B0CF2B0FDFC5}"/>
+                </a:ext>
+              </a:extLst>
+            </p:cNvPr>
+            <p:cNvSpPr/>
+            <p:nvPr/>
+          </p:nvSpPr>
+          <p:spPr>
+            <a:xfrm>
+              <a:off x="5825939" y="4741254"/>
+              <a:ext cx="1479331" cy="870970"/>
+            </a:xfrm>
+            <a:prstGeom prst="roundRect">
+              <a:avLst/>
+            </a:prstGeom>
+            <a:solidFill>
+              <a:schemeClr val="bg1"/>
+            </a:solidFill>
+            <a:ln>
+              <a:solidFill>
+                <a:srgbClr val="0070C0"/>
+              </a:solidFill>
+            </a:ln>
+          </p:spPr>
+          <p:style>
+            <a:lnRef idx="2">
+              <a:schemeClr val="accent1">
+                <a:shade val="50000"/>
+              </a:schemeClr>
+            </a:lnRef>
+            <a:fillRef idx="1">
+              <a:schemeClr val="accent1"/>
+            </a:fillRef>
+            <a:effectRef idx="0">
+              <a:schemeClr val="accent1"/>
+            </a:effectRef>
+            <a:fontRef idx="minor">
+              <a:schemeClr val="lt1"/>
+            </a:fontRef>
+          </p:style>
+          <p:txBody>
+            <a:bodyPr rtlCol="0" anchor="ctr"/>
+            <a:lstStyle/>
+            <a:p>
+              <a:pPr algn="ctr"/>
+              <a:endParaRPr lang="en-IN" sz="600" dirty="0">
+                <a:latin typeface="Verdana" panose="020B0604030504040204" pitchFamily="34" charset="0"/>
+                <a:ea typeface="Verdana" panose="020B0604030504040204" pitchFamily="34" charset="0"/>
+              </a:endParaRPr>
+            </a:p>
+          </p:txBody>
+        </p:sp>
+        <p:sp>
+          <p:nvSpPr>
+            <p:cNvPr id="295" name="Rectangle 294">
+              <a:extLst>
+                <a:ext uri="{FF2B5EF4-FFF2-40B4-BE49-F238E27FC236}">
+                  <a16:creationId xmlns:a16="http://schemas.microsoft.com/office/drawing/2014/main" id="{F1D2D222-CB73-81BF-96CC-6935C7736EFB}"/>
+                </a:ext>
+              </a:extLst>
+            </p:cNvPr>
+            <p:cNvSpPr/>
+            <p:nvPr/>
+          </p:nvSpPr>
+          <p:spPr>
+            <a:xfrm>
+              <a:off x="5924729" y="4812166"/>
+              <a:ext cx="612000" cy="240267"/>
+            </a:xfrm>
+            <a:prstGeom prst="rect">
+              <a:avLst/>
+            </a:prstGeom>
+          </p:spPr>
+          <p:style>
+            <a:lnRef idx="2">
+              <a:schemeClr val="accent1">
+                <a:shade val="50000"/>
+              </a:schemeClr>
+            </a:lnRef>
+            <a:fillRef idx="1">
+              <a:schemeClr val="accent1"/>
+            </a:fillRef>
+            <a:effectRef idx="0">
+              <a:schemeClr val="accent1"/>
+            </a:effectRef>
+            <a:fontRef idx="minor">
+              <a:schemeClr val="lt1"/>
+            </a:fontRef>
+          </p:style>
+          <p:txBody>
+            <a:bodyPr rtlCol="0" anchor="ctr"/>
+            <a:lstStyle/>
+            <a:p>
+              <a:pPr algn="ctr"/>
+              <a:r>
+                <a:rPr lang="en-US" sz="600" b="1" dirty="0">
+                  <a:latin typeface="Verdana" panose="020B0604030504040204" pitchFamily="34" charset="0"/>
+                  <a:ea typeface="Verdana" panose="020B0604030504040204" pitchFamily="34" charset="0"/>
+                </a:rPr>
+                <a:t>Container</a:t>
+              </a:r>
+              <a:endParaRPr lang="en-IN" sz="600" b="1" dirty="0">
+                <a:latin typeface="Verdana" panose="020B0604030504040204" pitchFamily="34" charset="0"/>
+                <a:ea typeface="Verdana" panose="020B0604030504040204" pitchFamily="34" charset="0"/>
+              </a:endParaRPr>
+            </a:p>
+          </p:txBody>
+        </p:sp>
+        <p:sp>
+          <p:nvSpPr>
+            <p:cNvPr id="296" name="Rectangle 295">
+              <a:extLst>
+                <a:ext uri="{FF2B5EF4-FFF2-40B4-BE49-F238E27FC236}">
+                  <a16:creationId xmlns:a16="http://schemas.microsoft.com/office/drawing/2014/main" id="{19F1E831-9BE2-4E3D-51C1-148FA6612D7B}"/>
+                </a:ext>
+              </a:extLst>
+            </p:cNvPr>
+            <p:cNvSpPr/>
+            <p:nvPr/>
+          </p:nvSpPr>
+          <p:spPr>
+            <a:xfrm>
+              <a:off x="5924729" y="5301878"/>
+              <a:ext cx="612000" cy="240267"/>
+            </a:xfrm>
+            <a:prstGeom prst="rect">
+              <a:avLst/>
+            </a:prstGeom>
+          </p:spPr>
+          <p:style>
+            <a:lnRef idx="2">
+              <a:schemeClr val="accent1">
+                <a:shade val="50000"/>
+              </a:schemeClr>
+            </a:lnRef>
+            <a:fillRef idx="1">
+              <a:schemeClr val="accent1"/>
+            </a:fillRef>
+            <a:effectRef idx="0">
+              <a:schemeClr val="accent1"/>
+            </a:effectRef>
+            <a:fontRef idx="minor">
+              <a:schemeClr val="lt1"/>
+            </a:fontRef>
+          </p:style>
+          <p:txBody>
+            <a:bodyPr rtlCol="0" anchor="ctr"/>
+            <a:lstStyle/>
+            <a:p>
+              <a:pPr algn="ctr"/>
+              <a:r>
+                <a:rPr lang="en-US" sz="600" b="1" dirty="0">
+                  <a:latin typeface="Verdana" panose="020B0604030504040204" pitchFamily="34" charset="0"/>
+                  <a:ea typeface="Verdana" panose="020B0604030504040204" pitchFamily="34" charset="0"/>
+                </a:rPr>
+                <a:t>Container</a:t>
+              </a:r>
+              <a:endParaRPr lang="en-IN" sz="600" b="1" dirty="0">
+                <a:latin typeface="Verdana" panose="020B0604030504040204" pitchFamily="34" charset="0"/>
+                <a:ea typeface="Verdana" panose="020B0604030504040204" pitchFamily="34" charset="0"/>
+              </a:endParaRPr>
+            </a:p>
+          </p:txBody>
+        </p:sp>
+        <p:sp>
+          <p:nvSpPr>
+            <p:cNvPr id="297" name="Rectangle 296">
+              <a:extLst>
+                <a:ext uri="{FF2B5EF4-FFF2-40B4-BE49-F238E27FC236}">
+                  <a16:creationId xmlns:a16="http://schemas.microsoft.com/office/drawing/2014/main" id="{FAE2D58D-2F67-5121-807D-7A9469A47AF2}"/>
+                </a:ext>
+              </a:extLst>
+            </p:cNvPr>
+            <p:cNvSpPr/>
+            <p:nvPr/>
+          </p:nvSpPr>
+          <p:spPr>
+            <a:xfrm>
+              <a:off x="6658983" y="4812166"/>
+              <a:ext cx="576000" cy="240267"/>
+            </a:xfrm>
+            <a:prstGeom prst="rect">
+              <a:avLst/>
+            </a:prstGeom>
+          </p:spPr>
+          <p:style>
+            <a:lnRef idx="2">
+              <a:schemeClr val="accent1">
+                <a:shade val="50000"/>
+              </a:schemeClr>
+            </a:lnRef>
+            <a:fillRef idx="1">
+              <a:schemeClr val="accent1"/>
+            </a:fillRef>
+            <a:effectRef idx="0">
+              <a:schemeClr val="accent1"/>
+            </a:effectRef>
+            <a:fontRef idx="minor">
+              <a:schemeClr val="lt1"/>
+            </a:fontRef>
+          </p:style>
+          <p:txBody>
+            <a:bodyPr rtlCol="0" anchor="ctr"/>
+            <a:lstStyle/>
+            <a:p>
+              <a:pPr algn="ctr"/>
+              <a:r>
+                <a:rPr lang="en-US" sz="600" b="1" dirty="0">
+                  <a:latin typeface="Verdana" panose="020B0604030504040204" pitchFamily="34" charset="0"/>
+                  <a:ea typeface="Verdana" panose="020B0604030504040204" pitchFamily="34" charset="0"/>
+                </a:rPr>
+                <a:t>Shared Volumes</a:t>
+              </a:r>
+              <a:endParaRPr lang="en-IN" sz="600" b="1" dirty="0">
+                <a:latin typeface="Verdana" panose="020B0604030504040204" pitchFamily="34" charset="0"/>
+                <a:ea typeface="Verdana" panose="020B0604030504040204" pitchFamily="34" charset="0"/>
+              </a:endParaRPr>
+            </a:p>
+          </p:txBody>
+        </p:sp>
+        <p:sp>
+          <p:nvSpPr>
+            <p:cNvPr id="298" name="Rectangle 297">
+              <a:extLst>
+                <a:ext uri="{FF2B5EF4-FFF2-40B4-BE49-F238E27FC236}">
+                  <a16:creationId xmlns:a16="http://schemas.microsoft.com/office/drawing/2014/main" id="{297216C7-B904-56D8-4A16-14D1EF7BBA08}"/>
+                </a:ext>
+              </a:extLst>
+            </p:cNvPr>
+            <p:cNvSpPr/>
+            <p:nvPr/>
+          </p:nvSpPr>
+          <p:spPr>
+            <a:xfrm>
+              <a:off x="6658983" y="5114169"/>
+              <a:ext cx="576000" cy="240267"/>
+            </a:xfrm>
+            <a:prstGeom prst="rect">
+              <a:avLst/>
+            </a:prstGeom>
+          </p:spPr>
+          <p:style>
+            <a:lnRef idx="2">
+              <a:schemeClr val="accent1">
+                <a:shade val="50000"/>
+              </a:schemeClr>
+            </a:lnRef>
+            <a:fillRef idx="1">
+              <a:schemeClr val="accent1"/>
+            </a:fillRef>
+            <a:effectRef idx="0">
+              <a:schemeClr val="accent1"/>
+            </a:effectRef>
+            <a:fontRef idx="minor">
+              <a:schemeClr val="lt1"/>
+            </a:fontRef>
+          </p:style>
+          <p:txBody>
+            <a:bodyPr rtlCol="0" anchor="ctr"/>
+            <a:lstStyle/>
+            <a:p>
+              <a:pPr algn="ctr"/>
+              <a:r>
+                <a:rPr lang="en-US" sz="600" b="1" dirty="0">
+                  <a:latin typeface="Verdana" panose="020B0604030504040204" pitchFamily="34" charset="0"/>
+                  <a:ea typeface="Verdana" panose="020B0604030504040204" pitchFamily="34" charset="0"/>
+                </a:rPr>
+                <a:t>Shared IP</a:t>
+              </a:r>
+              <a:endParaRPr lang="en-IN" sz="600" b="1" dirty="0">
+                <a:latin typeface="Verdana" panose="020B0604030504040204" pitchFamily="34" charset="0"/>
+                <a:ea typeface="Verdana" panose="020B0604030504040204" pitchFamily="34" charset="0"/>
+              </a:endParaRPr>
+            </a:p>
+          </p:txBody>
+        </p:sp>
+        <p:cxnSp>
+          <p:nvCxnSpPr>
+            <p:cNvPr id="299" name="Straight Connector 298">
+              <a:extLst>
+                <a:ext uri="{FF2B5EF4-FFF2-40B4-BE49-F238E27FC236}">
+                  <a16:creationId xmlns:a16="http://schemas.microsoft.com/office/drawing/2014/main" id="{B52BD13D-406D-57A4-B70E-F5A30C5199A6}"/>
+                </a:ext>
+              </a:extLst>
+            </p:cNvPr>
+            <p:cNvCxnSpPr/>
+            <p:nvPr/>
+          </p:nvCxnSpPr>
+          <p:spPr>
+            <a:xfrm>
+              <a:off x="6230729" y="5098495"/>
+              <a:ext cx="0" cy="180000"/>
+            </a:xfrm>
+            <a:prstGeom prst="line">
+              <a:avLst/>
+            </a:prstGeom>
+            <a:ln w="12700" cap="flat" cmpd="sng" algn="ctr">
+              <a:solidFill>
+                <a:schemeClr val="accent1"/>
+              </a:solidFill>
+              <a:prstDash val="dash"/>
+              <a:round/>
+              <a:headEnd type="none" w="med" len="med"/>
+              <a:tailEnd type="none" w="med" len="med"/>
+            </a:ln>
+          </p:spPr>
+          <p:style>
+            <a:lnRef idx="0">
+              <a:scrgbClr r="0" g="0" b="0"/>
+            </a:lnRef>
+            <a:fillRef idx="0">
+              <a:scrgbClr r="0" g="0" b="0"/>
+            </a:fillRef>
+            <a:effectRef idx="0">
+              <a:scrgbClr r="0" g="0" b="0"/>
+            </a:effectRef>
+            <a:fontRef idx="minor">
+              <a:schemeClr val="tx1"/>
+            </a:fontRef>
+          </p:style>
+        </p:cxnSp>
+        <p:sp>
+          <p:nvSpPr>
+            <p:cNvPr id="300" name="TextBox 299">
+              <a:extLst>
+                <a:ext uri="{FF2B5EF4-FFF2-40B4-BE49-F238E27FC236}">
+                  <a16:creationId xmlns:a16="http://schemas.microsoft.com/office/drawing/2014/main" id="{0E1714B8-524E-3A85-57A5-C631368456A9}"/>
+                </a:ext>
+              </a:extLst>
+            </p:cNvPr>
+            <p:cNvSpPr txBox="1"/>
+            <p:nvPr/>
+          </p:nvSpPr>
+          <p:spPr>
+            <a:xfrm>
+              <a:off x="5852711" y="5612747"/>
+              <a:ext cx="532297" cy="246221"/>
+            </a:xfrm>
+            <a:prstGeom prst="rect">
+              <a:avLst/>
+            </a:prstGeom>
+            <a:noFill/>
+          </p:spPr>
+          <p:txBody>
+            <a:bodyPr wrap="square" rtlCol="0">
+              <a:spAutoFit/>
+            </a:bodyPr>
+            <a:lstStyle/>
+            <a:p>
+              <a:r>
+                <a:rPr lang="en-US" sz="1000" b="1" dirty="0">
+                  <a:solidFill>
+                    <a:srgbClr val="0070C0"/>
+                  </a:solidFill>
+                  <a:latin typeface="Verdana" panose="020B0604030504040204" pitchFamily="34" charset="0"/>
+                  <a:ea typeface="Verdana" panose="020B0604030504040204" pitchFamily="34" charset="0"/>
+                </a:rPr>
+                <a:t>POD</a:t>
+              </a:r>
+              <a:endParaRPr lang="en-IN" sz="1000" b="1" dirty="0">
+                <a:solidFill>
+                  <a:srgbClr val="0070C0"/>
+                </a:solidFill>
+                <a:latin typeface="Verdana" panose="020B0604030504040204" pitchFamily="34" charset="0"/>
+                <a:ea typeface="Verdana" panose="020B0604030504040204" pitchFamily="34" charset="0"/>
+              </a:endParaRPr>
+            </a:p>
+          </p:txBody>
+        </p:sp>
+      </p:grpSp>
+      <p:grpSp>
+        <p:nvGrpSpPr>
+          <p:cNvPr id="301" name="Group 300">
+            <a:extLst>
+              <a:ext uri="{FF2B5EF4-FFF2-40B4-BE49-F238E27FC236}">
+                <a16:creationId xmlns:a16="http://schemas.microsoft.com/office/drawing/2014/main" id="{EEC2BCCE-4406-7BCD-F0E2-3E72395F50CA}"/>
+              </a:ext>
+            </a:extLst>
+          </p:cNvPr>
+          <p:cNvGrpSpPr/>
+          <p:nvPr/>
+        </p:nvGrpSpPr>
+        <p:grpSpPr>
+          <a:xfrm>
+            <a:off x="4453810" y="3237744"/>
+            <a:ext cx="1479331" cy="1117714"/>
+            <a:chOff x="5825939" y="4741254"/>
+            <a:chExt cx="1479331" cy="1117714"/>
+          </a:xfrm>
+        </p:grpSpPr>
+        <p:sp>
+          <p:nvSpPr>
+            <p:cNvPr id="302" name="Rectangle: Rounded Corners 301">
+              <a:extLst>
+                <a:ext uri="{FF2B5EF4-FFF2-40B4-BE49-F238E27FC236}">
+                  <a16:creationId xmlns:a16="http://schemas.microsoft.com/office/drawing/2014/main" id="{DC6B0564-C624-CA77-180D-2E430810E486}"/>
+                </a:ext>
+              </a:extLst>
+            </p:cNvPr>
+            <p:cNvSpPr/>
+            <p:nvPr/>
+          </p:nvSpPr>
+          <p:spPr>
+            <a:xfrm>
+              <a:off x="5825939" y="4741254"/>
+              <a:ext cx="1479331" cy="870970"/>
+            </a:xfrm>
+            <a:prstGeom prst="roundRect">
+              <a:avLst/>
+            </a:prstGeom>
+            <a:solidFill>
+              <a:schemeClr val="bg1"/>
+            </a:solidFill>
+            <a:ln>
+              <a:solidFill>
+                <a:srgbClr val="0070C0"/>
+              </a:solidFill>
+            </a:ln>
+          </p:spPr>
+          <p:style>
+            <a:lnRef idx="2">
+              <a:schemeClr val="accent1">
+                <a:shade val="50000"/>
+              </a:schemeClr>
+            </a:lnRef>
+            <a:fillRef idx="1">
+              <a:schemeClr val="accent1"/>
+            </a:fillRef>
+            <a:effectRef idx="0">
+              <a:schemeClr val="accent1"/>
+            </a:effectRef>
+            <a:fontRef idx="minor">
+              <a:schemeClr val="lt1"/>
+            </a:fontRef>
+          </p:style>
+          <p:txBody>
+            <a:bodyPr rtlCol="0" anchor="ctr"/>
+            <a:lstStyle/>
+            <a:p>
+              <a:pPr algn="ctr"/>
+              <a:endParaRPr lang="en-IN" sz="600" dirty="0">
+                <a:latin typeface="Verdana" panose="020B0604030504040204" pitchFamily="34" charset="0"/>
+                <a:ea typeface="Verdana" panose="020B0604030504040204" pitchFamily="34" charset="0"/>
+              </a:endParaRPr>
+            </a:p>
+          </p:txBody>
+        </p:sp>
+        <p:sp>
+          <p:nvSpPr>
+            <p:cNvPr id="303" name="Rectangle 302">
+              <a:extLst>
+                <a:ext uri="{FF2B5EF4-FFF2-40B4-BE49-F238E27FC236}">
+                  <a16:creationId xmlns:a16="http://schemas.microsoft.com/office/drawing/2014/main" id="{DC3DE261-34CE-F736-F855-5E6BE6FFF07C}"/>
+                </a:ext>
+              </a:extLst>
+            </p:cNvPr>
+            <p:cNvSpPr/>
+            <p:nvPr/>
+          </p:nvSpPr>
+          <p:spPr>
+            <a:xfrm>
+              <a:off x="5924729" y="4812166"/>
+              <a:ext cx="612000" cy="240267"/>
+            </a:xfrm>
+            <a:prstGeom prst="rect">
+              <a:avLst/>
+            </a:prstGeom>
+          </p:spPr>
+          <p:style>
+            <a:lnRef idx="2">
+              <a:schemeClr val="accent1">
+                <a:shade val="50000"/>
+              </a:schemeClr>
+            </a:lnRef>
+            <a:fillRef idx="1">
+              <a:schemeClr val="accent1"/>
+            </a:fillRef>
+            <a:effectRef idx="0">
+              <a:schemeClr val="accent1"/>
+            </a:effectRef>
+            <a:fontRef idx="minor">
+              <a:schemeClr val="lt1"/>
+            </a:fontRef>
+          </p:style>
+          <p:txBody>
+            <a:bodyPr rtlCol="0" anchor="ctr"/>
+            <a:lstStyle/>
+            <a:p>
+              <a:pPr algn="ctr"/>
+              <a:r>
+                <a:rPr lang="en-US" sz="600" b="1" dirty="0">
+                  <a:latin typeface="Verdana" panose="020B0604030504040204" pitchFamily="34" charset="0"/>
+                  <a:ea typeface="Verdana" panose="020B0604030504040204" pitchFamily="34" charset="0"/>
+                </a:rPr>
+                <a:t>Container</a:t>
+              </a:r>
+              <a:endParaRPr lang="en-IN" sz="600" b="1" dirty="0">
+                <a:latin typeface="Verdana" panose="020B0604030504040204" pitchFamily="34" charset="0"/>
+                <a:ea typeface="Verdana" panose="020B0604030504040204" pitchFamily="34" charset="0"/>
+              </a:endParaRPr>
+            </a:p>
+          </p:txBody>
+        </p:sp>
+        <p:sp>
+          <p:nvSpPr>
+            <p:cNvPr id="304" name="Rectangle 303">
+              <a:extLst>
+                <a:ext uri="{FF2B5EF4-FFF2-40B4-BE49-F238E27FC236}">
+                  <a16:creationId xmlns:a16="http://schemas.microsoft.com/office/drawing/2014/main" id="{A706E091-E959-13E9-4AF5-6461E8DE7034}"/>
+                </a:ext>
+              </a:extLst>
+            </p:cNvPr>
+            <p:cNvSpPr/>
+            <p:nvPr/>
+          </p:nvSpPr>
+          <p:spPr>
+            <a:xfrm>
+              <a:off x="5924729" y="5301878"/>
+              <a:ext cx="612000" cy="240267"/>
+            </a:xfrm>
+            <a:prstGeom prst="rect">
+              <a:avLst/>
+            </a:prstGeom>
+          </p:spPr>
+          <p:style>
+            <a:lnRef idx="2">
+              <a:schemeClr val="accent1">
+                <a:shade val="50000"/>
+              </a:schemeClr>
+            </a:lnRef>
+            <a:fillRef idx="1">
+              <a:schemeClr val="accent1"/>
+            </a:fillRef>
+            <a:effectRef idx="0">
+              <a:schemeClr val="accent1"/>
+            </a:effectRef>
+            <a:fontRef idx="minor">
+              <a:schemeClr val="lt1"/>
+            </a:fontRef>
+          </p:style>
+          <p:txBody>
+            <a:bodyPr rtlCol="0" anchor="ctr"/>
+            <a:lstStyle/>
+            <a:p>
+              <a:pPr algn="ctr"/>
+              <a:r>
+                <a:rPr lang="en-US" sz="600" b="1" dirty="0">
+                  <a:latin typeface="Verdana" panose="020B0604030504040204" pitchFamily="34" charset="0"/>
+                  <a:ea typeface="Verdana" panose="020B0604030504040204" pitchFamily="34" charset="0"/>
+                </a:rPr>
+                <a:t>Container</a:t>
+              </a:r>
+              <a:endParaRPr lang="en-IN" sz="600" b="1" dirty="0">
+                <a:latin typeface="Verdana" panose="020B0604030504040204" pitchFamily="34" charset="0"/>
+                <a:ea typeface="Verdana" panose="020B0604030504040204" pitchFamily="34" charset="0"/>
+              </a:endParaRPr>
+            </a:p>
+          </p:txBody>
+        </p:sp>
+        <p:sp>
+          <p:nvSpPr>
+            <p:cNvPr id="305" name="Rectangle 304">
+              <a:extLst>
+                <a:ext uri="{FF2B5EF4-FFF2-40B4-BE49-F238E27FC236}">
+                  <a16:creationId xmlns:a16="http://schemas.microsoft.com/office/drawing/2014/main" id="{48D3FFDF-BFD1-74B6-A4EC-2FB857686AB7}"/>
+                </a:ext>
+              </a:extLst>
+            </p:cNvPr>
+            <p:cNvSpPr/>
+            <p:nvPr/>
+          </p:nvSpPr>
+          <p:spPr>
+            <a:xfrm>
+              <a:off x="6658983" y="4812166"/>
+              <a:ext cx="576000" cy="240267"/>
+            </a:xfrm>
+            <a:prstGeom prst="rect">
+              <a:avLst/>
+            </a:prstGeom>
+          </p:spPr>
+          <p:style>
+            <a:lnRef idx="2">
+              <a:schemeClr val="accent1">
+                <a:shade val="50000"/>
+              </a:schemeClr>
+            </a:lnRef>
+            <a:fillRef idx="1">
+              <a:schemeClr val="accent1"/>
+            </a:fillRef>
+            <a:effectRef idx="0">
+              <a:schemeClr val="accent1"/>
+            </a:effectRef>
+            <a:fontRef idx="minor">
+              <a:schemeClr val="lt1"/>
+            </a:fontRef>
+          </p:style>
+          <p:txBody>
+            <a:bodyPr rtlCol="0" anchor="ctr"/>
+            <a:lstStyle/>
+            <a:p>
+              <a:pPr algn="ctr"/>
+              <a:r>
+                <a:rPr lang="en-US" sz="600" b="1" dirty="0">
+                  <a:latin typeface="Verdana" panose="020B0604030504040204" pitchFamily="34" charset="0"/>
+                  <a:ea typeface="Verdana" panose="020B0604030504040204" pitchFamily="34" charset="0"/>
+                </a:rPr>
+                <a:t>Shared Volumes</a:t>
+              </a:r>
+              <a:endParaRPr lang="en-IN" sz="600" b="1" dirty="0">
+                <a:latin typeface="Verdana" panose="020B0604030504040204" pitchFamily="34" charset="0"/>
+                <a:ea typeface="Verdana" panose="020B0604030504040204" pitchFamily="34" charset="0"/>
+              </a:endParaRPr>
+            </a:p>
+          </p:txBody>
+        </p:sp>
+        <p:sp>
+          <p:nvSpPr>
+            <p:cNvPr id="306" name="Rectangle 305">
+              <a:extLst>
+                <a:ext uri="{FF2B5EF4-FFF2-40B4-BE49-F238E27FC236}">
+                  <a16:creationId xmlns:a16="http://schemas.microsoft.com/office/drawing/2014/main" id="{AAAA2825-C681-BEE3-DD01-0620F1BA7481}"/>
+                </a:ext>
+              </a:extLst>
+            </p:cNvPr>
+            <p:cNvSpPr/>
+            <p:nvPr/>
+          </p:nvSpPr>
+          <p:spPr>
+            <a:xfrm>
+              <a:off x="6658983" y="5114169"/>
+              <a:ext cx="576000" cy="240267"/>
+            </a:xfrm>
+            <a:prstGeom prst="rect">
+              <a:avLst/>
+            </a:prstGeom>
+          </p:spPr>
+          <p:style>
+            <a:lnRef idx="2">
+              <a:schemeClr val="accent1">
+                <a:shade val="50000"/>
+              </a:schemeClr>
+            </a:lnRef>
+            <a:fillRef idx="1">
+              <a:schemeClr val="accent1"/>
+            </a:fillRef>
+            <a:effectRef idx="0">
+              <a:schemeClr val="accent1"/>
+            </a:effectRef>
+            <a:fontRef idx="minor">
+              <a:schemeClr val="lt1"/>
+            </a:fontRef>
+          </p:style>
+          <p:txBody>
+            <a:bodyPr rtlCol="0" anchor="ctr"/>
+            <a:lstStyle/>
+            <a:p>
+              <a:pPr algn="ctr"/>
+              <a:r>
+                <a:rPr lang="en-US" sz="600" b="1" dirty="0">
+                  <a:latin typeface="Verdana" panose="020B0604030504040204" pitchFamily="34" charset="0"/>
+                  <a:ea typeface="Verdana" panose="020B0604030504040204" pitchFamily="34" charset="0"/>
+                </a:rPr>
+                <a:t>Shared IP</a:t>
+              </a:r>
+              <a:endParaRPr lang="en-IN" sz="600" b="1" dirty="0">
+                <a:latin typeface="Verdana" panose="020B0604030504040204" pitchFamily="34" charset="0"/>
+                <a:ea typeface="Verdana" panose="020B0604030504040204" pitchFamily="34" charset="0"/>
+              </a:endParaRPr>
+            </a:p>
+          </p:txBody>
+        </p:sp>
+        <p:cxnSp>
+          <p:nvCxnSpPr>
+            <p:cNvPr id="307" name="Straight Connector 306">
+              <a:extLst>
+                <a:ext uri="{FF2B5EF4-FFF2-40B4-BE49-F238E27FC236}">
+                  <a16:creationId xmlns:a16="http://schemas.microsoft.com/office/drawing/2014/main" id="{25A243FA-68FB-61B9-650B-156957C66A35}"/>
+                </a:ext>
+              </a:extLst>
+            </p:cNvPr>
+            <p:cNvCxnSpPr/>
+            <p:nvPr/>
+          </p:nvCxnSpPr>
+          <p:spPr>
+            <a:xfrm>
+              <a:off x="6230729" y="5098495"/>
+              <a:ext cx="0" cy="180000"/>
+            </a:xfrm>
+            <a:prstGeom prst="line">
+              <a:avLst/>
+            </a:prstGeom>
+            <a:ln w="12700" cap="flat" cmpd="sng" algn="ctr">
+              <a:solidFill>
+                <a:schemeClr val="accent1"/>
+              </a:solidFill>
+              <a:prstDash val="dash"/>
+              <a:round/>
+              <a:headEnd type="none" w="med" len="med"/>
+              <a:tailEnd type="none" w="med" len="med"/>
+            </a:ln>
+          </p:spPr>
+          <p:style>
+            <a:lnRef idx="0">
+              <a:scrgbClr r="0" g="0" b="0"/>
+            </a:lnRef>
+            <a:fillRef idx="0">
+              <a:scrgbClr r="0" g="0" b="0"/>
+            </a:fillRef>
+            <a:effectRef idx="0">
+              <a:scrgbClr r="0" g="0" b="0"/>
+            </a:effectRef>
+            <a:fontRef idx="minor">
+              <a:schemeClr val="tx1"/>
+            </a:fontRef>
+          </p:style>
+        </p:cxnSp>
+        <p:sp>
+          <p:nvSpPr>
+            <p:cNvPr id="308" name="TextBox 307">
+              <a:extLst>
+                <a:ext uri="{FF2B5EF4-FFF2-40B4-BE49-F238E27FC236}">
+                  <a16:creationId xmlns:a16="http://schemas.microsoft.com/office/drawing/2014/main" id="{D97358D7-A56F-5FF7-4A5F-FD314DD2FF1D}"/>
+                </a:ext>
+              </a:extLst>
+            </p:cNvPr>
+            <p:cNvSpPr txBox="1"/>
+            <p:nvPr/>
+          </p:nvSpPr>
+          <p:spPr>
+            <a:xfrm>
+              <a:off x="5852711" y="5612747"/>
+              <a:ext cx="532297" cy="246221"/>
+            </a:xfrm>
+            <a:prstGeom prst="rect">
+              <a:avLst/>
+            </a:prstGeom>
+            <a:noFill/>
+          </p:spPr>
+          <p:txBody>
+            <a:bodyPr wrap="square" rtlCol="0">
+              <a:spAutoFit/>
+            </a:bodyPr>
+            <a:lstStyle/>
+            <a:p>
+              <a:r>
+                <a:rPr lang="en-US" sz="1000" b="1" dirty="0">
+                  <a:solidFill>
+                    <a:srgbClr val="0070C0"/>
+                  </a:solidFill>
+                  <a:latin typeface="Verdana" panose="020B0604030504040204" pitchFamily="34" charset="0"/>
+                  <a:ea typeface="Verdana" panose="020B0604030504040204" pitchFamily="34" charset="0"/>
+                </a:rPr>
+                <a:t>POD</a:t>
+              </a:r>
+              <a:endParaRPr lang="en-IN" sz="1000" b="1" dirty="0">
+                <a:solidFill>
+                  <a:srgbClr val="0070C0"/>
+                </a:solidFill>
+                <a:latin typeface="Verdana" panose="020B0604030504040204" pitchFamily="34" charset="0"/>
+                <a:ea typeface="Verdana" panose="020B0604030504040204" pitchFamily="34" charset="0"/>
+              </a:endParaRPr>
+            </a:p>
+          </p:txBody>
+        </p:sp>
+      </p:grpSp>
+      <p:grpSp>
+        <p:nvGrpSpPr>
+          <p:cNvPr id="309" name="Group 308">
+            <a:extLst>
+              <a:ext uri="{FF2B5EF4-FFF2-40B4-BE49-F238E27FC236}">
+                <a16:creationId xmlns:a16="http://schemas.microsoft.com/office/drawing/2014/main" id="{BD410E74-FEA7-B2A3-7D95-47132F54EB28}"/>
+              </a:ext>
+            </a:extLst>
+          </p:cNvPr>
+          <p:cNvGrpSpPr/>
+          <p:nvPr/>
+        </p:nvGrpSpPr>
+        <p:grpSpPr>
+          <a:xfrm>
+            <a:off x="3001327" y="3326411"/>
+            <a:ext cx="797265" cy="903186"/>
+            <a:chOff x="7715298" y="468047"/>
+            <a:chExt cx="797265" cy="903186"/>
+          </a:xfrm>
+        </p:grpSpPr>
+        <p:grpSp>
+          <p:nvGrpSpPr>
+            <p:cNvPr id="310" name="Group 309">
+              <a:extLst>
+                <a:ext uri="{FF2B5EF4-FFF2-40B4-BE49-F238E27FC236}">
+                  <a16:creationId xmlns:a16="http://schemas.microsoft.com/office/drawing/2014/main" id="{F5534674-20CE-E3E5-6268-7599A9748713}"/>
+                </a:ext>
+              </a:extLst>
+            </p:cNvPr>
+            <p:cNvGrpSpPr/>
+            <p:nvPr/>
+          </p:nvGrpSpPr>
+          <p:grpSpPr>
+            <a:xfrm>
+              <a:off x="7833949" y="714367"/>
+              <a:ext cx="632974" cy="656866"/>
+              <a:chOff x="7833949" y="714367"/>
+              <a:chExt cx="632974" cy="656866"/>
+            </a:xfrm>
+          </p:grpSpPr>
+          <p:sp>
+            <p:nvSpPr>
+              <p:cNvPr id="312" name="Rectangle 311">
+                <a:extLst>
+                  <a:ext uri="{FF2B5EF4-FFF2-40B4-BE49-F238E27FC236}">
+                    <a16:creationId xmlns:a16="http://schemas.microsoft.com/office/drawing/2014/main" id="{922F8F53-7DE9-EDD8-3FA3-D17092FAEA99}"/>
+                  </a:ext>
+                </a:extLst>
+              </p:cNvPr>
+              <p:cNvSpPr/>
+              <p:nvPr/>
+            </p:nvSpPr>
+            <p:spPr>
+              <a:xfrm>
+                <a:off x="7833949" y="714367"/>
+                <a:ext cx="632974" cy="197461"/>
+              </a:xfrm>
+              <a:prstGeom prst="rect">
+                <a:avLst/>
+              </a:prstGeom>
+              <a:solidFill>
+                <a:schemeClr val="accent6"/>
+              </a:solidFill>
+            </p:spPr>
+            <p:style>
+              <a:lnRef idx="2">
+                <a:schemeClr val="accent6">
+                  <a:shade val="50000"/>
+                </a:schemeClr>
+              </a:lnRef>
+              <a:fillRef idx="1">
+                <a:schemeClr val="accent6"/>
+              </a:fillRef>
+              <a:effectRef idx="0">
+                <a:schemeClr val="accent6"/>
+              </a:effectRef>
+              <a:fontRef idx="minor">
+                <a:schemeClr val="lt1"/>
+              </a:fontRef>
+            </p:style>
+            <p:txBody>
+              <a:bodyPr rtlCol="0" anchor="ctr"/>
+              <a:lstStyle/>
+              <a:p>
+                <a:pPr algn="ctr"/>
+                <a:r>
+                  <a:rPr lang="en-US" sz="600" b="1" dirty="0" err="1">
+                    <a:latin typeface="Verdana" panose="020B0604030504040204" pitchFamily="34" charset="0"/>
+                    <a:ea typeface="Verdana" panose="020B0604030504040204" pitchFamily="34" charset="0"/>
+                  </a:rPr>
+                  <a:t>Kubelet</a:t>
+                </a:r>
+                <a:endParaRPr lang="en-IN" sz="600" b="1" dirty="0">
+                  <a:latin typeface="Verdana" panose="020B0604030504040204" pitchFamily="34" charset="0"/>
+                  <a:ea typeface="Verdana" panose="020B0604030504040204" pitchFamily="34" charset="0"/>
+                </a:endParaRPr>
+              </a:p>
+            </p:txBody>
+          </p:sp>
+          <p:sp>
+            <p:nvSpPr>
+              <p:cNvPr id="313" name="Rectangle 312">
+                <a:extLst>
+                  <a:ext uri="{FF2B5EF4-FFF2-40B4-BE49-F238E27FC236}">
+                    <a16:creationId xmlns:a16="http://schemas.microsoft.com/office/drawing/2014/main" id="{A9C7F63D-4EB4-3953-1DA8-C762B71D0C70}"/>
+                  </a:ext>
+                </a:extLst>
+              </p:cNvPr>
+              <p:cNvSpPr/>
+              <p:nvPr/>
+            </p:nvSpPr>
+            <p:spPr>
+              <a:xfrm>
+                <a:off x="7833949" y="944082"/>
+                <a:ext cx="632974" cy="197461"/>
+              </a:xfrm>
+              <a:prstGeom prst="rect">
+                <a:avLst/>
+              </a:prstGeom>
+              <a:solidFill>
+                <a:schemeClr val="accent6"/>
+              </a:solidFill>
+            </p:spPr>
+            <p:style>
+              <a:lnRef idx="2">
+                <a:schemeClr val="accent6">
+                  <a:shade val="50000"/>
+                </a:schemeClr>
+              </a:lnRef>
+              <a:fillRef idx="1">
+                <a:schemeClr val="accent6"/>
+              </a:fillRef>
+              <a:effectRef idx="0">
+                <a:schemeClr val="accent6"/>
+              </a:effectRef>
+              <a:fontRef idx="minor">
+                <a:schemeClr val="lt1"/>
+              </a:fontRef>
+            </p:style>
+            <p:txBody>
+              <a:bodyPr rtlCol="0" anchor="ctr"/>
+              <a:lstStyle/>
+              <a:p>
+                <a:pPr algn="ctr"/>
+                <a:r>
+                  <a:rPr lang="en-US" sz="600" b="1" dirty="0" err="1">
+                    <a:latin typeface="Verdana" panose="020B0604030504040204" pitchFamily="34" charset="0"/>
+                    <a:ea typeface="Verdana" panose="020B0604030504040204" pitchFamily="34" charset="0"/>
+                  </a:rPr>
+                  <a:t>Kube</a:t>
+                </a:r>
+                <a:r>
+                  <a:rPr lang="en-US" sz="600" b="1" dirty="0">
+                    <a:latin typeface="Verdana" panose="020B0604030504040204" pitchFamily="34" charset="0"/>
+                    <a:ea typeface="Verdana" panose="020B0604030504040204" pitchFamily="34" charset="0"/>
+                  </a:rPr>
+                  <a:t> Proxy</a:t>
+                </a:r>
+                <a:endParaRPr lang="en-IN" sz="600" b="1" dirty="0">
+                  <a:latin typeface="Verdana" panose="020B0604030504040204" pitchFamily="34" charset="0"/>
+                  <a:ea typeface="Verdana" panose="020B0604030504040204" pitchFamily="34" charset="0"/>
+                </a:endParaRPr>
+              </a:p>
+            </p:txBody>
+          </p:sp>
+          <p:sp>
+            <p:nvSpPr>
+              <p:cNvPr id="314" name="Rectangle 313">
+                <a:extLst>
+                  <a:ext uri="{FF2B5EF4-FFF2-40B4-BE49-F238E27FC236}">
+                    <a16:creationId xmlns:a16="http://schemas.microsoft.com/office/drawing/2014/main" id="{E1410C2B-866E-02AC-95CB-F60E70BAE0F4}"/>
+                  </a:ext>
+                </a:extLst>
+              </p:cNvPr>
+              <p:cNvSpPr/>
+              <p:nvPr/>
+            </p:nvSpPr>
+            <p:spPr>
+              <a:xfrm>
+                <a:off x="7833949" y="1173772"/>
+                <a:ext cx="632974" cy="197461"/>
+              </a:xfrm>
+              <a:prstGeom prst="rect">
+                <a:avLst/>
+              </a:prstGeom>
+              <a:solidFill>
+                <a:schemeClr val="accent6"/>
+              </a:solidFill>
+            </p:spPr>
+            <p:style>
+              <a:lnRef idx="2">
+                <a:schemeClr val="accent6">
+                  <a:shade val="50000"/>
+                </a:schemeClr>
+              </a:lnRef>
+              <a:fillRef idx="1">
+                <a:schemeClr val="accent6"/>
+              </a:fillRef>
+              <a:effectRef idx="0">
+                <a:schemeClr val="accent6"/>
+              </a:effectRef>
+              <a:fontRef idx="minor">
+                <a:schemeClr val="lt1"/>
+              </a:fontRef>
+            </p:style>
+            <p:txBody>
+              <a:bodyPr rtlCol="0" anchor="ctr"/>
+              <a:lstStyle/>
+              <a:p>
+                <a:pPr algn="ctr"/>
+                <a:r>
+                  <a:rPr lang="en-US" sz="600" b="1" dirty="0">
+                    <a:latin typeface="Verdana" panose="020B0604030504040204" pitchFamily="34" charset="0"/>
+                    <a:ea typeface="Verdana" panose="020B0604030504040204" pitchFamily="34" charset="0"/>
+                  </a:rPr>
+                  <a:t>Container Runtime</a:t>
+                </a:r>
+                <a:endParaRPr lang="en-IN" sz="600" b="1" dirty="0">
+                  <a:latin typeface="Verdana" panose="020B0604030504040204" pitchFamily="34" charset="0"/>
+                  <a:ea typeface="Verdana" panose="020B0604030504040204" pitchFamily="34" charset="0"/>
+                </a:endParaRPr>
+              </a:p>
+            </p:txBody>
+          </p:sp>
+        </p:grpSp>
+        <p:sp>
+          <p:nvSpPr>
+            <p:cNvPr id="311" name="TextBox 310">
+              <a:extLst>
+                <a:ext uri="{FF2B5EF4-FFF2-40B4-BE49-F238E27FC236}">
+                  <a16:creationId xmlns:a16="http://schemas.microsoft.com/office/drawing/2014/main" id="{262E68A6-7B63-757B-21B9-317B90706E9D}"/>
+                </a:ext>
+              </a:extLst>
+            </p:cNvPr>
+            <p:cNvSpPr txBox="1"/>
+            <p:nvPr/>
+          </p:nvSpPr>
+          <p:spPr>
+            <a:xfrm>
+              <a:off x="7715298" y="468047"/>
+              <a:ext cx="797265" cy="246221"/>
+            </a:xfrm>
+            <a:prstGeom prst="rect">
+              <a:avLst/>
+            </a:prstGeom>
+            <a:noFill/>
+          </p:spPr>
+          <p:txBody>
+            <a:bodyPr wrap="square" rtlCol="0">
+              <a:spAutoFit/>
+            </a:bodyPr>
+            <a:lstStyle/>
+            <a:p>
+              <a:r>
+                <a:rPr lang="en-US" sz="1000" b="1" dirty="0">
+                  <a:solidFill>
+                    <a:schemeClr val="accent6"/>
+                  </a:solidFill>
+                  <a:latin typeface="Verdana" panose="020B0604030504040204" pitchFamily="34" charset="0"/>
+                  <a:ea typeface="Verdana" panose="020B0604030504040204" pitchFamily="34" charset="0"/>
+                </a:rPr>
+                <a:t>Services</a:t>
+              </a:r>
+              <a:endParaRPr lang="en-IN" sz="1000" b="1" dirty="0">
+                <a:solidFill>
+                  <a:schemeClr val="accent6"/>
+                </a:solidFill>
+                <a:latin typeface="Verdana" panose="020B0604030504040204" pitchFamily="34" charset="0"/>
+                <a:ea typeface="Verdana" panose="020B0604030504040204" pitchFamily="34" charset="0"/>
+              </a:endParaRPr>
+            </a:p>
+          </p:txBody>
+        </p:sp>
+      </p:grpSp>
+      <p:sp>
+        <p:nvSpPr>
+          <p:cNvPr id="315" name="TextBox 314">
+            <a:extLst>
+              <a:ext uri="{FF2B5EF4-FFF2-40B4-BE49-F238E27FC236}">
+                <a16:creationId xmlns:a16="http://schemas.microsoft.com/office/drawing/2014/main" id="{144209C3-C76E-EF0C-B6C5-833FEF73E306}"/>
+              </a:ext>
+            </a:extLst>
+          </p:cNvPr>
+          <p:cNvSpPr txBox="1"/>
+          <p:nvPr/>
+        </p:nvSpPr>
+        <p:spPr>
+          <a:xfrm>
+            <a:off x="3696746" y="1831944"/>
+            <a:ext cx="1333500" cy="276999"/>
+          </a:xfrm>
+          <a:prstGeom prst="rect">
+            <a:avLst/>
+          </a:prstGeom>
+          <a:noFill/>
+        </p:spPr>
+        <p:txBody>
+          <a:bodyPr wrap="square" rtlCol="0">
+            <a:spAutoFit/>
+          </a:bodyPr>
+          <a:lstStyle/>
+          <a:p>
+            <a:r>
+              <a:rPr lang="en-US" sz="1200" b="1" dirty="0">
+                <a:solidFill>
+                  <a:schemeClr val="accent4">
+                    <a:lumMod val="75000"/>
+                  </a:schemeClr>
+                </a:solidFill>
+                <a:latin typeface="Verdana" panose="020B0604030504040204" pitchFamily="34" charset="0"/>
+                <a:ea typeface="Verdana" panose="020B0604030504040204" pitchFamily="34" charset="0"/>
+              </a:rPr>
+              <a:t>Master Node</a:t>
+            </a:r>
+            <a:endParaRPr lang="en-IN" sz="1200" b="1" dirty="0">
+              <a:solidFill>
+                <a:schemeClr val="accent4">
+                  <a:lumMod val="75000"/>
+                </a:schemeClr>
+              </a:solidFill>
+              <a:latin typeface="Verdana" panose="020B0604030504040204" pitchFamily="34" charset="0"/>
+              <a:ea typeface="Verdana" panose="020B0604030504040204" pitchFamily="34" charset="0"/>
+            </a:endParaRPr>
+          </a:p>
+        </p:txBody>
+      </p:sp>
+      <p:sp>
+        <p:nvSpPr>
+          <p:cNvPr id="29" name="Rectangle 28">
+            <a:extLst>
+              <a:ext uri="{FF2B5EF4-FFF2-40B4-BE49-F238E27FC236}">
+                <a16:creationId xmlns:a16="http://schemas.microsoft.com/office/drawing/2014/main" id="{7D77C624-A010-8802-4B4A-921D307D7079}"/>
+              </a:ext>
+            </a:extLst>
+          </p:cNvPr>
+          <p:cNvSpPr/>
+          <p:nvPr/>
+        </p:nvSpPr>
+        <p:spPr>
+          <a:xfrm>
+            <a:off x="2428433" y="520435"/>
+            <a:ext cx="9582592" cy="6181585"/>
+          </a:xfrm>
+          <a:prstGeom prst="rect">
+            <a:avLst/>
+          </a:prstGeom>
+          <a:noFill/>
+          <a:ln w="19050">
+            <a:solidFill>
+              <a:srgbClr val="7030A0"/>
+            </a:solidFill>
+          </a:ln>
+        </p:spPr>
+        <p:style>
+          <a:lnRef idx="2">
+            <a:schemeClr val="accent1">
+              <a:shade val="50000"/>
+            </a:schemeClr>
+          </a:lnRef>
+          <a:fillRef idx="1">
+            <a:schemeClr val="accent1"/>
+          </a:fillRef>
+          <a:effectRef idx="0">
+            <a:schemeClr val="accent1"/>
+          </a:effectRef>
+          <a:fontRef idx="minor">
+            <a:schemeClr val="lt1"/>
+          </a:fontRef>
+        </p:style>
+        <p:txBody>
+          <a:bodyPr rtlCol="0" anchor="ctr"/>
+          <a:lstStyle/>
+          <a:p>
+            <a:pPr algn="ctr"/>
+            <a:endParaRPr lang="en-IN"/>
+          </a:p>
+        </p:txBody>
+      </p:sp>
+      <p:sp>
+        <p:nvSpPr>
+          <p:cNvPr id="316" name="TextBox 315">
+            <a:extLst>
+              <a:ext uri="{FF2B5EF4-FFF2-40B4-BE49-F238E27FC236}">
+                <a16:creationId xmlns:a16="http://schemas.microsoft.com/office/drawing/2014/main" id="{D978465A-0C75-1A67-A5BA-46EC88B4488F}"/>
+              </a:ext>
+            </a:extLst>
+          </p:cNvPr>
+          <p:cNvSpPr txBox="1"/>
+          <p:nvPr/>
+        </p:nvSpPr>
+        <p:spPr>
+          <a:xfrm>
+            <a:off x="6077950" y="521967"/>
+            <a:ext cx="1333500" cy="276999"/>
+          </a:xfrm>
+          <a:prstGeom prst="rect">
+            <a:avLst/>
+          </a:prstGeom>
+          <a:noFill/>
+        </p:spPr>
+        <p:txBody>
+          <a:bodyPr wrap="square" rtlCol="0">
+            <a:spAutoFit/>
+          </a:bodyPr>
+          <a:lstStyle/>
+          <a:p>
+            <a:r>
+              <a:rPr lang="en-US" sz="1200" b="1" dirty="0">
+                <a:solidFill>
+                  <a:srgbClr val="7030A0"/>
+                </a:solidFill>
+                <a:latin typeface="Verdana" panose="020B0604030504040204" pitchFamily="34" charset="0"/>
+                <a:ea typeface="Verdana" panose="020B0604030504040204" pitchFamily="34" charset="0"/>
+              </a:rPr>
+              <a:t>K8s Cluster</a:t>
+            </a:r>
+            <a:endParaRPr lang="en-IN" sz="1200" b="1" dirty="0">
+              <a:solidFill>
+                <a:srgbClr val="7030A0"/>
+              </a:solidFill>
+              <a:latin typeface="Verdana" panose="020B0604030504040204" pitchFamily="34" charset="0"/>
+              <a:ea typeface="Verdana" panose="020B0604030504040204" pitchFamily="34" charset="0"/>
+            </a:endParaRPr>
+          </a:p>
+        </p:txBody>
+      </p:sp>
+      <p:sp>
+        <p:nvSpPr>
+          <p:cNvPr id="37" name="Rectangle 36">
+            <a:extLst>
+              <a:ext uri="{FF2B5EF4-FFF2-40B4-BE49-F238E27FC236}">
+                <a16:creationId xmlns:a16="http://schemas.microsoft.com/office/drawing/2014/main" id="{690B414C-7D42-9E60-6505-D32276E4EEB2}"/>
+              </a:ext>
+            </a:extLst>
+          </p:cNvPr>
+          <p:cNvSpPr/>
+          <p:nvPr/>
+        </p:nvSpPr>
+        <p:spPr>
+          <a:xfrm>
+            <a:off x="180975" y="2166093"/>
+            <a:ext cx="1393224" cy="1310532"/>
+          </a:xfrm>
+          <a:prstGeom prst="rect">
+            <a:avLst/>
+          </a:prstGeom>
+          <a:noFill/>
+          <a:ln w="19050">
+            <a:solidFill>
+              <a:srgbClr val="00B0F0"/>
+            </a:solidFill>
+          </a:ln>
+        </p:spPr>
+        <p:style>
+          <a:lnRef idx="2">
+            <a:schemeClr val="accent1">
+              <a:shade val="50000"/>
+            </a:schemeClr>
+          </a:lnRef>
+          <a:fillRef idx="1">
+            <a:schemeClr val="accent1"/>
+          </a:fillRef>
+          <a:effectRef idx="0">
+            <a:schemeClr val="accent1"/>
+          </a:effectRef>
+          <a:fontRef idx="minor">
+            <a:schemeClr val="lt1"/>
+          </a:fontRef>
+        </p:style>
+        <p:txBody>
+          <a:bodyPr rtlCol="0" anchor="ctr"/>
+          <a:lstStyle/>
+          <a:p>
+            <a:pPr algn="ctr"/>
+            <a:endParaRPr lang="en-IN"/>
+          </a:p>
+        </p:txBody>
+      </p:sp>
+      <p:sp>
+        <p:nvSpPr>
+          <p:cNvPr id="317" name="TextBox 316">
+            <a:extLst>
+              <a:ext uri="{FF2B5EF4-FFF2-40B4-BE49-F238E27FC236}">
+                <a16:creationId xmlns:a16="http://schemas.microsoft.com/office/drawing/2014/main" id="{79206220-B34A-6080-6EB6-85D0145CE7A0}"/>
+              </a:ext>
+            </a:extLst>
+          </p:cNvPr>
+          <p:cNvSpPr txBox="1"/>
+          <p:nvPr/>
+        </p:nvSpPr>
+        <p:spPr>
+          <a:xfrm>
+            <a:off x="238126" y="2157560"/>
+            <a:ext cx="1289096" cy="253916"/>
+          </a:xfrm>
+          <a:prstGeom prst="rect">
+            <a:avLst/>
+          </a:prstGeom>
+          <a:noFill/>
+        </p:spPr>
+        <p:txBody>
+          <a:bodyPr wrap="square" rtlCol="0">
+            <a:spAutoFit/>
+          </a:bodyPr>
+          <a:lstStyle/>
+          <a:p>
+            <a:r>
+              <a:rPr lang="en-US" sz="1050" b="1" dirty="0">
+                <a:solidFill>
+                  <a:srgbClr val="00B0F0"/>
+                </a:solidFill>
+                <a:latin typeface="Verdana" panose="020B0604030504040204" pitchFamily="34" charset="0"/>
+                <a:ea typeface="Verdana" panose="020B0604030504040204" pitchFamily="34" charset="0"/>
+              </a:rPr>
+              <a:t>Client Machine</a:t>
+            </a:r>
+            <a:endParaRPr lang="en-IN" sz="1050" b="1" dirty="0">
+              <a:solidFill>
+                <a:srgbClr val="00B0F0"/>
+              </a:solidFill>
+              <a:latin typeface="Verdana" panose="020B0604030504040204" pitchFamily="34" charset="0"/>
+              <a:ea typeface="Verdana" panose="020B0604030504040204" pitchFamily="34" charset="0"/>
+            </a:endParaRPr>
+          </a:p>
+        </p:txBody>
+      </p:sp>
+      <p:sp>
+        <p:nvSpPr>
+          <p:cNvPr id="320" name="TextBox 319">
+            <a:extLst>
+              <a:ext uri="{FF2B5EF4-FFF2-40B4-BE49-F238E27FC236}">
+                <a16:creationId xmlns:a16="http://schemas.microsoft.com/office/drawing/2014/main" id="{BD7F9560-22FC-A0B1-C6F6-56A3D8821508}"/>
+              </a:ext>
+            </a:extLst>
+          </p:cNvPr>
+          <p:cNvSpPr txBox="1"/>
+          <p:nvPr/>
+        </p:nvSpPr>
+        <p:spPr>
+          <a:xfrm>
+            <a:off x="1577104" y="2586654"/>
+            <a:ext cx="686689" cy="246221"/>
+          </a:xfrm>
+          <a:prstGeom prst="rect">
+            <a:avLst/>
+          </a:prstGeom>
+          <a:noFill/>
+        </p:spPr>
+        <p:txBody>
+          <a:bodyPr wrap="square" rtlCol="0">
+            <a:spAutoFit/>
+          </a:bodyPr>
+          <a:lstStyle/>
+          <a:p>
+            <a:r>
+              <a:rPr lang="en-US" sz="1000" b="1" dirty="0">
+                <a:solidFill>
+                  <a:srgbClr val="00B0F0"/>
+                </a:solidFill>
+                <a:latin typeface="Verdana" panose="020B0604030504040204" pitchFamily="34" charset="0"/>
+                <a:ea typeface="Verdana" panose="020B0604030504040204" pitchFamily="34" charset="0"/>
+              </a:rPr>
+              <a:t>HTTPS</a:t>
+            </a:r>
+            <a:endParaRPr lang="en-IN" sz="1000" b="1" dirty="0">
+              <a:solidFill>
+                <a:srgbClr val="00B0F0"/>
+              </a:solidFill>
+              <a:latin typeface="Verdana" panose="020B0604030504040204" pitchFamily="34" charset="0"/>
+              <a:ea typeface="Verdana" panose="020B0604030504040204" pitchFamily="34" charset="0"/>
+            </a:endParaRPr>
+          </a:p>
+        </p:txBody>
+      </p:sp>
+      <p:cxnSp>
+        <p:nvCxnSpPr>
+          <p:cNvPr id="323" name="Straight Arrow Connector 322">
+            <a:extLst>
+              <a:ext uri="{FF2B5EF4-FFF2-40B4-BE49-F238E27FC236}">
+                <a16:creationId xmlns:a16="http://schemas.microsoft.com/office/drawing/2014/main" id="{0CF335EC-777E-89A3-EF5D-8DC5F5E4F89F}"/>
+              </a:ext>
+            </a:extLst>
+          </p:cNvPr>
+          <p:cNvCxnSpPr>
+            <a:cxnSpLocks/>
+          </p:cNvCxnSpPr>
+          <p:nvPr/>
+        </p:nvCxnSpPr>
+        <p:spPr>
+          <a:xfrm>
+            <a:off x="7143750" y="2196291"/>
+            <a:ext cx="1442174" cy="0"/>
+          </a:xfrm>
+          <a:prstGeom prst="straightConnector1">
+            <a:avLst/>
+          </a:prstGeom>
+          <a:ln>
+            <a:solidFill>
+              <a:schemeClr val="accent4">
+                <a:lumMod val="75000"/>
+              </a:schemeClr>
+            </a:solidFill>
+            <a:tailEnd type="triangle"/>
+          </a:ln>
+        </p:spPr>
+        <p:style>
+          <a:lnRef idx="3">
+            <a:schemeClr val="accent1"/>
+          </a:lnRef>
+          <a:fillRef idx="0">
+            <a:schemeClr val="accent1"/>
+          </a:fillRef>
+          <a:effectRef idx="2">
+            <a:schemeClr val="accent1"/>
+          </a:effectRef>
+          <a:fontRef idx="minor">
+            <a:schemeClr val="tx1"/>
+          </a:fontRef>
+        </p:style>
+      </p:cxnSp>
+      <p:cxnSp>
+        <p:nvCxnSpPr>
+          <p:cNvPr id="324" name="Straight Arrow Connector 323">
+            <a:extLst>
+              <a:ext uri="{FF2B5EF4-FFF2-40B4-BE49-F238E27FC236}">
+                <a16:creationId xmlns:a16="http://schemas.microsoft.com/office/drawing/2014/main" id="{EF4F5A65-70F4-1FBD-30FD-EAEAC66B7C2F}"/>
+              </a:ext>
+            </a:extLst>
+          </p:cNvPr>
+          <p:cNvCxnSpPr>
+            <a:cxnSpLocks/>
+          </p:cNvCxnSpPr>
+          <p:nvPr/>
+        </p:nvCxnSpPr>
+        <p:spPr>
+          <a:xfrm>
+            <a:off x="7150328" y="5177616"/>
+            <a:ext cx="1442174" cy="0"/>
+          </a:xfrm>
+          <a:prstGeom prst="straightConnector1">
+            <a:avLst/>
+          </a:prstGeom>
+          <a:ln>
+            <a:solidFill>
+              <a:schemeClr val="accent4">
+                <a:lumMod val="75000"/>
+              </a:schemeClr>
+            </a:solidFill>
+            <a:tailEnd type="triangle"/>
+          </a:ln>
+        </p:spPr>
+        <p:style>
+          <a:lnRef idx="3">
+            <a:schemeClr val="accent1"/>
+          </a:lnRef>
+          <a:fillRef idx="0">
+            <a:schemeClr val="accent1"/>
+          </a:fillRef>
+          <a:effectRef idx="2">
+            <a:schemeClr val="accent1"/>
+          </a:effectRef>
+          <a:fontRef idx="minor">
+            <a:schemeClr val="tx1"/>
+          </a:fontRef>
+        </p:style>
+      </p:cxnSp>
+      <p:cxnSp>
+        <p:nvCxnSpPr>
+          <p:cNvPr id="325" name="Straight Arrow Connector 324">
+            <a:extLst>
+              <a:ext uri="{FF2B5EF4-FFF2-40B4-BE49-F238E27FC236}">
+                <a16:creationId xmlns:a16="http://schemas.microsoft.com/office/drawing/2014/main" id="{10611689-D481-A784-6088-95CE9CDC8444}"/>
+              </a:ext>
+            </a:extLst>
+          </p:cNvPr>
+          <p:cNvCxnSpPr>
+            <a:cxnSpLocks/>
+            <a:stCxn id="13" idx="3"/>
+          </p:cNvCxnSpPr>
+          <p:nvPr/>
+        </p:nvCxnSpPr>
+        <p:spPr>
+          <a:xfrm>
+            <a:off x="6120864" y="3670257"/>
+            <a:ext cx="1014719" cy="9537"/>
+          </a:xfrm>
+          <a:prstGeom prst="straightConnector1">
+            <a:avLst/>
+          </a:prstGeom>
+          <a:ln>
+            <a:solidFill>
+              <a:schemeClr val="accent4">
+                <a:lumMod val="75000"/>
+              </a:schemeClr>
+            </a:solidFill>
+            <a:prstDash val="solid"/>
+            <a:tailEnd type="triangle"/>
+          </a:ln>
+        </p:spPr>
+        <p:style>
+          <a:lnRef idx="3">
+            <a:schemeClr val="accent1"/>
+          </a:lnRef>
+          <a:fillRef idx="0">
+            <a:schemeClr val="accent1"/>
+          </a:fillRef>
+          <a:effectRef idx="2">
+            <a:schemeClr val="accent1"/>
+          </a:effectRef>
+          <a:fontRef idx="minor">
+            <a:schemeClr val="tx1"/>
+          </a:fontRef>
+        </p:style>
+      </p:cxnSp>
+      <p:cxnSp>
+        <p:nvCxnSpPr>
+          <p:cNvPr id="45" name="Straight Connector 44">
+            <a:extLst>
+              <a:ext uri="{FF2B5EF4-FFF2-40B4-BE49-F238E27FC236}">
+                <a16:creationId xmlns:a16="http://schemas.microsoft.com/office/drawing/2014/main" id="{6377EC2B-C4EA-AEEA-E78F-F8F807A1947A}"/>
+              </a:ext>
+            </a:extLst>
+          </p:cNvPr>
+          <p:cNvCxnSpPr/>
+          <p:nvPr/>
+        </p:nvCxnSpPr>
+        <p:spPr>
+          <a:xfrm>
+            <a:off x="7135939" y="2186766"/>
+            <a:ext cx="29236" cy="2981325"/>
+          </a:xfrm>
+          <a:prstGeom prst="line">
+            <a:avLst/>
+          </a:prstGeom>
+          <a:ln>
+            <a:solidFill>
+              <a:schemeClr val="accent4">
+                <a:lumMod val="75000"/>
+              </a:schemeClr>
+            </a:solidFill>
+          </a:ln>
+        </p:spPr>
+        <p:style>
+          <a:lnRef idx="3">
+            <a:schemeClr val="accent1"/>
+          </a:lnRef>
+          <a:fillRef idx="0">
+            <a:schemeClr val="accent1"/>
+          </a:fillRef>
+          <a:effectRef idx="2">
+            <a:schemeClr val="accent1"/>
+          </a:effectRef>
+          <a:fontRef idx="minor">
+            <a:schemeClr val="tx1"/>
+          </a:fontRef>
+        </p:style>
+      </p:cxnSp>
+      <p:sp>
+        <p:nvSpPr>
+          <p:cNvPr id="2" name="TextBox 1">
+            <a:extLst>
+              <a:ext uri="{FF2B5EF4-FFF2-40B4-BE49-F238E27FC236}">
+                <a16:creationId xmlns:a16="http://schemas.microsoft.com/office/drawing/2014/main" id="{FD523A6C-748A-ED81-4ECB-34EEC5C3F0C8}"/>
+              </a:ext>
+            </a:extLst>
+          </p:cNvPr>
+          <p:cNvSpPr txBox="1"/>
+          <p:nvPr/>
+        </p:nvSpPr>
+        <p:spPr>
+          <a:xfrm>
+            <a:off x="2424859" y="5535867"/>
+            <a:ext cx="5569316" cy="1169551"/>
+          </a:xfrm>
+          <a:prstGeom prst="rect">
+            <a:avLst/>
+          </a:prstGeom>
+          <a:noFill/>
+        </p:spPr>
+        <p:txBody>
+          <a:bodyPr wrap="square" rtlCol="0">
+            <a:spAutoFit/>
+          </a:bodyPr>
+          <a:lstStyle/>
+          <a:p>
+            <a:r>
+              <a:rPr lang="en-US" sz="1000" b="1" dirty="0">
+                <a:solidFill>
+                  <a:srgbClr val="002060"/>
+                </a:solidFill>
+                <a:latin typeface="Verdana" panose="020B0604030504040204" pitchFamily="34" charset="0"/>
+                <a:ea typeface="Verdana" panose="020B0604030504040204" pitchFamily="34" charset="0"/>
+              </a:rPr>
+              <a:t>7. Pods</a:t>
+            </a:r>
+            <a:r>
+              <a:rPr lang="en-US" sz="1000" dirty="0">
+                <a:solidFill>
+                  <a:srgbClr val="002060"/>
+                </a:solidFill>
+                <a:latin typeface="Verdana" panose="020B0604030504040204" pitchFamily="34" charset="0"/>
+                <a:ea typeface="Verdana" panose="020B0604030504040204" pitchFamily="34" charset="0"/>
+              </a:rPr>
+              <a:t>: may include one or more containers. All containers in a Pod run on the same node. </a:t>
+            </a:r>
+          </a:p>
+          <a:p>
+            <a:r>
+              <a:rPr lang="en-US" sz="1000" b="1" dirty="0">
+                <a:solidFill>
+                  <a:srgbClr val="002060"/>
+                </a:solidFill>
+                <a:latin typeface="Verdana" panose="020B0604030504040204" pitchFamily="34" charset="0"/>
+                <a:ea typeface="Verdana" panose="020B0604030504040204" pitchFamily="34" charset="0"/>
+              </a:rPr>
+              <a:t>8. Services</a:t>
+            </a:r>
+            <a:r>
+              <a:rPr lang="en-US" sz="1000" dirty="0">
+                <a:solidFill>
+                  <a:srgbClr val="002060"/>
+                </a:solidFill>
+                <a:latin typeface="Verdana" panose="020B0604030504040204" pitchFamily="34" charset="0"/>
+                <a:ea typeface="Verdana" panose="020B0604030504040204" pitchFamily="34" charset="0"/>
+              </a:rPr>
+              <a:t>: define networking rules for exposing Pods to other Pods or to the internet. </a:t>
+            </a:r>
+          </a:p>
+          <a:p>
+            <a:r>
+              <a:rPr lang="en-US" sz="1000" b="1" dirty="0">
+                <a:solidFill>
+                  <a:srgbClr val="002060"/>
+                </a:solidFill>
+                <a:latin typeface="Verdana" panose="020B0604030504040204" pitchFamily="34" charset="0"/>
+                <a:ea typeface="Verdana" panose="020B0604030504040204" pitchFamily="34" charset="0"/>
+              </a:rPr>
+              <a:t>9. Deployment</a:t>
+            </a:r>
+            <a:r>
+              <a:rPr lang="en-US" sz="1000" dirty="0">
+                <a:solidFill>
+                  <a:srgbClr val="002060"/>
+                </a:solidFill>
+                <a:latin typeface="Verdana" panose="020B0604030504040204" pitchFamily="34" charset="0"/>
+                <a:ea typeface="Verdana" panose="020B0604030504040204" pitchFamily="34" charset="0"/>
+              </a:rPr>
+              <a:t>: Control Rollout and Rollback of Pods. Also, to manage the deployment configuration and changes to running Pods as well as horizontal scaling</a:t>
+            </a:r>
+            <a:r>
+              <a:rPr lang="en-US" sz="900" dirty="0">
+                <a:latin typeface="Verdana" panose="020B0604030504040204" pitchFamily="34" charset="0"/>
+                <a:ea typeface="Verdana" panose="020B0604030504040204" pitchFamily="34" charset="0"/>
+              </a:rPr>
+              <a:t>. </a:t>
+            </a:r>
+          </a:p>
+        </p:txBody>
+      </p:sp>
+      <p:sp>
+        <p:nvSpPr>
+          <p:cNvPr id="119" name="TextBox 118">
+            <a:extLst>
+              <a:ext uri="{FF2B5EF4-FFF2-40B4-BE49-F238E27FC236}">
+                <a16:creationId xmlns:a16="http://schemas.microsoft.com/office/drawing/2014/main" id="{E2E6ABF2-DADE-D6CF-671A-B3CD7F5EB64A}"/>
+              </a:ext>
+            </a:extLst>
+          </p:cNvPr>
+          <p:cNvSpPr txBox="1"/>
+          <p:nvPr/>
+        </p:nvSpPr>
+        <p:spPr>
+          <a:xfrm>
+            <a:off x="2423640" y="190298"/>
+            <a:ext cx="9233427" cy="246221"/>
+          </a:xfrm>
+          <a:prstGeom prst="rect">
+            <a:avLst/>
+          </a:prstGeom>
+          <a:noFill/>
+        </p:spPr>
+        <p:txBody>
+          <a:bodyPr wrap="square" rtlCol="0">
+            <a:spAutoFit/>
+          </a:bodyPr>
+          <a:lstStyle/>
+          <a:p>
+            <a:r>
+              <a:rPr lang="en-US" sz="1000" b="1" dirty="0">
+                <a:solidFill>
+                  <a:srgbClr val="002060"/>
+                </a:solidFill>
+                <a:latin typeface="Verdana" panose="020B0604030504040204" pitchFamily="34" charset="0"/>
+                <a:ea typeface="Verdana" panose="020B0604030504040204" pitchFamily="34" charset="0"/>
+              </a:rPr>
+              <a:t>1.</a:t>
+            </a:r>
+            <a:r>
+              <a:rPr lang="en-US" sz="1000" dirty="0">
+                <a:solidFill>
+                  <a:srgbClr val="002060"/>
+                </a:solidFill>
+                <a:latin typeface="Verdana" panose="020B0604030504040204" pitchFamily="34" charset="0"/>
+                <a:ea typeface="Verdana" panose="020B0604030504040204" pitchFamily="34" charset="0"/>
+              </a:rPr>
+              <a:t> </a:t>
+            </a:r>
+            <a:r>
+              <a:rPr lang="en-US" sz="1000" b="1" dirty="0">
+                <a:solidFill>
+                  <a:srgbClr val="002060"/>
+                </a:solidFill>
+                <a:latin typeface="Verdana" panose="020B0604030504040204" pitchFamily="34" charset="0"/>
+                <a:ea typeface="Verdana" panose="020B0604030504040204" pitchFamily="34" charset="0"/>
+              </a:rPr>
+              <a:t>K8s</a:t>
+            </a:r>
+            <a:r>
+              <a:rPr lang="en-US" sz="1000" dirty="0">
+                <a:solidFill>
+                  <a:srgbClr val="002060"/>
+                </a:solidFill>
+                <a:latin typeface="Verdana" panose="020B0604030504040204" pitchFamily="34" charset="0"/>
+                <a:ea typeface="Verdana" panose="020B0604030504040204" pitchFamily="34" charset="0"/>
+              </a:rPr>
+              <a:t>: is a Container Orchestration System/Tool. </a:t>
+            </a:r>
+            <a:r>
+              <a:rPr lang="en-US" sz="1000" b="1" dirty="0">
+                <a:solidFill>
+                  <a:srgbClr val="002060"/>
+                </a:solidFill>
+                <a:latin typeface="Verdana" panose="020B0604030504040204" pitchFamily="34" charset="0"/>
+                <a:ea typeface="Verdana" panose="020B0604030504040204" pitchFamily="34" charset="0"/>
+              </a:rPr>
+              <a:t>2.</a:t>
+            </a:r>
+            <a:r>
+              <a:rPr lang="en-US" sz="1000" dirty="0">
+                <a:solidFill>
+                  <a:srgbClr val="002060"/>
+                </a:solidFill>
+                <a:latin typeface="Verdana" panose="020B0604030504040204" pitchFamily="34" charset="0"/>
+                <a:ea typeface="Verdana" panose="020B0604030504040204" pitchFamily="34" charset="0"/>
+              </a:rPr>
+              <a:t> </a:t>
+            </a:r>
+            <a:r>
+              <a:rPr lang="en-US" sz="1000" b="1" dirty="0">
+                <a:solidFill>
+                  <a:srgbClr val="002060"/>
+                </a:solidFill>
+                <a:latin typeface="Verdana" panose="020B0604030504040204" pitchFamily="34" charset="0"/>
+                <a:ea typeface="Verdana" panose="020B0604030504040204" pitchFamily="34" charset="0"/>
+              </a:rPr>
+              <a:t>Cluster</a:t>
+            </a:r>
+            <a:r>
+              <a:rPr lang="en-US" sz="1000" dirty="0">
+                <a:solidFill>
+                  <a:srgbClr val="002060"/>
+                </a:solidFill>
+                <a:latin typeface="Verdana" panose="020B0604030504040204" pitchFamily="34" charset="0"/>
+                <a:ea typeface="Verdana" panose="020B0604030504040204" pitchFamily="34" charset="0"/>
+              </a:rPr>
+              <a:t>: All the machines collectively can be thought of as the entire running system.</a:t>
+            </a:r>
+          </a:p>
+        </p:txBody>
+      </p:sp>
+      <p:sp>
+        <p:nvSpPr>
+          <p:cNvPr id="120" name="Rectangle 119">
+            <a:extLst>
+              <a:ext uri="{FF2B5EF4-FFF2-40B4-BE49-F238E27FC236}">
+                <a16:creationId xmlns:a16="http://schemas.microsoft.com/office/drawing/2014/main" id="{4D337C67-DAD1-CF1B-DA1B-8F0F26F0C7C6}"/>
+              </a:ext>
+            </a:extLst>
+          </p:cNvPr>
+          <p:cNvSpPr/>
+          <p:nvPr/>
+        </p:nvSpPr>
+        <p:spPr>
+          <a:xfrm>
+            <a:off x="2678662" y="2258678"/>
+            <a:ext cx="756658" cy="270156"/>
+          </a:xfrm>
+          <a:prstGeom prst="rect">
+            <a:avLst/>
+          </a:prstGeom>
+          <a:solidFill>
+            <a:schemeClr val="accent1">
+              <a:lumMod val="75000"/>
+            </a:schemeClr>
+          </a:solidFill>
+          <a:ln>
+            <a:solidFill>
+              <a:srgbClr val="00B0F0"/>
+            </a:solidFill>
+          </a:ln>
+        </p:spPr>
+        <p:style>
+          <a:lnRef idx="2">
+            <a:schemeClr val="accent2">
+              <a:shade val="50000"/>
+            </a:schemeClr>
+          </a:lnRef>
+          <a:fillRef idx="1">
+            <a:schemeClr val="accent2"/>
+          </a:fillRef>
+          <a:effectRef idx="0">
+            <a:schemeClr val="accent2"/>
+          </a:effectRef>
+          <a:fontRef idx="minor">
+            <a:schemeClr val="lt1"/>
+          </a:fontRef>
+        </p:style>
+        <p:txBody>
+          <a:bodyPr rtlCol="0" anchor="ctr"/>
+          <a:lstStyle/>
+          <a:p>
+            <a:pPr algn="ctr"/>
+            <a:r>
+              <a:rPr lang="en-US" sz="800" b="1" dirty="0">
+                <a:latin typeface="Verdana" panose="020B0604030504040204" pitchFamily="34" charset="0"/>
+                <a:ea typeface="Verdana" panose="020B0604030504040204" pitchFamily="34" charset="0"/>
+              </a:rPr>
+              <a:t>Scheduler</a:t>
+            </a:r>
+            <a:endParaRPr lang="en-IN" sz="800" b="1" dirty="0">
+              <a:latin typeface="Verdana" panose="020B0604030504040204" pitchFamily="34" charset="0"/>
+              <a:ea typeface="Verdana" panose="020B0604030504040204" pitchFamily="34" charset="0"/>
+            </a:endParaRPr>
+          </a:p>
+        </p:txBody>
+      </p:sp>
+      <p:sp>
+        <p:nvSpPr>
+          <p:cNvPr id="121" name="Rectangle 120">
+            <a:extLst>
+              <a:ext uri="{FF2B5EF4-FFF2-40B4-BE49-F238E27FC236}">
+                <a16:creationId xmlns:a16="http://schemas.microsoft.com/office/drawing/2014/main" id="{BD8233E1-6F51-B748-2864-9A938BF53EC1}"/>
+              </a:ext>
+            </a:extLst>
+          </p:cNvPr>
+          <p:cNvSpPr/>
+          <p:nvPr/>
+        </p:nvSpPr>
+        <p:spPr>
+          <a:xfrm>
+            <a:off x="3490935" y="2248031"/>
+            <a:ext cx="1142509" cy="350889"/>
+          </a:xfrm>
+          <a:prstGeom prst="rect">
+            <a:avLst/>
+          </a:prstGeom>
+          <a:solidFill>
+            <a:schemeClr val="accent1">
+              <a:lumMod val="75000"/>
+            </a:schemeClr>
+          </a:solidFill>
+          <a:ln>
+            <a:solidFill>
+              <a:srgbClr val="00B0F0"/>
+            </a:solidFill>
+          </a:ln>
+        </p:spPr>
+        <p:style>
+          <a:lnRef idx="2">
+            <a:schemeClr val="accent2">
+              <a:shade val="50000"/>
+            </a:schemeClr>
+          </a:lnRef>
+          <a:fillRef idx="1">
+            <a:schemeClr val="accent2"/>
+          </a:fillRef>
+          <a:effectRef idx="0">
+            <a:schemeClr val="accent2"/>
+          </a:effectRef>
+          <a:fontRef idx="minor">
+            <a:schemeClr val="lt1"/>
+          </a:fontRef>
+        </p:style>
+        <p:txBody>
+          <a:bodyPr rtlCol="0" anchor="ctr"/>
+          <a:lstStyle/>
+          <a:p>
+            <a:pPr algn="ctr"/>
+            <a:r>
+              <a:rPr lang="en-US" sz="800" b="1" dirty="0" err="1">
+                <a:latin typeface="Verdana" panose="020B0604030504040204" pitchFamily="34" charset="0"/>
+                <a:ea typeface="Verdana" panose="020B0604030504040204" pitchFamily="34" charset="0"/>
+              </a:rPr>
+              <a:t>Kube</a:t>
+            </a:r>
+            <a:r>
+              <a:rPr lang="en-US" sz="800" b="1" dirty="0">
+                <a:latin typeface="Verdana" panose="020B0604030504040204" pitchFamily="34" charset="0"/>
+                <a:ea typeface="Verdana" panose="020B0604030504040204" pitchFamily="34" charset="0"/>
+              </a:rPr>
+              <a:t> Controller Manager</a:t>
+            </a:r>
+            <a:endParaRPr lang="en-IN" sz="800" b="1" dirty="0">
+              <a:latin typeface="Verdana" panose="020B0604030504040204" pitchFamily="34" charset="0"/>
+              <a:ea typeface="Verdana" panose="020B0604030504040204" pitchFamily="34" charset="0"/>
+            </a:endParaRPr>
+          </a:p>
+        </p:txBody>
+      </p:sp>
+      <p:sp>
+        <p:nvSpPr>
+          <p:cNvPr id="122" name="Rectangle 121">
+            <a:extLst>
+              <a:ext uri="{FF2B5EF4-FFF2-40B4-BE49-F238E27FC236}">
+                <a16:creationId xmlns:a16="http://schemas.microsoft.com/office/drawing/2014/main" id="{A37A6F82-2311-97F7-15AA-7834C5AC7EFF}"/>
+              </a:ext>
+            </a:extLst>
+          </p:cNvPr>
+          <p:cNvSpPr/>
+          <p:nvPr/>
+        </p:nvSpPr>
+        <p:spPr>
+          <a:xfrm>
+            <a:off x="4699136" y="2249599"/>
+            <a:ext cx="1142510" cy="350889"/>
+          </a:xfrm>
+          <a:prstGeom prst="rect">
+            <a:avLst/>
+          </a:prstGeom>
+          <a:solidFill>
+            <a:schemeClr val="accent1">
+              <a:lumMod val="75000"/>
+            </a:schemeClr>
+          </a:solidFill>
+          <a:ln>
+            <a:solidFill>
+              <a:srgbClr val="00B0F0"/>
+            </a:solidFill>
+          </a:ln>
+        </p:spPr>
+        <p:style>
+          <a:lnRef idx="2">
+            <a:schemeClr val="accent2">
+              <a:shade val="50000"/>
+            </a:schemeClr>
+          </a:lnRef>
+          <a:fillRef idx="1">
+            <a:schemeClr val="accent2"/>
+          </a:fillRef>
+          <a:effectRef idx="0">
+            <a:schemeClr val="accent2"/>
+          </a:effectRef>
+          <a:fontRef idx="minor">
+            <a:schemeClr val="lt1"/>
+          </a:fontRef>
+        </p:style>
+        <p:txBody>
+          <a:bodyPr rtlCol="0" anchor="ctr"/>
+          <a:lstStyle/>
+          <a:p>
+            <a:pPr algn="ctr"/>
+            <a:r>
+              <a:rPr lang="en-US" sz="800" b="1" dirty="0">
+                <a:latin typeface="Verdana" panose="020B0604030504040204" pitchFamily="34" charset="0"/>
+                <a:ea typeface="Verdana" panose="020B0604030504040204" pitchFamily="34" charset="0"/>
+              </a:rPr>
+              <a:t>Cloud Controller Manager</a:t>
+            </a:r>
+            <a:endParaRPr lang="en-IN" sz="800" b="1" dirty="0">
+              <a:latin typeface="Verdana" panose="020B0604030504040204" pitchFamily="34" charset="0"/>
+              <a:ea typeface="Verdana" panose="020B0604030504040204" pitchFamily="34" charset="0"/>
+            </a:endParaRPr>
+          </a:p>
+        </p:txBody>
+      </p:sp>
+      <p:sp>
+        <p:nvSpPr>
+          <p:cNvPr id="123" name="Rectangle 122">
+            <a:extLst>
+              <a:ext uri="{FF2B5EF4-FFF2-40B4-BE49-F238E27FC236}">
+                <a16:creationId xmlns:a16="http://schemas.microsoft.com/office/drawing/2014/main" id="{CA70C962-F564-8A21-B4DC-39808D4054B7}"/>
+              </a:ext>
+            </a:extLst>
+          </p:cNvPr>
+          <p:cNvSpPr/>
+          <p:nvPr/>
+        </p:nvSpPr>
+        <p:spPr>
+          <a:xfrm>
+            <a:off x="2672531" y="2556044"/>
+            <a:ext cx="753362" cy="213820"/>
+          </a:xfrm>
+          <a:prstGeom prst="rect">
+            <a:avLst/>
+          </a:prstGeom>
+          <a:solidFill>
+            <a:schemeClr val="accent1">
+              <a:lumMod val="75000"/>
+            </a:schemeClr>
+          </a:solidFill>
+          <a:ln>
+            <a:solidFill>
+              <a:srgbClr val="00B0F0"/>
+            </a:solidFill>
+          </a:ln>
+        </p:spPr>
+        <p:style>
+          <a:lnRef idx="2">
+            <a:schemeClr val="accent2">
+              <a:shade val="50000"/>
+            </a:schemeClr>
+          </a:lnRef>
+          <a:fillRef idx="1">
+            <a:schemeClr val="accent2"/>
+          </a:fillRef>
+          <a:effectRef idx="0">
+            <a:schemeClr val="accent2"/>
+          </a:effectRef>
+          <a:fontRef idx="minor">
+            <a:schemeClr val="lt1"/>
+          </a:fontRef>
+        </p:style>
+        <p:txBody>
+          <a:bodyPr rtlCol="0" anchor="ctr"/>
+          <a:lstStyle/>
+          <a:p>
+            <a:pPr algn="ctr"/>
+            <a:r>
+              <a:rPr lang="en-US" sz="800" b="1" dirty="0">
+                <a:latin typeface="Verdana" panose="020B0604030504040204" pitchFamily="34" charset="0"/>
+                <a:ea typeface="Verdana" panose="020B0604030504040204" pitchFamily="34" charset="0"/>
+              </a:rPr>
+              <a:t>ETCD</a:t>
+            </a:r>
+            <a:endParaRPr lang="en-IN" sz="800" b="1" dirty="0">
+              <a:latin typeface="Verdana" panose="020B0604030504040204" pitchFamily="34" charset="0"/>
+              <a:ea typeface="Verdana" panose="020B0604030504040204" pitchFamily="34" charset="0"/>
+            </a:endParaRPr>
+          </a:p>
+        </p:txBody>
+      </p:sp>
+      <p:sp>
+        <p:nvSpPr>
+          <p:cNvPr id="3" name="TextBox 2">
+            <a:extLst>
+              <a:ext uri="{FF2B5EF4-FFF2-40B4-BE49-F238E27FC236}">
+                <a16:creationId xmlns:a16="http://schemas.microsoft.com/office/drawing/2014/main" id="{42BBAFB3-8C97-FF4E-B47B-205BB2D06DAE}"/>
+              </a:ext>
+            </a:extLst>
+          </p:cNvPr>
+          <p:cNvSpPr txBox="1"/>
+          <p:nvPr/>
+        </p:nvSpPr>
+        <p:spPr>
+          <a:xfrm>
+            <a:off x="48997" y="3543430"/>
+            <a:ext cx="2302439" cy="1323439"/>
+          </a:xfrm>
+          <a:prstGeom prst="rect">
+            <a:avLst/>
+          </a:prstGeom>
+          <a:noFill/>
+        </p:spPr>
+        <p:txBody>
+          <a:bodyPr wrap="square" rtlCol="0">
+            <a:spAutoFit/>
+          </a:bodyPr>
+          <a:lstStyle/>
+          <a:p>
+            <a:r>
+              <a:rPr lang="en-US" sz="1000" b="1" dirty="0">
+                <a:solidFill>
+                  <a:srgbClr val="002060"/>
+                </a:solidFill>
+                <a:latin typeface="Verdana" panose="020B0604030504040204" pitchFamily="34" charset="0"/>
+                <a:ea typeface="Verdana" panose="020B0604030504040204" pitchFamily="34" charset="0"/>
+              </a:rPr>
+              <a:t>10. </a:t>
+            </a:r>
+            <a:r>
+              <a:rPr lang="en-US" sz="1000" b="1" dirty="0" err="1">
+                <a:solidFill>
+                  <a:srgbClr val="002060"/>
+                </a:solidFill>
+                <a:latin typeface="Verdana" panose="020B0604030504040204" pitchFamily="34" charset="0"/>
+                <a:ea typeface="Verdana" panose="020B0604030504040204" pitchFamily="34" charset="0"/>
+              </a:rPr>
+              <a:t>kubectl</a:t>
+            </a:r>
+            <a:r>
+              <a:rPr lang="en-US" sz="1000" dirty="0">
+                <a:solidFill>
+                  <a:srgbClr val="002060"/>
+                </a:solidFill>
+                <a:latin typeface="Verdana" panose="020B0604030504040204" pitchFamily="34" charset="0"/>
+                <a:ea typeface="Verdana" panose="020B0604030504040204" pitchFamily="34" charset="0"/>
+              </a:rPr>
+              <a:t> (cube control): we can issue commands that are at a high level of abstraction with each command, translating into the appropriate API server request. With cube control, we can also access clusters locally, as well as remote. </a:t>
+            </a:r>
+            <a:endParaRPr lang="en-IN" sz="1000" dirty="0">
+              <a:solidFill>
+                <a:srgbClr val="002060"/>
+              </a:solidFill>
+              <a:latin typeface="Verdana" panose="020B0604030504040204" pitchFamily="34" charset="0"/>
+              <a:ea typeface="Verdana" panose="020B0604030504040204" pitchFamily="34" charset="0"/>
+            </a:endParaRPr>
+          </a:p>
+        </p:txBody>
+      </p:sp>
+    </p:spTree>
+    <p:extLst>
+      <p:ext uri="{BB962C8B-B14F-4D97-AF65-F5344CB8AC3E}">
+        <p14:creationId xmlns:p14="http://schemas.microsoft.com/office/powerpoint/2010/main" val="4081440079"/>
       </p:ext>
     </p:extLst>
   </p:cSld>
@@ -28285,6 +35037,118 @@
           <a:chExt cx="0" cy="0"/>
         </a:xfrm>
       </p:grpSpPr>
+      <p:pic>
+        <p:nvPicPr>
+          <p:cNvPr id="3" name="Picture 2" descr="Graphical user interface, text, application&#10;&#10;Description automatically generated">
+            <a:extLst>
+              <a:ext uri="{FF2B5EF4-FFF2-40B4-BE49-F238E27FC236}">
+                <a16:creationId xmlns:a16="http://schemas.microsoft.com/office/drawing/2014/main" id="{5F10DE46-1C76-C9C5-5B2A-2AAED0099F1C}"/>
+              </a:ext>
+            </a:extLst>
+          </p:cNvPr>
+          <p:cNvPicPr>
+            <a:picLocks noChangeAspect="1"/>
+          </p:cNvPicPr>
+          <p:nvPr/>
+        </p:nvPicPr>
+        <p:blipFill>
+          <a:blip r:embed="rId2">
+            <a:extLst>
+              <a:ext uri="{28A0092B-C50C-407E-A947-70E740481C1C}">
+                <a14:useLocalDpi xmlns:a14="http://schemas.microsoft.com/office/drawing/2010/main" val="0"/>
+              </a:ext>
+            </a:extLst>
+          </a:blip>
+          <a:stretch>
+            <a:fillRect/>
+          </a:stretch>
+        </p:blipFill>
+        <p:spPr>
+          <a:xfrm>
+            <a:off x="38908" y="39095"/>
+            <a:ext cx="12114180" cy="4089846"/>
+          </a:xfrm>
+          <a:prstGeom prst="rect">
+            <a:avLst/>
+          </a:prstGeom>
+          <a:ln>
+            <a:solidFill>
+              <a:srgbClr val="002060"/>
+            </a:solidFill>
+          </a:ln>
+        </p:spPr>
+      </p:pic>
+      <p:pic>
+        <p:nvPicPr>
+          <p:cNvPr id="6" name="Picture 5" descr="Graphical user interface, application&#10;&#10;Description automatically generated">
+            <a:extLst>
+              <a:ext uri="{FF2B5EF4-FFF2-40B4-BE49-F238E27FC236}">
+                <a16:creationId xmlns:a16="http://schemas.microsoft.com/office/drawing/2014/main" id="{64AF3A08-04CD-CC9D-5888-D2D73AD3088A}"/>
+              </a:ext>
+            </a:extLst>
+          </p:cNvPr>
+          <p:cNvPicPr>
+            <a:picLocks noChangeAspect="1"/>
+          </p:cNvPicPr>
+          <p:nvPr/>
+        </p:nvPicPr>
+        <p:blipFill>
+          <a:blip r:embed="rId3">
+            <a:extLst>
+              <a:ext uri="{28A0092B-C50C-407E-A947-70E740481C1C}">
+                <a14:useLocalDpi xmlns:a14="http://schemas.microsoft.com/office/drawing/2010/main" val="0"/>
+              </a:ext>
+            </a:extLst>
+          </a:blip>
+          <a:stretch>
+            <a:fillRect/>
+          </a:stretch>
+        </p:blipFill>
+        <p:spPr>
+          <a:xfrm>
+            <a:off x="48640" y="4194925"/>
+            <a:ext cx="12104448" cy="2623979"/>
+          </a:xfrm>
+          <a:prstGeom prst="rect">
+            <a:avLst/>
+          </a:prstGeom>
+          <a:ln>
+            <a:solidFill>
+              <a:schemeClr val="accent1"/>
+            </a:solidFill>
+          </a:ln>
+        </p:spPr>
+      </p:pic>
+    </p:spTree>
+    <p:extLst>
+      <p:ext uri="{BB962C8B-B14F-4D97-AF65-F5344CB8AC3E}">
+        <p14:creationId xmlns:p14="http://schemas.microsoft.com/office/powerpoint/2010/main" val="4262798318"/>
+      </p:ext>
+    </p:extLst>
+  </p:cSld>
+  <p:clrMapOvr>
+    <a:masterClrMapping/>
+  </p:clrMapOvr>
+</p:sld>
+</file>
+
+<file path=ppt/slides/slide7.xml><?xml version="1.0" encoding="utf-8"?>
+<p:sld xmlns:a="http://schemas.openxmlformats.org/drawingml/2006/main" xmlns:r="http://schemas.openxmlformats.org/officeDocument/2006/relationships" xmlns:p="http://schemas.openxmlformats.org/presentationml/2006/main">
+  <p:cSld>
+    <p:spTree>
+      <p:nvGrpSpPr>
+        <p:cNvPr id="1" name=""/>
+        <p:cNvGrpSpPr/>
+        <p:nvPr/>
+      </p:nvGrpSpPr>
+      <p:grpSpPr>
+        <a:xfrm>
+          <a:off x="0" y="0"/>
+          <a:ext cx="0" cy="0"/>
+          <a:chOff x="0" y="0"/>
+          <a:chExt cx="0" cy="0"/>
+        </a:xfrm>
+      </p:grpSpPr>
       <p:sp>
         <p:nvSpPr>
           <p:cNvPr id="4" name="Rectangle 3">
@@ -28596,7 +35460,7 @@
                 <a:tabLst/>
                 <a:defRPr/>
               </a:pPr>
-              <a:t>6</a:t>
+              <a:t>7</a:t>
             </a:fld>
             <a:endParaRPr kumimoji="0" lang="en-IN" sz="1200" b="1" i="0" u="none" strike="noStrike" kern="1200" cap="none" spc="0" normalizeH="0" baseline="0" noProof="0" dirty="0">
               <a:ln>
@@ -30225,7 +37089,7 @@
 </p:sld>
 </file>
 
-<file path=ppt/slides/slide7.xml><?xml version="1.0" encoding="utf-8"?>
+<file path=ppt/slides/slide8.xml><?xml version="1.0" encoding="utf-8"?>
 <p:sld xmlns:a="http://schemas.openxmlformats.org/drawingml/2006/main" xmlns:r="http://schemas.openxmlformats.org/officeDocument/2006/relationships" xmlns:p="http://schemas.openxmlformats.org/presentationml/2006/main">
   <p:cSld>
     <p:bg>
@@ -30453,7 +37317,7 @@
 </p:sld>
 </file>
 
-<file path=ppt/slides/slide8.xml><?xml version="1.0" encoding="utf-8"?>
+<file path=ppt/slides/slide9.xml><?xml version="1.0" encoding="utf-8"?>
 <p:sld xmlns:a="http://schemas.openxmlformats.org/drawingml/2006/main" xmlns:r="http://schemas.openxmlformats.org/officeDocument/2006/relationships" xmlns:p="http://schemas.openxmlformats.org/presentationml/2006/main">
   <p:cSld>
     <p:bg>
@@ -30672,389 +37536,6 @@
     <p:extLst>
       <p:ext uri="{BB962C8B-B14F-4D97-AF65-F5344CB8AC3E}">
         <p14:creationId xmlns:p14="http://schemas.microsoft.com/office/powerpoint/2010/main" val="538514940"/>
-      </p:ext>
-    </p:extLst>
-  </p:cSld>
-  <p:clrMapOvr>
-    <a:masterClrMapping/>
-  </p:clrMapOvr>
-</p:sld>
-</file>
-
-<file path=ppt/slides/slide9.xml><?xml version="1.0" encoding="utf-8"?>
-<p:sld xmlns:a="http://schemas.openxmlformats.org/drawingml/2006/main" xmlns:r="http://schemas.openxmlformats.org/officeDocument/2006/relationships" xmlns:p="http://schemas.openxmlformats.org/presentationml/2006/main">
-  <p:cSld>
-    <p:bg>
-      <p:bgPr>
-        <a:solidFill>
-          <a:schemeClr val="bg1"/>
-        </a:solidFill>
-        <a:effectLst/>
-      </p:bgPr>
-    </p:bg>
-    <p:spTree>
-      <p:nvGrpSpPr>
-        <p:cNvPr id="1" name=""/>
-        <p:cNvGrpSpPr/>
-        <p:nvPr/>
-      </p:nvGrpSpPr>
-      <p:grpSpPr>
-        <a:xfrm>
-          <a:off x="0" y="0"/>
-          <a:ext cx="0" cy="0"/>
-          <a:chOff x="0" y="0"/>
-          <a:chExt cx="0" cy="0"/>
-        </a:xfrm>
-      </p:grpSpPr>
-      <p:sp useBgFill="1">
-        <p:nvSpPr>
-          <p:cNvPr id="1031" name="Rectangle 1030">
-            <a:extLst>
-              <a:ext uri="{FF2B5EF4-FFF2-40B4-BE49-F238E27FC236}">
-                <a16:creationId xmlns:a16="http://schemas.microsoft.com/office/drawing/2014/main" id="{AB8C311F-7253-4AED-9701-7FC0708C41C7}"/>
-              </a:ext>
-              <a:ext uri="{C183D7F6-B498-43B3-948B-1728B52AA6E4}">
-                <adec:decorative xmlns:adec="http://schemas.microsoft.com/office/drawing/2017/decorative" val="1"/>
-              </a:ext>
-            </a:extLst>
-          </p:cNvPr>
-          <p:cNvSpPr>
-            <a:spLocks noGrp="1" noRot="1" noChangeAspect="1" noMove="1" noResize="1" noEditPoints="1" noAdjustHandles="1" noChangeArrowheads="1" noChangeShapeType="1" noTextEdit="1"/>
-          </p:cNvSpPr>
-          <p:nvPr>
-            <p:extLst>
-              <p:ext uri="{386F3935-93C4-4BCD-93E2-E3B085C9AB24}">
-                <p16:designElem xmlns:p16="http://schemas.microsoft.com/office/powerpoint/2015/main" val="1"/>
-              </p:ext>
-            </p:extLst>
-          </p:nvPr>
-        </p:nvSpPr>
-        <p:spPr>
-          <a:xfrm>
-            <a:off x="0" y="0"/>
-            <a:ext cx="12192000" cy="6858000"/>
-          </a:xfrm>
-          <a:prstGeom prst="rect">
-            <a:avLst/>
-          </a:prstGeom>
-          <a:ln w="12700" cap="flat" cmpd="sng" algn="ctr">
-            <a:noFill/>
-            <a:prstDash val="solid"/>
-            <a:miter lim="800000"/>
-          </a:ln>
-          <a:effectLst/>
-          <a:extLst>
-            <a:ext uri="{91240B29-F687-4F45-9708-019B960494DF}">
-              <a14:hiddenLine xmlns:a14="http://schemas.microsoft.com/office/drawing/2010/main" w="12700" cap="flat" cmpd="sng" algn="ctr">
-                <a:solidFill>
-                  <a:schemeClr val="accent1">
-                    <a:shade val="50000"/>
-                  </a:schemeClr>
-                </a:solidFill>
-                <a:prstDash val="solid"/>
-                <a:miter lim="800000"/>
-              </a14:hiddenLine>
-            </a:ext>
-          </a:extLst>
-        </p:spPr>
-        <p:style>
-          <a:lnRef idx="2">
-            <a:schemeClr val="accent1">
-              <a:shade val="50000"/>
-            </a:schemeClr>
-          </a:lnRef>
-          <a:fillRef idx="1">
-            <a:schemeClr val="accent1"/>
-          </a:fillRef>
-          <a:effectRef idx="0">
-            <a:schemeClr val="accent1"/>
-          </a:effectRef>
-          <a:fontRef idx="minor">
-            <a:schemeClr val="lt1"/>
-          </a:fontRef>
-        </p:style>
-        <p:txBody>
-          <a:bodyPr rtlCol="0" anchor="ctr"/>
-          <a:lstStyle/>
-          <a:p>
-            <a:pPr algn="ctr"/>
-            <a:endParaRPr lang="en-US"/>
-          </a:p>
-        </p:txBody>
-      </p:sp>
-      <p:sp>
-        <p:nvSpPr>
-          <p:cNvPr id="1033" name="Rectangle 1032">
-            <a:extLst>
-              <a:ext uri="{FF2B5EF4-FFF2-40B4-BE49-F238E27FC236}">
-                <a16:creationId xmlns:a16="http://schemas.microsoft.com/office/drawing/2014/main" id="{E2384209-CB15-4CDF-9D31-C44FD9A3F20D}"/>
-              </a:ext>
-              <a:ext uri="{C183D7F6-B498-43B3-948B-1728B52AA6E4}">
-                <adec:decorative xmlns:adec="http://schemas.microsoft.com/office/drawing/2017/decorative" val="1"/>
-              </a:ext>
-            </a:extLst>
-          </p:cNvPr>
-          <p:cNvSpPr>
-            <a:spLocks noGrp="1" noRot="1" noChangeAspect="1" noMove="1" noResize="1" noEditPoints="1" noAdjustHandles="1" noChangeArrowheads="1" noChangeShapeType="1" noTextEdit="1"/>
-          </p:cNvSpPr>
-          <p:nvPr>
-            <p:extLst>
-              <p:ext uri="{386F3935-93C4-4BCD-93E2-E3B085C9AB24}">
-                <p16:designElem xmlns:p16="http://schemas.microsoft.com/office/powerpoint/2015/main" val="1"/>
-              </p:ext>
-            </p:extLst>
-          </p:nvPr>
-        </p:nvSpPr>
-        <p:spPr>
-          <a:xfrm rot="16200000" flipH="1">
-            <a:off x="2666617" y="-2666188"/>
-            <a:ext cx="6858000" cy="12191233"/>
-          </a:xfrm>
-          <a:prstGeom prst="rect">
-            <a:avLst/>
-          </a:prstGeom>
-          <a:gradFill>
-            <a:gsLst>
-              <a:gs pos="8000">
-                <a:schemeClr val="accent1"/>
-              </a:gs>
-              <a:gs pos="100000">
-                <a:schemeClr val="accent1">
-                  <a:lumMod val="50000"/>
-                </a:schemeClr>
-              </a:gs>
-            </a:gsLst>
-            <a:lin ang="12000000" scaled="0"/>
-          </a:gradFill>
-          <a:ln>
-            <a:noFill/>
-          </a:ln>
-        </p:spPr>
-        <p:style>
-          <a:lnRef idx="2">
-            <a:schemeClr val="accent1">
-              <a:shade val="50000"/>
-            </a:schemeClr>
-          </a:lnRef>
-          <a:fillRef idx="1">
-            <a:schemeClr val="accent1"/>
-          </a:fillRef>
-          <a:effectRef idx="0">
-            <a:schemeClr val="accent1"/>
-          </a:effectRef>
-          <a:fontRef idx="minor">
-            <a:schemeClr val="lt1"/>
-          </a:fontRef>
-        </p:style>
-        <p:txBody>
-          <a:bodyPr rtlCol="0" anchor="ctr"/>
-          <a:lstStyle/>
-          <a:p>
-            <a:pPr algn="ctr"/>
-            <a:endParaRPr lang="en-US"/>
-          </a:p>
-        </p:txBody>
-      </p:sp>
-      <p:sp>
-        <p:nvSpPr>
-          <p:cNvPr id="1035" name="Rectangle 1034">
-            <a:extLst>
-              <a:ext uri="{FF2B5EF4-FFF2-40B4-BE49-F238E27FC236}">
-                <a16:creationId xmlns:a16="http://schemas.microsoft.com/office/drawing/2014/main" id="{2633B3B5-CC90-43F0-8714-D31D1F3F0209}"/>
-              </a:ext>
-              <a:ext uri="{C183D7F6-B498-43B3-948B-1728B52AA6E4}">
-                <adec:decorative xmlns:adec="http://schemas.microsoft.com/office/drawing/2017/decorative" val="1"/>
-              </a:ext>
-            </a:extLst>
-          </p:cNvPr>
-          <p:cNvSpPr>
-            <a:spLocks noGrp="1" noRot="1" noChangeAspect="1" noMove="1" noResize="1" noEditPoints="1" noAdjustHandles="1" noChangeArrowheads="1" noChangeShapeType="1" noTextEdit="1"/>
-          </p:cNvSpPr>
-          <p:nvPr>
-            <p:extLst>
-              <p:ext uri="{386F3935-93C4-4BCD-93E2-E3B085C9AB24}">
-                <p16:designElem xmlns:p16="http://schemas.microsoft.com/office/powerpoint/2015/main" val="1"/>
-              </p:ext>
-            </p:extLst>
-          </p:nvPr>
-        </p:nvSpPr>
-        <p:spPr>
-          <a:xfrm rot="10800000" flipH="1">
-            <a:off x="-2311" y="0"/>
-            <a:ext cx="9070846" cy="6857572"/>
-          </a:xfrm>
-          <a:prstGeom prst="rect">
-            <a:avLst/>
-          </a:prstGeom>
-          <a:gradFill>
-            <a:gsLst>
-              <a:gs pos="8000">
-                <a:srgbClr val="000000">
-                  <a:alpha val="52000"/>
-                </a:srgbClr>
-              </a:gs>
-              <a:gs pos="100000">
-                <a:schemeClr val="accent1"/>
-              </a:gs>
-            </a:gsLst>
-            <a:lin ang="4800000" scaled="0"/>
-          </a:gradFill>
-          <a:ln>
-            <a:noFill/>
-          </a:ln>
-        </p:spPr>
-        <p:style>
-          <a:lnRef idx="2">
-            <a:schemeClr val="accent1">
-              <a:shade val="50000"/>
-            </a:schemeClr>
-          </a:lnRef>
-          <a:fillRef idx="1">
-            <a:schemeClr val="accent1"/>
-          </a:fillRef>
-          <a:effectRef idx="0">
-            <a:schemeClr val="accent1"/>
-          </a:effectRef>
-          <a:fontRef idx="minor">
-            <a:schemeClr val="lt1"/>
-          </a:fontRef>
-        </p:style>
-        <p:txBody>
-          <a:bodyPr rtlCol="0" anchor="ctr"/>
-          <a:lstStyle/>
-          <a:p>
-            <a:pPr algn="ctr"/>
-            <a:endParaRPr lang="en-US"/>
-          </a:p>
-        </p:txBody>
-      </p:sp>
-      <p:sp>
-        <p:nvSpPr>
-          <p:cNvPr id="1037" name="Rectangle 1036">
-            <a:extLst>
-              <a:ext uri="{FF2B5EF4-FFF2-40B4-BE49-F238E27FC236}">
-                <a16:creationId xmlns:a16="http://schemas.microsoft.com/office/drawing/2014/main" id="{A8D57A06-A426-446D-B02C-A2DC6B62E45E}"/>
-              </a:ext>
-              <a:ext uri="{C183D7F6-B498-43B3-948B-1728B52AA6E4}">
-                <adec:decorative xmlns:adec="http://schemas.microsoft.com/office/drawing/2017/decorative" val="1"/>
-              </a:ext>
-            </a:extLst>
-          </p:cNvPr>
-          <p:cNvSpPr>
-            <a:spLocks noGrp="1" noRot="1" noChangeAspect="1" noMove="1" noResize="1" noEditPoints="1" noAdjustHandles="1" noChangeArrowheads="1" noChangeShapeType="1" noTextEdit="1"/>
-          </p:cNvSpPr>
-          <p:nvPr>
-            <p:extLst>
-              <p:ext uri="{386F3935-93C4-4BCD-93E2-E3B085C9AB24}">
-                <p16:designElem xmlns:p16="http://schemas.microsoft.com/office/powerpoint/2015/main" val="1"/>
-              </p:ext>
-            </p:extLst>
-          </p:nvPr>
-        </p:nvSpPr>
-        <p:spPr>
-          <a:xfrm rot="16200000" flipH="1">
-            <a:off x="3649491" y="-1685840"/>
-            <a:ext cx="4894564" cy="12193546"/>
-          </a:xfrm>
-          <a:prstGeom prst="rect">
-            <a:avLst/>
-          </a:prstGeom>
-          <a:gradFill>
-            <a:gsLst>
-              <a:gs pos="0">
-                <a:schemeClr val="accent5">
-                  <a:lumMod val="60000"/>
-                  <a:lumOff val="40000"/>
-                  <a:alpha val="0"/>
-                </a:schemeClr>
-              </a:gs>
-              <a:gs pos="100000">
-                <a:srgbClr val="000000">
-                  <a:alpha val="46000"/>
-                </a:srgbClr>
-              </a:gs>
-            </a:gsLst>
-            <a:lin ang="1200000" scaled="0"/>
-          </a:gradFill>
-          <a:ln>
-            <a:noFill/>
-          </a:ln>
-        </p:spPr>
-        <p:style>
-          <a:lnRef idx="2">
-            <a:schemeClr val="accent1">
-              <a:shade val="50000"/>
-            </a:schemeClr>
-          </a:lnRef>
-          <a:fillRef idx="1">
-            <a:schemeClr val="accent1"/>
-          </a:fillRef>
-          <a:effectRef idx="0">
-            <a:schemeClr val="accent1"/>
-          </a:effectRef>
-          <a:fontRef idx="minor">
-            <a:schemeClr val="lt1"/>
-          </a:fontRef>
-        </p:style>
-        <p:txBody>
-          <a:bodyPr rtlCol="0" anchor="ctr"/>
-          <a:lstStyle/>
-          <a:p>
-            <a:pPr algn="ctr"/>
-            <a:endParaRPr lang="en-US"/>
-          </a:p>
-        </p:txBody>
-      </p:sp>
-      <p:pic>
-        <p:nvPicPr>
-          <p:cNvPr id="1026" name="Picture 2" descr="Deployment of Products API |150x150">
-            <a:extLst>
-              <a:ext uri="{FF2B5EF4-FFF2-40B4-BE49-F238E27FC236}">
-                <a16:creationId xmlns:a16="http://schemas.microsoft.com/office/drawing/2014/main" id="{C3FE78D8-EC31-9F43-65FC-991C55AF8A11}"/>
-              </a:ext>
-            </a:extLst>
-          </p:cNvPr>
-          <p:cNvPicPr>
-            <a:picLocks noChangeAspect="1" noChangeArrowheads="1"/>
-          </p:cNvPicPr>
-          <p:nvPr/>
-        </p:nvPicPr>
-        <p:blipFill>
-          <a:blip r:embed="rId2">
-            <a:extLst>
-              <a:ext uri="{28A0092B-C50C-407E-A947-70E740481C1C}">
-                <a14:useLocalDpi xmlns:a14="http://schemas.microsoft.com/office/drawing/2010/main" val="0"/>
-              </a:ext>
-            </a:extLst>
-          </a:blip>
-          <a:stretch>
-            <a:fillRect/>
-          </a:stretch>
-        </p:blipFill>
-        <p:spPr bwMode="auto">
-          <a:xfrm>
-            <a:off x="122548" y="113121"/>
-            <a:ext cx="11934334" cy="6579909"/>
-          </a:xfrm>
-          <a:prstGeom prst="rect">
-            <a:avLst/>
-          </a:prstGeom>
-          <a:noFill/>
-          <a:extLst>
-            <a:ext uri="{909E8E84-426E-40DD-AFC4-6F175D3DCCD1}">
-              <a14:hiddenFill xmlns:a14="http://schemas.microsoft.com/office/drawing/2010/main">
-                <a:solidFill>
-                  <a:srgbClr val="FFFFFF"/>
-                </a:solidFill>
-              </a14:hiddenFill>
-            </a:ext>
-          </a:extLst>
-        </p:spPr>
-      </p:pic>
-    </p:spTree>
-    <p:extLst>
-      <p:ext uri="{BB962C8B-B14F-4D97-AF65-F5344CB8AC3E}">
-        <p14:creationId xmlns:p14="http://schemas.microsoft.com/office/powerpoint/2010/main" val="1344205117"/>
       </p:ext>
     </p:extLst>
   </p:cSld>

--- a/Documentation/Architecture.pptx
+++ b/Documentation/Architecture.pptx
@@ -34283,9 +34283,8 @@
                 <a:effectLst/>
                 <a:uLnTx/>
                 <a:uFillTx/>
-                <a:latin typeface="Calibri" panose="020F0502020204030204"/>
-                <a:ea typeface="+mn-ea"/>
-                <a:cs typeface="+mn-cs"/>
+                <a:latin typeface="Verdana" panose="020B0604030504040204" pitchFamily="34" charset="0"/>
+                <a:ea typeface="Verdana" panose="020B0604030504040204" pitchFamily="34" charset="0"/>
               </a:rPr>
               <a:t>Data Stores</a:t>
             </a:r>
@@ -34319,9 +34318,8 @@
                 <a:effectLst/>
                 <a:uLnTx/>
                 <a:uFillTx/>
-                <a:latin typeface="Calibri" panose="020F0502020204030204"/>
-                <a:ea typeface="+mn-ea"/>
-                <a:cs typeface="+mn-cs"/>
+                <a:latin typeface="Verdana" panose="020B0604030504040204" pitchFamily="34" charset="0"/>
+                <a:ea typeface="Verdana" panose="020B0604030504040204" pitchFamily="34" charset="0"/>
               </a:rPr>
               <a:t>SQL</a:t>
             </a:r>
@@ -34355,9 +34353,8 @@
                 <a:effectLst/>
                 <a:uLnTx/>
                 <a:uFillTx/>
-                <a:latin typeface="Calibri" panose="020F0502020204030204"/>
-                <a:ea typeface="+mn-ea"/>
-                <a:cs typeface="+mn-cs"/>
+                <a:latin typeface="Verdana" panose="020B0604030504040204" pitchFamily="34" charset="0"/>
+                <a:ea typeface="Verdana" panose="020B0604030504040204" pitchFamily="34" charset="0"/>
               </a:rPr>
               <a:t>Mongo</a:t>
             </a:r>
@@ -34391,9 +34388,8 @@
                 <a:effectLst/>
                 <a:uLnTx/>
                 <a:uFillTx/>
-                <a:latin typeface="Calibri" panose="020F0502020204030204"/>
-                <a:ea typeface="+mn-ea"/>
-                <a:cs typeface="+mn-cs"/>
+                <a:latin typeface="Verdana" panose="020B0604030504040204" pitchFamily="34" charset="0"/>
+                <a:ea typeface="Verdana" panose="020B0604030504040204" pitchFamily="34" charset="0"/>
               </a:rPr>
               <a:t>PostgreSQL</a:t>
             </a:r>
@@ -34407,9 +34403,8 @@
               <a:effectLst/>
               <a:uLnTx/>
               <a:uFillTx/>
-              <a:latin typeface="Calibri" panose="020F0502020204030204"/>
-              <a:ea typeface="+mn-ea"/>
-              <a:cs typeface="+mn-cs"/>
+              <a:latin typeface="Verdana" panose="020B0604030504040204" pitchFamily="34" charset="0"/>
+              <a:ea typeface="Verdana" panose="020B0604030504040204" pitchFamily="34" charset="0"/>
             </a:endParaRPr>
           </a:p>
         </p:txBody>
@@ -34483,9 +34478,8 @@
                 <a:effectLst/>
                 <a:uLnTx/>
                 <a:uFillTx/>
-                <a:latin typeface="Calibri" panose="020F0502020204030204"/>
-                <a:ea typeface="+mn-ea"/>
-                <a:cs typeface="+mn-cs"/>
+                <a:latin typeface="Verdana" panose="020B0604030504040204" pitchFamily="34" charset="0"/>
+                <a:ea typeface="Verdana" panose="020B0604030504040204" pitchFamily="34" charset="0"/>
               </a:rPr>
               <a:t>Middle Tiers</a:t>
             </a:r>
@@ -34519,9 +34513,8 @@
                 <a:effectLst/>
                 <a:uLnTx/>
                 <a:uFillTx/>
-                <a:latin typeface="Calibri" panose="020F0502020204030204"/>
-                <a:ea typeface="+mn-ea"/>
-                <a:cs typeface="+mn-cs"/>
+                <a:latin typeface="Verdana" panose="020B0604030504040204" pitchFamily="34" charset="0"/>
+                <a:ea typeface="Verdana" panose="020B0604030504040204" pitchFamily="34" charset="0"/>
               </a:rPr>
               <a:t>Products</a:t>
             </a:r>
@@ -34555,9 +34548,8 @@
                 <a:effectLst/>
                 <a:uLnTx/>
                 <a:uFillTx/>
-                <a:latin typeface="Calibri" panose="020F0502020204030204"/>
-                <a:ea typeface="+mn-ea"/>
-                <a:cs typeface="+mn-cs"/>
+                <a:latin typeface="Verdana" panose="020B0604030504040204" pitchFamily="34" charset="0"/>
+                <a:ea typeface="Verdana" panose="020B0604030504040204" pitchFamily="34" charset="0"/>
               </a:rPr>
               <a:t>Identity</a:t>
             </a:r>
@@ -34591,9 +34583,8 @@
                 <a:effectLst/>
                 <a:uLnTx/>
                 <a:uFillTx/>
-                <a:latin typeface="Calibri" panose="020F0502020204030204"/>
-                <a:ea typeface="+mn-ea"/>
-                <a:cs typeface="+mn-cs"/>
+                <a:latin typeface="Verdana" panose="020B0604030504040204" pitchFamily="34" charset="0"/>
+                <a:ea typeface="Verdana" panose="020B0604030504040204" pitchFamily="34" charset="0"/>
               </a:rPr>
               <a:t>Basket</a:t>
             </a:r>
@@ -34607,9 +34598,8 @@
               <a:effectLst/>
               <a:uLnTx/>
               <a:uFillTx/>
-              <a:latin typeface="Calibri" panose="020F0502020204030204"/>
-              <a:ea typeface="+mn-ea"/>
-              <a:cs typeface="+mn-cs"/>
+              <a:latin typeface="Verdana" panose="020B0604030504040204" pitchFamily="34" charset="0"/>
+              <a:ea typeface="Verdana" panose="020B0604030504040204" pitchFamily="34" charset="0"/>
             </a:endParaRPr>
           </a:p>
         </p:txBody>
@@ -34683,9 +34673,8 @@
                 <a:effectLst/>
                 <a:uLnTx/>
                 <a:uFillTx/>
-                <a:latin typeface="Calibri" panose="020F0502020204030204"/>
-                <a:ea typeface="+mn-ea"/>
-                <a:cs typeface="+mn-cs"/>
+                <a:latin typeface="Verdana" panose="020B0604030504040204" pitchFamily="34" charset="0"/>
+                <a:ea typeface="Verdana" panose="020B0604030504040204" pitchFamily="34" charset="0"/>
               </a:rPr>
               <a:t>BFF / </a:t>
             </a:r>
@@ -34719,9 +34708,8 @@
                 <a:effectLst/>
                 <a:uLnTx/>
                 <a:uFillTx/>
-                <a:latin typeface="Calibri" panose="020F0502020204030204"/>
-                <a:ea typeface="+mn-ea"/>
-                <a:cs typeface="+mn-cs"/>
+                <a:latin typeface="Verdana" panose="020B0604030504040204" pitchFamily="34" charset="0"/>
+                <a:ea typeface="Verdana" panose="020B0604030504040204" pitchFamily="34" charset="0"/>
               </a:rPr>
               <a:t>API Gateways</a:t>
             </a:r>
@@ -34735,9 +34723,8 @@
               <a:effectLst/>
               <a:uLnTx/>
               <a:uFillTx/>
-              <a:latin typeface="Calibri" panose="020F0502020204030204"/>
-              <a:ea typeface="+mn-ea"/>
-              <a:cs typeface="+mn-cs"/>
+              <a:latin typeface="Verdana" panose="020B0604030504040204" pitchFamily="34" charset="0"/>
+              <a:ea typeface="Verdana" panose="020B0604030504040204" pitchFamily="34" charset="0"/>
             </a:endParaRPr>
           </a:p>
         </p:txBody>
@@ -34811,9 +34798,8 @@
                 <a:effectLst/>
                 <a:uLnTx/>
                 <a:uFillTx/>
-                <a:latin typeface="Calibri" panose="020F0502020204030204"/>
-                <a:ea typeface="+mn-ea"/>
-                <a:cs typeface="+mn-cs"/>
+                <a:latin typeface="Verdana" panose="020B0604030504040204" pitchFamily="34" charset="0"/>
+                <a:ea typeface="Verdana" panose="020B0604030504040204" pitchFamily="34" charset="0"/>
               </a:rPr>
               <a:t>Frontends</a:t>
             </a:r>
@@ -34847,9 +34833,8 @@
                 <a:effectLst/>
                 <a:uLnTx/>
                 <a:uFillTx/>
-                <a:latin typeface="Calibri" panose="020F0502020204030204"/>
-                <a:ea typeface="+mn-ea"/>
-                <a:cs typeface="+mn-cs"/>
+                <a:latin typeface="Verdana" panose="020B0604030504040204" pitchFamily="34" charset="0"/>
+                <a:ea typeface="Verdana" panose="020B0604030504040204" pitchFamily="34" charset="0"/>
               </a:rPr>
               <a:t>Static Websites</a:t>
             </a:r>
@@ -34883,9 +34868,8 @@
                 <a:effectLst/>
                 <a:uLnTx/>
                 <a:uFillTx/>
-                <a:latin typeface="Calibri" panose="020F0502020204030204"/>
-                <a:ea typeface="+mn-ea"/>
-                <a:cs typeface="+mn-cs"/>
+                <a:latin typeface="Verdana" panose="020B0604030504040204" pitchFamily="34" charset="0"/>
+                <a:ea typeface="Verdana" panose="020B0604030504040204" pitchFamily="34" charset="0"/>
               </a:rPr>
               <a:t>CDN content</a:t>
             </a:r>
@@ -34984,9 +34968,8 @@
                 <a:effectLst/>
                 <a:uLnTx/>
                 <a:uFillTx/>
-                <a:latin typeface="Calibri" panose="020F0502020204030204"/>
-                <a:ea typeface="+mn-ea"/>
-                <a:cs typeface="+mn-cs"/>
+                <a:latin typeface="Verdana" panose="020B0604030504040204" pitchFamily="34" charset="0"/>
+                <a:ea typeface="Verdana" panose="020B0604030504040204" pitchFamily="34" charset="0"/>
               </a:rPr>
               <a:t>DMZ</a:t>
             </a:r>
@@ -35000,9 +34983,8 @@
               <a:effectLst/>
               <a:uLnTx/>
               <a:uFillTx/>
-              <a:latin typeface="Calibri" panose="020F0502020204030204"/>
-              <a:ea typeface="+mn-ea"/>
-              <a:cs typeface="+mn-cs"/>
+              <a:latin typeface="Verdana" panose="020B0604030504040204" pitchFamily="34" charset="0"/>
+              <a:ea typeface="Verdana" panose="020B0604030504040204" pitchFamily="34" charset="0"/>
             </a:endParaRPr>
           </a:p>
         </p:txBody>

--- a/Documentation/Architecture.pptx
+++ b/Documentation/Architecture.pptx
@@ -10,16 +10,17 @@
     <p:sldId id="344" r:id="rId4"/>
     <p:sldId id="256" r:id="rId5"/>
     <p:sldId id="343" r:id="rId6"/>
-    <p:sldId id="345" r:id="rId7"/>
-    <p:sldId id="282" r:id="rId8"/>
-    <p:sldId id="342" r:id="rId9"/>
-    <p:sldId id="341" r:id="rId10"/>
-    <p:sldId id="335" r:id="rId11"/>
-    <p:sldId id="336" r:id="rId12"/>
-    <p:sldId id="338" r:id="rId13"/>
-    <p:sldId id="337" r:id="rId14"/>
-    <p:sldId id="339" r:id="rId15"/>
-    <p:sldId id="334" r:id="rId16"/>
+    <p:sldId id="346" r:id="rId7"/>
+    <p:sldId id="345" r:id="rId8"/>
+    <p:sldId id="282" r:id="rId9"/>
+    <p:sldId id="342" r:id="rId10"/>
+    <p:sldId id="341" r:id="rId11"/>
+    <p:sldId id="335" r:id="rId12"/>
+    <p:sldId id="336" r:id="rId13"/>
+    <p:sldId id="338" r:id="rId14"/>
+    <p:sldId id="337" r:id="rId15"/>
+    <p:sldId id="339" r:id="rId16"/>
+    <p:sldId id="334" r:id="rId17"/>
   </p:sldIdLst>
   <p:sldSz cx="12192000" cy="6858000"/>
   <p:notesSz cx="6858000" cy="9144000"/>
@@ -281,7 +282,7 @@
           <a:p>
             <a:fld id="{DC2BF6E6-F863-479F-A057-0F7FF047E296}" type="datetimeFigureOut">
               <a:rPr lang="en-IN" smtClean="0"/>
-              <a:t>14-08-2022</a:t>
+              <a:t>21-08-2022</a:t>
             </a:fld>
             <a:endParaRPr lang="en-IN"/>
           </a:p>
@@ -481,7 +482,7 @@
           <a:p>
             <a:fld id="{DC2BF6E6-F863-479F-A057-0F7FF047E296}" type="datetimeFigureOut">
               <a:rPr lang="en-IN" smtClean="0"/>
-              <a:t>14-08-2022</a:t>
+              <a:t>21-08-2022</a:t>
             </a:fld>
             <a:endParaRPr lang="en-IN"/>
           </a:p>
@@ -691,7 +692,7 @@
           <a:p>
             <a:fld id="{DC2BF6E6-F863-479F-A057-0F7FF047E296}" type="datetimeFigureOut">
               <a:rPr lang="en-IN" smtClean="0"/>
-              <a:t>14-08-2022</a:t>
+              <a:t>21-08-2022</a:t>
             </a:fld>
             <a:endParaRPr lang="en-IN"/>
           </a:p>
@@ -891,7 +892,7 @@
           <a:p>
             <a:fld id="{DC2BF6E6-F863-479F-A057-0F7FF047E296}" type="datetimeFigureOut">
               <a:rPr lang="en-IN" smtClean="0"/>
-              <a:t>14-08-2022</a:t>
+              <a:t>21-08-2022</a:t>
             </a:fld>
             <a:endParaRPr lang="en-IN"/>
           </a:p>
@@ -1167,7 +1168,7 @@
           <a:p>
             <a:fld id="{DC2BF6E6-F863-479F-A057-0F7FF047E296}" type="datetimeFigureOut">
               <a:rPr lang="en-IN" smtClean="0"/>
-              <a:t>14-08-2022</a:t>
+              <a:t>21-08-2022</a:t>
             </a:fld>
             <a:endParaRPr lang="en-IN"/>
           </a:p>
@@ -1435,7 +1436,7 @@
           <a:p>
             <a:fld id="{DC2BF6E6-F863-479F-A057-0F7FF047E296}" type="datetimeFigureOut">
               <a:rPr lang="en-IN" smtClean="0"/>
-              <a:t>14-08-2022</a:t>
+              <a:t>21-08-2022</a:t>
             </a:fld>
             <a:endParaRPr lang="en-IN"/>
           </a:p>
@@ -1850,7 +1851,7 @@
           <a:p>
             <a:fld id="{DC2BF6E6-F863-479F-A057-0F7FF047E296}" type="datetimeFigureOut">
               <a:rPr lang="en-IN" smtClean="0"/>
-              <a:t>14-08-2022</a:t>
+              <a:t>21-08-2022</a:t>
             </a:fld>
             <a:endParaRPr lang="en-IN"/>
           </a:p>
@@ -1992,7 +1993,7 @@
           <a:p>
             <a:fld id="{DC2BF6E6-F863-479F-A057-0F7FF047E296}" type="datetimeFigureOut">
               <a:rPr lang="en-IN" smtClean="0"/>
-              <a:t>14-08-2022</a:t>
+              <a:t>21-08-2022</a:t>
             </a:fld>
             <a:endParaRPr lang="en-IN"/>
           </a:p>
@@ -2105,7 +2106,7 @@
           <a:p>
             <a:fld id="{DC2BF6E6-F863-479F-A057-0F7FF047E296}" type="datetimeFigureOut">
               <a:rPr lang="en-IN" smtClean="0"/>
-              <a:t>14-08-2022</a:t>
+              <a:t>21-08-2022</a:t>
             </a:fld>
             <a:endParaRPr lang="en-IN"/>
           </a:p>
@@ -2418,7 +2419,7 @@
           <a:p>
             <a:fld id="{DC2BF6E6-F863-479F-A057-0F7FF047E296}" type="datetimeFigureOut">
               <a:rPr lang="en-IN" smtClean="0"/>
-              <a:t>14-08-2022</a:t>
+              <a:t>21-08-2022</a:t>
             </a:fld>
             <a:endParaRPr lang="en-IN"/>
           </a:p>
@@ -2707,7 +2708,7 @@
           <a:p>
             <a:fld id="{DC2BF6E6-F863-479F-A057-0F7FF047E296}" type="datetimeFigureOut">
               <a:rPr lang="en-IN" smtClean="0"/>
-              <a:t>14-08-2022</a:t>
+              <a:t>21-08-2022</a:t>
             </a:fld>
             <a:endParaRPr lang="en-IN"/>
           </a:p>
@@ -2950,7 +2951,7 @@
           <a:p>
             <a:fld id="{DC2BF6E6-F863-479F-A057-0F7FF047E296}" type="datetimeFigureOut">
               <a:rPr lang="en-IN" smtClean="0"/>
-              <a:t>14-08-2022</a:t>
+              <a:t>21-08-2022</a:t>
             </a:fld>
             <a:endParaRPr lang="en-IN"/>
           </a:p>
@@ -6128,6 +6129,234 @@
           <a:chExt cx="0" cy="0"/>
         </a:xfrm>
       </p:grpSpPr>
+      <p:sp>
+        <p:nvSpPr>
+          <p:cNvPr id="10" name="Rectangle 9">
+            <a:extLst>
+              <a:ext uri="{FF2B5EF4-FFF2-40B4-BE49-F238E27FC236}">
+                <a16:creationId xmlns:a16="http://schemas.microsoft.com/office/drawing/2014/main" id="{42A4FC2C-047E-45A5-965D-8E1E3BF09BC6}"/>
+              </a:ext>
+              <a:ext uri="{C183D7F6-B498-43B3-948B-1728B52AA6E4}">
+                <adec:decorative xmlns:adec="http://schemas.microsoft.com/office/drawing/2017/decorative" val="1"/>
+              </a:ext>
+            </a:extLst>
+          </p:cNvPr>
+          <p:cNvSpPr>
+            <a:spLocks noGrp="1" noRot="1" noChangeAspect="1" noMove="1" noResize="1" noEditPoints="1" noAdjustHandles="1" noChangeArrowheads="1" noChangeShapeType="1" noTextEdit="1"/>
+          </p:cNvSpPr>
+          <p:nvPr>
+            <p:extLst>
+              <p:ext uri="{386F3935-93C4-4BCD-93E2-E3B085C9AB24}">
+                <p16:designElem xmlns:p16="http://schemas.microsoft.com/office/powerpoint/2015/main" val="1"/>
+              </p:ext>
+            </p:extLst>
+          </p:nvPr>
+        </p:nvSpPr>
+        <p:spPr bwMode="white">
+          <a:xfrm>
+            <a:off x="1524" y="0"/>
+            <a:ext cx="12188952" cy="6858000"/>
+          </a:xfrm>
+          <a:prstGeom prst="rect">
+            <a:avLst/>
+          </a:prstGeom>
+          <a:noFill/>
+          <a:ln>
+            <a:noFill/>
+          </a:ln>
+        </p:spPr>
+        <p:style>
+          <a:lnRef idx="2">
+            <a:schemeClr val="accent1">
+              <a:shade val="50000"/>
+            </a:schemeClr>
+          </a:lnRef>
+          <a:fillRef idx="1">
+            <a:schemeClr val="accent1"/>
+          </a:fillRef>
+          <a:effectRef idx="0">
+            <a:schemeClr val="accent1"/>
+          </a:effectRef>
+          <a:fontRef idx="minor">
+            <a:schemeClr val="lt1"/>
+          </a:fontRef>
+        </p:style>
+        <p:txBody>
+          <a:bodyPr rtlCol="0" anchor="ctr"/>
+          <a:lstStyle>
+            <a:defPPr>
+              <a:defRPr lang="en-US"/>
+            </a:defPPr>
+            <a:lvl1pPr marL="0" algn="l" defTabSz="914400" rtl="0" eaLnBrk="1" latinLnBrk="0" hangingPunct="1">
+              <a:defRPr sz="1800" kern="1200">
+                <a:solidFill>
+                  <a:schemeClr val="lt1"/>
+                </a:solidFill>
+                <a:latin typeface="+mn-lt"/>
+                <a:ea typeface="+mn-ea"/>
+                <a:cs typeface="+mn-cs"/>
+              </a:defRPr>
+            </a:lvl1pPr>
+            <a:lvl2pPr marL="457200" algn="l" defTabSz="914400" rtl="0" eaLnBrk="1" latinLnBrk="0" hangingPunct="1">
+              <a:defRPr sz="1800" kern="1200">
+                <a:solidFill>
+                  <a:schemeClr val="lt1"/>
+                </a:solidFill>
+                <a:latin typeface="+mn-lt"/>
+                <a:ea typeface="+mn-ea"/>
+                <a:cs typeface="+mn-cs"/>
+              </a:defRPr>
+            </a:lvl2pPr>
+            <a:lvl3pPr marL="914400" algn="l" defTabSz="914400" rtl="0" eaLnBrk="1" latinLnBrk="0" hangingPunct="1">
+              <a:defRPr sz="1800" kern="1200">
+                <a:solidFill>
+                  <a:schemeClr val="lt1"/>
+                </a:solidFill>
+                <a:latin typeface="+mn-lt"/>
+                <a:ea typeface="+mn-ea"/>
+                <a:cs typeface="+mn-cs"/>
+              </a:defRPr>
+            </a:lvl3pPr>
+            <a:lvl4pPr marL="1371600" algn="l" defTabSz="914400" rtl="0" eaLnBrk="1" latinLnBrk="0" hangingPunct="1">
+              <a:defRPr sz="1800" kern="1200">
+                <a:solidFill>
+                  <a:schemeClr val="lt1"/>
+                </a:solidFill>
+                <a:latin typeface="+mn-lt"/>
+                <a:ea typeface="+mn-ea"/>
+                <a:cs typeface="+mn-cs"/>
+              </a:defRPr>
+            </a:lvl4pPr>
+            <a:lvl5pPr marL="1828800" algn="l" defTabSz="914400" rtl="0" eaLnBrk="1" latinLnBrk="0" hangingPunct="1">
+              <a:defRPr sz="1800" kern="1200">
+                <a:solidFill>
+                  <a:schemeClr val="lt1"/>
+                </a:solidFill>
+                <a:latin typeface="+mn-lt"/>
+                <a:ea typeface="+mn-ea"/>
+                <a:cs typeface="+mn-cs"/>
+              </a:defRPr>
+            </a:lvl5pPr>
+            <a:lvl6pPr marL="2286000" algn="l" defTabSz="914400" rtl="0" eaLnBrk="1" latinLnBrk="0" hangingPunct="1">
+              <a:defRPr sz="1800" kern="1200">
+                <a:solidFill>
+                  <a:schemeClr val="lt1"/>
+                </a:solidFill>
+                <a:latin typeface="+mn-lt"/>
+                <a:ea typeface="+mn-ea"/>
+                <a:cs typeface="+mn-cs"/>
+              </a:defRPr>
+            </a:lvl6pPr>
+            <a:lvl7pPr marL="2743200" algn="l" defTabSz="914400" rtl="0" eaLnBrk="1" latinLnBrk="0" hangingPunct="1">
+              <a:defRPr sz="1800" kern="1200">
+                <a:solidFill>
+                  <a:schemeClr val="lt1"/>
+                </a:solidFill>
+                <a:latin typeface="+mn-lt"/>
+                <a:ea typeface="+mn-ea"/>
+                <a:cs typeface="+mn-cs"/>
+              </a:defRPr>
+            </a:lvl7pPr>
+            <a:lvl8pPr marL="3200400" algn="l" defTabSz="914400" rtl="0" eaLnBrk="1" latinLnBrk="0" hangingPunct="1">
+              <a:defRPr sz="1800" kern="1200">
+                <a:solidFill>
+                  <a:schemeClr val="lt1"/>
+                </a:solidFill>
+                <a:latin typeface="+mn-lt"/>
+                <a:ea typeface="+mn-ea"/>
+                <a:cs typeface="+mn-cs"/>
+              </a:defRPr>
+            </a:lvl8pPr>
+            <a:lvl9pPr marL="3657600" algn="l" defTabSz="914400" rtl="0" eaLnBrk="1" latinLnBrk="0" hangingPunct="1">
+              <a:defRPr sz="1800" kern="1200">
+                <a:solidFill>
+                  <a:schemeClr val="lt1"/>
+                </a:solidFill>
+                <a:latin typeface="+mn-lt"/>
+                <a:ea typeface="+mn-ea"/>
+                <a:cs typeface="+mn-cs"/>
+              </a:defRPr>
+            </a:lvl9pPr>
+          </a:lstStyle>
+          <a:p>
+            <a:pPr algn="ctr"/>
+            <a:endParaRPr lang="en-US"/>
+          </a:p>
+        </p:txBody>
+      </p:sp>
+      <p:pic>
+        <p:nvPicPr>
+          <p:cNvPr id="5" name="Picture 4" descr="Text, application&#10;&#10;Description automatically generated">
+            <a:extLst>
+              <a:ext uri="{FF2B5EF4-FFF2-40B4-BE49-F238E27FC236}">
+                <a16:creationId xmlns:a16="http://schemas.microsoft.com/office/drawing/2014/main" id="{AEA2A85B-C49A-E958-5C6B-11E0C0654DD5}"/>
+              </a:ext>
+            </a:extLst>
+          </p:cNvPr>
+          <p:cNvPicPr>
+            <a:picLocks noChangeAspect="1"/>
+          </p:cNvPicPr>
+          <p:nvPr/>
+        </p:nvPicPr>
+        <p:blipFill rotWithShape="1">
+          <a:blip r:embed="rId2">
+            <a:extLst>
+              <a:ext uri="{28A0092B-C50C-407E-A947-70E740481C1C}">
+                <a14:useLocalDpi xmlns:a14="http://schemas.microsoft.com/office/drawing/2010/main" val="0"/>
+              </a:ext>
+            </a:extLst>
+          </a:blip>
+          <a:srcRect t="7425"/>
+          <a:stretch/>
+        </p:blipFill>
+        <p:spPr>
+          <a:xfrm>
+            <a:off x="20" y="1282"/>
+            <a:ext cx="12191980" cy="6856718"/>
+          </a:xfrm>
+          <a:prstGeom prst="rect">
+            <a:avLst/>
+          </a:prstGeom>
+        </p:spPr>
+      </p:pic>
+    </p:spTree>
+    <p:extLst>
+      <p:ext uri="{BB962C8B-B14F-4D97-AF65-F5344CB8AC3E}">
+        <p14:creationId xmlns:p14="http://schemas.microsoft.com/office/powerpoint/2010/main" val="538514940"/>
+      </p:ext>
+    </p:extLst>
+  </p:cSld>
+  <p:clrMapOvr>
+    <a:masterClrMapping/>
+  </p:clrMapOvr>
+</p:sld>
+</file>
+
+<file path=ppt/slides/slide11.xml><?xml version="1.0" encoding="utf-8"?>
+<p:sld xmlns:a="http://schemas.openxmlformats.org/drawingml/2006/main" xmlns:r="http://schemas.openxmlformats.org/officeDocument/2006/relationships" xmlns:p="http://schemas.openxmlformats.org/presentationml/2006/main">
+  <p:cSld>
+    <p:bg>
+      <p:bgPr>
+        <a:solidFill>
+          <a:schemeClr val="bg1"/>
+        </a:solidFill>
+        <a:effectLst/>
+      </p:bgPr>
+    </p:bg>
+    <p:spTree>
+      <p:nvGrpSpPr>
+        <p:cNvPr id="1" name=""/>
+        <p:cNvGrpSpPr/>
+        <p:nvPr/>
+      </p:nvGrpSpPr>
+      <p:grpSpPr>
+        <a:xfrm>
+          <a:off x="0" y="0"/>
+          <a:ext cx="0" cy="0"/>
+          <a:chOff x="0" y="0"/>
+          <a:chExt cx="0" cy="0"/>
+        </a:xfrm>
+      </p:grpSpPr>
       <p:sp useBgFill="1">
         <p:nvSpPr>
           <p:cNvPr id="1031" name="Rectangle 1030">
@@ -6486,7 +6715,7 @@
 </p:sld>
 </file>
 
-<file path=ppt/slides/slide11.xml><?xml version="1.0" encoding="utf-8"?>
+<file path=ppt/slides/slide12.xml><?xml version="1.0" encoding="utf-8"?>
 <p:sld xmlns:a="http://schemas.openxmlformats.org/drawingml/2006/main" xmlns:r="http://schemas.openxmlformats.org/officeDocument/2006/relationships" xmlns:p="http://schemas.openxmlformats.org/presentationml/2006/main">
   <p:cSld>
     <p:spTree>
@@ -11360,7 +11589,7 @@
 </p:sld>
 </file>
 
-<file path=ppt/slides/slide12.xml><?xml version="1.0" encoding="utf-8"?>
+<file path=ppt/slides/slide13.xml><?xml version="1.0" encoding="utf-8"?>
 <p:sld xmlns:a="http://schemas.openxmlformats.org/drawingml/2006/main" xmlns:r="http://schemas.openxmlformats.org/officeDocument/2006/relationships" xmlns:p="http://schemas.openxmlformats.org/presentationml/2006/main">
   <p:cSld>
     <p:spTree>
@@ -17727,7 +17956,7 @@
 </p:sld>
 </file>
 
-<file path=ppt/slides/slide13.xml><?xml version="1.0" encoding="utf-8"?>
+<file path=ppt/slides/slide14.xml><?xml version="1.0" encoding="utf-8"?>
 <p:sld xmlns:a="http://schemas.openxmlformats.org/drawingml/2006/main" xmlns:r="http://schemas.openxmlformats.org/officeDocument/2006/relationships" xmlns:p="http://schemas.openxmlformats.org/presentationml/2006/main">
   <p:cSld>
     <p:spTree>
@@ -23480,7 +23709,7 @@
 </p:sld>
 </file>
 
-<file path=ppt/slides/slide14.xml><?xml version="1.0" encoding="utf-8"?>
+<file path=ppt/slides/slide15.xml><?xml version="1.0" encoding="utf-8"?>
 <p:sld xmlns:a="http://schemas.openxmlformats.org/drawingml/2006/main" xmlns:r="http://schemas.openxmlformats.org/officeDocument/2006/relationships" xmlns:p="http://schemas.openxmlformats.org/presentationml/2006/main">
   <p:cSld>
     <p:spTree>
@@ -23899,7 +24128,7 @@
 </p:sld>
 </file>
 
-<file path=ppt/slides/slide15.xml><?xml version="1.0" encoding="utf-8"?>
+<file path=ppt/slides/slide16.xml><?xml version="1.0" encoding="utf-8"?>
 <p:sld xmlns:a="http://schemas.openxmlformats.org/drawingml/2006/main" xmlns:r="http://schemas.openxmlformats.org/officeDocument/2006/relationships" xmlns:p="http://schemas.openxmlformats.org/presentationml/2006/main">
   <p:cSld>
     <p:spTree>
@@ -35021,6 +35250,118 @@
       </p:grpSpPr>
       <p:pic>
         <p:nvPicPr>
+          <p:cNvPr id="7" name="Picture 6" descr="Graphical user interface, text, application, website&#10;&#10;Description automatically generated">
+            <a:extLst>
+              <a:ext uri="{FF2B5EF4-FFF2-40B4-BE49-F238E27FC236}">
+                <a16:creationId xmlns:a16="http://schemas.microsoft.com/office/drawing/2014/main" id="{F7BE3A76-BBCA-C34D-3EFB-E1F5F764C4B3}"/>
+              </a:ext>
+            </a:extLst>
+          </p:cNvPr>
+          <p:cNvPicPr>
+            <a:picLocks noChangeAspect="1"/>
+          </p:cNvPicPr>
+          <p:nvPr/>
+        </p:nvPicPr>
+        <p:blipFill>
+          <a:blip r:embed="rId2">
+            <a:extLst>
+              <a:ext uri="{28A0092B-C50C-407E-A947-70E740481C1C}">
+                <a14:useLocalDpi xmlns:a14="http://schemas.microsoft.com/office/drawing/2010/main" val="0"/>
+              </a:ext>
+            </a:extLst>
+          </a:blip>
+          <a:stretch>
+            <a:fillRect/>
+          </a:stretch>
+        </p:blipFill>
+        <p:spPr>
+          <a:xfrm>
+            <a:off x="59303" y="4034672"/>
+            <a:ext cx="12073394" cy="2795047"/>
+          </a:xfrm>
+          <a:prstGeom prst="rect">
+            <a:avLst/>
+          </a:prstGeom>
+          <a:ln>
+            <a:solidFill>
+              <a:schemeClr val="accent1"/>
+            </a:solidFill>
+          </a:ln>
+        </p:spPr>
+      </p:pic>
+      <p:pic>
+        <p:nvPicPr>
+          <p:cNvPr id="11" name="Picture 10" descr="Text&#10;&#10;Description automatically generated">
+            <a:extLst>
+              <a:ext uri="{FF2B5EF4-FFF2-40B4-BE49-F238E27FC236}">
+                <a16:creationId xmlns:a16="http://schemas.microsoft.com/office/drawing/2014/main" id="{8C3514FA-6DEC-0D4D-BD0F-59806B7D3AC0}"/>
+              </a:ext>
+            </a:extLst>
+          </p:cNvPr>
+          <p:cNvPicPr>
+            <a:picLocks noChangeAspect="1"/>
+          </p:cNvPicPr>
+          <p:nvPr/>
+        </p:nvPicPr>
+        <p:blipFill>
+          <a:blip r:embed="rId3">
+            <a:extLst>
+              <a:ext uri="{28A0092B-C50C-407E-A947-70E740481C1C}">
+                <a14:useLocalDpi xmlns:a14="http://schemas.microsoft.com/office/drawing/2010/main" val="0"/>
+              </a:ext>
+            </a:extLst>
+          </a:blip>
+          <a:stretch>
+            <a:fillRect/>
+          </a:stretch>
+        </p:blipFill>
+        <p:spPr>
+          <a:xfrm>
+            <a:off x="49475" y="28281"/>
+            <a:ext cx="12099255" cy="3940404"/>
+          </a:xfrm>
+          <a:prstGeom prst="rect">
+            <a:avLst/>
+          </a:prstGeom>
+          <a:ln>
+            <a:solidFill>
+              <a:schemeClr val="accent1"/>
+            </a:solidFill>
+          </a:ln>
+        </p:spPr>
+      </p:pic>
+    </p:spTree>
+    <p:extLst>
+      <p:ext uri="{BB962C8B-B14F-4D97-AF65-F5344CB8AC3E}">
+        <p14:creationId xmlns:p14="http://schemas.microsoft.com/office/powerpoint/2010/main" val="1846930178"/>
+      </p:ext>
+    </p:extLst>
+  </p:cSld>
+  <p:clrMapOvr>
+    <a:masterClrMapping/>
+  </p:clrMapOvr>
+</p:sld>
+</file>
+
+<file path=ppt/slides/slide7.xml><?xml version="1.0" encoding="utf-8"?>
+<p:sld xmlns:a="http://schemas.openxmlformats.org/drawingml/2006/main" xmlns:r="http://schemas.openxmlformats.org/officeDocument/2006/relationships" xmlns:p="http://schemas.openxmlformats.org/presentationml/2006/main">
+  <p:cSld>
+    <p:spTree>
+      <p:nvGrpSpPr>
+        <p:cNvPr id="1" name=""/>
+        <p:cNvGrpSpPr/>
+        <p:nvPr/>
+      </p:nvGrpSpPr>
+      <p:grpSpPr>
+        <a:xfrm>
+          <a:off x="0" y="0"/>
+          <a:ext cx="0" cy="0"/>
+          <a:chOff x="0" y="0"/>
+          <a:chExt cx="0" cy="0"/>
+        </a:xfrm>
+      </p:grpSpPr>
+      <p:pic>
+        <p:nvPicPr>
           <p:cNvPr id="3" name="Picture 2" descr="Graphical user interface, text, application&#10;&#10;Description automatically generated">
             <a:extLst>
               <a:ext uri="{FF2B5EF4-FFF2-40B4-BE49-F238E27FC236}">
@@ -35114,7 +35455,7 @@
 </p:sld>
 </file>
 
-<file path=ppt/slides/slide7.xml><?xml version="1.0" encoding="utf-8"?>
+<file path=ppt/slides/slide8.xml><?xml version="1.0" encoding="utf-8"?>
 <p:sld xmlns:a="http://schemas.openxmlformats.org/drawingml/2006/main" xmlns:r="http://schemas.openxmlformats.org/officeDocument/2006/relationships" xmlns:p="http://schemas.openxmlformats.org/presentationml/2006/main">
   <p:cSld>
     <p:spTree>
@@ -35442,7 +35783,7 @@
                 <a:tabLst/>
                 <a:defRPr/>
               </a:pPr>
-              <a:t>7</a:t>
+              <a:t>8</a:t>
             </a:fld>
             <a:endParaRPr kumimoji="0" lang="en-IN" sz="1200" b="1" i="0" u="none" strike="noStrike" kern="1200" cap="none" spc="0" normalizeH="0" baseline="0" noProof="0" dirty="0">
               <a:ln>
@@ -37071,7 +37412,7 @@
 </p:sld>
 </file>
 
-<file path=ppt/slides/slide8.xml><?xml version="1.0" encoding="utf-8"?>
+<file path=ppt/slides/slide9.xml><?xml version="1.0" encoding="utf-8"?>
 <p:sld xmlns:a="http://schemas.openxmlformats.org/drawingml/2006/main" xmlns:r="http://schemas.openxmlformats.org/officeDocument/2006/relationships" xmlns:p="http://schemas.openxmlformats.org/presentationml/2006/main">
   <p:cSld>
     <p:bg>
@@ -37290,234 +37631,6 @@
     <p:extLst>
       <p:ext uri="{BB962C8B-B14F-4D97-AF65-F5344CB8AC3E}">
         <p14:creationId xmlns:p14="http://schemas.microsoft.com/office/powerpoint/2010/main" val="1191071956"/>
-      </p:ext>
-    </p:extLst>
-  </p:cSld>
-  <p:clrMapOvr>
-    <a:masterClrMapping/>
-  </p:clrMapOvr>
-</p:sld>
-</file>
-
-<file path=ppt/slides/slide9.xml><?xml version="1.0" encoding="utf-8"?>
-<p:sld xmlns:a="http://schemas.openxmlformats.org/drawingml/2006/main" xmlns:r="http://schemas.openxmlformats.org/officeDocument/2006/relationships" xmlns:p="http://schemas.openxmlformats.org/presentationml/2006/main">
-  <p:cSld>
-    <p:bg>
-      <p:bgPr>
-        <a:solidFill>
-          <a:schemeClr val="bg1"/>
-        </a:solidFill>
-        <a:effectLst/>
-      </p:bgPr>
-    </p:bg>
-    <p:spTree>
-      <p:nvGrpSpPr>
-        <p:cNvPr id="1" name=""/>
-        <p:cNvGrpSpPr/>
-        <p:nvPr/>
-      </p:nvGrpSpPr>
-      <p:grpSpPr>
-        <a:xfrm>
-          <a:off x="0" y="0"/>
-          <a:ext cx="0" cy="0"/>
-          <a:chOff x="0" y="0"/>
-          <a:chExt cx="0" cy="0"/>
-        </a:xfrm>
-      </p:grpSpPr>
-      <p:sp>
-        <p:nvSpPr>
-          <p:cNvPr id="10" name="Rectangle 9">
-            <a:extLst>
-              <a:ext uri="{FF2B5EF4-FFF2-40B4-BE49-F238E27FC236}">
-                <a16:creationId xmlns:a16="http://schemas.microsoft.com/office/drawing/2014/main" id="{42A4FC2C-047E-45A5-965D-8E1E3BF09BC6}"/>
-              </a:ext>
-              <a:ext uri="{C183D7F6-B498-43B3-948B-1728B52AA6E4}">
-                <adec:decorative xmlns:adec="http://schemas.microsoft.com/office/drawing/2017/decorative" val="1"/>
-              </a:ext>
-            </a:extLst>
-          </p:cNvPr>
-          <p:cNvSpPr>
-            <a:spLocks noGrp="1" noRot="1" noChangeAspect="1" noMove="1" noResize="1" noEditPoints="1" noAdjustHandles="1" noChangeArrowheads="1" noChangeShapeType="1" noTextEdit="1"/>
-          </p:cNvSpPr>
-          <p:nvPr>
-            <p:extLst>
-              <p:ext uri="{386F3935-93C4-4BCD-93E2-E3B085C9AB24}">
-                <p16:designElem xmlns:p16="http://schemas.microsoft.com/office/powerpoint/2015/main" val="1"/>
-              </p:ext>
-            </p:extLst>
-          </p:nvPr>
-        </p:nvSpPr>
-        <p:spPr bwMode="white">
-          <a:xfrm>
-            <a:off x="1524" y="0"/>
-            <a:ext cx="12188952" cy="6858000"/>
-          </a:xfrm>
-          <a:prstGeom prst="rect">
-            <a:avLst/>
-          </a:prstGeom>
-          <a:noFill/>
-          <a:ln>
-            <a:noFill/>
-          </a:ln>
-        </p:spPr>
-        <p:style>
-          <a:lnRef idx="2">
-            <a:schemeClr val="accent1">
-              <a:shade val="50000"/>
-            </a:schemeClr>
-          </a:lnRef>
-          <a:fillRef idx="1">
-            <a:schemeClr val="accent1"/>
-          </a:fillRef>
-          <a:effectRef idx="0">
-            <a:schemeClr val="accent1"/>
-          </a:effectRef>
-          <a:fontRef idx="minor">
-            <a:schemeClr val="lt1"/>
-          </a:fontRef>
-        </p:style>
-        <p:txBody>
-          <a:bodyPr rtlCol="0" anchor="ctr"/>
-          <a:lstStyle>
-            <a:defPPr>
-              <a:defRPr lang="en-US"/>
-            </a:defPPr>
-            <a:lvl1pPr marL="0" algn="l" defTabSz="914400" rtl="0" eaLnBrk="1" latinLnBrk="0" hangingPunct="1">
-              <a:defRPr sz="1800" kern="1200">
-                <a:solidFill>
-                  <a:schemeClr val="lt1"/>
-                </a:solidFill>
-                <a:latin typeface="+mn-lt"/>
-                <a:ea typeface="+mn-ea"/>
-                <a:cs typeface="+mn-cs"/>
-              </a:defRPr>
-            </a:lvl1pPr>
-            <a:lvl2pPr marL="457200" algn="l" defTabSz="914400" rtl="0" eaLnBrk="1" latinLnBrk="0" hangingPunct="1">
-              <a:defRPr sz="1800" kern="1200">
-                <a:solidFill>
-                  <a:schemeClr val="lt1"/>
-                </a:solidFill>
-                <a:latin typeface="+mn-lt"/>
-                <a:ea typeface="+mn-ea"/>
-                <a:cs typeface="+mn-cs"/>
-              </a:defRPr>
-            </a:lvl2pPr>
-            <a:lvl3pPr marL="914400" algn="l" defTabSz="914400" rtl="0" eaLnBrk="1" latinLnBrk="0" hangingPunct="1">
-              <a:defRPr sz="1800" kern="1200">
-                <a:solidFill>
-                  <a:schemeClr val="lt1"/>
-                </a:solidFill>
-                <a:latin typeface="+mn-lt"/>
-                <a:ea typeface="+mn-ea"/>
-                <a:cs typeface="+mn-cs"/>
-              </a:defRPr>
-            </a:lvl3pPr>
-            <a:lvl4pPr marL="1371600" algn="l" defTabSz="914400" rtl="0" eaLnBrk="1" latinLnBrk="0" hangingPunct="1">
-              <a:defRPr sz="1800" kern="1200">
-                <a:solidFill>
-                  <a:schemeClr val="lt1"/>
-                </a:solidFill>
-                <a:latin typeface="+mn-lt"/>
-                <a:ea typeface="+mn-ea"/>
-                <a:cs typeface="+mn-cs"/>
-              </a:defRPr>
-            </a:lvl4pPr>
-            <a:lvl5pPr marL="1828800" algn="l" defTabSz="914400" rtl="0" eaLnBrk="1" latinLnBrk="0" hangingPunct="1">
-              <a:defRPr sz="1800" kern="1200">
-                <a:solidFill>
-                  <a:schemeClr val="lt1"/>
-                </a:solidFill>
-                <a:latin typeface="+mn-lt"/>
-                <a:ea typeface="+mn-ea"/>
-                <a:cs typeface="+mn-cs"/>
-              </a:defRPr>
-            </a:lvl5pPr>
-            <a:lvl6pPr marL="2286000" algn="l" defTabSz="914400" rtl="0" eaLnBrk="1" latinLnBrk="0" hangingPunct="1">
-              <a:defRPr sz="1800" kern="1200">
-                <a:solidFill>
-                  <a:schemeClr val="lt1"/>
-                </a:solidFill>
-                <a:latin typeface="+mn-lt"/>
-                <a:ea typeface="+mn-ea"/>
-                <a:cs typeface="+mn-cs"/>
-              </a:defRPr>
-            </a:lvl6pPr>
-            <a:lvl7pPr marL="2743200" algn="l" defTabSz="914400" rtl="0" eaLnBrk="1" latinLnBrk="0" hangingPunct="1">
-              <a:defRPr sz="1800" kern="1200">
-                <a:solidFill>
-                  <a:schemeClr val="lt1"/>
-                </a:solidFill>
-                <a:latin typeface="+mn-lt"/>
-                <a:ea typeface="+mn-ea"/>
-                <a:cs typeface="+mn-cs"/>
-              </a:defRPr>
-            </a:lvl7pPr>
-            <a:lvl8pPr marL="3200400" algn="l" defTabSz="914400" rtl="0" eaLnBrk="1" latinLnBrk="0" hangingPunct="1">
-              <a:defRPr sz="1800" kern="1200">
-                <a:solidFill>
-                  <a:schemeClr val="lt1"/>
-                </a:solidFill>
-                <a:latin typeface="+mn-lt"/>
-                <a:ea typeface="+mn-ea"/>
-                <a:cs typeface="+mn-cs"/>
-              </a:defRPr>
-            </a:lvl8pPr>
-            <a:lvl9pPr marL="3657600" algn="l" defTabSz="914400" rtl="0" eaLnBrk="1" latinLnBrk="0" hangingPunct="1">
-              <a:defRPr sz="1800" kern="1200">
-                <a:solidFill>
-                  <a:schemeClr val="lt1"/>
-                </a:solidFill>
-                <a:latin typeface="+mn-lt"/>
-                <a:ea typeface="+mn-ea"/>
-                <a:cs typeface="+mn-cs"/>
-              </a:defRPr>
-            </a:lvl9pPr>
-          </a:lstStyle>
-          <a:p>
-            <a:pPr algn="ctr"/>
-            <a:endParaRPr lang="en-US"/>
-          </a:p>
-        </p:txBody>
-      </p:sp>
-      <p:pic>
-        <p:nvPicPr>
-          <p:cNvPr id="5" name="Picture 4" descr="Text, application&#10;&#10;Description automatically generated">
-            <a:extLst>
-              <a:ext uri="{FF2B5EF4-FFF2-40B4-BE49-F238E27FC236}">
-                <a16:creationId xmlns:a16="http://schemas.microsoft.com/office/drawing/2014/main" id="{AEA2A85B-C49A-E958-5C6B-11E0C0654DD5}"/>
-              </a:ext>
-            </a:extLst>
-          </p:cNvPr>
-          <p:cNvPicPr>
-            <a:picLocks noChangeAspect="1"/>
-          </p:cNvPicPr>
-          <p:nvPr/>
-        </p:nvPicPr>
-        <p:blipFill rotWithShape="1">
-          <a:blip r:embed="rId2">
-            <a:extLst>
-              <a:ext uri="{28A0092B-C50C-407E-A947-70E740481C1C}">
-                <a14:useLocalDpi xmlns:a14="http://schemas.microsoft.com/office/drawing/2010/main" val="0"/>
-              </a:ext>
-            </a:extLst>
-          </a:blip>
-          <a:srcRect t="7425"/>
-          <a:stretch/>
-        </p:blipFill>
-        <p:spPr>
-          <a:xfrm>
-            <a:off x="20" y="1282"/>
-            <a:ext cx="12191980" cy="6856718"/>
-          </a:xfrm>
-          <a:prstGeom prst="rect">
-            <a:avLst/>
-          </a:prstGeom>
-        </p:spPr>
-      </p:pic>
-    </p:spTree>
-    <p:extLst>
-      <p:ext uri="{BB962C8B-B14F-4D97-AF65-F5344CB8AC3E}">
-        <p14:creationId xmlns:p14="http://schemas.microsoft.com/office/powerpoint/2010/main" val="538514940"/>
       </p:ext>
     </p:extLst>
   </p:cSld>

--- a/Documentation/Architecture.pptx
+++ b/Documentation/Architecture.pptx
@@ -10,17 +10,18 @@
     <p:sldId id="344" r:id="rId4"/>
     <p:sldId id="256" r:id="rId5"/>
     <p:sldId id="343" r:id="rId6"/>
-    <p:sldId id="346" r:id="rId7"/>
-    <p:sldId id="345" r:id="rId8"/>
-    <p:sldId id="282" r:id="rId9"/>
-    <p:sldId id="342" r:id="rId10"/>
-    <p:sldId id="341" r:id="rId11"/>
-    <p:sldId id="335" r:id="rId12"/>
-    <p:sldId id="336" r:id="rId13"/>
-    <p:sldId id="338" r:id="rId14"/>
-    <p:sldId id="337" r:id="rId15"/>
-    <p:sldId id="339" r:id="rId16"/>
-    <p:sldId id="334" r:id="rId17"/>
+    <p:sldId id="347" r:id="rId7"/>
+    <p:sldId id="346" r:id="rId8"/>
+    <p:sldId id="345" r:id="rId9"/>
+    <p:sldId id="282" r:id="rId10"/>
+    <p:sldId id="342" r:id="rId11"/>
+    <p:sldId id="341" r:id="rId12"/>
+    <p:sldId id="335" r:id="rId13"/>
+    <p:sldId id="336" r:id="rId14"/>
+    <p:sldId id="338" r:id="rId15"/>
+    <p:sldId id="337" r:id="rId16"/>
+    <p:sldId id="339" r:id="rId17"/>
+    <p:sldId id="334" r:id="rId18"/>
   </p:sldIdLst>
   <p:sldSz cx="12192000" cy="6858000"/>
   <p:notesSz cx="6858000" cy="9144000"/>
@@ -282,7 +283,7 @@
           <a:p>
             <a:fld id="{DC2BF6E6-F863-479F-A057-0F7FF047E296}" type="datetimeFigureOut">
               <a:rPr lang="en-IN" smtClean="0"/>
-              <a:t>21-08-2022</a:t>
+              <a:t>06-10-2022</a:t>
             </a:fld>
             <a:endParaRPr lang="en-IN"/>
           </a:p>
@@ -482,7 +483,7 @@
           <a:p>
             <a:fld id="{DC2BF6E6-F863-479F-A057-0F7FF047E296}" type="datetimeFigureOut">
               <a:rPr lang="en-IN" smtClean="0"/>
-              <a:t>21-08-2022</a:t>
+              <a:t>06-10-2022</a:t>
             </a:fld>
             <a:endParaRPr lang="en-IN"/>
           </a:p>
@@ -692,7 +693,7 @@
           <a:p>
             <a:fld id="{DC2BF6E6-F863-479F-A057-0F7FF047E296}" type="datetimeFigureOut">
               <a:rPr lang="en-IN" smtClean="0"/>
-              <a:t>21-08-2022</a:t>
+              <a:t>06-10-2022</a:t>
             </a:fld>
             <a:endParaRPr lang="en-IN"/>
           </a:p>
@@ -892,7 +893,7 @@
           <a:p>
             <a:fld id="{DC2BF6E6-F863-479F-A057-0F7FF047E296}" type="datetimeFigureOut">
               <a:rPr lang="en-IN" smtClean="0"/>
-              <a:t>21-08-2022</a:t>
+              <a:t>06-10-2022</a:t>
             </a:fld>
             <a:endParaRPr lang="en-IN"/>
           </a:p>
@@ -1168,7 +1169,7 @@
           <a:p>
             <a:fld id="{DC2BF6E6-F863-479F-A057-0F7FF047E296}" type="datetimeFigureOut">
               <a:rPr lang="en-IN" smtClean="0"/>
-              <a:t>21-08-2022</a:t>
+              <a:t>06-10-2022</a:t>
             </a:fld>
             <a:endParaRPr lang="en-IN"/>
           </a:p>
@@ -1436,7 +1437,7 @@
           <a:p>
             <a:fld id="{DC2BF6E6-F863-479F-A057-0F7FF047E296}" type="datetimeFigureOut">
               <a:rPr lang="en-IN" smtClean="0"/>
-              <a:t>21-08-2022</a:t>
+              <a:t>06-10-2022</a:t>
             </a:fld>
             <a:endParaRPr lang="en-IN"/>
           </a:p>
@@ -1851,7 +1852,7 @@
           <a:p>
             <a:fld id="{DC2BF6E6-F863-479F-A057-0F7FF047E296}" type="datetimeFigureOut">
               <a:rPr lang="en-IN" smtClean="0"/>
-              <a:t>21-08-2022</a:t>
+              <a:t>06-10-2022</a:t>
             </a:fld>
             <a:endParaRPr lang="en-IN"/>
           </a:p>
@@ -1993,7 +1994,7 @@
           <a:p>
             <a:fld id="{DC2BF6E6-F863-479F-A057-0F7FF047E296}" type="datetimeFigureOut">
               <a:rPr lang="en-IN" smtClean="0"/>
-              <a:t>21-08-2022</a:t>
+              <a:t>06-10-2022</a:t>
             </a:fld>
             <a:endParaRPr lang="en-IN"/>
           </a:p>
@@ -2106,7 +2107,7 @@
           <a:p>
             <a:fld id="{DC2BF6E6-F863-479F-A057-0F7FF047E296}" type="datetimeFigureOut">
               <a:rPr lang="en-IN" smtClean="0"/>
-              <a:t>21-08-2022</a:t>
+              <a:t>06-10-2022</a:t>
             </a:fld>
             <a:endParaRPr lang="en-IN"/>
           </a:p>
@@ -2419,7 +2420,7 @@
           <a:p>
             <a:fld id="{DC2BF6E6-F863-479F-A057-0F7FF047E296}" type="datetimeFigureOut">
               <a:rPr lang="en-IN" smtClean="0"/>
-              <a:t>21-08-2022</a:t>
+              <a:t>06-10-2022</a:t>
             </a:fld>
             <a:endParaRPr lang="en-IN"/>
           </a:p>
@@ -2708,7 +2709,7 @@
           <a:p>
             <a:fld id="{DC2BF6E6-F863-479F-A057-0F7FF047E296}" type="datetimeFigureOut">
               <a:rPr lang="en-IN" smtClean="0"/>
-              <a:t>21-08-2022</a:t>
+              <a:t>06-10-2022</a:t>
             </a:fld>
             <a:endParaRPr lang="en-IN"/>
           </a:p>
@@ -2951,7 +2952,7 @@
           <a:p>
             <a:fld id="{DC2BF6E6-F863-479F-A057-0F7FF047E296}" type="datetimeFigureOut">
               <a:rPr lang="en-IN" smtClean="0"/>
-              <a:t>21-08-2022</a:t>
+              <a:t>06-10-2022</a:t>
             </a:fld>
             <a:endParaRPr lang="en-IN"/>
           </a:p>
@@ -6286,6 +6287,234 @@
       </p:sp>
       <p:pic>
         <p:nvPicPr>
+          <p:cNvPr id="5" name="Picture 4" descr="Graphical user interface, text, application&#10;&#10;Description automatically generated">
+            <a:extLst>
+              <a:ext uri="{FF2B5EF4-FFF2-40B4-BE49-F238E27FC236}">
+                <a16:creationId xmlns:a16="http://schemas.microsoft.com/office/drawing/2014/main" id="{66118B14-D058-D561-D443-9AD6E24AC29F}"/>
+              </a:ext>
+            </a:extLst>
+          </p:cNvPr>
+          <p:cNvPicPr>
+            <a:picLocks noChangeAspect="1"/>
+          </p:cNvPicPr>
+          <p:nvPr/>
+        </p:nvPicPr>
+        <p:blipFill rotWithShape="1">
+          <a:blip r:embed="rId2">
+            <a:extLst>
+              <a:ext uri="{28A0092B-C50C-407E-A947-70E740481C1C}">
+                <a14:useLocalDpi xmlns:a14="http://schemas.microsoft.com/office/drawing/2010/main" val="0"/>
+              </a:ext>
+            </a:extLst>
+          </a:blip>
+          <a:srcRect t="8492" b="10296"/>
+          <a:stretch/>
+        </p:blipFill>
+        <p:spPr>
+          <a:xfrm>
+            <a:off x="37728" y="47131"/>
+            <a:ext cx="12113423" cy="6749595"/>
+          </a:xfrm>
+          <a:prstGeom prst="rect">
+            <a:avLst/>
+          </a:prstGeom>
+        </p:spPr>
+      </p:pic>
+    </p:spTree>
+    <p:extLst>
+      <p:ext uri="{BB962C8B-B14F-4D97-AF65-F5344CB8AC3E}">
+        <p14:creationId xmlns:p14="http://schemas.microsoft.com/office/powerpoint/2010/main" val="1191071956"/>
+      </p:ext>
+    </p:extLst>
+  </p:cSld>
+  <p:clrMapOvr>
+    <a:masterClrMapping/>
+  </p:clrMapOvr>
+</p:sld>
+</file>
+
+<file path=ppt/slides/slide11.xml><?xml version="1.0" encoding="utf-8"?>
+<p:sld xmlns:a="http://schemas.openxmlformats.org/drawingml/2006/main" xmlns:r="http://schemas.openxmlformats.org/officeDocument/2006/relationships" xmlns:p="http://schemas.openxmlformats.org/presentationml/2006/main">
+  <p:cSld>
+    <p:bg>
+      <p:bgPr>
+        <a:solidFill>
+          <a:schemeClr val="bg1"/>
+        </a:solidFill>
+        <a:effectLst/>
+      </p:bgPr>
+    </p:bg>
+    <p:spTree>
+      <p:nvGrpSpPr>
+        <p:cNvPr id="1" name=""/>
+        <p:cNvGrpSpPr/>
+        <p:nvPr/>
+      </p:nvGrpSpPr>
+      <p:grpSpPr>
+        <a:xfrm>
+          <a:off x="0" y="0"/>
+          <a:ext cx="0" cy="0"/>
+          <a:chOff x="0" y="0"/>
+          <a:chExt cx="0" cy="0"/>
+        </a:xfrm>
+      </p:grpSpPr>
+      <p:sp>
+        <p:nvSpPr>
+          <p:cNvPr id="10" name="Rectangle 9">
+            <a:extLst>
+              <a:ext uri="{FF2B5EF4-FFF2-40B4-BE49-F238E27FC236}">
+                <a16:creationId xmlns:a16="http://schemas.microsoft.com/office/drawing/2014/main" id="{42A4FC2C-047E-45A5-965D-8E1E3BF09BC6}"/>
+              </a:ext>
+              <a:ext uri="{C183D7F6-B498-43B3-948B-1728B52AA6E4}">
+                <adec:decorative xmlns:adec="http://schemas.microsoft.com/office/drawing/2017/decorative" val="1"/>
+              </a:ext>
+            </a:extLst>
+          </p:cNvPr>
+          <p:cNvSpPr>
+            <a:spLocks noGrp="1" noRot="1" noChangeAspect="1" noMove="1" noResize="1" noEditPoints="1" noAdjustHandles="1" noChangeArrowheads="1" noChangeShapeType="1" noTextEdit="1"/>
+          </p:cNvSpPr>
+          <p:nvPr>
+            <p:extLst>
+              <p:ext uri="{386F3935-93C4-4BCD-93E2-E3B085C9AB24}">
+                <p16:designElem xmlns:p16="http://schemas.microsoft.com/office/powerpoint/2015/main" val="1"/>
+              </p:ext>
+            </p:extLst>
+          </p:nvPr>
+        </p:nvSpPr>
+        <p:spPr bwMode="white">
+          <a:xfrm>
+            <a:off x="1524" y="0"/>
+            <a:ext cx="12188952" cy="6858000"/>
+          </a:xfrm>
+          <a:prstGeom prst="rect">
+            <a:avLst/>
+          </a:prstGeom>
+          <a:noFill/>
+          <a:ln>
+            <a:noFill/>
+          </a:ln>
+        </p:spPr>
+        <p:style>
+          <a:lnRef idx="2">
+            <a:schemeClr val="accent1">
+              <a:shade val="50000"/>
+            </a:schemeClr>
+          </a:lnRef>
+          <a:fillRef idx="1">
+            <a:schemeClr val="accent1"/>
+          </a:fillRef>
+          <a:effectRef idx="0">
+            <a:schemeClr val="accent1"/>
+          </a:effectRef>
+          <a:fontRef idx="minor">
+            <a:schemeClr val="lt1"/>
+          </a:fontRef>
+        </p:style>
+        <p:txBody>
+          <a:bodyPr rtlCol="0" anchor="ctr"/>
+          <a:lstStyle>
+            <a:defPPr>
+              <a:defRPr lang="en-US"/>
+            </a:defPPr>
+            <a:lvl1pPr marL="0" algn="l" defTabSz="914400" rtl="0" eaLnBrk="1" latinLnBrk="0" hangingPunct="1">
+              <a:defRPr sz="1800" kern="1200">
+                <a:solidFill>
+                  <a:schemeClr val="lt1"/>
+                </a:solidFill>
+                <a:latin typeface="+mn-lt"/>
+                <a:ea typeface="+mn-ea"/>
+                <a:cs typeface="+mn-cs"/>
+              </a:defRPr>
+            </a:lvl1pPr>
+            <a:lvl2pPr marL="457200" algn="l" defTabSz="914400" rtl="0" eaLnBrk="1" latinLnBrk="0" hangingPunct="1">
+              <a:defRPr sz="1800" kern="1200">
+                <a:solidFill>
+                  <a:schemeClr val="lt1"/>
+                </a:solidFill>
+                <a:latin typeface="+mn-lt"/>
+                <a:ea typeface="+mn-ea"/>
+                <a:cs typeface="+mn-cs"/>
+              </a:defRPr>
+            </a:lvl2pPr>
+            <a:lvl3pPr marL="914400" algn="l" defTabSz="914400" rtl="0" eaLnBrk="1" latinLnBrk="0" hangingPunct="1">
+              <a:defRPr sz="1800" kern="1200">
+                <a:solidFill>
+                  <a:schemeClr val="lt1"/>
+                </a:solidFill>
+                <a:latin typeface="+mn-lt"/>
+                <a:ea typeface="+mn-ea"/>
+                <a:cs typeface="+mn-cs"/>
+              </a:defRPr>
+            </a:lvl3pPr>
+            <a:lvl4pPr marL="1371600" algn="l" defTabSz="914400" rtl="0" eaLnBrk="1" latinLnBrk="0" hangingPunct="1">
+              <a:defRPr sz="1800" kern="1200">
+                <a:solidFill>
+                  <a:schemeClr val="lt1"/>
+                </a:solidFill>
+                <a:latin typeface="+mn-lt"/>
+                <a:ea typeface="+mn-ea"/>
+                <a:cs typeface="+mn-cs"/>
+              </a:defRPr>
+            </a:lvl4pPr>
+            <a:lvl5pPr marL="1828800" algn="l" defTabSz="914400" rtl="0" eaLnBrk="1" latinLnBrk="0" hangingPunct="1">
+              <a:defRPr sz="1800" kern="1200">
+                <a:solidFill>
+                  <a:schemeClr val="lt1"/>
+                </a:solidFill>
+                <a:latin typeface="+mn-lt"/>
+                <a:ea typeface="+mn-ea"/>
+                <a:cs typeface="+mn-cs"/>
+              </a:defRPr>
+            </a:lvl5pPr>
+            <a:lvl6pPr marL="2286000" algn="l" defTabSz="914400" rtl="0" eaLnBrk="1" latinLnBrk="0" hangingPunct="1">
+              <a:defRPr sz="1800" kern="1200">
+                <a:solidFill>
+                  <a:schemeClr val="lt1"/>
+                </a:solidFill>
+                <a:latin typeface="+mn-lt"/>
+                <a:ea typeface="+mn-ea"/>
+                <a:cs typeface="+mn-cs"/>
+              </a:defRPr>
+            </a:lvl6pPr>
+            <a:lvl7pPr marL="2743200" algn="l" defTabSz="914400" rtl="0" eaLnBrk="1" latinLnBrk="0" hangingPunct="1">
+              <a:defRPr sz="1800" kern="1200">
+                <a:solidFill>
+                  <a:schemeClr val="lt1"/>
+                </a:solidFill>
+                <a:latin typeface="+mn-lt"/>
+                <a:ea typeface="+mn-ea"/>
+                <a:cs typeface="+mn-cs"/>
+              </a:defRPr>
+            </a:lvl7pPr>
+            <a:lvl8pPr marL="3200400" algn="l" defTabSz="914400" rtl="0" eaLnBrk="1" latinLnBrk="0" hangingPunct="1">
+              <a:defRPr sz="1800" kern="1200">
+                <a:solidFill>
+                  <a:schemeClr val="lt1"/>
+                </a:solidFill>
+                <a:latin typeface="+mn-lt"/>
+                <a:ea typeface="+mn-ea"/>
+                <a:cs typeface="+mn-cs"/>
+              </a:defRPr>
+            </a:lvl8pPr>
+            <a:lvl9pPr marL="3657600" algn="l" defTabSz="914400" rtl="0" eaLnBrk="1" latinLnBrk="0" hangingPunct="1">
+              <a:defRPr sz="1800" kern="1200">
+                <a:solidFill>
+                  <a:schemeClr val="lt1"/>
+                </a:solidFill>
+                <a:latin typeface="+mn-lt"/>
+                <a:ea typeface="+mn-ea"/>
+                <a:cs typeface="+mn-cs"/>
+              </a:defRPr>
+            </a:lvl9pPr>
+          </a:lstStyle>
+          <a:p>
+            <a:pPr algn="ctr"/>
+            <a:endParaRPr lang="en-US"/>
+          </a:p>
+        </p:txBody>
+      </p:sp>
+      <p:pic>
+        <p:nvPicPr>
           <p:cNvPr id="5" name="Picture 4" descr="Text, application&#10;&#10;Description automatically generated">
             <a:extLst>
               <a:ext uri="{FF2B5EF4-FFF2-40B4-BE49-F238E27FC236}">
@@ -6332,7 +6561,7 @@
 </p:sld>
 </file>
 
-<file path=ppt/slides/slide11.xml><?xml version="1.0" encoding="utf-8"?>
+<file path=ppt/slides/slide12.xml><?xml version="1.0" encoding="utf-8"?>
 <p:sld xmlns:a="http://schemas.openxmlformats.org/drawingml/2006/main" xmlns:r="http://schemas.openxmlformats.org/officeDocument/2006/relationships" xmlns:p="http://schemas.openxmlformats.org/presentationml/2006/main">
   <p:cSld>
     <p:bg>
@@ -6715,7 +6944,7 @@
 </p:sld>
 </file>
 
-<file path=ppt/slides/slide12.xml><?xml version="1.0" encoding="utf-8"?>
+<file path=ppt/slides/slide13.xml><?xml version="1.0" encoding="utf-8"?>
 <p:sld xmlns:a="http://schemas.openxmlformats.org/drawingml/2006/main" xmlns:r="http://schemas.openxmlformats.org/officeDocument/2006/relationships" xmlns:p="http://schemas.openxmlformats.org/presentationml/2006/main">
   <p:cSld>
     <p:spTree>
@@ -11589,7 +11818,7 @@
 </p:sld>
 </file>
 
-<file path=ppt/slides/slide13.xml><?xml version="1.0" encoding="utf-8"?>
+<file path=ppt/slides/slide14.xml><?xml version="1.0" encoding="utf-8"?>
 <p:sld xmlns:a="http://schemas.openxmlformats.org/drawingml/2006/main" xmlns:r="http://schemas.openxmlformats.org/officeDocument/2006/relationships" xmlns:p="http://schemas.openxmlformats.org/presentationml/2006/main">
   <p:cSld>
     <p:spTree>
@@ -17956,7 +18185,7 @@
 </p:sld>
 </file>
 
-<file path=ppt/slides/slide14.xml><?xml version="1.0" encoding="utf-8"?>
+<file path=ppt/slides/slide15.xml><?xml version="1.0" encoding="utf-8"?>
 <p:sld xmlns:a="http://schemas.openxmlformats.org/drawingml/2006/main" xmlns:r="http://schemas.openxmlformats.org/officeDocument/2006/relationships" xmlns:p="http://schemas.openxmlformats.org/presentationml/2006/main">
   <p:cSld>
     <p:spTree>
@@ -23709,7 +23938,7 @@
 </p:sld>
 </file>
 
-<file path=ppt/slides/slide15.xml><?xml version="1.0" encoding="utf-8"?>
+<file path=ppt/slides/slide16.xml><?xml version="1.0" encoding="utf-8"?>
 <p:sld xmlns:a="http://schemas.openxmlformats.org/drawingml/2006/main" xmlns:r="http://schemas.openxmlformats.org/officeDocument/2006/relationships" xmlns:p="http://schemas.openxmlformats.org/presentationml/2006/main">
   <p:cSld>
     <p:spTree>
@@ -24128,7 +24357,7 @@
 </p:sld>
 </file>
 
-<file path=ppt/slides/slide16.xml><?xml version="1.0" encoding="utf-8"?>
+<file path=ppt/slides/slide17.xml><?xml version="1.0" encoding="utf-8"?>
 <p:sld xmlns:a="http://schemas.openxmlformats.org/drawingml/2006/main" xmlns:r="http://schemas.openxmlformats.org/officeDocument/2006/relationships" xmlns:p="http://schemas.openxmlformats.org/presentationml/2006/main">
   <p:cSld>
     <p:spTree>
@@ -35234,6 +35463,234 @@
 <file path=ppt/slides/slide6.xml><?xml version="1.0" encoding="utf-8"?>
 <p:sld xmlns:a="http://schemas.openxmlformats.org/drawingml/2006/main" xmlns:r="http://schemas.openxmlformats.org/officeDocument/2006/relationships" xmlns:p="http://schemas.openxmlformats.org/presentationml/2006/main">
   <p:cSld>
+    <p:bg>
+      <p:bgPr>
+        <a:solidFill>
+          <a:schemeClr val="bg1"/>
+        </a:solidFill>
+        <a:effectLst/>
+      </p:bgPr>
+    </p:bg>
+    <p:spTree>
+      <p:nvGrpSpPr>
+        <p:cNvPr id="1" name=""/>
+        <p:cNvGrpSpPr/>
+        <p:nvPr/>
+      </p:nvGrpSpPr>
+      <p:grpSpPr>
+        <a:xfrm>
+          <a:off x="0" y="0"/>
+          <a:ext cx="0" cy="0"/>
+          <a:chOff x="0" y="0"/>
+          <a:chExt cx="0" cy="0"/>
+        </a:xfrm>
+      </p:grpSpPr>
+      <p:sp>
+        <p:nvSpPr>
+          <p:cNvPr id="10" name="Rectangle 9">
+            <a:extLst>
+              <a:ext uri="{FF2B5EF4-FFF2-40B4-BE49-F238E27FC236}">
+                <a16:creationId xmlns:a16="http://schemas.microsoft.com/office/drawing/2014/main" id="{42A4FC2C-047E-45A5-965D-8E1E3BF09BC6}"/>
+              </a:ext>
+              <a:ext uri="{C183D7F6-B498-43B3-948B-1728B52AA6E4}">
+                <adec:decorative xmlns:adec="http://schemas.microsoft.com/office/drawing/2017/decorative" val="1"/>
+              </a:ext>
+            </a:extLst>
+          </p:cNvPr>
+          <p:cNvSpPr>
+            <a:spLocks noGrp="1" noRot="1" noChangeAspect="1" noMove="1" noResize="1" noEditPoints="1" noAdjustHandles="1" noChangeArrowheads="1" noChangeShapeType="1" noTextEdit="1"/>
+          </p:cNvSpPr>
+          <p:nvPr>
+            <p:extLst>
+              <p:ext uri="{386F3935-93C4-4BCD-93E2-E3B085C9AB24}">
+                <p16:designElem xmlns:p16="http://schemas.microsoft.com/office/powerpoint/2015/main" val="1"/>
+              </p:ext>
+            </p:extLst>
+          </p:nvPr>
+        </p:nvSpPr>
+        <p:spPr bwMode="white">
+          <a:xfrm>
+            <a:off x="1524" y="0"/>
+            <a:ext cx="12188952" cy="6858000"/>
+          </a:xfrm>
+          <a:prstGeom prst="rect">
+            <a:avLst/>
+          </a:prstGeom>
+          <a:noFill/>
+          <a:ln>
+            <a:noFill/>
+          </a:ln>
+        </p:spPr>
+        <p:style>
+          <a:lnRef idx="2">
+            <a:schemeClr val="accent1">
+              <a:shade val="50000"/>
+            </a:schemeClr>
+          </a:lnRef>
+          <a:fillRef idx="1">
+            <a:schemeClr val="accent1"/>
+          </a:fillRef>
+          <a:effectRef idx="0">
+            <a:schemeClr val="accent1"/>
+          </a:effectRef>
+          <a:fontRef idx="minor">
+            <a:schemeClr val="lt1"/>
+          </a:fontRef>
+        </p:style>
+        <p:txBody>
+          <a:bodyPr rtlCol="0" anchor="ctr"/>
+          <a:lstStyle>
+            <a:defPPr>
+              <a:defRPr lang="en-US"/>
+            </a:defPPr>
+            <a:lvl1pPr marL="0" algn="l" defTabSz="914400" rtl="0" eaLnBrk="1" latinLnBrk="0" hangingPunct="1">
+              <a:defRPr sz="1800" kern="1200">
+                <a:solidFill>
+                  <a:schemeClr val="lt1"/>
+                </a:solidFill>
+                <a:latin typeface="+mn-lt"/>
+                <a:ea typeface="+mn-ea"/>
+                <a:cs typeface="+mn-cs"/>
+              </a:defRPr>
+            </a:lvl1pPr>
+            <a:lvl2pPr marL="457200" algn="l" defTabSz="914400" rtl="0" eaLnBrk="1" latinLnBrk="0" hangingPunct="1">
+              <a:defRPr sz="1800" kern="1200">
+                <a:solidFill>
+                  <a:schemeClr val="lt1"/>
+                </a:solidFill>
+                <a:latin typeface="+mn-lt"/>
+                <a:ea typeface="+mn-ea"/>
+                <a:cs typeface="+mn-cs"/>
+              </a:defRPr>
+            </a:lvl2pPr>
+            <a:lvl3pPr marL="914400" algn="l" defTabSz="914400" rtl="0" eaLnBrk="1" latinLnBrk="0" hangingPunct="1">
+              <a:defRPr sz="1800" kern="1200">
+                <a:solidFill>
+                  <a:schemeClr val="lt1"/>
+                </a:solidFill>
+                <a:latin typeface="+mn-lt"/>
+                <a:ea typeface="+mn-ea"/>
+                <a:cs typeface="+mn-cs"/>
+              </a:defRPr>
+            </a:lvl3pPr>
+            <a:lvl4pPr marL="1371600" algn="l" defTabSz="914400" rtl="0" eaLnBrk="1" latinLnBrk="0" hangingPunct="1">
+              <a:defRPr sz="1800" kern="1200">
+                <a:solidFill>
+                  <a:schemeClr val="lt1"/>
+                </a:solidFill>
+                <a:latin typeface="+mn-lt"/>
+                <a:ea typeface="+mn-ea"/>
+                <a:cs typeface="+mn-cs"/>
+              </a:defRPr>
+            </a:lvl4pPr>
+            <a:lvl5pPr marL="1828800" algn="l" defTabSz="914400" rtl="0" eaLnBrk="1" latinLnBrk="0" hangingPunct="1">
+              <a:defRPr sz="1800" kern="1200">
+                <a:solidFill>
+                  <a:schemeClr val="lt1"/>
+                </a:solidFill>
+                <a:latin typeface="+mn-lt"/>
+                <a:ea typeface="+mn-ea"/>
+                <a:cs typeface="+mn-cs"/>
+              </a:defRPr>
+            </a:lvl5pPr>
+            <a:lvl6pPr marL="2286000" algn="l" defTabSz="914400" rtl="0" eaLnBrk="1" latinLnBrk="0" hangingPunct="1">
+              <a:defRPr sz="1800" kern="1200">
+                <a:solidFill>
+                  <a:schemeClr val="lt1"/>
+                </a:solidFill>
+                <a:latin typeface="+mn-lt"/>
+                <a:ea typeface="+mn-ea"/>
+                <a:cs typeface="+mn-cs"/>
+              </a:defRPr>
+            </a:lvl6pPr>
+            <a:lvl7pPr marL="2743200" algn="l" defTabSz="914400" rtl="0" eaLnBrk="1" latinLnBrk="0" hangingPunct="1">
+              <a:defRPr sz="1800" kern="1200">
+                <a:solidFill>
+                  <a:schemeClr val="lt1"/>
+                </a:solidFill>
+                <a:latin typeface="+mn-lt"/>
+                <a:ea typeface="+mn-ea"/>
+                <a:cs typeface="+mn-cs"/>
+              </a:defRPr>
+            </a:lvl7pPr>
+            <a:lvl8pPr marL="3200400" algn="l" defTabSz="914400" rtl="0" eaLnBrk="1" latinLnBrk="0" hangingPunct="1">
+              <a:defRPr sz="1800" kern="1200">
+                <a:solidFill>
+                  <a:schemeClr val="lt1"/>
+                </a:solidFill>
+                <a:latin typeface="+mn-lt"/>
+                <a:ea typeface="+mn-ea"/>
+                <a:cs typeface="+mn-cs"/>
+              </a:defRPr>
+            </a:lvl8pPr>
+            <a:lvl9pPr marL="3657600" algn="l" defTabSz="914400" rtl="0" eaLnBrk="1" latinLnBrk="0" hangingPunct="1">
+              <a:defRPr sz="1800" kern="1200">
+                <a:solidFill>
+                  <a:schemeClr val="lt1"/>
+                </a:solidFill>
+                <a:latin typeface="+mn-lt"/>
+                <a:ea typeface="+mn-ea"/>
+                <a:cs typeface="+mn-cs"/>
+              </a:defRPr>
+            </a:lvl9pPr>
+          </a:lstStyle>
+          <a:p>
+            <a:pPr algn="ctr"/>
+            <a:endParaRPr lang="en-US"/>
+          </a:p>
+        </p:txBody>
+      </p:sp>
+      <p:pic>
+        <p:nvPicPr>
+          <p:cNvPr id="5" name="Picture 4" descr="Graphical user interface&#10;&#10;Description automatically generated with medium confidence">
+            <a:extLst>
+              <a:ext uri="{FF2B5EF4-FFF2-40B4-BE49-F238E27FC236}">
+                <a16:creationId xmlns:a16="http://schemas.microsoft.com/office/drawing/2014/main" id="{5B7461A1-4E97-4DE5-DB6C-F56D45EBD1A0}"/>
+              </a:ext>
+            </a:extLst>
+          </p:cNvPr>
+          <p:cNvPicPr>
+            <a:picLocks noChangeAspect="1"/>
+          </p:cNvPicPr>
+          <p:nvPr/>
+        </p:nvPicPr>
+        <p:blipFill rotWithShape="1">
+          <a:blip r:embed="rId2">
+            <a:extLst>
+              <a:ext uri="{28A0092B-C50C-407E-A947-70E740481C1C}">
+                <a14:useLocalDpi xmlns:a14="http://schemas.microsoft.com/office/drawing/2010/main" val="0"/>
+              </a:ext>
+            </a:extLst>
+          </a:blip>
+          <a:srcRect r="20874"/>
+          <a:stretch/>
+        </p:blipFill>
+        <p:spPr>
+          <a:xfrm>
+            <a:off x="20" y="1282"/>
+            <a:ext cx="12191980" cy="6856718"/>
+          </a:xfrm>
+          <a:prstGeom prst="rect">
+            <a:avLst/>
+          </a:prstGeom>
+        </p:spPr>
+      </p:pic>
+    </p:spTree>
+    <p:extLst>
+      <p:ext uri="{BB962C8B-B14F-4D97-AF65-F5344CB8AC3E}">
+        <p14:creationId xmlns:p14="http://schemas.microsoft.com/office/powerpoint/2010/main" val="3083312806"/>
+      </p:ext>
+    </p:extLst>
+  </p:cSld>
+  <p:clrMapOvr>
+    <a:masterClrMapping/>
+  </p:clrMapOvr>
+</p:sld>
+</file>
+
+<file path=ppt/slides/slide7.xml><?xml version="1.0" encoding="utf-8"?>
+<p:sld xmlns:a="http://schemas.openxmlformats.org/drawingml/2006/main" xmlns:r="http://schemas.openxmlformats.org/officeDocument/2006/relationships" xmlns:p="http://schemas.openxmlformats.org/presentationml/2006/main">
+  <p:cSld>
     <p:spTree>
       <p:nvGrpSpPr>
         <p:cNvPr id="1" name=""/>
@@ -35343,7 +35800,7 @@
 </p:sld>
 </file>
 
-<file path=ppt/slides/slide7.xml><?xml version="1.0" encoding="utf-8"?>
+<file path=ppt/slides/slide8.xml><?xml version="1.0" encoding="utf-8"?>
 <p:sld xmlns:a="http://schemas.openxmlformats.org/drawingml/2006/main" xmlns:r="http://schemas.openxmlformats.org/officeDocument/2006/relationships" xmlns:p="http://schemas.openxmlformats.org/presentationml/2006/main">
   <p:cSld>
     <p:spTree>
@@ -35455,7 +35912,7 @@
 </p:sld>
 </file>
 
-<file path=ppt/slides/slide8.xml><?xml version="1.0" encoding="utf-8"?>
+<file path=ppt/slides/slide9.xml><?xml version="1.0" encoding="utf-8"?>
 <p:sld xmlns:a="http://schemas.openxmlformats.org/drawingml/2006/main" xmlns:r="http://schemas.openxmlformats.org/officeDocument/2006/relationships" xmlns:p="http://schemas.openxmlformats.org/presentationml/2006/main">
   <p:cSld>
     <p:spTree>
@@ -35783,7 +36240,7 @@
                 <a:tabLst/>
                 <a:defRPr/>
               </a:pPr>
-              <a:t>8</a:t>
+              <a:t>9</a:t>
             </a:fld>
             <a:endParaRPr kumimoji="0" lang="en-IN" sz="1200" b="1" i="0" u="none" strike="noStrike" kern="1200" cap="none" spc="0" normalizeH="0" baseline="0" noProof="0" dirty="0">
               <a:ln>
@@ -37412,234 +37869,6 @@
 </p:sld>
 </file>
 
-<file path=ppt/slides/slide9.xml><?xml version="1.0" encoding="utf-8"?>
-<p:sld xmlns:a="http://schemas.openxmlformats.org/drawingml/2006/main" xmlns:r="http://schemas.openxmlformats.org/officeDocument/2006/relationships" xmlns:p="http://schemas.openxmlformats.org/presentationml/2006/main">
-  <p:cSld>
-    <p:bg>
-      <p:bgPr>
-        <a:solidFill>
-          <a:schemeClr val="bg1"/>
-        </a:solidFill>
-        <a:effectLst/>
-      </p:bgPr>
-    </p:bg>
-    <p:spTree>
-      <p:nvGrpSpPr>
-        <p:cNvPr id="1" name=""/>
-        <p:cNvGrpSpPr/>
-        <p:nvPr/>
-      </p:nvGrpSpPr>
-      <p:grpSpPr>
-        <a:xfrm>
-          <a:off x="0" y="0"/>
-          <a:ext cx="0" cy="0"/>
-          <a:chOff x="0" y="0"/>
-          <a:chExt cx="0" cy="0"/>
-        </a:xfrm>
-      </p:grpSpPr>
-      <p:sp>
-        <p:nvSpPr>
-          <p:cNvPr id="10" name="Rectangle 9">
-            <a:extLst>
-              <a:ext uri="{FF2B5EF4-FFF2-40B4-BE49-F238E27FC236}">
-                <a16:creationId xmlns:a16="http://schemas.microsoft.com/office/drawing/2014/main" id="{42A4FC2C-047E-45A5-965D-8E1E3BF09BC6}"/>
-              </a:ext>
-              <a:ext uri="{C183D7F6-B498-43B3-948B-1728B52AA6E4}">
-                <adec:decorative xmlns:adec="http://schemas.microsoft.com/office/drawing/2017/decorative" val="1"/>
-              </a:ext>
-            </a:extLst>
-          </p:cNvPr>
-          <p:cNvSpPr>
-            <a:spLocks noGrp="1" noRot="1" noChangeAspect="1" noMove="1" noResize="1" noEditPoints="1" noAdjustHandles="1" noChangeArrowheads="1" noChangeShapeType="1" noTextEdit="1"/>
-          </p:cNvSpPr>
-          <p:nvPr>
-            <p:extLst>
-              <p:ext uri="{386F3935-93C4-4BCD-93E2-E3B085C9AB24}">
-                <p16:designElem xmlns:p16="http://schemas.microsoft.com/office/powerpoint/2015/main" val="1"/>
-              </p:ext>
-            </p:extLst>
-          </p:nvPr>
-        </p:nvSpPr>
-        <p:spPr bwMode="white">
-          <a:xfrm>
-            <a:off x="1524" y="0"/>
-            <a:ext cx="12188952" cy="6858000"/>
-          </a:xfrm>
-          <a:prstGeom prst="rect">
-            <a:avLst/>
-          </a:prstGeom>
-          <a:noFill/>
-          <a:ln>
-            <a:noFill/>
-          </a:ln>
-        </p:spPr>
-        <p:style>
-          <a:lnRef idx="2">
-            <a:schemeClr val="accent1">
-              <a:shade val="50000"/>
-            </a:schemeClr>
-          </a:lnRef>
-          <a:fillRef idx="1">
-            <a:schemeClr val="accent1"/>
-          </a:fillRef>
-          <a:effectRef idx="0">
-            <a:schemeClr val="accent1"/>
-          </a:effectRef>
-          <a:fontRef idx="minor">
-            <a:schemeClr val="lt1"/>
-          </a:fontRef>
-        </p:style>
-        <p:txBody>
-          <a:bodyPr rtlCol="0" anchor="ctr"/>
-          <a:lstStyle>
-            <a:defPPr>
-              <a:defRPr lang="en-US"/>
-            </a:defPPr>
-            <a:lvl1pPr marL="0" algn="l" defTabSz="914400" rtl="0" eaLnBrk="1" latinLnBrk="0" hangingPunct="1">
-              <a:defRPr sz="1800" kern="1200">
-                <a:solidFill>
-                  <a:schemeClr val="lt1"/>
-                </a:solidFill>
-                <a:latin typeface="+mn-lt"/>
-                <a:ea typeface="+mn-ea"/>
-                <a:cs typeface="+mn-cs"/>
-              </a:defRPr>
-            </a:lvl1pPr>
-            <a:lvl2pPr marL="457200" algn="l" defTabSz="914400" rtl="0" eaLnBrk="1" latinLnBrk="0" hangingPunct="1">
-              <a:defRPr sz="1800" kern="1200">
-                <a:solidFill>
-                  <a:schemeClr val="lt1"/>
-                </a:solidFill>
-                <a:latin typeface="+mn-lt"/>
-                <a:ea typeface="+mn-ea"/>
-                <a:cs typeface="+mn-cs"/>
-              </a:defRPr>
-            </a:lvl2pPr>
-            <a:lvl3pPr marL="914400" algn="l" defTabSz="914400" rtl="0" eaLnBrk="1" latinLnBrk="0" hangingPunct="1">
-              <a:defRPr sz="1800" kern="1200">
-                <a:solidFill>
-                  <a:schemeClr val="lt1"/>
-                </a:solidFill>
-                <a:latin typeface="+mn-lt"/>
-                <a:ea typeface="+mn-ea"/>
-                <a:cs typeface="+mn-cs"/>
-              </a:defRPr>
-            </a:lvl3pPr>
-            <a:lvl4pPr marL="1371600" algn="l" defTabSz="914400" rtl="0" eaLnBrk="1" latinLnBrk="0" hangingPunct="1">
-              <a:defRPr sz="1800" kern="1200">
-                <a:solidFill>
-                  <a:schemeClr val="lt1"/>
-                </a:solidFill>
-                <a:latin typeface="+mn-lt"/>
-                <a:ea typeface="+mn-ea"/>
-                <a:cs typeface="+mn-cs"/>
-              </a:defRPr>
-            </a:lvl4pPr>
-            <a:lvl5pPr marL="1828800" algn="l" defTabSz="914400" rtl="0" eaLnBrk="1" latinLnBrk="0" hangingPunct="1">
-              <a:defRPr sz="1800" kern="1200">
-                <a:solidFill>
-                  <a:schemeClr val="lt1"/>
-                </a:solidFill>
-                <a:latin typeface="+mn-lt"/>
-                <a:ea typeface="+mn-ea"/>
-                <a:cs typeface="+mn-cs"/>
-              </a:defRPr>
-            </a:lvl5pPr>
-            <a:lvl6pPr marL="2286000" algn="l" defTabSz="914400" rtl="0" eaLnBrk="1" latinLnBrk="0" hangingPunct="1">
-              <a:defRPr sz="1800" kern="1200">
-                <a:solidFill>
-                  <a:schemeClr val="lt1"/>
-                </a:solidFill>
-                <a:latin typeface="+mn-lt"/>
-                <a:ea typeface="+mn-ea"/>
-                <a:cs typeface="+mn-cs"/>
-              </a:defRPr>
-            </a:lvl6pPr>
-            <a:lvl7pPr marL="2743200" algn="l" defTabSz="914400" rtl="0" eaLnBrk="1" latinLnBrk="0" hangingPunct="1">
-              <a:defRPr sz="1800" kern="1200">
-                <a:solidFill>
-                  <a:schemeClr val="lt1"/>
-                </a:solidFill>
-                <a:latin typeface="+mn-lt"/>
-                <a:ea typeface="+mn-ea"/>
-                <a:cs typeface="+mn-cs"/>
-              </a:defRPr>
-            </a:lvl7pPr>
-            <a:lvl8pPr marL="3200400" algn="l" defTabSz="914400" rtl="0" eaLnBrk="1" latinLnBrk="0" hangingPunct="1">
-              <a:defRPr sz="1800" kern="1200">
-                <a:solidFill>
-                  <a:schemeClr val="lt1"/>
-                </a:solidFill>
-                <a:latin typeface="+mn-lt"/>
-                <a:ea typeface="+mn-ea"/>
-                <a:cs typeface="+mn-cs"/>
-              </a:defRPr>
-            </a:lvl8pPr>
-            <a:lvl9pPr marL="3657600" algn="l" defTabSz="914400" rtl="0" eaLnBrk="1" latinLnBrk="0" hangingPunct="1">
-              <a:defRPr sz="1800" kern="1200">
-                <a:solidFill>
-                  <a:schemeClr val="lt1"/>
-                </a:solidFill>
-                <a:latin typeface="+mn-lt"/>
-                <a:ea typeface="+mn-ea"/>
-                <a:cs typeface="+mn-cs"/>
-              </a:defRPr>
-            </a:lvl9pPr>
-          </a:lstStyle>
-          <a:p>
-            <a:pPr algn="ctr"/>
-            <a:endParaRPr lang="en-US"/>
-          </a:p>
-        </p:txBody>
-      </p:sp>
-      <p:pic>
-        <p:nvPicPr>
-          <p:cNvPr id="5" name="Picture 4" descr="Graphical user interface, text, application&#10;&#10;Description automatically generated">
-            <a:extLst>
-              <a:ext uri="{FF2B5EF4-FFF2-40B4-BE49-F238E27FC236}">
-                <a16:creationId xmlns:a16="http://schemas.microsoft.com/office/drawing/2014/main" id="{66118B14-D058-D561-D443-9AD6E24AC29F}"/>
-              </a:ext>
-            </a:extLst>
-          </p:cNvPr>
-          <p:cNvPicPr>
-            <a:picLocks noChangeAspect="1"/>
-          </p:cNvPicPr>
-          <p:nvPr/>
-        </p:nvPicPr>
-        <p:blipFill rotWithShape="1">
-          <a:blip r:embed="rId2">
-            <a:extLst>
-              <a:ext uri="{28A0092B-C50C-407E-A947-70E740481C1C}">
-                <a14:useLocalDpi xmlns:a14="http://schemas.microsoft.com/office/drawing/2010/main" val="0"/>
-              </a:ext>
-            </a:extLst>
-          </a:blip>
-          <a:srcRect t="8492" b="10296"/>
-          <a:stretch/>
-        </p:blipFill>
-        <p:spPr>
-          <a:xfrm>
-            <a:off x="37728" y="47131"/>
-            <a:ext cx="12113423" cy="6749595"/>
-          </a:xfrm>
-          <a:prstGeom prst="rect">
-            <a:avLst/>
-          </a:prstGeom>
-        </p:spPr>
-      </p:pic>
-    </p:spTree>
-    <p:extLst>
-      <p:ext uri="{BB962C8B-B14F-4D97-AF65-F5344CB8AC3E}">
-        <p14:creationId xmlns:p14="http://schemas.microsoft.com/office/powerpoint/2010/main" val="1191071956"/>
-      </p:ext>
-    </p:extLst>
-  </p:cSld>
-  <p:clrMapOvr>
-    <a:masterClrMapping/>
-  </p:clrMapOvr>
-</p:sld>
-</file>
-
 <file path=ppt/theme/theme1.xml><?xml version="1.0" encoding="utf-8"?>
 <a:theme xmlns:a="http://schemas.openxmlformats.org/drawingml/2006/main" name="Office Theme">
   <a:themeElements>

--- a/Documentation/Architecture.pptx
+++ b/Documentation/Architecture.pptx
@@ -7,21 +7,22 @@
   <p:sldIdLst>
     <p:sldId id="333" r:id="rId2"/>
     <p:sldId id="340" r:id="rId3"/>
-    <p:sldId id="344" r:id="rId4"/>
-    <p:sldId id="256" r:id="rId5"/>
-    <p:sldId id="343" r:id="rId6"/>
-    <p:sldId id="347" r:id="rId7"/>
-    <p:sldId id="346" r:id="rId8"/>
-    <p:sldId id="345" r:id="rId9"/>
-    <p:sldId id="282" r:id="rId10"/>
-    <p:sldId id="342" r:id="rId11"/>
-    <p:sldId id="341" r:id="rId12"/>
-    <p:sldId id="335" r:id="rId13"/>
-    <p:sldId id="336" r:id="rId14"/>
-    <p:sldId id="338" r:id="rId15"/>
-    <p:sldId id="337" r:id="rId16"/>
-    <p:sldId id="339" r:id="rId17"/>
-    <p:sldId id="334" r:id="rId18"/>
+    <p:sldId id="348" r:id="rId4"/>
+    <p:sldId id="344" r:id="rId5"/>
+    <p:sldId id="256" r:id="rId6"/>
+    <p:sldId id="343" r:id="rId7"/>
+    <p:sldId id="347" r:id="rId8"/>
+    <p:sldId id="346" r:id="rId9"/>
+    <p:sldId id="345" r:id="rId10"/>
+    <p:sldId id="282" r:id="rId11"/>
+    <p:sldId id="342" r:id="rId12"/>
+    <p:sldId id="341" r:id="rId13"/>
+    <p:sldId id="335" r:id="rId14"/>
+    <p:sldId id="336" r:id="rId15"/>
+    <p:sldId id="338" r:id="rId16"/>
+    <p:sldId id="337" r:id="rId17"/>
+    <p:sldId id="339" r:id="rId18"/>
+    <p:sldId id="334" r:id="rId19"/>
   </p:sldIdLst>
   <p:sldSz cx="12192000" cy="6858000"/>
   <p:notesSz cx="6858000" cy="9144000"/>
@@ -283,7 +284,7 @@
           <a:p>
             <a:fld id="{DC2BF6E6-F863-479F-A057-0F7FF047E296}" type="datetimeFigureOut">
               <a:rPr lang="en-IN" smtClean="0"/>
-              <a:t>06-10-2022</a:t>
+              <a:t>29-10-2022</a:t>
             </a:fld>
             <a:endParaRPr lang="en-IN"/>
           </a:p>
@@ -483,7 +484,7 @@
           <a:p>
             <a:fld id="{DC2BF6E6-F863-479F-A057-0F7FF047E296}" type="datetimeFigureOut">
               <a:rPr lang="en-IN" smtClean="0"/>
-              <a:t>06-10-2022</a:t>
+              <a:t>29-10-2022</a:t>
             </a:fld>
             <a:endParaRPr lang="en-IN"/>
           </a:p>
@@ -693,7 +694,7 @@
           <a:p>
             <a:fld id="{DC2BF6E6-F863-479F-A057-0F7FF047E296}" type="datetimeFigureOut">
               <a:rPr lang="en-IN" smtClean="0"/>
-              <a:t>06-10-2022</a:t>
+              <a:t>29-10-2022</a:t>
             </a:fld>
             <a:endParaRPr lang="en-IN"/>
           </a:p>
@@ -893,7 +894,7 @@
           <a:p>
             <a:fld id="{DC2BF6E6-F863-479F-A057-0F7FF047E296}" type="datetimeFigureOut">
               <a:rPr lang="en-IN" smtClean="0"/>
-              <a:t>06-10-2022</a:t>
+              <a:t>29-10-2022</a:t>
             </a:fld>
             <a:endParaRPr lang="en-IN"/>
           </a:p>
@@ -1169,7 +1170,7 @@
           <a:p>
             <a:fld id="{DC2BF6E6-F863-479F-A057-0F7FF047E296}" type="datetimeFigureOut">
               <a:rPr lang="en-IN" smtClean="0"/>
-              <a:t>06-10-2022</a:t>
+              <a:t>29-10-2022</a:t>
             </a:fld>
             <a:endParaRPr lang="en-IN"/>
           </a:p>
@@ -1437,7 +1438,7 @@
           <a:p>
             <a:fld id="{DC2BF6E6-F863-479F-A057-0F7FF047E296}" type="datetimeFigureOut">
               <a:rPr lang="en-IN" smtClean="0"/>
-              <a:t>06-10-2022</a:t>
+              <a:t>29-10-2022</a:t>
             </a:fld>
             <a:endParaRPr lang="en-IN"/>
           </a:p>
@@ -1852,7 +1853,7 @@
           <a:p>
             <a:fld id="{DC2BF6E6-F863-479F-A057-0F7FF047E296}" type="datetimeFigureOut">
               <a:rPr lang="en-IN" smtClean="0"/>
-              <a:t>06-10-2022</a:t>
+              <a:t>29-10-2022</a:t>
             </a:fld>
             <a:endParaRPr lang="en-IN"/>
           </a:p>
@@ -1994,7 +1995,7 @@
           <a:p>
             <a:fld id="{DC2BF6E6-F863-479F-A057-0F7FF047E296}" type="datetimeFigureOut">
               <a:rPr lang="en-IN" smtClean="0"/>
-              <a:t>06-10-2022</a:t>
+              <a:t>29-10-2022</a:t>
             </a:fld>
             <a:endParaRPr lang="en-IN"/>
           </a:p>
@@ -2107,7 +2108,7 @@
           <a:p>
             <a:fld id="{DC2BF6E6-F863-479F-A057-0F7FF047E296}" type="datetimeFigureOut">
               <a:rPr lang="en-IN" smtClean="0"/>
-              <a:t>06-10-2022</a:t>
+              <a:t>29-10-2022</a:t>
             </a:fld>
             <a:endParaRPr lang="en-IN"/>
           </a:p>
@@ -2420,7 +2421,7 @@
           <a:p>
             <a:fld id="{DC2BF6E6-F863-479F-A057-0F7FF047E296}" type="datetimeFigureOut">
               <a:rPr lang="en-IN" smtClean="0"/>
-              <a:t>06-10-2022</a:t>
+              <a:t>29-10-2022</a:t>
             </a:fld>
             <a:endParaRPr lang="en-IN"/>
           </a:p>
@@ -2709,7 +2710,7 @@
           <a:p>
             <a:fld id="{DC2BF6E6-F863-479F-A057-0F7FF047E296}" type="datetimeFigureOut">
               <a:rPr lang="en-IN" smtClean="0"/>
-              <a:t>06-10-2022</a:t>
+              <a:t>29-10-2022</a:t>
             </a:fld>
             <a:endParaRPr lang="en-IN"/>
           </a:p>
@@ -2952,7 +2953,7 @@
           <a:p>
             <a:fld id="{DC2BF6E6-F863-479F-A057-0F7FF047E296}" type="datetimeFigureOut">
               <a:rPr lang="en-IN" smtClean="0"/>
-              <a:t>06-10-2022</a:t>
+              <a:t>29-10-2022</a:t>
             </a:fld>
             <a:endParaRPr lang="en-IN"/>
           </a:p>
@@ -6108,6 +6109,1963 @@
 <file path=ppt/slides/slide10.xml><?xml version="1.0" encoding="utf-8"?>
 <p:sld xmlns:a="http://schemas.openxmlformats.org/drawingml/2006/main" xmlns:r="http://schemas.openxmlformats.org/officeDocument/2006/relationships" xmlns:p="http://schemas.openxmlformats.org/presentationml/2006/main">
   <p:cSld>
+    <p:spTree>
+      <p:nvGrpSpPr>
+        <p:cNvPr id="1" name=""/>
+        <p:cNvGrpSpPr/>
+        <p:nvPr/>
+      </p:nvGrpSpPr>
+      <p:grpSpPr>
+        <a:xfrm>
+          <a:off x="0" y="0"/>
+          <a:ext cx="0" cy="0"/>
+          <a:chOff x="0" y="0"/>
+          <a:chExt cx="0" cy="0"/>
+        </a:xfrm>
+      </p:grpSpPr>
+      <p:sp>
+        <p:nvSpPr>
+          <p:cNvPr id="4" name="Rectangle 3">
+            <a:extLst>
+              <a:ext uri="{FF2B5EF4-FFF2-40B4-BE49-F238E27FC236}">
+                <a16:creationId xmlns:a16="http://schemas.microsoft.com/office/drawing/2014/main" id="{055C22F7-3FD1-4C1B-8D0C-0C2F7FB61DBE}"/>
+              </a:ext>
+            </a:extLst>
+          </p:cNvPr>
+          <p:cNvSpPr/>
+          <p:nvPr/>
+        </p:nvSpPr>
+        <p:spPr>
+          <a:xfrm>
+            <a:off x="0" y="8878"/>
+            <a:ext cx="12183122" cy="497150"/>
+          </a:xfrm>
+          <a:prstGeom prst="rect">
+            <a:avLst/>
+          </a:prstGeom>
+          <a:solidFill>
+            <a:srgbClr val="0070C0"/>
+          </a:solidFill>
+        </p:spPr>
+        <p:style>
+          <a:lnRef idx="2">
+            <a:schemeClr val="accent1">
+              <a:shade val="50000"/>
+            </a:schemeClr>
+          </a:lnRef>
+          <a:fillRef idx="1">
+            <a:schemeClr val="accent1"/>
+          </a:fillRef>
+          <a:effectRef idx="0">
+            <a:schemeClr val="accent1"/>
+          </a:effectRef>
+          <a:fontRef idx="minor">
+            <a:schemeClr val="lt1"/>
+          </a:fontRef>
+        </p:style>
+        <p:txBody>
+          <a:bodyPr rtlCol="0" anchor="ctr"/>
+          <a:lstStyle/>
+          <a:p>
+            <a:pPr marL="0" marR="0" lvl="0" indent="0" algn="ctr" defTabSz="914400" rtl="0" eaLnBrk="1" fontAlgn="auto" latinLnBrk="0" hangingPunct="1">
+              <a:lnSpc>
+                <a:spcPct val="100000"/>
+              </a:lnSpc>
+              <a:spcBef>
+                <a:spcPts val="0"/>
+              </a:spcBef>
+              <a:spcAft>
+                <a:spcPts val="0"/>
+              </a:spcAft>
+              <a:buClrTx/>
+              <a:buSzTx/>
+              <a:buFontTx/>
+              <a:buNone/>
+              <a:tabLst/>
+              <a:defRPr/>
+            </a:pPr>
+            <a:r>
+              <a:rPr kumimoji="0" lang="en-US" sz="1800" b="1" i="0" u="none" strike="noStrike" kern="1200" cap="none" spc="0" normalizeH="0" baseline="0" noProof="0" dirty="0">
+                <a:ln>
+                  <a:noFill/>
+                </a:ln>
+                <a:solidFill>
+                  <a:prstClr val="white"/>
+                </a:solidFill>
+                <a:effectLst/>
+                <a:uLnTx/>
+                <a:uFillTx/>
+                <a:latin typeface="Verdana" panose="020B0604030504040204" pitchFamily="34" charset="0"/>
+                <a:ea typeface="Verdana" panose="020B0604030504040204" pitchFamily="34" charset="0"/>
+                <a:cs typeface="+mn-cs"/>
+              </a:rPr>
+              <a:t>PR Process, CI, CD</a:t>
+            </a:r>
+            <a:endParaRPr kumimoji="0" lang="en-IN" sz="1800" b="1" i="0" u="none" strike="noStrike" kern="1200" cap="none" spc="0" normalizeH="0" baseline="0" noProof="0" dirty="0">
+              <a:ln>
+                <a:noFill/>
+              </a:ln>
+              <a:solidFill>
+                <a:prstClr val="white"/>
+              </a:solidFill>
+              <a:effectLst/>
+              <a:uLnTx/>
+              <a:uFillTx/>
+              <a:latin typeface="Verdana" panose="020B0604030504040204" pitchFamily="34" charset="0"/>
+              <a:ea typeface="Verdana" panose="020B0604030504040204" pitchFamily="34" charset="0"/>
+              <a:cs typeface="+mn-cs"/>
+            </a:endParaRPr>
+          </a:p>
+        </p:txBody>
+      </p:sp>
+      <p:sp>
+        <p:nvSpPr>
+          <p:cNvPr id="7" name="Rectangle 6">
+            <a:extLst>
+              <a:ext uri="{FF2B5EF4-FFF2-40B4-BE49-F238E27FC236}">
+                <a16:creationId xmlns:a16="http://schemas.microsoft.com/office/drawing/2014/main" id="{B10720DE-FD2A-4FE5-B9FB-74854D01A659}"/>
+              </a:ext>
+            </a:extLst>
+          </p:cNvPr>
+          <p:cNvSpPr/>
+          <p:nvPr/>
+        </p:nvSpPr>
+        <p:spPr>
+          <a:xfrm>
+            <a:off x="0" y="6383046"/>
+            <a:ext cx="12183122" cy="57703"/>
+          </a:xfrm>
+          <a:prstGeom prst="rect">
+            <a:avLst/>
+          </a:prstGeom>
+          <a:solidFill>
+            <a:srgbClr val="0070C0"/>
+          </a:solidFill>
+        </p:spPr>
+        <p:style>
+          <a:lnRef idx="2">
+            <a:schemeClr val="accent1">
+              <a:shade val="50000"/>
+            </a:schemeClr>
+          </a:lnRef>
+          <a:fillRef idx="1">
+            <a:schemeClr val="accent1"/>
+          </a:fillRef>
+          <a:effectRef idx="0">
+            <a:schemeClr val="accent1"/>
+          </a:effectRef>
+          <a:fontRef idx="minor">
+            <a:schemeClr val="lt1"/>
+          </a:fontRef>
+        </p:style>
+        <p:txBody>
+          <a:bodyPr rtlCol="0" anchor="ctr"/>
+          <a:lstStyle/>
+          <a:p>
+            <a:pPr marL="0" marR="0" lvl="0" indent="0" algn="ctr" defTabSz="914400" rtl="0" eaLnBrk="1" fontAlgn="auto" latinLnBrk="0" hangingPunct="1">
+              <a:lnSpc>
+                <a:spcPct val="100000"/>
+              </a:lnSpc>
+              <a:spcBef>
+                <a:spcPts val="0"/>
+              </a:spcBef>
+              <a:spcAft>
+                <a:spcPts val="0"/>
+              </a:spcAft>
+              <a:buClrTx/>
+              <a:buSzTx/>
+              <a:buFontTx/>
+              <a:buNone/>
+              <a:tabLst/>
+              <a:defRPr/>
+            </a:pPr>
+            <a:endParaRPr kumimoji="0" lang="en-IN" sz="1000" b="0" i="0" u="none" strike="noStrike" kern="1200" cap="none" spc="0" normalizeH="0" baseline="0" noProof="0" dirty="0">
+              <a:ln>
+                <a:noFill/>
+              </a:ln>
+              <a:solidFill>
+                <a:prstClr val="white"/>
+              </a:solidFill>
+              <a:effectLst/>
+              <a:uLnTx/>
+              <a:uFillTx/>
+              <a:latin typeface="Verdana" panose="020B0604030504040204" pitchFamily="34" charset="0"/>
+              <a:ea typeface="Verdana" panose="020B0604030504040204" pitchFamily="34" charset="0"/>
+              <a:cs typeface="+mn-cs"/>
+            </a:endParaRPr>
+          </a:p>
+        </p:txBody>
+      </p:sp>
+      <p:sp>
+        <p:nvSpPr>
+          <p:cNvPr id="8" name="Footer Placeholder 7">
+            <a:extLst>
+              <a:ext uri="{FF2B5EF4-FFF2-40B4-BE49-F238E27FC236}">
+                <a16:creationId xmlns:a16="http://schemas.microsoft.com/office/drawing/2014/main" id="{DD2A19CA-EC18-432D-8F8F-17079808F38B}"/>
+              </a:ext>
+            </a:extLst>
+          </p:cNvPr>
+          <p:cNvSpPr>
+            <a:spLocks noGrp="1"/>
+          </p:cNvSpPr>
+          <p:nvPr>
+            <p:ph type="ftr" sz="quarter" idx="11"/>
+          </p:nvPr>
+        </p:nvSpPr>
+        <p:spPr>
+          <a:xfrm>
+            <a:off x="4038600" y="6427374"/>
+            <a:ext cx="4114800" cy="365125"/>
+          </a:xfrm>
+        </p:spPr>
+        <p:txBody>
+          <a:bodyPr/>
+          <a:lstStyle/>
+          <a:p>
+            <a:pPr marL="0" marR="0" lvl="0" indent="0" algn="ctr" defTabSz="914400" rtl="0" eaLnBrk="1" fontAlgn="auto" latinLnBrk="0" hangingPunct="1">
+              <a:lnSpc>
+                <a:spcPct val="100000"/>
+              </a:lnSpc>
+              <a:spcBef>
+                <a:spcPts val="0"/>
+              </a:spcBef>
+              <a:spcAft>
+                <a:spcPts val="0"/>
+              </a:spcAft>
+              <a:buClrTx/>
+              <a:buSzTx/>
+              <a:buFontTx/>
+              <a:buNone/>
+              <a:tabLst/>
+              <a:defRPr/>
+            </a:pPr>
+            <a:r>
+              <a:rPr kumimoji="0" lang="en-IN" sz="1200" b="1" i="0" u="none" strike="noStrike" kern="1200" cap="none" spc="0" normalizeH="0" baseline="0" noProof="0" dirty="0">
+                <a:ln>
+                  <a:noFill/>
+                </a:ln>
+                <a:solidFill>
+                  <a:srgbClr val="002060"/>
+                </a:solidFill>
+                <a:effectLst/>
+                <a:uLnTx/>
+                <a:uFillTx/>
+                <a:latin typeface="Verdana" panose="020B0604030504040204" pitchFamily="34" charset="0"/>
+                <a:ea typeface="Verdana" panose="020B0604030504040204" pitchFamily="34" charset="0"/>
+                <a:cs typeface="+mn-cs"/>
+              </a:rPr>
+              <a:t>05-Aug-2022</a:t>
+            </a:r>
+          </a:p>
+        </p:txBody>
+      </p:sp>
+      <p:sp>
+        <p:nvSpPr>
+          <p:cNvPr id="9" name="Slide Number Placeholder 8">
+            <a:extLst>
+              <a:ext uri="{FF2B5EF4-FFF2-40B4-BE49-F238E27FC236}">
+                <a16:creationId xmlns:a16="http://schemas.microsoft.com/office/drawing/2014/main" id="{8162625C-0B1F-42E0-BE7C-D99A08FED7A3}"/>
+              </a:ext>
+            </a:extLst>
+          </p:cNvPr>
+          <p:cNvSpPr>
+            <a:spLocks noGrp="1"/>
+          </p:cNvSpPr>
+          <p:nvPr>
+            <p:ph type="sldNum" sz="quarter" idx="12"/>
+          </p:nvPr>
+        </p:nvSpPr>
+        <p:spPr>
+          <a:xfrm>
+            <a:off x="8610600" y="6427374"/>
+            <a:ext cx="2743200" cy="365125"/>
+          </a:xfrm>
+        </p:spPr>
+        <p:txBody>
+          <a:bodyPr/>
+          <a:lstStyle/>
+          <a:p>
+            <a:pPr marL="0" marR="0" lvl="0" indent="0" algn="r" defTabSz="914400" rtl="0" eaLnBrk="1" fontAlgn="auto" latinLnBrk="0" hangingPunct="1">
+              <a:lnSpc>
+                <a:spcPct val="100000"/>
+              </a:lnSpc>
+              <a:spcBef>
+                <a:spcPts val="0"/>
+              </a:spcBef>
+              <a:spcAft>
+                <a:spcPts val="0"/>
+              </a:spcAft>
+              <a:buClrTx/>
+              <a:buSzTx/>
+              <a:buFontTx/>
+              <a:buNone/>
+              <a:tabLst/>
+              <a:defRPr/>
+            </a:pPr>
+            <a:fld id="{30AF63FB-5233-4811-A918-B572E3A55817}" type="slidenum">
+              <a:rPr kumimoji="0" lang="en-IN" sz="1200" b="1" i="0" u="none" strike="noStrike" kern="1200" cap="none" spc="0" normalizeH="0" baseline="0" noProof="0" smtClean="0">
+                <a:ln>
+                  <a:noFill/>
+                </a:ln>
+                <a:solidFill>
+                  <a:srgbClr val="002060"/>
+                </a:solidFill>
+                <a:effectLst/>
+                <a:uLnTx/>
+                <a:uFillTx/>
+                <a:latin typeface="Verdana" panose="020B0604030504040204" pitchFamily="34" charset="0"/>
+                <a:ea typeface="Verdana" panose="020B0604030504040204" pitchFamily="34" charset="0"/>
+                <a:cs typeface="+mn-cs"/>
+              </a:rPr>
+              <a:pPr marL="0" marR="0" lvl="0" indent="0" algn="r" defTabSz="914400" rtl="0" eaLnBrk="1" fontAlgn="auto" latinLnBrk="0" hangingPunct="1">
+                <a:lnSpc>
+                  <a:spcPct val="100000"/>
+                </a:lnSpc>
+                <a:spcBef>
+                  <a:spcPts val="0"/>
+                </a:spcBef>
+                <a:spcAft>
+                  <a:spcPts val="0"/>
+                </a:spcAft>
+                <a:buClrTx/>
+                <a:buSzTx/>
+                <a:buFontTx/>
+                <a:buNone/>
+                <a:tabLst/>
+                <a:defRPr/>
+              </a:pPr>
+              <a:t>10</a:t>
+            </a:fld>
+            <a:endParaRPr kumimoji="0" lang="en-IN" sz="1200" b="1" i="0" u="none" strike="noStrike" kern="1200" cap="none" spc="0" normalizeH="0" baseline="0" noProof="0" dirty="0">
+              <a:ln>
+                <a:noFill/>
+              </a:ln>
+              <a:solidFill>
+                <a:srgbClr val="002060"/>
+              </a:solidFill>
+              <a:effectLst/>
+              <a:uLnTx/>
+              <a:uFillTx/>
+              <a:latin typeface="Verdana" panose="020B0604030504040204" pitchFamily="34" charset="0"/>
+              <a:ea typeface="Verdana" panose="020B0604030504040204" pitchFamily="34" charset="0"/>
+              <a:cs typeface="+mn-cs"/>
+            </a:endParaRPr>
+          </a:p>
+        </p:txBody>
+      </p:sp>
+      <p:sp>
+        <p:nvSpPr>
+          <p:cNvPr id="12" name="Footer Placeholder 7">
+            <a:extLst>
+              <a:ext uri="{FF2B5EF4-FFF2-40B4-BE49-F238E27FC236}">
+                <a16:creationId xmlns:a16="http://schemas.microsoft.com/office/drawing/2014/main" id="{64C57949-E349-47D3-A505-A098233AF49D}"/>
+              </a:ext>
+            </a:extLst>
+          </p:cNvPr>
+          <p:cNvSpPr txBox="1">
+            <a:spLocks/>
+          </p:cNvSpPr>
+          <p:nvPr/>
+        </p:nvSpPr>
+        <p:spPr>
+          <a:xfrm>
+            <a:off x="133897" y="6428848"/>
+            <a:ext cx="4114800" cy="365125"/>
+          </a:xfrm>
+          <a:prstGeom prst="rect">
+            <a:avLst/>
+          </a:prstGeom>
+        </p:spPr>
+        <p:txBody>
+          <a:bodyPr vert="horz" lIns="91440" tIns="45720" rIns="91440" bIns="45720" rtlCol="0" anchor="ctr"/>
+          <a:lstStyle>
+            <a:defPPr>
+              <a:defRPr lang="en-US"/>
+            </a:defPPr>
+            <a:lvl1pPr marL="0" algn="ctr" defTabSz="914400" rtl="0" eaLnBrk="1" latinLnBrk="0" hangingPunct="1">
+              <a:defRPr sz="1200" kern="1200">
+                <a:solidFill>
+                  <a:schemeClr val="tx1">
+                    <a:tint val="75000"/>
+                  </a:schemeClr>
+                </a:solidFill>
+                <a:latin typeface="+mn-lt"/>
+                <a:ea typeface="+mn-ea"/>
+                <a:cs typeface="+mn-cs"/>
+              </a:defRPr>
+            </a:lvl1pPr>
+            <a:lvl2pPr marL="457200" algn="l" defTabSz="914400" rtl="0" eaLnBrk="1" latinLnBrk="0" hangingPunct="1">
+              <a:defRPr sz="1800" kern="1200">
+                <a:solidFill>
+                  <a:schemeClr val="tx1"/>
+                </a:solidFill>
+                <a:latin typeface="+mn-lt"/>
+                <a:ea typeface="+mn-ea"/>
+                <a:cs typeface="+mn-cs"/>
+              </a:defRPr>
+            </a:lvl2pPr>
+            <a:lvl3pPr marL="914400" algn="l" defTabSz="914400" rtl="0" eaLnBrk="1" latinLnBrk="0" hangingPunct="1">
+              <a:defRPr sz="1800" kern="1200">
+                <a:solidFill>
+                  <a:schemeClr val="tx1"/>
+                </a:solidFill>
+                <a:latin typeface="+mn-lt"/>
+                <a:ea typeface="+mn-ea"/>
+                <a:cs typeface="+mn-cs"/>
+              </a:defRPr>
+            </a:lvl3pPr>
+            <a:lvl4pPr marL="1371600" algn="l" defTabSz="914400" rtl="0" eaLnBrk="1" latinLnBrk="0" hangingPunct="1">
+              <a:defRPr sz="1800" kern="1200">
+                <a:solidFill>
+                  <a:schemeClr val="tx1"/>
+                </a:solidFill>
+                <a:latin typeface="+mn-lt"/>
+                <a:ea typeface="+mn-ea"/>
+                <a:cs typeface="+mn-cs"/>
+              </a:defRPr>
+            </a:lvl4pPr>
+            <a:lvl5pPr marL="1828800" algn="l" defTabSz="914400" rtl="0" eaLnBrk="1" latinLnBrk="0" hangingPunct="1">
+              <a:defRPr sz="1800" kern="1200">
+                <a:solidFill>
+                  <a:schemeClr val="tx1"/>
+                </a:solidFill>
+                <a:latin typeface="+mn-lt"/>
+                <a:ea typeface="+mn-ea"/>
+                <a:cs typeface="+mn-cs"/>
+              </a:defRPr>
+            </a:lvl5pPr>
+            <a:lvl6pPr marL="2286000" algn="l" defTabSz="914400" rtl="0" eaLnBrk="1" latinLnBrk="0" hangingPunct="1">
+              <a:defRPr sz="1800" kern="1200">
+                <a:solidFill>
+                  <a:schemeClr val="tx1"/>
+                </a:solidFill>
+                <a:latin typeface="+mn-lt"/>
+                <a:ea typeface="+mn-ea"/>
+                <a:cs typeface="+mn-cs"/>
+              </a:defRPr>
+            </a:lvl6pPr>
+            <a:lvl7pPr marL="2743200" algn="l" defTabSz="914400" rtl="0" eaLnBrk="1" latinLnBrk="0" hangingPunct="1">
+              <a:defRPr sz="1800" kern="1200">
+                <a:solidFill>
+                  <a:schemeClr val="tx1"/>
+                </a:solidFill>
+                <a:latin typeface="+mn-lt"/>
+                <a:ea typeface="+mn-ea"/>
+                <a:cs typeface="+mn-cs"/>
+              </a:defRPr>
+            </a:lvl7pPr>
+            <a:lvl8pPr marL="3200400" algn="l" defTabSz="914400" rtl="0" eaLnBrk="1" latinLnBrk="0" hangingPunct="1">
+              <a:defRPr sz="1800" kern="1200">
+                <a:solidFill>
+                  <a:schemeClr val="tx1"/>
+                </a:solidFill>
+                <a:latin typeface="+mn-lt"/>
+                <a:ea typeface="+mn-ea"/>
+                <a:cs typeface="+mn-cs"/>
+              </a:defRPr>
+            </a:lvl8pPr>
+            <a:lvl9pPr marL="3657600" algn="l" defTabSz="914400" rtl="0" eaLnBrk="1" latinLnBrk="0" hangingPunct="1">
+              <a:defRPr sz="1800" kern="1200">
+                <a:solidFill>
+                  <a:schemeClr val="tx1"/>
+                </a:solidFill>
+                <a:latin typeface="+mn-lt"/>
+                <a:ea typeface="+mn-ea"/>
+                <a:cs typeface="+mn-cs"/>
+              </a:defRPr>
+            </a:lvl9pPr>
+          </a:lstStyle>
+          <a:p>
+            <a:pPr marL="0" marR="0" lvl="0" indent="0" algn="ctr" defTabSz="914400" rtl="0" eaLnBrk="1" fontAlgn="auto" latinLnBrk="0" hangingPunct="1">
+              <a:lnSpc>
+                <a:spcPct val="100000"/>
+              </a:lnSpc>
+              <a:spcBef>
+                <a:spcPts val="0"/>
+              </a:spcBef>
+              <a:spcAft>
+                <a:spcPts val="0"/>
+              </a:spcAft>
+              <a:buClrTx/>
+              <a:buSzTx/>
+              <a:buFontTx/>
+              <a:buNone/>
+              <a:tabLst/>
+              <a:defRPr/>
+            </a:pPr>
+            <a:r>
+              <a:rPr kumimoji="0" lang="en-IN" sz="1200" b="1" i="0" u="none" strike="noStrike" kern="1200" cap="none" spc="0" normalizeH="0" baseline="0" noProof="0" dirty="0">
+                <a:ln>
+                  <a:noFill/>
+                </a:ln>
+                <a:solidFill>
+                  <a:srgbClr val="002060"/>
+                </a:solidFill>
+                <a:effectLst/>
+                <a:uLnTx/>
+                <a:uFillTx/>
+                <a:latin typeface="Verdana" panose="020B0604030504040204" pitchFamily="34" charset="0"/>
+                <a:ea typeface="Verdana" panose="020B0604030504040204" pitchFamily="34" charset="0"/>
+                <a:cs typeface="+mn-cs"/>
+              </a:rPr>
+              <a:t>Dot Net Learners House</a:t>
+            </a:r>
+          </a:p>
+        </p:txBody>
+      </p:sp>
+      <p:pic>
+        <p:nvPicPr>
+          <p:cNvPr id="3" name="Picture 2" descr="A picture containing drawing&#10;&#10;Description automatically generated">
+            <a:extLst>
+              <a:ext uri="{FF2B5EF4-FFF2-40B4-BE49-F238E27FC236}">
+                <a16:creationId xmlns:a16="http://schemas.microsoft.com/office/drawing/2014/main" id="{36D46947-3455-49F6-81DC-66502143C41D}"/>
+              </a:ext>
+            </a:extLst>
+          </p:cNvPr>
+          <p:cNvPicPr>
+            <a:picLocks noChangeAspect="1"/>
+          </p:cNvPicPr>
+          <p:nvPr/>
+        </p:nvPicPr>
+        <p:blipFill>
+          <a:blip r:embed="rId2">
+            <a:extLst>
+              <a:ext uri="{28A0092B-C50C-407E-A947-70E740481C1C}">
+                <a14:useLocalDpi xmlns:a14="http://schemas.microsoft.com/office/drawing/2010/main" val="0"/>
+              </a:ext>
+            </a:extLst>
+          </a:blip>
+          <a:stretch>
+            <a:fillRect/>
+          </a:stretch>
+        </p:blipFill>
+        <p:spPr>
+          <a:xfrm>
+            <a:off x="757291" y="966358"/>
+            <a:ext cx="780290" cy="780290"/>
+          </a:xfrm>
+          <a:prstGeom prst="rect">
+            <a:avLst/>
+          </a:prstGeom>
+        </p:spPr>
+      </p:pic>
+      <p:pic>
+        <p:nvPicPr>
+          <p:cNvPr id="11" name="Graphic 10">
+            <a:extLst>
+              <a:ext uri="{FF2B5EF4-FFF2-40B4-BE49-F238E27FC236}">
+                <a16:creationId xmlns:a16="http://schemas.microsoft.com/office/drawing/2014/main" id="{68CC5020-AEBC-4D94-8930-1E6AA6C03504}"/>
+              </a:ext>
+            </a:extLst>
+          </p:cNvPr>
+          <p:cNvPicPr>
+            <a:picLocks noChangeAspect="1"/>
+          </p:cNvPicPr>
+          <p:nvPr/>
+        </p:nvPicPr>
+        <p:blipFill>
+          <a:blip r:embed="rId3">
+            <a:extLst>
+              <a:ext uri="{28A0092B-C50C-407E-A947-70E740481C1C}">
+                <a14:useLocalDpi xmlns:a14="http://schemas.microsoft.com/office/drawing/2010/main" val="0"/>
+              </a:ext>
+              <a:ext uri="{96DAC541-7B7A-43D3-8B79-37D633B846F1}">
+                <asvg:svgBlip xmlns:asvg="http://schemas.microsoft.com/office/drawing/2016/SVG/main" r:embed="rId4"/>
+              </a:ext>
+            </a:extLst>
+          </a:blip>
+          <a:stretch>
+            <a:fillRect/>
+          </a:stretch>
+        </p:blipFill>
+        <p:spPr>
+          <a:xfrm>
+            <a:off x="4686132" y="966358"/>
+            <a:ext cx="780290" cy="780290"/>
+          </a:xfrm>
+          <a:prstGeom prst="rect">
+            <a:avLst/>
+          </a:prstGeom>
+        </p:spPr>
+      </p:pic>
+      <p:pic>
+        <p:nvPicPr>
+          <p:cNvPr id="13" name="Graphic 12">
+            <a:extLst>
+              <a:ext uri="{FF2B5EF4-FFF2-40B4-BE49-F238E27FC236}">
+                <a16:creationId xmlns:a16="http://schemas.microsoft.com/office/drawing/2014/main" id="{FF18036A-9AA0-4AAF-A6CF-9B332A840FD8}"/>
+              </a:ext>
+            </a:extLst>
+          </p:cNvPr>
+          <p:cNvPicPr>
+            <a:picLocks noChangeAspect="1"/>
+          </p:cNvPicPr>
+          <p:nvPr/>
+        </p:nvPicPr>
+        <p:blipFill>
+          <a:blip r:embed="rId5">
+            <a:extLst>
+              <a:ext uri="{28A0092B-C50C-407E-A947-70E740481C1C}">
+                <a14:useLocalDpi xmlns:a14="http://schemas.microsoft.com/office/drawing/2010/main" val="0"/>
+              </a:ext>
+              <a:ext uri="{96DAC541-7B7A-43D3-8B79-37D633B846F1}">
+                <asvg:svgBlip xmlns:asvg="http://schemas.microsoft.com/office/drawing/2016/SVG/main" r:embed="rId6"/>
+              </a:ext>
+            </a:extLst>
+          </a:blip>
+          <a:stretch>
+            <a:fillRect/>
+          </a:stretch>
+        </p:blipFill>
+        <p:spPr>
+          <a:xfrm>
+            <a:off x="6605457" y="966358"/>
+            <a:ext cx="780290" cy="780290"/>
+          </a:xfrm>
+          <a:prstGeom prst="rect">
+            <a:avLst/>
+          </a:prstGeom>
+        </p:spPr>
+      </p:pic>
+      <p:pic>
+        <p:nvPicPr>
+          <p:cNvPr id="14" name="Graphic 13">
+            <a:extLst>
+              <a:ext uri="{FF2B5EF4-FFF2-40B4-BE49-F238E27FC236}">
+                <a16:creationId xmlns:a16="http://schemas.microsoft.com/office/drawing/2014/main" id="{28A56780-CD7C-41F9-83CC-0901E3A92440}"/>
+              </a:ext>
+            </a:extLst>
+          </p:cNvPr>
+          <p:cNvPicPr>
+            <a:picLocks noChangeAspect="1"/>
+          </p:cNvPicPr>
+          <p:nvPr/>
+        </p:nvPicPr>
+        <p:blipFill>
+          <a:blip r:embed="rId3">
+            <a:extLst>
+              <a:ext uri="{28A0092B-C50C-407E-A947-70E740481C1C}">
+                <a14:useLocalDpi xmlns:a14="http://schemas.microsoft.com/office/drawing/2010/main" val="0"/>
+              </a:ext>
+              <a:ext uri="{96DAC541-7B7A-43D3-8B79-37D633B846F1}">
+                <asvg:svgBlip xmlns:asvg="http://schemas.microsoft.com/office/drawing/2016/SVG/main" r:embed="rId4"/>
+              </a:ext>
+            </a:extLst>
+          </a:blip>
+          <a:stretch>
+            <a:fillRect/>
+          </a:stretch>
+        </p:blipFill>
+        <p:spPr>
+          <a:xfrm>
+            <a:off x="8478377" y="966358"/>
+            <a:ext cx="780290" cy="780290"/>
+          </a:xfrm>
+          <a:prstGeom prst="rect">
+            <a:avLst/>
+          </a:prstGeom>
+        </p:spPr>
+      </p:pic>
+      <p:grpSp>
+        <p:nvGrpSpPr>
+          <p:cNvPr id="33" name="Group 32">
+            <a:extLst>
+              <a:ext uri="{FF2B5EF4-FFF2-40B4-BE49-F238E27FC236}">
+                <a16:creationId xmlns:a16="http://schemas.microsoft.com/office/drawing/2014/main" id="{741F7567-791E-4A67-9274-1439E4CF2D54}"/>
+              </a:ext>
+            </a:extLst>
+          </p:cNvPr>
+          <p:cNvGrpSpPr/>
+          <p:nvPr/>
+        </p:nvGrpSpPr>
+        <p:grpSpPr>
+          <a:xfrm>
+            <a:off x="259953" y="2714890"/>
+            <a:ext cx="5608263" cy="3233356"/>
+            <a:chOff x="6101386" y="2796466"/>
+            <a:chExt cx="5608263" cy="3233356"/>
+          </a:xfrm>
+        </p:grpSpPr>
+        <p:sp>
+          <p:nvSpPr>
+            <p:cNvPr id="19" name="Thought Bubble: Cloud 18">
+              <a:extLst>
+                <a:ext uri="{FF2B5EF4-FFF2-40B4-BE49-F238E27FC236}">
+                  <a16:creationId xmlns:a16="http://schemas.microsoft.com/office/drawing/2014/main" id="{A7D35382-D69E-4203-B4A9-52A05A4FD8D7}"/>
+                </a:ext>
+              </a:extLst>
+            </p:cNvPr>
+            <p:cNvSpPr/>
+            <p:nvPr/>
+          </p:nvSpPr>
+          <p:spPr>
+            <a:xfrm>
+              <a:off x="6101386" y="2796466"/>
+              <a:ext cx="5608263" cy="3233356"/>
+            </a:xfrm>
+            <a:prstGeom prst="cloudCallout">
+              <a:avLst>
+                <a:gd name="adj1" fmla="val -10766"/>
+                <a:gd name="adj2" fmla="val 39295"/>
+              </a:avLst>
+            </a:prstGeom>
+            <a:solidFill>
+              <a:schemeClr val="bg1"/>
+            </a:solidFill>
+          </p:spPr>
+          <p:style>
+            <a:lnRef idx="2">
+              <a:schemeClr val="accent1">
+                <a:shade val="50000"/>
+              </a:schemeClr>
+            </a:lnRef>
+            <a:fillRef idx="1">
+              <a:schemeClr val="accent1"/>
+            </a:fillRef>
+            <a:effectRef idx="0">
+              <a:schemeClr val="accent1"/>
+            </a:effectRef>
+            <a:fontRef idx="minor">
+              <a:schemeClr val="lt1"/>
+            </a:fontRef>
+          </p:style>
+          <p:txBody>
+            <a:bodyPr rtlCol="0" anchor="ctr"/>
+            <a:lstStyle/>
+            <a:p>
+              <a:pPr marL="0" marR="0" lvl="0" indent="0" algn="ctr" defTabSz="914400" rtl="0" eaLnBrk="1" fontAlgn="auto" latinLnBrk="0" hangingPunct="1">
+                <a:lnSpc>
+                  <a:spcPct val="100000"/>
+                </a:lnSpc>
+                <a:spcBef>
+                  <a:spcPts val="0"/>
+                </a:spcBef>
+                <a:spcAft>
+                  <a:spcPts val="0"/>
+                </a:spcAft>
+                <a:buClrTx/>
+                <a:buSzTx/>
+                <a:buFontTx/>
+                <a:buNone/>
+                <a:tabLst/>
+                <a:defRPr/>
+              </a:pPr>
+              <a:endParaRPr kumimoji="0" lang="en-IN" sz="1800" b="0" i="0" u="none" strike="noStrike" kern="1200" cap="none" spc="0" normalizeH="0" baseline="0" noProof="0">
+                <a:ln>
+                  <a:noFill/>
+                </a:ln>
+                <a:solidFill>
+                  <a:prstClr val="white"/>
+                </a:solidFill>
+                <a:effectLst/>
+                <a:uLnTx/>
+                <a:uFillTx/>
+                <a:latin typeface="Calibri" panose="020F0502020204030204"/>
+                <a:ea typeface="+mn-ea"/>
+                <a:cs typeface="+mn-cs"/>
+              </a:endParaRPr>
+            </a:p>
+          </p:txBody>
+        </p:sp>
+        <p:grpSp>
+          <p:nvGrpSpPr>
+            <p:cNvPr id="29" name="Group 28">
+              <a:extLst>
+                <a:ext uri="{FF2B5EF4-FFF2-40B4-BE49-F238E27FC236}">
+                  <a16:creationId xmlns:a16="http://schemas.microsoft.com/office/drawing/2014/main" id="{FF592EF6-1E6D-47AE-A34C-AB5A774B30D8}"/>
+                </a:ext>
+              </a:extLst>
+            </p:cNvPr>
+            <p:cNvGrpSpPr/>
+            <p:nvPr/>
+          </p:nvGrpSpPr>
+          <p:grpSpPr>
+            <a:xfrm>
+              <a:off x="6972126" y="3249876"/>
+              <a:ext cx="3866781" cy="1892550"/>
+              <a:chOff x="5965146" y="3263136"/>
+              <a:chExt cx="3866781" cy="1892550"/>
+            </a:xfrm>
+          </p:grpSpPr>
+          <p:pic>
+            <p:nvPicPr>
+              <p:cNvPr id="20" name="Picture 19" descr="A picture containing drawing&#10;&#10;Description automatically generated">
+                <a:extLst>
+                  <a:ext uri="{FF2B5EF4-FFF2-40B4-BE49-F238E27FC236}">
+                    <a16:creationId xmlns:a16="http://schemas.microsoft.com/office/drawing/2014/main" id="{9966C00C-1E5C-4E39-9381-2359516062C6}"/>
+                  </a:ext>
+                </a:extLst>
+              </p:cNvPr>
+              <p:cNvPicPr>
+                <a:picLocks noChangeAspect="1"/>
+              </p:cNvPicPr>
+              <p:nvPr/>
+            </p:nvPicPr>
+            <p:blipFill>
+              <a:blip r:embed="rId7">
+                <a:extLst>
+                  <a:ext uri="{28A0092B-C50C-407E-A947-70E740481C1C}">
+                    <a14:useLocalDpi xmlns:a14="http://schemas.microsoft.com/office/drawing/2010/main" val="0"/>
+                  </a:ext>
+                </a:extLst>
+              </a:blip>
+              <a:stretch>
+                <a:fillRect/>
+              </a:stretch>
+            </p:blipFill>
+            <p:spPr>
+              <a:xfrm>
+                <a:off x="6313959" y="3444336"/>
+                <a:ext cx="780290" cy="780290"/>
+              </a:xfrm>
+              <a:prstGeom prst="rect">
+                <a:avLst/>
+              </a:prstGeom>
+            </p:spPr>
+          </p:pic>
+          <p:pic>
+            <p:nvPicPr>
+              <p:cNvPr id="22" name="Graphic 21">
+                <a:extLst>
+                  <a:ext uri="{FF2B5EF4-FFF2-40B4-BE49-F238E27FC236}">
+                    <a16:creationId xmlns:a16="http://schemas.microsoft.com/office/drawing/2014/main" id="{C723A7AA-CBAF-404F-AA2B-631CC56FB8CE}"/>
+                  </a:ext>
+                </a:extLst>
+              </p:cNvPr>
+              <p:cNvPicPr>
+                <a:picLocks noChangeAspect="1"/>
+              </p:cNvPicPr>
+              <p:nvPr/>
+            </p:nvPicPr>
+            <p:blipFill>
+              <a:blip r:embed="rId8">
+                <a:extLst>
+                  <a:ext uri="{28A0092B-C50C-407E-A947-70E740481C1C}">
+                    <a14:useLocalDpi xmlns:a14="http://schemas.microsoft.com/office/drawing/2010/main" val="0"/>
+                  </a:ext>
+                  <a:ext uri="{96DAC541-7B7A-43D3-8B79-37D633B846F1}">
+                    <asvg:svgBlip xmlns:asvg="http://schemas.microsoft.com/office/drawing/2016/SVG/main" r:embed="rId9"/>
+                  </a:ext>
+                </a:extLst>
+              </a:blip>
+              <a:stretch>
+                <a:fillRect/>
+              </a:stretch>
+            </p:blipFill>
+            <p:spPr>
+              <a:xfrm>
+                <a:off x="9355677" y="3263136"/>
+                <a:ext cx="476250" cy="476250"/>
+              </a:xfrm>
+              <a:prstGeom prst="rect">
+                <a:avLst/>
+              </a:prstGeom>
+            </p:spPr>
+          </p:pic>
+          <p:pic>
+            <p:nvPicPr>
+              <p:cNvPr id="24" name="Graphic 23">
+                <a:extLst>
+                  <a:ext uri="{FF2B5EF4-FFF2-40B4-BE49-F238E27FC236}">
+                    <a16:creationId xmlns:a16="http://schemas.microsoft.com/office/drawing/2014/main" id="{925071B5-D25D-44D1-8436-17A064FA82BA}"/>
+                  </a:ext>
+                </a:extLst>
+              </p:cNvPr>
+              <p:cNvPicPr>
+                <a:picLocks noChangeAspect="1"/>
+              </p:cNvPicPr>
+              <p:nvPr/>
+            </p:nvPicPr>
+            <p:blipFill>
+              <a:blip r:embed="rId10">
+                <a:extLst>
+                  <a:ext uri="{28A0092B-C50C-407E-A947-70E740481C1C}">
+                    <a14:useLocalDpi xmlns:a14="http://schemas.microsoft.com/office/drawing/2010/main" val="0"/>
+                  </a:ext>
+                  <a:ext uri="{96DAC541-7B7A-43D3-8B79-37D633B846F1}">
+                    <asvg:svgBlip xmlns:asvg="http://schemas.microsoft.com/office/drawing/2016/SVG/main" r:embed="rId11"/>
+                  </a:ext>
+                </a:extLst>
+              </a:blip>
+              <a:stretch>
+                <a:fillRect/>
+              </a:stretch>
+            </p:blipFill>
+            <p:spPr>
+              <a:xfrm>
+                <a:off x="8965152" y="4517937"/>
+                <a:ext cx="628650" cy="600075"/>
+              </a:xfrm>
+              <a:prstGeom prst="rect">
+                <a:avLst/>
+              </a:prstGeom>
+            </p:spPr>
+          </p:pic>
+          <p:pic>
+            <p:nvPicPr>
+              <p:cNvPr id="26" name="Graphic 25">
+                <a:extLst>
+                  <a:ext uri="{FF2B5EF4-FFF2-40B4-BE49-F238E27FC236}">
+                    <a16:creationId xmlns:a16="http://schemas.microsoft.com/office/drawing/2014/main" id="{02E07A17-A57F-4E63-8BA7-95B0DA3919A5}"/>
+                  </a:ext>
+                </a:extLst>
+              </p:cNvPr>
+              <p:cNvPicPr>
+                <a:picLocks noChangeAspect="1"/>
+              </p:cNvPicPr>
+              <p:nvPr/>
+            </p:nvPicPr>
+            <p:blipFill>
+              <a:blip r:embed="rId12">
+                <a:extLst>
+                  <a:ext uri="{28A0092B-C50C-407E-A947-70E740481C1C}">
+                    <a14:useLocalDpi xmlns:a14="http://schemas.microsoft.com/office/drawing/2010/main" val="0"/>
+                  </a:ext>
+                  <a:ext uri="{96DAC541-7B7A-43D3-8B79-37D633B846F1}">
+                    <asvg:svgBlip xmlns:asvg="http://schemas.microsoft.com/office/drawing/2016/SVG/main" r:embed="rId13"/>
+                  </a:ext>
+                </a:extLst>
+              </a:blip>
+              <a:stretch>
+                <a:fillRect/>
+              </a:stretch>
+            </p:blipFill>
+            <p:spPr>
+              <a:xfrm>
+                <a:off x="5965146" y="4679436"/>
+                <a:ext cx="476250" cy="476250"/>
+              </a:xfrm>
+              <a:prstGeom prst="rect">
+                <a:avLst/>
+              </a:prstGeom>
+            </p:spPr>
+          </p:pic>
+          <p:pic>
+            <p:nvPicPr>
+              <p:cNvPr id="28" name="Graphic 27">
+                <a:extLst>
+                  <a:ext uri="{FF2B5EF4-FFF2-40B4-BE49-F238E27FC236}">
+                    <a16:creationId xmlns:a16="http://schemas.microsoft.com/office/drawing/2014/main" id="{C7B8C726-E294-4A32-B7CC-0D388BEA8CE5}"/>
+                  </a:ext>
+                </a:extLst>
+              </p:cNvPr>
+              <p:cNvPicPr>
+                <a:picLocks noChangeAspect="1"/>
+              </p:cNvPicPr>
+              <p:nvPr/>
+            </p:nvPicPr>
+            <p:blipFill>
+              <a:blip r:embed="rId14">
+                <a:extLst>
+                  <a:ext uri="{28A0092B-C50C-407E-A947-70E740481C1C}">
+                    <a14:useLocalDpi xmlns:a14="http://schemas.microsoft.com/office/drawing/2010/main" val="0"/>
+                  </a:ext>
+                  <a:ext uri="{96DAC541-7B7A-43D3-8B79-37D633B846F1}">
+                    <asvg:svgBlip xmlns:asvg="http://schemas.microsoft.com/office/drawing/2016/SVG/main" r:embed="rId15"/>
+                  </a:ext>
+                </a:extLst>
+              </a:blip>
+              <a:stretch>
+                <a:fillRect/>
+              </a:stretch>
+            </p:blipFill>
+            <p:spPr>
+              <a:xfrm>
+                <a:off x="7858812" y="3986501"/>
+                <a:ext cx="476250" cy="476250"/>
+              </a:xfrm>
+              <a:prstGeom prst="rect">
+                <a:avLst/>
+              </a:prstGeom>
+            </p:spPr>
+          </p:pic>
+        </p:grpSp>
+      </p:grpSp>
+      <p:pic>
+        <p:nvPicPr>
+          <p:cNvPr id="30" name="Graphic 29">
+            <a:extLst>
+              <a:ext uri="{FF2B5EF4-FFF2-40B4-BE49-F238E27FC236}">
+                <a16:creationId xmlns:a16="http://schemas.microsoft.com/office/drawing/2014/main" id="{A297AF32-D8A2-4423-B36B-CE86473A2088}"/>
+              </a:ext>
+            </a:extLst>
+          </p:cNvPr>
+          <p:cNvPicPr>
+            <a:picLocks noChangeAspect="1"/>
+          </p:cNvPicPr>
+          <p:nvPr/>
+        </p:nvPicPr>
+        <p:blipFill>
+          <a:blip r:embed="rId3">
+            <a:extLst>
+              <a:ext uri="{28A0092B-C50C-407E-A947-70E740481C1C}">
+                <a14:useLocalDpi xmlns:a14="http://schemas.microsoft.com/office/drawing/2010/main" val="0"/>
+              </a:ext>
+              <a:ext uri="{96DAC541-7B7A-43D3-8B79-37D633B846F1}">
+                <asvg:svgBlip xmlns:asvg="http://schemas.microsoft.com/office/drawing/2016/SVG/main" r:embed="rId4"/>
+              </a:ext>
+            </a:extLst>
+          </a:blip>
+          <a:stretch>
+            <a:fillRect/>
+          </a:stretch>
+        </p:blipFill>
+        <p:spPr>
+          <a:xfrm>
+            <a:off x="10573510" y="3559685"/>
+            <a:ext cx="780290" cy="780290"/>
+          </a:xfrm>
+          <a:prstGeom prst="rect">
+            <a:avLst/>
+          </a:prstGeom>
+        </p:spPr>
+      </p:pic>
+      <p:pic>
+        <p:nvPicPr>
+          <p:cNvPr id="1026" name="Picture 2">
+            <a:extLst>
+              <a:ext uri="{FF2B5EF4-FFF2-40B4-BE49-F238E27FC236}">
+                <a16:creationId xmlns:a16="http://schemas.microsoft.com/office/drawing/2014/main" id="{84738135-B527-4325-8D62-F8B9B9D1984A}"/>
+              </a:ext>
+            </a:extLst>
+          </p:cNvPr>
+          <p:cNvPicPr>
+            <a:picLocks noChangeAspect="1" noChangeArrowheads="1"/>
+          </p:cNvPicPr>
+          <p:nvPr/>
+        </p:nvPicPr>
+        <p:blipFill>
+          <a:blip r:embed="rId16">
+            <a:extLst>
+              <a:ext uri="{28A0092B-C50C-407E-A947-70E740481C1C}">
+                <a14:useLocalDpi xmlns:a14="http://schemas.microsoft.com/office/drawing/2010/main" val="0"/>
+              </a:ext>
+            </a:extLst>
+          </a:blip>
+          <a:srcRect/>
+          <a:stretch>
+            <a:fillRect/>
+          </a:stretch>
+        </p:blipFill>
+        <p:spPr bwMode="auto">
+          <a:xfrm>
+            <a:off x="2623349" y="862903"/>
+            <a:ext cx="814057" cy="987144"/>
+          </a:xfrm>
+          <a:prstGeom prst="rect">
+            <a:avLst/>
+          </a:prstGeom>
+          <a:noFill/>
+          <a:extLst>
+            <a:ext uri="{909E8E84-426E-40DD-AFC4-6F175D3DCCD1}">
+              <a14:hiddenFill xmlns:a14="http://schemas.microsoft.com/office/drawing/2010/main">
+                <a:solidFill>
+                  <a:srgbClr val="FFFFFF"/>
+                </a:solidFill>
+              </a14:hiddenFill>
+            </a:ext>
+          </a:extLst>
+        </p:spPr>
+      </p:pic>
+      <p:pic>
+        <p:nvPicPr>
+          <p:cNvPr id="32" name="Graphic 31">
+            <a:extLst>
+              <a:ext uri="{FF2B5EF4-FFF2-40B4-BE49-F238E27FC236}">
+                <a16:creationId xmlns:a16="http://schemas.microsoft.com/office/drawing/2014/main" id="{AAF0FC8B-CA83-4A8E-A2F7-220F96B6E74A}"/>
+              </a:ext>
+            </a:extLst>
+          </p:cNvPr>
+          <p:cNvPicPr>
+            <a:picLocks noChangeAspect="1"/>
+          </p:cNvPicPr>
+          <p:nvPr/>
+        </p:nvPicPr>
+        <p:blipFill>
+          <a:blip r:embed="rId17">
+            <a:extLst>
+              <a:ext uri="{28A0092B-C50C-407E-A947-70E740481C1C}">
+                <a14:useLocalDpi xmlns:a14="http://schemas.microsoft.com/office/drawing/2010/main" val="0"/>
+              </a:ext>
+              <a:ext uri="{96DAC541-7B7A-43D3-8B79-37D633B846F1}">
+                <asvg:svgBlip xmlns:asvg="http://schemas.microsoft.com/office/drawing/2016/SVG/main" r:embed="rId18"/>
+              </a:ext>
+            </a:extLst>
+          </a:blip>
+          <a:stretch>
+            <a:fillRect/>
+          </a:stretch>
+        </p:blipFill>
+        <p:spPr>
+          <a:xfrm>
+            <a:off x="10573509" y="965778"/>
+            <a:ext cx="780095" cy="781393"/>
+          </a:xfrm>
+          <a:prstGeom prst="rect">
+            <a:avLst/>
+          </a:prstGeom>
+        </p:spPr>
+      </p:pic>
+      <p:pic>
+        <p:nvPicPr>
+          <p:cNvPr id="40" name="Picture 39" descr="A picture containing drawing, clock&#10;&#10;Description automatically generated">
+            <a:extLst>
+              <a:ext uri="{FF2B5EF4-FFF2-40B4-BE49-F238E27FC236}">
+                <a16:creationId xmlns:a16="http://schemas.microsoft.com/office/drawing/2014/main" id="{893951CC-E62C-48AE-B7E2-F096699C2CF3}"/>
+              </a:ext>
+            </a:extLst>
+          </p:cNvPr>
+          <p:cNvPicPr>
+            <a:picLocks noChangeAspect="1"/>
+          </p:cNvPicPr>
+          <p:nvPr/>
+        </p:nvPicPr>
+        <p:blipFill>
+          <a:blip r:embed="rId19">
+            <a:extLst>
+              <a:ext uri="{28A0092B-C50C-407E-A947-70E740481C1C}">
+                <a14:useLocalDpi xmlns:a14="http://schemas.microsoft.com/office/drawing/2010/main" val="0"/>
+              </a:ext>
+            </a:extLst>
+          </a:blip>
+          <a:stretch>
+            <a:fillRect/>
+          </a:stretch>
+        </p:blipFill>
+        <p:spPr>
+          <a:xfrm>
+            <a:off x="935616" y="506028"/>
+            <a:ext cx="390153" cy="390153"/>
+          </a:xfrm>
+          <a:prstGeom prst="rect">
+            <a:avLst/>
+          </a:prstGeom>
+        </p:spPr>
+      </p:pic>
+      <p:pic>
+        <p:nvPicPr>
+          <p:cNvPr id="42" name="Picture 41" descr="A picture containing clock&#10;&#10;Description automatically generated">
+            <a:extLst>
+              <a:ext uri="{FF2B5EF4-FFF2-40B4-BE49-F238E27FC236}">
+                <a16:creationId xmlns:a16="http://schemas.microsoft.com/office/drawing/2014/main" id="{79BA6822-C72A-4838-A922-66E4DB0E55AC}"/>
+              </a:ext>
+            </a:extLst>
+          </p:cNvPr>
+          <p:cNvPicPr>
+            <a:picLocks noChangeAspect="1"/>
+          </p:cNvPicPr>
+          <p:nvPr/>
+        </p:nvPicPr>
+        <p:blipFill>
+          <a:blip r:embed="rId20">
+            <a:extLst>
+              <a:ext uri="{28A0092B-C50C-407E-A947-70E740481C1C}">
+                <a14:useLocalDpi xmlns:a14="http://schemas.microsoft.com/office/drawing/2010/main" val="0"/>
+              </a:ext>
+            </a:extLst>
+          </a:blip>
+          <a:stretch>
+            <a:fillRect/>
+          </a:stretch>
+        </p:blipFill>
+        <p:spPr>
+          <a:xfrm>
+            <a:off x="2727199" y="507535"/>
+            <a:ext cx="390153" cy="390153"/>
+          </a:xfrm>
+          <a:prstGeom prst="rect">
+            <a:avLst/>
+          </a:prstGeom>
+        </p:spPr>
+      </p:pic>
+      <p:pic>
+        <p:nvPicPr>
+          <p:cNvPr id="44" name="Picture 43" descr="A close up of a logo&#10;&#10;Description automatically generated">
+            <a:extLst>
+              <a:ext uri="{FF2B5EF4-FFF2-40B4-BE49-F238E27FC236}">
+                <a16:creationId xmlns:a16="http://schemas.microsoft.com/office/drawing/2014/main" id="{9C7E8CA2-5F1E-4E2F-8888-3197EBCE7171}"/>
+              </a:ext>
+            </a:extLst>
+          </p:cNvPr>
+          <p:cNvPicPr>
+            <a:picLocks noChangeAspect="1"/>
+          </p:cNvPicPr>
+          <p:nvPr/>
+        </p:nvPicPr>
+        <p:blipFill>
+          <a:blip r:embed="rId21">
+            <a:extLst>
+              <a:ext uri="{28A0092B-C50C-407E-A947-70E740481C1C}">
+                <a14:useLocalDpi xmlns:a14="http://schemas.microsoft.com/office/drawing/2010/main" val="0"/>
+              </a:ext>
+            </a:extLst>
+          </a:blip>
+          <a:stretch>
+            <a:fillRect/>
+          </a:stretch>
+        </p:blipFill>
+        <p:spPr>
+          <a:xfrm>
+            <a:off x="4881200" y="506028"/>
+            <a:ext cx="390153" cy="390153"/>
+          </a:xfrm>
+          <a:prstGeom prst="rect">
+            <a:avLst/>
+          </a:prstGeom>
+        </p:spPr>
+      </p:pic>
+      <p:pic>
+        <p:nvPicPr>
+          <p:cNvPr id="46" name="Picture 45" descr="A picture containing object, drawing, clock&#10;&#10;Description automatically generated">
+            <a:extLst>
+              <a:ext uri="{FF2B5EF4-FFF2-40B4-BE49-F238E27FC236}">
+                <a16:creationId xmlns:a16="http://schemas.microsoft.com/office/drawing/2014/main" id="{4F6779B2-2CDD-466E-BE8D-3DC3B38B185F}"/>
+              </a:ext>
+            </a:extLst>
+          </p:cNvPr>
+          <p:cNvPicPr>
+            <a:picLocks noChangeAspect="1"/>
+          </p:cNvPicPr>
+          <p:nvPr/>
+        </p:nvPicPr>
+        <p:blipFill>
+          <a:blip r:embed="rId22">
+            <a:extLst>
+              <a:ext uri="{28A0092B-C50C-407E-A947-70E740481C1C}">
+                <a14:useLocalDpi xmlns:a14="http://schemas.microsoft.com/office/drawing/2010/main" val="0"/>
+              </a:ext>
+            </a:extLst>
+          </a:blip>
+          <a:stretch>
+            <a:fillRect/>
+          </a:stretch>
+        </p:blipFill>
+        <p:spPr>
+          <a:xfrm>
+            <a:off x="6802982" y="506028"/>
+            <a:ext cx="390153" cy="390153"/>
+          </a:xfrm>
+          <a:prstGeom prst="rect">
+            <a:avLst/>
+          </a:prstGeom>
+        </p:spPr>
+      </p:pic>
+      <p:pic>
+        <p:nvPicPr>
+          <p:cNvPr id="48" name="Picture 47" descr="A picture containing game&#10;&#10;Description automatically generated">
+            <a:extLst>
+              <a:ext uri="{FF2B5EF4-FFF2-40B4-BE49-F238E27FC236}">
+                <a16:creationId xmlns:a16="http://schemas.microsoft.com/office/drawing/2014/main" id="{FF03DBD6-CC50-4A97-BD33-82244A6C7E6F}"/>
+              </a:ext>
+            </a:extLst>
+          </p:cNvPr>
+          <p:cNvPicPr>
+            <a:picLocks noChangeAspect="1"/>
+          </p:cNvPicPr>
+          <p:nvPr/>
+        </p:nvPicPr>
+        <p:blipFill>
+          <a:blip r:embed="rId23">
+            <a:extLst>
+              <a:ext uri="{28A0092B-C50C-407E-A947-70E740481C1C}">
+                <a14:useLocalDpi xmlns:a14="http://schemas.microsoft.com/office/drawing/2010/main" val="0"/>
+              </a:ext>
+            </a:extLst>
+          </a:blip>
+          <a:stretch>
+            <a:fillRect/>
+          </a:stretch>
+        </p:blipFill>
+        <p:spPr>
+          <a:xfrm>
+            <a:off x="8650677" y="506352"/>
+            <a:ext cx="390153" cy="390153"/>
+          </a:xfrm>
+          <a:prstGeom prst="rect">
+            <a:avLst/>
+          </a:prstGeom>
+        </p:spPr>
+      </p:pic>
+      <p:pic>
+        <p:nvPicPr>
+          <p:cNvPr id="50" name="Picture 49" descr="A close up of a logo&#10;&#10;Description automatically generated">
+            <a:extLst>
+              <a:ext uri="{FF2B5EF4-FFF2-40B4-BE49-F238E27FC236}">
+                <a16:creationId xmlns:a16="http://schemas.microsoft.com/office/drawing/2014/main" id="{779F2AB2-CDEF-415F-AE8D-58D363E55E56}"/>
+              </a:ext>
+            </a:extLst>
+          </p:cNvPr>
+          <p:cNvPicPr>
+            <a:picLocks noChangeAspect="1"/>
+          </p:cNvPicPr>
+          <p:nvPr/>
+        </p:nvPicPr>
+        <p:blipFill>
+          <a:blip r:embed="rId24">
+            <a:extLst>
+              <a:ext uri="{28A0092B-C50C-407E-A947-70E740481C1C}">
+                <a14:useLocalDpi xmlns:a14="http://schemas.microsoft.com/office/drawing/2010/main" val="0"/>
+              </a:ext>
+            </a:extLst>
+          </a:blip>
+          <a:stretch>
+            <a:fillRect/>
+          </a:stretch>
+        </p:blipFill>
+        <p:spPr>
+          <a:xfrm>
+            <a:off x="10768479" y="506027"/>
+            <a:ext cx="390153" cy="390153"/>
+          </a:xfrm>
+          <a:prstGeom prst="rect">
+            <a:avLst/>
+          </a:prstGeom>
+        </p:spPr>
+      </p:pic>
+      <p:pic>
+        <p:nvPicPr>
+          <p:cNvPr id="54" name="Picture 53" descr="A picture containing drawing&#10;&#10;Description automatically generated">
+            <a:extLst>
+              <a:ext uri="{FF2B5EF4-FFF2-40B4-BE49-F238E27FC236}">
+                <a16:creationId xmlns:a16="http://schemas.microsoft.com/office/drawing/2014/main" id="{B5C6B40D-2E6C-4A97-B379-4D03C27B58D2}"/>
+              </a:ext>
+            </a:extLst>
+          </p:cNvPr>
+          <p:cNvPicPr>
+            <a:picLocks noChangeAspect="1"/>
+          </p:cNvPicPr>
+          <p:nvPr/>
+        </p:nvPicPr>
+        <p:blipFill>
+          <a:blip r:embed="rId25">
+            <a:extLst>
+              <a:ext uri="{28A0092B-C50C-407E-A947-70E740481C1C}">
+                <a14:useLocalDpi xmlns:a14="http://schemas.microsoft.com/office/drawing/2010/main" val="0"/>
+              </a:ext>
+            </a:extLst>
+          </a:blip>
+          <a:stretch>
+            <a:fillRect/>
+          </a:stretch>
+        </p:blipFill>
+        <p:spPr>
+          <a:xfrm>
+            <a:off x="10768478" y="3019041"/>
+            <a:ext cx="390153" cy="390153"/>
+          </a:xfrm>
+          <a:prstGeom prst="rect">
+            <a:avLst/>
+          </a:prstGeom>
+        </p:spPr>
+      </p:pic>
+      <p:pic>
+        <p:nvPicPr>
+          <p:cNvPr id="56" name="Picture 55" descr="A close up of a logo&#10;&#10;Description automatically generated">
+            <a:extLst>
+              <a:ext uri="{FF2B5EF4-FFF2-40B4-BE49-F238E27FC236}">
+                <a16:creationId xmlns:a16="http://schemas.microsoft.com/office/drawing/2014/main" id="{4B7097A5-180E-461B-B13C-0CC5B836DD40}"/>
+              </a:ext>
+            </a:extLst>
+          </p:cNvPr>
+          <p:cNvPicPr>
+            <a:picLocks noChangeAspect="1"/>
+          </p:cNvPicPr>
+          <p:nvPr/>
+        </p:nvPicPr>
+        <p:blipFill>
+          <a:blip r:embed="rId26">
+            <a:extLst>
+              <a:ext uri="{28A0092B-C50C-407E-A947-70E740481C1C}">
+                <a14:useLocalDpi xmlns:a14="http://schemas.microsoft.com/office/drawing/2010/main" val="0"/>
+              </a:ext>
+            </a:extLst>
+          </a:blip>
+          <a:stretch>
+            <a:fillRect/>
+          </a:stretch>
+        </p:blipFill>
+        <p:spPr>
+          <a:xfrm>
+            <a:off x="5933633" y="3023311"/>
+            <a:ext cx="390153" cy="390153"/>
+          </a:xfrm>
+          <a:prstGeom prst="rect">
+            <a:avLst/>
+          </a:prstGeom>
+        </p:spPr>
+      </p:pic>
+      <p:sp>
+        <p:nvSpPr>
+          <p:cNvPr id="57" name="TextBox 56">
+            <a:extLst>
+              <a:ext uri="{FF2B5EF4-FFF2-40B4-BE49-F238E27FC236}">
+                <a16:creationId xmlns:a16="http://schemas.microsoft.com/office/drawing/2014/main" id="{24801AF1-40F5-4B78-8B88-3B17F07F3996}"/>
+              </a:ext>
+            </a:extLst>
+          </p:cNvPr>
+          <p:cNvSpPr txBox="1"/>
+          <p:nvPr/>
+        </p:nvSpPr>
+        <p:spPr>
+          <a:xfrm>
+            <a:off x="648070" y="1926452"/>
+            <a:ext cx="1111202" cy="369332"/>
+          </a:xfrm>
+          <a:prstGeom prst="rect">
+            <a:avLst/>
+          </a:prstGeom>
+          <a:noFill/>
+        </p:spPr>
+        <p:txBody>
+          <a:bodyPr wrap="none" rtlCol="0">
+            <a:spAutoFit/>
+          </a:bodyPr>
+          <a:lstStyle/>
+          <a:p>
+            <a:pPr marL="0" marR="0" lvl="0" indent="0" algn="ctr" defTabSz="914400" rtl="0" eaLnBrk="1" fontAlgn="auto" latinLnBrk="0" hangingPunct="1">
+              <a:lnSpc>
+                <a:spcPct val="100000"/>
+              </a:lnSpc>
+              <a:spcBef>
+                <a:spcPts val="0"/>
+              </a:spcBef>
+              <a:spcAft>
+                <a:spcPts val="0"/>
+              </a:spcAft>
+              <a:buClrTx/>
+              <a:buSzTx/>
+              <a:buFontTx/>
+              <a:buNone/>
+              <a:tabLst/>
+              <a:defRPr/>
+            </a:pPr>
+            <a:r>
+              <a:rPr kumimoji="0" lang="en-IN" sz="900" b="0" i="0" u="none" strike="noStrike" kern="1200" cap="none" spc="0" normalizeH="0" baseline="0" noProof="0" dirty="0">
+                <a:ln>
+                  <a:noFill/>
+                </a:ln>
+                <a:solidFill>
+                  <a:srgbClr val="0070C0"/>
+                </a:solidFill>
+                <a:effectLst/>
+                <a:uLnTx/>
+                <a:uFillTx/>
+                <a:latin typeface="Verdana" panose="020B0604030504040204" pitchFamily="34" charset="0"/>
+                <a:ea typeface="Verdana" panose="020B0604030504040204" pitchFamily="34" charset="0"/>
+                <a:cs typeface="+mn-cs"/>
+              </a:rPr>
+              <a:t>Feature Branch </a:t>
+            </a:r>
+          </a:p>
+          <a:p>
+            <a:pPr marL="0" marR="0" lvl="0" indent="0" algn="ctr" defTabSz="914400" rtl="0" eaLnBrk="1" fontAlgn="auto" latinLnBrk="0" hangingPunct="1">
+              <a:lnSpc>
+                <a:spcPct val="100000"/>
+              </a:lnSpc>
+              <a:spcBef>
+                <a:spcPts val="0"/>
+              </a:spcBef>
+              <a:spcAft>
+                <a:spcPts val="0"/>
+              </a:spcAft>
+              <a:buClrTx/>
+              <a:buSzTx/>
+              <a:buFontTx/>
+              <a:buNone/>
+              <a:tabLst/>
+              <a:defRPr/>
+            </a:pPr>
+            <a:r>
+              <a:rPr kumimoji="0" lang="en-IN" sz="900" b="0" i="0" u="none" strike="noStrike" kern="1200" cap="none" spc="0" normalizeH="0" baseline="0" noProof="0" dirty="0">
+                <a:ln>
+                  <a:noFill/>
+                </a:ln>
+                <a:solidFill>
+                  <a:srgbClr val="0070C0"/>
+                </a:solidFill>
+                <a:effectLst/>
+                <a:uLnTx/>
+                <a:uFillTx/>
+                <a:latin typeface="Verdana" panose="020B0604030504040204" pitchFamily="34" charset="0"/>
+                <a:ea typeface="Verdana" panose="020B0604030504040204" pitchFamily="34" charset="0"/>
+                <a:cs typeface="+mn-cs"/>
+              </a:rPr>
+              <a:t>Code </a:t>
+            </a:r>
+          </a:p>
+        </p:txBody>
+      </p:sp>
+      <p:sp>
+        <p:nvSpPr>
+          <p:cNvPr id="59" name="TextBox 58">
+            <a:extLst>
+              <a:ext uri="{FF2B5EF4-FFF2-40B4-BE49-F238E27FC236}">
+                <a16:creationId xmlns:a16="http://schemas.microsoft.com/office/drawing/2014/main" id="{8C126E89-A1A7-4EB3-9DEC-44A16C851BD3}"/>
+              </a:ext>
+            </a:extLst>
+          </p:cNvPr>
+          <p:cNvSpPr txBox="1"/>
+          <p:nvPr/>
+        </p:nvSpPr>
+        <p:spPr>
+          <a:xfrm>
+            <a:off x="2601105" y="1927929"/>
+            <a:ext cx="901209" cy="230832"/>
+          </a:xfrm>
+          <a:prstGeom prst="rect">
+            <a:avLst/>
+          </a:prstGeom>
+          <a:noFill/>
+        </p:spPr>
+        <p:txBody>
+          <a:bodyPr wrap="none" rtlCol="0">
+            <a:spAutoFit/>
+          </a:bodyPr>
+          <a:lstStyle/>
+          <a:p>
+            <a:pPr marL="0" marR="0" lvl="0" indent="0" algn="ctr" defTabSz="914400" rtl="0" eaLnBrk="1" fontAlgn="auto" latinLnBrk="0" hangingPunct="1">
+              <a:lnSpc>
+                <a:spcPct val="100000"/>
+              </a:lnSpc>
+              <a:spcBef>
+                <a:spcPts val="0"/>
+              </a:spcBef>
+              <a:spcAft>
+                <a:spcPts val="0"/>
+              </a:spcAft>
+              <a:buClrTx/>
+              <a:buSzTx/>
+              <a:buFontTx/>
+              <a:buNone/>
+              <a:tabLst/>
+              <a:defRPr/>
+            </a:pPr>
+            <a:r>
+              <a:rPr kumimoji="0" lang="en-IN" sz="900" b="0" i="0" u="none" strike="noStrike" kern="1200" cap="none" spc="0" normalizeH="0" baseline="0" noProof="0" dirty="0">
+                <a:ln>
+                  <a:noFill/>
+                </a:ln>
+                <a:solidFill>
+                  <a:srgbClr val="0070C0"/>
+                </a:solidFill>
+                <a:effectLst/>
+                <a:uLnTx/>
+                <a:uFillTx/>
+                <a:latin typeface="Verdana" panose="020B0604030504040204" pitchFamily="34" charset="0"/>
+                <a:ea typeface="Verdana" panose="020B0604030504040204" pitchFamily="34" charset="0"/>
+                <a:cs typeface="+mn-cs"/>
+              </a:rPr>
+              <a:t>Pull Request</a:t>
+            </a:r>
+          </a:p>
+        </p:txBody>
+      </p:sp>
+      <p:sp>
+        <p:nvSpPr>
+          <p:cNvPr id="60" name="TextBox 59">
+            <a:extLst>
+              <a:ext uri="{FF2B5EF4-FFF2-40B4-BE49-F238E27FC236}">
+                <a16:creationId xmlns:a16="http://schemas.microsoft.com/office/drawing/2014/main" id="{DBCFAD7A-E88C-4A0F-A610-6CBE85188BB1}"/>
+              </a:ext>
+            </a:extLst>
+          </p:cNvPr>
+          <p:cNvSpPr txBox="1"/>
+          <p:nvPr/>
+        </p:nvSpPr>
+        <p:spPr>
+          <a:xfrm>
+            <a:off x="4602471" y="1927928"/>
+            <a:ext cx="857927" cy="230832"/>
+          </a:xfrm>
+          <a:prstGeom prst="rect">
+            <a:avLst/>
+          </a:prstGeom>
+          <a:noFill/>
+        </p:spPr>
+        <p:txBody>
+          <a:bodyPr wrap="none" rtlCol="0">
+            <a:spAutoFit/>
+          </a:bodyPr>
+          <a:lstStyle/>
+          <a:p>
+            <a:pPr marL="0" marR="0" lvl="0" indent="0" algn="ctr" defTabSz="914400" rtl="0" eaLnBrk="1" fontAlgn="auto" latinLnBrk="0" hangingPunct="1">
+              <a:lnSpc>
+                <a:spcPct val="100000"/>
+              </a:lnSpc>
+              <a:spcBef>
+                <a:spcPts val="0"/>
+              </a:spcBef>
+              <a:spcAft>
+                <a:spcPts val="0"/>
+              </a:spcAft>
+              <a:buClrTx/>
+              <a:buSzTx/>
+              <a:buFontTx/>
+              <a:buNone/>
+              <a:tabLst/>
+              <a:defRPr/>
+            </a:pPr>
+            <a:r>
+              <a:rPr kumimoji="0" lang="en-IN" sz="900" b="0" i="0" u="none" strike="noStrike" kern="1200" cap="none" spc="0" normalizeH="0" baseline="0" noProof="0" dirty="0">
+                <a:ln>
+                  <a:noFill/>
+                </a:ln>
+                <a:solidFill>
+                  <a:srgbClr val="0070C0"/>
+                </a:solidFill>
+                <a:effectLst/>
+                <a:uLnTx/>
+                <a:uFillTx/>
+                <a:latin typeface="Verdana" panose="020B0604030504040204" pitchFamily="34" charset="0"/>
+                <a:ea typeface="Verdana" panose="020B0604030504040204" pitchFamily="34" charset="0"/>
+                <a:cs typeface="+mn-cs"/>
+              </a:rPr>
+              <a:t>Gated Build</a:t>
+            </a:r>
+          </a:p>
+        </p:txBody>
+      </p:sp>
+      <p:sp>
+        <p:nvSpPr>
+          <p:cNvPr id="61" name="TextBox 60">
+            <a:extLst>
+              <a:ext uri="{FF2B5EF4-FFF2-40B4-BE49-F238E27FC236}">
+                <a16:creationId xmlns:a16="http://schemas.microsoft.com/office/drawing/2014/main" id="{82C61609-CC07-4FD7-9C30-D031271928D1}"/>
+              </a:ext>
+            </a:extLst>
+          </p:cNvPr>
+          <p:cNvSpPr txBox="1"/>
+          <p:nvPr/>
+        </p:nvSpPr>
+        <p:spPr>
+          <a:xfrm>
+            <a:off x="6518198" y="1927932"/>
+            <a:ext cx="1021433" cy="230832"/>
+          </a:xfrm>
+          <a:prstGeom prst="rect">
+            <a:avLst/>
+          </a:prstGeom>
+          <a:noFill/>
+        </p:spPr>
+        <p:txBody>
+          <a:bodyPr wrap="none" rtlCol="0">
+            <a:spAutoFit/>
+          </a:bodyPr>
+          <a:lstStyle/>
+          <a:p>
+            <a:pPr marL="0" marR="0" lvl="0" indent="0" algn="ctr" defTabSz="914400" rtl="0" eaLnBrk="1" fontAlgn="auto" latinLnBrk="0" hangingPunct="1">
+              <a:lnSpc>
+                <a:spcPct val="100000"/>
+              </a:lnSpc>
+              <a:spcBef>
+                <a:spcPts val="0"/>
+              </a:spcBef>
+              <a:spcAft>
+                <a:spcPts val="0"/>
+              </a:spcAft>
+              <a:buClrTx/>
+              <a:buSzTx/>
+              <a:buFontTx/>
+              <a:buNone/>
+              <a:tabLst/>
+              <a:defRPr/>
+            </a:pPr>
+            <a:r>
+              <a:rPr kumimoji="0" lang="en-IN" sz="900" b="0" i="0" u="none" strike="noStrike" kern="1200" cap="none" spc="0" normalizeH="0" baseline="0" noProof="0" dirty="0">
+                <a:ln>
+                  <a:noFill/>
+                </a:ln>
+                <a:solidFill>
+                  <a:srgbClr val="0070C0"/>
+                </a:solidFill>
+                <a:effectLst/>
+                <a:uLnTx/>
+                <a:uFillTx/>
+                <a:latin typeface="Verdana" panose="020B0604030504040204" pitchFamily="34" charset="0"/>
+                <a:ea typeface="Verdana" panose="020B0604030504040204" pitchFamily="34" charset="0"/>
+                <a:cs typeface="+mn-cs"/>
+              </a:rPr>
+              <a:t>Master Branch</a:t>
+            </a:r>
+          </a:p>
+        </p:txBody>
+      </p:sp>
+      <p:sp>
+        <p:nvSpPr>
+          <p:cNvPr id="62" name="TextBox 61">
+            <a:extLst>
+              <a:ext uri="{FF2B5EF4-FFF2-40B4-BE49-F238E27FC236}">
+                <a16:creationId xmlns:a16="http://schemas.microsoft.com/office/drawing/2014/main" id="{249C46EA-9E6D-44DB-8464-705398B77D4A}"/>
+              </a:ext>
+            </a:extLst>
+          </p:cNvPr>
+          <p:cNvSpPr txBox="1"/>
+          <p:nvPr/>
+        </p:nvSpPr>
+        <p:spPr>
+          <a:xfrm>
+            <a:off x="8474817" y="1927931"/>
+            <a:ext cx="641522" cy="230832"/>
+          </a:xfrm>
+          <a:prstGeom prst="rect">
+            <a:avLst/>
+          </a:prstGeom>
+          <a:noFill/>
+        </p:spPr>
+        <p:txBody>
+          <a:bodyPr wrap="none" rtlCol="0">
+            <a:spAutoFit/>
+          </a:bodyPr>
+          <a:lstStyle/>
+          <a:p>
+            <a:pPr marL="0" marR="0" lvl="0" indent="0" algn="ctr" defTabSz="914400" rtl="0" eaLnBrk="1" fontAlgn="auto" latinLnBrk="0" hangingPunct="1">
+              <a:lnSpc>
+                <a:spcPct val="100000"/>
+              </a:lnSpc>
+              <a:spcBef>
+                <a:spcPts val="0"/>
+              </a:spcBef>
+              <a:spcAft>
+                <a:spcPts val="0"/>
+              </a:spcAft>
+              <a:buClrTx/>
+              <a:buSzTx/>
+              <a:buFontTx/>
+              <a:buNone/>
+              <a:tabLst/>
+              <a:defRPr/>
+            </a:pPr>
+            <a:r>
+              <a:rPr kumimoji="0" lang="en-IN" sz="900" b="0" i="0" u="none" strike="noStrike" kern="1200" cap="none" spc="0" normalizeH="0" baseline="0" noProof="0" dirty="0">
+                <a:ln>
+                  <a:noFill/>
+                </a:ln>
+                <a:solidFill>
+                  <a:srgbClr val="0070C0"/>
+                </a:solidFill>
+                <a:effectLst/>
+                <a:uLnTx/>
+                <a:uFillTx/>
+                <a:latin typeface="Verdana" panose="020B0604030504040204" pitchFamily="34" charset="0"/>
+                <a:ea typeface="Verdana" panose="020B0604030504040204" pitchFamily="34" charset="0"/>
+                <a:cs typeface="+mn-cs"/>
+              </a:rPr>
+              <a:t>CI Build</a:t>
+            </a:r>
+          </a:p>
+        </p:txBody>
+      </p:sp>
+      <p:sp>
+        <p:nvSpPr>
+          <p:cNvPr id="63" name="TextBox 62">
+            <a:extLst>
+              <a:ext uri="{FF2B5EF4-FFF2-40B4-BE49-F238E27FC236}">
+                <a16:creationId xmlns:a16="http://schemas.microsoft.com/office/drawing/2014/main" id="{42143B6B-0DBF-411D-B5F8-55CC77C45241}"/>
+              </a:ext>
+            </a:extLst>
+          </p:cNvPr>
+          <p:cNvSpPr txBox="1"/>
+          <p:nvPr/>
+        </p:nvSpPr>
+        <p:spPr>
+          <a:xfrm>
+            <a:off x="10484864" y="1927928"/>
+            <a:ext cx="1007007" cy="230832"/>
+          </a:xfrm>
+          <a:prstGeom prst="rect">
+            <a:avLst/>
+          </a:prstGeom>
+          <a:noFill/>
+        </p:spPr>
+        <p:txBody>
+          <a:bodyPr wrap="none" rtlCol="0">
+            <a:spAutoFit/>
+          </a:bodyPr>
+          <a:lstStyle/>
+          <a:p>
+            <a:pPr marL="0" marR="0" lvl="0" indent="0" algn="ctr" defTabSz="914400" rtl="0" eaLnBrk="1" fontAlgn="auto" latinLnBrk="0" hangingPunct="1">
+              <a:lnSpc>
+                <a:spcPct val="100000"/>
+              </a:lnSpc>
+              <a:spcBef>
+                <a:spcPts val="0"/>
+              </a:spcBef>
+              <a:spcAft>
+                <a:spcPts val="0"/>
+              </a:spcAft>
+              <a:buClrTx/>
+              <a:buSzTx/>
+              <a:buFontTx/>
+              <a:buNone/>
+              <a:tabLst/>
+              <a:defRPr/>
+            </a:pPr>
+            <a:r>
+              <a:rPr kumimoji="0" lang="en-IN" sz="900" b="0" i="0" u="none" strike="noStrike" kern="1200" cap="none" spc="0" normalizeH="0" baseline="0" noProof="0" dirty="0">
+                <a:ln>
+                  <a:noFill/>
+                </a:ln>
+                <a:solidFill>
+                  <a:srgbClr val="0070C0"/>
+                </a:solidFill>
+                <a:effectLst/>
+                <a:uLnTx/>
+                <a:uFillTx/>
+                <a:latin typeface="Verdana" panose="020B0604030504040204" pitchFamily="34" charset="0"/>
+                <a:ea typeface="Verdana" panose="020B0604030504040204" pitchFamily="34" charset="0"/>
+                <a:cs typeface="+mn-cs"/>
+              </a:rPr>
+              <a:t>Artefacts drop</a:t>
+            </a:r>
+          </a:p>
+        </p:txBody>
+      </p:sp>
+      <p:sp>
+        <p:nvSpPr>
+          <p:cNvPr id="64" name="TextBox 63">
+            <a:extLst>
+              <a:ext uri="{FF2B5EF4-FFF2-40B4-BE49-F238E27FC236}">
+                <a16:creationId xmlns:a16="http://schemas.microsoft.com/office/drawing/2014/main" id="{1B214976-97E2-44AA-89EE-93858B032AF0}"/>
+              </a:ext>
+            </a:extLst>
+          </p:cNvPr>
+          <p:cNvSpPr txBox="1"/>
+          <p:nvPr/>
+        </p:nvSpPr>
+        <p:spPr>
+          <a:xfrm>
+            <a:off x="10673090" y="4406279"/>
+            <a:ext cx="633507" cy="230832"/>
+          </a:xfrm>
+          <a:prstGeom prst="rect">
+            <a:avLst/>
+          </a:prstGeom>
+          <a:noFill/>
+        </p:spPr>
+        <p:txBody>
+          <a:bodyPr wrap="none" rtlCol="0">
+            <a:spAutoFit/>
+          </a:bodyPr>
+          <a:lstStyle/>
+          <a:p>
+            <a:pPr marL="0" marR="0" lvl="0" indent="0" algn="ctr" defTabSz="914400" rtl="0" eaLnBrk="1" fontAlgn="auto" latinLnBrk="0" hangingPunct="1">
+              <a:lnSpc>
+                <a:spcPct val="100000"/>
+              </a:lnSpc>
+              <a:spcBef>
+                <a:spcPts val="0"/>
+              </a:spcBef>
+              <a:spcAft>
+                <a:spcPts val="0"/>
+              </a:spcAft>
+              <a:buClrTx/>
+              <a:buSzTx/>
+              <a:buFontTx/>
+              <a:buNone/>
+              <a:tabLst/>
+              <a:defRPr/>
+            </a:pPr>
+            <a:r>
+              <a:rPr kumimoji="0" lang="en-IN" sz="900" b="0" i="0" u="none" strike="noStrike" kern="1200" cap="none" spc="0" normalizeH="0" baseline="0" noProof="0" dirty="0">
+                <a:ln>
+                  <a:noFill/>
+                </a:ln>
+                <a:solidFill>
+                  <a:srgbClr val="0070C0"/>
+                </a:solidFill>
+                <a:effectLst/>
+                <a:uLnTx/>
+                <a:uFillTx/>
+                <a:latin typeface="Verdana" panose="020B0604030504040204" pitchFamily="34" charset="0"/>
+                <a:ea typeface="Verdana" panose="020B0604030504040204" pitchFamily="34" charset="0"/>
+                <a:cs typeface="+mn-cs"/>
+              </a:rPr>
+              <a:t>Release</a:t>
+            </a:r>
+          </a:p>
+        </p:txBody>
+      </p:sp>
+      <p:sp>
+        <p:nvSpPr>
+          <p:cNvPr id="65" name="TextBox 64">
+            <a:extLst>
+              <a:ext uri="{FF2B5EF4-FFF2-40B4-BE49-F238E27FC236}">
+                <a16:creationId xmlns:a16="http://schemas.microsoft.com/office/drawing/2014/main" id="{B13AA115-519F-4E7B-A289-6AF4CCC85A69}"/>
+              </a:ext>
+            </a:extLst>
+          </p:cNvPr>
+          <p:cNvSpPr txBox="1"/>
+          <p:nvPr/>
+        </p:nvSpPr>
+        <p:spPr>
+          <a:xfrm>
+            <a:off x="5804273" y="3438412"/>
+            <a:ext cx="1045479" cy="230832"/>
+          </a:xfrm>
+          <a:prstGeom prst="rect">
+            <a:avLst/>
+          </a:prstGeom>
+          <a:noFill/>
+        </p:spPr>
+        <p:txBody>
+          <a:bodyPr wrap="none" rtlCol="0">
+            <a:spAutoFit/>
+          </a:bodyPr>
+          <a:lstStyle/>
+          <a:p>
+            <a:pPr marL="0" marR="0" lvl="0" indent="0" algn="ctr" defTabSz="914400" rtl="0" eaLnBrk="1" fontAlgn="auto" latinLnBrk="0" hangingPunct="1">
+              <a:lnSpc>
+                <a:spcPct val="100000"/>
+              </a:lnSpc>
+              <a:spcBef>
+                <a:spcPts val="0"/>
+              </a:spcBef>
+              <a:spcAft>
+                <a:spcPts val="0"/>
+              </a:spcAft>
+              <a:buClrTx/>
+              <a:buSzTx/>
+              <a:buFontTx/>
+              <a:buNone/>
+              <a:tabLst/>
+              <a:defRPr/>
+            </a:pPr>
+            <a:r>
+              <a:rPr kumimoji="0" lang="en-IN" sz="900" b="0" i="0" u="none" strike="noStrike" kern="1200" cap="none" spc="0" normalizeH="0" baseline="0" noProof="0" dirty="0">
+                <a:ln>
+                  <a:noFill/>
+                </a:ln>
+                <a:solidFill>
+                  <a:srgbClr val="0070C0"/>
+                </a:solidFill>
+                <a:effectLst/>
+                <a:uLnTx/>
+                <a:uFillTx/>
+                <a:latin typeface="Verdana" panose="020B0604030504040204" pitchFamily="34" charset="0"/>
+                <a:ea typeface="Verdana" panose="020B0604030504040204" pitchFamily="34" charset="0"/>
+                <a:cs typeface="+mn-cs"/>
+              </a:rPr>
+              <a:t>Environment A</a:t>
+            </a:r>
+          </a:p>
+        </p:txBody>
+      </p:sp>
+    </p:spTree>
+    <p:extLst>
+      <p:ext uri="{BB962C8B-B14F-4D97-AF65-F5344CB8AC3E}">
+        <p14:creationId xmlns:p14="http://schemas.microsoft.com/office/powerpoint/2010/main" val="2001996074"/>
+      </p:ext>
+    </p:extLst>
+  </p:cSld>
+  <p:clrMapOvr>
+    <a:masterClrMapping/>
+  </p:clrMapOvr>
+</p:sld>
+</file>
+
+<file path=ppt/slides/slide11.xml><?xml version="1.0" encoding="utf-8"?>
+<p:sld xmlns:a="http://schemas.openxmlformats.org/drawingml/2006/main" xmlns:r="http://schemas.openxmlformats.org/officeDocument/2006/relationships" xmlns:p="http://schemas.openxmlformats.org/presentationml/2006/main">
+  <p:cSld>
     <p:bg>
       <p:bgPr>
         <a:solidFill>
@@ -6333,7 +8291,7 @@
 </p:sld>
 </file>
 
-<file path=ppt/slides/slide11.xml><?xml version="1.0" encoding="utf-8"?>
+<file path=ppt/slides/slide12.xml><?xml version="1.0" encoding="utf-8"?>
 <p:sld xmlns:a="http://schemas.openxmlformats.org/drawingml/2006/main" xmlns:r="http://schemas.openxmlformats.org/officeDocument/2006/relationships" xmlns:p="http://schemas.openxmlformats.org/presentationml/2006/main">
   <p:cSld>
     <p:bg>
@@ -6561,7 +8519,7 @@
 </p:sld>
 </file>
 
-<file path=ppt/slides/slide12.xml><?xml version="1.0" encoding="utf-8"?>
+<file path=ppt/slides/slide13.xml><?xml version="1.0" encoding="utf-8"?>
 <p:sld xmlns:a="http://schemas.openxmlformats.org/drawingml/2006/main" xmlns:r="http://schemas.openxmlformats.org/officeDocument/2006/relationships" xmlns:p="http://schemas.openxmlformats.org/presentationml/2006/main">
   <p:cSld>
     <p:bg>
@@ -6944,7 +8902,7 @@
 </p:sld>
 </file>
 
-<file path=ppt/slides/slide13.xml><?xml version="1.0" encoding="utf-8"?>
+<file path=ppt/slides/slide14.xml><?xml version="1.0" encoding="utf-8"?>
 <p:sld xmlns:a="http://schemas.openxmlformats.org/drawingml/2006/main" xmlns:r="http://schemas.openxmlformats.org/officeDocument/2006/relationships" xmlns:p="http://schemas.openxmlformats.org/presentationml/2006/main">
   <p:cSld>
     <p:spTree>
@@ -11818,7 +13776,7 @@
 </p:sld>
 </file>
 
-<file path=ppt/slides/slide14.xml><?xml version="1.0" encoding="utf-8"?>
+<file path=ppt/slides/slide15.xml><?xml version="1.0" encoding="utf-8"?>
 <p:sld xmlns:a="http://schemas.openxmlformats.org/drawingml/2006/main" xmlns:r="http://schemas.openxmlformats.org/officeDocument/2006/relationships" xmlns:p="http://schemas.openxmlformats.org/presentationml/2006/main">
   <p:cSld>
     <p:spTree>
@@ -18185,7 +20143,7 @@
 </p:sld>
 </file>
 
-<file path=ppt/slides/slide15.xml><?xml version="1.0" encoding="utf-8"?>
+<file path=ppt/slides/slide16.xml><?xml version="1.0" encoding="utf-8"?>
 <p:sld xmlns:a="http://schemas.openxmlformats.org/drawingml/2006/main" xmlns:r="http://schemas.openxmlformats.org/officeDocument/2006/relationships" xmlns:p="http://schemas.openxmlformats.org/presentationml/2006/main">
   <p:cSld>
     <p:spTree>
@@ -23938,7 +25896,7 @@
 </p:sld>
 </file>
 
-<file path=ppt/slides/slide16.xml><?xml version="1.0" encoding="utf-8"?>
+<file path=ppt/slides/slide17.xml><?xml version="1.0" encoding="utf-8"?>
 <p:sld xmlns:a="http://schemas.openxmlformats.org/drawingml/2006/main" xmlns:r="http://schemas.openxmlformats.org/officeDocument/2006/relationships" xmlns:p="http://schemas.openxmlformats.org/presentationml/2006/main">
   <p:cSld>
     <p:spTree>
@@ -24357,7 +26315,7 @@
 </p:sld>
 </file>
 
-<file path=ppt/slides/slide17.xml><?xml version="1.0" encoding="utf-8"?>
+<file path=ppt/slides/slide18.xml><?xml version="1.0" encoding="utf-8"?>
 <p:sld xmlns:a="http://schemas.openxmlformats.org/drawingml/2006/main" xmlns:r="http://schemas.openxmlformats.org/officeDocument/2006/relationships" xmlns:p="http://schemas.openxmlformats.org/presentationml/2006/main">
   <p:cSld>
     <p:spTree>
@@ -27866,6 +29824,234 @@
 </file>
 
 <file path=ppt/slides/slide3.xml><?xml version="1.0" encoding="utf-8"?>
+<p:sld xmlns:a="http://schemas.openxmlformats.org/drawingml/2006/main" xmlns:r="http://schemas.openxmlformats.org/officeDocument/2006/relationships" xmlns:p="http://schemas.openxmlformats.org/presentationml/2006/main">
+  <p:cSld>
+    <p:bg>
+      <p:bgPr>
+        <a:solidFill>
+          <a:schemeClr val="bg1"/>
+        </a:solidFill>
+        <a:effectLst/>
+      </p:bgPr>
+    </p:bg>
+    <p:spTree>
+      <p:nvGrpSpPr>
+        <p:cNvPr id="1" name=""/>
+        <p:cNvGrpSpPr/>
+        <p:nvPr/>
+      </p:nvGrpSpPr>
+      <p:grpSpPr>
+        <a:xfrm>
+          <a:off x="0" y="0"/>
+          <a:ext cx="0" cy="0"/>
+          <a:chOff x="0" y="0"/>
+          <a:chExt cx="0" cy="0"/>
+        </a:xfrm>
+      </p:grpSpPr>
+      <p:sp>
+        <p:nvSpPr>
+          <p:cNvPr id="15" name="Rectangle 14">
+            <a:extLst>
+              <a:ext uri="{FF2B5EF4-FFF2-40B4-BE49-F238E27FC236}">
+                <a16:creationId xmlns:a16="http://schemas.microsoft.com/office/drawing/2014/main" id="{42A4FC2C-047E-45A5-965D-8E1E3BF09BC6}"/>
+              </a:ext>
+              <a:ext uri="{C183D7F6-B498-43B3-948B-1728B52AA6E4}">
+                <adec:decorative xmlns:adec="http://schemas.microsoft.com/office/drawing/2017/decorative" val="1"/>
+              </a:ext>
+            </a:extLst>
+          </p:cNvPr>
+          <p:cNvSpPr>
+            <a:spLocks noGrp="1" noRot="1" noChangeAspect="1" noMove="1" noResize="1" noEditPoints="1" noAdjustHandles="1" noChangeArrowheads="1" noChangeShapeType="1" noTextEdit="1"/>
+          </p:cNvSpPr>
+          <p:nvPr>
+            <p:extLst>
+              <p:ext uri="{386F3935-93C4-4BCD-93E2-E3B085C9AB24}">
+                <p16:designElem xmlns:p16="http://schemas.microsoft.com/office/powerpoint/2015/main" val="1"/>
+              </p:ext>
+            </p:extLst>
+          </p:nvPr>
+        </p:nvSpPr>
+        <p:spPr bwMode="white">
+          <a:xfrm>
+            <a:off x="1524" y="0"/>
+            <a:ext cx="12188952" cy="6858000"/>
+          </a:xfrm>
+          <a:prstGeom prst="rect">
+            <a:avLst/>
+          </a:prstGeom>
+          <a:noFill/>
+          <a:ln>
+            <a:noFill/>
+          </a:ln>
+        </p:spPr>
+        <p:style>
+          <a:lnRef idx="2">
+            <a:schemeClr val="accent1">
+              <a:shade val="50000"/>
+            </a:schemeClr>
+          </a:lnRef>
+          <a:fillRef idx="1">
+            <a:schemeClr val="accent1"/>
+          </a:fillRef>
+          <a:effectRef idx="0">
+            <a:schemeClr val="accent1"/>
+          </a:effectRef>
+          <a:fontRef idx="minor">
+            <a:schemeClr val="lt1"/>
+          </a:fontRef>
+        </p:style>
+        <p:txBody>
+          <a:bodyPr rtlCol="0" anchor="ctr"/>
+          <a:lstStyle>
+            <a:defPPr>
+              <a:defRPr lang="en-US"/>
+            </a:defPPr>
+            <a:lvl1pPr marL="0" algn="l" defTabSz="914400" rtl="0" eaLnBrk="1" latinLnBrk="0" hangingPunct="1">
+              <a:defRPr sz="1800" kern="1200">
+                <a:solidFill>
+                  <a:schemeClr val="lt1"/>
+                </a:solidFill>
+                <a:latin typeface="+mn-lt"/>
+                <a:ea typeface="+mn-ea"/>
+                <a:cs typeface="+mn-cs"/>
+              </a:defRPr>
+            </a:lvl1pPr>
+            <a:lvl2pPr marL="457200" algn="l" defTabSz="914400" rtl="0" eaLnBrk="1" latinLnBrk="0" hangingPunct="1">
+              <a:defRPr sz="1800" kern="1200">
+                <a:solidFill>
+                  <a:schemeClr val="lt1"/>
+                </a:solidFill>
+                <a:latin typeface="+mn-lt"/>
+                <a:ea typeface="+mn-ea"/>
+                <a:cs typeface="+mn-cs"/>
+              </a:defRPr>
+            </a:lvl2pPr>
+            <a:lvl3pPr marL="914400" algn="l" defTabSz="914400" rtl="0" eaLnBrk="1" latinLnBrk="0" hangingPunct="1">
+              <a:defRPr sz="1800" kern="1200">
+                <a:solidFill>
+                  <a:schemeClr val="lt1"/>
+                </a:solidFill>
+                <a:latin typeface="+mn-lt"/>
+                <a:ea typeface="+mn-ea"/>
+                <a:cs typeface="+mn-cs"/>
+              </a:defRPr>
+            </a:lvl3pPr>
+            <a:lvl4pPr marL="1371600" algn="l" defTabSz="914400" rtl="0" eaLnBrk="1" latinLnBrk="0" hangingPunct="1">
+              <a:defRPr sz="1800" kern="1200">
+                <a:solidFill>
+                  <a:schemeClr val="lt1"/>
+                </a:solidFill>
+                <a:latin typeface="+mn-lt"/>
+                <a:ea typeface="+mn-ea"/>
+                <a:cs typeface="+mn-cs"/>
+              </a:defRPr>
+            </a:lvl4pPr>
+            <a:lvl5pPr marL="1828800" algn="l" defTabSz="914400" rtl="0" eaLnBrk="1" latinLnBrk="0" hangingPunct="1">
+              <a:defRPr sz="1800" kern="1200">
+                <a:solidFill>
+                  <a:schemeClr val="lt1"/>
+                </a:solidFill>
+                <a:latin typeface="+mn-lt"/>
+                <a:ea typeface="+mn-ea"/>
+                <a:cs typeface="+mn-cs"/>
+              </a:defRPr>
+            </a:lvl5pPr>
+            <a:lvl6pPr marL="2286000" algn="l" defTabSz="914400" rtl="0" eaLnBrk="1" latinLnBrk="0" hangingPunct="1">
+              <a:defRPr sz="1800" kern="1200">
+                <a:solidFill>
+                  <a:schemeClr val="lt1"/>
+                </a:solidFill>
+                <a:latin typeface="+mn-lt"/>
+                <a:ea typeface="+mn-ea"/>
+                <a:cs typeface="+mn-cs"/>
+              </a:defRPr>
+            </a:lvl6pPr>
+            <a:lvl7pPr marL="2743200" algn="l" defTabSz="914400" rtl="0" eaLnBrk="1" latinLnBrk="0" hangingPunct="1">
+              <a:defRPr sz="1800" kern="1200">
+                <a:solidFill>
+                  <a:schemeClr val="lt1"/>
+                </a:solidFill>
+                <a:latin typeface="+mn-lt"/>
+                <a:ea typeface="+mn-ea"/>
+                <a:cs typeface="+mn-cs"/>
+              </a:defRPr>
+            </a:lvl7pPr>
+            <a:lvl8pPr marL="3200400" algn="l" defTabSz="914400" rtl="0" eaLnBrk="1" latinLnBrk="0" hangingPunct="1">
+              <a:defRPr sz="1800" kern="1200">
+                <a:solidFill>
+                  <a:schemeClr val="lt1"/>
+                </a:solidFill>
+                <a:latin typeface="+mn-lt"/>
+                <a:ea typeface="+mn-ea"/>
+                <a:cs typeface="+mn-cs"/>
+              </a:defRPr>
+            </a:lvl8pPr>
+            <a:lvl9pPr marL="3657600" algn="l" defTabSz="914400" rtl="0" eaLnBrk="1" latinLnBrk="0" hangingPunct="1">
+              <a:defRPr sz="1800" kern="1200">
+                <a:solidFill>
+                  <a:schemeClr val="lt1"/>
+                </a:solidFill>
+                <a:latin typeface="+mn-lt"/>
+                <a:ea typeface="+mn-ea"/>
+                <a:cs typeface="+mn-cs"/>
+              </a:defRPr>
+            </a:lvl9pPr>
+          </a:lstStyle>
+          <a:p>
+            <a:pPr algn="ctr"/>
+            <a:endParaRPr lang="en-US"/>
+          </a:p>
+        </p:txBody>
+      </p:sp>
+      <p:pic>
+        <p:nvPicPr>
+          <p:cNvPr id="7" name="Picture 6" descr="Graphical user interface, text, application&#10;&#10;Description automatically generated">
+            <a:extLst>
+              <a:ext uri="{FF2B5EF4-FFF2-40B4-BE49-F238E27FC236}">
+                <a16:creationId xmlns:a16="http://schemas.microsoft.com/office/drawing/2014/main" id="{DE1D1F96-83F2-0B51-8FB8-308AB927CA0A}"/>
+              </a:ext>
+            </a:extLst>
+          </p:cNvPr>
+          <p:cNvPicPr>
+            <a:picLocks noChangeAspect="1"/>
+          </p:cNvPicPr>
+          <p:nvPr/>
+        </p:nvPicPr>
+        <p:blipFill rotWithShape="1">
+          <a:blip r:embed="rId2">
+            <a:extLst>
+              <a:ext uri="{28A0092B-C50C-407E-A947-70E740481C1C}">
+                <a14:useLocalDpi xmlns:a14="http://schemas.microsoft.com/office/drawing/2010/main" val="0"/>
+              </a:ext>
+            </a:extLst>
+          </a:blip>
+          <a:srcRect t="11166" b="15558"/>
+          <a:stretch/>
+        </p:blipFill>
+        <p:spPr>
+          <a:xfrm>
+            <a:off x="20" y="1282"/>
+            <a:ext cx="12191980" cy="6856718"/>
+          </a:xfrm>
+          <a:prstGeom prst="rect">
+            <a:avLst/>
+          </a:prstGeom>
+        </p:spPr>
+      </p:pic>
+    </p:spTree>
+    <p:extLst>
+      <p:ext uri="{BB962C8B-B14F-4D97-AF65-F5344CB8AC3E}">
+        <p14:creationId xmlns:p14="http://schemas.microsoft.com/office/powerpoint/2010/main" val="3031114970"/>
+      </p:ext>
+    </p:extLst>
+  </p:cSld>
+  <p:clrMapOvr>
+    <a:masterClrMapping/>
+  </p:clrMapOvr>
+</p:sld>
+</file>
+
+<file path=ppt/slides/slide4.xml><?xml version="1.0" encoding="utf-8"?>
 <p:sld xmlns:a="http://schemas.openxmlformats.org/drawingml/2006/main" xmlns:r="http://schemas.openxmlformats.org/officeDocument/2006/relationships" xmlns:p="http://schemas.openxmlformats.org/presentationml/2006/main">
   <p:cSld>
     <p:spTree>
@@ -34232,7 +36418,7 @@
 </p:sld>
 </file>
 
-<file path=ppt/slides/slide4.xml><?xml version="1.0" encoding="utf-8"?>
+<file path=ppt/slides/slide5.xml><?xml version="1.0" encoding="utf-8"?>
 <p:sld xmlns:a="http://schemas.openxmlformats.org/drawingml/2006/main" xmlns:r="http://schemas.openxmlformats.org/officeDocument/2006/relationships" xmlns:p="http://schemas.openxmlformats.org/presentationml/2006/main">
   <p:cSld>
     <p:spTree>
@@ -34655,7 +36841,7 @@
 </p:sld>
 </file>
 
-<file path=ppt/slides/slide5.xml><?xml version="1.0" encoding="utf-8"?>
+<file path=ppt/slides/slide6.xml><?xml version="1.0" encoding="utf-8"?>
 <p:sld xmlns:a="http://schemas.openxmlformats.org/drawingml/2006/main" xmlns:r="http://schemas.openxmlformats.org/officeDocument/2006/relationships" xmlns:p="http://schemas.openxmlformats.org/presentationml/2006/main">
   <p:cSld>
     <p:spTree>
@@ -35460,7 +37646,7 @@
 </p:sld>
 </file>
 
-<file path=ppt/slides/slide6.xml><?xml version="1.0" encoding="utf-8"?>
+<file path=ppt/slides/slide7.xml><?xml version="1.0" encoding="utf-8"?>
 <p:sld xmlns:a="http://schemas.openxmlformats.org/drawingml/2006/main" xmlns:r="http://schemas.openxmlformats.org/officeDocument/2006/relationships" xmlns:p="http://schemas.openxmlformats.org/presentationml/2006/main">
   <p:cSld>
     <p:bg>
@@ -35688,7 +37874,7 @@
 </p:sld>
 </file>
 
-<file path=ppt/slides/slide7.xml><?xml version="1.0" encoding="utf-8"?>
+<file path=ppt/slides/slide8.xml><?xml version="1.0" encoding="utf-8"?>
 <p:sld xmlns:a="http://schemas.openxmlformats.org/drawingml/2006/main" xmlns:r="http://schemas.openxmlformats.org/officeDocument/2006/relationships" xmlns:p="http://schemas.openxmlformats.org/presentationml/2006/main">
   <p:cSld>
     <p:spTree>
@@ -35800,7 +37986,7 @@
 </p:sld>
 </file>
 
-<file path=ppt/slides/slide8.xml><?xml version="1.0" encoding="utf-8"?>
+<file path=ppt/slides/slide9.xml><?xml version="1.0" encoding="utf-8"?>
 <p:sld xmlns:a="http://schemas.openxmlformats.org/drawingml/2006/main" xmlns:r="http://schemas.openxmlformats.org/officeDocument/2006/relationships" xmlns:p="http://schemas.openxmlformats.org/presentationml/2006/main">
   <p:cSld>
     <p:spTree>
@@ -35903,1963 +38089,6 @@
     <p:extLst>
       <p:ext uri="{BB962C8B-B14F-4D97-AF65-F5344CB8AC3E}">
         <p14:creationId xmlns:p14="http://schemas.microsoft.com/office/powerpoint/2010/main" val="4262798318"/>
-      </p:ext>
-    </p:extLst>
-  </p:cSld>
-  <p:clrMapOvr>
-    <a:masterClrMapping/>
-  </p:clrMapOvr>
-</p:sld>
-</file>
-
-<file path=ppt/slides/slide9.xml><?xml version="1.0" encoding="utf-8"?>
-<p:sld xmlns:a="http://schemas.openxmlformats.org/drawingml/2006/main" xmlns:r="http://schemas.openxmlformats.org/officeDocument/2006/relationships" xmlns:p="http://schemas.openxmlformats.org/presentationml/2006/main">
-  <p:cSld>
-    <p:spTree>
-      <p:nvGrpSpPr>
-        <p:cNvPr id="1" name=""/>
-        <p:cNvGrpSpPr/>
-        <p:nvPr/>
-      </p:nvGrpSpPr>
-      <p:grpSpPr>
-        <a:xfrm>
-          <a:off x="0" y="0"/>
-          <a:ext cx="0" cy="0"/>
-          <a:chOff x="0" y="0"/>
-          <a:chExt cx="0" cy="0"/>
-        </a:xfrm>
-      </p:grpSpPr>
-      <p:sp>
-        <p:nvSpPr>
-          <p:cNvPr id="4" name="Rectangle 3">
-            <a:extLst>
-              <a:ext uri="{FF2B5EF4-FFF2-40B4-BE49-F238E27FC236}">
-                <a16:creationId xmlns:a16="http://schemas.microsoft.com/office/drawing/2014/main" id="{055C22F7-3FD1-4C1B-8D0C-0C2F7FB61DBE}"/>
-              </a:ext>
-            </a:extLst>
-          </p:cNvPr>
-          <p:cNvSpPr/>
-          <p:nvPr/>
-        </p:nvSpPr>
-        <p:spPr>
-          <a:xfrm>
-            <a:off x="0" y="8878"/>
-            <a:ext cx="12183122" cy="497150"/>
-          </a:xfrm>
-          <a:prstGeom prst="rect">
-            <a:avLst/>
-          </a:prstGeom>
-          <a:solidFill>
-            <a:srgbClr val="0070C0"/>
-          </a:solidFill>
-        </p:spPr>
-        <p:style>
-          <a:lnRef idx="2">
-            <a:schemeClr val="accent1">
-              <a:shade val="50000"/>
-            </a:schemeClr>
-          </a:lnRef>
-          <a:fillRef idx="1">
-            <a:schemeClr val="accent1"/>
-          </a:fillRef>
-          <a:effectRef idx="0">
-            <a:schemeClr val="accent1"/>
-          </a:effectRef>
-          <a:fontRef idx="minor">
-            <a:schemeClr val="lt1"/>
-          </a:fontRef>
-        </p:style>
-        <p:txBody>
-          <a:bodyPr rtlCol="0" anchor="ctr"/>
-          <a:lstStyle/>
-          <a:p>
-            <a:pPr marL="0" marR="0" lvl="0" indent="0" algn="ctr" defTabSz="914400" rtl="0" eaLnBrk="1" fontAlgn="auto" latinLnBrk="0" hangingPunct="1">
-              <a:lnSpc>
-                <a:spcPct val="100000"/>
-              </a:lnSpc>
-              <a:spcBef>
-                <a:spcPts val="0"/>
-              </a:spcBef>
-              <a:spcAft>
-                <a:spcPts val="0"/>
-              </a:spcAft>
-              <a:buClrTx/>
-              <a:buSzTx/>
-              <a:buFontTx/>
-              <a:buNone/>
-              <a:tabLst/>
-              <a:defRPr/>
-            </a:pPr>
-            <a:r>
-              <a:rPr kumimoji="0" lang="en-US" sz="1800" b="1" i="0" u="none" strike="noStrike" kern="1200" cap="none" spc="0" normalizeH="0" baseline="0" noProof="0" dirty="0">
-                <a:ln>
-                  <a:noFill/>
-                </a:ln>
-                <a:solidFill>
-                  <a:prstClr val="white"/>
-                </a:solidFill>
-                <a:effectLst/>
-                <a:uLnTx/>
-                <a:uFillTx/>
-                <a:latin typeface="Verdana" panose="020B0604030504040204" pitchFamily="34" charset="0"/>
-                <a:ea typeface="Verdana" panose="020B0604030504040204" pitchFamily="34" charset="0"/>
-                <a:cs typeface="+mn-cs"/>
-              </a:rPr>
-              <a:t>PR Process, CI, CD</a:t>
-            </a:r>
-            <a:endParaRPr kumimoji="0" lang="en-IN" sz="1800" b="1" i="0" u="none" strike="noStrike" kern="1200" cap="none" spc="0" normalizeH="0" baseline="0" noProof="0" dirty="0">
-              <a:ln>
-                <a:noFill/>
-              </a:ln>
-              <a:solidFill>
-                <a:prstClr val="white"/>
-              </a:solidFill>
-              <a:effectLst/>
-              <a:uLnTx/>
-              <a:uFillTx/>
-              <a:latin typeface="Verdana" panose="020B0604030504040204" pitchFamily="34" charset="0"/>
-              <a:ea typeface="Verdana" panose="020B0604030504040204" pitchFamily="34" charset="0"/>
-              <a:cs typeface="+mn-cs"/>
-            </a:endParaRPr>
-          </a:p>
-        </p:txBody>
-      </p:sp>
-      <p:sp>
-        <p:nvSpPr>
-          <p:cNvPr id="7" name="Rectangle 6">
-            <a:extLst>
-              <a:ext uri="{FF2B5EF4-FFF2-40B4-BE49-F238E27FC236}">
-                <a16:creationId xmlns:a16="http://schemas.microsoft.com/office/drawing/2014/main" id="{B10720DE-FD2A-4FE5-B9FB-74854D01A659}"/>
-              </a:ext>
-            </a:extLst>
-          </p:cNvPr>
-          <p:cNvSpPr/>
-          <p:nvPr/>
-        </p:nvSpPr>
-        <p:spPr>
-          <a:xfrm>
-            <a:off x="0" y="6383046"/>
-            <a:ext cx="12183122" cy="57703"/>
-          </a:xfrm>
-          <a:prstGeom prst="rect">
-            <a:avLst/>
-          </a:prstGeom>
-          <a:solidFill>
-            <a:srgbClr val="0070C0"/>
-          </a:solidFill>
-        </p:spPr>
-        <p:style>
-          <a:lnRef idx="2">
-            <a:schemeClr val="accent1">
-              <a:shade val="50000"/>
-            </a:schemeClr>
-          </a:lnRef>
-          <a:fillRef idx="1">
-            <a:schemeClr val="accent1"/>
-          </a:fillRef>
-          <a:effectRef idx="0">
-            <a:schemeClr val="accent1"/>
-          </a:effectRef>
-          <a:fontRef idx="minor">
-            <a:schemeClr val="lt1"/>
-          </a:fontRef>
-        </p:style>
-        <p:txBody>
-          <a:bodyPr rtlCol="0" anchor="ctr"/>
-          <a:lstStyle/>
-          <a:p>
-            <a:pPr marL="0" marR="0" lvl="0" indent="0" algn="ctr" defTabSz="914400" rtl="0" eaLnBrk="1" fontAlgn="auto" latinLnBrk="0" hangingPunct="1">
-              <a:lnSpc>
-                <a:spcPct val="100000"/>
-              </a:lnSpc>
-              <a:spcBef>
-                <a:spcPts val="0"/>
-              </a:spcBef>
-              <a:spcAft>
-                <a:spcPts val="0"/>
-              </a:spcAft>
-              <a:buClrTx/>
-              <a:buSzTx/>
-              <a:buFontTx/>
-              <a:buNone/>
-              <a:tabLst/>
-              <a:defRPr/>
-            </a:pPr>
-            <a:endParaRPr kumimoji="0" lang="en-IN" sz="1000" b="0" i="0" u="none" strike="noStrike" kern="1200" cap="none" spc="0" normalizeH="0" baseline="0" noProof="0" dirty="0">
-              <a:ln>
-                <a:noFill/>
-              </a:ln>
-              <a:solidFill>
-                <a:prstClr val="white"/>
-              </a:solidFill>
-              <a:effectLst/>
-              <a:uLnTx/>
-              <a:uFillTx/>
-              <a:latin typeface="Verdana" panose="020B0604030504040204" pitchFamily="34" charset="0"/>
-              <a:ea typeface="Verdana" panose="020B0604030504040204" pitchFamily="34" charset="0"/>
-              <a:cs typeface="+mn-cs"/>
-            </a:endParaRPr>
-          </a:p>
-        </p:txBody>
-      </p:sp>
-      <p:sp>
-        <p:nvSpPr>
-          <p:cNvPr id="8" name="Footer Placeholder 7">
-            <a:extLst>
-              <a:ext uri="{FF2B5EF4-FFF2-40B4-BE49-F238E27FC236}">
-                <a16:creationId xmlns:a16="http://schemas.microsoft.com/office/drawing/2014/main" id="{DD2A19CA-EC18-432D-8F8F-17079808F38B}"/>
-              </a:ext>
-            </a:extLst>
-          </p:cNvPr>
-          <p:cNvSpPr>
-            <a:spLocks noGrp="1"/>
-          </p:cNvSpPr>
-          <p:nvPr>
-            <p:ph type="ftr" sz="quarter" idx="11"/>
-          </p:nvPr>
-        </p:nvSpPr>
-        <p:spPr>
-          <a:xfrm>
-            <a:off x="4038600" y="6427374"/>
-            <a:ext cx="4114800" cy="365125"/>
-          </a:xfrm>
-        </p:spPr>
-        <p:txBody>
-          <a:bodyPr/>
-          <a:lstStyle/>
-          <a:p>
-            <a:pPr marL="0" marR="0" lvl="0" indent="0" algn="ctr" defTabSz="914400" rtl="0" eaLnBrk="1" fontAlgn="auto" latinLnBrk="0" hangingPunct="1">
-              <a:lnSpc>
-                <a:spcPct val="100000"/>
-              </a:lnSpc>
-              <a:spcBef>
-                <a:spcPts val="0"/>
-              </a:spcBef>
-              <a:spcAft>
-                <a:spcPts val="0"/>
-              </a:spcAft>
-              <a:buClrTx/>
-              <a:buSzTx/>
-              <a:buFontTx/>
-              <a:buNone/>
-              <a:tabLst/>
-              <a:defRPr/>
-            </a:pPr>
-            <a:r>
-              <a:rPr kumimoji="0" lang="en-IN" sz="1200" b="1" i="0" u="none" strike="noStrike" kern="1200" cap="none" spc="0" normalizeH="0" baseline="0" noProof="0" dirty="0">
-                <a:ln>
-                  <a:noFill/>
-                </a:ln>
-                <a:solidFill>
-                  <a:srgbClr val="002060"/>
-                </a:solidFill>
-                <a:effectLst/>
-                <a:uLnTx/>
-                <a:uFillTx/>
-                <a:latin typeface="Verdana" panose="020B0604030504040204" pitchFamily="34" charset="0"/>
-                <a:ea typeface="Verdana" panose="020B0604030504040204" pitchFamily="34" charset="0"/>
-                <a:cs typeface="+mn-cs"/>
-              </a:rPr>
-              <a:t>05-Aug-2022</a:t>
-            </a:r>
-          </a:p>
-        </p:txBody>
-      </p:sp>
-      <p:sp>
-        <p:nvSpPr>
-          <p:cNvPr id="9" name="Slide Number Placeholder 8">
-            <a:extLst>
-              <a:ext uri="{FF2B5EF4-FFF2-40B4-BE49-F238E27FC236}">
-                <a16:creationId xmlns:a16="http://schemas.microsoft.com/office/drawing/2014/main" id="{8162625C-0B1F-42E0-BE7C-D99A08FED7A3}"/>
-              </a:ext>
-            </a:extLst>
-          </p:cNvPr>
-          <p:cNvSpPr>
-            <a:spLocks noGrp="1"/>
-          </p:cNvSpPr>
-          <p:nvPr>
-            <p:ph type="sldNum" sz="quarter" idx="12"/>
-          </p:nvPr>
-        </p:nvSpPr>
-        <p:spPr>
-          <a:xfrm>
-            <a:off x="8610600" y="6427374"/>
-            <a:ext cx="2743200" cy="365125"/>
-          </a:xfrm>
-        </p:spPr>
-        <p:txBody>
-          <a:bodyPr/>
-          <a:lstStyle/>
-          <a:p>
-            <a:pPr marL="0" marR="0" lvl="0" indent="0" algn="r" defTabSz="914400" rtl="0" eaLnBrk="1" fontAlgn="auto" latinLnBrk="0" hangingPunct="1">
-              <a:lnSpc>
-                <a:spcPct val="100000"/>
-              </a:lnSpc>
-              <a:spcBef>
-                <a:spcPts val="0"/>
-              </a:spcBef>
-              <a:spcAft>
-                <a:spcPts val="0"/>
-              </a:spcAft>
-              <a:buClrTx/>
-              <a:buSzTx/>
-              <a:buFontTx/>
-              <a:buNone/>
-              <a:tabLst/>
-              <a:defRPr/>
-            </a:pPr>
-            <a:fld id="{30AF63FB-5233-4811-A918-B572E3A55817}" type="slidenum">
-              <a:rPr kumimoji="0" lang="en-IN" sz="1200" b="1" i="0" u="none" strike="noStrike" kern="1200" cap="none" spc="0" normalizeH="0" baseline="0" noProof="0" smtClean="0">
-                <a:ln>
-                  <a:noFill/>
-                </a:ln>
-                <a:solidFill>
-                  <a:srgbClr val="002060"/>
-                </a:solidFill>
-                <a:effectLst/>
-                <a:uLnTx/>
-                <a:uFillTx/>
-                <a:latin typeface="Verdana" panose="020B0604030504040204" pitchFamily="34" charset="0"/>
-                <a:ea typeface="Verdana" panose="020B0604030504040204" pitchFamily="34" charset="0"/>
-                <a:cs typeface="+mn-cs"/>
-              </a:rPr>
-              <a:pPr marL="0" marR="0" lvl="0" indent="0" algn="r" defTabSz="914400" rtl="0" eaLnBrk="1" fontAlgn="auto" latinLnBrk="0" hangingPunct="1">
-                <a:lnSpc>
-                  <a:spcPct val="100000"/>
-                </a:lnSpc>
-                <a:spcBef>
-                  <a:spcPts val="0"/>
-                </a:spcBef>
-                <a:spcAft>
-                  <a:spcPts val="0"/>
-                </a:spcAft>
-                <a:buClrTx/>
-                <a:buSzTx/>
-                <a:buFontTx/>
-                <a:buNone/>
-                <a:tabLst/>
-                <a:defRPr/>
-              </a:pPr>
-              <a:t>9</a:t>
-            </a:fld>
-            <a:endParaRPr kumimoji="0" lang="en-IN" sz="1200" b="1" i="0" u="none" strike="noStrike" kern="1200" cap="none" spc="0" normalizeH="0" baseline="0" noProof="0" dirty="0">
-              <a:ln>
-                <a:noFill/>
-              </a:ln>
-              <a:solidFill>
-                <a:srgbClr val="002060"/>
-              </a:solidFill>
-              <a:effectLst/>
-              <a:uLnTx/>
-              <a:uFillTx/>
-              <a:latin typeface="Verdana" panose="020B0604030504040204" pitchFamily="34" charset="0"/>
-              <a:ea typeface="Verdana" panose="020B0604030504040204" pitchFamily="34" charset="0"/>
-              <a:cs typeface="+mn-cs"/>
-            </a:endParaRPr>
-          </a:p>
-        </p:txBody>
-      </p:sp>
-      <p:sp>
-        <p:nvSpPr>
-          <p:cNvPr id="12" name="Footer Placeholder 7">
-            <a:extLst>
-              <a:ext uri="{FF2B5EF4-FFF2-40B4-BE49-F238E27FC236}">
-                <a16:creationId xmlns:a16="http://schemas.microsoft.com/office/drawing/2014/main" id="{64C57949-E349-47D3-A505-A098233AF49D}"/>
-              </a:ext>
-            </a:extLst>
-          </p:cNvPr>
-          <p:cNvSpPr txBox="1">
-            <a:spLocks/>
-          </p:cNvSpPr>
-          <p:nvPr/>
-        </p:nvSpPr>
-        <p:spPr>
-          <a:xfrm>
-            <a:off x="133897" y="6428848"/>
-            <a:ext cx="4114800" cy="365125"/>
-          </a:xfrm>
-          <a:prstGeom prst="rect">
-            <a:avLst/>
-          </a:prstGeom>
-        </p:spPr>
-        <p:txBody>
-          <a:bodyPr vert="horz" lIns="91440" tIns="45720" rIns="91440" bIns="45720" rtlCol="0" anchor="ctr"/>
-          <a:lstStyle>
-            <a:defPPr>
-              <a:defRPr lang="en-US"/>
-            </a:defPPr>
-            <a:lvl1pPr marL="0" algn="ctr" defTabSz="914400" rtl="0" eaLnBrk="1" latinLnBrk="0" hangingPunct="1">
-              <a:defRPr sz="1200" kern="1200">
-                <a:solidFill>
-                  <a:schemeClr val="tx1">
-                    <a:tint val="75000"/>
-                  </a:schemeClr>
-                </a:solidFill>
-                <a:latin typeface="+mn-lt"/>
-                <a:ea typeface="+mn-ea"/>
-                <a:cs typeface="+mn-cs"/>
-              </a:defRPr>
-            </a:lvl1pPr>
-            <a:lvl2pPr marL="457200" algn="l" defTabSz="914400" rtl="0" eaLnBrk="1" latinLnBrk="0" hangingPunct="1">
-              <a:defRPr sz="1800" kern="1200">
-                <a:solidFill>
-                  <a:schemeClr val="tx1"/>
-                </a:solidFill>
-                <a:latin typeface="+mn-lt"/>
-                <a:ea typeface="+mn-ea"/>
-                <a:cs typeface="+mn-cs"/>
-              </a:defRPr>
-            </a:lvl2pPr>
-            <a:lvl3pPr marL="914400" algn="l" defTabSz="914400" rtl="0" eaLnBrk="1" latinLnBrk="0" hangingPunct="1">
-              <a:defRPr sz="1800" kern="1200">
-                <a:solidFill>
-                  <a:schemeClr val="tx1"/>
-                </a:solidFill>
-                <a:latin typeface="+mn-lt"/>
-                <a:ea typeface="+mn-ea"/>
-                <a:cs typeface="+mn-cs"/>
-              </a:defRPr>
-            </a:lvl3pPr>
-            <a:lvl4pPr marL="1371600" algn="l" defTabSz="914400" rtl="0" eaLnBrk="1" latinLnBrk="0" hangingPunct="1">
-              <a:defRPr sz="1800" kern="1200">
-                <a:solidFill>
-                  <a:schemeClr val="tx1"/>
-                </a:solidFill>
-                <a:latin typeface="+mn-lt"/>
-                <a:ea typeface="+mn-ea"/>
-                <a:cs typeface="+mn-cs"/>
-              </a:defRPr>
-            </a:lvl4pPr>
-            <a:lvl5pPr marL="1828800" algn="l" defTabSz="914400" rtl="0" eaLnBrk="1" latinLnBrk="0" hangingPunct="1">
-              <a:defRPr sz="1800" kern="1200">
-                <a:solidFill>
-                  <a:schemeClr val="tx1"/>
-                </a:solidFill>
-                <a:latin typeface="+mn-lt"/>
-                <a:ea typeface="+mn-ea"/>
-                <a:cs typeface="+mn-cs"/>
-              </a:defRPr>
-            </a:lvl5pPr>
-            <a:lvl6pPr marL="2286000" algn="l" defTabSz="914400" rtl="0" eaLnBrk="1" latinLnBrk="0" hangingPunct="1">
-              <a:defRPr sz="1800" kern="1200">
-                <a:solidFill>
-                  <a:schemeClr val="tx1"/>
-                </a:solidFill>
-                <a:latin typeface="+mn-lt"/>
-                <a:ea typeface="+mn-ea"/>
-                <a:cs typeface="+mn-cs"/>
-              </a:defRPr>
-            </a:lvl6pPr>
-            <a:lvl7pPr marL="2743200" algn="l" defTabSz="914400" rtl="0" eaLnBrk="1" latinLnBrk="0" hangingPunct="1">
-              <a:defRPr sz="1800" kern="1200">
-                <a:solidFill>
-                  <a:schemeClr val="tx1"/>
-                </a:solidFill>
-                <a:latin typeface="+mn-lt"/>
-                <a:ea typeface="+mn-ea"/>
-                <a:cs typeface="+mn-cs"/>
-              </a:defRPr>
-            </a:lvl7pPr>
-            <a:lvl8pPr marL="3200400" algn="l" defTabSz="914400" rtl="0" eaLnBrk="1" latinLnBrk="0" hangingPunct="1">
-              <a:defRPr sz="1800" kern="1200">
-                <a:solidFill>
-                  <a:schemeClr val="tx1"/>
-                </a:solidFill>
-                <a:latin typeface="+mn-lt"/>
-                <a:ea typeface="+mn-ea"/>
-                <a:cs typeface="+mn-cs"/>
-              </a:defRPr>
-            </a:lvl8pPr>
-            <a:lvl9pPr marL="3657600" algn="l" defTabSz="914400" rtl="0" eaLnBrk="1" latinLnBrk="0" hangingPunct="1">
-              <a:defRPr sz="1800" kern="1200">
-                <a:solidFill>
-                  <a:schemeClr val="tx1"/>
-                </a:solidFill>
-                <a:latin typeface="+mn-lt"/>
-                <a:ea typeface="+mn-ea"/>
-                <a:cs typeface="+mn-cs"/>
-              </a:defRPr>
-            </a:lvl9pPr>
-          </a:lstStyle>
-          <a:p>
-            <a:pPr marL="0" marR="0" lvl="0" indent="0" algn="ctr" defTabSz="914400" rtl="0" eaLnBrk="1" fontAlgn="auto" latinLnBrk="0" hangingPunct="1">
-              <a:lnSpc>
-                <a:spcPct val="100000"/>
-              </a:lnSpc>
-              <a:spcBef>
-                <a:spcPts val="0"/>
-              </a:spcBef>
-              <a:spcAft>
-                <a:spcPts val="0"/>
-              </a:spcAft>
-              <a:buClrTx/>
-              <a:buSzTx/>
-              <a:buFontTx/>
-              <a:buNone/>
-              <a:tabLst/>
-              <a:defRPr/>
-            </a:pPr>
-            <a:r>
-              <a:rPr kumimoji="0" lang="en-IN" sz="1200" b="1" i="0" u="none" strike="noStrike" kern="1200" cap="none" spc="0" normalizeH="0" baseline="0" noProof="0" dirty="0">
-                <a:ln>
-                  <a:noFill/>
-                </a:ln>
-                <a:solidFill>
-                  <a:srgbClr val="002060"/>
-                </a:solidFill>
-                <a:effectLst/>
-                <a:uLnTx/>
-                <a:uFillTx/>
-                <a:latin typeface="Verdana" panose="020B0604030504040204" pitchFamily="34" charset="0"/>
-                <a:ea typeface="Verdana" panose="020B0604030504040204" pitchFamily="34" charset="0"/>
-                <a:cs typeface="+mn-cs"/>
-              </a:rPr>
-              <a:t>Dot Net Learners House</a:t>
-            </a:r>
-          </a:p>
-        </p:txBody>
-      </p:sp>
-      <p:pic>
-        <p:nvPicPr>
-          <p:cNvPr id="3" name="Picture 2" descr="A picture containing drawing&#10;&#10;Description automatically generated">
-            <a:extLst>
-              <a:ext uri="{FF2B5EF4-FFF2-40B4-BE49-F238E27FC236}">
-                <a16:creationId xmlns:a16="http://schemas.microsoft.com/office/drawing/2014/main" id="{36D46947-3455-49F6-81DC-66502143C41D}"/>
-              </a:ext>
-            </a:extLst>
-          </p:cNvPr>
-          <p:cNvPicPr>
-            <a:picLocks noChangeAspect="1"/>
-          </p:cNvPicPr>
-          <p:nvPr/>
-        </p:nvPicPr>
-        <p:blipFill>
-          <a:blip r:embed="rId2">
-            <a:extLst>
-              <a:ext uri="{28A0092B-C50C-407E-A947-70E740481C1C}">
-                <a14:useLocalDpi xmlns:a14="http://schemas.microsoft.com/office/drawing/2010/main" val="0"/>
-              </a:ext>
-            </a:extLst>
-          </a:blip>
-          <a:stretch>
-            <a:fillRect/>
-          </a:stretch>
-        </p:blipFill>
-        <p:spPr>
-          <a:xfrm>
-            <a:off x="757291" y="966358"/>
-            <a:ext cx="780290" cy="780290"/>
-          </a:xfrm>
-          <a:prstGeom prst="rect">
-            <a:avLst/>
-          </a:prstGeom>
-        </p:spPr>
-      </p:pic>
-      <p:pic>
-        <p:nvPicPr>
-          <p:cNvPr id="11" name="Graphic 10">
-            <a:extLst>
-              <a:ext uri="{FF2B5EF4-FFF2-40B4-BE49-F238E27FC236}">
-                <a16:creationId xmlns:a16="http://schemas.microsoft.com/office/drawing/2014/main" id="{68CC5020-AEBC-4D94-8930-1E6AA6C03504}"/>
-              </a:ext>
-            </a:extLst>
-          </p:cNvPr>
-          <p:cNvPicPr>
-            <a:picLocks noChangeAspect="1"/>
-          </p:cNvPicPr>
-          <p:nvPr/>
-        </p:nvPicPr>
-        <p:blipFill>
-          <a:blip r:embed="rId3">
-            <a:extLst>
-              <a:ext uri="{28A0092B-C50C-407E-A947-70E740481C1C}">
-                <a14:useLocalDpi xmlns:a14="http://schemas.microsoft.com/office/drawing/2010/main" val="0"/>
-              </a:ext>
-              <a:ext uri="{96DAC541-7B7A-43D3-8B79-37D633B846F1}">
-                <asvg:svgBlip xmlns:asvg="http://schemas.microsoft.com/office/drawing/2016/SVG/main" r:embed="rId4"/>
-              </a:ext>
-            </a:extLst>
-          </a:blip>
-          <a:stretch>
-            <a:fillRect/>
-          </a:stretch>
-        </p:blipFill>
-        <p:spPr>
-          <a:xfrm>
-            <a:off x="4686132" y="966358"/>
-            <a:ext cx="780290" cy="780290"/>
-          </a:xfrm>
-          <a:prstGeom prst="rect">
-            <a:avLst/>
-          </a:prstGeom>
-        </p:spPr>
-      </p:pic>
-      <p:pic>
-        <p:nvPicPr>
-          <p:cNvPr id="13" name="Graphic 12">
-            <a:extLst>
-              <a:ext uri="{FF2B5EF4-FFF2-40B4-BE49-F238E27FC236}">
-                <a16:creationId xmlns:a16="http://schemas.microsoft.com/office/drawing/2014/main" id="{FF18036A-9AA0-4AAF-A6CF-9B332A840FD8}"/>
-              </a:ext>
-            </a:extLst>
-          </p:cNvPr>
-          <p:cNvPicPr>
-            <a:picLocks noChangeAspect="1"/>
-          </p:cNvPicPr>
-          <p:nvPr/>
-        </p:nvPicPr>
-        <p:blipFill>
-          <a:blip r:embed="rId5">
-            <a:extLst>
-              <a:ext uri="{28A0092B-C50C-407E-A947-70E740481C1C}">
-                <a14:useLocalDpi xmlns:a14="http://schemas.microsoft.com/office/drawing/2010/main" val="0"/>
-              </a:ext>
-              <a:ext uri="{96DAC541-7B7A-43D3-8B79-37D633B846F1}">
-                <asvg:svgBlip xmlns:asvg="http://schemas.microsoft.com/office/drawing/2016/SVG/main" r:embed="rId6"/>
-              </a:ext>
-            </a:extLst>
-          </a:blip>
-          <a:stretch>
-            <a:fillRect/>
-          </a:stretch>
-        </p:blipFill>
-        <p:spPr>
-          <a:xfrm>
-            <a:off x="6605457" y="966358"/>
-            <a:ext cx="780290" cy="780290"/>
-          </a:xfrm>
-          <a:prstGeom prst="rect">
-            <a:avLst/>
-          </a:prstGeom>
-        </p:spPr>
-      </p:pic>
-      <p:pic>
-        <p:nvPicPr>
-          <p:cNvPr id="14" name="Graphic 13">
-            <a:extLst>
-              <a:ext uri="{FF2B5EF4-FFF2-40B4-BE49-F238E27FC236}">
-                <a16:creationId xmlns:a16="http://schemas.microsoft.com/office/drawing/2014/main" id="{28A56780-CD7C-41F9-83CC-0901E3A92440}"/>
-              </a:ext>
-            </a:extLst>
-          </p:cNvPr>
-          <p:cNvPicPr>
-            <a:picLocks noChangeAspect="1"/>
-          </p:cNvPicPr>
-          <p:nvPr/>
-        </p:nvPicPr>
-        <p:blipFill>
-          <a:blip r:embed="rId3">
-            <a:extLst>
-              <a:ext uri="{28A0092B-C50C-407E-A947-70E740481C1C}">
-                <a14:useLocalDpi xmlns:a14="http://schemas.microsoft.com/office/drawing/2010/main" val="0"/>
-              </a:ext>
-              <a:ext uri="{96DAC541-7B7A-43D3-8B79-37D633B846F1}">
-                <asvg:svgBlip xmlns:asvg="http://schemas.microsoft.com/office/drawing/2016/SVG/main" r:embed="rId4"/>
-              </a:ext>
-            </a:extLst>
-          </a:blip>
-          <a:stretch>
-            <a:fillRect/>
-          </a:stretch>
-        </p:blipFill>
-        <p:spPr>
-          <a:xfrm>
-            <a:off x="8478377" y="966358"/>
-            <a:ext cx="780290" cy="780290"/>
-          </a:xfrm>
-          <a:prstGeom prst="rect">
-            <a:avLst/>
-          </a:prstGeom>
-        </p:spPr>
-      </p:pic>
-      <p:grpSp>
-        <p:nvGrpSpPr>
-          <p:cNvPr id="33" name="Group 32">
-            <a:extLst>
-              <a:ext uri="{FF2B5EF4-FFF2-40B4-BE49-F238E27FC236}">
-                <a16:creationId xmlns:a16="http://schemas.microsoft.com/office/drawing/2014/main" id="{741F7567-791E-4A67-9274-1439E4CF2D54}"/>
-              </a:ext>
-            </a:extLst>
-          </p:cNvPr>
-          <p:cNvGrpSpPr/>
-          <p:nvPr/>
-        </p:nvGrpSpPr>
-        <p:grpSpPr>
-          <a:xfrm>
-            <a:off x="259953" y="2714890"/>
-            <a:ext cx="5608263" cy="3233356"/>
-            <a:chOff x="6101386" y="2796466"/>
-            <a:chExt cx="5608263" cy="3233356"/>
-          </a:xfrm>
-        </p:grpSpPr>
-        <p:sp>
-          <p:nvSpPr>
-            <p:cNvPr id="19" name="Thought Bubble: Cloud 18">
-              <a:extLst>
-                <a:ext uri="{FF2B5EF4-FFF2-40B4-BE49-F238E27FC236}">
-                  <a16:creationId xmlns:a16="http://schemas.microsoft.com/office/drawing/2014/main" id="{A7D35382-D69E-4203-B4A9-52A05A4FD8D7}"/>
-                </a:ext>
-              </a:extLst>
-            </p:cNvPr>
-            <p:cNvSpPr/>
-            <p:nvPr/>
-          </p:nvSpPr>
-          <p:spPr>
-            <a:xfrm>
-              <a:off x="6101386" y="2796466"/>
-              <a:ext cx="5608263" cy="3233356"/>
-            </a:xfrm>
-            <a:prstGeom prst="cloudCallout">
-              <a:avLst>
-                <a:gd name="adj1" fmla="val -10766"/>
-                <a:gd name="adj2" fmla="val 39295"/>
-              </a:avLst>
-            </a:prstGeom>
-            <a:solidFill>
-              <a:schemeClr val="bg1"/>
-            </a:solidFill>
-          </p:spPr>
-          <p:style>
-            <a:lnRef idx="2">
-              <a:schemeClr val="accent1">
-                <a:shade val="50000"/>
-              </a:schemeClr>
-            </a:lnRef>
-            <a:fillRef idx="1">
-              <a:schemeClr val="accent1"/>
-            </a:fillRef>
-            <a:effectRef idx="0">
-              <a:schemeClr val="accent1"/>
-            </a:effectRef>
-            <a:fontRef idx="minor">
-              <a:schemeClr val="lt1"/>
-            </a:fontRef>
-          </p:style>
-          <p:txBody>
-            <a:bodyPr rtlCol="0" anchor="ctr"/>
-            <a:lstStyle/>
-            <a:p>
-              <a:pPr marL="0" marR="0" lvl="0" indent="0" algn="ctr" defTabSz="914400" rtl="0" eaLnBrk="1" fontAlgn="auto" latinLnBrk="0" hangingPunct="1">
-                <a:lnSpc>
-                  <a:spcPct val="100000"/>
-                </a:lnSpc>
-                <a:spcBef>
-                  <a:spcPts val="0"/>
-                </a:spcBef>
-                <a:spcAft>
-                  <a:spcPts val="0"/>
-                </a:spcAft>
-                <a:buClrTx/>
-                <a:buSzTx/>
-                <a:buFontTx/>
-                <a:buNone/>
-                <a:tabLst/>
-                <a:defRPr/>
-              </a:pPr>
-              <a:endParaRPr kumimoji="0" lang="en-IN" sz="1800" b="0" i="0" u="none" strike="noStrike" kern="1200" cap="none" spc="0" normalizeH="0" baseline="0" noProof="0">
-                <a:ln>
-                  <a:noFill/>
-                </a:ln>
-                <a:solidFill>
-                  <a:prstClr val="white"/>
-                </a:solidFill>
-                <a:effectLst/>
-                <a:uLnTx/>
-                <a:uFillTx/>
-                <a:latin typeface="Calibri" panose="020F0502020204030204"/>
-                <a:ea typeface="+mn-ea"/>
-                <a:cs typeface="+mn-cs"/>
-              </a:endParaRPr>
-            </a:p>
-          </p:txBody>
-        </p:sp>
-        <p:grpSp>
-          <p:nvGrpSpPr>
-            <p:cNvPr id="29" name="Group 28">
-              <a:extLst>
-                <a:ext uri="{FF2B5EF4-FFF2-40B4-BE49-F238E27FC236}">
-                  <a16:creationId xmlns:a16="http://schemas.microsoft.com/office/drawing/2014/main" id="{FF592EF6-1E6D-47AE-A34C-AB5A774B30D8}"/>
-                </a:ext>
-              </a:extLst>
-            </p:cNvPr>
-            <p:cNvGrpSpPr/>
-            <p:nvPr/>
-          </p:nvGrpSpPr>
-          <p:grpSpPr>
-            <a:xfrm>
-              <a:off x="6972126" y="3249876"/>
-              <a:ext cx="3866781" cy="1892550"/>
-              <a:chOff x="5965146" y="3263136"/>
-              <a:chExt cx="3866781" cy="1892550"/>
-            </a:xfrm>
-          </p:grpSpPr>
-          <p:pic>
-            <p:nvPicPr>
-              <p:cNvPr id="20" name="Picture 19" descr="A picture containing drawing&#10;&#10;Description automatically generated">
-                <a:extLst>
-                  <a:ext uri="{FF2B5EF4-FFF2-40B4-BE49-F238E27FC236}">
-                    <a16:creationId xmlns:a16="http://schemas.microsoft.com/office/drawing/2014/main" id="{9966C00C-1E5C-4E39-9381-2359516062C6}"/>
-                  </a:ext>
-                </a:extLst>
-              </p:cNvPr>
-              <p:cNvPicPr>
-                <a:picLocks noChangeAspect="1"/>
-              </p:cNvPicPr>
-              <p:nvPr/>
-            </p:nvPicPr>
-            <p:blipFill>
-              <a:blip r:embed="rId7">
-                <a:extLst>
-                  <a:ext uri="{28A0092B-C50C-407E-A947-70E740481C1C}">
-                    <a14:useLocalDpi xmlns:a14="http://schemas.microsoft.com/office/drawing/2010/main" val="0"/>
-                  </a:ext>
-                </a:extLst>
-              </a:blip>
-              <a:stretch>
-                <a:fillRect/>
-              </a:stretch>
-            </p:blipFill>
-            <p:spPr>
-              <a:xfrm>
-                <a:off x="6313959" y="3444336"/>
-                <a:ext cx="780290" cy="780290"/>
-              </a:xfrm>
-              <a:prstGeom prst="rect">
-                <a:avLst/>
-              </a:prstGeom>
-            </p:spPr>
-          </p:pic>
-          <p:pic>
-            <p:nvPicPr>
-              <p:cNvPr id="22" name="Graphic 21">
-                <a:extLst>
-                  <a:ext uri="{FF2B5EF4-FFF2-40B4-BE49-F238E27FC236}">
-                    <a16:creationId xmlns:a16="http://schemas.microsoft.com/office/drawing/2014/main" id="{C723A7AA-CBAF-404F-AA2B-631CC56FB8CE}"/>
-                  </a:ext>
-                </a:extLst>
-              </p:cNvPr>
-              <p:cNvPicPr>
-                <a:picLocks noChangeAspect="1"/>
-              </p:cNvPicPr>
-              <p:nvPr/>
-            </p:nvPicPr>
-            <p:blipFill>
-              <a:blip r:embed="rId8">
-                <a:extLst>
-                  <a:ext uri="{28A0092B-C50C-407E-A947-70E740481C1C}">
-                    <a14:useLocalDpi xmlns:a14="http://schemas.microsoft.com/office/drawing/2010/main" val="0"/>
-                  </a:ext>
-                  <a:ext uri="{96DAC541-7B7A-43D3-8B79-37D633B846F1}">
-                    <asvg:svgBlip xmlns:asvg="http://schemas.microsoft.com/office/drawing/2016/SVG/main" r:embed="rId9"/>
-                  </a:ext>
-                </a:extLst>
-              </a:blip>
-              <a:stretch>
-                <a:fillRect/>
-              </a:stretch>
-            </p:blipFill>
-            <p:spPr>
-              <a:xfrm>
-                <a:off x="9355677" y="3263136"/>
-                <a:ext cx="476250" cy="476250"/>
-              </a:xfrm>
-              <a:prstGeom prst="rect">
-                <a:avLst/>
-              </a:prstGeom>
-            </p:spPr>
-          </p:pic>
-          <p:pic>
-            <p:nvPicPr>
-              <p:cNvPr id="24" name="Graphic 23">
-                <a:extLst>
-                  <a:ext uri="{FF2B5EF4-FFF2-40B4-BE49-F238E27FC236}">
-                    <a16:creationId xmlns:a16="http://schemas.microsoft.com/office/drawing/2014/main" id="{925071B5-D25D-44D1-8436-17A064FA82BA}"/>
-                  </a:ext>
-                </a:extLst>
-              </p:cNvPr>
-              <p:cNvPicPr>
-                <a:picLocks noChangeAspect="1"/>
-              </p:cNvPicPr>
-              <p:nvPr/>
-            </p:nvPicPr>
-            <p:blipFill>
-              <a:blip r:embed="rId10">
-                <a:extLst>
-                  <a:ext uri="{28A0092B-C50C-407E-A947-70E740481C1C}">
-                    <a14:useLocalDpi xmlns:a14="http://schemas.microsoft.com/office/drawing/2010/main" val="0"/>
-                  </a:ext>
-                  <a:ext uri="{96DAC541-7B7A-43D3-8B79-37D633B846F1}">
-                    <asvg:svgBlip xmlns:asvg="http://schemas.microsoft.com/office/drawing/2016/SVG/main" r:embed="rId11"/>
-                  </a:ext>
-                </a:extLst>
-              </a:blip>
-              <a:stretch>
-                <a:fillRect/>
-              </a:stretch>
-            </p:blipFill>
-            <p:spPr>
-              <a:xfrm>
-                <a:off x="8965152" y="4517937"/>
-                <a:ext cx="628650" cy="600075"/>
-              </a:xfrm>
-              <a:prstGeom prst="rect">
-                <a:avLst/>
-              </a:prstGeom>
-            </p:spPr>
-          </p:pic>
-          <p:pic>
-            <p:nvPicPr>
-              <p:cNvPr id="26" name="Graphic 25">
-                <a:extLst>
-                  <a:ext uri="{FF2B5EF4-FFF2-40B4-BE49-F238E27FC236}">
-                    <a16:creationId xmlns:a16="http://schemas.microsoft.com/office/drawing/2014/main" id="{02E07A17-A57F-4E63-8BA7-95B0DA3919A5}"/>
-                  </a:ext>
-                </a:extLst>
-              </p:cNvPr>
-              <p:cNvPicPr>
-                <a:picLocks noChangeAspect="1"/>
-              </p:cNvPicPr>
-              <p:nvPr/>
-            </p:nvPicPr>
-            <p:blipFill>
-              <a:blip r:embed="rId12">
-                <a:extLst>
-                  <a:ext uri="{28A0092B-C50C-407E-A947-70E740481C1C}">
-                    <a14:useLocalDpi xmlns:a14="http://schemas.microsoft.com/office/drawing/2010/main" val="0"/>
-                  </a:ext>
-                  <a:ext uri="{96DAC541-7B7A-43D3-8B79-37D633B846F1}">
-                    <asvg:svgBlip xmlns:asvg="http://schemas.microsoft.com/office/drawing/2016/SVG/main" r:embed="rId13"/>
-                  </a:ext>
-                </a:extLst>
-              </a:blip>
-              <a:stretch>
-                <a:fillRect/>
-              </a:stretch>
-            </p:blipFill>
-            <p:spPr>
-              <a:xfrm>
-                <a:off x="5965146" y="4679436"/>
-                <a:ext cx="476250" cy="476250"/>
-              </a:xfrm>
-              <a:prstGeom prst="rect">
-                <a:avLst/>
-              </a:prstGeom>
-            </p:spPr>
-          </p:pic>
-          <p:pic>
-            <p:nvPicPr>
-              <p:cNvPr id="28" name="Graphic 27">
-                <a:extLst>
-                  <a:ext uri="{FF2B5EF4-FFF2-40B4-BE49-F238E27FC236}">
-                    <a16:creationId xmlns:a16="http://schemas.microsoft.com/office/drawing/2014/main" id="{C7B8C726-E294-4A32-B7CC-0D388BEA8CE5}"/>
-                  </a:ext>
-                </a:extLst>
-              </p:cNvPr>
-              <p:cNvPicPr>
-                <a:picLocks noChangeAspect="1"/>
-              </p:cNvPicPr>
-              <p:nvPr/>
-            </p:nvPicPr>
-            <p:blipFill>
-              <a:blip r:embed="rId14">
-                <a:extLst>
-                  <a:ext uri="{28A0092B-C50C-407E-A947-70E740481C1C}">
-                    <a14:useLocalDpi xmlns:a14="http://schemas.microsoft.com/office/drawing/2010/main" val="0"/>
-                  </a:ext>
-                  <a:ext uri="{96DAC541-7B7A-43D3-8B79-37D633B846F1}">
-                    <asvg:svgBlip xmlns:asvg="http://schemas.microsoft.com/office/drawing/2016/SVG/main" r:embed="rId15"/>
-                  </a:ext>
-                </a:extLst>
-              </a:blip>
-              <a:stretch>
-                <a:fillRect/>
-              </a:stretch>
-            </p:blipFill>
-            <p:spPr>
-              <a:xfrm>
-                <a:off x="7858812" y="3986501"/>
-                <a:ext cx="476250" cy="476250"/>
-              </a:xfrm>
-              <a:prstGeom prst="rect">
-                <a:avLst/>
-              </a:prstGeom>
-            </p:spPr>
-          </p:pic>
-        </p:grpSp>
-      </p:grpSp>
-      <p:pic>
-        <p:nvPicPr>
-          <p:cNvPr id="30" name="Graphic 29">
-            <a:extLst>
-              <a:ext uri="{FF2B5EF4-FFF2-40B4-BE49-F238E27FC236}">
-                <a16:creationId xmlns:a16="http://schemas.microsoft.com/office/drawing/2014/main" id="{A297AF32-D8A2-4423-B36B-CE86473A2088}"/>
-              </a:ext>
-            </a:extLst>
-          </p:cNvPr>
-          <p:cNvPicPr>
-            <a:picLocks noChangeAspect="1"/>
-          </p:cNvPicPr>
-          <p:nvPr/>
-        </p:nvPicPr>
-        <p:blipFill>
-          <a:blip r:embed="rId3">
-            <a:extLst>
-              <a:ext uri="{28A0092B-C50C-407E-A947-70E740481C1C}">
-                <a14:useLocalDpi xmlns:a14="http://schemas.microsoft.com/office/drawing/2010/main" val="0"/>
-              </a:ext>
-              <a:ext uri="{96DAC541-7B7A-43D3-8B79-37D633B846F1}">
-                <asvg:svgBlip xmlns:asvg="http://schemas.microsoft.com/office/drawing/2016/SVG/main" r:embed="rId4"/>
-              </a:ext>
-            </a:extLst>
-          </a:blip>
-          <a:stretch>
-            <a:fillRect/>
-          </a:stretch>
-        </p:blipFill>
-        <p:spPr>
-          <a:xfrm>
-            <a:off x="10573510" y="3559685"/>
-            <a:ext cx="780290" cy="780290"/>
-          </a:xfrm>
-          <a:prstGeom prst="rect">
-            <a:avLst/>
-          </a:prstGeom>
-        </p:spPr>
-      </p:pic>
-      <p:pic>
-        <p:nvPicPr>
-          <p:cNvPr id="1026" name="Picture 2">
-            <a:extLst>
-              <a:ext uri="{FF2B5EF4-FFF2-40B4-BE49-F238E27FC236}">
-                <a16:creationId xmlns:a16="http://schemas.microsoft.com/office/drawing/2014/main" id="{84738135-B527-4325-8D62-F8B9B9D1984A}"/>
-              </a:ext>
-            </a:extLst>
-          </p:cNvPr>
-          <p:cNvPicPr>
-            <a:picLocks noChangeAspect="1" noChangeArrowheads="1"/>
-          </p:cNvPicPr>
-          <p:nvPr/>
-        </p:nvPicPr>
-        <p:blipFill>
-          <a:blip r:embed="rId16">
-            <a:extLst>
-              <a:ext uri="{28A0092B-C50C-407E-A947-70E740481C1C}">
-                <a14:useLocalDpi xmlns:a14="http://schemas.microsoft.com/office/drawing/2010/main" val="0"/>
-              </a:ext>
-            </a:extLst>
-          </a:blip>
-          <a:srcRect/>
-          <a:stretch>
-            <a:fillRect/>
-          </a:stretch>
-        </p:blipFill>
-        <p:spPr bwMode="auto">
-          <a:xfrm>
-            <a:off x="2623349" y="862903"/>
-            <a:ext cx="814057" cy="987144"/>
-          </a:xfrm>
-          <a:prstGeom prst="rect">
-            <a:avLst/>
-          </a:prstGeom>
-          <a:noFill/>
-          <a:extLst>
-            <a:ext uri="{909E8E84-426E-40DD-AFC4-6F175D3DCCD1}">
-              <a14:hiddenFill xmlns:a14="http://schemas.microsoft.com/office/drawing/2010/main">
-                <a:solidFill>
-                  <a:srgbClr val="FFFFFF"/>
-                </a:solidFill>
-              </a14:hiddenFill>
-            </a:ext>
-          </a:extLst>
-        </p:spPr>
-      </p:pic>
-      <p:pic>
-        <p:nvPicPr>
-          <p:cNvPr id="32" name="Graphic 31">
-            <a:extLst>
-              <a:ext uri="{FF2B5EF4-FFF2-40B4-BE49-F238E27FC236}">
-                <a16:creationId xmlns:a16="http://schemas.microsoft.com/office/drawing/2014/main" id="{AAF0FC8B-CA83-4A8E-A2F7-220F96B6E74A}"/>
-              </a:ext>
-            </a:extLst>
-          </p:cNvPr>
-          <p:cNvPicPr>
-            <a:picLocks noChangeAspect="1"/>
-          </p:cNvPicPr>
-          <p:nvPr/>
-        </p:nvPicPr>
-        <p:blipFill>
-          <a:blip r:embed="rId17">
-            <a:extLst>
-              <a:ext uri="{28A0092B-C50C-407E-A947-70E740481C1C}">
-                <a14:useLocalDpi xmlns:a14="http://schemas.microsoft.com/office/drawing/2010/main" val="0"/>
-              </a:ext>
-              <a:ext uri="{96DAC541-7B7A-43D3-8B79-37D633B846F1}">
-                <asvg:svgBlip xmlns:asvg="http://schemas.microsoft.com/office/drawing/2016/SVG/main" r:embed="rId18"/>
-              </a:ext>
-            </a:extLst>
-          </a:blip>
-          <a:stretch>
-            <a:fillRect/>
-          </a:stretch>
-        </p:blipFill>
-        <p:spPr>
-          <a:xfrm>
-            <a:off x="10573509" y="965778"/>
-            <a:ext cx="780095" cy="781393"/>
-          </a:xfrm>
-          <a:prstGeom prst="rect">
-            <a:avLst/>
-          </a:prstGeom>
-        </p:spPr>
-      </p:pic>
-      <p:pic>
-        <p:nvPicPr>
-          <p:cNvPr id="40" name="Picture 39" descr="A picture containing drawing, clock&#10;&#10;Description automatically generated">
-            <a:extLst>
-              <a:ext uri="{FF2B5EF4-FFF2-40B4-BE49-F238E27FC236}">
-                <a16:creationId xmlns:a16="http://schemas.microsoft.com/office/drawing/2014/main" id="{893951CC-E62C-48AE-B7E2-F096699C2CF3}"/>
-              </a:ext>
-            </a:extLst>
-          </p:cNvPr>
-          <p:cNvPicPr>
-            <a:picLocks noChangeAspect="1"/>
-          </p:cNvPicPr>
-          <p:nvPr/>
-        </p:nvPicPr>
-        <p:blipFill>
-          <a:blip r:embed="rId19">
-            <a:extLst>
-              <a:ext uri="{28A0092B-C50C-407E-A947-70E740481C1C}">
-                <a14:useLocalDpi xmlns:a14="http://schemas.microsoft.com/office/drawing/2010/main" val="0"/>
-              </a:ext>
-            </a:extLst>
-          </a:blip>
-          <a:stretch>
-            <a:fillRect/>
-          </a:stretch>
-        </p:blipFill>
-        <p:spPr>
-          <a:xfrm>
-            <a:off x="935616" y="506028"/>
-            <a:ext cx="390153" cy="390153"/>
-          </a:xfrm>
-          <a:prstGeom prst="rect">
-            <a:avLst/>
-          </a:prstGeom>
-        </p:spPr>
-      </p:pic>
-      <p:pic>
-        <p:nvPicPr>
-          <p:cNvPr id="42" name="Picture 41" descr="A picture containing clock&#10;&#10;Description automatically generated">
-            <a:extLst>
-              <a:ext uri="{FF2B5EF4-FFF2-40B4-BE49-F238E27FC236}">
-                <a16:creationId xmlns:a16="http://schemas.microsoft.com/office/drawing/2014/main" id="{79BA6822-C72A-4838-A922-66E4DB0E55AC}"/>
-              </a:ext>
-            </a:extLst>
-          </p:cNvPr>
-          <p:cNvPicPr>
-            <a:picLocks noChangeAspect="1"/>
-          </p:cNvPicPr>
-          <p:nvPr/>
-        </p:nvPicPr>
-        <p:blipFill>
-          <a:blip r:embed="rId20">
-            <a:extLst>
-              <a:ext uri="{28A0092B-C50C-407E-A947-70E740481C1C}">
-                <a14:useLocalDpi xmlns:a14="http://schemas.microsoft.com/office/drawing/2010/main" val="0"/>
-              </a:ext>
-            </a:extLst>
-          </a:blip>
-          <a:stretch>
-            <a:fillRect/>
-          </a:stretch>
-        </p:blipFill>
-        <p:spPr>
-          <a:xfrm>
-            <a:off x="2727199" y="507535"/>
-            <a:ext cx="390153" cy="390153"/>
-          </a:xfrm>
-          <a:prstGeom prst="rect">
-            <a:avLst/>
-          </a:prstGeom>
-        </p:spPr>
-      </p:pic>
-      <p:pic>
-        <p:nvPicPr>
-          <p:cNvPr id="44" name="Picture 43" descr="A close up of a logo&#10;&#10;Description automatically generated">
-            <a:extLst>
-              <a:ext uri="{FF2B5EF4-FFF2-40B4-BE49-F238E27FC236}">
-                <a16:creationId xmlns:a16="http://schemas.microsoft.com/office/drawing/2014/main" id="{9C7E8CA2-5F1E-4E2F-8888-3197EBCE7171}"/>
-              </a:ext>
-            </a:extLst>
-          </p:cNvPr>
-          <p:cNvPicPr>
-            <a:picLocks noChangeAspect="1"/>
-          </p:cNvPicPr>
-          <p:nvPr/>
-        </p:nvPicPr>
-        <p:blipFill>
-          <a:blip r:embed="rId21">
-            <a:extLst>
-              <a:ext uri="{28A0092B-C50C-407E-A947-70E740481C1C}">
-                <a14:useLocalDpi xmlns:a14="http://schemas.microsoft.com/office/drawing/2010/main" val="0"/>
-              </a:ext>
-            </a:extLst>
-          </a:blip>
-          <a:stretch>
-            <a:fillRect/>
-          </a:stretch>
-        </p:blipFill>
-        <p:spPr>
-          <a:xfrm>
-            <a:off x="4881200" y="506028"/>
-            <a:ext cx="390153" cy="390153"/>
-          </a:xfrm>
-          <a:prstGeom prst="rect">
-            <a:avLst/>
-          </a:prstGeom>
-        </p:spPr>
-      </p:pic>
-      <p:pic>
-        <p:nvPicPr>
-          <p:cNvPr id="46" name="Picture 45" descr="A picture containing object, drawing, clock&#10;&#10;Description automatically generated">
-            <a:extLst>
-              <a:ext uri="{FF2B5EF4-FFF2-40B4-BE49-F238E27FC236}">
-                <a16:creationId xmlns:a16="http://schemas.microsoft.com/office/drawing/2014/main" id="{4F6779B2-2CDD-466E-BE8D-3DC3B38B185F}"/>
-              </a:ext>
-            </a:extLst>
-          </p:cNvPr>
-          <p:cNvPicPr>
-            <a:picLocks noChangeAspect="1"/>
-          </p:cNvPicPr>
-          <p:nvPr/>
-        </p:nvPicPr>
-        <p:blipFill>
-          <a:blip r:embed="rId22">
-            <a:extLst>
-              <a:ext uri="{28A0092B-C50C-407E-A947-70E740481C1C}">
-                <a14:useLocalDpi xmlns:a14="http://schemas.microsoft.com/office/drawing/2010/main" val="0"/>
-              </a:ext>
-            </a:extLst>
-          </a:blip>
-          <a:stretch>
-            <a:fillRect/>
-          </a:stretch>
-        </p:blipFill>
-        <p:spPr>
-          <a:xfrm>
-            <a:off x="6802982" y="506028"/>
-            <a:ext cx="390153" cy="390153"/>
-          </a:xfrm>
-          <a:prstGeom prst="rect">
-            <a:avLst/>
-          </a:prstGeom>
-        </p:spPr>
-      </p:pic>
-      <p:pic>
-        <p:nvPicPr>
-          <p:cNvPr id="48" name="Picture 47" descr="A picture containing game&#10;&#10;Description automatically generated">
-            <a:extLst>
-              <a:ext uri="{FF2B5EF4-FFF2-40B4-BE49-F238E27FC236}">
-                <a16:creationId xmlns:a16="http://schemas.microsoft.com/office/drawing/2014/main" id="{FF03DBD6-CC50-4A97-BD33-82244A6C7E6F}"/>
-              </a:ext>
-            </a:extLst>
-          </p:cNvPr>
-          <p:cNvPicPr>
-            <a:picLocks noChangeAspect="1"/>
-          </p:cNvPicPr>
-          <p:nvPr/>
-        </p:nvPicPr>
-        <p:blipFill>
-          <a:blip r:embed="rId23">
-            <a:extLst>
-              <a:ext uri="{28A0092B-C50C-407E-A947-70E740481C1C}">
-                <a14:useLocalDpi xmlns:a14="http://schemas.microsoft.com/office/drawing/2010/main" val="0"/>
-              </a:ext>
-            </a:extLst>
-          </a:blip>
-          <a:stretch>
-            <a:fillRect/>
-          </a:stretch>
-        </p:blipFill>
-        <p:spPr>
-          <a:xfrm>
-            <a:off x="8650677" y="506352"/>
-            <a:ext cx="390153" cy="390153"/>
-          </a:xfrm>
-          <a:prstGeom prst="rect">
-            <a:avLst/>
-          </a:prstGeom>
-        </p:spPr>
-      </p:pic>
-      <p:pic>
-        <p:nvPicPr>
-          <p:cNvPr id="50" name="Picture 49" descr="A close up of a logo&#10;&#10;Description automatically generated">
-            <a:extLst>
-              <a:ext uri="{FF2B5EF4-FFF2-40B4-BE49-F238E27FC236}">
-                <a16:creationId xmlns:a16="http://schemas.microsoft.com/office/drawing/2014/main" id="{779F2AB2-CDEF-415F-AE8D-58D363E55E56}"/>
-              </a:ext>
-            </a:extLst>
-          </p:cNvPr>
-          <p:cNvPicPr>
-            <a:picLocks noChangeAspect="1"/>
-          </p:cNvPicPr>
-          <p:nvPr/>
-        </p:nvPicPr>
-        <p:blipFill>
-          <a:blip r:embed="rId24">
-            <a:extLst>
-              <a:ext uri="{28A0092B-C50C-407E-A947-70E740481C1C}">
-                <a14:useLocalDpi xmlns:a14="http://schemas.microsoft.com/office/drawing/2010/main" val="0"/>
-              </a:ext>
-            </a:extLst>
-          </a:blip>
-          <a:stretch>
-            <a:fillRect/>
-          </a:stretch>
-        </p:blipFill>
-        <p:spPr>
-          <a:xfrm>
-            <a:off x="10768479" y="506027"/>
-            <a:ext cx="390153" cy="390153"/>
-          </a:xfrm>
-          <a:prstGeom prst="rect">
-            <a:avLst/>
-          </a:prstGeom>
-        </p:spPr>
-      </p:pic>
-      <p:pic>
-        <p:nvPicPr>
-          <p:cNvPr id="54" name="Picture 53" descr="A picture containing drawing&#10;&#10;Description automatically generated">
-            <a:extLst>
-              <a:ext uri="{FF2B5EF4-FFF2-40B4-BE49-F238E27FC236}">
-                <a16:creationId xmlns:a16="http://schemas.microsoft.com/office/drawing/2014/main" id="{B5C6B40D-2E6C-4A97-B379-4D03C27B58D2}"/>
-              </a:ext>
-            </a:extLst>
-          </p:cNvPr>
-          <p:cNvPicPr>
-            <a:picLocks noChangeAspect="1"/>
-          </p:cNvPicPr>
-          <p:nvPr/>
-        </p:nvPicPr>
-        <p:blipFill>
-          <a:blip r:embed="rId25">
-            <a:extLst>
-              <a:ext uri="{28A0092B-C50C-407E-A947-70E740481C1C}">
-                <a14:useLocalDpi xmlns:a14="http://schemas.microsoft.com/office/drawing/2010/main" val="0"/>
-              </a:ext>
-            </a:extLst>
-          </a:blip>
-          <a:stretch>
-            <a:fillRect/>
-          </a:stretch>
-        </p:blipFill>
-        <p:spPr>
-          <a:xfrm>
-            <a:off x="10768478" y="3019041"/>
-            <a:ext cx="390153" cy="390153"/>
-          </a:xfrm>
-          <a:prstGeom prst="rect">
-            <a:avLst/>
-          </a:prstGeom>
-        </p:spPr>
-      </p:pic>
-      <p:pic>
-        <p:nvPicPr>
-          <p:cNvPr id="56" name="Picture 55" descr="A close up of a logo&#10;&#10;Description automatically generated">
-            <a:extLst>
-              <a:ext uri="{FF2B5EF4-FFF2-40B4-BE49-F238E27FC236}">
-                <a16:creationId xmlns:a16="http://schemas.microsoft.com/office/drawing/2014/main" id="{4B7097A5-180E-461B-B13C-0CC5B836DD40}"/>
-              </a:ext>
-            </a:extLst>
-          </p:cNvPr>
-          <p:cNvPicPr>
-            <a:picLocks noChangeAspect="1"/>
-          </p:cNvPicPr>
-          <p:nvPr/>
-        </p:nvPicPr>
-        <p:blipFill>
-          <a:blip r:embed="rId26">
-            <a:extLst>
-              <a:ext uri="{28A0092B-C50C-407E-A947-70E740481C1C}">
-                <a14:useLocalDpi xmlns:a14="http://schemas.microsoft.com/office/drawing/2010/main" val="0"/>
-              </a:ext>
-            </a:extLst>
-          </a:blip>
-          <a:stretch>
-            <a:fillRect/>
-          </a:stretch>
-        </p:blipFill>
-        <p:spPr>
-          <a:xfrm>
-            <a:off x="5933633" y="3023311"/>
-            <a:ext cx="390153" cy="390153"/>
-          </a:xfrm>
-          <a:prstGeom prst="rect">
-            <a:avLst/>
-          </a:prstGeom>
-        </p:spPr>
-      </p:pic>
-      <p:sp>
-        <p:nvSpPr>
-          <p:cNvPr id="57" name="TextBox 56">
-            <a:extLst>
-              <a:ext uri="{FF2B5EF4-FFF2-40B4-BE49-F238E27FC236}">
-                <a16:creationId xmlns:a16="http://schemas.microsoft.com/office/drawing/2014/main" id="{24801AF1-40F5-4B78-8B88-3B17F07F3996}"/>
-              </a:ext>
-            </a:extLst>
-          </p:cNvPr>
-          <p:cNvSpPr txBox="1"/>
-          <p:nvPr/>
-        </p:nvSpPr>
-        <p:spPr>
-          <a:xfrm>
-            <a:off x="648070" y="1926452"/>
-            <a:ext cx="1111202" cy="369332"/>
-          </a:xfrm>
-          <a:prstGeom prst="rect">
-            <a:avLst/>
-          </a:prstGeom>
-          <a:noFill/>
-        </p:spPr>
-        <p:txBody>
-          <a:bodyPr wrap="none" rtlCol="0">
-            <a:spAutoFit/>
-          </a:bodyPr>
-          <a:lstStyle/>
-          <a:p>
-            <a:pPr marL="0" marR="0" lvl="0" indent="0" algn="ctr" defTabSz="914400" rtl="0" eaLnBrk="1" fontAlgn="auto" latinLnBrk="0" hangingPunct="1">
-              <a:lnSpc>
-                <a:spcPct val="100000"/>
-              </a:lnSpc>
-              <a:spcBef>
-                <a:spcPts val="0"/>
-              </a:spcBef>
-              <a:spcAft>
-                <a:spcPts val="0"/>
-              </a:spcAft>
-              <a:buClrTx/>
-              <a:buSzTx/>
-              <a:buFontTx/>
-              <a:buNone/>
-              <a:tabLst/>
-              <a:defRPr/>
-            </a:pPr>
-            <a:r>
-              <a:rPr kumimoji="0" lang="en-IN" sz="900" b="0" i="0" u="none" strike="noStrike" kern="1200" cap="none" spc="0" normalizeH="0" baseline="0" noProof="0" dirty="0">
-                <a:ln>
-                  <a:noFill/>
-                </a:ln>
-                <a:solidFill>
-                  <a:srgbClr val="0070C0"/>
-                </a:solidFill>
-                <a:effectLst/>
-                <a:uLnTx/>
-                <a:uFillTx/>
-                <a:latin typeface="Verdana" panose="020B0604030504040204" pitchFamily="34" charset="0"/>
-                <a:ea typeface="Verdana" panose="020B0604030504040204" pitchFamily="34" charset="0"/>
-                <a:cs typeface="+mn-cs"/>
-              </a:rPr>
-              <a:t>Feature Branch </a:t>
-            </a:r>
-          </a:p>
-          <a:p>
-            <a:pPr marL="0" marR="0" lvl="0" indent="0" algn="ctr" defTabSz="914400" rtl="0" eaLnBrk="1" fontAlgn="auto" latinLnBrk="0" hangingPunct="1">
-              <a:lnSpc>
-                <a:spcPct val="100000"/>
-              </a:lnSpc>
-              <a:spcBef>
-                <a:spcPts val="0"/>
-              </a:spcBef>
-              <a:spcAft>
-                <a:spcPts val="0"/>
-              </a:spcAft>
-              <a:buClrTx/>
-              <a:buSzTx/>
-              <a:buFontTx/>
-              <a:buNone/>
-              <a:tabLst/>
-              <a:defRPr/>
-            </a:pPr>
-            <a:r>
-              <a:rPr kumimoji="0" lang="en-IN" sz="900" b="0" i="0" u="none" strike="noStrike" kern="1200" cap="none" spc="0" normalizeH="0" baseline="0" noProof="0" dirty="0">
-                <a:ln>
-                  <a:noFill/>
-                </a:ln>
-                <a:solidFill>
-                  <a:srgbClr val="0070C0"/>
-                </a:solidFill>
-                <a:effectLst/>
-                <a:uLnTx/>
-                <a:uFillTx/>
-                <a:latin typeface="Verdana" panose="020B0604030504040204" pitchFamily="34" charset="0"/>
-                <a:ea typeface="Verdana" panose="020B0604030504040204" pitchFamily="34" charset="0"/>
-                <a:cs typeface="+mn-cs"/>
-              </a:rPr>
-              <a:t>Code </a:t>
-            </a:r>
-          </a:p>
-        </p:txBody>
-      </p:sp>
-      <p:sp>
-        <p:nvSpPr>
-          <p:cNvPr id="59" name="TextBox 58">
-            <a:extLst>
-              <a:ext uri="{FF2B5EF4-FFF2-40B4-BE49-F238E27FC236}">
-                <a16:creationId xmlns:a16="http://schemas.microsoft.com/office/drawing/2014/main" id="{8C126E89-A1A7-4EB3-9DEC-44A16C851BD3}"/>
-              </a:ext>
-            </a:extLst>
-          </p:cNvPr>
-          <p:cNvSpPr txBox="1"/>
-          <p:nvPr/>
-        </p:nvSpPr>
-        <p:spPr>
-          <a:xfrm>
-            <a:off x="2601105" y="1927929"/>
-            <a:ext cx="901209" cy="230832"/>
-          </a:xfrm>
-          <a:prstGeom prst="rect">
-            <a:avLst/>
-          </a:prstGeom>
-          <a:noFill/>
-        </p:spPr>
-        <p:txBody>
-          <a:bodyPr wrap="none" rtlCol="0">
-            <a:spAutoFit/>
-          </a:bodyPr>
-          <a:lstStyle/>
-          <a:p>
-            <a:pPr marL="0" marR="0" lvl="0" indent="0" algn="ctr" defTabSz="914400" rtl="0" eaLnBrk="1" fontAlgn="auto" latinLnBrk="0" hangingPunct="1">
-              <a:lnSpc>
-                <a:spcPct val="100000"/>
-              </a:lnSpc>
-              <a:spcBef>
-                <a:spcPts val="0"/>
-              </a:spcBef>
-              <a:spcAft>
-                <a:spcPts val="0"/>
-              </a:spcAft>
-              <a:buClrTx/>
-              <a:buSzTx/>
-              <a:buFontTx/>
-              <a:buNone/>
-              <a:tabLst/>
-              <a:defRPr/>
-            </a:pPr>
-            <a:r>
-              <a:rPr kumimoji="0" lang="en-IN" sz="900" b="0" i="0" u="none" strike="noStrike" kern="1200" cap="none" spc="0" normalizeH="0" baseline="0" noProof="0" dirty="0">
-                <a:ln>
-                  <a:noFill/>
-                </a:ln>
-                <a:solidFill>
-                  <a:srgbClr val="0070C0"/>
-                </a:solidFill>
-                <a:effectLst/>
-                <a:uLnTx/>
-                <a:uFillTx/>
-                <a:latin typeface="Verdana" panose="020B0604030504040204" pitchFamily="34" charset="0"/>
-                <a:ea typeface="Verdana" panose="020B0604030504040204" pitchFamily="34" charset="0"/>
-                <a:cs typeface="+mn-cs"/>
-              </a:rPr>
-              <a:t>Pull Request</a:t>
-            </a:r>
-          </a:p>
-        </p:txBody>
-      </p:sp>
-      <p:sp>
-        <p:nvSpPr>
-          <p:cNvPr id="60" name="TextBox 59">
-            <a:extLst>
-              <a:ext uri="{FF2B5EF4-FFF2-40B4-BE49-F238E27FC236}">
-                <a16:creationId xmlns:a16="http://schemas.microsoft.com/office/drawing/2014/main" id="{DBCFAD7A-E88C-4A0F-A610-6CBE85188BB1}"/>
-              </a:ext>
-            </a:extLst>
-          </p:cNvPr>
-          <p:cNvSpPr txBox="1"/>
-          <p:nvPr/>
-        </p:nvSpPr>
-        <p:spPr>
-          <a:xfrm>
-            <a:off x="4602471" y="1927928"/>
-            <a:ext cx="857927" cy="230832"/>
-          </a:xfrm>
-          <a:prstGeom prst="rect">
-            <a:avLst/>
-          </a:prstGeom>
-          <a:noFill/>
-        </p:spPr>
-        <p:txBody>
-          <a:bodyPr wrap="none" rtlCol="0">
-            <a:spAutoFit/>
-          </a:bodyPr>
-          <a:lstStyle/>
-          <a:p>
-            <a:pPr marL="0" marR="0" lvl="0" indent="0" algn="ctr" defTabSz="914400" rtl="0" eaLnBrk="1" fontAlgn="auto" latinLnBrk="0" hangingPunct="1">
-              <a:lnSpc>
-                <a:spcPct val="100000"/>
-              </a:lnSpc>
-              <a:spcBef>
-                <a:spcPts val="0"/>
-              </a:spcBef>
-              <a:spcAft>
-                <a:spcPts val="0"/>
-              </a:spcAft>
-              <a:buClrTx/>
-              <a:buSzTx/>
-              <a:buFontTx/>
-              <a:buNone/>
-              <a:tabLst/>
-              <a:defRPr/>
-            </a:pPr>
-            <a:r>
-              <a:rPr kumimoji="0" lang="en-IN" sz="900" b="0" i="0" u="none" strike="noStrike" kern="1200" cap="none" spc="0" normalizeH="0" baseline="0" noProof="0" dirty="0">
-                <a:ln>
-                  <a:noFill/>
-                </a:ln>
-                <a:solidFill>
-                  <a:srgbClr val="0070C0"/>
-                </a:solidFill>
-                <a:effectLst/>
-                <a:uLnTx/>
-                <a:uFillTx/>
-                <a:latin typeface="Verdana" panose="020B0604030504040204" pitchFamily="34" charset="0"/>
-                <a:ea typeface="Verdana" panose="020B0604030504040204" pitchFamily="34" charset="0"/>
-                <a:cs typeface="+mn-cs"/>
-              </a:rPr>
-              <a:t>Gated Build</a:t>
-            </a:r>
-          </a:p>
-        </p:txBody>
-      </p:sp>
-      <p:sp>
-        <p:nvSpPr>
-          <p:cNvPr id="61" name="TextBox 60">
-            <a:extLst>
-              <a:ext uri="{FF2B5EF4-FFF2-40B4-BE49-F238E27FC236}">
-                <a16:creationId xmlns:a16="http://schemas.microsoft.com/office/drawing/2014/main" id="{82C61609-CC07-4FD7-9C30-D031271928D1}"/>
-              </a:ext>
-            </a:extLst>
-          </p:cNvPr>
-          <p:cNvSpPr txBox="1"/>
-          <p:nvPr/>
-        </p:nvSpPr>
-        <p:spPr>
-          <a:xfrm>
-            <a:off x="6518198" y="1927932"/>
-            <a:ext cx="1021433" cy="230832"/>
-          </a:xfrm>
-          <a:prstGeom prst="rect">
-            <a:avLst/>
-          </a:prstGeom>
-          <a:noFill/>
-        </p:spPr>
-        <p:txBody>
-          <a:bodyPr wrap="none" rtlCol="0">
-            <a:spAutoFit/>
-          </a:bodyPr>
-          <a:lstStyle/>
-          <a:p>
-            <a:pPr marL="0" marR="0" lvl="0" indent="0" algn="ctr" defTabSz="914400" rtl="0" eaLnBrk="1" fontAlgn="auto" latinLnBrk="0" hangingPunct="1">
-              <a:lnSpc>
-                <a:spcPct val="100000"/>
-              </a:lnSpc>
-              <a:spcBef>
-                <a:spcPts val="0"/>
-              </a:spcBef>
-              <a:spcAft>
-                <a:spcPts val="0"/>
-              </a:spcAft>
-              <a:buClrTx/>
-              <a:buSzTx/>
-              <a:buFontTx/>
-              <a:buNone/>
-              <a:tabLst/>
-              <a:defRPr/>
-            </a:pPr>
-            <a:r>
-              <a:rPr kumimoji="0" lang="en-IN" sz="900" b="0" i="0" u="none" strike="noStrike" kern="1200" cap="none" spc="0" normalizeH="0" baseline="0" noProof="0" dirty="0">
-                <a:ln>
-                  <a:noFill/>
-                </a:ln>
-                <a:solidFill>
-                  <a:srgbClr val="0070C0"/>
-                </a:solidFill>
-                <a:effectLst/>
-                <a:uLnTx/>
-                <a:uFillTx/>
-                <a:latin typeface="Verdana" panose="020B0604030504040204" pitchFamily="34" charset="0"/>
-                <a:ea typeface="Verdana" panose="020B0604030504040204" pitchFamily="34" charset="0"/>
-                <a:cs typeface="+mn-cs"/>
-              </a:rPr>
-              <a:t>Master Branch</a:t>
-            </a:r>
-          </a:p>
-        </p:txBody>
-      </p:sp>
-      <p:sp>
-        <p:nvSpPr>
-          <p:cNvPr id="62" name="TextBox 61">
-            <a:extLst>
-              <a:ext uri="{FF2B5EF4-FFF2-40B4-BE49-F238E27FC236}">
-                <a16:creationId xmlns:a16="http://schemas.microsoft.com/office/drawing/2014/main" id="{249C46EA-9E6D-44DB-8464-705398B77D4A}"/>
-              </a:ext>
-            </a:extLst>
-          </p:cNvPr>
-          <p:cNvSpPr txBox="1"/>
-          <p:nvPr/>
-        </p:nvSpPr>
-        <p:spPr>
-          <a:xfrm>
-            <a:off x="8474817" y="1927931"/>
-            <a:ext cx="641522" cy="230832"/>
-          </a:xfrm>
-          <a:prstGeom prst="rect">
-            <a:avLst/>
-          </a:prstGeom>
-          <a:noFill/>
-        </p:spPr>
-        <p:txBody>
-          <a:bodyPr wrap="none" rtlCol="0">
-            <a:spAutoFit/>
-          </a:bodyPr>
-          <a:lstStyle/>
-          <a:p>
-            <a:pPr marL="0" marR="0" lvl="0" indent="0" algn="ctr" defTabSz="914400" rtl="0" eaLnBrk="1" fontAlgn="auto" latinLnBrk="0" hangingPunct="1">
-              <a:lnSpc>
-                <a:spcPct val="100000"/>
-              </a:lnSpc>
-              <a:spcBef>
-                <a:spcPts val="0"/>
-              </a:spcBef>
-              <a:spcAft>
-                <a:spcPts val="0"/>
-              </a:spcAft>
-              <a:buClrTx/>
-              <a:buSzTx/>
-              <a:buFontTx/>
-              <a:buNone/>
-              <a:tabLst/>
-              <a:defRPr/>
-            </a:pPr>
-            <a:r>
-              <a:rPr kumimoji="0" lang="en-IN" sz="900" b="0" i="0" u="none" strike="noStrike" kern="1200" cap="none" spc="0" normalizeH="0" baseline="0" noProof="0" dirty="0">
-                <a:ln>
-                  <a:noFill/>
-                </a:ln>
-                <a:solidFill>
-                  <a:srgbClr val="0070C0"/>
-                </a:solidFill>
-                <a:effectLst/>
-                <a:uLnTx/>
-                <a:uFillTx/>
-                <a:latin typeface="Verdana" panose="020B0604030504040204" pitchFamily="34" charset="0"/>
-                <a:ea typeface="Verdana" panose="020B0604030504040204" pitchFamily="34" charset="0"/>
-                <a:cs typeface="+mn-cs"/>
-              </a:rPr>
-              <a:t>CI Build</a:t>
-            </a:r>
-          </a:p>
-        </p:txBody>
-      </p:sp>
-      <p:sp>
-        <p:nvSpPr>
-          <p:cNvPr id="63" name="TextBox 62">
-            <a:extLst>
-              <a:ext uri="{FF2B5EF4-FFF2-40B4-BE49-F238E27FC236}">
-                <a16:creationId xmlns:a16="http://schemas.microsoft.com/office/drawing/2014/main" id="{42143B6B-0DBF-411D-B5F8-55CC77C45241}"/>
-              </a:ext>
-            </a:extLst>
-          </p:cNvPr>
-          <p:cNvSpPr txBox="1"/>
-          <p:nvPr/>
-        </p:nvSpPr>
-        <p:spPr>
-          <a:xfrm>
-            <a:off x="10484864" y="1927928"/>
-            <a:ext cx="1007007" cy="230832"/>
-          </a:xfrm>
-          <a:prstGeom prst="rect">
-            <a:avLst/>
-          </a:prstGeom>
-          <a:noFill/>
-        </p:spPr>
-        <p:txBody>
-          <a:bodyPr wrap="none" rtlCol="0">
-            <a:spAutoFit/>
-          </a:bodyPr>
-          <a:lstStyle/>
-          <a:p>
-            <a:pPr marL="0" marR="0" lvl="0" indent="0" algn="ctr" defTabSz="914400" rtl="0" eaLnBrk="1" fontAlgn="auto" latinLnBrk="0" hangingPunct="1">
-              <a:lnSpc>
-                <a:spcPct val="100000"/>
-              </a:lnSpc>
-              <a:spcBef>
-                <a:spcPts val="0"/>
-              </a:spcBef>
-              <a:spcAft>
-                <a:spcPts val="0"/>
-              </a:spcAft>
-              <a:buClrTx/>
-              <a:buSzTx/>
-              <a:buFontTx/>
-              <a:buNone/>
-              <a:tabLst/>
-              <a:defRPr/>
-            </a:pPr>
-            <a:r>
-              <a:rPr kumimoji="0" lang="en-IN" sz="900" b="0" i="0" u="none" strike="noStrike" kern="1200" cap="none" spc="0" normalizeH="0" baseline="0" noProof="0" dirty="0">
-                <a:ln>
-                  <a:noFill/>
-                </a:ln>
-                <a:solidFill>
-                  <a:srgbClr val="0070C0"/>
-                </a:solidFill>
-                <a:effectLst/>
-                <a:uLnTx/>
-                <a:uFillTx/>
-                <a:latin typeface="Verdana" panose="020B0604030504040204" pitchFamily="34" charset="0"/>
-                <a:ea typeface="Verdana" panose="020B0604030504040204" pitchFamily="34" charset="0"/>
-                <a:cs typeface="+mn-cs"/>
-              </a:rPr>
-              <a:t>Artefacts drop</a:t>
-            </a:r>
-          </a:p>
-        </p:txBody>
-      </p:sp>
-      <p:sp>
-        <p:nvSpPr>
-          <p:cNvPr id="64" name="TextBox 63">
-            <a:extLst>
-              <a:ext uri="{FF2B5EF4-FFF2-40B4-BE49-F238E27FC236}">
-                <a16:creationId xmlns:a16="http://schemas.microsoft.com/office/drawing/2014/main" id="{1B214976-97E2-44AA-89EE-93858B032AF0}"/>
-              </a:ext>
-            </a:extLst>
-          </p:cNvPr>
-          <p:cNvSpPr txBox="1"/>
-          <p:nvPr/>
-        </p:nvSpPr>
-        <p:spPr>
-          <a:xfrm>
-            <a:off x="10673090" y="4406279"/>
-            <a:ext cx="633507" cy="230832"/>
-          </a:xfrm>
-          <a:prstGeom prst="rect">
-            <a:avLst/>
-          </a:prstGeom>
-          <a:noFill/>
-        </p:spPr>
-        <p:txBody>
-          <a:bodyPr wrap="none" rtlCol="0">
-            <a:spAutoFit/>
-          </a:bodyPr>
-          <a:lstStyle/>
-          <a:p>
-            <a:pPr marL="0" marR="0" lvl="0" indent="0" algn="ctr" defTabSz="914400" rtl="0" eaLnBrk="1" fontAlgn="auto" latinLnBrk="0" hangingPunct="1">
-              <a:lnSpc>
-                <a:spcPct val="100000"/>
-              </a:lnSpc>
-              <a:spcBef>
-                <a:spcPts val="0"/>
-              </a:spcBef>
-              <a:spcAft>
-                <a:spcPts val="0"/>
-              </a:spcAft>
-              <a:buClrTx/>
-              <a:buSzTx/>
-              <a:buFontTx/>
-              <a:buNone/>
-              <a:tabLst/>
-              <a:defRPr/>
-            </a:pPr>
-            <a:r>
-              <a:rPr kumimoji="0" lang="en-IN" sz="900" b="0" i="0" u="none" strike="noStrike" kern="1200" cap="none" spc="0" normalizeH="0" baseline="0" noProof="0" dirty="0">
-                <a:ln>
-                  <a:noFill/>
-                </a:ln>
-                <a:solidFill>
-                  <a:srgbClr val="0070C0"/>
-                </a:solidFill>
-                <a:effectLst/>
-                <a:uLnTx/>
-                <a:uFillTx/>
-                <a:latin typeface="Verdana" panose="020B0604030504040204" pitchFamily="34" charset="0"/>
-                <a:ea typeface="Verdana" panose="020B0604030504040204" pitchFamily="34" charset="0"/>
-                <a:cs typeface="+mn-cs"/>
-              </a:rPr>
-              <a:t>Release</a:t>
-            </a:r>
-          </a:p>
-        </p:txBody>
-      </p:sp>
-      <p:sp>
-        <p:nvSpPr>
-          <p:cNvPr id="65" name="TextBox 64">
-            <a:extLst>
-              <a:ext uri="{FF2B5EF4-FFF2-40B4-BE49-F238E27FC236}">
-                <a16:creationId xmlns:a16="http://schemas.microsoft.com/office/drawing/2014/main" id="{B13AA115-519F-4E7B-A289-6AF4CCC85A69}"/>
-              </a:ext>
-            </a:extLst>
-          </p:cNvPr>
-          <p:cNvSpPr txBox="1"/>
-          <p:nvPr/>
-        </p:nvSpPr>
-        <p:spPr>
-          <a:xfrm>
-            <a:off x="5804273" y="3438412"/>
-            <a:ext cx="1045479" cy="230832"/>
-          </a:xfrm>
-          <a:prstGeom prst="rect">
-            <a:avLst/>
-          </a:prstGeom>
-          <a:noFill/>
-        </p:spPr>
-        <p:txBody>
-          <a:bodyPr wrap="none" rtlCol="0">
-            <a:spAutoFit/>
-          </a:bodyPr>
-          <a:lstStyle/>
-          <a:p>
-            <a:pPr marL="0" marR="0" lvl="0" indent="0" algn="ctr" defTabSz="914400" rtl="0" eaLnBrk="1" fontAlgn="auto" latinLnBrk="0" hangingPunct="1">
-              <a:lnSpc>
-                <a:spcPct val="100000"/>
-              </a:lnSpc>
-              <a:spcBef>
-                <a:spcPts val="0"/>
-              </a:spcBef>
-              <a:spcAft>
-                <a:spcPts val="0"/>
-              </a:spcAft>
-              <a:buClrTx/>
-              <a:buSzTx/>
-              <a:buFontTx/>
-              <a:buNone/>
-              <a:tabLst/>
-              <a:defRPr/>
-            </a:pPr>
-            <a:r>
-              <a:rPr kumimoji="0" lang="en-IN" sz="900" b="0" i="0" u="none" strike="noStrike" kern="1200" cap="none" spc="0" normalizeH="0" baseline="0" noProof="0" dirty="0">
-                <a:ln>
-                  <a:noFill/>
-                </a:ln>
-                <a:solidFill>
-                  <a:srgbClr val="0070C0"/>
-                </a:solidFill>
-                <a:effectLst/>
-                <a:uLnTx/>
-                <a:uFillTx/>
-                <a:latin typeface="Verdana" panose="020B0604030504040204" pitchFamily="34" charset="0"/>
-                <a:ea typeface="Verdana" panose="020B0604030504040204" pitchFamily="34" charset="0"/>
-                <a:cs typeface="+mn-cs"/>
-              </a:rPr>
-              <a:t>Environment A</a:t>
-            </a:r>
-          </a:p>
-        </p:txBody>
-      </p:sp>
-    </p:spTree>
-    <p:extLst>
-      <p:ext uri="{BB962C8B-B14F-4D97-AF65-F5344CB8AC3E}">
-        <p14:creationId xmlns:p14="http://schemas.microsoft.com/office/powerpoint/2010/main" val="2001996074"/>
       </p:ext>
     </p:extLst>
   </p:cSld>

--- a/Documentation/Architecture.pptx
+++ b/Documentation/Architecture.pptx
@@ -29850,7 +29850,7 @@
       </p:grpSpPr>
       <p:sp>
         <p:nvSpPr>
-          <p:cNvPr id="15" name="Rectangle 14">
+          <p:cNvPr id="20" name="Rectangle 19">
             <a:extLst>
               <a:ext uri="{FF2B5EF4-FFF2-40B4-BE49-F238E27FC236}">
                 <a16:creationId xmlns:a16="http://schemas.microsoft.com/office/drawing/2014/main" id="{42A4FC2C-047E-45A5-965D-8E1E3BF09BC6}"/>
@@ -30005,10 +30005,10 @@
       </p:sp>
       <p:pic>
         <p:nvPicPr>
-          <p:cNvPr id="7" name="Picture 6" descr="Graphical user interface, text, application&#10;&#10;Description automatically generated">
+          <p:cNvPr id="3" name="Picture 2" descr="Graphical user interface, timeline&#10;&#10;Description automatically generated">
             <a:extLst>
               <a:ext uri="{FF2B5EF4-FFF2-40B4-BE49-F238E27FC236}">
-                <a16:creationId xmlns:a16="http://schemas.microsoft.com/office/drawing/2014/main" id="{DE1D1F96-83F2-0B51-8FB8-308AB927CA0A}"/>
+                <a16:creationId xmlns:a16="http://schemas.microsoft.com/office/drawing/2014/main" id="{789E144F-F4F6-391F-7951-54F10625E726}"/>
               </a:ext>
             </a:extLst>
           </p:cNvPr>
@@ -30018,14 +30018,8 @@
           <p:nvPr/>
         </p:nvPicPr>
         <p:blipFill rotWithShape="1">
-          <a:blip r:embed="rId2">
-            <a:extLst>
-              <a:ext uri="{28A0092B-C50C-407E-A947-70E740481C1C}">
-                <a14:useLocalDpi xmlns:a14="http://schemas.microsoft.com/office/drawing/2010/main" val="0"/>
-              </a:ext>
-            </a:extLst>
-          </a:blip>
-          <a:srcRect t="11166" b="15558"/>
+          <a:blip r:embed="rId2"/>
+          <a:srcRect b="19"/>
           <a:stretch/>
         </p:blipFill>
         <p:spPr>

--- a/Documentation/Architecture.pptx
+++ b/Documentation/Architecture.pptx
@@ -7,22 +7,23 @@
   <p:sldIdLst>
     <p:sldId id="333" r:id="rId2"/>
     <p:sldId id="340" r:id="rId3"/>
-    <p:sldId id="348" r:id="rId4"/>
-    <p:sldId id="344" r:id="rId5"/>
-    <p:sldId id="256" r:id="rId6"/>
-    <p:sldId id="343" r:id="rId7"/>
-    <p:sldId id="347" r:id="rId8"/>
-    <p:sldId id="346" r:id="rId9"/>
-    <p:sldId id="345" r:id="rId10"/>
-    <p:sldId id="282" r:id="rId11"/>
-    <p:sldId id="342" r:id="rId12"/>
-    <p:sldId id="341" r:id="rId13"/>
-    <p:sldId id="335" r:id="rId14"/>
-    <p:sldId id="336" r:id="rId15"/>
-    <p:sldId id="338" r:id="rId16"/>
-    <p:sldId id="337" r:id="rId17"/>
-    <p:sldId id="339" r:id="rId18"/>
-    <p:sldId id="334" r:id="rId19"/>
+    <p:sldId id="349" r:id="rId4"/>
+    <p:sldId id="348" r:id="rId5"/>
+    <p:sldId id="344" r:id="rId6"/>
+    <p:sldId id="256" r:id="rId7"/>
+    <p:sldId id="343" r:id="rId8"/>
+    <p:sldId id="347" r:id="rId9"/>
+    <p:sldId id="346" r:id="rId10"/>
+    <p:sldId id="345" r:id="rId11"/>
+    <p:sldId id="282" r:id="rId12"/>
+    <p:sldId id="342" r:id="rId13"/>
+    <p:sldId id="341" r:id="rId14"/>
+    <p:sldId id="335" r:id="rId15"/>
+    <p:sldId id="336" r:id="rId16"/>
+    <p:sldId id="338" r:id="rId17"/>
+    <p:sldId id="337" r:id="rId18"/>
+    <p:sldId id="339" r:id="rId19"/>
+    <p:sldId id="334" r:id="rId20"/>
   </p:sldIdLst>
   <p:sldSz cx="12192000" cy="6858000"/>
   <p:notesSz cx="6858000" cy="9144000"/>
@@ -6123,6 +6124,118 @@
           <a:chExt cx="0" cy="0"/>
         </a:xfrm>
       </p:grpSpPr>
+      <p:pic>
+        <p:nvPicPr>
+          <p:cNvPr id="3" name="Picture 2" descr="Graphical user interface, text, application&#10;&#10;Description automatically generated">
+            <a:extLst>
+              <a:ext uri="{FF2B5EF4-FFF2-40B4-BE49-F238E27FC236}">
+                <a16:creationId xmlns:a16="http://schemas.microsoft.com/office/drawing/2014/main" id="{5F10DE46-1C76-C9C5-5B2A-2AAED0099F1C}"/>
+              </a:ext>
+            </a:extLst>
+          </p:cNvPr>
+          <p:cNvPicPr>
+            <a:picLocks noChangeAspect="1"/>
+          </p:cNvPicPr>
+          <p:nvPr/>
+        </p:nvPicPr>
+        <p:blipFill>
+          <a:blip r:embed="rId2">
+            <a:extLst>
+              <a:ext uri="{28A0092B-C50C-407E-A947-70E740481C1C}">
+                <a14:useLocalDpi xmlns:a14="http://schemas.microsoft.com/office/drawing/2010/main" val="0"/>
+              </a:ext>
+            </a:extLst>
+          </a:blip>
+          <a:stretch>
+            <a:fillRect/>
+          </a:stretch>
+        </p:blipFill>
+        <p:spPr>
+          <a:xfrm>
+            <a:off x="38908" y="39095"/>
+            <a:ext cx="12114180" cy="4089846"/>
+          </a:xfrm>
+          <a:prstGeom prst="rect">
+            <a:avLst/>
+          </a:prstGeom>
+          <a:ln>
+            <a:solidFill>
+              <a:srgbClr val="002060"/>
+            </a:solidFill>
+          </a:ln>
+        </p:spPr>
+      </p:pic>
+      <p:pic>
+        <p:nvPicPr>
+          <p:cNvPr id="6" name="Picture 5" descr="Graphical user interface, application&#10;&#10;Description automatically generated">
+            <a:extLst>
+              <a:ext uri="{FF2B5EF4-FFF2-40B4-BE49-F238E27FC236}">
+                <a16:creationId xmlns:a16="http://schemas.microsoft.com/office/drawing/2014/main" id="{64AF3A08-04CD-CC9D-5888-D2D73AD3088A}"/>
+              </a:ext>
+            </a:extLst>
+          </p:cNvPr>
+          <p:cNvPicPr>
+            <a:picLocks noChangeAspect="1"/>
+          </p:cNvPicPr>
+          <p:nvPr/>
+        </p:nvPicPr>
+        <p:blipFill>
+          <a:blip r:embed="rId3">
+            <a:extLst>
+              <a:ext uri="{28A0092B-C50C-407E-A947-70E740481C1C}">
+                <a14:useLocalDpi xmlns:a14="http://schemas.microsoft.com/office/drawing/2010/main" val="0"/>
+              </a:ext>
+            </a:extLst>
+          </a:blip>
+          <a:stretch>
+            <a:fillRect/>
+          </a:stretch>
+        </p:blipFill>
+        <p:spPr>
+          <a:xfrm>
+            <a:off x="48640" y="4194925"/>
+            <a:ext cx="12104448" cy="2623979"/>
+          </a:xfrm>
+          <a:prstGeom prst="rect">
+            <a:avLst/>
+          </a:prstGeom>
+          <a:ln>
+            <a:solidFill>
+              <a:schemeClr val="accent1"/>
+            </a:solidFill>
+          </a:ln>
+        </p:spPr>
+      </p:pic>
+    </p:spTree>
+    <p:extLst>
+      <p:ext uri="{BB962C8B-B14F-4D97-AF65-F5344CB8AC3E}">
+        <p14:creationId xmlns:p14="http://schemas.microsoft.com/office/powerpoint/2010/main" val="4262798318"/>
+      </p:ext>
+    </p:extLst>
+  </p:cSld>
+  <p:clrMapOvr>
+    <a:masterClrMapping/>
+  </p:clrMapOvr>
+</p:sld>
+</file>
+
+<file path=ppt/slides/slide11.xml><?xml version="1.0" encoding="utf-8"?>
+<p:sld xmlns:a="http://schemas.openxmlformats.org/drawingml/2006/main" xmlns:r="http://schemas.openxmlformats.org/officeDocument/2006/relationships" xmlns:p="http://schemas.openxmlformats.org/presentationml/2006/main">
+  <p:cSld>
+    <p:spTree>
+      <p:nvGrpSpPr>
+        <p:cNvPr id="1" name=""/>
+        <p:cNvGrpSpPr/>
+        <p:nvPr/>
+      </p:nvGrpSpPr>
+      <p:grpSpPr>
+        <a:xfrm>
+          <a:off x="0" y="0"/>
+          <a:ext cx="0" cy="0"/>
+          <a:chOff x="0" y="0"/>
+          <a:chExt cx="0" cy="0"/>
+        </a:xfrm>
+      </p:grpSpPr>
       <p:sp>
         <p:nvSpPr>
           <p:cNvPr id="4" name="Rectangle 3">
@@ -6434,7 +6547,7 @@
                 <a:tabLst/>
                 <a:defRPr/>
               </a:pPr>
-              <a:t>10</a:t>
+              <a:t>11</a:t>
             </a:fld>
             <a:endParaRPr kumimoji="0" lang="en-IN" sz="1200" b="1" i="0" u="none" strike="noStrike" kern="1200" cap="none" spc="0" normalizeH="0" baseline="0" noProof="0" dirty="0">
               <a:ln>
@@ -8063,7 +8176,7 @@
 </p:sld>
 </file>
 
-<file path=ppt/slides/slide11.xml><?xml version="1.0" encoding="utf-8"?>
+<file path=ppt/slides/slide12.xml><?xml version="1.0" encoding="utf-8"?>
 <p:sld xmlns:a="http://schemas.openxmlformats.org/drawingml/2006/main" xmlns:r="http://schemas.openxmlformats.org/officeDocument/2006/relationships" xmlns:p="http://schemas.openxmlformats.org/presentationml/2006/main">
   <p:cSld>
     <p:bg>
@@ -8291,7 +8404,7 @@
 </p:sld>
 </file>
 
-<file path=ppt/slides/slide12.xml><?xml version="1.0" encoding="utf-8"?>
+<file path=ppt/slides/slide13.xml><?xml version="1.0" encoding="utf-8"?>
 <p:sld xmlns:a="http://schemas.openxmlformats.org/drawingml/2006/main" xmlns:r="http://schemas.openxmlformats.org/officeDocument/2006/relationships" xmlns:p="http://schemas.openxmlformats.org/presentationml/2006/main">
   <p:cSld>
     <p:bg>
@@ -8519,7 +8632,7 @@
 </p:sld>
 </file>
 
-<file path=ppt/slides/slide13.xml><?xml version="1.0" encoding="utf-8"?>
+<file path=ppt/slides/slide14.xml><?xml version="1.0" encoding="utf-8"?>
 <p:sld xmlns:a="http://schemas.openxmlformats.org/drawingml/2006/main" xmlns:r="http://schemas.openxmlformats.org/officeDocument/2006/relationships" xmlns:p="http://schemas.openxmlformats.org/presentationml/2006/main">
   <p:cSld>
     <p:bg>
@@ -8902,7 +9015,7 @@
 </p:sld>
 </file>
 
-<file path=ppt/slides/slide14.xml><?xml version="1.0" encoding="utf-8"?>
+<file path=ppt/slides/slide15.xml><?xml version="1.0" encoding="utf-8"?>
 <p:sld xmlns:a="http://schemas.openxmlformats.org/drawingml/2006/main" xmlns:r="http://schemas.openxmlformats.org/officeDocument/2006/relationships" xmlns:p="http://schemas.openxmlformats.org/presentationml/2006/main">
   <p:cSld>
     <p:spTree>
@@ -13776,7 +13889,7 @@
 </p:sld>
 </file>
 
-<file path=ppt/slides/slide15.xml><?xml version="1.0" encoding="utf-8"?>
+<file path=ppt/slides/slide16.xml><?xml version="1.0" encoding="utf-8"?>
 <p:sld xmlns:a="http://schemas.openxmlformats.org/drawingml/2006/main" xmlns:r="http://schemas.openxmlformats.org/officeDocument/2006/relationships" xmlns:p="http://schemas.openxmlformats.org/presentationml/2006/main">
   <p:cSld>
     <p:spTree>
@@ -20143,7 +20256,7 @@
 </p:sld>
 </file>
 
-<file path=ppt/slides/slide16.xml><?xml version="1.0" encoding="utf-8"?>
+<file path=ppt/slides/slide17.xml><?xml version="1.0" encoding="utf-8"?>
 <p:sld xmlns:a="http://schemas.openxmlformats.org/drawingml/2006/main" xmlns:r="http://schemas.openxmlformats.org/officeDocument/2006/relationships" xmlns:p="http://schemas.openxmlformats.org/presentationml/2006/main">
   <p:cSld>
     <p:spTree>
@@ -25896,7 +26009,7 @@
 </p:sld>
 </file>
 
-<file path=ppt/slides/slide17.xml><?xml version="1.0" encoding="utf-8"?>
+<file path=ppt/slides/slide18.xml><?xml version="1.0" encoding="utf-8"?>
 <p:sld xmlns:a="http://schemas.openxmlformats.org/drawingml/2006/main" xmlns:r="http://schemas.openxmlformats.org/officeDocument/2006/relationships" xmlns:p="http://schemas.openxmlformats.org/presentationml/2006/main">
   <p:cSld>
     <p:spTree>
@@ -26315,7 +26428,7 @@
 </p:sld>
 </file>
 
-<file path=ppt/slides/slide18.xml><?xml version="1.0" encoding="utf-8"?>
+<file path=ppt/slides/slide19.xml><?xml version="1.0" encoding="utf-8"?>
 <p:sld xmlns:a="http://schemas.openxmlformats.org/drawingml/2006/main" xmlns:r="http://schemas.openxmlformats.org/officeDocument/2006/relationships" xmlns:p="http://schemas.openxmlformats.org/presentationml/2006/main">
   <p:cSld>
     <p:spTree>
@@ -29850,6 +29963,234 @@
       </p:grpSpPr>
       <p:sp>
         <p:nvSpPr>
+          <p:cNvPr id="9" name="Rectangle 8">
+            <a:extLst>
+              <a:ext uri="{FF2B5EF4-FFF2-40B4-BE49-F238E27FC236}">
+                <a16:creationId xmlns:a16="http://schemas.microsoft.com/office/drawing/2014/main" id="{42A4FC2C-047E-45A5-965D-8E1E3BF09BC6}"/>
+              </a:ext>
+              <a:ext uri="{C183D7F6-B498-43B3-948B-1728B52AA6E4}">
+                <adec:decorative xmlns:adec="http://schemas.microsoft.com/office/drawing/2017/decorative" val="1"/>
+              </a:ext>
+            </a:extLst>
+          </p:cNvPr>
+          <p:cNvSpPr>
+            <a:spLocks noGrp="1" noRot="1" noChangeAspect="1" noMove="1" noResize="1" noEditPoints="1" noAdjustHandles="1" noChangeArrowheads="1" noChangeShapeType="1" noTextEdit="1"/>
+          </p:cNvSpPr>
+          <p:nvPr>
+            <p:extLst>
+              <p:ext uri="{386F3935-93C4-4BCD-93E2-E3B085C9AB24}">
+                <p16:designElem xmlns:p16="http://schemas.microsoft.com/office/powerpoint/2015/main" val="1"/>
+              </p:ext>
+            </p:extLst>
+          </p:nvPr>
+        </p:nvSpPr>
+        <p:spPr bwMode="white">
+          <a:xfrm>
+            <a:off x="1524" y="0"/>
+            <a:ext cx="12188952" cy="6858000"/>
+          </a:xfrm>
+          <a:prstGeom prst="rect">
+            <a:avLst/>
+          </a:prstGeom>
+          <a:noFill/>
+          <a:ln>
+            <a:noFill/>
+          </a:ln>
+        </p:spPr>
+        <p:style>
+          <a:lnRef idx="2">
+            <a:schemeClr val="accent1">
+              <a:shade val="50000"/>
+            </a:schemeClr>
+          </a:lnRef>
+          <a:fillRef idx="1">
+            <a:schemeClr val="accent1"/>
+          </a:fillRef>
+          <a:effectRef idx="0">
+            <a:schemeClr val="accent1"/>
+          </a:effectRef>
+          <a:fontRef idx="minor">
+            <a:schemeClr val="lt1"/>
+          </a:fontRef>
+        </p:style>
+        <p:txBody>
+          <a:bodyPr rtlCol="0" anchor="ctr"/>
+          <a:lstStyle>
+            <a:defPPr>
+              <a:defRPr lang="en-US"/>
+            </a:defPPr>
+            <a:lvl1pPr marL="0" algn="l" defTabSz="914400" rtl="0" eaLnBrk="1" latinLnBrk="0" hangingPunct="1">
+              <a:defRPr sz="1800" kern="1200">
+                <a:solidFill>
+                  <a:schemeClr val="lt1"/>
+                </a:solidFill>
+                <a:latin typeface="+mn-lt"/>
+                <a:ea typeface="+mn-ea"/>
+                <a:cs typeface="+mn-cs"/>
+              </a:defRPr>
+            </a:lvl1pPr>
+            <a:lvl2pPr marL="457200" algn="l" defTabSz="914400" rtl="0" eaLnBrk="1" latinLnBrk="0" hangingPunct="1">
+              <a:defRPr sz="1800" kern="1200">
+                <a:solidFill>
+                  <a:schemeClr val="lt1"/>
+                </a:solidFill>
+                <a:latin typeface="+mn-lt"/>
+                <a:ea typeface="+mn-ea"/>
+                <a:cs typeface="+mn-cs"/>
+              </a:defRPr>
+            </a:lvl2pPr>
+            <a:lvl3pPr marL="914400" algn="l" defTabSz="914400" rtl="0" eaLnBrk="1" latinLnBrk="0" hangingPunct="1">
+              <a:defRPr sz="1800" kern="1200">
+                <a:solidFill>
+                  <a:schemeClr val="lt1"/>
+                </a:solidFill>
+                <a:latin typeface="+mn-lt"/>
+                <a:ea typeface="+mn-ea"/>
+                <a:cs typeface="+mn-cs"/>
+              </a:defRPr>
+            </a:lvl3pPr>
+            <a:lvl4pPr marL="1371600" algn="l" defTabSz="914400" rtl="0" eaLnBrk="1" latinLnBrk="0" hangingPunct="1">
+              <a:defRPr sz="1800" kern="1200">
+                <a:solidFill>
+                  <a:schemeClr val="lt1"/>
+                </a:solidFill>
+                <a:latin typeface="+mn-lt"/>
+                <a:ea typeface="+mn-ea"/>
+                <a:cs typeface="+mn-cs"/>
+              </a:defRPr>
+            </a:lvl4pPr>
+            <a:lvl5pPr marL="1828800" algn="l" defTabSz="914400" rtl="0" eaLnBrk="1" latinLnBrk="0" hangingPunct="1">
+              <a:defRPr sz="1800" kern="1200">
+                <a:solidFill>
+                  <a:schemeClr val="lt1"/>
+                </a:solidFill>
+                <a:latin typeface="+mn-lt"/>
+                <a:ea typeface="+mn-ea"/>
+                <a:cs typeface="+mn-cs"/>
+              </a:defRPr>
+            </a:lvl5pPr>
+            <a:lvl6pPr marL="2286000" algn="l" defTabSz="914400" rtl="0" eaLnBrk="1" latinLnBrk="0" hangingPunct="1">
+              <a:defRPr sz="1800" kern="1200">
+                <a:solidFill>
+                  <a:schemeClr val="lt1"/>
+                </a:solidFill>
+                <a:latin typeface="+mn-lt"/>
+                <a:ea typeface="+mn-ea"/>
+                <a:cs typeface="+mn-cs"/>
+              </a:defRPr>
+            </a:lvl6pPr>
+            <a:lvl7pPr marL="2743200" algn="l" defTabSz="914400" rtl="0" eaLnBrk="1" latinLnBrk="0" hangingPunct="1">
+              <a:defRPr sz="1800" kern="1200">
+                <a:solidFill>
+                  <a:schemeClr val="lt1"/>
+                </a:solidFill>
+                <a:latin typeface="+mn-lt"/>
+                <a:ea typeface="+mn-ea"/>
+                <a:cs typeface="+mn-cs"/>
+              </a:defRPr>
+            </a:lvl7pPr>
+            <a:lvl8pPr marL="3200400" algn="l" defTabSz="914400" rtl="0" eaLnBrk="1" latinLnBrk="0" hangingPunct="1">
+              <a:defRPr sz="1800" kern="1200">
+                <a:solidFill>
+                  <a:schemeClr val="lt1"/>
+                </a:solidFill>
+                <a:latin typeface="+mn-lt"/>
+                <a:ea typeface="+mn-ea"/>
+                <a:cs typeface="+mn-cs"/>
+              </a:defRPr>
+            </a:lvl8pPr>
+            <a:lvl9pPr marL="3657600" algn="l" defTabSz="914400" rtl="0" eaLnBrk="1" latinLnBrk="0" hangingPunct="1">
+              <a:defRPr sz="1800" kern="1200">
+                <a:solidFill>
+                  <a:schemeClr val="lt1"/>
+                </a:solidFill>
+                <a:latin typeface="+mn-lt"/>
+                <a:ea typeface="+mn-ea"/>
+                <a:cs typeface="+mn-cs"/>
+              </a:defRPr>
+            </a:lvl9pPr>
+          </a:lstStyle>
+          <a:p>
+            <a:pPr algn="ctr"/>
+            <a:endParaRPr lang="en-US"/>
+          </a:p>
+        </p:txBody>
+      </p:sp>
+      <p:pic>
+        <p:nvPicPr>
+          <p:cNvPr id="4" name="Picture 3" descr="Graphical user interface, text, application&#10;&#10;Description automatically generated">
+            <a:extLst>
+              <a:ext uri="{FF2B5EF4-FFF2-40B4-BE49-F238E27FC236}">
+                <a16:creationId xmlns:a16="http://schemas.microsoft.com/office/drawing/2014/main" id="{A4FBCD18-DB97-3919-C38C-11AC03AEF93E}"/>
+              </a:ext>
+            </a:extLst>
+          </p:cNvPr>
+          <p:cNvPicPr>
+            <a:picLocks noChangeAspect="1"/>
+          </p:cNvPicPr>
+          <p:nvPr/>
+        </p:nvPicPr>
+        <p:blipFill rotWithShape="1">
+          <a:blip r:embed="rId2">
+            <a:extLst>
+              <a:ext uri="{28A0092B-C50C-407E-A947-70E740481C1C}">
+                <a14:useLocalDpi xmlns:a14="http://schemas.microsoft.com/office/drawing/2010/main" val="0"/>
+              </a:ext>
+            </a:extLst>
+          </a:blip>
+          <a:srcRect t="15019" b="18030"/>
+          <a:stretch/>
+        </p:blipFill>
+        <p:spPr>
+          <a:xfrm>
+            <a:off x="20" y="1282"/>
+            <a:ext cx="12191980" cy="6856718"/>
+          </a:xfrm>
+          <a:prstGeom prst="rect">
+            <a:avLst/>
+          </a:prstGeom>
+        </p:spPr>
+      </p:pic>
+    </p:spTree>
+    <p:extLst>
+      <p:ext uri="{BB962C8B-B14F-4D97-AF65-F5344CB8AC3E}">
+        <p14:creationId xmlns:p14="http://schemas.microsoft.com/office/powerpoint/2010/main" val="4071482095"/>
+      </p:ext>
+    </p:extLst>
+  </p:cSld>
+  <p:clrMapOvr>
+    <a:masterClrMapping/>
+  </p:clrMapOvr>
+</p:sld>
+</file>
+
+<file path=ppt/slides/slide4.xml><?xml version="1.0" encoding="utf-8"?>
+<p:sld xmlns:a="http://schemas.openxmlformats.org/drawingml/2006/main" xmlns:r="http://schemas.openxmlformats.org/officeDocument/2006/relationships" xmlns:p="http://schemas.openxmlformats.org/presentationml/2006/main">
+  <p:cSld>
+    <p:bg>
+      <p:bgPr>
+        <a:solidFill>
+          <a:schemeClr val="bg1"/>
+        </a:solidFill>
+        <a:effectLst/>
+      </p:bgPr>
+    </p:bg>
+    <p:spTree>
+      <p:nvGrpSpPr>
+        <p:cNvPr id="1" name=""/>
+        <p:cNvGrpSpPr/>
+        <p:nvPr/>
+      </p:nvGrpSpPr>
+      <p:grpSpPr>
+        <a:xfrm>
+          <a:off x="0" y="0"/>
+          <a:ext cx="0" cy="0"/>
+          <a:chOff x="0" y="0"/>
+          <a:chExt cx="0" cy="0"/>
+        </a:xfrm>
+      </p:grpSpPr>
+      <p:sp>
+        <p:nvSpPr>
           <p:cNvPr id="20" name="Rectangle 19">
             <a:extLst>
               <a:ext uri="{FF2B5EF4-FFF2-40B4-BE49-F238E27FC236}">
@@ -30045,7 +30386,7 @@
 </p:sld>
 </file>
 
-<file path=ppt/slides/slide4.xml><?xml version="1.0" encoding="utf-8"?>
+<file path=ppt/slides/slide5.xml><?xml version="1.0" encoding="utf-8"?>
 <p:sld xmlns:a="http://schemas.openxmlformats.org/drawingml/2006/main" xmlns:r="http://schemas.openxmlformats.org/officeDocument/2006/relationships" xmlns:p="http://schemas.openxmlformats.org/presentationml/2006/main">
   <p:cSld>
     <p:spTree>
@@ -36412,7 +36753,7 @@
 </p:sld>
 </file>
 
-<file path=ppt/slides/slide5.xml><?xml version="1.0" encoding="utf-8"?>
+<file path=ppt/slides/slide6.xml><?xml version="1.0" encoding="utf-8"?>
 <p:sld xmlns:a="http://schemas.openxmlformats.org/drawingml/2006/main" xmlns:r="http://schemas.openxmlformats.org/officeDocument/2006/relationships" xmlns:p="http://schemas.openxmlformats.org/presentationml/2006/main">
   <p:cSld>
     <p:spTree>
@@ -36835,7 +37176,7 @@
 </p:sld>
 </file>
 
-<file path=ppt/slides/slide6.xml><?xml version="1.0" encoding="utf-8"?>
+<file path=ppt/slides/slide7.xml><?xml version="1.0" encoding="utf-8"?>
 <p:sld xmlns:a="http://schemas.openxmlformats.org/drawingml/2006/main" xmlns:r="http://schemas.openxmlformats.org/officeDocument/2006/relationships" xmlns:p="http://schemas.openxmlformats.org/presentationml/2006/main">
   <p:cSld>
     <p:spTree>
@@ -37640,7 +37981,7 @@
 </p:sld>
 </file>
 
-<file path=ppt/slides/slide7.xml><?xml version="1.0" encoding="utf-8"?>
+<file path=ppt/slides/slide8.xml><?xml version="1.0" encoding="utf-8"?>
 <p:sld xmlns:a="http://schemas.openxmlformats.org/drawingml/2006/main" xmlns:r="http://schemas.openxmlformats.org/officeDocument/2006/relationships" xmlns:p="http://schemas.openxmlformats.org/presentationml/2006/main">
   <p:cSld>
     <p:bg>
@@ -37868,7 +38209,7 @@
 </p:sld>
 </file>
 
-<file path=ppt/slides/slide8.xml><?xml version="1.0" encoding="utf-8"?>
+<file path=ppt/slides/slide9.xml><?xml version="1.0" encoding="utf-8"?>
 <p:sld xmlns:a="http://schemas.openxmlformats.org/drawingml/2006/main" xmlns:r="http://schemas.openxmlformats.org/officeDocument/2006/relationships" xmlns:p="http://schemas.openxmlformats.org/presentationml/2006/main">
   <p:cSld>
     <p:spTree>
@@ -37971,118 +38312,6 @@
     <p:extLst>
       <p:ext uri="{BB962C8B-B14F-4D97-AF65-F5344CB8AC3E}">
         <p14:creationId xmlns:p14="http://schemas.microsoft.com/office/powerpoint/2010/main" val="1846930178"/>
-      </p:ext>
-    </p:extLst>
-  </p:cSld>
-  <p:clrMapOvr>
-    <a:masterClrMapping/>
-  </p:clrMapOvr>
-</p:sld>
-</file>
-
-<file path=ppt/slides/slide9.xml><?xml version="1.0" encoding="utf-8"?>
-<p:sld xmlns:a="http://schemas.openxmlformats.org/drawingml/2006/main" xmlns:r="http://schemas.openxmlformats.org/officeDocument/2006/relationships" xmlns:p="http://schemas.openxmlformats.org/presentationml/2006/main">
-  <p:cSld>
-    <p:spTree>
-      <p:nvGrpSpPr>
-        <p:cNvPr id="1" name=""/>
-        <p:cNvGrpSpPr/>
-        <p:nvPr/>
-      </p:nvGrpSpPr>
-      <p:grpSpPr>
-        <a:xfrm>
-          <a:off x="0" y="0"/>
-          <a:ext cx="0" cy="0"/>
-          <a:chOff x="0" y="0"/>
-          <a:chExt cx="0" cy="0"/>
-        </a:xfrm>
-      </p:grpSpPr>
-      <p:pic>
-        <p:nvPicPr>
-          <p:cNvPr id="3" name="Picture 2" descr="Graphical user interface, text, application&#10;&#10;Description automatically generated">
-            <a:extLst>
-              <a:ext uri="{FF2B5EF4-FFF2-40B4-BE49-F238E27FC236}">
-                <a16:creationId xmlns:a16="http://schemas.microsoft.com/office/drawing/2014/main" id="{5F10DE46-1C76-C9C5-5B2A-2AAED0099F1C}"/>
-              </a:ext>
-            </a:extLst>
-          </p:cNvPr>
-          <p:cNvPicPr>
-            <a:picLocks noChangeAspect="1"/>
-          </p:cNvPicPr>
-          <p:nvPr/>
-        </p:nvPicPr>
-        <p:blipFill>
-          <a:blip r:embed="rId2">
-            <a:extLst>
-              <a:ext uri="{28A0092B-C50C-407E-A947-70E740481C1C}">
-                <a14:useLocalDpi xmlns:a14="http://schemas.microsoft.com/office/drawing/2010/main" val="0"/>
-              </a:ext>
-            </a:extLst>
-          </a:blip>
-          <a:stretch>
-            <a:fillRect/>
-          </a:stretch>
-        </p:blipFill>
-        <p:spPr>
-          <a:xfrm>
-            <a:off x="38908" y="39095"/>
-            <a:ext cx="12114180" cy="4089846"/>
-          </a:xfrm>
-          <a:prstGeom prst="rect">
-            <a:avLst/>
-          </a:prstGeom>
-          <a:ln>
-            <a:solidFill>
-              <a:srgbClr val="002060"/>
-            </a:solidFill>
-          </a:ln>
-        </p:spPr>
-      </p:pic>
-      <p:pic>
-        <p:nvPicPr>
-          <p:cNvPr id="6" name="Picture 5" descr="Graphical user interface, application&#10;&#10;Description automatically generated">
-            <a:extLst>
-              <a:ext uri="{FF2B5EF4-FFF2-40B4-BE49-F238E27FC236}">
-                <a16:creationId xmlns:a16="http://schemas.microsoft.com/office/drawing/2014/main" id="{64AF3A08-04CD-CC9D-5888-D2D73AD3088A}"/>
-              </a:ext>
-            </a:extLst>
-          </p:cNvPr>
-          <p:cNvPicPr>
-            <a:picLocks noChangeAspect="1"/>
-          </p:cNvPicPr>
-          <p:nvPr/>
-        </p:nvPicPr>
-        <p:blipFill>
-          <a:blip r:embed="rId3">
-            <a:extLst>
-              <a:ext uri="{28A0092B-C50C-407E-A947-70E740481C1C}">
-                <a14:useLocalDpi xmlns:a14="http://schemas.microsoft.com/office/drawing/2010/main" val="0"/>
-              </a:ext>
-            </a:extLst>
-          </a:blip>
-          <a:stretch>
-            <a:fillRect/>
-          </a:stretch>
-        </p:blipFill>
-        <p:spPr>
-          <a:xfrm>
-            <a:off x="48640" y="4194925"/>
-            <a:ext cx="12104448" cy="2623979"/>
-          </a:xfrm>
-          <a:prstGeom prst="rect">
-            <a:avLst/>
-          </a:prstGeom>
-          <a:ln>
-            <a:solidFill>
-              <a:schemeClr val="accent1"/>
-            </a:solidFill>
-          </a:ln>
-        </p:spPr>
-      </p:pic>
-    </p:spTree>
-    <p:extLst>
-      <p:ext uri="{BB962C8B-B14F-4D97-AF65-F5344CB8AC3E}">
-        <p14:creationId xmlns:p14="http://schemas.microsoft.com/office/powerpoint/2010/main" val="4262798318"/>
       </p:ext>
     </p:extLst>
   </p:cSld>

--- a/Documentation/Architecture.pptx
+++ b/Documentation/Architecture.pptx
@@ -7,21 +7,23 @@
   <p:sldIdLst>
     <p:sldId id="333" r:id="rId2"/>
     <p:sldId id="340" r:id="rId3"/>
-    <p:sldId id="344" r:id="rId4"/>
-    <p:sldId id="256" r:id="rId5"/>
-    <p:sldId id="343" r:id="rId6"/>
-    <p:sldId id="347" r:id="rId7"/>
-    <p:sldId id="346" r:id="rId8"/>
-    <p:sldId id="345" r:id="rId9"/>
-    <p:sldId id="282" r:id="rId10"/>
-    <p:sldId id="342" r:id="rId11"/>
-    <p:sldId id="341" r:id="rId12"/>
-    <p:sldId id="335" r:id="rId13"/>
-    <p:sldId id="336" r:id="rId14"/>
-    <p:sldId id="338" r:id="rId15"/>
-    <p:sldId id="337" r:id="rId16"/>
-    <p:sldId id="339" r:id="rId17"/>
-    <p:sldId id="334" r:id="rId18"/>
+    <p:sldId id="349" r:id="rId4"/>
+    <p:sldId id="348" r:id="rId5"/>
+    <p:sldId id="344" r:id="rId6"/>
+    <p:sldId id="256" r:id="rId7"/>
+    <p:sldId id="343" r:id="rId8"/>
+    <p:sldId id="347" r:id="rId9"/>
+    <p:sldId id="346" r:id="rId10"/>
+    <p:sldId id="345" r:id="rId11"/>
+    <p:sldId id="282" r:id="rId12"/>
+    <p:sldId id="342" r:id="rId13"/>
+    <p:sldId id="341" r:id="rId14"/>
+    <p:sldId id="335" r:id="rId15"/>
+    <p:sldId id="336" r:id="rId16"/>
+    <p:sldId id="338" r:id="rId17"/>
+    <p:sldId id="337" r:id="rId18"/>
+    <p:sldId id="339" r:id="rId19"/>
+    <p:sldId id="334" r:id="rId20"/>
   </p:sldIdLst>
   <p:sldSz cx="12192000" cy="6858000"/>
   <p:notesSz cx="6858000" cy="9144000"/>
@@ -283,7 +285,7 @@
           <a:p>
             <a:fld id="{DC2BF6E6-F863-479F-A057-0F7FF047E296}" type="datetimeFigureOut">
               <a:rPr lang="en-IN" smtClean="0"/>
-              <a:t>06-10-2022</a:t>
+              <a:t>29-10-2022</a:t>
             </a:fld>
             <a:endParaRPr lang="en-IN"/>
           </a:p>
@@ -483,7 +485,7 @@
           <a:p>
             <a:fld id="{DC2BF6E6-F863-479F-A057-0F7FF047E296}" type="datetimeFigureOut">
               <a:rPr lang="en-IN" smtClean="0"/>
-              <a:t>06-10-2022</a:t>
+              <a:t>29-10-2022</a:t>
             </a:fld>
             <a:endParaRPr lang="en-IN"/>
           </a:p>
@@ -693,7 +695,7 @@
           <a:p>
             <a:fld id="{DC2BF6E6-F863-479F-A057-0F7FF047E296}" type="datetimeFigureOut">
               <a:rPr lang="en-IN" smtClean="0"/>
-              <a:t>06-10-2022</a:t>
+              <a:t>29-10-2022</a:t>
             </a:fld>
             <a:endParaRPr lang="en-IN"/>
           </a:p>
@@ -893,7 +895,7 @@
           <a:p>
             <a:fld id="{DC2BF6E6-F863-479F-A057-0F7FF047E296}" type="datetimeFigureOut">
               <a:rPr lang="en-IN" smtClean="0"/>
-              <a:t>06-10-2022</a:t>
+              <a:t>29-10-2022</a:t>
             </a:fld>
             <a:endParaRPr lang="en-IN"/>
           </a:p>
@@ -1169,7 +1171,7 @@
           <a:p>
             <a:fld id="{DC2BF6E6-F863-479F-A057-0F7FF047E296}" type="datetimeFigureOut">
               <a:rPr lang="en-IN" smtClean="0"/>
-              <a:t>06-10-2022</a:t>
+              <a:t>29-10-2022</a:t>
             </a:fld>
             <a:endParaRPr lang="en-IN"/>
           </a:p>
@@ -1437,7 +1439,7 @@
           <a:p>
             <a:fld id="{DC2BF6E6-F863-479F-A057-0F7FF047E296}" type="datetimeFigureOut">
               <a:rPr lang="en-IN" smtClean="0"/>
-              <a:t>06-10-2022</a:t>
+              <a:t>29-10-2022</a:t>
             </a:fld>
             <a:endParaRPr lang="en-IN"/>
           </a:p>
@@ -1852,7 +1854,7 @@
           <a:p>
             <a:fld id="{DC2BF6E6-F863-479F-A057-0F7FF047E296}" type="datetimeFigureOut">
               <a:rPr lang="en-IN" smtClean="0"/>
-              <a:t>06-10-2022</a:t>
+              <a:t>29-10-2022</a:t>
             </a:fld>
             <a:endParaRPr lang="en-IN"/>
           </a:p>
@@ -1994,7 +1996,7 @@
           <a:p>
             <a:fld id="{DC2BF6E6-F863-479F-A057-0F7FF047E296}" type="datetimeFigureOut">
               <a:rPr lang="en-IN" smtClean="0"/>
-              <a:t>06-10-2022</a:t>
+              <a:t>29-10-2022</a:t>
             </a:fld>
             <a:endParaRPr lang="en-IN"/>
           </a:p>
@@ -2107,7 +2109,7 @@
           <a:p>
             <a:fld id="{DC2BF6E6-F863-479F-A057-0F7FF047E296}" type="datetimeFigureOut">
               <a:rPr lang="en-IN" smtClean="0"/>
-              <a:t>06-10-2022</a:t>
+              <a:t>29-10-2022</a:t>
             </a:fld>
             <a:endParaRPr lang="en-IN"/>
           </a:p>
@@ -2420,7 +2422,7 @@
           <a:p>
             <a:fld id="{DC2BF6E6-F863-479F-A057-0F7FF047E296}" type="datetimeFigureOut">
               <a:rPr lang="en-IN" smtClean="0"/>
-              <a:t>06-10-2022</a:t>
+              <a:t>29-10-2022</a:t>
             </a:fld>
             <a:endParaRPr lang="en-IN"/>
           </a:p>
@@ -2709,7 +2711,7 @@
           <a:p>
             <a:fld id="{DC2BF6E6-F863-479F-A057-0F7FF047E296}" type="datetimeFigureOut">
               <a:rPr lang="en-IN" smtClean="0"/>
-              <a:t>06-10-2022</a:t>
+              <a:t>29-10-2022</a:t>
             </a:fld>
             <a:endParaRPr lang="en-IN"/>
           </a:p>
@@ -2952,7 +2954,7 @@
           <a:p>
             <a:fld id="{DC2BF6E6-F863-479F-A057-0F7FF047E296}" type="datetimeFigureOut">
               <a:rPr lang="en-IN" smtClean="0"/>
-              <a:t>06-10-2022</a:t>
+              <a:t>29-10-2022</a:t>
             </a:fld>
             <a:endParaRPr lang="en-IN"/>
           </a:p>
@@ -6108,6 +6110,2075 @@
 <file path=ppt/slides/slide10.xml><?xml version="1.0" encoding="utf-8"?>
 <p:sld xmlns:a="http://schemas.openxmlformats.org/drawingml/2006/main" xmlns:r="http://schemas.openxmlformats.org/officeDocument/2006/relationships" xmlns:p="http://schemas.openxmlformats.org/presentationml/2006/main">
   <p:cSld>
+    <p:spTree>
+      <p:nvGrpSpPr>
+        <p:cNvPr id="1" name=""/>
+        <p:cNvGrpSpPr/>
+        <p:nvPr/>
+      </p:nvGrpSpPr>
+      <p:grpSpPr>
+        <a:xfrm>
+          <a:off x="0" y="0"/>
+          <a:ext cx="0" cy="0"/>
+          <a:chOff x="0" y="0"/>
+          <a:chExt cx="0" cy="0"/>
+        </a:xfrm>
+      </p:grpSpPr>
+      <p:pic>
+        <p:nvPicPr>
+          <p:cNvPr id="3" name="Picture 2" descr="Graphical user interface, text, application&#10;&#10;Description automatically generated">
+            <a:extLst>
+              <a:ext uri="{FF2B5EF4-FFF2-40B4-BE49-F238E27FC236}">
+                <a16:creationId xmlns:a16="http://schemas.microsoft.com/office/drawing/2014/main" id="{5F10DE46-1C76-C9C5-5B2A-2AAED0099F1C}"/>
+              </a:ext>
+            </a:extLst>
+          </p:cNvPr>
+          <p:cNvPicPr>
+            <a:picLocks noChangeAspect="1"/>
+          </p:cNvPicPr>
+          <p:nvPr/>
+        </p:nvPicPr>
+        <p:blipFill>
+          <a:blip r:embed="rId2">
+            <a:extLst>
+              <a:ext uri="{28A0092B-C50C-407E-A947-70E740481C1C}">
+                <a14:useLocalDpi xmlns:a14="http://schemas.microsoft.com/office/drawing/2010/main" val="0"/>
+              </a:ext>
+            </a:extLst>
+          </a:blip>
+          <a:stretch>
+            <a:fillRect/>
+          </a:stretch>
+        </p:blipFill>
+        <p:spPr>
+          <a:xfrm>
+            <a:off x="38908" y="39095"/>
+            <a:ext cx="12114180" cy="4089846"/>
+          </a:xfrm>
+          <a:prstGeom prst="rect">
+            <a:avLst/>
+          </a:prstGeom>
+          <a:ln>
+            <a:solidFill>
+              <a:srgbClr val="002060"/>
+            </a:solidFill>
+          </a:ln>
+        </p:spPr>
+      </p:pic>
+      <p:pic>
+        <p:nvPicPr>
+          <p:cNvPr id="6" name="Picture 5" descr="Graphical user interface, application&#10;&#10;Description automatically generated">
+            <a:extLst>
+              <a:ext uri="{FF2B5EF4-FFF2-40B4-BE49-F238E27FC236}">
+                <a16:creationId xmlns:a16="http://schemas.microsoft.com/office/drawing/2014/main" id="{64AF3A08-04CD-CC9D-5888-D2D73AD3088A}"/>
+              </a:ext>
+            </a:extLst>
+          </p:cNvPr>
+          <p:cNvPicPr>
+            <a:picLocks noChangeAspect="1"/>
+          </p:cNvPicPr>
+          <p:nvPr/>
+        </p:nvPicPr>
+        <p:blipFill>
+          <a:blip r:embed="rId3">
+            <a:extLst>
+              <a:ext uri="{28A0092B-C50C-407E-A947-70E740481C1C}">
+                <a14:useLocalDpi xmlns:a14="http://schemas.microsoft.com/office/drawing/2010/main" val="0"/>
+              </a:ext>
+            </a:extLst>
+          </a:blip>
+          <a:stretch>
+            <a:fillRect/>
+          </a:stretch>
+        </p:blipFill>
+        <p:spPr>
+          <a:xfrm>
+            <a:off x="48640" y="4194925"/>
+            <a:ext cx="12104448" cy="2623979"/>
+          </a:xfrm>
+          <a:prstGeom prst="rect">
+            <a:avLst/>
+          </a:prstGeom>
+          <a:ln>
+            <a:solidFill>
+              <a:schemeClr val="accent1"/>
+            </a:solidFill>
+          </a:ln>
+        </p:spPr>
+      </p:pic>
+    </p:spTree>
+    <p:extLst>
+      <p:ext uri="{BB962C8B-B14F-4D97-AF65-F5344CB8AC3E}">
+        <p14:creationId xmlns:p14="http://schemas.microsoft.com/office/powerpoint/2010/main" val="4262798318"/>
+      </p:ext>
+    </p:extLst>
+  </p:cSld>
+  <p:clrMapOvr>
+    <a:masterClrMapping/>
+  </p:clrMapOvr>
+</p:sld>
+</file>
+
+<file path=ppt/slides/slide11.xml><?xml version="1.0" encoding="utf-8"?>
+<p:sld xmlns:a="http://schemas.openxmlformats.org/drawingml/2006/main" xmlns:r="http://schemas.openxmlformats.org/officeDocument/2006/relationships" xmlns:p="http://schemas.openxmlformats.org/presentationml/2006/main">
+  <p:cSld>
+    <p:spTree>
+      <p:nvGrpSpPr>
+        <p:cNvPr id="1" name=""/>
+        <p:cNvGrpSpPr/>
+        <p:nvPr/>
+      </p:nvGrpSpPr>
+      <p:grpSpPr>
+        <a:xfrm>
+          <a:off x="0" y="0"/>
+          <a:ext cx="0" cy="0"/>
+          <a:chOff x="0" y="0"/>
+          <a:chExt cx="0" cy="0"/>
+        </a:xfrm>
+      </p:grpSpPr>
+      <p:sp>
+        <p:nvSpPr>
+          <p:cNvPr id="4" name="Rectangle 3">
+            <a:extLst>
+              <a:ext uri="{FF2B5EF4-FFF2-40B4-BE49-F238E27FC236}">
+                <a16:creationId xmlns:a16="http://schemas.microsoft.com/office/drawing/2014/main" id="{055C22F7-3FD1-4C1B-8D0C-0C2F7FB61DBE}"/>
+              </a:ext>
+            </a:extLst>
+          </p:cNvPr>
+          <p:cNvSpPr/>
+          <p:nvPr/>
+        </p:nvSpPr>
+        <p:spPr>
+          <a:xfrm>
+            <a:off x="0" y="8878"/>
+            <a:ext cx="12183122" cy="497150"/>
+          </a:xfrm>
+          <a:prstGeom prst="rect">
+            <a:avLst/>
+          </a:prstGeom>
+          <a:solidFill>
+            <a:srgbClr val="0070C0"/>
+          </a:solidFill>
+        </p:spPr>
+        <p:style>
+          <a:lnRef idx="2">
+            <a:schemeClr val="accent1">
+              <a:shade val="50000"/>
+            </a:schemeClr>
+          </a:lnRef>
+          <a:fillRef idx="1">
+            <a:schemeClr val="accent1"/>
+          </a:fillRef>
+          <a:effectRef idx="0">
+            <a:schemeClr val="accent1"/>
+          </a:effectRef>
+          <a:fontRef idx="minor">
+            <a:schemeClr val="lt1"/>
+          </a:fontRef>
+        </p:style>
+        <p:txBody>
+          <a:bodyPr rtlCol="0" anchor="ctr"/>
+          <a:lstStyle/>
+          <a:p>
+            <a:pPr marL="0" marR="0" lvl="0" indent="0" algn="ctr" defTabSz="914400" rtl="0" eaLnBrk="1" fontAlgn="auto" latinLnBrk="0" hangingPunct="1">
+              <a:lnSpc>
+                <a:spcPct val="100000"/>
+              </a:lnSpc>
+              <a:spcBef>
+                <a:spcPts val="0"/>
+              </a:spcBef>
+              <a:spcAft>
+                <a:spcPts val="0"/>
+              </a:spcAft>
+              <a:buClrTx/>
+              <a:buSzTx/>
+              <a:buFontTx/>
+              <a:buNone/>
+              <a:tabLst/>
+              <a:defRPr/>
+            </a:pPr>
+            <a:r>
+              <a:rPr kumimoji="0" lang="en-US" sz="1800" b="1" i="0" u="none" strike="noStrike" kern="1200" cap="none" spc="0" normalizeH="0" baseline="0" noProof="0" dirty="0">
+                <a:ln>
+                  <a:noFill/>
+                </a:ln>
+                <a:solidFill>
+                  <a:prstClr val="white"/>
+                </a:solidFill>
+                <a:effectLst/>
+                <a:uLnTx/>
+                <a:uFillTx/>
+                <a:latin typeface="Verdana" panose="020B0604030504040204" pitchFamily="34" charset="0"/>
+                <a:ea typeface="Verdana" panose="020B0604030504040204" pitchFamily="34" charset="0"/>
+                <a:cs typeface="+mn-cs"/>
+              </a:rPr>
+              <a:t>PR Process, CI, CD</a:t>
+            </a:r>
+            <a:endParaRPr kumimoji="0" lang="en-IN" sz="1800" b="1" i="0" u="none" strike="noStrike" kern="1200" cap="none" spc="0" normalizeH="0" baseline="0" noProof="0" dirty="0">
+              <a:ln>
+                <a:noFill/>
+              </a:ln>
+              <a:solidFill>
+                <a:prstClr val="white"/>
+              </a:solidFill>
+              <a:effectLst/>
+              <a:uLnTx/>
+              <a:uFillTx/>
+              <a:latin typeface="Verdana" panose="020B0604030504040204" pitchFamily="34" charset="0"/>
+              <a:ea typeface="Verdana" panose="020B0604030504040204" pitchFamily="34" charset="0"/>
+              <a:cs typeface="+mn-cs"/>
+            </a:endParaRPr>
+          </a:p>
+        </p:txBody>
+      </p:sp>
+      <p:sp>
+        <p:nvSpPr>
+          <p:cNvPr id="7" name="Rectangle 6">
+            <a:extLst>
+              <a:ext uri="{FF2B5EF4-FFF2-40B4-BE49-F238E27FC236}">
+                <a16:creationId xmlns:a16="http://schemas.microsoft.com/office/drawing/2014/main" id="{B10720DE-FD2A-4FE5-B9FB-74854D01A659}"/>
+              </a:ext>
+            </a:extLst>
+          </p:cNvPr>
+          <p:cNvSpPr/>
+          <p:nvPr/>
+        </p:nvSpPr>
+        <p:spPr>
+          <a:xfrm>
+            <a:off x="0" y="6383046"/>
+            <a:ext cx="12183122" cy="57703"/>
+          </a:xfrm>
+          <a:prstGeom prst="rect">
+            <a:avLst/>
+          </a:prstGeom>
+          <a:solidFill>
+            <a:srgbClr val="0070C0"/>
+          </a:solidFill>
+        </p:spPr>
+        <p:style>
+          <a:lnRef idx="2">
+            <a:schemeClr val="accent1">
+              <a:shade val="50000"/>
+            </a:schemeClr>
+          </a:lnRef>
+          <a:fillRef idx="1">
+            <a:schemeClr val="accent1"/>
+          </a:fillRef>
+          <a:effectRef idx="0">
+            <a:schemeClr val="accent1"/>
+          </a:effectRef>
+          <a:fontRef idx="minor">
+            <a:schemeClr val="lt1"/>
+          </a:fontRef>
+        </p:style>
+        <p:txBody>
+          <a:bodyPr rtlCol="0" anchor="ctr"/>
+          <a:lstStyle/>
+          <a:p>
+            <a:pPr marL="0" marR="0" lvl="0" indent="0" algn="ctr" defTabSz="914400" rtl="0" eaLnBrk="1" fontAlgn="auto" latinLnBrk="0" hangingPunct="1">
+              <a:lnSpc>
+                <a:spcPct val="100000"/>
+              </a:lnSpc>
+              <a:spcBef>
+                <a:spcPts val="0"/>
+              </a:spcBef>
+              <a:spcAft>
+                <a:spcPts val="0"/>
+              </a:spcAft>
+              <a:buClrTx/>
+              <a:buSzTx/>
+              <a:buFontTx/>
+              <a:buNone/>
+              <a:tabLst/>
+              <a:defRPr/>
+            </a:pPr>
+            <a:endParaRPr kumimoji="0" lang="en-IN" sz="1000" b="0" i="0" u="none" strike="noStrike" kern="1200" cap="none" spc="0" normalizeH="0" baseline="0" noProof="0" dirty="0">
+              <a:ln>
+                <a:noFill/>
+              </a:ln>
+              <a:solidFill>
+                <a:prstClr val="white"/>
+              </a:solidFill>
+              <a:effectLst/>
+              <a:uLnTx/>
+              <a:uFillTx/>
+              <a:latin typeface="Verdana" panose="020B0604030504040204" pitchFamily="34" charset="0"/>
+              <a:ea typeface="Verdana" panose="020B0604030504040204" pitchFamily="34" charset="0"/>
+              <a:cs typeface="+mn-cs"/>
+            </a:endParaRPr>
+          </a:p>
+        </p:txBody>
+      </p:sp>
+      <p:sp>
+        <p:nvSpPr>
+          <p:cNvPr id="8" name="Footer Placeholder 7">
+            <a:extLst>
+              <a:ext uri="{FF2B5EF4-FFF2-40B4-BE49-F238E27FC236}">
+                <a16:creationId xmlns:a16="http://schemas.microsoft.com/office/drawing/2014/main" id="{DD2A19CA-EC18-432D-8F8F-17079808F38B}"/>
+              </a:ext>
+            </a:extLst>
+          </p:cNvPr>
+          <p:cNvSpPr>
+            <a:spLocks noGrp="1"/>
+          </p:cNvSpPr>
+          <p:nvPr>
+            <p:ph type="ftr" sz="quarter" idx="11"/>
+          </p:nvPr>
+        </p:nvSpPr>
+        <p:spPr>
+          <a:xfrm>
+            <a:off x="4038600" y="6427374"/>
+            <a:ext cx="4114800" cy="365125"/>
+          </a:xfrm>
+        </p:spPr>
+        <p:txBody>
+          <a:bodyPr/>
+          <a:lstStyle/>
+          <a:p>
+            <a:pPr marL="0" marR="0" lvl="0" indent="0" algn="ctr" defTabSz="914400" rtl="0" eaLnBrk="1" fontAlgn="auto" latinLnBrk="0" hangingPunct="1">
+              <a:lnSpc>
+                <a:spcPct val="100000"/>
+              </a:lnSpc>
+              <a:spcBef>
+                <a:spcPts val="0"/>
+              </a:spcBef>
+              <a:spcAft>
+                <a:spcPts val="0"/>
+              </a:spcAft>
+              <a:buClrTx/>
+              <a:buSzTx/>
+              <a:buFontTx/>
+              <a:buNone/>
+              <a:tabLst/>
+              <a:defRPr/>
+            </a:pPr>
+            <a:r>
+              <a:rPr kumimoji="0" lang="en-IN" sz="1200" b="1" i="0" u="none" strike="noStrike" kern="1200" cap="none" spc="0" normalizeH="0" baseline="0" noProof="0" dirty="0">
+                <a:ln>
+                  <a:noFill/>
+                </a:ln>
+                <a:solidFill>
+                  <a:srgbClr val="002060"/>
+                </a:solidFill>
+                <a:effectLst/>
+                <a:uLnTx/>
+                <a:uFillTx/>
+                <a:latin typeface="Verdana" panose="020B0604030504040204" pitchFamily="34" charset="0"/>
+                <a:ea typeface="Verdana" panose="020B0604030504040204" pitchFamily="34" charset="0"/>
+                <a:cs typeface="+mn-cs"/>
+              </a:rPr>
+              <a:t>05-Aug-2022</a:t>
+            </a:r>
+          </a:p>
+        </p:txBody>
+      </p:sp>
+      <p:sp>
+        <p:nvSpPr>
+          <p:cNvPr id="9" name="Slide Number Placeholder 8">
+            <a:extLst>
+              <a:ext uri="{FF2B5EF4-FFF2-40B4-BE49-F238E27FC236}">
+                <a16:creationId xmlns:a16="http://schemas.microsoft.com/office/drawing/2014/main" id="{8162625C-0B1F-42E0-BE7C-D99A08FED7A3}"/>
+              </a:ext>
+            </a:extLst>
+          </p:cNvPr>
+          <p:cNvSpPr>
+            <a:spLocks noGrp="1"/>
+          </p:cNvSpPr>
+          <p:nvPr>
+            <p:ph type="sldNum" sz="quarter" idx="12"/>
+          </p:nvPr>
+        </p:nvSpPr>
+        <p:spPr>
+          <a:xfrm>
+            <a:off x="8610600" y="6427374"/>
+            <a:ext cx="2743200" cy="365125"/>
+          </a:xfrm>
+        </p:spPr>
+        <p:txBody>
+          <a:bodyPr/>
+          <a:lstStyle/>
+          <a:p>
+            <a:pPr marL="0" marR="0" lvl="0" indent="0" algn="r" defTabSz="914400" rtl="0" eaLnBrk="1" fontAlgn="auto" latinLnBrk="0" hangingPunct="1">
+              <a:lnSpc>
+                <a:spcPct val="100000"/>
+              </a:lnSpc>
+              <a:spcBef>
+                <a:spcPts val="0"/>
+              </a:spcBef>
+              <a:spcAft>
+                <a:spcPts val="0"/>
+              </a:spcAft>
+              <a:buClrTx/>
+              <a:buSzTx/>
+              <a:buFontTx/>
+              <a:buNone/>
+              <a:tabLst/>
+              <a:defRPr/>
+            </a:pPr>
+            <a:fld id="{30AF63FB-5233-4811-A918-B572E3A55817}" type="slidenum">
+              <a:rPr kumimoji="0" lang="en-IN" sz="1200" b="1" i="0" u="none" strike="noStrike" kern="1200" cap="none" spc="0" normalizeH="0" baseline="0" noProof="0" smtClean="0">
+                <a:ln>
+                  <a:noFill/>
+                </a:ln>
+                <a:solidFill>
+                  <a:srgbClr val="002060"/>
+                </a:solidFill>
+                <a:effectLst/>
+                <a:uLnTx/>
+                <a:uFillTx/>
+                <a:latin typeface="Verdana" panose="020B0604030504040204" pitchFamily="34" charset="0"/>
+                <a:ea typeface="Verdana" panose="020B0604030504040204" pitchFamily="34" charset="0"/>
+                <a:cs typeface="+mn-cs"/>
+              </a:rPr>
+              <a:pPr marL="0" marR="0" lvl="0" indent="0" algn="r" defTabSz="914400" rtl="0" eaLnBrk="1" fontAlgn="auto" latinLnBrk="0" hangingPunct="1">
+                <a:lnSpc>
+                  <a:spcPct val="100000"/>
+                </a:lnSpc>
+                <a:spcBef>
+                  <a:spcPts val="0"/>
+                </a:spcBef>
+                <a:spcAft>
+                  <a:spcPts val="0"/>
+                </a:spcAft>
+                <a:buClrTx/>
+                <a:buSzTx/>
+                <a:buFontTx/>
+                <a:buNone/>
+                <a:tabLst/>
+                <a:defRPr/>
+              </a:pPr>
+              <a:t>11</a:t>
+            </a:fld>
+            <a:endParaRPr kumimoji="0" lang="en-IN" sz="1200" b="1" i="0" u="none" strike="noStrike" kern="1200" cap="none" spc="0" normalizeH="0" baseline="0" noProof="0" dirty="0">
+              <a:ln>
+                <a:noFill/>
+              </a:ln>
+              <a:solidFill>
+                <a:srgbClr val="002060"/>
+              </a:solidFill>
+              <a:effectLst/>
+              <a:uLnTx/>
+              <a:uFillTx/>
+              <a:latin typeface="Verdana" panose="020B0604030504040204" pitchFamily="34" charset="0"/>
+              <a:ea typeface="Verdana" panose="020B0604030504040204" pitchFamily="34" charset="0"/>
+              <a:cs typeface="+mn-cs"/>
+            </a:endParaRPr>
+          </a:p>
+        </p:txBody>
+      </p:sp>
+      <p:sp>
+        <p:nvSpPr>
+          <p:cNvPr id="12" name="Footer Placeholder 7">
+            <a:extLst>
+              <a:ext uri="{FF2B5EF4-FFF2-40B4-BE49-F238E27FC236}">
+                <a16:creationId xmlns:a16="http://schemas.microsoft.com/office/drawing/2014/main" id="{64C57949-E349-47D3-A505-A098233AF49D}"/>
+              </a:ext>
+            </a:extLst>
+          </p:cNvPr>
+          <p:cNvSpPr txBox="1">
+            <a:spLocks/>
+          </p:cNvSpPr>
+          <p:nvPr/>
+        </p:nvSpPr>
+        <p:spPr>
+          <a:xfrm>
+            <a:off x="133897" y="6428848"/>
+            <a:ext cx="4114800" cy="365125"/>
+          </a:xfrm>
+          <a:prstGeom prst="rect">
+            <a:avLst/>
+          </a:prstGeom>
+        </p:spPr>
+        <p:txBody>
+          <a:bodyPr vert="horz" lIns="91440" tIns="45720" rIns="91440" bIns="45720" rtlCol="0" anchor="ctr"/>
+          <a:lstStyle>
+            <a:defPPr>
+              <a:defRPr lang="en-US"/>
+            </a:defPPr>
+            <a:lvl1pPr marL="0" algn="ctr" defTabSz="914400" rtl="0" eaLnBrk="1" latinLnBrk="0" hangingPunct="1">
+              <a:defRPr sz="1200" kern="1200">
+                <a:solidFill>
+                  <a:schemeClr val="tx1">
+                    <a:tint val="75000"/>
+                  </a:schemeClr>
+                </a:solidFill>
+                <a:latin typeface="+mn-lt"/>
+                <a:ea typeface="+mn-ea"/>
+                <a:cs typeface="+mn-cs"/>
+              </a:defRPr>
+            </a:lvl1pPr>
+            <a:lvl2pPr marL="457200" algn="l" defTabSz="914400" rtl="0" eaLnBrk="1" latinLnBrk="0" hangingPunct="1">
+              <a:defRPr sz="1800" kern="1200">
+                <a:solidFill>
+                  <a:schemeClr val="tx1"/>
+                </a:solidFill>
+                <a:latin typeface="+mn-lt"/>
+                <a:ea typeface="+mn-ea"/>
+                <a:cs typeface="+mn-cs"/>
+              </a:defRPr>
+            </a:lvl2pPr>
+            <a:lvl3pPr marL="914400" algn="l" defTabSz="914400" rtl="0" eaLnBrk="1" latinLnBrk="0" hangingPunct="1">
+              <a:defRPr sz="1800" kern="1200">
+                <a:solidFill>
+                  <a:schemeClr val="tx1"/>
+                </a:solidFill>
+                <a:latin typeface="+mn-lt"/>
+                <a:ea typeface="+mn-ea"/>
+                <a:cs typeface="+mn-cs"/>
+              </a:defRPr>
+            </a:lvl3pPr>
+            <a:lvl4pPr marL="1371600" algn="l" defTabSz="914400" rtl="0" eaLnBrk="1" latinLnBrk="0" hangingPunct="1">
+              <a:defRPr sz="1800" kern="1200">
+                <a:solidFill>
+                  <a:schemeClr val="tx1"/>
+                </a:solidFill>
+                <a:latin typeface="+mn-lt"/>
+                <a:ea typeface="+mn-ea"/>
+                <a:cs typeface="+mn-cs"/>
+              </a:defRPr>
+            </a:lvl4pPr>
+            <a:lvl5pPr marL="1828800" algn="l" defTabSz="914400" rtl="0" eaLnBrk="1" latinLnBrk="0" hangingPunct="1">
+              <a:defRPr sz="1800" kern="1200">
+                <a:solidFill>
+                  <a:schemeClr val="tx1"/>
+                </a:solidFill>
+                <a:latin typeface="+mn-lt"/>
+                <a:ea typeface="+mn-ea"/>
+                <a:cs typeface="+mn-cs"/>
+              </a:defRPr>
+            </a:lvl5pPr>
+            <a:lvl6pPr marL="2286000" algn="l" defTabSz="914400" rtl="0" eaLnBrk="1" latinLnBrk="0" hangingPunct="1">
+              <a:defRPr sz="1800" kern="1200">
+                <a:solidFill>
+                  <a:schemeClr val="tx1"/>
+                </a:solidFill>
+                <a:latin typeface="+mn-lt"/>
+                <a:ea typeface="+mn-ea"/>
+                <a:cs typeface="+mn-cs"/>
+              </a:defRPr>
+            </a:lvl6pPr>
+            <a:lvl7pPr marL="2743200" algn="l" defTabSz="914400" rtl="0" eaLnBrk="1" latinLnBrk="0" hangingPunct="1">
+              <a:defRPr sz="1800" kern="1200">
+                <a:solidFill>
+                  <a:schemeClr val="tx1"/>
+                </a:solidFill>
+                <a:latin typeface="+mn-lt"/>
+                <a:ea typeface="+mn-ea"/>
+                <a:cs typeface="+mn-cs"/>
+              </a:defRPr>
+            </a:lvl7pPr>
+            <a:lvl8pPr marL="3200400" algn="l" defTabSz="914400" rtl="0" eaLnBrk="1" latinLnBrk="0" hangingPunct="1">
+              <a:defRPr sz="1800" kern="1200">
+                <a:solidFill>
+                  <a:schemeClr val="tx1"/>
+                </a:solidFill>
+                <a:latin typeface="+mn-lt"/>
+                <a:ea typeface="+mn-ea"/>
+                <a:cs typeface="+mn-cs"/>
+              </a:defRPr>
+            </a:lvl8pPr>
+            <a:lvl9pPr marL="3657600" algn="l" defTabSz="914400" rtl="0" eaLnBrk="1" latinLnBrk="0" hangingPunct="1">
+              <a:defRPr sz="1800" kern="1200">
+                <a:solidFill>
+                  <a:schemeClr val="tx1"/>
+                </a:solidFill>
+                <a:latin typeface="+mn-lt"/>
+                <a:ea typeface="+mn-ea"/>
+                <a:cs typeface="+mn-cs"/>
+              </a:defRPr>
+            </a:lvl9pPr>
+          </a:lstStyle>
+          <a:p>
+            <a:pPr marL="0" marR="0" lvl="0" indent="0" algn="ctr" defTabSz="914400" rtl="0" eaLnBrk="1" fontAlgn="auto" latinLnBrk="0" hangingPunct="1">
+              <a:lnSpc>
+                <a:spcPct val="100000"/>
+              </a:lnSpc>
+              <a:spcBef>
+                <a:spcPts val="0"/>
+              </a:spcBef>
+              <a:spcAft>
+                <a:spcPts val="0"/>
+              </a:spcAft>
+              <a:buClrTx/>
+              <a:buSzTx/>
+              <a:buFontTx/>
+              <a:buNone/>
+              <a:tabLst/>
+              <a:defRPr/>
+            </a:pPr>
+            <a:r>
+              <a:rPr kumimoji="0" lang="en-IN" sz="1200" b="1" i="0" u="none" strike="noStrike" kern="1200" cap="none" spc="0" normalizeH="0" baseline="0" noProof="0" dirty="0">
+                <a:ln>
+                  <a:noFill/>
+                </a:ln>
+                <a:solidFill>
+                  <a:srgbClr val="002060"/>
+                </a:solidFill>
+                <a:effectLst/>
+                <a:uLnTx/>
+                <a:uFillTx/>
+                <a:latin typeface="Verdana" panose="020B0604030504040204" pitchFamily="34" charset="0"/>
+                <a:ea typeface="Verdana" panose="020B0604030504040204" pitchFamily="34" charset="0"/>
+                <a:cs typeface="+mn-cs"/>
+              </a:rPr>
+              <a:t>Dot Net Learners House</a:t>
+            </a:r>
+          </a:p>
+        </p:txBody>
+      </p:sp>
+      <p:pic>
+        <p:nvPicPr>
+          <p:cNvPr id="3" name="Picture 2" descr="A picture containing drawing&#10;&#10;Description automatically generated">
+            <a:extLst>
+              <a:ext uri="{FF2B5EF4-FFF2-40B4-BE49-F238E27FC236}">
+                <a16:creationId xmlns:a16="http://schemas.microsoft.com/office/drawing/2014/main" id="{36D46947-3455-49F6-81DC-66502143C41D}"/>
+              </a:ext>
+            </a:extLst>
+          </p:cNvPr>
+          <p:cNvPicPr>
+            <a:picLocks noChangeAspect="1"/>
+          </p:cNvPicPr>
+          <p:nvPr/>
+        </p:nvPicPr>
+        <p:blipFill>
+          <a:blip r:embed="rId2">
+            <a:extLst>
+              <a:ext uri="{28A0092B-C50C-407E-A947-70E740481C1C}">
+                <a14:useLocalDpi xmlns:a14="http://schemas.microsoft.com/office/drawing/2010/main" val="0"/>
+              </a:ext>
+            </a:extLst>
+          </a:blip>
+          <a:stretch>
+            <a:fillRect/>
+          </a:stretch>
+        </p:blipFill>
+        <p:spPr>
+          <a:xfrm>
+            <a:off x="757291" y="966358"/>
+            <a:ext cx="780290" cy="780290"/>
+          </a:xfrm>
+          <a:prstGeom prst="rect">
+            <a:avLst/>
+          </a:prstGeom>
+        </p:spPr>
+      </p:pic>
+      <p:pic>
+        <p:nvPicPr>
+          <p:cNvPr id="11" name="Graphic 10">
+            <a:extLst>
+              <a:ext uri="{FF2B5EF4-FFF2-40B4-BE49-F238E27FC236}">
+                <a16:creationId xmlns:a16="http://schemas.microsoft.com/office/drawing/2014/main" id="{68CC5020-AEBC-4D94-8930-1E6AA6C03504}"/>
+              </a:ext>
+            </a:extLst>
+          </p:cNvPr>
+          <p:cNvPicPr>
+            <a:picLocks noChangeAspect="1"/>
+          </p:cNvPicPr>
+          <p:nvPr/>
+        </p:nvPicPr>
+        <p:blipFill>
+          <a:blip r:embed="rId3">
+            <a:extLst>
+              <a:ext uri="{28A0092B-C50C-407E-A947-70E740481C1C}">
+                <a14:useLocalDpi xmlns:a14="http://schemas.microsoft.com/office/drawing/2010/main" val="0"/>
+              </a:ext>
+              <a:ext uri="{96DAC541-7B7A-43D3-8B79-37D633B846F1}">
+                <asvg:svgBlip xmlns:asvg="http://schemas.microsoft.com/office/drawing/2016/SVG/main" r:embed="rId4"/>
+              </a:ext>
+            </a:extLst>
+          </a:blip>
+          <a:stretch>
+            <a:fillRect/>
+          </a:stretch>
+        </p:blipFill>
+        <p:spPr>
+          <a:xfrm>
+            <a:off x="4686132" y="966358"/>
+            <a:ext cx="780290" cy="780290"/>
+          </a:xfrm>
+          <a:prstGeom prst="rect">
+            <a:avLst/>
+          </a:prstGeom>
+        </p:spPr>
+      </p:pic>
+      <p:pic>
+        <p:nvPicPr>
+          <p:cNvPr id="13" name="Graphic 12">
+            <a:extLst>
+              <a:ext uri="{FF2B5EF4-FFF2-40B4-BE49-F238E27FC236}">
+                <a16:creationId xmlns:a16="http://schemas.microsoft.com/office/drawing/2014/main" id="{FF18036A-9AA0-4AAF-A6CF-9B332A840FD8}"/>
+              </a:ext>
+            </a:extLst>
+          </p:cNvPr>
+          <p:cNvPicPr>
+            <a:picLocks noChangeAspect="1"/>
+          </p:cNvPicPr>
+          <p:nvPr/>
+        </p:nvPicPr>
+        <p:blipFill>
+          <a:blip r:embed="rId5">
+            <a:extLst>
+              <a:ext uri="{28A0092B-C50C-407E-A947-70E740481C1C}">
+                <a14:useLocalDpi xmlns:a14="http://schemas.microsoft.com/office/drawing/2010/main" val="0"/>
+              </a:ext>
+              <a:ext uri="{96DAC541-7B7A-43D3-8B79-37D633B846F1}">
+                <asvg:svgBlip xmlns:asvg="http://schemas.microsoft.com/office/drawing/2016/SVG/main" r:embed="rId6"/>
+              </a:ext>
+            </a:extLst>
+          </a:blip>
+          <a:stretch>
+            <a:fillRect/>
+          </a:stretch>
+        </p:blipFill>
+        <p:spPr>
+          <a:xfrm>
+            <a:off x="6605457" y="966358"/>
+            <a:ext cx="780290" cy="780290"/>
+          </a:xfrm>
+          <a:prstGeom prst="rect">
+            <a:avLst/>
+          </a:prstGeom>
+        </p:spPr>
+      </p:pic>
+      <p:pic>
+        <p:nvPicPr>
+          <p:cNvPr id="14" name="Graphic 13">
+            <a:extLst>
+              <a:ext uri="{FF2B5EF4-FFF2-40B4-BE49-F238E27FC236}">
+                <a16:creationId xmlns:a16="http://schemas.microsoft.com/office/drawing/2014/main" id="{28A56780-CD7C-41F9-83CC-0901E3A92440}"/>
+              </a:ext>
+            </a:extLst>
+          </p:cNvPr>
+          <p:cNvPicPr>
+            <a:picLocks noChangeAspect="1"/>
+          </p:cNvPicPr>
+          <p:nvPr/>
+        </p:nvPicPr>
+        <p:blipFill>
+          <a:blip r:embed="rId3">
+            <a:extLst>
+              <a:ext uri="{28A0092B-C50C-407E-A947-70E740481C1C}">
+                <a14:useLocalDpi xmlns:a14="http://schemas.microsoft.com/office/drawing/2010/main" val="0"/>
+              </a:ext>
+              <a:ext uri="{96DAC541-7B7A-43D3-8B79-37D633B846F1}">
+                <asvg:svgBlip xmlns:asvg="http://schemas.microsoft.com/office/drawing/2016/SVG/main" r:embed="rId4"/>
+              </a:ext>
+            </a:extLst>
+          </a:blip>
+          <a:stretch>
+            <a:fillRect/>
+          </a:stretch>
+        </p:blipFill>
+        <p:spPr>
+          <a:xfrm>
+            <a:off x="8478377" y="966358"/>
+            <a:ext cx="780290" cy="780290"/>
+          </a:xfrm>
+          <a:prstGeom prst="rect">
+            <a:avLst/>
+          </a:prstGeom>
+        </p:spPr>
+      </p:pic>
+      <p:grpSp>
+        <p:nvGrpSpPr>
+          <p:cNvPr id="33" name="Group 32">
+            <a:extLst>
+              <a:ext uri="{FF2B5EF4-FFF2-40B4-BE49-F238E27FC236}">
+                <a16:creationId xmlns:a16="http://schemas.microsoft.com/office/drawing/2014/main" id="{741F7567-791E-4A67-9274-1439E4CF2D54}"/>
+              </a:ext>
+            </a:extLst>
+          </p:cNvPr>
+          <p:cNvGrpSpPr/>
+          <p:nvPr/>
+        </p:nvGrpSpPr>
+        <p:grpSpPr>
+          <a:xfrm>
+            <a:off x="259953" y="2714890"/>
+            <a:ext cx="5608263" cy="3233356"/>
+            <a:chOff x="6101386" y="2796466"/>
+            <a:chExt cx="5608263" cy="3233356"/>
+          </a:xfrm>
+        </p:grpSpPr>
+        <p:sp>
+          <p:nvSpPr>
+            <p:cNvPr id="19" name="Thought Bubble: Cloud 18">
+              <a:extLst>
+                <a:ext uri="{FF2B5EF4-FFF2-40B4-BE49-F238E27FC236}">
+                  <a16:creationId xmlns:a16="http://schemas.microsoft.com/office/drawing/2014/main" id="{A7D35382-D69E-4203-B4A9-52A05A4FD8D7}"/>
+                </a:ext>
+              </a:extLst>
+            </p:cNvPr>
+            <p:cNvSpPr/>
+            <p:nvPr/>
+          </p:nvSpPr>
+          <p:spPr>
+            <a:xfrm>
+              <a:off x="6101386" y="2796466"/>
+              <a:ext cx="5608263" cy="3233356"/>
+            </a:xfrm>
+            <a:prstGeom prst="cloudCallout">
+              <a:avLst>
+                <a:gd name="adj1" fmla="val -10766"/>
+                <a:gd name="adj2" fmla="val 39295"/>
+              </a:avLst>
+            </a:prstGeom>
+            <a:solidFill>
+              <a:schemeClr val="bg1"/>
+            </a:solidFill>
+          </p:spPr>
+          <p:style>
+            <a:lnRef idx="2">
+              <a:schemeClr val="accent1">
+                <a:shade val="50000"/>
+              </a:schemeClr>
+            </a:lnRef>
+            <a:fillRef idx="1">
+              <a:schemeClr val="accent1"/>
+            </a:fillRef>
+            <a:effectRef idx="0">
+              <a:schemeClr val="accent1"/>
+            </a:effectRef>
+            <a:fontRef idx="minor">
+              <a:schemeClr val="lt1"/>
+            </a:fontRef>
+          </p:style>
+          <p:txBody>
+            <a:bodyPr rtlCol="0" anchor="ctr"/>
+            <a:lstStyle/>
+            <a:p>
+              <a:pPr marL="0" marR="0" lvl="0" indent="0" algn="ctr" defTabSz="914400" rtl="0" eaLnBrk="1" fontAlgn="auto" latinLnBrk="0" hangingPunct="1">
+                <a:lnSpc>
+                  <a:spcPct val="100000"/>
+                </a:lnSpc>
+                <a:spcBef>
+                  <a:spcPts val="0"/>
+                </a:spcBef>
+                <a:spcAft>
+                  <a:spcPts val="0"/>
+                </a:spcAft>
+                <a:buClrTx/>
+                <a:buSzTx/>
+                <a:buFontTx/>
+                <a:buNone/>
+                <a:tabLst/>
+                <a:defRPr/>
+              </a:pPr>
+              <a:endParaRPr kumimoji="0" lang="en-IN" sz="1800" b="0" i="0" u="none" strike="noStrike" kern="1200" cap="none" spc="0" normalizeH="0" baseline="0" noProof="0">
+                <a:ln>
+                  <a:noFill/>
+                </a:ln>
+                <a:solidFill>
+                  <a:prstClr val="white"/>
+                </a:solidFill>
+                <a:effectLst/>
+                <a:uLnTx/>
+                <a:uFillTx/>
+                <a:latin typeface="Calibri" panose="020F0502020204030204"/>
+                <a:ea typeface="+mn-ea"/>
+                <a:cs typeface="+mn-cs"/>
+              </a:endParaRPr>
+            </a:p>
+          </p:txBody>
+        </p:sp>
+        <p:grpSp>
+          <p:nvGrpSpPr>
+            <p:cNvPr id="29" name="Group 28">
+              <a:extLst>
+                <a:ext uri="{FF2B5EF4-FFF2-40B4-BE49-F238E27FC236}">
+                  <a16:creationId xmlns:a16="http://schemas.microsoft.com/office/drawing/2014/main" id="{FF592EF6-1E6D-47AE-A34C-AB5A774B30D8}"/>
+                </a:ext>
+              </a:extLst>
+            </p:cNvPr>
+            <p:cNvGrpSpPr/>
+            <p:nvPr/>
+          </p:nvGrpSpPr>
+          <p:grpSpPr>
+            <a:xfrm>
+              <a:off x="6972126" y="3249876"/>
+              <a:ext cx="3866781" cy="1892550"/>
+              <a:chOff x="5965146" y="3263136"/>
+              <a:chExt cx="3866781" cy="1892550"/>
+            </a:xfrm>
+          </p:grpSpPr>
+          <p:pic>
+            <p:nvPicPr>
+              <p:cNvPr id="20" name="Picture 19" descr="A picture containing drawing&#10;&#10;Description automatically generated">
+                <a:extLst>
+                  <a:ext uri="{FF2B5EF4-FFF2-40B4-BE49-F238E27FC236}">
+                    <a16:creationId xmlns:a16="http://schemas.microsoft.com/office/drawing/2014/main" id="{9966C00C-1E5C-4E39-9381-2359516062C6}"/>
+                  </a:ext>
+                </a:extLst>
+              </p:cNvPr>
+              <p:cNvPicPr>
+                <a:picLocks noChangeAspect="1"/>
+              </p:cNvPicPr>
+              <p:nvPr/>
+            </p:nvPicPr>
+            <p:blipFill>
+              <a:blip r:embed="rId7">
+                <a:extLst>
+                  <a:ext uri="{28A0092B-C50C-407E-A947-70E740481C1C}">
+                    <a14:useLocalDpi xmlns:a14="http://schemas.microsoft.com/office/drawing/2010/main" val="0"/>
+                  </a:ext>
+                </a:extLst>
+              </a:blip>
+              <a:stretch>
+                <a:fillRect/>
+              </a:stretch>
+            </p:blipFill>
+            <p:spPr>
+              <a:xfrm>
+                <a:off x="6313959" y="3444336"/>
+                <a:ext cx="780290" cy="780290"/>
+              </a:xfrm>
+              <a:prstGeom prst="rect">
+                <a:avLst/>
+              </a:prstGeom>
+            </p:spPr>
+          </p:pic>
+          <p:pic>
+            <p:nvPicPr>
+              <p:cNvPr id="22" name="Graphic 21">
+                <a:extLst>
+                  <a:ext uri="{FF2B5EF4-FFF2-40B4-BE49-F238E27FC236}">
+                    <a16:creationId xmlns:a16="http://schemas.microsoft.com/office/drawing/2014/main" id="{C723A7AA-CBAF-404F-AA2B-631CC56FB8CE}"/>
+                  </a:ext>
+                </a:extLst>
+              </p:cNvPr>
+              <p:cNvPicPr>
+                <a:picLocks noChangeAspect="1"/>
+              </p:cNvPicPr>
+              <p:nvPr/>
+            </p:nvPicPr>
+            <p:blipFill>
+              <a:blip r:embed="rId8">
+                <a:extLst>
+                  <a:ext uri="{28A0092B-C50C-407E-A947-70E740481C1C}">
+                    <a14:useLocalDpi xmlns:a14="http://schemas.microsoft.com/office/drawing/2010/main" val="0"/>
+                  </a:ext>
+                  <a:ext uri="{96DAC541-7B7A-43D3-8B79-37D633B846F1}">
+                    <asvg:svgBlip xmlns:asvg="http://schemas.microsoft.com/office/drawing/2016/SVG/main" r:embed="rId9"/>
+                  </a:ext>
+                </a:extLst>
+              </a:blip>
+              <a:stretch>
+                <a:fillRect/>
+              </a:stretch>
+            </p:blipFill>
+            <p:spPr>
+              <a:xfrm>
+                <a:off x="9355677" y="3263136"/>
+                <a:ext cx="476250" cy="476250"/>
+              </a:xfrm>
+              <a:prstGeom prst="rect">
+                <a:avLst/>
+              </a:prstGeom>
+            </p:spPr>
+          </p:pic>
+          <p:pic>
+            <p:nvPicPr>
+              <p:cNvPr id="24" name="Graphic 23">
+                <a:extLst>
+                  <a:ext uri="{FF2B5EF4-FFF2-40B4-BE49-F238E27FC236}">
+                    <a16:creationId xmlns:a16="http://schemas.microsoft.com/office/drawing/2014/main" id="{925071B5-D25D-44D1-8436-17A064FA82BA}"/>
+                  </a:ext>
+                </a:extLst>
+              </p:cNvPr>
+              <p:cNvPicPr>
+                <a:picLocks noChangeAspect="1"/>
+              </p:cNvPicPr>
+              <p:nvPr/>
+            </p:nvPicPr>
+            <p:blipFill>
+              <a:blip r:embed="rId10">
+                <a:extLst>
+                  <a:ext uri="{28A0092B-C50C-407E-A947-70E740481C1C}">
+                    <a14:useLocalDpi xmlns:a14="http://schemas.microsoft.com/office/drawing/2010/main" val="0"/>
+                  </a:ext>
+                  <a:ext uri="{96DAC541-7B7A-43D3-8B79-37D633B846F1}">
+                    <asvg:svgBlip xmlns:asvg="http://schemas.microsoft.com/office/drawing/2016/SVG/main" r:embed="rId11"/>
+                  </a:ext>
+                </a:extLst>
+              </a:blip>
+              <a:stretch>
+                <a:fillRect/>
+              </a:stretch>
+            </p:blipFill>
+            <p:spPr>
+              <a:xfrm>
+                <a:off x="8965152" y="4517937"/>
+                <a:ext cx="628650" cy="600075"/>
+              </a:xfrm>
+              <a:prstGeom prst="rect">
+                <a:avLst/>
+              </a:prstGeom>
+            </p:spPr>
+          </p:pic>
+          <p:pic>
+            <p:nvPicPr>
+              <p:cNvPr id="26" name="Graphic 25">
+                <a:extLst>
+                  <a:ext uri="{FF2B5EF4-FFF2-40B4-BE49-F238E27FC236}">
+                    <a16:creationId xmlns:a16="http://schemas.microsoft.com/office/drawing/2014/main" id="{02E07A17-A57F-4E63-8BA7-95B0DA3919A5}"/>
+                  </a:ext>
+                </a:extLst>
+              </p:cNvPr>
+              <p:cNvPicPr>
+                <a:picLocks noChangeAspect="1"/>
+              </p:cNvPicPr>
+              <p:nvPr/>
+            </p:nvPicPr>
+            <p:blipFill>
+              <a:blip r:embed="rId12">
+                <a:extLst>
+                  <a:ext uri="{28A0092B-C50C-407E-A947-70E740481C1C}">
+                    <a14:useLocalDpi xmlns:a14="http://schemas.microsoft.com/office/drawing/2010/main" val="0"/>
+                  </a:ext>
+                  <a:ext uri="{96DAC541-7B7A-43D3-8B79-37D633B846F1}">
+                    <asvg:svgBlip xmlns:asvg="http://schemas.microsoft.com/office/drawing/2016/SVG/main" r:embed="rId13"/>
+                  </a:ext>
+                </a:extLst>
+              </a:blip>
+              <a:stretch>
+                <a:fillRect/>
+              </a:stretch>
+            </p:blipFill>
+            <p:spPr>
+              <a:xfrm>
+                <a:off x="5965146" y="4679436"/>
+                <a:ext cx="476250" cy="476250"/>
+              </a:xfrm>
+              <a:prstGeom prst="rect">
+                <a:avLst/>
+              </a:prstGeom>
+            </p:spPr>
+          </p:pic>
+          <p:pic>
+            <p:nvPicPr>
+              <p:cNvPr id="28" name="Graphic 27">
+                <a:extLst>
+                  <a:ext uri="{FF2B5EF4-FFF2-40B4-BE49-F238E27FC236}">
+                    <a16:creationId xmlns:a16="http://schemas.microsoft.com/office/drawing/2014/main" id="{C7B8C726-E294-4A32-B7CC-0D388BEA8CE5}"/>
+                  </a:ext>
+                </a:extLst>
+              </p:cNvPr>
+              <p:cNvPicPr>
+                <a:picLocks noChangeAspect="1"/>
+              </p:cNvPicPr>
+              <p:nvPr/>
+            </p:nvPicPr>
+            <p:blipFill>
+              <a:blip r:embed="rId14">
+                <a:extLst>
+                  <a:ext uri="{28A0092B-C50C-407E-A947-70E740481C1C}">
+                    <a14:useLocalDpi xmlns:a14="http://schemas.microsoft.com/office/drawing/2010/main" val="0"/>
+                  </a:ext>
+                  <a:ext uri="{96DAC541-7B7A-43D3-8B79-37D633B846F1}">
+                    <asvg:svgBlip xmlns:asvg="http://schemas.microsoft.com/office/drawing/2016/SVG/main" r:embed="rId15"/>
+                  </a:ext>
+                </a:extLst>
+              </a:blip>
+              <a:stretch>
+                <a:fillRect/>
+              </a:stretch>
+            </p:blipFill>
+            <p:spPr>
+              <a:xfrm>
+                <a:off x="7858812" y="3986501"/>
+                <a:ext cx="476250" cy="476250"/>
+              </a:xfrm>
+              <a:prstGeom prst="rect">
+                <a:avLst/>
+              </a:prstGeom>
+            </p:spPr>
+          </p:pic>
+        </p:grpSp>
+      </p:grpSp>
+      <p:pic>
+        <p:nvPicPr>
+          <p:cNvPr id="30" name="Graphic 29">
+            <a:extLst>
+              <a:ext uri="{FF2B5EF4-FFF2-40B4-BE49-F238E27FC236}">
+                <a16:creationId xmlns:a16="http://schemas.microsoft.com/office/drawing/2014/main" id="{A297AF32-D8A2-4423-B36B-CE86473A2088}"/>
+              </a:ext>
+            </a:extLst>
+          </p:cNvPr>
+          <p:cNvPicPr>
+            <a:picLocks noChangeAspect="1"/>
+          </p:cNvPicPr>
+          <p:nvPr/>
+        </p:nvPicPr>
+        <p:blipFill>
+          <a:blip r:embed="rId3">
+            <a:extLst>
+              <a:ext uri="{28A0092B-C50C-407E-A947-70E740481C1C}">
+                <a14:useLocalDpi xmlns:a14="http://schemas.microsoft.com/office/drawing/2010/main" val="0"/>
+              </a:ext>
+              <a:ext uri="{96DAC541-7B7A-43D3-8B79-37D633B846F1}">
+                <asvg:svgBlip xmlns:asvg="http://schemas.microsoft.com/office/drawing/2016/SVG/main" r:embed="rId4"/>
+              </a:ext>
+            </a:extLst>
+          </a:blip>
+          <a:stretch>
+            <a:fillRect/>
+          </a:stretch>
+        </p:blipFill>
+        <p:spPr>
+          <a:xfrm>
+            <a:off x="10573510" y="3559685"/>
+            <a:ext cx="780290" cy="780290"/>
+          </a:xfrm>
+          <a:prstGeom prst="rect">
+            <a:avLst/>
+          </a:prstGeom>
+        </p:spPr>
+      </p:pic>
+      <p:pic>
+        <p:nvPicPr>
+          <p:cNvPr id="1026" name="Picture 2">
+            <a:extLst>
+              <a:ext uri="{FF2B5EF4-FFF2-40B4-BE49-F238E27FC236}">
+                <a16:creationId xmlns:a16="http://schemas.microsoft.com/office/drawing/2014/main" id="{84738135-B527-4325-8D62-F8B9B9D1984A}"/>
+              </a:ext>
+            </a:extLst>
+          </p:cNvPr>
+          <p:cNvPicPr>
+            <a:picLocks noChangeAspect="1" noChangeArrowheads="1"/>
+          </p:cNvPicPr>
+          <p:nvPr/>
+        </p:nvPicPr>
+        <p:blipFill>
+          <a:blip r:embed="rId16">
+            <a:extLst>
+              <a:ext uri="{28A0092B-C50C-407E-A947-70E740481C1C}">
+                <a14:useLocalDpi xmlns:a14="http://schemas.microsoft.com/office/drawing/2010/main" val="0"/>
+              </a:ext>
+            </a:extLst>
+          </a:blip>
+          <a:srcRect/>
+          <a:stretch>
+            <a:fillRect/>
+          </a:stretch>
+        </p:blipFill>
+        <p:spPr bwMode="auto">
+          <a:xfrm>
+            <a:off x="2623349" y="862903"/>
+            <a:ext cx="814057" cy="987144"/>
+          </a:xfrm>
+          <a:prstGeom prst="rect">
+            <a:avLst/>
+          </a:prstGeom>
+          <a:noFill/>
+          <a:extLst>
+            <a:ext uri="{909E8E84-426E-40DD-AFC4-6F175D3DCCD1}">
+              <a14:hiddenFill xmlns:a14="http://schemas.microsoft.com/office/drawing/2010/main">
+                <a:solidFill>
+                  <a:srgbClr val="FFFFFF"/>
+                </a:solidFill>
+              </a14:hiddenFill>
+            </a:ext>
+          </a:extLst>
+        </p:spPr>
+      </p:pic>
+      <p:pic>
+        <p:nvPicPr>
+          <p:cNvPr id="32" name="Graphic 31">
+            <a:extLst>
+              <a:ext uri="{FF2B5EF4-FFF2-40B4-BE49-F238E27FC236}">
+                <a16:creationId xmlns:a16="http://schemas.microsoft.com/office/drawing/2014/main" id="{AAF0FC8B-CA83-4A8E-A2F7-220F96B6E74A}"/>
+              </a:ext>
+            </a:extLst>
+          </p:cNvPr>
+          <p:cNvPicPr>
+            <a:picLocks noChangeAspect="1"/>
+          </p:cNvPicPr>
+          <p:nvPr/>
+        </p:nvPicPr>
+        <p:blipFill>
+          <a:blip r:embed="rId17">
+            <a:extLst>
+              <a:ext uri="{28A0092B-C50C-407E-A947-70E740481C1C}">
+                <a14:useLocalDpi xmlns:a14="http://schemas.microsoft.com/office/drawing/2010/main" val="0"/>
+              </a:ext>
+              <a:ext uri="{96DAC541-7B7A-43D3-8B79-37D633B846F1}">
+                <asvg:svgBlip xmlns:asvg="http://schemas.microsoft.com/office/drawing/2016/SVG/main" r:embed="rId18"/>
+              </a:ext>
+            </a:extLst>
+          </a:blip>
+          <a:stretch>
+            <a:fillRect/>
+          </a:stretch>
+        </p:blipFill>
+        <p:spPr>
+          <a:xfrm>
+            <a:off x="10573509" y="965778"/>
+            <a:ext cx="780095" cy="781393"/>
+          </a:xfrm>
+          <a:prstGeom prst="rect">
+            <a:avLst/>
+          </a:prstGeom>
+        </p:spPr>
+      </p:pic>
+      <p:pic>
+        <p:nvPicPr>
+          <p:cNvPr id="40" name="Picture 39" descr="A picture containing drawing, clock&#10;&#10;Description automatically generated">
+            <a:extLst>
+              <a:ext uri="{FF2B5EF4-FFF2-40B4-BE49-F238E27FC236}">
+                <a16:creationId xmlns:a16="http://schemas.microsoft.com/office/drawing/2014/main" id="{893951CC-E62C-48AE-B7E2-F096699C2CF3}"/>
+              </a:ext>
+            </a:extLst>
+          </p:cNvPr>
+          <p:cNvPicPr>
+            <a:picLocks noChangeAspect="1"/>
+          </p:cNvPicPr>
+          <p:nvPr/>
+        </p:nvPicPr>
+        <p:blipFill>
+          <a:blip r:embed="rId19">
+            <a:extLst>
+              <a:ext uri="{28A0092B-C50C-407E-A947-70E740481C1C}">
+                <a14:useLocalDpi xmlns:a14="http://schemas.microsoft.com/office/drawing/2010/main" val="0"/>
+              </a:ext>
+            </a:extLst>
+          </a:blip>
+          <a:stretch>
+            <a:fillRect/>
+          </a:stretch>
+        </p:blipFill>
+        <p:spPr>
+          <a:xfrm>
+            <a:off x="935616" y="506028"/>
+            <a:ext cx="390153" cy="390153"/>
+          </a:xfrm>
+          <a:prstGeom prst="rect">
+            <a:avLst/>
+          </a:prstGeom>
+        </p:spPr>
+      </p:pic>
+      <p:pic>
+        <p:nvPicPr>
+          <p:cNvPr id="42" name="Picture 41" descr="A picture containing clock&#10;&#10;Description automatically generated">
+            <a:extLst>
+              <a:ext uri="{FF2B5EF4-FFF2-40B4-BE49-F238E27FC236}">
+                <a16:creationId xmlns:a16="http://schemas.microsoft.com/office/drawing/2014/main" id="{79BA6822-C72A-4838-A922-66E4DB0E55AC}"/>
+              </a:ext>
+            </a:extLst>
+          </p:cNvPr>
+          <p:cNvPicPr>
+            <a:picLocks noChangeAspect="1"/>
+          </p:cNvPicPr>
+          <p:nvPr/>
+        </p:nvPicPr>
+        <p:blipFill>
+          <a:blip r:embed="rId20">
+            <a:extLst>
+              <a:ext uri="{28A0092B-C50C-407E-A947-70E740481C1C}">
+                <a14:useLocalDpi xmlns:a14="http://schemas.microsoft.com/office/drawing/2010/main" val="0"/>
+              </a:ext>
+            </a:extLst>
+          </a:blip>
+          <a:stretch>
+            <a:fillRect/>
+          </a:stretch>
+        </p:blipFill>
+        <p:spPr>
+          <a:xfrm>
+            <a:off x="2727199" y="507535"/>
+            <a:ext cx="390153" cy="390153"/>
+          </a:xfrm>
+          <a:prstGeom prst="rect">
+            <a:avLst/>
+          </a:prstGeom>
+        </p:spPr>
+      </p:pic>
+      <p:pic>
+        <p:nvPicPr>
+          <p:cNvPr id="44" name="Picture 43" descr="A close up of a logo&#10;&#10;Description automatically generated">
+            <a:extLst>
+              <a:ext uri="{FF2B5EF4-FFF2-40B4-BE49-F238E27FC236}">
+                <a16:creationId xmlns:a16="http://schemas.microsoft.com/office/drawing/2014/main" id="{9C7E8CA2-5F1E-4E2F-8888-3197EBCE7171}"/>
+              </a:ext>
+            </a:extLst>
+          </p:cNvPr>
+          <p:cNvPicPr>
+            <a:picLocks noChangeAspect="1"/>
+          </p:cNvPicPr>
+          <p:nvPr/>
+        </p:nvPicPr>
+        <p:blipFill>
+          <a:blip r:embed="rId21">
+            <a:extLst>
+              <a:ext uri="{28A0092B-C50C-407E-A947-70E740481C1C}">
+                <a14:useLocalDpi xmlns:a14="http://schemas.microsoft.com/office/drawing/2010/main" val="0"/>
+              </a:ext>
+            </a:extLst>
+          </a:blip>
+          <a:stretch>
+            <a:fillRect/>
+          </a:stretch>
+        </p:blipFill>
+        <p:spPr>
+          <a:xfrm>
+            <a:off x="4881200" y="506028"/>
+            <a:ext cx="390153" cy="390153"/>
+          </a:xfrm>
+          <a:prstGeom prst="rect">
+            <a:avLst/>
+          </a:prstGeom>
+        </p:spPr>
+      </p:pic>
+      <p:pic>
+        <p:nvPicPr>
+          <p:cNvPr id="46" name="Picture 45" descr="A picture containing object, drawing, clock&#10;&#10;Description automatically generated">
+            <a:extLst>
+              <a:ext uri="{FF2B5EF4-FFF2-40B4-BE49-F238E27FC236}">
+                <a16:creationId xmlns:a16="http://schemas.microsoft.com/office/drawing/2014/main" id="{4F6779B2-2CDD-466E-BE8D-3DC3B38B185F}"/>
+              </a:ext>
+            </a:extLst>
+          </p:cNvPr>
+          <p:cNvPicPr>
+            <a:picLocks noChangeAspect="1"/>
+          </p:cNvPicPr>
+          <p:nvPr/>
+        </p:nvPicPr>
+        <p:blipFill>
+          <a:blip r:embed="rId22">
+            <a:extLst>
+              <a:ext uri="{28A0092B-C50C-407E-A947-70E740481C1C}">
+                <a14:useLocalDpi xmlns:a14="http://schemas.microsoft.com/office/drawing/2010/main" val="0"/>
+              </a:ext>
+            </a:extLst>
+          </a:blip>
+          <a:stretch>
+            <a:fillRect/>
+          </a:stretch>
+        </p:blipFill>
+        <p:spPr>
+          <a:xfrm>
+            <a:off x="6802982" y="506028"/>
+            <a:ext cx="390153" cy="390153"/>
+          </a:xfrm>
+          <a:prstGeom prst="rect">
+            <a:avLst/>
+          </a:prstGeom>
+        </p:spPr>
+      </p:pic>
+      <p:pic>
+        <p:nvPicPr>
+          <p:cNvPr id="48" name="Picture 47" descr="A picture containing game&#10;&#10;Description automatically generated">
+            <a:extLst>
+              <a:ext uri="{FF2B5EF4-FFF2-40B4-BE49-F238E27FC236}">
+                <a16:creationId xmlns:a16="http://schemas.microsoft.com/office/drawing/2014/main" id="{FF03DBD6-CC50-4A97-BD33-82244A6C7E6F}"/>
+              </a:ext>
+            </a:extLst>
+          </p:cNvPr>
+          <p:cNvPicPr>
+            <a:picLocks noChangeAspect="1"/>
+          </p:cNvPicPr>
+          <p:nvPr/>
+        </p:nvPicPr>
+        <p:blipFill>
+          <a:blip r:embed="rId23">
+            <a:extLst>
+              <a:ext uri="{28A0092B-C50C-407E-A947-70E740481C1C}">
+                <a14:useLocalDpi xmlns:a14="http://schemas.microsoft.com/office/drawing/2010/main" val="0"/>
+              </a:ext>
+            </a:extLst>
+          </a:blip>
+          <a:stretch>
+            <a:fillRect/>
+          </a:stretch>
+        </p:blipFill>
+        <p:spPr>
+          <a:xfrm>
+            <a:off x="8650677" y="506352"/>
+            <a:ext cx="390153" cy="390153"/>
+          </a:xfrm>
+          <a:prstGeom prst="rect">
+            <a:avLst/>
+          </a:prstGeom>
+        </p:spPr>
+      </p:pic>
+      <p:pic>
+        <p:nvPicPr>
+          <p:cNvPr id="50" name="Picture 49" descr="A close up of a logo&#10;&#10;Description automatically generated">
+            <a:extLst>
+              <a:ext uri="{FF2B5EF4-FFF2-40B4-BE49-F238E27FC236}">
+                <a16:creationId xmlns:a16="http://schemas.microsoft.com/office/drawing/2014/main" id="{779F2AB2-CDEF-415F-AE8D-58D363E55E56}"/>
+              </a:ext>
+            </a:extLst>
+          </p:cNvPr>
+          <p:cNvPicPr>
+            <a:picLocks noChangeAspect="1"/>
+          </p:cNvPicPr>
+          <p:nvPr/>
+        </p:nvPicPr>
+        <p:blipFill>
+          <a:blip r:embed="rId24">
+            <a:extLst>
+              <a:ext uri="{28A0092B-C50C-407E-A947-70E740481C1C}">
+                <a14:useLocalDpi xmlns:a14="http://schemas.microsoft.com/office/drawing/2010/main" val="0"/>
+              </a:ext>
+            </a:extLst>
+          </a:blip>
+          <a:stretch>
+            <a:fillRect/>
+          </a:stretch>
+        </p:blipFill>
+        <p:spPr>
+          <a:xfrm>
+            <a:off x="10768479" y="506027"/>
+            <a:ext cx="390153" cy="390153"/>
+          </a:xfrm>
+          <a:prstGeom prst="rect">
+            <a:avLst/>
+          </a:prstGeom>
+        </p:spPr>
+      </p:pic>
+      <p:pic>
+        <p:nvPicPr>
+          <p:cNvPr id="54" name="Picture 53" descr="A picture containing drawing&#10;&#10;Description automatically generated">
+            <a:extLst>
+              <a:ext uri="{FF2B5EF4-FFF2-40B4-BE49-F238E27FC236}">
+                <a16:creationId xmlns:a16="http://schemas.microsoft.com/office/drawing/2014/main" id="{B5C6B40D-2E6C-4A97-B379-4D03C27B58D2}"/>
+              </a:ext>
+            </a:extLst>
+          </p:cNvPr>
+          <p:cNvPicPr>
+            <a:picLocks noChangeAspect="1"/>
+          </p:cNvPicPr>
+          <p:nvPr/>
+        </p:nvPicPr>
+        <p:blipFill>
+          <a:blip r:embed="rId25">
+            <a:extLst>
+              <a:ext uri="{28A0092B-C50C-407E-A947-70E740481C1C}">
+                <a14:useLocalDpi xmlns:a14="http://schemas.microsoft.com/office/drawing/2010/main" val="0"/>
+              </a:ext>
+            </a:extLst>
+          </a:blip>
+          <a:stretch>
+            <a:fillRect/>
+          </a:stretch>
+        </p:blipFill>
+        <p:spPr>
+          <a:xfrm>
+            <a:off x="10768478" y="3019041"/>
+            <a:ext cx="390153" cy="390153"/>
+          </a:xfrm>
+          <a:prstGeom prst="rect">
+            <a:avLst/>
+          </a:prstGeom>
+        </p:spPr>
+      </p:pic>
+      <p:pic>
+        <p:nvPicPr>
+          <p:cNvPr id="56" name="Picture 55" descr="A close up of a logo&#10;&#10;Description automatically generated">
+            <a:extLst>
+              <a:ext uri="{FF2B5EF4-FFF2-40B4-BE49-F238E27FC236}">
+                <a16:creationId xmlns:a16="http://schemas.microsoft.com/office/drawing/2014/main" id="{4B7097A5-180E-461B-B13C-0CC5B836DD40}"/>
+              </a:ext>
+            </a:extLst>
+          </p:cNvPr>
+          <p:cNvPicPr>
+            <a:picLocks noChangeAspect="1"/>
+          </p:cNvPicPr>
+          <p:nvPr/>
+        </p:nvPicPr>
+        <p:blipFill>
+          <a:blip r:embed="rId26">
+            <a:extLst>
+              <a:ext uri="{28A0092B-C50C-407E-A947-70E740481C1C}">
+                <a14:useLocalDpi xmlns:a14="http://schemas.microsoft.com/office/drawing/2010/main" val="0"/>
+              </a:ext>
+            </a:extLst>
+          </a:blip>
+          <a:stretch>
+            <a:fillRect/>
+          </a:stretch>
+        </p:blipFill>
+        <p:spPr>
+          <a:xfrm>
+            <a:off x="5933633" y="3023311"/>
+            <a:ext cx="390153" cy="390153"/>
+          </a:xfrm>
+          <a:prstGeom prst="rect">
+            <a:avLst/>
+          </a:prstGeom>
+        </p:spPr>
+      </p:pic>
+      <p:sp>
+        <p:nvSpPr>
+          <p:cNvPr id="57" name="TextBox 56">
+            <a:extLst>
+              <a:ext uri="{FF2B5EF4-FFF2-40B4-BE49-F238E27FC236}">
+                <a16:creationId xmlns:a16="http://schemas.microsoft.com/office/drawing/2014/main" id="{24801AF1-40F5-4B78-8B88-3B17F07F3996}"/>
+              </a:ext>
+            </a:extLst>
+          </p:cNvPr>
+          <p:cNvSpPr txBox="1"/>
+          <p:nvPr/>
+        </p:nvSpPr>
+        <p:spPr>
+          <a:xfrm>
+            <a:off x="648070" y="1926452"/>
+            <a:ext cx="1111202" cy="369332"/>
+          </a:xfrm>
+          <a:prstGeom prst="rect">
+            <a:avLst/>
+          </a:prstGeom>
+          <a:noFill/>
+        </p:spPr>
+        <p:txBody>
+          <a:bodyPr wrap="none" rtlCol="0">
+            <a:spAutoFit/>
+          </a:bodyPr>
+          <a:lstStyle/>
+          <a:p>
+            <a:pPr marL="0" marR="0" lvl="0" indent="0" algn="ctr" defTabSz="914400" rtl="0" eaLnBrk="1" fontAlgn="auto" latinLnBrk="0" hangingPunct="1">
+              <a:lnSpc>
+                <a:spcPct val="100000"/>
+              </a:lnSpc>
+              <a:spcBef>
+                <a:spcPts val="0"/>
+              </a:spcBef>
+              <a:spcAft>
+                <a:spcPts val="0"/>
+              </a:spcAft>
+              <a:buClrTx/>
+              <a:buSzTx/>
+              <a:buFontTx/>
+              <a:buNone/>
+              <a:tabLst/>
+              <a:defRPr/>
+            </a:pPr>
+            <a:r>
+              <a:rPr kumimoji="0" lang="en-IN" sz="900" b="0" i="0" u="none" strike="noStrike" kern="1200" cap="none" spc="0" normalizeH="0" baseline="0" noProof="0" dirty="0">
+                <a:ln>
+                  <a:noFill/>
+                </a:ln>
+                <a:solidFill>
+                  <a:srgbClr val="0070C0"/>
+                </a:solidFill>
+                <a:effectLst/>
+                <a:uLnTx/>
+                <a:uFillTx/>
+                <a:latin typeface="Verdana" panose="020B0604030504040204" pitchFamily="34" charset="0"/>
+                <a:ea typeface="Verdana" panose="020B0604030504040204" pitchFamily="34" charset="0"/>
+                <a:cs typeface="+mn-cs"/>
+              </a:rPr>
+              <a:t>Feature Branch </a:t>
+            </a:r>
+          </a:p>
+          <a:p>
+            <a:pPr marL="0" marR="0" lvl="0" indent="0" algn="ctr" defTabSz="914400" rtl="0" eaLnBrk="1" fontAlgn="auto" latinLnBrk="0" hangingPunct="1">
+              <a:lnSpc>
+                <a:spcPct val="100000"/>
+              </a:lnSpc>
+              <a:spcBef>
+                <a:spcPts val="0"/>
+              </a:spcBef>
+              <a:spcAft>
+                <a:spcPts val="0"/>
+              </a:spcAft>
+              <a:buClrTx/>
+              <a:buSzTx/>
+              <a:buFontTx/>
+              <a:buNone/>
+              <a:tabLst/>
+              <a:defRPr/>
+            </a:pPr>
+            <a:r>
+              <a:rPr kumimoji="0" lang="en-IN" sz="900" b="0" i="0" u="none" strike="noStrike" kern="1200" cap="none" spc="0" normalizeH="0" baseline="0" noProof="0" dirty="0">
+                <a:ln>
+                  <a:noFill/>
+                </a:ln>
+                <a:solidFill>
+                  <a:srgbClr val="0070C0"/>
+                </a:solidFill>
+                <a:effectLst/>
+                <a:uLnTx/>
+                <a:uFillTx/>
+                <a:latin typeface="Verdana" panose="020B0604030504040204" pitchFamily="34" charset="0"/>
+                <a:ea typeface="Verdana" panose="020B0604030504040204" pitchFamily="34" charset="0"/>
+                <a:cs typeface="+mn-cs"/>
+              </a:rPr>
+              <a:t>Code </a:t>
+            </a:r>
+          </a:p>
+        </p:txBody>
+      </p:sp>
+      <p:sp>
+        <p:nvSpPr>
+          <p:cNvPr id="59" name="TextBox 58">
+            <a:extLst>
+              <a:ext uri="{FF2B5EF4-FFF2-40B4-BE49-F238E27FC236}">
+                <a16:creationId xmlns:a16="http://schemas.microsoft.com/office/drawing/2014/main" id="{8C126E89-A1A7-4EB3-9DEC-44A16C851BD3}"/>
+              </a:ext>
+            </a:extLst>
+          </p:cNvPr>
+          <p:cNvSpPr txBox="1"/>
+          <p:nvPr/>
+        </p:nvSpPr>
+        <p:spPr>
+          <a:xfrm>
+            <a:off x="2601105" y="1927929"/>
+            <a:ext cx="901209" cy="230832"/>
+          </a:xfrm>
+          <a:prstGeom prst="rect">
+            <a:avLst/>
+          </a:prstGeom>
+          <a:noFill/>
+        </p:spPr>
+        <p:txBody>
+          <a:bodyPr wrap="none" rtlCol="0">
+            <a:spAutoFit/>
+          </a:bodyPr>
+          <a:lstStyle/>
+          <a:p>
+            <a:pPr marL="0" marR="0" lvl="0" indent="0" algn="ctr" defTabSz="914400" rtl="0" eaLnBrk="1" fontAlgn="auto" latinLnBrk="0" hangingPunct="1">
+              <a:lnSpc>
+                <a:spcPct val="100000"/>
+              </a:lnSpc>
+              <a:spcBef>
+                <a:spcPts val="0"/>
+              </a:spcBef>
+              <a:spcAft>
+                <a:spcPts val="0"/>
+              </a:spcAft>
+              <a:buClrTx/>
+              <a:buSzTx/>
+              <a:buFontTx/>
+              <a:buNone/>
+              <a:tabLst/>
+              <a:defRPr/>
+            </a:pPr>
+            <a:r>
+              <a:rPr kumimoji="0" lang="en-IN" sz="900" b="0" i="0" u="none" strike="noStrike" kern="1200" cap="none" spc="0" normalizeH="0" baseline="0" noProof="0" dirty="0">
+                <a:ln>
+                  <a:noFill/>
+                </a:ln>
+                <a:solidFill>
+                  <a:srgbClr val="0070C0"/>
+                </a:solidFill>
+                <a:effectLst/>
+                <a:uLnTx/>
+                <a:uFillTx/>
+                <a:latin typeface="Verdana" panose="020B0604030504040204" pitchFamily="34" charset="0"/>
+                <a:ea typeface="Verdana" panose="020B0604030504040204" pitchFamily="34" charset="0"/>
+                <a:cs typeface="+mn-cs"/>
+              </a:rPr>
+              <a:t>Pull Request</a:t>
+            </a:r>
+          </a:p>
+        </p:txBody>
+      </p:sp>
+      <p:sp>
+        <p:nvSpPr>
+          <p:cNvPr id="60" name="TextBox 59">
+            <a:extLst>
+              <a:ext uri="{FF2B5EF4-FFF2-40B4-BE49-F238E27FC236}">
+                <a16:creationId xmlns:a16="http://schemas.microsoft.com/office/drawing/2014/main" id="{DBCFAD7A-E88C-4A0F-A610-6CBE85188BB1}"/>
+              </a:ext>
+            </a:extLst>
+          </p:cNvPr>
+          <p:cNvSpPr txBox="1"/>
+          <p:nvPr/>
+        </p:nvSpPr>
+        <p:spPr>
+          <a:xfrm>
+            <a:off x="4602471" y="1927928"/>
+            <a:ext cx="857927" cy="230832"/>
+          </a:xfrm>
+          <a:prstGeom prst="rect">
+            <a:avLst/>
+          </a:prstGeom>
+          <a:noFill/>
+        </p:spPr>
+        <p:txBody>
+          <a:bodyPr wrap="none" rtlCol="0">
+            <a:spAutoFit/>
+          </a:bodyPr>
+          <a:lstStyle/>
+          <a:p>
+            <a:pPr marL="0" marR="0" lvl="0" indent="0" algn="ctr" defTabSz="914400" rtl="0" eaLnBrk="1" fontAlgn="auto" latinLnBrk="0" hangingPunct="1">
+              <a:lnSpc>
+                <a:spcPct val="100000"/>
+              </a:lnSpc>
+              <a:spcBef>
+                <a:spcPts val="0"/>
+              </a:spcBef>
+              <a:spcAft>
+                <a:spcPts val="0"/>
+              </a:spcAft>
+              <a:buClrTx/>
+              <a:buSzTx/>
+              <a:buFontTx/>
+              <a:buNone/>
+              <a:tabLst/>
+              <a:defRPr/>
+            </a:pPr>
+            <a:r>
+              <a:rPr kumimoji="0" lang="en-IN" sz="900" b="0" i="0" u="none" strike="noStrike" kern="1200" cap="none" spc="0" normalizeH="0" baseline="0" noProof="0" dirty="0">
+                <a:ln>
+                  <a:noFill/>
+                </a:ln>
+                <a:solidFill>
+                  <a:srgbClr val="0070C0"/>
+                </a:solidFill>
+                <a:effectLst/>
+                <a:uLnTx/>
+                <a:uFillTx/>
+                <a:latin typeface="Verdana" panose="020B0604030504040204" pitchFamily="34" charset="0"/>
+                <a:ea typeface="Verdana" panose="020B0604030504040204" pitchFamily="34" charset="0"/>
+                <a:cs typeface="+mn-cs"/>
+              </a:rPr>
+              <a:t>Gated Build</a:t>
+            </a:r>
+          </a:p>
+        </p:txBody>
+      </p:sp>
+      <p:sp>
+        <p:nvSpPr>
+          <p:cNvPr id="61" name="TextBox 60">
+            <a:extLst>
+              <a:ext uri="{FF2B5EF4-FFF2-40B4-BE49-F238E27FC236}">
+                <a16:creationId xmlns:a16="http://schemas.microsoft.com/office/drawing/2014/main" id="{82C61609-CC07-4FD7-9C30-D031271928D1}"/>
+              </a:ext>
+            </a:extLst>
+          </p:cNvPr>
+          <p:cNvSpPr txBox="1"/>
+          <p:nvPr/>
+        </p:nvSpPr>
+        <p:spPr>
+          <a:xfrm>
+            <a:off x="6518198" y="1927932"/>
+            <a:ext cx="1021433" cy="230832"/>
+          </a:xfrm>
+          <a:prstGeom prst="rect">
+            <a:avLst/>
+          </a:prstGeom>
+          <a:noFill/>
+        </p:spPr>
+        <p:txBody>
+          <a:bodyPr wrap="none" rtlCol="0">
+            <a:spAutoFit/>
+          </a:bodyPr>
+          <a:lstStyle/>
+          <a:p>
+            <a:pPr marL="0" marR="0" lvl="0" indent="0" algn="ctr" defTabSz="914400" rtl="0" eaLnBrk="1" fontAlgn="auto" latinLnBrk="0" hangingPunct="1">
+              <a:lnSpc>
+                <a:spcPct val="100000"/>
+              </a:lnSpc>
+              <a:spcBef>
+                <a:spcPts val="0"/>
+              </a:spcBef>
+              <a:spcAft>
+                <a:spcPts val="0"/>
+              </a:spcAft>
+              <a:buClrTx/>
+              <a:buSzTx/>
+              <a:buFontTx/>
+              <a:buNone/>
+              <a:tabLst/>
+              <a:defRPr/>
+            </a:pPr>
+            <a:r>
+              <a:rPr kumimoji="0" lang="en-IN" sz="900" b="0" i="0" u="none" strike="noStrike" kern="1200" cap="none" spc="0" normalizeH="0" baseline="0" noProof="0" dirty="0">
+                <a:ln>
+                  <a:noFill/>
+                </a:ln>
+                <a:solidFill>
+                  <a:srgbClr val="0070C0"/>
+                </a:solidFill>
+                <a:effectLst/>
+                <a:uLnTx/>
+                <a:uFillTx/>
+                <a:latin typeface="Verdana" panose="020B0604030504040204" pitchFamily="34" charset="0"/>
+                <a:ea typeface="Verdana" panose="020B0604030504040204" pitchFamily="34" charset="0"/>
+                <a:cs typeface="+mn-cs"/>
+              </a:rPr>
+              <a:t>Master Branch</a:t>
+            </a:r>
+          </a:p>
+        </p:txBody>
+      </p:sp>
+      <p:sp>
+        <p:nvSpPr>
+          <p:cNvPr id="62" name="TextBox 61">
+            <a:extLst>
+              <a:ext uri="{FF2B5EF4-FFF2-40B4-BE49-F238E27FC236}">
+                <a16:creationId xmlns:a16="http://schemas.microsoft.com/office/drawing/2014/main" id="{249C46EA-9E6D-44DB-8464-705398B77D4A}"/>
+              </a:ext>
+            </a:extLst>
+          </p:cNvPr>
+          <p:cNvSpPr txBox="1"/>
+          <p:nvPr/>
+        </p:nvSpPr>
+        <p:spPr>
+          <a:xfrm>
+            <a:off x="8474817" y="1927931"/>
+            <a:ext cx="641522" cy="230832"/>
+          </a:xfrm>
+          <a:prstGeom prst="rect">
+            <a:avLst/>
+          </a:prstGeom>
+          <a:noFill/>
+        </p:spPr>
+        <p:txBody>
+          <a:bodyPr wrap="none" rtlCol="0">
+            <a:spAutoFit/>
+          </a:bodyPr>
+          <a:lstStyle/>
+          <a:p>
+            <a:pPr marL="0" marR="0" lvl="0" indent="0" algn="ctr" defTabSz="914400" rtl="0" eaLnBrk="1" fontAlgn="auto" latinLnBrk="0" hangingPunct="1">
+              <a:lnSpc>
+                <a:spcPct val="100000"/>
+              </a:lnSpc>
+              <a:spcBef>
+                <a:spcPts val="0"/>
+              </a:spcBef>
+              <a:spcAft>
+                <a:spcPts val="0"/>
+              </a:spcAft>
+              <a:buClrTx/>
+              <a:buSzTx/>
+              <a:buFontTx/>
+              <a:buNone/>
+              <a:tabLst/>
+              <a:defRPr/>
+            </a:pPr>
+            <a:r>
+              <a:rPr kumimoji="0" lang="en-IN" sz="900" b="0" i="0" u="none" strike="noStrike" kern="1200" cap="none" spc="0" normalizeH="0" baseline="0" noProof="0" dirty="0">
+                <a:ln>
+                  <a:noFill/>
+                </a:ln>
+                <a:solidFill>
+                  <a:srgbClr val="0070C0"/>
+                </a:solidFill>
+                <a:effectLst/>
+                <a:uLnTx/>
+                <a:uFillTx/>
+                <a:latin typeface="Verdana" panose="020B0604030504040204" pitchFamily="34" charset="0"/>
+                <a:ea typeface="Verdana" panose="020B0604030504040204" pitchFamily="34" charset="0"/>
+                <a:cs typeface="+mn-cs"/>
+              </a:rPr>
+              <a:t>CI Build</a:t>
+            </a:r>
+          </a:p>
+        </p:txBody>
+      </p:sp>
+      <p:sp>
+        <p:nvSpPr>
+          <p:cNvPr id="63" name="TextBox 62">
+            <a:extLst>
+              <a:ext uri="{FF2B5EF4-FFF2-40B4-BE49-F238E27FC236}">
+                <a16:creationId xmlns:a16="http://schemas.microsoft.com/office/drawing/2014/main" id="{42143B6B-0DBF-411D-B5F8-55CC77C45241}"/>
+              </a:ext>
+            </a:extLst>
+          </p:cNvPr>
+          <p:cNvSpPr txBox="1"/>
+          <p:nvPr/>
+        </p:nvSpPr>
+        <p:spPr>
+          <a:xfrm>
+            <a:off x="10484864" y="1927928"/>
+            <a:ext cx="1007007" cy="230832"/>
+          </a:xfrm>
+          <a:prstGeom prst="rect">
+            <a:avLst/>
+          </a:prstGeom>
+          <a:noFill/>
+        </p:spPr>
+        <p:txBody>
+          <a:bodyPr wrap="none" rtlCol="0">
+            <a:spAutoFit/>
+          </a:bodyPr>
+          <a:lstStyle/>
+          <a:p>
+            <a:pPr marL="0" marR="0" lvl="0" indent="0" algn="ctr" defTabSz="914400" rtl="0" eaLnBrk="1" fontAlgn="auto" latinLnBrk="0" hangingPunct="1">
+              <a:lnSpc>
+                <a:spcPct val="100000"/>
+              </a:lnSpc>
+              <a:spcBef>
+                <a:spcPts val="0"/>
+              </a:spcBef>
+              <a:spcAft>
+                <a:spcPts val="0"/>
+              </a:spcAft>
+              <a:buClrTx/>
+              <a:buSzTx/>
+              <a:buFontTx/>
+              <a:buNone/>
+              <a:tabLst/>
+              <a:defRPr/>
+            </a:pPr>
+            <a:r>
+              <a:rPr kumimoji="0" lang="en-IN" sz="900" b="0" i="0" u="none" strike="noStrike" kern="1200" cap="none" spc="0" normalizeH="0" baseline="0" noProof="0" dirty="0">
+                <a:ln>
+                  <a:noFill/>
+                </a:ln>
+                <a:solidFill>
+                  <a:srgbClr val="0070C0"/>
+                </a:solidFill>
+                <a:effectLst/>
+                <a:uLnTx/>
+                <a:uFillTx/>
+                <a:latin typeface="Verdana" panose="020B0604030504040204" pitchFamily="34" charset="0"/>
+                <a:ea typeface="Verdana" panose="020B0604030504040204" pitchFamily="34" charset="0"/>
+                <a:cs typeface="+mn-cs"/>
+              </a:rPr>
+              <a:t>Artefacts drop</a:t>
+            </a:r>
+          </a:p>
+        </p:txBody>
+      </p:sp>
+      <p:sp>
+        <p:nvSpPr>
+          <p:cNvPr id="64" name="TextBox 63">
+            <a:extLst>
+              <a:ext uri="{FF2B5EF4-FFF2-40B4-BE49-F238E27FC236}">
+                <a16:creationId xmlns:a16="http://schemas.microsoft.com/office/drawing/2014/main" id="{1B214976-97E2-44AA-89EE-93858B032AF0}"/>
+              </a:ext>
+            </a:extLst>
+          </p:cNvPr>
+          <p:cNvSpPr txBox="1"/>
+          <p:nvPr/>
+        </p:nvSpPr>
+        <p:spPr>
+          <a:xfrm>
+            <a:off x="10673090" y="4406279"/>
+            <a:ext cx="633507" cy="230832"/>
+          </a:xfrm>
+          <a:prstGeom prst="rect">
+            <a:avLst/>
+          </a:prstGeom>
+          <a:noFill/>
+        </p:spPr>
+        <p:txBody>
+          <a:bodyPr wrap="none" rtlCol="0">
+            <a:spAutoFit/>
+          </a:bodyPr>
+          <a:lstStyle/>
+          <a:p>
+            <a:pPr marL="0" marR="0" lvl="0" indent="0" algn="ctr" defTabSz="914400" rtl="0" eaLnBrk="1" fontAlgn="auto" latinLnBrk="0" hangingPunct="1">
+              <a:lnSpc>
+                <a:spcPct val="100000"/>
+              </a:lnSpc>
+              <a:spcBef>
+                <a:spcPts val="0"/>
+              </a:spcBef>
+              <a:spcAft>
+                <a:spcPts val="0"/>
+              </a:spcAft>
+              <a:buClrTx/>
+              <a:buSzTx/>
+              <a:buFontTx/>
+              <a:buNone/>
+              <a:tabLst/>
+              <a:defRPr/>
+            </a:pPr>
+            <a:r>
+              <a:rPr kumimoji="0" lang="en-IN" sz="900" b="0" i="0" u="none" strike="noStrike" kern="1200" cap="none" spc="0" normalizeH="0" baseline="0" noProof="0" dirty="0">
+                <a:ln>
+                  <a:noFill/>
+                </a:ln>
+                <a:solidFill>
+                  <a:srgbClr val="0070C0"/>
+                </a:solidFill>
+                <a:effectLst/>
+                <a:uLnTx/>
+                <a:uFillTx/>
+                <a:latin typeface="Verdana" panose="020B0604030504040204" pitchFamily="34" charset="0"/>
+                <a:ea typeface="Verdana" panose="020B0604030504040204" pitchFamily="34" charset="0"/>
+                <a:cs typeface="+mn-cs"/>
+              </a:rPr>
+              <a:t>Release</a:t>
+            </a:r>
+          </a:p>
+        </p:txBody>
+      </p:sp>
+      <p:sp>
+        <p:nvSpPr>
+          <p:cNvPr id="65" name="TextBox 64">
+            <a:extLst>
+              <a:ext uri="{FF2B5EF4-FFF2-40B4-BE49-F238E27FC236}">
+                <a16:creationId xmlns:a16="http://schemas.microsoft.com/office/drawing/2014/main" id="{B13AA115-519F-4E7B-A289-6AF4CCC85A69}"/>
+              </a:ext>
+            </a:extLst>
+          </p:cNvPr>
+          <p:cNvSpPr txBox="1"/>
+          <p:nvPr/>
+        </p:nvSpPr>
+        <p:spPr>
+          <a:xfrm>
+            <a:off x="5804273" y="3438412"/>
+            <a:ext cx="1045479" cy="230832"/>
+          </a:xfrm>
+          <a:prstGeom prst="rect">
+            <a:avLst/>
+          </a:prstGeom>
+          <a:noFill/>
+        </p:spPr>
+        <p:txBody>
+          <a:bodyPr wrap="none" rtlCol="0">
+            <a:spAutoFit/>
+          </a:bodyPr>
+          <a:lstStyle/>
+          <a:p>
+            <a:pPr marL="0" marR="0" lvl="0" indent="0" algn="ctr" defTabSz="914400" rtl="0" eaLnBrk="1" fontAlgn="auto" latinLnBrk="0" hangingPunct="1">
+              <a:lnSpc>
+                <a:spcPct val="100000"/>
+              </a:lnSpc>
+              <a:spcBef>
+                <a:spcPts val="0"/>
+              </a:spcBef>
+              <a:spcAft>
+                <a:spcPts val="0"/>
+              </a:spcAft>
+              <a:buClrTx/>
+              <a:buSzTx/>
+              <a:buFontTx/>
+              <a:buNone/>
+              <a:tabLst/>
+              <a:defRPr/>
+            </a:pPr>
+            <a:r>
+              <a:rPr kumimoji="0" lang="en-IN" sz="900" b="0" i="0" u="none" strike="noStrike" kern="1200" cap="none" spc="0" normalizeH="0" baseline="0" noProof="0" dirty="0">
+                <a:ln>
+                  <a:noFill/>
+                </a:ln>
+                <a:solidFill>
+                  <a:srgbClr val="0070C0"/>
+                </a:solidFill>
+                <a:effectLst/>
+                <a:uLnTx/>
+                <a:uFillTx/>
+                <a:latin typeface="Verdana" panose="020B0604030504040204" pitchFamily="34" charset="0"/>
+                <a:ea typeface="Verdana" panose="020B0604030504040204" pitchFamily="34" charset="0"/>
+                <a:cs typeface="+mn-cs"/>
+              </a:rPr>
+              <a:t>Environment A</a:t>
+            </a:r>
+          </a:p>
+        </p:txBody>
+      </p:sp>
+    </p:spTree>
+    <p:extLst>
+      <p:ext uri="{BB962C8B-B14F-4D97-AF65-F5344CB8AC3E}">
+        <p14:creationId xmlns:p14="http://schemas.microsoft.com/office/powerpoint/2010/main" val="2001996074"/>
+      </p:ext>
+    </p:extLst>
+  </p:cSld>
+  <p:clrMapOvr>
+    <a:masterClrMapping/>
+  </p:clrMapOvr>
+</p:sld>
+</file>
+
+<file path=ppt/slides/slide12.xml><?xml version="1.0" encoding="utf-8"?>
+<p:sld xmlns:a="http://schemas.openxmlformats.org/drawingml/2006/main" xmlns:r="http://schemas.openxmlformats.org/officeDocument/2006/relationships" xmlns:p="http://schemas.openxmlformats.org/presentationml/2006/main">
+  <p:cSld>
     <p:bg>
       <p:bgPr>
         <a:solidFill>
@@ -6333,7 +8404,7 @@
 </p:sld>
 </file>
 
-<file path=ppt/slides/slide11.xml><?xml version="1.0" encoding="utf-8"?>
+<file path=ppt/slides/slide13.xml><?xml version="1.0" encoding="utf-8"?>
 <p:sld xmlns:a="http://schemas.openxmlformats.org/drawingml/2006/main" xmlns:r="http://schemas.openxmlformats.org/officeDocument/2006/relationships" xmlns:p="http://schemas.openxmlformats.org/presentationml/2006/main">
   <p:cSld>
     <p:bg>
@@ -6561,7 +8632,7 @@
 </p:sld>
 </file>
 
-<file path=ppt/slides/slide12.xml><?xml version="1.0" encoding="utf-8"?>
+<file path=ppt/slides/slide14.xml><?xml version="1.0" encoding="utf-8"?>
 <p:sld xmlns:a="http://schemas.openxmlformats.org/drawingml/2006/main" xmlns:r="http://schemas.openxmlformats.org/officeDocument/2006/relationships" xmlns:p="http://schemas.openxmlformats.org/presentationml/2006/main">
   <p:cSld>
     <p:bg>
@@ -6944,7 +9015,7 @@
 </p:sld>
 </file>
 
-<file path=ppt/slides/slide13.xml><?xml version="1.0" encoding="utf-8"?>
+<file path=ppt/slides/slide15.xml><?xml version="1.0" encoding="utf-8"?>
 <p:sld xmlns:a="http://schemas.openxmlformats.org/drawingml/2006/main" xmlns:r="http://schemas.openxmlformats.org/officeDocument/2006/relationships" xmlns:p="http://schemas.openxmlformats.org/presentationml/2006/main">
   <p:cSld>
     <p:spTree>
@@ -11818,7 +13889,7 @@
 </p:sld>
 </file>
 
-<file path=ppt/slides/slide14.xml><?xml version="1.0" encoding="utf-8"?>
+<file path=ppt/slides/slide16.xml><?xml version="1.0" encoding="utf-8"?>
 <p:sld xmlns:a="http://schemas.openxmlformats.org/drawingml/2006/main" xmlns:r="http://schemas.openxmlformats.org/officeDocument/2006/relationships" xmlns:p="http://schemas.openxmlformats.org/presentationml/2006/main">
   <p:cSld>
     <p:spTree>
@@ -18185,7 +20256,7 @@
 </p:sld>
 </file>
 
-<file path=ppt/slides/slide15.xml><?xml version="1.0" encoding="utf-8"?>
+<file path=ppt/slides/slide17.xml><?xml version="1.0" encoding="utf-8"?>
 <p:sld xmlns:a="http://schemas.openxmlformats.org/drawingml/2006/main" xmlns:r="http://schemas.openxmlformats.org/officeDocument/2006/relationships" xmlns:p="http://schemas.openxmlformats.org/presentationml/2006/main">
   <p:cSld>
     <p:spTree>
@@ -23938,7 +26009,7 @@
 </p:sld>
 </file>
 
-<file path=ppt/slides/slide16.xml><?xml version="1.0" encoding="utf-8"?>
+<file path=ppt/slides/slide18.xml><?xml version="1.0" encoding="utf-8"?>
 <p:sld xmlns:a="http://schemas.openxmlformats.org/drawingml/2006/main" xmlns:r="http://schemas.openxmlformats.org/officeDocument/2006/relationships" xmlns:p="http://schemas.openxmlformats.org/presentationml/2006/main">
   <p:cSld>
     <p:spTree>
@@ -24357,7 +26428,7 @@
 </p:sld>
 </file>
 
-<file path=ppt/slides/slide17.xml><?xml version="1.0" encoding="utf-8"?>
+<file path=ppt/slides/slide19.xml><?xml version="1.0" encoding="utf-8"?>
 <p:sld xmlns:a="http://schemas.openxmlformats.org/drawingml/2006/main" xmlns:r="http://schemas.openxmlformats.org/officeDocument/2006/relationships" xmlns:p="http://schemas.openxmlformats.org/presentationml/2006/main">
   <p:cSld>
     <p:spTree>
@@ -27866,6 +29937,456 @@
 </file>
 
 <file path=ppt/slides/slide3.xml><?xml version="1.0" encoding="utf-8"?>
+<p:sld xmlns:a="http://schemas.openxmlformats.org/drawingml/2006/main" xmlns:r="http://schemas.openxmlformats.org/officeDocument/2006/relationships" xmlns:p="http://schemas.openxmlformats.org/presentationml/2006/main">
+  <p:cSld>
+    <p:bg>
+      <p:bgPr>
+        <a:solidFill>
+          <a:schemeClr val="bg1"/>
+        </a:solidFill>
+        <a:effectLst/>
+      </p:bgPr>
+    </p:bg>
+    <p:spTree>
+      <p:nvGrpSpPr>
+        <p:cNvPr id="1" name=""/>
+        <p:cNvGrpSpPr/>
+        <p:nvPr/>
+      </p:nvGrpSpPr>
+      <p:grpSpPr>
+        <a:xfrm>
+          <a:off x="0" y="0"/>
+          <a:ext cx="0" cy="0"/>
+          <a:chOff x="0" y="0"/>
+          <a:chExt cx="0" cy="0"/>
+        </a:xfrm>
+      </p:grpSpPr>
+      <p:sp>
+        <p:nvSpPr>
+          <p:cNvPr id="9" name="Rectangle 8">
+            <a:extLst>
+              <a:ext uri="{FF2B5EF4-FFF2-40B4-BE49-F238E27FC236}">
+                <a16:creationId xmlns:a16="http://schemas.microsoft.com/office/drawing/2014/main" id="{42A4FC2C-047E-45A5-965D-8E1E3BF09BC6}"/>
+              </a:ext>
+              <a:ext uri="{C183D7F6-B498-43B3-948B-1728B52AA6E4}">
+                <adec:decorative xmlns:adec="http://schemas.microsoft.com/office/drawing/2017/decorative" val="1"/>
+              </a:ext>
+            </a:extLst>
+          </p:cNvPr>
+          <p:cNvSpPr>
+            <a:spLocks noGrp="1" noRot="1" noChangeAspect="1" noMove="1" noResize="1" noEditPoints="1" noAdjustHandles="1" noChangeArrowheads="1" noChangeShapeType="1" noTextEdit="1"/>
+          </p:cNvSpPr>
+          <p:nvPr>
+            <p:extLst>
+              <p:ext uri="{386F3935-93C4-4BCD-93E2-E3B085C9AB24}">
+                <p16:designElem xmlns:p16="http://schemas.microsoft.com/office/powerpoint/2015/main" val="1"/>
+              </p:ext>
+            </p:extLst>
+          </p:nvPr>
+        </p:nvSpPr>
+        <p:spPr bwMode="white">
+          <a:xfrm>
+            <a:off x="1524" y="0"/>
+            <a:ext cx="12188952" cy="6858000"/>
+          </a:xfrm>
+          <a:prstGeom prst="rect">
+            <a:avLst/>
+          </a:prstGeom>
+          <a:noFill/>
+          <a:ln>
+            <a:noFill/>
+          </a:ln>
+        </p:spPr>
+        <p:style>
+          <a:lnRef idx="2">
+            <a:schemeClr val="accent1">
+              <a:shade val="50000"/>
+            </a:schemeClr>
+          </a:lnRef>
+          <a:fillRef idx="1">
+            <a:schemeClr val="accent1"/>
+          </a:fillRef>
+          <a:effectRef idx="0">
+            <a:schemeClr val="accent1"/>
+          </a:effectRef>
+          <a:fontRef idx="minor">
+            <a:schemeClr val="lt1"/>
+          </a:fontRef>
+        </p:style>
+        <p:txBody>
+          <a:bodyPr rtlCol="0" anchor="ctr"/>
+          <a:lstStyle>
+            <a:defPPr>
+              <a:defRPr lang="en-US"/>
+            </a:defPPr>
+            <a:lvl1pPr marL="0" algn="l" defTabSz="914400" rtl="0" eaLnBrk="1" latinLnBrk="0" hangingPunct="1">
+              <a:defRPr sz="1800" kern="1200">
+                <a:solidFill>
+                  <a:schemeClr val="lt1"/>
+                </a:solidFill>
+                <a:latin typeface="+mn-lt"/>
+                <a:ea typeface="+mn-ea"/>
+                <a:cs typeface="+mn-cs"/>
+              </a:defRPr>
+            </a:lvl1pPr>
+            <a:lvl2pPr marL="457200" algn="l" defTabSz="914400" rtl="0" eaLnBrk="1" latinLnBrk="0" hangingPunct="1">
+              <a:defRPr sz="1800" kern="1200">
+                <a:solidFill>
+                  <a:schemeClr val="lt1"/>
+                </a:solidFill>
+                <a:latin typeface="+mn-lt"/>
+                <a:ea typeface="+mn-ea"/>
+                <a:cs typeface="+mn-cs"/>
+              </a:defRPr>
+            </a:lvl2pPr>
+            <a:lvl3pPr marL="914400" algn="l" defTabSz="914400" rtl="0" eaLnBrk="1" latinLnBrk="0" hangingPunct="1">
+              <a:defRPr sz="1800" kern="1200">
+                <a:solidFill>
+                  <a:schemeClr val="lt1"/>
+                </a:solidFill>
+                <a:latin typeface="+mn-lt"/>
+                <a:ea typeface="+mn-ea"/>
+                <a:cs typeface="+mn-cs"/>
+              </a:defRPr>
+            </a:lvl3pPr>
+            <a:lvl4pPr marL="1371600" algn="l" defTabSz="914400" rtl="0" eaLnBrk="1" latinLnBrk="0" hangingPunct="1">
+              <a:defRPr sz="1800" kern="1200">
+                <a:solidFill>
+                  <a:schemeClr val="lt1"/>
+                </a:solidFill>
+                <a:latin typeface="+mn-lt"/>
+                <a:ea typeface="+mn-ea"/>
+                <a:cs typeface="+mn-cs"/>
+              </a:defRPr>
+            </a:lvl4pPr>
+            <a:lvl5pPr marL="1828800" algn="l" defTabSz="914400" rtl="0" eaLnBrk="1" latinLnBrk="0" hangingPunct="1">
+              <a:defRPr sz="1800" kern="1200">
+                <a:solidFill>
+                  <a:schemeClr val="lt1"/>
+                </a:solidFill>
+                <a:latin typeface="+mn-lt"/>
+                <a:ea typeface="+mn-ea"/>
+                <a:cs typeface="+mn-cs"/>
+              </a:defRPr>
+            </a:lvl5pPr>
+            <a:lvl6pPr marL="2286000" algn="l" defTabSz="914400" rtl="0" eaLnBrk="1" latinLnBrk="0" hangingPunct="1">
+              <a:defRPr sz="1800" kern="1200">
+                <a:solidFill>
+                  <a:schemeClr val="lt1"/>
+                </a:solidFill>
+                <a:latin typeface="+mn-lt"/>
+                <a:ea typeface="+mn-ea"/>
+                <a:cs typeface="+mn-cs"/>
+              </a:defRPr>
+            </a:lvl6pPr>
+            <a:lvl7pPr marL="2743200" algn="l" defTabSz="914400" rtl="0" eaLnBrk="1" latinLnBrk="0" hangingPunct="1">
+              <a:defRPr sz="1800" kern="1200">
+                <a:solidFill>
+                  <a:schemeClr val="lt1"/>
+                </a:solidFill>
+                <a:latin typeface="+mn-lt"/>
+                <a:ea typeface="+mn-ea"/>
+                <a:cs typeface="+mn-cs"/>
+              </a:defRPr>
+            </a:lvl7pPr>
+            <a:lvl8pPr marL="3200400" algn="l" defTabSz="914400" rtl="0" eaLnBrk="1" latinLnBrk="0" hangingPunct="1">
+              <a:defRPr sz="1800" kern="1200">
+                <a:solidFill>
+                  <a:schemeClr val="lt1"/>
+                </a:solidFill>
+                <a:latin typeface="+mn-lt"/>
+                <a:ea typeface="+mn-ea"/>
+                <a:cs typeface="+mn-cs"/>
+              </a:defRPr>
+            </a:lvl8pPr>
+            <a:lvl9pPr marL="3657600" algn="l" defTabSz="914400" rtl="0" eaLnBrk="1" latinLnBrk="0" hangingPunct="1">
+              <a:defRPr sz="1800" kern="1200">
+                <a:solidFill>
+                  <a:schemeClr val="lt1"/>
+                </a:solidFill>
+                <a:latin typeface="+mn-lt"/>
+                <a:ea typeface="+mn-ea"/>
+                <a:cs typeface="+mn-cs"/>
+              </a:defRPr>
+            </a:lvl9pPr>
+          </a:lstStyle>
+          <a:p>
+            <a:pPr algn="ctr"/>
+            <a:endParaRPr lang="en-US"/>
+          </a:p>
+        </p:txBody>
+      </p:sp>
+      <p:pic>
+        <p:nvPicPr>
+          <p:cNvPr id="4" name="Picture 3" descr="Graphical user interface, text, application&#10;&#10;Description automatically generated">
+            <a:extLst>
+              <a:ext uri="{FF2B5EF4-FFF2-40B4-BE49-F238E27FC236}">
+                <a16:creationId xmlns:a16="http://schemas.microsoft.com/office/drawing/2014/main" id="{A4FBCD18-DB97-3919-C38C-11AC03AEF93E}"/>
+              </a:ext>
+            </a:extLst>
+          </p:cNvPr>
+          <p:cNvPicPr>
+            <a:picLocks noChangeAspect="1"/>
+          </p:cNvPicPr>
+          <p:nvPr/>
+        </p:nvPicPr>
+        <p:blipFill rotWithShape="1">
+          <a:blip r:embed="rId2">
+            <a:extLst>
+              <a:ext uri="{28A0092B-C50C-407E-A947-70E740481C1C}">
+                <a14:useLocalDpi xmlns:a14="http://schemas.microsoft.com/office/drawing/2010/main" val="0"/>
+              </a:ext>
+            </a:extLst>
+          </a:blip>
+          <a:srcRect t="15019" b="18030"/>
+          <a:stretch/>
+        </p:blipFill>
+        <p:spPr>
+          <a:xfrm>
+            <a:off x="20" y="1282"/>
+            <a:ext cx="12191980" cy="6856718"/>
+          </a:xfrm>
+          <a:prstGeom prst="rect">
+            <a:avLst/>
+          </a:prstGeom>
+        </p:spPr>
+      </p:pic>
+    </p:spTree>
+    <p:extLst>
+      <p:ext uri="{BB962C8B-B14F-4D97-AF65-F5344CB8AC3E}">
+        <p14:creationId xmlns:p14="http://schemas.microsoft.com/office/powerpoint/2010/main" val="4071482095"/>
+      </p:ext>
+    </p:extLst>
+  </p:cSld>
+  <p:clrMapOvr>
+    <a:masterClrMapping/>
+  </p:clrMapOvr>
+</p:sld>
+</file>
+
+<file path=ppt/slides/slide4.xml><?xml version="1.0" encoding="utf-8"?>
+<p:sld xmlns:a="http://schemas.openxmlformats.org/drawingml/2006/main" xmlns:r="http://schemas.openxmlformats.org/officeDocument/2006/relationships" xmlns:p="http://schemas.openxmlformats.org/presentationml/2006/main">
+  <p:cSld>
+    <p:bg>
+      <p:bgPr>
+        <a:solidFill>
+          <a:schemeClr val="bg1"/>
+        </a:solidFill>
+        <a:effectLst/>
+      </p:bgPr>
+    </p:bg>
+    <p:spTree>
+      <p:nvGrpSpPr>
+        <p:cNvPr id="1" name=""/>
+        <p:cNvGrpSpPr/>
+        <p:nvPr/>
+      </p:nvGrpSpPr>
+      <p:grpSpPr>
+        <a:xfrm>
+          <a:off x="0" y="0"/>
+          <a:ext cx="0" cy="0"/>
+          <a:chOff x="0" y="0"/>
+          <a:chExt cx="0" cy="0"/>
+        </a:xfrm>
+      </p:grpSpPr>
+      <p:sp>
+        <p:nvSpPr>
+          <p:cNvPr id="20" name="Rectangle 19">
+            <a:extLst>
+              <a:ext uri="{FF2B5EF4-FFF2-40B4-BE49-F238E27FC236}">
+                <a16:creationId xmlns:a16="http://schemas.microsoft.com/office/drawing/2014/main" id="{42A4FC2C-047E-45A5-965D-8E1E3BF09BC6}"/>
+              </a:ext>
+              <a:ext uri="{C183D7F6-B498-43B3-948B-1728B52AA6E4}">
+                <adec:decorative xmlns:adec="http://schemas.microsoft.com/office/drawing/2017/decorative" val="1"/>
+              </a:ext>
+            </a:extLst>
+          </p:cNvPr>
+          <p:cNvSpPr>
+            <a:spLocks noGrp="1" noRot="1" noChangeAspect="1" noMove="1" noResize="1" noEditPoints="1" noAdjustHandles="1" noChangeArrowheads="1" noChangeShapeType="1" noTextEdit="1"/>
+          </p:cNvSpPr>
+          <p:nvPr>
+            <p:extLst>
+              <p:ext uri="{386F3935-93C4-4BCD-93E2-E3B085C9AB24}">
+                <p16:designElem xmlns:p16="http://schemas.microsoft.com/office/powerpoint/2015/main" val="1"/>
+              </p:ext>
+            </p:extLst>
+          </p:nvPr>
+        </p:nvSpPr>
+        <p:spPr bwMode="white">
+          <a:xfrm>
+            <a:off x="1524" y="0"/>
+            <a:ext cx="12188952" cy="6858000"/>
+          </a:xfrm>
+          <a:prstGeom prst="rect">
+            <a:avLst/>
+          </a:prstGeom>
+          <a:noFill/>
+          <a:ln>
+            <a:noFill/>
+          </a:ln>
+        </p:spPr>
+        <p:style>
+          <a:lnRef idx="2">
+            <a:schemeClr val="accent1">
+              <a:shade val="50000"/>
+            </a:schemeClr>
+          </a:lnRef>
+          <a:fillRef idx="1">
+            <a:schemeClr val="accent1"/>
+          </a:fillRef>
+          <a:effectRef idx="0">
+            <a:schemeClr val="accent1"/>
+          </a:effectRef>
+          <a:fontRef idx="minor">
+            <a:schemeClr val="lt1"/>
+          </a:fontRef>
+        </p:style>
+        <p:txBody>
+          <a:bodyPr rtlCol="0" anchor="ctr"/>
+          <a:lstStyle>
+            <a:defPPr>
+              <a:defRPr lang="en-US"/>
+            </a:defPPr>
+            <a:lvl1pPr marL="0" algn="l" defTabSz="914400" rtl="0" eaLnBrk="1" latinLnBrk="0" hangingPunct="1">
+              <a:defRPr sz="1800" kern="1200">
+                <a:solidFill>
+                  <a:schemeClr val="lt1"/>
+                </a:solidFill>
+                <a:latin typeface="+mn-lt"/>
+                <a:ea typeface="+mn-ea"/>
+                <a:cs typeface="+mn-cs"/>
+              </a:defRPr>
+            </a:lvl1pPr>
+            <a:lvl2pPr marL="457200" algn="l" defTabSz="914400" rtl="0" eaLnBrk="1" latinLnBrk="0" hangingPunct="1">
+              <a:defRPr sz="1800" kern="1200">
+                <a:solidFill>
+                  <a:schemeClr val="lt1"/>
+                </a:solidFill>
+                <a:latin typeface="+mn-lt"/>
+                <a:ea typeface="+mn-ea"/>
+                <a:cs typeface="+mn-cs"/>
+              </a:defRPr>
+            </a:lvl2pPr>
+            <a:lvl3pPr marL="914400" algn="l" defTabSz="914400" rtl="0" eaLnBrk="1" latinLnBrk="0" hangingPunct="1">
+              <a:defRPr sz="1800" kern="1200">
+                <a:solidFill>
+                  <a:schemeClr val="lt1"/>
+                </a:solidFill>
+                <a:latin typeface="+mn-lt"/>
+                <a:ea typeface="+mn-ea"/>
+                <a:cs typeface="+mn-cs"/>
+              </a:defRPr>
+            </a:lvl3pPr>
+            <a:lvl4pPr marL="1371600" algn="l" defTabSz="914400" rtl="0" eaLnBrk="1" latinLnBrk="0" hangingPunct="1">
+              <a:defRPr sz="1800" kern="1200">
+                <a:solidFill>
+                  <a:schemeClr val="lt1"/>
+                </a:solidFill>
+                <a:latin typeface="+mn-lt"/>
+                <a:ea typeface="+mn-ea"/>
+                <a:cs typeface="+mn-cs"/>
+              </a:defRPr>
+            </a:lvl4pPr>
+            <a:lvl5pPr marL="1828800" algn="l" defTabSz="914400" rtl="0" eaLnBrk="1" latinLnBrk="0" hangingPunct="1">
+              <a:defRPr sz="1800" kern="1200">
+                <a:solidFill>
+                  <a:schemeClr val="lt1"/>
+                </a:solidFill>
+                <a:latin typeface="+mn-lt"/>
+                <a:ea typeface="+mn-ea"/>
+                <a:cs typeface="+mn-cs"/>
+              </a:defRPr>
+            </a:lvl5pPr>
+            <a:lvl6pPr marL="2286000" algn="l" defTabSz="914400" rtl="0" eaLnBrk="1" latinLnBrk="0" hangingPunct="1">
+              <a:defRPr sz="1800" kern="1200">
+                <a:solidFill>
+                  <a:schemeClr val="lt1"/>
+                </a:solidFill>
+                <a:latin typeface="+mn-lt"/>
+                <a:ea typeface="+mn-ea"/>
+                <a:cs typeface="+mn-cs"/>
+              </a:defRPr>
+            </a:lvl6pPr>
+            <a:lvl7pPr marL="2743200" algn="l" defTabSz="914400" rtl="0" eaLnBrk="1" latinLnBrk="0" hangingPunct="1">
+              <a:defRPr sz="1800" kern="1200">
+                <a:solidFill>
+                  <a:schemeClr val="lt1"/>
+                </a:solidFill>
+                <a:latin typeface="+mn-lt"/>
+                <a:ea typeface="+mn-ea"/>
+                <a:cs typeface="+mn-cs"/>
+              </a:defRPr>
+            </a:lvl7pPr>
+            <a:lvl8pPr marL="3200400" algn="l" defTabSz="914400" rtl="0" eaLnBrk="1" latinLnBrk="0" hangingPunct="1">
+              <a:defRPr sz="1800" kern="1200">
+                <a:solidFill>
+                  <a:schemeClr val="lt1"/>
+                </a:solidFill>
+                <a:latin typeface="+mn-lt"/>
+                <a:ea typeface="+mn-ea"/>
+                <a:cs typeface="+mn-cs"/>
+              </a:defRPr>
+            </a:lvl8pPr>
+            <a:lvl9pPr marL="3657600" algn="l" defTabSz="914400" rtl="0" eaLnBrk="1" latinLnBrk="0" hangingPunct="1">
+              <a:defRPr sz="1800" kern="1200">
+                <a:solidFill>
+                  <a:schemeClr val="lt1"/>
+                </a:solidFill>
+                <a:latin typeface="+mn-lt"/>
+                <a:ea typeface="+mn-ea"/>
+                <a:cs typeface="+mn-cs"/>
+              </a:defRPr>
+            </a:lvl9pPr>
+          </a:lstStyle>
+          <a:p>
+            <a:pPr algn="ctr"/>
+            <a:endParaRPr lang="en-US"/>
+          </a:p>
+        </p:txBody>
+      </p:sp>
+      <p:pic>
+        <p:nvPicPr>
+          <p:cNvPr id="3" name="Picture 2" descr="Graphical user interface, timeline&#10;&#10;Description automatically generated">
+            <a:extLst>
+              <a:ext uri="{FF2B5EF4-FFF2-40B4-BE49-F238E27FC236}">
+                <a16:creationId xmlns:a16="http://schemas.microsoft.com/office/drawing/2014/main" id="{789E144F-F4F6-391F-7951-54F10625E726}"/>
+              </a:ext>
+            </a:extLst>
+          </p:cNvPr>
+          <p:cNvPicPr>
+            <a:picLocks noChangeAspect="1"/>
+          </p:cNvPicPr>
+          <p:nvPr/>
+        </p:nvPicPr>
+        <p:blipFill rotWithShape="1">
+          <a:blip r:embed="rId2"/>
+          <a:srcRect b="19"/>
+          <a:stretch/>
+        </p:blipFill>
+        <p:spPr>
+          <a:xfrm>
+            <a:off x="20" y="1282"/>
+            <a:ext cx="12191980" cy="6856718"/>
+          </a:xfrm>
+          <a:prstGeom prst="rect">
+            <a:avLst/>
+          </a:prstGeom>
+        </p:spPr>
+      </p:pic>
+    </p:spTree>
+    <p:extLst>
+      <p:ext uri="{BB962C8B-B14F-4D97-AF65-F5344CB8AC3E}">
+        <p14:creationId xmlns:p14="http://schemas.microsoft.com/office/powerpoint/2010/main" val="3031114970"/>
+      </p:ext>
+    </p:extLst>
+  </p:cSld>
+  <p:clrMapOvr>
+    <a:masterClrMapping/>
+  </p:clrMapOvr>
+</p:sld>
+</file>
+
+<file path=ppt/slides/slide5.xml><?xml version="1.0" encoding="utf-8"?>
 <p:sld xmlns:a="http://schemas.openxmlformats.org/drawingml/2006/main" xmlns:r="http://schemas.openxmlformats.org/officeDocument/2006/relationships" xmlns:p="http://schemas.openxmlformats.org/presentationml/2006/main">
   <p:cSld>
     <p:spTree>
@@ -34232,7 +36753,7 @@
 </p:sld>
 </file>
 
-<file path=ppt/slides/slide4.xml><?xml version="1.0" encoding="utf-8"?>
+<file path=ppt/slides/slide6.xml><?xml version="1.0" encoding="utf-8"?>
 <p:sld xmlns:a="http://schemas.openxmlformats.org/drawingml/2006/main" xmlns:r="http://schemas.openxmlformats.org/officeDocument/2006/relationships" xmlns:p="http://schemas.openxmlformats.org/presentationml/2006/main">
   <p:cSld>
     <p:spTree>
@@ -34655,7 +37176,7 @@
 </p:sld>
 </file>
 
-<file path=ppt/slides/slide5.xml><?xml version="1.0" encoding="utf-8"?>
+<file path=ppt/slides/slide7.xml><?xml version="1.0" encoding="utf-8"?>
 <p:sld xmlns:a="http://schemas.openxmlformats.org/drawingml/2006/main" xmlns:r="http://schemas.openxmlformats.org/officeDocument/2006/relationships" xmlns:p="http://schemas.openxmlformats.org/presentationml/2006/main">
   <p:cSld>
     <p:spTree>
@@ -35460,7 +37981,7 @@
 </p:sld>
 </file>
 
-<file path=ppt/slides/slide6.xml><?xml version="1.0" encoding="utf-8"?>
+<file path=ppt/slides/slide8.xml><?xml version="1.0" encoding="utf-8"?>
 <p:sld xmlns:a="http://schemas.openxmlformats.org/drawingml/2006/main" xmlns:r="http://schemas.openxmlformats.org/officeDocument/2006/relationships" xmlns:p="http://schemas.openxmlformats.org/presentationml/2006/main">
   <p:cSld>
     <p:bg>
@@ -35688,7 +38209,7 @@
 </p:sld>
 </file>
 
-<file path=ppt/slides/slide7.xml><?xml version="1.0" encoding="utf-8"?>
+<file path=ppt/slides/slide9.xml><?xml version="1.0" encoding="utf-8"?>
 <p:sld xmlns:a="http://schemas.openxmlformats.org/drawingml/2006/main" xmlns:r="http://schemas.openxmlformats.org/officeDocument/2006/relationships" xmlns:p="http://schemas.openxmlformats.org/presentationml/2006/main">
   <p:cSld>
     <p:spTree>
@@ -35791,2075 +38312,6 @@
     <p:extLst>
       <p:ext uri="{BB962C8B-B14F-4D97-AF65-F5344CB8AC3E}">
         <p14:creationId xmlns:p14="http://schemas.microsoft.com/office/powerpoint/2010/main" val="1846930178"/>
-      </p:ext>
-    </p:extLst>
-  </p:cSld>
-  <p:clrMapOvr>
-    <a:masterClrMapping/>
-  </p:clrMapOvr>
-</p:sld>
-</file>
-
-<file path=ppt/slides/slide8.xml><?xml version="1.0" encoding="utf-8"?>
-<p:sld xmlns:a="http://schemas.openxmlformats.org/drawingml/2006/main" xmlns:r="http://schemas.openxmlformats.org/officeDocument/2006/relationships" xmlns:p="http://schemas.openxmlformats.org/presentationml/2006/main">
-  <p:cSld>
-    <p:spTree>
-      <p:nvGrpSpPr>
-        <p:cNvPr id="1" name=""/>
-        <p:cNvGrpSpPr/>
-        <p:nvPr/>
-      </p:nvGrpSpPr>
-      <p:grpSpPr>
-        <a:xfrm>
-          <a:off x="0" y="0"/>
-          <a:ext cx="0" cy="0"/>
-          <a:chOff x="0" y="0"/>
-          <a:chExt cx="0" cy="0"/>
-        </a:xfrm>
-      </p:grpSpPr>
-      <p:pic>
-        <p:nvPicPr>
-          <p:cNvPr id="3" name="Picture 2" descr="Graphical user interface, text, application&#10;&#10;Description automatically generated">
-            <a:extLst>
-              <a:ext uri="{FF2B5EF4-FFF2-40B4-BE49-F238E27FC236}">
-                <a16:creationId xmlns:a16="http://schemas.microsoft.com/office/drawing/2014/main" id="{5F10DE46-1C76-C9C5-5B2A-2AAED0099F1C}"/>
-              </a:ext>
-            </a:extLst>
-          </p:cNvPr>
-          <p:cNvPicPr>
-            <a:picLocks noChangeAspect="1"/>
-          </p:cNvPicPr>
-          <p:nvPr/>
-        </p:nvPicPr>
-        <p:blipFill>
-          <a:blip r:embed="rId2">
-            <a:extLst>
-              <a:ext uri="{28A0092B-C50C-407E-A947-70E740481C1C}">
-                <a14:useLocalDpi xmlns:a14="http://schemas.microsoft.com/office/drawing/2010/main" val="0"/>
-              </a:ext>
-            </a:extLst>
-          </a:blip>
-          <a:stretch>
-            <a:fillRect/>
-          </a:stretch>
-        </p:blipFill>
-        <p:spPr>
-          <a:xfrm>
-            <a:off x="38908" y="39095"/>
-            <a:ext cx="12114180" cy="4089846"/>
-          </a:xfrm>
-          <a:prstGeom prst="rect">
-            <a:avLst/>
-          </a:prstGeom>
-          <a:ln>
-            <a:solidFill>
-              <a:srgbClr val="002060"/>
-            </a:solidFill>
-          </a:ln>
-        </p:spPr>
-      </p:pic>
-      <p:pic>
-        <p:nvPicPr>
-          <p:cNvPr id="6" name="Picture 5" descr="Graphical user interface, application&#10;&#10;Description automatically generated">
-            <a:extLst>
-              <a:ext uri="{FF2B5EF4-FFF2-40B4-BE49-F238E27FC236}">
-                <a16:creationId xmlns:a16="http://schemas.microsoft.com/office/drawing/2014/main" id="{64AF3A08-04CD-CC9D-5888-D2D73AD3088A}"/>
-              </a:ext>
-            </a:extLst>
-          </p:cNvPr>
-          <p:cNvPicPr>
-            <a:picLocks noChangeAspect="1"/>
-          </p:cNvPicPr>
-          <p:nvPr/>
-        </p:nvPicPr>
-        <p:blipFill>
-          <a:blip r:embed="rId3">
-            <a:extLst>
-              <a:ext uri="{28A0092B-C50C-407E-A947-70E740481C1C}">
-                <a14:useLocalDpi xmlns:a14="http://schemas.microsoft.com/office/drawing/2010/main" val="0"/>
-              </a:ext>
-            </a:extLst>
-          </a:blip>
-          <a:stretch>
-            <a:fillRect/>
-          </a:stretch>
-        </p:blipFill>
-        <p:spPr>
-          <a:xfrm>
-            <a:off x="48640" y="4194925"/>
-            <a:ext cx="12104448" cy="2623979"/>
-          </a:xfrm>
-          <a:prstGeom prst="rect">
-            <a:avLst/>
-          </a:prstGeom>
-          <a:ln>
-            <a:solidFill>
-              <a:schemeClr val="accent1"/>
-            </a:solidFill>
-          </a:ln>
-        </p:spPr>
-      </p:pic>
-    </p:spTree>
-    <p:extLst>
-      <p:ext uri="{BB962C8B-B14F-4D97-AF65-F5344CB8AC3E}">
-        <p14:creationId xmlns:p14="http://schemas.microsoft.com/office/powerpoint/2010/main" val="4262798318"/>
-      </p:ext>
-    </p:extLst>
-  </p:cSld>
-  <p:clrMapOvr>
-    <a:masterClrMapping/>
-  </p:clrMapOvr>
-</p:sld>
-</file>
-
-<file path=ppt/slides/slide9.xml><?xml version="1.0" encoding="utf-8"?>
-<p:sld xmlns:a="http://schemas.openxmlformats.org/drawingml/2006/main" xmlns:r="http://schemas.openxmlformats.org/officeDocument/2006/relationships" xmlns:p="http://schemas.openxmlformats.org/presentationml/2006/main">
-  <p:cSld>
-    <p:spTree>
-      <p:nvGrpSpPr>
-        <p:cNvPr id="1" name=""/>
-        <p:cNvGrpSpPr/>
-        <p:nvPr/>
-      </p:nvGrpSpPr>
-      <p:grpSpPr>
-        <a:xfrm>
-          <a:off x="0" y="0"/>
-          <a:ext cx="0" cy="0"/>
-          <a:chOff x="0" y="0"/>
-          <a:chExt cx="0" cy="0"/>
-        </a:xfrm>
-      </p:grpSpPr>
-      <p:sp>
-        <p:nvSpPr>
-          <p:cNvPr id="4" name="Rectangle 3">
-            <a:extLst>
-              <a:ext uri="{FF2B5EF4-FFF2-40B4-BE49-F238E27FC236}">
-                <a16:creationId xmlns:a16="http://schemas.microsoft.com/office/drawing/2014/main" id="{055C22F7-3FD1-4C1B-8D0C-0C2F7FB61DBE}"/>
-              </a:ext>
-            </a:extLst>
-          </p:cNvPr>
-          <p:cNvSpPr/>
-          <p:nvPr/>
-        </p:nvSpPr>
-        <p:spPr>
-          <a:xfrm>
-            <a:off x="0" y="8878"/>
-            <a:ext cx="12183122" cy="497150"/>
-          </a:xfrm>
-          <a:prstGeom prst="rect">
-            <a:avLst/>
-          </a:prstGeom>
-          <a:solidFill>
-            <a:srgbClr val="0070C0"/>
-          </a:solidFill>
-        </p:spPr>
-        <p:style>
-          <a:lnRef idx="2">
-            <a:schemeClr val="accent1">
-              <a:shade val="50000"/>
-            </a:schemeClr>
-          </a:lnRef>
-          <a:fillRef idx="1">
-            <a:schemeClr val="accent1"/>
-          </a:fillRef>
-          <a:effectRef idx="0">
-            <a:schemeClr val="accent1"/>
-          </a:effectRef>
-          <a:fontRef idx="minor">
-            <a:schemeClr val="lt1"/>
-          </a:fontRef>
-        </p:style>
-        <p:txBody>
-          <a:bodyPr rtlCol="0" anchor="ctr"/>
-          <a:lstStyle/>
-          <a:p>
-            <a:pPr marL="0" marR="0" lvl="0" indent="0" algn="ctr" defTabSz="914400" rtl="0" eaLnBrk="1" fontAlgn="auto" latinLnBrk="0" hangingPunct="1">
-              <a:lnSpc>
-                <a:spcPct val="100000"/>
-              </a:lnSpc>
-              <a:spcBef>
-                <a:spcPts val="0"/>
-              </a:spcBef>
-              <a:spcAft>
-                <a:spcPts val="0"/>
-              </a:spcAft>
-              <a:buClrTx/>
-              <a:buSzTx/>
-              <a:buFontTx/>
-              <a:buNone/>
-              <a:tabLst/>
-              <a:defRPr/>
-            </a:pPr>
-            <a:r>
-              <a:rPr kumimoji="0" lang="en-US" sz="1800" b="1" i="0" u="none" strike="noStrike" kern="1200" cap="none" spc="0" normalizeH="0" baseline="0" noProof="0" dirty="0">
-                <a:ln>
-                  <a:noFill/>
-                </a:ln>
-                <a:solidFill>
-                  <a:prstClr val="white"/>
-                </a:solidFill>
-                <a:effectLst/>
-                <a:uLnTx/>
-                <a:uFillTx/>
-                <a:latin typeface="Verdana" panose="020B0604030504040204" pitchFamily="34" charset="0"/>
-                <a:ea typeface="Verdana" panose="020B0604030504040204" pitchFamily="34" charset="0"/>
-                <a:cs typeface="+mn-cs"/>
-              </a:rPr>
-              <a:t>PR Process, CI, CD</a:t>
-            </a:r>
-            <a:endParaRPr kumimoji="0" lang="en-IN" sz="1800" b="1" i="0" u="none" strike="noStrike" kern="1200" cap="none" spc="0" normalizeH="0" baseline="0" noProof="0" dirty="0">
-              <a:ln>
-                <a:noFill/>
-              </a:ln>
-              <a:solidFill>
-                <a:prstClr val="white"/>
-              </a:solidFill>
-              <a:effectLst/>
-              <a:uLnTx/>
-              <a:uFillTx/>
-              <a:latin typeface="Verdana" panose="020B0604030504040204" pitchFamily="34" charset="0"/>
-              <a:ea typeface="Verdana" panose="020B0604030504040204" pitchFamily="34" charset="0"/>
-              <a:cs typeface="+mn-cs"/>
-            </a:endParaRPr>
-          </a:p>
-        </p:txBody>
-      </p:sp>
-      <p:sp>
-        <p:nvSpPr>
-          <p:cNvPr id="7" name="Rectangle 6">
-            <a:extLst>
-              <a:ext uri="{FF2B5EF4-FFF2-40B4-BE49-F238E27FC236}">
-                <a16:creationId xmlns:a16="http://schemas.microsoft.com/office/drawing/2014/main" id="{B10720DE-FD2A-4FE5-B9FB-74854D01A659}"/>
-              </a:ext>
-            </a:extLst>
-          </p:cNvPr>
-          <p:cNvSpPr/>
-          <p:nvPr/>
-        </p:nvSpPr>
-        <p:spPr>
-          <a:xfrm>
-            <a:off x="0" y="6383046"/>
-            <a:ext cx="12183122" cy="57703"/>
-          </a:xfrm>
-          <a:prstGeom prst="rect">
-            <a:avLst/>
-          </a:prstGeom>
-          <a:solidFill>
-            <a:srgbClr val="0070C0"/>
-          </a:solidFill>
-        </p:spPr>
-        <p:style>
-          <a:lnRef idx="2">
-            <a:schemeClr val="accent1">
-              <a:shade val="50000"/>
-            </a:schemeClr>
-          </a:lnRef>
-          <a:fillRef idx="1">
-            <a:schemeClr val="accent1"/>
-          </a:fillRef>
-          <a:effectRef idx="0">
-            <a:schemeClr val="accent1"/>
-          </a:effectRef>
-          <a:fontRef idx="minor">
-            <a:schemeClr val="lt1"/>
-          </a:fontRef>
-        </p:style>
-        <p:txBody>
-          <a:bodyPr rtlCol="0" anchor="ctr"/>
-          <a:lstStyle/>
-          <a:p>
-            <a:pPr marL="0" marR="0" lvl="0" indent="0" algn="ctr" defTabSz="914400" rtl="0" eaLnBrk="1" fontAlgn="auto" latinLnBrk="0" hangingPunct="1">
-              <a:lnSpc>
-                <a:spcPct val="100000"/>
-              </a:lnSpc>
-              <a:spcBef>
-                <a:spcPts val="0"/>
-              </a:spcBef>
-              <a:spcAft>
-                <a:spcPts val="0"/>
-              </a:spcAft>
-              <a:buClrTx/>
-              <a:buSzTx/>
-              <a:buFontTx/>
-              <a:buNone/>
-              <a:tabLst/>
-              <a:defRPr/>
-            </a:pPr>
-            <a:endParaRPr kumimoji="0" lang="en-IN" sz="1000" b="0" i="0" u="none" strike="noStrike" kern="1200" cap="none" spc="0" normalizeH="0" baseline="0" noProof="0" dirty="0">
-              <a:ln>
-                <a:noFill/>
-              </a:ln>
-              <a:solidFill>
-                <a:prstClr val="white"/>
-              </a:solidFill>
-              <a:effectLst/>
-              <a:uLnTx/>
-              <a:uFillTx/>
-              <a:latin typeface="Verdana" panose="020B0604030504040204" pitchFamily="34" charset="0"/>
-              <a:ea typeface="Verdana" panose="020B0604030504040204" pitchFamily="34" charset="0"/>
-              <a:cs typeface="+mn-cs"/>
-            </a:endParaRPr>
-          </a:p>
-        </p:txBody>
-      </p:sp>
-      <p:sp>
-        <p:nvSpPr>
-          <p:cNvPr id="8" name="Footer Placeholder 7">
-            <a:extLst>
-              <a:ext uri="{FF2B5EF4-FFF2-40B4-BE49-F238E27FC236}">
-                <a16:creationId xmlns:a16="http://schemas.microsoft.com/office/drawing/2014/main" id="{DD2A19CA-EC18-432D-8F8F-17079808F38B}"/>
-              </a:ext>
-            </a:extLst>
-          </p:cNvPr>
-          <p:cNvSpPr>
-            <a:spLocks noGrp="1"/>
-          </p:cNvSpPr>
-          <p:nvPr>
-            <p:ph type="ftr" sz="quarter" idx="11"/>
-          </p:nvPr>
-        </p:nvSpPr>
-        <p:spPr>
-          <a:xfrm>
-            <a:off x="4038600" y="6427374"/>
-            <a:ext cx="4114800" cy="365125"/>
-          </a:xfrm>
-        </p:spPr>
-        <p:txBody>
-          <a:bodyPr/>
-          <a:lstStyle/>
-          <a:p>
-            <a:pPr marL="0" marR="0" lvl="0" indent="0" algn="ctr" defTabSz="914400" rtl="0" eaLnBrk="1" fontAlgn="auto" latinLnBrk="0" hangingPunct="1">
-              <a:lnSpc>
-                <a:spcPct val="100000"/>
-              </a:lnSpc>
-              <a:spcBef>
-                <a:spcPts val="0"/>
-              </a:spcBef>
-              <a:spcAft>
-                <a:spcPts val="0"/>
-              </a:spcAft>
-              <a:buClrTx/>
-              <a:buSzTx/>
-              <a:buFontTx/>
-              <a:buNone/>
-              <a:tabLst/>
-              <a:defRPr/>
-            </a:pPr>
-            <a:r>
-              <a:rPr kumimoji="0" lang="en-IN" sz="1200" b="1" i="0" u="none" strike="noStrike" kern="1200" cap="none" spc="0" normalizeH="0" baseline="0" noProof="0" dirty="0">
-                <a:ln>
-                  <a:noFill/>
-                </a:ln>
-                <a:solidFill>
-                  <a:srgbClr val="002060"/>
-                </a:solidFill>
-                <a:effectLst/>
-                <a:uLnTx/>
-                <a:uFillTx/>
-                <a:latin typeface="Verdana" panose="020B0604030504040204" pitchFamily="34" charset="0"/>
-                <a:ea typeface="Verdana" panose="020B0604030504040204" pitchFamily="34" charset="0"/>
-                <a:cs typeface="+mn-cs"/>
-              </a:rPr>
-              <a:t>05-Aug-2022</a:t>
-            </a:r>
-          </a:p>
-        </p:txBody>
-      </p:sp>
-      <p:sp>
-        <p:nvSpPr>
-          <p:cNvPr id="9" name="Slide Number Placeholder 8">
-            <a:extLst>
-              <a:ext uri="{FF2B5EF4-FFF2-40B4-BE49-F238E27FC236}">
-                <a16:creationId xmlns:a16="http://schemas.microsoft.com/office/drawing/2014/main" id="{8162625C-0B1F-42E0-BE7C-D99A08FED7A3}"/>
-              </a:ext>
-            </a:extLst>
-          </p:cNvPr>
-          <p:cNvSpPr>
-            <a:spLocks noGrp="1"/>
-          </p:cNvSpPr>
-          <p:nvPr>
-            <p:ph type="sldNum" sz="quarter" idx="12"/>
-          </p:nvPr>
-        </p:nvSpPr>
-        <p:spPr>
-          <a:xfrm>
-            <a:off x="8610600" y="6427374"/>
-            <a:ext cx="2743200" cy="365125"/>
-          </a:xfrm>
-        </p:spPr>
-        <p:txBody>
-          <a:bodyPr/>
-          <a:lstStyle/>
-          <a:p>
-            <a:pPr marL="0" marR="0" lvl="0" indent="0" algn="r" defTabSz="914400" rtl="0" eaLnBrk="1" fontAlgn="auto" latinLnBrk="0" hangingPunct="1">
-              <a:lnSpc>
-                <a:spcPct val="100000"/>
-              </a:lnSpc>
-              <a:spcBef>
-                <a:spcPts val="0"/>
-              </a:spcBef>
-              <a:spcAft>
-                <a:spcPts val="0"/>
-              </a:spcAft>
-              <a:buClrTx/>
-              <a:buSzTx/>
-              <a:buFontTx/>
-              <a:buNone/>
-              <a:tabLst/>
-              <a:defRPr/>
-            </a:pPr>
-            <a:fld id="{30AF63FB-5233-4811-A918-B572E3A55817}" type="slidenum">
-              <a:rPr kumimoji="0" lang="en-IN" sz="1200" b="1" i="0" u="none" strike="noStrike" kern="1200" cap="none" spc="0" normalizeH="0" baseline="0" noProof="0" smtClean="0">
-                <a:ln>
-                  <a:noFill/>
-                </a:ln>
-                <a:solidFill>
-                  <a:srgbClr val="002060"/>
-                </a:solidFill>
-                <a:effectLst/>
-                <a:uLnTx/>
-                <a:uFillTx/>
-                <a:latin typeface="Verdana" panose="020B0604030504040204" pitchFamily="34" charset="0"/>
-                <a:ea typeface="Verdana" panose="020B0604030504040204" pitchFamily="34" charset="0"/>
-                <a:cs typeface="+mn-cs"/>
-              </a:rPr>
-              <a:pPr marL="0" marR="0" lvl="0" indent="0" algn="r" defTabSz="914400" rtl="0" eaLnBrk="1" fontAlgn="auto" latinLnBrk="0" hangingPunct="1">
-                <a:lnSpc>
-                  <a:spcPct val="100000"/>
-                </a:lnSpc>
-                <a:spcBef>
-                  <a:spcPts val="0"/>
-                </a:spcBef>
-                <a:spcAft>
-                  <a:spcPts val="0"/>
-                </a:spcAft>
-                <a:buClrTx/>
-                <a:buSzTx/>
-                <a:buFontTx/>
-                <a:buNone/>
-                <a:tabLst/>
-                <a:defRPr/>
-              </a:pPr>
-              <a:t>9</a:t>
-            </a:fld>
-            <a:endParaRPr kumimoji="0" lang="en-IN" sz="1200" b="1" i="0" u="none" strike="noStrike" kern="1200" cap="none" spc="0" normalizeH="0" baseline="0" noProof="0" dirty="0">
-              <a:ln>
-                <a:noFill/>
-              </a:ln>
-              <a:solidFill>
-                <a:srgbClr val="002060"/>
-              </a:solidFill>
-              <a:effectLst/>
-              <a:uLnTx/>
-              <a:uFillTx/>
-              <a:latin typeface="Verdana" panose="020B0604030504040204" pitchFamily="34" charset="0"/>
-              <a:ea typeface="Verdana" panose="020B0604030504040204" pitchFamily="34" charset="0"/>
-              <a:cs typeface="+mn-cs"/>
-            </a:endParaRPr>
-          </a:p>
-        </p:txBody>
-      </p:sp>
-      <p:sp>
-        <p:nvSpPr>
-          <p:cNvPr id="12" name="Footer Placeholder 7">
-            <a:extLst>
-              <a:ext uri="{FF2B5EF4-FFF2-40B4-BE49-F238E27FC236}">
-                <a16:creationId xmlns:a16="http://schemas.microsoft.com/office/drawing/2014/main" id="{64C57949-E349-47D3-A505-A098233AF49D}"/>
-              </a:ext>
-            </a:extLst>
-          </p:cNvPr>
-          <p:cNvSpPr txBox="1">
-            <a:spLocks/>
-          </p:cNvSpPr>
-          <p:nvPr/>
-        </p:nvSpPr>
-        <p:spPr>
-          <a:xfrm>
-            <a:off x="133897" y="6428848"/>
-            <a:ext cx="4114800" cy="365125"/>
-          </a:xfrm>
-          <a:prstGeom prst="rect">
-            <a:avLst/>
-          </a:prstGeom>
-        </p:spPr>
-        <p:txBody>
-          <a:bodyPr vert="horz" lIns="91440" tIns="45720" rIns="91440" bIns="45720" rtlCol="0" anchor="ctr"/>
-          <a:lstStyle>
-            <a:defPPr>
-              <a:defRPr lang="en-US"/>
-            </a:defPPr>
-            <a:lvl1pPr marL="0" algn="ctr" defTabSz="914400" rtl="0" eaLnBrk="1" latinLnBrk="0" hangingPunct="1">
-              <a:defRPr sz="1200" kern="1200">
-                <a:solidFill>
-                  <a:schemeClr val="tx1">
-                    <a:tint val="75000"/>
-                  </a:schemeClr>
-                </a:solidFill>
-                <a:latin typeface="+mn-lt"/>
-                <a:ea typeface="+mn-ea"/>
-                <a:cs typeface="+mn-cs"/>
-              </a:defRPr>
-            </a:lvl1pPr>
-            <a:lvl2pPr marL="457200" algn="l" defTabSz="914400" rtl="0" eaLnBrk="1" latinLnBrk="0" hangingPunct="1">
-              <a:defRPr sz="1800" kern="1200">
-                <a:solidFill>
-                  <a:schemeClr val="tx1"/>
-                </a:solidFill>
-                <a:latin typeface="+mn-lt"/>
-                <a:ea typeface="+mn-ea"/>
-                <a:cs typeface="+mn-cs"/>
-              </a:defRPr>
-            </a:lvl2pPr>
-            <a:lvl3pPr marL="914400" algn="l" defTabSz="914400" rtl="0" eaLnBrk="1" latinLnBrk="0" hangingPunct="1">
-              <a:defRPr sz="1800" kern="1200">
-                <a:solidFill>
-                  <a:schemeClr val="tx1"/>
-                </a:solidFill>
-                <a:latin typeface="+mn-lt"/>
-                <a:ea typeface="+mn-ea"/>
-                <a:cs typeface="+mn-cs"/>
-              </a:defRPr>
-            </a:lvl3pPr>
-            <a:lvl4pPr marL="1371600" algn="l" defTabSz="914400" rtl="0" eaLnBrk="1" latinLnBrk="0" hangingPunct="1">
-              <a:defRPr sz="1800" kern="1200">
-                <a:solidFill>
-                  <a:schemeClr val="tx1"/>
-                </a:solidFill>
-                <a:latin typeface="+mn-lt"/>
-                <a:ea typeface="+mn-ea"/>
-                <a:cs typeface="+mn-cs"/>
-              </a:defRPr>
-            </a:lvl4pPr>
-            <a:lvl5pPr marL="1828800" algn="l" defTabSz="914400" rtl="0" eaLnBrk="1" latinLnBrk="0" hangingPunct="1">
-              <a:defRPr sz="1800" kern="1200">
-                <a:solidFill>
-                  <a:schemeClr val="tx1"/>
-                </a:solidFill>
-                <a:latin typeface="+mn-lt"/>
-                <a:ea typeface="+mn-ea"/>
-                <a:cs typeface="+mn-cs"/>
-              </a:defRPr>
-            </a:lvl5pPr>
-            <a:lvl6pPr marL="2286000" algn="l" defTabSz="914400" rtl="0" eaLnBrk="1" latinLnBrk="0" hangingPunct="1">
-              <a:defRPr sz="1800" kern="1200">
-                <a:solidFill>
-                  <a:schemeClr val="tx1"/>
-                </a:solidFill>
-                <a:latin typeface="+mn-lt"/>
-                <a:ea typeface="+mn-ea"/>
-                <a:cs typeface="+mn-cs"/>
-              </a:defRPr>
-            </a:lvl6pPr>
-            <a:lvl7pPr marL="2743200" algn="l" defTabSz="914400" rtl="0" eaLnBrk="1" latinLnBrk="0" hangingPunct="1">
-              <a:defRPr sz="1800" kern="1200">
-                <a:solidFill>
-                  <a:schemeClr val="tx1"/>
-                </a:solidFill>
-                <a:latin typeface="+mn-lt"/>
-                <a:ea typeface="+mn-ea"/>
-                <a:cs typeface="+mn-cs"/>
-              </a:defRPr>
-            </a:lvl7pPr>
-            <a:lvl8pPr marL="3200400" algn="l" defTabSz="914400" rtl="0" eaLnBrk="1" latinLnBrk="0" hangingPunct="1">
-              <a:defRPr sz="1800" kern="1200">
-                <a:solidFill>
-                  <a:schemeClr val="tx1"/>
-                </a:solidFill>
-                <a:latin typeface="+mn-lt"/>
-                <a:ea typeface="+mn-ea"/>
-                <a:cs typeface="+mn-cs"/>
-              </a:defRPr>
-            </a:lvl8pPr>
-            <a:lvl9pPr marL="3657600" algn="l" defTabSz="914400" rtl="0" eaLnBrk="1" latinLnBrk="0" hangingPunct="1">
-              <a:defRPr sz="1800" kern="1200">
-                <a:solidFill>
-                  <a:schemeClr val="tx1"/>
-                </a:solidFill>
-                <a:latin typeface="+mn-lt"/>
-                <a:ea typeface="+mn-ea"/>
-                <a:cs typeface="+mn-cs"/>
-              </a:defRPr>
-            </a:lvl9pPr>
-          </a:lstStyle>
-          <a:p>
-            <a:pPr marL="0" marR="0" lvl="0" indent="0" algn="ctr" defTabSz="914400" rtl="0" eaLnBrk="1" fontAlgn="auto" latinLnBrk="0" hangingPunct="1">
-              <a:lnSpc>
-                <a:spcPct val="100000"/>
-              </a:lnSpc>
-              <a:spcBef>
-                <a:spcPts val="0"/>
-              </a:spcBef>
-              <a:spcAft>
-                <a:spcPts val="0"/>
-              </a:spcAft>
-              <a:buClrTx/>
-              <a:buSzTx/>
-              <a:buFontTx/>
-              <a:buNone/>
-              <a:tabLst/>
-              <a:defRPr/>
-            </a:pPr>
-            <a:r>
-              <a:rPr kumimoji="0" lang="en-IN" sz="1200" b="1" i="0" u="none" strike="noStrike" kern="1200" cap="none" spc="0" normalizeH="0" baseline="0" noProof="0" dirty="0">
-                <a:ln>
-                  <a:noFill/>
-                </a:ln>
-                <a:solidFill>
-                  <a:srgbClr val="002060"/>
-                </a:solidFill>
-                <a:effectLst/>
-                <a:uLnTx/>
-                <a:uFillTx/>
-                <a:latin typeface="Verdana" panose="020B0604030504040204" pitchFamily="34" charset="0"/>
-                <a:ea typeface="Verdana" panose="020B0604030504040204" pitchFamily="34" charset="0"/>
-                <a:cs typeface="+mn-cs"/>
-              </a:rPr>
-              <a:t>Dot Net Learners House</a:t>
-            </a:r>
-          </a:p>
-        </p:txBody>
-      </p:sp>
-      <p:pic>
-        <p:nvPicPr>
-          <p:cNvPr id="3" name="Picture 2" descr="A picture containing drawing&#10;&#10;Description automatically generated">
-            <a:extLst>
-              <a:ext uri="{FF2B5EF4-FFF2-40B4-BE49-F238E27FC236}">
-                <a16:creationId xmlns:a16="http://schemas.microsoft.com/office/drawing/2014/main" id="{36D46947-3455-49F6-81DC-66502143C41D}"/>
-              </a:ext>
-            </a:extLst>
-          </p:cNvPr>
-          <p:cNvPicPr>
-            <a:picLocks noChangeAspect="1"/>
-          </p:cNvPicPr>
-          <p:nvPr/>
-        </p:nvPicPr>
-        <p:blipFill>
-          <a:blip r:embed="rId2">
-            <a:extLst>
-              <a:ext uri="{28A0092B-C50C-407E-A947-70E740481C1C}">
-                <a14:useLocalDpi xmlns:a14="http://schemas.microsoft.com/office/drawing/2010/main" val="0"/>
-              </a:ext>
-            </a:extLst>
-          </a:blip>
-          <a:stretch>
-            <a:fillRect/>
-          </a:stretch>
-        </p:blipFill>
-        <p:spPr>
-          <a:xfrm>
-            <a:off x="757291" y="966358"/>
-            <a:ext cx="780290" cy="780290"/>
-          </a:xfrm>
-          <a:prstGeom prst="rect">
-            <a:avLst/>
-          </a:prstGeom>
-        </p:spPr>
-      </p:pic>
-      <p:pic>
-        <p:nvPicPr>
-          <p:cNvPr id="11" name="Graphic 10">
-            <a:extLst>
-              <a:ext uri="{FF2B5EF4-FFF2-40B4-BE49-F238E27FC236}">
-                <a16:creationId xmlns:a16="http://schemas.microsoft.com/office/drawing/2014/main" id="{68CC5020-AEBC-4D94-8930-1E6AA6C03504}"/>
-              </a:ext>
-            </a:extLst>
-          </p:cNvPr>
-          <p:cNvPicPr>
-            <a:picLocks noChangeAspect="1"/>
-          </p:cNvPicPr>
-          <p:nvPr/>
-        </p:nvPicPr>
-        <p:blipFill>
-          <a:blip r:embed="rId3">
-            <a:extLst>
-              <a:ext uri="{28A0092B-C50C-407E-A947-70E740481C1C}">
-                <a14:useLocalDpi xmlns:a14="http://schemas.microsoft.com/office/drawing/2010/main" val="0"/>
-              </a:ext>
-              <a:ext uri="{96DAC541-7B7A-43D3-8B79-37D633B846F1}">
-                <asvg:svgBlip xmlns:asvg="http://schemas.microsoft.com/office/drawing/2016/SVG/main" r:embed="rId4"/>
-              </a:ext>
-            </a:extLst>
-          </a:blip>
-          <a:stretch>
-            <a:fillRect/>
-          </a:stretch>
-        </p:blipFill>
-        <p:spPr>
-          <a:xfrm>
-            <a:off x="4686132" y="966358"/>
-            <a:ext cx="780290" cy="780290"/>
-          </a:xfrm>
-          <a:prstGeom prst="rect">
-            <a:avLst/>
-          </a:prstGeom>
-        </p:spPr>
-      </p:pic>
-      <p:pic>
-        <p:nvPicPr>
-          <p:cNvPr id="13" name="Graphic 12">
-            <a:extLst>
-              <a:ext uri="{FF2B5EF4-FFF2-40B4-BE49-F238E27FC236}">
-                <a16:creationId xmlns:a16="http://schemas.microsoft.com/office/drawing/2014/main" id="{FF18036A-9AA0-4AAF-A6CF-9B332A840FD8}"/>
-              </a:ext>
-            </a:extLst>
-          </p:cNvPr>
-          <p:cNvPicPr>
-            <a:picLocks noChangeAspect="1"/>
-          </p:cNvPicPr>
-          <p:nvPr/>
-        </p:nvPicPr>
-        <p:blipFill>
-          <a:blip r:embed="rId5">
-            <a:extLst>
-              <a:ext uri="{28A0092B-C50C-407E-A947-70E740481C1C}">
-                <a14:useLocalDpi xmlns:a14="http://schemas.microsoft.com/office/drawing/2010/main" val="0"/>
-              </a:ext>
-              <a:ext uri="{96DAC541-7B7A-43D3-8B79-37D633B846F1}">
-                <asvg:svgBlip xmlns:asvg="http://schemas.microsoft.com/office/drawing/2016/SVG/main" r:embed="rId6"/>
-              </a:ext>
-            </a:extLst>
-          </a:blip>
-          <a:stretch>
-            <a:fillRect/>
-          </a:stretch>
-        </p:blipFill>
-        <p:spPr>
-          <a:xfrm>
-            <a:off x="6605457" y="966358"/>
-            <a:ext cx="780290" cy="780290"/>
-          </a:xfrm>
-          <a:prstGeom prst="rect">
-            <a:avLst/>
-          </a:prstGeom>
-        </p:spPr>
-      </p:pic>
-      <p:pic>
-        <p:nvPicPr>
-          <p:cNvPr id="14" name="Graphic 13">
-            <a:extLst>
-              <a:ext uri="{FF2B5EF4-FFF2-40B4-BE49-F238E27FC236}">
-                <a16:creationId xmlns:a16="http://schemas.microsoft.com/office/drawing/2014/main" id="{28A56780-CD7C-41F9-83CC-0901E3A92440}"/>
-              </a:ext>
-            </a:extLst>
-          </p:cNvPr>
-          <p:cNvPicPr>
-            <a:picLocks noChangeAspect="1"/>
-          </p:cNvPicPr>
-          <p:nvPr/>
-        </p:nvPicPr>
-        <p:blipFill>
-          <a:blip r:embed="rId3">
-            <a:extLst>
-              <a:ext uri="{28A0092B-C50C-407E-A947-70E740481C1C}">
-                <a14:useLocalDpi xmlns:a14="http://schemas.microsoft.com/office/drawing/2010/main" val="0"/>
-              </a:ext>
-              <a:ext uri="{96DAC541-7B7A-43D3-8B79-37D633B846F1}">
-                <asvg:svgBlip xmlns:asvg="http://schemas.microsoft.com/office/drawing/2016/SVG/main" r:embed="rId4"/>
-              </a:ext>
-            </a:extLst>
-          </a:blip>
-          <a:stretch>
-            <a:fillRect/>
-          </a:stretch>
-        </p:blipFill>
-        <p:spPr>
-          <a:xfrm>
-            <a:off x="8478377" y="966358"/>
-            <a:ext cx="780290" cy="780290"/>
-          </a:xfrm>
-          <a:prstGeom prst="rect">
-            <a:avLst/>
-          </a:prstGeom>
-        </p:spPr>
-      </p:pic>
-      <p:grpSp>
-        <p:nvGrpSpPr>
-          <p:cNvPr id="33" name="Group 32">
-            <a:extLst>
-              <a:ext uri="{FF2B5EF4-FFF2-40B4-BE49-F238E27FC236}">
-                <a16:creationId xmlns:a16="http://schemas.microsoft.com/office/drawing/2014/main" id="{741F7567-791E-4A67-9274-1439E4CF2D54}"/>
-              </a:ext>
-            </a:extLst>
-          </p:cNvPr>
-          <p:cNvGrpSpPr/>
-          <p:nvPr/>
-        </p:nvGrpSpPr>
-        <p:grpSpPr>
-          <a:xfrm>
-            <a:off x="259953" y="2714890"/>
-            <a:ext cx="5608263" cy="3233356"/>
-            <a:chOff x="6101386" y="2796466"/>
-            <a:chExt cx="5608263" cy="3233356"/>
-          </a:xfrm>
-        </p:grpSpPr>
-        <p:sp>
-          <p:nvSpPr>
-            <p:cNvPr id="19" name="Thought Bubble: Cloud 18">
-              <a:extLst>
-                <a:ext uri="{FF2B5EF4-FFF2-40B4-BE49-F238E27FC236}">
-                  <a16:creationId xmlns:a16="http://schemas.microsoft.com/office/drawing/2014/main" id="{A7D35382-D69E-4203-B4A9-52A05A4FD8D7}"/>
-                </a:ext>
-              </a:extLst>
-            </p:cNvPr>
-            <p:cNvSpPr/>
-            <p:nvPr/>
-          </p:nvSpPr>
-          <p:spPr>
-            <a:xfrm>
-              <a:off x="6101386" y="2796466"/>
-              <a:ext cx="5608263" cy="3233356"/>
-            </a:xfrm>
-            <a:prstGeom prst="cloudCallout">
-              <a:avLst>
-                <a:gd name="adj1" fmla="val -10766"/>
-                <a:gd name="adj2" fmla="val 39295"/>
-              </a:avLst>
-            </a:prstGeom>
-            <a:solidFill>
-              <a:schemeClr val="bg1"/>
-            </a:solidFill>
-          </p:spPr>
-          <p:style>
-            <a:lnRef idx="2">
-              <a:schemeClr val="accent1">
-                <a:shade val="50000"/>
-              </a:schemeClr>
-            </a:lnRef>
-            <a:fillRef idx="1">
-              <a:schemeClr val="accent1"/>
-            </a:fillRef>
-            <a:effectRef idx="0">
-              <a:schemeClr val="accent1"/>
-            </a:effectRef>
-            <a:fontRef idx="minor">
-              <a:schemeClr val="lt1"/>
-            </a:fontRef>
-          </p:style>
-          <p:txBody>
-            <a:bodyPr rtlCol="0" anchor="ctr"/>
-            <a:lstStyle/>
-            <a:p>
-              <a:pPr marL="0" marR="0" lvl="0" indent="0" algn="ctr" defTabSz="914400" rtl="0" eaLnBrk="1" fontAlgn="auto" latinLnBrk="0" hangingPunct="1">
-                <a:lnSpc>
-                  <a:spcPct val="100000"/>
-                </a:lnSpc>
-                <a:spcBef>
-                  <a:spcPts val="0"/>
-                </a:spcBef>
-                <a:spcAft>
-                  <a:spcPts val="0"/>
-                </a:spcAft>
-                <a:buClrTx/>
-                <a:buSzTx/>
-                <a:buFontTx/>
-                <a:buNone/>
-                <a:tabLst/>
-                <a:defRPr/>
-              </a:pPr>
-              <a:endParaRPr kumimoji="0" lang="en-IN" sz="1800" b="0" i="0" u="none" strike="noStrike" kern="1200" cap="none" spc="0" normalizeH="0" baseline="0" noProof="0">
-                <a:ln>
-                  <a:noFill/>
-                </a:ln>
-                <a:solidFill>
-                  <a:prstClr val="white"/>
-                </a:solidFill>
-                <a:effectLst/>
-                <a:uLnTx/>
-                <a:uFillTx/>
-                <a:latin typeface="Calibri" panose="020F0502020204030204"/>
-                <a:ea typeface="+mn-ea"/>
-                <a:cs typeface="+mn-cs"/>
-              </a:endParaRPr>
-            </a:p>
-          </p:txBody>
-        </p:sp>
-        <p:grpSp>
-          <p:nvGrpSpPr>
-            <p:cNvPr id="29" name="Group 28">
-              <a:extLst>
-                <a:ext uri="{FF2B5EF4-FFF2-40B4-BE49-F238E27FC236}">
-                  <a16:creationId xmlns:a16="http://schemas.microsoft.com/office/drawing/2014/main" id="{FF592EF6-1E6D-47AE-A34C-AB5A774B30D8}"/>
-                </a:ext>
-              </a:extLst>
-            </p:cNvPr>
-            <p:cNvGrpSpPr/>
-            <p:nvPr/>
-          </p:nvGrpSpPr>
-          <p:grpSpPr>
-            <a:xfrm>
-              <a:off x="6972126" y="3249876"/>
-              <a:ext cx="3866781" cy="1892550"/>
-              <a:chOff x="5965146" y="3263136"/>
-              <a:chExt cx="3866781" cy="1892550"/>
-            </a:xfrm>
-          </p:grpSpPr>
-          <p:pic>
-            <p:nvPicPr>
-              <p:cNvPr id="20" name="Picture 19" descr="A picture containing drawing&#10;&#10;Description automatically generated">
-                <a:extLst>
-                  <a:ext uri="{FF2B5EF4-FFF2-40B4-BE49-F238E27FC236}">
-                    <a16:creationId xmlns:a16="http://schemas.microsoft.com/office/drawing/2014/main" id="{9966C00C-1E5C-4E39-9381-2359516062C6}"/>
-                  </a:ext>
-                </a:extLst>
-              </p:cNvPr>
-              <p:cNvPicPr>
-                <a:picLocks noChangeAspect="1"/>
-              </p:cNvPicPr>
-              <p:nvPr/>
-            </p:nvPicPr>
-            <p:blipFill>
-              <a:blip r:embed="rId7">
-                <a:extLst>
-                  <a:ext uri="{28A0092B-C50C-407E-A947-70E740481C1C}">
-                    <a14:useLocalDpi xmlns:a14="http://schemas.microsoft.com/office/drawing/2010/main" val="0"/>
-                  </a:ext>
-                </a:extLst>
-              </a:blip>
-              <a:stretch>
-                <a:fillRect/>
-              </a:stretch>
-            </p:blipFill>
-            <p:spPr>
-              <a:xfrm>
-                <a:off x="6313959" y="3444336"/>
-                <a:ext cx="780290" cy="780290"/>
-              </a:xfrm>
-              <a:prstGeom prst="rect">
-                <a:avLst/>
-              </a:prstGeom>
-            </p:spPr>
-          </p:pic>
-          <p:pic>
-            <p:nvPicPr>
-              <p:cNvPr id="22" name="Graphic 21">
-                <a:extLst>
-                  <a:ext uri="{FF2B5EF4-FFF2-40B4-BE49-F238E27FC236}">
-                    <a16:creationId xmlns:a16="http://schemas.microsoft.com/office/drawing/2014/main" id="{C723A7AA-CBAF-404F-AA2B-631CC56FB8CE}"/>
-                  </a:ext>
-                </a:extLst>
-              </p:cNvPr>
-              <p:cNvPicPr>
-                <a:picLocks noChangeAspect="1"/>
-              </p:cNvPicPr>
-              <p:nvPr/>
-            </p:nvPicPr>
-            <p:blipFill>
-              <a:blip r:embed="rId8">
-                <a:extLst>
-                  <a:ext uri="{28A0092B-C50C-407E-A947-70E740481C1C}">
-                    <a14:useLocalDpi xmlns:a14="http://schemas.microsoft.com/office/drawing/2010/main" val="0"/>
-                  </a:ext>
-                  <a:ext uri="{96DAC541-7B7A-43D3-8B79-37D633B846F1}">
-                    <asvg:svgBlip xmlns:asvg="http://schemas.microsoft.com/office/drawing/2016/SVG/main" r:embed="rId9"/>
-                  </a:ext>
-                </a:extLst>
-              </a:blip>
-              <a:stretch>
-                <a:fillRect/>
-              </a:stretch>
-            </p:blipFill>
-            <p:spPr>
-              <a:xfrm>
-                <a:off x="9355677" y="3263136"/>
-                <a:ext cx="476250" cy="476250"/>
-              </a:xfrm>
-              <a:prstGeom prst="rect">
-                <a:avLst/>
-              </a:prstGeom>
-            </p:spPr>
-          </p:pic>
-          <p:pic>
-            <p:nvPicPr>
-              <p:cNvPr id="24" name="Graphic 23">
-                <a:extLst>
-                  <a:ext uri="{FF2B5EF4-FFF2-40B4-BE49-F238E27FC236}">
-                    <a16:creationId xmlns:a16="http://schemas.microsoft.com/office/drawing/2014/main" id="{925071B5-D25D-44D1-8436-17A064FA82BA}"/>
-                  </a:ext>
-                </a:extLst>
-              </p:cNvPr>
-              <p:cNvPicPr>
-                <a:picLocks noChangeAspect="1"/>
-              </p:cNvPicPr>
-              <p:nvPr/>
-            </p:nvPicPr>
-            <p:blipFill>
-              <a:blip r:embed="rId10">
-                <a:extLst>
-                  <a:ext uri="{28A0092B-C50C-407E-A947-70E740481C1C}">
-                    <a14:useLocalDpi xmlns:a14="http://schemas.microsoft.com/office/drawing/2010/main" val="0"/>
-                  </a:ext>
-                  <a:ext uri="{96DAC541-7B7A-43D3-8B79-37D633B846F1}">
-                    <asvg:svgBlip xmlns:asvg="http://schemas.microsoft.com/office/drawing/2016/SVG/main" r:embed="rId11"/>
-                  </a:ext>
-                </a:extLst>
-              </a:blip>
-              <a:stretch>
-                <a:fillRect/>
-              </a:stretch>
-            </p:blipFill>
-            <p:spPr>
-              <a:xfrm>
-                <a:off x="8965152" y="4517937"/>
-                <a:ext cx="628650" cy="600075"/>
-              </a:xfrm>
-              <a:prstGeom prst="rect">
-                <a:avLst/>
-              </a:prstGeom>
-            </p:spPr>
-          </p:pic>
-          <p:pic>
-            <p:nvPicPr>
-              <p:cNvPr id="26" name="Graphic 25">
-                <a:extLst>
-                  <a:ext uri="{FF2B5EF4-FFF2-40B4-BE49-F238E27FC236}">
-                    <a16:creationId xmlns:a16="http://schemas.microsoft.com/office/drawing/2014/main" id="{02E07A17-A57F-4E63-8BA7-95B0DA3919A5}"/>
-                  </a:ext>
-                </a:extLst>
-              </p:cNvPr>
-              <p:cNvPicPr>
-                <a:picLocks noChangeAspect="1"/>
-              </p:cNvPicPr>
-              <p:nvPr/>
-            </p:nvPicPr>
-            <p:blipFill>
-              <a:blip r:embed="rId12">
-                <a:extLst>
-                  <a:ext uri="{28A0092B-C50C-407E-A947-70E740481C1C}">
-                    <a14:useLocalDpi xmlns:a14="http://schemas.microsoft.com/office/drawing/2010/main" val="0"/>
-                  </a:ext>
-                  <a:ext uri="{96DAC541-7B7A-43D3-8B79-37D633B846F1}">
-                    <asvg:svgBlip xmlns:asvg="http://schemas.microsoft.com/office/drawing/2016/SVG/main" r:embed="rId13"/>
-                  </a:ext>
-                </a:extLst>
-              </a:blip>
-              <a:stretch>
-                <a:fillRect/>
-              </a:stretch>
-            </p:blipFill>
-            <p:spPr>
-              <a:xfrm>
-                <a:off x="5965146" y="4679436"/>
-                <a:ext cx="476250" cy="476250"/>
-              </a:xfrm>
-              <a:prstGeom prst="rect">
-                <a:avLst/>
-              </a:prstGeom>
-            </p:spPr>
-          </p:pic>
-          <p:pic>
-            <p:nvPicPr>
-              <p:cNvPr id="28" name="Graphic 27">
-                <a:extLst>
-                  <a:ext uri="{FF2B5EF4-FFF2-40B4-BE49-F238E27FC236}">
-                    <a16:creationId xmlns:a16="http://schemas.microsoft.com/office/drawing/2014/main" id="{C7B8C726-E294-4A32-B7CC-0D388BEA8CE5}"/>
-                  </a:ext>
-                </a:extLst>
-              </p:cNvPr>
-              <p:cNvPicPr>
-                <a:picLocks noChangeAspect="1"/>
-              </p:cNvPicPr>
-              <p:nvPr/>
-            </p:nvPicPr>
-            <p:blipFill>
-              <a:blip r:embed="rId14">
-                <a:extLst>
-                  <a:ext uri="{28A0092B-C50C-407E-A947-70E740481C1C}">
-                    <a14:useLocalDpi xmlns:a14="http://schemas.microsoft.com/office/drawing/2010/main" val="0"/>
-                  </a:ext>
-                  <a:ext uri="{96DAC541-7B7A-43D3-8B79-37D633B846F1}">
-                    <asvg:svgBlip xmlns:asvg="http://schemas.microsoft.com/office/drawing/2016/SVG/main" r:embed="rId15"/>
-                  </a:ext>
-                </a:extLst>
-              </a:blip>
-              <a:stretch>
-                <a:fillRect/>
-              </a:stretch>
-            </p:blipFill>
-            <p:spPr>
-              <a:xfrm>
-                <a:off x="7858812" y="3986501"/>
-                <a:ext cx="476250" cy="476250"/>
-              </a:xfrm>
-              <a:prstGeom prst="rect">
-                <a:avLst/>
-              </a:prstGeom>
-            </p:spPr>
-          </p:pic>
-        </p:grpSp>
-      </p:grpSp>
-      <p:pic>
-        <p:nvPicPr>
-          <p:cNvPr id="30" name="Graphic 29">
-            <a:extLst>
-              <a:ext uri="{FF2B5EF4-FFF2-40B4-BE49-F238E27FC236}">
-                <a16:creationId xmlns:a16="http://schemas.microsoft.com/office/drawing/2014/main" id="{A297AF32-D8A2-4423-B36B-CE86473A2088}"/>
-              </a:ext>
-            </a:extLst>
-          </p:cNvPr>
-          <p:cNvPicPr>
-            <a:picLocks noChangeAspect="1"/>
-          </p:cNvPicPr>
-          <p:nvPr/>
-        </p:nvPicPr>
-        <p:blipFill>
-          <a:blip r:embed="rId3">
-            <a:extLst>
-              <a:ext uri="{28A0092B-C50C-407E-A947-70E740481C1C}">
-                <a14:useLocalDpi xmlns:a14="http://schemas.microsoft.com/office/drawing/2010/main" val="0"/>
-              </a:ext>
-              <a:ext uri="{96DAC541-7B7A-43D3-8B79-37D633B846F1}">
-                <asvg:svgBlip xmlns:asvg="http://schemas.microsoft.com/office/drawing/2016/SVG/main" r:embed="rId4"/>
-              </a:ext>
-            </a:extLst>
-          </a:blip>
-          <a:stretch>
-            <a:fillRect/>
-          </a:stretch>
-        </p:blipFill>
-        <p:spPr>
-          <a:xfrm>
-            <a:off x="10573510" y="3559685"/>
-            <a:ext cx="780290" cy="780290"/>
-          </a:xfrm>
-          <a:prstGeom prst="rect">
-            <a:avLst/>
-          </a:prstGeom>
-        </p:spPr>
-      </p:pic>
-      <p:pic>
-        <p:nvPicPr>
-          <p:cNvPr id="1026" name="Picture 2">
-            <a:extLst>
-              <a:ext uri="{FF2B5EF4-FFF2-40B4-BE49-F238E27FC236}">
-                <a16:creationId xmlns:a16="http://schemas.microsoft.com/office/drawing/2014/main" id="{84738135-B527-4325-8D62-F8B9B9D1984A}"/>
-              </a:ext>
-            </a:extLst>
-          </p:cNvPr>
-          <p:cNvPicPr>
-            <a:picLocks noChangeAspect="1" noChangeArrowheads="1"/>
-          </p:cNvPicPr>
-          <p:nvPr/>
-        </p:nvPicPr>
-        <p:blipFill>
-          <a:blip r:embed="rId16">
-            <a:extLst>
-              <a:ext uri="{28A0092B-C50C-407E-A947-70E740481C1C}">
-                <a14:useLocalDpi xmlns:a14="http://schemas.microsoft.com/office/drawing/2010/main" val="0"/>
-              </a:ext>
-            </a:extLst>
-          </a:blip>
-          <a:srcRect/>
-          <a:stretch>
-            <a:fillRect/>
-          </a:stretch>
-        </p:blipFill>
-        <p:spPr bwMode="auto">
-          <a:xfrm>
-            <a:off x="2623349" y="862903"/>
-            <a:ext cx="814057" cy="987144"/>
-          </a:xfrm>
-          <a:prstGeom prst="rect">
-            <a:avLst/>
-          </a:prstGeom>
-          <a:noFill/>
-          <a:extLst>
-            <a:ext uri="{909E8E84-426E-40DD-AFC4-6F175D3DCCD1}">
-              <a14:hiddenFill xmlns:a14="http://schemas.microsoft.com/office/drawing/2010/main">
-                <a:solidFill>
-                  <a:srgbClr val="FFFFFF"/>
-                </a:solidFill>
-              </a14:hiddenFill>
-            </a:ext>
-          </a:extLst>
-        </p:spPr>
-      </p:pic>
-      <p:pic>
-        <p:nvPicPr>
-          <p:cNvPr id="32" name="Graphic 31">
-            <a:extLst>
-              <a:ext uri="{FF2B5EF4-FFF2-40B4-BE49-F238E27FC236}">
-                <a16:creationId xmlns:a16="http://schemas.microsoft.com/office/drawing/2014/main" id="{AAF0FC8B-CA83-4A8E-A2F7-220F96B6E74A}"/>
-              </a:ext>
-            </a:extLst>
-          </p:cNvPr>
-          <p:cNvPicPr>
-            <a:picLocks noChangeAspect="1"/>
-          </p:cNvPicPr>
-          <p:nvPr/>
-        </p:nvPicPr>
-        <p:blipFill>
-          <a:blip r:embed="rId17">
-            <a:extLst>
-              <a:ext uri="{28A0092B-C50C-407E-A947-70E740481C1C}">
-                <a14:useLocalDpi xmlns:a14="http://schemas.microsoft.com/office/drawing/2010/main" val="0"/>
-              </a:ext>
-              <a:ext uri="{96DAC541-7B7A-43D3-8B79-37D633B846F1}">
-                <asvg:svgBlip xmlns:asvg="http://schemas.microsoft.com/office/drawing/2016/SVG/main" r:embed="rId18"/>
-              </a:ext>
-            </a:extLst>
-          </a:blip>
-          <a:stretch>
-            <a:fillRect/>
-          </a:stretch>
-        </p:blipFill>
-        <p:spPr>
-          <a:xfrm>
-            <a:off x="10573509" y="965778"/>
-            <a:ext cx="780095" cy="781393"/>
-          </a:xfrm>
-          <a:prstGeom prst="rect">
-            <a:avLst/>
-          </a:prstGeom>
-        </p:spPr>
-      </p:pic>
-      <p:pic>
-        <p:nvPicPr>
-          <p:cNvPr id="40" name="Picture 39" descr="A picture containing drawing, clock&#10;&#10;Description automatically generated">
-            <a:extLst>
-              <a:ext uri="{FF2B5EF4-FFF2-40B4-BE49-F238E27FC236}">
-                <a16:creationId xmlns:a16="http://schemas.microsoft.com/office/drawing/2014/main" id="{893951CC-E62C-48AE-B7E2-F096699C2CF3}"/>
-              </a:ext>
-            </a:extLst>
-          </p:cNvPr>
-          <p:cNvPicPr>
-            <a:picLocks noChangeAspect="1"/>
-          </p:cNvPicPr>
-          <p:nvPr/>
-        </p:nvPicPr>
-        <p:blipFill>
-          <a:blip r:embed="rId19">
-            <a:extLst>
-              <a:ext uri="{28A0092B-C50C-407E-A947-70E740481C1C}">
-                <a14:useLocalDpi xmlns:a14="http://schemas.microsoft.com/office/drawing/2010/main" val="0"/>
-              </a:ext>
-            </a:extLst>
-          </a:blip>
-          <a:stretch>
-            <a:fillRect/>
-          </a:stretch>
-        </p:blipFill>
-        <p:spPr>
-          <a:xfrm>
-            <a:off x="935616" y="506028"/>
-            <a:ext cx="390153" cy="390153"/>
-          </a:xfrm>
-          <a:prstGeom prst="rect">
-            <a:avLst/>
-          </a:prstGeom>
-        </p:spPr>
-      </p:pic>
-      <p:pic>
-        <p:nvPicPr>
-          <p:cNvPr id="42" name="Picture 41" descr="A picture containing clock&#10;&#10;Description automatically generated">
-            <a:extLst>
-              <a:ext uri="{FF2B5EF4-FFF2-40B4-BE49-F238E27FC236}">
-                <a16:creationId xmlns:a16="http://schemas.microsoft.com/office/drawing/2014/main" id="{79BA6822-C72A-4838-A922-66E4DB0E55AC}"/>
-              </a:ext>
-            </a:extLst>
-          </p:cNvPr>
-          <p:cNvPicPr>
-            <a:picLocks noChangeAspect="1"/>
-          </p:cNvPicPr>
-          <p:nvPr/>
-        </p:nvPicPr>
-        <p:blipFill>
-          <a:blip r:embed="rId20">
-            <a:extLst>
-              <a:ext uri="{28A0092B-C50C-407E-A947-70E740481C1C}">
-                <a14:useLocalDpi xmlns:a14="http://schemas.microsoft.com/office/drawing/2010/main" val="0"/>
-              </a:ext>
-            </a:extLst>
-          </a:blip>
-          <a:stretch>
-            <a:fillRect/>
-          </a:stretch>
-        </p:blipFill>
-        <p:spPr>
-          <a:xfrm>
-            <a:off x="2727199" y="507535"/>
-            <a:ext cx="390153" cy="390153"/>
-          </a:xfrm>
-          <a:prstGeom prst="rect">
-            <a:avLst/>
-          </a:prstGeom>
-        </p:spPr>
-      </p:pic>
-      <p:pic>
-        <p:nvPicPr>
-          <p:cNvPr id="44" name="Picture 43" descr="A close up of a logo&#10;&#10;Description automatically generated">
-            <a:extLst>
-              <a:ext uri="{FF2B5EF4-FFF2-40B4-BE49-F238E27FC236}">
-                <a16:creationId xmlns:a16="http://schemas.microsoft.com/office/drawing/2014/main" id="{9C7E8CA2-5F1E-4E2F-8888-3197EBCE7171}"/>
-              </a:ext>
-            </a:extLst>
-          </p:cNvPr>
-          <p:cNvPicPr>
-            <a:picLocks noChangeAspect="1"/>
-          </p:cNvPicPr>
-          <p:nvPr/>
-        </p:nvPicPr>
-        <p:blipFill>
-          <a:blip r:embed="rId21">
-            <a:extLst>
-              <a:ext uri="{28A0092B-C50C-407E-A947-70E740481C1C}">
-                <a14:useLocalDpi xmlns:a14="http://schemas.microsoft.com/office/drawing/2010/main" val="0"/>
-              </a:ext>
-            </a:extLst>
-          </a:blip>
-          <a:stretch>
-            <a:fillRect/>
-          </a:stretch>
-        </p:blipFill>
-        <p:spPr>
-          <a:xfrm>
-            <a:off x="4881200" y="506028"/>
-            <a:ext cx="390153" cy="390153"/>
-          </a:xfrm>
-          <a:prstGeom prst="rect">
-            <a:avLst/>
-          </a:prstGeom>
-        </p:spPr>
-      </p:pic>
-      <p:pic>
-        <p:nvPicPr>
-          <p:cNvPr id="46" name="Picture 45" descr="A picture containing object, drawing, clock&#10;&#10;Description automatically generated">
-            <a:extLst>
-              <a:ext uri="{FF2B5EF4-FFF2-40B4-BE49-F238E27FC236}">
-                <a16:creationId xmlns:a16="http://schemas.microsoft.com/office/drawing/2014/main" id="{4F6779B2-2CDD-466E-BE8D-3DC3B38B185F}"/>
-              </a:ext>
-            </a:extLst>
-          </p:cNvPr>
-          <p:cNvPicPr>
-            <a:picLocks noChangeAspect="1"/>
-          </p:cNvPicPr>
-          <p:nvPr/>
-        </p:nvPicPr>
-        <p:blipFill>
-          <a:blip r:embed="rId22">
-            <a:extLst>
-              <a:ext uri="{28A0092B-C50C-407E-A947-70E740481C1C}">
-                <a14:useLocalDpi xmlns:a14="http://schemas.microsoft.com/office/drawing/2010/main" val="0"/>
-              </a:ext>
-            </a:extLst>
-          </a:blip>
-          <a:stretch>
-            <a:fillRect/>
-          </a:stretch>
-        </p:blipFill>
-        <p:spPr>
-          <a:xfrm>
-            <a:off x="6802982" y="506028"/>
-            <a:ext cx="390153" cy="390153"/>
-          </a:xfrm>
-          <a:prstGeom prst="rect">
-            <a:avLst/>
-          </a:prstGeom>
-        </p:spPr>
-      </p:pic>
-      <p:pic>
-        <p:nvPicPr>
-          <p:cNvPr id="48" name="Picture 47" descr="A picture containing game&#10;&#10;Description automatically generated">
-            <a:extLst>
-              <a:ext uri="{FF2B5EF4-FFF2-40B4-BE49-F238E27FC236}">
-                <a16:creationId xmlns:a16="http://schemas.microsoft.com/office/drawing/2014/main" id="{FF03DBD6-CC50-4A97-BD33-82244A6C7E6F}"/>
-              </a:ext>
-            </a:extLst>
-          </p:cNvPr>
-          <p:cNvPicPr>
-            <a:picLocks noChangeAspect="1"/>
-          </p:cNvPicPr>
-          <p:nvPr/>
-        </p:nvPicPr>
-        <p:blipFill>
-          <a:blip r:embed="rId23">
-            <a:extLst>
-              <a:ext uri="{28A0092B-C50C-407E-A947-70E740481C1C}">
-                <a14:useLocalDpi xmlns:a14="http://schemas.microsoft.com/office/drawing/2010/main" val="0"/>
-              </a:ext>
-            </a:extLst>
-          </a:blip>
-          <a:stretch>
-            <a:fillRect/>
-          </a:stretch>
-        </p:blipFill>
-        <p:spPr>
-          <a:xfrm>
-            <a:off x="8650677" y="506352"/>
-            <a:ext cx="390153" cy="390153"/>
-          </a:xfrm>
-          <a:prstGeom prst="rect">
-            <a:avLst/>
-          </a:prstGeom>
-        </p:spPr>
-      </p:pic>
-      <p:pic>
-        <p:nvPicPr>
-          <p:cNvPr id="50" name="Picture 49" descr="A close up of a logo&#10;&#10;Description automatically generated">
-            <a:extLst>
-              <a:ext uri="{FF2B5EF4-FFF2-40B4-BE49-F238E27FC236}">
-                <a16:creationId xmlns:a16="http://schemas.microsoft.com/office/drawing/2014/main" id="{779F2AB2-CDEF-415F-AE8D-58D363E55E56}"/>
-              </a:ext>
-            </a:extLst>
-          </p:cNvPr>
-          <p:cNvPicPr>
-            <a:picLocks noChangeAspect="1"/>
-          </p:cNvPicPr>
-          <p:nvPr/>
-        </p:nvPicPr>
-        <p:blipFill>
-          <a:blip r:embed="rId24">
-            <a:extLst>
-              <a:ext uri="{28A0092B-C50C-407E-A947-70E740481C1C}">
-                <a14:useLocalDpi xmlns:a14="http://schemas.microsoft.com/office/drawing/2010/main" val="0"/>
-              </a:ext>
-            </a:extLst>
-          </a:blip>
-          <a:stretch>
-            <a:fillRect/>
-          </a:stretch>
-        </p:blipFill>
-        <p:spPr>
-          <a:xfrm>
-            <a:off x="10768479" y="506027"/>
-            <a:ext cx="390153" cy="390153"/>
-          </a:xfrm>
-          <a:prstGeom prst="rect">
-            <a:avLst/>
-          </a:prstGeom>
-        </p:spPr>
-      </p:pic>
-      <p:pic>
-        <p:nvPicPr>
-          <p:cNvPr id="54" name="Picture 53" descr="A picture containing drawing&#10;&#10;Description automatically generated">
-            <a:extLst>
-              <a:ext uri="{FF2B5EF4-FFF2-40B4-BE49-F238E27FC236}">
-                <a16:creationId xmlns:a16="http://schemas.microsoft.com/office/drawing/2014/main" id="{B5C6B40D-2E6C-4A97-B379-4D03C27B58D2}"/>
-              </a:ext>
-            </a:extLst>
-          </p:cNvPr>
-          <p:cNvPicPr>
-            <a:picLocks noChangeAspect="1"/>
-          </p:cNvPicPr>
-          <p:nvPr/>
-        </p:nvPicPr>
-        <p:blipFill>
-          <a:blip r:embed="rId25">
-            <a:extLst>
-              <a:ext uri="{28A0092B-C50C-407E-A947-70E740481C1C}">
-                <a14:useLocalDpi xmlns:a14="http://schemas.microsoft.com/office/drawing/2010/main" val="0"/>
-              </a:ext>
-            </a:extLst>
-          </a:blip>
-          <a:stretch>
-            <a:fillRect/>
-          </a:stretch>
-        </p:blipFill>
-        <p:spPr>
-          <a:xfrm>
-            <a:off x="10768478" y="3019041"/>
-            <a:ext cx="390153" cy="390153"/>
-          </a:xfrm>
-          <a:prstGeom prst="rect">
-            <a:avLst/>
-          </a:prstGeom>
-        </p:spPr>
-      </p:pic>
-      <p:pic>
-        <p:nvPicPr>
-          <p:cNvPr id="56" name="Picture 55" descr="A close up of a logo&#10;&#10;Description automatically generated">
-            <a:extLst>
-              <a:ext uri="{FF2B5EF4-FFF2-40B4-BE49-F238E27FC236}">
-                <a16:creationId xmlns:a16="http://schemas.microsoft.com/office/drawing/2014/main" id="{4B7097A5-180E-461B-B13C-0CC5B836DD40}"/>
-              </a:ext>
-            </a:extLst>
-          </p:cNvPr>
-          <p:cNvPicPr>
-            <a:picLocks noChangeAspect="1"/>
-          </p:cNvPicPr>
-          <p:nvPr/>
-        </p:nvPicPr>
-        <p:blipFill>
-          <a:blip r:embed="rId26">
-            <a:extLst>
-              <a:ext uri="{28A0092B-C50C-407E-A947-70E740481C1C}">
-                <a14:useLocalDpi xmlns:a14="http://schemas.microsoft.com/office/drawing/2010/main" val="0"/>
-              </a:ext>
-            </a:extLst>
-          </a:blip>
-          <a:stretch>
-            <a:fillRect/>
-          </a:stretch>
-        </p:blipFill>
-        <p:spPr>
-          <a:xfrm>
-            <a:off x="5933633" y="3023311"/>
-            <a:ext cx="390153" cy="390153"/>
-          </a:xfrm>
-          <a:prstGeom prst="rect">
-            <a:avLst/>
-          </a:prstGeom>
-        </p:spPr>
-      </p:pic>
-      <p:sp>
-        <p:nvSpPr>
-          <p:cNvPr id="57" name="TextBox 56">
-            <a:extLst>
-              <a:ext uri="{FF2B5EF4-FFF2-40B4-BE49-F238E27FC236}">
-                <a16:creationId xmlns:a16="http://schemas.microsoft.com/office/drawing/2014/main" id="{24801AF1-40F5-4B78-8B88-3B17F07F3996}"/>
-              </a:ext>
-            </a:extLst>
-          </p:cNvPr>
-          <p:cNvSpPr txBox="1"/>
-          <p:nvPr/>
-        </p:nvSpPr>
-        <p:spPr>
-          <a:xfrm>
-            <a:off x="648070" y="1926452"/>
-            <a:ext cx="1111202" cy="369332"/>
-          </a:xfrm>
-          <a:prstGeom prst="rect">
-            <a:avLst/>
-          </a:prstGeom>
-          <a:noFill/>
-        </p:spPr>
-        <p:txBody>
-          <a:bodyPr wrap="none" rtlCol="0">
-            <a:spAutoFit/>
-          </a:bodyPr>
-          <a:lstStyle/>
-          <a:p>
-            <a:pPr marL="0" marR="0" lvl="0" indent="0" algn="ctr" defTabSz="914400" rtl="0" eaLnBrk="1" fontAlgn="auto" latinLnBrk="0" hangingPunct="1">
-              <a:lnSpc>
-                <a:spcPct val="100000"/>
-              </a:lnSpc>
-              <a:spcBef>
-                <a:spcPts val="0"/>
-              </a:spcBef>
-              <a:spcAft>
-                <a:spcPts val="0"/>
-              </a:spcAft>
-              <a:buClrTx/>
-              <a:buSzTx/>
-              <a:buFontTx/>
-              <a:buNone/>
-              <a:tabLst/>
-              <a:defRPr/>
-            </a:pPr>
-            <a:r>
-              <a:rPr kumimoji="0" lang="en-IN" sz="900" b="0" i="0" u="none" strike="noStrike" kern="1200" cap="none" spc="0" normalizeH="0" baseline="0" noProof="0" dirty="0">
-                <a:ln>
-                  <a:noFill/>
-                </a:ln>
-                <a:solidFill>
-                  <a:srgbClr val="0070C0"/>
-                </a:solidFill>
-                <a:effectLst/>
-                <a:uLnTx/>
-                <a:uFillTx/>
-                <a:latin typeface="Verdana" panose="020B0604030504040204" pitchFamily="34" charset="0"/>
-                <a:ea typeface="Verdana" panose="020B0604030504040204" pitchFamily="34" charset="0"/>
-                <a:cs typeface="+mn-cs"/>
-              </a:rPr>
-              <a:t>Feature Branch </a:t>
-            </a:r>
-          </a:p>
-          <a:p>
-            <a:pPr marL="0" marR="0" lvl="0" indent="0" algn="ctr" defTabSz="914400" rtl="0" eaLnBrk="1" fontAlgn="auto" latinLnBrk="0" hangingPunct="1">
-              <a:lnSpc>
-                <a:spcPct val="100000"/>
-              </a:lnSpc>
-              <a:spcBef>
-                <a:spcPts val="0"/>
-              </a:spcBef>
-              <a:spcAft>
-                <a:spcPts val="0"/>
-              </a:spcAft>
-              <a:buClrTx/>
-              <a:buSzTx/>
-              <a:buFontTx/>
-              <a:buNone/>
-              <a:tabLst/>
-              <a:defRPr/>
-            </a:pPr>
-            <a:r>
-              <a:rPr kumimoji="0" lang="en-IN" sz="900" b="0" i="0" u="none" strike="noStrike" kern="1200" cap="none" spc="0" normalizeH="0" baseline="0" noProof="0" dirty="0">
-                <a:ln>
-                  <a:noFill/>
-                </a:ln>
-                <a:solidFill>
-                  <a:srgbClr val="0070C0"/>
-                </a:solidFill>
-                <a:effectLst/>
-                <a:uLnTx/>
-                <a:uFillTx/>
-                <a:latin typeface="Verdana" panose="020B0604030504040204" pitchFamily="34" charset="0"/>
-                <a:ea typeface="Verdana" panose="020B0604030504040204" pitchFamily="34" charset="0"/>
-                <a:cs typeface="+mn-cs"/>
-              </a:rPr>
-              <a:t>Code </a:t>
-            </a:r>
-          </a:p>
-        </p:txBody>
-      </p:sp>
-      <p:sp>
-        <p:nvSpPr>
-          <p:cNvPr id="59" name="TextBox 58">
-            <a:extLst>
-              <a:ext uri="{FF2B5EF4-FFF2-40B4-BE49-F238E27FC236}">
-                <a16:creationId xmlns:a16="http://schemas.microsoft.com/office/drawing/2014/main" id="{8C126E89-A1A7-4EB3-9DEC-44A16C851BD3}"/>
-              </a:ext>
-            </a:extLst>
-          </p:cNvPr>
-          <p:cNvSpPr txBox="1"/>
-          <p:nvPr/>
-        </p:nvSpPr>
-        <p:spPr>
-          <a:xfrm>
-            <a:off x="2601105" y="1927929"/>
-            <a:ext cx="901209" cy="230832"/>
-          </a:xfrm>
-          <a:prstGeom prst="rect">
-            <a:avLst/>
-          </a:prstGeom>
-          <a:noFill/>
-        </p:spPr>
-        <p:txBody>
-          <a:bodyPr wrap="none" rtlCol="0">
-            <a:spAutoFit/>
-          </a:bodyPr>
-          <a:lstStyle/>
-          <a:p>
-            <a:pPr marL="0" marR="0" lvl="0" indent="0" algn="ctr" defTabSz="914400" rtl="0" eaLnBrk="1" fontAlgn="auto" latinLnBrk="0" hangingPunct="1">
-              <a:lnSpc>
-                <a:spcPct val="100000"/>
-              </a:lnSpc>
-              <a:spcBef>
-                <a:spcPts val="0"/>
-              </a:spcBef>
-              <a:spcAft>
-                <a:spcPts val="0"/>
-              </a:spcAft>
-              <a:buClrTx/>
-              <a:buSzTx/>
-              <a:buFontTx/>
-              <a:buNone/>
-              <a:tabLst/>
-              <a:defRPr/>
-            </a:pPr>
-            <a:r>
-              <a:rPr kumimoji="0" lang="en-IN" sz="900" b="0" i="0" u="none" strike="noStrike" kern="1200" cap="none" spc="0" normalizeH="0" baseline="0" noProof="0" dirty="0">
-                <a:ln>
-                  <a:noFill/>
-                </a:ln>
-                <a:solidFill>
-                  <a:srgbClr val="0070C0"/>
-                </a:solidFill>
-                <a:effectLst/>
-                <a:uLnTx/>
-                <a:uFillTx/>
-                <a:latin typeface="Verdana" panose="020B0604030504040204" pitchFamily="34" charset="0"/>
-                <a:ea typeface="Verdana" panose="020B0604030504040204" pitchFamily="34" charset="0"/>
-                <a:cs typeface="+mn-cs"/>
-              </a:rPr>
-              <a:t>Pull Request</a:t>
-            </a:r>
-          </a:p>
-        </p:txBody>
-      </p:sp>
-      <p:sp>
-        <p:nvSpPr>
-          <p:cNvPr id="60" name="TextBox 59">
-            <a:extLst>
-              <a:ext uri="{FF2B5EF4-FFF2-40B4-BE49-F238E27FC236}">
-                <a16:creationId xmlns:a16="http://schemas.microsoft.com/office/drawing/2014/main" id="{DBCFAD7A-E88C-4A0F-A610-6CBE85188BB1}"/>
-              </a:ext>
-            </a:extLst>
-          </p:cNvPr>
-          <p:cNvSpPr txBox="1"/>
-          <p:nvPr/>
-        </p:nvSpPr>
-        <p:spPr>
-          <a:xfrm>
-            <a:off x="4602471" y="1927928"/>
-            <a:ext cx="857927" cy="230832"/>
-          </a:xfrm>
-          <a:prstGeom prst="rect">
-            <a:avLst/>
-          </a:prstGeom>
-          <a:noFill/>
-        </p:spPr>
-        <p:txBody>
-          <a:bodyPr wrap="none" rtlCol="0">
-            <a:spAutoFit/>
-          </a:bodyPr>
-          <a:lstStyle/>
-          <a:p>
-            <a:pPr marL="0" marR="0" lvl="0" indent="0" algn="ctr" defTabSz="914400" rtl="0" eaLnBrk="1" fontAlgn="auto" latinLnBrk="0" hangingPunct="1">
-              <a:lnSpc>
-                <a:spcPct val="100000"/>
-              </a:lnSpc>
-              <a:spcBef>
-                <a:spcPts val="0"/>
-              </a:spcBef>
-              <a:spcAft>
-                <a:spcPts val="0"/>
-              </a:spcAft>
-              <a:buClrTx/>
-              <a:buSzTx/>
-              <a:buFontTx/>
-              <a:buNone/>
-              <a:tabLst/>
-              <a:defRPr/>
-            </a:pPr>
-            <a:r>
-              <a:rPr kumimoji="0" lang="en-IN" sz="900" b="0" i="0" u="none" strike="noStrike" kern="1200" cap="none" spc="0" normalizeH="0" baseline="0" noProof="0" dirty="0">
-                <a:ln>
-                  <a:noFill/>
-                </a:ln>
-                <a:solidFill>
-                  <a:srgbClr val="0070C0"/>
-                </a:solidFill>
-                <a:effectLst/>
-                <a:uLnTx/>
-                <a:uFillTx/>
-                <a:latin typeface="Verdana" panose="020B0604030504040204" pitchFamily="34" charset="0"/>
-                <a:ea typeface="Verdana" panose="020B0604030504040204" pitchFamily="34" charset="0"/>
-                <a:cs typeface="+mn-cs"/>
-              </a:rPr>
-              <a:t>Gated Build</a:t>
-            </a:r>
-          </a:p>
-        </p:txBody>
-      </p:sp>
-      <p:sp>
-        <p:nvSpPr>
-          <p:cNvPr id="61" name="TextBox 60">
-            <a:extLst>
-              <a:ext uri="{FF2B5EF4-FFF2-40B4-BE49-F238E27FC236}">
-                <a16:creationId xmlns:a16="http://schemas.microsoft.com/office/drawing/2014/main" id="{82C61609-CC07-4FD7-9C30-D031271928D1}"/>
-              </a:ext>
-            </a:extLst>
-          </p:cNvPr>
-          <p:cNvSpPr txBox="1"/>
-          <p:nvPr/>
-        </p:nvSpPr>
-        <p:spPr>
-          <a:xfrm>
-            <a:off x="6518198" y="1927932"/>
-            <a:ext cx="1021433" cy="230832"/>
-          </a:xfrm>
-          <a:prstGeom prst="rect">
-            <a:avLst/>
-          </a:prstGeom>
-          <a:noFill/>
-        </p:spPr>
-        <p:txBody>
-          <a:bodyPr wrap="none" rtlCol="0">
-            <a:spAutoFit/>
-          </a:bodyPr>
-          <a:lstStyle/>
-          <a:p>
-            <a:pPr marL="0" marR="0" lvl="0" indent="0" algn="ctr" defTabSz="914400" rtl="0" eaLnBrk="1" fontAlgn="auto" latinLnBrk="0" hangingPunct="1">
-              <a:lnSpc>
-                <a:spcPct val="100000"/>
-              </a:lnSpc>
-              <a:spcBef>
-                <a:spcPts val="0"/>
-              </a:spcBef>
-              <a:spcAft>
-                <a:spcPts val="0"/>
-              </a:spcAft>
-              <a:buClrTx/>
-              <a:buSzTx/>
-              <a:buFontTx/>
-              <a:buNone/>
-              <a:tabLst/>
-              <a:defRPr/>
-            </a:pPr>
-            <a:r>
-              <a:rPr kumimoji="0" lang="en-IN" sz="900" b="0" i="0" u="none" strike="noStrike" kern="1200" cap="none" spc="0" normalizeH="0" baseline="0" noProof="0" dirty="0">
-                <a:ln>
-                  <a:noFill/>
-                </a:ln>
-                <a:solidFill>
-                  <a:srgbClr val="0070C0"/>
-                </a:solidFill>
-                <a:effectLst/>
-                <a:uLnTx/>
-                <a:uFillTx/>
-                <a:latin typeface="Verdana" panose="020B0604030504040204" pitchFamily="34" charset="0"/>
-                <a:ea typeface="Verdana" panose="020B0604030504040204" pitchFamily="34" charset="0"/>
-                <a:cs typeface="+mn-cs"/>
-              </a:rPr>
-              <a:t>Master Branch</a:t>
-            </a:r>
-          </a:p>
-        </p:txBody>
-      </p:sp>
-      <p:sp>
-        <p:nvSpPr>
-          <p:cNvPr id="62" name="TextBox 61">
-            <a:extLst>
-              <a:ext uri="{FF2B5EF4-FFF2-40B4-BE49-F238E27FC236}">
-                <a16:creationId xmlns:a16="http://schemas.microsoft.com/office/drawing/2014/main" id="{249C46EA-9E6D-44DB-8464-705398B77D4A}"/>
-              </a:ext>
-            </a:extLst>
-          </p:cNvPr>
-          <p:cNvSpPr txBox="1"/>
-          <p:nvPr/>
-        </p:nvSpPr>
-        <p:spPr>
-          <a:xfrm>
-            <a:off x="8474817" y="1927931"/>
-            <a:ext cx="641522" cy="230832"/>
-          </a:xfrm>
-          <a:prstGeom prst="rect">
-            <a:avLst/>
-          </a:prstGeom>
-          <a:noFill/>
-        </p:spPr>
-        <p:txBody>
-          <a:bodyPr wrap="none" rtlCol="0">
-            <a:spAutoFit/>
-          </a:bodyPr>
-          <a:lstStyle/>
-          <a:p>
-            <a:pPr marL="0" marR="0" lvl="0" indent="0" algn="ctr" defTabSz="914400" rtl="0" eaLnBrk="1" fontAlgn="auto" latinLnBrk="0" hangingPunct="1">
-              <a:lnSpc>
-                <a:spcPct val="100000"/>
-              </a:lnSpc>
-              <a:spcBef>
-                <a:spcPts val="0"/>
-              </a:spcBef>
-              <a:spcAft>
-                <a:spcPts val="0"/>
-              </a:spcAft>
-              <a:buClrTx/>
-              <a:buSzTx/>
-              <a:buFontTx/>
-              <a:buNone/>
-              <a:tabLst/>
-              <a:defRPr/>
-            </a:pPr>
-            <a:r>
-              <a:rPr kumimoji="0" lang="en-IN" sz="900" b="0" i="0" u="none" strike="noStrike" kern="1200" cap="none" spc="0" normalizeH="0" baseline="0" noProof="0" dirty="0">
-                <a:ln>
-                  <a:noFill/>
-                </a:ln>
-                <a:solidFill>
-                  <a:srgbClr val="0070C0"/>
-                </a:solidFill>
-                <a:effectLst/>
-                <a:uLnTx/>
-                <a:uFillTx/>
-                <a:latin typeface="Verdana" panose="020B0604030504040204" pitchFamily="34" charset="0"/>
-                <a:ea typeface="Verdana" panose="020B0604030504040204" pitchFamily="34" charset="0"/>
-                <a:cs typeface="+mn-cs"/>
-              </a:rPr>
-              <a:t>CI Build</a:t>
-            </a:r>
-          </a:p>
-        </p:txBody>
-      </p:sp>
-      <p:sp>
-        <p:nvSpPr>
-          <p:cNvPr id="63" name="TextBox 62">
-            <a:extLst>
-              <a:ext uri="{FF2B5EF4-FFF2-40B4-BE49-F238E27FC236}">
-                <a16:creationId xmlns:a16="http://schemas.microsoft.com/office/drawing/2014/main" id="{42143B6B-0DBF-411D-B5F8-55CC77C45241}"/>
-              </a:ext>
-            </a:extLst>
-          </p:cNvPr>
-          <p:cNvSpPr txBox="1"/>
-          <p:nvPr/>
-        </p:nvSpPr>
-        <p:spPr>
-          <a:xfrm>
-            <a:off x="10484864" y="1927928"/>
-            <a:ext cx="1007007" cy="230832"/>
-          </a:xfrm>
-          <a:prstGeom prst="rect">
-            <a:avLst/>
-          </a:prstGeom>
-          <a:noFill/>
-        </p:spPr>
-        <p:txBody>
-          <a:bodyPr wrap="none" rtlCol="0">
-            <a:spAutoFit/>
-          </a:bodyPr>
-          <a:lstStyle/>
-          <a:p>
-            <a:pPr marL="0" marR="0" lvl="0" indent="0" algn="ctr" defTabSz="914400" rtl="0" eaLnBrk="1" fontAlgn="auto" latinLnBrk="0" hangingPunct="1">
-              <a:lnSpc>
-                <a:spcPct val="100000"/>
-              </a:lnSpc>
-              <a:spcBef>
-                <a:spcPts val="0"/>
-              </a:spcBef>
-              <a:spcAft>
-                <a:spcPts val="0"/>
-              </a:spcAft>
-              <a:buClrTx/>
-              <a:buSzTx/>
-              <a:buFontTx/>
-              <a:buNone/>
-              <a:tabLst/>
-              <a:defRPr/>
-            </a:pPr>
-            <a:r>
-              <a:rPr kumimoji="0" lang="en-IN" sz="900" b="0" i="0" u="none" strike="noStrike" kern="1200" cap="none" spc="0" normalizeH="0" baseline="0" noProof="0" dirty="0">
-                <a:ln>
-                  <a:noFill/>
-                </a:ln>
-                <a:solidFill>
-                  <a:srgbClr val="0070C0"/>
-                </a:solidFill>
-                <a:effectLst/>
-                <a:uLnTx/>
-                <a:uFillTx/>
-                <a:latin typeface="Verdana" panose="020B0604030504040204" pitchFamily="34" charset="0"/>
-                <a:ea typeface="Verdana" panose="020B0604030504040204" pitchFamily="34" charset="0"/>
-                <a:cs typeface="+mn-cs"/>
-              </a:rPr>
-              <a:t>Artefacts drop</a:t>
-            </a:r>
-          </a:p>
-        </p:txBody>
-      </p:sp>
-      <p:sp>
-        <p:nvSpPr>
-          <p:cNvPr id="64" name="TextBox 63">
-            <a:extLst>
-              <a:ext uri="{FF2B5EF4-FFF2-40B4-BE49-F238E27FC236}">
-                <a16:creationId xmlns:a16="http://schemas.microsoft.com/office/drawing/2014/main" id="{1B214976-97E2-44AA-89EE-93858B032AF0}"/>
-              </a:ext>
-            </a:extLst>
-          </p:cNvPr>
-          <p:cNvSpPr txBox="1"/>
-          <p:nvPr/>
-        </p:nvSpPr>
-        <p:spPr>
-          <a:xfrm>
-            <a:off x="10673090" y="4406279"/>
-            <a:ext cx="633507" cy="230832"/>
-          </a:xfrm>
-          <a:prstGeom prst="rect">
-            <a:avLst/>
-          </a:prstGeom>
-          <a:noFill/>
-        </p:spPr>
-        <p:txBody>
-          <a:bodyPr wrap="none" rtlCol="0">
-            <a:spAutoFit/>
-          </a:bodyPr>
-          <a:lstStyle/>
-          <a:p>
-            <a:pPr marL="0" marR="0" lvl="0" indent="0" algn="ctr" defTabSz="914400" rtl="0" eaLnBrk="1" fontAlgn="auto" latinLnBrk="0" hangingPunct="1">
-              <a:lnSpc>
-                <a:spcPct val="100000"/>
-              </a:lnSpc>
-              <a:spcBef>
-                <a:spcPts val="0"/>
-              </a:spcBef>
-              <a:spcAft>
-                <a:spcPts val="0"/>
-              </a:spcAft>
-              <a:buClrTx/>
-              <a:buSzTx/>
-              <a:buFontTx/>
-              <a:buNone/>
-              <a:tabLst/>
-              <a:defRPr/>
-            </a:pPr>
-            <a:r>
-              <a:rPr kumimoji="0" lang="en-IN" sz="900" b="0" i="0" u="none" strike="noStrike" kern="1200" cap="none" spc="0" normalizeH="0" baseline="0" noProof="0" dirty="0">
-                <a:ln>
-                  <a:noFill/>
-                </a:ln>
-                <a:solidFill>
-                  <a:srgbClr val="0070C0"/>
-                </a:solidFill>
-                <a:effectLst/>
-                <a:uLnTx/>
-                <a:uFillTx/>
-                <a:latin typeface="Verdana" panose="020B0604030504040204" pitchFamily="34" charset="0"/>
-                <a:ea typeface="Verdana" panose="020B0604030504040204" pitchFamily="34" charset="0"/>
-                <a:cs typeface="+mn-cs"/>
-              </a:rPr>
-              <a:t>Release</a:t>
-            </a:r>
-          </a:p>
-        </p:txBody>
-      </p:sp>
-      <p:sp>
-        <p:nvSpPr>
-          <p:cNvPr id="65" name="TextBox 64">
-            <a:extLst>
-              <a:ext uri="{FF2B5EF4-FFF2-40B4-BE49-F238E27FC236}">
-                <a16:creationId xmlns:a16="http://schemas.microsoft.com/office/drawing/2014/main" id="{B13AA115-519F-4E7B-A289-6AF4CCC85A69}"/>
-              </a:ext>
-            </a:extLst>
-          </p:cNvPr>
-          <p:cNvSpPr txBox="1"/>
-          <p:nvPr/>
-        </p:nvSpPr>
-        <p:spPr>
-          <a:xfrm>
-            <a:off x="5804273" y="3438412"/>
-            <a:ext cx="1045479" cy="230832"/>
-          </a:xfrm>
-          <a:prstGeom prst="rect">
-            <a:avLst/>
-          </a:prstGeom>
-          <a:noFill/>
-        </p:spPr>
-        <p:txBody>
-          <a:bodyPr wrap="none" rtlCol="0">
-            <a:spAutoFit/>
-          </a:bodyPr>
-          <a:lstStyle/>
-          <a:p>
-            <a:pPr marL="0" marR="0" lvl="0" indent="0" algn="ctr" defTabSz="914400" rtl="0" eaLnBrk="1" fontAlgn="auto" latinLnBrk="0" hangingPunct="1">
-              <a:lnSpc>
-                <a:spcPct val="100000"/>
-              </a:lnSpc>
-              <a:spcBef>
-                <a:spcPts val="0"/>
-              </a:spcBef>
-              <a:spcAft>
-                <a:spcPts val="0"/>
-              </a:spcAft>
-              <a:buClrTx/>
-              <a:buSzTx/>
-              <a:buFontTx/>
-              <a:buNone/>
-              <a:tabLst/>
-              <a:defRPr/>
-            </a:pPr>
-            <a:r>
-              <a:rPr kumimoji="0" lang="en-IN" sz="900" b="0" i="0" u="none" strike="noStrike" kern="1200" cap="none" spc="0" normalizeH="0" baseline="0" noProof="0" dirty="0">
-                <a:ln>
-                  <a:noFill/>
-                </a:ln>
-                <a:solidFill>
-                  <a:srgbClr val="0070C0"/>
-                </a:solidFill>
-                <a:effectLst/>
-                <a:uLnTx/>
-                <a:uFillTx/>
-                <a:latin typeface="Verdana" panose="020B0604030504040204" pitchFamily="34" charset="0"/>
-                <a:ea typeface="Verdana" panose="020B0604030504040204" pitchFamily="34" charset="0"/>
-                <a:cs typeface="+mn-cs"/>
-              </a:rPr>
-              <a:t>Environment A</a:t>
-            </a:r>
-          </a:p>
-        </p:txBody>
-      </p:sp>
-    </p:spTree>
-    <p:extLst>
-      <p:ext uri="{BB962C8B-B14F-4D97-AF65-F5344CB8AC3E}">
-        <p14:creationId xmlns:p14="http://schemas.microsoft.com/office/powerpoint/2010/main" val="2001996074"/>
       </p:ext>
     </p:extLst>
   </p:cSld>

--- a/Documentation/Architecture.pptx
+++ b/Documentation/Architecture.pptx
@@ -10,20 +10,21 @@
     <p:sldId id="349" r:id="rId4"/>
     <p:sldId id="348" r:id="rId5"/>
     <p:sldId id="344" r:id="rId6"/>
-    <p:sldId id="256" r:id="rId7"/>
-    <p:sldId id="343" r:id="rId8"/>
-    <p:sldId id="347" r:id="rId9"/>
-    <p:sldId id="346" r:id="rId10"/>
-    <p:sldId id="345" r:id="rId11"/>
-    <p:sldId id="282" r:id="rId12"/>
-    <p:sldId id="342" r:id="rId13"/>
-    <p:sldId id="341" r:id="rId14"/>
-    <p:sldId id="335" r:id="rId15"/>
-    <p:sldId id="336" r:id="rId16"/>
-    <p:sldId id="338" r:id="rId17"/>
-    <p:sldId id="337" r:id="rId18"/>
-    <p:sldId id="339" r:id="rId19"/>
-    <p:sldId id="334" r:id="rId20"/>
+    <p:sldId id="352" r:id="rId7"/>
+    <p:sldId id="256" r:id="rId8"/>
+    <p:sldId id="343" r:id="rId9"/>
+    <p:sldId id="347" r:id="rId10"/>
+    <p:sldId id="346" r:id="rId11"/>
+    <p:sldId id="345" r:id="rId12"/>
+    <p:sldId id="282" r:id="rId13"/>
+    <p:sldId id="342" r:id="rId14"/>
+    <p:sldId id="341" r:id="rId15"/>
+    <p:sldId id="335" r:id="rId16"/>
+    <p:sldId id="336" r:id="rId17"/>
+    <p:sldId id="338" r:id="rId18"/>
+    <p:sldId id="337" r:id="rId19"/>
+    <p:sldId id="339" r:id="rId20"/>
+    <p:sldId id="334" r:id="rId21"/>
   </p:sldIdLst>
   <p:sldSz cx="12192000" cy="6858000"/>
   <p:notesSz cx="6858000" cy="9144000"/>
@@ -285,7 +286,7 @@
           <a:p>
             <a:fld id="{DC2BF6E6-F863-479F-A057-0F7FF047E296}" type="datetimeFigureOut">
               <a:rPr lang="en-IN" smtClean="0"/>
-              <a:t>29-10-2022</a:t>
+              <a:t>05-11-2022</a:t>
             </a:fld>
             <a:endParaRPr lang="en-IN"/>
           </a:p>
@@ -485,7 +486,7 @@
           <a:p>
             <a:fld id="{DC2BF6E6-F863-479F-A057-0F7FF047E296}" type="datetimeFigureOut">
               <a:rPr lang="en-IN" smtClean="0"/>
-              <a:t>29-10-2022</a:t>
+              <a:t>05-11-2022</a:t>
             </a:fld>
             <a:endParaRPr lang="en-IN"/>
           </a:p>
@@ -695,7 +696,7 @@
           <a:p>
             <a:fld id="{DC2BF6E6-F863-479F-A057-0F7FF047E296}" type="datetimeFigureOut">
               <a:rPr lang="en-IN" smtClean="0"/>
-              <a:t>29-10-2022</a:t>
+              <a:t>05-11-2022</a:t>
             </a:fld>
             <a:endParaRPr lang="en-IN"/>
           </a:p>
@@ -895,7 +896,7 @@
           <a:p>
             <a:fld id="{DC2BF6E6-F863-479F-A057-0F7FF047E296}" type="datetimeFigureOut">
               <a:rPr lang="en-IN" smtClean="0"/>
-              <a:t>29-10-2022</a:t>
+              <a:t>05-11-2022</a:t>
             </a:fld>
             <a:endParaRPr lang="en-IN"/>
           </a:p>
@@ -1171,7 +1172,7 @@
           <a:p>
             <a:fld id="{DC2BF6E6-F863-479F-A057-0F7FF047E296}" type="datetimeFigureOut">
               <a:rPr lang="en-IN" smtClean="0"/>
-              <a:t>29-10-2022</a:t>
+              <a:t>05-11-2022</a:t>
             </a:fld>
             <a:endParaRPr lang="en-IN"/>
           </a:p>
@@ -1439,7 +1440,7 @@
           <a:p>
             <a:fld id="{DC2BF6E6-F863-479F-A057-0F7FF047E296}" type="datetimeFigureOut">
               <a:rPr lang="en-IN" smtClean="0"/>
-              <a:t>29-10-2022</a:t>
+              <a:t>05-11-2022</a:t>
             </a:fld>
             <a:endParaRPr lang="en-IN"/>
           </a:p>
@@ -1854,7 +1855,7 @@
           <a:p>
             <a:fld id="{DC2BF6E6-F863-479F-A057-0F7FF047E296}" type="datetimeFigureOut">
               <a:rPr lang="en-IN" smtClean="0"/>
-              <a:t>29-10-2022</a:t>
+              <a:t>05-11-2022</a:t>
             </a:fld>
             <a:endParaRPr lang="en-IN"/>
           </a:p>
@@ -1996,7 +1997,7 @@
           <a:p>
             <a:fld id="{DC2BF6E6-F863-479F-A057-0F7FF047E296}" type="datetimeFigureOut">
               <a:rPr lang="en-IN" smtClean="0"/>
-              <a:t>29-10-2022</a:t>
+              <a:t>05-11-2022</a:t>
             </a:fld>
             <a:endParaRPr lang="en-IN"/>
           </a:p>
@@ -2109,7 +2110,7 @@
           <a:p>
             <a:fld id="{DC2BF6E6-F863-479F-A057-0F7FF047E296}" type="datetimeFigureOut">
               <a:rPr lang="en-IN" smtClean="0"/>
-              <a:t>29-10-2022</a:t>
+              <a:t>05-11-2022</a:t>
             </a:fld>
             <a:endParaRPr lang="en-IN"/>
           </a:p>
@@ -2422,7 +2423,7 @@
           <a:p>
             <a:fld id="{DC2BF6E6-F863-479F-A057-0F7FF047E296}" type="datetimeFigureOut">
               <a:rPr lang="en-IN" smtClean="0"/>
-              <a:t>29-10-2022</a:t>
+              <a:t>05-11-2022</a:t>
             </a:fld>
             <a:endParaRPr lang="en-IN"/>
           </a:p>
@@ -2711,7 +2712,7 @@
           <a:p>
             <a:fld id="{DC2BF6E6-F863-479F-A057-0F7FF047E296}" type="datetimeFigureOut">
               <a:rPr lang="en-IN" smtClean="0"/>
-              <a:t>29-10-2022</a:t>
+              <a:t>05-11-2022</a:t>
             </a:fld>
             <a:endParaRPr lang="en-IN"/>
           </a:p>
@@ -2954,7 +2955,7 @@
           <a:p>
             <a:fld id="{DC2BF6E6-F863-479F-A057-0F7FF047E296}" type="datetimeFigureOut">
               <a:rPr lang="en-IN" smtClean="0"/>
-              <a:t>29-10-2022</a:t>
+              <a:t>05-11-2022</a:t>
             </a:fld>
             <a:endParaRPr lang="en-IN"/>
           </a:p>
@@ -6126,6 +6127,118 @@
       </p:grpSpPr>
       <p:pic>
         <p:nvPicPr>
+          <p:cNvPr id="7" name="Picture 6" descr="Graphical user interface, text, application, website&#10;&#10;Description automatically generated">
+            <a:extLst>
+              <a:ext uri="{FF2B5EF4-FFF2-40B4-BE49-F238E27FC236}">
+                <a16:creationId xmlns:a16="http://schemas.microsoft.com/office/drawing/2014/main" id="{F7BE3A76-BBCA-C34D-3EFB-E1F5F764C4B3}"/>
+              </a:ext>
+            </a:extLst>
+          </p:cNvPr>
+          <p:cNvPicPr>
+            <a:picLocks noChangeAspect="1"/>
+          </p:cNvPicPr>
+          <p:nvPr/>
+        </p:nvPicPr>
+        <p:blipFill>
+          <a:blip r:embed="rId2">
+            <a:extLst>
+              <a:ext uri="{28A0092B-C50C-407E-A947-70E740481C1C}">
+                <a14:useLocalDpi xmlns:a14="http://schemas.microsoft.com/office/drawing/2010/main" val="0"/>
+              </a:ext>
+            </a:extLst>
+          </a:blip>
+          <a:stretch>
+            <a:fillRect/>
+          </a:stretch>
+        </p:blipFill>
+        <p:spPr>
+          <a:xfrm>
+            <a:off x="59303" y="4034672"/>
+            <a:ext cx="12073394" cy="2795047"/>
+          </a:xfrm>
+          <a:prstGeom prst="rect">
+            <a:avLst/>
+          </a:prstGeom>
+          <a:ln>
+            <a:solidFill>
+              <a:schemeClr val="accent1"/>
+            </a:solidFill>
+          </a:ln>
+        </p:spPr>
+      </p:pic>
+      <p:pic>
+        <p:nvPicPr>
+          <p:cNvPr id="11" name="Picture 10" descr="Text&#10;&#10;Description automatically generated">
+            <a:extLst>
+              <a:ext uri="{FF2B5EF4-FFF2-40B4-BE49-F238E27FC236}">
+                <a16:creationId xmlns:a16="http://schemas.microsoft.com/office/drawing/2014/main" id="{8C3514FA-6DEC-0D4D-BD0F-59806B7D3AC0}"/>
+              </a:ext>
+            </a:extLst>
+          </p:cNvPr>
+          <p:cNvPicPr>
+            <a:picLocks noChangeAspect="1"/>
+          </p:cNvPicPr>
+          <p:nvPr/>
+        </p:nvPicPr>
+        <p:blipFill>
+          <a:blip r:embed="rId3">
+            <a:extLst>
+              <a:ext uri="{28A0092B-C50C-407E-A947-70E740481C1C}">
+                <a14:useLocalDpi xmlns:a14="http://schemas.microsoft.com/office/drawing/2010/main" val="0"/>
+              </a:ext>
+            </a:extLst>
+          </a:blip>
+          <a:stretch>
+            <a:fillRect/>
+          </a:stretch>
+        </p:blipFill>
+        <p:spPr>
+          <a:xfrm>
+            <a:off x="49475" y="28281"/>
+            <a:ext cx="12099255" cy="3940404"/>
+          </a:xfrm>
+          <a:prstGeom prst="rect">
+            <a:avLst/>
+          </a:prstGeom>
+          <a:ln>
+            <a:solidFill>
+              <a:schemeClr val="accent1"/>
+            </a:solidFill>
+          </a:ln>
+        </p:spPr>
+      </p:pic>
+    </p:spTree>
+    <p:extLst>
+      <p:ext uri="{BB962C8B-B14F-4D97-AF65-F5344CB8AC3E}">
+        <p14:creationId xmlns:p14="http://schemas.microsoft.com/office/powerpoint/2010/main" val="1846930178"/>
+      </p:ext>
+    </p:extLst>
+  </p:cSld>
+  <p:clrMapOvr>
+    <a:masterClrMapping/>
+  </p:clrMapOvr>
+</p:sld>
+</file>
+
+<file path=ppt/slides/slide11.xml><?xml version="1.0" encoding="utf-8"?>
+<p:sld xmlns:a="http://schemas.openxmlformats.org/drawingml/2006/main" xmlns:r="http://schemas.openxmlformats.org/officeDocument/2006/relationships" xmlns:p="http://schemas.openxmlformats.org/presentationml/2006/main">
+  <p:cSld>
+    <p:spTree>
+      <p:nvGrpSpPr>
+        <p:cNvPr id="1" name=""/>
+        <p:cNvGrpSpPr/>
+        <p:nvPr/>
+      </p:nvGrpSpPr>
+      <p:grpSpPr>
+        <a:xfrm>
+          <a:off x="0" y="0"/>
+          <a:ext cx="0" cy="0"/>
+          <a:chOff x="0" y="0"/>
+          <a:chExt cx="0" cy="0"/>
+        </a:xfrm>
+      </p:grpSpPr>
+      <p:pic>
+        <p:nvPicPr>
           <p:cNvPr id="3" name="Picture 2" descr="Graphical user interface, text, application&#10;&#10;Description automatically generated">
             <a:extLst>
               <a:ext uri="{FF2B5EF4-FFF2-40B4-BE49-F238E27FC236}">
@@ -6219,7 +6332,7 @@
 </p:sld>
 </file>
 
-<file path=ppt/slides/slide11.xml><?xml version="1.0" encoding="utf-8"?>
+<file path=ppt/slides/slide12.xml><?xml version="1.0" encoding="utf-8"?>
 <p:sld xmlns:a="http://schemas.openxmlformats.org/drawingml/2006/main" xmlns:r="http://schemas.openxmlformats.org/officeDocument/2006/relationships" xmlns:p="http://schemas.openxmlformats.org/presentationml/2006/main">
   <p:cSld>
     <p:spTree>
@@ -6547,7 +6660,7 @@
                 <a:tabLst/>
                 <a:defRPr/>
               </a:pPr>
-              <a:t>11</a:t>
+              <a:t>12</a:t>
             </a:fld>
             <a:endParaRPr kumimoji="0" lang="en-IN" sz="1200" b="1" i="0" u="none" strike="noStrike" kern="1200" cap="none" spc="0" normalizeH="0" baseline="0" noProof="0" dirty="0">
               <a:ln>
@@ -8176,7 +8289,7 @@
 </p:sld>
 </file>
 
-<file path=ppt/slides/slide12.xml><?xml version="1.0" encoding="utf-8"?>
+<file path=ppt/slides/slide13.xml><?xml version="1.0" encoding="utf-8"?>
 <p:sld xmlns:a="http://schemas.openxmlformats.org/drawingml/2006/main" xmlns:r="http://schemas.openxmlformats.org/officeDocument/2006/relationships" xmlns:p="http://schemas.openxmlformats.org/presentationml/2006/main">
   <p:cSld>
     <p:bg>
@@ -8404,7 +8517,7 @@
 </p:sld>
 </file>
 
-<file path=ppt/slides/slide13.xml><?xml version="1.0" encoding="utf-8"?>
+<file path=ppt/slides/slide14.xml><?xml version="1.0" encoding="utf-8"?>
 <p:sld xmlns:a="http://schemas.openxmlformats.org/drawingml/2006/main" xmlns:r="http://schemas.openxmlformats.org/officeDocument/2006/relationships" xmlns:p="http://schemas.openxmlformats.org/presentationml/2006/main">
   <p:cSld>
     <p:bg>
@@ -8632,7 +8745,7 @@
 </p:sld>
 </file>
 
-<file path=ppt/slides/slide14.xml><?xml version="1.0" encoding="utf-8"?>
+<file path=ppt/slides/slide15.xml><?xml version="1.0" encoding="utf-8"?>
 <p:sld xmlns:a="http://schemas.openxmlformats.org/drawingml/2006/main" xmlns:r="http://schemas.openxmlformats.org/officeDocument/2006/relationships" xmlns:p="http://schemas.openxmlformats.org/presentationml/2006/main">
   <p:cSld>
     <p:bg>
@@ -9015,7 +9128,7 @@
 </p:sld>
 </file>
 
-<file path=ppt/slides/slide15.xml><?xml version="1.0" encoding="utf-8"?>
+<file path=ppt/slides/slide16.xml><?xml version="1.0" encoding="utf-8"?>
 <p:sld xmlns:a="http://schemas.openxmlformats.org/drawingml/2006/main" xmlns:r="http://schemas.openxmlformats.org/officeDocument/2006/relationships" xmlns:p="http://schemas.openxmlformats.org/presentationml/2006/main">
   <p:cSld>
     <p:spTree>
@@ -13889,7 +14002,7 @@
 </p:sld>
 </file>
 
-<file path=ppt/slides/slide16.xml><?xml version="1.0" encoding="utf-8"?>
+<file path=ppt/slides/slide17.xml><?xml version="1.0" encoding="utf-8"?>
 <p:sld xmlns:a="http://schemas.openxmlformats.org/drawingml/2006/main" xmlns:r="http://schemas.openxmlformats.org/officeDocument/2006/relationships" xmlns:p="http://schemas.openxmlformats.org/presentationml/2006/main">
   <p:cSld>
     <p:spTree>
@@ -20256,7 +20369,7 @@
 </p:sld>
 </file>
 
-<file path=ppt/slides/slide17.xml><?xml version="1.0" encoding="utf-8"?>
+<file path=ppt/slides/slide18.xml><?xml version="1.0" encoding="utf-8"?>
 <p:sld xmlns:a="http://schemas.openxmlformats.org/drawingml/2006/main" xmlns:r="http://schemas.openxmlformats.org/officeDocument/2006/relationships" xmlns:p="http://schemas.openxmlformats.org/presentationml/2006/main">
   <p:cSld>
     <p:spTree>
@@ -26009,7 +26122,7 @@
 </p:sld>
 </file>
 
-<file path=ppt/slides/slide18.xml><?xml version="1.0" encoding="utf-8"?>
+<file path=ppt/slides/slide19.xml><?xml version="1.0" encoding="utf-8"?>
 <p:sld xmlns:a="http://schemas.openxmlformats.org/drawingml/2006/main" xmlns:r="http://schemas.openxmlformats.org/officeDocument/2006/relationships" xmlns:p="http://schemas.openxmlformats.org/presentationml/2006/main">
   <p:cSld>
     <p:spTree>
@@ -26428,7 +26541,758 @@
 </p:sld>
 </file>
 
-<file path=ppt/slides/slide19.xml><?xml version="1.0" encoding="utf-8"?>
+<file path=ppt/slides/slide2.xml><?xml version="1.0" encoding="utf-8"?>
+<p:sld xmlns:a="http://schemas.openxmlformats.org/drawingml/2006/main" xmlns:r="http://schemas.openxmlformats.org/officeDocument/2006/relationships" xmlns:p="http://schemas.openxmlformats.org/presentationml/2006/main">
+  <p:cSld>
+    <p:spTree>
+      <p:nvGrpSpPr>
+        <p:cNvPr id="1" name=""/>
+        <p:cNvGrpSpPr/>
+        <p:nvPr/>
+      </p:nvGrpSpPr>
+      <p:grpSpPr>
+        <a:xfrm>
+          <a:off x="0" y="0"/>
+          <a:ext cx="0" cy="0"/>
+          <a:chOff x="0" y="0"/>
+          <a:chExt cx="0" cy="0"/>
+        </a:xfrm>
+      </p:grpSpPr>
+      <p:sp>
+        <p:nvSpPr>
+          <p:cNvPr id="4" name="Rectangle 3">
+            <a:extLst>
+              <a:ext uri="{FF2B5EF4-FFF2-40B4-BE49-F238E27FC236}">
+                <a16:creationId xmlns:a16="http://schemas.microsoft.com/office/drawing/2014/main" id="{055C22F7-3FD1-4C1B-8D0C-0C2F7FB61DBE}"/>
+              </a:ext>
+            </a:extLst>
+          </p:cNvPr>
+          <p:cNvSpPr/>
+          <p:nvPr/>
+        </p:nvSpPr>
+        <p:spPr>
+          <a:xfrm>
+            <a:off x="0" y="8878"/>
+            <a:ext cx="12183122" cy="497150"/>
+          </a:xfrm>
+          <a:prstGeom prst="rect">
+            <a:avLst/>
+          </a:prstGeom>
+          <a:solidFill>
+            <a:srgbClr val="0070C0"/>
+          </a:solidFill>
+        </p:spPr>
+        <p:style>
+          <a:lnRef idx="2">
+            <a:schemeClr val="accent1">
+              <a:shade val="50000"/>
+            </a:schemeClr>
+          </a:lnRef>
+          <a:fillRef idx="1">
+            <a:schemeClr val="accent1"/>
+          </a:fillRef>
+          <a:effectRef idx="0">
+            <a:schemeClr val="accent1"/>
+          </a:effectRef>
+          <a:fontRef idx="minor">
+            <a:schemeClr val="lt1"/>
+          </a:fontRef>
+        </p:style>
+        <p:txBody>
+          <a:bodyPr rtlCol="0" anchor="ctr"/>
+          <a:lstStyle/>
+          <a:p>
+            <a:pPr marL="0" marR="0" lvl="0" indent="0" algn="ctr" defTabSz="914400" rtl="0" eaLnBrk="1" fontAlgn="auto" latinLnBrk="0" hangingPunct="1">
+              <a:lnSpc>
+                <a:spcPct val="100000"/>
+              </a:lnSpc>
+              <a:spcBef>
+                <a:spcPts val="0"/>
+              </a:spcBef>
+              <a:spcAft>
+                <a:spcPts val="0"/>
+              </a:spcAft>
+              <a:buClrTx/>
+              <a:buSzTx/>
+              <a:buFontTx/>
+              <a:buNone/>
+              <a:tabLst/>
+              <a:defRPr/>
+            </a:pPr>
+            <a:r>
+              <a:rPr kumimoji="0" lang="en-US" sz="1800" b="1" i="0" u="none" strike="noStrike" kern="1200" cap="none" spc="0" normalizeH="0" baseline="0" noProof="0" dirty="0">
+                <a:ln>
+                  <a:noFill/>
+                </a:ln>
+                <a:solidFill>
+                  <a:prstClr val="white"/>
+                </a:solidFill>
+                <a:effectLst/>
+                <a:uLnTx/>
+                <a:uFillTx/>
+                <a:latin typeface="Verdana" panose="020B0604030504040204" pitchFamily="34" charset="0"/>
+                <a:ea typeface="Verdana" panose="020B0604030504040204" pitchFamily="34" charset="0"/>
+                <a:cs typeface="+mn-cs"/>
+              </a:rPr>
+              <a:t>Information</a:t>
+            </a:r>
+            <a:endParaRPr kumimoji="0" lang="en-IN" sz="1800" b="1" i="0" u="none" strike="noStrike" kern="1200" cap="none" spc="0" normalizeH="0" baseline="0" noProof="0" dirty="0">
+              <a:ln>
+                <a:noFill/>
+              </a:ln>
+              <a:solidFill>
+                <a:prstClr val="white"/>
+              </a:solidFill>
+              <a:effectLst/>
+              <a:uLnTx/>
+              <a:uFillTx/>
+              <a:latin typeface="Verdana" panose="020B0604030504040204" pitchFamily="34" charset="0"/>
+              <a:ea typeface="Verdana" panose="020B0604030504040204" pitchFamily="34" charset="0"/>
+              <a:cs typeface="+mn-cs"/>
+            </a:endParaRPr>
+          </a:p>
+        </p:txBody>
+      </p:sp>
+      <p:sp>
+        <p:nvSpPr>
+          <p:cNvPr id="7" name="Rectangle 6">
+            <a:extLst>
+              <a:ext uri="{FF2B5EF4-FFF2-40B4-BE49-F238E27FC236}">
+                <a16:creationId xmlns:a16="http://schemas.microsoft.com/office/drawing/2014/main" id="{B10720DE-FD2A-4FE5-B9FB-74854D01A659}"/>
+              </a:ext>
+            </a:extLst>
+          </p:cNvPr>
+          <p:cNvSpPr/>
+          <p:nvPr/>
+        </p:nvSpPr>
+        <p:spPr>
+          <a:xfrm>
+            <a:off x="0" y="3915050"/>
+            <a:ext cx="12183122" cy="57703"/>
+          </a:xfrm>
+          <a:prstGeom prst="rect">
+            <a:avLst/>
+          </a:prstGeom>
+          <a:solidFill>
+            <a:srgbClr val="0070C0"/>
+          </a:solidFill>
+        </p:spPr>
+        <p:style>
+          <a:lnRef idx="2">
+            <a:schemeClr val="accent1">
+              <a:shade val="50000"/>
+            </a:schemeClr>
+          </a:lnRef>
+          <a:fillRef idx="1">
+            <a:schemeClr val="accent1"/>
+          </a:fillRef>
+          <a:effectRef idx="0">
+            <a:schemeClr val="accent1"/>
+          </a:effectRef>
+          <a:fontRef idx="minor">
+            <a:schemeClr val="lt1"/>
+          </a:fontRef>
+        </p:style>
+        <p:txBody>
+          <a:bodyPr rtlCol="0" anchor="ctr"/>
+          <a:lstStyle/>
+          <a:p>
+            <a:pPr marL="0" marR="0" lvl="0" indent="0" algn="ctr" defTabSz="914400" rtl="0" eaLnBrk="1" fontAlgn="auto" latinLnBrk="0" hangingPunct="1">
+              <a:lnSpc>
+                <a:spcPct val="100000"/>
+              </a:lnSpc>
+              <a:spcBef>
+                <a:spcPts val="0"/>
+              </a:spcBef>
+              <a:spcAft>
+                <a:spcPts val="0"/>
+              </a:spcAft>
+              <a:buClrTx/>
+              <a:buSzTx/>
+              <a:buFontTx/>
+              <a:buNone/>
+              <a:tabLst/>
+              <a:defRPr/>
+            </a:pPr>
+            <a:endParaRPr kumimoji="0" lang="en-IN" sz="1000" b="0" i="0" u="none" strike="noStrike" kern="1200" cap="none" spc="0" normalizeH="0" baseline="0" noProof="0" dirty="0">
+              <a:ln>
+                <a:noFill/>
+              </a:ln>
+              <a:solidFill>
+                <a:prstClr val="white"/>
+              </a:solidFill>
+              <a:effectLst/>
+              <a:uLnTx/>
+              <a:uFillTx/>
+              <a:latin typeface="Verdana" panose="020B0604030504040204" pitchFamily="34" charset="0"/>
+              <a:ea typeface="Verdana" panose="020B0604030504040204" pitchFamily="34" charset="0"/>
+              <a:cs typeface="+mn-cs"/>
+            </a:endParaRPr>
+          </a:p>
+        </p:txBody>
+      </p:sp>
+      <p:sp>
+        <p:nvSpPr>
+          <p:cNvPr id="8" name="Footer Placeholder 7">
+            <a:extLst>
+              <a:ext uri="{FF2B5EF4-FFF2-40B4-BE49-F238E27FC236}">
+                <a16:creationId xmlns:a16="http://schemas.microsoft.com/office/drawing/2014/main" id="{DD2A19CA-EC18-432D-8F8F-17079808F38B}"/>
+              </a:ext>
+            </a:extLst>
+          </p:cNvPr>
+          <p:cNvSpPr>
+            <a:spLocks noGrp="1"/>
+          </p:cNvSpPr>
+          <p:nvPr>
+            <p:ph type="ftr" sz="quarter" idx="11"/>
+          </p:nvPr>
+        </p:nvSpPr>
+        <p:spPr>
+          <a:xfrm>
+            <a:off x="4038600" y="3959378"/>
+            <a:ext cx="4114800" cy="365125"/>
+          </a:xfrm>
+        </p:spPr>
+        <p:txBody>
+          <a:bodyPr/>
+          <a:lstStyle/>
+          <a:p>
+            <a:pPr marL="0" marR="0" lvl="0" indent="0" algn="ctr" defTabSz="914400" rtl="0" eaLnBrk="1" fontAlgn="auto" latinLnBrk="0" hangingPunct="1">
+              <a:lnSpc>
+                <a:spcPct val="100000"/>
+              </a:lnSpc>
+              <a:spcBef>
+                <a:spcPts val="0"/>
+              </a:spcBef>
+              <a:spcAft>
+                <a:spcPts val="0"/>
+              </a:spcAft>
+              <a:buClrTx/>
+              <a:buSzTx/>
+              <a:buFontTx/>
+              <a:buNone/>
+              <a:tabLst/>
+              <a:defRPr/>
+            </a:pPr>
+            <a:r>
+              <a:rPr kumimoji="0" lang="en-IN" sz="1200" b="1" i="0" u="none" strike="noStrike" kern="1200" cap="none" spc="0" normalizeH="0" baseline="0" noProof="0" dirty="0">
+                <a:ln>
+                  <a:noFill/>
+                </a:ln>
+                <a:solidFill>
+                  <a:srgbClr val="002060"/>
+                </a:solidFill>
+                <a:effectLst/>
+                <a:uLnTx/>
+                <a:uFillTx/>
+                <a:latin typeface="Verdana" panose="020B0604030504040204" pitchFamily="34" charset="0"/>
+                <a:ea typeface="Verdana" panose="020B0604030504040204" pitchFamily="34" charset="0"/>
+                <a:cs typeface="+mn-cs"/>
+              </a:rPr>
+              <a:t>2022</a:t>
+            </a:r>
+          </a:p>
+        </p:txBody>
+      </p:sp>
+      <p:sp>
+        <p:nvSpPr>
+          <p:cNvPr id="9" name="Slide Number Placeholder 8">
+            <a:extLst>
+              <a:ext uri="{FF2B5EF4-FFF2-40B4-BE49-F238E27FC236}">
+                <a16:creationId xmlns:a16="http://schemas.microsoft.com/office/drawing/2014/main" id="{8162625C-0B1F-42E0-BE7C-D99A08FED7A3}"/>
+              </a:ext>
+            </a:extLst>
+          </p:cNvPr>
+          <p:cNvSpPr>
+            <a:spLocks noGrp="1"/>
+          </p:cNvSpPr>
+          <p:nvPr>
+            <p:ph type="sldNum" sz="quarter" idx="12"/>
+          </p:nvPr>
+        </p:nvSpPr>
+        <p:spPr>
+          <a:xfrm>
+            <a:off x="8610600" y="3959378"/>
+            <a:ext cx="2743200" cy="365125"/>
+          </a:xfrm>
+        </p:spPr>
+        <p:txBody>
+          <a:bodyPr/>
+          <a:lstStyle/>
+          <a:p>
+            <a:pPr marL="0" marR="0" lvl="0" indent="0" algn="r" defTabSz="914400" rtl="0" eaLnBrk="1" fontAlgn="auto" latinLnBrk="0" hangingPunct="1">
+              <a:lnSpc>
+                <a:spcPct val="100000"/>
+              </a:lnSpc>
+              <a:spcBef>
+                <a:spcPts val="0"/>
+              </a:spcBef>
+              <a:spcAft>
+                <a:spcPts val="0"/>
+              </a:spcAft>
+              <a:buClrTx/>
+              <a:buSzTx/>
+              <a:buFontTx/>
+              <a:buNone/>
+              <a:tabLst/>
+              <a:defRPr/>
+            </a:pPr>
+            <a:r>
+              <a:rPr kumimoji="0" lang="en-IN" sz="1200" b="1" i="0" u="none" strike="noStrike" kern="1200" cap="none" spc="0" normalizeH="0" baseline="0" noProof="0" dirty="0">
+                <a:ln>
+                  <a:noFill/>
+                </a:ln>
+                <a:solidFill>
+                  <a:srgbClr val="002060"/>
+                </a:solidFill>
+                <a:effectLst/>
+                <a:uLnTx/>
+                <a:uFillTx/>
+                <a:latin typeface="Verdana" panose="020B0604030504040204" pitchFamily="34" charset="0"/>
+                <a:ea typeface="Verdana" panose="020B0604030504040204" pitchFamily="34" charset="0"/>
+                <a:cs typeface="+mn-cs"/>
+              </a:rPr>
+              <a:t>1</a:t>
+            </a:r>
+          </a:p>
+        </p:txBody>
+      </p:sp>
+      <p:sp>
+        <p:nvSpPr>
+          <p:cNvPr id="12" name="Footer Placeholder 7">
+            <a:extLst>
+              <a:ext uri="{FF2B5EF4-FFF2-40B4-BE49-F238E27FC236}">
+                <a16:creationId xmlns:a16="http://schemas.microsoft.com/office/drawing/2014/main" id="{64C57949-E349-47D3-A505-A098233AF49D}"/>
+              </a:ext>
+            </a:extLst>
+          </p:cNvPr>
+          <p:cNvSpPr txBox="1">
+            <a:spLocks/>
+          </p:cNvSpPr>
+          <p:nvPr/>
+        </p:nvSpPr>
+        <p:spPr>
+          <a:xfrm>
+            <a:off x="133897" y="3960852"/>
+            <a:ext cx="4114800" cy="365125"/>
+          </a:xfrm>
+          <a:prstGeom prst="rect">
+            <a:avLst/>
+          </a:prstGeom>
+        </p:spPr>
+        <p:txBody>
+          <a:bodyPr vert="horz" lIns="91440" tIns="45720" rIns="91440" bIns="45720" rtlCol="0" anchor="ctr"/>
+          <a:lstStyle>
+            <a:defPPr>
+              <a:defRPr lang="en-US"/>
+            </a:defPPr>
+            <a:lvl1pPr marL="0" algn="ctr" defTabSz="914400" rtl="0" eaLnBrk="1" latinLnBrk="0" hangingPunct="1">
+              <a:defRPr sz="1200" kern="1200">
+                <a:solidFill>
+                  <a:schemeClr val="tx1">
+                    <a:tint val="75000"/>
+                  </a:schemeClr>
+                </a:solidFill>
+                <a:latin typeface="+mn-lt"/>
+                <a:ea typeface="+mn-ea"/>
+                <a:cs typeface="+mn-cs"/>
+              </a:defRPr>
+            </a:lvl1pPr>
+            <a:lvl2pPr marL="457200" algn="l" defTabSz="914400" rtl="0" eaLnBrk="1" latinLnBrk="0" hangingPunct="1">
+              <a:defRPr sz="1800" kern="1200">
+                <a:solidFill>
+                  <a:schemeClr val="tx1"/>
+                </a:solidFill>
+                <a:latin typeface="+mn-lt"/>
+                <a:ea typeface="+mn-ea"/>
+                <a:cs typeface="+mn-cs"/>
+              </a:defRPr>
+            </a:lvl2pPr>
+            <a:lvl3pPr marL="914400" algn="l" defTabSz="914400" rtl="0" eaLnBrk="1" latinLnBrk="0" hangingPunct="1">
+              <a:defRPr sz="1800" kern="1200">
+                <a:solidFill>
+                  <a:schemeClr val="tx1"/>
+                </a:solidFill>
+                <a:latin typeface="+mn-lt"/>
+                <a:ea typeface="+mn-ea"/>
+                <a:cs typeface="+mn-cs"/>
+              </a:defRPr>
+            </a:lvl3pPr>
+            <a:lvl4pPr marL="1371600" algn="l" defTabSz="914400" rtl="0" eaLnBrk="1" latinLnBrk="0" hangingPunct="1">
+              <a:defRPr sz="1800" kern="1200">
+                <a:solidFill>
+                  <a:schemeClr val="tx1"/>
+                </a:solidFill>
+                <a:latin typeface="+mn-lt"/>
+                <a:ea typeface="+mn-ea"/>
+                <a:cs typeface="+mn-cs"/>
+              </a:defRPr>
+            </a:lvl4pPr>
+            <a:lvl5pPr marL="1828800" algn="l" defTabSz="914400" rtl="0" eaLnBrk="1" latinLnBrk="0" hangingPunct="1">
+              <a:defRPr sz="1800" kern="1200">
+                <a:solidFill>
+                  <a:schemeClr val="tx1"/>
+                </a:solidFill>
+                <a:latin typeface="+mn-lt"/>
+                <a:ea typeface="+mn-ea"/>
+                <a:cs typeface="+mn-cs"/>
+              </a:defRPr>
+            </a:lvl5pPr>
+            <a:lvl6pPr marL="2286000" algn="l" defTabSz="914400" rtl="0" eaLnBrk="1" latinLnBrk="0" hangingPunct="1">
+              <a:defRPr sz="1800" kern="1200">
+                <a:solidFill>
+                  <a:schemeClr val="tx1"/>
+                </a:solidFill>
+                <a:latin typeface="+mn-lt"/>
+                <a:ea typeface="+mn-ea"/>
+                <a:cs typeface="+mn-cs"/>
+              </a:defRPr>
+            </a:lvl6pPr>
+            <a:lvl7pPr marL="2743200" algn="l" defTabSz="914400" rtl="0" eaLnBrk="1" latinLnBrk="0" hangingPunct="1">
+              <a:defRPr sz="1800" kern="1200">
+                <a:solidFill>
+                  <a:schemeClr val="tx1"/>
+                </a:solidFill>
+                <a:latin typeface="+mn-lt"/>
+                <a:ea typeface="+mn-ea"/>
+                <a:cs typeface="+mn-cs"/>
+              </a:defRPr>
+            </a:lvl7pPr>
+            <a:lvl8pPr marL="3200400" algn="l" defTabSz="914400" rtl="0" eaLnBrk="1" latinLnBrk="0" hangingPunct="1">
+              <a:defRPr sz="1800" kern="1200">
+                <a:solidFill>
+                  <a:schemeClr val="tx1"/>
+                </a:solidFill>
+                <a:latin typeface="+mn-lt"/>
+                <a:ea typeface="+mn-ea"/>
+                <a:cs typeface="+mn-cs"/>
+              </a:defRPr>
+            </a:lvl8pPr>
+            <a:lvl9pPr marL="3657600" algn="l" defTabSz="914400" rtl="0" eaLnBrk="1" latinLnBrk="0" hangingPunct="1">
+              <a:defRPr sz="1800" kern="1200">
+                <a:solidFill>
+                  <a:schemeClr val="tx1"/>
+                </a:solidFill>
+                <a:latin typeface="+mn-lt"/>
+                <a:ea typeface="+mn-ea"/>
+                <a:cs typeface="+mn-cs"/>
+              </a:defRPr>
+            </a:lvl9pPr>
+          </a:lstStyle>
+          <a:p>
+            <a:pPr marL="0" marR="0" lvl="0" indent="0" algn="ctr" defTabSz="914400" rtl="0" eaLnBrk="1" fontAlgn="auto" latinLnBrk="0" hangingPunct="1">
+              <a:lnSpc>
+                <a:spcPct val="100000"/>
+              </a:lnSpc>
+              <a:spcBef>
+                <a:spcPts val="0"/>
+              </a:spcBef>
+              <a:spcAft>
+                <a:spcPts val="0"/>
+              </a:spcAft>
+              <a:buClrTx/>
+              <a:buSzTx/>
+              <a:buFontTx/>
+              <a:buNone/>
+              <a:tabLst/>
+              <a:defRPr/>
+            </a:pPr>
+            <a:r>
+              <a:rPr kumimoji="0" lang="en-IN" sz="1200" b="1" i="0" u="none" strike="noStrike" kern="1200" cap="none" spc="0" normalizeH="0" baseline="0" noProof="0" dirty="0">
+                <a:ln>
+                  <a:noFill/>
+                </a:ln>
+                <a:solidFill>
+                  <a:srgbClr val="002060"/>
+                </a:solidFill>
+                <a:effectLst/>
+                <a:uLnTx/>
+                <a:uFillTx/>
+                <a:latin typeface="Verdana" panose="020B0604030504040204" pitchFamily="34" charset="0"/>
+                <a:ea typeface="Verdana" panose="020B0604030504040204" pitchFamily="34" charset="0"/>
+                <a:cs typeface="+mn-cs"/>
+              </a:rPr>
+              <a:t>Dot Net Learners House</a:t>
+            </a:r>
+          </a:p>
+        </p:txBody>
+      </p:sp>
+      <p:sp>
+        <p:nvSpPr>
+          <p:cNvPr id="10" name="TextBox 9">
+            <a:extLst>
+              <a:ext uri="{FF2B5EF4-FFF2-40B4-BE49-F238E27FC236}">
+                <a16:creationId xmlns:a16="http://schemas.microsoft.com/office/drawing/2014/main" id="{19953791-0C49-4113-A95A-639979BFF9A6}"/>
+              </a:ext>
+            </a:extLst>
+          </p:cNvPr>
+          <p:cNvSpPr txBox="1"/>
+          <p:nvPr/>
+        </p:nvSpPr>
+        <p:spPr>
+          <a:xfrm>
+            <a:off x="80629" y="557824"/>
+            <a:ext cx="12037390" cy="2800062"/>
+          </a:xfrm>
+          <a:prstGeom prst="rect">
+            <a:avLst/>
+          </a:prstGeom>
+          <a:noFill/>
+        </p:spPr>
+        <p:txBody>
+          <a:bodyPr wrap="square" rtlCol="0">
+            <a:spAutoFit/>
+          </a:bodyPr>
+          <a:lstStyle/>
+          <a:p>
+            <a:pPr marL="628650" marR="0" lvl="1" indent="-171450" algn="l" defTabSz="914400" rtl="0" eaLnBrk="1" fontAlgn="auto" latinLnBrk="0" hangingPunct="1">
+              <a:lnSpc>
+                <a:spcPct val="150000"/>
+              </a:lnSpc>
+              <a:spcBef>
+                <a:spcPts val="0"/>
+              </a:spcBef>
+              <a:spcAft>
+                <a:spcPts val="0"/>
+              </a:spcAft>
+              <a:buClrTx/>
+              <a:buSzTx/>
+              <a:buFont typeface="Wingdings" panose="05000000000000000000" pitchFamily="2" charset="2"/>
+              <a:buChar char="Ø"/>
+              <a:tabLst/>
+              <a:defRPr/>
+            </a:pPr>
+            <a:r>
+              <a:rPr kumimoji="0" lang="en-US" sz="2000" b="0" i="0" u="none" strike="noStrike" kern="1200" cap="none" spc="0" normalizeH="0" baseline="0" noProof="0" dirty="0">
+                <a:ln>
+                  <a:noFill/>
+                </a:ln>
+                <a:solidFill>
+                  <a:srgbClr val="00B0F0"/>
+                </a:solidFill>
+                <a:effectLst/>
+                <a:uLnTx/>
+                <a:uFillTx/>
+                <a:latin typeface="Verdana" panose="020B0604030504040204" pitchFamily="34" charset="0"/>
+                <a:ea typeface="Verdana" panose="020B0604030504040204" pitchFamily="34" charset="0"/>
+                <a:cs typeface="+mn-cs"/>
+              </a:rPr>
+              <a:t> </a:t>
+            </a:r>
+            <a:r>
+              <a:rPr kumimoji="0" lang="en-US" sz="2000" b="0" i="0" u="none" strike="noStrike" kern="1200" cap="none" spc="0" normalizeH="0" baseline="0" noProof="0" dirty="0">
+                <a:ln>
+                  <a:noFill/>
+                </a:ln>
+                <a:solidFill>
+                  <a:srgbClr val="0070C0"/>
+                </a:solidFill>
+                <a:effectLst/>
+                <a:uLnTx/>
+                <a:uFillTx/>
+                <a:latin typeface="Verdana" panose="020B0604030504040204" pitchFamily="34" charset="0"/>
+                <a:ea typeface="Verdana" panose="020B0604030504040204" pitchFamily="34" charset="0"/>
+                <a:cs typeface="+mn-cs"/>
+              </a:rPr>
+              <a:t>I am still a learner. Apologize if I do any mistake.</a:t>
+            </a:r>
+          </a:p>
+          <a:p>
+            <a:pPr marL="628650" marR="0" lvl="1" indent="-171450" algn="l" defTabSz="914400" rtl="0" eaLnBrk="1" fontAlgn="auto" latinLnBrk="0" hangingPunct="1">
+              <a:lnSpc>
+                <a:spcPct val="150000"/>
+              </a:lnSpc>
+              <a:spcBef>
+                <a:spcPts val="0"/>
+              </a:spcBef>
+              <a:spcAft>
+                <a:spcPts val="0"/>
+              </a:spcAft>
+              <a:buClrTx/>
+              <a:buSzTx/>
+              <a:buFont typeface="Wingdings" panose="05000000000000000000" pitchFamily="2" charset="2"/>
+              <a:buChar char="Ø"/>
+              <a:tabLst/>
+              <a:defRPr/>
+            </a:pPr>
+            <a:r>
+              <a:rPr kumimoji="0" lang="en-US" sz="2000" b="0" i="0" u="none" strike="noStrike" kern="1200" cap="none" spc="0" normalizeH="0" baseline="0" noProof="0" dirty="0">
+                <a:ln>
+                  <a:noFill/>
+                </a:ln>
+                <a:solidFill>
+                  <a:srgbClr val="002060"/>
+                </a:solidFill>
+                <a:effectLst/>
+                <a:uLnTx/>
+                <a:uFillTx/>
+                <a:latin typeface="Verdana" panose="020B0604030504040204" pitchFamily="34" charset="0"/>
+                <a:ea typeface="Verdana" panose="020B0604030504040204" pitchFamily="34" charset="0"/>
+                <a:cs typeface="+mn-cs"/>
+              </a:rPr>
+              <a:t> All the sessions will be hands on.</a:t>
+            </a:r>
+          </a:p>
+          <a:p>
+            <a:pPr marL="628650" marR="0" lvl="1" indent="-171450" algn="l" defTabSz="914400" rtl="0" eaLnBrk="1" fontAlgn="auto" latinLnBrk="0" hangingPunct="1">
+              <a:lnSpc>
+                <a:spcPct val="150000"/>
+              </a:lnSpc>
+              <a:spcBef>
+                <a:spcPts val="0"/>
+              </a:spcBef>
+              <a:spcAft>
+                <a:spcPts val="0"/>
+              </a:spcAft>
+              <a:buClrTx/>
+              <a:buSzTx/>
+              <a:buFont typeface="Wingdings" panose="05000000000000000000" pitchFamily="2" charset="2"/>
+              <a:buChar char="Ø"/>
+              <a:tabLst/>
+              <a:defRPr/>
+            </a:pPr>
+            <a:r>
+              <a:rPr kumimoji="0" lang="en-US" sz="2000" b="0" i="0" u="none" strike="noStrike" kern="1200" cap="none" spc="0" normalizeH="0" baseline="0" noProof="0" dirty="0">
+                <a:ln>
+                  <a:noFill/>
+                </a:ln>
+                <a:solidFill>
+                  <a:srgbClr val="002060"/>
+                </a:solidFill>
+                <a:effectLst/>
+                <a:uLnTx/>
+                <a:uFillTx/>
+                <a:latin typeface="Verdana" panose="020B0604030504040204" pitchFamily="34" charset="0"/>
+                <a:ea typeface="Verdana" panose="020B0604030504040204" pitchFamily="34" charset="0"/>
+                <a:cs typeface="+mn-cs"/>
+              </a:rPr>
+              <a:t> Will have parking lots for queries and other topics.</a:t>
+            </a:r>
+          </a:p>
+          <a:p>
+            <a:pPr marL="628650" marR="0" lvl="1" indent="-171450" algn="l" defTabSz="914400" rtl="0" eaLnBrk="1" fontAlgn="auto" latinLnBrk="0" hangingPunct="1">
+              <a:lnSpc>
+                <a:spcPct val="150000"/>
+              </a:lnSpc>
+              <a:spcBef>
+                <a:spcPts val="0"/>
+              </a:spcBef>
+              <a:spcAft>
+                <a:spcPts val="0"/>
+              </a:spcAft>
+              <a:buClrTx/>
+              <a:buSzTx/>
+              <a:buFont typeface="Wingdings" panose="05000000000000000000" pitchFamily="2" charset="2"/>
+              <a:buChar char="Ø"/>
+              <a:tabLst/>
+              <a:defRPr/>
+            </a:pPr>
+            <a:r>
+              <a:rPr kumimoji="0" lang="en-US" sz="2000" b="0" i="0" u="none" strike="noStrike" kern="1200" cap="none" spc="0" normalizeH="0" baseline="0" noProof="0" dirty="0">
+                <a:ln>
+                  <a:noFill/>
+                </a:ln>
+                <a:solidFill>
+                  <a:srgbClr val="002060"/>
+                </a:solidFill>
+                <a:effectLst/>
+                <a:uLnTx/>
+                <a:uFillTx/>
+                <a:latin typeface="Verdana" panose="020B0604030504040204" pitchFamily="34" charset="0"/>
+                <a:ea typeface="Verdana" panose="020B0604030504040204" pitchFamily="34" charset="0"/>
+                <a:cs typeface="+mn-cs"/>
+              </a:rPr>
+              <a:t> Some of the concepts we will introduced and revisited in next sessions.</a:t>
+            </a:r>
+          </a:p>
+          <a:p>
+            <a:pPr marL="628650" marR="0" lvl="1" indent="-171450" algn="l" defTabSz="914400" rtl="0" eaLnBrk="1" fontAlgn="auto" latinLnBrk="0" hangingPunct="1">
+              <a:lnSpc>
+                <a:spcPct val="150000"/>
+              </a:lnSpc>
+              <a:spcBef>
+                <a:spcPts val="0"/>
+              </a:spcBef>
+              <a:spcAft>
+                <a:spcPts val="0"/>
+              </a:spcAft>
+              <a:buClrTx/>
+              <a:buSzTx/>
+              <a:buFont typeface="Wingdings" panose="05000000000000000000" pitchFamily="2" charset="2"/>
+              <a:buChar char="Ø"/>
+              <a:tabLst/>
+              <a:defRPr/>
+            </a:pPr>
+            <a:r>
+              <a:rPr kumimoji="0" lang="en-US" sz="2000" b="0" i="0" u="none" strike="noStrike" kern="1200" cap="none" spc="0" normalizeH="0" baseline="0" noProof="0" dirty="0">
+                <a:ln>
+                  <a:noFill/>
+                </a:ln>
+                <a:solidFill>
+                  <a:srgbClr val="002060"/>
+                </a:solidFill>
+                <a:effectLst/>
+                <a:uLnTx/>
+                <a:uFillTx/>
+                <a:latin typeface="Verdana" panose="020B0604030504040204" pitchFamily="34" charset="0"/>
+                <a:ea typeface="Verdana" panose="020B0604030504040204" pitchFamily="34" charset="0"/>
+                <a:cs typeface="+mn-cs"/>
+              </a:rPr>
+              <a:t> There are multiple ways to do, we will use one of the ways.</a:t>
+            </a:r>
+          </a:p>
+          <a:p>
+            <a:pPr marL="628650" marR="0" lvl="1" indent="-171450" algn="l" defTabSz="914400" rtl="0" eaLnBrk="1" fontAlgn="auto" latinLnBrk="0" hangingPunct="1">
+              <a:lnSpc>
+                <a:spcPct val="150000"/>
+              </a:lnSpc>
+              <a:spcBef>
+                <a:spcPts val="0"/>
+              </a:spcBef>
+              <a:spcAft>
+                <a:spcPts val="0"/>
+              </a:spcAft>
+              <a:buClrTx/>
+              <a:buSzTx/>
+              <a:buFont typeface="Wingdings" panose="05000000000000000000" pitchFamily="2" charset="2"/>
+              <a:buChar char="Ø"/>
+              <a:tabLst/>
+              <a:defRPr/>
+            </a:pPr>
+            <a:r>
+              <a:rPr kumimoji="0" lang="en-US" sz="2000" b="0" i="0" u="none" strike="noStrike" kern="1200" cap="none" spc="0" normalizeH="0" baseline="0" noProof="0" dirty="0">
+                <a:ln>
+                  <a:noFill/>
+                </a:ln>
+                <a:solidFill>
+                  <a:srgbClr val="002060"/>
+                </a:solidFill>
+                <a:effectLst/>
+                <a:uLnTx/>
+                <a:uFillTx/>
+                <a:latin typeface="Verdana" panose="020B0604030504040204" pitchFamily="34" charset="0"/>
+                <a:ea typeface="Verdana" panose="020B0604030504040204" pitchFamily="34" charset="0"/>
+                <a:cs typeface="+mn-cs"/>
+              </a:rPr>
+              <a:t> The focus was more on concepts and demos are kept simple. </a:t>
+            </a:r>
+          </a:p>
+        </p:txBody>
+      </p:sp>
+    </p:spTree>
+    <p:extLst>
+      <p:ext uri="{BB962C8B-B14F-4D97-AF65-F5344CB8AC3E}">
+        <p14:creationId xmlns:p14="http://schemas.microsoft.com/office/powerpoint/2010/main" val="933004240"/>
+      </p:ext>
+    </p:extLst>
+  </p:cSld>
+  <p:clrMapOvr>
+    <a:masterClrMapping/>
+  </p:clrMapOvr>
+</p:sld>
+</file>
+
+<file path=ppt/slides/slide20.xml><?xml version="1.0" encoding="utf-8"?>
 <p:sld xmlns:a="http://schemas.openxmlformats.org/drawingml/2006/main" xmlns:r="http://schemas.openxmlformats.org/officeDocument/2006/relationships" xmlns:p="http://schemas.openxmlformats.org/presentationml/2006/main">
   <p:cSld>
     <p:spTree>
@@ -29176,757 +30040,6 @@
     <p:extLst>
       <p:ext uri="{BB962C8B-B14F-4D97-AF65-F5344CB8AC3E}">
         <p14:creationId xmlns:p14="http://schemas.microsoft.com/office/powerpoint/2010/main" val="1195627866"/>
-      </p:ext>
-    </p:extLst>
-  </p:cSld>
-  <p:clrMapOvr>
-    <a:masterClrMapping/>
-  </p:clrMapOvr>
-</p:sld>
-</file>
-
-<file path=ppt/slides/slide2.xml><?xml version="1.0" encoding="utf-8"?>
-<p:sld xmlns:a="http://schemas.openxmlformats.org/drawingml/2006/main" xmlns:r="http://schemas.openxmlformats.org/officeDocument/2006/relationships" xmlns:p="http://schemas.openxmlformats.org/presentationml/2006/main">
-  <p:cSld>
-    <p:spTree>
-      <p:nvGrpSpPr>
-        <p:cNvPr id="1" name=""/>
-        <p:cNvGrpSpPr/>
-        <p:nvPr/>
-      </p:nvGrpSpPr>
-      <p:grpSpPr>
-        <a:xfrm>
-          <a:off x="0" y="0"/>
-          <a:ext cx="0" cy="0"/>
-          <a:chOff x="0" y="0"/>
-          <a:chExt cx="0" cy="0"/>
-        </a:xfrm>
-      </p:grpSpPr>
-      <p:sp>
-        <p:nvSpPr>
-          <p:cNvPr id="4" name="Rectangle 3">
-            <a:extLst>
-              <a:ext uri="{FF2B5EF4-FFF2-40B4-BE49-F238E27FC236}">
-                <a16:creationId xmlns:a16="http://schemas.microsoft.com/office/drawing/2014/main" id="{055C22F7-3FD1-4C1B-8D0C-0C2F7FB61DBE}"/>
-              </a:ext>
-            </a:extLst>
-          </p:cNvPr>
-          <p:cNvSpPr/>
-          <p:nvPr/>
-        </p:nvSpPr>
-        <p:spPr>
-          <a:xfrm>
-            <a:off x="0" y="8878"/>
-            <a:ext cx="12183122" cy="497150"/>
-          </a:xfrm>
-          <a:prstGeom prst="rect">
-            <a:avLst/>
-          </a:prstGeom>
-          <a:solidFill>
-            <a:srgbClr val="0070C0"/>
-          </a:solidFill>
-        </p:spPr>
-        <p:style>
-          <a:lnRef idx="2">
-            <a:schemeClr val="accent1">
-              <a:shade val="50000"/>
-            </a:schemeClr>
-          </a:lnRef>
-          <a:fillRef idx="1">
-            <a:schemeClr val="accent1"/>
-          </a:fillRef>
-          <a:effectRef idx="0">
-            <a:schemeClr val="accent1"/>
-          </a:effectRef>
-          <a:fontRef idx="minor">
-            <a:schemeClr val="lt1"/>
-          </a:fontRef>
-        </p:style>
-        <p:txBody>
-          <a:bodyPr rtlCol="0" anchor="ctr"/>
-          <a:lstStyle/>
-          <a:p>
-            <a:pPr marL="0" marR="0" lvl="0" indent="0" algn="ctr" defTabSz="914400" rtl="0" eaLnBrk="1" fontAlgn="auto" latinLnBrk="0" hangingPunct="1">
-              <a:lnSpc>
-                <a:spcPct val="100000"/>
-              </a:lnSpc>
-              <a:spcBef>
-                <a:spcPts val="0"/>
-              </a:spcBef>
-              <a:spcAft>
-                <a:spcPts val="0"/>
-              </a:spcAft>
-              <a:buClrTx/>
-              <a:buSzTx/>
-              <a:buFontTx/>
-              <a:buNone/>
-              <a:tabLst/>
-              <a:defRPr/>
-            </a:pPr>
-            <a:r>
-              <a:rPr kumimoji="0" lang="en-US" sz="1800" b="1" i="0" u="none" strike="noStrike" kern="1200" cap="none" spc="0" normalizeH="0" baseline="0" noProof="0" dirty="0">
-                <a:ln>
-                  <a:noFill/>
-                </a:ln>
-                <a:solidFill>
-                  <a:prstClr val="white"/>
-                </a:solidFill>
-                <a:effectLst/>
-                <a:uLnTx/>
-                <a:uFillTx/>
-                <a:latin typeface="Verdana" panose="020B0604030504040204" pitchFamily="34" charset="0"/>
-                <a:ea typeface="Verdana" panose="020B0604030504040204" pitchFamily="34" charset="0"/>
-                <a:cs typeface="+mn-cs"/>
-              </a:rPr>
-              <a:t>Information</a:t>
-            </a:r>
-            <a:endParaRPr kumimoji="0" lang="en-IN" sz="1800" b="1" i="0" u="none" strike="noStrike" kern="1200" cap="none" spc="0" normalizeH="0" baseline="0" noProof="0" dirty="0">
-              <a:ln>
-                <a:noFill/>
-              </a:ln>
-              <a:solidFill>
-                <a:prstClr val="white"/>
-              </a:solidFill>
-              <a:effectLst/>
-              <a:uLnTx/>
-              <a:uFillTx/>
-              <a:latin typeface="Verdana" panose="020B0604030504040204" pitchFamily="34" charset="0"/>
-              <a:ea typeface="Verdana" panose="020B0604030504040204" pitchFamily="34" charset="0"/>
-              <a:cs typeface="+mn-cs"/>
-            </a:endParaRPr>
-          </a:p>
-        </p:txBody>
-      </p:sp>
-      <p:sp>
-        <p:nvSpPr>
-          <p:cNvPr id="7" name="Rectangle 6">
-            <a:extLst>
-              <a:ext uri="{FF2B5EF4-FFF2-40B4-BE49-F238E27FC236}">
-                <a16:creationId xmlns:a16="http://schemas.microsoft.com/office/drawing/2014/main" id="{B10720DE-FD2A-4FE5-B9FB-74854D01A659}"/>
-              </a:ext>
-            </a:extLst>
-          </p:cNvPr>
-          <p:cNvSpPr/>
-          <p:nvPr/>
-        </p:nvSpPr>
-        <p:spPr>
-          <a:xfrm>
-            <a:off x="0" y="3915050"/>
-            <a:ext cx="12183122" cy="57703"/>
-          </a:xfrm>
-          <a:prstGeom prst="rect">
-            <a:avLst/>
-          </a:prstGeom>
-          <a:solidFill>
-            <a:srgbClr val="0070C0"/>
-          </a:solidFill>
-        </p:spPr>
-        <p:style>
-          <a:lnRef idx="2">
-            <a:schemeClr val="accent1">
-              <a:shade val="50000"/>
-            </a:schemeClr>
-          </a:lnRef>
-          <a:fillRef idx="1">
-            <a:schemeClr val="accent1"/>
-          </a:fillRef>
-          <a:effectRef idx="0">
-            <a:schemeClr val="accent1"/>
-          </a:effectRef>
-          <a:fontRef idx="minor">
-            <a:schemeClr val="lt1"/>
-          </a:fontRef>
-        </p:style>
-        <p:txBody>
-          <a:bodyPr rtlCol="0" anchor="ctr"/>
-          <a:lstStyle/>
-          <a:p>
-            <a:pPr marL="0" marR="0" lvl="0" indent="0" algn="ctr" defTabSz="914400" rtl="0" eaLnBrk="1" fontAlgn="auto" latinLnBrk="0" hangingPunct="1">
-              <a:lnSpc>
-                <a:spcPct val="100000"/>
-              </a:lnSpc>
-              <a:spcBef>
-                <a:spcPts val="0"/>
-              </a:spcBef>
-              <a:spcAft>
-                <a:spcPts val="0"/>
-              </a:spcAft>
-              <a:buClrTx/>
-              <a:buSzTx/>
-              <a:buFontTx/>
-              <a:buNone/>
-              <a:tabLst/>
-              <a:defRPr/>
-            </a:pPr>
-            <a:endParaRPr kumimoji="0" lang="en-IN" sz="1000" b="0" i="0" u="none" strike="noStrike" kern="1200" cap="none" spc="0" normalizeH="0" baseline="0" noProof="0" dirty="0">
-              <a:ln>
-                <a:noFill/>
-              </a:ln>
-              <a:solidFill>
-                <a:prstClr val="white"/>
-              </a:solidFill>
-              <a:effectLst/>
-              <a:uLnTx/>
-              <a:uFillTx/>
-              <a:latin typeface="Verdana" panose="020B0604030504040204" pitchFamily="34" charset="0"/>
-              <a:ea typeface="Verdana" panose="020B0604030504040204" pitchFamily="34" charset="0"/>
-              <a:cs typeface="+mn-cs"/>
-            </a:endParaRPr>
-          </a:p>
-        </p:txBody>
-      </p:sp>
-      <p:sp>
-        <p:nvSpPr>
-          <p:cNvPr id="8" name="Footer Placeholder 7">
-            <a:extLst>
-              <a:ext uri="{FF2B5EF4-FFF2-40B4-BE49-F238E27FC236}">
-                <a16:creationId xmlns:a16="http://schemas.microsoft.com/office/drawing/2014/main" id="{DD2A19CA-EC18-432D-8F8F-17079808F38B}"/>
-              </a:ext>
-            </a:extLst>
-          </p:cNvPr>
-          <p:cNvSpPr>
-            <a:spLocks noGrp="1"/>
-          </p:cNvSpPr>
-          <p:nvPr>
-            <p:ph type="ftr" sz="quarter" idx="11"/>
-          </p:nvPr>
-        </p:nvSpPr>
-        <p:spPr>
-          <a:xfrm>
-            <a:off x="4038600" y="3959378"/>
-            <a:ext cx="4114800" cy="365125"/>
-          </a:xfrm>
-        </p:spPr>
-        <p:txBody>
-          <a:bodyPr/>
-          <a:lstStyle/>
-          <a:p>
-            <a:pPr marL="0" marR="0" lvl="0" indent="0" algn="ctr" defTabSz="914400" rtl="0" eaLnBrk="1" fontAlgn="auto" latinLnBrk="0" hangingPunct="1">
-              <a:lnSpc>
-                <a:spcPct val="100000"/>
-              </a:lnSpc>
-              <a:spcBef>
-                <a:spcPts val="0"/>
-              </a:spcBef>
-              <a:spcAft>
-                <a:spcPts val="0"/>
-              </a:spcAft>
-              <a:buClrTx/>
-              <a:buSzTx/>
-              <a:buFontTx/>
-              <a:buNone/>
-              <a:tabLst/>
-              <a:defRPr/>
-            </a:pPr>
-            <a:r>
-              <a:rPr kumimoji="0" lang="en-IN" sz="1200" b="1" i="0" u="none" strike="noStrike" kern="1200" cap="none" spc="0" normalizeH="0" baseline="0" noProof="0" dirty="0">
-                <a:ln>
-                  <a:noFill/>
-                </a:ln>
-                <a:solidFill>
-                  <a:srgbClr val="002060"/>
-                </a:solidFill>
-                <a:effectLst/>
-                <a:uLnTx/>
-                <a:uFillTx/>
-                <a:latin typeface="Verdana" panose="020B0604030504040204" pitchFamily="34" charset="0"/>
-                <a:ea typeface="Verdana" panose="020B0604030504040204" pitchFamily="34" charset="0"/>
-                <a:cs typeface="+mn-cs"/>
-              </a:rPr>
-              <a:t>2022</a:t>
-            </a:r>
-          </a:p>
-        </p:txBody>
-      </p:sp>
-      <p:sp>
-        <p:nvSpPr>
-          <p:cNvPr id="9" name="Slide Number Placeholder 8">
-            <a:extLst>
-              <a:ext uri="{FF2B5EF4-FFF2-40B4-BE49-F238E27FC236}">
-                <a16:creationId xmlns:a16="http://schemas.microsoft.com/office/drawing/2014/main" id="{8162625C-0B1F-42E0-BE7C-D99A08FED7A3}"/>
-              </a:ext>
-            </a:extLst>
-          </p:cNvPr>
-          <p:cNvSpPr>
-            <a:spLocks noGrp="1"/>
-          </p:cNvSpPr>
-          <p:nvPr>
-            <p:ph type="sldNum" sz="quarter" idx="12"/>
-          </p:nvPr>
-        </p:nvSpPr>
-        <p:spPr>
-          <a:xfrm>
-            <a:off x="8610600" y="3959378"/>
-            <a:ext cx="2743200" cy="365125"/>
-          </a:xfrm>
-        </p:spPr>
-        <p:txBody>
-          <a:bodyPr/>
-          <a:lstStyle/>
-          <a:p>
-            <a:pPr marL="0" marR="0" lvl="0" indent="0" algn="r" defTabSz="914400" rtl="0" eaLnBrk="1" fontAlgn="auto" latinLnBrk="0" hangingPunct="1">
-              <a:lnSpc>
-                <a:spcPct val="100000"/>
-              </a:lnSpc>
-              <a:spcBef>
-                <a:spcPts val="0"/>
-              </a:spcBef>
-              <a:spcAft>
-                <a:spcPts val="0"/>
-              </a:spcAft>
-              <a:buClrTx/>
-              <a:buSzTx/>
-              <a:buFontTx/>
-              <a:buNone/>
-              <a:tabLst/>
-              <a:defRPr/>
-            </a:pPr>
-            <a:r>
-              <a:rPr kumimoji="0" lang="en-IN" sz="1200" b="1" i="0" u="none" strike="noStrike" kern="1200" cap="none" spc="0" normalizeH="0" baseline="0" noProof="0" dirty="0">
-                <a:ln>
-                  <a:noFill/>
-                </a:ln>
-                <a:solidFill>
-                  <a:srgbClr val="002060"/>
-                </a:solidFill>
-                <a:effectLst/>
-                <a:uLnTx/>
-                <a:uFillTx/>
-                <a:latin typeface="Verdana" panose="020B0604030504040204" pitchFamily="34" charset="0"/>
-                <a:ea typeface="Verdana" panose="020B0604030504040204" pitchFamily="34" charset="0"/>
-                <a:cs typeface="+mn-cs"/>
-              </a:rPr>
-              <a:t>1</a:t>
-            </a:r>
-          </a:p>
-        </p:txBody>
-      </p:sp>
-      <p:sp>
-        <p:nvSpPr>
-          <p:cNvPr id="12" name="Footer Placeholder 7">
-            <a:extLst>
-              <a:ext uri="{FF2B5EF4-FFF2-40B4-BE49-F238E27FC236}">
-                <a16:creationId xmlns:a16="http://schemas.microsoft.com/office/drawing/2014/main" id="{64C57949-E349-47D3-A505-A098233AF49D}"/>
-              </a:ext>
-            </a:extLst>
-          </p:cNvPr>
-          <p:cNvSpPr txBox="1">
-            <a:spLocks/>
-          </p:cNvSpPr>
-          <p:nvPr/>
-        </p:nvSpPr>
-        <p:spPr>
-          <a:xfrm>
-            <a:off x="133897" y="3960852"/>
-            <a:ext cx="4114800" cy="365125"/>
-          </a:xfrm>
-          <a:prstGeom prst="rect">
-            <a:avLst/>
-          </a:prstGeom>
-        </p:spPr>
-        <p:txBody>
-          <a:bodyPr vert="horz" lIns="91440" tIns="45720" rIns="91440" bIns="45720" rtlCol="0" anchor="ctr"/>
-          <a:lstStyle>
-            <a:defPPr>
-              <a:defRPr lang="en-US"/>
-            </a:defPPr>
-            <a:lvl1pPr marL="0" algn="ctr" defTabSz="914400" rtl="0" eaLnBrk="1" latinLnBrk="0" hangingPunct="1">
-              <a:defRPr sz="1200" kern="1200">
-                <a:solidFill>
-                  <a:schemeClr val="tx1">
-                    <a:tint val="75000"/>
-                  </a:schemeClr>
-                </a:solidFill>
-                <a:latin typeface="+mn-lt"/>
-                <a:ea typeface="+mn-ea"/>
-                <a:cs typeface="+mn-cs"/>
-              </a:defRPr>
-            </a:lvl1pPr>
-            <a:lvl2pPr marL="457200" algn="l" defTabSz="914400" rtl="0" eaLnBrk="1" latinLnBrk="0" hangingPunct="1">
-              <a:defRPr sz="1800" kern="1200">
-                <a:solidFill>
-                  <a:schemeClr val="tx1"/>
-                </a:solidFill>
-                <a:latin typeface="+mn-lt"/>
-                <a:ea typeface="+mn-ea"/>
-                <a:cs typeface="+mn-cs"/>
-              </a:defRPr>
-            </a:lvl2pPr>
-            <a:lvl3pPr marL="914400" algn="l" defTabSz="914400" rtl="0" eaLnBrk="1" latinLnBrk="0" hangingPunct="1">
-              <a:defRPr sz="1800" kern="1200">
-                <a:solidFill>
-                  <a:schemeClr val="tx1"/>
-                </a:solidFill>
-                <a:latin typeface="+mn-lt"/>
-                <a:ea typeface="+mn-ea"/>
-                <a:cs typeface="+mn-cs"/>
-              </a:defRPr>
-            </a:lvl3pPr>
-            <a:lvl4pPr marL="1371600" algn="l" defTabSz="914400" rtl="0" eaLnBrk="1" latinLnBrk="0" hangingPunct="1">
-              <a:defRPr sz="1800" kern="1200">
-                <a:solidFill>
-                  <a:schemeClr val="tx1"/>
-                </a:solidFill>
-                <a:latin typeface="+mn-lt"/>
-                <a:ea typeface="+mn-ea"/>
-                <a:cs typeface="+mn-cs"/>
-              </a:defRPr>
-            </a:lvl4pPr>
-            <a:lvl5pPr marL="1828800" algn="l" defTabSz="914400" rtl="0" eaLnBrk="1" latinLnBrk="0" hangingPunct="1">
-              <a:defRPr sz="1800" kern="1200">
-                <a:solidFill>
-                  <a:schemeClr val="tx1"/>
-                </a:solidFill>
-                <a:latin typeface="+mn-lt"/>
-                <a:ea typeface="+mn-ea"/>
-                <a:cs typeface="+mn-cs"/>
-              </a:defRPr>
-            </a:lvl5pPr>
-            <a:lvl6pPr marL="2286000" algn="l" defTabSz="914400" rtl="0" eaLnBrk="1" latinLnBrk="0" hangingPunct="1">
-              <a:defRPr sz="1800" kern="1200">
-                <a:solidFill>
-                  <a:schemeClr val="tx1"/>
-                </a:solidFill>
-                <a:latin typeface="+mn-lt"/>
-                <a:ea typeface="+mn-ea"/>
-                <a:cs typeface="+mn-cs"/>
-              </a:defRPr>
-            </a:lvl6pPr>
-            <a:lvl7pPr marL="2743200" algn="l" defTabSz="914400" rtl="0" eaLnBrk="1" latinLnBrk="0" hangingPunct="1">
-              <a:defRPr sz="1800" kern="1200">
-                <a:solidFill>
-                  <a:schemeClr val="tx1"/>
-                </a:solidFill>
-                <a:latin typeface="+mn-lt"/>
-                <a:ea typeface="+mn-ea"/>
-                <a:cs typeface="+mn-cs"/>
-              </a:defRPr>
-            </a:lvl7pPr>
-            <a:lvl8pPr marL="3200400" algn="l" defTabSz="914400" rtl="0" eaLnBrk="1" latinLnBrk="0" hangingPunct="1">
-              <a:defRPr sz="1800" kern="1200">
-                <a:solidFill>
-                  <a:schemeClr val="tx1"/>
-                </a:solidFill>
-                <a:latin typeface="+mn-lt"/>
-                <a:ea typeface="+mn-ea"/>
-                <a:cs typeface="+mn-cs"/>
-              </a:defRPr>
-            </a:lvl8pPr>
-            <a:lvl9pPr marL="3657600" algn="l" defTabSz="914400" rtl="0" eaLnBrk="1" latinLnBrk="0" hangingPunct="1">
-              <a:defRPr sz="1800" kern="1200">
-                <a:solidFill>
-                  <a:schemeClr val="tx1"/>
-                </a:solidFill>
-                <a:latin typeface="+mn-lt"/>
-                <a:ea typeface="+mn-ea"/>
-                <a:cs typeface="+mn-cs"/>
-              </a:defRPr>
-            </a:lvl9pPr>
-          </a:lstStyle>
-          <a:p>
-            <a:pPr marL="0" marR="0" lvl="0" indent="0" algn="ctr" defTabSz="914400" rtl="0" eaLnBrk="1" fontAlgn="auto" latinLnBrk="0" hangingPunct="1">
-              <a:lnSpc>
-                <a:spcPct val="100000"/>
-              </a:lnSpc>
-              <a:spcBef>
-                <a:spcPts val="0"/>
-              </a:spcBef>
-              <a:spcAft>
-                <a:spcPts val="0"/>
-              </a:spcAft>
-              <a:buClrTx/>
-              <a:buSzTx/>
-              <a:buFontTx/>
-              <a:buNone/>
-              <a:tabLst/>
-              <a:defRPr/>
-            </a:pPr>
-            <a:r>
-              <a:rPr kumimoji="0" lang="en-IN" sz="1200" b="1" i="0" u="none" strike="noStrike" kern="1200" cap="none" spc="0" normalizeH="0" baseline="0" noProof="0" dirty="0">
-                <a:ln>
-                  <a:noFill/>
-                </a:ln>
-                <a:solidFill>
-                  <a:srgbClr val="002060"/>
-                </a:solidFill>
-                <a:effectLst/>
-                <a:uLnTx/>
-                <a:uFillTx/>
-                <a:latin typeface="Verdana" panose="020B0604030504040204" pitchFamily="34" charset="0"/>
-                <a:ea typeface="Verdana" panose="020B0604030504040204" pitchFamily="34" charset="0"/>
-                <a:cs typeface="+mn-cs"/>
-              </a:rPr>
-              <a:t>Dot Net Learners House</a:t>
-            </a:r>
-          </a:p>
-        </p:txBody>
-      </p:sp>
-      <p:sp>
-        <p:nvSpPr>
-          <p:cNvPr id="10" name="TextBox 9">
-            <a:extLst>
-              <a:ext uri="{FF2B5EF4-FFF2-40B4-BE49-F238E27FC236}">
-                <a16:creationId xmlns:a16="http://schemas.microsoft.com/office/drawing/2014/main" id="{19953791-0C49-4113-A95A-639979BFF9A6}"/>
-              </a:ext>
-            </a:extLst>
-          </p:cNvPr>
-          <p:cNvSpPr txBox="1"/>
-          <p:nvPr/>
-        </p:nvSpPr>
-        <p:spPr>
-          <a:xfrm>
-            <a:off x="80629" y="557824"/>
-            <a:ext cx="12037390" cy="2800062"/>
-          </a:xfrm>
-          <a:prstGeom prst="rect">
-            <a:avLst/>
-          </a:prstGeom>
-          <a:noFill/>
-        </p:spPr>
-        <p:txBody>
-          <a:bodyPr wrap="square" rtlCol="0">
-            <a:spAutoFit/>
-          </a:bodyPr>
-          <a:lstStyle/>
-          <a:p>
-            <a:pPr marL="628650" marR="0" lvl="1" indent="-171450" algn="l" defTabSz="914400" rtl="0" eaLnBrk="1" fontAlgn="auto" latinLnBrk="0" hangingPunct="1">
-              <a:lnSpc>
-                <a:spcPct val="150000"/>
-              </a:lnSpc>
-              <a:spcBef>
-                <a:spcPts val="0"/>
-              </a:spcBef>
-              <a:spcAft>
-                <a:spcPts val="0"/>
-              </a:spcAft>
-              <a:buClrTx/>
-              <a:buSzTx/>
-              <a:buFont typeface="Wingdings" panose="05000000000000000000" pitchFamily="2" charset="2"/>
-              <a:buChar char="Ø"/>
-              <a:tabLst/>
-              <a:defRPr/>
-            </a:pPr>
-            <a:r>
-              <a:rPr kumimoji="0" lang="en-US" sz="2000" b="0" i="0" u="none" strike="noStrike" kern="1200" cap="none" spc="0" normalizeH="0" baseline="0" noProof="0" dirty="0">
-                <a:ln>
-                  <a:noFill/>
-                </a:ln>
-                <a:solidFill>
-                  <a:srgbClr val="00B0F0"/>
-                </a:solidFill>
-                <a:effectLst/>
-                <a:uLnTx/>
-                <a:uFillTx/>
-                <a:latin typeface="Verdana" panose="020B0604030504040204" pitchFamily="34" charset="0"/>
-                <a:ea typeface="Verdana" panose="020B0604030504040204" pitchFamily="34" charset="0"/>
-                <a:cs typeface="+mn-cs"/>
-              </a:rPr>
-              <a:t> </a:t>
-            </a:r>
-            <a:r>
-              <a:rPr kumimoji="0" lang="en-US" sz="2000" b="0" i="0" u="none" strike="noStrike" kern="1200" cap="none" spc="0" normalizeH="0" baseline="0" noProof="0" dirty="0">
-                <a:ln>
-                  <a:noFill/>
-                </a:ln>
-                <a:solidFill>
-                  <a:srgbClr val="0070C0"/>
-                </a:solidFill>
-                <a:effectLst/>
-                <a:uLnTx/>
-                <a:uFillTx/>
-                <a:latin typeface="Verdana" panose="020B0604030504040204" pitchFamily="34" charset="0"/>
-                <a:ea typeface="Verdana" panose="020B0604030504040204" pitchFamily="34" charset="0"/>
-                <a:cs typeface="+mn-cs"/>
-              </a:rPr>
-              <a:t>I am still a learner. Apologize if I do any mistake.</a:t>
-            </a:r>
-          </a:p>
-          <a:p>
-            <a:pPr marL="628650" marR="0" lvl="1" indent="-171450" algn="l" defTabSz="914400" rtl="0" eaLnBrk="1" fontAlgn="auto" latinLnBrk="0" hangingPunct="1">
-              <a:lnSpc>
-                <a:spcPct val="150000"/>
-              </a:lnSpc>
-              <a:spcBef>
-                <a:spcPts val="0"/>
-              </a:spcBef>
-              <a:spcAft>
-                <a:spcPts val="0"/>
-              </a:spcAft>
-              <a:buClrTx/>
-              <a:buSzTx/>
-              <a:buFont typeface="Wingdings" panose="05000000000000000000" pitchFamily="2" charset="2"/>
-              <a:buChar char="Ø"/>
-              <a:tabLst/>
-              <a:defRPr/>
-            </a:pPr>
-            <a:r>
-              <a:rPr kumimoji="0" lang="en-US" sz="2000" b="0" i="0" u="none" strike="noStrike" kern="1200" cap="none" spc="0" normalizeH="0" baseline="0" noProof="0" dirty="0">
-                <a:ln>
-                  <a:noFill/>
-                </a:ln>
-                <a:solidFill>
-                  <a:srgbClr val="002060"/>
-                </a:solidFill>
-                <a:effectLst/>
-                <a:uLnTx/>
-                <a:uFillTx/>
-                <a:latin typeface="Verdana" panose="020B0604030504040204" pitchFamily="34" charset="0"/>
-                <a:ea typeface="Verdana" panose="020B0604030504040204" pitchFamily="34" charset="0"/>
-                <a:cs typeface="+mn-cs"/>
-              </a:rPr>
-              <a:t> All the sessions will be hands on.</a:t>
-            </a:r>
-          </a:p>
-          <a:p>
-            <a:pPr marL="628650" marR="0" lvl="1" indent="-171450" algn="l" defTabSz="914400" rtl="0" eaLnBrk="1" fontAlgn="auto" latinLnBrk="0" hangingPunct="1">
-              <a:lnSpc>
-                <a:spcPct val="150000"/>
-              </a:lnSpc>
-              <a:spcBef>
-                <a:spcPts val="0"/>
-              </a:spcBef>
-              <a:spcAft>
-                <a:spcPts val="0"/>
-              </a:spcAft>
-              <a:buClrTx/>
-              <a:buSzTx/>
-              <a:buFont typeface="Wingdings" panose="05000000000000000000" pitchFamily="2" charset="2"/>
-              <a:buChar char="Ø"/>
-              <a:tabLst/>
-              <a:defRPr/>
-            </a:pPr>
-            <a:r>
-              <a:rPr kumimoji="0" lang="en-US" sz="2000" b="0" i="0" u="none" strike="noStrike" kern="1200" cap="none" spc="0" normalizeH="0" baseline="0" noProof="0" dirty="0">
-                <a:ln>
-                  <a:noFill/>
-                </a:ln>
-                <a:solidFill>
-                  <a:srgbClr val="002060"/>
-                </a:solidFill>
-                <a:effectLst/>
-                <a:uLnTx/>
-                <a:uFillTx/>
-                <a:latin typeface="Verdana" panose="020B0604030504040204" pitchFamily="34" charset="0"/>
-                <a:ea typeface="Verdana" panose="020B0604030504040204" pitchFamily="34" charset="0"/>
-                <a:cs typeface="+mn-cs"/>
-              </a:rPr>
-              <a:t> Will have parking lots for queries and other topics.</a:t>
-            </a:r>
-          </a:p>
-          <a:p>
-            <a:pPr marL="628650" marR="0" lvl="1" indent="-171450" algn="l" defTabSz="914400" rtl="0" eaLnBrk="1" fontAlgn="auto" latinLnBrk="0" hangingPunct="1">
-              <a:lnSpc>
-                <a:spcPct val="150000"/>
-              </a:lnSpc>
-              <a:spcBef>
-                <a:spcPts val="0"/>
-              </a:spcBef>
-              <a:spcAft>
-                <a:spcPts val="0"/>
-              </a:spcAft>
-              <a:buClrTx/>
-              <a:buSzTx/>
-              <a:buFont typeface="Wingdings" panose="05000000000000000000" pitchFamily="2" charset="2"/>
-              <a:buChar char="Ø"/>
-              <a:tabLst/>
-              <a:defRPr/>
-            </a:pPr>
-            <a:r>
-              <a:rPr kumimoji="0" lang="en-US" sz="2000" b="0" i="0" u="none" strike="noStrike" kern="1200" cap="none" spc="0" normalizeH="0" baseline="0" noProof="0" dirty="0">
-                <a:ln>
-                  <a:noFill/>
-                </a:ln>
-                <a:solidFill>
-                  <a:srgbClr val="002060"/>
-                </a:solidFill>
-                <a:effectLst/>
-                <a:uLnTx/>
-                <a:uFillTx/>
-                <a:latin typeface="Verdana" panose="020B0604030504040204" pitchFamily="34" charset="0"/>
-                <a:ea typeface="Verdana" panose="020B0604030504040204" pitchFamily="34" charset="0"/>
-                <a:cs typeface="+mn-cs"/>
-              </a:rPr>
-              <a:t> Some of the concepts we will introduced and revisited in next sessions.</a:t>
-            </a:r>
-          </a:p>
-          <a:p>
-            <a:pPr marL="628650" marR="0" lvl="1" indent="-171450" algn="l" defTabSz="914400" rtl="0" eaLnBrk="1" fontAlgn="auto" latinLnBrk="0" hangingPunct="1">
-              <a:lnSpc>
-                <a:spcPct val="150000"/>
-              </a:lnSpc>
-              <a:spcBef>
-                <a:spcPts val="0"/>
-              </a:spcBef>
-              <a:spcAft>
-                <a:spcPts val="0"/>
-              </a:spcAft>
-              <a:buClrTx/>
-              <a:buSzTx/>
-              <a:buFont typeface="Wingdings" panose="05000000000000000000" pitchFamily="2" charset="2"/>
-              <a:buChar char="Ø"/>
-              <a:tabLst/>
-              <a:defRPr/>
-            </a:pPr>
-            <a:r>
-              <a:rPr kumimoji="0" lang="en-US" sz="2000" b="0" i="0" u="none" strike="noStrike" kern="1200" cap="none" spc="0" normalizeH="0" baseline="0" noProof="0" dirty="0">
-                <a:ln>
-                  <a:noFill/>
-                </a:ln>
-                <a:solidFill>
-                  <a:srgbClr val="002060"/>
-                </a:solidFill>
-                <a:effectLst/>
-                <a:uLnTx/>
-                <a:uFillTx/>
-                <a:latin typeface="Verdana" panose="020B0604030504040204" pitchFamily="34" charset="0"/>
-                <a:ea typeface="Verdana" panose="020B0604030504040204" pitchFamily="34" charset="0"/>
-                <a:cs typeface="+mn-cs"/>
-              </a:rPr>
-              <a:t> There are multiple ways to do, we will use one of the ways.</a:t>
-            </a:r>
-          </a:p>
-          <a:p>
-            <a:pPr marL="628650" marR="0" lvl="1" indent="-171450" algn="l" defTabSz="914400" rtl="0" eaLnBrk="1" fontAlgn="auto" latinLnBrk="0" hangingPunct="1">
-              <a:lnSpc>
-                <a:spcPct val="150000"/>
-              </a:lnSpc>
-              <a:spcBef>
-                <a:spcPts val="0"/>
-              </a:spcBef>
-              <a:spcAft>
-                <a:spcPts val="0"/>
-              </a:spcAft>
-              <a:buClrTx/>
-              <a:buSzTx/>
-              <a:buFont typeface="Wingdings" panose="05000000000000000000" pitchFamily="2" charset="2"/>
-              <a:buChar char="Ø"/>
-              <a:tabLst/>
-              <a:defRPr/>
-            </a:pPr>
-            <a:r>
-              <a:rPr kumimoji="0" lang="en-US" sz="2000" b="0" i="0" u="none" strike="noStrike" kern="1200" cap="none" spc="0" normalizeH="0" baseline="0" noProof="0" dirty="0">
-                <a:ln>
-                  <a:noFill/>
-                </a:ln>
-                <a:solidFill>
-                  <a:srgbClr val="002060"/>
-                </a:solidFill>
-                <a:effectLst/>
-                <a:uLnTx/>
-                <a:uFillTx/>
-                <a:latin typeface="Verdana" panose="020B0604030504040204" pitchFamily="34" charset="0"/>
-                <a:ea typeface="Verdana" panose="020B0604030504040204" pitchFamily="34" charset="0"/>
-                <a:cs typeface="+mn-cs"/>
-              </a:rPr>
-              <a:t> The focus was more on concepts and demos are kept simple. </a:t>
-            </a:r>
-          </a:p>
-        </p:txBody>
-      </p:sp>
-    </p:spTree>
-    <p:extLst>
-      <p:ext uri="{BB962C8B-B14F-4D97-AF65-F5344CB8AC3E}">
-        <p14:creationId xmlns:p14="http://schemas.microsoft.com/office/powerpoint/2010/main" val="933004240"/>
       </p:ext>
     </p:extLst>
   </p:cSld>
@@ -36775,6 +36888,1741 @@
           <p:cNvPr id="4" name="Rectangle: Rounded Corners 3">
             <a:extLst>
               <a:ext uri="{FF2B5EF4-FFF2-40B4-BE49-F238E27FC236}">
+                <a16:creationId xmlns:a16="http://schemas.microsoft.com/office/drawing/2014/main" id="{FE81CCDF-2A60-7094-66C7-A21220D60019}"/>
+              </a:ext>
+            </a:extLst>
+          </p:cNvPr>
+          <p:cNvSpPr/>
+          <p:nvPr/>
+        </p:nvSpPr>
+        <p:spPr>
+          <a:xfrm>
+            <a:off x="1951352" y="1338606"/>
+            <a:ext cx="1696824" cy="1545996"/>
+          </a:xfrm>
+          <a:prstGeom prst="roundRect">
+            <a:avLst/>
+          </a:prstGeom>
+        </p:spPr>
+        <p:style>
+          <a:lnRef idx="2">
+            <a:schemeClr val="accent1">
+              <a:shade val="50000"/>
+            </a:schemeClr>
+          </a:lnRef>
+          <a:fillRef idx="1">
+            <a:schemeClr val="accent1"/>
+          </a:fillRef>
+          <a:effectRef idx="0">
+            <a:schemeClr val="accent1"/>
+          </a:effectRef>
+          <a:fontRef idx="minor">
+            <a:schemeClr val="lt1"/>
+          </a:fontRef>
+        </p:style>
+        <p:txBody>
+          <a:bodyPr rtlCol="0" anchor="ctr"/>
+          <a:lstStyle/>
+          <a:p>
+            <a:pPr algn="ctr"/>
+            <a:r>
+              <a:rPr lang="en-US" dirty="0"/>
+              <a:t>Admin </a:t>
+            </a:r>
+          </a:p>
+          <a:p>
+            <a:pPr algn="ctr"/>
+            <a:r>
+              <a:rPr lang="en-US" dirty="0"/>
+              <a:t>UI Browser</a:t>
+            </a:r>
+          </a:p>
+        </p:txBody>
+      </p:sp>
+      <p:sp>
+        <p:nvSpPr>
+          <p:cNvPr id="7" name="Rectangle 6">
+            <a:extLst>
+              <a:ext uri="{FF2B5EF4-FFF2-40B4-BE49-F238E27FC236}">
+                <a16:creationId xmlns:a16="http://schemas.microsoft.com/office/drawing/2014/main" id="{7BF524D1-67AF-C3FA-D260-7ADDDE43478D}"/>
+              </a:ext>
+            </a:extLst>
+          </p:cNvPr>
+          <p:cNvSpPr/>
+          <p:nvPr/>
+        </p:nvSpPr>
+        <p:spPr>
+          <a:xfrm>
+            <a:off x="7098384" y="4675695"/>
+            <a:ext cx="1696824" cy="1376314"/>
+          </a:xfrm>
+          <a:prstGeom prst="rect">
+            <a:avLst/>
+          </a:prstGeom>
+          <a:solidFill>
+            <a:srgbClr val="00B050"/>
+          </a:solidFill>
+        </p:spPr>
+        <p:style>
+          <a:lnRef idx="2">
+            <a:schemeClr val="accent1">
+              <a:shade val="50000"/>
+            </a:schemeClr>
+          </a:lnRef>
+          <a:fillRef idx="1">
+            <a:schemeClr val="accent1"/>
+          </a:fillRef>
+          <a:effectRef idx="0">
+            <a:schemeClr val="accent1"/>
+          </a:effectRef>
+          <a:fontRef idx="minor">
+            <a:schemeClr val="lt1"/>
+          </a:fontRef>
+        </p:style>
+        <p:txBody>
+          <a:bodyPr rtlCol="0" anchor="ctr"/>
+          <a:lstStyle/>
+          <a:p>
+            <a:pPr algn="ctr"/>
+            <a:r>
+              <a:rPr lang="en-US" dirty="0"/>
+              <a:t>Temporary Image Storage</a:t>
+            </a:r>
+          </a:p>
+        </p:txBody>
+      </p:sp>
+      <p:sp>
+        <p:nvSpPr>
+          <p:cNvPr id="8" name="Oval 7">
+            <a:extLst>
+              <a:ext uri="{FF2B5EF4-FFF2-40B4-BE49-F238E27FC236}">
+                <a16:creationId xmlns:a16="http://schemas.microsoft.com/office/drawing/2014/main" id="{2C82FADF-A01A-0F99-CC53-43788038F841}"/>
+              </a:ext>
+            </a:extLst>
+          </p:cNvPr>
+          <p:cNvSpPr/>
+          <p:nvPr/>
+        </p:nvSpPr>
+        <p:spPr>
+          <a:xfrm>
+            <a:off x="4645841" y="4732256"/>
+            <a:ext cx="1244338" cy="1263192"/>
+          </a:xfrm>
+          <a:prstGeom prst="ellipse">
+            <a:avLst/>
+          </a:prstGeom>
+        </p:spPr>
+        <p:style>
+          <a:lnRef idx="2">
+            <a:schemeClr val="accent1">
+              <a:shade val="50000"/>
+            </a:schemeClr>
+          </a:lnRef>
+          <a:fillRef idx="1">
+            <a:schemeClr val="accent1"/>
+          </a:fillRef>
+          <a:effectRef idx="0">
+            <a:schemeClr val="accent1"/>
+          </a:effectRef>
+          <a:fontRef idx="minor">
+            <a:schemeClr val="lt1"/>
+          </a:fontRef>
+        </p:style>
+        <p:txBody>
+          <a:bodyPr rtlCol="0" anchor="ctr"/>
+          <a:lstStyle/>
+          <a:p>
+            <a:pPr algn="ctr"/>
+            <a:r>
+              <a:rPr lang="en-US" dirty="0"/>
+              <a:t>Az </a:t>
+            </a:r>
+            <a:r>
+              <a:rPr lang="en-US" dirty="0" err="1"/>
+              <a:t>Func</a:t>
+            </a:r>
+            <a:endParaRPr lang="en-US" dirty="0"/>
+          </a:p>
+        </p:txBody>
+      </p:sp>
+      <p:sp>
+        <p:nvSpPr>
+          <p:cNvPr id="9" name="Rectangle: Rounded Corners 8">
+            <a:extLst>
+              <a:ext uri="{FF2B5EF4-FFF2-40B4-BE49-F238E27FC236}">
+                <a16:creationId xmlns:a16="http://schemas.microsoft.com/office/drawing/2014/main" id="{30514CA6-1564-9431-D321-9AD54BD26C28}"/>
+              </a:ext>
+            </a:extLst>
+          </p:cNvPr>
+          <p:cNvSpPr/>
+          <p:nvPr/>
+        </p:nvSpPr>
+        <p:spPr>
+          <a:xfrm>
+            <a:off x="10256362" y="5203598"/>
+            <a:ext cx="1809947" cy="1545996"/>
+          </a:xfrm>
+          <a:prstGeom prst="roundRect">
+            <a:avLst/>
+          </a:prstGeom>
+          <a:solidFill>
+            <a:srgbClr val="00B050"/>
+          </a:solidFill>
+        </p:spPr>
+        <p:style>
+          <a:lnRef idx="2">
+            <a:schemeClr val="accent1">
+              <a:shade val="50000"/>
+            </a:schemeClr>
+          </a:lnRef>
+          <a:fillRef idx="1">
+            <a:schemeClr val="accent1"/>
+          </a:fillRef>
+          <a:effectRef idx="0">
+            <a:schemeClr val="accent1"/>
+          </a:effectRef>
+          <a:fontRef idx="minor">
+            <a:schemeClr val="lt1"/>
+          </a:fontRef>
+        </p:style>
+        <p:txBody>
+          <a:bodyPr rtlCol="0" anchor="ctr"/>
+          <a:lstStyle/>
+          <a:p>
+            <a:pPr algn="ctr"/>
+            <a:r>
+              <a:rPr lang="en-US" dirty="0"/>
+              <a:t>Destination Blob Storage</a:t>
+            </a:r>
+          </a:p>
+        </p:txBody>
+      </p:sp>
+      <p:sp>
+        <p:nvSpPr>
+          <p:cNvPr id="10" name="Flowchart: Magnetic Disk 9">
+            <a:extLst>
+              <a:ext uri="{FF2B5EF4-FFF2-40B4-BE49-F238E27FC236}">
+                <a16:creationId xmlns:a16="http://schemas.microsoft.com/office/drawing/2014/main" id="{A0A94D4D-D2E1-EB77-7CB4-C6B0076BB627}"/>
+              </a:ext>
+            </a:extLst>
+          </p:cNvPr>
+          <p:cNvSpPr/>
+          <p:nvPr/>
+        </p:nvSpPr>
+        <p:spPr>
+          <a:xfrm>
+            <a:off x="9981410" y="593889"/>
+            <a:ext cx="1621411" cy="1998482"/>
+          </a:xfrm>
+          <a:prstGeom prst="flowChartMagneticDisk">
+            <a:avLst/>
+          </a:prstGeom>
+          <a:solidFill>
+            <a:srgbClr val="FFFF00"/>
+          </a:solidFill>
+        </p:spPr>
+        <p:style>
+          <a:lnRef idx="2">
+            <a:schemeClr val="accent1">
+              <a:shade val="50000"/>
+            </a:schemeClr>
+          </a:lnRef>
+          <a:fillRef idx="1">
+            <a:schemeClr val="accent1"/>
+          </a:fillRef>
+          <a:effectRef idx="0">
+            <a:schemeClr val="accent1"/>
+          </a:effectRef>
+          <a:fontRef idx="minor">
+            <a:schemeClr val="lt1"/>
+          </a:fontRef>
+        </p:style>
+        <p:txBody>
+          <a:bodyPr rtlCol="0" anchor="ctr"/>
+          <a:lstStyle/>
+          <a:p>
+            <a:pPr algn="ctr"/>
+            <a:r>
+              <a:rPr lang="en-US" b="1" dirty="0">
+                <a:solidFill>
+                  <a:srgbClr val="002060"/>
+                </a:solidFill>
+              </a:rPr>
+              <a:t>Mongo</a:t>
+            </a:r>
+          </a:p>
+          <a:p>
+            <a:pPr algn="ctr"/>
+            <a:r>
+              <a:rPr lang="en-US" b="1" dirty="0">
+                <a:solidFill>
+                  <a:srgbClr val="002060"/>
+                </a:solidFill>
+              </a:rPr>
+              <a:t>Db</a:t>
+            </a:r>
+          </a:p>
+        </p:txBody>
+      </p:sp>
+      <p:cxnSp>
+        <p:nvCxnSpPr>
+          <p:cNvPr id="13" name="Straight Connector 12">
+            <a:extLst>
+              <a:ext uri="{FF2B5EF4-FFF2-40B4-BE49-F238E27FC236}">
+                <a16:creationId xmlns:a16="http://schemas.microsoft.com/office/drawing/2014/main" id="{264D6AFA-9293-89B9-9436-691235D5B3BC}"/>
+              </a:ext>
+            </a:extLst>
+          </p:cNvPr>
+          <p:cNvCxnSpPr/>
+          <p:nvPr/>
+        </p:nvCxnSpPr>
+        <p:spPr>
+          <a:xfrm>
+            <a:off x="4257774" y="0"/>
+            <a:ext cx="0" cy="6858000"/>
+          </a:xfrm>
+          <a:prstGeom prst="line">
+            <a:avLst/>
+          </a:prstGeom>
+        </p:spPr>
+        <p:style>
+          <a:lnRef idx="3">
+            <a:schemeClr val="accent1"/>
+          </a:lnRef>
+          <a:fillRef idx="0">
+            <a:schemeClr val="accent1"/>
+          </a:fillRef>
+          <a:effectRef idx="2">
+            <a:schemeClr val="accent1"/>
+          </a:effectRef>
+          <a:fontRef idx="minor">
+            <a:schemeClr val="tx1"/>
+          </a:fontRef>
+        </p:style>
+      </p:cxnSp>
+      <p:sp>
+        <p:nvSpPr>
+          <p:cNvPr id="14" name="Smiley Face 13">
+            <a:extLst>
+              <a:ext uri="{FF2B5EF4-FFF2-40B4-BE49-F238E27FC236}">
+                <a16:creationId xmlns:a16="http://schemas.microsoft.com/office/drawing/2014/main" id="{FFFBB0E0-4786-DB97-5B76-61D69F66BEDF}"/>
+              </a:ext>
+            </a:extLst>
+          </p:cNvPr>
+          <p:cNvSpPr/>
+          <p:nvPr/>
+        </p:nvSpPr>
+        <p:spPr>
+          <a:xfrm>
+            <a:off x="414779" y="1602557"/>
+            <a:ext cx="1159492" cy="1197204"/>
+          </a:xfrm>
+          <a:prstGeom prst="smileyFace">
+            <a:avLst/>
+          </a:prstGeom>
+        </p:spPr>
+        <p:style>
+          <a:lnRef idx="2">
+            <a:schemeClr val="accent1">
+              <a:shade val="50000"/>
+            </a:schemeClr>
+          </a:lnRef>
+          <a:fillRef idx="1">
+            <a:schemeClr val="accent1"/>
+          </a:fillRef>
+          <a:effectRef idx="0">
+            <a:schemeClr val="accent1"/>
+          </a:effectRef>
+          <a:fontRef idx="minor">
+            <a:schemeClr val="lt1"/>
+          </a:fontRef>
+        </p:style>
+        <p:txBody>
+          <a:bodyPr rtlCol="0" anchor="ctr"/>
+          <a:lstStyle/>
+          <a:p>
+            <a:pPr algn="ctr"/>
+            <a:endParaRPr lang="en-US"/>
+          </a:p>
+        </p:txBody>
+      </p:sp>
+      <p:sp>
+        <p:nvSpPr>
+          <p:cNvPr id="15" name="Rectangle: Rounded Corners 14">
+            <a:extLst>
+              <a:ext uri="{FF2B5EF4-FFF2-40B4-BE49-F238E27FC236}">
+                <a16:creationId xmlns:a16="http://schemas.microsoft.com/office/drawing/2014/main" id="{406EAD9C-B975-3A57-05FE-18EE0F57BF66}"/>
+              </a:ext>
+            </a:extLst>
+          </p:cNvPr>
+          <p:cNvSpPr/>
+          <p:nvPr/>
+        </p:nvSpPr>
+        <p:spPr>
+          <a:xfrm>
+            <a:off x="4645841" y="697583"/>
+            <a:ext cx="1184633" cy="3007151"/>
+          </a:xfrm>
+          <a:prstGeom prst="roundRect">
+            <a:avLst/>
+          </a:prstGeom>
+        </p:spPr>
+        <p:style>
+          <a:lnRef idx="2">
+            <a:schemeClr val="accent1">
+              <a:shade val="50000"/>
+            </a:schemeClr>
+          </a:lnRef>
+          <a:fillRef idx="1">
+            <a:schemeClr val="accent1"/>
+          </a:fillRef>
+          <a:effectRef idx="0">
+            <a:schemeClr val="accent1"/>
+          </a:effectRef>
+          <a:fontRef idx="minor">
+            <a:schemeClr val="lt1"/>
+          </a:fontRef>
+        </p:style>
+        <p:txBody>
+          <a:bodyPr rtlCol="0" anchor="ctr"/>
+          <a:lstStyle/>
+          <a:p>
+            <a:pPr algn="ctr"/>
+            <a:r>
+              <a:rPr lang="en-US" dirty="0"/>
+              <a:t>API Gateway</a:t>
+            </a:r>
+          </a:p>
+        </p:txBody>
+      </p:sp>
+      <p:cxnSp>
+        <p:nvCxnSpPr>
+          <p:cNvPr id="17" name="Straight Arrow Connector 16">
+            <a:extLst>
+              <a:ext uri="{FF2B5EF4-FFF2-40B4-BE49-F238E27FC236}">
+                <a16:creationId xmlns:a16="http://schemas.microsoft.com/office/drawing/2014/main" id="{F792B729-5B7E-C96B-49D5-5CB9096E17E4}"/>
+              </a:ext>
+            </a:extLst>
+          </p:cNvPr>
+          <p:cNvCxnSpPr>
+            <a:stCxn id="4" idx="3"/>
+          </p:cNvCxnSpPr>
+          <p:nvPr/>
+        </p:nvCxnSpPr>
+        <p:spPr>
+          <a:xfrm>
+            <a:off x="3648176" y="2111604"/>
+            <a:ext cx="997665" cy="0"/>
+          </a:xfrm>
+          <a:prstGeom prst="straightConnector1">
+            <a:avLst/>
+          </a:prstGeom>
+          <a:ln>
+            <a:tailEnd type="triangle"/>
+          </a:ln>
+        </p:spPr>
+        <p:style>
+          <a:lnRef idx="1">
+            <a:schemeClr val="accent1"/>
+          </a:lnRef>
+          <a:fillRef idx="0">
+            <a:schemeClr val="accent1"/>
+          </a:fillRef>
+          <a:effectRef idx="0">
+            <a:schemeClr val="accent1"/>
+          </a:effectRef>
+          <a:fontRef idx="minor">
+            <a:schemeClr val="tx1"/>
+          </a:fontRef>
+        </p:style>
+      </p:cxnSp>
+      <p:cxnSp>
+        <p:nvCxnSpPr>
+          <p:cNvPr id="19" name="Straight Arrow Connector 18">
+            <a:extLst>
+              <a:ext uri="{FF2B5EF4-FFF2-40B4-BE49-F238E27FC236}">
+                <a16:creationId xmlns:a16="http://schemas.microsoft.com/office/drawing/2014/main" id="{A000E672-82FA-7C39-F989-FAA98BA3F396}"/>
+              </a:ext>
+            </a:extLst>
+          </p:cNvPr>
+          <p:cNvCxnSpPr>
+            <a:stCxn id="15" idx="2"/>
+          </p:cNvCxnSpPr>
+          <p:nvPr/>
+        </p:nvCxnSpPr>
+        <p:spPr>
+          <a:xfrm flipH="1">
+            <a:off x="5238157" y="3704734"/>
+            <a:ext cx="1" cy="1027522"/>
+          </a:xfrm>
+          <a:prstGeom prst="straightConnector1">
+            <a:avLst/>
+          </a:prstGeom>
+          <a:ln>
+            <a:tailEnd type="triangle"/>
+          </a:ln>
+        </p:spPr>
+        <p:style>
+          <a:lnRef idx="1">
+            <a:schemeClr val="accent1"/>
+          </a:lnRef>
+          <a:fillRef idx="0">
+            <a:schemeClr val="accent1"/>
+          </a:fillRef>
+          <a:effectRef idx="0">
+            <a:schemeClr val="accent1"/>
+          </a:effectRef>
+          <a:fontRef idx="minor">
+            <a:schemeClr val="tx1"/>
+          </a:fontRef>
+        </p:style>
+      </p:cxnSp>
+      <p:cxnSp>
+        <p:nvCxnSpPr>
+          <p:cNvPr id="21" name="Straight Arrow Connector 20">
+            <a:extLst>
+              <a:ext uri="{FF2B5EF4-FFF2-40B4-BE49-F238E27FC236}">
+                <a16:creationId xmlns:a16="http://schemas.microsoft.com/office/drawing/2014/main" id="{E454B2A4-58A9-1F4F-5687-10F5243DFAB8}"/>
+              </a:ext>
+            </a:extLst>
+          </p:cNvPr>
+          <p:cNvCxnSpPr>
+            <a:stCxn id="8" idx="6"/>
+            <a:endCxn id="7" idx="1"/>
+          </p:cNvCxnSpPr>
+          <p:nvPr/>
+        </p:nvCxnSpPr>
+        <p:spPr>
+          <a:xfrm>
+            <a:off x="5890179" y="5363852"/>
+            <a:ext cx="1208205" cy="0"/>
+          </a:xfrm>
+          <a:prstGeom prst="straightConnector1">
+            <a:avLst/>
+          </a:prstGeom>
+          <a:ln>
+            <a:tailEnd type="triangle"/>
+          </a:ln>
+        </p:spPr>
+        <p:style>
+          <a:lnRef idx="1">
+            <a:schemeClr val="accent1"/>
+          </a:lnRef>
+          <a:fillRef idx="0">
+            <a:schemeClr val="accent1"/>
+          </a:fillRef>
+          <a:effectRef idx="0">
+            <a:schemeClr val="accent1"/>
+          </a:effectRef>
+          <a:fontRef idx="minor">
+            <a:schemeClr val="tx1"/>
+          </a:fontRef>
+        </p:style>
+      </p:cxnSp>
+      <p:sp>
+        <p:nvSpPr>
+          <p:cNvPr id="3" name="Rectangle: Rounded Corners 2">
+            <a:extLst>
+              <a:ext uri="{FF2B5EF4-FFF2-40B4-BE49-F238E27FC236}">
+                <a16:creationId xmlns:a16="http://schemas.microsoft.com/office/drawing/2014/main" id="{3CA616FB-1EB7-0E62-B2CA-A6697DC29BF1}"/>
+              </a:ext>
+            </a:extLst>
+          </p:cNvPr>
+          <p:cNvSpPr/>
+          <p:nvPr/>
+        </p:nvSpPr>
+        <p:spPr>
+          <a:xfrm>
+            <a:off x="6953844" y="565610"/>
+            <a:ext cx="1184633" cy="3007151"/>
+          </a:xfrm>
+          <a:prstGeom prst="roundRect">
+            <a:avLst/>
+          </a:prstGeom>
+        </p:spPr>
+        <p:style>
+          <a:lnRef idx="2">
+            <a:schemeClr val="accent1">
+              <a:shade val="50000"/>
+            </a:schemeClr>
+          </a:lnRef>
+          <a:fillRef idx="1">
+            <a:schemeClr val="accent1"/>
+          </a:fillRef>
+          <a:effectRef idx="0">
+            <a:schemeClr val="accent1"/>
+          </a:effectRef>
+          <a:fontRef idx="minor">
+            <a:schemeClr val="lt1"/>
+          </a:fontRef>
+        </p:style>
+        <p:txBody>
+          <a:bodyPr rtlCol="0" anchor="ctr"/>
+          <a:lstStyle/>
+          <a:p>
+            <a:pPr algn="ctr"/>
+            <a:r>
+              <a:rPr lang="en-US" dirty="0"/>
+              <a:t>API Products</a:t>
+            </a:r>
+          </a:p>
+        </p:txBody>
+      </p:sp>
+      <p:sp>
+        <p:nvSpPr>
+          <p:cNvPr id="5" name="Oval 4">
+            <a:extLst>
+              <a:ext uri="{FF2B5EF4-FFF2-40B4-BE49-F238E27FC236}">
+                <a16:creationId xmlns:a16="http://schemas.microsoft.com/office/drawing/2014/main" id="{E6DD2D7F-6BBC-517F-CA0C-E25ABBEF351C}"/>
+              </a:ext>
+            </a:extLst>
+          </p:cNvPr>
+          <p:cNvSpPr/>
+          <p:nvPr/>
+        </p:nvSpPr>
+        <p:spPr>
+          <a:xfrm>
+            <a:off x="2413262" y="829558"/>
+            <a:ext cx="339356" cy="358219"/>
+          </a:xfrm>
+          <a:prstGeom prst="ellipse">
+            <a:avLst/>
+          </a:prstGeom>
+        </p:spPr>
+        <p:style>
+          <a:lnRef idx="2">
+            <a:schemeClr val="accent1">
+              <a:shade val="50000"/>
+            </a:schemeClr>
+          </a:lnRef>
+          <a:fillRef idx="1">
+            <a:schemeClr val="accent1"/>
+          </a:fillRef>
+          <a:effectRef idx="0">
+            <a:schemeClr val="accent1"/>
+          </a:effectRef>
+          <a:fontRef idx="minor">
+            <a:schemeClr val="lt1"/>
+          </a:fontRef>
+        </p:style>
+        <p:txBody>
+          <a:bodyPr rtlCol="0" anchor="ctr"/>
+          <a:lstStyle/>
+          <a:p>
+            <a:pPr algn="ctr"/>
+            <a:r>
+              <a:rPr lang="en-US" sz="1400" b="1" dirty="0">
+                <a:latin typeface="Verdana" panose="020B0604030504040204" pitchFamily="34" charset="0"/>
+                <a:ea typeface="Verdana" panose="020B0604030504040204" pitchFamily="34" charset="0"/>
+              </a:rPr>
+              <a:t>1</a:t>
+            </a:r>
+          </a:p>
+        </p:txBody>
+      </p:sp>
+      <p:sp>
+        <p:nvSpPr>
+          <p:cNvPr id="6" name="Oval 5">
+            <a:extLst>
+              <a:ext uri="{FF2B5EF4-FFF2-40B4-BE49-F238E27FC236}">
+                <a16:creationId xmlns:a16="http://schemas.microsoft.com/office/drawing/2014/main" id="{0092A288-D927-56D9-2848-AB82F105F73E}"/>
+              </a:ext>
+            </a:extLst>
+          </p:cNvPr>
+          <p:cNvSpPr/>
+          <p:nvPr/>
+        </p:nvSpPr>
+        <p:spPr>
+          <a:xfrm>
+            <a:off x="5049632" y="246668"/>
+            <a:ext cx="339356" cy="358219"/>
+          </a:xfrm>
+          <a:prstGeom prst="ellipse">
+            <a:avLst/>
+          </a:prstGeom>
+        </p:spPr>
+        <p:style>
+          <a:lnRef idx="2">
+            <a:schemeClr val="accent1">
+              <a:shade val="50000"/>
+            </a:schemeClr>
+          </a:lnRef>
+          <a:fillRef idx="1">
+            <a:schemeClr val="accent1"/>
+          </a:fillRef>
+          <a:effectRef idx="0">
+            <a:schemeClr val="accent1"/>
+          </a:effectRef>
+          <a:fontRef idx="minor">
+            <a:schemeClr val="lt1"/>
+          </a:fontRef>
+        </p:style>
+        <p:txBody>
+          <a:bodyPr rtlCol="0" anchor="ctr"/>
+          <a:lstStyle/>
+          <a:p>
+            <a:pPr algn="ctr"/>
+            <a:r>
+              <a:rPr lang="en-US" sz="1400" b="1" dirty="0">
+                <a:latin typeface="Verdana" panose="020B0604030504040204" pitchFamily="34" charset="0"/>
+                <a:ea typeface="Verdana" panose="020B0604030504040204" pitchFamily="34" charset="0"/>
+              </a:rPr>
+              <a:t>2</a:t>
+            </a:r>
+          </a:p>
+        </p:txBody>
+      </p:sp>
+      <p:sp>
+        <p:nvSpPr>
+          <p:cNvPr id="11" name="TextBox 10">
+            <a:extLst>
+              <a:ext uri="{FF2B5EF4-FFF2-40B4-BE49-F238E27FC236}">
+                <a16:creationId xmlns:a16="http://schemas.microsoft.com/office/drawing/2014/main" id="{45F38303-B7C8-02B3-08CA-CEBEE7F9ED70}"/>
+              </a:ext>
+            </a:extLst>
+          </p:cNvPr>
+          <p:cNvSpPr txBox="1"/>
+          <p:nvPr/>
+        </p:nvSpPr>
+        <p:spPr>
+          <a:xfrm>
+            <a:off x="5388988" y="208846"/>
+            <a:ext cx="2435260" cy="369332"/>
+          </a:xfrm>
+          <a:prstGeom prst="rect">
+            <a:avLst/>
+          </a:prstGeom>
+          <a:noFill/>
+        </p:spPr>
+        <p:txBody>
+          <a:bodyPr wrap="square" rtlCol="0">
+            <a:spAutoFit/>
+          </a:bodyPr>
+          <a:lstStyle/>
+          <a:p>
+            <a:r>
+              <a:rPr lang="en-US" dirty="0"/>
+              <a:t>Only Image Data</a:t>
+            </a:r>
+          </a:p>
+        </p:txBody>
+      </p:sp>
+      <p:sp>
+        <p:nvSpPr>
+          <p:cNvPr id="12" name="TextBox 11">
+            <a:extLst>
+              <a:ext uri="{FF2B5EF4-FFF2-40B4-BE49-F238E27FC236}">
+                <a16:creationId xmlns:a16="http://schemas.microsoft.com/office/drawing/2014/main" id="{F1D09116-952B-B7D4-D806-24D54A3515A1}"/>
+              </a:ext>
+            </a:extLst>
+          </p:cNvPr>
+          <p:cNvSpPr txBox="1"/>
+          <p:nvPr/>
+        </p:nvSpPr>
+        <p:spPr>
+          <a:xfrm>
+            <a:off x="2764418" y="813004"/>
+            <a:ext cx="2435260" cy="369332"/>
+          </a:xfrm>
+          <a:prstGeom prst="rect">
+            <a:avLst/>
+          </a:prstGeom>
+          <a:noFill/>
+        </p:spPr>
+        <p:txBody>
+          <a:bodyPr wrap="square" rtlCol="0">
+            <a:spAutoFit/>
+          </a:bodyPr>
+          <a:lstStyle/>
+          <a:p>
+            <a:r>
+              <a:rPr lang="en-US" dirty="0"/>
+              <a:t>Upload Image</a:t>
+            </a:r>
+          </a:p>
+        </p:txBody>
+      </p:sp>
+      <p:sp>
+        <p:nvSpPr>
+          <p:cNvPr id="16" name="Oval 15">
+            <a:extLst>
+              <a:ext uri="{FF2B5EF4-FFF2-40B4-BE49-F238E27FC236}">
+                <a16:creationId xmlns:a16="http://schemas.microsoft.com/office/drawing/2014/main" id="{698B39D5-10EB-AC05-D2BB-01FDE30E7097}"/>
+              </a:ext>
+            </a:extLst>
+          </p:cNvPr>
+          <p:cNvSpPr/>
+          <p:nvPr/>
+        </p:nvSpPr>
+        <p:spPr>
+          <a:xfrm>
+            <a:off x="5137607" y="6169961"/>
+            <a:ext cx="339356" cy="358219"/>
+          </a:xfrm>
+          <a:prstGeom prst="ellipse">
+            <a:avLst/>
+          </a:prstGeom>
+        </p:spPr>
+        <p:style>
+          <a:lnRef idx="2">
+            <a:schemeClr val="accent1">
+              <a:shade val="50000"/>
+            </a:schemeClr>
+          </a:lnRef>
+          <a:fillRef idx="1">
+            <a:schemeClr val="accent1"/>
+          </a:fillRef>
+          <a:effectRef idx="0">
+            <a:schemeClr val="accent1"/>
+          </a:effectRef>
+          <a:fontRef idx="minor">
+            <a:schemeClr val="lt1"/>
+          </a:fontRef>
+        </p:style>
+        <p:txBody>
+          <a:bodyPr rtlCol="0" anchor="ctr"/>
+          <a:lstStyle/>
+          <a:p>
+            <a:pPr algn="ctr"/>
+            <a:r>
+              <a:rPr lang="en-US" sz="1400" b="1" dirty="0">
+                <a:latin typeface="Verdana" panose="020B0604030504040204" pitchFamily="34" charset="0"/>
+                <a:ea typeface="Verdana" panose="020B0604030504040204" pitchFamily="34" charset="0"/>
+              </a:rPr>
+              <a:t>3</a:t>
+            </a:r>
+          </a:p>
+        </p:txBody>
+      </p:sp>
+      <p:sp>
+        <p:nvSpPr>
+          <p:cNvPr id="18" name="TextBox 17">
+            <a:extLst>
+              <a:ext uri="{FF2B5EF4-FFF2-40B4-BE49-F238E27FC236}">
+                <a16:creationId xmlns:a16="http://schemas.microsoft.com/office/drawing/2014/main" id="{4BE3AB22-CDFD-4255-AA28-6D0ABFA630C5}"/>
+              </a:ext>
+            </a:extLst>
+          </p:cNvPr>
+          <p:cNvSpPr txBox="1"/>
+          <p:nvPr/>
+        </p:nvSpPr>
+        <p:spPr>
+          <a:xfrm>
+            <a:off x="5516252" y="6130568"/>
+            <a:ext cx="2875183" cy="369332"/>
+          </a:xfrm>
+          <a:prstGeom prst="rect">
+            <a:avLst/>
+          </a:prstGeom>
+          <a:noFill/>
+        </p:spPr>
+        <p:txBody>
+          <a:bodyPr wrap="square" rtlCol="0">
+            <a:spAutoFit/>
+          </a:bodyPr>
+          <a:lstStyle/>
+          <a:p>
+            <a:r>
+              <a:rPr lang="en-US" dirty="0"/>
+              <a:t>Creates Image in Storage</a:t>
+            </a:r>
+          </a:p>
+        </p:txBody>
+      </p:sp>
+      <p:sp>
+        <p:nvSpPr>
+          <p:cNvPr id="20" name="Oval 19">
+            <a:extLst>
+              <a:ext uri="{FF2B5EF4-FFF2-40B4-BE49-F238E27FC236}">
+                <a16:creationId xmlns:a16="http://schemas.microsoft.com/office/drawing/2014/main" id="{CD134569-0F13-985E-A38C-ED8264227826}"/>
+              </a:ext>
+            </a:extLst>
+          </p:cNvPr>
+          <p:cNvSpPr/>
+          <p:nvPr/>
+        </p:nvSpPr>
+        <p:spPr>
+          <a:xfrm>
+            <a:off x="7198949" y="4217045"/>
+            <a:ext cx="339356" cy="358219"/>
+          </a:xfrm>
+          <a:prstGeom prst="ellipse">
+            <a:avLst/>
+          </a:prstGeom>
+        </p:spPr>
+        <p:style>
+          <a:lnRef idx="2">
+            <a:schemeClr val="accent1">
+              <a:shade val="50000"/>
+            </a:schemeClr>
+          </a:lnRef>
+          <a:fillRef idx="1">
+            <a:schemeClr val="accent1"/>
+          </a:fillRef>
+          <a:effectRef idx="0">
+            <a:schemeClr val="accent1"/>
+          </a:effectRef>
+          <a:fontRef idx="minor">
+            <a:schemeClr val="lt1"/>
+          </a:fontRef>
+        </p:style>
+        <p:txBody>
+          <a:bodyPr rtlCol="0" anchor="ctr"/>
+          <a:lstStyle/>
+          <a:p>
+            <a:pPr algn="ctr"/>
+            <a:r>
+              <a:rPr lang="en-US" sz="1400" b="1" dirty="0">
+                <a:latin typeface="Verdana" panose="020B0604030504040204" pitchFamily="34" charset="0"/>
+                <a:ea typeface="Verdana" panose="020B0604030504040204" pitchFamily="34" charset="0"/>
+              </a:rPr>
+              <a:t>4</a:t>
+            </a:r>
+          </a:p>
+        </p:txBody>
+      </p:sp>
+      <p:sp>
+        <p:nvSpPr>
+          <p:cNvPr id="22" name="TextBox 21">
+            <a:extLst>
+              <a:ext uri="{FF2B5EF4-FFF2-40B4-BE49-F238E27FC236}">
+                <a16:creationId xmlns:a16="http://schemas.microsoft.com/office/drawing/2014/main" id="{C875B211-CF69-3C0A-5849-9C6CB32371E3}"/>
+              </a:ext>
+            </a:extLst>
+          </p:cNvPr>
+          <p:cNvSpPr txBox="1"/>
+          <p:nvPr/>
+        </p:nvSpPr>
+        <p:spPr>
+          <a:xfrm>
+            <a:off x="7538306" y="4187079"/>
+            <a:ext cx="1696824" cy="369332"/>
+          </a:xfrm>
+          <a:prstGeom prst="rect">
+            <a:avLst/>
+          </a:prstGeom>
+          <a:noFill/>
+        </p:spPr>
+        <p:txBody>
+          <a:bodyPr wrap="square" rtlCol="0">
+            <a:spAutoFit/>
+          </a:bodyPr>
+          <a:lstStyle/>
+          <a:p>
+            <a:r>
+              <a:rPr lang="en-US" dirty="0"/>
+              <a:t>Image Created</a:t>
+            </a:r>
+          </a:p>
+        </p:txBody>
+      </p:sp>
+      <p:sp>
+        <p:nvSpPr>
+          <p:cNvPr id="23" name="Oval 22">
+            <a:extLst>
+              <a:ext uri="{FF2B5EF4-FFF2-40B4-BE49-F238E27FC236}">
+                <a16:creationId xmlns:a16="http://schemas.microsoft.com/office/drawing/2014/main" id="{C23CA662-1857-EDF4-3973-E088455A8F6C}"/>
+              </a:ext>
+            </a:extLst>
+          </p:cNvPr>
+          <p:cNvSpPr/>
+          <p:nvPr/>
+        </p:nvSpPr>
+        <p:spPr>
+          <a:xfrm>
+            <a:off x="2537400" y="3186259"/>
+            <a:ext cx="339356" cy="358219"/>
+          </a:xfrm>
+          <a:prstGeom prst="ellipse">
+            <a:avLst/>
+          </a:prstGeom>
+          <a:solidFill>
+            <a:schemeClr val="accent2">
+              <a:lumMod val="75000"/>
+            </a:schemeClr>
+          </a:solidFill>
+        </p:spPr>
+        <p:style>
+          <a:lnRef idx="2">
+            <a:schemeClr val="accent1">
+              <a:shade val="50000"/>
+            </a:schemeClr>
+          </a:lnRef>
+          <a:fillRef idx="1">
+            <a:schemeClr val="accent1"/>
+          </a:fillRef>
+          <a:effectRef idx="0">
+            <a:schemeClr val="accent1"/>
+          </a:effectRef>
+          <a:fontRef idx="minor">
+            <a:schemeClr val="lt1"/>
+          </a:fontRef>
+        </p:style>
+        <p:txBody>
+          <a:bodyPr rtlCol="0" anchor="ctr"/>
+          <a:lstStyle/>
+          <a:p>
+            <a:pPr algn="ctr"/>
+            <a:r>
+              <a:rPr lang="en-US" sz="1400" b="1" dirty="0">
+                <a:latin typeface="Verdana" panose="020B0604030504040204" pitchFamily="34" charset="0"/>
+                <a:ea typeface="Verdana" panose="020B0604030504040204" pitchFamily="34" charset="0"/>
+              </a:rPr>
+              <a:t>1</a:t>
+            </a:r>
+          </a:p>
+        </p:txBody>
+      </p:sp>
+      <p:sp>
+        <p:nvSpPr>
+          <p:cNvPr id="24" name="TextBox 23">
+            <a:extLst>
+              <a:ext uri="{FF2B5EF4-FFF2-40B4-BE49-F238E27FC236}">
+                <a16:creationId xmlns:a16="http://schemas.microsoft.com/office/drawing/2014/main" id="{33EE431E-2041-63CD-78BB-B5200989A66A}"/>
+              </a:ext>
+            </a:extLst>
+          </p:cNvPr>
+          <p:cNvSpPr txBox="1"/>
+          <p:nvPr/>
+        </p:nvSpPr>
+        <p:spPr>
+          <a:xfrm>
+            <a:off x="1754959" y="3544478"/>
+            <a:ext cx="2435260" cy="646331"/>
+          </a:xfrm>
+          <a:prstGeom prst="rect">
+            <a:avLst/>
+          </a:prstGeom>
+          <a:noFill/>
+        </p:spPr>
+        <p:txBody>
+          <a:bodyPr wrap="square" rtlCol="0">
+            <a:spAutoFit/>
+          </a:bodyPr>
+          <a:lstStyle/>
+          <a:p>
+            <a:r>
+              <a:rPr lang="en-US" dirty="0"/>
+              <a:t>Products DTO with Image GUID</a:t>
+            </a:r>
+          </a:p>
+        </p:txBody>
+      </p:sp>
+      <p:sp>
+        <p:nvSpPr>
+          <p:cNvPr id="25" name="Oval 24">
+            <a:extLst>
+              <a:ext uri="{FF2B5EF4-FFF2-40B4-BE49-F238E27FC236}">
+                <a16:creationId xmlns:a16="http://schemas.microsoft.com/office/drawing/2014/main" id="{746C00D7-027B-C748-C12E-473B5F442EAF}"/>
+              </a:ext>
+            </a:extLst>
+          </p:cNvPr>
+          <p:cNvSpPr/>
+          <p:nvPr/>
+        </p:nvSpPr>
+        <p:spPr>
+          <a:xfrm>
+            <a:off x="5879184" y="3180717"/>
+            <a:ext cx="339356" cy="358219"/>
+          </a:xfrm>
+          <a:prstGeom prst="ellipse">
+            <a:avLst/>
+          </a:prstGeom>
+          <a:solidFill>
+            <a:schemeClr val="accent2">
+              <a:lumMod val="75000"/>
+            </a:schemeClr>
+          </a:solidFill>
+        </p:spPr>
+        <p:style>
+          <a:lnRef idx="2">
+            <a:schemeClr val="accent1">
+              <a:shade val="50000"/>
+            </a:schemeClr>
+          </a:lnRef>
+          <a:fillRef idx="1">
+            <a:schemeClr val="accent1"/>
+          </a:fillRef>
+          <a:effectRef idx="0">
+            <a:schemeClr val="accent1"/>
+          </a:effectRef>
+          <a:fontRef idx="minor">
+            <a:schemeClr val="lt1"/>
+          </a:fontRef>
+        </p:style>
+        <p:txBody>
+          <a:bodyPr rtlCol="0" anchor="ctr"/>
+          <a:lstStyle/>
+          <a:p>
+            <a:pPr algn="ctr"/>
+            <a:r>
+              <a:rPr lang="en-US" sz="1400" b="1" dirty="0">
+                <a:latin typeface="Verdana" panose="020B0604030504040204" pitchFamily="34" charset="0"/>
+                <a:ea typeface="Verdana" panose="020B0604030504040204" pitchFamily="34" charset="0"/>
+              </a:rPr>
+              <a:t>2</a:t>
+            </a:r>
+          </a:p>
+        </p:txBody>
+      </p:sp>
+      <p:sp>
+        <p:nvSpPr>
+          <p:cNvPr id="26" name="Oval 25">
+            <a:extLst>
+              <a:ext uri="{FF2B5EF4-FFF2-40B4-BE49-F238E27FC236}">
+                <a16:creationId xmlns:a16="http://schemas.microsoft.com/office/drawing/2014/main" id="{21853EBE-7F75-8C45-0396-F06F9FD6FB3F}"/>
+              </a:ext>
+            </a:extLst>
+          </p:cNvPr>
+          <p:cNvSpPr/>
+          <p:nvPr/>
+        </p:nvSpPr>
+        <p:spPr>
+          <a:xfrm>
+            <a:off x="8322518" y="3070781"/>
+            <a:ext cx="339356" cy="358219"/>
+          </a:xfrm>
+          <a:prstGeom prst="ellipse">
+            <a:avLst/>
+          </a:prstGeom>
+          <a:solidFill>
+            <a:schemeClr val="accent2">
+              <a:lumMod val="75000"/>
+            </a:schemeClr>
+          </a:solidFill>
+        </p:spPr>
+        <p:style>
+          <a:lnRef idx="2">
+            <a:schemeClr val="accent1">
+              <a:shade val="50000"/>
+            </a:schemeClr>
+          </a:lnRef>
+          <a:fillRef idx="1">
+            <a:schemeClr val="accent1"/>
+          </a:fillRef>
+          <a:effectRef idx="0">
+            <a:schemeClr val="accent1"/>
+          </a:effectRef>
+          <a:fontRef idx="minor">
+            <a:schemeClr val="lt1"/>
+          </a:fontRef>
+        </p:style>
+        <p:txBody>
+          <a:bodyPr rtlCol="0" anchor="ctr"/>
+          <a:lstStyle/>
+          <a:p>
+            <a:pPr algn="ctr"/>
+            <a:r>
+              <a:rPr lang="en-US" sz="1400" b="1" dirty="0">
+                <a:latin typeface="Verdana" panose="020B0604030504040204" pitchFamily="34" charset="0"/>
+                <a:ea typeface="Verdana" panose="020B0604030504040204" pitchFamily="34" charset="0"/>
+              </a:rPr>
+              <a:t>3</a:t>
+            </a:r>
+          </a:p>
+        </p:txBody>
+      </p:sp>
+      <p:sp>
+        <p:nvSpPr>
+          <p:cNvPr id="27" name="Oval 26">
+            <a:extLst>
+              <a:ext uri="{FF2B5EF4-FFF2-40B4-BE49-F238E27FC236}">
+                <a16:creationId xmlns:a16="http://schemas.microsoft.com/office/drawing/2014/main" id="{38B5F783-7974-E4CE-9C10-8E9CCAD393E2}"/>
+              </a:ext>
+            </a:extLst>
+          </p:cNvPr>
+          <p:cNvSpPr/>
+          <p:nvPr/>
+        </p:nvSpPr>
+        <p:spPr>
+          <a:xfrm>
+            <a:off x="11701560" y="1611983"/>
+            <a:ext cx="339356" cy="358219"/>
+          </a:xfrm>
+          <a:prstGeom prst="ellipse">
+            <a:avLst/>
+          </a:prstGeom>
+          <a:solidFill>
+            <a:schemeClr val="accent2">
+              <a:lumMod val="75000"/>
+            </a:schemeClr>
+          </a:solidFill>
+        </p:spPr>
+        <p:style>
+          <a:lnRef idx="2">
+            <a:schemeClr val="accent1">
+              <a:shade val="50000"/>
+            </a:schemeClr>
+          </a:lnRef>
+          <a:fillRef idx="1">
+            <a:schemeClr val="accent1"/>
+          </a:fillRef>
+          <a:effectRef idx="0">
+            <a:schemeClr val="accent1"/>
+          </a:effectRef>
+          <a:fontRef idx="minor">
+            <a:schemeClr val="lt1"/>
+          </a:fontRef>
+        </p:style>
+        <p:txBody>
+          <a:bodyPr rtlCol="0" anchor="ctr"/>
+          <a:lstStyle/>
+          <a:p>
+            <a:pPr algn="ctr"/>
+            <a:r>
+              <a:rPr lang="en-US" sz="1400" b="1" dirty="0">
+                <a:latin typeface="Verdana" panose="020B0604030504040204" pitchFamily="34" charset="0"/>
+                <a:ea typeface="Verdana" panose="020B0604030504040204" pitchFamily="34" charset="0"/>
+              </a:rPr>
+              <a:t>4</a:t>
+            </a:r>
+          </a:p>
+        </p:txBody>
+      </p:sp>
+      <p:cxnSp>
+        <p:nvCxnSpPr>
+          <p:cNvPr id="30" name="Straight Arrow Connector 29">
+            <a:extLst>
+              <a:ext uri="{FF2B5EF4-FFF2-40B4-BE49-F238E27FC236}">
+                <a16:creationId xmlns:a16="http://schemas.microsoft.com/office/drawing/2014/main" id="{806EE8AA-FF34-1845-BBB3-9AE8B4D0677A}"/>
+              </a:ext>
+            </a:extLst>
+          </p:cNvPr>
+          <p:cNvCxnSpPr/>
+          <p:nvPr/>
+        </p:nvCxnSpPr>
+        <p:spPr>
+          <a:xfrm>
+            <a:off x="3648176" y="2394408"/>
+            <a:ext cx="997665" cy="0"/>
+          </a:xfrm>
+          <a:prstGeom prst="straightConnector1">
+            <a:avLst/>
+          </a:prstGeom>
+          <a:ln>
+            <a:solidFill>
+              <a:schemeClr val="accent2">
+                <a:lumMod val="75000"/>
+              </a:schemeClr>
+            </a:solidFill>
+            <a:tailEnd type="triangle"/>
+          </a:ln>
+        </p:spPr>
+        <p:style>
+          <a:lnRef idx="3">
+            <a:schemeClr val="accent2"/>
+          </a:lnRef>
+          <a:fillRef idx="0">
+            <a:schemeClr val="accent2"/>
+          </a:fillRef>
+          <a:effectRef idx="2">
+            <a:schemeClr val="accent2"/>
+          </a:effectRef>
+          <a:fontRef idx="minor">
+            <a:schemeClr val="tx1"/>
+          </a:fontRef>
+        </p:style>
+      </p:cxnSp>
+      <p:cxnSp>
+        <p:nvCxnSpPr>
+          <p:cNvPr id="31" name="Straight Arrow Connector 30">
+            <a:extLst>
+              <a:ext uri="{FF2B5EF4-FFF2-40B4-BE49-F238E27FC236}">
+                <a16:creationId xmlns:a16="http://schemas.microsoft.com/office/drawing/2014/main" id="{38A20139-4CF5-595E-56E8-AFB93CE756F3}"/>
+              </a:ext>
+            </a:extLst>
+          </p:cNvPr>
+          <p:cNvCxnSpPr>
+            <a:cxnSpLocks/>
+            <a:stCxn id="15" idx="3"/>
+          </p:cNvCxnSpPr>
+          <p:nvPr/>
+        </p:nvCxnSpPr>
+        <p:spPr>
+          <a:xfrm flipV="1">
+            <a:off x="5830474" y="1993770"/>
+            <a:ext cx="1123370" cy="207389"/>
+          </a:xfrm>
+          <a:prstGeom prst="straightConnector1">
+            <a:avLst/>
+          </a:prstGeom>
+          <a:ln>
+            <a:solidFill>
+              <a:schemeClr val="accent2">
+                <a:lumMod val="75000"/>
+              </a:schemeClr>
+            </a:solidFill>
+            <a:tailEnd type="triangle"/>
+          </a:ln>
+        </p:spPr>
+        <p:style>
+          <a:lnRef idx="3">
+            <a:schemeClr val="accent2"/>
+          </a:lnRef>
+          <a:fillRef idx="0">
+            <a:schemeClr val="accent2"/>
+          </a:fillRef>
+          <a:effectRef idx="2">
+            <a:schemeClr val="accent2"/>
+          </a:effectRef>
+          <a:fontRef idx="minor">
+            <a:schemeClr val="tx1"/>
+          </a:fontRef>
+        </p:style>
+      </p:cxnSp>
+      <p:cxnSp>
+        <p:nvCxnSpPr>
+          <p:cNvPr id="34" name="Straight Arrow Connector 33">
+            <a:extLst>
+              <a:ext uri="{FF2B5EF4-FFF2-40B4-BE49-F238E27FC236}">
+                <a16:creationId xmlns:a16="http://schemas.microsoft.com/office/drawing/2014/main" id="{0814023E-0B0F-86FD-4819-BCB6AF69A294}"/>
+              </a:ext>
+            </a:extLst>
+          </p:cNvPr>
+          <p:cNvCxnSpPr>
+            <a:cxnSpLocks/>
+            <a:endCxn id="10" idx="2"/>
+          </p:cNvCxnSpPr>
+          <p:nvPr/>
+        </p:nvCxnSpPr>
+        <p:spPr>
+          <a:xfrm flipV="1">
+            <a:off x="8138477" y="1593130"/>
+            <a:ext cx="1842933" cy="10998"/>
+          </a:xfrm>
+          <a:prstGeom prst="straightConnector1">
+            <a:avLst/>
+          </a:prstGeom>
+          <a:ln>
+            <a:solidFill>
+              <a:schemeClr val="accent2">
+                <a:lumMod val="75000"/>
+              </a:schemeClr>
+            </a:solidFill>
+            <a:tailEnd type="triangle"/>
+          </a:ln>
+        </p:spPr>
+        <p:style>
+          <a:lnRef idx="3">
+            <a:schemeClr val="accent2"/>
+          </a:lnRef>
+          <a:fillRef idx="0">
+            <a:schemeClr val="accent2"/>
+          </a:fillRef>
+          <a:effectRef idx="2">
+            <a:schemeClr val="accent2"/>
+          </a:effectRef>
+          <a:fontRef idx="minor">
+            <a:schemeClr val="tx1"/>
+          </a:fontRef>
+        </p:style>
+      </p:cxnSp>
+      <p:sp>
+        <p:nvSpPr>
+          <p:cNvPr id="38" name="Rectangle: Beveled 37">
+            <a:extLst>
+              <a:ext uri="{FF2B5EF4-FFF2-40B4-BE49-F238E27FC236}">
+                <a16:creationId xmlns:a16="http://schemas.microsoft.com/office/drawing/2014/main" id="{30032567-D4AC-54E0-BB0D-05BC4D8D64A8}"/>
+              </a:ext>
+            </a:extLst>
+          </p:cNvPr>
+          <p:cNvSpPr/>
+          <p:nvPr/>
+        </p:nvSpPr>
+        <p:spPr>
+          <a:xfrm>
+            <a:off x="9180918" y="5015296"/>
+            <a:ext cx="953686" cy="697585"/>
+          </a:xfrm>
+          <a:prstGeom prst="bevel">
+            <a:avLst/>
+          </a:prstGeom>
+          <a:solidFill>
+            <a:schemeClr val="accent4">
+              <a:lumMod val="75000"/>
+            </a:schemeClr>
+          </a:solidFill>
+        </p:spPr>
+        <p:style>
+          <a:lnRef idx="2">
+            <a:schemeClr val="accent1">
+              <a:shade val="50000"/>
+            </a:schemeClr>
+          </a:lnRef>
+          <a:fillRef idx="1">
+            <a:schemeClr val="accent1"/>
+          </a:fillRef>
+          <a:effectRef idx="0">
+            <a:schemeClr val="accent1"/>
+          </a:effectRef>
+          <a:fontRef idx="minor">
+            <a:schemeClr val="lt1"/>
+          </a:fontRef>
+        </p:style>
+        <p:txBody>
+          <a:bodyPr rtlCol="0" anchor="ctr"/>
+          <a:lstStyle/>
+          <a:p>
+            <a:pPr algn="ctr"/>
+            <a:r>
+              <a:rPr lang="en-US" sz="1200" b="1" dirty="0">
+                <a:latin typeface="Verdana" panose="020B0604030504040204" pitchFamily="34" charset="0"/>
+                <a:ea typeface="Verdana" panose="020B0604030504040204" pitchFamily="34" charset="0"/>
+              </a:rPr>
+              <a:t>Clean Up Job</a:t>
+            </a:r>
+          </a:p>
+        </p:txBody>
+      </p:sp>
+      <p:cxnSp>
+        <p:nvCxnSpPr>
+          <p:cNvPr id="40" name="Straight Arrow Connector 39">
+            <a:extLst>
+              <a:ext uri="{FF2B5EF4-FFF2-40B4-BE49-F238E27FC236}">
+                <a16:creationId xmlns:a16="http://schemas.microsoft.com/office/drawing/2014/main" id="{83243605-6F0F-8BB0-D24C-F0DE1879B8C2}"/>
+              </a:ext>
+            </a:extLst>
+          </p:cNvPr>
+          <p:cNvCxnSpPr>
+            <a:stCxn id="38" idx="4"/>
+            <a:endCxn id="7" idx="3"/>
+          </p:cNvCxnSpPr>
+          <p:nvPr/>
+        </p:nvCxnSpPr>
+        <p:spPr>
+          <a:xfrm flipH="1" flipV="1">
+            <a:off x="8795208" y="5363852"/>
+            <a:ext cx="385710" cy="237"/>
+          </a:xfrm>
+          <a:prstGeom prst="straightConnector1">
+            <a:avLst/>
+          </a:prstGeom>
+          <a:ln>
+            <a:tailEnd type="triangle"/>
+          </a:ln>
+        </p:spPr>
+        <p:style>
+          <a:lnRef idx="1">
+            <a:schemeClr val="accent1"/>
+          </a:lnRef>
+          <a:fillRef idx="0">
+            <a:schemeClr val="accent1"/>
+          </a:fillRef>
+          <a:effectRef idx="0">
+            <a:schemeClr val="accent1"/>
+          </a:effectRef>
+          <a:fontRef idx="minor">
+            <a:schemeClr val="tx1"/>
+          </a:fontRef>
+        </p:style>
+      </p:cxnSp>
+      <p:sp>
+        <p:nvSpPr>
+          <p:cNvPr id="42" name="Hexagon 41">
+            <a:extLst>
+              <a:ext uri="{FF2B5EF4-FFF2-40B4-BE49-F238E27FC236}">
+                <a16:creationId xmlns:a16="http://schemas.microsoft.com/office/drawing/2014/main" id="{DE44D164-78E2-7541-709D-B53D5DE4C700}"/>
+              </a:ext>
+            </a:extLst>
+          </p:cNvPr>
+          <p:cNvSpPr/>
+          <p:nvPr/>
+        </p:nvSpPr>
+        <p:spPr>
+          <a:xfrm>
+            <a:off x="10342780" y="3429000"/>
+            <a:ext cx="966255" cy="758079"/>
+          </a:xfrm>
+          <a:prstGeom prst="hexagon">
+            <a:avLst/>
+          </a:prstGeom>
+          <a:solidFill>
+            <a:srgbClr val="7030A0"/>
+          </a:solidFill>
+        </p:spPr>
+        <p:style>
+          <a:lnRef idx="2">
+            <a:schemeClr val="accent1">
+              <a:shade val="50000"/>
+            </a:schemeClr>
+          </a:lnRef>
+          <a:fillRef idx="1">
+            <a:schemeClr val="accent1"/>
+          </a:fillRef>
+          <a:effectRef idx="0">
+            <a:schemeClr val="accent1"/>
+          </a:effectRef>
+          <a:fontRef idx="minor">
+            <a:schemeClr val="lt1"/>
+          </a:fontRef>
+        </p:style>
+        <p:txBody>
+          <a:bodyPr rtlCol="0" anchor="ctr"/>
+          <a:lstStyle/>
+          <a:p>
+            <a:pPr algn="ctr"/>
+            <a:r>
+              <a:rPr lang="en-US" sz="1200" dirty="0">
+                <a:latin typeface="Verdana" panose="020B0604030504040204" pitchFamily="34" charset="0"/>
+                <a:ea typeface="Verdana" panose="020B0604030504040204" pitchFamily="34" charset="0"/>
+              </a:rPr>
+              <a:t>Rabbit MQ</a:t>
+            </a:r>
+          </a:p>
+        </p:txBody>
+      </p:sp>
+      <p:cxnSp>
+        <p:nvCxnSpPr>
+          <p:cNvPr id="44" name="Straight Arrow Connector 43">
+            <a:extLst>
+              <a:ext uri="{FF2B5EF4-FFF2-40B4-BE49-F238E27FC236}">
+                <a16:creationId xmlns:a16="http://schemas.microsoft.com/office/drawing/2014/main" id="{8A973CD5-BACA-0587-574B-FF61FA4C3B46}"/>
+              </a:ext>
+            </a:extLst>
+          </p:cNvPr>
+          <p:cNvCxnSpPr>
+            <a:stCxn id="10" idx="3"/>
+          </p:cNvCxnSpPr>
+          <p:nvPr/>
+        </p:nvCxnSpPr>
+        <p:spPr>
+          <a:xfrm>
+            <a:off x="10792116" y="2592371"/>
+            <a:ext cx="11002" cy="836629"/>
+          </a:xfrm>
+          <a:prstGeom prst="straightConnector1">
+            <a:avLst/>
+          </a:prstGeom>
+          <a:ln>
+            <a:tailEnd type="triangle"/>
+          </a:ln>
+        </p:spPr>
+        <p:style>
+          <a:lnRef idx="1">
+            <a:schemeClr val="accent1"/>
+          </a:lnRef>
+          <a:fillRef idx="0">
+            <a:schemeClr val="accent1"/>
+          </a:fillRef>
+          <a:effectRef idx="0">
+            <a:schemeClr val="accent1"/>
+          </a:effectRef>
+          <a:fontRef idx="minor">
+            <a:schemeClr val="tx1"/>
+          </a:fontRef>
+        </p:style>
+      </p:cxnSp>
+      <p:sp>
+        <p:nvSpPr>
+          <p:cNvPr id="46" name="Oval 45">
+            <a:extLst>
+              <a:ext uri="{FF2B5EF4-FFF2-40B4-BE49-F238E27FC236}">
+                <a16:creationId xmlns:a16="http://schemas.microsoft.com/office/drawing/2014/main" id="{24103BCA-347F-4552-CF6C-1A84C2B1FA00}"/>
+              </a:ext>
+            </a:extLst>
+          </p:cNvPr>
+          <p:cNvSpPr/>
+          <p:nvPr/>
+        </p:nvSpPr>
+        <p:spPr>
+          <a:xfrm>
+            <a:off x="10085120" y="4371745"/>
+            <a:ext cx="812274" cy="697585"/>
+          </a:xfrm>
+          <a:prstGeom prst="ellipse">
+            <a:avLst/>
+          </a:prstGeom>
+          <a:solidFill>
+            <a:srgbClr val="7030A0"/>
+          </a:solidFill>
+        </p:spPr>
+        <p:style>
+          <a:lnRef idx="2">
+            <a:schemeClr val="accent1">
+              <a:shade val="50000"/>
+            </a:schemeClr>
+          </a:lnRef>
+          <a:fillRef idx="1">
+            <a:schemeClr val="accent1"/>
+          </a:fillRef>
+          <a:effectRef idx="0">
+            <a:schemeClr val="accent1"/>
+          </a:effectRef>
+          <a:fontRef idx="minor">
+            <a:schemeClr val="lt1"/>
+          </a:fontRef>
+        </p:style>
+        <p:txBody>
+          <a:bodyPr rtlCol="0" anchor="ctr"/>
+          <a:lstStyle/>
+          <a:p>
+            <a:pPr algn="ctr"/>
+            <a:r>
+              <a:rPr lang="en-US" sz="900" b="1" dirty="0">
+                <a:latin typeface="Verdana" panose="020B0604030504040204" pitchFamily="34" charset="0"/>
+                <a:ea typeface="Verdana" panose="020B0604030504040204" pitchFamily="34" charset="0"/>
+              </a:rPr>
+              <a:t>Temp to </a:t>
+            </a:r>
+            <a:r>
+              <a:rPr lang="en-US" sz="900" b="1" dirty="0" err="1">
+                <a:latin typeface="Verdana" panose="020B0604030504040204" pitchFamily="34" charset="0"/>
+                <a:ea typeface="Verdana" panose="020B0604030504040204" pitchFamily="34" charset="0"/>
+              </a:rPr>
+              <a:t>Dest</a:t>
+            </a:r>
+            <a:endParaRPr lang="en-US" sz="900" b="1" dirty="0">
+              <a:latin typeface="Verdana" panose="020B0604030504040204" pitchFamily="34" charset="0"/>
+              <a:ea typeface="Verdana" panose="020B0604030504040204" pitchFamily="34" charset="0"/>
+            </a:endParaRPr>
+          </a:p>
+        </p:txBody>
+      </p:sp>
+      <p:sp>
+        <p:nvSpPr>
+          <p:cNvPr id="49" name="Oval 48">
+            <a:extLst>
+              <a:ext uri="{FF2B5EF4-FFF2-40B4-BE49-F238E27FC236}">
+                <a16:creationId xmlns:a16="http://schemas.microsoft.com/office/drawing/2014/main" id="{FA6172B3-CE39-3CE5-9080-A55EA93BFC98}"/>
+              </a:ext>
+            </a:extLst>
+          </p:cNvPr>
+          <p:cNvSpPr/>
+          <p:nvPr/>
+        </p:nvSpPr>
+        <p:spPr>
+          <a:xfrm>
+            <a:off x="10889287" y="2680088"/>
+            <a:ext cx="812273" cy="535751"/>
+          </a:xfrm>
+          <a:prstGeom prst="ellipse">
+            <a:avLst/>
+          </a:prstGeom>
+          <a:solidFill>
+            <a:srgbClr val="7030A0"/>
+          </a:solidFill>
+        </p:spPr>
+        <p:style>
+          <a:lnRef idx="2">
+            <a:schemeClr val="accent1">
+              <a:shade val="50000"/>
+            </a:schemeClr>
+          </a:lnRef>
+          <a:fillRef idx="1">
+            <a:schemeClr val="accent1"/>
+          </a:fillRef>
+          <a:effectRef idx="0">
+            <a:schemeClr val="accent1"/>
+          </a:effectRef>
+          <a:fontRef idx="minor">
+            <a:schemeClr val="lt1"/>
+          </a:fontRef>
+        </p:style>
+        <p:txBody>
+          <a:bodyPr rtlCol="0" anchor="ctr"/>
+          <a:lstStyle/>
+          <a:p>
+            <a:pPr algn="ctr"/>
+            <a:r>
+              <a:rPr lang="en-US" sz="1200" dirty="0">
+                <a:latin typeface="Verdana" panose="020B0604030504040204" pitchFamily="34" charset="0"/>
+                <a:ea typeface="Verdana" panose="020B0604030504040204" pitchFamily="34" charset="0"/>
+              </a:rPr>
+              <a:t>CD to Q</a:t>
+            </a:r>
+          </a:p>
+        </p:txBody>
+      </p:sp>
+      <p:sp>
+        <p:nvSpPr>
+          <p:cNvPr id="51" name="Oval 50">
+            <a:extLst>
+              <a:ext uri="{FF2B5EF4-FFF2-40B4-BE49-F238E27FC236}">
+                <a16:creationId xmlns:a16="http://schemas.microsoft.com/office/drawing/2014/main" id="{DAE4FFE9-5C51-FA24-C904-88A0941DAB02}"/>
+              </a:ext>
+            </a:extLst>
+          </p:cNvPr>
+          <p:cNvSpPr/>
+          <p:nvPr/>
+        </p:nvSpPr>
+        <p:spPr>
+          <a:xfrm>
+            <a:off x="10935103" y="4396154"/>
+            <a:ext cx="1131206" cy="697585"/>
+          </a:xfrm>
+          <a:prstGeom prst="ellipse">
+            <a:avLst/>
+          </a:prstGeom>
+          <a:solidFill>
+            <a:srgbClr val="7030A0"/>
+          </a:solidFill>
+        </p:spPr>
+        <p:style>
+          <a:lnRef idx="2">
+            <a:schemeClr val="accent1">
+              <a:shade val="50000"/>
+            </a:schemeClr>
+          </a:lnRef>
+          <a:fillRef idx="1">
+            <a:schemeClr val="accent1"/>
+          </a:fillRef>
+          <a:effectRef idx="0">
+            <a:schemeClr val="accent1"/>
+          </a:effectRef>
+          <a:fontRef idx="minor">
+            <a:schemeClr val="lt1"/>
+          </a:fontRef>
+        </p:style>
+        <p:txBody>
+          <a:bodyPr rtlCol="0" anchor="ctr"/>
+          <a:lstStyle/>
+          <a:p>
+            <a:pPr algn="ctr"/>
+            <a:r>
+              <a:rPr lang="en-US" sz="900" b="1" dirty="0">
+                <a:latin typeface="Verdana" panose="020B0604030504040204" pitchFamily="34" charset="0"/>
+                <a:ea typeface="Verdana" panose="020B0604030504040204" pitchFamily="34" charset="0"/>
+              </a:rPr>
+              <a:t>Orphan Removal</a:t>
+            </a:r>
+          </a:p>
+        </p:txBody>
+      </p:sp>
+    </p:spTree>
+    <p:extLst>
+      <p:ext uri="{BB962C8B-B14F-4D97-AF65-F5344CB8AC3E}">
+        <p14:creationId xmlns:p14="http://schemas.microsoft.com/office/powerpoint/2010/main" val="3487916676"/>
+      </p:ext>
+    </p:extLst>
+  </p:cSld>
+  <p:clrMapOvr>
+    <a:masterClrMapping/>
+  </p:clrMapOvr>
+</p:sld>
+</file>
+
+<file path=ppt/slides/slide7.xml><?xml version="1.0" encoding="utf-8"?>
+<p:sld xmlns:a="http://schemas.openxmlformats.org/drawingml/2006/main" xmlns:r="http://schemas.openxmlformats.org/officeDocument/2006/relationships" xmlns:p="http://schemas.openxmlformats.org/presentationml/2006/main">
+  <p:cSld>
+    <p:spTree>
+      <p:nvGrpSpPr>
+        <p:cNvPr id="1" name=""/>
+        <p:cNvGrpSpPr/>
+        <p:nvPr/>
+      </p:nvGrpSpPr>
+      <p:grpSpPr>
+        <a:xfrm>
+          <a:off x="0" y="0"/>
+          <a:ext cx="0" cy="0"/>
+          <a:chOff x="0" y="0"/>
+          <a:chExt cx="0" cy="0"/>
+        </a:xfrm>
+      </p:grpSpPr>
+      <p:sp>
+        <p:nvSpPr>
+          <p:cNvPr id="4" name="Rectangle: Rounded Corners 3">
+            <a:extLst>
+              <a:ext uri="{FF2B5EF4-FFF2-40B4-BE49-F238E27FC236}">
                 <a16:creationId xmlns:a16="http://schemas.microsoft.com/office/drawing/2014/main" id="{1073073B-0754-7CFA-45EC-1E1867BE9FDE}"/>
               </a:ext>
             </a:extLst>
@@ -37176,7 +39024,7 @@
 </p:sld>
 </file>
 
-<file path=ppt/slides/slide7.xml><?xml version="1.0" encoding="utf-8"?>
+<file path=ppt/slides/slide8.xml><?xml version="1.0" encoding="utf-8"?>
 <p:sld xmlns:a="http://schemas.openxmlformats.org/drawingml/2006/main" xmlns:r="http://schemas.openxmlformats.org/officeDocument/2006/relationships" xmlns:p="http://schemas.openxmlformats.org/presentationml/2006/main">
   <p:cSld>
     <p:spTree>
@@ -37981,7 +39829,7 @@
 </p:sld>
 </file>
 
-<file path=ppt/slides/slide8.xml><?xml version="1.0" encoding="utf-8"?>
+<file path=ppt/slides/slide9.xml><?xml version="1.0" encoding="utf-8"?>
 <p:sld xmlns:a="http://schemas.openxmlformats.org/drawingml/2006/main" xmlns:r="http://schemas.openxmlformats.org/officeDocument/2006/relationships" xmlns:p="http://schemas.openxmlformats.org/presentationml/2006/main">
   <p:cSld>
     <p:bg>
@@ -38200,118 +40048,6 @@
     <p:extLst>
       <p:ext uri="{BB962C8B-B14F-4D97-AF65-F5344CB8AC3E}">
         <p14:creationId xmlns:p14="http://schemas.microsoft.com/office/powerpoint/2010/main" val="3083312806"/>
-      </p:ext>
-    </p:extLst>
-  </p:cSld>
-  <p:clrMapOvr>
-    <a:masterClrMapping/>
-  </p:clrMapOvr>
-</p:sld>
-</file>
-
-<file path=ppt/slides/slide9.xml><?xml version="1.0" encoding="utf-8"?>
-<p:sld xmlns:a="http://schemas.openxmlformats.org/drawingml/2006/main" xmlns:r="http://schemas.openxmlformats.org/officeDocument/2006/relationships" xmlns:p="http://schemas.openxmlformats.org/presentationml/2006/main">
-  <p:cSld>
-    <p:spTree>
-      <p:nvGrpSpPr>
-        <p:cNvPr id="1" name=""/>
-        <p:cNvGrpSpPr/>
-        <p:nvPr/>
-      </p:nvGrpSpPr>
-      <p:grpSpPr>
-        <a:xfrm>
-          <a:off x="0" y="0"/>
-          <a:ext cx="0" cy="0"/>
-          <a:chOff x="0" y="0"/>
-          <a:chExt cx="0" cy="0"/>
-        </a:xfrm>
-      </p:grpSpPr>
-      <p:pic>
-        <p:nvPicPr>
-          <p:cNvPr id="7" name="Picture 6" descr="Graphical user interface, text, application, website&#10;&#10;Description automatically generated">
-            <a:extLst>
-              <a:ext uri="{FF2B5EF4-FFF2-40B4-BE49-F238E27FC236}">
-                <a16:creationId xmlns:a16="http://schemas.microsoft.com/office/drawing/2014/main" id="{F7BE3A76-BBCA-C34D-3EFB-E1F5F764C4B3}"/>
-              </a:ext>
-            </a:extLst>
-          </p:cNvPr>
-          <p:cNvPicPr>
-            <a:picLocks noChangeAspect="1"/>
-          </p:cNvPicPr>
-          <p:nvPr/>
-        </p:nvPicPr>
-        <p:blipFill>
-          <a:blip r:embed="rId2">
-            <a:extLst>
-              <a:ext uri="{28A0092B-C50C-407E-A947-70E740481C1C}">
-                <a14:useLocalDpi xmlns:a14="http://schemas.microsoft.com/office/drawing/2010/main" val="0"/>
-              </a:ext>
-            </a:extLst>
-          </a:blip>
-          <a:stretch>
-            <a:fillRect/>
-          </a:stretch>
-        </p:blipFill>
-        <p:spPr>
-          <a:xfrm>
-            <a:off x="59303" y="4034672"/>
-            <a:ext cx="12073394" cy="2795047"/>
-          </a:xfrm>
-          <a:prstGeom prst="rect">
-            <a:avLst/>
-          </a:prstGeom>
-          <a:ln>
-            <a:solidFill>
-              <a:schemeClr val="accent1"/>
-            </a:solidFill>
-          </a:ln>
-        </p:spPr>
-      </p:pic>
-      <p:pic>
-        <p:nvPicPr>
-          <p:cNvPr id="11" name="Picture 10" descr="Text&#10;&#10;Description automatically generated">
-            <a:extLst>
-              <a:ext uri="{FF2B5EF4-FFF2-40B4-BE49-F238E27FC236}">
-                <a16:creationId xmlns:a16="http://schemas.microsoft.com/office/drawing/2014/main" id="{8C3514FA-6DEC-0D4D-BD0F-59806B7D3AC0}"/>
-              </a:ext>
-            </a:extLst>
-          </p:cNvPr>
-          <p:cNvPicPr>
-            <a:picLocks noChangeAspect="1"/>
-          </p:cNvPicPr>
-          <p:nvPr/>
-        </p:nvPicPr>
-        <p:blipFill>
-          <a:blip r:embed="rId3">
-            <a:extLst>
-              <a:ext uri="{28A0092B-C50C-407E-A947-70E740481C1C}">
-                <a14:useLocalDpi xmlns:a14="http://schemas.microsoft.com/office/drawing/2010/main" val="0"/>
-              </a:ext>
-            </a:extLst>
-          </a:blip>
-          <a:stretch>
-            <a:fillRect/>
-          </a:stretch>
-        </p:blipFill>
-        <p:spPr>
-          <a:xfrm>
-            <a:off x="49475" y="28281"/>
-            <a:ext cx="12099255" cy="3940404"/>
-          </a:xfrm>
-          <a:prstGeom prst="rect">
-            <a:avLst/>
-          </a:prstGeom>
-          <a:ln>
-            <a:solidFill>
-              <a:schemeClr val="accent1"/>
-            </a:solidFill>
-          </a:ln>
-        </p:spPr>
-      </p:pic>
-    </p:spTree>
-    <p:extLst>
-      <p:ext uri="{BB962C8B-B14F-4D97-AF65-F5344CB8AC3E}">
-        <p14:creationId xmlns:p14="http://schemas.microsoft.com/office/powerpoint/2010/main" val="1846930178"/>
       </p:ext>
     </p:extLst>
   </p:cSld>

--- a/Documentation/Architecture.pptx
+++ b/Documentation/Architecture.pptx
@@ -9,8 +9,8 @@
     <p:sldId id="340" r:id="rId3"/>
     <p:sldId id="349" r:id="rId4"/>
     <p:sldId id="348" r:id="rId5"/>
-    <p:sldId id="344" r:id="rId6"/>
-    <p:sldId id="352" r:id="rId7"/>
+    <p:sldId id="352" r:id="rId6"/>
+    <p:sldId id="344" r:id="rId7"/>
     <p:sldId id="256" r:id="rId8"/>
     <p:sldId id="343" r:id="rId9"/>
     <p:sldId id="347" r:id="rId10"/>
@@ -30518,6 +30518,1741 @@
       </p:grpSpPr>
       <p:sp>
         <p:nvSpPr>
+          <p:cNvPr id="4" name="Rectangle: Rounded Corners 3">
+            <a:extLst>
+              <a:ext uri="{FF2B5EF4-FFF2-40B4-BE49-F238E27FC236}">
+                <a16:creationId xmlns:a16="http://schemas.microsoft.com/office/drawing/2014/main" id="{FE81CCDF-2A60-7094-66C7-A21220D60019}"/>
+              </a:ext>
+            </a:extLst>
+          </p:cNvPr>
+          <p:cNvSpPr/>
+          <p:nvPr/>
+        </p:nvSpPr>
+        <p:spPr>
+          <a:xfrm>
+            <a:off x="1951352" y="1338606"/>
+            <a:ext cx="1696824" cy="1545996"/>
+          </a:xfrm>
+          <a:prstGeom prst="roundRect">
+            <a:avLst/>
+          </a:prstGeom>
+        </p:spPr>
+        <p:style>
+          <a:lnRef idx="2">
+            <a:schemeClr val="accent1">
+              <a:shade val="50000"/>
+            </a:schemeClr>
+          </a:lnRef>
+          <a:fillRef idx="1">
+            <a:schemeClr val="accent1"/>
+          </a:fillRef>
+          <a:effectRef idx="0">
+            <a:schemeClr val="accent1"/>
+          </a:effectRef>
+          <a:fontRef idx="minor">
+            <a:schemeClr val="lt1"/>
+          </a:fontRef>
+        </p:style>
+        <p:txBody>
+          <a:bodyPr rtlCol="0" anchor="ctr"/>
+          <a:lstStyle/>
+          <a:p>
+            <a:pPr algn="ctr"/>
+            <a:r>
+              <a:rPr lang="en-US" dirty="0"/>
+              <a:t>Admin </a:t>
+            </a:r>
+          </a:p>
+          <a:p>
+            <a:pPr algn="ctr"/>
+            <a:r>
+              <a:rPr lang="en-US" dirty="0"/>
+              <a:t>UI Browser</a:t>
+            </a:r>
+          </a:p>
+        </p:txBody>
+      </p:sp>
+      <p:sp>
+        <p:nvSpPr>
+          <p:cNvPr id="7" name="Rectangle 6">
+            <a:extLst>
+              <a:ext uri="{FF2B5EF4-FFF2-40B4-BE49-F238E27FC236}">
+                <a16:creationId xmlns:a16="http://schemas.microsoft.com/office/drawing/2014/main" id="{7BF524D1-67AF-C3FA-D260-7ADDDE43478D}"/>
+              </a:ext>
+            </a:extLst>
+          </p:cNvPr>
+          <p:cNvSpPr/>
+          <p:nvPr/>
+        </p:nvSpPr>
+        <p:spPr>
+          <a:xfrm>
+            <a:off x="7098384" y="4675695"/>
+            <a:ext cx="1696824" cy="1376314"/>
+          </a:xfrm>
+          <a:prstGeom prst="rect">
+            <a:avLst/>
+          </a:prstGeom>
+          <a:solidFill>
+            <a:srgbClr val="00B050"/>
+          </a:solidFill>
+        </p:spPr>
+        <p:style>
+          <a:lnRef idx="2">
+            <a:schemeClr val="accent1">
+              <a:shade val="50000"/>
+            </a:schemeClr>
+          </a:lnRef>
+          <a:fillRef idx="1">
+            <a:schemeClr val="accent1"/>
+          </a:fillRef>
+          <a:effectRef idx="0">
+            <a:schemeClr val="accent1"/>
+          </a:effectRef>
+          <a:fontRef idx="minor">
+            <a:schemeClr val="lt1"/>
+          </a:fontRef>
+        </p:style>
+        <p:txBody>
+          <a:bodyPr rtlCol="0" anchor="ctr"/>
+          <a:lstStyle/>
+          <a:p>
+            <a:pPr algn="ctr"/>
+            <a:r>
+              <a:rPr lang="en-US" dirty="0"/>
+              <a:t>Temporary Image Storage</a:t>
+            </a:r>
+          </a:p>
+        </p:txBody>
+      </p:sp>
+      <p:sp>
+        <p:nvSpPr>
+          <p:cNvPr id="8" name="Oval 7">
+            <a:extLst>
+              <a:ext uri="{FF2B5EF4-FFF2-40B4-BE49-F238E27FC236}">
+                <a16:creationId xmlns:a16="http://schemas.microsoft.com/office/drawing/2014/main" id="{2C82FADF-A01A-0F99-CC53-43788038F841}"/>
+              </a:ext>
+            </a:extLst>
+          </p:cNvPr>
+          <p:cNvSpPr/>
+          <p:nvPr/>
+        </p:nvSpPr>
+        <p:spPr>
+          <a:xfrm>
+            <a:off x="4645841" y="4732256"/>
+            <a:ext cx="1244338" cy="1263192"/>
+          </a:xfrm>
+          <a:prstGeom prst="ellipse">
+            <a:avLst/>
+          </a:prstGeom>
+        </p:spPr>
+        <p:style>
+          <a:lnRef idx="2">
+            <a:schemeClr val="accent1">
+              <a:shade val="50000"/>
+            </a:schemeClr>
+          </a:lnRef>
+          <a:fillRef idx="1">
+            <a:schemeClr val="accent1"/>
+          </a:fillRef>
+          <a:effectRef idx="0">
+            <a:schemeClr val="accent1"/>
+          </a:effectRef>
+          <a:fontRef idx="minor">
+            <a:schemeClr val="lt1"/>
+          </a:fontRef>
+        </p:style>
+        <p:txBody>
+          <a:bodyPr rtlCol="0" anchor="ctr"/>
+          <a:lstStyle/>
+          <a:p>
+            <a:pPr algn="ctr"/>
+            <a:r>
+              <a:rPr lang="en-US" dirty="0"/>
+              <a:t>Az </a:t>
+            </a:r>
+            <a:r>
+              <a:rPr lang="en-US" dirty="0" err="1"/>
+              <a:t>Func</a:t>
+            </a:r>
+            <a:endParaRPr lang="en-US" dirty="0"/>
+          </a:p>
+        </p:txBody>
+      </p:sp>
+      <p:sp>
+        <p:nvSpPr>
+          <p:cNvPr id="9" name="Rectangle: Rounded Corners 8">
+            <a:extLst>
+              <a:ext uri="{FF2B5EF4-FFF2-40B4-BE49-F238E27FC236}">
+                <a16:creationId xmlns:a16="http://schemas.microsoft.com/office/drawing/2014/main" id="{30514CA6-1564-9431-D321-9AD54BD26C28}"/>
+              </a:ext>
+            </a:extLst>
+          </p:cNvPr>
+          <p:cNvSpPr/>
+          <p:nvPr/>
+        </p:nvSpPr>
+        <p:spPr>
+          <a:xfrm>
+            <a:off x="10256362" y="5203598"/>
+            <a:ext cx="1809947" cy="1545996"/>
+          </a:xfrm>
+          <a:prstGeom prst="roundRect">
+            <a:avLst/>
+          </a:prstGeom>
+          <a:solidFill>
+            <a:srgbClr val="00B050"/>
+          </a:solidFill>
+        </p:spPr>
+        <p:style>
+          <a:lnRef idx="2">
+            <a:schemeClr val="accent1">
+              <a:shade val="50000"/>
+            </a:schemeClr>
+          </a:lnRef>
+          <a:fillRef idx="1">
+            <a:schemeClr val="accent1"/>
+          </a:fillRef>
+          <a:effectRef idx="0">
+            <a:schemeClr val="accent1"/>
+          </a:effectRef>
+          <a:fontRef idx="minor">
+            <a:schemeClr val="lt1"/>
+          </a:fontRef>
+        </p:style>
+        <p:txBody>
+          <a:bodyPr rtlCol="0" anchor="ctr"/>
+          <a:lstStyle/>
+          <a:p>
+            <a:pPr algn="ctr"/>
+            <a:r>
+              <a:rPr lang="en-US" dirty="0"/>
+              <a:t>Destination Blob Storage</a:t>
+            </a:r>
+          </a:p>
+        </p:txBody>
+      </p:sp>
+      <p:sp>
+        <p:nvSpPr>
+          <p:cNvPr id="10" name="Flowchart: Magnetic Disk 9">
+            <a:extLst>
+              <a:ext uri="{FF2B5EF4-FFF2-40B4-BE49-F238E27FC236}">
+                <a16:creationId xmlns:a16="http://schemas.microsoft.com/office/drawing/2014/main" id="{A0A94D4D-D2E1-EB77-7CB4-C6B0076BB627}"/>
+              </a:ext>
+            </a:extLst>
+          </p:cNvPr>
+          <p:cNvSpPr/>
+          <p:nvPr/>
+        </p:nvSpPr>
+        <p:spPr>
+          <a:xfrm>
+            <a:off x="9981410" y="593889"/>
+            <a:ext cx="1621411" cy="1998482"/>
+          </a:xfrm>
+          <a:prstGeom prst="flowChartMagneticDisk">
+            <a:avLst/>
+          </a:prstGeom>
+          <a:solidFill>
+            <a:srgbClr val="FFFF00"/>
+          </a:solidFill>
+        </p:spPr>
+        <p:style>
+          <a:lnRef idx="2">
+            <a:schemeClr val="accent1">
+              <a:shade val="50000"/>
+            </a:schemeClr>
+          </a:lnRef>
+          <a:fillRef idx="1">
+            <a:schemeClr val="accent1"/>
+          </a:fillRef>
+          <a:effectRef idx="0">
+            <a:schemeClr val="accent1"/>
+          </a:effectRef>
+          <a:fontRef idx="minor">
+            <a:schemeClr val="lt1"/>
+          </a:fontRef>
+        </p:style>
+        <p:txBody>
+          <a:bodyPr rtlCol="0" anchor="ctr"/>
+          <a:lstStyle/>
+          <a:p>
+            <a:pPr algn="ctr"/>
+            <a:r>
+              <a:rPr lang="en-US" b="1" dirty="0">
+                <a:solidFill>
+                  <a:srgbClr val="002060"/>
+                </a:solidFill>
+              </a:rPr>
+              <a:t>Mongo</a:t>
+            </a:r>
+          </a:p>
+          <a:p>
+            <a:pPr algn="ctr"/>
+            <a:r>
+              <a:rPr lang="en-US" b="1" dirty="0">
+                <a:solidFill>
+                  <a:srgbClr val="002060"/>
+                </a:solidFill>
+              </a:rPr>
+              <a:t>Db</a:t>
+            </a:r>
+          </a:p>
+        </p:txBody>
+      </p:sp>
+      <p:cxnSp>
+        <p:nvCxnSpPr>
+          <p:cNvPr id="13" name="Straight Connector 12">
+            <a:extLst>
+              <a:ext uri="{FF2B5EF4-FFF2-40B4-BE49-F238E27FC236}">
+                <a16:creationId xmlns:a16="http://schemas.microsoft.com/office/drawing/2014/main" id="{264D6AFA-9293-89B9-9436-691235D5B3BC}"/>
+              </a:ext>
+            </a:extLst>
+          </p:cNvPr>
+          <p:cNvCxnSpPr/>
+          <p:nvPr/>
+        </p:nvCxnSpPr>
+        <p:spPr>
+          <a:xfrm>
+            <a:off x="4257774" y="0"/>
+            <a:ext cx="0" cy="6858000"/>
+          </a:xfrm>
+          <a:prstGeom prst="line">
+            <a:avLst/>
+          </a:prstGeom>
+        </p:spPr>
+        <p:style>
+          <a:lnRef idx="3">
+            <a:schemeClr val="accent1"/>
+          </a:lnRef>
+          <a:fillRef idx="0">
+            <a:schemeClr val="accent1"/>
+          </a:fillRef>
+          <a:effectRef idx="2">
+            <a:schemeClr val="accent1"/>
+          </a:effectRef>
+          <a:fontRef idx="minor">
+            <a:schemeClr val="tx1"/>
+          </a:fontRef>
+        </p:style>
+      </p:cxnSp>
+      <p:sp>
+        <p:nvSpPr>
+          <p:cNvPr id="14" name="Smiley Face 13">
+            <a:extLst>
+              <a:ext uri="{FF2B5EF4-FFF2-40B4-BE49-F238E27FC236}">
+                <a16:creationId xmlns:a16="http://schemas.microsoft.com/office/drawing/2014/main" id="{FFFBB0E0-4786-DB97-5B76-61D69F66BEDF}"/>
+              </a:ext>
+            </a:extLst>
+          </p:cNvPr>
+          <p:cNvSpPr/>
+          <p:nvPr/>
+        </p:nvSpPr>
+        <p:spPr>
+          <a:xfrm>
+            <a:off x="414779" y="1602557"/>
+            <a:ext cx="1159492" cy="1197204"/>
+          </a:xfrm>
+          <a:prstGeom prst="smileyFace">
+            <a:avLst/>
+          </a:prstGeom>
+        </p:spPr>
+        <p:style>
+          <a:lnRef idx="2">
+            <a:schemeClr val="accent1">
+              <a:shade val="50000"/>
+            </a:schemeClr>
+          </a:lnRef>
+          <a:fillRef idx="1">
+            <a:schemeClr val="accent1"/>
+          </a:fillRef>
+          <a:effectRef idx="0">
+            <a:schemeClr val="accent1"/>
+          </a:effectRef>
+          <a:fontRef idx="minor">
+            <a:schemeClr val="lt1"/>
+          </a:fontRef>
+        </p:style>
+        <p:txBody>
+          <a:bodyPr rtlCol="0" anchor="ctr"/>
+          <a:lstStyle/>
+          <a:p>
+            <a:pPr algn="ctr"/>
+            <a:endParaRPr lang="en-US"/>
+          </a:p>
+        </p:txBody>
+      </p:sp>
+      <p:sp>
+        <p:nvSpPr>
+          <p:cNvPr id="15" name="Rectangle: Rounded Corners 14">
+            <a:extLst>
+              <a:ext uri="{FF2B5EF4-FFF2-40B4-BE49-F238E27FC236}">
+                <a16:creationId xmlns:a16="http://schemas.microsoft.com/office/drawing/2014/main" id="{406EAD9C-B975-3A57-05FE-18EE0F57BF66}"/>
+              </a:ext>
+            </a:extLst>
+          </p:cNvPr>
+          <p:cNvSpPr/>
+          <p:nvPr/>
+        </p:nvSpPr>
+        <p:spPr>
+          <a:xfrm>
+            <a:off x="4645841" y="697583"/>
+            <a:ext cx="1184633" cy="3007151"/>
+          </a:xfrm>
+          <a:prstGeom prst="roundRect">
+            <a:avLst/>
+          </a:prstGeom>
+        </p:spPr>
+        <p:style>
+          <a:lnRef idx="2">
+            <a:schemeClr val="accent1">
+              <a:shade val="50000"/>
+            </a:schemeClr>
+          </a:lnRef>
+          <a:fillRef idx="1">
+            <a:schemeClr val="accent1"/>
+          </a:fillRef>
+          <a:effectRef idx="0">
+            <a:schemeClr val="accent1"/>
+          </a:effectRef>
+          <a:fontRef idx="minor">
+            <a:schemeClr val="lt1"/>
+          </a:fontRef>
+        </p:style>
+        <p:txBody>
+          <a:bodyPr rtlCol="0" anchor="ctr"/>
+          <a:lstStyle/>
+          <a:p>
+            <a:pPr algn="ctr"/>
+            <a:r>
+              <a:rPr lang="en-US" dirty="0"/>
+              <a:t>API Gateway</a:t>
+            </a:r>
+          </a:p>
+        </p:txBody>
+      </p:sp>
+      <p:cxnSp>
+        <p:nvCxnSpPr>
+          <p:cNvPr id="17" name="Straight Arrow Connector 16">
+            <a:extLst>
+              <a:ext uri="{FF2B5EF4-FFF2-40B4-BE49-F238E27FC236}">
+                <a16:creationId xmlns:a16="http://schemas.microsoft.com/office/drawing/2014/main" id="{F792B729-5B7E-C96B-49D5-5CB9096E17E4}"/>
+              </a:ext>
+            </a:extLst>
+          </p:cNvPr>
+          <p:cNvCxnSpPr>
+            <a:stCxn id="4" idx="3"/>
+          </p:cNvCxnSpPr>
+          <p:nvPr/>
+        </p:nvCxnSpPr>
+        <p:spPr>
+          <a:xfrm>
+            <a:off x="3648176" y="2111604"/>
+            <a:ext cx="997665" cy="0"/>
+          </a:xfrm>
+          <a:prstGeom prst="straightConnector1">
+            <a:avLst/>
+          </a:prstGeom>
+          <a:ln>
+            <a:tailEnd type="triangle"/>
+          </a:ln>
+        </p:spPr>
+        <p:style>
+          <a:lnRef idx="1">
+            <a:schemeClr val="accent1"/>
+          </a:lnRef>
+          <a:fillRef idx="0">
+            <a:schemeClr val="accent1"/>
+          </a:fillRef>
+          <a:effectRef idx="0">
+            <a:schemeClr val="accent1"/>
+          </a:effectRef>
+          <a:fontRef idx="minor">
+            <a:schemeClr val="tx1"/>
+          </a:fontRef>
+        </p:style>
+      </p:cxnSp>
+      <p:cxnSp>
+        <p:nvCxnSpPr>
+          <p:cNvPr id="19" name="Straight Arrow Connector 18">
+            <a:extLst>
+              <a:ext uri="{FF2B5EF4-FFF2-40B4-BE49-F238E27FC236}">
+                <a16:creationId xmlns:a16="http://schemas.microsoft.com/office/drawing/2014/main" id="{A000E672-82FA-7C39-F989-FAA98BA3F396}"/>
+              </a:ext>
+            </a:extLst>
+          </p:cNvPr>
+          <p:cNvCxnSpPr>
+            <a:stCxn id="15" idx="2"/>
+          </p:cNvCxnSpPr>
+          <p:nvPr/>
+        </p:nvCxnSpPr>
+        <p:spPr>
+          <a:xfrm flipH="1">
+            <a:off x="5238157" y="3704734"/>
+            <a:ext cx="1" cy="1027522"/>
+          </a:xfrm>
+          <a:prstGeom prst="straightConnector1">
+            <a:avLst/>
+          </a:prstGeom>
+          <a:ln>
+            <a:tailEnd type="triangle"/>
+          </a:ln>
+        </p:spPr>
+        <p:style>
+          <a:lnRef idx="1">
+            <a:schemeClr val="accent1"/>
+          </a:lnRef>
+          <a:fillRef idx="0">
+            <a:schemeClr val="accent1"/>
+          </a:fillRef>
+          <a:effectRef idx="0">
+            <a:schemeClr val="accent1"/>
+          </a:effectRef>
+          <a:fontRef idx="minor">
+            <a:schemeClr val="tx1"/>
+          </a:fontRef>
+        </p:style>
+      </p:cxnSp>
+      <p:cxnSp>
+        <p:nvCxnSpPr>
+          <p:cNvPr id="21" name="Straight Arrow Connector 20">
+            <a:extLst>
+              <a:ext uri="{FF2B5EF4-FFF2-40B4-BE49-F238E27FC236}">
+                <a16:creationId xmlns:a16="http://schemas.microsoft.com/office/drawing/2014/main" id="{E454B2A4-58A9-1F4F-5687-10F5243DFAB8}"/>
+              </a:ext>
+            </a:extLst>
+          </p:cNvPr>
+          <p:cNvCxnSpPr>
+            <a:stCxn id="8" idx="6"/>
+            <a:endCxn id="7" idx="1"/>
+          </p:cNvCxnSpPr>
+          <p:nvPr/>
+        </p:nvCxnSpPr>
+        <p:spPr>
+          <a:xfrm>
+            <a:off x="5890179" y="5363852"/>
+            <a:ext cx="1208205" cy="0"/>
+          </a:xfrm>
+          <a:prstGeom prst="straightConnector1">
+            <a:avLst/>
+          </a:prstGeom>
+          <a:ln>
+            <a:tailEnd type="triangle"/>
+          </a:ln>
+        </p:spPr>
+        <p:style>
+          <a:lnRef idx="1">
+            <a:schemeClr val="accent1"/>
+          </a:lnRef>
+          <a:fillRef idx="0">
+            <a:schemeClr val="accent1"/>
+          </a:fillRef>
+          <a:effectRef idx="0">
+            <a:schemeClr val="accent1"/>
+          </a:effectRef>
+          <a:fontRef idx="minor">
+            <a:schemeClr val="tx1"/>
+          </a:fontRef>
+        </p:style>
+      </p:cxnSp>
+      <p:sp>
+        <p:nvSpPr>
+          <p:cNvPr id="3" name="Rectangle: Rounded Corners 2">
+            <a:extLst>
+              <a:ext uri="{FF2B5EF4-FFF2-40B4-BE49-F238E27FC236}">
+                <a16:creationId xmlns:a16="http://schemas.microsoft.com/office/drawing/2014/main" id="{3CA616FB-1EB7-0E62-B2CA-A6697DC29BF1}"/>
+              </a:ext>
+            </a:extLst>
+          </p:cNvPr>
+          <p:cNvSpPr/>
+          <p:nvPr/>
+        </p:nvSpPr>
+        <p:spPr>
+          <a:xfrm>
+            <a:off x="6953844" y="565610"/>
+            <a:ext cx="1184633" cy="3007151"/>
+          </a:xfrm>
+          <a:prstGeom prst="roundRect">
+            <a:avLst/>
+          </a:prstGeom>
+        </p:spPr>
+        <p:style>
+          <a:lnRef idx="2">
+            <a:schemeClr val="accent1">
+              <a:shade val="50000"/>
+            </a:schemeClr>
+          </a:lnRef>
+          <a:fillRef idx="1">
+            <a:schemeClr val="accent1"/>
+          </a:fillRef>
+          <a:effectRef idx="0">
+            <a:schemeClr val="accent1"/>
+          </a:effectRef>
+          <a:fontRef idx="minor">
+            <a:schemeClr val="lt1"/>
+          </a:fontRef>
+        </p:style>
+        <p:txBody>
+          <a:bodyPr rtlCol="0" anchor="ctr"/>
+          <a:lstStyle/>
+          <a:p>
+            <a:pPr algn="ctr"/>
+            <a:r>
+              <a:rPr lang="en-US" dirty="0"/>
+              <a:t>API Products</a:t>
+            </a:r>
+          </a:p>
+        </p:txBody>
+      </p:sp>
+      <p:sp>
+        <p:nvSpPr>
+          <p:cNvPr id="5" name="Oval 4">
+            <a:extLst>
+              <a:ext uri="{FF2B5EF4-FFF2-40B4-BE49-F238E27FC236}">
+                <a16:creationId xmlns:a16="http://schemas.microsoft.com/office/drawing/2014/main" id="{E6DD2D7F-6BBC-517F-CA0C-E25ABBEF351C}"/>
+              </a:ext>
+            </a:extLst>
+          </p:cNvPr>
+          <p:cNvSpPr/>
+          <p:nvPr/>
+        </p:nvSpPr>
+        <p:spPr>
+          <a:xfrm>
+            <a:off x="2413262" y="829558"/>
+            <a:ext cx="339356" cy="358219"/>
+          </a:xfrm>
+          <a:prstGeom prst="ellipse">
+            <a:avLst/>
+          </a:prstGeom>
+        </p:spPr>
+        <p:style>
+          <a:lnRef idx="2">
+            <a:schemeClr val="accent1">
+              <a:shade val="50000"/>
+            </a:schemeClr>
+          </a:lnRef>
+          <a:fillRef idx="1">
+            <a:schemeClr val="accent1"/>
+          </a:fillRef>
+          <a:effectRef idx="0">
+            <a:schemeClr val="accent1"/>
+          </a:effectRef>
+          <a:fontRef idx="minor">
+            <a:schemeClr val="lt1"/>
+          </a:fontRef>
+        </p:style>
+        <p:txBody>
+          <a:bodyPr rtlCol="0" anchor="ctr"/>
+          <a:lstStyle/>
+          <a:p>
+            <a:pPr algn="ctr"/>
+            <a:r>
+              <a:rPr lang="en-US" sz="1400" b="1" dirty="0">
+                <a:latin typeface="Verdana" panose="020B0604030504040204" pitchFamily="34" charset="0"/>
+                <a:ea typeface="Verdana" panose="020B0604030504040204" pitchFamily="34" charset="0"/>
+              </a:rPr>
+              <a:t>1</a:t>
+            </a:r>
+          </a:p>
+        </p:txBody>
+      </p:sp>
+      <p:sp>
+        <p:nvSpPr>
+          <p:cNvPr id="6" name="Oval 5">
+            <a:extLst>
+              <a:ext uri="{FF2B5EF4-FFF2-40B4-BE49-F238E27FC236}">
+                <a16:creationId xmlns:a16="http://schemas.microsoft.com/office/drawing/2014/main" id="{0092A288-D927-56D9-2848-AB82F105F73E}"/>
+              </a:ext>
+            </a:extLst>
+          </p:cNvPr>
+          <p:cNvSpPr/>
+          <p:nvPr/>
+        </p:nvSpPr>
+        <p:spPr>
+          <a:xfrm>
+            <a:off x="5049632" y="246668"/>
+            <a:ext cx="339356" cy="358219"/>
+          </a:xfrm>
+          <a:prstGeom prst="ellipse">
+            <a:avLst/>
+          </a:prstGeom>
+        </p:spPr>
+        <p:style>
+          <a:lnRef idx="2">
+            <a:schemeClr val="accent1">
+              <a:shade val="50000"/>
+            </a:schemeClr>
+          </a:lnRef>
+          <a:fillRef idx="1">
+            <a:schemeClr val="accent1"/>
+          </a:fillRef>
+          <a:effectRef idx="0">
+            <a:schemeClr val="accent1"/>
+          </a:effectRef>
+          <a:fontRef idx="minor">
+            <a:schemeClr val="lt1"/>
+          </a:fontRef>
+        </p:style>
+        <p:txBody>
+          <a:bodyPr rtlCol="0" anchor="ctr"/>
+          <a:lstStyle/>
+          <a:p>
+            <a:pPr algn="ctr"/>
+            <a:r>
+              <a:rPr lang="en-US" sz="1400" b="1" dirty="0">
+                <a:latin typeface="Verdana" panose="020B0604030504040204" pitchFamily="34" charset="0"/>
+                <a:ea typeface="Verdana" panose="020B0604030504040204" pitchFamily="34" charset="0"/>
+              </a:rPr>
+              <a:t>2</a:t>
+            </a:r>
+          </a:p>
+        </p:txBody>
+      </p:sp>
+      <p:sp>
+        <p:nvSpPr>
+          <p:cNvPr id="11" name="TextBox 10">
+            <a:extLst>
+              <a:ext uri="{FF2B5EF4-FFF2-40B4-BE49-F238E27FC236}">
+                <a16:creationId xmlns:a16="http://schemas.microsoft.com/office/drawing/2014/main" id="{45F38303-B7C8-02B3-08CA-CEBEE7F9ED70}"/>
+              </a:ext>
+            </a:extLst>
+          </p:cNvPr>
+          <p:cNvSpPr txBox="1"/>
+          <p:nvPr/>
+        </p:nvSpPr>
+        <p:spPr>
+          <a:xfrm>
+            <a:off x="5388988" y="208846"/>
+            <a:ext cx="2435260" cy="369332"/>
+          </a:xfrm>
+          <a:prstGeom prst="rect">
+            <a:avLst/>
+          </a:prstGeom>
+          <a:noFill/>
+        </p:spPr>
+        <p:txBody>
+          <a:bodyPr wrap="square" rtlCol="0">
+            <a:spAutoFit/>
+          </a:bodyPr>
+          <a:lstStyle/>
+          <a:p>
+            <a:r>
+              <a:rPr lang="en-US" dirty="0"/>
+              <a:t>Only Image Data</a:t>
+            </a:r>
+          </a:p>
+        </p:txBody>
+      </p:sp>
+      <p:sp>
+        <p:nvSpPr>
+          <p:cNvPr id="12" name="TextBox 11">
+            <a:extLst>
+              <a:ext uri="{FF2B5EF4-FFF2-40B4-BE49-F238E27FC236}">
+                <a16:creationId xmlns:a16="http://schemas.microsoft.com/office/drawing/2014/main" id="{F1D09116-952B-B7D4-D806-24D54A3515A1}"/>
+              </a:ext>
+            </a:extLst>
+          </p:cNvPr>
+          <p:cNvSpPr txBox="1"/>
+          <p:nvPr/>
+        </p:nvSpPr>
+        <p:spPr>
+          <a:xfrm>
+            <a:off x="2764418" y="813004"/>
+            <a:ext cx="2435260" cy="369332"/>
+          </a:xfrm>
+          <a:prstGeom prst="rect">
+            <a:avLst/>
+          </a:prstGeom>
+          <a:noFill/>
+        </p:spPr>
+        <p:txBody>
+          <a:bodyPr wrap="square" rtlCol="0">
+            <a:spAutoFit/>
+          </a:bodyPr>
+          <a:lstStyle/>
+          <a:p>
+            <a:r>
+              <a:rPr lang="en-US" dirty="0"/>
+              <a:t>Upload Image</a:t>
+            </a:r>
+          </a:p>
+        </p:txBody>
+      </p:sp>
+      <p:sp>
+        <p:nvSpPr>
+          <p:cNvPr id="16" name="Oval 15">
+            <a:extLst>
+              <a:ext uri="{FF2B5EF4-FFF2-40B4-BE49-F238E27FC236}">
+                <a16:creationId xmlns:a16="http://schemas.microsoft.com/office/drawing/2014/main" id="{698B39D5-10EB-AC05-D2BB-01FDE30E7097}"/>
+              </a:ext>
+            </a:extLst>
+          </p:cNvPr>
+          <p:cNvSpPr/>
+          <p:nvPr/>
+        </p:nvSpPr>
+        <p:spPr>
+          <a:xfrm>
+            <a:off x="5137607" y="6169961"/>
+            <a:ext cx="339356" cy="358219"/>
+          </a:xfrm>
+          <a:prstGeom prst="ellipse">
+            <a:avLst/>
+          </a:prstGeom>
+        </p:spPr>
+        <p:style>
+          <a:lnRef idx="2">
+            <a:schemeClr val="accent1">
+              <a:shade val="50000"/>
+            </a:schemeClr>
+          </a:lnRef>
+          <a:fillRef idx="1">
+            <a:schemeClr val="accent1"/>
+          </a:fillRef>
+          <a:effectRef idx="0">
+            <a:schemeClr val="accent1"/>
+          </a:effectRef>
+          <a:fontRef idx="minor">
+            <a:schemeClr val="lt1"/>
+          </a:fontRef>
+        </p:style>
+        <p:txBody>
+          <a:bodyPr rtlCol="0" anchor="ctr"/>
+          <a:lstStyle/>
+          <a:p>
+            <a:pPr algn="ctr"/>
+            <a:r>
+              <a:rPr lang="en-US" sz="1400" b="1" dirty="0">
+                <a:latin typeface="Verdana" panose="020B0604030504040204" pitchFamily="34" charset="0"/>
+                <a:ea typeface="Verdana" panose="020B0604030504040204" pitchFamily="34" charset="0"/>
+              </a:rPr>
+              <a:t>3</a:t>
+            </a:r>
+          </a:p>
+        </p:txBody>
+      </p:sp>
+      <p:sp>
+        <p:nvSpPr>
+          <p:cNvPr id="18" name="TextBox 17">
+            <a:extLst>
+              <a:ext uri="{FF2B5EF4-FFF2-40B4-BE49-F238E27FC236}">
+                <a16:creationId xmlns:a16="http://schemas.microsoft.com/office/drawing/2014/main" id="{4BE3AB22-CDFD-4255-AA28-6D0ABFA630C5}"/>
+              </a:ext>
+            </a:extLst>
+          </p:cNvPr>
+          <p:cNvSpPr txBox="1"/>
+          <p:nvPr/>
+        </p:nvSpPr>
+        <p:spPr>
+          <a:xfrm>
+            <a:off x="5516252" y="6130568"/>
+            <a:ext cx="2875183" cy="369332"/>
+          </a:xfrm>
+          <a:prstGeom prst="rect">
+            <a:avLst/>
+          </a:prstGeom>
+          <a:noFill/>
+        </p:spPr>
+        <p:txBody>
+          <a:bodyPr wrap="square" rtlCol="0">
+            <a:spAutoFit/>
+          </a:bodyPr>
+          <a:lstStyle/>
+          <a:p>
+            <a:r>
+              <a:rPr lang="en-US" dirty="0"/>
+              <a:t>Creates Image in Storage</a:t>
+            </a:r>
+          </a:p>
+        </p:txBody>
+      </p:sp>
+      <p:sp>
+        <p:nvSpPr>
+          <p:cNvPr id="20" name="Oval 19">
+            <a:extLst>
+              <a:ext uri="{FF2B5EF4-FFF2-40B4-BE49-F238E27FC236}">
+                <a16:creationId xmlns:a16="http://schemas.microsoft.com/office/drawing/2014/main" id="{CD134569-0F13-985E-A38C-ED8264227826}"/>
+              </a:ext>
+            </a:extLst>
+          </p:cNvPr>
+          <p:cNvSpPr/>
+          <p:nvPr/>
+        </p:nvSpPr>
+        <p:spPr>
+          <a:xfrm>
+            <a:off x="7198949" y="4217045"/>
+            <a:ext cx="339356" cy="358219"/>
+          </a:xfrm>
+          <a:prstGeom prst="ellipse">
+            <a:avLst/>
+          </a:prstGeom>
+        </p:spPr>
+        <p:style>
+          <a:lnRef idx="2">
+            <a:schemeClr val="accent1">
+              <a:shade val="50000"/>
+            </a:schemeClr>
+          </a:lnRef>
+          <a:fillRef idx="1">
+            <a:schemeClr val="accent1"/>
+          </a:fillRef>
+          <a:effectRef idx="0">
+            <a:schemeClr val="accent1"/>
+          </a:effectRef>
+          <a:fontRef idx="minor">
+            <a:schemeClr val="lt1"/>
+          </a:fontRef>
+        </p:style>
+        <p:txBody>
+          <a:bodyPr rtlCol="0" anchor="ctr"/>
+          <a:lstStyle/>
+          <a:p>
+            <a:pPr algn="ctr"/>
+            <a:r>
+              <a:rPr lang="en-US" sz="1400" b="1" dirty="0">
+                <a:latin typeface="Verdana" panose="020B0604030504040204" pitchFamily="34" charset="0"/>
+                <a:ea typeface="Verdana" panose="020B0604030504040204" pitchFamily="34" charset="0"/>
+              </a:rPr>
+              <a:t>4</a:t>
+            </a:r>
+          </a:p>
+        </p:txBody>
+      </p:sp>
+      <p:sp>
+        <p:nvSpPr>
+          <p:cNvPr id="22" name="TextBox 21">
+            <a:extLst>
+              <a:ext uri="{FF2B5EF4-FFF2-40B4-BE49-F238E27FC236}">
+                <a16:creationId xmlns:a16="http://schemas.microsoft.com/office/drawing/2014/main" id="{C875B211-CF69-3C0A-5849-9C6CB32371E3}"/>
+              </a:ext>
+            </a:extLst>
+          </p:cNvPr>
+          <p:cNvSpPr txBox="1"/>
+          <p:nvPr/>
+        </p:nvSpPr>
+        <p:spPr>
+          <a:xfrm>
+            <a:off x="7538306" y="4187079"/>
+            <a:ext cx="1696824" cy="369332"/>
+          </a:xfrm>
+          <a:prstGeom prst="rect">
+            <a:avLst/>
+          </a:prstGeom>
+          <a:noFill/>
+        </p:spPr>
+        <p:txBody>
+          <a:bodyPr wrap="square" rtlCol="0">
+            <a:spAutoFit/>
+          </a:bodyPr>
+          <a:lstStyle/>
+          <a:p>
+            <a:r>
+              <a:rPr lang="en-US" dirty="0"/>
+              <a:t>Image Created</a:t>
+            </a:r>
+          </a:p>
+        </p:txBody>
+      </p:sp>
+      <p:sp>
+        <p:nvSpPr>
+          <p:cNvPr id="23" name="Oval 22">
+            <a:extLst>
+              <a:ext uri="{FF2B5EF4-FFF2-40B4-BE49-F238E27FC236}">
+                <a16:creationId xmlns:a16="http://schemas.microsoft.com/office/drawing/2014/main" id="{C23CA662-1857-EDF4-3973-E088455A8F6C}"/>
+              </a:ext>
+            </a:extLst>
+          </p:cNvPr>
+          <p:cNvSpPr/>
+          <p:nvPr/>
+        </p:nvSpPr>
+        <p:spPr>
+          <a:xfrm>
+            <a:off x="2537400" y="3186259"/>
+            <a:ext cx="339356" cy="358219"/>
+          </a:xfrm>
+          <a:prstGeom prst="ellipse">
+            <a:avLst/>
+          </a:prstGeom>
+          <a:solidFill>
+            <a:schemeClr val="accent2">
+              <a:lumMod val="75000"/>
+            </a:schemeClr>
+          </a:solidFill>
+        </p:spPr>
+        <p:style>
+          <a:lnRef idx="2">
+            <a:schemeClr val="accent1">
+              <a:shade val="50000"/>
+            </a:schemeClr>
+          </a:lnRef>
+          <a:fillRef idx="1">
+            <a:schemeClr val="accent1"/>
+          </a:fillRef>
+          <a:effectRef idx="0">
+            <a:schemeClr val="accent1"/>
+          </a:effectRef>
+          <a:fontRef idx="minor">
+            <a:schemeClr val="lt1"/>
+          </a:fontRef>
+        </p:style>
+        <p:txBody>
+          <a:bodyPr rtlCol="0" anchor="ctr"/>
+          <a:lstStyle/>
+          <a:p>
+            <a:pPr algn="ctr"/>
+            <a:r>
+              <a:rPr lang="en-US" sz="1400" b="1" dirty="0">
+                <a:latin typeface="Verdana" panose="020B0604030504040204" pitchFamily="34" charset="0"/>
+                <a:ea typeface="Verdana" panose="020B0604030504040204" pitchFamily="34" charset="0"/>
+              </a:rPr>
+              <a:t>1</a:t>
+            </a:r>
+          </a:p>
+        </p:txBody>
+      </p:sp>
+      <p:sp>
+        <p:nvSpPr>
+          <p:cNvPr id="24" name="TextBox 23">
+            <a:extLst>
+              <a:ext uri="{FF2B5EF4-FFF2-40B4-BE49-F238E27FC236}">
+                <a16:creationId xmlns:a16="http://schemas.microsoft.com/office/drawing/2014/main" id="{33EE431E-2041-63CD-78BB-B5200989A66A}"/>
+              </a:ext>
+            </a:extLst>
+          </p:cNvPr>
+          <p:cNvSpPr txBox="1"/>
+          <p:nvPr/>
+        </p:nvSpPr>
+        <p:spPr>
+          <a:xfrm>
+            <a:off x="1754959" y="3544478"/>
+            <a:ext cx="2435260" cy="646331"/>
+          </a:xfrm>
+          <a:prstGeom prst="rect">
+            <a:avLst/>
+          </a:prstGeom>
+          <a:noFill/>
+        </p:spPr>
+        <p:txBody>
+          <a:bodyPr wrap="square" rtlCol="0">
+            <a:spAutoFit/>
+          </a:bodyPr>
+          <a:lstStyle/>
+          <a:p>
+            <a:r>
+              <a:rPr lang="en-US" dirty="0"/>
+              <a:t>Products DTO with Image GUID</a:t>
+            </a:r>
+          </a:p>
+        </p:txBody>
+      </p:sp>
+      <p:sp>
+        <p:nvSpPr>
+          <p:cNvPr id="25" name="Oval 24">
+            <a:extLst>
+              <a:ext uri="{FF2B5EF4-FFF2-40B4-BE49-F238E27FC236}">
+                <a16:creationId xmlns:a16="http://schemas.microsoft.com/office/drawing/2014/main" id="{746C00D7-027B-C748-C12E-473B5F442EAF}"/>
+              </a:ext>
+            </a:extLst>
+          </p:cNvPr>
+          <p:cNvSpPr/>
+          <p:nvPr/>
+        </p:nvSpPr>
+        <p:spPr>
+          <a:xfrm>
+            <a:off x="5879184" y="3180717"/>
+            <a:ext cx="339356" cy="358219"/>
+          </a:xfrm>
+          <a:prstGeom prst="ellipse">
+            <a:avLst/>
+          </a:prstGeom>
+          <a:solidFill>
+            <a:schemeClr val="accent2">
+              <a:lumMod val="75000"/>
+            </a:schemeClr>
+          </a:solidFill>
+        </p:spPr>
+        <p:style>
+          <a:lnRef idx="2">
+            <a:schemeClr val="accent1">
+              <a:shade val="50000"/>
+            </a:schemeClr>
+          </a:lnRef>
+          <a:fillRef idx="1">
+            <a:schemeClr val="accent1"/>
+          </a:fillRef>
+          <a:effectRef idx="0">
+            <a:schemeClr val="accent1"/>
+          </a:effectRef>
+          <a:fontRef idx="minor">
+            <a:schemeClr val="lt1"/>
+          </a:fontRef>
+        </p:style>
+        <p:txBody>
+          <a:bodyPr rtlCol="0" anchor="ctr"/>
+          <a:lstStyle/>
+          <a:p>
+            <a:pPr algn="ctr"/>
+            <a:r>
+              <a:rPr lang="en-US" sz="1400" b="1" dirty="0">
+                <a:latin typeface="Verdana" panose="020B0604030504040204" pitchFamily="34" charset="0"/>
+                <a:ea typeface="Verdana" panose="020B0604030504040204" pitchFamily="34" charset="0"/>
+              </a:rPr>
+              <a:t>2</a:t>
+            </a:r>
+          </a:p>
+        </p:txBody>
+      </p:sp>
+      <p:sp>
+        <p:nvSpPr>
+          <p:cNvPr id="26" name="Oval 25">
+            <a:extLst>
+              <a:ext uri="{FF2B5EF4-FFF2-40B4-BE49-F238E27FC236}">
+                <a16:creationId xmlns:a16="http://schemas.microsoft.com/office/drawing/2014/main" id="{21853EBE-7F75-8C45-0396-F06F9FD6FB3F}"/>
+              </a:ext>
+            </a:extLst>
+          </p:cNvPr>
+          <p:cNvSpPr/>
+          <p:nvPr/>
+        </p:nvSpPr>
+        <p:spPr>
+          <a:xfrm>
+            <a:off x="8322518" y="3070781"/>
+            <a:ext cx="339356" cy="358219"/>
+          </a:xfrm>
+          <a:prstGeom prst="ellipse">
+            <a:avLst/>
+          </a:prstGeom>
+          <a:solidFill>
+            <a:schemeClr val="accent2">
+              <a:lumMod val="75000"/>
+            </a:schemeClr>
+          </a:solidFill>
+        </p:spPr>
+        <p:style>
+          <a:lnRef idx="2">
+            <a:schemeClr val="accent1">
+              <a:shade val="50000"/>
+            </a:schemeClr>
+          </a:lnRef>
+          <a:fillRef idx="1">
+            <a:schemeClr val="accent1"/>
+          </a:fillRef>
+          <a:effectRef idx="0">
+            <a:schemeClr val="accent1"/>
+          </a:effectRef>
+          <a:fontRef idx="minor">
+            <a:schemeClr val="lt1"/>
+          </a:fontRef>
+        </p:style>
+        <p:txBody>
+          <a:bodyPr rtlCol="0" anchor="ctr"/>
+          <a:lstStyle/>
+          <a:p>
+            <a:pPr algn="ctr"/>
+            <a:r>
+              <a:rPr lang="en-US" sz="1400" b="1" dirty="0">
+                <a:latin typeface="Verdana" panose="020B0604030504040204" pitchFamily="34" charset="0"/>
+                <a:ea typeface="Verdana" panose="020B0604030504040204" pitchFamily="34" charset="0"/>
+              </a:rPr>
+              <a:t>3</a:t>
+            </a:r>
+          </a:p>
+        </p:txBody>
+      </p:sp>
+      <p:sp>
+        <p:nvSpPr>
+          <p:cNvPr id="27" name="Oval 26">
+            <a:extLst>
+              <a:ext uri="{FF2B5EF4-FFF2-40B4-BE49-F238E27FC236}">
+                <a16:creationId xmlns:a16="http://schemas.microsoft.com/office/drawing/2014/main" id="{38B5F783-7974-E4CE-9C10-8E9CCAD393E2}"/>
+              </a:ext>
+            </a:extLst>
+          </p:cNvPr>
+          <p:cNvSpPr/>
+          <p:nvPr/>
+        </p:nvSpPr>
+        <p:spPr>
+          <a:xfrm>
+            <a:off x="11701560" y="1611983"/>
+            <a:ext cx="339356" cy="358219"/>
+          </a:xfrm>
+          <a:prstGeom prst="ellipse">
+            <a:avLst/>
+          </a:prstGeom>
+          <a:solidFill>
+            <a:schemeClr val="accent2">
+              <a:lumMod val="75000"/>
+            </a:schemeClr>
+          </a:solidFill>
+        </p:spPr>
+        <p:style>
+          <a:lnRef idx="2">
+            <a:schemeClr val="accent1">
+              <a:shade val="50000"/>
+            </a:schemeClr>
+          </a:lnRef>
+          <a:fillRef idx="1">
+            <a:schemeClr val="accent1"/>
+          </a:fillRef>
+          <a:effectRef idx="0">
+            <a:schemeClr val="accent1"/>
+          </a:effectRef>
+          <a:fontRef idx="minor">
+            <a:schemeClr val="lt1"/>
+          </a:fontRef>
+        </p:style>
+        <p:txBody>
+          <a:bodyPr rtlCol="0" anchor="ctr"/>
+          <a:lstStyle/>
+          <a:p>
+            <a:pPr algn="ctr"/>
+            <a:r>
+              <a:rPr lang="en-US" sz="1400" b="1" dirty="0">
+                <a:latin typeface="Verdana" panose="020B0604030504040204" pitchFamily="34" charset="0"/>
+                <a:ea typeface="Verdana" panose="020B0604030504040204" pitchFamily="34" charset="0"/>
+              </a:rPr>
+              <a:t>4</a:t>
+            </a:r>
+          </a:p>
+        </p:txBody>
+      </p:sp>
+      <p:cxnSp>
+        <p:nvCxnSpPr>
+          <p:cNvPr id="30" name="Straight Arrow Connector 29">
+            <a:extLst>
+              <a:ext uri="{FF2B5EF4-FFF2-40B4-BE49-F238E27FC236}">
+                <a16:creationId xmlns:a16="http://schemas.microsoft.com/office/drawing/2014/main" id="{806EE8AA-FF34-1845-BBB3-9AE8B4D0677A}"/>
+              </a:ext>
+            </a:extLst>
+          </p:cNvPr>
+          <p:cNvCxnSpPr/>
+          <p:nvPr/>
+        </p:nvCxnSpPr>
+        <p:spPr>
+          <a:xfrm>
+            <a:off x="3648176" y="2394408"/>
+            <a:ext cx="997665" cy="0"/>
+          </a:xfrm>
+          <a:prstGeom prst="straightConnector1">
+            <a:avLst/>
+          </a:prstGeom>
+          <a:ln>
+            <a:solidFill>
+              <a:schemeClr val="accent2">
+                <a:lumMod val="75000"/>
+              </a:schemeClr>
+            </a:solidFill>
+            <a:tailEnd type="triangle"/>
+          </a:ln>
+        </p:spPr>
+        <p:style>
+          <a:lnRef idx="3">
+            <a:schemeClr val="accent2"/>
+          </a:lnRef>
+          <a:fillRef idx="0">
+            <a:schemeClr val="accent2"/>
+          </a:fillRef>
+          <a:effectRef idx="2">
+            <a:schemeClr val="accent2"/>
+          </a:effectRef>
+          <a:fontRef idx="minor">
+            <a:schemeClr val="tx1"/>
+          </a:fontRef>
+        </p:style>
+      </p:cxnSp>
+      <p:cxnSp>
+        <p:nvCxnSpPr>
+          <p:cNvPr id="31" name="Straight Arrow Connector 30">
+            <a:extLst>
+              <a:ext uri="{FF2B5EF4-FFF2-40B4-BE49-F238E27FC236}">
+                <a16:creationId xmlns:a16="http://schemas.microsoft.com/office/drawing/2014/main" id="{38A20139-4CF5-595E-56E8-AFB93CE756F3}"/>
+              </a:ext>
+            </a:extLst>
+          </p:cNvPr>
+          <p:cNvCxnSpPr>
+            <a:cxnSpLocks/>
+            <a:stCxn id="15" idx="3"/>
+          </p:cNvCxnSpPr>
+          <p:nvPr/>
+        </p:nvCxnSpPr>
+        <p:spPr>
+          <a:xfrm flipV="1">
+            <a:off x="5830474" y="1993770"/>
+            <a:ext cx="1123370" cy="207389"/>
+          </a:xfrm>
+          <a:prstGeom prst="straightConnector1">
+            <a:avLst/>
+          </a:prstGeom>
+          <a:ln>
+            <a:solidFill>
+              <a:schemeClr val="accent2">
+                <a:lumMod val="75000"/>
+              </a:schemeClr>
+            </a:solidFill>
+            <a:tailEnd type="triangle"/>
+          </a:ln>
+        </p:spPr>
+        <p:style>
+          <a:lnRef idx="3">
+            <a:schemeClr val="accent2"/>
+          </a:lnRef>
+          <a:fillRef idx="0">
+            <a:schemeClr val="accent2"/>
+          </a:fillRef>
+          <a:effectRef idx="2">
+            <a:schemeClr val="accent2"/>
+          </a:effectRef>
+          <a:fontRef idx="minor">
+            <a:schemeClr val="tx1"/>
+          </a:fontRef>
+        </p:style>
+      </p:cxnSp>
+      <p:cxnSp>
+        <p:nvCxnSpPr>
+          <p:cNvPr id="34" name="Straight Arrow Connector 33">
+            <a:extLst>
+              <a:ext uri="{FF2B5EF4-FFF2-40B4-BE49-F238E27FC236}">
+                <a16:creationId xmlns:a16="http://schemas.microsoft.com/office/drawing/2014/main" id="{0814023E-0B0F-86FD-4819-BCB6AF69A294}"/>
+              </a:ext>
+            </a:extLst>
+          </p:cNvPr>
+          <p:cNvCxnSpPr>
+            <a:cxnSpLocks/>
+            <a:endCxn id="10" idx="2"/>
+          </p:cNvCxnSpPr>
+          <p:nvPr/>
+        </p:nvCxnSpPr>
+        <p:spPr>
+          <a:xfrm flipV="1">
+            <a:off x="8138477" y="1593130"/>
+            <a:ext cx="1842933" cy="10998"/>
+          </a:xfrm>
+          <a:prstGeom prst="straightConnector1">
+            <a:avLst/>
+          </a:prstGeom>
+          <a:ln>
+            <a:solidFill>
+              <a:schemeClr val="accent2">
+                <a:lumMod val="75000"/>
+              </a:schemeClr>
+            </a:solidFill>
+            <a:tailEnd type="triangle"/>
+          </a:ln>
+        </p:spPr>
+        <p:style>
+          <a:lnRef idx="3">
+            <a:schemeClr val="accent2"/>
+          </a:lnRef>
+          <a:fillRef idx="0">
+            <a:schemeClr val="accent2"/>
+          </a:fillRef>
+          <a:effectRef idx="2">
+            <a:schemeClr val="accent2"/>
+          </a:effectRef>
+          <a:fontRef idx="minor">
+            <a:schemeClr val="tx1"/>
+          </a:fontRef>
+        </p:style>
+      </p:cxnSp>
+      <p:sp>
+        <p:nvSpPr>
+          <p:cNvPr id="38" name="Rectangle: Beveled 37">
+            <a:extLst>
+              <a:ext uri="{FF2B5EF4-FFF2-40B4-BE49-F238E27FC236}">
+                <a16:creationId xmlns:a16="http://schemas.microsoft.com/office/drawing/2014/main" id="{30032567-D4AC-54E0-BB0D-05BC4D8D64A8}"/>
+              </a:ext>
+            </a:extLst>
+          </p:cNvPr>
+          <p:cNvSpPr/>
+          <p:nvPr/>
+        </p:nvSpPr>
+        <p:spPr>
+          <a:xfrm>
+            <a:off x="9180918" y="5015296"/>
+            <a:ext cx="953686" cy="697585"/>
+          </a:xfrm>
+          <a:prstGeom prst="bevel">
+            <a:avLst/>
+          </a:prstGeom>
+          <a:solidFill>
+            <a:schemeClr val="accent4">
+              <a:lumMod val="75000"/>
+            </a:schemeClr>
+          </a:solidFill>
+        </p:spPr>
+        <p:style>
+          <a:lnRef idx="2">
+            <a:schemeClr val="accent1">
+              <a:shade val="50000"/>
+            </a:schemeClr>
+          </a:lnRef>
+          <a:fillRef idx="1">
+            <a:schemeClr val="accent1"/>
+          </a:fillRef>
+          <a:effectRef idx="0">
+            <a:schemeClr val="accent1"/>
+          </a:effectRef>
+          <a:fontRef idx="minor">
+            <a:schemeClr val="lt1"/>
+          </a:fontRef>
+        </p:style>
+        <p:txBody>
+          <a:bodyPr rtlCol="0" anchor="ctr"/>
+          <a:lstStyle/>
+          <a:p>
+            <a:pPr algn="ctr"/>
+            <a:r>
+              <a:rPr lang="en-US" sz="1200" b="1" dirty="0">
+                <a:latin typeface="Verdana" panose="020B0604030504040204" pitchFamily="34" charset="0"/>
+                <a:ea typeface="Verdana" panose="020B0604030504040204" pitchFamily="34" charset="0"/>
+              </a:rPr>
+              <a:t>Clean Up Job</a:t>
+            </a:r>
+          </a:p>
+        </p:txBody>
+      </p:sp>
+      <p:cxnSp>
+        <p:nvCxnSpPr>
+          <p:cNvPr id="40" name="Straight Arrow Connector 39">
+            <a:extLst>
+              <a:ext uri="{FF2B5EF4-FFF2-40B4-BE49-F238E27FC236}">
+                <a16:creationId xmlns:a16="http://schemas.microsoft.com/office/drawing/2014/main" id="{83243605-6F0F-8BB0-D24C-F0DE1879B8C2}"/>
+              </a:ext>
+            </a:extLst>
+          </p:cNvPr>
+          <p:cNvCxnSpPr>
+            <a:stCxn id="38" idx="4"/>
+            <a:endCxn id="7" idx="3"/>
+          </p:cNvCxnSpPr>
+          <p:nvPr/>
+        </p:nvCxnSpPr>
+        <p:spPr>
+          <a:xfrm flipH="1" flipV="1">
+            <a:off x="8795208" y="5363852"/>
+            <a:ext cx="385710" cy="237"/>
+          </a:xfrm>
+          <a:prstGeom prst="straightConnector1">
+            <a:avLst/>
+          </a:prstGeom>
+          <a:ln>
+            <a:tailEnd type="triangle"/>
+          </a:ln>
+        </p:spPr>
+        <p:style>
+          <a:lnRef idx="1">
+            <a:schemeClr val="accent1"/>
+          </a:lnRef>
+          <a:fillRef idx="0">
+            <a:schemeClr val="accent1"/>
+          </a:fillRef>
+          <a:effectRef idx="0">
+            <a:schemeClr val="accent1"/>
+          </a:effectRef>
+          <a:fontRef idx="minor">
+            <a:schemeClr val="tx1"/>
+          </a:fontRef>
+        </p:style>
+      </p:cxnSp>
+      <p:sp>
+        <p:nvSpPr>
+          <p:cNvPr id="42" name="Hexagon 41">
+            <a:extLst>
+              <a:ext uri="{FF2B5EF4-FFF2-40B4-BE49-F238E27FC236}">
+                <a16:creationId xmlns:a16="http://schemas.microsoft.com/office/drawing/2014/main" id="{DE44D164-78E2-7541-709D-B53D5DE4C700}"/>
+              </a:ext>
+            </a:extLst>
+          </p:cNvPr>
+          <p:cNvSpPr/>
+          <p:nvPr/>
+        </p:nvSpPr>
+        <p:spPr>
+          <a:xfrm>
+            <a:off x="10342780" y="3429000"/>
+            <a:ext cx="966255" cy="758079"/>
+          </a:xfrm>
+          <a:prstGeom prst="hexagon">
+            <a:avLst/>
+          </a:prstGeom>
+          <a:solidFill>
+            <a:srgbClr val="7030A0"/>
+          </a:solidFill>
+        </p:spPr>
+        <p:style>
+          <a:lnRef idx="2">
+            <a:schemeClr val="accent1">
+              <a:shade val="50000"/>
+            </a:schemeClr>
+          </a:lnRef>
+          <a:fillRef idx="1">
+            <a:schemeClr val="accent1"/>
+          </a:fillRef>
+          <a:effectRef idx="0">
+            <a:schemeClr val="accent1"/>
+          </a:effectRef>
+          <a:fontRef idx="minor">
+            <a:schemeClr val="lt1"/>
+          </a:fontRef>
+        </p:style>
+        <p:txBody>
+          <a:bodyPr rtlCol="0" anchor="ctr"/>
+          <a:lstStyle/>
+          <a:p>
+            <a:pPr algn="ctr"/>
+            <a:r>
+              <a:rPr lang="en-US" sz="1200" dirty="0">
+                <a:latin typeface="Verdana" panose="020B0604030504040204" pitchFamily="34" charset="0"/>
+                <a:ea typeface="Verdana" panose="020B0604030504040204" pitchFamily="34" charset="0"/>
+              </a:rPr>
+              <a:t>Rabbit MQ</a:t>
+            </a:r>
+          </a:p>
+        </p:txBody>
+      </p:sp>
+      <p:cxnSp>
+        <p:nvCxnSpPr>
+          <p:cNvPr id="44" name="Straight Arrow Connector 43">
+            <a:extLst>
+              <a:ext uri="{FF2B5EF4-FFF2-40B4-BE49-F238E27FC236}">
+                <a16:creationId xmlns:a16="http://schemas.microsoft.com/office/drawing/2014/main" id="{8A973CD5-BACA-0587-574B-FF61FA4C3B46}"/>
+              </a:ext>
+            </a:extLst>
+          </p:cNvPr>
+          <p:cNvCxnSpPr>
+            <a:stCxn id="10" idx="3"/>
+          </p:cNvCxnSpPr>
+          <p:nvPr/>
+        </p:nvCxnSpPr>
+        <p:spPr>
+          <a:xfrm>
+            <a:off x="10792116" y="2592371"/>
+            <a:ext cx="11002" cy="836629"/>
+          </a:xfrm>
+          <a:prstGeom prst="straightConnector1">
+            <a:avLst/>
+          </a:prstGeom>
+          <a:ln>
+            <a:tailEnd type="triangle"/>
+          </a:ln>
+        </p:spPr>
+        <p:style>
+          <a:lnRef idx="1">
+            <a:schemeClr val="accent1"/>
+          </a:lnRef>
+          <a:fillRef idx="0">
+            <a:schemeClr val="accent1"/>
+          </a:fillRef>
+          <a:effectRef idx="0">
+            <a:schemeClr val="accent1"/>
+          </a:effectRef>
+          <a:fontRef idx="minor">
+            <a:schemeClr val="tx1"/>
+          </a:fontRef>
+        </p:style>
+      </p:cxnSp>
+      <p:sp>
+        <p:nvSpPr>
+          <p:cNvPr id="46" name="Oval 45">
+            <a:extLst>
+              <a:ext uri="{FF2B5EF4-FFF2-40B4-BE49-F238E27FC236}">
+                <a16:creationId xmlns:a16="http://schemas.microsoft.com/office/drawing/2014/main" id="{24103BCA-347F-4552-CF6C-1A84C2B1FA00}"/>
+              </a:ext>
+            </a:extLst>
+          </p:cNvPr>
+          <p:cNvSpPr/>
+          <p:nvPr/>
+        </p:nvSpPr>
+        <p:spPr>
+          <a:xfrm>
+            <a:off x="10085120" y="4371745"/>
+            <a:ext cx="812274" cy="697585"/>
+          </a:xfrm>
+          <a:prstGeom prst="ellipse">
+            <a:avLst/>
+          </a:prstGeom>
+          <a:solidFill>
+            <a:srgbClr val="7030A0"/>
+          </a:solidFill>
+        </p:spPr>
+        <p:style>
+          <a:lnRef idx="2">
+            <a:schemeClr val="accent1">
+              <a:shade val="50000"/>
+            </a:schemeClr>
+          </a:lnRef>
+          <a:fillRef idx="1">
+            <a:schemeClr val="accent1"/>
+          </a:fillRef>
+          <a:effectRef idx="0">
+            <a:schemeClr val="accent1"/>
+          </a:effectRef>
+          <a:fontRef idx="minor">
+            <a:schemeClr val="lt1"/>
+          </a:fontRef>
+        </p:style>
+        <p:txBody>
+          <a:bodyPr rtlCol="0" anchor="ctr"/>
+          <a:lstStyle/>
+          <a:p>
+            <a:pPr algn="ctr"/>
+            <a:r>
+              <a:rPr lang="en-US" sz="900" b="1" dirty="0">
+                <a:latin typeface="Verdana" panose="020B0604030504040204" pitchFamily="34" charset="0"/>
+                <a:ea typeface="Verdana" panose="020B0604030504040204" pitchFamily="34" charset="0"/>
+              </a:rPr>
+              <a:t>Temp to </a:t>
+            </a:r>
+            <a:r>
+              <a:rPr lang="en-US" sz="900" b="1" dirty="0" err="1">
+                <a:latin typeface="Verdana" panose="020B0604030504040204" pitchFamily="34" charset="0"/>
+                <a:ea typeface="Verdana" panose="020B0604030504040204" pitchFamily="34" charset="0"/>
+              </a:rPr>
+              <a:t>Dest</a:t>
+            </a:r>
+            <a:endParaRPr lang="en-US" sz="900" b="1" dirty="0">
+              <a:latin typeface="Verdana" panose="020B0604030504040204" pitchFamily="34" charset="0"/>
+              <a:ea typeface="Verdana" panose="020B0604030504040204" pitchFamily="34" charset="0"/>
+            </a:endParaRPr>
+          </a:p>
+        </p:txBody>
+      </p:sp>
+      <p:sp>
+        <p:nvSpPr>
+          <p:cNvPr id="49" name="Oval 48">
+            <a:extLst>
+              <a:ext uri="{FF2B5EF4-FFF2-40B4-BE49-F238E27FC236}">
+                <a16:creationId xmlns:a16="http://schemas.microsoft.com/office/drawing/2014/main" id="{FA6172B3-CE39-3CE5-9080-A55EA93BFC98}"/>
+              </a:ext>
+            </a:extLst>
+          </p:cNvPr>
+          <p:cNvSpPr/>
+          <p:nvPr/>
+        </p:nvSpPr>
+        <p:spPr>
+          <a:xfrm>
+            <a:off x="10889287" y="2680088"/>
+            <a:ext cx="812273" cy="535751"/>
+          </a:xfrm>
+          <a:prstGeom prst="ellipse">
+            <a:avLst/>
+          </a:prstGeom>
+          <a:solidFill>
+            <a:srgbClr val="7030A0"/>
+          </a:solidFill>
+        </p:spPr>
+        <p:style>
+          <a:lnRef idx="2">
+            <a:schemeClr val="accent1">
+              <a:shade val="50000"/>
+            </a:schemeClr>
+          </a:lnRef>
+          <a:fillRef idx="1">
+            <a:schemeClr val="accent1"/>
+          </a:fillRef>
+          <a:effectRef idx="0">
+            <a:schemeClr val="accent1"/>
+          </a:effectRef>
+          <a:fontRef idx="minor">
+            <a:schemeClr val="lt1"/>
+          </a:fontRef>
+        </p:style>
+        <p:txBody>
+          <a:bodyPr rtlCol="0" anchor="ctr"/>
+          <a:lstStyle/>
+          <a:p>
+            <a:pPr algn="ctr"/>
+            <a:r>
+              <a:rPr lang="en-US" sz="1200" dirty="0">
+                <a:latin typeface="Verdana" panose="020B0604030504040204" pitchFamily="34" charset="0"/>
+                <a:ea typeface="Verdana" panose="020B0604030504040204" pitchFamily="34" charset="0"/>
+              </a:rPr>
+              <a:t>CD to Q</a:t>
+            </a:r>
+          </a:p>
+        </p:txBody>
+      </p:sp>
+      <p:sp>
+        <p:nvSpPr>
+          <p:cNvPr id="51" name="Oval 50">
+            <a:extLst>
+              <a:ext uri="{FF2B5EF4-FFF2-40B4-BE49-F238E27FC236}">
+                <a16:creationId xmlns:a16="http://schemas.microsoft.com/office/drawing/2014/main" id="{DAE4FFE9-5C51-FA24-C904-88A0941DAB02}"/>
+              </a:ext>
+            </a:extLst>
+          </p:cNvPr>
+          <p:cNvSpPr/>
+          <p:nvPr/>
+        </p:nvSpPr>
+        <p:spPr>
+          <a:xfrm>
+            <a:off x="10935103" y="4396154"/>
+            <a:ext cx="1131206" cy="697585"/>
+          </a:xfrm>
+          <a:prstGeom prst="ellipse">
+            <a:avLst/>
+          </a:prstGeom>
+          <a:solidFill>
+            <a:srgbClr val="7030A0"/>
+          </a:solidFill>
+        </p:spPr>
+        <p:style>
+          <a:lnRef idx="2">
+            <a:schemeClr val="accent1">
+              <a:shade val="50000"/>
+            </a:schemeClr>
+          </a:lnRef>
+          <a:fillRef idx="1">
+            <a:schemeClr val="accent1"/>
+          </a:fillRef>
+          <a:effectRef idx="0">
+            <a:schemeClr val="accent1"/>
+          </a:effectRef>
+          <a:fontRef idx="minor">
+            <a:schemeClr val="lt1"/>
+          </a:fontRef>
+        </p:style>
+        <p:txBody>
+          <a:bodyPr rtlCol="0" anchor="ctr"/>
+          <a:lstStyle/>
+          <a:p>
+            <a:pPr algn="ctr"/>
+            <a:r>
+              <a:rPr lang="en-US" sz="900" b="1" dirty="0">
+                <a:latin typeface="Verdana" panose="020B0604030504040204" pitchFamily="34" charset="0"/>
+                <a:ea typeface="Verdana" panose="020B0604030504040204" pitchFamily="34" charset="0"/>
+              </a:rPr>
+              <a:t>Orphan Removal</a:t>
+            </a:r>
+          </a:p>
+        </p:txBody>
+      </p:sp>
+    </p:spTree>
+    <p:extLst>
+      <p:ext uri="{BB962C8B-B14F-4D97-AF65-F5344CB8AC3E}">
+        <p14:creationId xmlns:p14="http://schemas.microsoft.com/office/powerpoint/2010/main" val="3487916676"/>
+      </p:ext>
+    </p:extLst>
+  </p:cSld>
+  <p:clrMapOvr>
+    <a:masterClrMapping/>
+  </p:clrMapOvr>
+</p:sld>
+</file>
+
+<file path=ppt/slides/slide6.xml><?xml version="1.0" encoding="utf-8"?>
+<p:sld xmlns:a="http://schemas.openxmlformats.org/drawingml/2006/main" xmlns:r="http://schemas.openxmlformats.org/officeDocument/2006/relationships" xmlns:p="http://schemas.openxmlformats.org/presentationml/2006/main">
+  <p:cSld>
+    <p:spTree>
+      <p:nvGrpSpPr>
+        <p:cNvPr id="1" name=""/>
+        <p:cNvGrpSpPr/>
+        <p:nvPr/>
+      </p:nvGrpSpPr>
+      <p:grpSpPr>
+        <a:xfrm>
+          <a:off x="0" y="0"/>
+          <a:ext cx="0" cy="0"/>
+          <a:chOff x="0" y="0"/>
+          <a:chExt cx="0" cy="0"/>
+        </a:xfrm>
+      </p:grpSpPr>
+      <p:sp>
+        <p:nvSpPr>
           <p:cNvPr id="13" name="Rectangle: Rounded Corners 12">
             <a:extLst>
               <a:ext uri="{FF2B5EF4-FFF2-40B4-BE49-F238E27FC236}">
@@ -36866,1741 +38601,6 @@
 </p:sld>
 </file>
 
-<file path=ppt/slides/slide6.xml><?xml version="1.0" encoding="utf-8"?>
-<p:sld xmlns:a="http://schemas.openxmlformats.org/drawingml/2006/main" xmlns:r="http://schemas.openxmlformats.org/officeDocument/2006/relationships" xmlns:p="http://schemas.openxmlformats.org/presentationml/2006/main">
-  <p:cSld>
-    <p:spTree>
-      <p:nvGrpSpPr>
-        <p:cNvPr id="1" name=""/>
-        <p:cNvGrpSpPr/>
-        <p:nvPr/>
-      </p:nvGrpSpPr>
-      <p:grpSpPr>
-        <a:xfrm>
-          <a:off x="0" y="0"/>
-          <a:ext cx="0" cy="0"/>
-          <a:chOff x="0" y="0"/>
-          <a:chExt cx="0" cy="0"/>
-        </a:xfrm>
-      </p:grpSpPr>
-      <p:sp>
-        <p:nvSpPr>
-          <p:cNvPr id="4" name="Rectangle: Rounded Corners 3">
-            <a:extLst>
-              <a:ext uri="{FF2B5EF4-FFF2-40B4-BE49-F238E27FC236}">
-                <a16:creationId xmlns:a16="http://schemas.microsoft.com/office/drawing/2014/main" id="{FE81CCDF-2A60-7094-66C7-A21220D60019}"/>
-              </a:ext>
-            </a:extLst>
-          </p:cNvPr>
-          <p:cNvSpPr/>
-          <p:nvPr/>
-        </p:nvSpPr>
-        <p:spPr>
-          <a:xfrm>
-            <a:off x="1951352" y="1338606"/>
-            <a:ext cx="1696824" cy="1545996"/>
-          </a:xfrm>
-          <a:prstGeom prst="roundRect">
-            <a:avLst/>
-          </a:prstGeom>
-        </p:spPr>
-        <p:style>
-          <a:lnRef idx="2">
-            <a:schemeClr val="accent1">
-              <a:shade val="50000"/>
-            </a:schemeClr>
-          </a:lnRef>
-          <a:fillRef idx="1">
-            <a:schemeClr val="accent1"/>
-          </a:fillRef>
-          <a:effectRef idx="0">
-            <a:schemeClr val="accent1"/>
-          </a:effectRef>
-          <a:fontRef idx="minor">
-            <a:schemeClr val="lt1"/>
-          </a:fontRef>
-        </p:style>
-        <p:txBody>
-          <a:bodyPr rtlCol="0" anchor="ctr"/>
-          <a:lstStyle/>
-          <a:p>
-            <a:pPr algn="ctr"/>
-            <a:r>
-              <a:rPr lang="en-US" dirty="0"/>
-              <a:t>Admin </a:t>
-            </a:r>
-          </a:p>
-          <a:p>
-            <a:pPr algn="ctr"/>
-            <a:r>
-              <a:rPr lang="en-US" dirty="0"/>
-              <a:t>UI Browser</a:t>
-            </a:r>
-          </a:p>
-        </p:txBody>
-      </p:sp>
-      <p:sp>
-        <p:nvSpPr>
-          <p:cNvPr id="7" name="Rectangle 6">
-            <a:extLst>
-              <a:ext uri="{FF2B5EF4-FFF2-40B4-BE49-F238E27FC236}">
-                <a16:creationId xmlns:a16="http://schemas.microsoft.com/office/drawing/2014/main" id="{7BF524D1-67AF-C3FA-D260-7ADDDE43478D}"/>
-              </a:ext>
-            </a:extLst>
-          </p:cNvPr>
-          <p:cNvSpPr/>
-          <p:nvPr/>
-        </p:nvSpPr>
-        <p:spPr>
-          <a:xfrm>
-            <a:off x="7098384" y="4675695"/>
-            <a:ext cx="1696824" cy="1376314"/>
-          </a:xfrm>
-          <a:prstGeom prst="rect">
-            <a:avLst/>
-          </a:prstGeom>
-          <a:solidFill>
-            <a:srgbClr val="00B050"/>
-          </a:solidFill>
-        </p:spPr>
-        <p:style>
-          <a:lnRef idx="2">
-            <a:schemeClr val="accent1">
-              <a:shade val="50000"/>
-            </a:schemeClr>
-          </a:lnRef>
-          <a:fillRef idx="1">
-            <a:schemeClr val="accent1"/>
-          </a:fillRef>
-          <a:effectRef idx="0">
-            <a:schemeClr val="accent1"/>
-          </a:effectRef>
-          <a:fontRef idx="minor">
-            <a:schemeClr val="lt1"/>
-          </a:fontRef>
-        </p:style>
-        <p:txBody>
-          <a:bodyPr rtlCol="0" anchor="ctr"/>
-          <a:lstStyle/>
-          <a:p>
-            <a:pPr algn="ctr"/>
-            <a:r>
-              <a:rPr lang="en-US" dirty="0"/>
-              <a:t>Temporary Image Storage</a:t>
-            </a:r>
-          </a:p>
-        </p:txBody>
-      </p:sp>
-      <p:sp>
-        <p:nvSpPr>
-          <p:cNvPr id="8" name="Oval 7">
-            <a:extLst>
-              <a:ext uri="{FF2B5EF4-FFF2-40B4-BE49-F238E27FC236}">
-                <a16:creationId xmlns:a16="http://schemas.microsoft.com/office/drawing/2014/main" id="{2C82FADF-A01A-0F99-CC53-43788038F841}"/>
-              </a:ext>
-            </a:extLst>
-          </p:cNvPr>
-          <p:cNvSpPr/>
-          <p:nvPr/>
-        </p:nvSpPr>
-        <p:spPr>
-          <a:xfrm>
-            <a:off x="4645841" y="4732256"/>
-            <a:ext cx="1244338" cy="1263192"/>
-          </a:xfrm>
-          <a:prstGeom prst="ellipse">
-            <a:avLst/>
-          </a:prstGeom>
-        </p:spPr>
-        <p:style>
-          <a:lnRef idx="2">
-            <a:schemeClr val="accent1">
-              <a:shade val="50000"/>
-            </a:schemeClr>
-          </a:lnRef>
-          <a:fillRef idx="1">
-            <a:schemeClr val="accent1"/>
-          </a:fillRef>
-          <a:effectRef idx="0">
-            <a:schemeClr val="accent1"/>
-          </a:effectRef>
-          <a:fontRef idx="minor">
-            <a:schemeClr val="lt1"/>
-          </a:fontRef>
-        </p:style>
-        <p:txBody>
-          <a:bodyPr rtlCol="0" anchor="ctr"/>
-          <a:lstStyle/>
-          <a:p>
-            <a:pPr algn="ctr"/>
-            <a:r>
-              <a:rPr lang="en-US" dirty="0"/>
-              <a:t>Az </a:t>
-            </a:r>
-            <a:r>
-              <a:rPr lang="en-US" dirty="0" err="1"/>
-              <a:t>Func</a:t>
-            </a:r>
-            <a:endParaRPr lang="en-US" dirty="0"/>
-          </a:p>
-        </p:txBody>
-      </p:sp>
-      <p:sp>
-        <p:nvSpPr>
-          <p:cNvPr id="9" name="Rectangle: Rounded Corners 8">
-            <a:extLst>
-              <a:ext uri="{FF2B5EF4-FFF2-40B4-BE49-F238E27FC236}">
-                <a16:creationId xmlns:a16="http://schemas.microsoft.com/office/drawing/2014/main" id="{30514CA6-1564-9431-D321-9AD54BD26C28}"/>
-              </a:ext>
-            </a:extLst>
-          </p:cNvPr>
-          <p:cNvSpPr/>
-          <p:nvPr/>
-        </p:nvSpPr>
-        <p:spPr>
-          <a:xfrm>
-            <a:off x="10256362" y="5203598"/>
-            <a:ext cx="1809947" cy="1545996"/>
-          </a:xfrm>
-          <a:prstGeom prst="roundRect">
-            <a:avLst/>
-          </a:prstGeom>
-          <a:solidFill>
-            <a:srgbClr val="00B050"/>
-          </a:solidFill>
-        </p:spPr>
-        <p:style>
-          <a:lnRef idx="2">
-            <a:schemeClr val="accent1">
-              <a:shade val="50000"/>
-            </a:schemeClr>
-          </a:lnRef>
-          <a:fillRef idx="1">
-            <a:schemeClr val="accent1"/>
-          </a:fillRef>
-          <a:effectRef idx="0">
-            <a:schemeClr val="accent1"/>
-          </a:effectRef>
-          <a:fontRef idx="minor">
-            <a:schemeClr val="lt1"/>
-          </a:fontRef>
-        </p:style>
-        <p:txBody>
-          <a:bodyPr rtlCol="0" anchor="ctr"/>
-          <a:lstStyle/>
-          <a:p>
-            <a:pPr algn="ctr"/>
-            <a:r>
-              <a:rPr lang="en-US" dirty="0"/>
-              <a:t>Destination Blob Storage</a:t>
-            </a:r>
-          </a:p>
-        </p:txBody>
-      </p:sp>
-      <p:sp>
-        <p:nvSpPr>
-          <p:cNvPr id="10" name="Flowchart: Magnetic Disk 9">
-            <a:extLst>
-              <a:ext uri="{FF2B5EF4-FFF2-40B4-BE49-F238E27FC236}">
-                <a16:creationId xmlns:a16="http://schemas.microsoft.com/office/drawing/2014/main" id="{A0A94D4D-D2E1-EB77-7CB4-C6B0076BB627}"/>
-              </a:ext>
-            </a:extLst>
-          </p:cNvPr>
-          <p:cNvSpPr/>
-          <p:nvPr/>
-        </p:nvSpPr>
-        <p:spPr>
-          <a:xfrm>
-            <a:off x="9981410" y="593889"/>
-            <a:ext cx="1621411" cy="1998482"/>
-          </a:xfrm>
-          <a:prstGeom prst="flowChartMagneticDisk">
-            <a:avLst/>
-          </a:prstGeom>
-          <a:solidFill>
-            <a:srgbClr val="FFFF00"/>
-          </a:solidFill>
-        </p:spPr>
-        <p:style>
-          <a:lnRef idx="2">
-            <a:schemeClr val="accent1">
-              <a:shade val="50000"/>
-            </a:schemeClr>
-          </a:lnRef>
-          <a:fillRef idx="1">
-            <a:schemeClr val="accent1"/>
-          </a:fillRef>
-          <a:effectRef idx="0">
-            <a:schemeClr val="accent1"/>
-          </a:effectRef>
-          <a:fontRef idx="minor">
-            <a:schemeClr val="lt1"/>
-          </a:fontRef>
-        </p:style>
-        <p:txBody>
-          <a:bodyPr rtlCol="0" anchor="ctr"/>
-          <a:lstStyle/>
-          <a:p>
-            <a:pPr algn="ctr"/>
-            <a:r>
-              <a:rPr lang="en-US" b="1" dirty="0">
-                <a:solidFill>
-                  <a:srgbClr val="002060"/>
-                </a:solidFill>
-              </a:rPr>
-              <a:t>Mongo</a:t>
-            </a:r>
-          </a:p>
-          <a:p>
-            <a:pPr algn="ctr"/>
-            <a:r>
-              <a:rPr lang="en-US" b="1" dirty="0">
-                <a:solidFill>
-                  <a:srgbClr val="002060"/>
-                </a:solidFill>
-              </a:rPr>
-              <a:t>Db</a:t>
-            </a:r>
-          </a:p>
-        </p:txBody>
-      </p:sp>
-      <p:cxnSp>
-        <p:nvCxnSpPr>
-          <p:cNvPr id="13" name="Straight Connector 12">
-            <a:extLst>
-              <a:ext uri="{FF2B5EF4-FFF2-40B4-BE49-F238E27FC236}">
-                <a16:creationId xmlns:a16="http://schemas.microsoft.com/office/drawing/2014/main" id="{264D6AFA-9293-89B9-9436-691235D5B3BC}"/>
-              </a:ext>
-            </a:extLst>
-          </p:cNvPr>
-          <p:cNvCxnSpPr/>
-          <p:nvPr/>
-        </p:nvCxnSpPr>
-        <p:spPr>
-          <a:xfrm>
-            <a:off x="4257774" y="0"/>
-            <a:ext cx="0" cy="6858000"/>
-          </a:xfrm>
-          <a:prstGeom prst="line">
-            <a:avLst/>
-          </a:prstGeom>
-        </p:spPr>
-        <p:style>
-          <a:lnRef idx="3">
-            <a:schemeClr val="accent1"/>
-          </a:lnRef>
-          <a:fillRef idx="0">
-            <a:schemeClr val="accent1"/>
-          </a:fillRef>
-          <a:effectRef idx="2">
-            <a:schemeClr val="accent1"/>
-          </a:effectRef>
-          <a:fontRef idx="minor">
-            <a:schemeClr val="tx1"/>
-          </a:fontRef>
-        </p:style>
-      </p:cxnSp>
-      <p:sp>
-        <p:nvSpPr>
-          <p:cNvPr id="14" name="Smiley Face 13">
-            <a:extLst>
-              <a:ext uri="{FF2B5EF4-FFF2-40B4-BE49-F238E27FC236}">
-                <a16:creationId xmlns:a16="http://schemas.microsoft.com/office/drawing/2014/main" id="{FFFBB0E0-4786-DB97-5B76-61D69F66BEDF}"/>
-              </a:ext>
-            </a:extLst>
-          </p:cNvPr>
-          <p:cNvSpPr/>
-          <p:nvPr/>
-        </p:nvSpPr>
-        <p:spPr>
-          <a:xfrm>
-            <a:off x="414779" y="1602557"/>
-            <a:ext cx="1159492" cy="1197204"/>
-          </a:xfrm>
-          <a:prstGeom prst="smileyFace">
-            <a:avLst/>
-          </a:prstGeom>
-        </p:spPr>
-        <p:style>
-          <a:lnRef idx="2">
-            <a:schemeClr val="accent1">
-              <a:shade val="50000"/>
-            </a:schemeClr>
-          </a:lnRef>
-          <a:fillRef idx="1">
-            <a:schemeClr val="accent1"/>
-          </a:fillRef>
-          <a:effectRef idx="0">
-            <a:schemeClr val="accent1"/>
-          </a:effectRef>
-          <a:fontRef idx="minor">
-            <a:schemeClr val="lt1"/>
-          </a:fontRef>
-        </p:style>
-        <p:txBody>
-          <a:bodyPr rtlCol="0" anchor="ctr"/>
-          <a:lstStyle/>
-          <a:p>
-            <a:pPr algn="ctr"/>
-            <a:endParaRPr lang="en-US"/>
-          </a:p>
-        </p:txBody>
-      </p:sp>
-      <p:sp>
-        <p:nvSpPr>
-          <p:cNvPr id="15" name="Rectangle: Rounded Corners 14">
-            <a:extLst>
-              <a:ext uri="{FF2B5EF4-FFF2-40B4-BE49-F238E27FC236}">
-                <a16:creationId xmlns:a16="http://schemas.microsoft.com/office/drawing/2014/main" id="{406EAD9C-B975-3A57-05FE-18EE0F57BF66}"/>
-              </a:ext>
-            </a:extLst>
-          </p:cNvPr>
-          <p:cNvSpPr/>
-          <p:nvPr/>
-        </p:nvSpPr>
-        <p:spPr>
-          <a:xfrm>
-            <a:off x="4645841" y="697583"/>
-            <a:ext cx="1184633" cy="3007151"/>
-          </a:xfrm>
-          <a:prstGeom prst="roundRect">
-            <a:avLst/>
-          </a:prstGeom>
-        </p:spPr>
-        <p:style>
-          <a:lnRef idx="2">
-            <a:schemeClr val="accent1">
-              <a:shade val="50000"/>
-            </a:schemeClr>
-          </a:lnRef>
-          <a:fillRef idx="1">
-            <a:schemeClr val="accent1"/>
-          </a:fillRef>
-          <a:effectRef idx="0">
-            <a:schemeClr val="accent1"/>
-          </a:effectRef>
-          <a:fontRef idx="minor">
-            <a:schemeClr val="lt1"/>
-          </a:fontRef>
-        </p:style>
-        <p:txBody>
-          <a:bodyPr rtlCol="0" anchor="ctr"/>
-          <a:lstStyle/>
-          <a:p>
-            <a:pPr algn="ctr"/>
-            <a:r>
-              <a:rPr lang="en-US" dirty="0"/>
-              <a:t>API Gateway</a:t>
-            </a:r>
-          </a:p>
-        </p:txBody>
-      </p:sp>
-      <p:cxnSp>
-        <p:nvCxnSpPr>
-          <p:cNvPr id="17" name="Straight Arrow Connector 16">
-            <a:extLst>
-              <a:ext uri="{FF2B5EF4-FFF2-40B4-BE49-F238E27FC236}">
-                <a16:creationId xmlns:a16="http://schemas.microsoft.com/office/drawing/2014/main" id="{F792B729-5B7E-C96B-49D5-5CB9096E17E4}"/>
-              </a:ext>
-            </a:extLst>
-          </p:cNvPr>
-          <p:cNvCxnSpPr>
-            <a:stCxn id="4" idx="3"/>
-          </p:cNvCxnSpPr>
-          <p:nvPr/>
-        </p:nvCxnSpPr>
-        <p:spPr>
-          <a:xfrm>
-            <a:off x="3648176" y="2111604"/>
-            <a:ext cx="997665" cy="0"/>
-          </a:xfrm>
-          <a:prstGeom prst="straightConnector1">
-            <a:avLst/>
-          </a:prstGeom>
-          <a:ln>
-            <a:tailEnd type="triangle"/>
-          </a:ln>
-        </p:spPr>
-        <p:style>
-          <a:lnRef idx="1">
-            <a:schemeClr val="accent1"/>
-          </a:lnRef>
-          <a:fillRef idx="0">
-            <a:schemeClr val="accent1"/>
-          </a:fillRef>
-          <a:effectRef idx="0">
-            <a:schemeClr val="accent1"/>
-          </a:effectRef>
-          <a:fontRef idx="minor">
-            <a:schemeClr val="tx1"/>
-          </a:fontRef>
-        </p:style>
-      </p:cxnSp>
-      <p:cxnSp>
-        <p:nvCxnSpPr>
-          <p:cNvPr id="19" name="Straight Arrow Connector 18">
-            <a:extLst>
-              <a:ext uri="{FF2B5EF4-FFF2-40B4-BE49-F238E27FC236}">
-                <a16:creationId xmlns:a16="http://schemas.microsoft.com/office/drawing/2014/main" id="{A000E672-82FA-7C39-F989-FAA98BA3F396}"/>
-              </a:ext>
-            </a:extLst>
-          </p:cNvPr>
-          <p:cNvCxnSpPr>
-            <a:stCxn id="15" idx="2"/>
-          </p:cNvCxnSpPr>
-          <p:nvPr/>
-        </p:nvCxnSpPr>
-        <p:spPr>
-          <a:xfrm flipH="1">
-            <a:off x="5238157" y="3704734"/>
-            <a:ext cx="1" cy="1027522"/>
-          </a:xfrm>
-          <a:prstGeom prst="straightConnector1">
-            <a:avLst/>
-          </a:prstGeom>
-          <a:ln>
-            <a:tailEnd type="triangle"/>
-          </a:ln>
-        </p:spPr>
-        <p:style>
-          <a:lnRef idx="1">
-            <a:schemeClr val="accent1"/>
-          </a:lnRef>
-          <a:fillRef idx="0">
-            <a:schemeClr val="accent1"/>
-          </a:fillRef>
-          <a:effectRef idx="0">
-            <a:schemeClr val="accent1"/>
-          </a:effectRef>
-          <a:fontRef idx="minor">
-            <a:schemeClr val="tx1"/>
-          </a:fontRef>
-        </p:style>
-      </p:cxnSp>
-      <p:cxnSp>
-        <p:nvCxnSpPr>
-          <p:cNvPr id="21" name="Straight Arrow Connector 20">
-            <a:extLst>
-              <a:ext uri="{FF2B5EF4-FFF2-40B4-BE49-F238E27FC236}">
-                <a16:creationId xmlns:a16="http://schemas.microsoft.com/office/drawing/2014/main" id="{E454B2A4-58A9-1F4F-5687-10F5243DFAB8}"/>
-              </a:ext>
-            </a:extLst>
-          </p:cNvPr>
-          <p:cNvCxnSpPr>
-            <a:stCxn id="8" idx="6"/>
-            <a:endCxn id="7" idx="1"/>
-          </p:cNvCxnSpPr>
-          <p:nvPr/>
-        </p:nvCxnSpPr>
-        <p:spPr>
-          <a:xfrm>
-            <a:off x="5890179" y="5363852"/>
-            <a:ext cx="1208205" cy="0"/>
-          </a:xfrm>
-          <a:prstGeom prst="straightConnector1">
-            <a:avLst/>
-          </a:prstGeom>
-          <a:ln>
-            <a:tailEnd type="triangle"/>
-          </a:ln>
-        </p:spPr>
-        <p:style>
-          <a:lnRef idx="1">
-            <a:schemeClr val="accent1"/>
-          </a:lnRef>
-          <a:fillRef idx="0">
-            <a:schemeClr val="accent1"/>
-          </a:fillRef>
-          <a:effectRef idx="0">
-            <a:schemeClr val="accent1"/>
-          </a:effectRef>
-          <a:fontRef idx="minor">
-            <a:schemeClr val="tx1"/>
-          </a:fontRef>
-        </p:style>
-      </p:cxnSp>
-      <p:sp>
-        <p:nvSpPr>
-          <p:cNvPr id="3" name="Rectangle: Rounded Corners 2">
-            <a:extLst>
-              <a:ext uri="{FF2B5EF4-FFF2-40B4-BE49-F238E27FC236}">
-                <a16:creationId xmlns:a16="http://schemas.microsoft.com/office/drawing/2014/main" id="{3CA616FB-1EB7-0E62-B2CA-A6697DC29BF1}"/>
-              </a:ext>
-            </a:extLst>
-          </p:cNvPr>
-          <p:cNvSpPr/>
-          <p:nvPr/>
-        </p:nvSpPr>
-        <p:spPr>
-          <a:xfrm>
-            <a:off x="6953844" y="565610"/>
-            <a:ext cx="1184633" cy="3007151"/>
-          </a:xfrm>
-          <a:prstGeom prst="roundRect">
-            <a:avLst/>
-          </a:prstGeom>
-        </p:spPr>
-        <p:style>
-          <a:lnRef idx="2">
-            <a:schemeClr val="accent1">
-              <a:shade val="50000"/>
-            </a:schemeClr>
-          </a:lnRef>
-          <a:fillRef idx="1">
-            <a:schemeClr val="accent1"/>
-          </a:fillRef>
-          <a:effectRef idx="0">
-            <a:schemeClr val="accent1"/>
-          </a:effectRef>
-          <a:fontRef idx="minor">
-            <a:schemeClr val="lt1"/>
-          </a:fontRef>
-        </p:style>
-        <p:txBody>
-          <a:bodyPr rtlCol="0" anchor="ctr"/>
-          <a:lstStyle/>
-          <a:p>
-            <a:pPr algn="ctr"/>
-            <a:r>
-              <a:rPr lang="en-US" dirty="0"/>
-              <a:t>API Products</a:t>
-            </a:r>
-          </a:p>
-        </p:txBody>
-      </p:sp>
-      <p:sp>
-        <p:nvSpPr>
-          <p:cNvPr id="5" name="Oval 4">
-            <a:extLst>
-              <a:ext uri="{FF2B5EF4-FFF2-40B4-BE49-F238E27FC236}">
-                <a16:creationId xmlns:a16="http://schemas.microsoft.com/office/drawing/2014/main" id="{E6DD2D7F-6BBC-517F-CA0C-E25ABBEF351C}"/>
-              </a:ext>
-            </a:extLst>
-          </p:cNvPr>
-          <p:cNvSpPr/>
-          <p:nvPr/>
-        </p:nvSpPr>
-        <p:spPr>
-          <a:xfrm>
-            <a:off x="2413262" y="829558"/>
-            <a:ext cx="339356" cy="358219"/>
-          </a:xfrm>
-          <a:prstGeom prst="ellipse">
-            <a:avLst/>
-          </a:prstGeom>
-        </p:spPr>
-        <p:style>
-          <a:lnRef idx="2">
-            <a:schemeClr val="accent1">
-              <a:shade val="50000"/>
-            </a:schemeClr>
-          </a:lnRef>
-          <a:fillRef idx="1">
-            <a:schemeClr val="accent1"/>
-          </a:fillRef>
-          <a:effectRef idx="0">
-            <a:schemeClr val="accent1"/>
-          </a:effectRef>
-          <a:fontRef idx="minor">
-            <a:schemeClr val="lt1"/>
-          </a:fontRef>
-        </p:style>
-        <p:txBody>
-          <a:bodyPr rtlCol="0" anchor="ctr"/>
-          <a:lstStyle/>
-          <a:p>
-            <a:pPr algn="ctr"/>
-            <a:r>
-              <a:rPr lang="en-US" sz="1400" b="1" dirty="0">
-                <a:latin typeface="Verdana" panose="020B0604030504040204" pitchFamily="34" charset="0"/>
-                <a:ea typeface="Verdana" panose="020B0604030504040204" pitchFamily="34" charset="0"/>
-              </a:rPr>
-              <a:t>1</a:t>
-            </a:r>
-          </a:p>
-        </p:txBody>
-      </p:sp>
-      <p:sp>
-        <p:nvSpPr>
-          <p:cNvPr id="6" name="Oval 5">
-            <a:extLst>
-              <a:ext uri="{FF2B5EF4-FFF2-40B4-BE49-F238E27FC236}">
-                <a16:creationId xmlns:a16="http://schemas.microsoft.com/office/drawing/2014/main" id="{0092A288-D927-56D9-2848-AB82F105F73E}"/>
-              </a:ext>
-            </a:extLst>
-          </p:cNvPr>
-          <p:cNvSpPr/>
-          <p:nvPr/>
-        </p:nvSpPr>
-        <p:spPr>
-          <a:xfrm>
-            <a:off x="5049632" y="246668"/>
-            <a:ext cx="339356" cy="358219"/>
-          </a:xfrm>
-          <a:prstGeom prst="ellipse">
-            <a:avLst/>
-          </a:prstGeom>
-        </p:spPr>
-        <p:style>
-          <a:lnRef idx="2">
-            <a:schemeClr val="accent1">
-              <a:shade val="50000"/>
-            </a:schemeClr>
-          </a:lnRef>
-          <a:fillRef idx="1">
-            <a:schemeClr val="accent1"/>
-          </a:fillRef>
-          <a:effectRef idx="0">
-            <a:schemeClr val="accent1"/>
-          </a:effectRef>
-          <a:fontRef idx="minor">
-            <a:schemeClr val="lt1"/>
-          </a:fontRef>
-        </p:style>
-        <p:txBody>
-          <a:bodyPr rtlCol="0" anchor="ctr"/>
-          <a:lstStyle/>
-          <a:p>
-            <a:pPr algn="ctr"/>
-            <a:r>
-              <a:rPr lang="en-US" sz="1400" b="1" dirty="0">
-                <a:latin typeface="Verdana" panose="020B0604030504040204" pitchFamily="34" charset="0"/>
-                <a:ea typeface="Verdana" panose="020B0604030504040204" pitchFamily="34" charset="0"/>
-              </a:rPr>
-              <a:t>2</a:t>
-            </a:r>
-          </a:p>
-        </p:txBody>
-      </p:sp>
-      <p:sp>
-        <p:nvSpPr>
-          <p:cNvPr id="11" name="TextBox 10">
-            <a:extLst>
-              <a:ext uri="{FF2B5EF4-FFF2-40B4-BE49-F238E27FC236}">
-                <a16:creationId xmlns:a16="http://schemas.microsoft.com/office/drawing/2014/main" id="{45F38303-B7C8-02B3-08CA-CEBEE7F9ED70}"/>
-              </a:ext>
-            </a:extLst>
-          </p:cNvPr>
-          <p:cNvSpPr txBox="1"/>
-          <p:nvPr/>
-        </p:nvSpPr>
-        <p:spPr>
-          <a:xfrm>
-            <a:off x="5388988" y="208846"/>
-            <a:ext cx="2435260" cy="369332"/>
-          </a:xfrm>
-          <a:prstGeom prst="rect">
-            <a:avLst/>
-          </a:prstGeom>
-          <a:noFill/>
-        </p:spPr>
-        <p:txBody>
-          <a:bodyPr wrap="square" rtlCol="0">
-            <a:spAutoFit/>
-          </a:bodyPr>
-          <a:lstStyle/>
-          <a:p>
-            <a:r>
-              <a:rPr lang="en-US" dirty="0"/>
-              <a:t>Only Image Data</a:t>
-            </a:r>
-          </a:p>
-        </p:txBody>
-      </p:sp>
-      <p:sp>
-        <p:nvSpPr>
-          <p:cNvPr id="12" name="TextBox 11">
-            <a:extLst>
-              <a:ext uri="{FF2B5EF4-FFF2-40B4-BE49-F238E27FC236}">
-                <a16:creationId xmlns:a16="http://schemas.microsoft.com/office/drawing/2014/main" id="{F1D09116-952B-B7D4-D806-24D54A3515A1}"/>
-              </a:ext>
-            </a:extLst>
-          </p:cNvPr>
-          <p:cNvSpPr txBox="1"/>
-          <p:nvPr/>
-        </p:nvSpPr>
-        <p:spPr>
-          <a:xfrm>
-            <a:off x="2764418" y="813004"/>
-            <a:ext cx="2435260" cy="369332"/>
-          </a:xfrm>
-          <a:prstGeom prst="rect">
-            <a:avLst/>
-          </a:prstGeom>
-          <a:noFill/>
-        </p:spPr>
-        <p:txBody>
-          <a:bodyPr wrap="square" rtlCol="0">
-            <a:spAutoFit/>
-          </a:bodyPr>
-          <a:lstStyle/>
-          <a:p>
-            <a:r>
-              <a:rPr lang="en-US" dirty="0"/>
-              <a:t>Upload Image</a:t>
-            </a:r>
-          </a:p>
-        </p:txBody>
-      </p:sp>
-      <p:sp>
-        <p:nvSpPr>
-          <p:cNvPr id="16" name="Oval 15">
-            <a:extLst>
-              <a:ext uri="{FF2B5EF4-FFF2-40B4-BE49-F238E27FC236}">
-                <a16:creationId xmlns:a16="http://schemas.microsoft.com/office/drawing/2014/main" id="{698B39D5-10EB-AC05-D2BB-01FDE30E7097}"/>
-              </a:ext>
-            </a:extLst>
-          </p:cNvPr>
-          <p:cNvSpPr/>
-          <p:nvPr/>
-        </p:nvSpPr>
-        <p:spPr>
-          <a:xfrm>
-            <a:off x="5137607" y="6169961"/>
-            <a:ext cx="339356" cy="358219"/>
-          </a:xfrm>
-          <a:prstGeom prst="ellipse">
-            <a:avLst/>
-          </a:prstGeom>
-        </p:spPr>
-        <p:style>
-          <a:lnRef idx="2">
-            <a:schemeClr val="accent1">
-              <a:shade val="50000"/>
-            </a:schemeClr>
-          </a:lnRef>
-          <a:fillRef idx="1">
-            <a:schemeClr val="accent1"/>
-          </a:fillRef>
-          <a:effectRef idx="0">
-            <a:schemeClr val="accent1"/>
-          </a:effectRef>
-          <a:fontRef idx="minor">
-            <a:schemeClr val="lt1"/>
-          </a:fontRef>
-        </p:style>
-        <p:txBody>
-          <a:bodyPr rtlCol="0" anchor="ctr"/>
-          <a:lstStyle/>
-          <a:p>
-            <a:pPr algn="ctr"/>
-            <a:r>
-              <a:rPr lang="en-US" sz="1400" b="1" dirty="0">
-                <a:latin typeface="Verdana" panose="020B0604030504040204" pitchFamily="34" charset="0"/>
-                <a:ea typeface="Verdana" panose="020B0604030504040204" pitchFamily="34" charset="0"/>
-              </a:rPr>
-              <a:t>3</a:t>
-            </a:r>
-          </a:p>
-        </p:txBody>
-      </p:sp>
-      <p:sp>
-        <p:nvSpPr>
-          <p:cNvPr id="18" name="TextBox 17">
-            <a:extLst>
-              <a:ext uri="{FF2B5EF4-FFF2-40B4-BE49-F238E27FC236}">
-                <a16:creationId xmlns:a16="http://schemas.microsoft.com/office/drawing/2014/main" id="{4BE3AB22-CDFD-4255-AA28-6D0ABFA630C5}"/>
-              </a:ext>
-            </a:extLst>
-          </p:cNvPr>
-          <p:cNvSpPr txBox="1"/>
-          <p:nvPr/>
-        </p:nvSpPr>
-        <p:spPr>
-          <a:xfrm>
-            <a:off x="5516252" y="6130568"/>
-            <a:ext cx="2875183" cy="369332"/>
-          </a:xfrm>
-          <a:prstGeom prst="rect">
-            <a:avLst/>
-          </a:prstGeom>
-          <a:noFill/>
-        </p:spPr>
-        <p:txBody>
-          <a:bodyPr wrap="square" rtlCol="0">
-            <a:spAutoFit/>
-          </a:bodyPr>
-          <a:lstStyle/>
-          <a:p>
-            <a:r>
-              <a:rPr lang="en-US" dirty="0"/>
-              <a:t>Creates Image in Storage</a:t>
-            </a:r>
-          </a:p>
-        </p:txBody>
-      </p:sp>
-      <p:sp>
-        <p:nvSpPr>
-          <p:cNvPr id="20" name="Oval 19">
-            <a:extLst>
-              <a:ext uri="{FF2B5EF4-FFF2-40B4-BE49-F238E27FC236}">
-                <a16:creationId xmlns:a16="http://schemas.microsoft.com/office/drawing/2014/main" id="{CD134569-0F13-985E-A38C-ED8264227826}"/>
-              </a:ext>
-            </a:extLst>
-          </p:cNvPr>
-          <p:cNvSpPr/>
-          <p:nvPr/>
-        </p:nvSpPr>
-        <p:spPr>
-          <a:xfrm>
-            <a:off x="7198949" y="4217045"/>
-            <a:ext cx="339356" cy="358219"/>
-          </a:xfrm>
-          <a:prstGeom prst="ellipse">
-            <a:avLst/>
-          </a:prstGeom>
-        </p:spPr>
-        <p:style>
-          <a:lnRef idx="2">
-            <a:schemeClr val="accent1">
-              <a:shade val="50000"/>
-            </a:schemeClr>
-          </a:lnRef>
-          <a:fillRef idx="1">
-            <a:schemeClr val="accent1"/>
-          </a:fillRef>
-          <a:effectRef idx="0">
-            <a:schemeClr val="accent1"/>
-          </a:effectRef>
-          <a:fontRef idx="minor">
-            <a:schemeClr val="lt1"/>
-          </a:fontRef>
-        </p:style>
-        <p:txBody>
-          <a:bodyPr rtlCol="0" anchor="ctr"/>
-          <a:lstStyle/>
-          <a:p>
-            <a:pPr algn="ctr"/>
-            <a:r>
-              <a:rPr lang="en-US" sz="1400" b="1" dirty="0">
-                <a:latin typeface="Verdana" panose="020B0604030504040204" pitchFamily="34" charset="0"/>
-                <a:ea typeface="Verdana" panose="020B0604030504040204" pitchFamily="34" charset="0"/>
-              </a:rPr>
-              <a:t>4</a:t>
-            </a:r>
-          </a:p>
-        </p:txBody>
-      </p:sp>
-      <p:sp>
-        <p:nvSpPr>
-          <p:cNvPr id="22" name="TextBox 21">
-            <a:extLst>
-              <a:ext uri="{FF2B5EF4-FFF2-40B4-BE49-F238E27FC236}">
-                <a16:creationId xmlns:a16="http://schemas.microsoft.com/office/drawing/2014/main" id="{C875B211-CF69-3C0A-5849-9C6CB32371E3}"/>
-              </a:ext>
-            </a:extLst>
-          </p:cNvPr>
-          <p:cNvSpPr txBox="1"/>
-          <p:nvPr/>
-        </p:nvSpPr>
-        <p:spPr>
-          <a:xfrm>
-            <a:off x="7538306" y="4187079"/>
-            <a:ext cx="1696824" cy="369332"/>
-          </a:xfrm>
-          <a:prstGeom prst="rect">
-            <a:avLst/>
-          </a:prstGeom>
-          <a:noFill/>
-        </p:spPr>
-        <p:txBody>
-          <a:bodyPr wrap="square" rtlCol="0">
-            <a:spAutoFit/>
-          </a:bodyPr>
-          <a:lstStyle/>
-          <a:p>
-            <a:r>
-              <a:rPr lang="en-US" dirty="0"/>
-              <a:t>Image Created</a:t>
-            </a:r>
-          </a:p>
-        </p:txBody>
-      </p:sp>
-      <p:sp>
-        <p:nvSpPr>
-          <p:cNvPr id="23" name="Oval 22">
-            <a:extLst>
-              <a:ext uri="{FF2B5EF4-FFF2-40B4-BE49-F238E27FC236}">
-                <a16:creationId xmlns:a16="http://schemas.microsoft.com/office/drawing/2014/main" id="{C23CA662-1857-EDF4-3973-E088455A8F6C}"/>
-              </a:ext>
-            </a:extLst>
-          </p:cNvPr>
-          <p:cNvSpPr/>
-          <p:nvPr/>
-        </p:nvSpPr>
-        <p:spPr>
-          <a:xfrm>
-            <a:off x="2537400" y="3186259"/>
-            <a:ext cx="339356" cy="358219"/>
-          </a:xfrm>
-          <a:prstGeom prst="ellipse">
-            <a:avLst/>
-          </a:prstGeom>
-          <a:solidFill>
-            <a:schemeClr val="accent2">
-              <a:lumMod val="75000"/>
-            </a:schemeClr>
-          </a:solidFill>
-        </p:spPr>
-        <p:style>
-          <a:lnRef idx="2">
-            <a:schemeClr val="accent1">
-              <a:shade val="50000"/>
-            </a:schemeClr>
-          </a:lnRef>
-          <a:fillRef idx="1">
-            <a:schemeClr val="accent1"/>
-          </a:fillRef>
-          <a:effectRef idx="0">
-            <a:schemeClr val="accent1"/>
-          </a:effectRef>
-          <a:fontRef idx="minor">
-            <a:schemeClr val="lt1"/>
-          </a:fontRef>
-        </p:style>
-        <p:txBody>
-          <a:bodyPr rtlCol="0" anchor="ctr"/>
-          <a:lstStyle/>
-          <a:p>
-            <a:pPr algn="ctr"/>
-            <a:r>
-              <a:rPr lang="en-US" sz="1400" b="1" dirty="0">
-                <a:latin typeface="Verdana" panose="020B0604030504040204" pitchFamily="34" charset="0"/>
-                <a:ea typeface="Verdana" panose="020B0604030504040204" pitchFamily="34" charset="0"/>
-              </a:rPr>
-              <a:t>1</a:t>
-            </a:r>
-          </a:p>
-        </p:txBody>
-      </p:sp>
-      <p:sp>
-        <p:nvSpPr>
-          <p:cNvPr id="24" name="TextBox 23">
-            <a:extLst>
-              <a:ext uri="{FF2B5EF4-FFF2-40B4-BE49-F238E27FC236}">
-                <a16:creationId xmlns:a16="http://schemas.microsoft.com/office/drawing/2014/main" id="{33EE431E-2041-63CD-78BB-B5200989A66A}"/>
-              </a:ext>
-            </a:extLst>
-          </p:cNvPr>
-          <p:cNvSpPr txBox="1"/>
-          <p:nvPr/>
-        </p:nvSpPr>
-        <p:spPr>
-          <a:xfrm>
-            <a:off x="1754959" y="3544478"/>
-            <a:ext cx="2435260" cy="646331"/>
-          </a:xfrm>
-          <a:prstGeom prst="rect">
-            <a:avLst/>
-          </a:prstGeom>
-          <a:noFill/>
-        </p:spPr>
-        <p:txBody>
-          <a:bodyPr wrap="square" rtlCol="0">
-            <a:spAutoFit/>
-          </a:bodyPr>
-          <a:lstStyle/>
-          <a:p>
-            <a:r>
-              <a:rPr lang="en-US" dirty="0"/>
-              <a:t>Products DTO with Image GUID</a:t>
-            </a:r>
-          </a:p>
-        </p:txBody>
-      </p:sp>
-      <p:sp>
-        <p:nvSpPr>
-          <p:cNvPr id="25" name="Oval 24">
-            <a:extLst>
-              <a:ext uri="{FF2B5EF4-FFF2-40B4-BE49-F238E27FC236}">
-                <a16:creationId xmlns:a16="http://schemas.microsoft.com/office/drawing/2014/main" id="{746C00D7-027B-C748-C12E-473B5F442EAF}"/>
-              </a:ext>
-            </a:extLst>
-          </p:cNvPr>
-          <p:cNvSpPr/>
-          <p:nvPr/>
-        </p:nvSpPr>
-        <p:spPr>
-          <a:xfrm>
-            <a:off x="5879184" y="3180717"/>
-            <a:ext cx="339356" cy="358219"/>
-          </a:xfrm>
-          <a:prstGeom prst="ellipse">
-            <a:avLst/>
-          </a:prstGeom>
-          <a:solidFill>
-            <a:schemeClr val="accent2">
-              <a:lumMod val="75000"/>
-            </a:schemeClr>
-          </a:solidFill>
-        </p:spPr>
-        <p:style>
-          <a:lnRef idx="2">
-            <a:schemeClr val="accent1">
-              <a:shade val="50000"/>
-            </a:schemeClr>
-          </a:lnRef>
-          <a:fillRef idx="1">
-            <a:schemeClr val="accent1"/>
-          </a:fillRef>
-          <a:effectRef idx="0">
-            <a:schemeClr val="accent1"/>
-          </a:effectRef>
-          <a:fontRef idx="minor">
-            <a:schemeClr val="lt1"/>
-          </a:fontRef>
-        </p:style>
-        <p:txBody>
-          <a:bodyPr rtlCol="0" anchor="ctr"/>
-          <a:lstStyle/>
-          <a:p>
-            <a:pPr algn="ctr"/>
-            <a:r>
-              <a:rPr lang="en-US" sz="1400" b="1" dirty="0">
-                <a:latin typeface="Verdana" panose="020B0604030504040204" pitchFamily="34" charset="0"/>
-                <a:ea typeface="Verdana" panose="020B0604030504040204" pitchFamily="34" charset="0"/>
-              </a:rPr>
-              <a:t>2</a:t>
-            </a:r>
-          </a:p>
-        </p:txBody>
-      </p:sp>
-      <p:sp>
-        <p:nvSpPr>
-          <p:cNvPr id="26" name="Oval 25">
-            <a:extLst>
-              <a:ext uri="{FF2B5EF4-FFF2-40B4-BE49-F238E27FC236}">
-                <a16:creationId xmlns:a16="http://schemas.microsoft.com/office/drawing/2014/main" id="{21853EBE-7F75-8C45-0396-F06F9FD6FB3F}"/>
-              </a:ext>
-            </a:extLst>
-          </p:cNvPr>
-          <p:cNvSpPr/>
-          <p:nvPr/>
-        </p:nvSpPr>
-        <p:spPr>
-          <a:xfrm>
-            <a:off x="8322518" y="3070781"/>
-            <a:ext cx="339356" cy="358219"/>
-          </a:xfrm>
-          <a:prstGeom prst="ellipse">
-            <a:avLst/>
-          </a:prstGeom>
-          <a:solidFill>
-            <a:schemeClr val="accent2">
-              <a:lumMod val="75000"/>
-            </a:schemeClr>
-          </a:solidFill>
-        </p:spPr>
-        <p:style>
-          <a:lnRef idx="2">
-            <a:schemeClr val="accent1">
-              <a:shade val="50000"/>
-            </a:schemeClr>
-          </a:lnRef>
-          <a:fillRef idx="1">
-            <a:schemeClr val="accent1"/>
-          </a:fillRef>
-          <a:effectRef idx="0">
-            <a:schemeClr val="accent1"/>
-          </a:effectRef>
-          <a:fontRef idx="minor">
-            <a:schemeClr val="lt1"/>
-          </a:fontRef>
-        </p:style>
-        <p:txBody>
-          <a:bodyPr rtlCol="0" anchor="ctr"/>
-          <a:lstStyle/>
-          <a:p>
-            <a:pPr algn="ctr"/>
-            <a:r>
-              <a:rPr lang="en-US" sz="1400" b="1" dirty="0">
-                <a:latin typeface="Verdana" panose="020B0604030504040204" pitchFamily="34" charset="0"/>
-                <a:ea typeface="Verdana" panose="020B0604030504040204" pitchFamily="34" charset="0"/>
-              </a:rPr>
-              <a:t>3</a:t>
-            </a:r>
-          </a:p>
-        </p:txBody>
-      </p:sp>
-      <p:sp>
-        <p:nvSpPr>
-          <p:cNvPr id="27" name="Oval 26">
-            <a:extLst>
-              <a:ext uri="{FF2B5EF4-FFF2-40B4-BE49-F238E27FC236}">
-                <a16:creationId xmlns:a16="http://schemas.microsoft.com/office/drawing/2014/main" id="{38B5F783-7974-E4CE-9C10-8E9CCAD393E2}"/>
-              </a:ext>
-            </a:extLst>
-          </p:cNvPr>
-          <p:cNvSpPr/>
-          <p:nvPr/>
-        </p:nvSpPr>
-        <p:spPr>
-          <a:xfrm>
-            <a:off x="11701560" y="1611983"/>
-            <a:ext cx="339356" cy="358219"/>
-          </a:xfrm>
-          <a:prstGeom prst="ellipse">
-            <a:avLst/>
-          </a:prstGeom>
-          <a:solidFill>
-            <a:schemeClr val="accent2">
-              <a:lumMod val="75000"/>
-            </a:schemeClr>
-          </a:solidFill>
-        </p:spPr>
-        <p:style>
-          <a:lnRef idx="2">
-            <a:schemeClr val="accent1">
-              <a:shade val="50000"/>
-            </a:schemeClr>
-          </a:lnRef>
-          <a:fillRef idx="1">
-            <a:schemeClr val="accent1"/>
-          </a:fillRef>
-          <a:effectRef idx="0">
-            <a:schemeClr val="accent1"/>
-          </a:effectRef>
-          <a:fontRef idx="minor">
-            <a:schemeClr val="lt1"/>
-          </a:fontRef>
-        </p:style>
-        <p:txBody>
-          <a:bodyPr rtlCol="0" anchor="ctr"/>
-          <a:lstStyle/>
-          <a:p>
-            <a:pPr algn="ctr"/>
-            <a:r>
-              <a:rPr lang="en-US" sz="1400" b="1" dirty="0">
-                <a:latin typeface="Verdana" panose="020B0604030504040204" pitchFamily="34" charset="0"/>
-                <a:ea typeface="Verdana" panose="020B0604030504040204" pitchFamily="34" charset="0"/>
-              </a:rPr>
-              <a:t>4</a:t>
-            </a:r>
-          </a:p>
-        </p:txBody>
-      </p:sp>
-      <p:cxnSp>
-        <p:nvCxnSpPr>
-          <p:cNvPr id="30" name="Straight Arrow Connector 29">
-            <a:extLst>
-              <a:ext uri="{FF2B5EF4-FFF2-40B4-BE49-F238E27FC236}">
-                <a16:creationId xmlns:a16="http://schemas.microsoft.com/office/drawing/2014/main" id="{806EE8AA-FF34-1845-BBB3-9AE8B4D0677A}"/>
-              </a:ext>
-            </a:extLst>
-          </p:cNvPr>
-          <p:cNvCxnSpPr/>
-          <p:nvPr/>
-        </p:nvCxnSpPr>
-        <p:spPr>
-          <a:xfrm>
-            <a:off x="3648176" y="2394408"/>
-            <a:ext cx="997665" cy="0"/>
-          </a:xfrm>
-          <a:prstGeom prst="straightConnector1">
-            <a:avLst/>
-          </a:prstGeom>
-          <a:ln>
-            <a:solidFill>
-              <a:schemeClr val="accent2">
-                <a:lumMod val="75000"/>
-              </a:schemeClr>
-            </a:solidFill>
-            <a:tailEnd type="triangle"/>
-          </a:ln>
-        </p:spPr>
-        <p:style>
-          <a:lnRef idx="3">
-            <a:schemeClr val="accent2"/>
-          </a:lnRef>
-          <a:fillRef idx="0">
-            <a:schemeClr val="accent2"/>
-          </a:fillRef>
-          <a:effectRef idx="2">
-            <a:schemeClr val="accent2"/>
-          </a:effectRef>
-          <a:fontRef idx="minor">
-            <a:schemeClr val="tx1"/>
-          </a:fontRef>
-        </p:style>
-      </p:cxnSp>
-      <p:cxnSp>
-        <p:nvCxnSpPr>
-          <p:cNvPr id="31" name="Straight Arrow Connector 30">
-            <a:extLst>
-              <a:ext uri="{FF2B5EF4-FFF2-40B4-BE49-F238E27FC236}">
-                <a16:creationId xmlns:a16="http://schemas.microsoft.com/office/drawing/2014/main" id="{38A20139-4CF5-595E-56E8-AFB93CE756F3}"/>
-              </a:ext>
-            </a:extLst>
-          </p:cNvPr>
-          <p:cNvCxnSpPr>
-            <a:cxnSpLocks/>
-            <a:stCxn id="15" idx="3"/>
-          </p:cNvCxnSpPr>
-          <p:nvPr/>
-        </p:nvCxnSpPr>
-        <p:spPr>
-          <a:xfrm flipV="1">
-            <a:off x="5830474" y="1993770"/>
-            <a:ext cx="1123370" cy="207389"/>
-          </a:xfrm>
-          <a:prstGeom prst="straightConnector1">
-            <a:avLst/>
-          </a:prstGeom>
-          <a:ln>
-            <a:solidFill>
-              <a:schemeClr val="accent2">
-                <a:lumMod val="75000"/>
-              </a:schemeClr>
-            </a:solidFill>
-            <a:tailEnd type="triangle"/>
-          </a:ln>
-        </p:spPr>
-        <p:style>
-          <a:lnRef idx="3">
-            <a:schemeClr val="accent2"/>
-          </a:lnRef>
-          <a:fillRef idx="0">
-            <a:schemeClr val="accent2"/>
-          </a:fillRef>
-          <a:effectRef idx="2">
-            <a:schemeClr val="accent2"/>
-          </a:effectRef>
-          <a:fontRef idx="minor">
-            <a:schemeClr val="tx1"/>
-          </a:fontRef>
-        </p:style>
-      </p:cxnSp>
-      <p:cxnSp>
-        <p:nvCxnSpPr>
-          <p:cNvPr id="34" name="Straight Arrow Connector 33">
-            <a:extLst>
-              <a:ext uri="{FF2B5EF4-FFF2-40B4-BE49-F238E27FC236}">
-                <a16:creationId xmlns:a16="http://schemas.microsoft.com/office/drawing/2014/main" id="{0814023E-0B0F-86FD-4819-BCB6AF69A294}"/>
-              </a:ext>
-            </a:extLst>
-          </p:cNvPr>
-          <p:cNvCxnSpPr>
-            <a:cxnSpLocks/>
-            <a:endCxn id="10" idx="2"/>
-          </p:cNvCxnSpPr>
-          <p:nvPr/>
-        </p:nvCxnSpPr>
-        <p:spPr>
-          <a:xfrm flipV="1">
-            <a:off x="8138477" y="1593130"/>
-            <a:ext cx="1842933" cy="10998"/>
-          </a:xfrm>
-          <a:prstGeom prst="straightConnector1">
-            <a:avLst/>
-          </a:prstGeom>
-          <a:ln>
-            <a:solidFill>
-              <a:schemeClr val="accent2">
-                <a:lumMod val="75000"/>
-              </a:schemeClr>
-            </a:solidFill>
-            <a:tailEnd type="triangle"/>
-          </a:ln>
-        </p:spPr>
-        <p:style>
-          <a:lnRef idx="3">
-            <a:schemeClr val="accent2"/>
-          </a:lnRef>
-          <a:fillRef idx="0">
-            <a:schemeClr val="accent2"/>
-          </a:fillRef>
-          <a:effectRef idx="2">
-            <a:schemeClr val="accent2"/>
-          </a:effectRef>
-          <a:fontRef idx="minor">
-            <a:schemeClr val="tx1"/>
-          </a:fontRef>
-        </p:style>
-      </p:cxnSp>
-      <p:sp>
-        <p:nvSpPr>
-          <p:cNvPr id="38" name="Rectangle: Beveled 37">
-            <a:extLst>
-              <a:ext uri="{FF2B5EF4-FFF2-40B4-BE49-F238E27FC236}">
-                <a16:creationId xmlns:a16="http://schemas.microsoft.com/office/drawing/2014/main" id="{30032567-D4AC-54E0-BB0D-05BC4D8D64A8}"/>
-              </a:ext>
-            </a:extLst>
-          </p:cNvPr>
-          <p:cNvSpPr/>
-          <p:nvPr/>
-        </p:nvSpPr>
-        <p:spPr>
-          <a:xfrm>
-            <a:off x="9180918" y="5015296"/>
-            <a:ext cx="953686" cy="697585"/>
-          </a:xfrm>
-          <a:prstGeom prst="bevel">
-            <a:avLst/>
-          </a:prstGeom>
-          <a:solidFill>
-            <a:schemeClr val="accent4">
-              <a:lumMod val="75000"/>
-            </a:schemeClr>
-          </a:solidFill>
-        </p:spPr>
-        <p:style>
-          <a:lnRef idx="2">
-            <a:schemeClr val="accent1">
-              <a:shade val="50000"/>
-            </a:schemeClr>
-          </a:lnRef>
-          <a:fillRef idx="1">
-            <a:schemeClr val="accent1"/>
-          </a:fillRef>
-          <a:effectRef idx="0">
-            <a:schemeClr val="accent1"/>
-          </a:effectRef>
-          <a:fontRef idx="minor">
-            <a:schemeClr val="lt1"/>
-          </a:fontRef>
-        </p:style>
-        <p:txBody>
-          <a:bodyPr rtlCol="0" anchor="ctr"/>
-          <a:lstStyle/>
-          <a:p>
-            <a:pPr algn="ctr"/>
-            <a:r>
-              <a:rPr lang="en-US" sz="1200" b="1" dirty="0">
-                <a:latin typeface="Verdana" panose="020B0604030504040204" pitchFamily="34" charset="0"/>
-                <a:ea typeface="Verdana" panose="020B0604030504040204" pitchFamily="34" charset="0"/>
-              </a:rPr>
-              <a:t>Clean Up Job</a:t>
-            </a:r>
-          </a:p>
-        </p:txBody>
-      </p:sp>
-      <p:cxnSp>
-        <p:nvCxnSpPr>
-          <p:cNvPr id="40" name="Straight Arrow Connector 39">
-            <a:extLst>
-              <a:ext uri="{FF2B5EF4-FFF2-40B4-BE49-F238E27FC236}">
-                <a16:creationId xmlns:a16="http://schemas.microsoft.com/office/drawing/2014/main" id="{83243605-6F0F-8BB0-D24C-F0DE1879B8C2}"/>
-              </a:ext>
-            </a:extLst>
-          </p:cNvPr>
-          <p:cNvCxnSpPr>
-            <a:stCxn id="38" idx="4"/>
-            <a:endCxn id="7" idx="3"/>
-          </p:cNvCxnSpPr>
-          <p:nvPr/>
-        </p:nvCxnSpPr>
-        <p:spPr>
-          <a:xfrm flipH="1" flipV="1">
-            <a:off x="8795208" y="5363852"/>
-            <a:ext cx="385710" cy="237"/>
-          </a:xfrm>
-          <a:prstGeom prst="straightConnector1">
-            <a:avLst/>
-          </a:prstGeom>
-          <a:ln>
-            <a:tailEnd type="triangle"/>
-          </a:ln>
-        </p:spPr>
-        <p:style>
-          <a:lnRef idx="1">
-            <a:schemeClr val="accent1"/>
-          </a:lnRef>
-          <a:fillRef idx="0">
-            <a:schemeClr val="accent1"/>
-          </a:fillRef>
-          <a:effectRef idx="0">
-            <a:schemeClr val="accent1"/>
-          </a:effectRef>
-          <a:fontRef idx="minor">
-            <a:schemeClr val="tx1"/>
-          </a:fontRef>
-        </p:style>
-      </p:cxnSp>
-      <p:sp>
-        <p:nvSpPr>
-          <p:cNvPr id="42" name="Hexagon 41">
-            <a:extLst>
-              <a:ext uri="{FF2B5EF4-FFF2-40B4-BE49-F238E27FC236}">
-                <a16:creationId xmlns:a16="http://schemas.microsoft.com/office/drawing/2014/main" id="{DE44D164-78E2-7541-709D-B53D5DE4C700}"/>
-              </a:ext>
-            </a:extLst>
-          </p:cNvPr>
-          <p:cNvSpPr/>
-          <p:nvPr/>
-        </p:nvSpPr>
-        <p:spPr>
-          <a:xfrm>
-            <a:off x="10342780" y="3429000"/>
-            <a:ext cx="966255" cy="758079"/>
-          </a:xfrm>
-          <a:prstGeom prst="hexagon">
-            <a:avLst/>
-          </a:prstGeom>
-          <a:solidFill>
-            <a:srgbClr val="7030A0"/>
-          </a:solidFill>
-        </p:spPr>
-        <p:style>
-          <a:lnRef idx="2">
-            <a:schemeClr val="accent1">
-              <a:shade val="50000"/>
-            </a:schemeClr>
-          </a:lnRef>
-          <a:fillRef idx="1">
-            <a:schemeClr val="accent1"/>
-          </a:fillRef>
-          <a:effectRef idx="0">
-            <a:schemeClr val="accent1"/>
-          </a:effectRef>
-          <a:fontRef idx="minor">
-            <a:schemeClr val="lt1"/>
-          </a:fontRef>
-        </p:style>
-        <p:txBody>
-          <a:bodyPr rtlCol="0" anchor="ctr"/>
-          <a:lstStyle/>
-          <a:p>
-            <a:pPr algn="ctr"/>
-            <a:r>
-              <a:rPr lang="en-US" sz="1200" dirty="0">
-                <a:latin typeface="Verdana" panose="020B0604030504040204" pitchFamily="34" charset="0"/>
-                <a:ea typeface="Verdana" panose="020B0604030504040204" pitchFamily="34" charset="0"/>
-              </a:rPr>
-              <a:t>Rabbit MQ</a:t>
-            </a:r>
-          </a:p>
-        </p:txBody>
-      </p:sp>
-      <p:cxnSp>
-        <p:nvCxnSpPr>
-          <p:cNvPr id="44" name="Straight Arrow Connector 43">
-            <a:extLst>
-              <a:ext uri="{FF2B5EF4-FFF2-40B4-BE49-F238E27FC236}">
-                <a16:creationId xmlns:a16="http://schemas.microsoft.com/office/drawing/2014/main" id="{8A973CD5-BACA-0587-574B-FF61FA4C3B46}"/>
-              </a:ext>
-            </a:extLst>
-          </p:cNvPr>
-          <p:cNvCxnSpPr>
-            <a:stCxn id="10" idx="3"/>
-          </p:cNvCxnSpPr>
-          <p:nvPr/>
-        </p:nvCxnSpPr>
-        <p:spPr>
-          <a:xfrm>
-            <a:off x="10792116" y="2592371"/>
-            <a:ext cx="11002" cy="836629"/>
-          </a:xfrm>
-          <a:prstGeom prst="straightConnector1">
-            <a:avLst/>
-          </a:prstGeom>
-          <a:ln>
-            <a:tailEnd type="triangle"/>
-          </a:ln>
-        </p:spPr>
-        <p:style>
-          <a:lnRef idx="1">
-            <a:schemeClr val="accent1"/>
-          </a:lnRef>
-          <a:fillRef idx="0">
-            <a:schemeClr val="accent1"/>
-          </a:fillRef>
-          <a:effectRef idx="0">
-            <a:schemeClr val="accent1"/>
-          </a:effectRef>
-          <a:fontRef idx="minor">
-            <a:schemeClr val="tx1"/>
-          </a:fontRef>
-        </p:style>
-      </p:cxnSp>
-      <p:sp>
-        <p:nvSpPr>
-          <p:cNvPr id="46" name="Oval 45">
-            <a:extLst>
-              <a:ext uri="{FF2B5EF4-FFF2-40B4-BE49-F238E27FC236}">
-                <a16:creationId xmlns:a16="http://schemas.microsoft.com/office/drawing/2014/main" id="{24103BCA-347F-4552-CF6C-1A84C2B1FA00}"/>
-              </a:ext>
-            </a:extLst>
-          </p:cNvPr>
-          <p:cNvSpPr/>
-          <p:nvPr/>
-        </p:nvSpPr>
-        <p:spPr>
-          <a:xfrm>
-            <a:off x="10085120" y="4371745"/>
-            <a:ext cx="812274" cy="697585"/>
-          </a:xfrm>
-          <a:prstGeom prst="ellipse">
-            <a:avLst/>
-          </a:prstGeom>
-          <a:solidFill>
-            <a:srgbClr val="7030A0"/>
-          </a:solidFill>
-        </p:spPr>
-        <p:style>
-          <a:lnRef idx="2">
-            <a:schemeClr val="accent1">
-              <a:shade val="50000"/>
-            </a:schemeClr>
-          </a:lnRef>
-          <a:fillRef idx="1">
-            <a:schemeClr val="accent1"/>
-          </a:fillRef>
-          <a:effectRef idx="0">
-            <a:schemeClr val="accent1"/>
-          </a:effectRef>
-          <a:fontRef idx="minor">
-            <a:schemeClr val="lt1"/>
-          </a:fontRef>
-        </p:style>
-        <p:txBody>
-          <a:bodyPr rtlCol="0" anchor="ctr"/>
-          <a:lstStyle/>
-          <a:p>
-            <a:pPr algn="ctr"/>
-            <a:r>
-              <a:rPr lang="en-US" sz="900" b="1" dirty="0">
-                <a:latin typeface="Verdana" panose="020B0604030504040204" pitchFamily="34" charset="0"/>
-                <a:ea typeface="Verdana" panose="020B0604030504040204" pitchFamily="34" charset="0"/>
-              </a:rPr>
-              <a:t>Temp to </a:t>
-            </a:r>
-            <a:r>
-              <a:rPr lang="en-US" sz="900" b="1" dirty="0" err="1">
-                <a:latin typeface="Verdana" panose="020B0604030504040204" pitchFamily="34" charset="0"/>
-                <a:ea typeface="Verdana" panose="020B0604030504040204" pitchFamily="34" charset="0"/>
-              </a:rPr>
-              <a:t>Dest</a:t>
-            </a:r>
-            <a:endParaRPr lang="en-US" sz="900" b="1" dirty="0">
-              <a:latin typeface="Verdana" panose="020B0604030504040204" pitchFamily="34" charset="0"/>
-              <a:ea typeface="Verdana" panose="020B0604030504040204" pitchFamily="34" charset="0"/>
-            </a:endParaRPr>
-          </a:p>
-        </p:txBody>
-      </p:sp>
-      <p:sp>
-        <p:nvSpPr>
-          <p:cNvPr id="49" name="Oval 48">
-            <a:extLst>
-              <a:ext uri="{FF2B5EF4-FFF2-40B4-BE49-F238E27FC236}">
-                <a16:creationId xmlns:a16="http://schemas.microsoft.com/office/drawing/2014/main" id="{FA6172B3-CE39-3CE5-9080-A55EA93BFC98}"/>
-              </a:ext>
-            </a:extLst>
-          </p:cNvPr>
-          <p:cNvSpPr/>
-          <p:nvPr/>
-        </p:nvSpPr>
-        <p:spPr>
-          <a:xfrm>
-            <a:off x="10889287" y="2680088"/>
-            <a:ext cx="812273" cy="535751"/>
-          </a:xfrm>
-          <a:prstGeom prst="ellipse">
-            <a:avLst/>
-          </a:prstGeom>
-          <a:solidFill>
-            <a:srgbClr val="7030A0"/>
-          </a:solidFill>
-        </p:spPr>
-        <p:style>
-          <a:lnRef idx="2">
-            <a:schemeClr val="accent1">
-              <a:shade val="50000"/>
-            </a:schemeClr>
-          </a:lnRef>
-          <a:fillRef idx="1">
-            <a:schemeClr val="accent1"/>
-          </a:fillRef>
-          <a:effectRef idx="0">
-            <a:schemeClr val="accent1"/>
-          </a:effectRef>
-          <a:fontRef idx="minor">
-            <a:schemeClr val="lt1"/>
-          </a:fontRef>
-        </p:style>
-        <p:txBody>
-          <a:bodyPr rtlCol="0" anchor="ctr"/>
-          <a:lstStyle/>
-          <a:p>
-            <a:pPr algn="ctr"/>
-            <a:r>
-              <a:rPr lang="en-US" sz="1200" dirty="0">
-                <a:latin typeface="Verdana" panose="020B0604030504040204" pitchFamily="34" charset="0"/>
-                <a:ea typeface="Verdana" panose="020B0604030504040204" pitchFamily="34" charset="0"/>
-              </a:rPr>
-              <a:t>CD to Q</a:t>
-            </a:r>
-          </a:p>
-        </p:txBody>
-      </p:sp>
-      <p:sp>
-        <p:nvSpPr>
-          <p:cNvPr id="51" name="Oval 50">
-            <a:extLst>
-              <a:ext uri="{FF2B5EF4-FFF2-40B4-BE49-F238E27FC236}">
-                <a16:creationId xmlns:a16="http://schemas.microsoft.com/office/drawing/2014/main" id="{DAE4FFE9-5C51-FA24-C904-88A0941DAB02}"/>
-              </a:ext>
-            </a:extLst>
-          </p:cNvPr>
-          <p:cNvSpPr/>
-          <p:nvPr/>
-        </p:nvSpPr>
-        <p:spPr>
-          <a:xfrm>
-            <a:off x="10935103" y="4396154"/>
-            <a:ext cx="1131206" cy="697585"/>
-          </a:xfrm>
-          <a:prstGeom prst="ellipse">
-            <a:avLst/>
-          </a:prstGeom>
-          <a:solidFill>
-            <a:srgbClr val="7030A0"/>
-          </a:solidFill>
-        </p:spPr>
-        <p:style>
-          <a:lnRef idx="2">
-            <a:schemeClr val="accent1">
-              <a:shade val="50000"/>
-            </a:schemeClr>
-          </a:lnRef>
-          <a:fillRef idx="1">
-            <a:schemeClr val="accent1"/>
-          </a:fillRef>
-          <a:effectRef idx="0">
-            <a:schemeClr val="accent1"/>
-          </a:effectRef>
-          <a:fontRef idx="minor">
-            <a:schemeClr val="lt1"/>
-          </a:fontRef>
-        </p:style>
-        <p:txBody>
-          <a:bodyPr rtlCol="0" anchor="ctr"/>
-          <a:lstStyle/>
-          <a:p>
-            <a:pPr algn="ctr"/>
-            <a:r>
-              <a:rPr lang="en-US" sz="900" b="1" dirty="0">
-                <a:latin typeface="Verdana" panose="020B0604030504040204" pitchFamily="34" charset="0"/>
-                <a:ea typeface="Verdana" panose="020B0604030504040204" pitchFamily="34" charset="0"/>
-              </a:rPr>
-              <a:t>Orphan Removal</a:t>
-            </a:r>
-          </a:p>
-        </p:txBody>
-      </p:sp>
-    </p:spTree>
-    <p:extLst>
-      <p:ext uri="{BB962C8B-B14F-4D97-AF65-F5344CB8AC3E}">
-        <p14:creationId xmlns:p14="http://schemas.microsoft.com/office/powerpoint/2010/main" val="3487916676"/>
-      </p:ext>
-    </p:extLst>
-  </p:cSld>
-  <p:clrMapOvr>
-    <a:masterClrMapping/>
-  </p:clrMapOvr>
-</p:sld>
-</file>
-
 <file path=ppt/slides/slide7.xml><?xml version="1.0" encoding="utf-8"?>
 <p:sld xmlns:a="http://schemas.openxmlformats.org/drawingml/2006/main" xmlns:r="http://schemas.openxmlformats.org/officeDocument/2006/relationships" xmlns:p="http://schemas.openxmlformats.org/presentationml/2006/main">
   <p:cSld>

--- a/Documentation/Architecture.pptx
+++ b/Documentation/Architecture.pptx
@@ -9,21 +9,22 @@
     <p:sldId id="340" r:id="rId3"/>
     <p:sldId id="349" r:id="rId4"/>
     <p:sldId id="348" r:id="rId5"/>
-    <p:sldId id="344" r:id="rId6"/>
-    <p:sldId id="256" r:id="rId7"/>
-    <p:sldId id="343" r:id="rId8"/>
-    <p:sldId id="347" r:id="rId9"/>
-    <p:sldId id="346" r:id="rId10"/>
-    <p:sldId id="345" r:id="rId11"/>
-    <p:sldId id="282" r:id="rId12"/>
-    <p:sldId id="342" r:id="rId13"/>
-    <p:sldId id="341" r:id="rId14"/>
-    <p:sldId id="335" r:id="rId15"/>
-    <p:sldId id="336" r:id="rId16"/>
-    <p:sldId id="338" r:id="rId17"/>
-    <p:sldId id="337" r:id="rId18"/>
-    <p:sldId id="339" r:id="rId19"/>
-    <p:sldId id="334" r:id="rId20"/>
+    <p:sldId id="352" r:id="rId6"/>
+    <p:sldId id="344" r:id="rId7"/>
+    <p:sldId id="256" r:id="rId8"/>
+    <p:sldId id="343" r:id="rId9"/>
+    <p:sldId id="347" r:id="rId10"/>
+    <p:sldId id="346" r:id="rId11"/>
+    <p:sldId id="345" r:id="rId12"/>
+    <p:sldId id="282" r:id="rId13"/>
+    <p:sldId id="342" r:id="rId14"/>
+    <p:sldId id="341" r:id="rId15"/>
+    <p:sldId id="335" r:id="rId16"/>
+    <p:sldId id="336" r:id="rId17"/>
+    <p:sldId id="338" r:id="rId18"/>
+    <p:sldId id="337" r:id="rId19"/>
+    <p:sldId id="339" r:id="rId20"/>
+    <p:sldId id="334" r:id="rId21"/>
   </p:sldIdLst>
   <p:sldSz cx="12192000" cy="6858000"/>
   <p:notesSz cx="6858000" cy="9144000"/>
@@ -285,7 +286,7 @@
           <a:p>
             <a:fld id="{DC2BF6E6-F863-479F-A057-0F7FF047E296}" type="datetimeFigureOut">
               <a:rPr lang="en-IN" smtClean="0"/>
-              <a:t>29-10-2022</a:t>
+              <a:t>05-11-2022</a:t>
             </a:fld>
             <a:endParaRPr lang="en-IN"/>
           </a:p>
@@ -485,7 +486,7 @@
           <a:p>
             <a:fld id="{DC2BF6E6-F863-479F-A057-0F7FF047E296}" type="datetimeFigureOut">
               <a:rPr lang="en-IN" smtClean="0"/>
-              <a:t>29-10-2022</a:t>
+              <a:t>05-11-2022</a:t>
             </a:fld>
             <a:endParaRPr lang="en-IN"/>
           </a:p>
@@ -695,7 +696,7 @@
           <a:p>
             <a:fld id="{DC2BF6E6-F863-479F-A057-0F7FF047E296}" type="datetimeFigureOut">
               <a:rPr lang="en-IN" smtClean="0"/>
-              <a:t>29-10-2022</a:t>
+              <a:t>05-11-2022</a:t>
             </a:fld>
             <a:endParaRPr lang="en-IN"/>
           </a:p>
@@ -895,7 +896,7 @@
           <a:p>
             <a:fld id="{DC2BF6E6-F863-479F-A057-0F7FF047E296}" type="datetimeFigureOut">
               <a:rPr lang="en-IN" smtClean="0"/>
-              <a:t>29-10-2022</a:t>
+              <a:t>05-11-2022</a:t>
             </a:fld>
             <a:endParaRPr lang="en-IN"/>
           </a:p>
@@ -1171,7 +1172,7 @@
           <a:p>
             <a:fld id="{DC2BF6E6-F863-479F-A057-0F7FF047E296}" type="datetimeFigureOut">
               <a:rPr lang="en-IN" smtClean="0"/>
-              <a:t>29-10-2022</a:t>
+              <a:t>05-11-2022</a:t>
             </a:fld>
             <a:endParaRPr lang="en-IN"/>
           </a:p>
@@ -1439,7 +1440,7 @@
           <a:p>
             <a:fld id="{DC2BF6E6-F863-479F-A057-0F7FF047E296}" type="datetimeFigureOut">
               <a:rPr lang="en-IN" smtClean="0"/>
-              <a:t>29-10-2022</a:t>
+              <a:t>05-11-2022</a:t>
             </a:fld>
             <a:endParaRPr lang="en-IN"/>
           </a:p>
@@ -1854,7 +1855,7 @@
           <a:p>
             <a:fld id="{DC2BF6E6-F863-479F-A057-0F7FF047E296}" type="datetimeFigureOut">
               <a:rPr lang="en-IN" smtClean="0"/>
-              <a:t>29-10-2022</a:t>
+              <a:t>05-11-2022</a:t>
             </a:fld>
             <a:endParaRPr lang="en-IN"/>
           </a:p>
@@ -1996,7 +1997,7 @@
           <a:p>
             <a:fld id="{DC2BF6E6-F863-479F-A057-0F7FF047E296}" type="datetimeFigureOut">
               <a:rPr lang="en-IN" smtClean="0"/>
-              <a:t>29-10-2022</a:t>
+              <a:t>05-11-2022</a:t>
             </a:fld>
             <a:endParaRPr lang="en-IN"/>
           </a:p>
@@ -2109,7 +2110,7 @@
           <a:p>
             <a:fld id="{DC2BF6E6-F863-479F-A057-0F7FF047E296}" type="datetimeFigureOut">
               <a:rPr lang="en-IN" smtClean="0"/>
-              <a:t>29-10-2022</a:t>
+              <a:t>05-11-2022</a:t>
             </a:fld>
             <a:endParaRPr lang="en-IN"/>
           </a:p>
@@ -2422,7 +2423,7 @@
           <a:p>
             <a:fld id="{DC2BF6E6-F863-479F-A057-0F7FF047E296}" type="datetimeFigureOut">
               <a:rPr lang="en-IN" smtClean="0"/>
-              <a:t>29-10-2022</a:t>
+              <a:t>05-11-2022</a:t>
             </a:fld>
             <a:endParaRPr lang="en-IN"/>
           </a:p>
@@ -2711,7 +2712,7 @@
           <a:p>
             <a:fld id="{DC2BF6E6-F863-479F-A057-0F7FF047E296}" type="datetimeFigureOut">
               <a:rPr lang="en-IN" smtClean="0"/>
-              <a:t>29-10-2022</a:t>
+              <a:t>05-11-2022</a:t>
             </a:fld>
             <a:endParaRPr lang="en-IN"/>
           </a:p>
@@ -2954,7 +2955,7 @@
           <a:p>
             <a:fld id="{DC2BF6E6-F863-479F-A057-0F7FF047E296}" type="datetimeFigureOut">
               <a:rPr lang="en-IN" smtClean="0"/>
-              <a:t>29-10-2022</a:t>
+              <a:t>05-11-2022</a:t>
             </a:fld>
             <a:endParaRPr lang="en-IN"/>
           </a:p>
@@ -6126,6 +6127,118 @@
       </p:grpSpPr>
       <p:pic>
         <p:nvPicPr>
+          <p:cNvPr id="7" name="Picture 6" descr="Graphical user interface, text, application, website&#10;&#10;Description automatically generated">
+            <a:extLst>
+              <a:ext uri="{FF2B5EF4-FFF2-40B4-BE49-F238E27FC236}">
+                <a16:creationId xmlns:a16="http://schemas.microsoft.com/office/drawing/2014/main" id="{F7BE3A76-BBCA-C34D-3EFB-E1F5F764C4B3}"/>
+              </a:ext>
+            </a:extLst>
+          </p:cNvPr>
+          <p:cNvPicPr>
+            <a:picLocks noChangeAspect="1"/>
+          </p:cNvPicPr>
+          <p:nvPr/>
+        </p:nvPicPr>
+        <p:blipFill>
+          <a:blip r:embed="rId2">
+            <a:extLst>
+              <a:ext uri="{28A0092B-C50C-407E-A947-70E740481C1C}">
+                <a14:useLocalDpi xmlns:a14="http://schemas.microsoft.com/office/drawing/2010/main" val="0"/>
+              </a:ext>
+            </a:extLst>
+          </a:blip>
+          <a:stretch>
+            <a:fillRect/>
+          </a:stretch>
+        </p:blipFill>
+        <p:spPr>
+          <a:xfrm>
+            <a:off x="59303" y="4034672"/>
+            <a:ext cx="12073394" cy="2795047"/>
+          </a:xfrm>
+          <a:prstGeom prst="rect">
+            <a:avLst/>
+          </a:prstGeom>
+          <a:ln>
+            <a:solidFill>
+              <a:schemeClr val="accent1"/>
+            </a:solidFill>
+          </a:ln>
+        </p:spPr>
+      </p:pic>
+      <p:pic>
+        <p:nvPicPr>
+          <p:cNvPr id="11" name="Picture 10" descr="Text&#10;&#10;Description automatically generated">
+            <a:extLst>
+              <a:ext uri="{FF2B5EF4-FFF2-40B4-BE49-F238E27FC236}">
+                <a16:creationId xmlns:a16="http://schemas.microsoft.com/office/drawing/2014/main" id="{8C3514FA-6DEC-0D4D-BD0F-59806B7D3AC0}"/>
+              </a:ext>
+            </a:extLst>
+          </p:cNvPr>
+          <p:cNvPicPr>
+            <a:picLocks noChangeAspect="1"/>
+          </p:cNvPicPr>
+          <p:nvPr/>
+        </p:nvPicPr>
+        <p:blipFill>
+          <a:blip r:embed="rId3">
+            <a:extLst>
+              <a:ext uri="{28A0092B-C50C-407E-A947-70E740481C1C}">
+                <a14:useLocalDpi xmlns:a14="http://schemas.microsoft.com/office/drawing/2010/main" val="0"/>
+              </a:ext>
+            </a:extLst>
+          </a:blip>
+          <a:stretch>
+            <a:fillRect/>
+          </a:stretch>
+        </p:blipFill>
+        <p:spPr>
+          <a:xfrm>
+            <a:off x="49475" y="28281"/>
+            <a:ext cx="12099255" cy="3940404"/>
+          </a:xfrm>
+          <a:prstGeom prst="rect">
+            <a:avLst/>
+          </a:prstGeom>
+          <a:ln>
+            <a:solidFill>
+              <a:schemeClr val="accent1"/>
+            </a:solidFill>
+          </a:ln>
+        </p:spPr>
+      </p:pic>
+    </p:spTree>
+    <p:extLst>
+      <p:ext uri="{BB962C8B-B14F-4D97-AF65-F5344CB8AC3E}">
+        <p14:creationId xmlns:p14="http://schemas.microsoft.com/office/powerpoint/2010/main" val="1846930178"/>
+      </p:ext>
+    </p:extLst>
+  </p:cSld>
+  <p:clrMapOvr>
+    <a:masterClrMapping/>
+  </p:clrMapOvr>
+</p:sld>
+</file>
+
+<file path=ppt/slides/slide11.xml><?xml version="1.0" encoding="utf-8"?>
+<p:sld xmlns:a="http://schemas.openxmlformats.org/drawingml/2006/main" xmlns:r="http://schemas.openxmlformats.org/officeDocument/2006/relationships" xmlns:p="http://schemas.openxmlformats.org/presentationml/2006/main">
+  <p:cSld>
+    <p:spTree>
+      <p:nvGrpSpPr>
+        <p:cNvPr id="1" name=""/>
+        <p:cNvGrpSpPr/>
+        <p:nvPr/>
+      </p:nvGrpSpPr>
+      <p:grpSpPr>
+        <a:xfrm>
+          <a:off x="0" y="0"/>
+          <a:ext cx="0" cy="0"/>
+          <a:chOff x="0" y="0"/>
+          <a:chExt cx="0" cy="0"/>
+        </a:xfrm>
+      </p:grpSpPr>
+      <p:pic>
+        <p:nvPicPr>
           <p:cNvPr id="3" name="Picture 2" descr="Graphical user interface, text, application&#10;&#10;Description automatically generated">
             <a:extLst>
               <a:ext uri="{FF2B5EF4-FFF2-40B4-BE49-F238E27FC236}">
@@ -6219,7 +6332,7 @@
 </p:sld>
 </file>
 
-<file path=ppt/slides/slide11.xml><?xml version="1.0" encoding="utf-8"?>
+<file path=ppt/slides/slide12.xml><?xml version="1.0" encoding="utf-8"?>
 <p:sld xmlns:a="http://schemas.openxmlformats.org/drawingml/2006/main" xmlns:r="http://schemas.openxmlformats.org/officeDocument/2006/relationships" xmlns:p="http://schemas.openxmlformats.org/presentationml/2006/main">
   <p:cSld>
     <p:spTree>
@@ -6547,7 +6660,7 @@
                 <a:tabLst/>
                 <a:defRPr/>
               </a:pPr>
-              <a:t>11</a:t>
+              <a:t>12</a:t>
             </a:fld>
             <a:endParaRPr kumimoji="0" lang="en-IN" sz="1200" b="1" i="0" u="none" strike="noStrike" kern="1200" cap="none" spc="0" normalizeH="0" baseline="0" noProof="0" dirty="0">
               <a:ln>
@@ -8176,7 +8289,7 @@
 </p:sld>
 </file>
 
-<file path=ppt/slides/slide12.xml><?xml version="1.0" encoding="utf-8"?>
+<file path=ppt/slides/slide13.xml><?xml version="1.0" encoding="utf-8"?>
 <p:sld xmlns:a="http://schemas.openxmlformats.org/drawingml/2006/main" xmlns:r="http://schemas.openxmlformats.org/officeDocument/2006/relationships" xmlns:p="http://schemas.openxmlformats.org/presentationml/2006/main">
   <p:cSld>
     <p:bg>
@@ -8404,7 +8517,7 @@
 </p:sld>
 </file>
 
-<file path=ppt/slides/slide13.xml><?xml version="1.0" encoding="utf-8"?>
+<file path=ppt/slides/slide14.xml><?xml version="1.0" encoding="utf-8"?>
 <p:sld xmlns:a="http://schemas.openxmlformats.org/drawingml/2006/main" xmlns:r="http://schemas.openxmlformats.org/officeDocument/2006/relationships" xmlns:p="http://schemas.openxmlformats.org/presentationml/2006/main">
   <p:cSld>
     <p:bg>
@@ -8632,7 +8745,7 @@
 </p:sld>
 </file>
 
-<file path=ppt/slides/slide14.xml><?xml version="1.0" encoding="utf-8"?>
+<file path=ppt/slides/slide15.xml><?xml version="1.0" encoding="utf-8"?>
 <p:sld xmlns:a="http://schemas.openxmlformats.org/drawingml/2006/main" xmlns:r="http://schemas.openxmlformats.org/officeDocument/2006/relationships" xmlns:p="http://schemas.openxmlformats.org/presentationml/2006/main">
   <p:cSld>
     <p:bg>
@@ -9015,7 +9128,7 @@
 </p:sld>
 </file>
 
-<file path=ppt/slides/slide15.xml><?xml version="1.0" encoding="utf-8"?>
+<file path=ppt/slides/slide16.xml><?xml version="1.0" encoding="utf-8"?>
 <p:sld xmlns:a="http://schemas.openxmlformats.org/drawingml/2006/main" xmlns:r="http://schemas.openxmlformats.org/officeDocument/2006/relationships" xmlns:p="http://schemas.openxmlformats.org/presentationml/2006/main">
   <p:cSld>
     <p:spTree>
@@ -13889,7 +14002,7 @@
 </p:sld>
 </file>
 
-<file path=ppt/slides/slide16.xml><?xml version="1.0" encoding="utf-8"?>
+<file path=ppt/slides/slide17.xml><?xml version="1.0" encoding="utf-8"?>
 <p:sld xmlns:a="http://schemas.openxmlformats.org/drawingml/2006/main" xmlns:r="http://schemas.openxmlformats.org/officeDocument/2006/relationships" xmlns:p="http://schemas.openxmlformats.org/presentationml/2006/main">
   <p:cSld>
     <p:spTree>
@@ -20256,7 +20369,7 @@
 </p:sld>
 </file>
 
-<file path=ppt/slides/slide17.xml><?xml version="1.0" encoding="utf-8"?>
+<file path=ppt/slides/slide18.xml><?xml version="1.0" encoding="utf-8"?>
 <p:sld xmlns:a="http://schemas.openxmlformats.org/drawingml/2006/main" xmlns:r="http://schemas.openxmlformats.org/officeDocument/2006/relationships" xmlns:p="http://schemas.openxmlformats.org/presentationml/2006/main">
   <p:cSld>
     <p:spTree>
@@ -26009,7 +26122,7 @@
 </p:sld>
 </file>
 
-<file path=ppt/slides/slide18.xml><?xml version="1.0" encoding="utf-8"?>
+<file path=ppt/slides/slide19.xml><?xml version="1.0" encoding="utf-8"?>
 <p:sld xmlns:a="http://schemas.openxmlformats.org/drawingml/2006/main" xmlns:r="http://schemas.openxmlformats.org/officeDocument/2006/relationships" xmlns:p="http://schemas.openxmlformats.org/presentationml/2006/main">
   <p:cSld>
     <p:spTree>
@@ -26428,7 +26541,758 @@
 </p:sld>
 </file>
 
-<file path=ppt/slides/slide19.xml><?xml version="1.0" encoding="utf-8"?>
+<file path=ppt/slides/slide2.xml><?xml version="1.0" encoding="utf-8"?>
+<p:sld xmlns:a="http://schemas.openxmlformats.org/drawingml/2006/main" xmlns:r="http://schemas.openxmlformats.org/officeDocument/2006/relationships" xmlns:p="http://schemas.openxmlformats.org/presentationml/2006/main">
+  <p:cSld>
+    <p:spTree>
+      <p:nvGrpSpPr>
+        <p:cNvPr id="1" name=""/>
+        <p:cNvGrpSpPr/>
+        <p:nvPr/>
+      </p:nvGrpSpPr>
+      <p:grpSpPr>
+        <a:xfrm>
+          <a:off x="0" y="0"/>
+          <a:ext cx="0" cy="0"/>
+          <a:chOff x="0" y="0"/>
+          <a:chExt cx="0" cy="0"/>
+        </a:xfrm>
+      </p:grpSpPr>
+      <p:sp>
+        <p:nvSpPr>
+          <p:cNvPr id="4" name="Rectangle 3">
+            <a:extLst>
+              <a:ext uri="{FF2B5EF4-FFF2-40B4-BE49-F238E27FC236}">
+                <a16:creationId xmlns:a16="http://schemas.microsoft.com/office/drawing/2014/main" id="{055C22F7-3FD1-4C1B-8D0C-0C2F7FB61DBE}"/>
+              </a:ext>
+            </a:extLst>
+          </p:cNvPr>
+          <p:cNvSpPr/>
+          <p:nvPr/>
+        </p:nvSpPr>
+        <p:spPr>
+          <a:xfrm>
+            <a:off x="0" y="8878"/>
+            <a:ext cx="12183122" cy="497150"/>
+          </a:xfrm>
+          <a:prstGeom prst="rect">
+            <a:avLst/>
+          </a:prstGeom>
+          <a:solidFill>
+            <a:srgbClr val="0070C0"/>
+          </a:solidFill>
+        </p:spPr>
+        <p:style>
+          <a:lnRef idx="2">
+            <a:schemeClr val="accent1">
+              <a:shade val="50000"/>
+            </a:schemeClr>
+          </a:lnRef>
+          <a:fillRef idx="1">
+            <a:schemeClr val="accent1"/>
+          </a:fillRef>
+          <a:effectRef idx="0">
+            <a:schemeClr val="accent1"/>
+          </a:effectRef>
+          <a:fontRef idx="minor">
+            <a:schemeClr val="lt1"/>
+          </a:fontRef>
+        </p:style>
+        <p:txBody>
+          <a:bodyPr rtlCol="0" anchor="ctr"/>
+          <a:lstStyle/>
+          <a:p>
+            <a:pPr marL="0" marR="0" lvl="0" indent="0" algn="ctr" defTabSz="914400" rtl="0" eaLnBrk="1" fontAlgn="auto" latinLnBrk="0" hangingPunct="1">
+              <a:lnSpc>
+                <a:spcPct val="100000"/>
+              </a:lnSpc>
+              <a:spcBef>
+                <a:spcPts val="0"/>
+              </a:spcBef>
+              <a:spcAft>
+                <a:spcPts val="0"/>
+              </a:spcAft>
+              <a:buClrTx/>
+              <a:buSzTx/>
+              <a:buFontTx/>
+              <a:buNone/>
+              <a:tabLst/>
+              <a:defRPr/>
+            </a:pPr>
+            <a:r>
+              <a:rPr kumimoji="0" lang="en-US" sz="1800" b="1" i="0" u="none" strike="noStrike" kern="1200" cap="none" spc="0" normalizeH="0" baseline="0" noProof="0" dirty="0">
+                <a:ln>
+                  <a:noFill/>
+                </a:ln>
+                <a:solidFill>
+                  <a:prstClr val="white"/>
+                </a:solidFill>
+                <a:effectLst/>
+                <a:uLnTx/>
+                <a:uFillTx/>
+                <a:latin typeface="Verdana" panose="020B0604030504040204" pitchFamily="34" charset="0"/>
+                <a:ea typeface="Verdana" panose="020B0604030504040204" pitchFamily="34" charset="0"/>
+                <a:cs typeface="+mn-cs"/>
+              </a:rPr>
+              <a:t>Information</a:t>
+            </a:r>
+            <a:endParaRPr kumimoji="0" lang="en-IN" sz="1800" b="1" i="0" u="none" strike="noStrike" kern="1200" cap="none" spc="0" normalizeH="0" baseline="0" noProof="0" dirty="0">
+              <a:ln>
+                <a:noFill/>
+              </a:ln>
+              <a:solidFill>
+                <a:prstClr val="white"/>
+              </a:solidFill>
+              <a:effectLst/>
+              <a:uLnTx/>
+              <a:uFillTx/>
+              <a:latin typeface="Verdana" panose="020B0604030504040204" pitchFamily="34" charset="0"/>
+              <a:ea typeface="Verdana" panose="020B0604030504040204" pitchFamily="34" charset="0"/>
+              <a:cs typeface="+mn-cs"/>
+            </a:endParaRPr>
+          </a:p>
+        </p:txBody>
+      </p:sp>
+      <p:sp>
+        <p:nvSpPr>
+          <p:cNvPr id="7" name="Rectangle 6">
+            <a:extLst>
+              <a:ext uri="{FF2B5EF4-FFF2-40B4-BE49-F238E27FC236}">
+                <a16:creationId xmlns:a16="http://schemas.microsoft.com/office/drawing/2014/main" id="{B10720DE-FD2A-4FE5-B9FB-74854D01A659}"/>
+              </a:ext>
+            </a:extLst>
+          </p:cNvPr>
+          <p:cNvSpPr/>
+          <p:nvPr/>
+        </p:nvSpPr>
+        <p:spPr>
+          <a:xfrm>
+            <a:off x="0" y="3915050"/>
+            <a:ext cx="12183122" cy="57703"/>
+          </a:xfrm>
+          <a:prstGeom prst="rect">
+            <a:avLst/>
+          </a:prstGeom>
+          <a:solidFill>
+            <a:srgbClr val="0070C0"/>
+          </a:solidFill>
+        </p:spPr>
+        <p:style>
+          <a:lnRef idx="2">
+            <a:schemeClr val="accent1">
+              <a:shade val="50000"/>
+            </a:schemeClr>
+          </a:lnRef>
+          <a:fillRef idx="1">
+            <a:schemeClr val="accent1"/>
+          </a:fillRef>
+          <a:effectRef idx="0">
+            <a:schemeClr val="accent1"/>
+          </a:effectRef>
+          <a:fontRef idx="minor">
+            <a:schemeClr val="lt1"/>
+          </a:fontRef>
+        </p:style>
+        <p:txBody>
+          <a:bodyPr rtlCol="0" anchor="ctr"/>
+          <a:lstStyle/>
+          <a:p>
+            <a:pPr marL="0" marR="0" lvl="0" indent="0" algn="ctr" defTabSz="914400" rtl="0" eaLnBrk="1" fontAlgn="auto" latinLnBrk="0" hangingPunct="1">
+              <a:lnSpc>
+                <a:spcPct val="100000"/>
+              </a:lnSpc>
+              <a:spcBef>
+                <a:spcPts val="0"/>
+              </a:spcBef>
+              <a:spcAft>
+                <a:spcPts val="0"/>
+              </a:spcAft>
+              <a:buClrTx/>
+              <a:buSzTx/>
+              <a:buFontTx/>
+              <a:buNone/>
+              <a:tabLst/>
+              <a:defRPr/>
+            </a:pPr>
+            <a:endParaRPr kumimoji="0" lang="en-IN" sz="1000" b="0" i="0" u="none" strike="noStrike" kern="1200" cap="none" spc="0" normalizeH="0" baseline="0" noProof="0" dirty="0">
+              <a:ln>
+                <a:noFill/>
+              </a:ln>
+              <a:solidFill>
+                <a:prstClr val="white"/>
+              </a:solidFill>
+              <a:effectLst/>
+              <a:uLnTx/>
+              <a:uFillTx/>
+              <a:latin typeface="Verdana" panose="020B0604030504040204" pitchFamily="34" charset="0"/>
+              <a:ea typeface="Verdana" panose="020B0604030504040204" pitchFamily="34" charset="0"/>
+              <a:cs typeface="+mn-cs"/>
+            </a:endParaRPr>
+          </a:p>
+        </p:txBody>
+      </p:sp>
+      <p:sp>
+        <p:nvSpPr>
+          <p:cNvPr id="8" name="Footer Placeholder 7">
+            <a:extLst>
+              <a:ext uri="{FF2B5EF4-FFF2-40B4-BE49-F238E27FC236}">
+                <a16:creationId xmlns:a16="http://schemas.microsoft.com/office/drawing/2014/main" id="{DD2A19CA-EC18-432D-8F8F-17079808F38B}"/>
+              </a:ext>
+            </a:extLst>
+          </p:cNvPr>
+          <p:cNvSpPr>
+            <a:spLocks noGrp="1"/>
+          </p:cNvSpPr>
+          <p:nvPr>
+            <p:ph type="ftr" sz="quarter" idx="11"/>
+          </p:nvPr>
+        </p:nvSpPr>
+        <p:spPr>
+          <a:xfrm>
+            <a:off x="4038600" y="3959378"/>
+            <a:ext cx="4114800" cy="365125"/>
+          </a:xfrm>
+        </p:spPr>
+        <p:txBody>
+          <a:bodyPr/>
+          <a:lstStyle/>
+          <a:p>
+            <a:pPr marL="0" marR="0" lvl="0" indent="0" algn="ctr" defTabSz="914400" rtl="0" eaLnBrk="1" fontAlgn="auto" latinLnBrk="0" hangingPunct="1">
+              <a:lnSpc>
+                <a:spcPct val="100000"/>
+              </a:lnSpc>
+              <a:spcBef>
+                <a:spcPts val="0"/>
+              </a:spcBef>
+              <a:spcAft>
+                <a:spcPts val="0"/>
+              </a:spcAft>
+              <a:buClrTx/>
+              <a:buSzTx/>
+              <a:buFontTx/>
+              <a:buNone/>
+              <a:tabLst/>
+              <a:defRPr/>
+            </a:pPr>
+            <a:r>
+              <a:rPr kumimoji="0" lang="en-IN" sz="1200" b="1" i="0" u="none" strike="noStrike" kern="1200" cap="none" spc="0" normalizeH="0" baseline="0" noProof="0" dirty="0">
+                <a:ln>
+                  <a:noFill/>
+                </a:ln>
+                <a:solidFill>
+                  <a:srgbClr val="002060"/>
+                </a:solidFill>
+                <a:effectLst/>
+                <a:uLnTx/>
+                <a:uFillTx/>
+                <a:latin typeface="Verdana" panose="020B0604030504040204" pitchFamily="34" charset="0"/>
+                <a:ea typeface="Verdana" panose="020B0604030504040204" pitchFamily="34" charset="0"/>
+                <a:cs typeface="+mn-cs"/>
+              </a:rPr>
+              <a:t>2022</a:t>
+            </a:r>
+          </a:p>
+        </p:txBody>
+      </p:sp>
+      <p:sp>
+        <p:nvSpPr>
+          <p:cNvPr id="9" name="Slide Number Placeholder 8">
+            <a:extLst>
+              <a:ext uri="{FF2B5EF4-FFF2-40B4-BE49-F238E27FC236}">
+                <a16:creationId xmlns:a16="http://schemas.microsoft.com/office/drawing/2014/main" id="{8162625C-0B1F-42E0-BE7C-D99A08FED7A3}"/>
+              </a:ext>
+            </a:extLst>
+          </p:cNvPr>
+          <p:cNvSpPr>
+            <a:spLocks noGrp="1"/>
+          </p:cNvSpPr>
+          <p:nvPr>
+            <p:ph type="sldNum" sz="quarter" idx="12"/>
+          </p:nvPr>
+        </p:nvSpPr>
+        <p:spPr>
+          <a:xfrm>
+            <a:off x="8610600" y="3959378"/>
+            <a:ext cx="2743200" cy="365125"/>
+          </a:xfrm>
+        </p:spPr>
+        <p:txBody>
+          <a:bodyPr/>
+          <a:lstStyle/>
+          <a:p>
+            <a:pPr marL="0" marR="0" lvl="0" indent="0" algn="r" defTabSz="914400" rtl="0" eaLnBrk="1" fontAlgn="auto" latinLnBrk="0" hangingPunct="1">
+              <a:lnSpc>
+                <a:spcPct val="100000"/>
+              </a:lnSpc>
+              <a:spcBef>
+                <a:spcPts val="0"/>
+              </a:spcBef>
+              <a:spcAft>
+                <a:spcPts val="0"/>
+              </a:spcAft>
+              <a:buClrTx/>
+              <a:buSzTx/>
+              <a:buFontTx/>
+              <a:buNone/>
+              <a:tabLst/>
+              <a:defRPr/>
+            </a:pPr>
+            <a:r>
+              <a:rPr kumimoji="0" lang="en-IN" sz="1200" b="1" i="0" u="none" strike="noStrike" kern="1200" cap="none" spc="0" normalizeH="0" baseline="0" noProof="0" dirty="0">
+                <a:ln>
+                  <a:noFill/>
+                </a:ln>
+                <a:solidFill>
+                  <a:srgbClr val="002060"/>
+                </a:solidFill>
+                <a:effectLst/>
+                <a:uLnTx/>
+                <a:uFillTx/>
+                <a:latin typeface="Verdana" panose="020B0604030504040204" pitchFamily="34" charset="0"/>
+                <a:ea typeface="Verdana" panose="020B0604030504040204" pitchFamily="34" charset="0"/>
+                <a:cs typeface="+mn-cs"/>
+              </a:rPr>
+              <a:t>1</a:t>
+            </a:r>
+          </a:p>
+        </p:txBody>
+      </p:sp>
+      <p:sp>
+        <p:nvSpPr>
+          <p:cNvPr id="12" name="Footer Placeholder 7">
+            <a:extLst>
+              <a:ext uri="{FF2B5EF4-FFF2-40B4-BE49-F238E27FC236}">
+                <a16:creationId xmlns:a16="http://schemas.microsoft.com/office/drawing/2014/main" id="{64C57949-E349-47D3-A505-A098233AF49D}"/>
+              </a:ext>
+            </a:extLst>
+          </p:cNvPr>
+          <p:cNvSpPr txBox="1">
+            <a:spLocks/>
+          </p:cNvSpPr>
+          <p:nvPr/>
+        </p:nvSpPr>
+        <p:spPr>
+          <a:xfrm>
+            <a:off x="133897" y="3960852"/>
+            <a:ext cx="4114800" cy="365125"/>
+          </a:xfrm>
+          <a:prstGeom prst="rect">
+            <a:avLst/>
+          </a:prstGeom>
+        </p:spPr>
+        <p:txBody>
+          <a:bodyPr vert="horz" lIns="91440" tIns="45720" rIns="91440" bIns="45720" rtlCol="0" anchor="ctr"/>
+          <a:lstStyle>
+            <a:defPPr>
+              <a:defRPr lang="en-US"/>
+            </a:defPPr>
+            <a:lvl1pPr marL="0" algn="ctr" defTabSz="914400" rtl="0" eaLnBrk="1" latinLnBrk="0" hangingPunct="1">
+              <a:defRPr sz="1200" kern="1200">
+                <a:solidFill>
+                  <a:schemeClr val="tx1">
+                    <a:tint val="75000"/>
+                  </a:schemeClr>
+                </a:solidFill>
+                <a:latin typeface="+mn-lt"/>
+                <a:ea typeface="+mn-ea"/>
+                <a:cs typeface="+mn-cs"/>
+              </a:defRPr>
+            </a:lvl1pPr>
+            <a:lvl2pPr marL="457200" algn="l" defTabSz="914400" rtl="0" eaLnBrk="1" latinLnBrk="0" hangingPunct="1">
+              <a:defRPr sz="1800" kern="1200">
+                <a:solidFill>
+                  <a:schemeClr val="tx1"/>
+                </a:solidFill>
+                <a:latin typeface="+mn-lt"/>
+                <a:ea typeface="+mn-ea"/>
+                <a:cs typeface="+mn-cs"/>
+              </a:defRPr>
+            </a:lvl2pPr>
+            <a:lvl3pPr marL="914400" algn="l" defTabSz="914400" rtl="0" eaLnBrk="1" latinLnBrk="0" hangingPunct="1">
+              <a:defRPr sz="1800" kern="1200">
+                <a:solidFill>
+                  <a:schemeClr val="tx1"/>
+                </a:solidFill>
+                <a:latin typeface="+mn-lt"/>
+                <a:ea typeface="+mn-ea"/>
+                <a:cs typeface="+mn-cs"/>
+              </a:defRPr>
+            </a:lvl3pPr>
+            <a:lvl4pPr marL="1371600" algn="l" defTabSz="914400" rtl="0" eaLnBrk="1" latinLnBrk="0" hangingPunct="1">
+              <a:defRPr sz="1800" kern="1200">
+                <a:solidFill>
+                  <a:schemeClr val="tx1"/>
+                </a:solidFill>
+                <a:latin typeface="+mn-lt"/>
+                <a:ea typeface="+mn-ea"/>
+                <a:cs typeface="+mn-cs"/>
+              </a:defRPr>
+            </a:lvl4pPr>
+            <a:lvl5pPr marL="1828800" algn="l" defTabSz="914400" rtl="0" eaLnBrk="1" latinLnBrk="0" hangingPunct="1">
+              <a:defRPr sz="1800" kern="1200">
+                <a:solidFill>
+                  <a:schemeClr val="tx1"/>
+                </a:solidFill>
+                <a:latin typeface="+mn-lt"/>
+                <a:ea typeface="+mn-ea"/>
+                <a:cs typeface="+mn-cs"/>
+              </a:defRPr>
+            </a:lvl5pPr>
+            <a:lvl6pPr marL="2286000" algn="l" defTabSz="914400" rtl="0" eaLnBrk="1" latinLnBrk="0" hangingPunct="1">
+              <a:defRPr sz="1800" kern="1200">
+                <a:solidFill>
+                  <a:schemeClr val="tx1"/>
+                </a:solidFill>
+                <a:latin typeface="+mn-lt"/>
+                <a:ea typeface="+mn-ea"/>
+                <a:cs typeface="+mn-cs"/>
+              </a:defRPr>
+            </a:lvl6pPr>
+            <a:lvl7pPr marL="2743200" algn="l" defTabSz="914400" rtl="0" eaLnBrk="1" latinLnBrk="0" hangingPunct="1">
+              <a:defRPr sz="1800" kern="1200">
+                <a:solidFill>
+                  <a:schemeClr val="tx1"/>
+                </a:solidFill>
+                <a:latin typeface="+mn-lt"/>
+                <a:ea typeface="+mn-ea"/>
+                <a:cs typeface="+mn-cs"/>
+              </a:defRPr>
+            </a:lvl7pPr>
+            <a:lvl8pPr marL="3200400" algn="l" defTabSz="914400" rtl="0" eaLnBrk="1" latinLnBrk="0" hangingPunct="1">
+              <a:defRPr sz="1800" kern="1200">
+                <a:solidFill>
+                  <a:schemeClr val="tx1"/>
+                </a:solidFill>
+                <a:latin typeface="+mn-lt"/>
+                <a:ea typeface="+mn-ea"/>
+                <a:cs typeface="+mn-cs"/>
+              </a:defRPr>
+            </a:lvl8pPr>
+            <a:lvl9pPr marL="3657600" algn="l" defTabSz="914400" rtl="0" eaLnBrk="1" latinLnBrk="0" hangingPunct="1">
+              <a:defRPr sz="1800" kern="1200">
+                <a:solidFill>
+                  <a:schemeClr val="tx1"/>
+                </a:solidFill>
+                <a:latin typeface="+mn-lt"/>
+                <a:ea typeface="+mn-ea"/>
+                <a:cs typeface="+mn-cs"/>
+              </a:defRPr>
+            </a:lvl9pPr>
+          </a:lstStyle>
+          <a:p>
+            <a:pPr marL="0" marR="0" lvl="0" indent="0" algn="ctr" defTabSz="914400" rtl="0" eaLnBrk="1" fontAlgn="auto" latinLnBrk="0" hangingPunct="1">
+              <a:lnSpc>
+                <a:spcPct val="100000"/>
+              </a:lnSpc>
+              <a:spcBef>
+                <a:spcPts val="0"/>
+              </a:spcBef>
+              <a:spcAft>
+                <a:spcPts val="0"/>
+              </a:spcAft>
+              <a:buClrTx/>
+              <a:buSzTx/>
+              <a:buFontTx/>
+              <a:buNone/>
+              <a:tabLst/>
+              <a:defRPr/>
+            </a:pPr>
+            <a:r>
+              <a:rPr kumimoji="0" lang="en-IN" sz="1200" b="1" i="0" u="none" strike="noStrike" kern="1200" cap="none" spc="0" normalizeH="0" baseline="0" noProof="0" dirty="0">
+                <a:ln>
+                  <a:noFill/>
+                </a:ln>
+                <a:solidFill>
+                  <a:srgbClr val="002060"/>
+                </a:solidFill>
+                <a:effectLst/>
+                <a:uLnTx/>
+                <a:uFillTx/>
+                <a:latin typeface="Verdana" panose="020B0604030504040204" pitchFamily="34" charset="0"/>
+                <a:ea typeface="Verdana" panose="020B0604030504040204" pitchFamily="34" charset="0"/>
+                <a:cs typeface="+mn-cs"/>
+              </a:rPr>
+              <a:t>Dot Net Learners House</a:t>
+            </a:r>
+          </a:p>
+        </p:txBody>
+      </p:sp>
+      <p:sp>
+        <p:nvSpPr>
+          <p:cNvPr id="10" name="TextBox 9">
+            <a:extLst>
+              <a:ext uri="{FF2B5EF4-FFF2-40B4-BE49-F238E27FC236}">
+                <a16:creationId xmlns:a16="http://schemas.microsoft.com/office/drawing/2014/main" id="{19953791-0C49-4113-A95A-639979BFF9A6}"/>
+              </a:ext>
+            </a:extLst>
+          </p:cNvPr>
+          <p:cNvSpPr txBox="1"/>
+          <p:nvPr/>
+        </p:nvSpPr>
+        <p:spPr>
+          <a:xfrm>
+            <a:off x="80629" y="557824"/>
+            <a:ext cx="12037390" cy="2800062"/>
+          </a:xfrm>
+          <a:prstGeom prst="rect">
+            <a:avLst/>
+          </a:prstGeom>
+          <a:noFill/>
+        </p:spPr>
+        <p:txBody>
+          <a:bodyPr wrap="square" rtlCol="0">
+            <a:spAutoFit/>
+          </a:bodyPr>
+          <a:lstStyle/>
+          <a:p>
+            <a:pPr marL="628650" marR="0" lvl="1" indent="-171450" algn="l" defTabSz="914400" rtl="0" eaLnBrk="1" fontAlgn="auto" latinLnBrk="0" hangingPunct="1">
+              <a:lnSpc>
+                <a:spcPct val="150000"/>
+              </a:lnSpc>
+              <a:spcBef>
+                <a:spcPts val="0"/>
+              </a:spcBef>
+              <a:spcAft>
+                <a:spcPts val="0"/>
+              </a:spcAft>
+              <a:buClrTx/>
+              <a:buSzTx/>
+              <a:buFont typeface="Wingdings" panose="05000000000000000000" pitchFamily="2" charset="2"/>
+              <a:buChar char="Ø"/>
+              <a:tabLst/>
+              <a:defRPr/>
+            </a:pPr>
+            <a:r>
+              <a:rPr kumimoji="0" lang="en-US" sz="2000" b="0" i="0" u="none" strike="noStrike" kern="1200" cap="none" spc="0" normalizeH="0" baseline="0" noProof="0" dirty="0">
+                <a:ln>
+                  <a:noFill/>
+                </a:ln>
+                <a:solidFill>
+                  <a:srgbClr val="00B0F0"/>
+                </a:solidFill>
+                <a:effectLst/>
+                <a:uLnTx/>
+                <a:uFillTx/>
+                <a:latin typeface="Verdana" panose="020B0604030504040204" pitchFamily="34" charset="0"/>
+                <a:ea typeface="Verdana" panose="020B0604030504040204" pitchFamily="34" charset="0"/>
+                <a:cs typeface="+mn-cs"/>
+              </a:rPr>
+              <a:t> </a:t>
+            </a:r>
+            <a:r>
+              <a:rPr kumimoji="0" lang="en-US" sz="2000" b="0" i="0" u="none" strike="noStrike" kern="1200" cap="none" spc="0" normalizeH="0" baseline="0" noProof="0" dirty="0">
+                <a:ln>
+                  <a:noFill/>
+                </a:ln>
+                <a:solidFill>
+                  <a:srgbClr val="0070C0"/>
+                </a:solidFill>
+                <a:effectLst/>
+                <a:uLnTx/>
+                <a:uFillTx/>
+                <a:latin typeface="Verdana" panose="020B0604030504040204" pitchFamily="34" charset="0"/>
+                <a:ea typeface="Verdana" panose="020B0604030504040204" pitchFamily="34" charset="0"/>
+                <a:cs typeface="+mn-cs"/>
+              </a:rPr>
+              <a:t>I am still a learner. Apologize if I do any mistake.</a:t>
+            </a:r>
+          </a:p>
+          <a:p>
+            <a:pPr marL="628650" marR="0" lvl="1" indent="-171450" algn="l" defTabSz="914400" rtl="0" eaLnBrk="1" fontAlgn="auto" latinLnBrk="0" hangingPunct="1">
+              <a:lnSpc>
+                <a:spcPct val="150000"/>
+              </a:lnSpc>
+              <a:spcBef>
+                <a:spcPts val="0"/>
+              </a:spcBef>
+              <a:spcAft>
+                <a:spcPts val="0"/>
+              </a:spcAft>
+              <a:buClrTx/>
+              <a:buSzTx/>
+              <a:buFont typeface="Wingdings" panose="05000000000000000000" pitchFamily="2" charset="2"/>
+              <a:buChar char="Ø"/>
+              <a:tabLst/>
+              <a:defRPr/>
+            </a:pPr>
+            <a:r>
+              <a:rPr kumimoji="0" lang="en-US" sz="2000" b="0" i="0" u="none" strike="noStrike" kern="1200" cap="none" spc="0" normalizeH="0" baseline="0" noProof="0" dirty="0">
+                <a:ln>
+                  <a:noFill/>
+                </a:ln>
+                <a:solidFill>
+                  <a:srgbClr val="002060"/>
+                </a:solidFill>
+                <a:effectLst/>
+                <a:uLnTx/>
+                <a:uFillTx/>
+                <a:latin typeface="Verdana" panose="020B0604030504040204" pitchFamily="34" charset="0"/>
+                <a:ea typeface="Verdana" panose="020B0604030504040204" pitchFamily="34" charset="0"/>
+                <a:cs typeface="+mn-cs"/>
+              </a:rPr>
+              <a:t> All the sessions will be hands on.</a:t>
+            </a:r>
+          </a:p>
+          <a:p>
+            <a:pPr marL="628650" marR="0" lvl="1" indent="-171450" algn="l" defTabSz="914400" rtl="0" eaLnBrk="1" fontAlgn="auto" latinLnBrk="0" hangingPunct="1">
+              <a:lnSpc>
+                <a:spcPct val="150000"/>
+              </a:lnSpc>
+              <a:spcBef>
+                <a:spcPts val="0"/>
+              </a:spcBef>
+              <a:spcAft>
+                <a:spcPts val="0"/>
+              </a:spcAft>
+              <a:buClrTx/>
+              <a:buSzTx/>
+              <a:buFont typeface="Wingdings" panose="05000000000000000000" pitchFamily="2" charset="2"/>
+              <a:buChar char="Ø"/>
+              <a:tabLst/>
+              <a:defRPr/>
+            </a:pPr>
+            <a:r>
+              <a:rPr kumimoji="0" lang="en-US" sz="2000" b="0" i="0" u="none" strike="noStrike" kern="1200" cap="none" spc="0" normalizeH="0" baseline="0" noProof="0" dirty="0">
+                <a:ln>
+                  <a:noFill/>
+                </a:ln>
+                <a:solidFill>
+                  <a:srgbClr val="002060"/>
+                </a:solidFill>
+                <a:effectLst/>
+                <a:uLnTx/>
+                <a:uFillTx/>
+                <a:latin typeface="Verdana" panose="020B0604030504040204" pitchFamily="34" charset="0"/>
+                <a:ea typeface="Verdana" panose="020B0604030504040204" pitchFamily="34" charset="0"/>
+                <a:cs typeface="+mn-cs"/>
+              </a:rPr>
+              <a:t> Will have parking lots for queries and other topics.</a:t>
+            </a:r>
+          </a:p>
+          <a:p>
+            <a:pPr marL="628650" marR="0" lvl="1" indent="-171450" algn="l" defTabSz="914400" rtl="0" eaLnBrk="1" fontAlgn="auto" latinLnBrk="0" hangingPunct="1">
+              <a:lnSpc>
+                <a:spcPct val="150000"/>
+              </a:lnSpc>
+              <a:spcBef>
+                <a:spcPts val="0"/>
+              </a:spcBef>
+              <a:spcAft>
+                <a:spcPts val="0"/>
+              </a:spcAft>
+              <a:buClrTx/>
+              <a:buSzTx/>
+              <a:buFont typeface="Wingdings" panose="05000000000000000000" pitchFamily="2" charset="2"/>
+              <a:buChar char="Ø"/>
+              <a:tabLst/>
+              <a:defRPr/>
+            </a:pPr>
+            <a:r>
+              <a:rPr kumimoji="0" lang="en-US" sz="2000" b="0" i="0" u="none" strike="noStrike" kern="1200" cap="none" spc="0" normalizeH="0" baseline="0" noProof="0" dirty="0">
+                <a:ln>
+                  <a:noFill/>
+                </a:ln>
+                <a:solidFill>
+                  <a:srgbClr val="002060"/>
+                </a:solidFill>
+                <a:effectLst/>
+                <a:uLnTx/>
+                <a:uFillTx/>
+                <a:latin typeface="Verdana" panose="020B0604030504040204" pitchFamily="34" charset="0"/>
+                <a:ea typeface="Verdana" panose="020B0604030504040204" pitchFamily="34" charset="0"/>
+                <a:cs typeface="+mn-cs"/>
+              </a:rPr>
+              <a:t> Some of the concepts we will introduced and revisited in next sessions.</a:t>
+            </a:r>
+          </a:p>
+          <a:p>
+            <a:pPr marL="628650" marR="0" lvl="1" indent="-171450" algn="l" defTabSz="914400" rtl="0" eaLnBrk="1" fontAlgn="auto" latinLnBrk="0" hangingPunct="1">
+              <a:lnSpc>
+                <a:spcPct val="150000"/>
+              </a:lnSpc>
+              <a:spcBef>
+                <a:spcPts val="0"/>
+              </a:spcBef>
+              <a:spcAft>
+                <a:spcPts val="0"/>
+              </a:spcAft>
+              <a:buClrTx/>
+              <a:buSzTx/>
+              <a:buFont typeface="Wingdings" panose="05000000000000000000" pitchFamily="2" charset="2"/>
+              <a:buChar char="Ø"/>
+              <a:tabLst/>
+              <a:defRPr/>
+            </a:pPr>
+            <a:r>
+              <a:rPr kumimoji="0" lang="en-US" sz="2000" b="0" i="0" u="none" strike="noStrike" kern="1200" cap="none" spc="0" normalizeH="0" baseline="0" noProof="0" dirty="0">
+                <a:ln>
+                  <a:noFill/>
+                </a:ln>
+                <a:solidFill>
+                  <a:srgbClr val="002060"/>
+                </a:solidFill>
+                <a:effectLst/>
+                <a:uLnTx/>
+                <a:uFillTx/>
+                <a:latin typeface="Verdana" panose="020B0604030504040204" pitchFamily="34" charset="0"/>
+                <a:ea typeface="Verdana" panose="020B0604030504040204" pitchFamily="34" charset="0"/>
+                <a:cs typeface="+mn-cs"/>
+              </a:rPr>
+              <a:t> There are multiple ways to do, we will use one of the ways.</a:t>
+            </a:r>
+          </a:p>
+          <a:p>
+            <a:pPr marL="628650" marR="0" lvl="1" indent="-171450" algn="l" defTabSz="914400" rtl="0" eaLnBrk="1" fontAlgn="auto" latinLnBrk="0" hangingPunct="1">
+              <a:lnSpc>
+                <a:spcPct val="150000"/>
+              </a:lnSpc>
+              <a:spcBef>
+                <a:spcPts val="0"/>
+              </a:spcBef>
+              <a:spcAft>
+                <a:spcPts val="0"/>
+              </a:spcAft>
+              <a:buClrTx/>
+              <a:buSzTx/>
+              <a:buFont typeface="Wingdings" panose="05000000000000000000" pitchFamily="2" charset="2"/>
+              <a:buChar char="Ø"/>
+              <a:tabLst/>
+              <a:defRPr/>
+            </a:pPr>
+            <a:r>
+              <a:rPr kumimoji="0" lang="en-US" sz="2000" b="0" i="0" u="none" strike="noStrike" kern="1200" cap="none" spc="0" normalizeH="0" baseline="0" noProof="0" dirty="0">
+                <a:ln>
+                  <a:noFill/>
+                </a:ln>
+                <a:solidFill>
+                  <a:srgbClr val="002060"/>
+                </a:solidFill>
+                <a:effectLst/>
+                <a:uLnTx/>
+                <a:uFillTx/>
+                <a:latin typeface="Verdana" panose="020B0604030504040204" pitchFamily="34" charset="0"/>
+                <a:ea typeface="Verdana" panose="020B0604030504040204" pitchFamily="34" charset="0"/>
+                <a:cs typeface="+mn-cs"/>
+              </a:rPr>
+              <a:t> The focus was more on concepts and demos are kept simple. </a:t>
+            </a:r>
+          </a:p>
+        </p:txBody>
+      </p:sp>
+    </p:spTree>
+    <p:extLst>
+      <p:ext uri="{BB962C8B-B14F-4D97-AF65-F5344CB8AC3E}">
+        <p14:creationId xmlns:p14="http://schemas.microsoft.com/office/powerpoint/2010/main" val="933004240"/>
+      </p:ext>
+    </p:extLst>
+  </p:cSld>
+  <p:clrMapOvr>
+    <a:masterClrMapping/>
+  </p:clrMapOvr>
+</p:sld>
+</file>
+
+<file path=ppt/slides/slide20.xml><?xml version="1.0" encoding="utf-8"?>
 <p:sld xmlns:a="http://schemas.openxmlformats.org/drawingml/2006/main" xmlns:r="http://schemas.openxmlformats.org/officeDocument/2006/relationships" xmlns:p="http://schemas.openxmlformats.org/presentationml/2006/main">
   <p:cSld>
     <p:spTree>
@@ -29185,757 +30049,6 @@
 </p:sld>
 </file>
 
-<file path=ppt/slides/slide2.xml><?xml version="1.0" encoding="utf-8"?>
-<p:sld xmlns:a="http://schemas.openxmlformats.org/drawingml/2006/main" xmlns:r="http://schemas.openxmlformats.org/officeDocument/2006/relationships" xmlns:p="http://schemas.openxmlformats.org/presentationml/2006/main">
-  <p:cSld>
-    <p:spTree>
-      <p:nvGrpSpPr>
-        <p:cNvPr id="1" name=""/>
-        <p:cNvGrpSpPr/>
-        <p:nvPr/>
-      </p:nvGrpSpPr>
-      <p:grpSpPr>
-        <a:xfrm>
-          <a:off x="0" y="0"/>
-          <a:ext cx="0" cy="0"/>
-          <a:chOff x="0" y="0"/>
-          <a:chExt cx="0" cy="0"/>
-        </a:xfrm>
-      </p:grpSpPr>
-      <p:sp>
-        <p:nvSpPr>
-          <p:cNvPr id="4" name="Rectangle 3">
-            <a:extLst>
-              <a:ext uri="{FF2B5EF4-FFF2-40B4-BE49-F238E27FC236}">
-                <a16:creationId xmlns:a16="http://schemas.microsoft.com/office/drawing/2014/main" id="{055C22F7-3FD1-4C1B-8D0C-0C2F7FB61DBE}"/>
-              </a:ext>
-            </a:extLst>
-          </p:cNvPr>
-          <p:cNvSpPr/>
-          <p:nvPr/>
-        </p:nvSpPr>
-        <p:spPr>
-          <a:xfrm>
-            <a:off x="0" y="8878"/>
-            <a:ext cx="12183122" cy="497150"/>
-          </a:xfrm>
-          <a:prstGeom prst="rect">
-            <a:avLst/>
-          </a:prstGeom>
-          <a:solidFill>
-            <a:srgbClr val="0070C0"/>
-          </a:solidFill>
-        </p:spPr>
-        <p:style>
-          <a:lnRef idx="2">
-            <a:schemeClr val="accent1">
-              <a:shade val="50000"/>
-            </a:schemeClr>
-          </a:lnRef>
-          <a:fillRef idx="1">
-            <a:schemeClr val="accent1"/>
-          </a:fillRef>
-          <a:effectRef idx="0">
-            <a:schemeClr val="accent1"/>
-          </a:effectRef>
-          <a:fontRef idx="minor">
-            <a:schemeClr val="lt1"/>
-          </a:fontRef>
-        </p:style>
-        <p:txBody>
-          <a:bodyPr rtlCol="0" anchor="ctr"/>
-          <a:lstStyle/>
-          <a:p>
-            <a:pPr marL="0" marR="0" lvl="0" indent="0" algn="ctr" defTabSz="914400" rtl="0" eaLnBrk="1" fontAlgn="auto" latinLnBrk="0" hangingPunct="1">
-              <a:lnSpc>
-                <a:spcPct val="100000"/>
-              </a:lnSpc>
-              <a:spcBef>
-                <a:spcPts val="0"/>
-              </a:spcBef>
-              <a:spcAft>
-                <a:spcPts val="0"/>
-              </a:spcAft>
-              <a:buClrTx/>
-              <a:buSzTx/>
-              <a:buFontTx/>
-              <a:buNone/>
-              <a:tabLst/>
-              <a:defRPr/>
-            </a:pPr>
-            <a:r>
-              <a:rPr kumimoji="0" lang="en-US" sz="1800" b="1" i="0" u="none" strike="noStrike" kern="1200" cap="none" spc="0" normalizeH="0" baseline="0" noProof="0" dirty="0">
-                <a:ln>
-                  <a:noFill/>
-                </a:ln>
-                <a:solidFill>
-                  <a:prstClr val="white"/>
-                </a:solidFill>
-                <a:effectLst/>
-                <a:uLnTx/>
-                <a:uFillTx/>
-                <a:latin typeface="Verdana" panose="020B0604030504040204" pitchFamily="34" charset="0"/>
-                <a:ea typeface="Verdana" panose="020B0604030504040204" pitchFamily="34" charset="0"/>
-                <a:cs typeface="+mn-cs"/>
-              </a:rPr>
-              <a:t>Information</a:t>
-            </a:r>
-            <a:endParaRPr kumimoji="0" lang="en-IN" sz="1800" b="1" i="0" u="none" strike="noStrike" kern="1200" cap="none" spc="0" normalizeH="0" baseline="0" noProof="0" dirty="0">
-              <a:ln>
-                <a:noFill/>
-              </a:ln>
-              <a:solidFill>
-                <a:prstClr val="white"/>
-              </a:solidFill>
-              <a:effectLst/>
-              <a:uLnTx/>
-              <a:uFillTx/>
-              <a:latin typeface="Verdana" panose="020B0604030504040204" pitchFamily="34" charset="0"/>
-              <a:ea typeface="Verdana" panose="020B0604030504040204" pitchFamily="34" charset="0"/>
-              <a:cs typeface="+mn-cs"/>
-            </a:endParaRPr>
-          </a:p>
-        </p:txBody>
-      </p:sp>
-      <p:sp>
-        <p:nvSpPr>
-          <p:cNvPr id="7" name="Rectangle 6">
-            <a:extLst>
-              <a:ext uri="{FF2B5EF4-FFF2-40B4-BE49-F238E27FC236}">
-                <a16:creationId xmlns:a16="http://schemas.microsoft.com/office/drawing/2014/main" id="{B10720DE-FD2A-4FE5-B9FB-74854D01A659}"/>
-              </a:ext>
-            </a:extLst>
-          </p:cNvPr>
-          <p:cNvSpPr/>
-          <p:nvPr/>
-        </p:nvSpPr>
-        <p:spPr>
-          <a:xfrm>
-            <a:off x="0" y="3915050"/>
-            <a:ext cx="12183122" cy="57703"/>
-          </a:xfrm>
-          <a:prstGeom prst="rect">
-            <a:avLst/>
-          </a:prstGeom>
-          <a:solidFill>
-            <a:srgbClr val="0070C0"/>
-          </a:solidFill>
-        </p:spPr>
-        <p:style>
-          <a:lnRef idx="2">
-            <a:schemeClr val="accent1">
-              <a:shade val="50000"/>
-            </a:schemeClr>
-          </a:lnRef>
-          <a:fillRef idx="1">
-            <a:schemeClr val="accent1"/>
-          </a:fillRef>
-          <a:effectRef idx="0">
-            <a:schemeClr val="accent1"/>
-          </a:effectRef>
-          <a:fontRef idx="minor">
-            <a:schemeClr val="lt1"/>
-          </a:fontRef>
-        </p:style>
-        <p:txBody>
-          <a:bodyPr rtlCol="0" anchor="ctr"/>
-          <a:lstStyle/>
-          <a:p>
-            <a:pPr marL="0" marR="0" lvl="0" indent="0" algn="ctr" defTabSz="914400" rtl="0" eaLnBrk="1" fontAlgn="auto" latinLnBrk="0" hangingPunct="1">
-              <a:lnSpc>
-                <a:spcPct val="100000"/>
-              </a:lnSpc>
-              <a:spcBef>
-                <a:spcPts val="0"/>
-              </a:spcBef>
-              <a:spcAft>
-                <a:spcPts val="0"/>
-              </a:spcAft>
-              <a:buClrTx/>
-              <a:buSzTx/>
-              <a:buFontTx/>
-              <a:buNone/>
-              <a:tabLst/>
-              <a:defRPr/>
-            </a:pPr>
-            <a:endParaRPr kumimoji="0" lang="en-IN" sz="1000" b="0" i="0" u="none" strike="noStrike" kern="1200" cap="none" spc="0" normalizeH="0" baseline="0" noProof="0" dirty="0">
-              <a:ln>
-                <a:noFill/>
-              </a:ln>
-              <a:solidFill>
-                <a:prstClr val="white"/>
-              </a:solidFill>
-              <a:effectLst/>
-              <a:uLnTx/>
-              <a:uFillTx/>
-              <a:latin typeface="Verdana" panose="020B0604030504040204" pitchFamily="34" charset="0"/>
-              <a:ea typeface="Verdana" panose="020B0604030504040204" pitchFamily="34" charset="0"/>
-              <a:cs typeface="+mn-cs"/>
-            </a:endParaRPr>
-          </a:p>
-        </p:txBody>
-      </p:sp>
-      <p:sp>
-        <p:nvSpPr>
-          <p:cNvPr id="8" name="Footer Placeholder 7">
-            <a:extLst>
-              <a:ext uri="{FF2B5EF4-FFF2-40B4-BE49-F238E27FC236}">
-                <a16:creationId xmlns:a16="http://schemas.microsoft.com/office/drawing/2014/main" id="{DD2A19CA-EC18-432D-8F8F-17079808F38B}"/>
-              </a:ext>
-            </a:extLst>
-          </p:cNvPr>
-          <p:cNvSpPr>
-            <a:spLocks noGrp="1"/>
-          </p:cNvSpPr>
-          <p:nvPr>
-            <p:ph type="ftr" sz="quarter" idx="11"/>
-          </p:nvPr>
-        </p:nvSpPr>
-        <p:spPr>
-          <a:xfrm>
-            <a:off x="4038600" y="3959378"/>
-            <a:ext cx="4114800" cy="365125"/>
-          </a:xfrm>
-        </p:spPr>
-        <p:txBody>
-          <a:bodyPr/>
-          <a:lstStyle/>
-          <a:p>
-            <a:pPr marL="0" marR="0" lvl="0" indent="0" algn="ctr" defTabSz="914400" rtl="0" eaLnBrk="1" fontAlgn="auto" latinLnBrk="0" hangingPunct="1">
-              <a:lnSpc>
-                <a:spcPct val="100000"/>
-              </a:lnSpc>
-              <a:spcBef>
-                <a:spcPts val="0"/>
-              </a:spcBef>
-              <a:spcAft>
-                <a:spcPts val="0"/>
-              </a:spcAft>
-              <a:buClrTx/>
-              <a:buSzTx/>
-              <a:buFontTx/>
-              <a:buNone/>
-              <a:tabLst/>
-              <a:defRPr/>
-            </a:pPr>
-            <a:r>
-              <a:rPr kumimoji="0" lang="en-IN" sz="1200" b="1" i="0" u="none" strike="noStrike" kern="1200" cap="none" spc="0" normalizeH="0" baseline="0" noProof="0" dirty="0">
-                <a:ln>
-                  <a:noFill/>
-                </a:ln>
-                <a:solidFill>
-                  <a:srgbClr val="002060"/>
-                </a:solidFill>
-                <a:effectLst/>
-                <a:uLnTx/>
-                <a:uFillTx/>
-                <a:latin typeface="Verdana" panose="020B0604030504040204" pitchFamily="34" charset="0"/>
-                <a:ea typeface="Verdana" panose="020B0604030504040204" pitchFamily="34" charset="0"/>
-                <a:cs typeface="+mn-cs"/>
-              </a:rPr>
-              <a:t>2022</a:t>
-            </a:r>
-          </a:p>
-        </p:txBody>
-      </p:sp>
-      <p:sp>
-        <p:nvSpPr>
-          <p:cNvPr id="9" name="Slide Number Placeholder 8">
-            <a:extLst>
-              <a:ext uri="{FF2B5EF4-FFF2-40B4-BE49-F238E27FC236}">
-                <a16:creationId xmlns:a16="http://schemas.microsoft.com/office/drawing/2014/main" id="{8162625C-0B1F-42E0-BE7C-D99A08FED7A3}"/>
-              </a:ext>
-            </a:extLst>
-          </p:cNvPr>
-          <p:cNvSpPr>
-            <a:spLocks noGrp="1"/>
-          </p:cNvSpPr>
-          <p:nvPr>
-            <p:ph type="sldNum" sz="quarter" idx="12"/>
-          </p:nvPr>
-        </p:nvSpPr>
-        <p:spPr>
-          <a:xfrm>
-            <a:off x="8610600" y="3959378"/>
-            <a:ext cx="2743200" cy="365125"/>
-          </a:xfrm>
-        </p:spPr>
-        <p:txBody>
-          <a:bodyPr/>
-          <a:lstStyle/>
-          <a:p>
-            <a:pPr marL="0" marR="0" lvl="0" indent="0" algn="r" defTabSz="914400" rtl="0" eaLnBrk="1" fontAlgn="auto" latinLnBrk="0" hangingPunct="1">
-              <a:lnSpc>
-                <a:spcPct val="100000"/>
-              </a:lnSpc>
-              <a:spcBef>
-                <a:spcPts val="0"/>
-              </a:spcBef>
-              <a:spcAft>
-                <a:spcPts val="0"/>
-              </a:spcAft>
-              <a:buClrTx/>
-              <a:buSzTx/>
-              <a:buFontTx/>
-              <a:buNone/>
-              <a:tabLst/>
-              <a:defRPr/>
-            </a:pPr>
-            <a:r>
-              <a:rPr kumimoji="0" lang="en-IN" sz="1200" b="1" i="0" u="none" strike="noStrike" kern="1200" cap="none" spc="0" normalizeH="0" baseline="0" noProof="0" dirty="0">
-                <a:ln>
-                  <a:noFill/>
-                </a:ln>
-                <a:solidFill>
-                  <a:srgbClr val="002060"/>
-                </a:solidFill>
-                <a:effectLst/>
-                <a:uLnTx/>
-                <a:uFillTx/>
-                <a:latin typeface="Verdana" panose="020B0604030504040204" pitchFamily="34" charset="0"/>
-                <a:ea typeface="Verdana" panose="020B0604030504040204" pitchFamily="34" charset="0"/>
-                <a:cs typeface="+mn-cs"/>
-              </a:rPr>
-              <a:t>1</a:t>
-            </a:r>
-          </a:p>
-        </p:txBody>
-      </p:sp>
-      <p:sp>
-        <p:nvSpPr>
-          <p:cNvPr id="12" name="Footer Placeholder 7">
-            <a:extLst>
-              <a:ext uri="{FF2B5EF4-FFF2-40B4-BE49-F238E27FC236}">
-                <a16:creationId xmlns:a16="http://schemas.microsoft.com/office/drawing/2014/main" id="{64C57949-E349-47D3-A505-A098233AF49D}"/>
-              </a:ext>
-            </a:extLst>
-          </p:cNvPr>
-          <p:cNvSpPr txBox="1">
-            <a:spLocks/>
-          </p:cNvSpPr>
-          <p:nvPr/>
-        </p:nvSpPr>
-        <p:spPr>
-          <a:xfrm>
-            <a:off x="133897" y="3960852"/>
-            <a:ext cx="4114800" cy="365125"/>
-          </a:xfrm>
-          <a:prstGeom prst="rect">
-            <a:avLst/>
-          </a:prstGeom>
-        </p:spPr>
-        <p:txBody>
-          <a:bodyPr vert="horz" lIns="91440" tIns="45720" rIns="91440" bIns="45720" rtlCol="0" anchor="ctr"/>
-          <a:lstStyle>
-            <a:defPPr>
-              <a:defRPr lang="en-US"/>
-            </a:defPPr>
-            <a:lvl1pPr marL="0" algn="ctr" defTabSz="914400" rtl="0" eaLnBrk="1" latinLnBrk="0" hangingPunct="1">
-              <a:defRPr sz="1200" kern="1200">
-                <a:solidFill>
-                  <a:schemeClr val="tx1">
-                    <a:tint val="75000"/>
-                  </a:schemeClr>
-                </a:solidFill>
-                <a:latin typeface="+mn-lt"/>
-                <a:ea typeface="+mn-ea"/>
-                <a:cs typeface="+mn-cs"/>
-              </a:defRPr>
-            </a:lvl1pPr>
-            <a:lvl2pPr marL="457200" algn="l" defTabSz="914400" rtl="0" eaLnBrk="1" latinLnBrk="0" hangingPunct="1">
-              <a:defRPr sz="1800" kern="1200">
-                <a:solidFill>
-                  <a:schemeClr val="tx1"/>
-                </a:solidFill>
-                <a:latin typeface="+mn-lt"/>
-                <a:ea typeface="+mn-ea"/>
-                <a:cs typeface="+mn-cs"/>
-              </a:defRPr>
-            </a:lvl2pPr>
-            <a:lvl3pPr marL="914400" algn="l" defTabSz="914400" rtl="0" eaLnBrk="1" latinLnBrk="0" hangingPunct="1">
-              <a:defRPr sz="1800" kern="1200">
-                <a:solidFill>
-                  <a:schemeClr val="tx1"/>
-                </a:solidFill>
-                <a:latin typeface="+mn-lt"/>
-                <a:ea typeface="+mn-ea"/>
-                <a:cs typeface="+mn-cs"/>
-              </a:defRPr>
-            </a:lvl3pPr>
-            <a:lvl4pPr marL="1371600" algn="l" defTabSz="914400" rtl="0" eaLnBrk="1" latinLnBrk="0" hangingPunct="1">
-              <a:defRPr sz="1800" kern="1200">
-                <a:solidFill>
-                  <a:schemeClr val="tx1"/>
-                </a:solidFill>
-                <a:latin typeface="+mn-lt"/>
-                <a:ea typeface="+mn-ea"/>
-                <a:cs typeface="+mn-cs"/>
-              </a:defRPr>
-            </a:lvl4pPr>
-            <a:lvl5pPr marL="1828800" algn="l" defTabSz="914400" rtl="0" eaLnBrk="1" latinLnBrk="0" hangingPunct="1">
-              <a:defRPr sz="1800" kern="1200">
-                <a:solidFill>
-                  <a:schemeClr val="tx1"/>
-                </a:solidFill>
-                <a:latin typeface="+mn-lt"/>
-                <a:ea typeface="+mn-ea"/>
-                <a:cs typeface="+mn-cs"/>
-              </a:defRPr>
-            </a:lvl5pPr>
-            <a:lvl6pPr marL="2286000" algn="l" defTabSz="914400" rtl="0" eaLnBrk="1" latinLnBrk="0" hangingPunct="1">
-              <a:defRPr sz="1800" kern="1200">
-                <a:solidFill>
-                  <a:schemeClr val="tx1"/>
-                </a:solidFill>
-                <a:latin typeface="+mn-lt"/>
-                <a:ea typeface="+mn-ea"/>
-                <a:cs typeface="+mn-cs"/>
-              </a:defRPr>
-            </a:lvl6pPr>
-            <a:lvl7pPr marL="2743200" algn="l" defTabSz="914400" rtl="0" eaLnBrk="1" latinLnBrk="0" hangingPunct="1">
-              <a:defRPr sz="1800" kern="1200">
-                <a:solidFill>
-                  <a:schemeClr val="tx1"/>
-                </a:solidFill>
-                <a:latin typeface="+mn-lt"/>
-                <a:ea typeface="+mn-ea"/>
-                <a:cs typeface="+mn-cs"/>
-              </a:defRPr>
-            </a:lvl7pPr>
-            <a:lvl8pPr marL="3200400" algn="l" defTabSz="914400" rtl="0" eaLnBrk="1" latinLnBrk="0" hangingPunct="1">
-              <a:defRPr sz="1800" kern="1200">
-                <a:solidFill>
-                  <a:schemeClr val="tx1"/>
-                </a:solidFill>
-                <a:latin typeface="+mn-lt"/>
-                <a:ea typeface="+mn-ea"/>
-                <a:cs typeface="+mn-cs"/>
-              </a:defRPr>
-            </a:lvl8pPr>
-            <a:lvl9pPr marL="3657600" algn="l" defTabSz="914400" rtl="0" eaLnBrk="1" latinLnBrk="0" hangingPunct="1">
-              <a:defRPr sz="1800" kern="1200">
-                <a:solidFill>
-                  <a:schemeClr val="tx1"/>
-                </a:solidFill>
-                <a:latin typeface="+mn-lt"/>
-                <a:ea typeface="+mn-ea"/>
-                <a:cs typeface="+mn-cs"/>
-              </a:defRPr>
-            </a:lvl9pPr>
-          </a:lstStyle>
-          <a:p>
-            <a:pPr marL="0" marR="0" lvl="0" indent="0" algn="ctr" defTabSz="914400" rtl="0" eaLnBrk="1" fontAlgn="auto" latinLnBrk="0" hangingPunct="1">
-              <a:lnSpc>
-                <a:spcPct val="100000"/>
-              </a:lnSpc>
-              <a:spcBef>
-                <a:spcPts val="0"/>
-              </a:spcBef>
-              <a:spcAft>
-                <a:spcPts val="0"/>
-              </a:spcAft>
-              <a:buClrTx/>
-              <a:buSzTx/>
-              <a:buFontTx/>
-              <a:buNone/>
-              <a:tabLst/>
-              <a:defRPr/>
-            </a:pPr>
-            <a:r>
-              <a:rPr kumimoji="0" lang="en-IN" sz="1200" b="1" i="0" u="none" strike="noStrike" kern="1200" cap="none" spc="0" normalizeH="0" baseline="0" noProof="0" dirty="0">
-                <a:ln>
-                  <a:noFill/>
-                </a:ln>
-                <a:solidFill>
-                  <a:srgbClr val="002060"/>
-                </a:solidFill>
-                <a:effectLst/>
-                <a:uLnTx/>
-                <a:uFillTx/>
-                <a:latin typeface="Verdana" panose="020B0604030504040204" pitchFamily="34" charset="0"/>
-                <a:ea typeface="Verdana" panose="020B0604030504040204" pitchFamily="34" charset="0"/>
-                <a:cs typeface="+mn-cs"/>
-              </a:rPr>
-              <a:t>Dot Net Learners House</a:t>
-            </a:r>
-          </a:p>
-        </p:txBody>
-      </p:sp>
-      <p:sp>
-        <p:nvSpPr>
-          <p:cNvPr id="10" name="TextBox 9">
-            <a:extLst>
-              <a:ext uri="{FF2B5EF4-FFF2-40B4-BE49-F238E27FC236}">
-                <a16:creationId xmlns:a16="http://schemas.microsoft.com/office/drawing/2014/main" id="{19953791-0C49-4113-A95A-639979BFF9A6}"/>
-              </a:ext>
-            </a:extLst>
-          </p:cNvPr>
-          <p:cNvSpPr txBox="1"/>
-          <p:nvPr/>
-        </p:nvSpPr>
-        <p:spPr>
-          <a:xfrm>
-            <a:off x="80629" y="557824"/>
-            <a:ext cx="12037390" cy="2800062"/>
-          </a:xfrm>
-          <a:prstGeom prst="rect">
-            <a:avLst/>
-          </a:prstGeom>
-          <a:noFill/>
-        </p:spPr>
-        <p:txBody>
-          <a:bodyPr wrap="square" rtlCol="0">
-            <a:spAutoFit/>
-          </a:bodyPr>
-          <a:lstStyle/>
-          <a:p>
-            <a:pPr marL="628650" marR="0" lvl="1" indent="-171450" algn="l" defTabSz="914400" rtl="0" eaLnBrk="1" fontAlgn="auto" latinLnBrk="0" hangingPunct="1">
-              <a:lnSpc>
-                <a:spcPct val="150000"/>
-              </a:lnSpc>
-              <a:spcBef>
-                <a:spcPts val="0"/>
-              </a:spcBef>
-              <a:spcAft>
-                <a:spcPts val="0"/>
-              </a:spcAft>
-              <a:buClrTx/>
-              <a:buSzTx/>
-              <a:buFont typeface="Wingdings" panose="05000000000000000000" pitchFamily="2" charset="2"/>
-              <a:buChar char="Ø"/>
-              <a:tabLst/>
-              <a:defRPr/>
-            </a:pPr>
-            <a:r>
-              <a:rPr kumimoji="0" lang="en-US" sz="2000" b="0" i="0" u="none" strike="noStrike" kern="1200" cap="none" spc="0" normalizeH="0" baseline="0" noProof="0" dirty="0">
-                <a:ln>
-                  <a:noFill/>
-                </a:ln>
-                <a:solidFill>
-                  <a:srgbClr val="00B0F0"/>
-                </a:solidFill>
-                <a:effectLst/>
-                <a:uLnTx/>
-                <a:uFillTx/>
-                <a:latin typeface="Verdana" panose="020B0604030504040204" pitchFamily="34" charset="0"/>
-                <a:ea typeface="Verdana" panose="020B0604030504040204" pitchFamily="34" charset="0"/>
-                <a:cs typeface="+mn-cs"/>
-              </a:rPr>
-              <a:t> </a:t>
-            </a:r>
-            <a:r>
-              <a:rPr kumimoji="0" lang="en-US" sz="2000" b="0" i="0" u="none" strike="noStrike" kern="1200" cap="none" spc="0" normalizeH="0" baseline="0" noProof="0" dirty="0">
-                <a:ln>
-                  <a:noFill/>
-                </a:ln>
-                <a:solidFill>
-                  <a:srgbClr val="0070C0"/>
-                </a:solidFill>
-                <a:effectLst/>
-                <a:uLnTx/>
-                <a:uFillTx/>
-                <a:latin typeface="Verdana" panose="020B0604030504040204" pitchFamily="34" charset="0"/>
-                <a:ea typeface="Verdana" panose="020B0604030504040204" pitchFamily="34" charset="0"/>
-                <a:cs typeface="+mn-cs"/>
-              </a:rPr>
-              <a:t>I am still a learner. Apologize if I do any mistake.</a:t>
-            </a:r>
-          </a:p>
-          <a:p>
-            <a:pPr marL="628650" marR="0" lvl="1" indent="-171450" algn="l" defTabSz="914400" rtl="0" eaLnBrk="1" fontAlgn="auto" latinLnBrk="0" hangingPunct="1">
-              <a:lnSpc>
-                <a:spcPct val="150000"/>
-              </a:lnSpc>
-              <a:spcBef>
-                <a:spcPts val="0"/>
-              </a:spcBef>
-              <a:spcAft>
-                <a:spcPts val="0"/>
-              </a:spcAft>
-              <a:buClrTx/>
-              <a:buSzTx/>
-              <a:buFont typeface="Wingdings" panose="05000000000000000000" pitchFamily="2" charset="2"/>
-              <a:buChar char="Ø"/>
-              <a:tabLst/>
-              <a:defRPr/>
-            </a:pPr>
-            <a:r>
-              <a:rPr kumimoji="0" lang="en-US" sz="2000" b="0" i="0" u="none" strike="noStrike" kern="1200" cap="none" spc="0" normalizeH="0" baseline="0" noProof="0" dirty="0">
-                <a:ln>
-                  <a:noFill/>
-                </a:ln>
-                <a:solidFill>
-                  <a:srgbClr val="002060"/>
-                </a:solidFill>
-                <a:effectLst/>
-                <a:uLnTx/>
-                <a:uFillTx/>
-                <a:latin typeface="Verdana" panose="020B0604030504040204" pitchFamily="34" charset="0"/>
-                <a:ea typeface="Verdana" panose="020B0604030504040204" pitchFamily="34" charset="0"/>
-                <a:cs typeface="+mn-cs"/>
-              </a:rPr>
-              <a:t> All the sessions will be hands on.</a:t>
-            </a:r>
-          </a:p>
-          <a:p>
-            <a:pPr marL="628650" marR="0" lvl="1" indent="-171450" algn="l" defTabSz="914400" rtl="0" eaLnBrk="1" fontAlgn="auto" latinLnBrk="0" hangingPunct="1">
-              <a:lnSpc>
-                <a:spcPct val="150000"/>
-              </a:lnSpc>
-              <a:spcBef>
-                <a:spcPts val="0"/>
-              </a:spcBef>
-              <a:spcAft>
-                <a:spcPts val="0"/>
-              </a:spcAft>
-              <a:buClrTx/>
-              <a:buSzTx/>
-              <a:buFont typeface="Wingdings" panose="05000000000000000000" pitchFamily="2" charset="2"/>
-              <a:buChar char="Ø"/>
-              <a:tabLst/>
-              <a:defRPr/>
-            </a:pPr>
-            <a:r>
-              <a:rPr kumimoji="0" lang="en-US" sz="2000" b="0" i="0" u="none" strike="noStrike" kern="1200" cap="none" spc="0" normalizeH="0" baseline="0" noProof="0" dirty="0">
-                <a:ln>
-                  <a:noFill/>
-                </a:ln>
-                <a:solidFill>
-                  <a:srgbClr val="002060"/>
-                </a:solidFill>
-                <a:effectLst/>
-                <a:uLnTx/>
-                <a:uFillTx/>
-                <a:latin typeface="Verdana" panose="020B0604030504040204" pitchFamily="34" charset="0"/>
-                <a:ea typeface="Verdana" panose="020B0604030504040204" pitchFamily="34" charset="0"/>
-                <a:cs typeface="+mn-cs"/>
-              </a:rPr>
-              <a:t> Will have parking lots for queries and other topics.</a:t>
-            </a:r>
-          </a:p>
-          <a:p>
-            <a:pPr marL="628650" marR="0" lvl="1" indent="-171450" algn="l" defTabSz="914400" rtl="0" eaLnBrk="1" fontAlgn="auto" latinLnBrk="0" hangingPunct="1">
-              <a:lnSpc>
-                <a:spcPct val="150000"/>
-              </a:lnSpc>
-              <a:spcBef>
-                <a:spcPts val="0"/>
-              </a:spcBef>
-              <a:spcAft>
-                <a:spcPts val="0"/>
-              </a:spcAft>
-              <a:buClrTx/>
-              <a:buSzTx/>
-              <a:buFont typeface="Wingdings" panose="05000000000000000000" pitchFamily="2" charset="2"/>
-              <a:buChar char="Ø"/>
-              <a:tabLst/>
-              <a:defRPr/>
-            </a:pPr>
-            <a:r>
-              <a:rPr kumimoji="0" lang="en-US" sz="2000" b="0" i="0" u="none" strike="noStrike" kern="1200" cap="none" spc="0" normalizeH="0" baseline="0" noProof="0" dirty="0">
-                <a:ln>
-                  <a:noFill/>
-                </a:ln>
-                <a:solidFill>
-                  <a:srgbClr val="002060"/>
-                </a:solidFill>
-                <a:effectLst/>
-                <a:uLnTx/>
-                <a:uFillTx/>
-                <a:latin typeface="Verdana" panose="020B0604030504040204" pitchFamily="34" charset="0"/>
-                <a:ea typeface="Verdana" panose="020B0604030504040204" pitchFamily="34" charset="0"/>
-                <a:cs typeface="+mn-cs"/>
-              </a:rPr>
-              <a:t> Some of the concepts we will introduced and revisited in next sessions.</a:t>
-            </a:r>
-          </a:p>
-          <a:p>
-            <a:pPr marL="628650" marR="0" lvl="1" indent="-171450" algn="l" defTabSz="914400" rtl="0" eaLnBrk="1" fontAlgn="auto" latinLnBrk="0" hangingPunct="1">
-              <a:lnSpc>
-                <a:spcPct val="150000"/>
-              </a:lnSpc>
-              <a:spcBef>
-                <a:spcPts val="0"/>
-              </a:spcBef>
-              <a:spcAft>
-                <a:spcPts val="0"/>
-              </a:spcAft>
-              <a:buClrTx/>
-              <a:buSzTx/>
-              <a:buFont typeface="Wingdings" panose="05000000000000000000" pitchFamily="2" charset="2"/>
-              <a:buChar char="Ø"/>
-              <a:tabLst/>
-              <a:defRPr/>
-            </a:pPr>
-            <a:r>
-              <a:rPr kumimoji="0" lang="en-US" sz="2000" b="0" i="0" u="none" strike="noStrike" kern="1200" cap="none" spc="0" normalizeH="0" baseline="0" noProof="0" dirty="0">
-                <a:ln>
-                  <a:noFill/>
-                </a:ln>
-                <a:solidFill>
-                  <a:srgbClr val="002060"/>
-                </a:solidFill>
-                <a:effectLst/>
-                <a:uLnTx/>
-                <a:uFillTx/>
-                <a:latin typeface="Verdana" panose="020B0604030504040204" pitchFamily="34" charset="0"/>
-                <a:ea typeface="Verdana" panose="020B0604030504040204" pitchFamily="34" charset="0"/>
-                <a:cs typeface="+mn-cs"/>
-              </a:rPr>
-              <a:t> There are multiple ways to do, we will use one of the ways.</a:t>
-            </a:r>
-          </a:p>
-          <a:p>
-            <a:pPr marL="628650" marR="0" lvl="1" indent="-171450" algn="l" defTabSz="914400" rtl="0" eaLnBrk="1" fontAlgn="auto" latinLnBrk="0" hangingPunct="1">
-              <a:lnSpc>
-                <a:spcPct val="150000"/>
-              </a:lnSpc>
-              <a:spcBef>
-                <a:spcPts val="0"/>
-              </a:spcBef>
-              <a:spcAft>
-                <a:spcPts val="0"/>
-              </a:spcAft>
-              <a:buClrTx/>
-              <a:buSzTx/>
-              <a:buFont typeface="Wingdings" panose="05000000000000000000" pitchFamily="2" charset="2"/>
-              <a:buChar char="Ø"/>
-              <a:tabLst/>
-              <a:defRPr/>
-            </a:pPr>
-            <a:r>
-              <a:rPr kumimoji="0" lang="en-US" sz="2000" b="0" i="0" u="none" strike="noStrike" kern="1200" cap="none" spc="0" normalizeH="0" baseline="0" noProof="0" dirty="0">
-                <a:ln>
-                  <a:noFill/>
-                </a:ln>
-                <a:solidFill>
-                  <a:srgbClr val="002060"/>
-                </a:solidFill>
-                <a:effectLst/>
-                <a:uLnTx/>
-                <a:uFillTx/>
-                <a:latin typeface="Verdana" panose="020B0604030504040204" pitchFamily="34" charset="0"/>
-                <a:ea typeface="Verdana" panose="020B0604030504040204" pitchFamily="34" charset="0"/>
-                <a:cs typeface="+mn-cs"/>
-              </a:rPr>
-              <a:t> The focus was more on concepts and demos are kept simple. </a:t>
-            </a:r>
-          </a:p>
-        </p:txBody>
-      </p:sp>
-    </p:spTree>
-    <p:extLst>
-      <p:ext uri="{BB962C8B-B14F-4D97-AF65-F5344CB8AC3E}">
-        <p14:creationId xmlns:p14="http://schemas.microsoft.com/office/powerpoint/2010/main" val="933004240"/>
-      </p:ext>
-    </p:extLst>
-  </p:cSld>
-  <p:clrMapOvr>
-    <a:masterClrMapping/>
-  </p:clrMapOvr>
-</p:sld>
-</file>
-
 <file path=ppt/slides/slide3.xml><?xml version="1.0" encoding="utf-8"?>
 <p:sld xmlns:a="http://schemas.openxmlformats.org/drawingml/2006/main" xmlns:r="http://schemas.openxmlformats.org/officeDocument/2006/relationships" xmlns:p="http://schemas.openxmlformats.org/presentationml/2006/main">
   <p:cSld>
@@ -30387,6 +30500,1741 @@
 </file>
 
 <file path=ppt/slides/slide5.xml><?xml version="1.0" encoding="utf-8"?>
+<p:sld xmlns:a="http://schemas.openxmlformats.org/drawingml/2006/main" xmlns:r="http://schemas.openxmlformats.org/officeDocument/2006/relationships" xmlns:p="http://schemas.openxmlformats.org/presentationml/2006/main">
+  <p:cSld>
+    <p:spTree>
+      <p:nvGrpSpPr>
+        <p:cNvPr id="1" name=""/>
+        <p:cNvGrpSpPr/>
+        <p:nvPr/>
+      </p:nvGrpSpPr>
+      <p:grpSpPr>
+        <a:xfrm>
+          <a:off x="0" y="0"/>
+          <a:ext cx="0" cy="0"/>
+          <a:chOff x="0" y="0"/>
+          <a:chExt cx="0" cy="0"/>
+        </a:xfrm>
+      </p:grpSpPr>
+      <p:sp>
+        <p:nvSpPr>
+          <p:cNvPr id="4" name="Rectangle: Rounded Corners 3">
+            <a:extLst>
+              <a:ext uri="{FF2B5EF4-FFF2-40B4-BE49-F238E27FC236}">
+                <a16:creationId xmlns:a16="http://schemas.microsoft.com/office/drawing/2014/main" id="{FE81CCDF-2A60-7094-66C7-A21220D60019}"/>
+              </a:ext>
+            </a:extLst>
+          </p:cNvPr>
+          <p:cNvSpPr/>
+          <p:nvPr/>
+        </p:nvSpPr>
+        <p:spPr>
+          <a:xfrm>
+            <a:off x="1951352" y="1338606"/>
+            <a:ext cx="1696824" cy="1545996"/>
+          </a:xfrm>
+          <a:prstGeom prst="roundRect">
+            <a:avLst/>
+          </a:prstGeom>
+        </p:spPr>
+        <p:style>
+          <a:lnRef idx="2">
+            <a:schemeClr val="accent1">
+              <a:shade val="50000"/>
+            </a:schemeClr>
+          </a:lnRef>
+          <a:fillRef idx="1">
+            <a:schemeClr val="accent1"/>
+          </a:fillRef>
+          <a:effectRef idx="0">
+            <a:schemeClr val="accent1"/>
+          </a:effectRef>
+          <a:fontRef idx="minor">
+            <a:schemeClr val="lt1"/>
+          </a:fontRef>
+        </p:style>
+        <p:txBody>
+          <a:bodyPr rtlCol="0" anchor="ctr"/>
+          <a:lstStyle/>
+          <a:p>
+            <a:pPr algn="ctr"/>
+            <a:r>
+              <a:rPr lang="en-US" dirty="0"/>
+              <a:t>Admin </a:t>
+            </a:r>
+          </a:p>
+          <a:p>
+            <a:pPr algn="ctr"/>
+            <a:r>
+              <a:rPr lang="en-US" dirty="0"/>
+              <a:t>UI Browser</a:t>
+            </a:r>
+          </a:p>
+        </p:txBody>
+      </p:sp>
+      <p:sp>
+        <p:nvSpPr>
+          <p:cNvPr id="7" name="Rectangle 6">
+            <a:extLst>
+              <a:ext uri="{FF2B5EF4-FFF2-40B4-BE49-F238E27FC236}">
+                <a16:creationId xmlns:a16="http://schemas.microsoft.com/office/drawing/2014/main" id="{7BF524D1-67AF-C3FA-D260-7ADDDE43478D}"/>
+              </a:ext>
+            </a:extLst>
+          </p:cNvPr>
+          <p:cNvSpPr/>
+          <p:nvPr/>
+        </p:nvSpPr>
+        <p:spPr>
+          <a:xfrm>
+            <a:off x="7098384" y="4675695"/>
+            <a:ext cx="1696824" cy="1376314"/>
+          </a:xfrm>
+          <a:prstGeom prst="rect">
+            <a:avLst/>
+          </a:prstGeom>
+          <a:solidFill>
+            <a:srgbClr val="00B050"/>
+          </a:solidFill>
+        </p:spPr>
+        <p:style>
+          <a:lnRef idx="2">
+            <a:schemeClr val="accent1">
+              <a:shade val="50000"/>
+            </a:schemeClr>
+          </a:lnRef>
+          <a:fillRef idx="1">
+            <a:schemeClr val="accent1"/>
+          </a:fillRef>
+          <a:effectRef idx="0">
+            <a:schemeClr val="accent1"/>
+          </a:effectRef>
+          <a:fontRef idx="minor">
+            <a:schemeClr val="lt1"/>
+          </a:fontRef>
+        </p:style>
+        <p:txBody>
+          <a:bodyPr rtlCol="0" anchor="ctr"/>
+          <a:lstStyle/>
+          <a:p>
+            <a:pPr algn="ctr"/>
+            <a:r>
+              <a:rPr lang="en-US" dirty="0"/>
+              <a:t>Temporary Image Storage</a:t>
+            </a:r>
+          </a:p>
+        </p:txBody>
+      </p:sp>
+      <p:sp>
+        <p:nvSpPr>
+          <p:cNvPr id="8" name="Oval 7">
+            <a:extLst>
+              <a:ext uri="{FF2B5EF4-FFF2-40B4-BE49-F238E27FC236}">
+                <a16:creationId xmlns:a16="http://schemas.microsoft.com/office/drawing/2014/main" id="{2C82FADF-A01A-0F99-CC53-43788038F841}"/>
+              </a:ext>
+            </a:extLst>
+          </p:cNvPr>
+          <p:cNvSpPr/>
+          <p:nvPr/>
+        </p:nvSpPr>
+        <p:spPr>
+          <a:xfrm>
+            <a:off x="4645841" y="4732256"/>
+            <a:ext cx="1244338" cy="1263192"/>
+          </a:xfrm>
+          <a:prstGeom prst="ellipse">
+            <a:avLst/>
+          </a:prstGeom>
+        </p:spPr>
+        <p:style>
+          <a:lnRef idx="2">
+            <a:schemeClr val="accent1">
+              <a:shade val="50000"/>
+            </a:schemeClr>
+          </a:lnRef>
+          <a:fillRef idx="1">
+            <a:schemeClr val="accent1"/>
+          </a:fillRef>
+          <a:effectRef idx="0">
+            <a:schemeClr val="accent1"/>
+          </a:effectRef>
+          <a:fontRef idx="minor">
+            <a:schemeClr val="lt1"/>
+          </a:fontRef>
+        </p:style>
+        <p:txBody>
+          <a:bodyPr rtlCol="0" anchor="ctr"/>
+          <a:lstStyle/>
+          <a:p>
+            <a:pPr algn="ctr"/>
+            <a:r>
+              <a:rPr lang="en-US" dirty="0"/>
+              <a:t>Az </a:t>
+            </a:r>
+            <a:r>
+              <a:rPr lang="en-US" dirty="0" err="1"/>
+              <a:t>Func</a:t>
+            </a:r>
+            <a:endParaRPr lang="en-US" dirty="0"/>
+          </a:p>
+        </p:txBody>
+      </p:sp>
+      <p:sp>
+        <p:nvSpPr>
+          <p:cNvPr id="9" name="Rectangle: Rounded Corners 8">
+            <a:extLst>
+              <a:ext uri="{FF2B5EF4-FFF2-40B4-BE49-F238E27FC236}">
+                <a16:creationId xmlns:a16="http://schemas.microsoft.com/office/drawing/2014/main" id="{30514CA6-1564-9431-D321-9AD54BD26C28}"/>
+              </a:ext>
+            </a:extLst>
+          </p:cNvPr>
+          <p:cNvSpPr/>
+          <p:nvPr/>
+        </p:nvSpPr>
+        <p:spPr>
+          <a:xfrm>
+            <a:off x="10256362" y="5203598"/>
+            <a:ext cx="1809947" cy="1545996"/>
+          </a:xfrm>
+          <a:prstGeom prst="roundRect">
+            <a:avLst/>
+          </a:prstGeom>
+          <a:solidFill>
+            <a:srgbClr val="00B050"/>
+          </a:solidFill>
+        </p:spPr>
+        <p:style>
+          <a:lnRef idx="2">
+            <a:schemeClr val="accent1">
+              <a:shade val="50000"/>
+            </a:schemeClr>
+          </a:lnRef>
+          <a:fillRef idx="1">
+            <a:schemeClr val="accent1"/>
+          </a:fillRef>
+          <a:effectRef idx="0">
+            <a:schemeClr val="accent1"/>
+          </a:effectRef>
+          <a:fontRef idx="minor">
+            <a:schemeClr val="lt1"/>
+          </a:fontRef>
+        </p:style>
+        <p:txBody>
+          <a:bodyPr rtlCol="0" anchor="ctr"/>
+          <a:lstStyle/>
+          <a:p>
+            <a:pPr algn="ctr"/>
+            <a:r>
+              <a:rPr lang="en-US" dirty="0"/>
+              <a:t>Destination Blob Storage</a:t>
+            </a:r>
+          </a:p>
+        </p:txBody>
+      </p:sp>
+      <p:sp>
+        <p:nvSpPr>
+          <p:cNvPr id="10" name="Flowchart: Magnetic Disk 9">
+            <a:extLst>
+              <a:ext uri="{FF2B5EF4-FFF2-40B4-BE49-F238E27FC236}">
+                <a16:creationId xmlns:a16="http://schemas.microsoft.com/office/drawing/2014/main" id="{A0A94D4D-D2E1-EB77-7CB4-C6B0076BB627}"/>
+              </a:ext>
+            </a:extLst>
+          </p:cNvPr>
+          <p:cNvSpPr/>
+          <p:nvPr/>
+        </p:nvSpPr>
+        <p:spPr>
+          <a:xfrm>
+            <a:off x="9981410" y="593889"/>
+            <a:ext cx="1621411" cy="1998482"/>
+          </a:xfrm>
+          <a:prstGeom prst="flowChartMagneticDisk">
+            <a:avLst/>
+          </a:prstGeom>
+          <a:solidFill>
+            <a:srgbClr val="FFFF00"/>
+          </a:solidFill>
+        </p:spPr>
+        <p:style>
+          <a:lnRef idx="2">
+            <a:schemeClr val="accent1">
+              <a:shade val="50000"/>
+            </a:schemeClr>
+          </a:lnRef>
+          <a:fillRef idx="1">
+            <a:schemeClr val="accent1"/>
+          </a:fillRef>
+          <a:effectRef idx="0">
+            <a:schemeClr val="accent1"/>
+          </a:effectRef>
+          <a:fontRef idx="minor">
+            <a:schemeClr val="lt1"/>
+          </a:fontRef>
+        </p:style>
+        <p:txBody>
+          <a:bodyPr rtlCol="0" anchor="ctr"/>
+          <a:lstStyle/>
+          <a:p>
+            <a:pPr algn="ctr"/>
+            <a:r>
+              <a:rPr lang="en-US" b="1" dirty="0">
+                <a:solidFill>
+                  <a:srgbClr val="002060"/>
+                </a:solidFill>
+              </a:rPr>
+              <a:t>Mongo</a:t>
+            </a:r>
+          </a:p>
+          <a:p>
+            <a:pPr algn="ctr"/>
+            <a:r>
+              <a:rPr lang="en-US" b="1" dirty="0">
+                <a:solidFill>
+                  <a:srgbClr val="002060"/>
+                </a:solidFill>
+              </a:rPr>
+              <a:t>Db</a:t>
+            </a:r>
+          </a:p>
+        </p:txBody>
+      </p:sp>
+      <p:cxnSp>
+        <p:nvCxnSpPr>
+          <p:cNvPr id="13" name="Straight Connector 12">
+            <a:extLst>
+              <a:ext uri="{FF2B5EF4-FFF2-40B4-BE49-F238E27FC236}">
+                <a16:creationId xmlns:a16="http://schemas.microsoft.com/office/drawing/2014/main" id="{264D6AFA-9293-89B9-9436-691235D5B3BC}"/>
+              </a:ext>
+            </a:extLst>
+          </p:cNvPr>
+          <p:cNvCxnSpPr/>
+          <p:nvPr/>
+        </p:nvCxnSpPr>
+        <p:spPr>
+          <a:xfrm>
+            <a:off x="4257774" y="0"/>
+            <a:ext cx="0" cy="6858000"/>
+          </a:xfrm>
+          <a:prstGeom prst="line">
+            <a:avLst/>
+          </a:prstGeom>
+        </p:spPr>
+        <p:style>
+          <a:lnRef idx="3">
+            <a:schemeClr val="accent1"/>
+          </a:lnRef>
+          <a:fillRef idx="0">
+            <a:schemeClr val="accent1"/>
+          </a:fillRef>
+          <a:effectRef idx="2">
+            <a:schemeClr val="accent1"/>
+          </a:effectRef>
+          <a:fontRef idx="minor">
+            <a:schemeClr val="tx1"/>
+          </a:fontRef>
+        </p:style>
+      </p:cxnSp>
+      <p:sp>
+        <p:nvSpPr>
+          <p:cNvPr id="14" name="Smiley Face 13">
+            <a:extLst>
+              <a:ext uri="{FF2B5EF4-FFF2-40B4-BE49-F238E27FC236}">
+                <a16:creationId xmlns:a16="http://schemas.microsoft.com/office/drawing/2014/main" id="{FFFBB0E0-4786-DB97-5B76-61D69F66BEDF}"/>
+              </a:ext>
+            </a:extLst>
+          </p:cNvPr>
+          <p:cNvSpPr/>
+          <p:nvPr/>
+        </p:nvSpPr>
+        <p:spPr>
+          <a:xfrm>
+            <a:off x="414779" y="1602557"/>
+            <a:ext cx="1159492" cy="1197204"/>
+          </a:xfrm>
+          <a:prstGeom prst="smileyFace">
+            <a:avLst/>
+          </a:prstGeom>
+        </p:spPr>
+        <p:style>
+          <a:lnRef idx="2">
+            <a:schemeClr val="accent1">
+              <a:shade val="50000"/>
+            </a:schemeClr>
+          </a:lnRef>
+          <a:fillRef idx="1">
+            <a:schemeClr val="accent1"/>
+          </a:fillRef>
+          <a:effectRef idx="0">
+            <a:schemeClr val="accent1"/>
+          </a:effectRef>
+          <a:fontRef idx="minor">
+            <a:schemeClr val="lt1"/>
+          </a:fontRef>
+        </p:style>
+        <p:txBody>
+          <a:bodyPr rtlCol="0" anchor="ctr"/>
+          <a:lstStyle/>
+          <a:p>
+            <a:pPr algn="ctr"/>
+            <a:endParaRPr lang="en-US"/>
+          </a:p>
+        </p:txBody>
+      </p:sp>
+      <p:sp>
+        <p:nvSpPr>
+          <p:cNvPr id="15" name="Rectangle: Rounded Corners 14">
+            <a:extLst>
+              <a:ext uri="{FF2B5EF4-FFF2-40B4-BE49-F238E27FC236}">
+                <a16:creationId xmlns:a16="http://schemas.microsoft.com/office/drawing/2014/main" id="{406EAD9C-B975-3A57-05FE-18EE0F57BF66}"/>
+              </a:ext>
+            </a:extLst>
+          </p:cNvPr>
+          <p:cNvSpPr/>
+          <p:nvPr/>
+        </p:nvSpPr>
+        <p:spPr>
+          <a:xfrm>
+            <a:off x="4645841" y="697583"/>
+            <a:ext cx="1184633" cy="3007151"/>
+          </a:xfrm>
+          <a:prstGeom prst="roundRect">
+            <a:avLst/>
+          </a:prstGeom>
+        </p:spPr>
+        <p:style>
+          <a:lnRef idx="2">
+            <a:schemeClr val="accent1">
+              <a:shade val="50000"/>
+            </a:schemeClr>
+          </a:lnRef>
+          <a:fillRef idx="1">
+            <a:schemeClr val="accent1"/>
+          </a:fillRef>
+          <a:effectRef idx="0">
+            <a:schemeClr val="accent1"/>
+          </a:effectRef>
+          <a:fontRef idx="minor">
+            <a:schemeClr val="lt1"/>
+          </a:fontRef>
+        </p:style>
+        <p:txBody>
+          <a:bodyPr rtlCol="0" anchor="ctr"/>
+          <a:lstStyle/>
+          <a:p>
+            <a:pPr algn="ctr"/>
+            <a:r>
+              <a:rPr lang="en-US" dirty="0"/>
+              <a:t>API Gateway</a:t>
+            </a:r>
+          </a:p>
+        </p:txBody>
+      </p:sp>
+      <p:cxnSp>
+        <p:nvCxnSpPr>
+          <p:cNvPr id="17" name="Straight Arrow Connector 16">
+            <a:extLst>
+              <a:ext uri="{FF2B5EF4-FFF2-40B4-BE49-F238E27FC236}">
+                <a16:creationId xmlns:a16="http://schemas.microsoft.com/office/drawing/2014/main" id="{F792B729-5B7E-C96B-49D5-5CB9096E17E4}"/>
+              </a:ext>
+            </a:extLst>
+          </p:cNvPr>
+          <p:cNvCxnSpPr>
+            <a:stCxn id="4" idx="3"/>
+          </p:cNvCxnSpPr>
+          <p:nvPr/>
+        </p:nvCxnSpPr>
+        <p:spPr>
+          <a:xfrm>
+            <a:off x="3648176" y="2111604"/>
+            <a:ext cx="997665" cy="0"/>
+          </a:xfrm>
+          <a:prstGeom prst="straightConnector1">
+            <a:avLst/>
+          </a:prstGeom>
+          <a:ln>
+            <a:tailEnd type="triangle"/>
+          </a:ln>
+        </p:spPr>
+        <p:style>
+          <a:lnRef idx="1">
+            <a:schemeClr val="accent1"/>
+          </a:lnRef>
+          <a:fillRef idx="0">
+            <a:schemeClr val="accent1"/>
+          </a:fillRef>
+          <a:effectRef idx="0">
+            <a:schemeClr val="accent1"/>
+          </a:effectRef>
+          <a:fontRef idx="minor">
+            <a:schemeClr val="tx1"/>
+          </a:fontRef>
+        </p:style>
+      </p:cxnSp>
+      <p:cxnSp>
+        <p:nvCxnSpPr>
+          <p:cNvPr id="19" name="Straight Arrow Connector 18">
+            <a:extLst>
+              <a:ext uri="{FF2B5EF4-FFF2-40B4-BE49-F238E27FC236}">
+                <a16:creationId xmlns:a16="http://schemas.microsoft.com/office/drawing/2014/main" id="{A000E672-82FA-7C39-F989-FAA98BA3F396}"/>
+              </a:ext>
+            </a:extLst>
+          </p:cNvPr>
+          <p:cNvCxnSpPr>
+            <a:stCxn id="15" idx="2"/>
+          </p:cNvCxnSpPr>
+          <p:nvPr/>
+        </p:nvCxnSpPr>
+        <p:spPr>
+          <a:xfrm flipH="1">
+            <a:off x="5238157" y="3704734"/>
+            <a:ext cx="1" cy="1027522"/>
+          </a:xfrm>
+          <a:prstGeom prst="straightConnector1">
+            <a:avLst/>
+          </a:prstGeom>
+          <a:ln>
+            <a:tailEnd type="triangle"/>
+          </a:ln>
+        </p:spPr>
+        <p:style>
+          <a:lnRef idx="1">
+            <a:schemeClr val="accent1"/>
+          </a:lnRef>
+          <a:fillRef idx="0">
+            <a:schemeClr val="accent1"/>
+          </a:fillRef>
+          <a:effectRef idx="0">
+            <a:schemeClr val="accent1"/>
+          </a:effectRef>
+          <a:fontRef idx="minor">
+            <a:schemeClr val="tx1"/>
+          </a:fontRef>
+        </p:style>
+      </p:cxnSp>
+      <p:cxnSp>
+        <p:nvCxnSpPr>
+          <p:cNvPr id="21" name="Straight Arrow Connector 20">
+            <a:extLst>
+              <a:ext uri="{FF2B5EF4-FFF2-40B4-BE49-F238E27FC236}">
+                <a16:creationId xmlns:a16="http://schemas.microsoft.com/office/drawing/2014/main" id="{E454B2A4-58A9-1F4F-5687-10F5243DFAB8}"/>
+              </a:ext>
+            </a:extLst>
+          </p:cNvPr>
+          <p:cNvCxnSpPr>
+            <a:stCxn id="8" idx="6"/>
+            <a:endCxn id="7" idx="1"/>
+          </p:cNvCxnSpPr>
+          <p:nvPr/>
+        </p:nvCxnSpPr>
+        <p:spPr>
+          <a:xfrm>
+            <a:off x="5890179" y="5363852"/>
+            <a:ext cx="1208205" cy="0"/>
+          </a:xfrm>
+          <a:prstGeom prst="straightConnector1">
+            <a:avLst/>
+          </a:prstGeom>
+          <a:ln>
+            <a:tailEnd type="triangle"/>
+          </a:ln>
+        </p:spPr>
+        <p:style>
+          <a:lnRef idx="1">
+            <a:schemeClr val="accent1"/>
+          </a:lnRef>
+          <a:fillRef idx="0">
+            <a:schemeClr val="accent1"/>
+          </a:fillRef>
+          <a:effectRef idx="0">
+            <a:schemeClr val="accent1"/>
+          </a:effectRef>
+          <a:fontRef idx="minor">
+            <a:schemeClr val="tx1"/>
+          </a:fontRef>
+        </p:style>
+      </p:cxnSp>
+      <p:sp>
+        <p:nvSpPr>
+          <p:cNvPr id="3" name="Rectangle: Rounded Corners 2">
+            <a:extLst>
+              <a:ext uri="{FF2B5EF4-FFF2-40B4-BE49-F238E27FC236}">
+                <a16:creationId xmlns:a16="http://schemas.microsoft.com/office/drawing/2014/main" id="{3CA616FB-1EB7-0E62-B2CA-A6697DC29BF1}"/>
+              </a:ext>
+            </a:extLst>
+          </p:cNvPr>
+          <p:cNvSpPr/>
+          <p:nvPr/>
+        </p:nvSpPr>
+        <p:spPr>
+          <a:xfrm>
+            <a:off x="6953844" y="565610"/>
+            <a:ext cx="1184633" cy="3007151"/>
+          </a:xfrm>
+          <a:prstGeom prst="roundRect">
+            <a:avLst/>
+          </a:prstGeom>
+        </p:spPr>
+        <p:style>
+          <a:lnRef idx="2">
+            <a:schemeClr val="accent1">
+              <a:shade val="50000"/>
+            </a:schemeClr>
+          </a:lnRef>
+          <a:fillRef idx="1">
+            <a:schemeClr val="accent1"/>
+          </a:fillRef>
+          <a:effectRef idx="0">
+            <a:schemeClr val="accent1"/>
+          </a:effectRef>
+          <a:fontRef idx="minor">
+            <a:schemeClr val="lt1"/>
+          </a:fontRef>
+        </p:style>
+        <p:txBody>
+          <a:bodyPr rtlCol="0" anchor="ctr"/>
+          <a:lstStyle/>
+          <a:p>
+            <a:pPr algn="ctr"/>
+            <a:r>
+              <a:rPr lang="en-US" dirty="0"/>
+              <a:t>API Products</a:t>
+            </a:r>
+          </a:p>
+        </p:txBody>
+      </p:sp>
+      <p:sp>
+        <p:nvSpPr>
+          <p:cNvPr id="5" name="Oval 4">
+            <a:extLst>
+              <a:ext uri="{FF2B5EF4-FFF2-40B4-BE49-F238E27FC236}">
+                <a16:creationId xmlns:a16="http://schemas.microsoft.com/office/drawing/2014/main" id="{E6DD2D7F-6BBC-517F-CA0C-E25ABBEF351C}"/>
+              </a:ext>
+            </a:extLst>
+          </p:cNvPr>
+          <p:cNvSpPr/>
+          <p:nvPr/>
+        </p:nvSpPr>
+        <p:spPr>
+          <a:xfrm>
+            <a:off x="2413262" y="829558"/>
+            <a:ext cx="339356" cy="358219"/>
+          </a:xfrm>
+          <a:prstGeom prst="ellipse">
+            <a:avLst/>
+          </a:prstGeom>
+        </p:spPr>
+        <p:style>
+          <a:lnRef idx="2">
+            <a:schemeClr val="accent1">
+              <a:shade val="50000"/>
+            </a:schemeClr>
+          </a:lnRef>
+          <a:fillRef idx="1">
+            <a:schemeClr val="accent1"/>
+          </a:fillRef>
+          <a:effectRef idx="0">
+            <a:schemeClr val="accent1"/>
+          </a:effectRef>
+          <a:fontRef idx="minor">
+            <a:schemeClr val="lt1"/>
+          </a:fontRef>
+        </p:style>
+        <p:txBody>
+          <a:bodyPr rtlCol="0" anchor="ctr"/>
+          <a:lstStyle/>
+          <a:p>
+            <a:pPr algn="ctr"/>
+            <a:r>
+              <a:rPr lang="en-US" sz="1400" b="1" dirty="0">
+                <a:latin typeface="Verdana" panose="020B0604030504040204" pitchFamily="34" charset="0"/>
+                <a:ea typeface="Verdana" panose="020B0604030504040204" pitchFamily="34" charset="0"/>
+              </a:rPr>
+              <a:t>1</a:t>
+            </a:r>
+          </a:p>
+        </p:txBody>
+      </p:sp>
+      <p:sp>
+        <p:nvSpPr>
+          <p:cNvPr id="6" name="Oval 5">
+            <a:extLst>
+              <a:ext uri="{FF2B5EF4-FFF2-40B4-BE49-F238E27FC236}">
+                <a16:creationId xmlns:a16="http://schemas.microsoft.com/office/drawing/2014/main" id="{0092A288-D927-56D9-2848-AB82F105F73E}"/>
+              </a:ext>
+            </a:extLst>
+          </p:cNvPr>
+          <p:cNvSpPr/>
+          <p:nvPr/>
+        </p:nvSpPr>
+        <p:spPr>
+          <a:xfrm>
+            <a:off x="5049632" y="246668"/>
+            <a:ext cx="339356" cy="358219"/>
+          </a:xfrm>
+          <a:prstGeom prst="ellipse">
+            <a:avLst/>
+          </a:prstGeom>
+        </p:spPr>
+        <p:style>
+          <a:lnRef idx="2">
+            <a:schemeClr val="accent1">
+              <a:shade val="50000"/>
+            </a:schemeClr>
+          </a:lnRef>
+          <a:fillRef idx="1">
+            <a:schemeClr val="accent1"/>
+          </a:fillRef>
+          <a:effectRef idx="0">
+            <a:schemeClr val="accent1"/>
+          </a:effectRef>
+          <a:fontRef idx="minor">
+            <a:schemeClr val="lt1"/>
+          </a:fontRef>
+        </p:style>
+        <p:txBody>
+          <a:bodyPr rtlCol="0" anchor="ctr"/>
+          <a:lstStyle/>
+          <a:p>
+            <a:pPr algn="ctr"/>
+            <a:r>
+              <a:rPr lang="en-US" sz="1400" b="1" dirty="0">
+                <a:latin typeface="Verdana" panose="020B0604030504040204" pitchFamily="34" charset="0"/>
+                <a:ea typeface="Verdana" panose="020B0604030504040204" pitchFamily="34" charset="0"/>
+              </a:rPr>
+              <a:t>2</a:t>
+            </a:r>
+          </a:p>
+        </p:txBody>
+      </p:sp>
+      <p:sp>
+        <p:nvSpPr>
+          <p:cNvPr id="11" name="TextBox 10">
+            <a:extLst>
+              <a:ext uri="{FF2B5EF4-FFF2-40B4-BE49-F238E27FC236}">
+                <a16:creationId xmlns:a16="http://schemas.microsoft.com/office/drawing/2014/main" id="{45F38303-B7C8-02B3-08CA-CEBEE7F9ED70}"/>
+              </a:ext>
+            </a:extLst>
+          </p:cNvPr>
+          <p:cNvSpPr txBox="1"/>
+          <p:nvPr/>
+        </p:nvSpPr>
+        <p:spPr>
+          <a:xfrm>
+            <a:off x="5388988" y="208846"/>
+            <a:ext cx="2435260" cy="369332"/>
+          </a:xfrm>
+          <a:prstGeom prst="rect">
+            <a:avLst/>
+          </a:prstGeom>
+          <a:noFill/>
+        </p:spPr>
+        <p:txBody>
+          <a:bodyPr wrap="square" rtlCol="0">
+            <a:spAutoFit/>
+          </a:bodyPr>
+          <a:lstStyle/>
+          <a:p>
+            <a:r>
+              <a:rPr lang="en-US" dirty="0"/>
+              <a:t>Only Image Data</a:t>
+            </a:r>
+          </a:p>
+        </p:txBody>
+      </p:sp>
+      <p:sp>
+        <p:nvSpPr>
+          <p:cNvPr id="12" name="TextBox 11">
+            <a:extLst>
+              <a:ext uri="{FF2B5EF4-FFF2-40B4-BE49-F238E27FC236}">
+                <a16:creationId xmlns:a16="http://schemas.microsoft.com/office/drawing/2014/main" id="{F1D09116-952B-B7D4-D806-24D54A3515A1}"/>
+              </a:ext>
+            </a:extLst>
+          </p:cNvPr>
+          <p:cNvSpPr txBox="1"/>
+          <p:nvPr/>
+        </p:nvSpPr>
+        <p:spPr>
+          <a:xfrm>
+            <a:off x="2764418" y="813004"/>
+            <a:ext cx="2435260" cy="369332"/>
+          </a:xfrm>
+          <a:prstGeom prst="rect">
+            <a:avLst/>
+          </a:prstGeom>
+          <a:noFill/>
+        </p:spPr>
+        <p:txBody>
+          <a:bodyPr wrap="square" rtlCol="0">
+            <a:spAutoFit/>
+          </a:bodyPr>
+          <a:lstStyle/>
+          <a:p>
+            <a:r>
+              <a:rPr lang="en-US" dirty="0"/>
+              <a:t>Upload Image</a:t>
+            </a:r>
+          </a:p>
+        </p:txBody>
+      </p:sp>
+      <p:sp>
+        <p:nvSpPr>
+          <p:cNvPr id="16" name="Oval 15">
+            <a:extLst>
+              <a:ext uri="{FF2B5EF4-FFF2-40B4-BE49-F238E27FC236}">
+                <a16:creationId xmlns:a16="http://schemas.microsoft.com/office/drawing/2014/main" id="{698B39D5-10EB-AC05-D2BB-01FDE30E7097}"/>
+              </a:ext>
+            </a:extLst>
+          </p:cNvPr>
+          <p:cNvSpPr/>
+          <p:nvPr/>
+        </p:nvSpPr>
+        <p:spPr>
+          <a:xfrm>
+            <a:off x="5137607" y="6169961"/>
+            <a:ext cx="339356" cy="358219"/>
+          </a:xfrm>
+          <a:prstGeom prst="ellipse">
+            <a:avLst/>
+          </a:prstGeom>
+        </p:spPr>
+        <p:style>
+          <a:lnRef idx="2">
+            <a:schemeClr val="accent1">
+              <a:shade val="50000"/>
+            </a:schemeClr>
+          </a:lnRef>
+          <a:fillRef idx="1">
+            <a:schemeClr val="accent1"/>
+          </a:fillRef>
+          <a:effectRef idx="0">
+            <a:schemeClr val="accent1"/>
+          </a:effectRef>
+          <a:fontRef idx="minor">
+            <a:schemeClr val="lt1"/>
+          </a:fontRef>
+        </p:style>
+        <p:txBody>
+          <a:bodyPr rtlCol="0" anchor="ctr"/>
+          <a:lstStyle/>
+          <a:p>
+            <a:pPr algn="ctr"/>
+            <a:r>
+              <a:rPr lang="en-US" sz="1400" b="1" dirty="0">
+                <a:latin typeface="Verdana" panose="020B0604030504040204" pitchFamily="34" charset="0"/>
+                <a:ea typeface="Verdana" panose="020B0604030504040204" pitchFamily="34" charset="0"/>
+              </a:rPr>
+              <a:t>3</a:t>
+            </a:r>
+          </a:p>
+        </p:txBody>
+      </p:sp>
+      <p:sp>
+        <p:nvSpPr>
+          <p:cNvPr id="18" name="TextBox 17">
+            <a:extLst>
+              <a:ext uri="{FF2B5EF4-FFF2-40B4-BE49-F238E27FC236}">
+                <a16:creationId xmlns:a16="http://schemas.microsoft.com/office/drawing/2014/main" id="{4BE3AB22-CDFD-4255-AA28-6D0ABFA630C5}"/>
+              </a:ext>
+            </a:extLst>
+          </p:cNvPr>
+          <p:cNvSpPr txBox="1"/>
+          <p:nvPr/>
+        </p:nvSpPr>
+        <p:spPr>
+          <a:xfrm>
+            <a:off x="5516252" y="6130568"/>
+            <a:ext cx="2875183" cy="369332"/>
+          </a:xfrm>
+          <a:prstGeom prst="rect">
+            <a:avLst/>
+          </a:prstGeom>
+          <a:noFill/>
+        </p:spPr>
+        <p:txBody>
+          <a:bodyPr wrap="square" rtlCol="0">
+            <a:spAutoFit/>
+          </a:bodyPr>
+          <a:lstStyle/>
+          <a:p>
+            <a:r>
+              <a:rPr lang="en-US" dirty="0"/>
+              <a:t>Creates Image in Storage</a:t>
+            </a:r>
+          </a:p>
+        </p:txBody>
+      </p:sp>
+      <p:sp>
+        <p:nvSpPr>
+          <p:cNvPr id="20" name="Oval 19">
+            <a:extLst>
+              <a:ext uri="{FF2B5EF4-FFF2-40B4-BE49-F238E27FC236}">
+                <a16:creationId xmlns:a16="http://schemas.microsoft.com/office/drawing/2014/main" id="{CD134569-0F13-985E-A38C-ED8264227826}"/>
+              </a:ext>
+            </a:extLst>
+          </p:cNvPr>
+          <p:cNvSpPr/>
+          <p:nvPr/>
+        </p:nvSpPr>
+        <p:spPr>
+          <a:xfrm>
+            <a:off x="7198949" y="4217045"/>
+            <a:ext cx="339356" cy="358219"/>
+          </a:xfrm>
+          <a:prstGeom prst="ellipse">
+            <a:avLst/>
+          </a:prstGeom>
+        </p:spPr>
+        <p:style>
+          <a:lnRef idx="2">
+            <a:schemeClr val="accent1">
+              <a:shade val="50000"/>
+            </a:schemeClr>
+          </a:lnRef>
+          <a:fillRef idx="1">
+            <a:schemeClr val="accent1"/>
+          </a:fillRef>
+          <a:effectRef idx="0">
+            <a:schemeClr val="accent1"/>
+          </a:effectRef>
+          <a:fontRef idx="minor">
+            <a:schemeClr val="lt1"/>
+          </a:fontRef>
+        </p:style>
+        <p:txBody>
+          <a:bodyPr rtlCol="0" anchor="ctr"/>
+          <a:lstStyle/>
+          <a:p>
+            <a:pPr algn="ctr"/>
+            <a:r>
+              <a:rPr lang="en-US" sz="1400" b="1" dirty="0">
+                <a:latin typeface="Verdana" panose="020B0604030504040204" pitchFamily="34" charset="0"/>
+                <a:ea typeface="Verdana" panose="020B0604030504040204" pitchFamily="34" charset="0"/>
+              </a:rPr>
+              <a:t>4</a:t>
+            </a:r>
+          </a:p>
+        </p:txBody>
+      </p:sp>
+      <p:sp>
+        <p:nvSpPr>
+          <p:cNvPr id="22" name="TextBox 21">
+            <a:extLst>
+              <a:ext uri="{FF2B5EF4-FFF2-40B4-BE49-F238E27FC236}">
+                <a16:creationId xmlns:a16="http://schemas.microsoft.com/office/drawing/2014/main" id="{C875B211-CF69-3C0A-5849-9C6CB32371E3}"/>
+              </a:ext>
+            </a:extLst>
+          </p:cNvPr>
+          <p:cNvSpPr txBox="1"/>
+          <p:nvPr/>
+        </p:nvSpPr>
+        <p:spPr>
+          <a:xfrm>
+            <a:off x="7538306" y="4187079"/>
+            <a:ext cx="1696824" cy="369332"/>
+          </a:xfrm>
+          <a:prstGeom prst="rect">
+            <a:avLst/>
+          </a:prstGeom>
+          <a:noFill/>
+        </p:spPr>
+        <p:txBody>
+          <a:bodyPr wrap="square" rtlCol="0">
+            <a:spAutoFit/>
+          </a:bodyPr>
+          <a:lstStyle/>
+          <a:p>
+            <a:r>
+              <a:rPr lang="en-US" dirty="0"/>
+              <a:t>Image Created</a:t>
+            </a:r>
+          </a:p>
+        </p:txBody>
+      </p:sp>
+      <p:sp>
+        <p:nvSpPr>
+          <p:cNvPr id="23" name="Oval 22">
+            <a:extLst>
+              <a:ext uri="{FF2B5EF4-FFF2-40B4-BE49-F238E27FC236}">
+                <a16:creationId xmlns:a16="http://schemas.microsoft.com/office/drawing/2014/main" id="{C23CA662-1857-EDF4-3973-E088455A8F6C}"/>
+              </a:ext>
+            </a:extLst>
+          </p:cNvPr>
+          <p:cNvSpPr/>
+          <p:nvPr/>
+        </p:nvSpPr>
+        <p:spPr>
+          <a:xfrm>
+            <a:off x="2537400" y="3186259"/>
+            <a:ext cx="339356" cy="358219"/>
+          </a:xfrm>
+          <a:prstGeom prst="ellipse">
+            <a:avLst/>
+          </a:prstGeom>
+          <a:solidFill>
+            <a:schemeClr val="accent2">
+              <a:lumMod val="75000"/>
+            </a:schemeClr>
+          </a:solidFill>
+        </p:spPr>
+        <p:style>
+          <a:lnRef idx="2">
+            <a:schemeClr val="accent1">
+              <a:shade val="50000"/>
+            </a:schemeClr>
+          </a:lnRef>
+          <a:fillRef idx="1">
+            <a:schemeClr val="accent1"/>
+          </a:fillRef>
+          <a:effectRef idx="0">
+            <a:schemeClr val="accent1"/>
+          </a:effectRef>
+          <a:fontRef idx="minor">
+            <a:schemeClr val="lt1"/>
+          </a:fontRef>
+        </p:style>
+        <p:txBody>
+          <a:bodyPr rtlCol="0" anchor="ctr"/>
+          <a:lstStyle/>
+          <a:p>
+            <a:pPr algn="ctr"/>
+            <a:r>
+              <a:rPr lang="en-US" sz="1400" b="1" dirty="0">
+                <a:latin typeface="Verdana" panose="020B0604030504040204" pitchFamily="34" charset="0"/>
+                <a:ea typeface="Verdana" panose="020B0604030504040204" pitchFamily="34" charset="0"/>
+              </a:rPr>
+              <a:t>1</a:t>
+            </a:r>
+          </a:p>
+        </p:txBody>
+      </p:sp>
+      <p:sp>
+        <p:nvSpPr>
+          <p:cNvPr id="24" name="TextBox 23">
+            <a:extLst>
+              <a:ext uri="{FF2B5EF4-FFF2-40B4-BE49-F238E27FC236}">
+                <a16:creationId xmlns:a16="http://schemas.microsoft.com/office/drawing/2014/main" id="{33EE431E-2041-63CD-78BB-B5200989A66A}"/>
+              </a:ext>
+            </a:extLst>
+          </p:cNvPr>
+          <p:cNvSpPr txBox="1"/>
+          <p:nvPr/>
+        </p:nvSpPr>
+        <p:spPr>
+          <a:xfrm>
+            <a:off x="1754959" y="3544478"/>
+            <a:ext cx="2435260" cy="646331"/>
+          </a:xfrm>
+          <a:prstGeom prst="rect">
+            <a:avLst/>
+          </a:prstGeom>
+          <a:noFill/>
+        </p:spPr>
+        <p:txBody>
+          <a:bodyPr wrap="square" rtlCol="0">
+            <a:spAutoFit/>
+          </a:bodyPr>
+          <a:lstStyle/>
+          <a:p>
+            <a:r>
+              <a:rPr lang="en-US" dirty="0"/>
+              <a:t>Products DTO with Image GUID</a:t>
+            </a:r>
+          </a:p>
+        </p:txBody>
+      </p:sp>
+      <p:sp>
+        <p:nvSpPr>
+          <p:cNvPr id="25" name="Oval 24">
+            <a:extLst>
+              <a:ext uri="{FF2B5EF4-FFF2-40B4-BE49-F238E27FC236}">
+                <a16:creationId xmlns:a16="http://schemas.microsoft.com/office/drawing/2014/main" id="{746C00D7-027B-C748-C12E-473B5F442EAF}"/>
+              </a:ext>
+            </a:extLst>
+          </p:cNvPr>
+          <p:cNvSpPr/>
+          <p:nvPr/>
+        </p:nvSpPr>
+        <p:spPr>
+          <a:xfrm>
+            <a:off x="5879184" y="3180717"/>
+            <a:ext cx="339356" cy="358219"/>
+          </a:xfrm>
+          <a:prstGeom prst="ellipse">
+            <a:avLst/>
+          </a:prstGeom>
+          <a:solidFill>
+            <a:schemeClr val="accent2">
+              <a:lumMod val="75000"/>
+            </a:schemeClr>
+          </a:solidFill>
+        </p:spPr>
+        <p:style>
+          <a:lnRef idx="2">
+            <a:schemeClr val="accent1">
+              <a:shade val="50000"/>
+            </a:schemeClr>
+          </a:lnRef>
+          <a:fillRef idx="1">
+            <a:schemeClr val="accent1"/>
+          </a:fillRef>
+          <a:effectRef idx="0">
+            <a:schemeClr val="accent1"/>
+          </a:effectRef>
+          <a:fontRef idx="minor">
+            <a:schemeClr val="lt1"/>
+          </a:fontRef>
+        </p:style>
+        <p:txBody>
+          <a:bodyPr rtlCol="0" anchor="ctr"/>
+          <a:lstStyle/>
+          <a:p>
+            <a:pPr algn="ctr"/>
+            <a:r>
+              <a:rPr lang="en-US" sz="1400" b="1" dirty="0">
+                <a:latin typeface="Verdana" panose="020B0604030504040204" pitchFamily="34" charset="0"/>
+                <a:ea typeface="Verdana" panose="020B0604030504040204" pitchFamily="34" charset="0"/>
+              </a:rPr>
+              <a:t>2</a:t>
+            </a:r>
+          </a:p>
+        </p:txBody>
+      </p:sp>
+      <p:sp>
+        <p:nvSpPr>
+          <p:cNvPr id="26" name="Oval 25">
+            <a:extLst>
+              <a:ext uri="{FF2B5EF4-FFF2-40B4-BE49-F238E27FC236}">
+                <a16:creationId xmlns:a16="http://schemas.microsoft.com/office/drawing/2014/main" id="{21853EBE-7F75-8C45-0396-F06F9FD6FB3F}"/>
+              </a:ext>
+            </a:extLst>
+          </p:cNvPr>
+          <p:cNvSpPr/>
+          <p:nvPr/>
+        </p:nvSpPr>
+        <p:spPr>
+          <a:xfrm>
+            <a:off x="8322518" y="3070781"/>
+            <a:ext cx="339356" cy="358219"/>
+          </a:xfrm>
+          <a:prstGeom prst="ellipse">
+            <a:avLst/>
+          </a:prstGeom>
+          <a:solidFill>
+            <a:schemeClr val="accent2">
+              <a:lumMod val="75000"/>
+            </a:schemeClr>
+          </a:solidFill>
+        </p:spPr>
+        <p:style>
+          <a:lnRef idx="2">
+            <a:schemeClr val="accent1">
+              <a:shade val="50000"/>
+            </a:schemeClr>
+          </a:lnRef>
+          <a:fillRef idx="1">
+            <a:schemeClr val="accent1"/>
+          </a:fillRef>
+          <a:effectRef idx="0">
+            <a:schemeClr val="accent1"/>
+          </a:effectRef>
+          <a:fontRef idx="minor">
+            <a:schemeClr val="lt1"/>
+          </a:fontRef>
+        </p:style>
+        <p:txBody>
+          <a:bodyPr rtlCol="0" anchor="ctr"/>
+          <a:lstStyle/>
+          <a:p>
+            <a:pPr algn="ctr"/>
+            <a:r>
+              <a:rPr lang="en-US" sz="1400" b="1" dirty="0">
+                <a:latin typeface="Verdana" panose="020B0604030504040204" pitchFamily="34" charset="0"/>
+                <a:ea typeface="Verdana" panose="020B0604030504040204" pitchFamily="34" charset="0"/>
+              </a:rPr>
+              <a:t>3</a:t>
+            </a:r>
+          </a:p>
+        </p:txBody>
+      </p:sp>
+      <p:sp>
+        <p:nvSpPr>
+          <p:cNvPr id="27" name="Oval 26">
+            <a:extLst>
+              <a:ext uri="{FF2B5EF4-FFF2-40B4-BE49-F238E27FC236}">
+                <a16:creationId xmlns:a16="http://schemas.microsoft.com/office/drawing/2014/main" id="{38B5F783-7974-E4CE-9C10-8E9CCAD393E2}"/>
+              </a:ext>
+            </a:extLst>
+          </p:cNvPr>
+          <p:cNvSpPr/>
+          <p:nvPr/>
+        </p:nvSpPr>
+        <p:spPr>
+          <a:xfrm>
+            <a:off x="11701560" y="1611983"/>
+            <a:ext cx="339356" cy="358219"/>
+          </a:xfrm>
+          <a:prstGeom prst="ellipse">
+            <a:avLst/>
+          </a:prstGeom>
+          <a:solidFill>
+            <a:schemeClr val="accent2">
+              <a:lumMod val="75000"/>
+            </a:schemeClr>
+          </a:solidFill>
+        </p:spPr>
+        <p:style>
+          <a:lnRef idx="2">
+            <a:schemeClr val="accent1">
+              <a:shade val="50000"/>
+            </a:schemeClr>
+          </a:lnRef>
+          <a:fillRef idx="1">
+            <a:schemeClr val="accent1"/>
+          </a:fillRef>
+          <a:effectRef idx="0">
+            <a:schemeClr val="accent1"/>
+          </a:effectRef>
+          <a:fontRef idx="minor">
+            <a:schemeClr val="lt1"/>
+          </a:fontRef>
+        </p:style>
+        <p:txBody>
+          <a:bodyPr rtlCol="0" anchor="ctr"/>
+          <a:lstStyle/>
+          <a:p>
+            <a:pPr algn="ctr"/>
+            <a:r>
+              <a:rPr lang="en-US" sz="1400" b="1" dirty="0">
+                <a:latin typeface="Verdana" panose="020B0604030504040204" pitchFamily="34" charset="0"/>
+                <a:ea typeface="Verdana" panose="020B0604030504040204" pitchFamily="34" charset="0"/>
+              </a:rPr>
+              <a:t>4</a:t>
+            </a:r>
+          </a:p>
+        </p:txBody>
+      </p:sp>
+      <p:cxnSp>
+        <p:nvCxnSpPr>
+          <p:cNvPr id="30" name="Straight Arrow Connector 29">
+            <a:extLst>
+              <a:ext uri="{FF2B5EF4-FFF2-40B4-BE49-F238E27FC236}">
+                <a16:creationId xmlns:a16="http://schemas.microsoft.com/office/drawing/2014/main" id="{806EE8AA-FF34-1845-BBB3-9AE8B4D0677A}"/>
+              </a:ext>
+            </a:extLst>
+          </p:cNvPr>
+          <p:cNvCxnSpPr/>
+          <p:nvPr/>
+        </p:nvCxnSpPr>
+        <p:spPr>
+          <a:xfrm>
+            <a:off x="3648176" y="2394408"/>
+            <a:ext cx="997665" cy="0"/>
+          </a:xfrm>
+          <a:prstGeom prst="straightConnector1">
+            <a:avLst/>
+          </a:prstGeom>
+          <a:ln>
+            <a:solidFill>
+              <a:schemeClr val="accent2">
+                <a:lumMod val="75000"/>
+              </a:schemeClr>
+            </a:solidFill>
+            <a:tailEnd type="triangle"/>
+          </a:ln>
+        </p:spPr>
+        <p:style>
+          <a:lnRef idx="3">
+            <a:schemeClr val="accent2"/>
+          </a:lnRef>
+          <a:fillRef idx="0">
+            <a:schemeClr val="accent2"/>
+          </a:fillRef>
+          <a:effectRef idx="2">
+            <a:schemeClr val="accent2"/>
+          </a:effectRef>
+          <a:fontRef idx="minor">
+            <a:schemeClr val="tx1"/>
+          </a:fontRef>
+        </p:style>
+      </p:cxnSp>
+      <p:cxnSp>
+        <p:nvCxnSpPr>
+          <p:cNvPr id="31" name="Straight Arrow Connector 30">
+            <a:extLst>
+              <a:ext uri="{FF2B5EF4-FFF2-40B4-BE49-F238E27FC236}">
+                <a16:creationId xmlns:a16="http://schemas.microsoft.com/office/drawing/2014/main" id="{38A20139-4CF5-595E-56E8-AFB93CE756F3}"/>
+              </a:ext>
+            </a:extLst>
+          </p:cNvPr>
+          <p:cNvCxnSpPr>
+            <a:cxnSpLocks/>
+            <a:stCxn id="15" idx="3"/>
+          </p:cNvCxnSpPr>
+          <p:nvPr/>
+        </p:nvCxnSpPr>
+        <p:spPr>
+          <a:xfrm flipV="1">
+            <a:off x="5830474" y="1993770"/>
+            <a:ext cx="1123370" cy="207389"/>
+          </a:xfrm>
+          <a:prstGeom prst="straightConnector1">
+            <a:avLst/>
+          </a:prstGeom>
+          <a:ln>
+            <a:solidFill>
+              <a:schemeClr val="accent2">
+                <a:lumMod val="75000"/>
+              </a:schemeClr>
+            </a:solidFill>
+            <a:tailEnd type="triangle"/>
+          </a:ln>
+        </p:spPr>
+        <p:style>
+          <a:lnRef idx="3">
+            <a:schemeClr val="accent2"/>
+          </a:lnRef>
+          <a:fillRef idx="0">
+            <a:schemeClr val="accent2"/>
+          </a:fillRef>
+          <a:effectRef idx="2">
+            <a:schemeClr val="accent2"/>
+          </a:effectRef>
+          <a:fontRef idx="minor">
+            <a:schemeClr val="tx1"/>
+          </a:fontRef>
+        </p:style>
+      </p:cxnSp>
+      <p:cxnSp>
+        <p:nvCxnSpPr>
+          <p:cNvPr id="34" name="Straight Arrow Connector 33">
+            <a:extLst>
+              <a:ext uri="{FF2B5EF4-FFF2-40B4-BE49-F238E27FC236}">
+                <a16:creationId xmlns:a16="http://schemas.microsoft.com/office/drawing/2014/main" id="{0814023E-0B0F-86FD-4819-BCB6AF69A294}"/>
+              </a:ext>
+            </a:extLst>
+          </p:cNvPr>
+          <p:cNvCxnSpPr>
+            <a:cxnSpLocks/>
+            <a:endCxn id="10" idx="2"/>
+          </p:cNvCxnSpPr>
+          <p:nvPr/>
+        </p:nvCxnSpPr>
+        <p:spPr>
+          <a:xfrm flipV="1">
+            <a:off x="8138477" y="1593130"/>
+            <a:ext cx="1842933" cy="10998"/>
+          </a:xfrm>
+          <a:prstGeom prst="straightConnector1">
+            <a:avLst/>
+          </a:prstGeom>
+          <a:ln>
+            <a:solidFill>
+              <a:schemeClr val="accent2">
+                <a:lumMod val="75000"/>
+              </a:schemeClr>
+            </a:solidFill>
+            <a:tailEnd type="triangle"/>
+          </a:ln>
+        </p:spPr>
+        <p:style>
+          <a:lnRef idx="3">
+            <a:schemeClr val="accent2"/>
+          </a:lnRef>
+          <a:fillRef idx="0">
+            <a:schemeClr val="accent2"/>
+          </a:fillRef>
+          <a:effectRef idx="2">
+            <a:schemeClr val="accent2"/>
+          </a:effectRef>
+          <a:fontRef idx="minor">
+            <a:schemeClr val="tx1"/>
+          </a:fontRef>
+        </p:style>
+      </p:cxnSp>
+      <p:sp>
+        <p:nvSpPr>
+          <p:cNvPr id="38" name="Rectangle: Beveled 37">
+            <a:extLst>
+              <a:ext uri="{FF2B5EF4-FFF2-40B4-BE49-F238E27FC236}">
+                <a16:creationId xmlns:a16="http://schemas.microsoft.com/office/drawing/2014/main" id="{30032567-D4AC-54E0-BB0D-05BC4D8D64A8}"/>
+              </a:ext>
+            </a:extLst>
+          </p:cNvPr>
+          <p:cNvSpPr/>
+          <p:nvPr/>
+        </p:nvSpPr>
+        <p:spPr>
+          <a:xfrm>
+            <a:off x="9180918" y="5015296"/>
+            <a:ext cx="953686" cy="697585"/>
+          </a:xfrm>
+          <a:prstGeom prst="bevel">
+            <a:avLst/>
+          </a:prstGeom>
+          <a:solidFill>
+            <a:schemeClr val="accent4">
+              <a:lumMod val="75000"/>
+            </a:schemeClr>
+          </a:solidFill>
+        </p:spPr>
+        <p:style>
+          <a:lnRef idx="2">
+            <a:schemeClr val="accent1">
+              <a:shade val="50000"/>
+            </a:schemeClr>
+          </a:lnRef>
+          <a:fillRef idx="1">
+            <a:schemeClr val="accent1"/>
+          </a:fillRef>
+          <a:effectRef idx="0">
+            <a:schemeClr val="accent1"/>
+          </a:effectRef>
+          <a:fontRef idx="minor">
+            <a:schemeClr val="lt1"/>
+          </a:fontRef>
+        </p:style>
+        <p:txBody>
+          <a:bodyPr rtlCol="0" anchor="ctr"/>
+          <a:lstStyle/>
+          <a:p>
+            <a:pPr algn="ctr"/>
+            <a:r>
+              <a:rPr lang="en-US" sz="1200" b="1" dirty="0">
+                <a:latin typeface="Verdana" panose="020B0604030504040204" pitchFamily="34" charset="0"/>
+                <a:ea typeface="Verdana" panose="020B0604030504040204" pitchFamily="34" charset="0"/>
+              </a:rPr>
+              <a:t>Clean Up Job</a:t>
+            </a:r>
+          </a:p>
+        </p:txBody>
+      </p:sp>
+      <p:cxnSp>
+        <p:nvCxnSpPr>
+          <p:cNvPr id="40" name="Straight Arrow Connector 39">
+            <a:extLst>
+              <a:ext uri="{FF2B5EF4-FFF2-40B4-BE49-F238E27FC236}">
+                <a16:creationId xmlns:a16="http://schemas.microsoft.com/office/drawing/2014/main" id="{83243605-6F0F-8BB0-D24C-F0DE1879B8C2}"/>
+              </a:ext>
+            </a:extLst>
+          </p:cNvPr>
+          <p:cNvCxnSpPr>
+            <a:stCxn id="38" idx="4"/>
+            <a:endCxn id="7" idx="3"/>
+          </p:cNvCxnSpPr>
+          <p:nvPr/>
+        </p:nvCxnSpPr>
+        <p:spPr>
+          <a:xfrm flipH="1" flipV="1">
+            <a:off x="8795208" y="5363852"/>
+            <a:ext cx="385710" cy="237"/>
+          </a:xfrm>
+          <a:prstGeom prst="straightConnector1">
+            <a:avLst/>
+          </a:prstGeom>
+          <a:ln>
+            <a:tailEnd type="triangle"/>
+          </a:ln>
+        </p:spPr>
+        <p:style>
+          <a:lnRef idx="1">
+            <a:schemeClr val="accent1"/>
+          </a:lnRef>
+          <a:fillRef idx="0">
+            <a:schemeClr val="accent1"/>
+          </a:fillRef>
+          <a:effectRef idx="0">
+            <a:schemeClr val="accent1"/>
+          </a:effectRef>
+          <a:fontRef idx="minor">
+            <a:schemeClr val="tx1"/>
+          </a:fontRef>
+        </p:style>
+      </p:cxnSp>
+      <p:sp>
+        <p:nvSpPr>
+          <p:cNvPr id="42" name="Hexagon 41">
+            <a:extLst>
+              <a:ext uri="{FF2B5EF4-FFF2-40B4-BE49-F238E27FC236}">
+                <a16:creationId xmlns:a16="http://schemas.microsoft.com/office/drawing/2014/main" id="{DE44D164-78E2-7541-709D-B53D5DE4C700}"/>
+              </a:ext>
+            </a:extLst>
+          </p:cNvPr>
+          <p:cNvSpPr/>
+          <p:nvPr/>
+        </p:nvSpPr>
+        <p:spPr>
+          <a:xfrm>
+            <a:off x="10342780" y="3429000"/>
+            <a:ext cx="966255" cy="758079"/>
+          </a:xfrm>
+          <a:prstGeom prst="hexagon">
+            <a:avLst/>
+          </a:prstGeom>
+          <a:solidFill>
+            <a:srgbClr val="7030A0"/>
+          </a:solidFill>
+        </p:spPr>
+        <p:style>
+          <a:lnRef idx="2">
+            <a:schemeClr val="accent1">
+              <a:shade val="50000"/>
+            </a:schemeClr>
+          </a:lnRef>
+          <a:fillRef idx="1">
+            <a:schemeClr val="accent1"/>
+          </a:fillRef>
+          <a:effectRef idx="0">
+            <a:schemeClr val="accent1"/>
+          </a:effectRef>
+          <a:fontRef idx="minor">
+            <a:schemeClr val="lt1"/>
+          </a:fontRef>
+        </p:style>
+        <p:txBody>
+          <a:bodyPr rtlCol="0" anchor="ctr"/>
+          <a:lstStyle/>
+          <a:p>
+            <a:pPr algn="ctr"/>
+            <a:r>
+              <a:rPr lang="en-US" sz="1200" dirty="0">
+                <a:latin typeface="Verdana" panose="020B0604030504040204" pitchFamily="34" charset="0"/>
+                <a:ea typeface="Verdana" panose="020B0604030504040204" pitchFamily="34" charset="0"/>
+              </a:rPr>
+              <a:t>Rabbit MQ</a:t>
+            </a:r>
+          </a:p>
+        </p:txBody>
+      </p:sp>
+      <p:cxnSp>
+        <p:nvCxnSpPr>
+          <p:cNvPr id="44" name="Straight Arrow Connector 43">
+            <a:extLst>
+              <a:ext uri="{FF2B5EF4-FFF2-40B4-BE49-F238E27FC236}">
+                <a16:creationId xmlns:a16="http://schemas.microsoft.com/office/drawing/2014/main" id="{8A973CD5-BACA-0587-574B-FF61FA4C3B46}"/>
+              </a:ext>
+            </a:extLst>
+          </p:cNvPr>
+          <p:cNvCxnSpPr>
+            <a:stCxn id="10" idx="3"/>
+          </p:cNvCxnSpPr>
+          <p:nvPr/>
+        </p:nvCxnSpPr>
+        <p:spPr>
+          <a:xfrm>
+            <a:off x="10792116" y="2592371"/>
+            <a:ext cx="11002" cy="836629"/>
+          </a:xfrm>
+          <a:prstGeom prst="straightConnector1">
+            <a:avLst/>
+          </a:prstGeom>
+          <a:ln>
+            <a:tailEnd type="triangle"/>
+          </a:ln>
+        </p:spPr>
+        <p:style>
+          <a:lnRef idx="1">
+            <a:schemeClr val="accent1"/>
+          </a:lnRef>
+          <a:fillRef idx="0">
+            <a:schemeClr val="accent1"/>
+          </a:fillRef>
+          <a:effectRef idx="0">
+            <a:schemeClr val="accent1"/>
+          </a:effectRef>
+          <a:fontRef idx="minor">
+            <a:schemeClr val="tx1"/>
+          </a:fontRef>
+        </p:style>
+      </p:cxnSp>
+      <p:sp>
+        <p:nvSpPr>
+          <p:cNvPr id="46" name="Oval 45">
+            <a:extLst>
+              <a:ext uri="{FF2B5EF4-FFF2-40B4-BE49-F238E27FC236}">
+                <a16:creationId xmlns:a16="http://schemas.microsoft.com/office/drawing/2014/main" id="{24103BCA-347F-4552-CF6C-1A84C2B1FA00}"/>
+              </a:ext>
+            </a:extLst>
+          </p:cNvPr>
+          <p:cNvSpPr/>
+          <p:nvPr/>
+        </p:nvSpPr>
+        <p:spPr>
+          <a:xfrm>
+            <a:off x="10085120" y="4371745"/>
+            <a:ext cx="812274" cy="697585"/>
+          </a:xfrm>
+          <a:prstGeom prst="ellipse">
+            <a:avLst/>
+          </a:prstGeom>
+          <a:solidFill>
+            <a:srgbClr val="7030A0"/>
+          </a:solidFill>
+        </p:spPr>
+        <p:style>
+          <a:lnRef idx="2">
+            <a:schemeClr val="accent1">
+              <a:shade val="50000"/>
+            </a:schemeClr>
+          </a:lnRef>
+          <a:fillRef idx="1">
+            <a:schemeClr val="accent1"/>
+          </a:fillRef>
+          <a:effectRef idx="0">
+            <a:schemeClr val="accent1"/>
+          </a:effectRef>
+          <a:fontRef idx="minor">
+            <a:schemeClr val="lt1"/>
+          </a:fontRef>
+        </p:style>
+        <p:txBody>
+          <a:bodyPr rtlCol="0" anchor="ctr"/>
+          <a:lstStyle/>
+          <a:p>
+            <a:pPr algn="ctr"/>
+            <a:r>
+              <a:rPr lang="en-US" sz="900" b="1" dirty="0">
+                <a:latin typeface="Verdana" panose="020B0604030504040204" pitchFamily="34" charset="0"/>
+                <a:ea typeface="Verdana" panose="020B0604030504040204" pitchFamily="34" charset="0"/>
+              </a:rPr>
+              <a:t>Temp to </a:t>
+            </a:r>
+            <a:r>
+              <a:rPr lang="en-US" sz="900" b="1" dirty="0" err="1">
+                <a:latin typeface="Verdana" panose="020B0604030504040204" pitchFamily="34" charset="0"/>
+                <a:ea typeface="Verdana" panose="020B0604030504040204" pitchFamily="34" charset="0"/>
+              </a:rPr>
+              <a:t>Dest</a:t>
+            </a:r>
+            <a:endParaRPr lang="en-US" sz="900" b="1" dirty="0">
+              <a:latin typeface="Verdana" panose="020B0604030504040204" pitchFamily="34" charset="0"/>
+              <a:ea typeface="Verdana" panose="020B0604030504040204" pitchFamily="34" charset="0"/>
+            </a:endParaRPr>
+          </a:p>
+        </p:txBody>
+      </p:sp>
+      <p:sp>
+        <p:nvSpPr>
+          <p:cNvPr id="49" name="Oval 48">
+            <a:extLst>
+              <a:ext uri="{FF2B5EF4-FFF2-40B4-BE49-F238E27FC236}">
+                <a16:creationId xmlns:a16="http://schemas.microsoft.com/office/drawing/2014/main" id="{FA6172B3-CE39-3CE5-9080-A55EA93BFC98}"/>
+              </a:ext>
+            </a:extLst>
+          </p:cNvPr>
+          <p:cNvSpPr/>
+          <p:nvPr/>
+        </p:nvSpPr>
+        <p:spPr>
+          <a:xfrm>
+            <a:off x="10889287" y="2680088"/>
+            <a:ext cx="812273" cy="535751"/>
+          </a:xfrm>
+          <a:prstGeom prst="ellipse">
+            <a:avLst/>
+          </a:prstGeom>
+          <a:solidFill>
+            <a:srgbClr val="7030A0"/>
+          </a:solidFill>
+        </p:spPr>
+        <p:style>
+          <a:lnRef idx="2">
+            <a:schemeClr val="accent1">
+              <a:shade val="50000"/>
+            </a:schemeClr>
+          </a:lnRef>
+          <a:fillRef idx="1">
+            <a:schemeClr val="accent1"/>
+          </a:fillRef>
+          <a:effectRef idx="0">
+            <a:schemeClr val="accent1"/>
+          </a:effectRef>
+          <a:fontRef idx="minor">
+            <a:schemeClr val="lt1"/>
+          </a:fontRef>
+        </p:style>
+        <p:txBody>
+          <a:bodyPr rtlCol="0" anchor="ctr"/>
+          <a:lstStyle/>
+          <a:p>
+            <a:pPr algn="ctr"/>
+            <a:r>
+              <a:rPr lang="en-US" sz="1200" dirty="0">
+                <a:latin typeface="Verdana" panose="020B0604030504040204" pitchFamily="34" charset="0"/>
+                <a:ea typeface="Verdana" panose="020B0604030504040204" pitchFamily="34" charset="0"/>
+              </a:rPr>
+              <a:t>CD to Q</a:t>
+            </a:r>
+          </a:p>
+        </p:txBody>
+      </p:sp>
+      <p:sp>
+        <p:nvSpPr>
+          <p:cNvPr id="51" name="Oval 50">
+            <a:extLst>
+              <a:ext uri="{FF2B5EF4-FFF2-40B4-BE49-F238E27FC236}">
+                <a16:creationId xmlns:a16="http://schemas.microsoft.com/office/drawing/2014/main" id="{DAE4FFE9-5C51-FA24-C904-88A0941DAB02}"/>
+              </a:ext>
+            </a:extLst>
+          </p:cNvPr>
+          <p:cNvSpPr/>
+          <p:nvPr/>
+        </p:nvSpPr>
+        <p:spPr>
+          <a:xfrm>
+            <a:off x="10935103" y="4396154"/>
+            <a:ext cx="1131206" cy="697585"/>
+          </a:xfrm>
+          <a:prstGeom prst="ellipse">
+            <a:avLst/>
+          </a:prstGeom>
+          <a:solidFill>
+            <a:srgbClr val="7030A0"/>
+          </a:solidFill>
+        </p:spPr>
+        <p:style>
+          <a:lnRef idx="2">
+            <a:schemeClr val="accent1">
+              <a:shade val="50000"/>
+            </a:schemeClr>
+          </a:lnRef>
+          <a:fillRef idx="1">
+            <a:schemeClr val="accent1"/>
+          </a:fillRef>
+          <a:effectRef idx="0">
+            <a:schemeClr val="accent1"/>
+          </a:effectRef>
+          <a:fontRef idx="minor">
+            <a:schemeClr val="lt1"/>
+          </a:fontRef>
+        </p:style>
+        <p:txBody>
+          <a:bodyPr rtlCol="0" anchor="ctr"/>
+          <a:lstStyle/>
+          <a:p>
+            <a:pPr algn="ctr"/>
+            <a:r>
+              <a:rPr lang="en-US" sz="900" b="1" dirty="0">
+                <a:latin typeface="Verdana" panose="020B0604030504040204" pitchFamily="34" charset="0"/>
+                <a:ea typeface="Verdana" panose="020B0604030504040204" pitchFamily="34" charset="0"/>
+              </a:rPr>
+              <a:t>Orphan Removal</a:t>
+            </a:r>
+          </a:p>
+        </p:txBody>
+      </p:sp>
+    </p:spTree>
+    <p:extLst>
+      <p:ext uri="{BB962C8B-B14F-4D97-AF65-F5344CB8AC3E}">
+        <p14:creationId xmlns:p14="http://schemas.microsoft.com/office/powerpoint/2010/main" val="3487916676"/>
+      </p:ext>
+    </p:extLst>
+  </p:cSld>
+  <p:clrMapOvr>
+    <a:masterClrMapping/>
+  </p:clrMapOvr>
+</p:sld>
+</file>
+
+<file path=ppt/slides/slide6.xml><?xml version="1.0" encoding="utf-8"?>
 <p:sld xmlns:a="http://schemas.openxmlformats.org/drawingml/2006/main" xmlns:r="http://schemas.openxmlformats.org/officeDocument/2006/relationships" xmlns:p="http://schemas.openxmlformats.org/presentationml/2006/main">
   <p:cSld>
     <p:spTree>
@@ -36753,7 +38601,7 @@
 </p:sld>
 </file>
 
-<file path=ppt/slides/slide6.xml><?xml version="1.0" encoding="utf-8"?>
+<file path=ppt/slides/slide7.xml><?xml version="1.0" encoding="utf-8"?>
 <p:sld xmlns:a="http://schemas.openxmlformats.org/drawingml/2006/main" xmlns:r="http://schemas.openxmlformats.org/officeDocument/2006/relationships" xmlns:p="http://schemas.openxmlformats.org/presentationml/2006/main">
   <p:cSld>
     <p:spTree>
@@ -37176,7 +39024,7 @@
 </p:sld>
 </file>
 
-<file path=ppt/slides/slide7.xml><?xml version="1.0" encoding="utf-8"?>
+<file path=ppt/slides/slide8.xml><?xml version="1.0" encoding="utf-8"?>
 <p:sld xmlns:a="http://schemas.openxmlformats.org/drawingml/2006/main" xmlns:r="http://schemas.openxmlformats.org/officeDocument/2006/relationships" xmlns:p="http://schemas.openxmlformats.org/presentationml/2006/main">
   <p:cSld>
     <p:spTree>
@@ -37981,7 +39829,7 @@
 </p:sld>
 </file>
 
-<file path=ppt/slides/slide8.xml><?xml version="1.0" encoding="utf-8"?>
+<file path=ppt/slides/slide9.xml><?xml version="1.0" encoding="utf-8"?>
 <p:sld xmlns:a="http://schemas.openxmlformats.org/drawingml/2006/main" xmlns:r="http://schemas.openxmlformats.org/officeDocument/2006/relationships" xmlns:p="http://schemas.openxmlformats.org/presentationml/2006/main">
   <p:cSld>
     <p:bg>
@@ -38200,118 +40048,6 @@
     <p:extLst>
       <p:ext uri="{BB962C8B-B14F-4D97-AF65-F5344CB8AC3E}">
         <p14:creationId xmlns:p14="http://schemas.microsoft.com/office/powerpoint/2010/main" val="3083312806"/>
-      </p:ext>
-    </p:extLst>
-  </p:cSld>
-  <p:clrMapOvr>
-    <a:masterClrMapping/>
-  </p:clrMapOvr>
-</p:sld>
-</file>
-
-<file path=ppt/slides/slide9.xml><?xml version="1.0" encoding="utf-8"?>
-<p:sld xmlns:a="http://schemas.openxmlformats.org/drawingml/2006/main" xmlns:r="http://schemas.openxmlformats.org/officeDocument/2006/relationships" xmlns:p="http://schemas.openxmlformats.org/presentationml/2006/main">
-  <p:cSld>
-    <p:spTree>
-      <p:nvGrpSpPr>
-        <p:cNvPr id="1" name=""/>
-        <p:cNvGrpSpPr/>
-        <p:nvPr/>
-      </p:nvGrpSpPr>
-      <p:grpSpPr>
-        <a:xfrm>
-          <a:off x="0" y="0"/>
-          <a:ext cx="0" cy="0"/>
-          <a:chOff x="0" y="0"/>
-          <a:chExt cx="0" cy="0"/>
-        </a:xfrm>
-      </p:grpSpPr>
-      <p:pic>
-        <p:nvPicPr>
-          <p:cNvPr id="7" name="Picture 6" descr="Graphical user interface, text, application, website&#10;&#10;Description automatically generated">
-            <a:extLst>
-              <a:ext uri="{FF2B5EF4-FFF2-40B4-BE49-F238E27FC236}">
-                <a16:creationId xmlns:a16="http://schemas.microsoft.com/office/drawing/2014/main" id="{F7BE3A76-BBCA-C34D-3EFB-E1F5F764C4B3}"/>
-              </a:ext>
-            </a:extLst>
-          </p:cNvPr>
-          <p:cNvPicPr>
-            <a:picLocks noChangeAspect="1"/>
-          </p:cNvPicPr>
-          <p:nvPr/>
-        </p:nvPicPr>
-        <p:blipFill>
-          <a:blip r:embed="rId2">
-            <a:extLst>
-              <a:ext uri="{28A0092B-C50C-407E-A947-70E740481C1C}">
-                <a14:useLocalDpi xmlns:a14="http://schemas.microsoft.com/office/drawing/2010/main" val="0"/>
-              </a:ext>
-            </a:extLst>
-          </a:blip>
-          <a:stretch>
-            <a:fillRect/>
-          </a:stretch>
-        </p:blipFill>
-        <p:spPr>
-          <a:xfrm>
-            <a:off x="59303" y="4034672"/>
-            <a:ext cx="12073394" cy="2795047"/>
-          </a:xfrm>
-          <a:prstGeom prst="rect">
-            <a:avLst/>
-          </a:prstGeom>
-          <a:ln>
-            <a:solidFill>
-              <a:schemeClr val="accent1"/>
-            </a:solidFill>
-          </a:ln>
-        </p:spPr>
-      </p:pic>
-      <p:pic>
-        <p:nvPicPr>
-          <p:cNvPr id="11" name="Picture 10" descr="Text&#10;&#10;Description automatically generated">
-            <a:extLst>
-              <a:ext uri="{FF2B5EF4-FFF2-40B4-BE49-F238E27FC236}">
-                <a16:creationId xmlns:a16="http://schemas.microsoft.com/office/drawing/2014/main" id="{8C3514FA-6DEC-0D4D-BD0F-59806B7D3AC0}"/>
-              </a:ext>
-            </a:extLst>
-          </p:cNvPr>
-          <p:cNvPicPr>
-            <a:picLocks noChangeAspect="1"/>
-          </p:cNvPicPr>
-          <p:nvPr/>
-        </p:nvPicPr>
-        <p:blipFill>
-          <a:blip r:embed="rId3">
-            <a:extLst>
-              <a:ext uri="{28A0092B-C50C-407E-A947-70E740481C1C}">
-                <a14:useLocalDpi xmlns:a14="http://schemas.microsoft.com/office/drawing/2010/main" val="0"/>
-              </a:ext>
-            </a:extLst>
-          </a:blip>
-          <a:stretch>
-            <a:fillRect/>
-          </a:stretch>
-        </p:blipFill>
-        <p:spPr>
-          <a:xfrm>
-            <a:off x="49475" y="28281"/>
-            <a:ext cx="12099255" cy="3940404"/>
-          </a:xfrm>
-          <a:prstGeom prst="rect">
-            <a:avLst/>
-          </a:prstGeom>
-          <a:ln>
-            <a:solidFill>
-              <a:schemeClr val="accent1"/>
-            </a:solidFill>
-          </a:ln>
-        </p:spPr>
-      </p:pic>
-    </p:spTree>
-    <p:extLst>
-      <p:ext uri="{BB962C8B-B14F-4D97-AF65-F5344CB8AC3E}">
-        <p14:creationId xmlns:p14="http://schemas.microsoft.com/office/powerpoint/2010/main" val="1846930178"/>
       </p:ext>
     </p:extLst>
   </p:cSld>

--- a/Documentation/Architecture.pptx
+++ b/Documentation/Architecture.pptx
@@ -10,21 +10,23 @@
     <p:sldId id="349" r:id="rId4"/>
     <p:sldId id="348" r:id="rId5"/>
     <p:sldId id="352" r:id="rId6"/>
-    <p:sldId id="344" r:id="rId7"/>
-    <p:sldId id="256" r:id="rId8"/>
-    <p:sldId id="343" r:id="rId9"/>
-    <p:sldId id="347" r:id="rId10"/>
-    <p:sldId id="346" r:id="rId11"/>
-    <p:sldId id="345" r:id="rId12"/>
-    <p:sldId id="282" r:id="rId13"/>
-    <p:sldId id="342" r:id="rId14"/>
-    <p:sldId id="341" r:id="rId15"/>
-    <p:sldId id="335" r:id="rId16"/>
-    <p:sldId id="336" r:id="rId17"/>
-    <p:sldId id="338" r:id="rId18"/>
-    <p:sldId id="337" r:id="rId19"/>
-    <p:sldId id="339" r:id="rId20"/>
-    <p:sldId id="334" r:id="rId21"/>
+    <p:sldId id="353" r:id="rId7"/>
+    <p:sldId id="354" r:id="rId8"/>
+    <p:sldId id="344" r:id="rId9"/>
+    <p:sldId id="256" r:id="rId10"/>
+    <p:sldId id="343" r:id="rId11"/>
+    <p:sldId id="347" r:id="rId12"/>
+    <p:sldId id="346" r:id="rId13"/>
+    <p:sldId id="345" r:id="rId14"/>
+    <p:sldId id="282" r:id="rId15"/>
+    <p:sldId id="342" r:id="rId16"/>
+    <p:sldId id="341" r:id="rId17"/>
+    <p:sldId id="335" r:id="rId18"/>
+    <p:sldId id="336" r:id="rId19"/>
+    <p:sldId id="338" r:id="rId20"/>
+    <p:sldId id="337" r:id="rId21"/>
+    <p:sldId id="339" r:id="rId22"/>
+    <p:sldId id="334" r:id="rId23"/>
   </p:sldIdLst>
   <p:sldSz cx="12192000" cy="6858000"/>
   <p:notesSz cx="6858000" cy="9144000"/>
@@ -286,7 +288,7 @@
           <a:p>
             <a:fld id="{DC2BF6E6-F863-479F-A057-0F7FF047E296}" type="datetimeFigureOut">
               <a:rPr lang="en-IN" smtClean="0"/>
-              <a:t>05-11-2022</a:t>
+              <a:t>26-11-2022</a:t>
             </a:fld>
             <a:endParaRPr lang="en-IN"/>
           </a:p>
@@ -486,7 +488,7 @@
           <a:p>
             <a:fld id="{DC2BF6E6-F863-479F-A057-0F7FF047E296}" type="datetimeFigureOut">
               <a:rPr lang="en-IN" smtClean="0"/>
-              <a:t>05-11-2022</a:t>
+              <a:t>26-11-2022</a:t>
             </a:fld>
             <a:endParaRPr lang="en-IN"/>
           </a:p>
@@ -696,7 +698,7 @@
           <a:p>
             <a:fld id="{DC2BF6E6-F863-479F-A057-0F7FF047E296}" type="datetimeFigureOut">
               <a:rPr lang="en-IN" smtClean="0"/>
-              <a:t>05-11-2022</a:t>
+              <a:t>26-11-2022</a:t>
             </a:fld>
             <a:endParaRPr lang="en-IN"/>
           </a:p>
@@ -896,7 +898,7 @@
           <a:p>
             <a:fld id="{DC2BF6E6-F863-479F-A057-0F7FF047E296}" type="datetimeFigureOut">
               <a:rPr lang="en-IN" smtClean="0"/>
-              <a:t>05-11-2022</a:t>
+              <a:t>26-11-2022</a:t>
             </a:fld>
             <a:endParaRPr lang="en-IN"/>
           </a:p>
@@ -1172,7 +1174,7 @@
           <a:p>
             <a:fld id="{DC2BF6E6-F863-479F-A057-0F7FF047E296}" type="datetimeFigureOut">
               <a:rPr lang="en-IN" smtClean="0"/>
-              <a:t>05-11-2022</a:t>
+              <a:t>26-11-2022</a:t>
             </a:fld>
             <a:endParaRPr lang="en-IN"/>
           </a:p>
@@ -1440,7 +1442,7 @@
           <a:p>
             <a:fld id="{DC2BF6E6-F863-479F-A057-0F7FF047E296}" type="datetimeFigureOut">
               <a:rPr lang="en-IN" smtClean="0"/>
-              <a:t>05-11-2022</a:t>
+              <a:t>26-11-2022</a:t>
             </a:fld>
             <a:endParaRPr lang="en-IN"/>
           </a:p>
@@ -1855,7 +1857,7 @@
           <a:p>
             <a:fld id="{DC2BF6E6-F863-479F-A057-0F7FF047E296}" type="datetimeFigureOut">
               <a:rPr lang="en-IN" smtClean="0"/>
-              <a:t>05-11-2022</a:t>
+              <a:t>26-11-2022</a:t>
             </a:fld>
             <a:endParaRPr lang="en-IN"/>
           </a:p>
@@ -1997,7 +1999,7 @@
           <a:p>
             <a:fld id="{DC2BF6E6-F863-479F-A057-0F7FF047E296}" type="datetimeFigureOut">
               <a:rPr lang="en-IN" smtClean="0"/>
-              <a:t>05-11-2022</a:t>
+              <a:t>26-11-2022</a:t>
             </a:fld>
             <a:endParaRPr lang="en-IN"/>
           </a:p>
@@ -2110,7 +2112,7 @@
           <a:p>
             <a:fld id="{DC2BF6E6-F863-479F-A057-0F7FF047E296}" type="datetimeFigureOut">
               <a:rPr lang="en-IN" smtClean="0"/>
-              <a:t>05-11-2022</a:t>
+              <a:t>26-11-2022</a:t>
             </a:fld>
             <a:endParaRPr lang="en-IN"/>
           </a:p>
@@ -2423,7 +2425,7 @@
           <a:p>
             <a:fld id="{DC2BF6E6-F863-479F-A057-0F7FF047E296}" type="datetimeFigureOut">
               <a:rPr lang="en-IN" smtClean="0"/>
-              <a:t>05-11-2022</a:t>
+              <a:t>26-11-2022</a:t>
             </a:fld>
             <a:endParaRPr lang="en-IN"/>
           </a:p>
@@ -2712,7 +2714,7 @@
           <a:p>
             <a:fld id="{DC2BF6E6-F863-479F-A057-0F7FF047E296}" type="datetimeFigureOut">
               <a:rPr lang="en-IN" smtClean="0"/>
-              <a:t>05-11-2022</a:t>
+              <a:t>26-11-2022</a:t>
             </a:fld>
             <a:endParaRPr lang="en-IN"/>
           </a:p>
@@ -2955,7 +2957,7 @@
           <a:p>
             <a:fld id="{DC2BF6E6-F863-479F-A057-0F7FF047E296}" type="datetimeFigureOut">
               <a:rPr lang="en-IN" smtClean="0"/>
-              <a:t>05-11-2022</a:t>
+              <a:t>26-11-2022</a:t>
             </a:fld>
             <a:endParaRPr lang="en-IN"/>
           </a:p>
@@ -6125,6 +6127,1039 @@
           <a:chExt cx="0" cy="0"/>
         </a:xfrm>
       </p:grpSpPr>
+      <p:sp>
+        <p:nvSpPr>
+          <p:cNvPr id="4" name="Rectangle: Rounded Corners 3">
+            <a:extLst>
+              <a:ext uri="{FF2B5EF4-FFF2-40B4-BE49-F238E27FC236}">
+                <a16:creationId xmlns:a16="http://schemas.microsoft.com/office/drawing/2014/main" id="{1073073B-0754-7CFA-45EC-1E1867BE9FDE}"/>
+              </a:ext>
+            </a:extLst>
+          </p:cNvPr>
+          <p:cNvSpPr/>
+          <p:nvPr/>
+        </p:nvSpPr>
+        <p:spPr>
+          <a:xfrm>
+            <a:off x="9210281" y="2088038"/>
+            <a:ext cx="1647825" cy="1600200"/>
+          </a:xfrm>
+          <a:prstGeom prst="roundRect">
+            <a:avLst/>
+          </a:prstGeom>
+        </p:spPr>
+        <p:style>
+          <a:lnRef idx="2">
+            <a:schemeClr val="accent4">
+              <a:shade val="50000"/>
+            </a:schemeClr>
+          </a:lnRef>
+          <a:fillRef idx="1">
+            <a:schemeClr val="accent4"/>
+          </a:fillRef>
+          <a:effectRef idx="0">
+            <a:schemeClr val="accent4"/>
+          </a:effectRef>
+          <a:fontRef idx="minor">
+            <a:schemeClr val="lt1"/>
+          </a:fontRef>
+        </p:style>
+        <p:txBody>
+          <a:bodyPr rtlCol="0" anchor="ctr"/>
+          <a:lstStyle/>
+          <a:p>
+            <a:pPr marL="0" marR="0" lvl="0" indent="0" algn="ctr" defTabSz="914400" rtl="0" eaLnBrk="1" fontAlgn="auto" latinLnBrk="0" hangingPunct="1">
+              <a:lnSpc>
+                <a:spcPct val="100000"/>
+              </a:lnSpc>
+              <a:spcBef>
+                <a:spcPts val="0"/>
+              </a:spcBef>
+              <a:spcAft>
+                <a:spcPts val="0"/>
+              </a:spcAft>
+              <a:buClrTx/>
+              <a:buSzTx/>
+              <a:buFontTx/>
+              <a:buNone/>
+              <a:tabLst/>
+              <a:defRPr/>
+            </a:pPr>
+            <a:r>
+              <a:rPr kumimoji="0" lang="en-US" sz="1800" b="1" i="0" u="sng" strike="noStrike" kern="1200" cap="none" spc="0" normalizeH="0" baseline="0" noProof="0" dirty="0">
+                <a:ln>
+                  <a:noFill/>
+                </a:ln>
+                <a:solidFill>
+                  <a:prstClr val="white"/>
+                </a:solidFill>
+                <a:effectLst/>
+                <a:uLnTx/>
+                <a:uFillTx/>
+                <a:latin typeface="Verdana" panose="020B0604030504040204" pitchFamily="34" charset="0"/>
+                <a:ea typeface="Verdana" panose="020B0604030504040204" pitchFamily="34" charset="0"/>
+              </a:rPr>
+              <a:t>Data Stores</a:t>
+            </a:r>
+          </a:p>
+          <a:p>
+            <a:pPr marL="0" marR="0" lvl="0" indent="0" algn="ctr" defTabSz="914400" rtl="0" eaLnBrk="1" fontAlgn="auto" latinLnBrk="0" hangingPunct="1">
+              <a:lnSpc>
+                <a:spcPct val="100000"/>
+              </a:lnSpc>
+              <a:spcBef>
+                <a:spcPts val="0"/>
+              </a:spcBef>
+              <a:spcAft>
+                <a:spcPts val="0"/>
+              </a:spcAft>
+              <a:buClrTx/>
+              <a:buSzTx/>
+              <a:buFontTx/>
+              <a:buNone/>
+              <a:tabLst/>
+              <a:defRPr/>
+            </a:pPr>
+            <a:r>
+              <a:rPr kumimoji="0" lang="en-US" sz="1800" b="0" i="0" u="none" strike="noStrike" kern="1200" cap="none" spc="0" normalizeH="0" baseline="0" noProof="0" dirty="0">
+                <a:ln>
+                  <a:noFill/>
+                </a:ln>
+                <a:solidFill>
+                  <a:prstClr val="white"/>
+                </a:solidFill>
+                <a:effectLst/>
+                <a:uLnTx/>
+                <a:uFillTx/>
+                <a:latin typeface="Verdana" panose="020B0604030504040204" pitchFamily="34" charset="0"/>
+                <a:ea typeface="Verdana" panose="020B0604030504040204" pitchFamily="34" charset="0"/>
+              </a:rPr>
+              <a:t>SQL</a:t>
+            </a:r>
+          </a:p>
+          <a:p>
+            <a:pPr marL="0" marR="0" lvl="0" indent="0" algn="ctr" defTabSz="914400" rtl="0" eaLnBrk="1" fontAlgn="auto" latinLnBrk="0" hangingPunct="1">
+              <a:lnSpc>
+                <a:spcPct val="100000"/>
+              </a:lnSpc>
+              <a:spcBef>
+                <a:spcPts val="0"/>
+              </a:spcBef>
+              <a:spcAft>
+                <a:spcPts val="0"/>
+              </a:spcAft>
+              <a:buClrTx/>
+              <a:buSzTx/>
+              <a:buFontTx/>
+              <a:buNone/>
+              <a:tabLst/>
+              <a:defRPr/>
+            </a:pPr>
+            <a:r>
+              <a:rPr kumimoji="0" lang="en-US" sz="1800" b="0" i="0" u="none" strike="noStrike" kern="1200" cap="none" spc="0" normalizeH="0" baseline="0" noProof="0" dirty="0">
+                <a:ln>
+                  <a:noFill/>
+                </a:ln>
+                <a:solidFill>
+                  <a:prstClr val="white"/>
+                </a:solidFill>
+                <a:effectLst/>
+                <a:uLnTx/>
+                <a:uFillTx/>
+                <a:latin typeface="Verdana" panose="020B0604030504040204" pitchFamily="34" charset="0"/>
+                <a:ea typeface="Verdana" panose="020B0604030504040204" pitchFamily="34" charset="0"/>
+              </a:rPr>
+              <a:t>Mongo</a:t>
+            </a:r>
+          </a:p>
+          <a:p>
+            <a:pPr marL="0" marR="0" lvl="0" indent="0" algn="ctr" defTabSz="914400" rtl="0" eaLnBrk="1" fontAlgn="auto" latinLnBrk="0" hangingPunct="1">
+              <a:lnSpc>
+                <a:spcPct val="100000"/>
+              </a:lnSpc>
+              <a:spcBef>
+                <a:spcPts val="0"/>
+              </a:spcBef>
+              <a:spcAft>
+                <a:spcPts val="0"/>
+              </a:spcAft>
+              <a:buClrTx/>
+              <a:buSzTx/>
+              <a:buFontTx/>
+              <a:buNone/>
+              <a:tabLst/>
+              <a:defRPr/>
+            </a:pPr>
+            <a:r>
+              <a:rPr kumimoji="0" lang="en-US" sz="1800" b="0" i="0" u="none" strike="noStrike" kern="1200" cap="none" spc="0" normalizeH="0" baseline="0" noProof="0" dirty="0">
+                <a:ln>
+                  <a:noFill/>
+                </a:ln>
+                <a:solidFill>
+                  <a:prstClr val="white"/>
+                </a:solidFill>
+                <a:effectLst/>
+                <a:uLnTx/>
+                <a:uFillTx/>
+                <a:latin typeface="Verdana" panose="020B0604030504040204" pitchFamily="34" charset="0"/>
+                <a:ea typeface="Verdana" panose="020B0604030504040204" pitchFamily="34" charset="0"/>
+              </a:rPr>
+              <a:t>PostgreSQL</a:t>
+            </a:r>
+            <a:endParaRPr kumimoji="0" lang="en-IN" sz="1800" b="0" i="0" u="none" strike="noStrike" kern="1200" cap="none" spc="0" normalizeH="0" baseline="0" noProof="0" dirty="0">
+              <a:ln>
+                <a:noFill/>
+              </a:ln>
+              <a:solidFill>
+                <a:prstClr val="white"/>
+              </a:solidFill>
+              <a:effectLst/>
+              <a:uLnTx/>
+              <a:uFillTx/>
+              <a:latin typeface="Verdana" panose="020B0604030504040204" pitchFamily="34" charset="0"/>
+              <a:ea typeface="Verdana" panose="020B0604030504040204" pitchFamily="34" charset="0"/>
+            </a:endParaRPr>
+          </a:p>
+        </p:txBody>
+      </p:sp>
+      <p:sp>
+        <p:nvSpPr>
+          <p:cNvPr id="5" name="Rectangle: Rounded Corners 4">
+            <a:extLst>
+              <a:ext uri="{FF2B5EF4-FFF2-40B4-BE49-F238E27FC236}">
+                <a16:creationId xmlns:a16="http://schemas.microsoft.com/office/drawing/2014/main" id="{493F6456-EEE3-A479-3ECF-8C90A900C235}"/>
+              </a:ext>
+            </a:extLst>
+          </p:cNvPr>
+          <p:cNvSpPr/>
+          <p:nvPr/>
+        </p:nvSpPr>
+        <p:spPr>
+          <a:xfrm>
+            <a:off x="6545038" y="2088038"/>
+            <a:ext cx="1890944" cy="1600200"/>
+          </a:xfrm>
+          <a:prstGeom prst="roundRect">
+            <a:avLst/>
+          </a:prstGeom>
+        </p:spPr>
+        <p:style>
+          <a:lnRef idx="2">
+            <a:schemeClr val="accent1">
+              <a:shade val="50000"/>
+            </a:schemeClr>
+          </a:lnRef>
+          <a:fillRef idx="1">
+            <a:schemeClr val="accent1"/>
+          </a:fillRef>
+          <a:effectRef idx="0">
+            <a:schemeClr val="accent1"/>
+          </a:effectRef>
+          <a:fontRef idx="minor">
+            <a:schemeClr val="lt1"/>
+          </a:fontRef>
+        </p:style>
+        <p:txBody>
+          <a:bodyPr rtlCol="0" anchor="ctr"/>
+          <a:lstStyle/>
+          <a:p>
+            <a:pPr marL="0" marR="0" lvl="0" indent="0" algn="ctr" defTabSz="914400" rtl="0" eaLnBrk="1" fontAlgn="auto" latinLnBrk="0" hangingPunct="1">
+              <a:lnSpc>
+                <a:spcPct val="100000"/>
+              </a:lnSpc>
+              <a:spcBef>
+                <a:spcPts val="0"/>
+              </a:spcBef>
+              <a:spcAft>
+                <a:spcPts val="0"/>
+              </a:spcAft>
+              <a:buClrTx/>
+              <a:buSzTx/>
+              <a:buFontTx/>
+              <a:buNone/>
+              <a:tabLst/>
+              <a:defRPr/>
+            </a:pPr>
+            <a:r>
+              <a:rPr kumimoji="0" lang="en-US" sz="1800" b="1" i="0" u="sng" strike="noStrike" kern="1200" cap="none" spc="0" normalizeH="0" baseline="0" noProof="0" dirty="0">
+                <a:ln>
+                  <a:noFill/>
+                </a:ln>
+                <a:solidFill>
+                  <a:prstClr val="white"/>
+                </a:solidFill>
+                <a:effectLst/>
+                <a:uLnTx/>
+                <a:uFillTx/>
+                <a:latin typeface="Verdana" panose="020B0604030504040204" pitchFamily="34" charset="0"/>
+                <a:ea typeface="Verdana" panose="020B0604030504040204" pitchFamily="34" charset="0"/>
+              </a:rPr>
+              <a:t>Middle Tiers</a:t>
+            </a:r>
+          </a:p>
+          <a:p>
+            <a:pPr marL="0" marR="0" lvl="0" indent="0" algn="ctr" defTabSz="914400" rtl="0" eaLnBrk="1" fontAlgn="auto" latinLnBrk="0" hangingPunct="1">
+              <a:lnSpc>
+                <a:spcPct val="100000"/>
+              </a:lnSpc>
+              <a:spcBef>
+                <a:spcPts val="0"/>
+              </a:spcBef>
+              <a:spcAft>
+                <a:spcPts val="0"/>
+              </a:spcAft>
+              <a:buClrTx/>
+              <a:buSzTx/>
+              <a:buFontTx/>
+              <a:buNone/>
+              <a:tabLst/>
+              <a:defRPr/>
+            </a:pPr>
+            <a:r>
+              <a:rPr kumimoji="0" lang="en-US" sz="1800" b="0" i="0" u="none" strike="noStrike" kern="1200" cap="none" spc="0" normalizeH="0" baseline="0" noProof="0" dirty="0">
+                <a:ln>
+                  <a:noFill/>
+                </a:ln>
+                <a:solidFill>
+                  <a:prstClr val="white"/>
+                </a:solidFill>
+                <a:effectLst/>
+                <a:uLnTx/>
+                <a:uFillTx/>
+                <a:latin typeface="Verdana" panose="020B0604030504040204" pitchFamily="34" charset="0"/>
+                <a:ea typeface="Verdana" panose="020B0604030504040204" pitchFamily="34" charset="0"/>
+              </a:rPr>
+              <a:t>Products</a:t>
+            </a:r>
+          </a:p>
+          <a:p>
+            <a:pPr marL="0" marR="0" lvl="0" indent="0" algn="ctr" defTabSz="914400" rtl="0" eaLnBrk="1" fontAlgn="auto" latinLnBrk="0" hangingPunct="1">
+              <a:lnSpc>
+                <a:spcPct val="100000"/>
+              </a:lnSpc>
+              <a:spcBef>
+                <a:spcPts val="0"/>
+              </a:spcBef>
+              <a:spcAft>
+                <a:spcPts val="0"/>
+              </a:spcAft>
+              <a:buClrTx/>
+              <a:buSzTx/>
+              <a:buFontTx/>
+              <a:buNone/>
+              <a:tabLst/>
+              <a:defRPr/>
+            </a:pPr>
+            <a:r>
+              <a:rPr kumimoji="0" lang="en-US" sz="1800" b="0" i="0" u="none" strike="noStrike" kern="1200" cap="none" spc="0" normalizeH="0" baseline="0" noProof="0" dirty="0">
+                <a:ln>
+                  <a:noFill/>
+                </a:ln>
+                <a:solidFill>
+                  <a:prstClr val="white"/>
+                </a:solidFill>
+                <a:effectLst/>
+                <a:uLnTx/>
+                <a:uFillTx/>
+                <a:latin typeface="Verdana" panose="020B0604030504040204" pitchFamily="34" charset="0"/>
+                <a:ea typeface="Verdana" panose="020B0604030504040204" pitchFamily="34" charset="0"/>
+              </a:rPr>
+              <a:t>Identity</a:t>
+            </a:r>
+          </a:p>
+          <a:p>
+            <a:pPr marL="0" marR="0" lvl="0" indent="0" algn="ctr" defTabSz="914400" rtl="0" eaLnBrk="1" fontAlgn="auto" latinLnBrk="0" hangingPunct="1">
+              <a:lnSpc>
+                <a:spcPct val="100000"/>
+              </a:lnSpc>
+              <a:spcBef>
+                <a:spcPts val="0"/>
+              </a:spcBef>
+              <a:spcAft>
+                <a:spcPts val="0"/>
+              </a:spcAft>
+              <a:buClrTx/>
+              <a:buSzTx/>
+              <a:buFontTx/>
+              <a:buNone/>
+              <a:tabLst/>
+              <a:defRPr/>
+            </a:pPr>
+            <a:r>
+              <a:rPr kumimoji="0" lang="en-US" sz="1800" b="0" i="0" u="none" strike="noStrike" kern="1200" cap="none" spc="0" normalizeH="0" baseline="0" noProof="0" dirty="0">
+                <a:ln>
+                  <a:noFill/>
+                </a:ln>
+                <a:solidFill>
+                  <a:prstClr val="white"/>
+                </a:solidFill>
+                <a:effectLst/>
+                <a:uLnTx/>
+                <a:uFillTx/>
+                <a:latin typeface="Verdana" panose="020B0604030504040204" pitchFamily="34" charset="0"/>
+                <a:ea typeface="Verdana" panose="020B0604030504040204" pitchFamily="34" charset="0"/>
+              </a:rPr>
+              <a:t>Basket</a:t>
+            </a:r>
+            <a:endParaRPr kumimoji="0" lang="en-IN" sz="1800" b="0" i="0" u="none" strike="noStrike" kern="1200" cap="none" spc="0" normalizeH="0" baseline="0" noProof="0" dirty="0">
+              <a:ln>
+                <a:noFill/>
+              </a:ln>
+              <a:solidFill>
+                <a:prstClr val="white"/>
+              </a:solidFill>
+              <a:effectLst/>
+              <a:uLnTx/>
+              <a:uFillTx/>
+              <a:latin typeface="Verdana" panose="020B0604030504040204" pitchFamily="34" charset="0"/>
+              <a:ea typeface="Verdana" panose="020B0604030504040204" pitchFamily="34" charset="0"/>
+            </a:endParaRPr>
+          </a:p>
+        </p:txBody>
+      </p:sp>
+      <p:sp>
+        <p:nvSpPr>
+          <p:cNvPr id="6" name="Rectangle: Rounded Corners 5">
+            <a:extLst>
+              <a:ext uri="{FF2B5EF4-FFF2-40B4-BE49-F238E27FC236}">
+                <a16:creationId xmlns:a16="http://schemas.microsoft.com/office/drawing/2014/main" id="{2237A12B-57C0-CAC2-C8A0-F484FE36A959}"/>
+              </a:ext>
+            </a:extLst>
+          </p:cNvPr>
+          <p:cNvSpPr/>
+          <p:nvPr/>
+        </p:nvSpPr>
+        <p:spPr>
+          <a:xfrm>
+            <a:off x="3893575" y="2088038"/>
+            <a:ext cx="1612776" cy="1600200"/>
+          </a:xfrm>
+          <a:prstGeom prst="roundRect">
+            <a:avLst/>
+          </a:prstGeom>
+        </p:spPr>
+        <p:style>
+          <a:lnRef idx="2">
+            <a:schemeClr val="accent6">
+              <a:shade val="50000"/>
+            </a:schemeClr>
+          </a:lnRef>
+          <a:fillRef idx="1">
+            <a:schemeClr val="accent6"/>
+          </a:fillRef>
+          <a:effectRef idx="0">
+            <a:schemeClr val="accent6"/>
+          </a:effectRef>
+          <a:fontRef idx="minor">
+            <a:schemeClr val="lt1"/>
+          </a:fontRef>
+        </p:style>
+        <p:txBody>
+          <a:bodyPr rtlCol="0" anchor="ctr"/>
+          <a:lstStyle/>
+          <a:p>
+            <a:pPr marL="0" marR="0" lvl="0" indent="0" algn="ctr" defTabSz="914400" rtl="0" eaLnBrk="1" fontAlgn="auto" latinLnBrk="0" hangingPunct="1">
+              <a:lnSpc>
+                <a:spcPct val="100000"/>
+              </a:lnSpc>
+              <a:spcBef>
+                <a:spcPts val="0"/>
+              </a:spcBef>
+              <a:spcAft>
+                <a:spcPts val="0"/>
+              </a:spcAft>
+              <a:buClrTx/>
+              <a:buSzTx/>
+              <a:buFontTx/>
+              <a:buNone/>
+              <a:tabLst/>
+              <a:defRPr/>
+            </a:pPr>
+            <a:r>
+              <a:rPr kumimoji="0" lang="en-US" sz="1800" b="0" i="0" u="none" strike="noStrike" kern="1200" cap="none" spc="0" normalizeH="0" baseline="0" noProof="0" dirty="0">
+                <a:ln>
+                  <a:noFill/>
+                </a:ln>
+                <a:solidFill>
+                  <a:prstClr val="white"/>
+                </a:solidFill>
+                <a:effectLst/>
+                <a:uLnTx/>
+                <a:uFillTx/>
+                <a:latin typeface="Verdana" panose="020B0604030504040204" pitchFamily="34" charset="0"/>
+                <a:ea typeface="Verdana" panose="020B0604030504040204" pitchFamily="34" charset="0"/>
+              </a:rPr>
+              <a:t>BFF / </a:t>
+            </a:r>
+          </a:p>
+          <a:p>
+            <a:pPr marL="0" marR="0" lvl="0" indent="0" algn="ctr" defTabSz="914400" rtl="0" eaLnBrk="1" fontAlgn="auto" latinLnBrk="0" hangingPunct="1">
+              <a:lnSpc>
+                <a:spcPct val="100000"/>
+              </a:lnSpc>
+              <a:spcBef>
+                <a:spcPts val="0"/>
+              </a:spcBef>
+              <a:spcAft>
+                <a:spcPts val="0"/>
+              </a:spcAft>
+              <a:buClrTx/>
+              <a:buSzTx/>
+              <a:buFontTx/>
+              <a:buNone/>
+              <a:tabLst/>
+              <a:defRPr/>
+            </a:pPr>
+            <a:r>
+              <a:rPr kumimoji="0" lang="en-US" sz="1800" b="0" i="0" u="none" strike="noStrike" kern="1200" cap="none" spc="0" normalizeH="0" baseline="0" noProof="0" dirty="0">
+                <a:ln>
+                  <a:noFill/>
+                </a:ln>
+                <a:solidFill>
+                  <a:prstClr val="white"/>
+                </a:solidFill>
+                <a:effectLst/>
+                <a:uLnTx/>
+                <a:uFillTx/>
+                <a:latin typeface="Verdana" panose="020B0604030504040204" pitchFamily="34" charset="0"/>
+                <a:ea typeface="Verdana" panose="020B0604030504040204" pitchFamily="34" charset="0"/>
+              </a:rPr>
+              <a:t>API Gateways</a:t>
+            </a:r>
+            <a:endParaRPr kumimoji="0" lang="en-IN" sz="1800" b="0" i="0" u="none" strike="noStrike" kern="1200" cap="none" spc="0" normalizeH="0" baseline="0" noProof="0" dirty="0">
+              <a:ln>
+                <a:noFill/>
+              </a:ln>
+              <a:solidFill>
+                <a:prstClr val="white"/>
+              </a:solidFill>
+              <a:effectLst/>
+              <a:uLnTx/>
+              <a:uFillTx/>
+              <a:latin typeface="Verdana" panose="020B0604030504040204" pitchFamily="34" charset="0"/>
+              <a:ea typeface="Verdana" panose="020B0604030504040204" pitchFamily="34" charset="0"/>
+            </a:endParaRPr>
+          </a:p>
+        </p:txBody>
+      </p:sp>
+      <p:sp>
+        <p:nvSpPr>
+          <p:cNvPr id="7" name="Rectangle: Rounded Corners 6">
+            <a:extLst>
+              <a:ext uri="{FF2B5EF4-FFF2-40B4-BE49-F238E27FC236}">
+                <a16:creationId xmlns:a16="http://schemas.microsoft.com/office/drawing/2014/main" id="{E7F107EE-EBEE-2C64-33A1-8CE8E19C4F10}"/>
+              </a:ext>
+            </a:extLst>
+          </p:cNvPr>
+          <p:cNvSpPr/>
+          <p:nvPr/>
+        </p:nvSpPr>
+        <p:spPr>
+          <a:xfrm>
+            <a:off x="3790004" y="4142578"/>
+            <a:ext cx="1819918" cy="1367161"/>
+          </a:xfrm>
+          <a:prstGeom prst="roundRect">
+            <a:avLst/>
+          </a:prstGeom>
+        </p:spPr>
+        <p:style>
+          <a:lnRef idx="2">
+            <a:schemeClr val="accent4">
+              <a:shade val="50000"/>
+            </a:schemeClr>
+          </a:lnRef>
+          <a:fillRef idx="1">
+            <a:schemeClr val="accent4"/>
+          </a:fillRef>
+          <a:effectRef idx="0">
+            <a:schemeClr val="accent4"/>
+          </a:effectRef>
+          <a:fontRef idx="minor">
+            <a:schemeClr val="lt1"/>
+          </a:fontRef>
+        </p:style>
+        <p:txBody>
+          <a:bodyPr rtlCol="0" anchor="ctr"/>
+          <a:lstStyle/>
+          <a:p>
+            <a:pPr marL="0" marR="0" lvl="0" indent="0" algn="ctr" defTabSz="914400" rtl="0" eaLnBrk="1" fontAlgn="auto" latinLnBrk="0" hangingPunct="1">
+              <a:lnSpc>
+                <a:spcPct val="100000"/>
+              </a:lnSpc>
+              <a:spcBef>
+                <a:spcPts val="0"/>
+              </a:spcBef>
+              <a:spcAft>
+                <a:spcPts val="0"/>
+              </a:spcAft>
+              <a:buClrTx/>
+              <a:buSzTx/>
+              <a:buFontTx/>
+              <a:buNone/>
+              <a:tabLst/>
+              <a:defRPr/>
+            </a:pPr>
+            <a:r>
+              <a:rPr kumimoji="0" lang="en-US" sz="1800" b="1" i="0" u="sng" strike="noStrike" kern="1200" cap="none" spc="0" normalizeH="0" baseline="0" noProof="0" dirty="0">
+                <a:ln>
+                  <a:noFill/>
+                </a:ln>
+                <a:solidFill>
+                  <a:prstClr val="white"/>
+                </a:solidFill>
+                <a:effectLst/>
+                <a:uLnTx/>
+                <a:uFillTx/>
+                <a:latin typeface="Verdana" panose="020B0604030504040204" pitchFamily="34" charset="0"/>
+                <a:ea typeface="Verdana" panose="020B0604030504040204" pitchFamily="34" charset="0"/>
+              </a:rPr>
+              <a:t>Frontends</a:t>
+            </a:r>
+          </a:p>
+          <a:p>
+            <a:pPr marL="0" marR="0" lvl="0" indent="0" algn="ctr" defTabSz="914400" rtl="0" eaLnBrk="1" fontAlgn="auto" latinLnBrk="0" hangingPunct="1">
+              <a:lnSpc>
+                <a:spcPct val="100000"/>
+              </a:lnSpc>
+              <a:spcBef>
+                <a:spcPts val="0"/>
+              </a:spcBef>
+              <a:spcAft>
+                <a:spcPts val="0"/>
+              </a:spcAft>
+              <a:buClrTx/>
+              <a:buSzTx/>
+              <a:buFontTx/>
+              <a:buNone/>
+              <a:tabLst/>
+              <a:defRPr/>
+            </a:pPr>
+            <a:r>
+              <a:rPr kumimoji="0" lang="en-IN" sz="1800" b="0" i="0" u="none" strike="noStrike" kern="1200" cap="none" spc="0" normalizeH="0" baseline="0" noProof="0" dirty="0">
+                <a:ln>
+                  <a:noFill/>
+                </a:ln>
+                <a:solidFill>
+                  <a:prstClr val="white"/>
+                </a:solidFill>
+                <a:effectLst/>
+                <a:uLnTx/>
+                <a:uFillTx/>
+                <a:latin typeface="Verdana" panose="020B0604030504040204" pitchFamily="34" charset="0"/>
+                <a:ea typeface="Verdana" panose="020B0604030504040204" pitchFamily="34" charset="0"/>
+              </a:rPr>
+              <a:t>Static Websites</a:t>
+            </a:r>
+          </a:p>
+          <a:p>
+            <a:pPr marL="0" marR="0" lvl="0" indent="0" algn="ctr" defTabSz="914400" rtl="0" eaLnBrk="1" fontAlgn="auto" latinLnBrk="0" hangingPunct="1">
+              <a:lnSpc>
+                <a:spcPct val="100000"/>
+              </a:lnSpc>
+              <a:spcBef>
+                <a:spcPts val="0"/>
+              </a:spcBef>
+              <a:spcAft>
+                <a:spcPts val="0"/>
+              </a:spcAft>
+              <a:buClrTx/>
+              <a:buSzTx/>
+              <a:buFontTx/>
+              <a:buNone/>
+              <a:tabLst/>
+              <a:defRPr/>
+            </a:pPr>
+            <a:r>
+              <a:rPr kumimoji="0" lang="en-IN" sz="1800" b="0" i="0" u="none" strike="noStrike" kern="1200" cap="none" spc="0" normalizeH="0" baseline="0" noProof="0" dirty="0">
+                <a:ln>
+                  <a:noFill/>
+                </a:ln>
+                <a:solidFill>
+                  <a:prstClr val="white"/>
+                </a:solidFill>
+                <a:effectLst/>
+                <a:uLnTx/>
+                <a:uFillTx/>
+                <a:latin typeface="Verdana" panose="020B0604030504040204" pitchFamily="34" charset="0"/>
+                <a:ea typeface="Verdana" panose="020B0604030504040204" pitchFamily="34" charset="0"/>
+              </a:rPr>
+              <a:t>CDN content</a:t>
+            </a:r>
+          </a:p>
+        </p:txBody>
+      </p:sp>
+      <p:cxnSp>
+        <p:nvCxnSpPr>
+          <p:cNvPr id="9" name="Straight Connector 8">
+            <a:extLst>
+              <a:ext uri="{FF2B5EF4-FFF2-40B4-BE49-F238E27FC236}">
+                <a16:creationId xmlns:a16="http://schemas.microsoft.com/office/drawing/2014/main" id="{13F81DB3-B980-4194-2E23-93CFFF0E1E4B}"/>
+              </a:ext>
+            </a:extLst>
+          </p:cNvPr>
+          <p:cNvCxnSpPr/>
+          <p:nvPr/>
+        </p:nvCxnSpPr>
+        <p:spPr>
+          <a:xfrm>
+            <a:off x="6020159" y="183778"/>
+            <a:ext cx="0" cy="5752730"/>
+          </a:xfrm>
+          <a:prstGeom prst="line">
+            <a:avLst/>
+          </a:prstGeom>
+        </p:spPr>
+        <p:style>
+          <a:lnRef idx="1">
+            <a:schemeClr val="accent1"/>
+          </a:lnRef>
+          <a:fillRef idx="0">
+            <a:schemeClr val="accent1"/>
+          </a:fillRef>
+          <a:effectRef idx="0">
+            <a:schemeClr val="accent1"/>
+          </a:effectRef>
+          <a:fontRef idx="minor">
+            <a:schemeClr val="tx1"/>
+          </a:fontRef>
+        </p:style>
+      </p:cxnSp>
+      <p:sp>
+        <p:nvSpPr>
+          <p:cNvPr id="10" name="TextBox 9">
+            <a:extLst>
+              <a:ext uri="{FF2B5EF4-FFF2-40B4-BE49-F238E27FC236}">
+                <a16:creationId xmlns:a16="http://schemas.microsoft.com/office/drawing/2014/main" id="{A3E70A7F-4DA6-CD3D-5E6F-F19149E46CD2}"/>
+              </a:ext>
+            </a:extLst>
+          </p:cNvPr>
+          <p:cNvSpPr txBox="1"/>
+          <p:nvPr/>
+        </p:nvSpPr>
+        <p:spPr>
+          <a:xfrm>
+            <a:off x="5576275" y="6273859"/>
+            <a:ext cx="914398" cy="369332"/>
+          </a:xfrm>
+          <a:prstGeom prst="rect">
+            <a:avLst/>
+          </a:prstGeom>
+          <a:noFill/>
+        </p:spPr>
+        <p:txBody>
+          <a:bodyPr wrap="square" rtlCol="0">
+            <a:spAutoFit/>
+          </a:bodyPr>
+          <a:lstStyle/>
+          <a:p>
+            <a:pPr marL="0" marR="0" lvl="0" indent="0" algn="l" defTabSz="914400" rtl="0" eaLnBrk="1" fontAlgn="auto" latinLnBrk="0" hangingPunct="1">
+              <a:lnSpc>
+                <a:spcPct val="100000"/>
+              </a:lnSpc>
+              <a:spcBef>
+                <a:spcPts val="0"/>
+              </a:spcBef>
+              <a:spcAft>
+                <a:spcPts val="0"/>
+              </a:spcAft>
+              <a:buClrTx/>
+              <a:buSzTx/>
+              <a:buFontTx/>
+              <a:buNone/>
+              <a:tabLst/>
+              <a:defRPr/>
+            </a:pPr>
+            <a:r>
+              <a:rPr kumimoji="0" lang="en-US" sz="1800" b="0" i="0" u="none" strike="noStrike" kern="1200" cap="none" spc="0" normalizeH="0" baseline="0" noProof="0" dirty="0">
+                <a:ln>
+                  <a:noFill/>
+                </a:ln>
+                <a:solidFill>
+                  <a:prstClr val="black"/>
+                </a:solidFill>
+                <a:effectLst/>
+                <a:uLnTx/>
+                <a:uFillTx/>
+                <a:latin typeface="Verdana" panose="020B0604030504040204" pitchFamily="34" charset="0"/>
+                <a:ea typeface="Verdana" panose="020B0604030504040204" pitchFamily="34" charset="0"/>
+              </a:rPr>
+              <a:t>DMZ</a:t>
+            </a:r>
+            <a:endParaRPr kumimoji="0" lang="en-IN" sz="1800" b="0" i="0" u="none" strike="noStrike" kern="1200" cap="none" spc="0" normalizeH="0" baseline="0" noProof="0" dirty="0">
+              <a:ln>
+                <a:noFill/>
+              </a:ln>
+              <a:solidFill>
+                <a:prstClr val="black"/>
+              </a:solidFill>
+              <a:effectLst/>
+              <a:uLnTx/>
+              <a:uFillTx/>
+              <a:latin typeface="Verdana" panose="020B0604030504040204" pitchFamily="34" charset="0"/>
+              <a:ea typeface="Verdana" panose="020B0604030504040204" pitchFamily="34" charset="0"/>
+            </a:endParaRPr>
+          </a:p>
+        </p:txBody>
+      </p:sp>
+    </p:spTree>
+    <p:extLst>
+      <p:ext uri="{BB962C8B-B14F-4D97-AF65-F5344CB8AC3E}">
+        <p14:creationId xmlns:p14="http://schemas.microsoft.com/office/powerpoint/2010/main" val="799445276"/>
+      </p:ext>
+    </p:extLst>
+  </p:cSld>
+  <p:clrMapOvr>
+    <a:masterClrMapping/>
+  </p:clrMapOvr>
+</p:sld>
+</file>
+
+<file path=ppt/slides/slide11.xml><?xml version="1.0" encoding="utf-8"?>
+<p:sld xmlns:a="http://schemas.openxmlformats.org/drawingml/2006/main" xmlns:r="http://schemas.openxmlformats.org/officeDocument/2006/relationships" xmlns:p="http://schemas.openxmlformats.org/presentationml/2006/main">
+  <p:cSld>
+    <p:bg>
+      <p:bgPr>
+        <a:solidFill>
+          <a:schemeClr val="bg1"/>
+        </a:solidFill>
+        <a:effectLst/>
+      </p:bgPr>
+    </p:bg>
+    <p:spTree>
+      <p:nvGrpSpPr>
+        <p:cNvPr id="1" name=""/>
+        <p:cNvGrpSpPr/>
+        <p:nvPr/>
+      </p:nvGrpSpPr>
+      <p:grpSpPr>
+        <a:xfrm>
+          <a:off x="0" y="0"/>
+          <a:ext cx="0" cy="0"/>
+          <a:chOff x="0" y="0"/>
+          <a:chExt cx="0" cy="0"/>
+        </a:xfrm>
+      </p:grpSpPr>
+      <p:sp>
+        <p:nvSpPr>
+          <p:cNvPr id="10" name="Rectangle 9">
+            <a:extLst>
+              <a:ext uri="{FF2B5EF4-FFF2-40B4-BE49-F238E27FC236}">
+                <a16:creationId xmlns:a16="http://schemas.microsoft.com/office/drawing/2014/main" id="{42A4FC2C-047E-45A5-965D-8E1E3BF09BC6}"/>
+              </a:ext>
+              <a:ext uri="{C183D7F6-B498-43B3-948B-1728B52AA6E4}">
+                <adec:decorative xmlns:adec="http://schemas.microsoft.com/office/drawing/2017/decorative" val="1"/>
+              </a:ext>
+            </a:extLst>
+          </p:cNvPr>
+          <p:cNvSpPr>
+            <a:spLocks noGrp="1" noRot="1" noChangeAspect="1" noMove="1" noResize="1" noEditPoints="1" noAdjustHandles="1" noChangeArrowheads="1" noChangeShapeType="1" noTextEdit="1"/>
+          </p:cNvSpPr>
+          <p:nvPr>
+            <p:extLst>
+              <p:ext uri="{386F3935-93C4-4BCD-93E2-E3B085C9AB24}">
+                <p16:designElem xmlns:p16="http://schemas.microsoft.com/office/powerpoint/2015/main" val="1"/>
+              </p:ext>
+            </p:extLst>
+          </p:nvPr>
+        </p:nvSpPr>
+        <p:spPr bwMode="white">
+          <a:xfrm>
+            <a:off x="1524" y="0"/>
+            <a:ext cx="12188952" cy="6858000"/>
+          </a:xfrm>
+          <a:prstGeom prst="rect">
+            <a:avLst/>
+          </a:prstGeom>
+          <a:noFill/>
+          <a:ln>
+            <a:noFill/>
+          </a:ln>
+        </p:spPr>
+        <p:style>
+          <a:lnRef idx="2">
+            <a:schemeClr val="accent1">
+              <a:shade val="50000"/>
+            </a:schemeClr>
+          </a:lnRef>
+          <a:fillRef idx="1">
+            <a:schemeClr val="accent1"/>
+          </a:fillRef>
+          <a:effectRef idx="0">
+            <a:schemeClr val="accent1"/>
+          </a:effectRef>
+          <a:fontRef idx="minor">
+            <a:schemeClr val="lt1"/>
+          </a:fontRef>
+        </p:style>
+        <p:txBody>
+          <a:bodyPr rtlCol="0" anchor="ctr"/>
+          <a:lstStyle>
+            <a:defPPr>
+              <a:defRPr lang="en-US"/>
+            </a:defPPr>
+            <a:lvl1pPr marL="0" algn="l" defTabSz="914400" rtl="0" eaLnBrk="1" latinLnBrk="0" hangingPunct="1">
+              <a:defRPr sz="1800" kern="1200">
+                <a:solidFill>
+                  <a:schemeClr val="lt1"/>
+                </a:solidFill>
+                <a:latin typeface="+mn-lt"/>
+                <a:ea typeface="+mn-ea"/>
+                <a:cs typeface="+mn-cs"/>
+              </a:defRPr>
+            </a:lvl1pPr>
+            <a:lvl2pPr marL="457200" algn="l" defTabSz="914400" rtl="0" eaLnBrk="1" latinLnBrk="0" hangingPunct="1">
+              <a:defRPr sz="1800" kern="1200">
+                <a:solidFill>
+                  <a:schemeClr val="lt1"/>
+                </a:solidFill>
+                <a:latin typeface="+mn-lt"/>
+                <a:ea typeface="+mn-ea"/>
+                <a:cs typeface="+mn-cs"/>
+              </a:defRPr>
+            </a:lvl2pPr>
+            <a:lvl3pPr marL="914400" algn="l" defTabSz="914400" rtl="0" eaLnBrk="1" latinLnBrk="0" hangingPunct="1">
+              <a:defRPr sz="1800" kern="1200">
+                <a:solidFill>
+                  <a:schemeClr val="lt1"/>
+                </a:solidFill>
+                <a:latin typeface="+mn-lt"/>
+                <a:ea typeface="+mn-ea"/>
+                <a:cs typeface="+mn-cs"/>
+              </a:defRPr>
+            </a:lvl3pPr>
+            <a:lvl4pPr marL="1371600" algn="l" defTabSz="914400" rtl="0" eaLnBrk="1" latinLnBrk="0" hangingPunct="1">
+              <a:defRPr sz="1800" kern="1200">
+                <a:solidFill>
+                  <a:schemeClr val="lt1"/>
+                </a:solidFill>
+                <a:latin typeface="+mn-lt"/>
+                <a:ea typeface="+mn-ea"/>
+                <a:cs typeface="+mn-cs"/>
+              </a:defRPr>
+            </a:lvl4pPr>
+            <a:lvl5pPr marL="1828800" algn="l" defTabSz="914400" rtl="0" eaLnBrk="1" latinLnBrk="0" hangingPunct="1">
+              <a:defRPr sz="1800" kern="1200">
+                <a:solidFill>
+                  <a:schemeClr val="lt1"/>
+                </a:solidFill>
+                <a:latin typeface="+mn-lt"/>
+                <a:ea typeface="+mn-ea"/>
+                <a:cs typeface="+mn-cs"/>
+              </a:defRPr>
+            </a:lvl5pPr>
+            <a:lvl6pPr marL="2286000" algn="l" defTabSz="914400" rtl="0" eaLnBrk="1" latinLnBrk="0" hangingPunct="1">
+              <a:defRPr sz="1800" kern="1200">
+                <a:solidFill>
+                  <a:schemeClr val="lt1"/>
+                </a:solidFill>
+                <a:latin typeface="+mn-lt"/>
+                <a:ea typeface="+mn-ea"/>
+                <a:cs typeface="+mn-cs"/>
+              </a:defRPr>
+            </a:lvl6pPr>
+            <a:lvl7pPr marL="2743200" algn="l" defTabSz="914400" rtl="0" eaLnBrk="1" latinLnBrk="0" hangingPunct="1">
+              <a:defRPr sz="1800" kern="1200">
+                <a:solidFill>
+                  <a:schemeClr val="lt1"/>
+                </a:solidFill>
+                <a:latin typeface="+mn-lt"/>
+                <a:ea typeface="+mn-ea"/>
+                <a:cs typeface="+mn-cs"/>
+              </a:defRPr>
+            </a:lvl7pPr>
+            <a:lvl8pPr marL="3200400" algn="l" defTabSz="914400" rtl="0" eaLnBrk="1" latinLnBrk="0" hangingPunct="1">
+              <a:defRPr sz="1800" kern="1200">
+                <a:solidFill>
+                  <a:schemeClr val="lt1"/>
+                </a:solidFill>
+                <a:latin typeface="+mn-lt"/>
+                <a:ea typeface="+mn-ea"/>
+                <a:cs typeface="+mn-cs"/>
+              </a:defRPr>
+            </a:lvl8pPr>
+            <a:lvl9pPr marL="3657600" algn="l" defTabSz="914400" rtl="0" eaLnBrk="1" latinLnBrk="0" hangingPunct="1">
+              <a:defRPr sz="1800" kern="1200">
+                <a:solidFill>
+                  <a:schemeClr val="lt1"/>
+                </a:solidFill>
+                <a:latin typeface="+mn-lt"/>
+                <a:ea typeface="+mn-ea"/>
+                <a:cs typeface="+mn-cs"/>
+              </a:defRPr>
+            </a:lvl9pPr>
+          </a:lstStyle>
+          <a:p>
+            <a:pPr algn="ctr"/>
+            <a:endParaRPr lang="en-US"/>
+          </a:p>
+        </p:txBody>
+      </p:sp>
+      <p:pic>
+        <p:nvPicPr>
+          <p:cNvPr id="5" name="Picture 4" descr="Graphical user interface&#10;&#10;Description automatically generated with medium confidence">
+            <a:extLst>
+              <a:ext uri="{FF2B5EF4-FFF2-40B4-BE49-F238E27FC236}">
+                <a16:creationId xmlns:a16="http://schemas.microsoft.com/office/drawing/2014/main" id="{5B7461A1-4E97-4DE5-DB6C-F56D45EBD1A0}"/>
+              </a:ext>
+            </a:extLst>
+          </p:cNvPr>
+          <p:cNvPicPr>
+            <a:picLocks noChangeAspect="1"/>
+          </p:cNvPicPr>
+          <p:nvPr/>
+        </p:nvPicPr>
+        <p:blipFill rotWithShape="1">
+          <a:blip r:embed="rId2">
+            <a:extLst>
+              <a:ext uri="{28A0092B-C50C-407E-A947-70E740481C1C}">
+                <a14:useLocalDpi xmlns:a14="http://schemas.microsoft.com/office/drawing/2010/main" val="0"/>
+              </a:ext>
+            </a:extLst>
+          </a:blip>
+          <a:srcRect r="20874"/>
+          <a:stretch/>
+        </p:blipFill>
+        <p:spPr>
+          <a:xfrm>
+            <a:off x="20" y="1282"/>
+            <a:ext cx="12191980" cy="6856718"/>
+          </a:xfrm>
+          <a:prstGeom prst="rect">
+            <a:avLst/>
+          </a:prstGeom>
+        </p:spPr>
+      </p:pic>
+    </p:spTree>
+    <p:extLst>
+      <p:ext uri="{BB962C8B-B14F-4D97-AF65-F5344CB8AC3E}">
+        <p14:creationId xmlns:p14="http://schemas.microsoft.com/office/powerpoint/2010/main" val="3083312806"/>
+      </p:ext>
+    </p:extLst>
+  </p:cSld>
+  <p:clrMapOvr>
+    <a:masterClrMapping/>
+  </p:clrMapOvr>
+</p:sld>
+</file>
+
+<file path=ppt/slides/slide12.xml><?xml version="1.0" encoding="utf-8"?>
+<p:sld xmlns:a="http://schemas.openxmlformats.org/drawingml/2006/main" xmlns:r="http://schemas.openxmlformats.org/officeDocument/2006/relationships" xmlns:p="http://schemas.openxmlformats.org/presentationml/2006/main">
+  <p:cSld>
+    <p:spTree>
+      <p:nvGrpSpPr>
+        <p:cNvPr id="1" name=""/>
+        <p:cNvGrpSpPr/>
+        <p:nvPr/>
+      </p:nvGrpSpPr>
+      <p:grpSpPr>
+        <a:xfrm>
+          <a:off x="0" y="0"/>
+          <a:ext cx="0" cy="0"/>
+          <a:chOff x="0" y="0"/>
+          <a:chExt cx="0" cy="0"/>
+        </a:xfrm>
+      </p:grpSpPr>
       <p:pic>
         <p:nvPicPr>
           <p:cNvPr id="7" name="Picture 6" descr="Graphical user interface, text, application, website&#10;&#10;Description automatically generated">
@@ -6220,7 +7255,7 @@
 </p:sld>
 </file>
 
-<file path=ppt/slides/slide11.xml><?xml version="1.0" encoding="utf-8"?>
+<file path=ppt/slides/slide13.xml><?xml version="1.0" encoding="utf-8"?>
 <p:sld xmlns:a="http://schemas.openxmlformats.org/drawingml/2006/main" xmlns:r="http://schemas.openxmlformats.org/officeDocument/2006/relationships" xmlns:p="http://schemas.openxmlformats.org/presentationml/2006/main">
   <p:cSld>
     <p:spTree>
@@ -6332,7 +7367,7 @@
 </p:sld>
 </file>
 
-<file path=ppt/slides/slide12.xml><?xml version="1.0" encoding="utf-8"?>
+<file path=ppt/slides/slide14.xml><?xml version="1.0" encoding="utf-8"?>
 <p:sld xmlns:a="http://schemas.openxmlformats.org/drawingml/2006/main" xmlns:r="http://schemas.openxmlformats.org/officeDocument/2006/relationships" xmlns:p="http://schemas.openxmlformats.org/presentationml/2006/main">
   <p:cSld>
     <p:spTree>
@@ -6660,7 +7695,7 @@
                 <a:tabLst/>
                 <a:defRPr/>
               </a:pPr>
-              <a:t>12</a:t>
+              <a:t>14</a:t>
             </a:fld>
             <a:endParaRPr kumimoji="0" lang="en-IN" sz="1200" b="1" i="0" u="none" strike="noStrike" kern="1200" cap="none" spc="0" normalizeH="0" baseline="0" noProof="0" dirty="0">
               <a:ln>
@@ -8289,7 +9324,7 @@
 </p:sld>
 </file>
 
-<file path=ppt/slides/slide13.xml><?xml version="1.0" encoding="utf-8"?>
+<file path=ppt/slides/slide15.xml><?xml version="1.0" encoding="utf-8"?>
 <p:sld xmlns:a="http://schemas.openxmlformats.org/drawingml/2006/main" xmlns:r="http://schemas.openxmlformats.org/officeDocument/2006/relationships" xmlns:p="http://schemas.openxmlformats.org/presentationml/2006/main">
   <p:cSld>
     <p:bg>
@@ -8517,7 +9552,7 @@
 </p:sld>
 </file>
 
-<file path=ppt/slides/slide14.xml><?xml version="1.0" encoding="utf-8"?>
+<file path=ppt/slides/slide16.xml><?xml version="1.0" encoding="utf-8"?>
 <p:sld xmlns:a="http://schemas.openxmlformats.org/drawingml/2006/main" xmlns:r="http://schemas.openxmlformats.org/officeDocument/2006/relationships" xmlns:p="http://schemas.openxmlformats.org/presentationml/2006/main">
   <p:cSld>
     <p:bg>
@@ -8745,7 +9780,7 @@
 </p:sld>
 </file>
 
-<file path=ppt/slides/slide15.xml><?xml version="1.0" encoding="utf-8"?>
+<file path=ppt/slides/slide17.xml><?xml version="1.0" encoding="utf-8"?>
 <p:sld xmlns:a="http://schemas.openxmlformats.org/drawingml/2006/main" xmlns:r="http://schemas.openxmlformats.org/officeDocument/2006/relationships" xmlns:p="http://schemas.openxmlformats.org/presentationml/2006/main">
   <p:cSld>
     <p:bg>
@@ -9128,7 +10163,7 @@
 </p:sld>
 </file>
 
-<file path=ppt/slides/slide16.xml><?xml version="1.0" encoding="utf-8"?>
+<file path=ppt/slides/slide18.xml><?xml version="1.0" encoding="utf-8"?>
 <p:sld xmlns:a="http://schemas.openxmlformats.org/drawingml/2006/main" xmlns:r="http://schemas.openxmlformats.org/officeDocument/2006/relationships" xmlns:p="http://schemas.openxmlformats.org/presentationml/2006/main">
   <p:cSld>
     <p:spTree>
@@ -14002,7 +15037,7 @@
 </p:sld>
 </file>
 
-<file path=ppt/slides/slide17.xml><?xml version="1.0" encoding="utf-8"?>
+<file path=ppt/slides/slide19.xml><?xml version="1.0" encoding="utf-8"?>
 <p:sld xmlns:a="http://schemas.openxmlformats.org/drawingml/2006/main" xmlns:r="http://schemas.openxmlformats.org/officeDocument/2006/relationships" xmlns:p="http://schemas.openxmlformats.org/presentationml/2006/main">
   <p:cSld>
     <p:spTree>
@@ -20369,7 +21404,758 @@
 </p:sld>
 </file>
 
-<file path=ppt/slides/slide18.xml><?xml version="1.0" encoding="utf-8"?>
+<file path=ppt/slides/slide2.xml><?xml version="1.0" encoding="utf-8"?>
+<p:sld xmlns:a="http://schemas.openxmlformats.org/drawingml/2006/main" xmlns:r="http://schemas.openxmlformats.org/officeDocument/2006/relationships" xmlns:p="http://schemas.openxmlformats.org/presentationml/2006/main">
+  <p:cSld>
+    <p:spTree>
+      <p:nvGrpSpPr>
+        <p:cNvPr id="1" name=""/>
+        <p:cNvGrpSpPr/>
+        <p:nvPr/>
+      </p:nvGrpSpPr>
+      <p:grpSpPr>
+        <a:xfrm>
+          <a:off x="0" y="0"/>
+          <a:ext cx="0" cy="0"/>
+          <a:chOff x="0" y="0"/>
+          <a:chExt cx="0" cy="0"/>
+        </a:xfrm>
+      </p:grpSpPr>
+      <p:sp>
+        <p:nvSpPr>
+          <p:cNvPr id="4" name="Rectangle 3">
+            <a:extLst>
+              <a:ext uri="{FF2B5EF4-FFF2-40B4-BE49-F238E27FC236}">
+                <a16:creationId xmlns:a16="http://schemas.microsoft.com/office/drawing/2014/main" id="{055C22F7-3FD1-4C1B-8D0C-0C2F7FB61DBE}"/>
+              </a:ext>
+            </a:extLst>
+          </p:cNvPr>
+          <p:cNvSpPr/>
+          <p:nvPr/>
+        </p:nvSpPr>
+        <p:spPr>
+          <a:xfrm>
+            <a:off x="0" y="8878"/>
+            <a:ext cx="12183122" cy="497150"/>
+          </a:xfrm>
+          <a:prstGeom prst="rect">
+            <a:avLst/>
+          </a:prstGeom>
+          <a:solidFill>
+            <a:srgbClr val="0070C0"/>
+          </a:solidFill>
+        </p:spPr>
+        <p:style>
+          <a:lnRef idx="2">
+            <a:schemeClr val="accent1">
+              <a:shade val="50000"/>
+            </a:schemeClr>
+          </a:lnRef>
+          <a:fillRef idx="1">
+            <a:schemeClr val="accent1"/>
+          </a:fillRef>
+          <a:effectRef idx="0">
+            <a:schemeClr val="accent1"/>
+          </a:effectRef>
+          <a:fontRef idx="minor">
+            <a:schemeClr val="lt1"/>
+          </a:fontRef>
+        </p:style>
+        <p:txBody>
+          <a:bodyPr rtlCol="0" anchor="ctr"/>
+          <a:lstStyle/>
+          <a:p>
+            <a:pPr marL="0" marR="0" lvl="0" indent="0" algn="ctr" defTabSz="914400" rtl="0" eaLnBrk="1" fontAlgn="auto" latinLnBrk="0" hangingPunct="1">
+              <a:lnSpc>
+                <a:spcPct val="100000"/>
+              </a:lnSpc>
+              <a:spcBef>
+                <a:spcPts val="0"/>
+              </a:spcBef>
+              <a:spcAft>
+                <a:spcPts val="0"/>
+              </a:spcAft>
+              <a:buClrTx/>
+              <a:buSzTx/>
+              <a:buFontTx/>
+              <a:buNone/>
+              <a:tabLst/>
+              <a:defRPr/>
+            </a:pPr>
+            <a:r>
+              <a:rPr kumimoji="0" lang="en-US" sz="1800" b="1" i="0" u="none" strike="noStrike" kern="1200" cap="none" spc="0" normalizeH="0" baseline="0" noProof="0" dirty="0">
+                <a:ln>
+                  <a:noFill/>
+                </a:ln>
+                <a:solidFill>
+                  <a:prstClr val="white"/>
+                </a:solidFill>
+                <a:effectLst/>
+                <a:uLnTx/>
+                <a:uFillTx/>
+                <a:latin typeface="Verdana" panose="020B0604030504040204" pitchFamily="34" charset="0"/>
+                <a:ea typeface="Verdana" panose="020B0604030504040204" pitchFamily="34" charset="0"/>
+                <a:cs typeface="+mn-cs"/>
+              </a:rPr>
+              <a:t>Information</a:t>
+            </a:r>
+            <a:endParaRPr kumimoji="0" lang="en-IN" sz="1800" b="1" i="0" u="none" strike="noStrike" kern="1200" cap="none" spc="0" normalizeH="0" baseline="0" noProof="0" dirty="0">
+              <a:ln>
+                <a:noFill/>
+              </a:ln>
+              <a:solidFill>
+                <a:prstClr val="white"/>
+              </a:solidFill>
+              <a:effectLst/>
+              <a:uLnTx/>
+              <a:uFillTx/>
+              <a:latin typeface="Verdana" panose="020B0604030504040204" pitchFamily="34" charset="0"/>
+              <a:ea typeface="Verdana" panose="020B0604030504040204" pitchFamily="34" charset="0"/>
+              <a:cs typeface="+mn-cs"/>
+            </a:endParaRPr>
+          </a:p>
+        </p:txBody>
+      </p:sp>
+      <p:sp>
+        <p:nvSpPr>
+          <p:cNvPr id="7" name="Rectangle 6">
+            <a:extLst>
+              <a:ext uri="{FF2B5EF4-FFF2-40B4-BE49-F238E27FC236}">
+                <a16:creationId xmlns:a16="http://schemas.microsoft.com/office/drawing/2014/main" id="{B10720DE-FD2A-4FE5-B9FB-74854D01A659}"/>
+              </a:ext>
+            </a:extLst>
+          </p:cNvPr>
+          <p:cNvSpPr/>
+          <p:nvPr/>
+        </p:nvSpPr>
+        <p:spPr>
+          <a:xfrm>
+            <a:off x="0" y="3915050"/>
+            <a:ext cx="12183122" cy="57703"/>
+          </a:xfrm>
+          <a:prstGeom prst="rect">
+            <a:avLst/>
+          </a:prstGeom>
+          <a:solidFill>
+            <a:srgbClr val="0070C0"/>
+          </a:solidFill>
+        </p:spPr>
+        <p:style>
+          <a:lnRef idx="2">
+            <a:schemeClr val="accent1">
+              <a:shade val="50000"/>
+            </a:schemeClr>
+          </a:lnRef>
+          <a:fillRef idx="1">
+            <a:schemeClr val="accent1"/>
+          </a:fillRef>
+          <a:effectRef idx="0">
+            <a:schemeClr val="accent1"/>
+          </a:effectRef>
+          <a:fontRef idx="minor">
+            <a:schemeClr val="lt1"/>
+          </a:fontRef>
+        </p:style>
+        <p:txBody>
+          <a:bodyPr rtlCol="0" anchor="ctr"/>
+          <a:lstStyle/>
+          <a:p>
+            <a:pPr marL="0" marR="0" lvl="0" indent="0" algn="ctr" defTabSz="914400" rtl="0" eaLnBrk="1" fontAlgn="auto" latinLnBrk="0" hangingPunct="1">
+              <a:lnSpc>
+                <a:spcPct val="100000"/>
+              </a:lnSpc>
+              <a:spcBef>
+                <a:spcPts val="0"/>
+              </a:spcBef>
+              <a:spcAft>
+                <a:spcPts val="0"/>
+              </a:spcAft>
+              <a:buClrTx/>
+              <a:buSzTx/>
+              <a:buFontTx/>
+              <a:buNone/>
+              <a:tabLst/>
+              <a:defRPr/>
+            </a:pPr>
+            <a:endParaRPr kumimoji="0" lang="en-IN" sz="1000" b="0" i="0" u="none" strike="noStrike" kern="1200" cap="none" spc="0" normalizeH="0" baseline="0" noProof="0" dirty="0">
+              <a:ln>
+                <a:noFill/>
+              </a:ln>
+              <a:solidFill>
+                <a:prstClr val="white"/>
+              </a:solidFill>
+              <a:effectLst/>
+              <a:uLnTx/>
+              <a:uFillTx/>
+              <a:latin typeface="Verdana" panose="020B0604030504040204" pitchFamily="34" charset="0"/>
+              <a:ea typeface="Verdana" panose="020B0604030504040204" pitchFamily="34" charset="0"/>
+              <a:cs typeface="+mn-cs"/>
+            </a:endParaRPr>
+          </a:p>
+        </p:txBody>
+      </p:sp>
+      <p:sp>
+        <p:nvSpPr>
+          <p:cNvPr id="8" name="Footer Placeholder 7">
+            <a:extLst>
+              <a:ext uri="{FF2B5EF4-FFF2-40B4-BE49-F238E27FC236}">
+                <a16:creationId xmlns:a16="http://schemas.microsoft.com/office/drawing/2014/main" id="{DD2A19CA-EC18-432D-8F8F-17079808F38B}"/>
+              </a:ext>
+            </a:extLst>
+          </p:cNvPr>
+          <p:cNvSpPr>
+            <a:spLocks noGrp="1"/>
+          </p:cNvSpPr>
+          <p:nvPr>
+            <p:ph type="ftr" sz="quarter" idx="11"/>
+          </p:nvPr>
+        </p:nvSpPr>
+        <p:spPr>
+          <a:xfrm>
+            <a:off x="4038600" y="3959378"/>
+            <a:ext cx="4114800" cy="365125"/>
+          </a:xfrm>
+        </p:spPr>
+        <p:txBody>
+          <a:bodyPr/>
+          <a:lstStyle/>
+          <a:p>
+            <a:pPr marL="0" marR="0" lvl="0" indent="0" algn="ctr" defTabSz="914400" rtl="0" eaLnBrk="1" fontAlgn="auto" latinLnBrk="0" hangingPunct="1">
+              <a:lnSpc>
+                <a:spcPct val="100000"/>
+              </a:lnSpc>
+              <a:spcBef>
+                <a:spcPts val="0"/>
+              </a:spcBef>
+              <a:spcAft>
+                <a:spcPts val="0"/>
+              </a:spcAft>
+              <a:buClrTx/>
+              <a:buSzTx/>
+              <a:buFontTx/>
+              <a:buNone/>
+              <a:tabLst/>
+              <a:defRPr/>
+            </a:pPr>
+            <a:r>
+              <a:rPr kumimoji="0" lang="en-IN" sz="1200" b="1" i="0" u="none" strike="noStrike" kern="1200" cap="none" spc="0" normalizeH="0" baseline="0" noProof="0" dirty="0">
+                <a:ln>
+                  <a:noFill/>
+                </a:ln>
+                <a:solidFill>
+                  <a:srgbClr val="002060"/>
+                </a:solidFill>
+                <a:effectLst/>
+                <a:uLnTx/>
+                <a:uFillTx/>
+                <a:latin typeface="Verdana" panose="020B0604030504040204" pitchFamily="34" charset="0"/>
+                <a:ea typeface="Verdana" panose="020B0604030504040204" pitchFamily="34" charset="0"/>
+                <a:cs typeface="+mn-cs"/>
+              </a:rPr>
+              <a:t>2022</a:t>
+            </a:r>
+          </a:p>
+        </p:txBody>
+      </p:sp>
+      <p:sp>
+        <p:nvSpPr>
+          <p:cNvPr id="9" name="Slide Number Placeholder 8">
+            <a:extLst>
+              <a:ext uri="{FF2B5EF4-FFF2-40B4-BE49-F238E27FC236}">
+                <a16:creationId xmlns:a16="http://schemas.microsoft.com/office/drawing/2014/main" id="{8162625C-0B1F-42E0-BE7C-D99A08FED7A3}"/>
+              </a:ext>
+            </a:extLst>
+          </p:cNvPr>
+          <p:cNvSpPr>
+            <a:spLocks noGrp="1"/>
+          </p:cNvSpPr>
+          <p:nvPr>
+            <p:ph type="sldNum" sz="quarter" idx="12"/>
+          </p:nvPr>
+        </p:nvSpPr>
+        <p:spPr>
+          <a:xfrm>
+            <a:off x="8610600" y="3959378"/>
+            <a:ext cx="2743200" cy="365125"/>
+          </a:xfrm>
+        </p:spPr>
+        <p:txBody>
+          <a:bodyPr/>
+          <a:lstStyle/>
+          <a:p>
+            <a:pPr marL="0" marR="0" lvl="0" indent="0" algn="r" defTabSz="914400" rtl="0" eaLnBrk="1" fontAlgn="auto" latinLnBrk="0" hangingPunct="1">
+              <a:lnSpc>
+                <a:spcPct val="100000"/>
+              </a:lnSpc>
+              <a:spcBef>
+                <a:spcPts val="0"/>
+              </a:spcBef>
+              <a:spcAft>
+                <a:spcPts val="0"/>
+              </a:spcAft>
+              <a:buClrTx/>
+              <a:buSzTx/>
+              <a:buFontTx/>
+              <a:buNone/>
+              <a:tabLst/>
+              <a:defRPr/>
+            </a:pPr>
+            <a:r>
+              <a:rPr kumimoji="0" lang="en-IN" sz="1200" b="1" i="0" u="none" strike="noStrike" kern="1200" cap="none" spc="0" normalizeH="0" baseline="0" noProof="0" dirty="0">
+                <a:ln>
+                  <a:noFill/>
+                </a:ln>
+                <a:solidFill>
+                  <a:srgbClr val="002060"/>
+                </a:solidFill>
+                <a:effectLst/>
+                <a:uLnTx/>
+                <a:uFillTx/>
+                <a:latin typeface="Verdana" panose="020B0604030504040204" pitchFamily="34" charset="0"/>
+                <a:ea typeface="Verdana" panose="020B0604030504040204" pitchFamily="34" charset="0"/>
+                <a:cs typeface="+mn-cs"/>
+              </a:rPr>
+              <a:t>1</a:t>
+            </a:r>
+          </a:p>
+        </p:txBody>
+      </p:sp>
+      <p:sp>
+        <p:nvSpPr>
+          <p:cNvPr id="12" name="Footer Placeholder 7">
+            <a:extLst>
+              <a:ext uri="{FF2B5EF4-FFF2-40B4-BE49-F238E27FC236}">
+                <a16:creationId xmlns:a16="http://schemas.microsoft.com/office/drawing/2014/main" id="{64C57949-E349-47D3-A505-A098233AF49D}"/>
+              </a:ext>
+            </a:extLst>
+          </p:cNvPr>
+          <p:cNvSpPr txBox="1">
+            <a:spLocks/>
+          </p:cNvSpPr>
+          <p:nvPr/>
+        </p:nvSpPr>
+        <p:spPr>
+          <a:xfrm>
+            <a:off x="133897" y="3960852"/>
+            <a:ext cx="4114800" cy="365125"/>
+          </a:xfrm>
+          <a:prstGeom prst="rect">
+            <a:avLst/>
+          </a:prstGeom>
+        </p:spPr>
+        <p:txBody>
+          <a:bodyPr vert="horz" lIns="91440" tIns="45720" rIns="91440" bIns="45720" rtlCol="0" anchor="ctr"/>
+          <a:lstStyle>
+            <a:defPPr>
+              <a:defRPr lang="en-US"/>
+            </a:defPPr>
+            <a:lvl1pPr marL="0" algn="ctr" defTabSz="914400" rtl="0" eaLnBrk="1" latinLnBrk="0" hangingPunct="1">
+              <a:defRPr sz="1200" kern="1200">
+                <a:solidFill>
+                  <a:schemeClr val="tx1">
+                    <a:tint val="75000"/>
+                  </a:schemeClr>
+                </a:solidFill>
+                <a:latin typeface="+mn-lt"/>
+                <a:ea typeface="+mn-ea"/>
+                <a:cs typeface="+mn-cs"/>
+              </a:defRPr>
+            </a:lvl1pPr>
+            <a:lvl2pPr marL="457200" algn="l" defTabSz="914400" rtl="0" eaLnBrk="1" latinLnBrk="0" hangingPunct="1">
+              <a:defRPr sz="1800" kern="1200">
+                <a:solidFill>
+                  <a:schemeClr val="tx1"/>
+                </a:solidFill>
+                <a:latin typeface="+mn-lt"/>
+                <a:ea typeface="+mn-ea"/>
+                <a:cs typeface="+mn-cs"/>
+              </a:defRPr>
+            </a:lvl2pPr>
+            <a:lvl3pPr marL="914400" algn="l" defTabSz="914400" rtl="0" eaLnBrk="1" latinLnBrk="0" hangingPunct="1">
+              <a:defRPr sz="1800" kern="1200">
+                <a:solidFill>
+                  <a:schemeClr val="tx1"/>
+                </a:solidFill>
+                <a:latin typeface="+mn-lt"/>
+                <a:ea typeface="+mn-ea"/>
+                <a:cs typeface="+mn-cs"/>
+              </a:defRPr>
+            </a:lvl3pPr>
+            <a:lvl4pPr marL="1371600" algn="l" defTabSz="914400" rtl="0" eaLnBrk="1" latinLnBrk="0" hangingPunct="1">
+              <a:defRPr sz="1800" kern="1200">
+                <a:solidFill>
+                  <a:schemeClr val="tx1"/>
+                </a:solidFill>
+                <a:latin typeface="+mn-lt"/>
+                <a:ea typeface="+mn-ea"/>
+                <a:cs typeface="+mn-cs"/>
+              </a:defRPr>
+            </a:lvl4pPr>
+            <a:lvl5pPr marL="1828800" algn="l" defTabSz="914400" rtl="0" eaLnBrk="1" latinLnBrk="0" hangingPunct="1">
+              <a:defRPr sz="1800" kern="1200">
+                <a:solidFill>
+                  <a:schemeClr val="tx1"/>
+                </a:solidFill>
+                <a:latin typeface="+mn-lt"/>
+                <a:ea typeface="+mn-ea"/>
+                <a:cs typeface="+mn-cs"/>
+              </a:defRPr>
+            </a:lvl5pPr>
+            <a:lvl6pPr marL="2286000" algn="l" defTabSz="914400" rtl="0" eaLnBrk="1" latinLnBrk="0" hangingPunct="1">
+              <a:defRPr sz="1800" kern="1200">
+                <a:solidFill>
+                  <a:schemeClr val="tx1"/>
+                </a:solidFill>
+                <a:latin typeface="+mn-lt"/>
+                <a:ea typeface="+mn-ea"/>
+                <a:cs typeface="+mn-cs"/>
+              </a:defRPr>
+            </a:lvl6pPr>
+            <a:lvl7pPr marL="2743200" algn="l" defTabSz="914400" rtl="0" eaLnBrk="1" latinLnBrk="0" hangingPunct="1">
+              <a:defRPr sz="1800" kern="1200">
+                <a:solidFill>
+                  <a:schemeClr val="tx1"/>
+                </a:solidFill>
+                <a:latin typeface="+mn-lt"/>
+                <a:ea typeface="+mn-ea"/>
+                <a:cs typeface="+mn-cs"/>
+              </a:defRPr>
+            </a:lvl7pPr>
+            <a:lvl8pPr marL="3200400" algn="l" defTabSz="914400" rtl="0" eaLnBrk="1" latinLnBrk="0" hangingPunct="1">
+              <a:defRPr sz="1800" kern="1200">
+                <a:solidFill>
+                  <a:schemeClr val="tx1"/>
+                </a:solidFill>
+                <a:latin typeface="+mn-lt"/>
+                <a:ea typeface="+mn-ea"/>
+                <a:cs typeface="+mn-cs"/>
+              </a:defRPr>
+            </a:lvl8pPr>
+            <a:lvl9pPr marL="3657600" algn="l" defTabSz="914400" rtl="0" eaLnBrk="1" latinLnBrk="0" hangingPunct="1">
+              <a:defRPr sz="1800" kern="1200">
+                <a:solidFill>
+                  <a:schemeClr val="tx1"/>
+                </a:solidFill>
+                <a:latin typeface="+mn-lt"/>
+                <a:ea typeface="+mn-ea"/>
+                <a:cs typeface="+mn-cs"/>
+              </a:defRPr>
+            </a:lvl9pPr>
+          </a:lstStyle>
+          <a:p>
+            <a:pPr marL="0" marR="0" lvl="0" indent="0" algn="ctr" defTabSz="914400" rtl="0" eaLnBrk="1" fontAlgn="auto" latinLnBrk="0" hangingPunct="1">
+              <a:lnSpc>
+                <a:spcPct val="100000"/>
+              </a:lnSpc>
+              <a:spcBef>
+                <a:spcPts val="0"/>
+              </a:spcBef>
+              <a:spcAft>
+                <a:spcPts val="0"/>
+              </a:spcAft>
+              <a:buClrTx/>
+              <a:buSzTx/>
+              <a:buFontTx/>
+              <a:buNone/>
+              <a:tabLst/>
+              <a:defRPr/>
+            </a:pPr>
+            <a:r>
+              <a:rPr kumimoji="0" lang="en-IN" sz="1200" b="1" i="0" u="none" strike="noStrike" kern="1200" cap="none" spc="0" normalizeH="0" baseline="0" noProof="0" dirty="0">
+                <a:ln>
+                  <a:noFill/>
+                </a:ln>
+                <a:solidFill>
+                  <a:srgbClr val="002060"/>
+                </a:solidFill>
+                <a:effectLst/>
+                <a:uLnTx/>
+                <a:uFillTx/>
+                <a:latin typeface="Verdana" panose="020B0604030504040204" pitchFamily="34" charset="0"/>
+                <a:ea typeface="Verdana" panose="020B0604030504040204" pitchFamily="34" charset="0"/>
+                <a:cs typeface="+mn-cs"/>
+              </a:rPr>
+              <a:t>Dot Net Learners House</a:t>
+            </a:r>
+          </a:p>
+        </p:txBody>
+      </p:sp>
+      <p:sp>
+        <p:nvSpPr>
+          <p:cNvPr id="10" name="TextBox 9">
+            <a:extLst>
+              <a:ext uri="{FF2B5EF4-FFF2-40B4-BE49-F238E27FC236}">
+                <a16:creationId xmlns:a16="http://schemas.microsoft.com/office/drawing/2014/main" id="{19953791-0C49-4113-A95A-639979BFF9A6}"/>
+              </a:ext>
+            </a:extLst>
+          </p:cNvPr>
+          <p:cNvSpPr txBox="1"/>
+          <p:nvPr/>
+        </p:nvSpPr>
+        <p:spPr>
+          <a:xfrm>
+            <a:off x="80629" y="557824"/>
+            <a:ext cx="12037390" cy="2800062"/>
+          </a:xfrm>
+          <a:prstGeom prst="rect">
+            <a:avLst/>
+          </a:prstGeom>
+          <a:noFill/>
+        </p:spPr>
+        <p:txBody>
+          <a:bodyPr wrap="square" rtlCol="0">
+            <a:spAutoFit/>
+          </a:bodyPr>
+          <a:lstStyle/>
+          <a:p>
+            <a:pPr marL="628650" marR="0" lvl="1" indent="-171450" algn="l" defTabSz="914400" rtl="0" eaLnBrk="1" fontAlgn="auto" latinLnBrk="0" hangingPunct="1">
+              <a:lnSpc>
+                <a:spcPct val="150000"/>
+              </a:lnSpc>
+              <a:spcBef>
+                <a:spcPts val="0"/>
+              </a:spcBef>
+              <a:spcAft>
+                <a:spcPts val="0"/>
+              </a:spcAft>
+              <a:buClrTx/>
+              <a:buSzTx/>
+              <a:buFont typeface="Wingdings" panose="05000000000000000000" pitchFamily="2" charset="2"/>
+              <a:buChar char="Ø"/>
+              <a:tabLst/>
+              <a:defRPr/>
+            </a:pPr>
+            <a:r>
+              <a:rPr kumimoji="0" lang="en-US" sz="2000" b="0" i="0" u="none" strike="noStrike" kern="1200" cap="none" spc="0" normalizeH="0" baseline="0" noProof="0" dirty="0">
+                <a:ln>
+                  <a:noFill/>
+                </a:ln>
+                <a:solidFill>
+                  <a:srgbClr val="00B0F0"/>
+                </a:solidFill>
+                <a:effectLst/>
+                <a:uLnTx/>
+                <a:uFillTx/>
+                <a:latin typeface="Verdana" panose="020B0604030504040204" pitchFamily="34" charset="0"/>
+                <a:ea typeface="Verdana" panose="020B0604030504040204" pitchFamily="34" charset="0"/>
+                <a:cs typeface="+mn-cs"/>
+              </a:rPr>
+              <a:t> </a:t>
+            </a:r>
+            <a:r>
+              <a:rPr kumimoji="0" lang="en-US" sz="2000" b="0" i="0" u="none" strike="noStrike" kern="1200" cap="none" spc="0" normalizeH="0" baseline="0" noProof="0" dirty="0">
+                <a:ln>
+                  <a:noFill/>
+                </a:ln>
+                <a:solidFill>
+                  <a:srgbClr val="0070C0"/>
+                </a:solidFill>
+                <a:effectLst/>
+                <a:uLnTx/>
+                <a:uFillTx/>
+                <a:latin typeface="Verdana" panose="020B0604030504040204" pitchFamily="34" charset="0"/>
+                <a:ea typeface="Verdana" panose="020B0604030504040204" pitchFamily="34" charset="0"/>
+                <a:cs typeface="+mn-cs"/>
+              </a:rPr>
+              <a:t>I am still a learner. Apologize if I do any mistake.</a:t>
+            </a:r>
+          </a:p>
+          <a:p>
+            <a:pPr marL="628650" marR="0" lvl="1" indent="-171450" algn="l" defTabSz="914400" rtl="0" eaLnBrk="1" fontAlgn="auto" latinLnBrk="0" hangingPunct="1">
+              <a:lnSpc>
+                <a:spcPct val="150000"/>
+              </a:lnSpc>
+              <a:spcBef>
+                <a:spcPts val="0"/>
+              </a:spcBef>
+              <a:spcAft>
+                <a:spcPts val="0"/>
+              </a:spcAft>
+              <a:buClrTx/>
+              <a:buSzTx/>
+              <a:buFont typeface="Wingdings" panose="05000000000000000000" pitchFamily="2" charset="2"/>
+              <a:buChar char="Ø"/>
+              <a:tabLst/>
+              <a:defRPr/>
+            </a:pPr>
+            <a:r>
+              <a:rPr kumimoji="0" lang="en-US" sz="2000" b="0" i="0" u="none" strike="noStrike" kern="1200" cap="none" spc="0" normalizeH="0" baseline="0" noProof="0" dirty="0">
+                <a:ln>
+                  <a:noFill/>
+                </a:ln>
+                <a:solidFill>
+                  <a:srgbClr val="002060"/>
+                </a:solidFill>
+                <a:effectLst/>
+                <a:uLnTx/>
+                <a:uFillTx/>
+                <a:latin typeface="Verdana" panose="020B0604030504040204" pitchFamily="34" charset="0"/>
+                <a:ea typeface="Verdana" panose="020B0604030504040204" pitchFamily="34" charset="0"/>
+                <a:cs typeface="+mn-cs"/>
+              </a:rPr>
+              <a:t> All the sessions will be hands on.</a:t>
+            </a:r>
+          </a:p>
+          <a:p>
+            <a:pPr marL="628650" marR="0" lvl="1" indent="-171450" algn="l" defTabSz="914400" rtl="0" eaLnBrk="1" fontAlgn="auto" latinLnBrk="0" hangingPunct="1">
+              <a:lnSpc>
+                <a:spcPct val="150000"/>
+              </a:lnSpc>
+              <a:spcBef>
+                <a:spcPts val="0"/>
+              </a:spcBef>
+              <a:spcAft>
+                <a:spcPts val="0"/>
+              </a:spcAft>
+              <a:buClrTx/>
+              <a:buSzTx/>
+              <a:buFont typeface="Wingdings" panose="05000000000000000000" pitchFamily="2" charset="2"/>
+              <a:buChar char="Ø"/>
+              <a:tabLst/>
+              <a:defRPr/>
+            </a:pPr>
+            <a:r>
+              <a:rPr kumimoji="0" lang="en-US" sz="2000" b="0" i="0" u="none" strike="noStrike" kern="1200" cap="none" spc="0" normalizeH="0" baseline="0" noProof="0" dirty="0">
+                <a:ln>
+                  <a:noFill/>
+                </a:ln>
+                <a:solidFill>
+                  <a:srgbClr val="002060"/>
+                </a:solidFill>
+                <a:effectLst/>
+                <a:uLnTx/>
+                <a:uFillTx/>
+                <a:latin typeface="Verdana" panose="020B0604030504040204" pitchFamily="34" charset="0"/>
+                <a:ea typeface="Verdana" panose="020B0604030504040204" pitchFamily="34" charset="0"/>
+                <a:cs typeface="+mn-cs"/>
+              </a:rPr>
+              <a:t> Will have parking lots for queries and other topics.</a:t>
+            </a:r>
+          </a:p>
+          <a:p>
+            <a:pPr marL="628650" marR="0" lvl="1" indent="-171450" algn="l" defTabSz="914400" rtl="0" eaLnBrk="1" fontAlgn="auto" latinLnBrk="0" hangingPunct="1">
+              <a:lnSpc>
+                <a:spcPct val="150000"/>
+              </a:lnSpc>
+              <a:spcBef>
+                <a:spcPts val="0"/>
+              </a:spcBef>
+              <a:spcAft>
+                <a:spcPts val="0"/>
+              </a:spcAft>
+              <a:buClrTx/>
+              <a:buSzTx/>
+              <a:buFont typeface="Wingdings" panose="05000000000000000000" pitchFamily="2" charset="2"/>
+              <a:buChar char="Ø"/>
+              <a:tabLst/>
+              <a:defRPr/>
+            </a:pPr>
+            <a:r>
+              <a:rPr kumimoji="0" lang="en-US" sz="2000" b="0" i="0" u="none" strike="noStrike" kern="1200" cap="none" spc="0" normalizeH="0" baseline="0" noProof="0" dirty="0">
+                <a:ln>
+                  <a:noFill/>
+                </a:ln>
+                <a:solidFill>
+                  <a:srgbClr val="002060"/>
+                </a:solidFill>
+                <a:effectLst/>
+                <a:uLnTx/>
+                <a:uFillTx/>
+                <a:latin typeface="Verdana" panose="020B0604030504040204" pitchFamily="34" charset="0"/>
+                <a:ea typeface="Verdana" panose="020B0604030504040204" pitchFamily="34" charset="0"/>
+                <a:cs typeface="+mn-cs"/>
+              </a:rPr>
+              <a:t> Some of the concepts we will introduced and revisited in next sessions.</a:t>
+            </a:r>
+          </a:p>
+          <a:p>
+            <a:pPr marL="628650" marR="0" lvl="1" indent="-171450" algn="l" defTabSz="914400" rtl="0" eaLnBrk="1" fontAlgn="auto" latinLnBrk="0" hangingPunct="1">
+              <a:lnSpc>
+                <a:spcPct val="150000"/>
+              </a:lnSpc>
+              <a:spcBef>
+                <a:spcPts val="0"/>
+              </a:spcBef>
+              <a:spcAft>
+                <a:spcPts val="0"/>
+              </a:spcAft>
+              <a:buClrTx/>
+              <a:buSzTx/>
+              <a:buFont typeface="Wingdings" panose="05000000000000000000" pitchFamily="2" charset="2"/>
+              <a:buChar char="Ø"/>
+              <a:tabLst/>
+              <a:defRPr/>
+            </a:pPr>
+            <a:r>
+              <a:rPr kumimoji="0" lang="en-US" sz="2000" b="0" i="0" u="none" strike="noStrike" kern="1200" cap="none" spc="0" normalizeH="0" baseline="0" noProof="0" dirty="0">
+                <a:ln>
+                  <a:noFill/>
+                </a:ln>
+                <a:solidFill>
+                  <a:srgbClr val="002060"/>
+                </a:solidFill>
+                <a:effectLst/>
+                <a:uLnTx/>
+                <a:uFillTx/>
+                <a:latin typeface="Verdana" panose="020B0604030504040204" pitchFamily="34" charset="0"/>
+                <a:ea typeface="Verdana" panose="020B0604030504040204" pitchFamily="34" charset="0"/>
+                <a:cs typeface="+mn-cs"/>
+              </a:rPr>
+              <a:t> There are multiple ways to do, we will use one of the ways.</a:t>
+            </a:r>
+          </a:p>
+          <a:p>
+            <a:pPr marL="628650" marR="0" lvl="1" indent="-171450" algn="l" defTabSz="914400" rtl="0" eaLnBrk="1" fontAlgn="auto" latinLnBrk="0" hangingPunct="1">
+              <a:lnSpc>
+                <a:spcPct val="150000"/>
+              </a:lnSpc>
+              <a:spcBef>
+                <a:spcPts val="0"/>
+              </a:spcBef>
+              <a:spcAft>
+                <a:spcPts val="0"/>
+              </a:spcAft>
+              <a:buClrTx/>
+              <a:buSzTx/>
+              <a:buFont typeface="Wingdings" panose="05000000000000000000" pitchFamily="2" charset="2"/>
+              <a:buChar char="Ø"/>
+              <a:tabLst/>
+              <a:defRPr/>
+            </a:pPr>
+            <a:r>
+              <a:rPr kumimoji="0" lang="en-US" sz="2000" b="0" i="0" u="none" strike="noStrike" kern="1200" cap="none" spc="0" normalizeH="0" baseline="0" noProof="0" dirty="0">
+                <a:ln>
+                  <a:noFill/>
+                </a:ln>
+                <a:solidFill>
+                  <a:srgbClr val="002060"/>
+                </a:solidFill>
+                <a:effectLst/>
+                <a:uLnTx/>
+                <a:uFillTx/>
+                <a:latin typeface="Verdana" panose="020B0604030504040204" pitchFamily="34" charset="0"/>
+                <a:ea typeface="Verdana" panose="020B0604030504040204" pitchFamily="34" charset="0"/>
+                <a:cs typeface="+mn-cs"/>
+              </a:rPr>
+              <a:t> The focus was more on concepts and demos are kept simple. </a:t>
+            </a:r>
+          </a:p>
+        </p:txBody>
+      </p:sp>
+    </p:spTree>
+    <p:extLst>
+      <p:ext uri="{BB962C8B-B14F-4D97-AF65-F5344CB8AC3E}">
+        <p14:creationId xmlns:p14="http://schemas.microsoft.com/office/powerpoint/2010/main" val="933004240"/>
+      </p:ext>
+    </p:extLst>
+  </p:cSld>
+  <p:clrMapOvr>
+    <a:masterClrMapping/>
+  </p:clrMapOvr>
+</p:sld>
+</file>
+
+<file path=ppt/slides/slide20.xml><?xml version="1.0" encoding="utf-8"?>
 <p:sld xmlns:a="http://schemas.openxmlformats.org/drawingml/2006/main" xmlns:r="http://schemas.openxmlformats.org/officeDocument/2006/relationships" xmlns:p="http://schemas.openxmlformats.org/presentationml/2006/main">
   <p:cSld>
     <p:spTree>
@@ -26122,7 +27908,7 @@
 </p:sld>
 </file>
 
-<file path=ppt/slides/slide19.xml><?xml version="1.0" encoding="utf-8"?>
+<file path=ppt/slides/slide21.xml><?xml version="1.0" encoding="utf-8"?>
 <p:sld xmlns:a="http://schemas.openxmlformats.org/drawingml/2006/main" xmlns:r="http://schemas.openxmlformats.org/officeDocument/2006/relationships" xmlns:p="http://schemas.openxmlformats.org/presentationml/2006/main">
   <p:cSld>
     <p:spTree>
@@ -26541,758 +28327,7 @@
 </p:sld>
 </file>
 
-<file path=ppt/slides/slide2.xml><?xml version="1.0" encoding="utf-8"?>
-<p:sld xmlns:a="http://schemas.openxmlformats.org/drawingml/2006/main" xmlns:r="http://schemas.openxmlformats.org/officeDocument/2006/relationships" xmlns:p="http://schemas.openxmlformats.org/presentationml/2006/main">
-  <p:cSld>
-    <p:spTree>
-      <p:nvGrpSpPr>
-        <p:cNvPr id="1" name=""/>
-        <p:cNvGrpSpPr/>
-        <p:nvPr/>
-      </p:nvGrpSpPr>
-      <p:grpSpPr>
-        <a:xfrm>
-          <a:off x="0" y="0"/>
-          <a:ext cx="0" cy="0"/>
-          <a:chOff x="0" y="0"/>
-          <a:chExt cx="0" cy="0"/>
-        </a:xfrm>
-      </p:grpSpPr>
-      <p:sp>
-        <p:nvSpPr>
-          <p:cNvPr id="4" name="Rectangle 3">
-            <a:extLst>
-              <a:ext uri="{FF2B5EF4-FFF2-40B4-BE49-F238E27FC236}">
-                <a16:creationId xmlns:a16="http://schemas.microsoft.com/office/drawing/2014/main" id="{055C22F7-3FD1-4C1B-8D0C-0C2F7FB61DBE}"/>
-              </a:ext>
-            </a:extLst>
-          </p:cNvPr>
-          <p:cNvSpPr/>
-          <p:nvPr/>
-        </p:nvSpPr>
-        <p:spPr>
-          <a:xfrm>
-            <a:off x="0" y="8878"/>
-            <a:ext cx="12183122" cy="497150"/>
-          </a:xfrm>
-          <a:prstGeom prst="rect">
-            <a:avLst/>
-          </a:prstGeom>
-          <a:solidFill>
-            <a:srgbClr val="0070C0"/>
-          </a:solidFill>
-        </p:spPr>
-        <p:style>
-          <a:lnRef idx="2">
-            <a:schemeClr val="accent1">
-              <a:shade val="50000"/>
-            </a:schemeClr>
-          </a:lnRef>
-          <a:fillRef idx="1">
-            <a:schemeClr val="accent1"/>
-          </a:fillRef>
-          <a:effectRef idx="0">
-            <a:schemeClr val="accent1"/>
-          </a:effectRef>
-          <a:fontRef idx="minor">
-            <a:schemeClr val="lt1"/>
-          </a:fontRef>
-        </p:style>
-        <p:txBody>
-          <a:bodyPr rtlCol="0" anchor="ctr"/>
-          <a:lstStyle/>
-          <a:p>
-            <a:pPr marL="0" marR="0" lvl="0" indent="0" algn="ctr" defTabSz="914400" rtl="0" eaLnBrk="1" fontAlgn="auto" latinLnBrk="0" hangingPunct="1">
-              <a:lnSpc>
-                <a:spcPct val="100000"/>
-              </a:lnSpc>
-              <a:spcBef>
-                <a:spcPts val="0"/>
-              </a:spcBef>
-              <a:spcAft>
-                <a:spcPts val="0"/>
-              </a:spcAft>
-              <a:buClrTx/>
-              <a:buSzTx/>
-              <a:buFontTx/>
-              <a:buNone/>
-              <a:tabLst/>
-              <a:defRPr/>
-            </a:pPr>
-            <a:r>
-              <a:rPr kumimoji="0" lang="en-US" sz="1800" b="1" i="0" u="none" strike="noStrike" kern="1200" cap="none" spc="0" normalizeH="0" baseline="0" noProof="0" dirty="0">
-                <a:ln>
-                  <a:noFill/>
-                </a:ln>
-                <a:solidFill>
-                  <a:prstClr val="white"/>
-                </a:solidFill>
-                <a:effectLst/>
-                <a:uLnTx/>
-                <a:uFillTx/>
-                <a:latin typeface="Verdana" panose="020B0604030504040204" pitchFamily="34" charset="0"/>
-                <a:ea typeface="Verdana" panose="020B0604030504040204" pitchFamily="34" charset="0"/>
-                <a:cs typeface="+mn-cs"/>
-              </a:rPr>
-              <a:t>Information</a:t>
-            </a:r>
-            <a:endParaRPr kumimoji="0" lang="en-IN" sz="1800" b="1" i="0" u="none" strike="noStrike" kern="1200" cap="none" spc="0" normalizeH="0" baseline="0" noProof="0" dirty="0">
-              <a:ln>
-                <a:noFill/>
-              </a:ln>
-              <a:solidFill>
-                <a:prstClr val="white"/>
-              </a:solidFill>
-              <a:effectLst/>
-              <a:uLnTx/>
-              <a:uFillTx/>
-              <a:latin typeface="Verdana" panose="020B0604030504040204" pitchFamily="34" charset="0"/>
-              <a:ea typeface="Verdana" panose="020B0604030504040204" pitchFamily="34" charset="0"/>
-              <a:cs typeface="+mn-cs"/>
-            </a:endParaRPr>
-          </a:p>
-        </p:txBody>
-      </p:sp>
-      <p:sp>
-        <p:nvSpPr>
-          <p:cNvPr id="7" name="Rectangle 6">
-            <a:extLst>
-              <a:ext uri="{FF2B5EF4-FFF2-40B4-BE49-F238E27FC236}">
-                <a16:creationId xmlns:a16="http://schemas.microsoft.com/office/drawing/2014/main" id="{B10720DE-FD2A-4FE5-B9FB-74854D01A659}"/>
-              </a:ext>
-            </a:extLst>
-          </p:cNvPr>
-          <p:cNvSpPr/>
-          <p:nvPr/>
-        </p:nvSpPr>
-        <p:spPr>
-          <a:xfrm>
-            <a:off x="0" y="3915050"/>
-            <a:ext cx="12183122" cy="57703"/>
-          </a:xfrm>
-          <a:prstGeom prst="rect">
-            <a:avLst/>
-          </a:prstGeom>
-          <a:solidFill>
-            <a:srgbClr val="0070C0"/>
-          </a:solidFill>
-        </p:spPr>
-        <p:style>
-          <a:lnRef idx="2">
-            <a:schemeClr val="accent1">
-              <a:shade val="50000"/>
-            </a:schemeClr>
-          </a:lnRef>
-          <a:fillRef idx="1">
-            <a:schemeClr val="accent1"/>
-          </a:fillRef>
-          <a:effectRef idx="0">
-            <a:schemeClr val="accent1"/>
-          </a:effectRef>
-          <a:fontRef idx="minor">
-            <a:schemeClr val="lt1"/>
-          </a:fontRef>
-        </p:style>
-        <p:txBody>
-          <a:bodyPr rtlCol="0" anchor="ctr"/>
-          <a:lstStyle/>
-          <a:p>
-            <a:pPr marL="0" marR="0" lvl="0" indent="0" algn="ctr" defTabSz="914400" rtl="0" eaLnBrk="1" fontAlgn="auto" latinLnBrk="0" hangingPunct="1">
-              <a:lnSpc>
-                <a:spcPct val="100000"/>
-              </a:lnSpc>
-              <a:spcBef>
-                <a:spcPts val="0"/>
-              </a:spcBef>
-              <a:spcAft>
-                <a:spcPts val="0"/>
-              </a:spcAft>
-              <a:buClrTx/>
-              <a:buSzTx/>
-              <a:buFontTx/>
-              <a:buNone/>
-              <a:tabLst/>
-              <a:defRPr/>
-            </a:pPr>
-            <a:endParaRPr kumimoji="0" lang="en-IN" sz="1000" b="0" i="0" u="none" strike="noStrike" kern="1200" cap="none" spc="0" normalizeH="0" baseline="0" noProof="0" dirty="0">
-              <a:ln>
-                <a:noFill/>
-              </a:ln>
-              <a:solidFill>
-                <a:prstClr val="white"/>
-              </a:solidFill>
-              <a:effectLst/>
-              <a:uLnTx/>
-              <a:uFillTx/>
-              <a:latin typeface="Verdana" panose="020B0604030504040204" pitchFamily="34" charset="0"/>
-              <a:ea typeface="Verdana" panose="020B0604030504040204" pitchFamily="34" charset="0"/>
-              <a:cs typeface="+mn-cs"/>
-            </a:endParaRPr>
-          </a:p>
-        </p:txBody>
-      </p:sp>
-      <p:sp>
-        <p:nvSpPr>
-          <p:cNvPr id="8" name="Footer Placeholder 7">
-            <a:extLst>
-              <a:ext uri="{FF2B5EF4-FFF2-40B4-BE49-F238E27FC236}">
-                <a16:creationId xmlns:a16="http://schemas.microsoft.com/office/drawing/2014/main" id="{DD2A19CA-EC18-432D-8F8F-17079808F38B}"/>
-              </a:ext>
-            </a:extLst>
-          </p:cNvPr>
-          <p:cNvSpPr>
-            <a:spLocks noGrp="1"/>
-          </p:cNvSpPr>
-          <p:nvPr>
-            <p:ph type="ftr" sz="quarter" idx="11"/>
-          </p:nvPr>
-        </p:nvSpPr>
-        <p:spPr>
-          <a:xfrm>
-            <a:off x="4038600" y="3959378"/>
-            <a:ext cx="4114800" cy="365125"/>
-          </a:xfrm>
-        </p:spPr>
-        <p:txBody>
-          <a:bodyPr/>
-          <a:lstStyle/>
-          <a:p>
-            <a:pPr marL="0" marR="0" lvl="0" indent="0" algn="ctr" defTabSz="914400" rtl="0" eaLnBrk="1" fontAlgn="auto" latinLnBrk="0" hangingPunct="1">
-              <a:lnSpc>
-                <a:spcPct val="100000"/>
-              </a:lnSpc>
-              <a:spcBef>
-                <a:spcPts val="0"/>
-              </a:spcBef>
-              <a:spcAft>
-                <a:spcPts val="0"/>
-              </a:spcAft>
-              <a:buClrTx/>
-              <a:buSzTx/>
-              <a:buFontTx/>
-              <a:buNone/>
-              <a:tabLst/>
-              <a:defRPr/>
-            </a:pPr>
-            <a:r>
-              <a:rPr kumimoji="0" lang="en-IN" sz="1200" b="1" i="0" u="none" strike="noStrike" kern="1200" cap="none" spc="0" normalizeH="0" baseline="0" noProof="0" dirty="0">
-                <a:ln>
-                  <a:noFill/>
-                </a:ln>
-                <a:solidFill>
-                  <a:srgbClr val="002060"/>
-                </a:solidFill>
-                <a:effectLst/>
-                <a:uLnTx/>
-                <a:uFillTx/>
-                <a:latin typeface="Verdana" panose="020B0604030504040204" pitchFamily="34" charset="0"/>
-                <a:ea typeface="Verdana" panose="020B0604030504040204" pitchFamily="34" charset="0"/>
-                <a:cs typeface="+mn-cs"/>
-              </a:rPr>
-              <a:t>2022</a:t>
-            </a:r>
-          </a:p>
-        </p:txBody>
-      </p:sp>
-      <p:sp>
-        <p:nvSpPr>
-          <p:cNvPr id="9" name="Slide Number Placeholder 8">
-            <a:extLst>
-              <a:ext uri="{FF2B5EF4-FFF2-40B4-BE49-F238E27FC236}">
-                <a16:creationId xmlns:a16="http://schemas.microsoft.com/office/drawing/2014/main" id="{8162625C-0B1F-42E0-BE7C-D99A08FED7A3}"/>
-              </a:ext>
-            </a:extLst>
-          </p:cNvPr>
-          <p:cNvSpPr>
-            <a:spLocks noGrp="1"/>
-          </p:cNvSpPr>
-          <p:nvPr>
-            <p:ph type="sldNum" sz="quarter" idx="12"/>
-          </p:nvPr>
-        </p:nvSpPr>
-        <p:spPr>
-          <a:xfrm>
-            <a:off x="8610600" y="3959378"/>
-            <a:ext cx="2743200" cy="365125"/>
-          </a:xfrm>
-        </p:spPr>
-        <p:txBody>
-          <a:bodyPr/>
-          <a:lstStyle/>
-          <a:p>
-            <a:pPr marL="0" marR="0" lvl="0" indent="0" algn="r" defTabSz="914400" rtl="0" eaLnBrk="1" fontAlgn="auto" latinLnBrk="0" hangingPunct="1">
-              <a:lnSpc>
-                <a:spcPct val="100000"/>
-              </a:lnSpc>
-              <a:spcBef>
-                <a:spcPts val="0"/>
-              </a:spcBef>
-              <a:spcAft>
-                <a:spcPts val="0"/>
-              </a:spcAft>
-              <a:buClrTx/>
-              <a:buSzTx/>
-              <a:buFontTx/>
-              <a:buNone/>
-              <a:tabLst/>
-              <a:defRPr/>
-            </a:pPr>
-            <a:r>
-              <a:rPr kumimoji="0" lang="en-IN" sz="1200" b="1" i="0" u="none" strike="noStrike" kern="1200" cap="none" spc="0" normalizeH="0" baseline="0" noProof="0" dirty="0">
-                <a:ln>
-                  <a:noFill/>
-                </a:ln>
-                <a:solidFill>
-                  <a:srgbClr val="002060"/>
-                </a:solidFill>
-                <a:effectLst/>
-                <a:uLnTx/>
-                <a:uFillTx/>
-                <a:latin typeface="Verdana" panose="020B0604030504040204" pitchFamily="34" charset="0"/>
-                <a:ea typeface="Verdana" panose="020B0604030504040204" pitchFamily="34" charset="0"/>
-                <a:cs typeface="+mn-cs"/>
-              </a:rPr>
-              <a:t>1</a:t>
-            </a:r>
-          </a:p>
-        </p:txBody>
-      </p:sp>
-      <p:sp>
-        <p:nvSpPr>
-          <p:cNvPr id="12" name="Footer Placeholder 7">
-            <a:extLst>
-              <a:ext uri="{FF2B5EF4-FFF2-40B4-BE49-F238E27FC236}">
-                <a16:creationId xmlns:a16="http://schemas.microsoft.com/office/drawing/2014/main" id="{64C57949-E349-47D3-A505-A098233AF49D}"/>
-              </a:ext>
-            </a:extLst>
-          </p:cNvPr>
-          <p:cNvSpPr txBox="1">
-            <a:spLocks/>
-          </p:cNvSpPr>
-          <p:nvPr/>
-        </p:nvSpPr>
-        <p:spPr>
-          <a:xfrm>
-            <a:off x="133897" y="3960852"/>
-            <a:ext cx="4114800" cy="365125"/>
-          </a:xfrm>
-          <a:prstGeom prst="rect">
-            <a:avLst/>
-          </a:prstGeom>
-        </p:spPr>
-        <p:txBody>
-          <a:bodyPr vert="horz" lIns="91440" tIns="45720" rIns="91440" bIns="45720" rtlCol="0" anchor="ctr"/>
-          <a:lstStyle>
-            <a:defPPr>
-              <a:defRPr lang="en-US"/>
-            </a:defPPr>
-            <a:lvl1pPr marL="0" algn="ctr" defTabSz="914400" rtl="0" eaLnBrk="1" latinLnBrk="0" hangingPunct="1">
-              <a:defRPr sz="1200" kern="1200">
-                <a:solidFill>
-                  <a:schemeClr val="tx1">
-                    <a:tint val="75000"/>
-                  </a:schemeClr>
-                </a:solidFill>
-                <a:latin typeface="+mn-lt"/>
-                <a:ea typeface="+mn-ea"/>
-                <a:cs typeface="+mn-cs"/>
-              </a:defRPr>
-            </a:lvl1pPr>
-            <a:lvl2pPr marL="457200" algn="l" defTabSz="914400" rtl="0" eaLnBrk="1" latinLnBrk="0" hangingPunct="1">
-              <a:defRPr sz="1800" kern="1200">
-                <a:solidFill>
-                  <a:schemeClr val="tx1"/>
-                </a:solidFill>
-                <a:latin typeface="+mn-lt"/>
-                <a:ea typeface="+mn-ea"/>
-                <a:cs typeface="+mn-cs"/>
-              </a:defRPr>
-            </a:lvl2pPr>
-            <a:lvl3pPr marL="914400" algn="l" defTabSz="914400" rtl="0" eaLnBrk="1" latinLnBrk="0" hangingPunct="1">
-              <a:defRPr sz="1800" kern="1200">
-                <a:solidFill>
-                  <a:schemeClr val="tx1"/>
-                </a:solidFill>
-                <a:latin typeface="+mn-lt"/>
-                <a:ea typeface="+mn-ea"/>
-                <a:cs typeface="+mn-cs"/>
-              </a:defRPr>
-            </a:lvl3pPr>
-            <a:lvl4pPr marL="1371600" algn="l" defTabSz="914400" rtl="0" eaLnBrk="1" latinLnBrk="0" hangingPunct="1">
-              <a:defRPr sz="1800" kern="1200">
-                <a:solidFill>
-                  <a:schemeClr val="tx1"/>
-                </a:solidFill>
-                <a:latin typeface="+mn-lt"/>
-                <a:ea typeface="+mn-ea"/>
-                <a:cs typeface="+mn-cs"/>
-              </a:defRPr>
-            </a:lvl4pPr>
-            <a:lvl5pPr marL="1828800" algn="l" defTabSz="914400" rtl="0" eaLnBrk="1" latinLnBrk="0" hangingPunct="1">
-              <a:defRPr sz="1800" kern="1200">
-                <a:solidFill>
-                  <a:schemeClr val="tx1"/>
-                </a:solidFill>
-                <a:latin typeface="+mn-lt"/>
-                <a:ea typeface="+mn-ea"/>
-                <a:cs typeface="+mn-cs"/>
-              </a:defRPr>
-            </a:lvl5pPr>
-            <a:lvl6pPr marL="2286000" algn="l" defTabSz="914400" rtl="0" eaLnBrk="1" latinLnBrk="0" hangingPunct="1">
-              <a:defRPr sz="1800" kern="1200">
-                <a:solidFill>
-                  <a:schemeClr val="tx1"/>
-                </a:solidFill>
-                <a:latin typeface="+mn-lt"/>
-                <a:ea typeface="+mn-ea"/>
-                <a:cs typeface="+mn-cs"/>
-              </a:defRPr>
-            </a:lvl6pPr>
-            <a:lvl7pPr marL="2743200" algn="l" defTabSz="914400" rtl="0" eaLnBrk="1" latinLnBrk="0" hangingPunct="1">
-              <a:defRPr sz="1800" kern="1200">
-                <a:solidFill>
-                  <a:schemeClr val="tx1"/>
-                </a:solidFill>
-                <a:latin typeface="+mn-lt"/>
-                <a:ea typeface="+mn-ea"/>
-                <a:cs typeface="+mn-cs"/>
-              </a:defRPr>
-            </a:lvl7pPr>
-            <a:lvl8pPr marL="3200400" algn="l" defTabSz="914400" rtl="0" eaLnBrk="1" latinLnBrk="0" hangingPunct="1">
-              <a:defRPr sz="1800" kern="1200">
-                <a:solidFill>
-                  <a:schemeClr val="tx1"/>
-                </a:solidFill>
-                <a:latin typeface="+mn-lt"/>
-                <a:ea typeface="+mn-ea"/>
-                <a:cs typeface="+mn-cs"/>
-              </a:defRPr>
-            </a:lvl8pPr>
-            <a:lvl9pPr marL="3657600" algn="l" defTabSz="914400" rtl="0" eaLnBrk="1" latinLnBrk="0" hangingPunct="1">
-              <a:defRPr sz="1800" kern="1200">
-                <a:solidFill>
-                  <a:schemeClr val="tx1"/>
-                </a:solidFill>
-                <a:latin typeface="+mn-lt"/>
-                <a:ea typeface="+mn-ea"/>
-                <a:cs typeface="+mn-cs"/>
-              </a:defRPr>
-            </a:lvl9pPr>
-          </a:lstStyle>
-          <a:p>
-            <a:pPr marL="0" marR="0" lvl="0" indent="0" algn="ctr" defTabSz="914400" rtl="0" eaLnBrk="1" fontAlgn="auto" latinLnBrk="0" hangingPunct="1">
-              <a:lnSpc>
-                <a:spcPct val="100000"/>
-              </a:lnSpc>
-              <a:spcBef>
-                <a:spcPts val="0"/>
-              </a:spcBef>
-              <a:spcAft>
-                <a:spcPts val="0"/>
-              </a:spcAft>
-              <a:buClrTx/>
-              <a:buSzTx/>
-              <a:buFontTx/>
-              <a:buNone/>
-              <a:tabLst/>
-              <a:defRPr/>
-            </a:pPr>
-            <a:r>
-              <a:rPr kumimoji="0" lang="en-IN" sz="1200" b="1" i="0" u="none" strike="noStrike" kern="1200" cap="none" spc="0" normalizeH="0" baseline="0" noProof="0" dirty="0">
-                <a:ln>
-                  <a:noFill/>
-                </a:ln>
-                <a:solidFill>
-                  <a:srgbClr val="002060"/>
-                </a:solidFill>
-                <a:effectLst/>
-                <a:uLnTx/>
-                <a:uFillTx/>
-                <a:latin typeface="Verdana" panose="020B0604030504040204" pitchFamily="34" charset="0"/>
-                <a:ea typeface="Verdana" panose="020B0604030504040204" pitchFamily="34" charset="0"/>
-                <a:cs typeface="+mn-cs"/>
-              </a:rPr>
-              <a:t>Dot Net Learners House</a:t>
-            </a:r>
-          </a:p>
-        </p:txBody>
-      </p:sp>
-      <p:sp>
-        <p:nvSpPr>
-          <p:cNvPr id="10" name="TextBox 9">
-            <a:extLst>
-              <a:ext uri="{FF2B5EF4-FFF2-40B4-BE49-F238E27FC236}">
-                <a16:creationId xmlns:a16="http://schemas.microsoft.com/office/drawing/2014/main" id="{19953791-0C49-4113-A95A-639979BFF9A6}"/>
-              </a:ext>
-            </a:extLst>
-          </p:cNvPr>
-          <p:cNvSpPr txBox="1"/>
-          <p:nvPr/>
-        </p:nvSpPr>
-        <p:spPr>
-          <a:xfrm>
-            <a:off x="80629" y="557824"/>
-            <a:ext cx="12037390" cy="2800062"/>
-          </a:xfrm>
-          <a:prstGeom prst="rect">
-            <a:avLst/>
-          </a:prstGeom>
-          <a:noFill/>
-        </p:spPr>
-        <p:txBody>
-          <a:bodyPr wrap="square" rtlCol="0">
-            <a:spAutoFit/>
-          </a:bodyPr>
-          <a:lstStyle/>
-          <a:p>
-            <a:pPr marL="628650" marR="0" lvl="1" indent="-171450" algn="l" defTabSz="914400" rtl="0" eaLnBrk="1" fontAlgn="auto" latinLnBrk="0" hangingPunct="1">
-              <a:lnSpc>
-                <a:spcPct val="150000"/>
-              </a:lnSpc>
-              <a:spcBef>
-                <a:spcPts val="0"/>
-              </a:spcBef>
-              <a:spcAft>
-                <a:spcPts val="0"/>
-              </a:spcAft>
-              <a:buClrTx/>
-              <a:buSzTx/>
-              <a:buFont typeface="Wingdings" panose="05000000000000000000" pitchFamily="2" charset="2"/>
-              <a:buChar char="Ø"/>
-              <a:tabLst/>
-              <a:defRPr/>
-            </a:pPr>
-            <a:r>
-              <a:rPr kumimoji="0" lang="en-US" sz="2000" b="0" i="0" u="none" strike="noStrike" kern="1200" cap="none" spc="0" normalizeH="0" baseline="0" noProof="0" dirty="0">
-                <a:ln>
-                  <a:noFill/>
-                </a:ln>
-                <a:solidFill>
-                  <a:srgbClr val="00B0F0"/>
-                </a:solidFill>
-                <a:effectLst/>
-                <a:uLnTx/>
-                <a:uFillTx/>
-                <a:latin typeface="Verdana" panose="020B0604030504040204" pitchFamily="34" charset="0"/>
-                <a:ea typeface="Verdana" panose="020B0604030504040204" pitchFamily="34" charset="0"/>
-                <a:cs typeface="+mn-cs"/>
-              </a:rPr>
-              <a:t> </a:t>
-            </a:r>
-            <a:r>
-              <a:rPr kumimoji="0" lang="en-US" sz="2000" b="0" i="0" u="none" strike="noStrike" kern="1200" cap="none" spc="0" normalizeH="0" baseline="0" noProof="0" dirty="0">
-                <a:ln>
-                  <a:noFill/>
-                </a:ln>
-                <a:solidFill>
-                  <a:srgbClr val="0070C0"/>
-                </a:solidFill>
-                <a:effectLst/>
-                <a:uLnTx/>
-                <a:uFillTx/>
-                <a:latin typeface="Verdana" panose="020B0604030504040204" pitchFamily="34" charset="0"/>
-                <a:ea typeface="Verdana" panose="020B0604030504040204" pitchFamily="34" charset="0"/>
-                <a:cs typeface="+mn-cs"/>
-              </a:rPr>
-              <a:t>I am still a learner. Apologize if I do any mistake.</a:t>
-            </a:r>
-          </a:p>
-          <a:p>
-            <a:pPr marL="628650" marR="0" lvl="1" indent="-171450" algn="l" defTabSz="914400" rtl="0" eaLnBrk="1" fontAlgn="auto" latinLnBrk="0" hangingPunct="1">
-              <a:lnSpc>
-                <a:spcPct val="150000"/>
-              </a:lnSpc>
-              <a:spcBef>
-                <a:spcPts val="0"/>
-              </a:spcBef>
-              <a:spcAft>
-                <a:spcPts val="0"/>
-              </a:spcAft>
-              <a:buClrTx/>
-              <a:buSzTx/>
-              <a:buFont typeface="Wingdings" panose="05000000000000000000" pitchFamily="2" charset="2"/>
-              <a:buChar char="Ø"/>
-              <a:tabLst/>
-              <a:defRPr/>
-            </a:pPr>
-            <a:r>
-              <a:rPr kumimoji="0" lang="en-US" sz="2000" b="0" i="0" u="none" strike="noStrike" kern="1200" cap="none" spc="0" normalizeH="0" baseline="0" noProof="0" dirty="0">
-                <a:ln>
-                  <a:noFill/>
-                </a:ln>
-                <a:solidFill>
-                  <a:srgbClr val="002060"/>
-                </a:solidFill>
-                <a:effectLst/>
-                <a:uLnTx/>
-                <a:uFillTx/>
-                <a:latin typeface="Verdana" panose="020B0604030504040204" pitchFamily="34" charset="0"/>
-                <a:ea typeface="Verdana" panose="020B0604030504040204" pitchFamily="34" charset="0"/>
-                <a:cs typeface="+mn-cs"/>
-              </a:rPr>
-              <a:t> All the sessions will be hands on.</a:t>
-            </a:r>
-          </a:p>
-          <a:p>
-            <a:pPr marL="628650" marR="0" lvl="1" indent="-171450" algn="l" defTabSz="914400" rtl="0" eaLnBrk="1" fontAlgn="auto" latinLnBrk="0" hangingPunct="1">
-              <a:lnSpc>
-                <a:spcPct val="150000"/>
-              </a:lnSpc>
-              <a:spcBef>
-                <a:spcPts val="0"/>
-              </a:spcBef>
-              <a:spcAft>
-                <a:spcPts val="0"/>
-              </a:spcAft>
-              <a:buClrTx/>
-              <a:buSzTx/>
-              <a:buFont typeface="Wingdings" panose="05000000000000000000" pitchFamily="2" charset="2"/>
-              <a:buChar char="Ø"/>
-              <a:tabLst/>
-              <a:defRPr/>
-            </a:pPr>
-            <a:r>
-              <a:rPr kumimoji="0" lang="en-US" sz="2000" b="0" i="0" u="none" strike="noStrike" kern="1200" cap="none" spc="0" normalizeH="0" baseline="0" noProof="0" dirty="0">
-                <a:ln>
-                  <a:noFill/>
-                </a:ln>
-                <a:solidFill>
-                  <a:srgbClr val="002060"/>
-                </a:solidFill>
-                <a:effectLst/>
-                <a:uLnTx/>
-                <a:uFillTx/>
-                <a:latin typeface="Verdana" panose="020B0604030504040204" pitchFamily="34" charset="0"/>
-                <a:ea typeface="Verdana" panose="020B0604030504040204" pitchFamily="34" charset="0"/>
-                <a:cs typeface="+mn-cs"/>
-              </a:rPr>
-              <a:t> Will have parking lots for queries and other topics.</a:t>
-            </a:r>
-          </a:p>
-          <a:p>
-            <a:pPr marL="628650" marR="0" lvl="1" indent="-171450" algn="l" defTabSz="914400" rtl="0" eaLnBrk="1" fontAlgn="auto" latinLnBrk="0" hangingPunct="1">
-              <a:lnSpc>
-                <a:spcPct val="150000"/>
-              </a:lnSpc>
-              <a:spcBef>
-                <a:spcPts val="0"/>
-              </a:spcBef>
-              <a:spcAft>
-                <a:spcPts val="0"/>
-              </a:spcAft>
-              <a:buClrTx/>
-              <a:buSzTx/>
-              <a:buFont typeface="Wingdings" panose="05000000000000000000" pitchFamily="2" charset="2"/>
-              <a:buChar char="Ø"/>
-              <a:tabLst/>
-              <a:defRPr/>
-            </a:pPr>
-            <a:r>
-              <a:rPr kumimoji="0" lang="en-US" sz="2000" b="0" i="0" u="none" strike="noStrike" kern="1200" cap="none" spc="0" normalizeH="0" baseline="0" noProof="0" dirty="0">
-                <a:ln>
-                  <a:noFill/>
-                </a:ln>
-                <a:solidFill>
-                  <a:srgbClr val="002060"/>
-                </a:solidFill>
-                <a:effectLst/>
-                <a:uLnTx/>
-                <a:uFillTx/>
-                <a:latin typeface="Verdana" panose="020B0604030504040204" pitchFamily="34" charset="0"/>
-                <a:ea typeface="Verdana" panose="020B0604030504040204" pitchFamily="34" charset="0"/>
-                <a:cs typeface="+mn-cs"/>
-              </a:rPr>
-              <a:t> Some of the concepts we will introduced and revisited in next sessions.</a:t>
-            </a:r>
-          </a:p>
-          <a:p>
-            <a:pPr marL="628650" marR="0" lvl="1" indent="-171450" algn="l" defTabSz="914400" rtl="0" eaLnBrk="1" fontAlgn="auto" latinLnBrk="0" hangingPunct="1">
-              <a:lnSpc>
-                <a:spcPct val="150000"/>
-              </a:lnSpc>
-              <a:spcBef>
-                <a:spcPts val="0"/>
-              </a:spcBef>
-              <a:spcAft>
-                <a:spcPts val="0"/>
-              </a:spcAft>
-              <a:buClrTx/>
-              <a:buSzTx/>
-              <a:buFont typeface="Wingdings" panose="05000000000000000000" pitchFamily="2" charset="2"/>
-              <a:buChar char="Ø"/>
-              <a:tabLst/>
-              <a:defRPr/>
-            </a:pPr>
-            <a:r>
-              <a:rPr kumimoji="0" lang="en-US" sz="2000" b="0" i="0" u="none" strike="noStrike" kern="1200" cap="none" spc="0" normalizeH="0" baseline="0" noProof="0" dirty="0">
-                <a:ln>
-                  <a:noFill/>
-                </a:ln>
-                <a:solidFill>
-                  <a:srgbClr val="002060"/>
-                </a:solidFill>
-                <a:effectLst/>
-                <a:uLnTx/>
-                <a:uFillTx/>
-                <a:latin typeface="Verdana" panose="020B0604030504040204" pitchFamily="34" charset="0"/>
-                <a:ea typeface="Verdana" panose="020B0604030504040204" pitchFamily="34" charset="0"/>
-                <a:cs typeface="+mn-cs"/>
-              </a:rPr>
-              <a:t> There are multiple ways to do, we will use one of the ways.</a:t>
-            </a:r>
-          </a:p>
-          <a:p>
-            <a:pPr marL="628650" marR="0" lvl="1" indent="-171450" algn="l" defTabSz="914400" rtl="0" eaLnBrk="1" fontAlgn="auto" latinLnBrk="0" hangingPunct="1">
-              <a:lnSpc>
-                <a:spcPct val="150000"/>
-              </a:lnSpc>
-              <a:spcBef>
-                <a:spcPts val="0"/>
-              </a:spcBef>
-              <a:spcAft>
-                <a:spcPts val="0"/>
-              </a:spcAft>
-              <a:buClrTx/>
-              <a:buSzTx/>
-              <a:buFont typeface="Wingdings" panose="05000000000000000000" pitchFamily="2" charset="2"/>
-              <a:buChar char="Ø"/>
-              <a:tabLst/>
-              <a:defRPr/>
-            </a:pPr>
-            <a:r>
-              <a:rPr kumimoji="0" lang="en-US" sz="2000" b="0" i="0" u="none" strike="noStrike" kern="1200" cap="none" spc="0" normalizeH="0" baseline="0" noProof="0" dirty="0">
-                <a:ln>
-                  <a:noFill/>
-                </a:ln>
-                <a:solidFill>
-                  <a:srgbClr val="002060"/>
-                </a:solidFill>
-                <a:effectLst/>
-                <a:uLnTx/>
-                <a:uFillTx/>
-                <a:latin typeface="Verdana" panose="020B0604030504040204" pitchFamily="34" charset="0"/>
-                <a:ea typeface="Verdana" panose="020B0604030504040204" pitchFamily="34" charset="0"/>
-                <a:cs typeface="+mn-cs"/>
-              </a:rPr>
-              <a:t> The focus was more on concepts and demos are kept simple. </a:t>
-            </a:r>
-          </a:p>
-        </p:txBody>
-      </p:sp>
-    </p:spTree>
-    <p:extLst>
-      <p:ext uri="{BB962C8B-B14F-4D97-AF65-F5344CB8AC3E}">
-        <p14:creationId xmlns:p14="http://schemas.microsoft.com/office/powerpoint/2010/main" val="933004240"/>
-      </p:ext>
-    </p:extLst>
-  </p:cSld>
-  <p:clrMapOvr>
-    <a:masterClrMapping/>
-  </p:clrMapOvr>
-</p:sld>
-</file>
-
-<file path=ppt/slides/slide20.xml><?xml version="1.0" encoding="utf-8"?>
+<file path=ppt/slides/slide22.xml><?xml version="1.0" encoding="utf-8"?>
 <p:sld xmlns:a="http://schemas.openxmlformats.org/drawingml/2006/main" xmlns:r="http://schemas.openxmlformats.org/officeDocument/2006/relationships" xmlns:p="http://schemas.openxmlformats.org/presentationml/2006/main">
   <p:cSld>
     <p:spTree>
@@ -32235,6 +33270,1021 @@
 </file>
 
 <file path=ppt/slides/slide6.xml><?xml version="1.0" encoding="utf-8"?>
+<p:sld xmlns:a="http://schemas.openxmlformats.org/drawingml/2006/main" xmlns:r="http://schemas.openxmlformats.org/officeDocument/2006/relationships" xmlns:p="http://schemas.openxmlformats.org/presentationml/2006/main">
+  <p:cSld>
+    <p:spTree>
+      <p:nvGrpSpPr>
+        <p:cNvPr id="1" name=""/>
+        <p:cNvGrpSpPr/>
+        <p:nvPr/>
+      </p:nvGrpSpPr>
+      <p:grpSpPr>
+        <a:xfrm>
+          <a:off x="0" y="0"/>
+          <a:ext cx="0" cy="0"/>
+          <a:chOff x="0" y="0"/>
+          <a:chExt cx="0" cy="0"/>
+        </a:xfrm>
+      </p:grpSpPr>
+      <p:sp>
+        <p:nvSpPr>
+          <p:cNvPr id="6" name="Flowchart: Magnetic Disk 5">
+            <a:extLst>
+              <a:ext uri="{FF2B5EF4-FFF2-40B4-BE49-F238E27FC236}">
+                <a16:creationId xmlns:a16="http://schemas.microsoft.com/office/drawing/2014/main" id="{9131B884-9162-3EE5-1CFA-0CE282FB93C7}"/>
+              </a:ext>
+            </a:extLst>
+          </p:cNvPr>
+          <p:cNvSpPr/>
+          <p:nvPr/>
+        </p:nvSpPr>
+        <p:spPr>
+          <a:xfrm>
+            <a:off x="9981410" y="593889"/>
+            <a:ext cx="1621411" cy="1998482"/>
+          </a:xfrm>
+          <a:prstGeom prst="flowChartMagneticDisk">
+            <a:avLst/>
+          </a:prstGeom>
+          <a:solidFill>
+            <a:srgbClr val="FFFF00"/>
+          </a:solidFill>
+        </p:spPr>
+        <p:style>
+          <a:lnRef idx="2">
+            <a:schemeClr val="accent1">
+              <a:shade val="50000"/>
+            </a:schemeClr>
+          </a:lnRef>
+          <a:fillRef idx="1">
+            <a:schemeClr val="accent1"/>
+          </a:fillRef>
+          <a:effectRef idx="0">
+            <a:schemeClr val="accent1"/>
+          </a:effectRef>
+          <a:fontRef idx="minor">
+            <a:schemeClr val="lt1"/>
+          </a:fontRef>
+        </p:style>
+        <p:txBody>
+          <a:bodyPr rtlCol="0" anchor="ctr"/>
+          <a:lstStyle/>
+          <a:p>
+            <a:pPr algn="ctr"/>
+            <a:r>
+              <a:rPr lang="en-US" b="1" dirty="0">
+                <a:solidFill>
+                  <a:srgbClr val="002060"/>
+                </a:solidFill>
+              </a:rPr>
+              <a:t>Mongo</a:t>
+            </a:r>
+          </a:p>
+          <a:p>
+            <a:pPr algn="ctr"/>
+            <a:r>
+              <a:rPr lang="en-US" b="1" dirty="0">
+                <a:solidFill>
+                  <a:srgbClr val="002060"/>
+                </a:solidFill>
+              </a:rPr>
+              <a:t>Db</a:t>
+            </a:r>
+          </a:p>
+        </p:txBody>
+      </p:sp>
+      <p:sp>
+        <p:nvSpPr>
+          <p:cNvPr id="7" name="Smiley Face 6">
+            <a:extLst>
+              <a:ext uri="{FF2B5EF4-FFF2-40B4-BE49-F238E27FC236}">
+                <a16:creationId xmlns:a16="http://schemas.microsoft.com/office/drawing/2014/main" id="{FE6DBA86-EA27-7E1A-2C51-576036E69B17}"/>
+              </a:ext>
+            </a:extLst>
+          </p:cNvPr>
+          <p:cNvSpPr/>
+          <p:nvPr/>
+        </p:nvSpPr>
+        <p:spPr>
+          <a:xfrm>
+            <a:off x="414779" y="1602557"/>
+            <a:ext cx="1159492" cy="1197204"/>
+          </a:xfrm>
+          <a:prstGeom prst="smileyFace">
+            <a:avLst/>
+          </a:prstGeom>
+        </p:spPr>
+        <p:style>
+          <a:lnRef idx="2">
+            <a:schemeClr val="accent1">
+              <a:shade val="50000"/>
+            </a:schemeClr>
+          </a:lnRef>
+          <a:fillRef idx="1">
+            <a:schemeClr val="accent1"/>
+          </a:fillRef>
+          <a:effectRef idx="0">
+            <a:schemeClr val="accent1"/>
+          </a:effectRef>
+          <a:fontRef idx="minor">
+            <a:schemeClr val="lt1"/>
+          </a:fontRef>
+        </p:style>
+        <p:txBody>
+          <a:bodyPr rtlCol="0" anchor="ctr"/>
+          <a:lstStyle/>
+          <a:p>
+            <a:pPr algn="ctr"/>
+            <a:endParaRPr lang="en-US"/>
+          </a:p>
+        </p:txBody>
+      </p:sp>
+      <p:sp>
+        <p:nvSpPr>
+          <p:cNvPr id="8" name="Rectangle: Rounded Corners 7">
+            <a:extLst>
+              <a:ext uri="{FF2B5EF4-FFF2-40B4-BE49-F238E27FC236}">
+                <a16:creationId xmlns:a16="http://schemas.microsoft.com/office/drawing/2014/main" id="{86D85B56-BAE3-ECF1-A9F1-893231C6791F}"/>
+              </a:ext>
+            </a:extLst>
+          </p:cNvPr>
+          <p:cNvSpPr/>
+          <p:nvPr/>
+        </p:nvSpPr>
+        <p:spPr>
+          <a:xfrm>
+            <a:off x="5296290" y="537327"/>
+            <a:ext cx="1184633" cy="3007151"/>
+          </a:xfrm>
+          <a:prstGeom prst="roundRect">
+            <a:avLst/>
+          </a:prstGeom>
+        </p:spPr>
+        <p:style>
+          <a:lnRef idx="2">
+            <a:schemeClr val="accent1">
+              <a:shade val="50000"/>
+            </a:schemeClr>
+          </a:lnRef>
+          <a:fillRef idx="1">
+            <a:schemeClr val="accent1"/>
+          </a:fillRef>
+          <a:effectRef idx="0">
+            <a:schemeClr val="accent1"/>
+          </a:effectRef>
+          <a:fontRef idx="minor">
+            <a:schemeClr val="lt1"/>
+          </a:fontRef>
+        </p:style>
+        <p:txBody>
+          <a:bodyPr rtlCol="0" anchor="ctr"/>
+          <a:lstStyle/>
+          <a:p>
+            <a:pPr algn="ctr"/>
+            <a:r>
+              <a:rPr lang="en-US" dirty="0"/>
+              <a:t>API Gateway</a:t>
+            </a:r>
+          </a:p>
+        </p:txBody>
+      </p:sp>
+      <p:sp>
+        <p:nvSpPr>
+          <p:cNvPr id="9" name="Rectangle: Rounded Corners 8">
+            <a:extLst>
+              <a:ext uri="{FF2B5EF4-FFF2-40B4-BE49-F238E27FC236}">
+                <a16:creationId xmlns:a16="http://schemas.microsoft.com/office/drawing/2014/main" id="{E73379DF-7830-AAF6-D943-8F530946224E}"/>
+              </a:ext>
+            </a:extLst>
+          </p:cNvPr>
+          <p:cNvSpPr/>
+          <p:nvPr/>
+        </p:nvSpPr>
+        <p:spPr>
+          <a:xfrm>
+            <a:off x="7679708" y="565610"/>
+            <a:ext cx="1184633" cy="1036947"/>
+          </a:xfrm>
+          <a:prstGeom prst="roundRect">
+            <a:avLst/>
+          </a:prstGeom>
+        </p:spPr>
+        <p:style>
+          <a:lnRef idx="2">
+            <a:schemeClr val="accent1">
+              <a:shade val="50000"/>
+            </a:schemeClr>
+          </a:lnRef>
+          <a:fillRef idx="1">
+            <a:schemeClr val="accent1"/>
+          </a:fillRef>
+          <a:effectRef idx="0">
+            <a:schemeClr val="accent1"/>
+          </a:effectRef>
+          <a:fontRef idx="minor">
+            <a:schemeClr val="lt1"/>
+          </a:fontRef>
+        </p:style>
+        <p:txBody>
+          <a:bodyPr rtlCol="0" anchor="ctr"/>
+          <a:lstStyle/>
+          <a:p>
+            <a:pPr algn="ctr"/>
+            <a:r>
+              <a:rPr lang="en-US" dirty="0" err="1"/>
+              <a:t>Iden</a:t>
+            </a:r>
+            <a:endParaRPr lang="en-US" dirty="0"/>
+          </a:p>
+          <a:p>
+            <a:pPr algn="ctr"/>
+            <a:r>
+              <a:rPr lang="en-US" dirty="0"/>
+              <a:t>Service</a:t>
+            </a:r>
+          </a:p>
+        </p:txBody>
+      </p:sp>
+      <p:sp>
+        <p:nvSpPr>
+          <p:cNvPr id="10" name="Rectangle: Rounded Corners 9">
+            <a:extLst>
+              <a:ext uri="{FF2B5EF4-FFF2-40B4-BE49-F238E27FC236}">
+                <a16:creationId xmlns:a16="http://schemas.microsoft.com/office/drawing/2014/main" id="{66E056C2-A205-11AE-6715-CC357577A38A}"/>
+              </a:ext>
+            </a:extLst>
+          </p:cNvPr>
+          <p:cNvSpPr/>
+          <p:nvPr/>
+        </p:nvSpPr>
+        <p:spPr>
+          <a:xfrm>
+            <a:off x="7679707" y="2073897"/>
+            <a:ext cx="1184633" cy="1036947"/>
+          </a:xfrm>
+          <a:prstGeom prst="roundRect">
+            <a:avLst/>
+          </a:prstGeom>
+        </p:spPr>
+        <p:style>
+          <a:lnRef idx="2">
+            <a:schemeClr val="accent1">
+              <a:shade val="50000"/>
+            </a:schemeClr>
+          </a:lnRef>
+          <a:fillRef idx="1">
+            <a:schemeClr val="accent1"/>
+          </a:fillRef>
+          <a:effectRef idx="0">
+            <a:schemeClr val="accent1"/>
+          </a:effectRef>
+          <a:fontRef idx="minor">
+            <a:schemeClr val="lt1"/>
+          </a:fontRef>
+        </p:style>
+        <p:txBody>
+          <a:bodyPr rtlCol="0" anchor="ctr"/>
+          <a:lstStyle/>
+          <a:p>
+            <a:pPr algn="ctr"/>
+            <a:r>
+              <a:rPr lang="en-US" dirty="0"/>
+              <a:t>API Products</a:t>
+            </a:r>
+          </a:p>
+        </p:txBody>
+      </p:sp>
+      <p:sp>
+        <p:nvSpPr>
+          <p:cNvPr id="11" name="Rectangle: Rounded Corners 10">
+            <a:extLst>
+              <a:ext uri="{FF2B5EF4-FFF2-40B4-BE49-F238E27FC236}">
+                <a16:creationId xmlns:a16="http://schemas.microsoft.com/office/drawing/2014/main" id="{B140709D-2205-8C79-A954-F54767F7A2EE}"/>
+              </a:ext>
+            </a:extLst>
+          </p:cNvPr>
+          <p:cNvSpPr/>
+          <p:nvPr/>
+        </p:nvSpPr>
+        <p:spPr>
+          <a:xfrm>
+            <a:off x="7679707" y="3704734"/>
+            <a:ext cx="1184633" cy="1036947"/>
+          </a:xfrm>
+          <a:prstGeom prst="roundRect">
+            <a:avLst/>
+          </a:prstGeom>
+        </p:spPr>
+        <p:style>
+          <a:lnRef idx="2">
+            <a:schemeClr val="accent1">
+              <a:shade val="50000"/>
+            </a:schemeClr>
+          </a:lnRef>
+          <a:fillRef idx="1">
+            <a:schemeClr val="accent1"/>
+          </a:fillRef>
+          <a:effectRef idx="0">
+            <a:schemeClr val="accent1"/>
+          </a:effectRef>
+          <a:fontRef idx="minor">
+            <a:schemeClr val="lt1"/>
+          </a:fontRef>
+        </p:style>
+        <p:txBody>
+          <a:bodyPr rtlCol="0" anchor="ctr"/>
+          <a:lstStyle/>
+          <a:p>
+            <a:pPr algn="ctr"/>
+            <a:r>
+              <a:rPr lang="en-US" dirty="0"/>
+              <a:t>Config</a:t>
+            </a:r>
+          </a:p>
+          <a:p>
+            <a:pPr algn="ctr"/>
+            <a:r>
+              <a:rPr lang="en-US" dirty="0"/>
+              <a:t>Service</a:t>
+            </a:r>
+          </a:p>
+        </p:txBody>
+      </p:sp>
+      <p:sp>
+        <p:nvSpPr>
+          <p:cNvPr id="12" name="Rectangle: Rounded Corners 11">
+            <a:extLst>
+              <a:ext uri="{FF2B5EF4-FFF2-40B4-BE49-F238E27FC236}">
+                <a16:creationId xmlns:a16="http://schemas.microsoft.com/office/drawing/2014/main" id="{5D13CEBA-D972-4AF2-8237-8CCCFABF864C}"/>
+              </a:ext>
+            </a:extLst>
+          </p:cNvPr>
+          <p:cNvSpPr/>
+          <p:nvPr/>
+        </p:nvSpPr>
+        <p:spPr>
+          <a:xfrm>
+            <a:off x="2174442" y="1668543"/>
+            <a:ext cx="1348029" cy="1065229"/>
+          </a:xfrm>
+          <a:prstGeom prst="roundRect">
+            <a:avLst/>
+          </a:prstGeom>
+        </p:spPr>
+        <p:style>
+          <a:lnRef idx="2">
+            <a:schemeClr val="accent1">
+              <a:shade val="50000"/>
+            </a:schemeClr>
+          </a:lnRef>
+          <a:fillRef idx="1">
+            <a:schemeClr val="accent1"/>
+          </a:fillRef>
+          <a:effectRef idx="0">
+            <a:schemeClr val="accent1"/>
+          </a:effectRef>
+          <a:fontRef idx="minor">
+            <a:schemeClr val="lt1"/>
+          </a:fontRef>
+        </p:style>
+        <p:txBody>
+          <a:bodyPr rtlCol="0" anchor="ctr"/>
+          <a:lstStyle/>
+          <a:p>
+            <a:pPr algn="ctr"/>
+            <a:r>
+              <a:rPr lang="en-US" b="1" dirty="0"/>
+              <a:t>Browser</a:t>
+            </a:r>
+          </a:p>
+          <a:p>
+            <a:pPr algn="ctr"/>
+            <a:r>
+              <a:rPr lang="en-US" dirty="0"/>
+              <a:t>Client</a:t>
+            </a:r>
+          </a:p>
+          <a:p>
+            <a:pPr algn="ctr"/>
+            <a:r>
+              <a:rPr lang="en-US" dirty="0"/>
+              <a:t>UI</a:t>
+            </a:r>
+          </a:p>
+        </p:txBody>
+      </p:sp>
+      <p:sp>
+        <p:nvSpPr>
+          <p:cNvPr id="13" name="Rectangle: Rounded Corners 12">
+            <a:extLst>
+              <a:ext uri="{FF2B5EF4-FFF2-40B4-BE49-F238E27FC236}">
+                <a16:creationId xmlns:a16="http://schemas.microsoft.com/office/drawing/2014/main" id="{4D692BA8-B5F3-C414-DE44-44D437A268E1}"/>
+              </a:ext>
+            </a:extLst>
+          </p:cNvPr>
+          <p:cNvSpPr/>
+          <p:nvPr/>
+        </p:nvSpPr>
+        <p:spPr>
+          <a:xfrm>
+            <a:off x="5296290" y="4798242"/>
+            <a:ext cx="1184633" cy="1036946"/>
+          </a:xfrm>
+          <a:prstGeom prst="roundRect">
+            <a:avLst/>
+          </a:prstGeom>
+        </p:spPr>
+        <p:style>
+          <a:lnRef idx="2">
+            <a:schemeClr val="accent1">
+              <a:shade val="50000"/>
+            </a:schemeClr>
+          </a:lnRef>
+          <a:fillRef idx="1">
+            <a:schemeClr val="accent1"/>
+          </a:fillRef>
+          <a:effectRef idx="0">
+            <a:schemeClr val="accent1"/>
+          </a:effectRef>
+          <a:fontRef idx="minor">
+            <a:schemeClr val="lt1"/>
+          </a:fontRef>
+        </p:style>
+        <p:txBody>
+          <a:bodyPr rtlCol="0" anchor="ctr"/>
+          <a:lstStyle/>
+          <a:p>
+            <a:pPr algn="ctr"/>
+            <a:r>
+              <a:rPr lang="en-US" dirty="0"/>
+              <a:t>Nginx</a:t>
+            </a:r>
+          </a:p>
+          <a:p>
+            <a:pPr algn="ctr"/>
+            <a:r>
+              <a:rPr lang="en-US" dirty="0"/>
+              <a:t>Client</a:t>
+            </a:r>
+          </a:p>
+        </p:txBody>
+      </p:sp>
+    </p:spTree>
+    <p:extLst>
+      <p:ext uri="{BB962C8B-B14F-4D97-AF65-F5344CB8AC3E}">
+        <p14:creationId xmlns:p14="http://schemas.microsoft.com/office/powerpoint/2010/main" val="628910185"/>
+      </p:ext>
+    </p:extLst>
+  </p:cSld>
+  <p:clrMapOvr>
+    <a:masterClrMapping/>
+  </p:clrMapOvr>
+</p:sld>
+</file>
+
+<file path=ppt/slides/slide7.xml><?xml version="1.0" encoding="utf-8"?>
+<p:sld xmlns:a="http://schemas.openxmlformats.org/drawingml/2006/main" xmlns:r="http://schemas.openxmlformats.org/officeDocument/2006/relationships" xmlns:p="http://schemas.openxmlformats.org/presentationml/2006/main">
+  <p:cSld>
+    <p:spTree>
+      <p:nvGrpSpPr>
+        <p:cNvPr id="1" name=""/>
+        <p:cNvGrpSpPr/>
+        <p:nvPr/>
+      </p:nvGrpSpPr>
+      <p:grpSpPr>
+        <a:xfrm>
+          <a:off x="0" y="0"/>
+          <a:ext cx="0" cy="0"/>
+          <a:chOff x="0" y="0"/>
+          <a:chExt cx="0" cy="0"/>
+        </a:xfrm>
+      </p:grpSpPr>
+      <p:sp>
+        <p:nvSpPr>
+          <p:cNvPr id="6" name="Flowchart: Magnetic Disk 5">
+            <a:extLst>
+              <a:ext uri="{FF2B5EF4-FFF2-40B4-BE49-F238E27FC236}">
+                <a16:creationId xmlns:a16="http://schemas.microsoft.com/office/drawing/2014/main" id="{9131B884-9162-3EE5-1CFA-0CE282FB93C7}"/>
+              </a:ext>
+            </a:extLst>
+          </p:cNvPr>
+          <p:cNvSpPr/>
+          <p:nvPr/>
+        </p:nvSpPr>
+        <p:spPr>
+          <a:xfrm>
+            <a:off x="11180191" y="5160482"/>
+            <a:ext cx="875118" cy="1036947"/>
+          </a:xfrm>
+          <a:prstGeom prst="flowChartMagneticDisk">
+            <a:avLst/>
+          </a:prstGeom>
+          <a:solidFill>
+            <a:srgbClr val="FFFF00"/>
+          </a:solidFill>
+        </p:spPr>
+        <p:style>
+          <a:lnRef idx="2">
+            <a:schemeClr val="accent1">
+              <a:shade val="50000"/>
+            </a:schemeClr>
+          </a:lnRef>
+          <a:fillRef idx="1">
+            <a:schemeClr val="accent1"/>
+          </a:fillRef>
+          <a:effectRef idx="0">
+            <a:schemeClr val="accent1"/>
+          </a:effectRef>
+          <a:fontRef idx="minor">
+            <a:schemeClr val="lt1"/>
+          </a:fontRef>
+        </p:style>
+        <p:txBody>
+          <a:bodyPr rtlCol="0" anchor="ctr"/>
+          <a:lstStyle/>
+          <a:p>
+            <a:pPr algn="ctr"/>
+            <a:r>
+              <a:rPr lang="en-US" b="1" dirty="0">
+                <a:solidFill>
+                  <a:srgbClr val="002060"/>
+                </a:solidFill>
+              </a:rPr>
+              <a:t>Mongo</a:t>
+            </a:r>
+          </a:p>
+          <a:p>
+            <a:pPr algn="ctr"/>
+            <a:r>
+              <a:rPr lang="en-US" b="1" dirty="0">
+                <a:solidFill>
+                  <a:srgbClr val="002060"/>
+                </a:solidFill>
+              </a:rPr>
+              <a:t>Db</a:t>
+            </a:r>
+          </a:p>
+        </p:txBody>
+      </p:sp>
+      <p:sp>
+        <p:nvSpPr>
+          <p:cNvPr id="10" name="Rectangle: Rounded Corners 9">
+            <a:extLst>
+              <a:ext uri="{FF2B5EF4-FFF2-40B4-BE49-F238E27FC236}">
+                <a16:creationId xmlns:a16="http://schemas.microsoft.com/office/drawing/2014/main" id="{66E056C2-A205-11AE-6715-CC357577A38A}"/>
+              </a:ext>
+            </a:extLst>
+          </p:cNvPr>
+          <p:cNvSpPr/>
+          <p:nvPr/>
+        </p:nvSpPr>
+        <p:spPr>
+          <a:xfrm>
+            <a:off x="9667194" y="4490208"/>
+            <a:ext cx="1184633" cy="880713"/>
+          </a:xfrm>
+          <a:prstGeom prst="roundRect">
+            <a:avLst/>
+          </a:prstGeom>
+        </p:spPr>
+        <p:style>
+          <a:lnRef idx="2">
+            <a:schemeClr val="accent1">
+              <a:shade val="50000"/>
+            </a:schemeClr>
+          </a:lnRef>
+          <a:fillRef idx="1">
+            <a:schemeClr val="accent1"/>
+          </a:fillRef>
+          <a:effectRef idx="0">
+            <a:schemeClr val="accent1"/>
+          </a:effectRef>
+          <a:fontRef idx="minor">
+            <a:schemeClr val="lt1"/>
+          </a:fontRef>
+        </p:style>
+        <p:txBody>
+          <a:bodyPr rtlCol="0" anchor="ctr"/>
+          <a:lstStyle/>
+          <a:p>
+            <a:pPr algn="ctr"/>
+            <a:r>
+              <a:rPr lang="en-US" dirty="0"/>
+              <a:t>API Products</a:t>
+            </a:r>
+          </a:p>
+        </p:txBody>
+      </p:sp>
+      <p:sp>
+        <p:nvSpPr>
+          <p:cNvPr id="11" name="Rectangle: Rounded Corners 10">
+            <a:extLst>
+              <a:ext uri="{FF2B5EF4-FFF2-40B4-BE49-F238E27FC236}">
+                <a16:creationId xmlns:a16="http://schemas.microsoft.com/office/drawing/2014/main" id="{B140709D-2205-8C79-A954-F54767F7A2EE}"/>
+              </a:ext>
+            </a:extLst>
+          </p:cNvPr>
+          <p:cNvSpPr/>
+          <p:nvPr/>
+        </p:nvSpPr>
+        <p:spPr>
+          <a:xfrm>
+            <a:off x="9667194" y="5757072"/>
+            <a:ext cx="1106082" cy="880713"/>
+          </a:xfrm>
+          <a:prstGeom prst="roundRect">
+            <a:avLst/>
+          </a:prstGeom>
+        </p:spPr>
+        <p:style>
+          <a:lnRef idx="2">
+            <a:schemeClr val="accent1">
+              <a:shade val="50000"/>
+            </a:schemeClr>
+          </a:lnRef>
+          <a:fillRef idx="1">
+            <a:schemeClr val="accent1"/>
+          </a:fillRef>
+          <a:effectRef idx="0">
+            <a:schemeClr val="accent1"/>
+          </a:effectRef>
+          <a:fontRef idx="minor">
+            <a:schemeClr val="lt1"/>
+          </a:fontRef>
+        </p:style>
+        <p:txBody>
+          <a:bodyPr rtlCol="0" anchor="ctr"/>
+          <a:lstStyle/>
+          <a:p>
+            <a:pPr algn="ctr"/>
+            <a:r>
+              <a:rPr lang="en-US" dirty="0"/>
+              <a:t>Config</a:t>
+            </a:r>
+          </a:p>
+          <a:p>
+            <a:pPr algn="ctr"/>
+            <a:r>
+              <a:rPr lang="en-US" dirty="0"/>
+              <a:t>Service</a:t>
+            </a:r>
+          </a:p>
+        </p:txBody>
+      </p:sp>
+      <p:sp>
+        <p:nvSpPr>
+          <p:cNvPr id="13" name="Rectangle: Rounded Corners 12">
+            <a:extLst>
+              <a:ext uri="{FF2B5EF4-FFF2-40B4-BE49-F238E27FC236}">
+                <a16:creationId xmlns:a16="http://schemas.microsoft.com/office/drawing/2014/main" id="{4D692BA8-B5F3-C414-DE44-44D437A268E1}"/>
+              </a:ext>
+            </a:extLst>
+          </p:cNvPr>
+          <p:cNvSpPr/>
+          <p:nvPr/>
+        </p:nvSpPr>
+        <p:spPr>
+          <a:xfrm>
+            <a:off x="8406361" y="5243312"/>
+            <a:ext cx="1029096" cy="933250"/>
+          </a:xfrm>
+          <a:prstGeom prst="roundRect">
+            <a:avLst/>
+          </a:prstGeom>
+        </p:spPr>
+        <p:style>
+          <a:lnRef idx="2">
+            <a:schemeClr val="accent1">
+              <a:shade val="50000"/>
+            </a:schemeClr>
+          </a:lnRef>
+          <a:fillRef idx="1">
+            <a:schemeClr val="accent1"/>
+          </a:fillRef>
+          <a:effectRef idx="0">
+            <a:schemeClr val="accent1"/>
+          </a:effectRef>
+          <a:fontRef idx="minor">
+            <a:schemeClr val="lt1"/>
+          </a:fontRef>
+        </p:style>
+        <p:txBody>
+          <a:bodyPr rtlCol="0" anchor="ctr"/>
+          <a:lstStyle/>
+          <a:p>
+            <a:pPr algn="ctr"/>
+            <a:r>
+              <a:rPr lang="en-US" dirty="0"/>
+              <a:t>Nginx</a:t>
+            </a:r>
+          </a:p>
+          <a:p>
+            <a:pPr algn="ctr"/>
+            <a:r>
+              <a:rPr lang="en-US" dirty="0"/>
+              <a:t>Client</a:t>
+            </a:r>
+          </a:p>
+        </p:txBody>
+      </p:sp>
+      <p:sp>
+        <p:nvSpPr>
+          <p:cNvPr id="2" name="TextBox 1">
+            <a:extLst>
+              <a:ext uri="{FF2B5EF4-FFF2-40B4-BE49-F238E27FC236}">
+                <a16:creationId xmlns:a16="http://schemas.microsoft.com/office/drawing/2014/main" id="{751CB368-28CD-482C-1673-F81B68FB236C}"/>
+              </a:ext>
+            </a:extLst>
+          </p:cNvPr>
+          <p:cNvSpPr txBox="1"/>
+          <p:nvPr/>
+        </p:nvSpPr>
+        <p:spPr>
+          <a:xfrm>
+            <a:off x="84839" y="103694"/>
+            <a:ext cx="10509325" cy="4154984"/>
+          </a:xfrm>
+          <a:prstGeom prst="rect">
+            <a:avLst/>
+          </a:prstGeom>
+          <a:noFill/>
+        </p:spPr>
+        <p:txBody>
+          <a:bodyPr wrap="square" rtlCol="0">
+            <a:spAutoFit/>
+          </a:bodyPr>
+          <a:lstStyle/>
+          <a:p>
+            <a:r>
+              <a:rPr lang="en-US" b="1" dirty="0">
+                <a:latin typeface="Verdana" panose="020B0604030504040204" pitchFamily="34" charset="0"/>
+                <a:ea typeface="Verdana" panose="020B0604030504040204" pitchFamily="34" charset="0"/>
+              </a:rPr>
+              <a:t>GitHub Actions</a:t>
+            </a:r>
+          </a:p>
+          <a:p>
+            <a:r>
+              <a:rPr lang="en-US" dirty="0">
+                <a:latin typeface="Verdana" panose="020B0604030504040204" pitchFamily="34" charset="0"/>
+                <a:ea typeface="Verdana" panose="020B0604030504040204" pitchFamily="34" charset="0"/>
+              </a:rPr>
+              <a:t>Step 1: Terraform deploys Infrastructure</a:t>
+            </a:r>
+          </a:p>
+          <a:p>
+            <a:r>
+              <a:rPr lang="en-US" dirty="0">
+                <a:latin typeface="Verdana" panose="020B0604030504040204" pitchFamily="34" charset="0"/>
+                <a:ea typeface="Verdana" panose="020B0604030504040204" pitchFamily="34" charset="0"/>
+              </a:rPr>
+              <a:t>Step 2: Use .</a:t>
+            </a:r>
+            <a:r>
+              <a:rPr lang="en-US" dirty="0" err="1">
+                <a:latin typeface="Verdana" panose="020B0604030504040204" pitchFamily="34" charset="0"/>
+                <a:ea typeface="Verdana" panose="020B0604030504040204" pitchFamily="34" charset="0"/>
+              </a:rPr>
+              <a:t>yaml</a:t>
+            </a:r>
+            <a:r>
+              <a:rPr lang="en-US" dirty="0">
+                <a:latin typeface="Verdana" panose="020B0604030504040204" pitchFamily="34" charset="0"/>
+                <a:ea typeface="Verdana" panose="020B0604030504040204" pitchFamily="34" charset="0"/>
+              </a:rPr>
+              <a:t> to deploy </a:t>
+            </a:r>
+            <a:r>
+              <a:rPr lang="en-US" dirty="0" err="1">
+                <a:latin typeface="Verdana" panose="020B0604030504040204" pitchFamily="34" charset="0"/>
+                <a:ea typeface="Verdana" panose="020B0604030504040204" pitchFamily="34" charset="0"/>
+              </a:rPr>
+              <a:t>MongoDb</a:t>
+            </a:r>
+            <a:r>
+              <a:rPr lang="en-US" dirty="0">
+                <a:latin typeface="Verdana" panose="020B0604030504040204" pitchFamily="34" charset="0"/>
+                <a:ea typeface="Verdana" panose="020B0604030504040204" pitchFamily="34" charset="0"/>
+              </a:rPr>
+              <a:t>, and Products API into AKS</a:t>
+            </a:r>
+          </a:p>
+          <a:p>
+            <a:r>
+              <a:rPr lang="en-US" dirty="0">
+                <a:latin typeface="Verdana" panose="020B0604030504040204" pitchFamily="34" charset="0"/>
+                <a:ea typeface="Verdana" panose="020B0604030504040204" pitchFamily="34" charset="0"/>
+              </a:rPr>
+              <a:t>Step 2.A: Write config into K8s Secret Store  [Pending]</a:t>
+            </a:r>
+          </a:p>
+          <a:p>
+            <a:r>
+              <a:rPr lang="en-US" dirty="0">
+                <a:latin typeface="Verdana" panose="020B0604030504040204" pitchFamily="34" charset="0"/>
+                <a:ea typeface="Verdana" panose="020B0604030504040204" pitchFamily="34" charset="0"/>
+              </a:rPr>
+              <a:t>Step 3: Use .</a:t>
+            </a:r>
+            <a:r>
+              <a:rPr lang="en-US" dirty="0" err="1">
+                <a:latin typeface="Verdana" panose="020B0604030504040204" pitchFamily="34" charset="0"/>
+                <a:ea typeface="Verdana" panose="020B0604030504040204" pitchFamily="34" charset="0"/>
+              </a:rPr>
+              <a:t>yaml</a:t>
+            </a:r>
+            <a:r>
+              <a:rPr lang="en-US" dirty="0">
+                <a:latin typeface="Verdana" panose="020B0604030504040204" pitchFamily="34" charset="0"/>
+                <a:ea typeface="Verdana" panose="020B0604030504040204" pitchFamily="34" charset="0"/>
+              </a:rPr>
+              <a:t> to deploy MSSQL, and </a:t>
+            </a:r>
+            <a:r>
+              <a:rPr lang="en-US" dirty="0" err="1">
+                <a:latin typeface="Verdana" panose="020B0604030504040204" pitchFamily="34" charset="0"/>
+                <a:ea typeface="Verdana" panose="020B0604030504040204" pitchFamily="34" charset="0"/>
+              </a:rPr>
+              <a:t>Iden</a:t>
+            </a:r>
+            <a:r>
+              <a:rPr lang="en-US" dirty="0">
+                <a:latin typeface="Verdana" panose="020B0604030504040204" pitchFamily="34" charset="0"/>
+                <a:ea typeface="Verdana" panose="020B0604030504040204" pitchFamily="34" charset="0"/>
+              </a:rPr>
+              <a:t> Server into AKS</a:t>
+            </a:r>
+          </a:p>
+          <a:p>
+            <a:r>
+              <a:rPr lang="en-US" dirty="0">
+                <a:latin typeface="Verdana" panose="020B0604030504040204" pitchFamily="34" charset="0"/>
+                <a:ea typeface="Verdana" panose="020B0604030504040204" pitchFamily="34" charset="0"/>
+              </a:rPr>
+              <a:t>Step 3.A: Write config into K8s Secret Store  [Pending]</a:t>
+            </a:r>
+          </a:p>
+          <a:p>
+            <a:r>
+              <a:rPr lang="en-US" dirty="0">
+                <a:solidFill>
+                  <a:srgbClr val="0070C0"/>
+                </a:solidFill>
+                <a:latin typeface="Verdana" panose="020B0604030504040204" pitchFamily="34" charset="0"/>
+                <a:ea typeface="Verdana" panose="020B0604030504040204" pitchFamily="34" charset="0"/>
+              </a:rPr>
+              <a:t>Step A: We have all the details into </a:t>
+            </a:r>
+            <a:r>
+              <a:rPr lang="en-US" b="1" dirty="0">
+                <a:solidFill>
+                  <a:srgbClr val="0070C0"/>
+                </a:solidFill>
+                <a:latin typeface="Verdana" panose="020B0604030504040204" pitchFamily="34" charset="0"/>
+                <a:ea typeface="Verdana" panose="020B0604030504040204" pitchFamily="34" charset="0"/>
+              </a:rPr>
+              <a:t>AKS Secret Store </a:t>
+            </a:r>
+            <a:r>
+              <a:rPr lang="en-US" dirty="0">
+                <a:solidFill>
+                  <a:srgbClr val="0070C0"/>
+                </a:solidFill>
+                <a:latin typeface="Verdana" panose="020B0604030504040204" pitchFamily="34" charset="0"/>
+                <a:ea typeface="Verdana" panose="020B0604030504040204" pitchFamily="34" charset="0"/>
+              </a:rPr>
+              <a:t>[FYI]</a:t>
+            </a:r>
+          </a:p>
+          <a:p>
+            <a:r>
+              <a:rPr lang="en-US" dirty="0">
+                <a:latin typeface="Verdana" panose="020B0604030504040204" pitchFamily="34" charset="0"/>
+                <a:ea typeface="Verdana" panose="020B0604030504040204" pitchFamily="34" charset="0"/>
+              </a:rPr>
+              <a:t>Step B: Use .</a:t>
+            </a:r>
+            <a:r>
+              <a:rPr lang="en-US" dirty="0" err="1">
+                <a:latin typeface="Verdana" panose="020B0604030504040204" pitchFamily="34" charset="0"/>
+                <a:ea typeface="Verdana" panose="020B0604030504040204" pitchFamily="34" charset="0"/>
+              </a:rPr>
+              <a:t>yaml</a:t>
+            </a:r>
+            <a:r>
+              <a:rPr lang="en-US" dirty="0">
+                <a:latin typeface="Verdana" panose="020B0604030504040204" pitchFamily="34" charset="0"/>
+                <a:ea typeface="Verdana" panose="020B0604030504040204" pitchFamily="34" charset="0"/>
+              </a:rPr>
+              <a:t> to deploy Config Server into AKS [Pending]</a:t>
+            </a:r>
+          </a:p>
+          <a:p>
+            <a:r>
+              <a:rPr lang="en-US" dirty="0">
+                <a:latin typeface="Verdana" panose="020B0604030504040204" pitchFamily="34" charset="0"/>
+                <a:ea typeface="Verdana" panose="020B0604030504040204" pitchFamily="34" charset="0"/>
+              </a:rPr>
+              <a:t>Step C: Use .</a:t>
+            </a:r>
+            <a:r>
+              <a:rPr lang="en-US" dirty="0" err="1">
+                <a:latin typeface="Verdana" panose="020B0604030504040204" pitchFamily="34" charset="0"/>
+                <a:ea typeface="Verdana" panose="020B0604030504040204" pitchFamily="34" charset="0"/>
+              </a:rPr>
+              <a:t>yaml</a:t>
+            </a:r>
+            <a:r>
+              <a:rPr lang="en-US" dirty="0">
+                <a:latin typeface="Verdana" panose="020B0604030504040204" pitchFamily="34" charset="0"/>
+                <a:ea typeface="Verdana" panose="020B0604030504040204" pitchFamily="34" charset="0"/>
+              </a:rPr>
+              <a:t> to deploy </a:t>
+            </a:r>
+            <a:r>
+              <a:rPr lang="en-US" dirty="0" err="1">
+                <a:latin typeface="Verdana" panose="020B0604030504040204" pitchFamily="34" charset="0"/>
+                <a:ea typeface="Verdana" panose="020B0604030504040204" pitchFamily="34" charset="0"/>
+              </a:rPr>
+              <a:t>eShop</a:t>
+            </a:r>
+            <a:r>
+              <a:rPr lang="en-US" dirty="0">
+                <a:latin typeface="Verdana" panose="020B0604030504040204" pitchFamily="34" charset="0"/>
+                <a:ea typeface="Verdana" panose="020B0604030504040204" pitchFamily="34" charset="0"/>
+              </a:rPr>
+              <a:t> Angular Client [Pending]</a:t>
+            </a:r>
+          </a:p>
+          <a:p>
+            <a:r>
+              <a:rPr lang="en-US" dirty="0">
+                <a:latin typeface="Verdana" panose="020B0604030504040204" pitchFamily="34" charset="0"/>
+                <a:ea typeface="Verdana" panose="020B0604030504040204" pitchFamily="34" charset="0"/>
+              </a:rPr>
+              <a:t>Step C.1: Build Pipeline should replace token of Config Server in </a:t>
+            </a:r>
+            <a:r>
+              <a:rPr lang="en-US" dirty="0" err="1">
+                <a:latin typeface="Verdana" panose="020B0604030504040204" pitchFamily="34" charset="0"/>
+                <a:ea typeface="Verdana" panose="020B0604030504040204" pitchFamily="34" charset="0"/>
+              </a:rPr>
+              <a:t>environment.ts</a:t>
+            </a:r>
+            <a:r>
+              <a:rPr lang="en-US" dirty="0">
+                <a:latin typeface="Verdana" panose="020B0604030504040204" pitchFamily="34" charset="0"/>
+                <a:ea typeface="Verdana" panose="020B0604030504040204" pitchFamily="34" charset="0"/>
+              </a:rPr>
+              <a:t> file. [Pending]</a:t>
+            </a:r>
+          </a:p>
+          <a:p>
+            <a:endParaRPr lang="en-US" dirty="0">
+              <a:latin typeface="Verdana" panose="020B0604030504040204" pitchFamily="34" charset="0"/>
+              <a:ea typeface="Verdana" panose="020B0604030504040204" pitchFamily="34" charset="0"/>
+            </a:endParaRPr>
+          </a:p>
+          <a:p>
+            <a:r>
+              <a:rPr lang="en-US" b="1" u="sng" dirty="0">
+                <a:latin typeface="Verdana" panose="020B0604030504040204" pitchFamily="34" charset="0"/>
+                <a:ea typeface="Verdana" panose="020B0604030504040204" pitchFamily="34" charset="0"/>
+              </a:rPr>
+              <a:t>Wish Lists:</a:t>
+            </a:r>
+          </a:p>
+          <a:p>
+            <a:r>
+              <a:rPr lang="en-US" dirty="0">
+                <a:latin typeface="Verdana" panose="020B0604030504040204" pitchFamily="34" charset="0"/>
+                <a:ea typeface="Verdana" panose="020B0604030504040204" pitchFamily="34" charset="0"/>
+              </a:rPr>
+              <a:t>Reading the configuration live.</a:t>
+            </a:r>
+          </a:p>
+          <a:p>
+            <a:endParaRPr lang="en-US" sz="1200" dirty="0">
+              <a:latin typeface="Verdana" panose="020B0604030504040204" pitchFamily="34" charset="0"/>
+              <a:ea typeface="Verdana" panose="020B0604030504040204" pitchFamily="34" charset="0"/>
+            </a:endParaRPr>
+          </a:p>
+        </p:txBody>
+      </p:sp>
+    </p:spTree>
+    <p:extLst>
+      <p:ext uri="{BB962C8B-B14F-4D97-AF65-F5344CB8AC3E}">
+        <p14:creationId xmlns:p14="http://schemas.microsoft.com/office/powerpoint/2010/main" val="3687467253"/>
+      </p:ext>
+    </p:extLst>
+  </p:cSld>
+  <p:clrMapOvr>
+    <a:masterClrMapping/>
+  </p:clrMapOvr>
+</p:sld>
+</file>
+
+<file path=ppt/slides/slide8.xml><?xml version="1.0" encoding="utf-8"?>
 <p:sld xmlns:a="http://schemas.openxmlformats.org/drawingml/2006/main" xmlns:r="http://schemas.openxmlformats.org/officeDocument/2006/relationships" xmlns:p="http://schemas.openxmlformats.org/presentationml/2006/main">
   <p:cSld>
     <p:spTree>
@@ -38601,7 +40651,7 @@
 </p:sld>
 </file>
 
-<file path=ppt/slides/slide7.xml><?xml version="1.0" encoding="utf-8"?>
+<file path=ppt/slides/slide9.xml><?xml version="1.0" encoding="utf-8"?>
 <p:sld xmlns:a="http://schemas.openxmlformats.org/drawingml/2006/main" xmlns:r="http://schemas.openxmlformats.org/officeDocument/2006/relationships" xmlns:p="http://schemas.openxmlformats.org/presentationml/2006/main">
   <p:cSld>
     <p:spTree>
@@ -39024,1039 +41074,6 @@
 </p:sld>
 </file>
 
-<file path=ppt/slides/slide8.xml><?xml version="1.0" encoding="utf-8"?>
-<p:sld xmlns:a="http://schemas.openxmlformats.org/drawingml/2006/main" xmlns:r="http://schemas.openxmlformats.org/officeDocument/2006/relationships" xmlns:p="http://schemas.openxmlformats.org/presentationml/2006/main">
-  <p:cSld>
-    <p:spTree>
-      <p:nvGrpSpPr>
-        <p:cNvPr id="1" name=""/>
-        <p:cNvGrpSpPr/>
-        <p:nvPr/>
-      </p:nvGrpSpPr>
-      <p:grpSpPr>
-        <a:xfrm>
-          <a:off x="0" y="0"/>
-          <a:ext cx="0" cy="0"/>
-          <a:chOff x="0" y="0"/>
-          <a:chExt cx="0" cy="0"/>
-        </a:xfrm>
-      </p:grpSpPr>
-      <p:sp>
-        <p:nvSpPr>
-          <p:cNvPr id="4" name="Rectangle: Rounded Corners 3">
-            <a:extLst>
-              <a:ext uri="{FF2B5EF4-FFF2-40B4-BE49-F238E27FC236}">
-                <a16:creationId xmlns:a16="http://schemas.microsoft.com/office/drawing/2014/main" id="{1073073B-0754-7CFA-45EC-1E1867BE9FDE}"/>
-              </a:ext>
-            </a:extLst>
-          </p:cNvPr>
-          <p:cNvSpPr/>
-          <p:nvPr/>
-        </p:nvSpPr>
-        <p:spPr>
-          <a:xfrm>
-            <a:off x="9210281" y="2088038"/>
-            <a:ext cx="1647825" cy="1600200"/>
-          </a:xfrm>
-          <a:prstGeom prst="roundRect">
-            <a:avLst/>
-          </a:prstGeom>
-        </p:spPr>
-        <p:style>
-          <a:lnRef idx="2">
-            <a:schemeClr val="accent4">
-              <a:shade val="50000"/>
-            </a:schemeClr>
-          </a:lnRef>
-          <a:fillRef idx="1">
-            <a:schemeClr val="accent4"/>
-          </a:fillRef>
-          <a:effectRef idx="0">
-            <a:schemeClr val="accent4"/>
-          </a:effectRef>
-          <a:fontRef idx="minor">
-            <a:schemeClr val="lt1"/>
-          </a:fontRef>
-        </p:style>
-        <p:txBody>
-          <a:bodyPr rtlCol="0" anchor="ctr"/>
-          <a:lstStyle/>
-          <a:p>
-            <a:pPr marL="0" marR="0" lvl="0" indent="0" algn="ctr" defTabSz="914400" rtl="0" eaLnBrk="1" fontAlgn="auto" latinLnBrk="0" hangingPunct="1">
-              <a:lnSpc>
-                <a:spcPct val="100000"/>
-              </a:lnSpc>
-              <a:spcBef>
-                <a:spcPts val="0"/>
-              </a:spcBef>
-              <a:spcAft>
-                <a:spcPts val="0"/>
-              </a:spcAft>
-              <a:buClrTx/>
-              <a:buSzTx/>
-              <a:buFontTx/>
-              <a:buNone/>
-              <a:tabLst/>
-              <a:defRPr/>
-            </a:pPr>
-            <a:r>
-              <a:rPr kumimoji="0" lang="en-US" sz="1800" b="1" i="0" u="sng" strike="noStrike" kern="1200" cap="none" spc="0" normalizeH="0" baseline="0" noProof="0" dirty="0">
-                <a:ln>
-                  <a:noFill/>
-                </a:ln>
-                <a:solidFill>
-                  <a:prstClr val="white"/>
-                </a:solidFill>
-                <a:effectLst/>
-                <a:uLnTx/>
-                <a:uFillTx/>
-                <a:latin typeface="Verdana" panose="020B0604030504040204" pitchFamily="34" charset="0"/>
-                <a:ea typeface="Verdana" panose="020B0604030504040204" pitchFamily="34" charset="0"/>
-              </a:rPr>
-              <a:t>Data Stores</a:t>
-            </a:r>
-          </a:p>
-          <a:p>
-            <a:pPr marL="0" marR="0" lvl="0" indent="0" algn="ctr" defTabSz="914400" rtl="0" eaLnBrk="1" fontAlgn="auto" latinLnBrk="0" hangingPunct="1">
-              <a:lnSpc>
-                <a:spcPct val="100000"/>
-              </a:lnSpc>
-              <a:spcBef>
-                <a:spcPts val="0"/>
-              </a:spcBef>
-              <a:spcAft>
-                <a:spcPts val="0"/>
-              </a:spcAft>
-              <a:buClrTx/>
-              <a:buSzTx/>
-              <a:buFontTx/>
-              <a:buNone/>
-              <a:tabLst/>
-              <a:defRPr/>
-            </a:pPr>
-            <a:r>
-              <a:rPr kumimoji="0" lang="en-US" sz="1800" b="0" i="0" u="none" strike="noStrike" kern="1200" cap="none" spc="0" normalizeH="0" baseline="0" noProof="0" dirty="0">
-                <a:ln>
-                  <a:noFill/>
-                </a:ln>
-                <a:solidFill>
-                  <a:prstClr val="white"/>
-                </a:solidFill>
-                <a:effectLst/>
-                <a:uLnTx/>
-                <a:uFillTx/>
-                <a:latin typeface="Verdana" panose="020B0604030504040204" pitchFamily="34" charset="0"/>
-                <a:ea typeface="Verdana" panose="020B0604030504040204" pitchFamily="34" charset="0"/>
-              </a:rPr>
-              <a:t>SQL</a:t>
-            </a:r>
-          </a:p>
-          <a:p>
-            <a:pPr marL="0" marR="0" lvl="0" indent="0" algn="ctr" defTabSz="914400" rtl="0" eaLnBrk="1" fontAlgn="auto" latinLnBrk="0" hangingPunct="1">
-              <a:lnSpc>
-                <a:spcPct val="100000"/>
-              </a:lnSpc>
-              <a:spcBef>
-                <a:spcPts val="0"/>
-              </a:spcBef>
-              <a:spcAft>
-                <a:spcPts val="0"/>
-              </a:spcAft>
-              <a:buClrTx/>
-              <a:buSzTx/>
-              <a:buFontTx/>
-              <a:buNone/>
-              <a:tabLst/>
-              <a:defRPr/>
-            </a:pPr>
-            <a:r>
-              <a:rPr kumimoji="0" lang="en-US" sz="1800" b="0" i="0" u="none" strike="noStrike" kern="1200" cap="none" spc="0" normalizeH="0" baseline="0" noProof="0" dirty="0">
-                <a:ln>
-                  <a:noFill/>
-                </a:ln>
-                <a:solidFill>
-                  <a:prstClr val="white"/>
-                </a:solidFill>
-                <a:effectLst/>
-                <a:uLnTx/>
-                <a:uFillTx/>
-                <a:latin typeface="Verdana" panose="020B0604030504040204" pitchFamily="34" charset="0"/>
-                <a:ea typeface="Verdana" panose="020B0604030504040204" pitchFamily="34" charset="0"/>
-              </a:rPr>
-              <a:t>Mongo</a:t>
-            </a:r>
-          </a:p>
-          <a:p>
-            <a:pPr marL="0" marR="0" lvl="0" indent="0" algn="ctr" defTabSz="914400" rtl="0" eaLnBrk="1" fontAlgn="auto" latinLnBrk="0" hangingPunct="1">
-              <a:lnSpc>
-                <a:spcPct val="100000"/>
-              </a:lnSpc>
-              <a:spcBef>
-                <a:spcPts val="0"/>
-              </a:spcBef>
-              <a:spcAft>
-                <a:spcPts val="0"/>
-              </a:spcAft>
-              <a:buClrTx/>
-              <a:buSzTx/>
-              <a:buFontTx/>
-              <a:buNone/>
-              <a:tabLst/>
-              <a:defRPr/>
-            </a:pPr>
-            <a:r>
-              <a:rPr kumimoji="0" lang="en-US" sz="1800" b="0" i="0" u="none" strike="noStrike" kern="1200" cap="none" spc="0" normalizeH="0" baseline="0" noProof="0" dirty="0">
-                <a:ln>
-                  <a:noFill/>
-                </a:ln>
-                <a:solidFill>
-                  <a:prstClr val="white"/>
-                </a:solidFill>
-                <a:effectLst/>
-                <a:uLnTx/>
-                <a:uFillTx/>
-                <a:latin typeface="Verdana" panose="020B0604030504040204" pitchFamily="34" charset="0"/>
-                <a:ea typeface="Verdana" panose="020B0604030504040204" pitchFamily="34" charset="0"/>
-              </a:rPr>
-              <a:t>PostgreSQL</a:t>
-            </a:r>
-            <a:endParaRPr kumimoji="0" lang="en-IN" sz="1800" b="0" i="0" u="none" strike="noStrike" kern="1200" cap="none" spc="0" normalizeH="0" baseline="0" noProof="0" dirty="0">
-              <a:ln>
-                <a:noFill/>
-              </a:ln>
-              <a:solidFill>
-                <a:prstClr val="white"/>
-              </a:solidFill>
-              <a:effectLst/>
-              <a:uLnTx/>
-              <a:uFillTx/>
-              <a:latin typeface="Verdana" panose="020B0604030504040204" pitchFamily="34" charset="0"/>
-              <a:ea typeface="Verdana" panose="020B0604030504040204" pitchFamily="34" charset="0"/>
-            </a:endParaRPr>
-          </a:p>
-        </p:txBody>
-      </p:sp>
-      <p:sp>
-        <p:nvSpPr>
-          <p:cNvPr id="5" name="Rectangle: Rounded Corners 4">
-            <a:extLst>
-              <a:ext uri="{FF2B5EF4-FFF2-40B4-BE49-F238E27FC236}">
-                <a16:creationId xmlns:a16="http://schemas.microsoft.com/office/drawing/2014/main" id="{493F6456-EEE3-A479-3ECF-8C90A900C235}"/>
-              </a:ext>
-            </a:extLst>
-          </p:cNvPr>
-          <p:cNvSpPr/>
-          <p:nvPr/>
-        </p:nvSpPr>
-        <p:spPr>
-          <a:xfrm>
-            <a:off x="6545038" y="2088038"/>
-            <a:ext cx="1890944" cy="1600200"/>
-          </a:xfrm>
-          <a:prstGeom prst="roundRect">
-            <a:avLst/>
-          </a:prstGeom>
-        </p:spPr>
-        <p:style>
-          <a:lnRef idx="2">
-            <a:schemeClr val="accent1">
-              <a:shade val="50000"/>
-            </a:schemeClr>
-          </a:lnRef>
-          <a:fillRef idx="1">
-            <a:schemeClr val="accent1"/>
-          </a:fillRef>
-          <a:effectRef idx="0">
-            <a:schemeClr val="accent1"/>
-          </a:effectRef>
-          <a:fontRef idx="minor">
-            <a:schemeClr val="lt1"/>
-          </a:fontRef>
-        </p:style>
-        <p:txBody>
-          <a:bodyPr rtlCol="0" anchor="ctr"/>
-          <a:lstStyle/>
-          <a:p>
-            <a:pPr marL="0" marR="0" lvl="0" indent="0" algn="ctr" defTabSz="914400" rtl="0" eaLnBrk="1" fontAlgn="auto" latinLnBrk="0" hangingPunct="1">
-              <a:lnSpc>
-                <a:spcPct val="100000"/>
-              </a:lnSpc>
-              <a:spcBef>
-                <a:spcPts val="0"/>
-              </a:spcBef>
-              <a:spcAft>
-                <a:spcPts val="0"/>
-              </a:spcAft>
-              <a:buClrTx/>
-              <a:buSzTx/>
-              <a:buFontTx/>
-              <a:buNone/>
-              <a:tabLst/>
-              <a:defRPr/>
-            </a:pPr>
-            <a:r>
-              <a:rPr kumimoji="0" lang="en-US" sz="1800" b="1" i="0" u="sng" strike="noStrike" kern="1200" cap="none" spc="0" normalizeH="0" baseline="0" noProof="0" dirty="0">
-                <a:ln>
-                  <a:noFill/>
-                </a:ln>
-                <a:solidFill>
-                  <a:prstClr val="white"/>
-                </a:solidFill>
-                <a:effectLst/>
-                <a:uLnTx/>
-                <a:uFillTx/>
-                <a:latin typeface="Verdana" panose="020B0604030504040204" pitchFamily="34" charset="0"/>
-                <a:ea typeface="Verdana" panose="020B0604030504040204" pitchFamily="34" charset="0"/>
-              </a:rPr>
-              <a:t>Middle Tiers</a:t>
-            </a:r>
-          </a:p>
-          <a:p>
-            <a:pPr marL="0" marR="0" lvl="0" indent="0" algn="ctr" defTabSz="914400" rtl="0" eaLnBrk="1" fontAlgn="auto" latinLnBrk="0" hangingPunct="1">
-              <a:lnSpc>
-                <a:spcPct val="100000"/>
-              </a:lnSpc>
-              <a:spcBef>
-                <a:spcPts val="0"/>
-              </a:spcBef>
-              <a:spcAft>
-                <a:spcPts val="0"/>
-              </a:spcAft>
-              <a:buClrTx/>
-              <a:buSzTx/>
-              <a:buFontTx/>
-              <a:buNone/>
-              <a:tabLst/>
-              <a:defRPr/>
-            </a:pPr>
-            <a:r>
-              <a:rPr kumimoji="0" lang="en-US" sz="1800" b="0" i="0" u="none" strike="noStrike" kern="1200" cap="none" spc="0" normalizeH="0" baseline="0" noProof="0" dirty="0">
-                <a:ln>
-                  <a:noFill/>
-                </a:ln>
-                <a:solidFill>
-                  <a:prstClr val="white"/>
-                </a:solidFill>
-                <a:effectLst/>
-                <a:uLnTx/>
-                <a:uFillTx/>
-                <a:latin typeface="Verdana" panose="020B0604030504040204" pitchFamily="34" charset="0"/>
-                <a:ea typeface="Verdana" panose="020B0604030504040204" pitchFamily="34" charset="0"/>
-              </a:rPr>
-              <a:t>Products</a:t>
-            </a:r>
-          </a:p>
-          <a:p>
-            <a:pPr marL="0" marR="0" lvl="0" indent="0" algn="ctr" defTabSz="914400" rtl="0" eaLnBrk="1" fontAlgn="auto" latinLnBrk="0" hangingPunct="1">
-              <a:lnSpc>
-                <a:spcPct val="100000"/>
-              </a:lnSpc>
-              <a:spcBef>
-                <a:spcPts val="0"/>
-              </a:spcBef>
-              <a:spcAft>
-                <a:spcPts val="0"/>
-              </a:spcAft>
-              <a:buClrTx/>
-              <a:buSzTx/>
-              <a:buFontTx/>
-              <a:buNone/>
-              <a:tabLst/>
-              <a:defRPr/>
-            </a:pPr>
-            <a:r>
-              <a:rPr kumimoji="0" lang="en-US" sz="1800" b="0" i="0" u="none" strike="noStrike" kern="1200" cap="none" spc="0" normalizeH="0" baseline="0" noProof="0" dirty="0">
-                <a:ln>
-                  <a:noFill/>
-                </a:ln>
-                <a:solidFill>
-                  <a:prstClr val="white"/>
-                </a:solidFill>
-                <a:effectLst/>
-                <a:uLnTx/>
-                <a:uFillTx/>
-                <a:latin typeface="Verdana" panose="020B0604030504040204" pitchFamily="34" charset="0"/>
-                <a:ea typeface="Verdana" panose="020B0604030504040204" pitchFamily="34" charset="0"/>
-              </a:rPr>
-              <a:t>Identity</a:t>
-            </a:r>
-          </a:p>
-          <a:p>
-            <a:pPr marL="0" marR="0" lvl="0" indent="0" algn="ctr" defTabSz="914400" rtl="0" eaLnBrk="1" fontAlgn="auto" latinLnBrk="0" hangingPunct="1">
-              <a:lnSpc>
-                <a:spcPct val="100000"/>
-              </a:lnSpc>
-              <a:spcBef>
-                <a:spcPts val="0"/>
-              </a:spcBef>
-              <a:spcAft>
-                <a:spcPts val="0"/>
-              </a:spcAft>
-              <a:buClrTx/>
-              <a:buSzTx/>
-              <a:buFontTx/>
-              <a:buNone/>
-              <a:tabLst/>
-              <a:defRPr/>
-            </a:pPr>
-            <a:r>
-              <a:rPr kumimoji="0" lang="en-US" sz="1800" b="0" i="0" u="none" strike="noStrike" kern="1200" cap="none" spc="0" normalizeH="0" baseline="0" noProof="0" dirty="0">
-                <a:ln>
-                  <a:noFill/>
-                </a:ln>
-                <a:solidFill>
-                  <a:prstClr val="white"/>
-                </a:solidFill>
-                <a:effectLst/>
-                <a:uLnTx/>
-                <a:uFillTx/>
-                <a:latin typeface="Verdana" panose="020B0604030504040204" pitchFamily="34" charset="0"/>
-                <a:ea typeface="Verdana" panose="020B0604030504040204" pitchFamily="34" charset="0"/>
-              </a:rPr>
-              <a:t>Basket</a:t>
-            </a:r>
-            <a:endParaRPr kumimoji="0" lang="en-IN" sz="1800" b="0" i="0" u="none" strike="noStrike" kern="1200" cap="none" spc="0" normalizeH="0" baseline="0" noProof="0" dirty="0">
-              <a:ln>
-                <a:noFill/>
-              </a:ln>
-              <a:solidFill>
-                <a:prstClr val="white"/>
-              </a:solidFill>
-              <a:effectLst/>
-              <a:uLnTx/>
-              <a:uFillTx/>
-              <a:latin typeface="Verdana" panose="020B0604030504040204" pitchFamily="34" charset="0"/>
-              <a:ea typeface="Verdana" panose="020B0604030504040204" pitchFamily="34" charset="0"/>
-            </a:endParaRPr>
-          </a:p>
-        </p:txBody>
-      </p:sp>
-      <p:sp>
-        <p:nvSpPr>
-          <p:cNvPr id="6" name="Rectangle: Rounded Corners 5">
-            <a:extLst>
-              <a:ext uri="{FF2B5EF4-FFF2-40B4-BE49-F238E27FC236}">
-                <a16:creationId xmlns:a16="http://schemas.microsoft.com/office/drawing/2014/main" id="{2237A12B-57C0-CAC2-C8A0-F484FE36A959}"/>
-              </a:ext>
-            </a:extLst>
-          </p:cNvPr>
-          <p:cNvSpPr/>
-          <p:nvPr/>
-        </p:nvSpPr>
-        <p:spPr>
-          <a:xfrm>
-            <a:off x="3893575" y="2088038"/>
-            <a:ext cx="1612776" cy="1600200"/>
-          </a:xfrm>
-          <a:prstGeom prst="roundRect">
-            <a:avLst/>
-          </a:prstGeom>
-        </p:spPr>
-        <p:style>
-          <a:lnRef idx="2">
-            <a:schemeClr val="accent6">
-              <a:shade val="50000"/>
-            </a:schemeClr>
-          </a:lnRef>
-          <a:fillRef idx="1">
-            <a:schemeClr val="accent6"/>
-          </a:fillRef>
-          <a:effectRef idx="0">
-            <a:schemeClr val="accent6"/>
-          </a:effectRef>
-          <a:fontRef idx="minor">
-            <a:schemeClr val="lt1"/>
-          </a:fontRef>
-        </p:style>
-        <p:txBody>
-          <a:bodyPr rtlCol="0" anchor="ctr"/>
-          <a:lstStyle/>
-          <a:p>
-            <a:pPr marL="0" marR="0" lvl="0" indent="0" algn="ctr" defTabSz="914400" rtl="0" eaLnBrk="1" fontAlgn="auto" latinLnBrk="0" hangingPunct="1">
-              <a:lnSpc>
-                <a:spcPct val="100000"/>
-              </a:lnSpc>
-              <a:spcBef>
-                <a:spcPts val="0"/>
-              </a:spcBef>
-              <a:spcAft>
-                <a:spcPts val="0"/>
-              </a:spcAft>
-              <a:buClrTx/>
-              <a:buSzTx/>
-              <a:buFontTx/>
-              <a:buNone/>
-              <a:tabLst/>
-              <a:defRPr/>
-            </a:pPr>
-            <a:r>
-              <a:rPr kumimoji="0" lang="en-US" sz="1800" b="0" i="0" u="none" strike="noStrike" kern="1200" cap="none" spc="0" normalizeH="0" baseline="0" noProof="0" dirty="0">
-                <a:ln>
-                  <a:noFill/>
-                </a:ln>
-                <a:solidFill>
-                  <a:prstClr val="white"/>
-                </a:solidFill>
-                <a:effectLst/>
-                <a:uLnTx/>
-                <a:uFillTx/>
-                <a:latin typeface="Verdana" panose="020B0604030504040204" pitchFamily="34" charset="0"/>
-                <a:ea typeface="Verdana" panose="020B0604030504040204" pitchFamily="34" charset="0"/>
-              </a:rPr>
-              <a:t>BFF / </a:t>
-            </a:r>
-          </a:p>
-          <a:p>
-            <a:pPr marL="0" marR="0" lvl="0" indent="0" algn="ctr" defTabSz="914400" rtl="0" eaLnBrk="1" fontAlgn="auto" latinLnBrk="0" hangingPunct="1">
-              <a:lnSpc>
-                <a:spcPct val="100000"/>
-              </a:lnSpc>
-              <a:spcBef>
-                <a:spcPts val="0"/>
-              </a:spcBef>
-              <a:spcAft>
-                <a:spcPts val="0"/>
-              </a:spcAft>
-              <a:buClrTx/>
-              <a:buSzTx/>
-              <a:buFontTx/>
-              <a:buNone/>
-              <a:tabLst/>
-              <a:defRPr/>
-            </a:pPr>
-            <a:r>
-              <a:rPr kumimoji="0" lang="en-US" sz="1800" b="0" i="0" u="none" strike="noStrike" kern="1200" cap="none" spc="0" normalizeH="0" baseline="0" noProof="0" dirty="0">
-                <a:ln>
-                  <a:noFill/>
-                </a:ln>
-                <a:solidFill>
-                  <a:prstClr val="white"/>
-                </a:solidFill>
-                <a:effectLst/>
-                <a:uLnTx/>
-                <a:uFillTx/>
-                <a:latin typeface="Verdana" panose="020B0604030504040204" pitchFamily="34" charset="0"/>
-                <a:ea typeface="Verdana" panose="020B0604030504040204" pitchFamily="34" charset="0"/>
-              </a:rPr>
-              <a:t>API Gateways</a:t>
-            </a:r>
-            <a:endParaRPr kumimoji="0" lang="en-IN" sz="1800" b="0" i="0" u="none" strike="noStrike" kern="1200" cap="none" spc="0" normalizeH="0" baseline="0" noProof="0" dirty="0">
-              <a:ln>
-                <a:noFill/>
-              </a:ln>
-              <a:solidFill>
-                <a:prstClr val="white"/>
-              </a:solidFill>
-              <a:effectLst/>
-              <a:uLnTx/>
-              <a:uFillTx/>
-              <a:latin typeface="Verdana" panose="020B0604030504040204" pitchFamily="34" charset="0"/>
-              <a:ea typeface="Verdana" panose="020B0604030504040204" pitchFamily="34" charset="0"/>
-            </a:endParaRPr>
-          </a:p>
-        </p:txBody>
-      </p:sp>
-      <p:sp>
-        <p:nvSpPr>
-          <p:cNvPr id="7" name="Rectangle: Rounded Corners 6">
-            <a:extLst>
-              <a:ext uri="{FF2B5EF4-FFF2-40B4-BE49-F238E27FC236}">
-                <a16:creationId xmlns:a16="http://schemas.microsoft.com/office/drawing/2014/main" id="{E7F107EE-EBEE-2C64-33A1-8CE8E19C4F10}"/>
-              </a:ext>
-            </a:extLst>
-          </p:cNvPr>
-          <p:cNvSpPr/>
-          <p:nvPr/>
-        </p:nvSpPr>
-        <p:spPr>
-          <a:xfrm>
-            <a:off x="3790004" y="4142578"/>
-            <a:ext cx="1819918" cy="1367161"/>
-          </a:xfrm>
-          <a:prstGeom prst="roundRect">
-            <a:avLst/>
-          </a:prstGeom>
-        </p:spPr>
-        <p:style>
-          <a:lnRef idx="2">
-            <a:schemeClr val="accent4">
-              <a:shade val="50000"/>
-            </a:schemeClr>
-          </a:lnRef>
-          <a:fillRef idx="1">
-            <a:schemeClr val="accent4"/>
-          </a:fillRef>
-          <a:effectRef idx="0">
-            <a:schemeClr val="accent4"/>
-          </a:effectRef>
-          <a:fontRef idx="minor">
-            <a:schemeClr val="lt1"/>
-          </a:fontRef>
-        </p:style>
-        <p:txBody>
-          <a:bodyPr rtlCol="0" anchor="ctr"/>
-          <a:lstStyle/>
-          <a:p>
-            <a:pPr marL="0" marR="0" lvl="0" indent="0" algn="ctr" defTabSz="914400" rtl="0" eaLnBrk="1" fontAlgn="auto" latinLnBrk="0" hangingPunct="1">
-              <a:lnSpc>
-                <a:spcPct val="100000"/>
-              </a:lnSpc>
-              <a:spcBef>
-                <a:spcPts val="0"/>
-              </a:spcBef>
-              <a:spcAft>
-                <a:spcPts val="0"/>
-              </a:spcAft>
-              <a:buClrTx/>
-              <a:buSzTx/>
-              <a:buFontTx/>
-              <a:buNone/>
-              <a:tabLst/>
-              <a:defRPr/>
-            </a:pPr>
-            <a:r>
-              <a:rPr kumimoji="0" lang="en-US" sz="1800" b="1" i="0" u="sng" strike="noStrike" kern="1200" cap="none" spc="0" normalizeH="0" baseline="0" noProof="0" dirty="0">
-                <a:ln>
-                  <a:noFill/>
-                </a:ln>
-                <a:solidFill>
-                  <a:prstClr val="white"/>
-                </a:solidFill>
-                <a:effectLst/>
-                <a:uLnTx/>
-                <a:uFillTx/>
-                <a:latin typeface="Verdana" panose="020B0604030504040204" pitchFamily="34" charset="0"/>
-                <a:ea typeface="Verdana" panose="020B0604030504040204" pitchFamily="34" charset="0"/>
-              </a:rPr>
-              <a:t>Frontends</a:t>
-            </a:r>
-          </a:p>
-          <a:p>
-            <a:pPr marL="0" marR="0" lvl="0" indent="0" algn="ctr" defTabSz="914400" rtl="0" eaLnBrk="1" fontAlgn="auto" latinLnBrk="0" hangingPunct="1">
-              <a:lnSpc>
-                <a:spcPct val="100000"/>
-              </a:lnSpc>
-              <a:spcBef>
-                <a:spcPts val="0"/>
-              </a:spcBef>
-              <a:spcAft>
-                <a:spcPts val="0"/>
-              </a:spcAft>
-              <a:buClrTx/>
-              <a:buSzTx/>
-              <a:buFontTx/>
-              <a:buNone/>
-              <a:tabLst/>
-              <a:defRPr/>
-            </a:pPr>
-            <a:r>
-              <a:rPr kumimoji="0" lang="en-IN" sz="1800" b="0" i="0" u="none" strike="noStrike" kern="1200" cap="none" spc="0" normalizeH="0" baseline="0" noProof="0" dirty="0">
-                <a:ln>
-                  <a:noFill/>
-                </a:ln>
-                <a:solidFill>
-                  <a:prstClr val="white"/>
-                </a:solidFill>
-                <a:effectLst/>
-                <a:uLnTx/>
-                <a:uFillTx/>
-                <a:latin typeface="Verdana" panose="020B0604030504040204" pitchFamily="34" charset="0"/>
-                <a:ea typeface="Verdana" panose="020B0604030504040204" pitchFamily="34" charset="0"/>
-              </a:rPr>
-              <a:t>Static Websites</a:t>
-            </a:r>
-          </a:p>
-          <a:p>
-            <a:pPr marL="0" marR="0" lvl="0" indent="0" algn="ctr" defTabSz="914400" rtl="0" eaLnBrk="1" fontAlgn="auto" latinLnBrk="0" hangingPunct="1">
-              <a:lnSpc>
-                <a:spcPct val="100000"/>
-              </a:lnSpc>
-              <a:spcBef>
-                <a:spcPts val="0"/>
-              </a:spcBef>
-              <a:spcAft>
-                <a:spcPts val="0"/>
-              </a:spcAft>
-              <a:buClrTx/>
-              <a:buSzTx/>
-              <a:buFontTx/>
-              <a:buNone/>
-              <a:tabLst/>
-              <a:defRPr/>
-            </a:pPr>
-            <a:r>
-              <a:rPr kumimoji="0" lang="en-IN" sz="1800" b="0" i="0" u="none" strike="noStrike" kern="1200" cap="none" spc="0" normalizeH="0" baseline="0" noProof="0" dirty="0">
-                <a:ln>
-                  <a:noFill/>
-                </a:ln>
-                <a:solidFill>
-                  <a:prstClr val="white"/>
-                </a:solidFill>
-                <a:effectLst/>
-                <a:uLnTx/>
-                <a:uFillTx/>
-                <a:latin typeface="Verdana" panose="020B0604030504040204" pitchFamily="34" charset="0"/>
-                <a:ea typeface="Verdana" panose="020B0604030504040204" pitchFamily="34" charset="0"/>
-              </a:rPr>
-              <a:t>CDN content</a:t>
-            </a:r>
-          </a:p>
-        </p:txBody>
-      </p:sp>
-      <p:cxnSp>
-        <p:nvCxnSpPr>
-          <p:cNvPr id="9" name="Straight Connector 8">
-            <a:extLst>
-              <a:ext uri="{FF2B5EF4-FFF2-40B4-BE49-F238E27FC236}">
-                <a16:creationId xmlns:a16="http://schemas.microsoft.com/office/drawing/2014/main" id="{13F81DB3-B980-4194-2E23-93CFFF0E1E4B}"/>
-              </a:ext>
-            </a:extLst>
-          </p:cNvPr>
-          <p:cNvCxnSpPr/>
-          <p:nvPr/>
-        </p:nvCxnSpPr>
-        <p:spPr>
-          <a:xfrm>
-            <a:off x="6020159" y="183778"/>
-            <a:ext cx="0" cy="5752730"/>
-          </a:xfrm>
-          <a:prstGeom prst="line">
-            <a:avLst/>
-          </a:prstGeom>
-        </p:spPr>
-        <p:style>
-          <a:lnRef idx="1">
-            <a:schemeClr val="accent1"/>
-          </a:lnRef>
-          <a:fillRef idx="0">
-            <a:schemeClr val="accent1"/>
-          </a:fillRef>
-          <a:effectRef idx="0">
-            <a:schemeClr val="accent1"/>
-          </a:effectRef>
-          <a:fontRef idx="minor">
-            <a:schemeClr val="tx1"/>
-          </a:fontRef>
-        </p:style>
-      </p:cxnSp>
-      <p:sp>
-        <p:nvSpPr>
-          <p:cNvPr id="10" name="TextBox 9">
-            <a:extLst>
-              <a:ext uri="{FF2B5EF4-FFF2-40B4-BE49-F238E27FC236}">
-                <a16:creationId xmlns:a16="http://schemas.microsoft.com/office/drawing/2014/main" id="{A3E70A7F-4DA6-CD3D-5E6F-F19149E46CD2}"/>
-              </a:ext>
-            </a:extLst>
-          </p:cNvPr>
-          <p:cNvSpPr txBox="1"/>
-          <p:nvPr/>
-        </p:nvSpPr>
-        <p:spPr>
-          <a:xfrm>
-            <a:off x="5576275" y="6273859"/>
-            <a:ext cx="914398" cy="369332"/>
-          </a:xfrm>
-          <a:prstGeom prst="rect">
-            <a:avLst/>
-          </a:prstGeom>
-          <a:noFill/>
-        </p:spPr>
-        <p:txBody>
-          <a:bodyPr wrap="square" rtlCol="0">
-            <a:spAutoFit/>
-          </a:bodyPr>
-          <a:lstStyle/>
-          <a:p>
-            <a:pPr marL="0" marR="0" lvl="0" indent="0" algn="l" defTabSz="914400" rtl="0" eaLnBrk="1" fontAlgn="auto" latinLnBrk="0" hangingPunct="1">
-              <a:lnSpc>
-                <a:spcPct val="100000"/>
-              </a:lnSpc>
-              <a:spcBef>
-                <a:spcPts val="0"/>
-              </a:spcBef>
-              <a:spcAft>
-                <a:spcPts val="0"/>
-              </a:spcAft>
-              <a:buClrTx/>
-              <a:buSzTx/>
-              <a:buFontTx/>
-              <a:buNone/>
-              <a:tabLst/>
-              <a:defRPr/>
-            </a:pPr>
-            <a:r>
-              <a:rPr kumimoji="0" lang="en-US" sz="1800" b="0" i="0" u="none" strike="noStrike" kern="1200" cap="none" spc="0" normalizeH="0" baseline="0" noProof="0" dirty="0">
-                <a:ln>
-                  <a:noFill/>
-                </a:ln>
-                <a:solidFill>
-                  <a:prstClr val="black"/>
-                </a:solidFill>
-                <a:effectLst/>
-                <a:uLnTx/>
-                <a:uFillTx/>
-                <a:latin typeface="Verdana" panose="020B0604030504040204" pitchFamily="34" charset="0"/>
-                <a:ea typeface="Verdana" panose="020B0604030504040204" pitchFamily="34" charset="0"/>
-              </a:rPr>
-              <a:t>DMZ</a:t>
-            </a:r>
-            <a:endParaRPr kumimoji="0" lang="en-IN" sz="1800" b="0" i="0" u="none" strike="noStrike" kern="1200" cap="none" spc="0" normalizeH="0" baseline="0" noProof="0" dirty="0">
-              <a:ln>
-                <a:noFill/>
-              </a:ln>
-              <a:solidFill>
-                <a:prstClr val="black"/>
-              </a:solidFill>
-              <a:effectLst/>
-              <a:uLnTx/>
-              <a:uFillTx/>
-              <a:latin typeface="Verdana" panose="020B0604030504040204" pitchFamily="34" charset="0"/>
-              <a:ea typeface="Verdana" panose="020B0604030504040204" pitchFamily="34" charset="0"/>
-            </a:endParaRPr>
-          </a:p>
-        </p:txBody>
-      </p:sp>
-    </p:spTree>
-    <p:extLst>
-      <p:ext uri="{BB962C8B-B14F-4D97-AF65-F5344CB8AC3E}">
-        <p14:creationId xmlns:p14="http://schemas.microsoft.com/office/powerpoint/2010/main" val="799445276"/>
-      </p:ext>
-    </p:extLst>
-  </p:cSld>
-  <p:clrMapOvr>
-    <a:masterClrMapping/>
-  </p:clrMapOvr>
-</p:sld>
-</file>
-
-<file path=ppt/slides/slide9.xml><?xml version="1.0" encoding="utf-8"?>
-<p:sld xmlns:a="http://schemas.openxmlformats.org/drawingml/2006/main" xmlns:r="http://schemas.openxmlformats.org/officeDocument/2006/relationships" xmlns:p="http://schemas.openxmlformats.org/presentationml/2006/main">
-  <p:cSld>
-    <p:bg>
-      <p:bgPr>
-        <a:solidFill>
-          <a:schemeClr val="bg1"/>
-        </a:solidFill>
-        <a:effectLst/>
-      </p:bgPr>
-    </p:bg>
-    <p:spTree>
-      <p:nvGrpSpPr>
-        <p:cNvPr id="1" name=""/>
-        <p:cNvGrpSpPr/>
-        <p:nvPr/>
-      </p:nvGrpSpPr>
-      <p:grpSpPr>
-        <a:xfrm>
-          <a:off x="0" y="0"/>
-          <a:ext cx="0" cy="0"/>
-          <a:chOff x="0" y="0"/>
-          <a:chExt cx="0" cy="0"/>
-        </a:xfrm>
-      </p:grpSpPr>
-      <p:sp>
-        <p:nvSpPr>
-          <p:cNvPr id="10" name="Rectangle 9">
-            <a:extLst>
-              <a:ext uri="{FF2B5EF4-FFF2-40B4-BE49-F238E27FC236}">
-                <a16:creationId xmlns:a16="http://schemas.microsoft.com/office/drawing/2014/main" id="{42A4FC2C-047E-45A5-965D-8E1E3BF09BC6}"/>
-              </a:ext>
-              <a:ext uri="{C183D7F6-B498-43B3-948B-1728B52AA6E4}">
-                <adec:decorative xmlns:adec="http://schemas.microsoft.com/office/drawing/2017/decorative" val="1"/>
-              </a:ext>
-            </a:extLst>
-          </p:cNvPr>
-          <p:cNvSpPr>
-            <a:spLocks noGrp="1" noRot="1" noChangeAspect="1" noMove="1" noResize="1" noEditPoints="1" noAdjustHandles="1" noChangeArrowheads="1" noChangeShapeType="1" noTextEdit="1"/>
-          </p:cNvSpPr>
-          <p:nvPr>
-            <p:extLst>
-              <p:ext uri="{386F3935-93C4-4BCD-93E2-E3B085C9AB24}">
-                <p16:designElem xmlns:p16="http://schemas.microsoft.com/office/powerpoint/2015/main" val="1"/>
-              </p:ext>
-            </p:extLst>
-          </p:nvPr>
-        </p:nvSpPr>
-        <p:spPr bwMode="white">
-          <a:xfrm>
-            <a:off x="1524" y="0"/>
-            <a:ext cx="12188952" cy="6858000"/>
-          </a:xfrm>
-          <a:prstGeom prst="rect">
-            <a:avLst/>
-          </a:prstGeom>
-          <a:noFill/>
-          <a:ln>
-            <a:noFill/>
-          </a:ln>
-        </p:spPr>
-        <p:style>
-          <a:lnRef idx="2">
-            <a:schemeClr val="accent1">
-              <a:shade val="50000"/>
-            </a:schemeClr>
-          </a:lnRef>
-          <a:fillRef idx="1">
-            <a:schemeClr val="accent1"/>
-          </a:fillRef>
-          <a:effectRef idx="0">
-            <a:schemeClr val="accent1"/>
-          </a:effectRef>
-          <a:fontRef idx="minor">
-            <a:schemeClr val="lt1"/>
-          </a:fontRef>
-        </p:style>
-        <p:txBody>
-          <a:bodyPr rtlCol="0" anchor="ctr"/>
-          <a:lstStyle>
-            <a:defPPr>
-              <a:defRPr lang="en-US"/>
-            </a:defPPr>
-            <a:lvl1pPr marL="0" algn="l" defTabSz="914400" rtl="0" eaLnBrk="1" latinLnBrk="0" hangingPunct="1">
-              <a:defRPr sz="1800" kern="1200">
-                <a:solidFill>
-                  <a:schemeClr val="lt1"/>
-                </a:solidFill>
-                <a:latin typeface="+mn-lt"/>
-                <a:ea typeface="+mn-ea"/>
-                <a:cs typeface="+mn-cs"/>
-              </a:defRPr>
-            </a:lvl1pPr>
-            <a:lvl2pPr marL="457200" algn="l" defTabSz="914400" rtl="0" eaLnBrk="1" latinLnBrk="0" hangingPunct="1">
-              <a:defRPr sz="1800" kern="1200">
-                <a:solidFill>
-                  <a:schemeClr val="lt1"/>
-                </a:solidFill>
-                <a:latin typeface="+mn-lt"/>
-                <a:ea typeface="+mn-ea"/>
-                <a:cs typeface="+mn-cs"/>
-              </a:defRPr>
-            </a:lvl2pPr>
-            <a:lvl3pPr marL="914400" algn="l" defTabSz="914400" rtl="0" eaLnBrk="1" latinLnBrk="0" hangingPunct="1">
-              <a:defRPr sz="1800" kern="1200">
-                <a:solidFill>
-                  <a:schemeClr val="lt1"/>
-                </a:solidFill>
-                <a:latin typeface="+mn-lt"/>
-                <a:ea typeface="+mn-ea"/>
-                <a:cs typeface="+mn-cs"/>
-              </a:defRPr>
-            </a:lvl3pPr>
-            <a:lvl4pPr marL="1371600" algn="l" defTabSz="914400" rtl="0" eaLnBrk="1" latinLnBrk="0" hangingPunct="1">
-              <a:defRPr sz="1800" kern="1200">
-                <a:solidFill>
-                  <a:schemeClr val="lt1"/>
-                </a:solidFill>
-                <a:latin typeface="+mn-lt"/>
-                <a:ea typeface="+mn-ea"/>
-                <a:cs typeface="+mn-cs"/>
-              </a:defRPr>
-            </a:lvl4pPr>
-            <a:lvl5pPr marL="1828800" algn="l" defTabSz="914400" rtl="0" eaLnBrk="1" latinLnBrk="0" hangingPunct="1">
-              <a:defRPr sz="1800" kern="1200">
-                <a:solidFill>
-                  <a:schemeClr val="lt1"/>
-                </a:solidFill>
-                <a:latin typeface="+mn-lt"/>
-                <a:ea typeface="+mn-ea"/>
-                <a:cs typeface="+mn-cs"/>
-              </a:defRPr>
-            </a:lvl5pPr>
-            <a:lvl6pPr marL="2286000" algn="l" defTabSz="914400" rtl="0" eaLnBrk="1" latinLnBrk="0" hangingPunct="1">
-              <a:defRPr sz="1800" kern="1200">
-                <a:solidFill>
-                  <a:schemeClr val="lt1"/>
-                </a:solidFill>
-                <a:latin typeface="+mn-lt"/>
-                <a:ea typeface="+mn-ea"/>
-                <a:cs typeface="+mn-cs"/>
-              </a:defRPr>
-            </a:lvl6pPr>
-            <a:lvl7pPr marL="2743200" algn="l" defTabSz="914400" rtl="0" eaLnBrk="1" latinLnBrk="0" hangingPunct="1">
-              <a:defRPr sz="1800" kern="1200">
-                <a:solidFill>
-                  <a:schemeClr val="lt1"/>
-                </a:solidFill>
-                <a:latin typeface="+mn-lt"/>
-                <a:ea typeface="+mn-ea"/>
-                <a:cs typeface="+mn-cs"/>
-              </a:defRPr>
-            </a:lvl7pPr>
-            <a:lvl8pPr marL="3200400" algn="l" defTabSz="914400" rtl="0" eaLnBrk="1" latinLnBrk="0" hangingPunct="1">
-              <a:defRPr sz="1800" kern="1200">
-                <a:solidFill>
-                  <a:schemeClr val="lt1"/>
-                </a:solidFill>
-                <a:latin typeface="+mn-lt"/>
-                <a:ea typeface="+mn-ea"/>
-                <a:cs typeface="+mn-cs"/>
-              </a:defRPr>
-            </a:lvl8pPr>
-            <a:lvl9pPr marL="3657600" algn="l" defTabSz="914400" rtl="0" eaLnBrk="1" latinLnBrk="0" hangingPunct="1">
-              <a:defRPr sz="1800" kern="1200">
-                <a:solidFill>
-                  <a:schemeClr val="lt1"/>
-                </a:solidFill>
-                <a:latin typeface="+mn-lt"/>
-                <a:ea typeface="+mn-ea"/>
-                <a:cs typeface="+mn-cs"/>
-              </a:defRPr>
-            </a:lvl9pPr>
-          </a:lstStyle>
-          <a:p>
-            <a:pPr algn="ctr"/>
-            <a:endParaRPr lang="en-US"/>
-          </a:p>
-        </p:txBody>
-      </p:sp>
-      <p:pic>
-        <p:nvPicPr>
-          <p:cNvPr id="5" name="Picture 4" descr="Graphical user interface&#10;&#10;Description automatically generated with medium confidence">
-            <a:extLst>
-              <a:ext uri="{FF2B5EF4-FFF2-40B4-BE49-F238E27FC236}">
-                <a16:creationId xmlns:a16="http://schemas.microsoft.com/office/drawing/2014/main" id="{5B7461A1-4E97-4DE5-DB6C-F56D45EBD1A0}"/>
-              </a:ext>
-            </a:extLst>
-          </p:cNvPr>
-          <p:cNvPicPr>
-            <a:picLocks noChangeAspect="1"/>
-          </p:cNvPicPr>
-          <p:nvPr/>
-        </p:nvPicPr>
-        <p:blipFill rotWithShape="1">
-          <a:blip r:embed="rId2">
-            <a:extLst>
-              <a:ext uri="{28A0092B-C50C-407E-A947-70E740481C1C}">
-                <a14:useLocalDpi xmlns:a14="http://schemas.microsoft.com/office/drawing/2010/main" val="0"/>
-              </a:ext>
-            </a:extLst>
-          </a:blip>
-          <a:srcRect r="20874"/>
-          <a:stretch/>
-        </p:blipFill>
-        <p:spPr>
-          <a:xfrm>
-            <a:off x="20" y="1282"/>
-            <a:ext cx="12191980" cy="6856718"/>
-          </a:xfrm>
-          <a:prstGeom prst="rect">
-            <a:avLst/>
-          </a:prstGeom>
-        </p:spPr>
-      </p:pic>
-    </p:spTree>
-    <p:extLst>
-      <p:ext uri="{BB962C8B-B14F-4D97-AF65-F5344CB8AC3E}">
-        <p14:creationId xmlns:p14="http://schemas.microsoft.com/office/powerpoint/2010/main" val="3083312806"/>
-      </p:ext>
-    </p:extLst>
-  </p:cSld>
-  <p:clrMapOvr>
-    <a:masterClrMapping/>
-  </p:clrMapOvr>
-</p:sld>
-</file>
-
 <file path=ppt/theme/theme1.xml><?xml version="1.0" encoding="utf-8"?>
 <a:theme xmlns:a="http://schemas.openxmlformats.org/drawingml/2006/main" name="Office Theme">
   <a:themeElements>
